--- a/춘식이 발표자료.pptx
+++ b/춘식이 발표자료.pptx
@@ -7,19 +7,20 @@
   <p:sldIdLst>
     <p:sldId id="256" r:id="rId2"/>
     <p:sldId id="257" r:id="rId3"/>
-    <p:sldId id="260" r:id="rId4"/>
-    <p:sldId id="271" r:id="rId5"/>
-    <p:sldId id="272" r:id="rId6"/>
-    <p:sldId id="273" r:id="rId7"/>
-    <p:sldId id="274" r:id="rId8"/>
-    <p:sldId id="275" r:id="rId9"/>
-    <p:sldId id="268" r:id="rId10"/>
-    <p:sldId id="259" r:id="rId11"/>
-    <p:sldId id="269" r:id="rId12"/>
-    <p:sldId id="270" r:id="rId13"/>
-    <p:sldId id="276" r:id="rId14"/>
-    <p:sldId id="278" r:id="rId15"/>
-    <p:sldId id="258" r:id="rId16"/>
+    <p:sldId id="279" r:id="rId4"/>
+    <p:sldId id="260" r:id="rId5"/>
+    <p:sldId id="271" r:id="rId6"/>
+    <p:sldId id="272" r:id="rId7"/>
+    <p:sldId id="273" r:id="rId8"/>
+    <p:sldId id="274" r:id="rId9"/>
+    <p:sldId id="275" r:id="rId10"/>
+    <p:sldId id="268" r:id="rId11"/>
+    <p:sldId id="259" r:id="rId12"/>
+    <p:sldId id="269" r:id="rId13"/>
+    <p:sldId id="270" r:id="rId14"/>
+    <p:sldId id="276" r:id="rId15"/>
+    <p:sldId id="278" r:id="rId16"/>
+    <p:sldId id="258" r:id="rId17"/>
   </p:sldIdLst>
   <p:sldSz cx="12192000" cy="6858000"/>
   <p:notesSz cx="9926638" cy="6797675"/>
@@ -257,7 +258,7 @@
           <a:p>
             <a:fld id="{E3865E59-E335-4380-AB86-4C6C7EBFDC45}" type="datetimeFigureOut">
               <a:rPr lang="ko-KR" altLang="en-US" smtClean="0"/>
-              <a:t>2022. 11. 4.</a:t>
+              <a:t>2022. 11. 19.</a:t>
             </a:fld>
             <a:endParaRPr lang="ko-KR" altLang="en-US"/>
           </a:p>
@@ -427,7 +428,7 @@
           <a:p>
             <a:fld id="{E3865E59-E335-4380-AB86-4C6C7EBFDC45}" type="datetimeFigureOut">
               <a:rPr lang="ko-KR" altLang="en-US" smtClean="0"/>
-              <a:t>2022. 11. 4.</a:t>
+              <a:t>2022. 11. 19.</a:t>
             </a:fld>
             <a:endParaRPr lang="ko-KR" altLang="en-US"/>
           </a:p>
@@ -607,7 +608,7 @@
           <a:p>
             <a:fld id="{E3865E59-E335-4380-AB86-4C6C7EBFDC45}" type="datetimeFigureOut">
               <a:rPr lang="ko-KR" altLang="en-US" smtClean="0"/>
-              <a:t>2022. 11. 4.</a:t>
+              <a:t>2022. 11. 19.</a:t>
             </a:fld>
             <a:endParaRPr lang="ko-KR" altLang="en-US"/>
           </a:p>
@@ -777,7 +778,7 @@
           <a:p>
             <a:fld id="{E3865E59-E335-4380-AB86-4C6C7EBFDC45}" type="datetimeFigureOut">
               <a:rPr lang="ko-KR" altLang="en-US" smtClean="0"/>
-              <a:t>2022. 11. 4.</a:t>
+              <a:t>2022. 11. 19.</a:t>
             </a:fld>
             <a:endParaRPr lang="ko-KR" altLang="en-US"/>
           </a:p>
@@ -1023,7 +1024,7 @@
           <a:p>
             <a:fld id="{E3865E59-E335-4380-AB86-4C6C7EBFDC45}" type="datetimeFigureOut">
               <a:rPr lang="ko-KR" altLang="en-US" smtClean="0"/>
-              <a:t>2022. 11. 4.</a:t>
+              <a:t>2022. 11. 19.</a:t>
             </a:fld>
             <a:endParaRPr lang="ko-KR" altLang="en-US"/>
           </a:p>
@@ -1255,7 +1256,7 @@
           <a:p>
             <a:fld id="{E3865E59-E335-4380-AB86-4C6C7EBFDC45}" type="datetimeFigureOut">
               <a:rPr lang="ko-KR" altLang="en-US" smtClean="0"/>
-              <a:t>2022. 11. 4.</a:t>
+              <a:t>2022. 11. 19.</a:t>
             </a:fld>
             <a:endParaRPr lang="ko-KR" altLang="en-US"/>
           </a:p>
@@ -1622,7 +1623,7 @@
           <a:p>
             <a:fld id="{E3865E59-E335-4380-AB86-4C6C7EBFDC45}" type="datetimeFigureOut">
               <a:rPr lang="ko-KR" altLang="en-US" smtClean="0"/>
-              <a:t>2022. 11. 4.</a:t>
+              <a:t>2022. 11. 19.</a:t>
             </a:fld>
             <a:endParaRPr lang="ko-KR" altLang="en-US"/>
           </a:p>
@@ -1740,7 +1741,7 @@
           <a:p>
             <a:fld id="{E3865E59-E335-4380-AB86-4C6C7EBFDC45}" type="datetimeFigureOut">
               <a:rPr lang="ko-KR" altLang="en-US" smtClean="0"/>
-              <a:t>2022. 11. 4.</a:t>
+              <a:t>2022. 11. 19.</a:t>
             </a:fld>
             <a:endParaRPr lang="ko-KR" altLang="en-US"/>
           </a:p>
@@ -1835,7 +1836,7 @@
           <a:p>
             <a:fld id="{E3865E59-E335-4380-AB86-4C6C7EBFDC45}" type="datetimeFigureOut">
               <a:rPr lang="ko-KR" altLang="en-US" smtClean="0"/>
-              <a:t>2022. 11. 4.</a:t>
+              <a:t>2022. 11. 19.</a:t>
             </a:fld>
             <a:endParaRPr lang="ko-KR" altLang="en-US"/>
           </a:p>
@@ -2112,7 +2113,7 @@
           <a:p>
             <a:fld id="{E3865E59-E335-4380-AB86-4C6C7EBFDC45}" type="datetimeFigureOut">
               <a:rPr lang="ko-KR" altLang="en-US" smtClean="0"/>
-              <a:t>2022. 11. 4.</a:t>
+              <a:t>2022. 11. 19.</a:t>
             </a:fld>
             <a:endParaRPr lang="ko-KR" altLang="en-US"/>
           </a:p>
@@ -2369,7 +2370,7 @@
           <a:p>
             <a:fld id="{E3865E59-E335-4380-AB86-4C6C7EBFDC45}" type="datetimeFigureOut">
               <a:rPr lang="ko-KR" altLang="en-US" smtClean="0"/>
-              <a:t>2022. 11. 4.</a:t>
+              <a:t>2022. 11. 19.</a:t>
             </a:fld>
             <a:endParaRPr lang="ko-KR" altLang="en-US"/>
           </a:p>
@@ -2582,7 +2583,7 @@
           <a:p>
             <a:fld id="{E3865E59-E335-4380-AB86-4C6C7EBFDC45}" type="datetimeFigureOut">
               <a:rPr lang="ko-KR" altLang="en-US" smtClean="0"/>
-              <a:t>2022. 11. 4.</a:t>
+              <a:t>2022. 11. 19.</a:t>
             </a:fld>
             <a:endParaRPr lang="ko-KR" altLang="en-US"/>
           </a:p>
@@ -3188,7 +3189,7 @@
               <a:rPr lang="en-US" altLang="ko-KR" sz="4000" spc="-185" dirty="0">
                 <a:latin typeface="+mj-ea"/>
               </a:rPr>
-              <a:t>Mission 3</a:t>
+              <a:t>Mission 2</a:t>
             </a:r>
             <a:endParaRPr lang="ko-KR" altLang="en-US" sz="4000" spc="-185" dirty="0">
               <a:latin typeface="+mj-ea"/>
@@ -3206,8 +3207,8 @@
         </p:nvSpPr>
         <p:spPr>
           <a:xfrm>
-            <a:off x="363552" y="1669214"/>
-            <a:ext cx="11393019" cy="4379894"/>
+            <a:off x="363552" y="1507970"/>
+            <a:ext cx="11523648" cy="4488793"/>
           </a:xfrm>
           <a:prstGeom prst="rect">
             <a:avLst/>
@@ -3238,6 +3239,9 @@
           </a:lstStyle>
           <a:p>
             <a:pPr>
+              <a:lnSpc>
+                <a:spcPct val="150000"/>
+              </a:lnSpc>
               <a:defRPr/>
             </a:pPr>
             <a:r>
@@ -3245,46 +3249,84 @@
                 <a:latin typeface="+mn-ea"/>
                 <a:ea typeface="+mn-ea"/>
               </a:rPr>
-              <a:t>3-1. </a:t>
+              <a:t>2-2. Color</a:t>
             </a:r>
             <a:r>
               <a:rPr lang="ko-KR" altLang="en-US" sz="2100" spc="-150" dirty="0">
                 <a:latin typeface="+mn-ea"/>
                 <a:ea typeface="+mn-ea"/>
               </a:rPr>
-              <a:t>분류 문제를 수행하여 </a:t>
-            </a:r>
-            <a:r>
-              <a:rPr lang="en" altLang="ko-KR" sz="2100" spc="-150" dirty="0">
-                <a:latin typeface="+mn-ea"/>
-                <a:ea typeface="+mn-ea"/>
-              </a:rPr>
-              <a:t>Validation </a:t>
+              <a:t>는 자세한 정보지만</a:t>
+            </a:r>
+            <a:r>
+              <a:rPr lang="en-US" altLang="ko-KR" sz="2100" spc="-150" dirty="0">
+                <a:latin typeface="+mn-ea"/>
+                <a:ea typeface="+mn-ea"/>
+              </a:rPr>
+              <a:t>, </a:t>
             </a:r>
             <a:r>
               <a:rPr lang="ko-KR" altLang="en-US" sz="2100" spc="-150" dirty="0">
                 <a:latin typeface="+mn-ea"/>
                 <a:ea typeface="+mn-ea"/>
               </a:rPr>
-              <a:t>데이터의 라벨 별 정확도를 </a:t>
-            </a:r>
-            <a:r>
-              <a:rPr lang="ko-KR" altLang="en-US" sz="2100" spc="-150" dirty="0" err="1">
-                <a:latin typeface="+mn-ea"/>
-                <a:ea typeface="+mn-ea"/>
-              </a:rPr>
-              <a:t>제시하시오</a:t>
+              <a:t>데이터가 크고</a:t>
             </a:r>
             <a:r>
               <a:rPr lang="en-US" altLang="ko-KR" sz="2100" spc="-150" dirty="0">
                 <a:latin typeface="+mn-ea"/>
                 <a:ea typeface="+mn-ea"/>
               </a:rPr>
-              <a:t>.</a:t>
-            </a:r>
-          </a:p>
-          <a:p>
-            <a:pPr>
+              <a:t>, Gray</a:t>
+            </a:r>
+            <a:r>
+              <a:rPr lang="ko-KR" altLang="en-US" sz="2100" spc="-150" dirty="0">
+                <a:latin typeface="+mn-ea"/>
+                <a:ea typeface="+mn-ea"/>
+              </a:rPr>
+              <a:t>는 덜 자세하지만 데이터가 작아</a:t>
+            </a:r>
+            <a:r>
+              <a:rPr lang="en-US" altLang="ko-KR" sz="2100" spc="-150" dirty="0">
+                <a:latin typeface="+mn-ea"/>
+                <a:ea typeface="+mn-ea"/>
+              </a:rPr>
+              <a:t> </a:t>
+            </a:r>
+            <a:r>
+              <a:rPr lang="ko-KR" altLang="en-US" sz="2100" spc="-150" dirty="0">
+                <a:latin typeface="+mn-ea"/>
+                <a:ea typeface="+mn-ea"/>
+              </a:rPr>
+              <a:t>학습에 유리하다</a:t>
+            </a:r>
+            <a:r>
+              <a:rPr lang="en-US" altLang="ko-KR" sz="2100" spc="-150" dirty="0">
+                <a:latin typeface="+mn-ea"/>
+                <a:ea typeface="+mn-ea"/>
+              </a:rPr>
+              <a:t>. </a:t>
+            </a:r>
+            <a:r>
+              <a:rPr lang="ko-KR" altLang="en-US" sz="2100" spc="-150" dirty="0">
+                <a:latin typeface="+mn-ea"/>
+                <a:ea typeface="+mn-ea"/>
+              </a:rPr>
+              <a:t>어떤 데이터셋이 분류문제에서 더 좋은 결과를 보이는가</a:t>
+            </a:r>
+            <a:r>
+              <a:rPr lang="en-US" altLang="ko-KR" sz="2100" spc="-150" dirty="0">
+                <a:latin typeface="+mn-ea"/>
+                <a:ea typeface="+mn-ea"/>
+              </a:rPr>
+              <a:t>?</a:t>
+            </a:r>
+          </a:p>
+          <a:p>
+            <a:pPr>
+              <a:lnSpc>
+                <a:spcPct val="150000"/>
+              </a:lnSpc>
               <a:defRPr/>
             </a:pPr>
             <a:endParaRPr lang="en-US" altLang="ko-KR" sz="2100" spc="-150" dirty="0">
@@ -3294,6 +3336,9 @@
           </a:p>
           <a:p>
             <a:pPr>
+              <a:lnSpc>
+                <a:spcPct val="150000"/>
+              </a:lnSpc>
               <a:defRPr/>
             </a:pPr>
             <a:r>
@@ -3303,89 +3348,137 @@
               </a:rPr>
               <a:t>Answer:</a:t>
             </a:r>
-            <a:endParaRPr lang="ko-KR" altLang="en-US" sz="2100" spc="-150" dirty="0">
+          </a:p>
+          <a:p>
+            <a:pPr>
+              <a:lnSpc>
+                <a:spcPct val="150000"/>
+              </a:lnSpc>
+              <a:defRPr/>
+            </a:pPr>
+            <a:r>
+              <a:rPr lang="en-US" altLang="ko-KR" sz="2100" spc="-150" dirty="0">
+                <a:latin typeface="+mn-ea"/>
+                <a:ea typeface="+mn-ea"/>
+              </a:rPr>
+              <a:t>Color</a:t>
+            </a:r>
+            <a:r>
+              <a:rPr lang="ko-KR" altLang="en-US" sz="2100" spc="-150" dirty="0">
+                <a:latin typeface="+mn-ea"/>
+                <a:ea typeface="+mn-ea"/>
+              </a:rPr>
+              <a:t>는 </a:t>
+            </a:r>
+            <a:r>
+              <a:rPr lang="en-US" altLang="ko-KR" sz="2100" spc="-150" dirty="0">
+                <a:latin typeface="+mn-ea"/>
+                <a:ea typeface="+mn-ea"/>
+              </a:rPr>
+              <a:t>3</a:t>
+            </a:r>
+            <a:r>
+              <a:rPr lang="ko-KR" altLang="en-US" sz="2100" spc="-150" dirty="0">
+                <a:latin typeface="+mn-ea"/>
+                <a:ea typeface="+mn-ea"/>
+              </a:rPr>
+              <a:t>차원 데이터로 정보가 너무 많아 정확도가 떨어질 수 있고</a:t>
+            </a:r>
+            <a:r>
+              <a:rPr lang="en-US" altLang="ko-KR" sz="2100" spc="-150" dirty="0">
+                <a:latin typeface="+mn-ea"/>
+                <a:ea typeface="+mn-ea"/>
+              </a:rPr>
+              <a:t>,</a:t>
+            </a:r>
+          </a:p>
+          <a:p>
+            <a:pPr>
+              <a:lnSpc>
+                <a:spcPct val="150000"/>
+              </a:lnSpc>
+              <a:defRPr/>
+            </a:pPr>
+            <a:r>
+              <a:rPr lang="ko-KR" altLang="en-US" sz="2100" spc="-150" dirty="0">
+                <a:latin typeface="+mn-ea"/>
+                <a:ea typeface="+mn-ea"/>
+              </a:rPr>
+              <a:t>상품 분류는 색이 아닌 옷의 형태로 구분되기 때문에 색상 데이터는 필요하지 않습니다</a:t>
+            </a:r>
+            <a:r>
+              <a:rPr lang="en-US" altLang="ko-KR" sz="2100" spc="-150" dirty="0">
+                <a:latin typeface="+mn-ea"/>
+                <a:ea typeface="+mn-ea"/>
+              </a:rPr>
+              <a:t>.</a:t>
+            </a:r>
+            <a:r>
+              <a:rPr lang="ko-KR" altLang="en-US" sz="2100" spc="-150" dirty="0">
+                <a:latin typeface="+mn-ea"/>
+                <a:ea typeface="+mn-ea"/>
+              </a:rPr>
+              <a:t> </a:t>
+            </a:r>
+            <a:endParaRPr lang="en-US" altLang="ko-KR" sz="2100" spc="-150" dirty="0">
               <a:latin typeface="+mn-ea"/>
               <a:ea typeface="+mn-ea"/>
             </a:endParaRPr>
           </a:p>
-        </p:txBody>
-      </p:sp>
-      <p:pic>
-        <p:nvPicPr>
-          <p:cNvPr id="4" name="그림 3" descr="테이블이(가) 표시된 사진&#10;&#10;자동 생성된 설명">
-            <a:extLst>
-              <a:ext uri="{FF2B5EF4-FFF2-40B4-BE49-F238E27FC236}">
-                <a16:creationId xmlns:a16="http://schemas.microsoft.com/office/drawing/2014/main" id="{312554CB-C5B7-4B87-8A4D-F16B4EF232A1}"/>
-              </a:ext>
-            </a:extLst>
-          </p:cNvPr>
-          <p:cNvPicPr>
-            <a:picLocks noChangeAspect="1"/>
-          </p:cNvPicPr>
-          <p:nvPr/>
-        </p:nvPicPr>
-        <p:blipFill>
-          <a:blip r:embed="rId3">
-            <a:extLst>
-              <a:ext uri="{28A0092B-C50C-407E-A947-70E740481C1C}">
-                <a14:useLocalDpi xmlns:a14="http://schemas.microsoft.com/office/drawing/2010/main" val="0"/>
-              </a:ext>
-            </a:extLst>
-          </a:blip>
-          <a:stretch>
-            <a:fillRect/>
-          </a:stretch>
-        </p:blipFill>
-        <p:spPr>
-          <a:xfrm>
-            <a:off x="6091321" y="2752560"/>
-            <a:ext cx="5768386" cy="2296154"/>
-          </a:xfrm>
-          <a:prstGeom prst="rect">
-            <a:avLst/>
-          </a:prstGeom>
-        </p:spPr>
-      </p:pic>
-      <p:pic>
-        <p:nvPicPr>
-          <p:cNvPr id="6" name="그림 5">
-            <a:extLst>
-              <a:ext uri="{FF2B5EF4-FFF2-40B4-BE49-F238E27FC236}">
-                <a16:creationId xmlns:a16="http://schemas.microsoft.com/office/drawing/2014/main" id="{42F7AE86-68F0-5D73-9E81-16D3A2941D74}"/>
-              </a:ext>
-            </a:extLst>
-          </p:cNvPr>
-          <p:cNvPicPr>
-            <a:picLocks noChangeAspect="1"/>
-          </p:cNvPicPr>
-          <p:nvPr/>
-        </p:nvPicPr>
-        <p:blipFill>
-          <a:blip r:embed="rId4">
-            <a:extLst>
-              <a:ext uri="{28A0092B-C50C-407E-A947-70E740481C1C}">
-                <a14:useLocalDpi xmlns:a14="http://schemas.microsoft.com/office/drawing/2010/main" val="0"/>
-              </a:ext>
-            </a:extLst>
-          </a:blip>
-          <a:stretch>
-            <a:fillRect/>
-          </a:stretch>
-        </p:blipFill>
-        <p:spPr>
-          <a:xfrm>
-            <a:off x="522197" y="2752560"/>
-            <a:ext cx="5410479" cy="3234026"/>
-          </a:xfrm>
-          <a:prstGeom prst="rect">
-            <a:avLst/>
-          </a:prstGeom>
-        </p:spPr>
-      </p:pic>
+          <a:p>
+            <a:pPr>
+              <a:lnSpc>
+                <a:spcPct val="150000"/>
+              </a:lnSpc>
+              <a:defRPr/>
+            </a:pPr>
+            <a:r>
+              <a:rPr lang="ko-KR" altLang="en-US" sz="2100" spc="-150" dirty="0">
+                <a:latin typeface="+mn-ea"/>
+                <a:ea typeface="+mn-ea"/>
+              </a:rPr>
+              <a:t>그렇기에</a:t>
+            </a:r>
+            <a:r>
+              <a:rPr lang="en-US" altLang="ko-KR" sz="2100" spc="-150" dirty="0">
+                <a:latin typeface="+mn-ea"/>
+                <a:ea typeface="+mn-ea"/>
+              </a:rPr>
+              <a:t> Gray Scale</a:t>
+            </a:r>
+            <a:r>
+              <a:rPr lang="ko-KR" altLang="en-US" sz="2100" spc="-150" dirty="0">
+                <a:latin typeface="+mn-ea"/>
+                <a:ea typeface="+mn-ea"/>
+              </a:rPr>
+              <a:t>로 학습을 진행하였습니다</a:t>
+            </a:r>
+            <a:r>
+              <a:rPr lang="en-US" altLang="ko-KR" sz="2100" spc="-150" dirty="0">
+                <a:latin typeface="+mn-ea"/>
+                <a:ea typeface="+mn-ea"/>
+              </a:rPr>
+              <a:t>.</a:t>
+            </a:r>
+          </a:p>
+          <a:p>
+            <a:pPr>
+              <a:lnSpc>
+                <a:spcPct val="150000"/>
+              </a:lnSpc>
+              <a:defRPr/>
+            </a:pPr>
+            <a:endParaRPr lang="en-US" altLang="ko-KR" sz="2100" spc="-150" dirty="0">
+              <a:latin typeface="+mn-ea"/>
+              <a:ea typeface="+mn-ea"/>
+            </a:endParaRPr>
+          </a:p>
+        </p:txBody>
+      </p:sp>
     </p:spTree>
     <p:extLst>
       <p:ext uri="{BB962C8B-B14F-4D97-AF65-F5344CB8AC3E}">
-        <p14:creationId xmlns:p14="http://schemas.microsoft.com/office/powerpoint/2010/main" val="1245507834"/>
+        <p14:creationId xmlns:p14="http://schemas.microsoft.com/office/powerpoint/2010/main" val="3233515066"/>
       </p:ext>
     </p:extLst>
   </p:cSld>
@@ -3521,9 +3614,6 @@
           </a:lstStyle>
           <a:p>
             <a:pPr>
-              <a:lnSpc>
-                <a:spcPct val="120000"/>
-              </a:lnSpc>
               <a:defRPr/>
             </a:pPr>
             <a:r>
@@ -3531,21 +3621,35 @@
                 <a:latin typeface="+mn-ea"/>
                 <a:ea typeface="+mn-ea"/>
               </a:rPr>
-              <a:t>3-2. </a:t>
+              <a:t>3-1. </a:t>
             </a:r>
             <a:r>
               <a:rPr lang="ko-KR" altLang="en-US" sz="2100" spc="-150" dirty="0">
                 <a:latin typeface="+mn-ea"/>
                 <a:ea typeface="+mn-ea"/>
               </a:rPr>
-              <a:t>정확도를 올리는 작업을 수행하고 작업 수행과정을 </a:t>
+              <a:t>분류 문제를 수행하여 </a:t>
+            </a:r>
+            <a:r>
+              <a:rPr lang="en" altLang="ko-KR" sz="2100" spc="-150" dirty="0">
+                <a:latin typeface="+mn-ea"/>
+                <a:ea typeface="+mn-ea"/>
+              </a:rPr>
+              <a:t>Validation </a:t>
+            </a:r>
+            <a:r>
+              <a:rPr lang="ko-KR" altLang="en-US" sz="2100" spc="-150" dirty="0">
+                <a:latin typeface="+mn-ea"/>
+                <a:ea typeface="+mn-ea"/>
+              </a:rPr>
+              <a:t>데이터의 라벨 별 정확도를 </a:t>
             </a:r>
             <a:r>
               <a:rPr lang="ko-KR" altLang="en-US" sz="2100" spc="-150" dirty="0" err="1">
                 <a:latin typeface="+mn-ea"/>
                 <a:ea typeface="+mn-ea"/>
               </a:rPr>
-              <a:t>설명하시오</a:t>
+              <a:t>제시하시오</a:t>
             </a:r>
             <a:r>
               <a:rPr lang="en-US" altLang="ko-KR" sz="2100" spc="-150" dirty="0">
@@ -3557,9 +3661,6 @@
           </a:p>
           <a:p>
             <a:pPr>
-              <a:lnSpc>
-                <a:spcPct val="120000"/>
-              </a:lnSpc>
               <a:defRPr/>
             </a:pPr>
             <a:endParaRPr lang="en-US" altLang="ko-KR" sz="2100" spc="-150" dirty="0">
@@ -3569,9 +3670,6 @@
           </a:p>
           <a:p>
             <a:pPr>
-              <a:lnSpc>
-                <a:spcPct val="120000"/>
-              </a:lnSpc>
               <a:defRPr/>
             </a:pPr>
             <a:r>
@@ -3581,191 +3679,89 @@
               </a:rPr>
               <a:t>Answer:</a:t>
             </a:r>
-          </a:p>
-          <a:p>
-            <a:pPr>
-              <a:lnSpc>
-                <a:spcPct val="120000"/>
-              </a:lnSpc>
-              <a:defRPr/>
-            </a:pPr>
-            <a:r>
-              <a:rPr lang="en-US" altLang="ko-KR" sz="2100" spc="-150" dirty="0">
-                <a:latin typeface="+mn-ea"/>
-                <a:ea typeface="+mn-ea"/>
-              </a:rPr>
-              <a:t>1.</a:t>
-            </a:r>
-            <a:r>
-              <a:rPr lang="ko-KR" altLang="en-US" sz="2100" spc="-150" dirty="0">
-                <a:latin typeface="+mn-ea"/>
-                <a:ea typeface="+mn-ea"/>
-              </a:rPr>
-              <a:t> 데이터 </a:t>
-            </a:r>
-            <a:r>
-              <a:rPr lang="ko-KR" altLang="en-US" sz="2100" spc="-150" dirty="0" err="1">
-                <a:latin typeface="+mn-ea"/>
-                <a:ea typeface="+mn-ea"/>
-              </a:rPr>
-              <a:t>전처리</a:t>
-            </a:r>
-            <a:r>
-              <a:rPr lang="en-US" altLang="ko-KR" sz="2100" spc="-150" dirty="0">
-                <a:latin typeface="+mn-ea"/>
-                <a:ea typeface="+mn-ea"/>
-              </a:rPr>
-              <a:t>:</a:t>
-            </a:r>
-          </a:p>
-          <a:p>
-            <a:pPr>
-              <a:lnSpc>
-                <a:spcPct val="120000"/>
-              </a:lnSpc>
-              <a:defRPr/>
-            </a:pPr>
-            <a:r>
-              <a:rPr lang="ko-KR" altLang="en-US" sz="2100" spc="-150" dirty="0">
-                <a:latin typeface="+mn-ea"/>
-                <a:ea typeface="+mn-ea"/>
-              </a:rPr>
-              <a:t>정확도를 올리려면 모델 학습의 기초인 전처리가 잘 되어있어야 합니다</a:t>
-            </a:r>
-            <a:r>
-              <a:rPr lang="en-US" altLang="ko-KR" sz="2100" spc="-150" dirty="0">
-                <a:latin typeface="+mn-ea"/>
-                <a:ea typeface="+mn-ea"/>
-              </a:rPr>
-              <a:t>.</a:t>
-            </a:r>
-          </a:p>
-          <a:p>
-            <a:pPr>
-              <a:lnSpc>
-                <a:spcPct val="120000"/>
-              </a:lnSpc>
-              <a:defRPr/>
-            </a:pPr>
-            <a:r>
-              <a:rPr lang="ko-KR" altLang="en-US" sz="2100" spc="-150" dirty="0" err="1">
-                <a:latin typeface="+mn-ea"/>
-                <a:ea typeface="+mn-ea"/>
-              </a:rPr>
-              <a:t>전처리</a:t>
-            </a:r>
-            <a:r>
-              <a:rPr lang="ko-KR" altLang="en-US" sz="2100" spc="-150" dirty="0">
-                <a:latin typeface="+mn-ea"/>
-                <a:ea typeface="+mn-ea"/>
-              </a:rPr>
-              <a:t> 과정은 위에서 설명했으니 생략하겠습니다</a:t>
-            </a:r>
-            <a:r>
-              <a:rPr lang="en-US" altLang="ko-KR" sz="2100" spc="-150" dirty="0">
-                <a:latin typeface="+mn-ea"/>
-                <a:ea typeface="+mn-ea"/>
-              </a:rPr>
-              <a:t>.</a:t>
-            </a:r>
-          </a:p>
-          <a:p>
-            <a:pPr>
-              <a:lnSpc>
-                <a:spcPct val="120000"/>
-              </a:lnSpc>
-              <a:defRPr/>
-            </a:pPr>
-            <a:endParaRPr lang="en-US" altLang="ko-KR" sz="2100" spc="-150" dirty="0">
+            <a:endParaRPr lang="ko-KR" altLang="en-US" sz="2100" spc="-150" dirty="0">
               <a:latin typeface="+mn-ea"/>
               <a:ea typeface="+mn-ea"/>
             </a:endParaRPr>
           </a:p>
-          <a:p>
-            <a:pPr>
-              <a:lnSpc>
-                <a:spcPct val="120000"/>
-              </a:lnSpc>
-              <a:defRPr/>
-            </a:pPr>
-            <a:r>
-              <a:rPr lang="en-US" altLang="ko-KR" sz="2100" spc="-150" dirty="0">
-                <a:latin typeface="+mn-ea"/>
-                <a:ea typeface="+mn-ea"/>
-              </a:rPr>
-              <a:t>2.</a:t>
-            </a:r>
-            <a:r>
-              <a:rPr lang="ko-KR" altLang="en-US" sz="2100" spc="-150" dirty="0">
-                <a:latin typeface="+mn-ea"/>
-                <a:ea typeface="+mn-ea"/>
-              </a:rPr>
-              <a:t> 모델 학습</a:t>
-            </a:r>
-            <a:r>
-              <a:rPr lang="en-US" altLang="ko-KR" sz="2100" spc="-150" dirty="0">
-                <a:latin typeface="+mn-ea"/>
-                <a:ea typeface="+mn-ea"/>
-              </a:rPr>
-              <a:t>:</a:t>
-            </a:r>
-          </a:p>
-          <a:p>
-            <a:pPr>
-              <a:lnSpc>
-                <a:spcPct val="120000"/>
-              </a:lnSpc>
-              <a:defRPr/>
-            </a:pPr>
-            <a:r>
-              <a:rPr lang="ko-KR" altLang="en-US" sz="2100" spc="-150" dirty="0">
-                <a:latin typeface="+mn-ea"/>
-                <a:ea typeface="+mn-ea"/>
-              </a:rPr>
-              <a:t>모델 학습 시 레이어 설정과 최적화 함수</a:t>
-            </a:r>
-            <a:r>
-              <a:rPr lang="en-US" altLang="ko-KR" sz="2100" spc="-150" dirty="0">
-                <a:latin typeface="+mn-ea"/>
-                <a:ea typeface="+mn-ea"/>
-              </a:rPr>
-              <a:t>,</a:t>
-            </a:r>
-            <a:r>
-              <a:rPr lang="ko-KR" altLang="en-US" sz="2100" spc="-150" dirty="0">
-                <a:latin typeface="+mn-ea"/>
-                <a:ea typeface="+mn-ea"/>
-              </a:rPr>
-              <a:t> </a:t>
-            </a:r>
-            <a:r>
-              <a:rPr lang="ko-KR" altLang="en-US" sz="2100" spc="-150" dirty="0" err="1">
-                <a:latin typeface="+mn-ea"/>
-                <a:ea typeface="+mn-ea"/>
-              </a:rPr>
-              <a:t>하이퍼파라미터</a:t>
-            </a:r>
-            <a:r>
-              <a:rPr lang="ko-KR" altLang="en-US" sz="2100" spc="-150" dirty="0">
-                <a:latin typeface="+mn-ea"/>
-                <a:ea typeface="+mn-ea"/>
-              </a:rPr>
-              <a:t> 등을 조작하며 모델의 성능을 늘렸습니다</a:t>
-            </a:r>
-            <a:r>
-              <a:rPr lang="en-US" altLang="ko-KR" sz="2100" spc="-150" dirty="0">
-                <a:latin typeface="+mn-ea"/>
-                <a:ea typeface="+mn-ea"/>
-              </a:rPr>
-              <a:t>.</a:t>
-            </a:r>
-          </a:p>
-        </p:txBody>
-      </p:sp>
+        </p:txBody>
+      </p:sp>
+      <p:pic>
+        <p:nvPicPr>
+          <p:cNvPr id="4" name="그림 3" descr="테이블이(가) 표시된 사진&#10;&#10;자동 생성된 설명">
+            <a:extLst>
+              <a:ext uri="{FF2B5EF4-FFF2-40B4-BE49-F238E27FC236}">
+                <a16:creationId xmlns:a16="http://schemas.microsoft.com/office/drawing/2014/main" id="{312554CB-C5B7-4B87-8A4D-F16B4EF232A1}"/>
+              </a:ext>
+            </a:extLst>
+          </p:cNvPr>
+          <p:cNvPicPr>
+            <a:picLocks noChangeAspect="1"/>
+          </p:cNvPicPr>
+          <p:nvPr/>
+        </p:nvPicPr>
+        <p:blipFill>
+          <a:blip r:embed="rId3">
+            <a:extLst>
+              <a:ext uri="{28A0092B-C50C-407E-A947-70E740481C1C}">
+                <a14:useLocalDpi xmlns:a14="http://schemas.microsoft.com/office/drawing/2010/main" val="0"/>
+              </a:ext>
+            </a:extLst>
+          </a:blip>
+          <a:stretch>
+            <a:fillRect/>
+          </a:stretch>
+        </p:blipFill>
+        <p:spPr>
+          <a:xfrm>
+            <a:off x="6091321" y="2752560"/>
+            <a:ext cx="5768386" cy="2296154"/>
+          </a:xfrm>
+          <a:prstGeom prst="rect">
+            <a:avLst/>
+          </a:prstGeom>
+        </p:spPr>
+      </p:pic>
+      <p:pic>
+        <p:nvPicPr>
+          <p:cNvPr id="6" name="그림 5">
+            <a:extLst>
+              <a:ext uri="{FF2B5EF4-FFF2-40B4-BE49-F238E27FC236}">
+                <a16:creationId xmlns:a16="http://schemas.microsoft.com/office/drawing/2014/main" id="{42F7AE86-68F0-5D73-9E81-16D3A2941D74}"/>
+              </a:ext>
+            </a:extLst>
+          </p:cNvPr>
+          <p:cNvPicPr>
+            <a:picLocks noChangeAspect="1"/>
+          </p:cNvPicPr>
+          <p:nvPr/>
+        </p:nvPicPr>
+        <p:blipFill>
+          <a:blip r:embed="rId4">
+            <a:extLst>
+              <a:ext uri="{28A0092B-C50C-407E-A947-70E740481C1C}">
+                <a14:useLocalDpi xmlns:a14="http://schemas.microsoft.com/office/drawing/2010/main" val="0"/>
+              </a:ext>
+            </a:extLst>
+          </a:blip>
+          <a:stretch>
+            <a:fillRect/>
+          </a:stretch>
+        </p:blipFill>
+        <p:spPr>
+          <a:xfrm>
+            <a:off x="522197" y="2752560"/>
+            <a:ext cx="5410479" cy="3234026"/>
+          </a:xfrm>
+          <a:prstGeom prst="rect">
+            <a:avLst/>
+          </a:prstGeom>
+        </p:spPr>
+      </p:pic>
     </p:spTree>
     <p:extLst>
       <p:ext uri="{BB962C8B-B14F-4D97-AF65-F5344CB8AC3E}">
-        <p14:creationId xmlns:p14="http://schemas.microsoft.com/office/powerpoint/2010/main" val="3567038506"/>
+        <p14:creationId xmlns:p14="http://schemas.microsoft.com/office/powerpoint/2010/main" val="1245507834"/>
       </p:ext>
     </p:extLst>
   </p:cSld>
@@ -3869,8 +3865,8 @@
         </p:nvSpPr>
         <p:spPr>
           <a:xfrm>
-            <a:off x="363552" y="1530068"/>
-            <a:ext cx="12192000" cy="4379894"/>
+            <a:off x="363552" y="1669214"/>
+            <a:ext cx="11393019" cy="4379894"/>
           </a:xfrm>
           <a:prstGeom prst="rect">
             <a:avLst/>
@@ -3902,7 +3898,7 @@
           <a:p>
             <a:pPr>
               <a:lnSpc>
-                <a:spcPct val="130000"/>
+                <a:spcPct val="120000"/>
               </a:lnSpc>
               <a:defRPr/>
             </a:pPr>
@@ -3911,15 +3907,37 @@
                 <a:latin typeface="+mn-ea"/>
                 <a:ea typeface="+mn-ea"/>
               </a:rPr>
-              <a:t>3-3. </a:t>
+              <a:t>3-2. </a:t>
             </a:r>
             <a:r>
               <a:rPr lang="ko-KR" altLang="en-US" sz="2100" spc="-150" dirty="0">
                 <a:latin typeface="+mn-ea"/>
                 <a:ea typeface="+mn-ea"/>
               </a:rPr>
-              <a:t>오류가 나온 이미지에 대해 왜 오류가 나왔는지 </a:t>
-            </a:r>
+              <a:t>정확도를 올리는 작업을 수행하고 작업 수행과정을 </a:t>
+            </a:r>
+            <a:r>
+              <a:rPr lang="ko-KR" altLang="en-US" sz="2100" spc="-150" dirty="0" err="1">
+                <a:latin typeface="+mn-ea"/>
+                <a:ea typeface="+mn-ea"/>
+              </a:rPr>
+              <a:t>설명하시오</a:t>
+            </a:r>
+            <a:r>
+              <a:rPr lang="en-US" altLang="ko-KR" sz="2100" spc="-150" dirty="0">
+                <a:latin typeface="+mn-ea"/>
+                <a:ea typeface="+mn-ea"/>
+              </a:rPr>
+              <a:t>.</a:t>
+            </a:r>
+          </a:p>
+          <a:p>
+            <a:pPr>
+              <a:lnSpc>
+                <a:spcPct val="120000"/>
+              </a:lnSpc>
+              <a:defRPr/>
+            </a:pPr>
             <a:endParaRPr lang="en-US" altLang="ko-KR" sz="2100" spc="-150" dirty="0">
               <a:latin typeface="+mn-ea"/>
               <a:ea typeface="+mn-ea"/>
@@ -3928,37 +3946,96 @@
           <a:p>
             <a:pPr>
               <a:lnSpc>
-                <a:spcPct val="130000"/>
-              </a:lnSpc>
-              <a:defRPr/>
-            </a:pPr>
+                <a:spcPct val="120000"/>
+              </a:lnSpc>
+              <a:defRPr/>
+            </a:pPr>
+            <a:r>
+              <a:rPr lang="en-US" altLang="ko-KR" sz="2100" spc="-150" dirty="0">
+                <a:latin typeface="+mn-ea"/>
+                <a:ea typeface="+mn-ea"/>
+              </a:rPr>
+              <a:t>Answer:</a:t>
+            </a:r>
+          </a:p>
+          <a:p>
+            <a:pPr>
+              <a:lnSpc>
+                <a:spcPct val="120000"/>
+              </a:lnSpc>
+              <a:defRPr/>
+            </a:pPr>
+            <a:r>
+              <a:rPr lang="en-US" altLang="ko-KR" sz="2100" spc="-150" dirty="0">
+                <a:latin typeface="+mn-ea"/>
+                <a:ea typeface="+mn-ea"/>
+              </a:rPr>
+              <a:t>1.</a:t>
+            </a:r>
             <a:r>
               <a:rPr lang="ko-KR" altLang="en-US" sz="2100" spc="-150" dirty="0">
                 <a:latin typeface="+mn-ea"/>
                 <a:ea typeface="+mn-ea"/>
               </a:rPr>
-              <a:t>그동안 미션 수행에서 얻은 경험과 지식을</a:t>
+              <a:t> 데이터 </a:t>
+            </a:r>
+            <a:r>
+              <a:rPr lang="ko-KR" altLang="en-US" sz="2100" spc="-150" dirty="0" err="1">
+                <a:latin typeface="+mn-ea"/>
+                <a:ea typeface="+mn-ea"/>
+              </a:rPr>
+              <a:t>전처리</a:t>
             </a:r>
             <a:r>
               <a:rPr lang="en-US" altLang="ko-KR" sz="2100" spc="-150" dirty="0">
                 <a:latin typeface="+mn-ea"/>
                 <a:ea typeface="+mn-ea"/>
               </a:rPr>
-              <a:t> </a:t>
-            </a:r>
+              <a:t>:</a:t>
+            </a:r>
+          </a:p>
+          <a:p>
+            <a:pPr>
+              <a:lnSpc>
+                <a:spcPct val="120000"/>
+              </a:lnSpc>
+              <a:defRPr/>
+            </a:pPr>
             <a:r>
               <a:rPr lang="ko-KR" altLang="en-US" sz="2100" spc="-150" dirty="0">
                 <a:latin typeface="+mn-ea"/>
                 <a:ea typeface="+mn-ea"/>
               </a:rPr>
-              <a:t>통해 </a:t>
-            </a:r>
+              <a:t>정확도를 올리려면 모델 학습의 기초인 전처리가 잘 되어있어야 합니다</a:t>
+            </a:r>
+            <a:r>
+              <a:rPr lang="en-US" altLang="ko-KR" sz="2100" spc="-150" dirty="0">
+                <a:latin typeface="+mn-ea"/>
+                <a:ea typeface="+mn-ea"/>
+              </a:rPr>
+              <a:t>.</a:t>
+            </a:r>
+          </a:p>
+          <a:p>
+            <a:pPr>
+              <a:lnSpc>
+                <a:spcPct val="120000"/>
+              </a:lnSpc>
+              <a:defRPr/>
+            </a:pPr>
             <a:r>
               <a:rPr lang="ko-KR" altLang="en-US" sz="2100" spc="-150" dirty="0" err="1">
                 <a:latin typeface="+mn-ea"/>
                 <a:ea typeface="+mn-ea"/>
               </a:rPr>
-              <a:t>설명하시오</a:t>
+              <a:t>전처리</a:t>
+            </a:r>
+            <a:r>
+              <a:rPr lang="ko-KR" altLang="en-US" sz="2100" spc="-150" dirty="0">
+                <a:latin typeface="+mn-ea"/>
+                <a:ea typeface="+mn-ea"/>
+              </a:rPr>
+              <a:t> 과정은 위에서 설명했으니 생략하겠습니다</a:t>
             </a:r>
             <a:r>
               <a:rPr lang="en-US" altLang="ko-KR" sz="2100" spc="-150" dirty="0">
@@ -3971,7 +4048,7 @@
           <a:p>
             <a:pPr>
               <a:lnSpc>
-                <a:spcPct val="130000"/>
+                <a:spcPct val="120000"/>
               </a:lnSpc>
               <a:defRPr/>
             </a:pPr>
@@ -3983,7 +4060,7 @@
           <a:p>
             <a:pPr>
               <a:lnSpc>
-                <a:spcPct val="130000"/>
+                <a:spcPct val="120000"/>
               </a:lnSpc>
               <a:defRPr/>
             </a:pPr>
@@ -3992,236 +4069,79 @@
                 <a:latin typeface="+mn-ea"/>
                 <a:ea typeface="+mn-ea"/>
               </a:rPr>
-              <a:t>Answer:</a:t>
-            </a:r>
-          </a:p>
-          <a:p>
-            <a:pPr>
-              <a:lnSpc>
-                <a:spcPct val="130000"/>
-              </a:lnSpc>
-              <a:defRPr/>
-            </a:pPr>
-            <a:r>
-              <a:rPr lang="ko-KR" altLang="en-US" sz="2100" b="0" i="0" spc="-150" dirty="0">
-                <a:effectLst/>
-                <a:latin typeface="+mn-ea"/>
-                <a:ea typeface="+mn-ea"/>
-              </a:rPr>
-              <a:t>오류가 나온 이미지는 대부분 라벨링이 잘못 매칭된 경우였습니다</a:t>
+              <a:t>2.</a:t>
+            </a:r>
+            <a:r>
+              <a:rPr lang="ko-KR" altLang="en-US" sz="2100" spc="-150" dirty="0">
+                <a:latin typeface="+mn-ea"/>
+                <a:ea typeface="+mn-ea"/>
+              </a:rPr>
+              <a:t> 모델 학습</a:t>
             </a:r>
             <a:r>
               <a:rPr lang="en-US" altLang="ko-KR" sz="2100" spc="-150" dirty="0">
                 <a:latin typeface="+mn-ea"/>
                 <a:ea typeface="+mn-ea"/>
               </a:rPr>
+              <a:t>:</a:t>
+            </a:r>
+          </a:p>
+          <a:p>
+            <a:pPr>
+              <a:lnSpc>
+                <a:spcPct val="120000"/>
+              </a:lnSpc>
+              <a:defRPr/>
+            </a:pPr>
+            <a:r>
+              <a:rPr lang="ko-KR" altLang="en-US" sz="2100" spc="-150" dirty="0">
+                <a:latin typeface="+mn-ea"/>
+                <a:ea typeface="+mn-ea"/>
+              </a:rPr>
+              <a:t>모델 학습 시 레이어 설정과 최적화 함수</a:t>
+            </a:r>
+            <a:r>
+              <a:rPr lang="en-US" altLang="ko-KR" sz="2100" spc="-150" dirty="0">
+                <a:latin typeface="+mn-ea"/>
+                <a:ea typeface="+mn-ea"/>
+              </a:rPr>
+              <a:t>,</a:t>
+            </a:r>
+            <a:r>
+              <a:rPr lang="ko-KR" altLang="en-US" sz="2100" spc="-150" dirty="0">
+                <a:latin typeface="+mn-ea"/>
+                <a:ea typeface="+mn-ea"/>
+              </a:rPr>
+              <a:t> </a:t>
+            </a:r>
+            <a:r>
+              <a:rPr lang="ko-KR" altLang="en-US" sz="2100" spc="-150" dirty="0" err="1">
+                <a:latin typeface="+mn-ea"/>
+                <a:ea typeface="+mn-ea"/>
+              </a:rPr>
+              <a:t>하이퍼파라미터</a:t>
+            </a:r>
+            <a:r>
+              <a:rPr lang="ko-KR" altLang="en-US" sz="2100" spc="-150" dirty="0">
+                <a:latin typeface="+mn-ea"/>
+                <a:ea typeface="+mn-ea"/>
+              </a:rPr>
+              <a:t> 등을 조작하며 모델의 성능을 늘렸습니다</a:t>
+            </a:r>
+            <a:r>
+              <a:rPr lang="en-US" altLang="ko-KR" sz="2100" spc="-150" dirty="0">
+                <a:latin typeface="+mn-ea"/>
+                <a:ea typeface="+mn-ea"/>
+              </a:rPr>
               <a:t>.</a:t>
             </a:r>
-            <a:endParaRPr lang="en-US" altLang="ko-KR" sz="2100" b="0" i="0" spc="-150" dirty="0">
-              <a:effectLst/>
-              <a:latin typeface="+mn-ea"/>
-              <a:ea typeface="+mn-ea"/>
-            </a:endParaRPr>
-          </a:p>
-          <a:p>
-            <a:pPr>
-              <a:lnSpc>
-                <a:spcPct val="130000"/>
-              </a:lnSpc>
-              <a:defRPr/>
-            </a:pPr>
-            <a:r>
-              <a:rPr lang="ko-KR" altLang="en-US" sz="2100" b="0" i="0" spc="-150" dirty="0">
-                <a:effectLst/>
-                <a:latin typeface="+mn-ea"/>
-                <a:ea typeface="+mn-ea"/>
-              </a:rPr>
-              <a:t>이 부분 제외시키고 학습하였더니 정확도가 많이 증가했습니다</a:t>
-            </a:r>
-            <a:r>
-              <a:rPr lang="en-US" altLang="ko-KR" sz="2100" b="0" i="0" spc="-150" dirty="0">
-                <a:effectLst/>
-                <a:latin typeface="+mn-ea"/>
-                <a:ea typeface="+mn-ea"/>
-              </a:rPr>
-              <a:t>.</a:t>
-            </a:r>
-            <a:endParaRPr lang="ko-KR" altLang="en-US" sz="2100" spc="-150" dirty="0">
-              <a:latin typeface="+mn-ea"/>
-              <a:ea typeface="+mn-ea"/>
-            </a:endParaRPr>
-          </a:p>
-        </p:txBody>
-      </p:sp>
-      <p:pic>
-        <p:nvPicPr>
-          <p:cNvPr id="4" name="그림 3" descr="텍스트이(가) 표시된 사진&#10;&#10;자동 생성된 설명">
-            <a:extLst>
-              <a:ext uri="{FF2B5EF4-FFF2-40B4-BE49-F238E27FC236}">
-                <a16:creationId xmlns:a16="http://schemas.microsoft.com/office/drawing/2014/main" id="{8AE7D982-6FC5-7175-7AA7-A82F5A37B627}"/>
-              </a:ext>
-            </a:extLst>
-          </p:cNvPr>
-          <p:cNvPicPr>
-            <a:picLocks noChangeAspect="1"/>
-          </p:cNvPicPr>
-          <p:nvPr/>
-        </p:nvPicPr>
-        <p:blipFill>
-          <a:blip r:embed="rId3">
-            <a:extLst>
-              <a:ext uri="{28A0092B-C50C-407E-A947-70E740481C1C}">
-                <a14:useLocalDpi xmlns:a14="http://schemas.microsoft.com/office/drawing/2010/main" val="0"/>
-              </a:ext>
-            </a:extLst>
-          </a:blip>
-          <a:stretch>
-            <a:fillRect/>
-          </a:stretch>
-        </p:blipFill>
-        <p:spPr>
-          <a:xfrm>
-            <a:off x="6523131" y="4495392"/>
-            <a:ext cx="5305317" cy="1160538"/>
-          </a:xfrm>
-          <a:prstGeom prst="rect">
-            <a:avLst/>
-          </a:prstGeom>
-        </p:spPr>
-      </p:pic>
-      <p:pic>
-        <p:nvPicPr>
-          <p:cNvPr id="6" name="그림 5" descr="텍스트이(가) 표시된 사진&#10;&#10;자동 생성된 설명">
-            <a:extLst>
-              <a:ext uri="{FF2B5EF4-FFF2-40B4-BE49-F238E27FC236}">
-                <a16:creationId xmlns:a16="http://schemas.microsoft.com/office/drawing/2014/main" id="{D1E2E735-5BAD-ADB3-4574-E56A4A5A255D}"/>
-              </a:ext>
-            </a:extLst>
-          </p:cNvPr>
-          <p:cNvPicPr>
-            <a:picLocks noChangeAspect="1"/>
-          </p:cNvPicPr>
-          <p:nvPr/>
-        </p:nvPicPr>
-        <p:blipFill rotWithShape="1">
-          <a:blip r:embed="rId4">
-            <a:extLst>
-              <a:ext uri="{28A0092B-C50C-407E-A947-70E740481C1C}">
-                <a14:useLocalDpi xmlns:a14="http://schemas.microsoft.com/office/drawing/2010/main" val="0"/>
-              </a:ext>
-            </a:extLst>
-          </a:blip>
-          <a:srcRect l="4271" t="4589" r="6013" b="27823"/>
-          <a:stretch/>
-        </p:blipFill>
-        <p:spPr>
-          <a:xfrm>
-            <a:off x="546637" y="4495392"/>
-            <a:ext cx="5762928" cy="1160538"/>
-          </a:xfrm>
-          <a:prstGeom prst="rect">
-            <a:avLst/>
-          </a:prstGeom>
-        </p:spPr>
-      </p:pic>
-      <p:sp>
-        <p:nvSpPr>
-          <p:cNvPr id="7" name="TextBox 6">
-            <a:extLst>
-              <a:ext uri="{FF2B5EF4-FFF2-40B4-BE49-F238E27FC236}">
-                <a16:creationId xmlns:a16="http://schemas.microsoft.com/office/drawing/2014/main" id="{5D8C7A91-AFC0-F546-9C1D-8E50C775F4D0}"/>
-              </a:ext>
-            </a:extLst>
-          </p:cNvPr>
-          <p:cNvSpPr txBox="1"/>
-          <p:nvPr/>
-        </p:nvSpPr>
-        <p:spPr>
-          <a:xfrm>
-            <a:off x="2266654" y="5691294"/>
-            <a:ext cx="2272423" cy="336118"/>
-          </a:xfrm>
-          <a:prstGeom prst="rect">
-            <a:avLst/>
-          </a:prstGeom>
-          <a:noFill/>
-        </p:spPr>
-        <p:txBody>
-          <a:bodyPr wrap="square" rtlCol="0">
-            <a:spAutoFit/>
-          </a:bodyPr>
-          <a:lstStyle/>
-          <a:p>
-            <a:pPr algn="ctr"/>
-            <a:r>
-              <a:rPr kumimoji="1" lang="ko-Kore-KR" altLang="en-US" dirty="0">
-                <a:latin typeface="+mn-ea"/>
-              </a:rPr>
-              <a:t>이상치</a:t>
-            </a:r>
-            <a:r>
-              <a:rPr kumimoji="1" lang="ko-KR" altLang="en-US" dirty="0">
-                <a:latin typeface="+mn-ea"/>
-              </a:rPr>
-              <a:t> 제외 전</a:t>
-            </a:r>
-            <a:endParaRPr kumimoji="1" lang="ko-Kore-KR" altLang="en-US" dirty="0">
-              <a:latin typeface="+mn-ea"/>
-            </a:endParaRPr>
-          </a:p>
-        </p:txBody>
-      </p:sp>
-      <p:sp>
-        <p:nvSpPr>
-          <p:cNvPr id="8" name="TextBox 7">
-            <a:extLst>
-              <a:ext uri="{FF2B5EF4-FFF2-40B4-BE49-F238E27FC236}">
-                <a16:creationId xmlns:a16="http://schemas.microsoft.com/office/drawing/2014/main" id="{22186F17-FDC4-FABB-B1BE-D374A650DAE8}"/>
-              </a:ext>
-            </a:extLst>
-          </p:cNvPr>
-          <p:cNvSpPr txBox="1"/>
-          <p:nvPr/>
-        </p:nvSpPr>
-        <p:spPr>
-          <a:xfrm>
-            <a:off x="8039577" y="5691294"/>
-            <a:ext cx="2272423" cy="336118"/>
-          </a:xfrm>
-          <a:prstGeom prst="rect">
-            <a:avLst/>
-          </a:prstGeom>
-          <a:noFill/>
-        </p:spPr>
-        <p:txBody>
-          <a:bodyPr wrap="square" rtlCol="0">
-            <a:spAutoFit/>
-          </a:bodyPr>
-          <a:lstStyle/>
-          <a:p>
-            <a:pPr algn="ctr"/>
-            <a:r>
-              <a:rPr kumimoji="1" lang="ko-Kore-KR" altLang="en-US" dirty="0">
-                <a:latin typeface="+mn-ea"/>
-              </a:rPr>
-              <a:t>이상치</a:t>
-            </a:r>
-            <a:r>
-              <a:rPr kumimoji="1" lang="ko-KR" altLang="en-US" dirty="0">
-                <a:latin typeface="+mn-ea"/>
-              </a:rPr>
-              <a:t> 제외 후</a:t>
-            </a:r>
-            <a:endParaRPr kumimoji="1" lang="ko-Kore-KR" altLang="en-US" dirty="0">
-              <a:latin typeface="+mn-ea"/>
-            </a:endParaRPr>
           </a:p>
         </p:txBody>
       </p:sp>
     </p:spTree>
     <p:extLst>
       <p:ext uri="{BB962C8B-B14F-4D97-AF65-F5344CB8AC3E}">
-        <p14:creationId xmlns:p14="http://schemas.microsoft.com/office/powerpoint/2010/main" val="1810387115"/>
+        <p14:creationId xmlns:p14="http://schemas.microsoft.com/office/powerpoint/2010/main" val="3567038506"/>
       </p:ext>
     </p:extLst>
   </p:cSld>
@@ -4304,11 +4224,14 @@
               <a:defRPr/>
             </a:pPr>
             <a:r>
-              <a:rPr lang="ko-KR" altLang="en-US" sz="4000" spc="-185" dirty="0">
+              <a:rPr lang="en-US" altLang="ko-KR" sz="4000" spc="-185" dirty="0">
                 <a:latin typeface="+mj-ea"/>
               </a:rPr>
-              <a:t>이상치 제외 작업</a:t>
-            </a:r>
+              <a:t>Mission 3</a:t>
+            </a:r>
+            <a:endParaRPr lang="ko-KR" altLang="en-US" sz="4000" spc="-185" dirty="0">
+              <a:latin typeface="+mj-ea"/>
+            </a:endParaRPr>
           </a:p>
         </p:txBody>
       </p:sp>
@@ -4322,8 +4245,8 @@
         </p:nvSpPr>
         <p:spPr>
           <a:xfrm>
-            <a:off x="363552" y="1506623"/>
-            <a:ext cx="12192000" cy="1392508"/>
+            <a:off x="363552" y="1530068"/>
+            <a:ext cx="12192000" cy="4379894"/>
           </a:xfrm>
           <a:prstGeom prst="rect">
             <a:avLst/>
@@ -4355,32 +4278,24 @@
           <a:p>
             <a:pPr>
               <a:lnSpc>
-                <a:spcPct val="110000"/>
-              </a:lnSpc>
-              <a:defRPr/>
-            </a:pPr>
+                <a:spcPct val="130000"/>
+              </a:lnSpc>
+              <a:defRPr/>
+            </a:pPr>
+            <a:r>
+              <a:rPr lang="en-US" altLang="ko-KR" sz="2100" spc="-150" dirty="0">
+                <a:latin typeface="+mn-ea"/>
+                <a:ea typeface="+mn-ea"/>
+              </a:rPr>
+              <a:t>3-3. </a:t>
+            </a:r>
             <a:r>
               <a:rPr lang="ko-KR" altLang="en-US" sz="2100" spc="-150" dirty="0">
                 <a:latin typeface="+mn-ea"/>
                 <a:ea typeface="+mn-ea"/>
               </a:rPr>
-              <a:t>라벨이 잘못 설정되어 있는 이슈가 있었습니다</a:t>
-            </a:r>
-            <a:r>
-              <a:rPr lang="en-US" altLang="ko-KR" sz="2100" spc="-150" dirty="0">
-                <a:latin typeface="+mn-ea"/>
-                <a:ea typeface="+mn-ea"/>
-              </a:rPr>
-              <a:t>.</a:t>
-            </a:r>
-          </a:p>
-          <a:p>
-            <a:pPr>
-              <a:lnSpc>
-                <a:spcPct val="110000"/>
-              </a:lnSpc>
-              <a:defRPr/>
-            </a:pPr>
+              <a:t>오류가 나온 이미지에 대해 왜 오류가 나왔는지 </a:t>
+            </a:r>
             <a:endParaRPr lang="en-US" altLang="ko-KR" sz="2100" spc="-150" dirty="0">
               <a:latin typeface="+mn-ea"/>
               <a:ea typeface="+mn-ea"/>
@@ -4389,7 +4304,7 @@
           <a:p>
             <a:pPr>
               <a:lnSpc>
-                <a:spcPct val="110000"/>
+                <a:spcPct val="130000"/>
               </a:lnSpc>
               <a:defRPr/>
             </a:pPr>
@@ -4398,32 +4313,110 @@
                 <a:latin typeface="+mn-ea"/>
                 <a:ea typeface="+mn-ea"/>
               </a:rPr>
-              <a:t>이상치 제거 알고리즘을 만들 수도 있었지만</a:t>
+              <a:t>그동안 미션 수행에서 얻은 경험과 지식을</a:t>
             </a:r>
             <a:r>
               <a:rPr lang="en-US" altLang="ko-KR" sz="2100" spc="-150" dirty="0">
                 <a:latin typeface="+mn-ea"/>
                 <a:ea typeface="+mn-ea"/>
               </a:rPr>
-              <a:t>,</a:t>
-            </a:r>
-          </a:p>
-          <a:p>
-            <a:pPr>
-              <a:lnSpc>
-                <a:spcPct val="110000"/>
-              </a:lnSpc>
-              <a:defRPr/>
-            </a:pPr>
+              <a:t> </a:t>
+            </a:r>
             <a:r>
               <a:rPr lang="ko-KR" altLang="en-US" sz="2100" spc="-150" dirty="0">
                 <a:latin typeface="+mn-ea"/>
                 <a:ea typeface="+mn-ea"/>
               </a:rPr>
-              <a:t>시간도 촉박하고 라벨링이 잘못된 데이터가 많지 않아서 직접 제외 작업을 진행했습니다</a:t>
+              <a:t>통해 </a:t>
+            </a:r>
+            <a:r>
+              <a:rPr lang="ko-KR" altLang="en-US" sz="2100" spc="-150" dirty="0" err="1">
+                <a:latin typeface="+mn-ea"/>
+                <a:ea typeface="+mn-ea"/>
+              </a:rPr>
+              <a:t>설명하시오</a:t>
             </a:r>
             <a:r>
               <a:rPr lang="en-US" altLang="ko-KR" sz="2100" spc="-150" dirty="0">
+                <a:latin typeface="+mn-ea"/>
+                <a:ea typeface="+mn-ea"/>
+              </a:rPr>
+              <a:t>.</a:t>
+            </a:r>
+          </a:p>
+          <a:p>
+            <a:pPr>
+              <a:lnSpc>
+                <a:spcPct val="130000"/>
+              </a:lnSpc>
+              <a:defRPr/>
+            </a:pPr>
+            <a:endParaRPr lang="en-US" altLang="ko-KR" sz="2100" spc="-150" dirty="0">
+              <a:latin typeface="+mn-ea"/>
+              <a:ea typeface="+mn-ea"/>
+            </a:endParaRPr>
+          </a:p>
+          <a:p>
+            <a:pPr>
+              <a:lnSpc>
+                <a:spcPct val="130000"/>
+              </a:lnSpc>
+              <a:defRPr/>
+            </a:pPr>
+            <a:r>
+              <a:rPr lang="en-US" altLang="ko-KR" sz="2100" spc="-150" dirty="0">
+                <a:latin typeface="+mn-ea"/>
+                <a:ea typeface="+mn-ea"/>
+              </a:rPr>
+              <a:t>Answer:</a:t>
+            </a:r>
+          </a:p>
+          <a:p>
+            <a:pPr>
+              <a:lnSpc>
+                <a:spcPct val="130000"/>
+              </a:lnSpc>
+              <a:defRPr/>
+            </a:pPr>
+            <a:r>
+              <a:rPr lang="ko-KR" altLang="en-US" sz="2100" b="0" i="0" spc="-150" dirty="0">
+                <a:effectLst/>
+                <a:latin typeface="+mn-ea"/>
+                <a:ea typeface="+mn-ea"/>
+              </a:rPr>
+              <a:t>오류가 나온 이미지는 대부분 라벨링이 잘못 매칭된 경우였습니다</a:t>
+            </a:r>
+            <a:r>
+              <a:rPr lang="en-US" altLang="ko-KR" sz="2100" spc="-150" dirty="0">
+                <a:latin typeface="+mn-ea"/>
+                <a:ea typeface="+mn-ea"/>
+              </a:rPr>
+              <a:t>.</a:t>
+            </a:r>
+            <a:endParaRPr lang="en-US" altLang="ko-KR" sz="2100" b="0" i="0" spc="-150" dirty="0">
+              <a:effectLst/>
+              <a:latin typeface="+mn-ea"/>
+              <a:ea typeface="+mn-ea"/>
+            </a:endParaRPr>
+          </a:p>
+          <a:p>
+            <a:pPr>
+              <a:lnSpc>
+                <a:spcPct val="130000"/>
+              </a:lnSpc>
+              <a:defRPr/>
+            </a:pPr>
+            <a:r>
+              <a:rPr lang="ko-KR" altLang="en-US" sz="2100" b="0" i="0" spc="-150" dirty="0">
+                <a:effectLst/>
+                <a:latin typeface="+mn-ea"/>
+                <a:ea typeface="+mn-ea"/>
+              </a:rPr>
+              <a:t>이 부분 제외시키고 학습하였더니 정확도가 많이 증가했습니다</a:t>
+            </a:r>
+            <a:r>
+              <a:rPr lang="en-US" altLang="ko-KR" sz="2100" b="0" i="0" spc="-150" dirty="0">
+                <a:effectLst/>
                 <a:latin typeface="+mn-ea"/>
                 <a:ea typeface="+mn-ea"/>
               </a:rPr>
@@ -4438,10 +4431,10 @@
       </p:sp>
       <p:pic>
         <p:nvPicPr>
-          <p:cNvPr id="5" name="그림 4" descr="텍스트, 컴퓨터, 실내, 책상이(가) 표시된 사진&#10;&#10;자동 생성된 설명">
+          <p:cNvPr id="4" name="그림 3" descr="텍스트이(가) 표시된 사진&#10;&#10;자동 생성된 설명">
             <a:extLst>
               <a:ext uri="{FF2B5EF4-FFF2-40B4-BE49-F238E27FC236}">
-                <a16:creationId xmlns:a16="http://schemas.microsoft.com/office/drawing/2014/main" id="{68AE407E-15B3-5513-0723-EBFD0A490B7C}"/>
+                <a16:creationId xmlns:a16="http://schemas.microsoft.com/office/drawing/2014/main" id="{8AE7D982-6FC5-7175-7AA7-A82F5A37B627}"/>
               </a:ext>
             </a:extLst>
           </p:cNvPr>
@@ -4464,8 +4457,8 @@
         </p:blipFill>
         <p:spPr>
           <a:xfrm>
-            <a:off x="887181" y="3174718"/>
-            <a:ext cx="4204677" cy="3157614"/>
+            <a:off x="6523131" y="4495392"/>
+            <a:ext cx="5305317" cy="1160538"/>
           </a:xfrm>
           <a:prstGeom prst="rect">
             <a:avLst/>
@@ -4474,10 +4467,10 @@
       </p:pic>
       <p:pic>
         <p:nvPicPr>
-          <p:cNvPr id="10" name="그림 9" descr="텍스트, 컴퓨터, 실내, 전자기기이(가) 표시된 사진&#10;&#10;자동 생성된 설명">
+          <p:cNvPr id="6" name="그림 5" descr="텍스트이(가) 표시된 사진&#10;&#10;자동 생성된 설명">
             <a:extLst>
               <a:ext uri="{FF2B5EF4-FFF2-40B4-BE49-F238E27FC236}">
-                <a16:creationId xmlns:a16="http://schemas.microsoft.com/office/drawing/2014/main" id="{A450FAFA-C4E6-8AC8-DCFA-1E2463B452C7}"/>
+                <a16:creationId xmlns:a16="http://schemas.microsoft.com/office/drawing/2014/main" id="{D1E2E735-5BAD-ADB3-4574-E56A4A5A255D}"/>
               </a:ext>
             </a:extLst>
           </p:cNvPr>
@@ -4486,7 +4479,7 @@
           </p:cNvPicPr>
           <p:nvPr/>
         </p:nvPicPr>
-        <p:blipFill>
+        <p:blipFill rotWithShape="1">
           <a:blip r:embed="rId4">
             <a:extLst>
               <a:ext uri="{28A0092B-C50C-407E-A947-70E740481C1C}">
@@ -4494,24 +4487,117 @@
               </a:ext>
             </a:extLst>
           </a:blip>
-          <a:stretch>
-            <a:fillRect/>
-          </a:stretch>
+          <a:srcRect l="4271" t="4589" r="6013" b="27823"/>
+          <a:stretch/>
         </p:blipFill>
         <p:spPr>
           <a:xfrm>
-            <a:off x="5529966" y="3174718"/>
-            <a:ext cx="3801603" cy="2851202"/>
+            <a:off x="546637" y="4495392"/>
+            <a:ext cx="5762928" cy="1160538"/>
           </a:xfrm>
           <a:prstGeom prst="rect">
             <a:avLst/>
           </a:prstGeom>
         </p:spPr>
       </p:pic>
+      <p:sp>
+        <p:nvSpPr>
+          <p:cNvPr id="7" name="TextBox 6">
+            <a:extLst>
+              <a:ext uri="{FF2B5EF4-FFF2-40B4-BE49-F238E27FC236}">
+                <a16:creationId xmlns:a16="http://schemas.microsoft.com/office/drawing/2014/main" id="{5D8C7A91-AFC0-F546-9C1D-8E50C775F4D0}"/>
+              </a:ext>
+            </a:extLst>
+          </p:cNvPr>
+          <p:cNvSpPr txBox="1"/>
+          <p:nvPr/>
+        </p:nvSpPr>
+        <p:spPr>
+          <a:xfrm>
+            <a:off x="2266654" y="5691294"/>
+            <a:ext cx="2272423" cy="336118"/>
+          </a:xfrm>
+          <a:prstGeom prst="rect">
+            <a:avLst/>
+          </a:prstGeom>
+          <a:noFill/>
+        </p:spPr>
+        <p:txBody>
+          <a:bodyPr wrap="square" rtlCol="0">
+            <a:spAutoFit/>
+          </a:bodyPr>
+          <a:lstStyle/>
+          <a:p>
+            <a:pPr algn="ctr"/>
+            <a:r>
+              <a:rPr kumimoji="1" lang="ko-Kore-KR" altLang="en-US" dirty="0">
+                <a:latin typeface="+mn-ea"/>
+              </a:rPr>
+              <a:t>이상치</a:t>
+            </a:r>
+            <a:r>
+              <a:rPr kumimoji="1" lang="ko-KR" altLang="en-US" dirty="0">
+                <a:latin typeface="+mn-ea"/>
+              </a:rPr>
+              <a:t> 제외 전</a:t>
+            </a:r>
+            <a:endParaRPr kumimoji="1" lang="ko-Kore-KR" altLang="en-US" dirty="0">
+              <a:latin typeface="+mn-ea"/>
+            </a:endParaRPr>
+          </a:p>
+        </p:txBody>
+      </p:sp>
+      <p:sp>
+        <p:nvSpPr>
+          <p:cNvPr id="8" name="TextBox 7">
+            <a:extLst>
+              <a:ext uri="{FF2B5EF4-FFF2-40B4-BE49-F238E27FC236}">
+                <a16:creationId xmlns:a16="http://schemas.microsoft.com/office/drawing/2014/main" id="{22186F17-FDC4-FABB-B1BE-D374A650DAE8}"/>
+              </a:ext>
+            </a:extLst>
+          </p:cNvPr>
+          <p:cNvSpPr txBox="1"/>
+          <p:nvPr/>
+        </p:nvSpPr>
+        <p:spPr>
+          <a:xfrm>
+            <a:off x="8039577" y="5691294"/>
+            <a:ext cx="2272423" cy="336118"/>
+          </a:xfrm>
+          <a:prstGeom prst="rect">
+            <a:avLst/>
+          </a:prstGeom>
+          <a:noFill/>
+        </p:spPr>
+        <p:txBody>
+          <a:bodyPr wrap="square" rtlCol="0">
+            <a:spAutoFit/>
+          </a:bodyPr>
+          <a:lstStyle/>
+          <a:p>
+            <a:pPr algn="ctr"/>
+            <a:r>
+              <a:rPr kumimoji="1" lang="ko-Kore-KR" altLang="en-US" dirty="0">
+                <a:latin typeface="+mn-ea"/>
+              </a:rPr>
+              <a:t>이상치</a:t>
+            </a:r>
+            <a:r>
+              <a:rPr kumimoji="1" lang="ko-KR" altLang="en-US" dirty="0">
+                <a:latin typeface="+mn-ea"/>
+              </a:rPr>
+              <a:t> 제외 후</a:t>
+            </a:r>
+            <a:endParaRPr kumimoji="1" lang="ko-Kore-KR" altLang="en-US" dirty="0">
+              <a:latin typeface="+mn-ea"/>
+            </a:endParaRPr>
+          </a:p>
+        </p:txBody>
+      </p:sp>
     </p:spTree>
     <p:extLst>
       <p:ext uri="{BB962C8B-B14F-4D97-AF65-F5344CB8AC3E}">
-        <p14:creationId xmlns:p14="http://schemas.microsoft.com/office/powerpoint/2010/main" val="3246476420"/>
+        <p14:creationId xmlns:p14="http://schemas.microsoft.com/office/powerpoint/2010/main" val="1810387115"/>
       </p:ext>
     </p:extLst>
   </p:cSld>
@@ -4597,7 +4683,7 @@
               <a:rPr lang="ko-KR" altLang="en-US" sz="4000" spc="-185" dirty="0">
                 <a:latin typeface="+mj-ea"/>
               </a:rPr>
-              <a:t>클래스 불균형 이슈</a:t>
+              <a:t>이상치 제외 작업</a:t>
             </a:r>
           </a:p>
         </p:txBody>
@@ -4612,8 +4698,8 @@
         </p:nvSpPr>
         <p:spPr>
           <a:xfrm>
-            <a:off x="363552" y="1530068"/>
-            <a:ext cx="12192000" cy="4379894"/>
+            <a:off x="363552" y="1506623"/>
+            <a:ext cx="12192000" cy="1392508"/>
           </a:xfrm>
           <a:prstGeom prst="rect">
             <a:avLst/>
@@ -4645,10 +4731,80 @@
           <a:p>
             <a:pPr>
               <a:lnSpc>
-                <a:spcPct val="130000"/>
-              </a:lnSpc>
-              <a:defRPr/>
-            </a:pPr>
+                <a:spcPct val="110000"/>
+              </a:lnSpc>
+              <a:defRPr/>
+            </a:pPr>
+            <a:r>
+              <a:rPr lang="ko-KR" altLang="en-US" sz="2100" spc="-150" dirty="0">
+                <a:latin typeface="+mn-ea"/>
+                <a:ea typeface="+mn-ea"/>
+              </a:rPr>
+              <a:t>라벨이 잘못 설정되어 있는 이슈가 있었습니다</a:t>
+            </a:r>
+            <a:r>
+              <a:rPr lang="en-US" altLang="ko-KR" sz="2100" spc="-150" dirty="0">
+                <a:latin typeface="+mn-ea"/>
+                <a:ea typeface="+mn-ea"/>
+              </a:rPr>
+              <a:t>.</a:t>
+            </a:r>
+          </a:p>
+          <a:p>
+            <a:pPr>
+              <a:lnSpc>
+                <a:spcPct val="110000"/>
+              </a:lnSpc>
+              <a:defRPr/>
+            </a:pPr>
+            <a:endParaRPr lang="en-US" altLang="ko-KR" sz="2100" spc="-150" dirty="0">
+              <a:latin typeface="+mn-ea"/>
+              <a:ea typeface="+mn-ea"/>
+            </a:endParaRPr>
+          </a:p>
+          <a:p>
+            <a:pPr>
+              <a:lnSpc>
+                <a:spcPct val="110000"/>
+              </a:lnSpc>
+              <a:defRPr/>
+            </a:pPr>
+            <a:r>
+              <a:rPr lang="ko-KR" altLang="en-US" sz="2100" spc="-150" dirty="0">
+                <a:latin typeface="+mn-ea"/>
+                <a:ea typeface="+mn-ea"/>
+              </a:rPr>
+              <a:t>이상치 제거 알고리즘을 만들 수도 있었지만</a:t>
+            </a:r>
+            <a:r>
+              <a:rPr lang="en-US" altLang="ko-KR" sz="2100" spc="-150" dirty="0">
+                <a:latin typeface="+mn-ea"/>
+                <a:ea typeface="+mn-ea"/>
+              </a:rPr>
+              <a:t>,</a:t>
+            </a:r>
+          </a:p>
+          <a:p>
+            <a:pPr>
+              <a:lnSpc>
+                <a:spcPct val="110000"/>
+              </a:lnSpc>
+              <a:defRPr/>
+            </a:pPr>
+            <a:r>
+              <a:rPr lang="ko-KR" altLang="en-US" sz="2100" spc="-150" dirty="0">
+                <a:latin typeface="+mn-ea"/>
+                <a:ea typeface="+mn-ea"/>
+              </a:rPr>
+              <a:t>시간도 촉박하고 라벨링이 잘못된 데이터가 많지 않아서 직접 제외 작업을 진행했습니다</a:t>
+            </a:r>
+            <a:r>
+              <a:rPr lang="en-US" altLang="ko-KR" sz="2100" spc="-150" dirty="0">
+                <a:latin typeface="+mn-ea"/>
+                <a:ea typeface="+mn-ea"/>
+              </a:rPr>
+              <a:t>.</a:t>
+            </a:r>
             <a:endParaRPr lang="ko-KR" altLang="en-US" sz="2100" spc="-150" dirty="0">
               <a:latin typeface="+mn-ea"/>
               <a:ea typeface="+mn-ea"/>
@@ -4656,15 +4812,175 @@
           </a:p>
         </p:txBody>
       </p:sp>
-      <p:sp>
-        <p:nvSpPr>
-          <p:cNvPr id="3" name="제목 38">
+      <p:pic>
+        <p:nvPicPr>
+          <p:cNvPr id="5" name="그림 4" descr="텍스트, 컴퓨터, 실내, 책상이(가) 표시된 사진&#10;&#10;자동 생성된 설명">
             <a:extLst>
               <a:ext uri="{FF2B5EF4-FFF2-40B4-BE49-F238E27FC236}">
-                <a16:creationId xmlns:a16="http://schemas.microsoft.com/office/drawing/2014/main" id="{5DFB26BC-F7FF-FADE-1C58-4A8BD6BCA307}"/>
+                <a16:creationId xmlns:a16="http://schemas.microsoft.com/office/drawing/2014/main" id="{68AE407E-15B3-5513-0723-EBFD0A490B7C}"/>
               </a:ext>
             </a:extLst>
           </p:cNvPr>
+          <p:cNvPicPr>
+            <a:picLocks noChangeAspect="1"/>
+          </p:cNvPicPr>
+          <p:nvPr/>
+        </p:nvPicPr>
+        <p:blipFill>
+          <a:blip r:embed="rId3">
+            <a:extLst>
+              <a:ext uri="{28A0092B-C50C-407E-A947-70E740481C1C}">
+                <a14:useLocalDpi xmlns:a14="http://schemas.microsoft.com/office/drawing/2010/main" val="0"/>
+              </a:ext>
+            </a:extLst>
+          </a:blip>
+          <a:stretch>
+            <a:fillRect/>
+          </a:stretch>
+        </p:blipFill>
+        <p:spPr>
+          <a:xfrm>
+            <a:off x="887181" y="3174718"/>
+            <a:ext cx="4204677" cy="3157614"/>
+          </a:xfrm>
+          <a:prstGeom prst="rect">
+            <a:avLst/>
+          </a:prstGeom>
+        </p:spPr>
+      </p:pic>
+      <p:pic>
+        <p:nvPicPr>
+          <p:cNvPr id="10" name="그림 9" descr="텍스트, 컴퓨터, 실내, 전자기기이(가) 표시된 사진&#10;&#10;자동 생성된 설명">
+            <a:extLst>
+              <a:ext uri="{FF2B5EF4-FFF2-40B4-BE49-F238E27FC236}">
+                <a16:creationId xmlns:a16="http://schemas.microsoft.com/office/drawing/2014/main" id="{A450FAFA-C4E6-8AC8-DCFA-1E2463B452C7}"/>
+              </a:ext>
+            </a:extLst>
+          </p:cNvPr>
+          <p:cNvPicPr>
+            <a:picLocks noChangeAspect="1"/>
+          </p:cNvPicPr>
+          <p:nvPr/>
+        </p:nvPicPr>
+        <p:blipFill>
+          <a:blip r:embed="rId4">
+            <a:extLst>
+              <a:ext uri="{28A0092B-C50C-407E-A947-70E740481C1C}">
+                <a14:useLocalDpi xmlns:a14="http://schemas.microsoft.com/office/drawing/2010/main" val="0"/>
+              </a:ext>
+            </a:extLst>
+          </a:blip>
+          <a:stretch>
+            <a:fillRect/>
+          </a:stretch>
+        </p:blipFill>
+        <p:spPr>
+          <a:xfrm>
+            <a:off x="5529966" y="3174718"/>
+            <a:ext cx="3801603" cy="2851202"/>
+          </a:xfrm>
+          <a:prstGeom prst="rect">
+            <a:avLst/>
+          </a:prstGeom>
+        </p:spPr>
+      </p:pic>
+    </p:spTree>
+    <p:extLst>
+      <p:ext uri="{BB962C8B-B14F-4D97-AF65-F5344CB8AC3E}">
+        <p14:creationId xmlns:p14="http://schemas.microsoft.com/office/powerpoint/2010/main" val="3246476420"/>
+      </p:ext>
+    </p:extLst>
+  </p:cSld>
+  <p:clrMapOvr>
+    <a:masterClrMapping/>
+  </p:clrMapOvr>
+</p:sld>
+</file>
+
+<file path=ppt/slides/slide15.xml><?xml version="1.0" encoding="utf-8"?>
+<p:sld xmlns:a="http://schemas.openxmlformats.org/drawingml/2006/main" xmlns:r="http://schemas.openxmlformats.org/officeDocument/2006/relationships" xmlns:p="http://schemas.openxmlformats.org/presentationml/2006/main">
+  <p:cSld>
+    <p:spTree>
+      <p:nvGrpSpPr>
+        <p:cNvPr id="1" name=""/>
+        <p:cNvGrpSpPr/>
+        <p:nvPr/>
+      </p:nvGrpSpPr>
+      <p:grpSpPr>
+        <a:xfrm>
+          <a:off x="0" y="0"/>
+          <a:ext cx="0" cy="0"/>
+          <a:chOff x="0" y="0"/>
+          <a:chExt cx="0" cy="0"/>
+        </a:xfrm>
+      </p:grpSpPr>
+      <p:pic>
+        <p:nvPicPr>
+          <p:cNvPr id="2" name="그림 1"/>
+          <p:cNvPicPr>
+            <a:picLocks noChangeAspect="1"/>
+          </p:cNvPicPr>
+          <p:nvPr/>
+        </p:nvPicPr>
+        <p:blipFill>
+          <a:blip r:embed="rId2">
+            <a:extLst>
+              <a:ext uri="{28A0092B-C50C-407E-A947-70E740481C1C}">
+                <a14:useLocalDpi xmlns:a14="http://schemas.microsoft.com/office/drawing/2010/main" val="0"/>
+              </a:ext>
+            </a:extLst>
+          </a:blip>
+          <a:stretch>
+            <a:fillRect/>
+          </a:stretch>
+        </p:blipFill>
+        <p:spPr>
+          <a:xfrm>
+            <a:off x="0" y="0"/>
+            <a:ext cx="12192000" cy="6858000"/>
+          </a:xfrm>
+          <a:prstGeom prst="rect">
+            <a:avLst/>
+          </a:prstGeom>
+        </p:spPr>
+      </p:pic>
+      <p:sp>
+        <p:nvSpPr>
+          <p:cNvPr id="48" name="제목 38"/>
+          <p:cNvSpPr>
+            <a:spLocks noGrp="1"/>
+          </p:cNvSpPr>
+          <p:nvPr>
+            <p:ph type="title"/>
+          </p:nvPr>
+        </p:nvSpPr>
+        <p:spPr>
+          <a:xfrm>
+            <a:off x="363552" y="406401"/>
+            <a:ext cx="9862863" cy="856412"/>
+          </a:xfrm>
+        </p:spPr>
+        <p:txBody>
+          <a:bodyPr rtlCol="0">
+            <a:noAutofit/>
+          </a:bodyPr>
+          <a:lstStyle/>
+          <a:p>
+            <a:pPr>
+              <a:defRPr/>
+            </a:pPr>
+            <a:r>
+              <a:rPr lang="ko-KR" altLang="en-US" sz="4000" spc="-185" dirty="0">
+                <a:latin typeface="+mj-ea"/>
+              </a:rPr>
+              <a:t>클래스 불균형 이슈</a:t>
+            </a:r>
+          </a:p>
+        </p:txBody>
+      </p:sp>
+      <p:sp>
+        <p:nvSpPr>
+          <p:cNvPr id="13" name="제목 38"/>
           <p:cNvSpPr txBox="1">
             <a:spLocks/>
           </p:cNvSpPr>
@@ -4672,8 +4988,8 @@
         </p:nvSpPr>
         <p:spPr>
           <a:xfrm>
-            <a:off x="515952" y="1838775"/>
-            <a:ext cx="11312496" cy="4227494"/>
+            <a:off x="363552" y="1530068"/>
+            <a:ext cx="12192000" cy="4379894"/>
           </a:xfrm>
           <a:prstGeom prst="rect">
             <a:avLst/>
@@ -4709,6 +5025,66 @@
               </a:lnSpc>
               <a:defRPr/>
             </a:pPr>
+            <a:endParaRPr lang="ko-KR" altLang="en-US" sz="2100" spc="-150" dirty="0">
+              <a:latin typeface="+mn-ea"/>
+              <a:ea typeface="+mn-ea"/>
+            </a:endParaRPr>
+          </a:p>
+        </p:txBody>
+      </p:sp>
+      <p:sp>
+        <p:nvSpPr>
+          <p:cNvPr id="3" name="제목 38">
+            <a:extLst>
+              <a:ext uri="{FF2B5EF4-FFF2-40B4-BE49-F238E27FC236}">
+                <a16:creationId xmlns:a16="http://schemas.microsoft.com/office/drawing/2014/main" id="{5DFB26BC-F7FF-FADE-1C58-4A8BD6BCA307}"/>
+              </a:ext>
+            </a:extLst>
+          </p:cNvPr>
+          <p:cNvSpPr txBox="1">
+            <a:spLocks/>
+          </p:cNvSpPr>
+          <p:nvPr/>
+        </p:nvSpPr>
+        <p:spPr>
+          <a:xfrm>
+            <a:off x="515952" y="1838775"/>
+            <a:ext cx="11312496" cy="4227494"/>
+          </a:xfrm>
+          <a:prstGeom prst="rect">
+            <a:avLst/>
+          </a:prstGeom>
+        </p:spPr>
+        <p:txBody>
+          <a:bodyPr vert="horz" lIns="112542" tIns="56271" rIns="112542" bIns="56271" rtlCol="0" anchor="t">
+            <a:noAutofit/>
+          </a:bodyPr>
+          <a:lstStyle>
+            <a:lvl1pPr algn="l" defTabSz="914400" rtl="0" eaLnBrk="1" latinLnBrk="1" hangingPunct="1">
+              <a:lnSpc>
+                <a:spcPct val="90000"/>
+              </a:lnSpc>
+              <a:spcBef>
+                <a:spcPct val="0"/>
+              </a:spcBef>
+              <a:buNone/>
+              <a:defRPr sz="4400" kern="1200">
+                <a:solidFill>
+                  <a:schemeClr val="tx1"/>
+                </a:solidFill>
+                <a:latin typeface="+mj-lt"/>
+                <a:ea typeface="+mj-ea"/>
+                <a:cs typeface="+mj-cs"/>
+              </a:defRPr>
+            </a:lvl1pPr>
+          </a:lstStyle>
+          <a:p>
+            <a:pPr>
+              <a:lnSpc>
+                <a:spcPct val="130000"/>
+              </a:lnSpc>
+              <a:defRPr/>
+            </a:pPr>
             <a:r>
               <a:rPr lang="en-US" altLang="ko-KR" sz="2100" spc="-150" dirty="0">
                 <a:latin typeface="+mn-ea"/>
@@ -5007,7 +5383,7 @@
 </p:sld>
 </file>
 
-<file path=ppt/slides/slide15.xml><?xml version="1.0" encoding="utf-8"?>
+<file path=ppt/slides/slide16.xml><?xml version="1.0" encoding="utf-8"?>
 <p:sld xmlns:a="http://schemas.openxmlformats.org/drawingml/2006/main" xmlns:r="http://schemas.openxmlformats.org/officeDocument/2006/relationships" xmlns:p="http://schemas.openxmlformats.org/presentationml/2006/main">
   <p:cSld>
     <p:spTree>
@@ -5140,383 +5516,329 @@
               <a:defRPr/>
             </a:pPr>
             <a:r>
-              <a:rPr lang="en-US" altLang="ko-KR" sz="4000" spc="-185" dirty="0">
+              <a:rPr lang="ko-KR" altLang="en-US" sz="4000" spc="-185" dirty="0">
                 <a:latin typeface="+mj-ea"/>
               </a:rPr>
-              <a:t>Mission 1</a:t>
-            </a:r>
-            <a:endParaRPr lang="ko-KR" altLang="en-US" sz="4000" spc="-185" dirty="0">
-              <a:latin typeface="+mj-ea"/>
-            </a:endParaRPr>
-          </a:p>
-        </p:txBody>
-      </p:sp>
-      <p:sp>
-        <p:nvSpPr>
-          <p:cNvPr id="13" name="제목 38"/>
-          <p:cNvSpPr txBox="1">
-            <a:spLocks/>
-          </p:cNvSpPr>
+              <a:t>팀원 소개</a:t>
+            </a:r>
+          </a:p>
+        </p:txBody>
+      </p:sp>
+      <p:pic>
+        <p:nvPicPr>
+          <p:cNvPr id="4" name="그림 3">
+            <a:extLst>
+              <a:ext uri="{FF2B5EF4-FFF2-40B4-BE49-F238E27FC236}">
+                <a16:creationId xmlns:a16="http://schemas.microsoft.com/office/drawing/2014/main" id="{F1079E3B-AA0F-3CF1-6C16-F1B05D82DAA7}"/>
+              </a:ext>
+            </a:extLst>
+          </p:cNvPr>
+          <p:cNvPicPr>
+            <a:picLocks noChangeAspect="1"/>
+          </p:cNvPicPr>
           <p:nvPr/>
-        </p:nvSpPr>
-        <p:spPr>
-          <a:xfrm>
-            <a:off x="363552" y="1510190"/>
-            <a:ext cx="11393019" cy="4379894"/>
+        </p:nvPicPr>
+        <p:blipFill>
+          <a:blip r:embed="rId3">
+            <a:extLst>
+              <a:ext uri="{28A0092B-C50C-407E-A947-70E740481C1C}">
+                <a14:useLocalDpi xmlns:a14="http://schemas.microsoft.com/office/drawing/2010/main" val="0"/>
+              </a:ext>
+            </a:extLst>
+          </a:blip>
+          <a:stretch>
+            <a:fillRect/>
+          </a:stretch>
+        </p:blipFill>
+        <p:spPr>
+          <a:xfrm>
+            <a:off x="707036" y="1752392"/>
+            <a:ext cx="1778000" cy="1778000"/>
           </a:xfrm>
           <a:prstGeom prst="rect">
             <a:avLst/>
           </a:prstGeom>
         </p:spPr>
-        <p:txBody>
-          <a:bodyPr vert="horz" lIns="112542" tIns="56271" rIns="112542" bIns="56271" rtlCol="0" anchor="t">
-            <a:noAutofit/>
+      </p:pic>
+      <p:pic>
+        <p:nvPicPr>
+          <p:cNvPr id="6" name="그림 5">
+            <a:extLst>
+              <a:ext uri="{FF2B5EF4-FFF2-40B4-BE49-F238E27FC236}">
+                <a16:creationId xmlns:a16="http://schemas.microsoft.com/office/drawing/2014/main" id="{FE1CFD3C-9CC4-CCCE-3B86-CE9473800AC6}"/>
+              </a:ext>
+            </a:extLst>
+          </p:cNvPr>
+          <p:cNvPicPr>
+            <a:picLocks noChangeAspect="1"/>
+          </p:cNvPicPr>
+          <p:nvPr/>
+        </p:nvPicPr>
+        <p:blipFill>
+          <a:blip r:embed="rId4">
+            <a:extLst>
+              <a:ext uri="{28A0092B-C50C-407E-A947-70E740481C1C}">
+                <a14:useLocalDpi xmlns:a14="http://schemas.microsoft.com/office/drawing/2010/main" val="0"/>
+              </a:ext>
+            </a:extLst>
+          </a:blip>
+          <a:stretch>
+            <a:fillRect/>
+          </a:stretch>
+        </p:blipFill>
+        <p:spPr>
+          <a:xfrm>
+            <a:off x="7872764" y="1752392"/>
+            <a:ext cx="1778000" cy="1778000"/>
+          </a:xfrm>
+          <a:prstGeom prst="rect">
+            <a:avLst/>
+          </a:prstGeom>
+        </p:spPr>
+      </p:pic>
+      <p:pic>
+        <p:nvPicPr>
+          <p:cNvPr id="8" name="그림 7">
+            <a:extLst>
+              <a:ext uri="{FF2B5EF4-FFF2-40B4-BE49-F238E27FC236}">
+                <a16:creationId xmlns:a16="http://schemas.microsoft.com/office/drawing/2014/main" id="{A9B761F3-DE51-93DA-0C49-8DE2A76A4817}"/>
+              </a:ext>
+            </a:extLst>
+          </p:cNvPr>
+          <p:cNvPicPr>
+            <a:picLocks noChangeAspect="1"/>
+          </p:cNvPicPr>
+          <p:nvPr/>
+        </p:nvPicPr>
+        <p:blipFill>
+          <a:blip r:embed="rId5">
+            <a:extLst>
+              <a:ext uri="{28A0092B-C50C-407E-A947-70E740481C1C}">
+                <a14:useLocalDpi xmlns:a14="http://schemas.microsoft.com/office/drawing/2010/main" val="0"/>
+              </a:ext>
+            </a:extLst>
+          </a:blip>
+          <a:stretch>
+            <a:fillRect/>
+          </a:stretch>
+        </p:blipFill>
+        <p:spPr>
+          <a:xfrm>
+            <a:off x="4404009" y="1752392"/>
+            <a:ext cx="1778000" cy="1778000"/>
+          </a:xfrm>
+          <a:prstGeom prst="rect">
+            <a:avLst/>
+          </a:prstGeom>
+        </p:spPr>
+      </p:pic>
+      <p:sp>
+        <p:nvSpPr>
+          <p:cNvPr id="9" name="TextBox 8">
+            <a:extLst>
+              <a:ext uri="{FF2B5EF4-FFF2-40B4-BE49-F238E27FC236}">
+                <a16:creationId xmlns:a16="http://schemas.microsoft.com/office/drawing/2014/main" id="{E2AE4F75-BCAE-04B5-0D5A-7BB7F3BE64AF}"/>
+              </a:ext>
+            </a:extLst>
+          </p:cNvPr>
+          <p:cNvSpPr txBox="1"/>
+          <p:nvPr/>
+        </p:nvSpPr>
+        <p:spPr>
+          <a:xfrm>
+            <a:off x="2485035" y="2839758"/>
+            <a:ext cx="1650655" cy="692497"/>
+          </a:xfrm>
+          <a:prstGeom prst="rect">
+            <a:avLst/>
+          </a:prstGeom>
+          <a:noFill/>
+        </p:spPr>
+        <p:txBody>
+          <a:bodyPr wrap="square" rtlCol="0">
+            <a:spAutoFit/>
           </a:bodyPr>
-          <a:lstStyle>
-            <a:lvl1pPr algn="l" defTabSz="914400" rtl="0" eaLnBrk="1" latinLnBrk="1" hangingPunct="1">
-              <a:lnSpc>
-                <a:spcPct val="90000"/>
-              </a:lnSpc>
-              <a:spcBef>
-                <a:spcPct val="0"/>
-              </a:spcBef>
-              <a:buNone/>
-              <a:defRPr sz="4400" kern="1200">
-                <a:solidFill>
-                  <a:schemeClr val="tx1"/>
-                </a:solidFill>
-                <a:latin typeface="+mj-lt"/>
-                <a:ea typeface="+mj-ea"/>
-                <a:cs typeface="+mj-cs"/>
-              </a:defRPr>
-            </a:lvl1pPr>
-          </a:lstStyle>
-          <a:p>
-            <a:pPr algn="just">
-              <a:lnSpc>
-                <a:spcPct val="120000"/>
-              </a:lnSpc>
-              <a:defRPr/>
-            </a:pPr>
-            <a:r>
-              <a:rPr lang="en-US" altLang="ko-KR" sz="2100" spc="-150" dirty="0">
-                <a:latin typeface="+mn-ea"/>
-                <a:ea typeface="+mn-ea"/>
-              </a:rPr>
-              <a:t>1-1. Training </a:t>
-            </a:r>
-            <a:r>
-              <a:rPr lang="ko-KR" altLang="en-US" sz="2100" spc="-150" dirty="0">
-                <a:latin typeface="+mn-ea"/>
-                <a:ea typeface="+mn-ea"/>
-              </a:rPr>
-              <a:t>데이터 셋의 데이터를 살펴보고 라벨 종류는 무엇이 있고</a:t>
-            </a:r>
-            <a:r>
-              <a:rPr lang="en-US" altLang="ko-KR" sz="2100" spc="-150" dirty="0">
-                <a:latin typeface="+mn-ea"/>
-                <a:ea typeface="+mn-ea"/>
-              </a:rPr>
-              <a:t>, </a:t>
-            </a:r>
-            <a:r>
-              <a:rPr lang="ko-KR" altLang="en-US" sz="2100" spc="-150" dirty="0">
-                <a:latin typeface="+mn-ea"/>
-                <a:ea typeface="+mn-ea"/>
-              </a:rPr>
-              <a:t>각 라벨의 개수를 구하시오</a:t>
-            </a:r>
-            <a:r>
-              <a:rPr lang="en-US" altLang="ko-KR" sz="2100" spc="-150" dirty="0">
-                <a:latin typeface="+mn-ea"/>
-                <a:ea typeface="+mn-ea"/>
-              </a:rPr>
-              <a:t>.</a:t>
-            </a:r>
-          </a:p>
-          <a:p>
-            <a:pPr algn="just">
-              <a:lnSpc>
-                <a:spcPct val="120000"/>
-              </a:lnSpc>
-              <a:defRPr/>
-            </a:pPr>
-            <a:endParaRPr lang="en-US" altLang="ko-KR" sz="2100" dirty="0">
+          <a:lstStyle/>
+          <a:p>
+            <a:r>
+              <a:rPr kumimoji="1" lang="en-US" altLang="ko-KR" sz="1300" dirty="0">
+                <a:latin typeface="+mn-ea"/>
+              </a:rPr>
+              <a:t>1</a:t>
+            </a:r>
+            <a:r>
+              <a:rPr kumimoji="1" lang="ko-KR" altLang="en-US" sz="1300" dirty="0">
+                <a:latin typeface="+mn-ea"/>
+              </a:rPr>
+              <a:t>학년 </a:t>
+            </a:r>
+            <a:r>
+              <a:rPr kumimoji="1" lang="ko-KR" altLang="en-US" sz="1300" dirty="0" err="1">
+                <a:latin typeface="+mn-ea"/>
+              </a:rPr>
+              <a:t>남우석</a:t>
+            </a:r>
+            <a:endParaRPr kumimoji="1" lang="en-US" altLang="ko-KR" sz="1300" dirty="0">
               <a:latin typeface="+mn-ea"/>
-              <a:ea typeface="+mn-ea"/>
             </a:endParaRPr>
           </a:p>
           <a:p>
-            <a:pPr algn="just">
-              <a:lnSpc>
-                <a:spcPct val="120000"/>
-              </a:lnSpc>
-              <a:defRPr/>
-            </a:pPr>
-            <a:r>
-              <a:rPr lang="en-US" altLang="ko-KR" sz="2100" dirty="0">
-                <a:latin typeface="+mn-ea"/>
-                <a:ea typeface="+mn-ea"/>
-              </a:rPr>
-              <a:t>Answer:</a:t>
-            </a:r>
-          </a:p>
-          <a:p>
-            <a:pPr algn="just">
-              <a:lnSpc>
-                <a:spcPct val="120000"/>
-              </a:lnSpc>
-              <a:defRPr/>
-            </a:pPr>
-            <a:r>
-              <a:rPr lang="ko-KR" altLang="en-US" sz="2100" dirty="0">
-                <a:latin typeface="+mn-ea"/>
-                <a:ea typeface="+mn-ea"/>
-              </a:rPr>
-              <a:t>라벨 종류는 </a:t>
-            </a:r>
-            <a:r>
-              <a:rPr lang="en-US" altLang="ko-KR" sz="2100" dirty="0" err="1">
-                <a:latin typeface="+mn-ea"/>
-                <a:ea typeface="+mn-ea"/>
-              </a:rPr>
-              <a:t>cap_and_hat</a:t>
-            </a:r>
-            <a:r>
-              <a:rPr lang="en-US" altLang="ko-KR" sz="2100" dirty="0">
-                <a:latin typeface="+mn-ea"/>
-                <a:ea typeface="+mn-ea"/>
-              </a:rPr>
-              <a:t>, outerwear, tops, bottoms, shoes</a:t>
-            </a:r>
-            <a:r>
-              <a:rPr lang="ko-KR" altLang="en-US" sz="2100" dirty="0">
-                <a:latin typeface="+mn-ea"/>
-                <a:ea typeface="+mn-ea"/>
-              </a:rPr>
-              <a:t>로 총 </a:t>
-            </a:r>
-            <a:r>
-              <a:rPr lang="en-US" altLang="ko-KR" sz="2100" dirty="0">
-                <a:latin typeface="+mn-ea"/>
-                <a:ea typeface="+mn-ea"/>
-              </a:rPr>
-              <a:t>5</a:t>
-            </a:r>
-            <a:r>
-              <a:rPr lang="ko-KR" altLang="en-US" sz="2100" dirty="0">
-                <a:latin typeface="+mn-ea"/>
-                <a:ea typeface="+mn-ea"/>
-              </a:rPr>
-              <a:t>개이고</a:t>
-            </a:r>
-            <a:r>
-              <a:rPr lang="en-US" altLang="ko-KR" sz="2100" dirty="0">
-                <a:latin typeface="+mn-ea"/>
-                <a:ea typeface="+mn-ea"/>
-              </a:rPr>
-              <a:t>, </a:t>
-            </a:r>
-          </a:p>
-          <a:p>
-            <a:pPr algn="just">
-              <a:lnSpc>
-                <a:spcPct val="120000"/>
-              </a:lnSpc>
-              <a:defRPr/>
-            </a:pPr>
-            <a:r>
-              <a:rPr lang="ko-KR" altLang="en-US" sz="2100" dirty="0" err="1">
-                <a:latin typeface="+mn-ea"/>
-                <a:ea typeface="+mn-ea"/>
-              </a:rPr>
-              <a:t>라벨별</a:t>
-            </a:r>
-            <a:r>
-              <a:rPr lang="ko-KR" altLang="en-US" sz="2100" dirty="0">
-                <a:latin typeface="+mn-ea"/>
-                <a:ea typeface="+mn-ea"/>
-              </a:rPr>
-              <a:t> 이미지의 개수는 다음과 같다</a:t>
-            </a:r>
-            <a:r>
-              <a:rPr lang="en-US" altLang="ko-KR" sz="2100" dirty="0">
-                <a:latin typeface="+mn-ea"/>
-                <a:ea typeface="+mn-ea"/>
-              </a:rPr>
-              <a:t>.</a:t>
-            </a:r>
-          </a:p>
-          <a:p>
-            <a:pPr algn="just">
-              <a:lnSpc>
-                <a:spcPct val="120000"/>
-              </a:lnSpc>
-              <a:defRPr/>
-            </a:pPr>
-            <a:endParaRPr lang="en-US" altLang="ko-KR" sz="2100" dirty="0">
+            <a:endParaRPr kumimoji="1" lang="en-US" altLang="ko-Kore-KR" sz="1300" dirty="0">
               <a:latin typeface="+mn-ea"/>
-              <a:ea typeface="+mn-ea"/>
             </a:endParaRPr>
           </a:p>
           <a:p>
-            <a:pPr algn="just">
-              <a:lnSpc>
-                <a:spcPct val="120000"/>
-              </a:lnSpc>
-              <a:defRPr/>
-            </a:pPr>
-            <a:r>
-              <a:rPr lang="en-US" altLang="ko-KR" sz="2100" dirty="0" err="1">
-                <a:latin typeface="+mn-ea"/>
-                <a:ea typeface="+mn-ea"/>
-              </a:rPr>
-              <a:t>cap_and_hat</a:t>
-            </a:r>
-            <a:r>
-              <a:rPr lang="en-US" altLang="ko-KR" sz="2100" dirty="0">
-                <a:latin typeface="+mn-ea"/>
-                <a:ea typeface="+mn-ea"/>
-              </a:rPr>
-              <a:t>:</a:t>
-            </a:r>
-            <a:r>
-              <a:rPr lang="ko-KR" altLang="en-US" sz="2100" dirty="0">
-                <a:latin typeface="+mn-ea"/>
-                <a:ea typeface="+mn-ea"/>
-              </a:rPr>
-              <a:t> </a:t>
-            </a:r>
-            <a:r>
-              <a:rPr lang="en-US" altLang="ko-KR" sz="2100" dirty="0">
-                <a:latin typeface="+mn-ea"/>
-                <a:ea typeface="+mn-ea"/>
-              </a:rPr>
-              <a:t>196</a:t>
-            </a:r>
-            <a:r>
-              <a:rPr lang="ko-KR" altLang="en-US" sz="2100" dirty="0">
-                <a:latin typeface="+mn-ea"/>
-                <a:ea typeface="+mn-ea"/>
-              </a:rPr>
-              <a:t>개</a:t>
-            </a:r>
-            <a:r>
-              <a:rPr lang="en-US" altLang="ko-KR" sz="2100" dirty="0">
-                <a:latin typeface="+mn-ea"/>
-                <a:ea typeface="+mn-ea"/>
-              </a:rPr>
-              <a:t>, </a:t>
-            </a:r>
-          </a:p>
-          <a:p>
-            <a:pPr algn="just">
-              <a:lnSpc>
-                <a:spcPct val="120000"/>
-              </a:lnSpc>
-              <a:defRPr/>
-            </a:pPr>
-            <a:r>
-              <a:rPr lang="en-US" altLang="ko-KR" sz="2100" dirty="0">
-                <a:latin typeface="+mn-ea"/>
-                <a:ea typeface="+mn-ea"/>
-              </a:rPr>
-              <a:t>outerwear: 4606</a:t>
-            </a:r>
-            <a:r>
-              <a:rPr lang="ko-KR" altLang="en-US" sz="2100" dirty="0">
-                <a:latin typeface="+mn-ea"/>
-                <a:ea typeface="+mn-ea"/>
-              </a:rPr>
-              <a:t>개</a:t>
-            </a:r>
-            <a:r>
-              <a:rPr lang="en-US" altLang="ko-KR" sz="2100" dirty="0">
-                <a:latin typeface="+mn-ea"/>
-                <a:ea typeface="+mn-ea"/>
-              </a:rPr>
-              <a:t>, </a:t>
-            </a:r>
-          </a:p>
-          <a:p>
-            <a:pPr algn="just">
-              <a:lnSpc>
-                <a:spcPct val="120000"/>
-              </a:lnSpc>
-              <a:defRPr/>
-            </a:pPr>
-            <a:r>
-              <a:rPr lang="en-US" altLang="ko-KR" sz="2100" dirty="0">
-                <a:latin typeface="+mn-ea"/>
-                <a:ea typeface="+mn-ea"/>
-              </a:rPr>
-              <a:t>tops: 18350</a:t>
-            </a:r>
-            <a:r>
-              <a:rPr lang="ko-KR" altLang="en-US" sz="2100" dirty="0">
-                <a:latin typeface="+mn-ea"/>
-                <a:ea typeface="+mn-ea"/>
-              </a:rPr>
-              <a:t>개</a:t>
-            </a:r>
-            <a:r>
-              <a:rPr lang="en-US" altLang="ko-KR" sz="2100" dirty="0">
-                <a:latin typeface="+mn-ea"/>
-                <a:ea typeface="+mn-ea"/>
-              </a:rPr>
-              <a:t>, </a:t>
-            </a:r>
-          </a:p>
-          <a:p>
-            <a:pPr algn="just">
-              <a:lnSpc>
-                <a:spcPct val="120000"/>
-              </a:lnSpc>
-              <a:defRPr/>
-            </a:pPr>
-            <a:r>
-              <a:rPr lang="en-US" altLang="ko-KR" sz="2100" dirty="0">
-                <a:latin typeface="+mn-ea"/>
-                <a:ea typeface="+mn-ea"/>
-              </a:rPr>
-              <a:t>bottoms: 6424</a:t>
-            </a:r>
-            <a:r>
-              <a:rPr lang="ko-KR" altLang="en-US" sz="2100" dirty="0">
-                <a:latin typeface="+mn-ea"/>
-                <a:ea typeface="+mn-ea"/>
-              </a:rPr>
-              <a:t>개</a:t>
-            </a:r>
-            <a:r>
-              <a:rPr lang="en-US" altLang="ko-KR" sz="2100" dirty="0">
-                <a:latin typeface="+mn-ea"/>
-                <a:ea typeface="+mn-ea"/>
-              </a:rPr>
-              <a:t>, </a:t>
-            </a:r>
-          </a:p>
-          <a:p>
-            <a:pPr algn="just">
-              <a:lnSpc>
-                <a:spcPct val="120000"/>
-              </a:lnSpc>
-              <a:defRPr/>
-            </a:pPr>
-            <a:r>
-              <a:rPr lang="en-US" altLang="ko-KR" sz="2100" dirty="0">
-                <a:latin typeface="+mn-ea"/>
-                <a:ea typeface="+mn-ea"/>
-              </a:rPr>
-              <a:t>shoes: 424</a:t>
-            </a:r>
-            <a:r>
-              <a:rPr lang="ko-KR" altLang="en-US" sz="2100" dirty="0">
-                <a:latin typeface="+mn-ea"/>
-                <a:ea typeface="+mn-ea"/>
-              </a:rPr>
-              <a:t>개</a:t>
-            </a:r>
+            <a:r>
+              <a:rPr kumimoji="1" lang="ko-KR" altLang="en-US" sz="1300" dirty="0">
+                <a:latin typeface="+mn-ea"/>
+              </a:rPr>
+              <a:t>데이터 </a:t>
+            </a:r>
+            <a:r>
+              <a:rPr kumimoji="1" lang="ko-KR" altLang="en-US" sz="1300" dirty="0" err="1">
+                <a:latin typeface="+mn-ea"/>
+              </a:rPr>
+              <a:t>전처리</a:t>
+            </a:r>
+            <a:endParaRPr kumimoji="1" lang="ko-Kore-KR" altLang="en-US" sz="1300" dirty="0">
+              <a:latin typeface="+mn-ea"/>
+            </a:endParaRPr>
+          </a:p>
+        </p:txBody>
+      </p:sp>
+      <p:sp>
+        <p:nvSpPr>
+          <p:cNvPr id="10" name="TextBox 9">
+            <a:extLst>
+              <a:ext uri="{FF2B5EF4-FFF2-40B4-BE49-F238E27FC236}">
+                <a16:creationId xmlns:a16="http://schemas.microsoft.com/office/drawing/2014/main" id="{8032A99E-CC1F-CC19-C9E0-066CCC765309}"/>
+              </a:ext>
+            </a:extLst>
+          </p:cNvPr>
+          <p:cNvSpPr txBox="1"/>
+          <p:nvPr/>
+        </p:nvSpPr>
+        <p:spPr>
+          <a:xfrm>
+            <a:off x="6182009" y="2837895"/>
+            <a:ext cx="1393544" cy="692497"/>
+          </a:xfrm>
+          <a:prstGeom prst="rect">
+            <a:avLst/>
+          </a:prstGeom>
+          <a:noFill/>
+        </p:spPr>
+        <p:txBody>
+          <a:bodyPr wrap="square" rtlCol="0">
+            <a:spAutoFit/>
+          </a:bodyPr>
+          <a:lstStyle/>
+          <a:p>
+            <a:r>
+              <a:rPr kumimoji="1" lang="en-US" altLang="ko-KR" sz="1300" dirty="0">
+                <a:latin typeface="+mn-ea"/>
+              </a:rPr>
+              <a:t>3</a:t>
+            </a:r>
+            <a:r>
+              <a:rPr kumimoji="1" lang="ko-KR" altLang="en-US" sz="1300" dirty="0">
+                <a:latin typeface="+mn-ea"/>
+              </a:rPr>
+              <a:t>학년 김재훈</a:t>
+            </a:r>
+            <a:endParaRPr kumimoji="1" lang="en-US" altLang="ko-KR" sz="1300" dirty="0">
+              <a:latin typeface="+mn-ea"/>
+            </a:endParaRPr>
+          </a:p>
+          <a:p>
+            <a:endParaRPr kumimoji="1" lang="en-US" altLang="ko-Kore-KR" sz="1300" dirty="0">
+              <a:latin typeface="+mn-ea"/>
+            </a:endParaRPr>
+          </a:p>
+          <a:p>
+            <a:r>
+              <a:rPr kumimoji="1" lang="ko-KR" altLang="en-US" sz="1300" dirty="0">
+                <a:latin typeface="+mn-ea"/>
+              </a:rPr>
+              <a:t>모델 학습</a:t>
+            </a:r>
+            <a:endParaRPr kumimoji="1" lang="ko-Kore-KR" altLang="en-US" sz="1300" dirty="0">
+              <a:latin typeface="+mn-ea"/>
+            </a:endParaRPr>
+          </a:p>
+        </p:txBody>
+      </p:sp>
+      <p:sp>
+        <p:nvSpPr>
+          <p:cNvPr id="11" name="TextBox 10">
+            <a:extLst>
+              <a:ext uri="{FF2B5EF4-FFF2-40B4-BE49-F238E27FC236}">
+                <a16:creationId xmlns:a16="http://schemas.microsoft.com/office/drawing/2014/main" id="{499B23DA-A76A-F5F2-9C70-289C24EC3A4E}"/>
+              </a:ext>
+            </a:extLst>
+          </p:cNvPr>
+          <p:cNvSpPr txBox="1"/>
+          <p:nvPr/>
+        </p:nvSpPr>
+        <p:spPr>
+          <a:xfrm>
+            <a:off x="9650764" y="2837895"/>
+            <a:ext cx="1827976" cy="692497"/>
+          </a:xfrm>
+          <a:prstGeom prst="rect">
+            <a:avLst/>
+          </a:prstGeom>
+          <a:noFill/>
+        </p:spPr>
+        <p:txBody>
+          <a:bodyPr wrap="square" rtlCol="0">
+            <a:spAutoFit/>
+          </a:bodyPr>
+          <a:lstStyle/>
+          <a:p>
+            <a:r>
+              <a:rPr kumimoji="1" lang="en-US" altLang="ko-KR" sz="1300" dirty="0">
+                <a:latin typeface="+mn-ea"/>
+              </a:rPr>
+              <a:t>1</a:t>
+            </a:r>
+            <a:r>
+              <a:rPr kumimoji="1" lang="ko-KR" altLang="en-US" sz="1300" dirty="0">
+                <a:latin typeface="+mn-ea"/>
+              </a:rPr>
+              <a:t>학년 안진영</a:t>
+            </a:r>
+            <a:endParaRPr kumimoji="1" lang="en-US" altLang="ko-KR" sz="1300" dirty="0">
+              <a:latin typeface="+mn-ea"/>
+            </a:endParaRPr>
+          </a:p>
+          <a:p>
+            <a:endParaRPr kumimoji="1" lang="en-US" altLang="ko-Kore-KR" sz="1300" dirty="0">
+              <a:latin typeface="+mn-ea"/>
+            </a:endParaRPr>
+          </a:p>
+          <a:p>
+            <a:r>
+              <a:rPr kumimoji="1" lang="ko-KR" altLang="en-US" sz="1300" dirty="0">
+                <a:latin typeface="+mn-ea"/>
+              </a:rPr>
+              <a:t>자료조사 및 </a:t>
+            </a:r>
+            <a:r>
+              <a:rPr kumimoji="1" lang="en-US" altLang="ko-KR" sz="1300" dirty="0">
+                <a:latin typeface="+mn-ea"/>
+              </a:rPr>
+              <a:t>PPT </a:t>
+            </a:r>
+            <a:r>
+              <a:rPr kumimoji="1" lang="ko-KR" altLang="en-US" sz="1300" dirty="0">
+                <a:latin typeface="+mn-ea"/>
+              </a:rPr>
+              <a:t>제작</a:t>
+            </a:r>
+            <a:endParaRPr kumimoji="1" lang="ko-Kore-KR" altLang="en-US" sz="1300" dirty="0">
+              <a:latin typeface="+mn-ea"/>
+            </a:endParaRPr>
           </a:p>
         </p:txBody>
       </p:sp>
@@ -5609,7 +5931,7 @@
               <a:rPr lang="en-US" altLang="ko-KR" sz="4000" spc="-185" dirty="0">
                 <a:latin typeface="+mj-ea"/>
               </a:rPr>
-              <a:t>Mission 2</a:t>
+              <a:t>Mission 1</a:t>
             </a:r>
             <a:endParaRPr lang="ko-KR" altLang="en-US" sz="4000" spc="-185" dirty="0">
               <a:latin typeface="+mj-ea"/>
@@ -5627,8 +5949,8 @@
         </p:nvSpPr>
         <p:spPr>
           <a:xfrm>
-            <a:off x="363552" y="1547727"/>
-            <a:ext cx="11393019" cy="445258"/>
+            <a:off x="363552" y="1510190"/>
+            <a:ext cx="11393019" cy="4379894"/>
           </a:xfrm>
           <a:prstGeom prst="rect">
             <a:avLst/>
@@ -5658,46 +5980,42 @@
             </a:lvl1pPr>
           </a:lstStyle>
           <a:p>
-            <a:pPr>
-              <a:defRPr/>
-            </a:pPr>
-            <a:r>
-              <a:rPr lang="en-US" altLang="ko-KR" sz="2100" spc="-185" dirty="0">
-                <a:latin typeface="+mn-ea"/>
-                <a:ea typeface="+mn-ea"/>
-              </a:rPr>
-              <a:t>2-1. </a:t>
-            </a:r>
-            <a:r>
-              <a:rPr lang="ko-KR" altLang="en-US" sz="2100" spc="-185" dirty="0">
-                <a:latin typeface="+mn-ea"/>
-                <a:ea typeface="+mn-ea"/>
-              </a:rPr>
-              <a:t>이미지 크기를 적절히 조절하거나</a:t>
-            </a:r>
-            <a:r>
-              <a:rPr lang="en-US" altLang="ko-KR" sz="2100" spc="-185" dirty="0">
+            <a:pPr algn="just">
+              <a:lnSpc>
+                <a:spcPct val="120000"/>
+              </a:lnSpc>
+              <a:defRPr/>
+            </a:pPr>
+            <a:r>
+              <a:rPr lang="en-US" altLang="ko-KR" sz="2100" spc="-150" dirty="0">
+                <a:latin typeface="+mn-ea"/>
+                <a:ea typeface="+mn-ea"/>
+              </a:rPr>
+              <a:t>1-1. Training </a:t>
+            </a:r>
+            <a:r>
+              <a:rPr lang="ko-KR" altLang="en-US" sz="2100" spc="-150" dirty="0">
+                <a:latin typeface="+mn-ea"/>
+                <a:ea typeface="+mn-ea"/>
+              </a:rPr>
+              <a:t>데이터 셋의 데이터를 살펴보고 라벨 종류는 무엇이 있고</a:t>
+            </a:r>
+            <a:r>
+              <a:rPr lang="en-US" altLang="ko-KR" sz="2100" spc="-150" dirty="0">
                 <a:latin typeface="+mn-ea"/>
                 <a:ea typeface="+mn-ea"/>
               </a:rPr>
               <a:t>, </a:t>
             </a:r>
             <a:r>
-              <a:rPr lang="ko-KR" altLang="en-US" sz="2100" spc="-185" dirty="0">
-                <a:latin typeface="+mn-ea"/>
-                <a:ea typeface="+mn-ea"/>
-              </a:rPr>
-              <a:t>해상도를 조절하여 학습 데이터 셋을 </a:t>
-            </a:r>
-            <a:r>
-              <a:rPr lang="ko-KR" altLang="en-US" sz="2100" spc="-185" dirty="0" err="1">
-                <a:latin typeface="+mn-ea"/>
-                <a:ea typeface="+mn-ea"/>
-              </a:rPr>
-              <a:t>구축하시오</a:t>
-            </a:r>
-            <a:r>
-              <a:rPr lang="en-US" altLang="ko-KR" sz="2100" spc="-185" dirty="0">
+              <a:rPr lang="ko-KR" altLang="en-US" sz="2100" spc="-150" dirty="0">
+                <a:latin typeface="+mn-ea"/>
+                <a:ea typeface="+mn-ea"/>
+              </a:rPr>
+              <a:t>각 라벨의 개수를 구하시오</a:t>
+            </a:r>
+            <a:r>
+              <a:rPr lang="en-US" altLang="ko-KR" sz="2100" spc="-150" dirty="0">
                 <a:latin typeface="+mn-ea"/>
                 <a:ea typeface="+mn-ea"/>
               </a:rPr>
@@ -5705,583 +6023,295 @@
             </a:r>
           </a:p>
           <a:p>
-            <a:pPr>
-              <a:defRPr/>
-            </a:pPr>
-            <a:endParaRPr lang="en-US" altLang="ko-KR" sz="2100" spc="-185" dirty="0">
+            <a:pPr algn="just">
+              <a:lnSpc>
+                <a:spcPct val="120000"/>
+              </a:lnSpc>
+              <a:defRPr/>
+            </a:pPr>
+            <a:endParaRPr lang="en-US" altLang="ko-KR" sz="2100" dirty="0">
               <a:latin typeface="+mn-ea"/>
               <a:ea typeface="+mn-ea"/>
             </a:endParaRPr>
           </a:p>
-        </p:txBody>
-      </p:sp>
-      <p:sp>
-        <p:nvSpPr>
-          <p:cNvPr id="5" name="TextBox 4">
-            <a:extLst>
-              <a:ext uri="{FF2B5EF4-FFF2-40B4-BE49-F238E27FC236}">
-                <a16:creationId xmlns:a16="http://schemas.microsoft.com/office/drawing/2014/main" id="{BE27B679-F534-AA60-6303-182A391D5CE6}"/>
-              </a:ext>
-            </a:extLst>
-          </p:cNvPr>
-          <p:cNvSpPr txBox="1"/>
-          <p:nvPr/>
-        </p:nvSpPr>
-        <p:spPr>
-          <a:xfrm>
-            <a:off x="4308494" y="2031349"/>
-            <a:ext cx="7448077" cy="5024773"/>
-          </a:xfrm>
-          <a:prstGeom prst="rect">
-            <a:avLst/>
-          </a:prstGeom>
-          <a:noFill/>
-        </p:spPr>
-        <p:txBody>
-          <a:bodyPr wrap="square" rtlCol="0">
-            <a:spAutoFit/>
-          </a:bodyPr>
-          <a:lstStyle/>
-          <a:p>
-            <a:pPr>
-              <a:lnSpc>
-                <a:spcPct val="150000"/>
-              </a:lnSpc>
-              <a:defRPr/>
-            </a:pPr>
-            <a:r>
-              <a:rPr lang="en-US" altLang="ko-KR" sz="1800" spc="-150" dirty="0">
-                <a:latin typeface="+mn-ea"/>
-              </a:rPr>
-              <a:t>1.</a:t>
-            </a:r>
-            <a:r>
-              <a:rPr lang="ko-KR" altLang="en-US" sz="1800" spc="-150" dirty="0">
-                <a:latin typeface="+mn-ea"/>
-              </a:rPr>
-              <a:t> 이미지의 위</a:t>
-            </a:r>
-            <a:r>
-              <a:rPr lang="en-US" altLang="ko-KR" sz="1800" spc="-150" dirty="0">
-                <a:latin typeface="+mn-ea"/>
-              </a:rPr>
-              <a:t>,</a:t>
-            </a:r>
-            <a:r>
-              <a:rPr lang="ko-KR" altLang="en-US" sz="1800" spc="-150" dirty="0">
-                <a:latin typeface="+mn-ea"/>
-              </a:rPr>
-              <a:t> 아래</a:t>
-            </a:r>
-            <a:r>
-              <a:rPr lang="en-US" altLang="ko-KR" sz="1800" spc="-150" dirty="0">
-                <a:latin typeface="+mn-ea"/>
-              </a:rPr>
-              <a:t>,</a:t>
-            </a:r>
-            <a:r>
-              <a:rPr lang="ko-KR" altLang="en-US" sz="1800" spc="-150" dirty="0">
-                <a:latin typeface="+mn-ea"/>
-              </a:rPr>
-              <a:t> 양 옆을 강제로 제거한다</a:t>
-            </a:r>
-            <a:r>
-              <a:rPr lang="en-US" altLang="ko-KR" sz="1800" spc="-150" dirty="0">
-                <a:latin typeface="+mn-ea"/>
+          <a:p>
+            <a:pPr algn="just">
+              <a:lnSpc>
+                <a:spcPct val="120000"/>
+              </a:lnSpc>
+              <a:defRPr/>
+            </a:pPr>
+            <a:r>
+              <a:rPr lang="en-US" altLang="ko-KR" sz="2100" dirty="0">
+                <a:latin typeface="+mn-ea"/>
+                <a:ea typeface="+mn-ea"/>
+              </a:rPr>
+              <a:t>Answer:</a:t>
+            </a:r>
+          </a:p>
+          <a:p>
+            <a:pPr algn="just">
+              <a:lnSpc>
+                <a:spcPct val="120000"/>
+              </a:lnSpc>
+              <a:defRPr/>
+            </a:pPr>
+            <a:r>
+              <a:rPr lang="ko-KR" altLang="en-US" sz="2100" dirty="0">
+                <a:latin typeface="+mn-ea"/>
+                <a:ea typeface="+mn-ea"/>
+              </a:rPr>
+              <a:t>라벨 종류는 </a:t>
+            </a:r>
+            <a:r>
+              <a:rPr lang="en-US" altLang="ko-KR" sz="2100" dirty="0" err="1">
+                <a:latin typeface="+mn-ea"/>
+                <a:ea typeface="+mn-ea"/>
+              </a:rPr>
+              <a:t>cap_and_hat</a:t>
+            </a:r>
+            <a:r>
+              <a:rPr lang="en-US" altLang="ko-KR" sz="2100" dirty="0">
+                <a:latin typeface="+mn-ea"/>
+                <a:ea typeface="+mn-ea"/>
+              </a:rPr>
+              <a:t>, outerwear, tops, bottoms, shoes</a:t>
+            </a:r>
+            <a:r>
+              <a:rPr lang="ko-KR" altLang="en-US" sz="2100" dirty="0">
+                <a:latin typeface="+mn-ea"/>
+                <a:ea typeface="+mn-ea"/>
+              </a:rPr>
+              <a:t>로 총 </a:t>
+            </a:r>
+            <a:r>
+              <a:rPr lang="en-US" altLang="ko-KR" sz="2100" dirty="0">
+                <a:latin typeface="+mn-ea"/>
+                <a:ea typeface="+mn-ea"/>
+              </a:rPr>
+              <a:t>5</a:t>
+            </a:r>
+            <a:r>
+              <a:rPr lang="ko-KR" altLang="en-US" sz="2100" dirty="0">
+                <a:latin typeface="+mn-ea"/>
+                <a:ea typeface="+mn-ea"/>
+              </a:rPr>
+              <a:t>개이고</a:t>
+            </a:r>
+            <a:r>
+              <a:rPr lang="en-US" altLang="ko-KR" sz="2100" dirty="0">
+                <a:latin typeface="+mn-ea"/>
+                <a:ea typeface="+mn-ea"/>
+              </a:rPr>
+              <a:t>, </a:t>
+            </a:r>
+          </a:p>
+          <a:p>
+            <a:pPr algn="just">
+              <a:lnSpc>
+                <a:spcPct val="120000"/>
+              </a:lnSpc>
+              <a:defRPr/>
+            </a:pPr>
+            <a:r>
+              <a:rPr lang="ko-KR" altLang="en-US" sz="2100" dirty="0" err="1">
+                <a:latin typeface="+mn-ea"/>
+                <a:ea typeface="+mn-ea"/>
+              </a:rPr>
+              <a:t>라벨별</a:t>
+            </a:r>
+            <a:r>
+              <a:rPr lang="ko-KR" altLang="en-US" sz="2100" dirty="0">
+                <a:latin typeface="+mn-ea"/>
+                <a:ea typeface="+mn-ea"/>
+              </a:rPr>
+              <a:t> 이미지의 개수는 다음과 같다</a:t>
+            </a:r>
+            <a:r>
+              <a:rPr lang="en-US" altLang="ko-KR" sz="2100" dirty="0">
+                <a:latin typeface="+mn-ea"/>
+                <a:ea typeface="+mn-ea"/>
               </a:rPr>
               <a:t>.</a:t>
             </a:r>
           </a:p>
           <a:p>
-            <a:pPr>
-              <a:lnSpc>
-                <a:spcPct val="150000"/>
-              </a:lnSpc>
-              <a:defRPr/>
-            </a:pPr>
-            <a:r>
-              <a:rPr lang="en-US" altLang="ko-KR" sz="1800" spc="-150" dirty="0">
-                <a:latin typeface="+mn-ea"/>
-              </a:rPr>
-              <a:t>2.</a:t>
-            </a:r>
-            <a:r>
-              <a:rPr lang="ko-KR" altLang="en-US" sz="1800" spc="-150" dirty="0">
-                <a:latin typeface="+mn-ea"/>
-              </a:rPr>
-              <a:t> 이미지의 해상도를 낮추고</a:t>
-            </a:r>
-            <a:r>
-              <a:rPr lang="en-US" altLang="ko-KR" sz="1800" spc="-150" dirty="0">
-                <a:latin typeface="+mn-ea"/>
-              </a:rPr>
-              <a:t>,</a:t>
-            </a:r>
-            <a:r>
-              <a:rPr lang="ko-KR" altLang="en-US" sz="1800" spc="-150" dirty="0">
-                <a:latin typeface="+mn-ea"/>
+            <a:pPr algn="just">
+              <a:lnSpc>
+                <a:spcPct val="120000"/>
+              </a:lnSpc>
+              <a:defRPr/>
+            </a:pPr>
+            <a:endParaRPr lang="en-US" altLang="ko-KR" sz="2100" dirty="0">
+              <a:latin typeface="+mn-ea"/>
+              <a:ea typeface="+mn-ea"/>
+            </a:endParaRPr>
+          </a:p>
+          <a:p>
+            <a:pPr algn="just">
+              <a:lnSpc>
+                <a:spcPct val="120000"/>
+              </a:lnSpc>
+              <a:defRPr/>
+            </a:pPr>
+            <a:r>
+              <a:rPr lang="en-US" altLang="ko-KR" sz="2100" dirty="0" err="1">
+                <a:latin typeface="+mn-ea"/>
+                <a:ea typeface="+mn-ea"/>
+              </a:rPr>
+              <a:t>cap_and_hat</a:t>
+            </a:r>
+            <a:r>
+              <a:rPr lang="en-US" altLang="ko-KR" sz="2100" dirty="0">
+                <a:latin typeface="+mn-ea"/>
+                <a:ea typeface="+mn-ea"/>
+              </a:rPr>
+              <a:t>:</a:t>
+            </a:r>
+            <a:r>
+              <a:rPr lang="ko-KR" altLang="en-US" sz="2100" dirty="0">
+                <a:latin typeface="+mn-ea"/>
+                <a:ea typeface="+mn-ea"/>
               </a:rPr>
               <a:t> </a:t>
             </a:r>
             <a:r>
-              <a:rPr lang="en-US" altLang="ko-KR" sz="1800" spc="-150" dirty="0">
-                <a:latin typeface="+mn-ea"/>
-              </a:rPr>
-              <a:t>Gray Scale</a:t>
-            </a:r>
-            <a:r>
-              <a:rPr lang="ko-KR" altLang="en-US" sz="1800" spc="-150" dirty="0">
-                <a:latin typeface="+mn-ea"/>
-              </a:rPr>
-              <a:t>로 전환한다</a:t>
-            </a:r>
-            <a:r>
-              <a:rPr lang="en-US" altLang="ko-KR" sz="1800" spc="-150" dirty="0">
-                <a:latin typeface="+mn-ea"/>
-              </a:rPr>
-              <a:t>.</a:t>
-            </a:r>
-            <a:r>
-              <a:rPr lang="ko-KR" altLang="en-US" sz="1800" spc="-150" dirty="0">
-                <a:latin typeface="+mn-ea"/>
-              </a:rPr>
-              <a:t> </a:t>
-            </a:r>
-            <a:endParaRPr lang="en-US" altLang="ko-KR" sz="1800" spc="-150" dirty="0">
-              <a:latin typeface="+mn-ea"/>
-            </a:endParaRPr>
-          </a:p>
-          <a:p>
-            <a:pPr>
-              <a:lnSpc>
-                <a:spcPct val="150000"/>
-              </a:lnSpc>
-              <a:defRPr/>
-            </a:pPr>
-            <a:r>
-              <a:rPr lang="en-US" altLang="ko-KR" sz="1800" spc="-150" dirty="0">
-                <a:latin typeface="+mn-ea"/>
-              </a:rPr>
-              <a:t>3.</a:t>
-            </a:r>
-            <a:r>
-              <a:rPr lang="ko-KR" altLang="en-US" sz="1800" spc="-150" dirty="0">
-                <a:latin typeface="+mn-ea"/>
-              </a:rPr>
-              <a:t> </a:t>
-            </a:r>
-            <a:r>
-              <a:rPr lang="en-US" altLang="ko-KR" sz="1800" spc="-150" dirty="0" err="1">
-                <a:latin typeface="+mn-ea"/>
-              </a:rPr>
-              <a:t>opencv</a:t>
-            </a:r>
-            <a:r>
-              <a:rPr lang="ko-KR" altLang="en-US" sz="1800" spc="-150" dirty="0">
-                <a:latin typeface="+mn-ea"/>
-              </a:rPr>
-              <a:t>의</a:t>
-            </a:r>
-            <a:r>
-              <a:rPr lang="en-US" altLang="ko-KR" sz="1800" spc="-150" dirty="0">
-                <a:latin typeface="+mn-ea"/>
-              </a:rPr>
-              <a:t> </a:t>
-            </a:r>
-            <a:r>
-              <a:rPr lang="en-US" altLang="ko-KR" sz="1800" spc="-150" dirty="0" err="1">
-                <a:latin typeface="+mn-ea"/>
-              </a:rPr>
-              <a:t>AdaptiveThreshold</a:t>
-            </a:r>
-            <a:r>
-              <a:rPr lang="ko-KR" altLang="en-US" sz="1800" spc="-150" dirty="0" err="1">
-                <a:latin typeface="+mn-ea"/>
-              </a:rPr>
-              <a:t>를</a:t>
-            </a:r>
-            <a:r>
-              <a:rPr lang="ko-KR" altLang="en-US" sz="1800" spc="-150" dirty="0">
-                <a:latin typeface="+mn-ea"/>
-              </a:rPr>
-              <a:t> 이용해 이미지 이진화를 한다</a:t>
-            </a:r>
-            <a:r>
-              <a:rPr lang="en-US" altLang="ko-KR" sz="1800" spc="-150" dirty="0">
-                <a:latin typeface="+mn-ea"/>
-              </a:rPr>
-              <a:t>.</a:t>
-            </a:r>
-          </a:p>
-          <a:p>
-            <a:pPr>
-              <a:lnSpc>
-                <a:spcPct val="150000"/>
-              </a:lnSpc>
-              <a:defRPr/>
-            </a:pPr>
-            <a:r>
-              <a:rPr lang="en-US" altLang="ko-KR" sz="1800" spc="-150" dirty="0">
-                <a:latin typeface="+mn-ea"/>
-              </a:rPr>
-              <a:t>4.</a:t>
-            </a:r>
-            <a:r>
-              <a:rPr lang="ko-KR" altLang="en-US" sz="1800" spc="-150" dirty="0">
-                <a:latin typeface="+mn-ea"/>
-              </a:rPr>
-              <a:t> 노이즈를 낮추기 위해 </a:t>
-            </a:r>
-            <a:r>
-              <a:rPr lang="en-US" altLang="ko-KR" sz="1800" spc="-150" dirty="0">
-                <a:latin typeface="+mn-ea"/>
-              </a:rPr>
-              <a:t>1</a:t>
-            </a:r>
-            <a:r>
-              <a:rPr lang="ko-KR" altLang="en-US" sz="1800" spc="-150" dirty="0">
-                <a:latin typeface="+mn-ea"/>
-              </a:rPr>
-              <a:t>차적으로 </a:t>
-            </a:r>
-            <a:r>
-              <a:rPr lang="en-US" altLang="ko-KR" sz="1800" spc="-150" dirty="0">
-                <a:latin typeface="+mn-ea"/>
-              </a:rPr>
-              <a:t>Blur</a:t>
-            </a:r>
-            <a:r>
-              <a:rPr lang="ko-KR" altLang="en-US" sz="1800" spc="-150" dirty="0">
-                <a:latin typeface="+mn-ea"/>
-              </a:rPr>
-              <a:t> 처리를 한다</a:t>
-            </a:r>
-            <a:r>
-              <a:rPr lang="en-US" altLang="ko-KR" sz="1800" spc="-150" dirty="0">
-                <a:latin typeface="+mn-ea"/>
-              </a:rPr>
-              <a:t>.</a:t>
-            </a:r>
-          </a:p>
-          <a:p>
-            <a:pPr>
-              <a:lnSpc>
-                <a:spcPct val="150000"/>
-              </a:lnSpc>
-              <a:defRPr/>
-            </a:pPr>
-            <a:r>
-              <a:rPr lang="en-US" altLang="ko-KR" sz="1800" spc="-150" dirty="0">
-                <a:latin typeface="+mn-ea"/>
-              </a:rPr>
-              <a:t>5.</a:t>
-            </a:r>
-            <a:r>
-              <a:rPr lang="ko-KR" altLang="en-US" sz="1800" spc="-150" dirty="0">
-                <a:latin typeface="+mn-ea"/>
-              </a:rPr>
-              <a:t> </a:t>
-            </a:r>
-            <a:r>
-              <a:rPr lang="en-US" altLang="ko-KR" sz="1800" spc="-150" dirty="0">
-                <a:latin typeface="+mn-ea"/>
-              </a:rPr>
-              <a:t>2</a:t>
-            </a:r>
-            <a:r>
-              <a:rPr lang="ko-KR" altLang="en-US" sz="1800" spc="-150" dirty="0">
-                <a:latin typeface="+mn-ea"/>
-              </a:rPr>
-              <a:t>차적으로 커널을 생성하여 </a:t>
-            </a:r>
-            <a:r>
-              <a:rPr lang="en-US" altLang="ko-KR" sz="1800" spc="-150" dirty="0">
-                <a:latin typeface="+mn-ea"/>
-              </a:rPr>
-              <a:t>Morphology </a:t>
-            </a:r>
-            <a:r>
-              <a:rPr lang="ko-KR" altLang="en-US" sz="1800" spc="-150" dirty="0">
-                <a:latin typeface="+mn-ea"/>
-              </a:rPr>
-              <a:t>연산 중 </a:t>
-            </a:r>
-            <a:endParaRPr lang="en-US" altLang="ko-KR" sz="1800" spc="-150" dirty="0">
-              <a:latin typeface="+mn-ea"/>
-            </a:endParaRPr>
-          </a:p>
-          <a:p>
-            <a:pPr>
-              <a:lnSpc>
-                <a:spcPct val="150000"/>
-              </a:lnSpc>
-              <a:defRPr/>
-            </a:pPr>
-            <a:r>
-              <a:rPr lang="en-US" altLang="ko-KR" sz="1800" spc="-150" dirty="0">
-                <a:latin typeface="+mn-ea"/>
-              </a:rPr>
-              <a:t>closing </a:t>
-            </a:r>
-            <a:r>
-              <a:rPr lang="ko-KR" altLang="en-US" sz="1800" spc="-150" dirty="0">
-                <a:latin typeface="+mn-ea"/>
-              </a:rPr>
-              <a:t>연산과 </a:t>
-            </a:r>
-            <a:r>
-              <a:rPr lang="en-US" altLang="ko-KR" sz="1800" spc="-150" dirty="0">
-                <a:latin typeface="+mn-ea"/>
-              </a:rPr>
-              <a:t>gradient </a:t>
-            </a:r>
-            <a:r>
-              <a:rPr lang="ko-KR" altLang="en-US" sz="1800" spc="-150" dirty="0">
-                <a:latin typeface="+mn-ea"/>
-              </a:rPr>
-              <a:t>연산을 거친다</a:t>
-            </a:r>
-            <a:r>
-              <a:rPr lang="en-US" altLang="ko-KR" sz="1800" spc="-150" dirty="0">
-                <a:latin typeface="+mn-ea"/>
-              </a:rPr>
-              <a:t>.</a:t>
-            </a:r>
-          </a:p>
-          <a:p>
-            <a:pPr>
-              <a:lnSpc>
-                <a:spcPct val="150000"/>
-              </a:lnSpc>
-              <a:defRPr/>
-            </a:pPr>
-            <a:r>
-              <a:rPr lang="en-US" altLang="ko-KR" sz="1800" spc="-150" dirty="0">
-                <a:latin typeface="+mn-ea"/>
-              </a:rPr>
-              <a:t>6.</a:t>
-            </a:r>
-            <a:r>
-              <a:rPr lang="ko-KR" altLang="en-US" sz="1800" spc="-150" dirty="0">
-                <a:latin typeface="+mn-ea"/>
-              </a:rPr>
-              <a:t> </a:t>
-            </a:r>
-            <a:r>
-              <a:rPr lang="en-US" altLang="ko-KR" sz="1800" spc="-150" dirty="0" err="1">
-                <a:latin typeface="+mn-ea"/>
-              </a:rPr>
-              <a:t>findContours</a:t>
-            </a:r>
-            <a:r>
-              <a:rPr lang="ko-KR" altLang="en-US" sz="1800" spc="-150" dirty="0">
-                <a:latin typeface="+mn-ea"/>
-              </a:rPr>
-              <a:t> 함수를 이용해 </a:t>
-            </a:r>
-            <a:r>
-              <a:rPr lang="ko-KR" altLang="en-US" sz="1800" spc="-150" dirty="0" err="1">
-                <a:latin typeface="+mn-ea"/>
-              </a:rPr>
-              <a:t>경계값을</a:t>
-            </a:r>
-            <a:r>
-              <a:rPr lang="ko-KR" altLang="en-US" sz="1800" spc="-150" dirty="0">
-                <a:latin typeface="+mn-ea"/>
-              </a:rPr>
-              <a:t> 도출한 후 </a:t>
-            </a:r>
-            <a:endParaRPr lang="en-US" altLang="ko-KR" sz="1800" spc="-150" dirty="0">
-              <a:latin typeface="+mn-ea"/>
-            </a:endParaRPr>
-          </a:p>
-          <a:p>
-            <a:pPr>
-              <a:lnSpc>
-                <a:spcPct val="150000"/>
-              </a:lnSpc>
-              <a:defRPr/>
-            </a:pPr>
-            <a:r>
-              <a:rPr lang="ko-KR" altLang="en-US" sz="1800" spc="-150" dirty="0">
-                <a:latin typeface="+mn-ea"/>
-              </a:rPr>
-              <a:t>그 </a:t>
-            </a:r>
-            <a:r>
-              <a:rPr lang="ko-KR" altLang="en-US" sz="1800" spc="-150" dirty="0" err="1">
-                <a:latin typeface="+mn-ea"/>
-              </a:rPr>
-              <a:t>경계값으로</a:t>
-            </a:r>
-            <a:r>
-              <a:rPr lang="ko-KR" altLang="en-US" sz="1800" spc="-150" dirty="0">
-                <a:latin typeface="+mn-ea"/>
-              </a:rPr>
-              <a:t> 사각형을 생성해 이미지 </a:t>
-            </a:r>
-            <a:r>
-              <a:rPr lang="en-US" altLang="ko-KR" sz="1800" spc="-150" dirty="0">
-                <a:latin typeface="+mn-ea"/>
-              </a:rPr>
-              <a:t>trimming </a:t>
-            </a:r>
-            <a:r>
-              <a:rPr lang="ko-KR" altLang="en-US" sz="1800" spc="-150" dirty="0">
-                <a:latin typeface="+mn-ea"/>
-              </a:rPr>
-              <a:t>좌표를 생성한다</a:t>
-            </a:r>
-            <a:r>
-              <a:rPr lang="en-US" altLang="ko-KR" sz="1800" spc="-150" dirty="0">
-                <a:latin typeface="+mn-ea"/>
-              </a:rPr>
-              <a:t>.</a:t>
-            </a:r>
-          </a:p>
-          <a:p>
-            <a:pPr>
-              <a:lnSpc>
-                <a:spcPct val="150000"/>
-              </a:lnSpc>
-              <a:defRPr/>
-            </a:pPr>
-            <a:r>
-              <a:rPr lang="en-US" altLang="ko-KR" sz="1800" spc="-150" dirty="0">
-                <a:latin typeface="+mn-ea"/>
-              </a:rPr>
-              <a:t>7.</a:t>
-            </a:r>
-            <a:r>
-              <a:rPr lang="ko-KR" altLang="en-US" sz="1800" spc="-150" dirty="0">
-                <a:latin typeface="+mn-ea"/>
-              </a:rPr>
-              <a:t> 적응형 이진화 된 이미지를 </a:t>
-            </a:r>
-            <a:r>
-              <a:rPr lang="en-US" altLang="ko-KR" sz="1800" spc="-150" dirty="0">
-                <a:latin typeface="+mn-ea"/>
-              </a:rPr>
-              <a:t>6</a:t>
-            </a:r>
-            <a:r>
-              <a:rPr lang="ko-KR" altLang="en-US" sz="1800" spc="-150" dirty="0">
-                <a:latin typeface="+mn-ea"/>
-              </a:rPr>
-              <a:t>번에서 구한 좌표로 자르고</a:t>
-            </a:r>
-            <a:endParaRPr lang="en-US" altLang="ko-KR" sz="1800" spc="-150" dirty="0">
-              <a:latin typeface="+mn-ea"/>
-            </a:endParaRPr>
-          </a:p>
-          <a:p>
-            <a:pPr>
-              <a:lnSpc>
-                <a:spcPct val="150000"/>
-              </a:lnSpc>
-              <a:defRPr/>
-            </a:pPr>
-            <a:r>
-              <a:rPr lang="en-US" altLang="ko-KR" sz="1800" spc="-150" dirty="0">
-                <a:latin typeface="+mn-ea"/>
-              </a:rPr>
-              <a:t>32 x 32 </a:t>
-            </a:r>
-            <a:r>
-              <a:rPr lang="ko-KR" altLang="en-US" sz="1800" spc="-150" dirty="0">
-                <a:latin typeface="+mn-ea"/>
-              </a:rPr>
-              <a:t>사이즈로 </a:t>
-            </a:r>
-            <a:r>
-              <a:rPr lang="en-US" altLang="ko-KR" sz="1800" spc="-150" dirty="0">
-                <a:latin typeface="+mn-ea"/>
-              </a:rPr>
-              <a:t>Resize</a:t>
-            </a:r>
-            <a:r>
-              <a:rPr lang="ko-KR" altLang="en-US" sz="1800" spc="-150" dirty="0">
-                <a:latin typeface="+mn-ea"/>
-              </a:rPr>
-              <a:t> 후 </a:t>
-            </a:r>
-            <a:r>
-              <a:rPr lang="en-US" altLang="ko-KR" sz="1800" spc="-150" dirty="0">
-                <a:latin typeface="+mn-ea"/>
-              </a:rPr>
-              <a:t>Return </a:t>
-            </a:r>
-            <a:r>
-              <a:rPr lang="ko-KR" altLang="en-US" sz="1800" spc="-150" dirty="0">
-                <a:latin typeface="+mn-ea"/>
-              </a:rPr>
-              <a:t>한다</a:t>
-            </a:r>
-            <a:r>
-              <a:rPr lang="en-US" altLang="ko-KR" sz="1800" spc="-150" dirty="0">
-                <a:latin typeface="+mn-ea"/>
-              </a:rPr>
-              <a:t>.</a:t>
-            </a:r>
-          </a:p>
-          <a:p>
-            <a:pPr>
-              <a:lnSpc>
-                <a:spcPct val="150000"/>
-              </a:lnSpc>
-              <a:defRPr/>
-            </a:pPr>
-            <a:endParaRPr lang="en-US" altLang="ko-KR" sz="1800" spc="-150" dirty="0">
-              <a:latin typeface="+mn-ea"/>
-            </a:endParaRPr>
-          </a:p>
-          <a:p>
-            <a:pPr>
-              <a:lnSpc>
-                <a:spcPct val="150000"/>
-              </a:lnSpc>
-              <a:defRPr/>
-            </a:pPr>
-            <a:endParaRPr lang="en-US" altLang="ko-KR" sz="1800" spc="-150" dirty="0">
-              <a:latin typeface="+mn-ea"/>
-            </a:endParaRPr>
-          </a:p>
-        </p:txBody>
-      </p:sp>
-      <p:pic>
-        <p:nvPicPr>
-          <p:cNvPr id="6" name="그림 5">
-            <a:extLst>
-              <a:ext uri="{FF2B5EF4-FFF2-40B4-BE49-F238E27FC236}">
-                <a16:creationId xmlns:a16="http://schemas.microsoft.com/office/drawing/2014/main" id="{EE882DA8-81DF-FCCE-25FC-03A2CCC2406C}"/>
-              </a:ext>
-            </a:extLst>
-          </p:cNvPr>
-          <p:cNvPicPr>
-            <a:picLocks noChangeAspect="1"/>
-          </p:cNvPicPr>
-          <p:nvPr/>
-        </p:nvPicPr>
-        <p:blipFill>
-          <a:blip r:embed="rId3"/>
-          <a:stretch>
-            <a:fillRect/>
-          </a:stretch>
-        </p:blipFill>
-        <p:spPr>
-          <a:xfrm>
-            <a:off x="460549" y="1991157"/>
-            <a:ext cx="3282518" cy="4772643"/>
-          </a:xfrm>
-          <a:prstGeom prst="rect">
-            <a:avLst/>
-          </a:prstGeom>
-        </p:spPr>
-      </p:pic>
+              <a:rPr lang="en-US" altLang="ko-KR" sz="2100" dirty="0">
+                <a:latin typeface="+mn-ea"/>
+                <a:ea typeface="+mn-ea"/>
+              </a:rPr>
+              <a:t>196</a:t>
+            </a:r>
+            <a:r>
+              <a:rPr lang="ko-KR" altLang="en-US" sz="2100" dirty="0">
+                <a:latin typeface="+mn-ea"/>
+                <a:ea typeface="+mn-ea"/>
+              </a:rPr>
+              <a:t>개</a:t>
+            </a:r>
+            <a:r>
+              <a:rPr lang="en-US" altLang="ko-KR" sz="2100" dirty="0">
+                <a:latin typeface="+mn-ea"/>
+                <a:ea typeface="+mn-ea"/>
+              </a:rPr>
+              <a:t>, </a:t>
+            </a:r>
+          </a:p>
+          <a:p>
+            <a:pPr algn="just">
+              <a:lnSpc>
+                <a:spcPct val="120000"/>
+              </a:lnSpc>
+              <a:defRPr/>
+            </a:pPr>
+            <a:r>
+              <a:rPr lang="en-US" altLang="ko-KR" sz="2100" dirty="0">
+                <a:latin typeface="+mn-ea"/>
+                <a:ea typeface="+mn-ea"/>
+              </a:rPr>
+              <a:t>outerwear: 4606</a:t>
+            </a:r>
+            <a:r>
+              <a:rPr lang="ko-KR" altLang="en-US" sz="2100" dirty="0">
+                <a:latin typeface="+mn-ea"/>
+                <a:ea typeface="+mn-ea"/>
+              </a:rPr>
+              <a:t>개</a:t>
+            </a:r>
+            <a:r>
+              <a:rPr lang="en-US" altLang="ko-KR" sz="2100" dirty="0">
+                <a:latin typeface="+mn-ea"/>
+                <a:ea typeface="+mn-ea"/>
+              </a:rPr>
+              <a:t>, </a:t>
+            </a:r>
+          </a:p>
+          <a:p>
+            <a:pPr algn="just">
+              <a:lnSpc>
+                <a:spcPct val="120000"/>
+              </a:lnSpc>
+              <a:defRPr/>
+            </a:pPr>
+            <a:r>
+              <a:rPr lang="en-US" altLang="ko-KR" sz="2100" dirty="0">
+                <a:latin typeface="+mn-ea"/>
+                <a:ea typeface="+mn-ea"/>
+              </a:rPr>
+              <a:t>tops: 18350</a:t>
+            </a:r>
+            <a:r>
+              <a:rPr lang="ko-KR" altLang="en-US" sz="2100" dirty="0">
+                <a:latin typeface="+mn-ea"/>
+                <a:ea typeface="+mn-ea"/>
+              </a:rPr>
+              <a:t>개</a:t>
+            </a:r>
+            <a:r>
+              <a:rPr lang="en-US" altLang="ko-KR" sz="2100" dirty="0">
+                <a:latin typeface="+mn-ea"/>
+                <a:ea typeface="+mn-ea"/>
+              </a:rPr>
+              <a:t>, </a:t>
+            </a:r>
+          </a:p>
+          <a:p>
+            <a:pPr algn="just">
+              <a:lnSpc>
+                <a:spcPct val="120000"/>
+              </a:lnSpc>
+              <a:defRPr/>
+            </a:pPr>
+            <a:r>
+              <a:rPr lang="en-US" altLang="ko-KR" sz="2100" dirty="0">
+                <a:latin typeface="+mn-ea"/>
+                <a:ea typeface="+mn-ea"/>
+              </a:rPr>
+              <a:t>bottoms: 6424</a:t>
+            </a:r>
+            <a:r>
+              <a:rPr lang="ko-KR" altLang="en-US" sz="2100" dirty="0">
+                <a:latin typeface="+mn-ea"/>
+                <a:ea typeface="+mn-ea"/>
+              </a:rPr>
+              <a:t>개</a:t>
+            </a:r>
+            <a:r>
+              <a:rPr lang="en-US" altLang="ko-KR" sz="2100" dirty="0">
+                <a:latin typeface="+mn-ea"/>
+                <a:ea typeface="+mn-ea"/>
+              </a:rPr>
+              <a:t>, </a:t>
+            </a:r>
+          </a:p>
+          <a:p>
+            <a:pPr algn="just">
+              <a:lnSpc>
+                <a:spcPct val="120000"/>
+              </a:lnSpc>
+              <a:defRPr/>
+            </a:pPr>
+            <a:r>
+              <a:rPr lang="en-US" altLang="ko-KR" sz="2100" dirty="0">
+                <a:latin typeface="+mn-ea"/>
+                <a:ea typeface="+mn-ea"/>
+              </a:rPr>
+              <a:t>shoes: 424</a:t>
+            </a:r>
+            <a:r>
+              <a:rPr lang="ko-KR" altLang="en-US" sz="2100" dirty="0">
+                <a:latin typeface="+mn-ea"/>
+                <a:ea typeface="+mn-ea"/>
+              </a:rPr>
+              <a:t>개</a:t>
+            </a:r>
+          </a:p>
+        </p:txBody>
+      </p:sp>
     </p:spTree>
     <p:extLst>
       <p:ext uri="{BB962C8B-B14F-4D97-AF65-F5344CB8AC3E}">
-        <p14:creationId xmlns:p14="http://schemas.microsoft.com/office/powerpoint/2010/main" val="3434640500"/>
+        <p14:creationId xmlns:p14="http://schemas.microsoft.com/office/powerpoint/2010/main" val="1267506847"/>
       </p:ext>
     </p:extLst>
   </p:cSld>
@@ -6310,13 +6340,7 @@
       </p:grpSpPr>
       <p:pic>
         <p:nvPicPr>
-          <p:cNvPr id="4" name="그림 3">
-            <a:extLst>
-              <a:ext uri="{FF2B5EF4-FFF2-40B4-BE49-F238E27FC236}">
-                <a16:creationId xmlns:a16="http://schemas.microsoft.com/office/drawing/2014/main" id="{963A1BA7-4CC2-ACEF-0293-24C5AE9B9175}"/>
-              </a:ext>
-            </a:extLst>
-          </p:cNvPr>
+          <p:cNvPr id="2" name="그림 1"/>
           <p:cNvPicPr>
             <a:picLocks noChangeAspect="1"/>
           </p:cNvPicPr>
@@ -6346,13 +6370,7 @@
       </p:pic>
       <p:sp>
         <p:nvSpPr>
-          <p:cNvPr id="5" name="제목 38">
-            <a:extLst>
-              <a:ext uri="{FF2B5EF4-FFF2-40B4-BE49-F238E27FC236}">
-                <a16:creationId xmlns:a16="http://schemas.microsoft.com/office/drawing/2014/main" id="{D53157FE-2798-08EE-C8C3-6F7CF14ECA7D}"/>
-              </a:ext>
-            </a:extLst>
-          </p:cNvPr>
+          <p:cNvPr id="48" name="제목 38"/>
           <p:cNvSpPr>
             <a:spLocks noGrp="1"/>
           </p:cNvSpPr>
@@ -6376,29 +6394,20 @@
               <a:defRPr/>
             </a:pPr>
             <a:r>
-              <a:rPr lang="ko-KR" altLang="en-US" sz="4000" spc="-185" dirty="0" err="1">
+              <a:rPr lang="en-US" altLang="ko-KR" sz="4000" spc="-185" dirty="0">
                 <a:latin typeface="+mj-ea"/>
               </a:rPr>
-              <a:t>전처리</a:t>
-            </a:r>
-            <a:r>
-              <a:rPr lang="ko-KR" altLang="en-US" sz="4000" spc="-185" dirty="0">
-                <a:latin typeface="+mj-ea"/>
-              </a:rPr>
-              <a:t> 과정</a:t>
-            </a:r>
-          </a:p>
-        </p:txBody>
-      </p:sp>
-      <p:sp>
-        <p:nvSpPr>
-          <p:cNvPr id="6" name="제목 38">
-            <a:extLst>
-              <a:ext uri="{FF2B5EF4-FFF2-40B4-BE49-F238E27FC236}">
-                <a16:creationId xmlns:a16="http://schemas.microsoft.com/office/drawing/2014/main" id="{EB94A68A-D51D-255E-A650-BDDB84AC8884}"/>
-              </a:ext>
-            </a:extLst>
-          </p:cNvPr>
+              <a:t>Mission 2</a:t>
+            </a:r>
+            <a:endParaRPr lang="ko-KR" altLang="en-US" sz="4000" spc="-185" dirty="0">
+              <a:latin typeface="+mj-ea"/>
+            </a:endParaRPr>
+          </a:p>
+        </p:txBody>
+      </p:sp>
+      <p:sp>
+        <p:nvSpPr>
+          <p:cNvPr id="13" name="제목 38"/>
           <p:cNvSpPr txBox="1">
             <a:spLocks/>
           </p:cNvSpPr>
@@ -6406,8 +6415,8 @@
         </p:nvSpPr>
         <p:spPr>
           <a:xfrm>
-            <a:off x="363552" y="1547726"/>
-            <a:ext cx="11393019" cy="2419299"/>
+            <a:off x="363552" y="1547727"/>
+            <a:ext cx="11393019" cy="445258"/>
           </a:xfrm>
           <a:prstGeom prst="rect">
             <a:avLst/>
@@ -6438,27 +6447,45 @@
           </a:lstStyle>
           <a:p>
             <a:pPr>
-              <a:lnSpc>
-                <a:spcPct val="120000"/>
-              </a:lnSpc>
-              <a:defRPr/>
-            </a:pPr>
-            <a:r>
-              <a:rPr lang="ko-KR" altLang="en-US" sz="1900" spc="-150" dirty="0" err="1">
-                <a:latin typeface="+mn-ea"/>
-                <a:ea typeface="+mn-ea"/>
-              </a:rPr>
-              <a:t>전처리</a:t>
-            </a:r>
-            <a:r>
-              <a:rPr lang="ko-KR" altLang="en-US" sz="1900" spc="-150" dirty="0">
-                <a:latin typeface="+mn-ea"/>
-                <a:ea typeface="+mn-ea"/>
-              </a:rPr>
-              <a:t> 코드를 완성하기 위해 많은 시행착오를 거쳤습니다</a:t>
-            </a:r>
-            <a:r>
-              <a:rPr lang="en-US" altLang="ko-KR" sz="1900" spc="-150" dirty="0">
+              <a:defRPr/>
+            </a:pPr>
+            <a:r>
+              <a:rPr lang="en-US" altLang="ko-KR" sz="2100" spc="-185" dirty="0">
+                <a:latin typeface="+mn-ea"/>
+                <a:ea typeface="+mn-ea"/>
+              </a:rPr>
+              <a:t>2-1. </a:t>
+            </a:r>
+            <a:r>
+              <a:rPr lang="ko-KR" altLang="en-US" sz="2100" spc="-185" dirty="0">
+                <a:latin typeface="+mn-ea"/>
+                <a:ea typeface="+mn-ea"/>
+              </a:rPr>
+              <a:t>이미지 크기를 적절히 조절하거나</a:t>
+            </a:r>
+            <a:r>
+              <a:rPr lang="en-US" altLang="ko-KR" sz="2100" spc="-185" dirty="0">
+                <a:latin typeface="+mn-ea"/>
+                <a:ea typeface="+mn-ea"/>
+              </a:rPr>
+              <a:t>, </a:t>
+            </a:r>
+            <a:r>
+              <a:rPr lang="ko-KR" altLang="en-US" sz="2100" spc="-185" dirty="0">
+                <a:latin typeface="+mn-ea"/>
+                <a:ea typeface="+mn-ea"/>
+              </a:rPr>
+              <a:t>해상도를 조절하여 학습 데이터 셋을 </a:t>
+            </a:r>
+            <a:r>
+              <a:rPr lang="ko-KR" altLang="en-US" sz="2100" spc="-185" dirty="0" err="1">
+                <a:latin typeface="+mn-ea"/>
+                <a:ea typeface="+mn-ea"/>
+              </a:rPr>
+              <a:t>구축하시오</a:t>
+            </a:r>
+            <a:r>
+              <a:rPr lang="en-US" altLang="ko-KR" sz="2100" spc="-185" dirty="0">
                 <a:latin typeface="+mn-ea"/>
                 <a:ea typeface="+mn-ea"/>
               </a:rPr>
@@ -6467,48 +6494,88 @@
           </a:p>
           <a:p>
             <a:pPr>
-              <a:lnSpc>
-                <a:spcPct val="120000"/>
-              </a:lnSpc>
-              <a:defRPr/>
-            </a:pPr>
-            <a:endParaRPr lang="en-US" altLang="ko-KR" sz="1900" spc="-150" dirty="0">
+              <a:defRPr/>
+            </a:pPr>
+            <a:endParaRPr lang="en-US" altLang="ko-KR" sz="2100" spc="-185" dirty="0">
               <a:latin typeface="+mn-ea"/>
               <a:ea typeface="+mn-ea"/>
             </a:endParaRPr>
           </a:p>
-          <a:p>
-            <a:pPr>
-              <a:lnSpc>
-                <a:spcPct val="120000"/>
-              </a:lnSpc>
-              <a:defRPr/>
-            </a:pPr>
-            <a:r>
-              <a:rPr lang="ko-KR" altLang="en-US" sz="1900" spc="-150" dirty="0">
-                <a:latin typeface="+mn-ea"/>
-                <a:ea typeface="+mn-ea"/>
-              </a:rPr>
-              <a:t>이미지를 이진화 후 모서리를 찾아내기 위해 </a:t>
-            </a:r>
-            <a:r>
-              <a:rPr lang="en-US" altLang="ko-KR" sz="1900" spc="-150" dirty="0">
-                <a:latin typeface="+mn-ea"/>
-                <a:ea typeface="+mn-ea"/>
-              </a:rPr>
-              <a:t>Threshold</a:t>
-            </a:r>
-            <a:r>
-              <a:rPr lang="ko-KR" altLang="en-US" sz="1900" spc="-150" dirty="0">
-                <a:latin typeface="+mn-ea"/>
-                <a:ea typeface="+mn-ea"/>
-              </a:rPr>
-              <a:t> 라는 함수를 사용했습니다</a:t>
-            </a:r>
-            <a:r>
-              <a:rPr lang="en-US" altLang="ko-KR" sz="1900" spc="-150" dirty="0">
-                <a:latin typeface="+mn-ea"/>
-                <a:ea typeface="+mn-ea"/>
+        </p:txBody>
+      </p:sp>
+      <p:sp>
+        <p:nvSpPr>
+          <p:cNvPr id="5" name="TextBox 4">
+            <a:extLst>
+              <a:ext uri="{FF2B5EF4-FFF2-40B4-BE49-F238E27FC236}">
+                <a16:creationId xmlns:a16="http://schemas.microsoft.com/office/drawing/2014/main" id="{BE27B679-F534-AA60-6303-182A391D5CE6}"/>
+              </a:ext>
+            </a:extLst>
+          </p:cNvPr>
+          <p:cNvSpPr txBox="1"/>
+          <p:nvPr/>
+        </p:nvSpPr>
+        <p:spPr>
+          <a:xfrm>
+            <a:off x="4308494" y="2031349"/>
+            <a:ext cx="7448077" cy="5024773"/>
+          </a:xfrm>
+          <a:prstGeom prst="rect">
+            <a:avLst/>
+          </a:prstGeom>
+          <a:noFill/>
+        </p:spPr>
+        <p:txBody>
+          <a:bodyPr wrap="square" rtlCol="0">
+            <a:spAutoFit/>
+          </a:bodyPr>
+          <a:lstStyle/>
+          <a:p>
+            <a:pPr>
+              <a:lnSpc>
+                <a:spcPct val="150000"/>
+              </a:lnSpc>
+              <a:defRPr/>
+            </a:pPr>
+            <a:r>
+              <a:rPr lang="en-US" altLang="ko-KR" sz="1800" spc="-150" dirty="0">
+                <a:latin typeface="+mn-ea"/>
+              </a:rPr>
+              <a:t>1.</a:t>
+            </a:r>
+            <a:r>
+              <a:rPr lang="ko-KR" altLang="en-US" sz="1800" spc="-150" dirty="0">
+                <a:latin typeface="+mn-ea"/>
+              </a:rPr>
+              <a:t> 이미지의 위</a:t>
+            </a:r>
+            <a:r>
+              <a:rPr lang="en-US" altLang="ko-KR" sz="1800" spc="-150" dirty="0">
+                <a:latin typeface="+mn-ea"/>
+              </a:rPr>
+              <a:t>,</a:t>
+            </a:r>
+            <a:r>
+              <a:rPr lang="ko-KR" altLang="en-US" sz="1800" spc="-150" dirty="0">
+                <a:latin typeface="+mn-ea"/>
+              </a:rPr>
+              <a:t> 아래</a:t>
+            </a:r>
+            <a:r>
+              <a:rPr lang="en-US" altLang="ko-KR" sz="1800" spc="-150" dirty="0">
+                <a:latin typeface="+mn-ea"/>
+              </a:rPr>
+              <a:t>,</a:t>
+            </a:r>
+            <a:r>
+              <a:rPr lang="ko-KR" altLang="en-US" sz="1800" spc="-150" dirty="0">
+                <a:latin typeface="+mn-ea"/>
+              </a:rPr>
+              <a:t> 양 옆을 강제로 제거한다</a:t>
+            </a:r>
+            <a:r>
+              <a:rPr lang="en-US" altLang="ko-KR" sz="1800" spc="-150" dirty="0">
+                <a:latin typeface="+mn-ea"/>
               </a:rPr>
               <a:t>.</a:t>
             </a:r>
@@ -6516,68 +6583,120 @@
           <a:p>
             <a:pPr>
               <a:lnSpc>
-                <a:spcPct val="120000"/>
-              </a:lnSpc>
-              <a:defRPr/>
-            </a:pPr>
-            <a:r>
-              <a:rPr lang="ko-KR" altLang="en-US" sz="1900" spc="-150" dirty="0">
-                <a:latin typeface="+mn-ea"/>
-                <a:ea typeface="+mn-ea"/>
-              </a:rPr>
-              <a:t>하지만 배경이 흰색인 탓에 흰 옷 이미지 이진화 시 문제가 생기는 것을 확인할 수 있었고</a:t>
-            </a:r>
-            <a:r>
-              <a:rPr lang="en-US" altLang="ko-KR" sz="1900" spc="-150" dirty="0">
-                <a:latin typeface="+mn-ea"/>
-                <a:ea typeface="+mn-ea"/>
+                <a:spcPct val="150000"/>
+              </a:lnSpc>
+              <a:defRPr/>
+            </a:pPr>
+            <a:r>
+              <a:rPr lang="en-US" altLang="ko-KR" sz="1800" spc="-150" dirty="0">
+                <a:latin typeface="+mn-ea"/>
+              </a:rPr>
+              <a:t>2.</a:t>
+            </a:r>
+            <a:r>
+              <a:rPr lang="ko-KR" altLang="en-US" sz="1800" spc="-150" dirty="0">
+                <a:latin typeface="+mn-ea"/>
+              </a:rPr>
+              <a:t> 이미지의 해상도를 낮추고</a:t>
+            </a:r>
+            <a:r>
+              <a:rPr lang="en-US" altLang="ko-KR" sz="1800" spc="-150" dirty="0">
+                <a:latin typeface="+mn-ea"/>
               </a:rPr>
               <a:t>,</a:t>
             </a:r>
             <a:r>
-              <a:rPr lang="ko-KR" altLang="en-US" sz="1900" spc="-150" dirty="0">
-                <a:latin typeface="+mn-ea"/>
-                <a:ea typeface="+mn-ea"/>
+              <a:rPr lang="ko-KR" altLang="en-US" sz="1800" spc="-150" dirty="0">
+                <a:latin typeface="+mn-ea"/>
               </a:rPr>
               <a:t> </a:t>
             </a:r>
-            <a:endParaRPr lang="en-US" altLang="ko-KR" sz="1900" spc="-150" dirty="0">
+            <a:r>
+              <a:rPr lang="en-US" altLang="ko-KR" sz="1800" spc="-150" dirty="0">
+                <a:latin typeface="+mn-ea"/>
+              </a:rPr>
+              <a:t>Gray Scale</a:t>
+            </a:r>
+            <a:r>
+              <a:rPr lang="ko-KR" altLang="en-US" sz="1800" spc="-150" dirty="0">
+                <a:latin typeface="+mn-ea"/>
+              </a:rPr>
+              <a:t>로 전환한다</a:t>
+            </a:r>
+            <a:r>
+              <a:rPr lang="en-US" altLang="ko-KR" sz="1800" spc="-150" dirty="0">
+                <a:latin typeface="+mn-ea"/>
+              </a:rPr>
+              <a:t>.</a:t>
+            </a:r>
+            <a:r>
+              <a:rPr lang="ko-KR" altLang="en-US" sz="1800" spc="-150" dirty="0">
+                <a:latin typeface="+mn-ea"/>
+              </a:rPr>
+              <a:t> </a:t>
+            </a:r>
+            <a:endParaRPr lang="en-US" altLang="ko-KR" sz="1800" spc="-150" dirty="0">
               <a:latin typeface="+mn-ea"/>
-              <a:ea typeface="+mn-ea"/>
             </a:endParaRPr>
           </a:p>
           <a:p>
             <a:pPr>
               <a:lnSpc>
-                <a:spcPct val="120000"/>
-              </a:lnSpc>
-              <a:defRPr/>
-            </a:pPr>
-            <a:r>
-              <a:rPr lang="ko-KR" altLang="en-US" sz="1900" spc="-150" dirty="0">
-                <a:latin typeface="+mn-ea"/>
-                <a:ea typeface="+mn-ea"/>
-              </a:rPr>
-              <a:t>그래서 </a:t>
-            </a:r>
-            <a:r>
-              <a:rPr lang="en-US" altLang="ko-KR" sz="1900" spc="-150" dirty="0" err="1">
-                <a:latin typeface="+mn-ea"/>
-                <a:ea typeface="+mn-ea"/>
-              </a:rPr>
-              <a:t>Adaptivethreshold</a:t>
-            </a:r>
-            <a:r>
-              <a:rPr lang="ko-KR" altLang="en-US" sz="1900" spc="-150" dirty="0">
-                <a:latin typeface="+mn-ea"/>
-                <a:ea typeface="+mn-ea"/>
-              </a:rPr>
-              <a:t> 라는 적응형 이진화 함수를 사용하였습니다</a:t>
-            </a:r>
-            <a:r>
-              <a:rPr lang="en-US" altLang="ko-KR" sz="1900" spc="-150" dirty="0">
-                <a:latin typeface="+mn-ea"/>
-                <a:ea typeface="+mn-ea"/>
+                <a:spcPct val="150000"/>
+              </a:lnSpc>
+              <a:defRPr/>
+            </a:pPr>
+            <a:r>
+              <a:rPr lang="en-US" altLang="ko-KR" sz="1800" spc="-150" dirty="0">
+                <a:latin typeface="+mn-ea"/>
+              </a:rPr>
+              <a:t>3.</a:t>
+            </a:r>
+            <a:r>
+              <a:rPr lang="ko-KR" altLang="en-US" sz="1800" spc="-150" dirty="0">
+                <a:latin typeface="+mn-ea"/>
+              </a:rPr>
+              <a:t> </a:t>
+            </a:r>
+            <a:r>
+              <a:rPr lang="en-US" altLang="ko-KR" sz="1800" spc="-150" dirty="0" err="1">
+                <a:latin typeface="+mn-ea"/>
+              </a:rPr>
+              <a:t>opencv</a:t>
+            </a:r>
+            <a:r>
+              <a:rPr lang="ko-KR" altLang="en-US" sz="1800" spc="-150" dirty="0">
+                <a:latin typeface="+mn-ea"/>
+              </a:rPr>
+              <a:t>의</a:t>
+            </a:r>
+            <a:r>
+              <a:rPr lang="en-US" altLang="ko-KR" sz="1800" spc="-150" dirty="0">
+                <a:latin typeface="+mn-ea"/>
+              </a:rPr>
+              <a:t> </a:t>
+            </a:r>
+            <a:r>
+              <a:rPr lang="en-US" altLang="ko-KR" sz="1800" spc="-150" dirty="0" err="1">
+                <a:latin typeface="+mn-ea"/>
+              </a:rPr>
+              <a:t>AdaptiveThreshold</a:t>
+            </a:r>
+            <a:r>
+              <a:rPr lang="ko-KR" altLang="en-US" sz="1800" spc="-150" dirty="0" err="1">
+                <a:latin typeface="+mn-ea"/>
+              </a:rPr>
+              <a:t>를</a:t>
+            </a:r>
+            <a:r>
+              <a:rPr lang="ko-KR" altLang="en-US" sz="1800" spc="-150" dirty="0">
+                <a:latin typeface="+mn-ea"/>
+              </a:rPr>
+              <a:t> 이용해 이미지 이진화를 한다</a:t>
+            </a:r>
+            <a:r>
+              <a:rPr lang="en-US" altLang="ko-KR" sz="1800" spc="-150" dirty="0">
+                <a:latin typeface="+mn-ea"/>
               </a:rPr>
               <a:t>.</a:t>
             </a:r>
@@ -6585,61 +6704,134 @@
           <a:p>
             <a:pPr>
               <a:lnSpc>
-                <a:spcPct val="120000"/>
-              </a:lnSpc>
-              <a:defRPr/>
-            </a:pPr>
-            <a:r>
-              <a:rPr lang="ko-KR" altLang="en-US" sz="1900" spc="-150" dirty="0">
-                <a:latin typeface="+mn-ea"/>
-                <a:ea typeface="+mn-ea"/>
-              </a:rPr>
-              <a:t>두 함수의 차이는 지역 이진화와 적응형 </a:t>
-            </a:r>
-            <a:r>
-              <a:rPr lang="ko-KR" altLang="en-US" sz="1900" spc="-150" dirty="0" err="1">
-                <a:latin typeface="+mn-ea"/>
-                <a:ea typeface="+mn-ea"/>
-              </a:rPr>
-              <a:t>이진화입니다</a:t>
-            </a:r>
-            <a:r>
-              <a:rPr lang="en-US" altLang="ko-KR" sz="1900" spc="-150" dirty="0">
-                <a:latin typeface="+mn-ea"/>
-                <a:ea typeface="+mn-ea"/>
+                <a:spcPct val="150000"/>
+              </a:lnSpc>
+              <a:defRPr/>
+            </a:pPr>
+            <a:r>
+              <a:rPr lang="en-US" altLang="ko-KR" sz="1800" spc="-150" dirty="0">
+                <a:latin typeface="+mn-ea"/>
+              </a:rPr>
+              <a:t>4.</a:t>
+            </a:r>
+            <a:r>
+              <a:rPr lang="ko-KR" altLang="en-US" sz="1800" spc="-150" dirty="0">
+                <a:latin typeface="+mn-ea"/>
+              </a:rPr>
+              <a:t> 노이즈를 낮추기 위해 </a:t>
+            </a:r>
+            <a:r>
+              <a:rPr lang="en-US" altLang="ko-KR" sz="1800" spc="-150" dirty="0">
+                <a:latin typeface="+mn-ea"/>
+              </a:rPr>
+              <a:t>1</a:t>
+            </a:r>
+            <a:r>
+              <a:rPr lang="ko-KR" altLang="en-US" sz="1800" spc="-150" dirty="0">
+                <a:latin typeface="+mn-ea"/>
+              </a:rPr>
+              <a:t>차적으로 </a:t>
+            </a:r>
+            <a:r>
+              <a:rPr lang="en-US" altLang="ko-KR" sz="1800" spc="-150" dirty="0">
+                <a:latin typeface="+mn-ea"/>
+              </a:rPr>
+              <a:t>Blur</a:t>
+            </a:r>
+            <a:r>
+              <a:rPr lang="ko-KR" altLang="en-US" sz="1800" spc="-150" dirty="0">
+                <a:latin typeface="+mn-ea"/>
+              </a:rPr>
+              <a:t> 처리를 한다</a:t>
+            </a:r>
+            <a:r>
+              <a:rPr lang="en-US" altLang="ko-KR" sz="1800" spc="-150" dirty="0">
+                <a:latin typeface="+mn-ea"/>
               </a:rPr>
               <a:t>.</a:t>
             </a:r>
-            <a:r>
-              <a:rPr lang="ko-KR" altLang="en-US" sz="1900" spc="-150" dirty="0">
-                <a:latin typeface="+mn-ea"/>
-                <a:ea typeface="+mn-ea"/>
-              </a:rPr>
-              <a:t> 지역 이진화는 불균형한 조명에서 유리하지만 </a:t>
-            </a:r>
-            <a:endParaRPr lang="en-US" altLang="ko-KR" sz="1900" spc="-150" dirty="0">
+          </a:p>
+          <a:p>
+            <a:pPr>
+              <a:lnSpc>
+                <a:spcPct val="150000"/>
+              </a:lnSpc>
+              <a:defRPr/>
+            </a:pPr>
+            <a:r>
+              <a:rPr lang="en-US" altLang="ko-KR" sz="1800" spc="-150" dirty="0">
+                <a:latin typeface="+mn-ea"/>
+              </a:rPr>
+              <a:t>5.</a:t>
+            </a:r>
+            <a:r>
+              <a:rPr lang="ko-KR" altLang="en-US" sz="1800" spc="-150" dirty="0">
+                <a:latin typeface="+mn-ea"/>
+              </a:rPr>
+              <a:t> </a:t>
+            </a:r>
+            <a:r>
+              <a:rPr lang="en-US" altLang="ko-KR" sz="1800" spc="-150" dirty="0">
+                <a:latin typeface="+mn-ea"/>
+              </a:rPr>
+              <a:t>2</a:t>
+            </a:r>
+            <a:r>
+              <a:rPr lang="ko-KR" altLang="en-US" sz="1800" spc="-150" dirty="0">
+                <a:latin typeface="+mn-ea"/>
+              </a:rPr>
+              <a:t>차적으로 커널을 생성하여 </a:t>
+            </a:r>
+            <a:r>
+              <a:rPr lang="en-US" altLang="ko-KR" sz="1800" spc="-150" dirty="0">
+                <a:latin typeface="+mn-ea"/>
+              </a:rPr>
+              <a:t>Morphology </a:t>
+            </a:r>
+            <a:r>
+              <a:rPr lang="ko-KR" altLang="en-US" sz="1800" spc="-150" dirty="0">
+                <a:latin typeface="+mn-ea"/>
+              </a:rPr>
+              <a:t>연산 중 </a:t>
+            </a:r>
+            <a:endParaRPr lang="en-US" altLang="ko-KR" sz="1800" spc="-150" dirty="0">
               <a:latin typeface="+mn-ea"/>
-              <a:ea typeface="+mn-ea"/>
             </a:endParaRPr>
           </a:p>
           <a:p>
             <a:pPr>
               <a:lnSpc>
-                <a:spcPct val="120000"/>
-              </a:lnSpc>
-              <a:defRPr/>
-            </a:pPr>
-            <a:r>
-              <a:rPr lang="ko-KR" altLang="en-US" sz="1900" spc="-150" dirty="0">
-                <a:latin typeface="+mn-ea"/>
-                <a:ea typeface="+mn-ea"/>
-              </a:rPr>
-              <a:t>제공된 데이터셋은 그렇지 않기 때문에 적응형 이진화의 결과가 더 좋았던 것 같습니다</a:t>
-            </a:r>
-            <a:r>
-              <a:rPr lang="en-US" altLang="ko-KR" sz="1900" spc="-150" dirty="0">
-                <a:latin typeface="+mn-ea"/>
-                <a:ea typeface="+mn-ea"/>
+                <a:spcPct val="150000"/>
+              </a:lnSpc>
+              <a:defRPr/>
+            </a:pPr>
+            <a:r>
+              <a:rPr lang="en-US" altLang="ko-KR" sz="1800" spc="-150" dirty="0">
+                <a:latin typeface="+mn-ea"/>
+              </a:rPr>
+              <a:t>closing </a:t>
+            </a:r>
+            <a:r>
+              <a:rPr lang="ko-KR" altLang="en-US" sz="1800" spc="-150" dirty="0">
+                <a:latin typeface="+mn-ea"/>
+              </a:rPr>
+              <a:t>연산과 </a:t>
+            </a:r>
+            <a:r>
+              <a:rPr lang="en-US" altLang="ko-KR" sz="1800" spc="-150" dirty="0">
+                <a:latin typeface="+mn-ea"/>
+              </a:rPr>
+              <a:t>gradient </a:t>
+            </a:r>
+            <a:r>
+              <a:rPr lang="ko-KR" altLang="en-US" sz="1800" spc="-150" dirty="0">
+                <a:latin typeface="+mn-ea"/>
+              </a:rPr>
+              <a:t>연산을 거친다</a:t>
+            </a:r>
+            <a:r>
+              <a:rPr lang="en-US" altLang="ko-KR" sz="1800" spc="-150" dirty="0">
+                <a:latin typeface="+mn-ea"/>
               </a:rPr>
               <a:t>.</a:t>
             </a:r>
@@ -6647,30 +6839,209 @@
           <a:p>
             <a:pPr>
               <a:lnSpc>
-                <a:spcPct val="120000"/>
-              </a:lnSpc>
-              <a:defRPr/>
-            </a:pPr>
-            <a:r>
-              <a:rPr lang="ko-KR" altLang="en-US" sz="1900" spc="-150" dirty="0">
-                <a:latin typeface="+mn-ea"/>
-                <a:ea typeface="+mn-ea"/>
+                <a:spcPct val="150000"/>
+              </a:lnSpc>
+              <a:defRPr/>
+            </a:pPr>
+            <a:r>
+              <a:rPr lang="en-US" altLang="ko-KR" sz="1800" spc="-150" dirty="0">
+                <a:latin typeface="+mn-ea"/>
+              </a:rPr>
+              <a:t>6.</a:t>
+            </a:r>
+            <a:r>
+              <a:rPr lang="ko-KR" altLang="en-US" sz="1800" spc="-150" dirty="0">
+                <a:latin typeface="+mn-ea"/>
               </a:rPr>
               <a:t> </a:t>
             </a:r>
-            <a:endParaRPr lang="en-US" altLang="ko-KR" sz="1900" spc="-150" dirty="0">
+            <a:r>
+              <a:rPr lang="en-US" altLang="ko-KR" sz="1800" spc="-150" dirty="0" err="1">
+                <a:latin typeface="+mn-ea"/>
+              </a:rPr>
+              <a:t>findContours</a:t>
+            </a:r>
+            <a:r>
+              <a:rPr lang="ko-KR" altLang="en-US" sz="1800" spc="-150" dirty="0">
+                <a:latin typeface="+mn-ea"/>
+              </a:rPr>
+              <a:t> 함수를 이용해 </a:t>
+            </a:r>
+            <a:r>
+              <a:rPr lang="ko-KR" altLang="en-US" sz="1800" spc="-150" dirty="0" err="1">
+                <a:latin typeface="+mn-ea"/>
+              </a:rPr>
+              <a:t>경계값을</a:t>
+            </a:r>
+            <a:r>
+              <a:rPr lang="ko-KR" altLang="en-US" sz="1800" spc="-150" dirty="0">
+                <a:latin typeface="+mn-ea"/>
+              </a:rPr>
+              <a:t> 도출한 후 </a:t>
+            </a:r>
+            <a:endParaRPr lang="en-US" altLang="ko-KR" sz="1800" spc="-150" dirty="0">
               <a:latin typeface="+mn-ea"/>
-              <a:ea typeface="+mn-ea"/>
+            </a:endParaRPr>
+          </a:p>
+          <a:p>
+            <a:pPr>
+              <a:lnSpc>
+                <a:spcPct val="150000"/>
+              </a:lnSpc>
+              <a:defRPr/>
+            </a:pPr>
+            <a:r>
+              <a:rPr lang="ko-KR" altLang="en-US" sz="1800" spc="-150" dirty="0">
+                <a:latin typeface="+mn-ea"/>
+              </a:rPr>
+              <a:t>그 </a:t>
+            </a:r>
+            <a:r>
+              <a:rPr lang="ko-KR" altLang="en-US" sz="1800" spc="-150" dirty="0" err="1">
+                <a:latin typeface="+mn-ea"/>
+              </a:rPr>
+              <a:t>경계값으로</a:t>
+            </a:r>
+            <a:r>
+              <a:rPr lang="ko-KR" altLang="en-US" sz="1800" spc="-150" dirty="0">
+                <a:latin typeface="+mn-ea"/>
+              </a:rPr>
+              <a:t> 사각형을 생성해 이미지 </a:t>
+            </a:r>
+            <a:r>
+              <a:rPr lang="en-US" altLang="ko-KR" sz="1800" spc="-150" dirty="0">
+                <a:latin typeface="+mn-ea"/>
+              </a:rPr>
+              <a:t>trimming </a:t>
+            </a:r>
+            <a:r>
+              <a:rPr lang="ko-KR" altLang="en-US" sz="1800" spc="-150" dirty="0">
+                <a:latin typeface="+mn-ea"/>
+              </a:rPr>
+              <a:t>좌표를 생성한다</a:t>
+            </a:r>
+            <a:r>
+              <a:rPr lang="en-US" altLang="ko-KR" sz="1800" spc="-150" dirty="0">
+                <a:latin typeface="+mn-ea"/>
+              </a:rPr>
+              <a:t>.</a:t>
+            </a:r>
+          </a:p>
+          <a:p>
+            <a:pPr>
+              <a:lnSpc>
+                <a:spcPct val="150000"/>
+              </a:lnSpc>
+              <a:defRPr/>
+            </a:pPr>
+            <a:r>
+              <a:rPr lang="en-US" altLang="ko-KR" sz="1800" spc="-150" dirty="0">
+                <a:latin typeface="+mn-ea"/>
+              </a:rPr>
+              <a:t>7.</a:t>
+            </a:r>
+            <a:r>
+              <a:rPr lang="ko-KR" altLang="en-US" sz="1800" spc="-150" dirty="0">
+                <a:latin typeface="+mn-ea"/>
+              </a:rPr>
+              <a:t> 적응형 이진화 된 이미지를 </a:t>
+            </a:r>
+            <a:r>
+              <a:rPr lang="en-US" altLang="ko-KR" sz="1800" spc="-150" dirty="0">
+                <a:latin typeface="+mn-ea"/>
+              </a:rPr>
+              <a:t>6</a:t>
+            </a:r>
+            <a:r>
+              <a:rPr lang="ko-KR" altLang="en-US" sz="1800" spc="-150" dirty="0">
+                <a:latin typeface="+mn-ea"/>
+              </a:rPr>
+              <a:t>번에서 구한 좌표로 자르고</a:t>
+            </a:r>
+            <a:endParaRPr lang="en-US" altLang="ko-KR" sz="1800" spc="-150" dirty="0">
+              <a:latin typeface="+mn-ea"/>
+            </a:endParaRPr>
+          </a:p>
+          <a:p>
+            <a:pPr>
+              <a:lnSpc>
+                <a:spcPct val="150000"/>
+              </a:lnSpc>
+              <a:defRPr/>
+            </a:pPr>
+            <a:r>
+              <a:rPr lang="en-US" altLang="ko-KR" sz="1800" spc="-150" dirty="0">
+                <a:latin typeface="+mn-ea"/>
+              </a:rPr>
+              <a:t>32 x 32 </a:t>
+            </a:r>
+            <a:r>
+              <a:rPr lang="ko-KR" altLang="en-US" sz="1800" spc="-150" dirty="0">
+                <a:latin typeface="+mn-ea"/>
+              </a:rPr>
+              <a:t>사이즈로 </a:t>
+            </a:r>
+            <a:r>
+              <a:rPr lang="en-US" altLang="ko-KR" sz="1800" spc="-150" dirty="0">
+                <a:latin typeface="+mn-ea"/>
+              </a:rPr>
+              <a:t>Resize</a:t>
+            </a:r>
+            <a:r>
+              <a:rPr lang="ko-KR" altLang="en-US" sz="1800" spc="-150" dirty="0">
+                <a:latin typeface="+mn-ea"/>
+              </a:rPr>
+              <a:t> 후 </a:t>
+            </a:r>
+            <a:r>
+              <a:rPr lang="en-US" altLang="ko-KR" sz="1800" spc="-150" dirty="0">
+                <a:latin typeface="+mn-ea"/>
+              </a:rPr>
+              <a:t>Return </a:t>
+            </a:r>
+            <a:r>
+              <a:rPr lang="ko-KR" altLang="en-US" sz="1800" spc="-150" dirty="0">
+                <a:latin typeface="+mn-ea"/>
+              </a:rPr>
+              <a:t>한다</a:t>
+            </a:r>
+            <a:r>
+              <a:rPr lang="en-US" altLang="ko-KR" sz="1800" spc="-150" dirty="0">
+                <a:latin typeface="+mn-ea"/>
+              </a:rPr>
+              <a:t>.</a:t>
+            </a:r>
+          </a:p>
+          <a:p>
+            <a:pPr>
+              <a:lnSpc>
+                <a:spcPct val="150000"/>
+              </a:lnSpc>
+              <a:defRPr/>
+            </a:pPr>
+            <a:endParaRPr lang="en-US" altLang="ko-KR" sz="1800" spc="-150" dirty="0">
+              <a:latin typeface="+mn-ea"/>
+            </a:endParaRPr>
+          </a:p>
+          <a:p>
+            <a:pPr>
+              <a:lnSpc>
+                <a:spcPct val="150000"/>
+              </a:lnSpc>
+              <a:defRPr/>
+            </a:pPr>
+            <a:endParaRPr lang="en-US" altLang="ko-KR" sz="1800" spc="-150" dirty="0">
+              <a:latin typeface="+mn-ea"/>
             </a:endParaRPr>
           </a:p>
         </p:txBody>
       </p:sp>
       <p:pic>
         <p:nvPicPr>
-          <p:cNvPr id="8" name="그림 7" descr="텍스트이(가) 표시된 사진&#10;&#10;자동 생성된 설명">
+          <p:cNvPr id="6" name="그림 5">
             <a:extLst>
               <a:ext uri="{FF2B5EF4-FFF2-40B4-BE49-F238E27FC236}">
-                <a16:creationId xmlns:a16="http://schemas.microsoft.com/office/drawing/2014/main" id="{44362160-5590-DC62-52A4-250228E1A6E4}"/>
+                <a16:creationId xmlns:a16="http://schemas.microsoft.com/office/drawing/2014/main" id="{EE882DA8-81DF-FCCE-25FC-03A2CCC2406C}"/>
               </a:ext>
             </a:extLst>
           </p:cNvPr>
@@ -6679,377 +7050,26 @@
           </p:cNvPicPr>
           <p:nvPr/>
         </p:nvPicPr>
-        <p:blipFill rotWithShape="1">
-          <a:blip r:embed="rId3">
-            <a:extLst>
-              <a:ext uri="{28A0092B-C50C-407E-A947-70E740481C1C}">
-                <a14:useLocalDpi xmlns:a14="http://schemas.microsoft.com/office/drawing/2010/main" val="0"/>
-              </a:ext>
-            </a:extLst>
-          </a:blip>
-          <a:srcRect t="75659" r="61880"/>
-          <a:stretch/>
+        <p:blipFill>
+          <a:blip r:embed="rId3"/>
+          <a:stretch>
+            <a:fillRect/>
+          </a:stretch>
         </p:blipFill>
         <p:spPr>
           <a:xfrm>
-            <a:off x="531826" y="4175050"/>
-            <a:ext cx="1410215" cy="1669312"/>
+            <a:off x="460549" y="1991157"/>
+            <a:ext cx="3282518" cy="4772643"/>
           </a:xfrm>
           <a:prstGeom prst="rect">
             <a:avLst/>
           </a:prstGeom>
         </p:spPr>
       </p:pic>
-      <p:sp>
-        <p:nvSpPr>
-          <p:cNvPr id="9" name="제목 38">
-            <a:extLst>
-              <a:ext uri="{FF2B5EF4-FFF2-40B4-BE49-F238E27FC236}">
-                <a16:creationId xmlns:a16="http://schemas.microsoft.com/office/drawing/2014/main" id="{17C34476-D9F6-9005-524F-E315A8266863}"/>
-              </a:ext>
-            </a:extLst>
-          </p:cNvPr>
-          <p:cNvSpPr txBox="1">
-            <a:spLocks/>
-          </p:cNvSpPr>
-          <p:nvPr/>
-        </p:nvSpPr>
-        <p:spPr>
-          <a:xfrm>
-            <a:off x="560352" y="4351178"/>
-            <a:ext cx="1410215" cy="445258"/>
-          </a:xfrm>
-          <a:prstGeom prst="rect">
-            <a:avLst/>
-          </a:prstGeom>
-        </p:spPr>
-        <p:txBody>
-          <a:bodyPr vert="horz" lIns="112542" tIns="56271" rIns="112542" bIns="56271" rtlCol="0" anchor="t">
-            <a:noAutofit/>
-          </a:bodyPr>
-          <a:lstStyle>
-            <a:lvl1pPr algn="l" defTabSz="914400" rtl="0" eaLnBrk="1" latinLnBrk="1" hangingPunct="1">
-              <a:lnSpc>
-                <a:spcPct val="90000"/>
-              </a:lnSpc>
-              <a:spcBef>
-                <a:spcPct val="0"/>
-              </a:spcBef>
-              <a:buNone/>
-              <a:defRPr sz="4400" kern="1200">
-                <a:solidFill>
-                  <a:schemeClr val="tx1"/>
-                </a:solidFill>
-                <a:latin typeface="+mj-lt"/>
-                <a:ea typeface="+mj-ea"/>
-                <a:cs typeface="+mj-cs"/>
-              </a:defRPr>
-            </a:lvl1pPr>
-          </a:lstStyle>
-          <a:p>
-            <a:pPr>
-              <a:defRPr/>
-            </a:pPr>
-            <a:endParaRPr lang="en-US" altLang="ko-KR" sz="2100" spc="-185" dirty="0">
-              <a:latin typeface="+mn-ea"/>
-              <a:ea typeface="+mn-ea"/>
-            </a:endParaRPr>
-          </a:p>
-        </p:txBody>
-      </p:sp>
-      <p:sp>
-        <p:nvSpPr>
-          <p:cNvPr id="10" name="TextBox 9">
-            <a:extLst>
-              <a:ext uri="{FF2B5EF4-FFF2-40B4-BE49-F238E27FC236}">
-                <a16:creationId xmlns:a16="http://schemas.microsoft.com/office/drawing/2014/main" id="{5CE62B68-E5B2-93D0-B32D-70FDFE1E9158}"/>
-              </a:ext>
-            </a:extLst>
-          </p:cNvPr>
-          <p:cNvSpPr txBox="1"/>
-          <p:nvPr/>
-        </p:nvSpPr>
-        <p:spPr>
-          <a:xfrm>
-            <a:off x="326262" y="5931884"/>
-            <a:ext cx="1821341" cy="523220"/>
-          </a:xfrm>
-          <a:prstGeom prst="rect">
-            <a:avLst/>
-          </a:prstGeom>
-          <a:noFill/>
-        </p:spPr>
-        <p:txBody>
-          <a:bodyPr wrap="square" rtlCol="0">
-            <a:spAutoFit/>
-          </a:bodyPr>
-          <a:lstStyle/>
-          <a:p>
-            <a:pPr algn="ctr"/>
-            <a:r>
-              <a:rPr lang="en-US" altLang="ko-KR" sz="1400" spc="-150" dirty="0">
-                <a:latin typeface="+mn-ea"/>
-              </a:rPr>
-              <a:t>Threshold </a:t>
-            </a:r>
-            <a:r>
-              <a:rPr lang="ko-KR" altLang="en-US" sz="1400" spc="-150" dirty="0">
-                <a:latin typeface="+mn-ea"/>
-              </a:rPr>
-              <a:t>함수 사용</a:t>
-            </a:r>
-            <a:endParaRPr lang="en-US" altLang="ko-KR" sz="1400" spc="-150" dirty="0">
-              <a:latin typeface="+mn-ea"/>
-            </a:endParaRPr>
-          </a:p>
-          <a:p>
-            <a:pPr algn="ctr"/>
-            <a:r>
-              <a:rPr kumimoji="1" lang="en-US" altLang="ko-KR" sz="1400" spc="-150" dirty="0">
-                <a:latin typeface="+mn-ea"/>
-              </a:rPr>
-              <a:t>(</a:t>
-            </a:r>
-            <a:r>
-              <a:rPr kumimoji="1" lang="ko-KR" altLang="en-US" sz="1400" spc="-150" dirty="0">
-                <a:latin typeface="+mn-ea"/>
-              </a:rPr>
-              <a:t>갈색 옷</a:t>
-            </a:r>
-            <a:r>
-              <a:rPr kumimoji="1" lang="en-US" altLang="ko-KR" sz="1400" spc="-150" dirty="0">
-                <a:latin typeface="+mn-ea"/>
-              </a:rPr>
-              <a:t>)</a:t>
-            </a:r>
-            <a:endParaRPr kumimoji="1" lang="en-US" altLang="ko-Kore-KR" sz="1400" dirty="0">
-              <a:latin typeface="+mn-ea"/>
-            </a:endParaRPr>
-          </a:p>
-        </p:txBody>
-      </p:sp>
-      <p:pic>
-        <p:nvPicPr>
-          <p:cNvPr id="12" name="그림 11" descr="텍스트이(가) 표시된 사진&#10;&#10;자동 생성된 설명">
-            <a:extLst>
-              <a:ext uri="{FF2B5EF4-FFF2-40B4-BE49-F238E27FC236}">
-                <a16:creationId xmlns:a16="http://schemas.microsoft.com/office/drawing/2014/main" id="{F3583A5A-1D78-2DB7-2C7B-C47525CD196E}"/>
-              </a:ext>
-            </a:extLst>
-          </p:cNvPr>
-          <p:cNvPicPr>
-            <a:picLocks noChangeAspect="1"/>
-          </p:cNvPicPr>
-          <p:nvPr/>
-        </p:nvPicPr>
-        <p:blipFill rotWithShape="1">
-          <a:blip r:embed="rId4">
-            <a:extLst>
-              <a:ext uri="{28A0092B-C50C-407E-A947-70E740481C1C}">
-                <a14:useLocalDpi xmlns:a14="http://schemas.microsoft.com/office/drawing/2010/main" val="0"/>
-              </a:ext>
-            </a:extLst>
-          </a:blip>
-          <a:srcRect l="4817" t="73855" r="77464"/>
-          <a:stretch/>
-        </p:blipFill>
-        <p:spPr>
-          <a:xfrm>
-            <a:off x="3209678" y="4175050"/>
-            <a:ext cx="708837" cy="1669312"/>
-          </a:xfrm>
-          <a:prstGeom prst="rect">
-            <a:avLst/>
-          </a:prstGeom>
-        </p:spPr>
-      </p:pic>
-      <p:sp>
-        <p:nvSpPr>
-          <p:cNvPr id="14" name="TextBox 13">
-            <a:extLst>
-              <a:ext uri="{FF2B5EF4-FFF2-40B4-BE49-F238E27FC236}">
-                <a16:creationId xmlns:a16="http://schemas.microsoft.com/office/drawing/2014/main" id="{2576593A-EE19-4525-7DEA-517FCB4C9422}"/>
-              </a:ext>
-            </a:extLst>
-          </p:cNvPr>
-          <p:cNvSpPr txBox="1"/>
-          <p:nvPr/>
-        </p:nvSpPr>
-        <p:spPr>
-          <a:xfrm>
-            <a:off x="2653425" y="5931884"/>
-            <a:ext cx="1821341" cy="523220"/>
-          </a:xfrm>
-          <a:prstGeom prst="rect">
-            <a:avLst/>
-          </a:prstGeom>
-          <a:noFill/>
-        </p:spPr>
-        <p:txBody>
-          <a:bodyPr wrap="square" rtlCol="0">
-            <a:spAutoFit/>
-          </a:bodyPr>
-          <a:lstStyle/>
-          <a:p>
-            <a:pPr algn="ctr"/>
-            <a:r>
-              <a:rPr lang="en-US" altLang="ko-KR" sz="1400" spc="-150" dirty="0">
-                <a:latin typeface="+mn-ea"/>
-              </a:rPr>
-              <a:t>Threshold </a:t>
-            </a:r>
-            <a:r>
-              <a:rPr lang="ko-KR" altLang="en-US" sz="1400" spc="-150" dirty="0">
-                <a:latin typeface="+mn-ea"/>
-              </a:rPr>
-              <a:t>함수 사용</a:t>
-            </a:r>
-            <a:endParaRPr lang="en-US" altLang="ko-KR" sz="1400" spc="-150" dirty="0">
-              <a:latin typeface="+mn-ea"/>
-            </a:endParaRPr>
-          </a:p>
-          <a:p>
-            <a:pPr algn="ctr"/>
-            <a:r>
-              <a:rPr kumimoji="1" lang="en-US" altLang="ko-KR" sz="1400" spc="-150" dirty="0">
-                <a:latin typeface="+mn-ea"/>
-              </a:rPr>
-              <a:t>(</a:t>
-            </a:r>
-            <a:r>
-              <a:rPr kumimoji="1" lang="ko-KR" altLang="en-US" sz="1400" spc="-150" dirty="0">
-                <a:latin typeface="+mn-ea"/>
-              </a:rPr>
-              <a:t>흰 옷</a:t>
-            </a:r>
-            <a:r>
-              <a:rPr kumimoji="1" lang="en-US" altLang="ko-KR" sz="1400" spc="-150" dirty="0">
-                <a:latin typeface="+mn-ea"/>
-              </a:rPr>
-              <a:t>)</a:t>
-            </a:r>
-            <a:endParaRPr kumimoji="1" lang="en-US" altLang="ko-Kore-KR" sz="1400" dirty="0">
-              <a:latin typeface="+mn-ea"/>
-            </a:endParaRPr>
-          </a:p>
-        </p:txBody>
-      </p:sp>
-      <p:pic>
-        <p:nvPicPr>
-          <p:cNvPr id="16" name="그림 15" descr="텍스트이(가) 표시된 사진&#10;&#10;자동 생성된 설명">
-            <a:extLst>
-              <a:ext uri="{FF2B5EF4-FFF2-40B4-BE49-F238E27FC236}">
-                <a16:creationId xmlns:a16="http://schemas.microsoft.com/office/drawing/2014/main" id="{EB94D70A-772B-F512-0CC5-C74B0A541842}"/>
-              </a:ext>
-            </a:extLst>
-          </p:cNvPr>
-          <p:cNvPicPr>
-            <a:picLocks noChangeAspect="1"/>
-          </p:cNvPicPr>
-          <p:nvPr/>
-        </p:nvPicPr>
-        <p:blipFill rotWithShape="1">
-          <a:blip r:embed="rId5">
-            <a:extLst>
-              <a:ext uri="{28A0092B-C50C-407E-A947-70E740481C1C}">
-                <a14:useLocalDpi xmlns:a14="http://schemas.microsoft.com/office/drawing/2010/main" val="0"/>
-              </a:ext>
-            </a:extLst>
-          </a:blip>
-          <a:srcRect t="73870" r="72973"/>
-          <a:stretch/>
-        </p:blipFill>
-        <p:spPr>
-          <a:xfrm>
-            <a:off x="5433743" y="4175050"/>
-            <a:ext cx="1280295" cy="1669312"/>
-          </a:xfrm>
-          <a:prstGeom prst="rect">
-            <a:avLst/>
-          </a:prstGeom>
-        </p:spPr>
-      </p:pic>
-      <p:sp>
-        <p:nvSpPr>
-          <p:cNvPr id="18" name="TextBox 17">
-            <a:extLst>
-              <a:ext uri="{FF2B5EF4-FFF2-40B4-BE49-F238E27FC236}">
-                <a16:creationId xmlns:a16="http://schemas.microsoft.com/office/drawing/2014/main" id="{949AC1E4-411B-C9AC-218C-4C1EAC8B8A29}"/>
-              </a:ext>
-            </a:extLst>
-          </p:cNvPr>
-          <p:cNvSpPr txBox="1"/>
-          <p:nvPr/>
-        </p:nvSpPr>
-        <p:spPr>
-          <a:xfrm>
-            <a:off x="4980588" y="5931884"/>
-            <a:ext cx="2186603" cy="523220"/>
-          </a:xfrm>
-          <a:prstGeom prst="rect">
-            <a:avLst/>
-          </a:prstGeom>
-          <a:noFill/>
-        </p:spPr>
-        <p:txBody>
-          <a:bodyPr wrap="square" rtlCol="0">
-            <a:spAutoFit/>
-          </a:bodyPr>
-          <a:lstStyle/>
-          <a:p>
-            <a:pPr algn="ctr"/>
-            <a:r>
-              <a:rPr lang="en-US" altLang="ko-KR" sz="1400" spc="-150" dirty="0" err="1">
-                <a:latin typeface="+mn-ea"/>
-              </a:rPr>
-              <a:t>AdaptiveThreshold</a:t>
-            </a:r>
-            <a:r>
-              <a:rPr lang="en-US" altLang="ko-KR" sz="1400" spc="-150" dirty="0">
-                <a:latin typeface="+mn-ea"/>
-              </a:rPr>
-              <a:t> </a:t>
-            </a:r>
-            <a:r>
-              <a:rPr lang="ko-KR" altLang="en-US" sz="1400" spc="-150" dirty="0">
-                <a:latin typeface="+mn-ea"/>
-              </a:rPr>
-              <a:t>함수 사용</a:t>
-            </a:r>
-            <a:endParaRPr lang="en-US" altLang="ko-KR" sz="1400" spc="-150" dirty="0">
-              <a:latin typeface="+mn-ea"/>
-            </a:endParaRPr>
-          </a:p>
-          <a:p>
-            <a:pPr algn="ctr"/>
-            <a:r>
-              <a:rPr kumimoji="1" lang="en-US" altLang="ko-KR" sz="1400" spc="-150" dirty="0">
-                <a:latin typeface="+mn-ea"/>
-              </a:rPr>
-              <a:t>(</a:t>
-            </a:r>
-            <a:r>
-              <a:rPr kumimoji="1" lang="ko-KR" altLang="en-US" sz="1400" spc="-150" dirty="0">
-                <a:latin typeface="+mn-ea"/>
-              </a:rPr>
-              <a:t>흰 옷</a:t>
-            </a:r>
-            <a:r>
-              <a:rPr kumimoji="1" lang="en-US" altLang="ko-KR" sz="1400" spc="-150" dirty="0">
-                <a:latin typeface="+mn-ea"/>
-              </a:rPr>
-              <a:t>)</a:t>
-            </a:r>
-            <a:endParaRPr kumimoji="1" lang="en-US" altLang="ko-Kore-KR" sz="1400" dirty="0">
-              <a:latin typeface="+mn-ea"/>
-            </a:endParaRPr>
-          </a:p>
-        </p:txBody>
-      </p:sp>
     </p:spTree>
     <p:extLst>
       <p:ext uri="{BB962C8B-B14F-4D97-AF65-F5344CB8AC3E}">
-        <p14:creationId xmlns:p14="http://schemas.microsoft.com/office/powerpoint/2010/main" val="3948253520"/>
+        <p14:creationId xmlns:p14="http://schemas.microsoft.com/office/powerpoint/2010/main" val="3434640500"/>
       </p:ext>
     </p:extLst>
   </p:cSld>
@@ -7174,8 +7194,8 @@
         </p:nvSpPr>
         <p:spPr>
           <a:xfrm>
-            <a:off x="560352" y="2483586"/>
-            <a:ext cx="7390871" cy="1890823"/>
+            <a:off x="363552" y="1547726"/>
+            <a:ext cx="11393019" cy="2419299"/>
           </a:xfrm>
           <a:prstGeom prst="rect">
             <a:avLst/>
@@ -7212,31 +7232,24 @@
               <a:defRPr/>
             </a:pPr>
             <a:r>
+              <a:rPr lang="ko-KR" altLang="en-US" sz="1900" spc="-150" dirty="0" err="1">
+                <a:latin typeface="+mn-ea"/>
+                <a:ea typeface="+mn-ea"/>
+              </a:rPr>
+              <a:t>전처리</a:t>
+            </a:r>
+            <a:r>
               <a:rPr lang="ko-KR" altLang="en-US" sz="1900" spc="-150" dirty="0">
                 <a:latin typeface="+mn-ea"/>
                 <a:ea typeface="+mn-ea"/>
               </a:rPr>
-              <a:t>다만 이미지가 제대로 </a:t>
+              <a:t> 코드를 완성하기 위해 많은 시행착오를 거쳤습니다</a:t>
             </a:r>
             <a:r>
               <a:rPr lang="en-US" altLang="ko-KR" sz="1900" spc="-150" dirty="0">
                 <a:latin typeface="+mn-ea"/>
                 <a:ea typeface="+mn-ea"/>
               </a:rPr>
-              <a:t>crop</a:t>
-            </a:r>
-            <a:r>
-              <a:rPr lang="ko-KR" altLang="en-US" sz="1900" spc="-150" dirty="0">
-                <a:latin typeface="+mn-ea"/>
-                <a:ea typeface="+mn-ea"/>
-              </a:rPr>
-              <a:t> 되지 않은 것을 확인할 수 있습니다</a:t>
-            </a:r>
-            <a:r>
-              <a:rPr lang="en-US" altLang="ko-KR" sz="1900" spc="-150" dirty="0">
-                <a:latin typeface="+mn-ea"/>
-                <a:ea typeface="+mn-ea"/>
-              </a:rPr>
               <a:t>.</a:t>
             </a:r>
           </a:p>
@@ -7247,13 +7260,6 @@
               </a:lnSpc>
               <a:defRPr/>
             </a:pPr>
-            <a:r>
-              <a:rPr lang="ko-KR" altLang="en-US" sz="1900" spc="-150" dirty="0">
-                <a:latin typeface="+mn-ea"/>
-                <a:ea typeface="+mn-ea"/>
-              </a:rPr>
-              <a:t>이미지를 확인해보니 노이즈가 많아 </a:t>
-            </a:r>
             <a:endParaRPr lang="en-US" altLang="ko-KR" sz="1900" spc="-150" dirty="0">
               <a:latin typeface="+mn-ea"/>
               <a:ea typeface="+mn-ea"/>
@@ -7267,24 +7273,31 @@
               <a:defRPr/>
             </a:pPr>
             <a:r>
-              <a:rPr lang="ko-KR" altLang="en-US" sz="1900" spc="-150" dirty="0" err="1">
-                <a:latin typeface="+mn-ea"/>
-                <a:ea typeface="+mn-ea"/>
-              </a:rPr>
-              <a:t>경계값을</a:t>
-            </a:r>
-            <a:r>
               <a:rPr lang="ko-KR" altLang="en-US" sz="1900" spc="-150" dirty="0">
                 <a:latin typeface="+mn-ea"/>
                 <a:ea typeface="+mn-ea"/>
               </a:rPr>
-              <a:t> 제대로 도출하지 못한 것으로 보입니다</a:t>
+              <a:t>이미지를 이진화 후 모서리를 찾아내기 위해 </a:t>
             </a:r>
             <a:r>
               <a:rPr lang="en-US" altLang="ko-KR" sz="1900" spc="-150" dirty="0">
                 <a:latin typeface="+mn-ea"/>
                 <a:ea typeface="+mn-ea"/>
               </a:rPr>
+              <a:t>Threshold</a:t>
+            </a:r>
+            <a:r>
+              <a:rPr lang="ko-KR" altLang="en-US" sz="1900" spc="-150" dirty="0">
+                <a:latin typeface="+mn-ea"/>
+                <a:ea typeface="+mn-ea"/>
+              </a:rPr>
+              <a:t> 라는 함수를 사용했습니다</a:t>
+            </a:r>
+            <a:r>
+              <a:rPr lang="en-US" altLang="ko-KR" sz="1900" spc="-150" dirty="0">
+                <a:latin typeface="+mn-ea"/>
+                <a:ea typeface="+mn-ea"/>
+              </a:rPr>
               <a:t>.</a:t>
             </a:r>
           </a:p>
@@ -7295,6 +7308,27 @@
               </a:lnSpc>
               <a:defRPr/>
             </a:pPr>
+            <a:r>
+              <a:rPr lang="ko-KR" altLang="en-US" sz="1900" spc="-150" dirty="0">
+                <a:latin typeface="+mn-ea"/>
+                <a:ea typeface="+mn-ea"/>
+              </a:rPr>
+              <a:t>하지만 배경이 흰색인 탓에 흰 옷 이미지 이진화 시 문제가 생기는 것을 확인할 수 있었고</a:t>
+            </a:r>
+            <a:r>
+              <a:rPr lang="en-US" altLang="ko-KR" sz="1900" spc="-150" dirty="0">
+                <a:latin typeface="+mn-ea"/>
+                <a:ea typeface="+mn-ea"/>
+              </a:rPr>
+              <a:t>,</a:t>
+            </a:r>
+            <a:r>
+              <a:rPr lang="ko-KR" altLang="en-US" sz="1900" spc="-150" dirty="0">
+                <a:latin typeface="+mn-ea"/>
+                <a:ea typeface="+mn-ea"/>
+              </a:rPr>
+              <a:t> </a:t>
+            </a:r>
             <a:endParaRPr lang="en-US" altLang="ko-KR" sz="1900" spc="-150" dirty="0">
               <a:latin typeface="+mn-ea"/>
               <a:ea typeface="+mn-ea"/>
@@ -7312,7 +7346,21 @@
                 <a:latin typeface="+mn-ea"/>
                 <a:ea typeface="+mn-ea"/>
               </a:rPr>
-              <a:t>그래서 이미지의 노이즈를 줄이는 방법을 생각해보게 되었습니다</a:t>
+              <a:t>그래서 </a:t>
+            </a:r>
+            <a:r>
+              <a:rPr lang="en-US" altLang="ko-KR" sz="1900" spc="-150" dirty="0" err="1">
+                <a:latin typeface="+mn-ea"/>
+                <a:ea typeface="+mn-ea"/>
+              </a:rPr>
+              <a:t>Adaptivethreshold</a:t>
+            </a:r>
+            <a:r>
+              <a:rPr lang="ko-KR" altLang="en-US" sz="1900" spc="-150" dirty="0">
+                <a:latin typeface="+mn-ea"/>
+                <a:ea typeface="+mn-ea"/>
+              </a:rPr>
+              <a:t> 라는 적응형 이진화 함수를 사용하였습니다</a:t>
             </a:r>
             <a:r>
               <a:rPr lang="en-US" altLang="ko-KR" sz="1900" spc="-150" dirty="0">
@@ -7322,71 +7370,95 @@
               <a:t>.</a:t>
             </a:r>
           </a:p>
-        </p:txBody>
-      </p:sp>
-      <p:sp>
-        <p:nvSpPr>
-          <p:cNvPr id="9" name="제목 38">
-            <a:extLst>
-              <a:ext uri="{FF2B5EF4-FFF2-40B4-BE49-F238E27FC236}">
-                <a16:creationId xmlns:a16="http://schemas.microsoft.com/office/drawing/2014/main" id="{17C34476-D9F6-9005-524F-E315A8266863}"/>
-              </a:ext>
-            </a:extLst>
-          </p:cNvPr>
-          <p:cNvSpPr txBox="1">
-            <a:spLocks/>
-          </p:cNvSpPr>
-          <p:nvPr/>
-        </p:nvSpPr>
-        <p:spPr>
-          <a:xfrm>
-            <a:off x="560352" y="4351178"/>
-            <a:ext cx="1410215" cy="445258"/>
-          </a:xfrm>
-          <a:prstGeom prst="rect">
-            <a:avLst/>
-          </a:prstGeom>
-        </p:spPr>
-        <p:txBody>
-          <a:bodyPr vert="horz" lIns="112542" tIns="56271" rIns="112542" bIns="56271" rtlCol="0" anchor="t">
-            <a:noAutofit/>
-          </a:bodyPr>
-          <a:lstStyle>
-            <a:lvl1pPr algn="l" defTabSz="914400" rtl="0" eaLnBrk="1" latinLnBrk="1" hangingPunct="1">
-              <a:lnSpc>
-                <a:spcPct val="90000"/>
-              </a:lnSpc>
-              <a:spcBef>
-                <a:spcPct val="0"/>
-              </a:spcBef>
-              <a:buNone/>
-              <a:defRPr sz="4400" kern="1200">
-                <a:solidFill>
-                  <a:schemeClr val="tx1"/>
-                </a:solidFill>
-                <a:latin typeface="+mj-lt"/>
-                <a:ea typeface="+mj-ea"/>
-                <a:cs typeface="+mj-cs"/>
-              </a:defRPr>
-            </a:lvl1pPr>
-          </a:lstStyle>
-          <a:p>
-            <a:pPr>
-              <a:defRPr/>
-            </a:pPr>
-            <a:endParaRPr lang="en-US" altLang="ko-KR" sz="2100" spc="-185" dirty="0">
+          <a:p>
+            <a:pPr>
+              <a:lnSpc>
+                <a:spcPct val="120000"/>
+              </a:lnSpc>
+              <a:defRPr/>
+            </a:pPr>
+            <a:r>
+              <a:rPr lang="ko-KR" altLang="en-US" sz="1900" spc="-150" dirty="0">
+                <a:latin typeface="+mn-ea"/>
+                <a:ea typeface="+mn-ea"/>
+              </a:rPr>
+              <a:t>두 함수의 차이는 지역 이진화와 적응형 </a:t>
+            </a:r>
+            <a:r>
+              <a:rPr lang="ko-KR" altLang="en-US" sz="1900" spc="-150" dirty="0" err="1">
+                <a:latin typeface="+mn-ea"/>
+                <a:ea typeface="+mn-ea"/>
+              </a:rPr>
+              <a:t>이진화입니다</a:t>
+            </a:r>
+            <a:r>
+              <a:rPr lang="en-US" altLang="ko-KR" sz="1900" spc="-150" dirty="0">
+                <a:latin typeface="+mn-ea"/>
+                <a:ea typeface="+mn-ea"/>
+              </a:rPr>
+              <a:t>.</a:t>
+            </a:r>
+            <a:r>
+              <a:rPr lang="ko-KR" altLang="en-US" sz="1900" spc="-150" dirty="0">
+                <a:latin typeface="+mn-ea"/>
+                <a:ea typeface="+mn-ea"/>
+              </a:rPr>
+              <a:t> 지역 이진화는 불균형한 조명에서 유리하지만 </a:t>
+            </a:r>
+            <a:endParaRPr lang="en-US" altLang="ko-KR" sz="1900" spc="-150" dirty="0">
               <a:latin typeface="+mn-ea"/>
               <a:ea typeface="+mn-ea"/>
             </a:endParaRPr>
           </a:p>
+          <a:p>
+            <a:pPr>
+              <a:lnSpc>
+                <a:spcPct val="120000"/>
+              </a:lnSpc>
+              <a:defRPr/>
+            </a:pPr>
+            <a:r>
+              <a:rPr lang="ko-KR" altLang="en-US" sz="1900" spc="-150" dirty="0">
+                <a:latin typeface="+mn-ea"/>
+                <a:ea typeface="+mn-ea"/>
+              </a:rPr>
+              <a:t>제공된 데이터셋은 그렇지 않기 때문에 적응형 이진화의 결과가 더 좋았던 것 같습니다</a:t>
+            </a:r>
+            <a:r>
+              <a:rPr lang="en-US" altLang="ko-KR" sz="1900" spc="-150" dirty="0">
+                <a:latin typeface="+mn-ea"/>
+                <a:ea typeface="+mn-ea"/>
+              </a:rPr>
+              <a:t>.</a:t>
+            </a:r>
+          </a:p>
+          <a:p>
+            <a:pPr>
+              <a:lnSpc>
+                <a:spcPct val="120000"/>
+              </a:lnSpc>
+              <a:defRPr/>
+            </a:pPr>
+            <a:r>
+              <a:rPr lang="ko-KR" altLang="en-US" sz="1900" spc="-150" dirty="0">
+                <a:latin typeface="+mn-ea"/>
+                <a:ea typeface="+mn-ea"/>
+              </a:rPr>
+              <a:t> </a:t>
+            </a:r>
+            <a:endParaRPr lang="en-US" altLang="ko-KR" sz="1900" spc="-150" dirty="0">
+              <a:latin typeface="+mn-ea"/>
+              <a:ea typeface="+mn-ea"/>
+            </a:endParaRPr>
+          </a:p>
         </p:txBody>
       </p:sp>
       <p:pic>
         <p:nvPicPr>
-          <p:cNvPr id="16" name="그림 15" descr="텍스트이(가) 표시된 사진&#10;&#10;자동 생성된 설명">
+          <p:cNvPr id="8" name="그림 7" descr="텍스트이(가) 표시된 사진&#10;&#10;자동 생성된 설명">
             <a:extLst>
               <a:ext uri="{FF2B5EF4-FFF2-40B4-BE49-F238E27FC236}">
-                <a16:creationId xmlns:a16="http://schemas.microsoft.com/office/drawing/2014/main" id="{EB94D70A-772B-F512-0CC5-C74B0A541842}"/>
+                <a16:creationId xmlns:a16="http://schemas.microsoft.com/office/drawing/2014/main" id="{44362160-5590-DC62-52A4-250228E1A6E4}"/>
               </a:ext>
             </a:extLst>
           </p:cNvPr>
@@ -7403,25 +7475,153 @@
               </a:ext>
             </a:extLst>
           </a:blip>
-          <a:srcRect t="73870" r="72973"/>
+          <a:srcRect t="75659" r="61880"/>
           <a:stretch/>
         </p:blipFill>
         <p:spPr>
           <a:xfrm>
-            <a:off x="7745961" y="2400565"/>
-            <a:ext cx="1837537" cy="2395871"/>
+            <a:off x="531826" y="4175050"/>
+            <a:ext cx="1410215" cy="1669312"/>
           </a:xfrm>
           <a:prstGeom prst="rect">
             <a:avLst/>
           </a:prstGeom>
         </p:spPr>
       </p:pic>
+      <p:sp>
+        <p:nvSpPr>
+          <p:cNvPr id="9" name="제목 38">
+            <a:extLst>
+              <a:ext uri="{FF2B5EF4-FFF2-40B4-BE49-F238E27FC236}">
+                <a16:creationId xmlns:a16="http://schemas.microsoft.com/office/drawing/2014/main" id="{17C34476-D9F6-9005-524F-E315A8266863}"/>
+              </a:ext>
+            </a:extLst>
+          </p:cNvPr>
+          <p:cNvSpPr txBox="1">
+            <a:spLocks/>
+          </p:cNvSpPr>
+          <p:nvPr/>
+        </p:nvSpPr>
+        <p:spPr>
+          <a:xfrm>
+            <a:off x="560352" y="4351178"/>
+            <a:ext cx="1410215" cy="445258"/>
+          </a:xfrm>
+          <a:prstGeom prst="rect">
+            <a:avLst/>
+          </a:prstGeom>
+        </p:spPr>
+        <p:txBody>
+          <a:bodyPr vert="horz" lIns="112542" tIns="56271" rIns="112542" bIns="56271" rtlCol="0" anchor="t">
+            <a:noAutofit/>
+          </a:bodyPr>
+          <a:lstStyle>
+            <a:lvl1pPr algn="l" defTabSz="914400" rtl="0" eaLnBrk="1" latinLnBrk="1" hangingPunct="1">
+              <a:lnSpc>
+                <a:spcPct val="90000"/>
+              </a:lnSpc>
+              <a:spcBef>
+                <a:spcPct val="0"/>
+              </a:spcBef>
+              <a:buNone/>
+              <a:defRPr sz="4400" kern="1200">
+                <a:solidFill>
+                  <a:schemeClr val="tx1"/>
+                </a:solidFill>
+                <a:latin typeface="+mj-lt"/>
+                <a:ea typeface="+mj-ea"/>
+                <a:cs typeface="+mj-cs"/>
+              </a:defRPr>
+            </a:lvl1pPr>
+          </a:lstStyle>
+          <a:p>
+            <a:pPr>
+              <a:defRPr/>
+            </a:pPr>
+            <a:endParaRPr lang="en-US" altLang="ko-KR" sz="2100" spc="-185" dirty="0">
+              <a:latin typeface="+mn-ea"/>
+              <a:ea typeface="+mn-ea"/>
+            </a:endParaRPr>
+          </a:p>
+        </p:txBody>
+      </p:sp>
+      <p:sp>
+        <p:nvSpPr>
+          <p:cNvPr id="10" name="TextBox 9">
+            <a:extLst>
+              <a:ext uri="{FF2B5EF4-FFF2-40B4-BE49-F238E27FC236}">
+                <a16:creationId xmlns:a16="http://schemas.microsoft.com/office/drawing/2014/main" id="{5CE62B68-E5B2-93D0-B32D-70FDFE1E9158}"/>
+              </a:ext>
+            </a:extLst>
+          </p:cNvPr>
+          <p:cNvSpPr txBox="1"/>
+          <p:nvPr/>
+        </p:nvSpPr>
+        <p:spPr>
+          <a:xfrm>
+            <a:off x="326262" y="5931884"/>
+            <a:ext cx="1821341" cy="523220"/>
+          </a:xfrm>
+          <a:prstGeom prst="rect">
+            <a:avLst/>
+          </a:prstGeom>
+          <a:noFill/>
+        </p:spPr>
+        <p:txBody>
+          <a:bodyPr wrap="square" rtlCol="0">
+            <a:spAutoFit/>
+          </a:bodyPr>
+          <a:lstStyle/>
+          <a:p>
+            <a:pPr algn="ctr"/>
+            <a:r>
+              <a:rPr lang="en-US" altLang="ko-KR" sz="1400" spc="-150" dirty="0">
+                <a:latin typeface="+mn-ea"/>
+              </a:rPr>
+              <a:t>Threshold </a:t>
+            </a:r>
+            <a:r>
+              <a:rPr lang="ko-KR" altLang="en-US" sz="1400" spc="-150" dirty="0">
+                <a:latin typeface="+mn-ea"/>
+              </a:rPr>
+              <a:t>함수 사용</a:t>
+            </a:r>
+            <a:endParaRPr lang="en-US" altLang="ko-KR" sz="1400" spc="-150" dirty="0">
+              <a:latin typeface="+mn-ea"/>
+            </a:endParaRPr>
+          </a:p>
+          <a:p>
+            <a:pPr algn="ctr"/>
+            <a:r>
+              <a:rPr kumimoji="1" lang="en-US" altLang="ko-KR" sz="1400" spc="-150" dirty="0">
+                <a:latin typeface="+mn-ea"/>
+              </a:rPr>
+              <a:t>(</a:t>
+            </a:r>
+            <a:r>
+              <a:rPr kumimoji="1" lang="ko-KR" altLang="en-US" sz="1400" spc="-150" dirty="0">
+                <a:latin typeface="+mn-ea"/>
+              </a:rPr>
+              <a:t>갈색 옷</a:t>
+            </a:r>
+            <a:r>
+              <a:rPr kumimoji="1" lang="en-US" altLang="ko-KR" sz="1400" spc="-150" dirty="0">
+                <a:latin typeface="+mn-ea"/>
+              </a:rPr>
+              <a:t>)</a:t>
+            </a:r>
+            <a:endParaRPr kumimoji="1" lang="en-US" altLang="ko-Kore-KR" sz="1400" dirty="0">
+              <a:latin typeface="+mn-ea"/>
+            </a:endParaRPr>
+          </a:p>
+        </p:txBody>
+      </p:sp>
       <p:pic>
         <p:nvPicPr>
-          <p:cNvPr id="3" name="그림 2" descr="텍스트, 밤하늘이(가) 표시된 사진&#10;&#10;자동 생성된 설명">
+          <p:cNvPr id="12" name="그림 11" descr="텍스트이(가) 표시된 사진&#10;&#10;자동 생성된 설명">
             <a:extLst>
               <a:ext uri="{FF2B5EF4-FFF2-40B4-BE49-F238E27FC236}">
-                <a16:creationId xmlns:a16="http://schemas.microsoft.com/office/drawing/2014/main" id="{2472CE69-6D05-2FE7-FD0C-E37BE1DEED7F}"/>
+                <a16:creationId xmlns:a16="http://schemas.microsoft.com/office/drawing/2014/main" id="{F3583A5A-1D78-2DB7-2C7B-C47525CD196E}"/>
               </a:ext>
             </a:extLst>
           </p:cNvPr>
@@ -7430,7 +7630,7 @@
           </p:cNvPicPr>
           <p:nvPr/>
         </p:nvPicPr>
-        <p:blipFill>
+        <p:blipFill rotWithShape="1">
           <a:blip r:embed="rId4">
             <a:extLst>
               <a:ext uri="{28A0092B-C50C-407E-A947-70E740481C1C}">
@@ -7438,24 +7638,206 @@
               </a:ext>
             </a:extLst>
           </a:blip>
-          <a:stretch>
-            <a:fillRect/>
-          </a:stretch>
+          <a:srcRect l="4817" t="73855" r="77464"/>
+          <a:stretch/>
         </p:blipFill>
         <p:spPr>
           <a:xfrm>
-            <a:off x="9956504" y="2400565"/>
-            <a:ext cx="1533720" cy="2395871"/>
+            <a:off x="3209678" y="4175050"/>
+            <a:ext cx="708837" cy="1669312"/>
           </a:xfrm>
           <a:prstGeom prst="rect">
             <a:avLst/>
           </a:prstGeom>
         </p:spPr>
       </p:pic>
+      <p:sp>
+        <p:nvSpPr>
+          <p:cNvPr id="14" name="TextBox 13">
+            <a:extLst>
+              <a:ext uri="{FF2B5EF4-FFF2-40B4-BE49-F238E27FC236}">
+                <a16:creationId xmlns:a16="http://schemas.microsoft.com/office/drawing/2014/main" id="{2576593A-EE19-4525-7DEA-517FCB4C9422}"/>
+              </a:ext>
+            </a:extLst>
+          </p:cNvPr>
+          <p:cNvSpPr txBox="1"/>
+          <p:nvPr/>
+        </p:nvSpPr>
+        <p:spPr>
+          <a:xfrm>
+            <a:off x="2653425" y="5931884"/>
+            <a:ext cx="1821341" cy="523220"/>
+          </a:xfrm>
+          <a:prstGeom prst="rect">
+            <a:avLst/>
+          </a:prstGeom>
+          <a:noFill/>
+        </p:spPr>
+        <p:txBody>
+          <a:bodyPr wrap="square" rtlCol="0">
+            <a:spAutoFit/>
+          </a:bodyPr>
+          <a:lstStyle/>
+          <a:p>
+            <a:pPr algn="ctr"/>
+            <a:r>
+              <a:rPr lang="en-US" altLang="ko-KR" sz="1400" spc="-150" dirty="0">
+                <a:latin typeface="+mn-ea"/>
+              </a:rPr>
+              <a:t>Threshold </a:t>
+            </a:r>
+            <a:r>
+              <a:rPr lang="ko-KR" altLang="en-US" sz="1400" spc="-150" dirty="0">
+                <a:latin typeface="+mn-ea"/>
+              </a:rPr>
+              <a:t>함수 사용</a:t>
+            </a:r>
+            <a:endParaRPr lang="en-US" altLang="ko-KR" sz="1400" spc="-150" dirty="0">
+              <a:latin typeface="+mn-ea"/>
+            </a:endParaRPr>
+          </a:p>
+          <a:p>
+            <a:pPr algn="ctr"/>
+            <a:r>
+              <a:rPr kumimoji="1" lang="en-US" altLang="ko-KR" sz="1400" spc="-150" dirty="0">
+                <a:latin typeface="+mn-ea"/>
+              </a:rPr>
+              <a:t>(</a:t>
+            </a:r>
+            <a:r>
+              <a:rPr kumimoji="1" lang="ko-KR" altLang="en-US" sz="1400" spc="-150" dirty="0">
+                <a:latin typeface="+mn-ea"/>
+              </a:rPr>
+              <a:t>흰 옷</a:t>
+            </a:r>
+            <a:r>
+              <a:rPr kumimoji="1" lang="en-US" altLang="ko-KR" sz="1400" spc="-150" dirty="0">
+                <a:latin typeface="+mn-ea"/>
+              </a:rPr>
+              <a:t>)</a:t>
+            </a:r>
+            <a:endParaRPr kumimoji="1" lang="en-US" altLang="ko-Kore-KR" sz="1400" dirty="0">
+              <a:latin typeface="+mn-ea"/>
+            </a:endParaRPr>
+          </a:p>
+        </p:txBody>
+      </p:sp>
+      <p:pic>
+        <p:nvPicPr>
+          <p:cNvPr id="16" name="그림 15" descr="텍스트이(가) 표시된 사진&#10;&#10;자동 생성된 설명">
+            <a:extLst>
+              <a:ext uri="{FF2B5EF4-FFF2-40B4-BE49-F238E27FC236}">
+                <a16:creationId xmlns:a16="http://schemas.microsoft.com/office/drawing/2014/main" id="{EB94D70A-772B-F512-0CC5-C74B0A541842}"/>
+              </a:ext>
+            </a:extLst>
+          </p:cNvPr>
+          <p:cNvPicPr>
+            <a:picLocks noChangeAspect="1"/>
+          </p:cNvPicPr>
+          <p:nvPr/>
+        </p:nvPicPr>
+        <p:blipFill rotWithShape="1">
+          <a:blip r:embed="rId5">
+            <a:extLst>
+              <a:ext uri="{28A0092B-C50C-407E-A947-70E740481C1C}">
+                <a14:useLocalDpi xmlns:a14="http://schemas.microsoft.com/office/drawing/2010/main" val="0"/>
+              </a:ext>
+            </a:extLst>
+          </a:blip>
+          <a:srcRect t="73870" r="72973"/>
+          <a:stretch/>
+        </p:blipFill>
+        <p:spPr>
+          <a:xfrm>
+            <a:off x="5433743" y="4175050"/>
+            <a:ext cx="1280295" cy="1669312"/>
+          </a:xfrm>
+          <a:prstGeom prst="rect">
+            <a:avLst/>
+          </a:prstGeom>
+        </p:spPr>
+      </p:pic>
+      <p:sp>
+        <p:nvSpPr>
+          <p:cNvPr id="18" name="TextBox 17">
+            <a:extLst>
+              <a:ext uri="{FF2B5EF4-FFF2-40B4-BE49-F238E27FC236}">
+                <a16:creationId xmlns:a16="http://schemas.microsoft.com/office/drawing/2014/main" id="{949AC1E4-411B-C9AC-218C-4C1EAC8B8A29}"/>
+              </a:ext>
+            </a:extLst>
+          </p:cNvPr>
+          <p:cNvSpPr txBox="1"/>
+          <p:nvPr/>
+        </p:nvSpPr>
+        <p:spPr>
+          <a:xfrm>
+            <a:off x="4980588" y="5931884"/>
+            <a:ext cx="2186603" cy="523220"/>
+          </a:xfrm>
+          <a:prstGeom prst="rect">
+            <a:avLst/>
+          </a:prstGeom>
+          <a:noFill/>
+        </p:spPr>
+        <p:txBody>
+          <a:bodyPr wrap="square" rtlCol="0">
+            <a:spAutoFit/>
+          </a:bodyPr>
+          <a:lstStyle/>
+          <a:p>
+            <a:pPr algn="ctr"/>
+            <a:r>
+              <a:rPr lang="en-US" altLang="ko-KR" sz="1400" spc="-150" dirty="0" err="1">
+                <a:latin typeface="+mn-ea"/>
+              </a:rPr>
+              <a:t>AdaptiveThreshold</a:t>
+            </a:r>
+            <a:r>
+              <a:rPr lang="en-US" altLang="ko-KR" sz="1400" spc="-150" dirty="0">
+                <a:latin typeface="+mn-ea"/>
+              </a:rPr>
+              <a:t> </a:t>
+            </a:r>
+            <a:r>
+              <a:rPr lang="ko-KR" altLang="en-US" sz="1400" spc="-150" dirty="0">
+                <a:latin typeface="+mn-ea"/>
+              </a:rPr>
+              <a:t>함수 사용</a:t>
+            </a:r>
+            <a:endParaRPr lang="en-US" altLang="ko-KR" sz="1400" spc="-150" dirty="0">
+              <a:latin typeface="+mn-ea"/>
+            </a:endParaRPr>
+          </a:p>
+          <a:p>
+            <a:pPr algn="ctr"/>
+            <a:r>
+              <a:rPr kumimoji="1" lang="en-US" altLang="ko-KR" sz="1400" spc="-150" dirty="0">
+                <a:latin typeface="+mn-ea"/>
+              </a:rPr>
+              <a:t>(</a:t>
+            </a:r>
+            <a:r>
+              <a:rPr kumimoji="1" lang="ko-KR" altLang="en-US" sz="1400" spc="-150" dirty="0">
+                <a:latin typeface="+mn-ea"/>
+              </a:rPr>
+              <a:t>흰 옷</a:t>
+            </a:r>
+            <a:r>
+              <a:rPr kumimoji="1" lang="en-US" altLang="ko-KR" sz="1400" spc="-150" dirty="0">
+                <a:latin typeface="+mn-ea"/>
+              </a:rPr>
+              <a:t>)</a:t>
+            </a:r>
+            <a:endParaRPr kumimoji="1" lang="en-US" altLang="ko-Kore-KR" sz="1400" dirty="0">
+              <a:latin typeface="+mn-ea"/>
+            </a:endParaRPr>
+          </a:p>
+        </p:txBody>
+      </p:sp>
     </p:spTree>
     <p:extLst>
       <p:ext uri="{BB962C8B-B14F-4D97-AF65-F5344CB8AC3E}">
-        <p14:creationId xmlns:p14="http://schemas.microsoft.com/office/powerpoint/2010/main" val="4281881407"/>
+        <p14:creationId xmlns:p14="http://schemas.microsoft.com/office/powerpoint/2010/main" val="3948253520"/>
       </p:ext>
     </p:extLst>
   </p:cSld>
@@ -7580,8 +7962,8 @@
         </p:nvSpPr>
         <p:spPr>
           <a:xfrm>
-            <a:off x="342288" y="1774547"/>
-            <a:ext cx="11393019" cy="4045006"/>
+            <a:off x="560352" y="2483586"/>
+            <a:ext cx="7390871" cy="1890823"/>
           </a:xfrm>
           <a:prstGeom prst="rect">
             <a:avLst/>
@@ -7622,21 +8004,21 @@
                 <a:latin typeface="+mn-ea"/>
                 <a:ea typeface="+mn-ea"/>
               </a:rPr>
-              <a:t>처음은 </a:t>
+              <a:t>다만 이미지가 제대로 </a:t>
             </a:r>
             <a:r>
               <a:rPr lang="en-US" altLang="ko-KR" sz="1900" spc="-150" dirty="0">
                 <a:latin typeface="+mn-ea"/>
                 <a:ea typeface="+mn-ea"/>
               </a:rPr>
-              <a:t>Morphology</a:t>
+              <a:t>crop</a:t>
             </a:r>
             <a:r>
               <a:rPr lang="ko-KR" altLang="en-US" sz="1900" spc="-150" dirty="0">
                 <a:latin typeface="+mn-ea"/>
                 <a:ea typeface="+mn-ea"/>
               </a:rPr>
-              <a:t> 연산으로 시작했습니다</a:t>
+              <a:t> 되지 않은 것을 확인할 수 있습니다</a:t>
             </a:r>
             <a:r>
               <a:rPr lang="en-US" altLang="ko-KR" sz="1900" spc="-150" dirty="0">
@@ -7654,60 +8036,11 @@
               <a:defRPr/>
             </a:pPr>
             <a:r>
-              <a:rPr lang="en-US" altLang="ko-KR" sz="1900" spc="-150" dirty="0">
-                <a:latin typeface="+mn-ea"/>
-                <a:ea typeface="+mn-ea"/>
-              </a:rPr>
-              <a:t>Morphology </a:t>
-            </a:r>
-            <a:r>
               <a:rPr lang="ko-KR" altLang="en-US" sz="1900" spc="-150" dirty="0">
                 <a:latin typeface="+mn-ea"/>
                 <a:ea typeface="+mn-ea"/>
               </a:rPr>
-              <a:t>연산이란 </a:t>
-            </a:r>
-            <a:r>
-              <a:rPr lang="en-US" altLang="ko-KR" sz="1900" spc="-150" dirty="0">
-                <a:latin typeface="+mn-ea"/>
-                <a:ea typeface="+mn-ea"/>
-              </a:rPr>
-              <a:t>‘</a:t>
-            </a:r>
-            <a:r>
-              <a:rPr lang="ko-KR" altLang="en-US" sz="1900" spc="-150" dirty="0">
-                <a:latin typeface="+mn-ea"/>
-                <a:ea typeface="+mn-ea"/>
-              </a:rPr>
-              <a:t>형태학</a:t>
-            </a:r>
-            <a:r>
-              <a:rPr lang="en-US" altLang="ko-KR" sz="1900" spc="-150" dirty="0">
-                <a:latin typeface="+mn-ea"/>
-                <a:ea typeface="+mn-ea"/>
-              </a:rPr>
-              <a:t>’</a:t>
-            </a:r>
-            <a:r>
-              <a:rPr lang="ko-KR" altLang="en-US" sz="1900" spc="-150" dirty="0">
-                <a:latin typeface="+mn-ea"/>
-                <a:ea typeface="+mn-ea"/>
-              </a:rPr>
-              <a:t> 이라는 뜻인데</a:t>
-            </a:r>
-            <a:r>
-              <a:rPr lang="en-US" altLang="ko-KR" sz="1900" spc="-150" dirty="0">
-                <a:latin typeface="+mn-ea"/>
-                <a:ea typeface="+mn-ea"/>
-              </a:rPr>
-              <a:t>,</a:t>
-            </a:r>
-            <a:r>
-              <a:rPr lang="ko-KR" altLang="en-US" sz="1900" spc="-150" dirty="0">
-                <a:latin typeface="+mn-ea"/>
-                <a:ea typeface="+mn-ea"/>
-              </a:rPr>
-              <a:t> </a:t>
+              <a:t>이미지를 확인해보니 노이즈가 많아 </a:t>
             </a:r>
             <a:endParaRPr lang="en-US" altLang="ko-KR" sz="1900" spc="-150" dirty="0">
               <a:latin typeface="+mn-ea"/>
@@ -7722,47 +8055,18 @@
               <a:defRPr/>
             </a:pPr>
             <a:r>
+              <a:rPr lang="ko-KR" altLang="en-US" sz="1900" spc="-150" dirty="0" err="1">
+                <a:latin typeface="+mn-ea"/>
+                <a:ea typeface="+mn-ea"/>
+              </a:rPr>
+              <a:t>경계값을</a:t>
+            </a:r>
+            <a:r>
               <a:rPr lang="ko-KR" altLang="en-US" sz="1900" spc="-150" dirty="0">
                 <a:latin typeface="+mn-ea"/>
                 <a:ea typeface="+mn-ea"/>
               </a:rPr>
-              <a:t>사진</a:t>
-            </a:r>
-            <a:r>
-              <a:rPr lang="en-US" altLang="ko-KR" sz="1900" spc="-150" dirty="0">
-                <a:latin typeface="+mn-ea"/>
-                <a:ea typeface="+mn-ea"/>
-              </a:rPr>
-              <a:t>,</a:t>
-            </a:r>
-            <a:r>
-              <a:rPr lang="ko-KR" altLang="en-US" sz="1900" spc="-150" dirty="0">
-                <a:latin typeface="+mn-ea"/>
-                <a:ea typeface="+mn-ea"/>
-              </a:rPr>
-              <a:t> 영상 분야에서의 노이즈 제거 등에 쓰이는 형태학적 연산을 말합니다</a:t>
-            </a:r>
-            <a:r>
-              <a:rPr lang="en-US" altLang="ko-KR" sz="1900" spc="-150" dirty="0">
-                <a:latin typeface="+mn-ea"/>
-                <a:ea typeface="+mn-ea"/>
-              </a:rPr>
-              <a:t>. </a:t>
-            </a:r>
-          </a:p>
-          <a:p>
-            <a:pPr>
-              <a:lnSpc>
-                <a:spcPct val="120000"/>
-              </a:lnSpc>
-              <a:defRPr/>
-            </a:pPr>
-            <a:r>
-              <a:rPr lang="ko-KR" altLang="en-US" sz="1900" spc="-150" dirty="0">
-                <a:latin typeface="+mn-ea"/>
-                <a:ea typeface="+mn-ea"/>
-              </a:rPr>
-              <a:t>대표적인 연산으로는 침식 연산과 팽창 연산이 있습니다</a:t>
+              <a:t> 제대로 도출하지 못한 것으로 보입니다</a:t>
             </a:r>
             <a:r>
               <a:rPr lang="en-US" altLang="ko-KR" sz="1900" spc="-150" dirty="0">
@@ -7796,182 +8100,7 @@
                 <a:latin typeface="+mn-ea"/>
                 <a:ea typeface="+mn-ea"/>
               </a:rPr>
-              <a:t>침식은 말 그대로 이미지를 깎아 냅니다</a:t>
-            </a:r>
-            <a:r>
-              <a:rPr lang="en-US" altLang="ko-KR" sz="1900" spc="-150" dirty="0">
-                <a:latin typeface="+mn-ea"/>
-                <a:ea typeface="+mn-ea"/>
-              </a:rPr>
-              <a:t>.</a:t>
-            </a:r>
-            <a:r>
-              <a:rPr lang="ko-KR" altLang="en-US" sz="1900" spc="-150" dirty="0">
-                <a:latin typeface="+mn-ea"/>
-                <a:ea typeface="+mn-ea"/>
-              </a:rPr>
-              <a:t> </a:t>
-            </a:r>
-            <a:endParaRPr lang="en-US" altLang="ko-KR" sz="1900" spc="-150" dirty="0">
-              <a:latin typeface="+mn-ea"/>
-              <a:ea typeface="+mn-ea"/>
-            </a:endParaRPr>
-          </a:p>
-          <a:p>
-            <a:pPr>
-              <a:lnSpc>
-                <a:spcPct val="120000"/>
-              </a:lnSpc>
-              <a:defRPr/>
-            </a:pPr>
-            <a:r>
-              <a:rPr lang="ko-KR" altLang="en-US" sz="1900" spc="-150" dirty="0">
-                <a:latin typeface="+mn-ea"/>
-                <a:ea typeface="+mn-ea"/>
-              </a:rPr>
-              <a:t>이미지를 </a:t>
-            </a:r>
-            <a:r>
-              <a:rPr lang="en-US" altLang="ko-KR" sz="1900" spc="-150" dirty="0">
-                <a:latin typeface="+mn-ea"/>
-                <a:ea typeface="+mn-ea"/>
-              </a:rPr>
-              <a:t>0</a:t>
-            </a:r>
-            <a:r>
-              <a:rPr lang="ko-KR" altLang="en-US" sz="1900" spc="-150" dirty="0">
-                <a:latin typeface="+mn-ea"/>
-                <a:ea typeface="+mn-ea"/>
-              </a:rPr>
-              <a:t>과 </a:t>
-            </a:r>
-            <a:r>
-              <a:rPr lang="en-US" altLang="ko-KR" sz="1900" spc="-150" dirty="0">
-                <a:latin typeface="+mn-ea"/>
-                <a:ea typeface="+mn-ea"/>
-              </a:rPr>
-              <a:t>1</a:t>
-            </a:r>
-            <a:r>
-              <a:rPr lang="ko-KR" altLang="en-US" sz="1900" spc="-150" dirty="0">
-                <a:latin typeface="+mn-ea"/>
-                <a:ea typeface="+mn-ea"/>
-              </a:rPr>
-              <a:t>로 전환하고</a:t>
-            </a:r>
-            <a:r>
-              <a:rPr lang="en-US" altLang="ko-KR" sz="1900" spc="-150" dirty="0">
-                <a:latin typeface="+mn-ea"/>
-                <a:ea typeface="+mn-ea"/>
-              </a:rPr>
-              <a:t>,</a:t>
-            </a:r>
-            <a:r>
-              <a:rPr lang="ko-KR" altLang="en-US" sz="1900" spc="-150" dirty="0">
-                <a:latin typeface="+mn-ea"/>
-                <a:ea typeface="+mn-ea"/>
-              </a:rPr>
-              <a:t> 커널을 생성하여 </a:t>
-            </a:r>
-            <a:endParaRPr lang="en-US" altLang="ko-KR" sz="1900" spc="-150" dirty="0">
-              <a:latin typeface="+mn-ea"/>
-              <a:ea typeface="+mn-ea"/>
-            </a:endParaRPr>
-          </a:p>
-          <a:p>
-            <a:pPr>
-              <a:lnSpc>
-                <a:spcPct val="120000"/>
-              </a:lnSpc>
-              <a:defRPr/>
-            </a:pPr>
-            <a:r>
-              <a:rPr lang="ko-KR" altLang="en-US" sz="1900" spc="-150" dirty="0">
-                <a:latin typeface="+mn-ea"/>
-                <a:ea typeface="+mn-ea"/>
-              </a:rPr>
-              <a:t>이 커널 안에 들어오지 못하는 이미지는 삭제해버리는 것입니다</a:t>
-            </a:r>
-            <a:r>
-              <a:rPr lang="en-US" altLang="ko-KR" sz="1900" spc="-150" dirty="0">
-                <a:latin typeface="+mn-ea"/>
-                <a:ea typeface="+mn-ea"/>
-              </a:rPr>
-              <a:t>.</a:t>
-            </a:r>
-            <a:r>
-              <a:rPr lang="ko-KR" altLang="en-US" sz="1900" spc="-150" dirty="0">
-                <a:latin typeface="+mn-ea"/>
-                <a:ea typeface="+mn-ea"/>
-              </a:rPr>
-              <a:t> </a:t>
-            </a:r>
-            <a:endParaRPr lang="en-US" altLang="ko-KR" sz="1900" spc="-150" dirty="0">
-              <a:latin typeface="+mn-ea"/>
-              <a:ea typeface="+mn-ea"/>
-            </a:endParaRPr>
-          </a:p>
-          <a:p>
-            <a:pPr>
-              <a:lnSpc>
-                <a:spcPct val="120000"/>
-              </a:lnSpc>
-              <a:defRPr/>
-            </a:pPr>
-            <a:endParaRPr lang="en-US" altLang="ko-KR" sz="1900" spc="-150" dirty="0">
-              <a:latin typeface="+mn-ea"/>
-              <a:ea typeface="+mn-ea"/>
-            </a:endParaRPr>
-          </a:p>
-          <a:p>
-            <a:pPr>
-              <a:lnSpc>
-                <a:spcPct val="120000"/>
-              </a:lnSpc>
-              <a:defRPr/>
-            </a:pPr>
-            <a:r>
-              <a:rPr lang="ko-KR" altLang="en-US" sz="1900" spc="-150" dirty="0">
-                <a:latin typeface="+mn-ea"/>
-                <a:ea typeface="+mn-ea"/>
-              </a:rPr>
-              <a:t>팽창은 침식의 반대입니다</a:t>
-            </a:r>
-            <a:r>
-              <a:rPr lang="en-US" altLang="ko-KR" sz="1900" spc="-150" dirty="0">
-                <a:latin typeface="+mn-ea"/>
-                <a:ea typeface="+mn-ea"/>
-              </a:rPr>
-              <a:t>.</a:t>
-            </a:r>
-          </a:p>
-          <a:p>
-            <a:pPr>
-              <a:lnSpc>
-                <a:spcPct val="120000"/>
-              </a:lnSpc>
-              <a:defRPr/>
-            </a:pPr>
-            <a:r>
-              <a:rPr lang="ko-KR" altLang="en-US" sz="1900" spc="-150" dirty="0">
-                <a:latin typeface="+mn-ea"/>
-                <a:ea typeface="+mn-ea"/>
-              </a:rPr>
-              <a:t>커널에 픽셀이 걸치기만 해도 </a:t>
-            </a:r>
-            <a:r>
-              <a:rPr lang="en-US" altLang="ko-KR" sz="1900" spc="-150" dirty="0">
-                <a:latin typeface="+mn-ea"/>
-                <a:ea typeface="+mn-ea"/>
-              </a:rPr>
-              <a:t>1</a:t>
-            </a:r>
-            <a:r>
-              <a:rPr lang="ko-KR" altLang="en-US" sz="1900" spc="-150" dirty="0">
-                <a:latin typeface="+mn-ea"/>
-                <a:ea typeface="+mn-ea"/>
-              </a:rPr>
-              <a:t>로 바꿔버리는 것입니다</a:t>
+              <a:t>그래서 이미지의 노이즈를 줄이는 방법을 생각해보게 되었습니다</a:t>
             </a:r>
             <a:r>
               <a:rPr lang="en-US" altLang="ko-KR" sz="1900" spc="-150" dirty="0">
@@ -8042,10 +8171,45 @@
       </p:sp>
       <p:pic>
         <p:nvPicPr>
-          <p:cNvPr id="2" name="그림 1">
+          <p:cNvPr id="16" name="그림 15" descr="텍스트이(가) 표시된 사진&#10;&#10;자동 생성된 설명">
             <a:extLst>
               <a:ext uri="{FF2B5EF4-FFF2-40B4-BE49-F238E27FC236}">
-                <a16:creationId xmlns:a16="http://schemas.microsoft.com/office/drawing/2014/main" id="{2DB420A4-13A3-FB89-E4EC-07B938218AFF}"/>
+                <a16:creationId xmlns:a16="http://schemas.microsoft.com/office/drawing/2014/main" id="{EB94D70A-772B-F512-0CC5-C74B0A541842}"/>
+              </a:ext>
+            </a:extLst>
+          </p:cNvPr>
+          <p:cNvPicPr>
+            <a:picLocks noChangeAspect="1"/>
+          </p:cNvPicPr>
+          <p:nvPr/>
+        </p:nvPicPr>
+        <p:blipFill rotWithShape="1">
+          <a:blip r:embed="rId3">
+            <a:extLst>
+              <a:ext uri="{28A0092B-C50C-407E-A947-70E740481C1C}">
+                <a14:useLocalDpi xmlns:a14="http://schemas.microsoft.com/office/drawing/2010/main" val="0"/>
+              </a:ext>
+            </a:extLst>
+          </a:blip>
+          <a:srcRect t="73870" r="72973"/>
+          <a:stretch/>
+        </p:blipFill>
+        <p:spPr>
+          <a:xfrm>
+            <a:off x="7745961" y="2400565"/>
+            <a:ext cx="1837537" cy="2395871"/>
+          </a:xfrm>
+          <a:prstGeom prst="rect">
+            <a:avLst/>
+          </a:prstGeom>
+        </p:spPr>
+      </p:pic>
+      <p:pic>
+        <p:nvPicPr>
+          <p:cNvPr id="3" name="그림 2" descr="텍스트, 밤하늘이(가) 표시된 사진&#10;&#10;자동 생성된 설명">
+            <a:extLst>
+              <a:ext uri="{FF2B5EF4-FFF2-40B4-BE49-F238E27FC236}">
+                <a16:creationId xmlns:a16="http://schemas.microsoft.com/office/drawing/2014/main" id="{2472CE69-6D05-2FE7-FD0C-E37BE1DEED7F}"/>
               </a:ext>
             </a:extLst>
           </p:cNvPr>
@@ -8055,115 +8219,31 @@
           <p:nvPr/>
         </p:nvPicPr>
         <p:blipFill>
-          <a:blip r:embed="rId3"/>
+          <a:blip r:embed="rId4">
+            <a:extLst>
+              <a:ext uri="{28A0092B-C50C-407E-A947-70E740481C1C}">
+                <a14:useLocalDpi xmlns:a14="http://schemas.microsoft.com/office/drawing/2010/main" val="0"/>
+              </a:ext>
+            </a:extLst>
+          </a:blip>
           <a:stretch>
             <a:fillRect/>
           </a:stretch>
         </p:blipFill>
         <p:spPr>
           <a:xfrm>
-            <a:off x="7919210" y="1782622"/>
-            <a:ext cx="3930502" cy="1637709"/>
+            <a:off x="9956504" y="2400565"/>
+            <a:ext cx="1533720" cy="2395871"/>
           </a:xfrm>
           <a:prstGeom prst="rect">
             <a:avLst/>
           </a:prstGeom>
         </p:spPr>
       </p:pic>
-      <p:pic>
-        <p:nvPicPr>
-          <p:cNvPr id="3" name="그림 2">
-            <a:extLst>
-              <a:ext uri="{FF2B5EF4-FFF2-40B4-BE49-F238E27FC236}">
-                <a16:creationId xmlns:a16="http://schemas.microsoft.com/office/drawing/2014/main" id="{DA2536F0-5A01-E771-928E-0D7B21FC77AD}"/>
-              </a:ext>
-            </a:extLst>
-          </p:cNvPr>
-          <p:cNvPicPr>
-            <a:picLocks noChangeAspect="1"/>
-          </p:cNvPicPr>
-          <p:nvPr/>
-        </p:nvPicPr>
-        <p:blipFill>
-          <a:blip r:embed="rId4"/>
-          <a:stretch>
-            <a:fillRect/>
-          </a:stretch>
-        </p:blipFill>
-        <p:spPr>
-          <a:xfrm>
-            <a:off x="7919210" y="3630130"/>
-            <a:ext cx="3930502" cy="1910661"/>
-          </a:xfrm>
-          <a:prstGeom prst="rect">
-            <a:avLst/>
-          </a:prstGeom>
-        </p:spPr>
-      </p:pic>
-      <p:sp>
-        <p:nvSpPr>
-          <p:cNvPr id="7" name="TextBox 6">
-            <a:extLst>
-              <a:ext uri="{FF2B5EF4-FFF2-40B4-BE49-F238E27FC236}">
-                <a16:creationId xmlns:a16="http://schemas.microsoft.com/office/drawing/2014/main" id="{CAF42717-1CC1-2B43-6034-ECB2ECD8C255}"/>
-              </a:ext>
-            </a:extLst>
-          </p:cNvPr>
-          <p:cNvSpPr txBox="1"/>
-          <p:nvPr/>
-        </p:nvSpPr>
-        <p:spPr>
-          <a:xfrm>
-            <a:off x="9781953" y="5572450"/>
-            <a:ext cx="2067759" cy="215444"/>
-          </a:xfrm>
-          <a:prstGeom prst="rect">
-            <a:avLst/>
-          </a:prstGeom>
-          <a:noFill/>
-        </p:spPr>
-        <p:txBody>
-          <a:bodyPr wrap="square" rtlCol="0">
-            <a:spAutoFit/>
-          </a:bodyPr>
-          <a:lstStyle/>
-          <a:p>
-            <a:pPr algn="r"/>
-            <a:r>
-              <a:rPr kumimoji="1" lang="ko-KR" altLang="en-US" sz="800" dirty="0">
-                <a:latin typeface="+mn-ea"/>
-              </a:rPr>
-              <a:t>이미지 출처</a:t>
-            </a:r>
-            <a:r>
-              <a:rPr kumimoji="1" lang="en-US" altLang="ko-KR" sz="800" dirty="0">
-                <a:latin typeface="+mn-ea"/>
-              </a:rPr>
-              <a:t>:</a:t>
-            </a:r>
-            <a:r>
-              <a:rPr kumimoji="1" lang="ko-KR" altLang="en-US" sz="800" dirty="0">
-                <a:latin typeface="+mn-ea"/>
-              </a:rPr>
-              <a:t> </a:t>
-            </a:r>
-            <a:r>
-              <a:rPr kumimoji="1" lang="en" altLang="ko-Kore-KR" sz="800" dirty="0">
-                <a:latin typeface="+mn-ea"/>
-                <a:hlinkClick r:id="rId5"/>
-              </a:rPr>
-              <a:t>https://bkshin.tistory.com</a:t>
-            </a:r>
-            <a:endParaRPr kumimoji="1" lang="ko-Kore-KR" altLang="en-US" sz="800" dirty="0">
-              <a:latin typeface="+mn-ea"/>
-            </a:endParaRPr>
-          </a:p>
-        </p:txBody>
-      </p:sp>
     </p:spTree>
     <p:extLst>
       <p:ext uri="{BB962C8B-B14F-4D97-AF65-F5344CB8AC3E}">
-        <p14:creationId xmlns:p14="http://schemas.microsoft.com/office/powerpoint/2010/main" val="1606198052"/>
+        <p14:creationId xmlns:p14="http://schemas.microsoft.com/office/powerpoint/2010/main" val="4281881407"/>
       </p:ext>
     </p:extLst>
   </p:cSld>
@@ -8288,8 +8368,8 @@
         </p:nvSpPr>
         <p:spPr>
           <a:xfrm>
-            <a:off x="271404" y="1887965"/>
-            <a:ext cx="11393019" cy="3768556"/>
+            <a:off x="342288" y="1774547"/>
+            <a:ext cx="11393019" cy="4045006"/>
           </a:xfrm>
           <a:prstGeom prst="rect">
             <a:avLst/>
@@ -8330,21 +8410,21 @@
                 <a:latin typeface="+mn-ea"/>
                 <a:ea typeface="+mn-ea"/>
               </a:rPr>
-              <a:t>저희는 침식 연산과 팽창 연결을 사용하는 닫힘 연산과 </a:t>
-            </a:r>
-            <a:r>
-              <a:rPr lang="ko-KR" altLang="en-US" sz="1900" spc="-150" dirty="0" err="1">
-                <a:latin typeface="+mn-ea"/>
-                <a:ea typeface="+mn-ea"/>
-              </a:rPr>
-              <a:t>그레디언트</a:t>
+              <a:t>처음은 </a:t>
+            </a:r>
+            <a:r>
+              <a:rPr lang="en-US" altLang="ko-KR" sz="1900" spc="-150" dirty="0">
+                <a:latin typeface="+mn-ea"/>
+                <a:ea typeface="+mn-ea"/>
+              </a:rPr>
+              <a:t>Morphology</a:t>
             </a:r>
             <a:r>
               <a:rPr lang="ko-KR" altLang="en-US" sz="1900" spc="-150" dirty="0">
                 <a:latin typeface="+mn-ea"/>
                 <a:ea typeface="+mn-ea"/>
               </a:rPr>
-              <a:t> 연산을 사용하였습니다</a:t>
+              <a:t> 연산으로 시작했습니다</a:t>
             </a:r>
             <a:r>
               <a:rPr lang="en-US" altLang="ko-KR" sz="1900" spc="-150" dirty="0">
@@ -8361,6 +8441,62 @@
               </a:lnSpc>
               <a:defRPr/>
             </a:pPr>
+            <a:r>
+              <a:rPr lang="en-US" altLang="ko-KR" sz="1900" spc="-150" dirty="0">
+                <a:latin typeface="+mn-ea"/>
+                <a:ea typeface="+mn-ea"/>
+              </a:rPr>
+              <a:t>Morphology </a:t>
+            </a:r>
+            <a:r>
+              <a:rPr lang="ko-KR" altLang="en-US" sz="1900" spc="-150" dirty="0">
+                <a:latin typeface="+mn-ea"/>
+                <a:ea typeface="+mn-ea"/>
+              </a:rPr>
+              <a:t>연산이란 </a:t>
+            </a:r>
+            <a:r>
+              <a:rPr lang="en-US" altLang="ko-KR" sz="1900" spc="-150" dirty="0">
+                <a:latin typeface="+mn-ea"/>
+                <a:ea typeface="+mn-ea"/>
+              </a:rPr>
+              <a:t>‘</a:t>
+            </a:r>
+            <a:r>
+              <a:rPr lang="ko-KR" altLang="en-US" sz="1900" spc="-150" dirty="0">
+                <a:latin typeface="+mn-ea"/>
+                <a:ea typeface="+mn-ea"/>
+              </a:rPr>
+              <a:t>형태학</a:t>
+            </a:r>
+            <a:r>
+              <a:rPr lang="en-US" altLang="ko-KR" sz="1900" spc="-150" dirty="0">
+                <a:latin typeface="+mn-ea"/>
+                <a:ea typeface="+mn-ea"/>
+              </a:rPr>
+              <a:t>’</a:t>
+            </a:r>
+            <a:r>
+              <a:rPr lang="ko-KR" altLang="en-US" sz="1900" spc="-150" dirty="0">
+                <a:latin typeface="+mn-ea"/>
+                <a:ea typeface="+mn-ea"/>
+              </a:rPr>
+              <a:t> 이라는 뜻인데</a:t>
+            </a:r>
+            <a:r>
+              <a:rPr lang="en-US" altLang="ko-KR" sz="1900" spc="-150" dirty="0">
+                <a:latin typeface="+mn-ea"/>
+                <a:ea typeface="+mn-ea"/>
+              </a:rPr>
+              <a:t>,</a:t>
+            </a:r>
+            <a:r>
+              <a:rPr lang="ko-KR" altLang="en-US" sz="1900" spc="-150" dirty="0">
+                <a:latin typeface="+mn-ea"/>
+                <a:ea typeface="+mn-ea"/>
+              </a:rPr>
+              <a:t> </a:t>
+            </a:r>
             <a:endParaRPr lang="en-US" altLang="ko-KR" sz="1900" spc="-150" dirty="0">
               <a:latin typeface="+mn-ea"/>
               <a:ea typeface="+mn-ea"/>
@@ -8378,7 +8514,43 @@
                 <a:latin typeface="+mn-ea"/>
                 <a:ea typeface="+mn-ea"/>
               </a:rPr>
-              <a:t>닫힘 연산은 팽창 연산 후 침식 연산을 적용하여 주변보다 어두운 노이즈를 제거하는데 효과적입니다</a:t>
+              <a:t>사진</a:t>
+            </a:r>
+            <a:r>
+              <a:rPr lang="en-US" altLang="ko-KR" sz="1900" spc="-150" dirty="0">
+                <a:latin typeface="+mn-ea"/>
+                <a:ea typeface="+mn-ea"/>
+              </a:rPr>
+              <a:t>,</a:t>
+            </a:r>
+            <a:r>
+              <a:rPr lang="ko-KR" altLang="en-US" sz="1900" spc="-150" dirty="0">
+                <a:latin typeface="+mn-ea"/>
+                <a:ea typeface="+mn-ea"/>
+              </a:rPr>
+              <a:t> 영상 분야에서의 노이즈 제거 등에 쓰이는 형태학적 연산을 말합니다</a:t>
+            </a:r>
+            <a:r>
+              <a:rPr lang="en-US" altLang="ko-KR" sz="1900" spc="-150" dirty="0">
+                <a:latin typeface="+mn-ea"/>
+                <a:ea typeface="+mn-ea"/>
+              </a:rPr>
+              <a:t>. </a:t>
+            </a:r>
+          </a:p>
+          <a:p>
+            <a:pPr>
+              <a:lnSpc>
+                <a:spcPct val="120000"/>
+              </a:lnSpc>
+              <a:defRPr/>
+            </a:pPr>
+            <a:r>
+              <a:rPr lang="ko-KR" altLang="en-US" sz="1900" spc="-150" dirty="0">
+                <a:latin typeface="+mn-ea"/>
+                <a:ea typeface="+mn-ea"/>
+              </a:rPr>
+              <a:t>대표적인 연산으로는 침식 연산과 팽창 연산이 있습니다</a:t>
             </a:r>
             <a:r>
               <a:rPr lang="en-US" altLang="ko-KR" sz="1900" spc="-150" dirty="0">
@@ -8408,18 +8580,25 @@
               <a:defRPr/>
             </a:pPr>
             <a:r>
-              <a:rPr lang="ko-KR" altLang="en-US" sz="1900" spc="-150" dirty="0" err="1">
-                <a:latin typeface="+mn-ea"/>
-                <a:ea typeface="+mn-ea"/>
-              </a:rPr>
-              <a:t>그레디언트</a:t>
-            </a:r>
-            <a:r>
               <a:rPr lang="ko-KR" altLang="en-US" sz="1900" spc="-150" dirty="0">
                 <a:latin typeface="+mn-ea"/>
                 <a:ea typeface="+mn-ea"/>
               </a:rPr>
-              <a:t> 연산이란</a:t>
+              <a:t>침식은 말 그대로 이미지를 깎아 냅니다</a:t>
+            </a:r>
+            <a:r>
+              <a:rPr lang="en-US" altLang="ko-KR" sz="1900" spc="-150" dirty="0">
+                <a:latin typeface="+mn-ea"/>
+                <a:ea typeface="+mn-ea"/>
+              </a:rPr>
+              <a:t>.</a:t>
+            </a:r>
+            <a:r>
+              <a:rPr lang="ko-KR" altLang="en-US" sz="1900" spc="-150" dirty="0">
+                <a:latin typeface="+mn-ea"/>
+                <a:ea typeface="+mn-ea"/>
+              </a:rPr>
+              <a:t> </a:t>
             </a:r>
             <a:endParaRPr lang="en-US" altLang="ko-KR" sz="1900" spc="-150" dirty="0">
               <a:latin typeface="+mn-ea"/>
@@ -8438,7 +8617,49 @@
                 <a:latin typeface="+mn-ea"/>
                 <a:ea typeface="+mn-ea"/>
               </a:rPr>
-              <a:t>팽창 연산을 적용한 이미지에서 침식 연산을 적용한 이미지를 빼면 경계 픽셀만 얻게 되는데</a:t>
+              <a:t>이미지를 </a:t>
+            </a:r>
+            <a:r>
+              <a:rPr lang="en-US" altLang="ko-KR" sz="1900" spc="-150" dirty="0">
+                <a:latin typeface="+mn-ea"/>
+                <a:ea typeface="+mn-ea"/>
+              </a:rPr>
+              <a:t>0</a:t>
+            </a:r>
+            <a:r>
+              <a:rPr lang="ko-KR" altLang="en-US" sz="1900" spc="-150" dirty="0">
+                <a:latin typeface="+mn-ea"/>
+                <a:ea typeface="+mn-ea"/>
+              </a:rPr>
+              <a:t>과 </a:t>
+            </a:r>
+            <a:r>
+              <a:rPr lang="en-US" altLang="ko-KR" sz="1900" spc="-150" dirty="0">
+                <a:latin typeface="+mn-ea"/>
+                <a:ea typeface="+mn-ea"/>
+              </a:rPr>
+              <a:t>1</a:t>
+            </a:r>
+            <a:r>
+              <a:rPr lang="ko-KR" altLang="en-US" sz="1900" spc="-150" dirty="0">
+                <a:latin typeface="+mn-ea"/>
+                <a:ea typeface="+mn-ea"/>
+              </a:rPr>
+              <a:t>로 전환하고</a:t>
+            </a:r>
+            <a:r>
+              <a:rPr lang="en-US" altLang="ko-KR" sz="1900" spc="-150" dirty="0">
+                <a:latin typeface="+mn-ea"/>
+                <a:ea typeface="+mn-ea"/>
+              </a:rPr>
+              <a:t>,</a:t>
+            </a:r>
+            <a:r>
+              <a:rPr lang="ko-KR" altLang="en-US" sz="1900" spc="-150" dirty="0">
+                <a:latin typeface="+mn-ea"/>
+                <a:ea typeface="+mn-ea"/>
+              </a:rPr>
+              <a:t> 커널을 생성하여 </a:t>
             </a:r>
             <a:endParaRPr lang="en-US" altLang="ko-KR" sz="1900" spc="-150" dirty="0">
               <a:latin typeface="+mn-ea"/>
@@ -8457,37 +8678,22 @@
                 <a:latin typeface="+mn-ea"/>
                 <a:ea typeface="+mn-ea"/>
               </a:rPr>
-              <a:t>이 연산을 </a:t>
-            </a:r>
-            <a:r>
-              <a:rPr lang="ko-KR" altLang="en-US" sz="1900" spc="-150" dirty="0" err="1">
-                <a:latin typeface="+mn-ea"/>
-                <a:ea typeface="+mn-ea"/>
-              </a:rPr>
-              <a:t>그레디언트</a:t>
+              <a:t>이 커널 안에 들어오지 못하는 이미지는 삭제해버리는 것입니다</a:t>
+            </a:r>
+            <a:r>
+              <a:rPr lang="en-US" altLang="ko-KR" sz="1900" spc="-150" dirty="0">
+                <a:latin typeface="+mn-ea"/>
+                <a:ea typeface="+mn-ea"/>
+              </a:rPr>
+              <a:t>.</a:t>
             </a:r>
             <a:r>
               <a:rPr lang="ko-KR" altLang="en-US" sz="1900" spc="-150" dirty="0">
                 <a:latin typeface="+mn-ea"/>
                 <a:ea typeface="+mn-ea"/>
               </a:rPr>
-              <a:t> 연산이라고 합니다</a:t>
-            </a:r>
-            <a:r>
-              <a:rPr lang="en-US" altLang="ko-KR" sz="1900" spc="-150" dirty="0">
-                <a:latin typeface="+mn-ea"/>
-                <a:ea typeface="+mn-ea"/>
-              </a:rPr>
-              <a:t>.</a:t>
-            </a:r>
-          </a:p>
-          <a:p>
-            <a:pPr>
-              <a:lnSpc>
-                <a:spcPct val="120000"/>
-              </a:lnSpc>
-              <a:defRPr/>
-            </a:pPr>
+              <a:t> </a:t>
+            </a:r>
             <a:endParaRPr lang="en-US" altLang="ko-KR" sz="1900" spc="-150" dirty="0">
               <a:latin typeface="+mn-ea"/>
               <a:ea typeface="+mn-ea"/>
@@ -8500,27 +8706,6 @@
               </a:lnSpc>
               <a:defRPr/>
             </a:pPr>
-            <a:r>
-              <a:rPr lang="ko-KR" altLang="en-US" sz="1900" spc="-150" dirty="0">
-                <a:latin typeface="+mn-ea"/>
-                <a:ea typeface="+mn-ea"/>
-              </a:rPr>
-              <a:t>저희는 닫힘 연산을 사용하여 </a:t>
-            </a:r>
-            <a:r>
-              <a:rPr lang="en-US" altLang="ko-KR" sz="1900" spc="-150" dirty="0">
-                <a:latin typeface="+mn-ea"/>
-                <a:ea typeface="+mn-ea"/>
-              </a:rPr>
-              <a:t>1</a:t>
-            </a:r>
-            <a:r>
-              <a:rPr lang="ko-KR" altLang="en-US" sz="1900" spc="-150" dirty="0">
-                <a:latin typeface="+mn-ea"/>
-                <a:ea typeface="+mn-ea"/>
-              </a:rPr>
-              <a:t>차적으로 노이즈를 없애고</a:t>
-            </a:r>
             <a:endParaRPr lang="en-US" altLang="ko-KR" sz="1900" spc="-150" dirty="0">
               <a:latin typeface="+mn-ea"/>
               <a:ea typeface="+mn-ea"/>
@@ -8534,32 +8719,47 @@
               <a:defRPr/>
             </a:pPr>
             <a:r>
-              <a:rPr lang="ko-KR" altLang="en-US" sz="1900" spc="-150" dirty="0" err="1">
-                <a:latin typeface="+mn-ea"/>
-                <a:ea typeface="+mn-ea"/>
-              </a:rPr>
-              <a:t>그레디언트</a:t>
-            </a:r>
-            <a:r>
               <a:rPr lang="ko-KR" altLang="en-US" sz="1900" spc="-150" dirty="0">
                 <a:latin typeface="+mn-ea"/>
                 <a:ea typeface="+mn-ea"/>
               </a:rPr>
-              <a:t> 연산을 사용하여 </a:t>
+              <a:t>팽창은 침식의 반대입니다</a:t>
             </a:r>
             <a:r>
               <a:rPr lang="en-US" altLang="ko-KR" sz="1900" spc="-150" dirty="0">
                 <a:latin typeface="+mn-ea"/>
                 <a:ea typeface="+mn-ea"/>
               </a:rPr>
-              <a:t>2</a:t>
-            </a:r>
+              <a:t>.</a:t>
+            </a:r>
+          </a:p>
+          <a:p>
+            <a:pPr>
+              <a:lnSpc>
+                <a:spcPct val="120000"/>
+              </a:lnSpc>
+              <a:defRPr/>
+            </a:pPr>
             <a:r>
               <a:rPr lang="ko-KR" altLang="en-US" sz="1900" spc="-150" dirty="0">
                 <a:latin typeface="+mn-ea"/>
                 <a:ea typeface="+mn-ea"/>
               </a:rPr>
-              <a:t>차적으로 노이즈를 없애며 옷의 경계를 뚜렷하게 했습니다</a:t>
+              <a:t>커널에 픽셀이 걸치기만 해도 </a:t>
+            </a:r>
+            <a:r>
+              <a:rPr lang="en-US" altLang="ko-KR" sz="1900" spc="-150" dirty="0">
+                <a:latin typeface="+mn-ea"/>
+                <a:ea typeface="+mn-ea"/>
+              </a:rPr>
+              <a:t>1</a:t>
+            </a:r>
+            <a:r>
+              <a:rPr lang="ko-KR" altLang="en-US" sz="1900" spc="-150" dirty="0">
+                <a:latin typeface="+mn-ea"/>
+                <a:ea typeface="+mn-ea"/>
+              </a:rPr>
+              <a:t>로 바꿔버리는 것입니다</a:t>
             </a:r>
             <a:r>
               <a:rPr lang="en-US" altLang="ko-KR" sz="1900" spc="-150" dirty="0">
@@ -8630,10 +8830,10 @@
       </p:sp>
       <p:pic>
         <p:nvPicPr>
-          <p:cNvPr id="3" name="그림 2" descr="텍스트이(가) 표시된 사진&#10;&#10;자동 생성된 설명">
+          <p:cNvPr id="2" name="그림 1">
             <a:extLst>
               <a:ext uri="{FF2B5EF4-FFF2-40B4-BE49-F238E27FC236}">
-                <a16:creationId xmlns:a16="http://schemas.microsoft.com/office/drawing/2014/main" id="{7931AA1A-24A1-0E51-3D4F-55486F16BF04}"/>
+                <a16:creationId xmlns:a16="http://schemas.microsoft.com/office/drawing/2014/main" id="{2DB420A4-13A3-FB89-E4EC-07B938218AFF}"/>
               </a:ext>
             </a:extLst>
           </p:cNvPr>
@@ -8642,31 +8842,116 @@
           </p:cNvPicPr>
           <p:nvPr/>
         </p:nvPicPr>
-        <p:blipFill rotWithShape="1">
-          <a:blip r:embed="rId3">
-            <a:extLst>
-              <a:ext uri="{28A0092B-C50C-407E-A947-70E740481C1C}">
-                <a14:useLocalDpi xmlns:a14="http://schemas.microsoft.com/office/drawing/2010/main" val="0"/>
-              </a:ext>
-            </a:extLst>
-          </a:blip>
-          <a:srcRect t="75349" r="59869"/>
-          <a:stretch/>
+        <p:blipFill>
+          <a:blip r:embed="rId3"/>
+          <a:stretch>
+            <a:fillRect/>
+          </a:stretch>
         </p:blipFill>
         <p:spPr>
           <a:xfrm>
-            <a:off x="9672548" y="3429000"/>
-            <a:ext cx="2093165" cy="1918282"/>
+            <a:off x="7919210" y="1782622"/>
+            <a:ext cx="3930502" cy="1637709"/>
           </a:xfrm>
           <a:prstGeom prst="rect">
             <a:avLst/>
           </a:prstGeom>
         </p:spPr>
       </p:pic>
+      <p:pic>
+        <p:nvPicPr>
+          <p:cNvPr id="3" name="그림 2">
+            <a:extLst>
+              <a:ext uri="{FF2B5EF4-FFF2-40B4-BE49-F238E27FC236}">
+                <a16:creationId xmlns:a16="http://schemas.microsoft.com/office/drawing/2014/main" id="{DA2536F0-5A01-E771-928E-0D7B21FC77AD}"/>
+              </a:ext>
+            </a:extLst>
+          </p:cNvPr>
+          <p:cNvPicPr>
+            <a:picLocks noChangeAspect="1"/>
+          </p:cNvPicPr>
+          <p:nvPr/>
+        </p:nvPicPr>
+        <p:blipFill>
+          <a:blip r:embed="rId4"/>
+          <a:stretch>
+            <a:fillRect/>
+          </a:stretch>
+        </p:blipFill>
+        <p:spPr>
+          <a:xfrm>
+            <a:off x="7919210" y="3630130"/>
+            <a:ext cx="3930502" cy="1910661"/>
+          </a:xfrm>
+          <a:prstGeom prst="rect">
+            <a:avLst/>
+          </a:prstGeom>
+        </p:spPr>
+      </p:pic>
+      <p:sp>
+        <p:nvSpPr>
+          <p:cNvPr id="7" name="TextBox 6">
+            <a:extLst>
+              <a:ext uri="{FF2B5EF4-FFF2-40B4-BE49-F238E27FC236}">
+                <a16:creationId xmlns:a16="http://schemas.microsoft.com/office/drawing/2014/main" id="{CAF42717-1CC1-2B43-6034-ECB2ECD8C255}"/>
+              </a:ext>
+            </a:extLst>
+          </p:cNvPr>
+          <p:cNvSpPr txBox="1"/>
+          <p:nvPr/>
+        </p:nvSpPr>
+        <p:spPr>
+          <a:xfrm>
+            <a:off x="9781953" y="5572450"/>
+            <a:ext cx="2067759" cy="215444"/>
+          </a:xfrm>
+          <a:prstGeom prst="rect">
+            <a:avLst/>
+          </a:prstGeom>
+          <a:noFill/>
+        </p:spPr>
+        <p:txBody>
+          <a:bodyPr wrap="square" rtlCol="0">
+            <a:spAutoFit/>
+          </a:bodyPr>
+          <a:lstStyle/>
+          <a:p>
+            <a:pPr algn="r"/>
+            <a:r>
+              <a:rPr kumimoji="1" lang="ko-KR" altLang="en-US" sz="800" dirty="0">
+                <a:latin typeface="+mn-ea"/>
+              </a:rPr>
+              <a:t>이미지 출처</a:t>
+            </a:r>
+            <a:r>
+              <a:rPr kumimoji="1" lang="en-US" altLang="ko-KR" sz="800" dirty="0">
+                <a:latin typeface="+mn-ea"/>
+              </a:rPr>
+              <a:t>:</a:t>
+            </a:r>
+            <a:r>
+              <a:rPr kumimoji="1" lang="ko-KR" altLang="en-US" sz="800" dirty="0">
+                <a:latin typeface="+mn-ea"/>
+              </a:rPr>
+              <a:t> </a:t>
+            </a:r>
+            <a:r>
+              <a:rPr kumimoji="1" lang="en" altLang="ko-Kore-KR" sz="800" dirty="0">
+                <a:latin typeface="+mn-ea"/>
+                <a:hlinkClick r:id="rId5"/>
+              </a:rPr>
+              <a:t>https://bkshin.tistory.com</a:t>
+            </a:r>
+            <a:endParaRPr kumimoji="1" lang="ko-Kore-KR" altLang="en-US" sz="800" dirty="0">
+              <a:latin typeface="+mn-ea"/>
+            </a:endParaRPr>
+          </a:p>
+        </p:txBody>
+      </p:sp>
     </p:spTree>
     <p:extLst>
       <p:ext uri="{BB962C8B-B14F-4D97-AF65-F5344CB8AC3E}">
-        <p14:creationId xmlns:p14="http://schemas.microsoft.com/office/powerpoint/2010/main" val="3301146092"/>
+        <p14:creationId xmlns:p14="http://schemas.microsoft.com/office/powerpoint/2010/main" val="1606198052"/>
       </p:ext>
     </p:extLst>
   </p:cSld>
@@ -8791,8 +9076,8 @@
         </p:nvSpPr>
         <p:spPr>
           <a:xfrm>
-            <a:off x="356461" y="1611524"/>
-            <a:ext cx="11393019" cy="2003551"/>
+            <a:off x="271404" y="1887965"/>
+            <a:ext cx="11393019" cy="3768556"/>
           </a:xfrm>
           <a:prstGeom prst="rect">
             <a:avLst/>
@@ -8833,7 +9118,21 @@
                 <a:latin typeface="+mn-ea"/>
                 <a:ea typeface="+mn-ea"/>
               </a:rPr>
-              <a:t>처음보단 많이 좋아졌지만 아직 여백이 있는 걸 확인할 수 있습니다</a:t>
+              <a:t>저희는 침식 연산과 팽창 연결을 사용하는 닫힘 연산과 </a:t>
+            </a:r>
+            <a:r>
+              <a:rPr lang="ko-KR" altLang="en-US" sz="1900" spc="-150" dirty="0" err="1">
+                <a:latin typeface="+mn-ea"/>
+                <a:ea typeface="+mn-ea"/>
+              </a:rPr>
+              <a:t>그레디언트</a:t>
+            </a:r>
+            <a:r>
+              <a:rPr lang="ko-KR" altLang="en-US" sz="1900" spc="-150" dirty="0">
+                <a:latin typeface="+mn-ea"/>
+                <a:ea typeface="+mn-ea"/>
+              </a:rPr>
+              <a:t> 연산을 사용하였습니다</a:t>
             </a:r>
             <a:r>
               <a:rPr lang="en-US" altLang="ko-KR" sz="1900" spc="-150" dirty="0">
@@ -8867,71 +9166,7 @@
                 <a:latin typeface="+mn-ea"/>
                 <a:ea typeface="+mn-ea"/>
               </a:rPr>
-              <a:t>그래서 저희는 이미지에 </a:t>
-            </a:r>
-            <a:r>
-              <a:rPr lang="ko-KR" altLang="en-US" sz="1900" spc="-150" dirty="0" err="1">
-                <a:latin typeface="+mn-ea"/>
-                <a:ea typeface="+mn-ea"/>
-              </a:rPr>
-              <a:t>블러</a:t>
-            </a:r>
-            <a:r>
-              <a:rPr lang="ko-KR" altLang="en-US" sz="1900" spc="-150" dirty="0">
-                <a:latin typeface="+mn-ea"/>
-                <a:ea typeface="+mn-ea"/>
-              </a:rPr>
-              <a:t> 처리를 하게 되었습니다</a:t>
-            </a:r>
-            <a:r>
-              <a:rPr lang="en-US" altLang="ko-KR" sz="1900" spc="-150" dirty="0">
-                <a:latin typeface="+mn-ea"/>
-                <a:ea typeface="+mn-ea"/>
-              </a:rPr>
-              <a:t>.</a:t>
-            </a:r>
-          </a:p>
-          <a:p>
-            <a:pPr>
-              <a:lnSpc>
-                <a:spcPct val="120000"/>
-              </a:lnSpc>
-              <a:defRPr/>
-            </a:pPr>
-            <a:r>
-              <a:rPr lang="ko-KR" altLang="en-US" sz="1900" spc="-150" dirty="0">
-                <a:latin typeface="+mn-ea"/>
-                <a:ea typeface="+mn-ea"/>
-              </a:rPr>
-              <a:t>결과를 보니</a:t>
-            </a:r>
-            <a:r>
-              <a:rPr lang="en-US" altLang="ko-KR" sz="1900" spc="-150" dirty="0">
-                <a:latin typeface="+mn-ea"/>
-                <a:ea typeface="+mn-ea"/>
-              </a:rPr>
-              <a:t>,</a:t>
-            </a:r>
-            <a:r>
-              <a:rPr lang="ko-KR" altLang="en-US" sz="1900" spc="-150" dirty="0">
-                <a:latin typeface="+mn-ea"/>
-                <a:ea typeface="+mn-ea"/>
-              </a:rPr>
-              <a:t> 딱 옷만 </a:t>
-            </a:r>
-            <a:r>
-              <a:rPr lang="ko-KR" altLang="en-US" sz="1900" spc="-150" dirty="0" err="1">
-                <a:latin typeface="+mn-ea"/>
-                <a:ea typeface="+mn-ea"/>
-              </a:rPr>
-              <a:t>크롭된</a:t>
-            </a:r>
-            <a:r>
-              <a:rPr lang="ko-KR" altLang="en-US" sz="1900" spc="-150" dirty="0">
-                <a:latin typeface="+mn-ea"/>
-                <a:ea typeface="+mn-ea"/>
-              </a:rPr>
-              <a:t> 것을 확인할 수 있습니다</a:t>
+              <a:t>닫힘 연산은 팽창 연산 후 침식 연산을 적용하여 주변보다 어두운 노이즈를 제거하는데 효과적입니다</a:t>
             </a:r>
             <a:r>
               <a:rPr lang="en-US" altLang="ko-KR" sz="1900" spc="-150" dirty="0">
@@ -8961,16 +9196,166 @@
               <a:defRPr/>
             </a:pPr>
             <a:r>
+              <a:rPr lang="ko-KR" altLang="en-US" sz="1900" spc="-150" dirty="0" err="1">
+                <a:latin typeface="+mn-ea"/>
+                <a:ea typeface="+mn-ea"/>
+              </a:rPr>
+              <a:t>그레디언트</a:t>
+            </a:r>
+            <a:r>
               <a:rPr lang="ko-KR" altLang="en-US" sz="1900" spc="-150" dirty="0">
                 <a:latin typeface="+mn-ea"/>
                 <a:ea typeface="+mn-ea"/>
               </a:rPr>
-              <a:t> </a:t>
+              <a:t> 연산이란</a:t>
             </a:r>
             <a:endParaRPr lang="en-US" altLang="ko-KR" sz="1900" spc="-150" dirty="0">
               <a:latin typeface="+mn-ea"/>
               <a:ea typeface="+mn-ea"/>
             </a:endParaRPr>
+          </a:p>
+          <a:p>
+            <a:pPr>
+              <a:lnSpc>
+                <a:spcPct val="120000"/>
+              </a:lnSpc>
+              <a:defRPr/>
+            </a:pPr>
+            <a:r>
+              <a:rPr lang="ko-KR" altLang="en-US" sz="1900" spc="-150" dirty="0">
+                <a:latin typeface="+mn-ea"/>
+                <a:ea typeface="+mn-ea"/>
+              </a:rPr>
+              <a:t>팽창 연산을 적용한 이미지에서 침식 연산을 적용한 이미지를 빼면 경계 픽셀만 얻게 되는데</a:t>
+            </a:r>
+            <a:endParaRPr lang="en-US" altLang="ko-KR" sz="1900" spc="-150" dirty="0">
+              <a:latin typeface="+mn-ea"/>
+              <a:ea typeface="+mn-ea"/>
+            </a:endParaRPr>
+          </a:p>
+          <a:p>
+            <a:pPr>
+              <a:lnSpc>
+                <a:spcPct val="120000"/>
+              </a:lnSpc>
+              <a:defRPr/>
+            </a:pPr>
+            <a:r>
+              <a:rPr lang="ko-KR" altLang="en-US" sz="1900" spc="-150" dirty="0">
+                <a:latin typeface="+mn-ea"/>
+                <a:ea typeface="+mn-ea"/>
+              </a:rPr>
+              <a:t>이 연산을 </a:t>
+            </a:r>
+            <a:r>
+              <a:rPr lang="ko-KR" altLang="en-US" sz="1900" spc="-150" dirty="0" err="1">
+                <a:latin typeface="+mn-ea"/>
+                <a:ea typeface="+mn-ea"/>
+              </a:rPr>
+              <a:t>그레디언트</a:t>
+            </a:r>
+            <a:r>
+              <a:rPr lang="ko-KR" altLang="en-US" sz="1900" spc="-150" dirty="0">
+                <a:latin typeface="+mn-ea"/>
+                <a:ea typeface="+mn-ea"/>
+              </a:rPr>
+              <a:t> 연산이라고 합니다</a:t>
+            </a:r>
+            <a:r>
+              <a:rPr lang="en-US" altLang="ko-KR" sz="1900" spc="-150" dirty="0">
+                <a:latin typeface="+mn-ea"/>
+                <a:ea typeface="+mn-ea"/>
+              </a:rPr>
+              <a:t>.</a:t>
+            </a:r>
+          </a:p>
+          <a:p>
+            <a:pPr>
+              <a:lnSpc>
+                <a:spcPct val="120000"/>
+              </a:lnSpc>
+              <a:defRPr/>
+            </a:pPr>
+            <a:endParaRPr lang="en-US" altLang="ko-KR" sz="1900" spc="-150" dirty="0">
+              <a:latin typeface="+mn-ea"/>
+              <a:ea typeface="+mn-ea"/>
+            </a:endParaRPr>
+          </a:p>
+          <a:p>
+            <a:pPr>
+              <a:lnSpc>
+                <a:spcPct val="120000"/>
+              </a:lnSpc>
+              <a:defRPr/>
+            </a:pPr>
+            <a:r>
+              <a:rPr lang="ko-KR" altLang="en-US" sz="1900" spc="-150" dirty="0">
+                <a:latin typeface="+mn-ea"/>
+                <a:ea typeface="+mn-ea"/>
+              </a:rPr>
+              <a:t>저희는 닫힘 연산을 사용하여 </a:t>
+            </a:r>
+            <a:r>
+              <a:rPr lang="en-US" altLang="ko-KR" sz="1900" spc="-150" dirty="0">
+                <a:latin typeface="+mn-ea"/>
+                <a:ea typeface="+mn-ea"/>
+              </a:rPr>
+              <a:t>1</a:t>
+            </a:r>
+            <a:r>
+              <a:rPr lang="ko-KR" altLang="en-US" sz="1900" spc="-150" dirty="0">
+                <a:latin typeface="+mn-ea"/>
+                <a:ea typeface="+mn-ea"/>
+              </a:rPr>
+              <a:t>차적으로 노이즈를 없애고</a:t>
+            </a:r>
+            <a:endParaRPr lang="en-US" altLang="ko-KR" sz="1900" spc="-150" dirty="0">
+              <a:latin typeface="+mn-ea"/>
+              <a:ea typeface="+mn-ea"/>
+            </a:endParaRPr>
+          </a:p>
+          <a:p>
+            <a:pPr>
+              <a:lnSpc>
+                <a:spcPct val="120000"/>
+              </a:lnSpc>
+              <a:defRPr/>
+            </a:pPr>
+            <a:r>
+              <a:rPr lang="ko-KR" altLang="en-US" sz="1900" spc="-150" dirty="0" err="1">
+                <a:latin typeface="+mn-ea"/>
+                <a:ea typeface="+mn-ea"/>
+              </a:rPr>
+              <a:t>그레디언트</a:t>
+            </a:r>
+            <a:r>
+              <a:rPr lang="ko-KR" altLang="en-US" sz="1900" spc="-150" dirty="0">
+                <a:latin typeface="+mn-ea"/>
+                <a:ea typeface="+mn-ea"/>
+              </a:rPr>
+              <a:t> 연산을 사용하여 </a:t>
+            </a:r>
+            <a:r>
+              <a:rPr lang="en-US" altLang="ko-KR" sz="1900" spc="-150" dirty="0">
+                <a:latin typeface="+mn-ea"/>
+                <a:ea typeface="+mn-ea"/>
+              </a:rPr>
+              <a:t>2</a:t>
+            </a:r>
+            <a:r>
+              <a:rPr lang="ko-KR" altLang="en-US" sz="1900" spc="-150" dirty="0">
+                <a:latin typeface="+mn-ea"/>
+                <a:ea typeface="+mn-ea"/>
+              </a:rPr>
+              <a:t>차적으로 노이즈를 없애며 옷의 경계를 뚜렷하게 했습니다</a:t>
+            </a:r>
+            <a:r>
+              <a:rPr lang="en-US" altLang="ko-KR" sz="1900" spc="-150" dirty="0">
+                <a:latin typeface="+mn-ea"/>
+                <a:ea typeface="+mn-ea"/>
+              </a:rPr>
+              <a:t>.</a:t>
+            </a:r>
           </a:p>
         </p:txBody>
       </p:sp>
@@ -9058,7 +9443,7 @@
         </p:blipFill>
         <p:spPr>
           <a:xfrm>
-            <a:off x="750951" y="3739797"/>
+            <a:off x="9672548" y="3429000"/>
             <a:ext cx="2093165" cy="1918282"/>
           </a:xfrm>
           <a:prstGeom prst="rect">
@@ -9066,221 +9451,10 @@
           </a:prstGeom>
         </p:spPr>
       </p:pic>
-      <p:sp>
-        <p:nvSpPr>
-          <p:cNvPr id="2" name="TextBox 1">
-            <a:extLst>
-              <a:ext uri="{FF2B5EF4-FFF2-40B4-BE49-F238E27FC236}">
-                <a16:creationId xmlns:a16="http://schemas.microsoft.com/office/drawing/2014/main" id="{7E186F57-6B03-B468-D1EE-C9F5C778B93A}"/>
-              </a:ext>
-            </a:extLst>
-          </p:cNvPr>
-          <p:cNvSpPr txBox="1"/>
-          <p:nvPr/>
-        </p:nvSpPr>
-        <p:spPr>
-          <a:xfrm>
-            <a:off x="1092425" y="5765081"/>
-            <a:ext cx="1410215" cy="323165"/>
-          </a:xfrm>
-          <a:prstGeom prst="rect">
-            <a:avLst/>
-          </a:prstGeom>
-          <a:noFill/>
-        </p:spPr>
-        <p:txBody>
-          <a:bodyPr wrap="square" rtlCol="0">
-            <a:spAutoFit/>
-          </a:bodyPr>
-          <a:lstStyle/>
-          <a:p>
-            <a:pPr algn="ctr"/>
-            <a:r>
-              <a:rPr kumimoji="1" lang="ko-Kore-KR" altLang="en-US" sz="1500" dirty="0">
-                <a:latin typeface="+mn-ea"/>
-              </a:rPr>
-              <a:t>블러</a:t>
-            </a:r>
-            <a:r>
-              <a:rPr kumimoji="1" lang="ko-KR" altLang="en-US" sz="1500" dirty="0">
-                <a:latin typeface="+mn-ea"/>
-              </a:rPr>
-              <a:t> 처리 전</a:t>
-            </a:r>
-            <a:endParaRPr kumimoji="1" lang="ko-Kore-KR" altLang="en-US" sz="1500" dirty="0">
-              <a:latin typeface="+mn-ea"/>
-            </a:endParaRPr>
-          </a:p>
-        </p:txBody>
-      </p:sp>
-      <p:pic>
-        <p:nvPicPr>
-          <p:cNvPr id="8" name="그림 7" descr="텍스트이(가) 표시된 사진&#10;&#10;자동 생성된 설명">
-            <a:extLst>
-              <a:ext uri="{FF2B5EF4-FFF2-40B4-BE49-F238E27FC236}">
-                <a16:creationId xmlns:a16="http://schemas.microsoft.com/office/drawing/2014/main" id="{BCF0E9DD-A7C0-44FA-357C-7DC8CE9E64DA}"/>
-              </a:ext>
-            </a:extLst>
-          </p:cNvPr>
-          <p:cNvPicPr>
-            <a:picLocks noChangeAspect="1"/>
-          </p:cNvPicPr>
-          <p:nvPr/>
-        </p:nvPicPr>
-        <p:blipFill rotWithShape="1">
-          <a:blip r:embed="rId4">
-            <a:extLst>
-              <a:ext uri="{28A0092B-C50C-407E-A947-70E740481C1C}">
-                <a14:useLocalDpi xmlns:a14="http://schemas.microsoft.com/office/drawing/2010/main" val="0"/>
-              </a:ext>
-            </a:extLst>
-          </a:blip>
-          <a:srcRect t="76692" r="62783" b="321"/>
-          <a:stretch/>
-        </p:blipFill>
-        <p:spPr>
-          <a:xfrm>
-            <a:off x="3551951" y="3739798"/>
-            <a:ext cx="2034159" cy="1918282"/>
-          </a:xfrm>
-          <a:prstGeom prst="rect">
-            <a:avLst/>
-          </a:prstGeom>
-        </p:spPr>
-      </p:pic>
-      <p:sp>
-        <p:nvSpPr>
-          <p:cNvPr id="10" name="TextBox 9">
-            <a:extLst>
-              <a:ext uri="{FF2B5EF4-FFF2-40B4-BE49-F238E27FC236}">
-                <a16:creationId xmlns:a16="http://schemas.microsoft.com/office/drawing/2014/main" id="{5C0B1878-20E2-1B89-E580-5D832AC7117D}"/>
-              </a:ext>
-            </a:extLst>
-          </p:cNvPr>
-          <p:cNvSpPr txBox="1"/>
-          <p:nvPr/>
-        </p:nvSpPr>
-        <p:spPr>
-          <a:xfrm>
-            <a:off x="3856891" y="5765081"/>
-            <a:ext cx="1410215" cy="323165"/>
-          </a:xfrm>
-          <a:prstGeom prst="rect">
-            <a:avLst/>
-          </a:prstGeom>
-          <a:noFill/>
-        </p:spPr>
-        <p:txBody>
-          <a:bodyPr wrap="square" rtlCol="0">
-            <a:spAutoFit/>
-          </a:bodyPr>
-          <a:lstStyle/>
-          <a:p>
-            <a:pPr algn="ctr"/>
-            <a:r>
-              <a:rPr kumimoji="1" lang="ko-Kore-KR" altLang="en-US" sz="1500" dirty="0">
-                <a:latin typeface="+mn-ea"/>
-              </a:rPr>
-              <a:t>블러</a:t>
-            </a:r>
-            <a:r>
-              <a:rPr kumimoji="1" lang="ko-KR" altLang="en-US" sz="1500" dirty="0">
-                <a:latin typeface="+mn-ea"/>
-              </a:rPr>
-              <a:t> 처리 후</a:t>
-            </a:r>
-            <a:endParaRPr kumimoji="1" lang="ko-Kore-KR" altLang="en-US" sz="1500" dirty="0">
-              <a:latin typeface="+mn-ea"/>
-            </a:endParaRPr>
-          </a:p>
-        </p:txBody>
-      </p:sp>
-      <p:pic>
-        <p:nvPicPr>
-          <p:cNvPr id="12" name="그림 11">
-            <a:extLst>
-              <a:ext uri="{FF2B5EF4-FFF2-40B4-BE49-F238E27FC236}">
-                <a16:creationId xmlns:a16="http://schemas.microsoft.com/office/drawing/2014/main" id="{B1FADF85-8027-E373-D6BD-BDF32BD03BC0}"/>
-              </a:ext>
-            </a:extLst>
-          </p:cNvPr>
-          <p:cNvPicPr>
-            <a:picLocks noChangeAspect="1"/>
-          </p:cNvPicPr>
-          <p:nvPr/>
-        </p:nvPicPr>
-        <p:blipFill>
-          <a:blip r:embed="rId5">
-            <a:extLst>
-              <a:ext uri="{28A0092B-C50C-407E-A947-70E740481C1C}">
-                <a14:useLocalDpi xmlns:a14="http://schemas.microsoft.com/office/drawing/2010/main" val="0"/>
-              </a:ext>
-            </a:extLst>
-          </a:blip>
-          <a:stretch>
-            <a:fillRect/>
-          </a:stretch>
-        </p:blipFill>
-        <p:spPr>
-          <a:xfrm>
-            <a:off x="9044399" y="1611524"/>
-            <a:ext cx="2364027" cy="4202716"/>
-          </a:xfrm>
-          <a:prstGeom prst="rect">
-            <a:avLst/>
-          </a:prstGeom>
-          <a:ln w="19050">
-            <a:solidFill>
-              <a:schemeClr val="tx1"/>
-            </a:solidFill>
-          </a:ln>
-        </p:spPr>
-      </p:pic>
-      <p:sp>
-        <p:nvSpPr>
-          <p:cNvPr id="13" name="TextBox 12">
-            <a:extLst>
-              <a:ext uri="{FF2B5EF4-FFF2-40B4-BE49-F238E27FC236}">
-                <a16:creationId xmlns:a16="http://schemas.microsoft.com/office/drawing/2014/main" id="{7FB0B9D1-B55B-C930-1D32-2DE39CF2940A}"/>
-              </a:ext>
-            </a:extLst>
-          </p:cNvPr>
-          <p:cNvSpPr txBox="1"/>
-          <p:nvPr/>
-        </p:nvSpPr>
-        <p:spPr>
-          <a:xfrm>
-            <a:off x="9521304" y="5830108"/>
-            <a:ext cx="1410215" cy="323165"/>
-          </a:xfrm>
-          <a:prstGeom prst="rect">
-            <a:avLst/>
-          </a:prstGeom>
-          <a:noFill/>
-        </p:spPr>
-        <p:txBody>
-          <a:bodyPr wrap="square" rtlCol="0">
-            <a:spAutoFit/>
-          </a:bodyPr>
-          <a:lstStyle/>
-          <a:p>
-            <a:pPr algn="ctr"/>
-            <a:r>
-              <a:rPr kumimoji="1" lang="ko-KR" altLang="en-US" sz="1500" dirty="0">
-                <a:latin typeface="+mn-ea"/>
-              </a:rPr>
-              <a:t>원본 이미지</a:t>
-            </a:r>
-            <a:endParaRPr kumimoji="1" lang="ko-Kore-KR" altLang="en-US" sz="1500" dirty="0">
-              <a:latin typeface="+mn-ea"/>
-            </a:endParaRPr>
-          </a:p>
-        </p:txBody>
-      </p:sp>
     </p:spTree>
     <p:extLst>
       <p:ext uri="{BB962C8B-B14F-4D97-AF65-F5344CB8AC3E}">
-        <p14:creationId xmlns:p14="http://schemas.microsoft.com/office/powerpoint/2010/main" val="2356805581"/>
+        <p14:creationId xmlns:p14="http://schemas.microsoft.com/office/powerpoint/2010/main" val="3301146092"/>
       </p:ext>
     </p:extLst>
   </p:cSld>
@@ -9309,7 +9483,13 @@
       </p:grpSpPr>
       <p:pic>
         <p:nvPicPr>
-          <p:cNvPr id="2" name="그림 1"/>
+          <p:cNvPr id="4" name="그림 3">
+            <a:extLst>
+              <a:ext uri="{FF2B5EF4-FFF2-40B4-BE49-F238E27FC236}">
+                <a16:creationId xmlns:a16="http://schemas.microsoft.com/office/drawing/2014/main" id="{963A1BA7-4CC2-ACEF-0293-24C5AE9B9175}"/>
+              </a:ext>
+            </a:extLst>
+          </p:cNvPr>
           <p:cNvPicPr>
             <a:picLocks noChangeAspect="1"/>
           </p:cNvPicPr>
@@ -9339,7 +9519,13 @@
       </p:pic>
       <p:sp>
         <p:nvSpPr>
-          <p:cNvPr id="48" name="제목 38"/>
+          <p:cNvPr id="5" name="제목 38">
+            <a:extLst>
+              <a:ext uri="{FF2B5EF4-FFF2-40B4-BE49-F238E27FC236}">
+                <a16:creationId xmlns:a16="http://schemas.microsoft.com/office/drawing/2014/main" id="{D53157FE-2798-08EE-C8C3-6F7CF14ECA7D}"/>
+              </a:ext>
+            </a:extLst>
+          </p:cNvPr>
           <p:cNvSpPr>
             <a:spLocks noGrp="1"/>
           </p:cNvSpPr>
@@ -9363,20 +9549,29 @@
               <a:defRPr/>
             </a:pPr>
             <a:r>
-              <a:rPr lang="en-US" altLang="ko-KR" sz="4000" spc="-185" dirty="0">
+              <a:rPr lang="ko-KR" altLang="en-US" sz="4000" spc="-185" dirty="0" err="1">
                 <a:latin typeface="+mj-ea"/>
               </a:rPr>
-              <a:t>Mission 2</a:t>
-            </a:r>
-            <a:endParaRPr lang="ko-KR" altLang="en-US" sz="4000" spc="-185" dirty="0">
-              <a:latin typeface="+mj-ea"/>
-            </a:endParaRPr>
-          </a:p>
-        </p:txBody>
-      </p:sp>
-      <p:sp>
-        <p:nvSpPr>
-          <p:cNvPr id="13" name="제목 38"/>
+              <a:t>전처리</a:t>
+            </a:r>
+            <a:r>
+              <a:rPr lang="ko-KR" altLang="en-US" sz="4000" spc="-185" dirty="0">
+                <a:latin typeface="+mj-ea"/>
+              </a:rPr>
+              <a:t> 과정</a:t>
+            </a:r>
+          </a:p>
+        </p:txBody>
+      </p:sp>
+      <p:sp>
+        <p:nvSpPr>
+          <p:cNvPr id="6" name="제목 38">
+            <a:extLst>
+              <a:ext uri="{FF2B5EF4-FFF2-40B4-BE49-F238E27FC236}">
+                <a16:creationId xmlns:a16="http://schemas.microsoft.com/office/drawing/2014/main" id="{EB94A68A-D51D-255E-A650-BDDB84AC8884}"/>
+              </a:ext>
+            </a:extLst>
+          </p:cNvPr>
           <p:cNvSpPr txBox="1">
             <a:spLocks/>
           </p:cNvSpPr>
@@ -9384,8 +9579,8 @@
         </p:nvSpPr>
         <p:spPr>
           <a:xfrm>
-            <a:off x="363552" y="1507970"/>
-            <a:ext cx="11523648" cy="4488793"/>
+            <a:off x="356461" y="1611524"/>
+            <a:ext cx="11393019" cy="2003551"/>
           </a:xfrm>
           <a:prstGeom prst="rect">
             <a:avLst/>
@@ -9417,96 +9612,33 @@
           <a:p>
             <a:pPr>
               <a:lnSpc>
-                <a:spcPct val="150000"/>
-              </a:lnSpc>
-              <a:defRPr/>
-            </a:pPr>
-            <a:r>
-              <a:rPr lang="en-US" altLang="ko-KR" sz="2100" spc="-150" dirty="0">
-                <a:latin typeface="+mn-ea"/>
-                <a:ea typeface="+mn-ea"/>
-              </a:rPr>
-              <a:t>2-2. Color</a:t>
-            </a:r>
-            <a:r>
-              <a:rPr lang="ko-KR" altLang="en-US" sz="2100" spc="-150" dirty="0">
-                <a:latin typeface="+mn-ea"/>
-                <a:ea typeface="+mn-ea"/>
-              </a:rPr>
-              <a:t>는 자세한 정보지만</a:t>
-            </a:r>
-            <a:r>
-              <a:rPr lang="en-US" altLang="ko-KR" sz="2100" spc="-150" dirty="0">
-                <a:latin typeface="+mn-ea"/>
-                <a:ea typeface="+mn-ea"/>
-              </a:rPr>
-              <a:t>, </a:t>
-            </a:r>
-            <a:r>
-              <a:rPr lang="ko-KR" altLang="en-US" sz="2100" spc="-150" dirty="0">
-                <a:latin typeface="+mn-ea"/>
-                <a:ea typeface="+mn-ea"/>
-              </a:rPr>
-              <a:t>데이터가 크고</a:t>
-            </a:r>
-            <a:r>
-              <a:rPr lang="en-US" altLang="ko-KR" sz="2100" spc="-150" dirty="0">
-                <a:latin typeface="+mn-ea"/>
-                <a:ea typeface="+mn-ea"/>
-              </a:rPr>
-              <a:t>, Gray</a:t>
-            </a:r>
-            <a:r>
-              <a:rPr lang="ko-KR" altLang="en-US" sz="2100" spc="-150" dirty="0">
-                <a:latin typeface="+mn-ea"/>
-                <a:ea typeface="+mn-ea"/>
-              </a:rPr>
-              <a:t>는 덜 자세하지만 데이터가 작아</a:t>
-            </a:r>
-            <a:r>
-              <a:rPr lang="en-US" altLang="ko-KR" sz="2100" spc="-150" dirty="0">
-                <a:latin typeface="+mn-ea"/>
-                <a:ea typeface="+mn-ea"/>
-              </a:rPr>
-              <a:t> </a:t>
-            </a:r>
-            <a:r>
-              <a:rPr lang="ko-KR" altLang="en-US" sz="2100" spc="-150" dirty="0">
-                <a:latin typeface="+mn-ea"/>
-                <a:ea typeface="+mn-ea"/>
-              </a:rPr>
-              <a:t>학습에 유리하다</a:t>
-            </a:r>
-            <a:r>
-              <a:rPr lang="en-US" altLang="ko-KR" sz="2100" spc="-150" dirty="0">
-                <a:latin typeface="+mn-ea"/>
-                <a:ea typeface="+mn-ea"/>
-              </a:rPr>
-              <a:t>. </a:t>
-            </a:r>
-            <a:r>
-              <a:rPr lang="ko-KR" altLang="en-US" sz="2100" spc="-150" dirty="0">
-                <a:latin typeface="+mn-ea"/>
-                <a:ea typeface="+mn-ea"/>
-              </a:rPr>
-              <a:t>어떤 데이터셋이 분류문제에서 더 좋은 결과를 보이는가</a:t>
-            </a:r>
-            <a:r>
-              <a:rPr lang="en-US" altLang="ko-KR" sz="2100" spc="-150" dirty="0">
-                <a:latin typeface="+mn-ea"/>
-                <a:ea typeface="+mn-ea"/>
-              </a:rPr>
-              <a:t>?</a:t>
-            </a:r>
-          </a:p>
-          <a:p>
-            <a:pPr>
-              <a:lnSpc>
-                <a:spcPct val="150000"/>
-              </a:lnSpc>
-              <a:defRPr/>
-            </a:pPr>
-            <a:endParaRPr lang="en-US" altLang="ko-KR" sz="2100" spc="-150" dirty="0">
+                <a:spcPct val="120000"/>
+              </a:lnSpc>
+              <a:defRPr/>
+            </a:pPr>
+            <a:r>
+              <a:rPr lang="ko-KR" altLang="en-US" sz="1900" spc="-150" dirty="0">
+                <a:latin typeface="+mn-ea"/>
+                <a:ea typeface="+mn-ea"/>
+              </a:rPr>
+              <a:t>처음보단 많이 좋아졌지만 아직 여백이 있는 걸 확인할 수 있습니다</a:t>
+            </a:r>
+            <a:r>
+              <a:rPr lang="en-US" altLang="ko-KR" sz="1900" spc="-150" dirty="0">
+                <a:latin typeface="+mn-ea"/>
+                <a:ea typeface="+mn-ea"/>
+              </a:rPr>
+              <a:t>.</a:t>
+            </a:r>
+          </a:p>
+          <a:p>
+            <a:pPr>
+              <a:lnSpc>
+                <a:spcPct val="120000"/>
+              </a:lnSpc>
+              <a:defRPr/>
+            </a:pPr>
+            <a:endParaRPr lang="en-US" altLang="ko-KR" sz="1900" spc="-150" dirty="0">
               <a:latin typeface="+mn-ea"/>
               <a:ea typeface="+mn-ea"/>
             </a:endParaRPr>
@@ -9514,55 +9646,33 @@
           <a:p>
             <a:pPr>
               <a:lnSpc>
-                <a:spcPct val="150000"/>
-              </a:lnSpc>
-              <a:defRPr/>
-            </a:pPr>
-            <a:r>
-              <a:rPr lang="en-US" altLang="ko-KR" sz="2100" spc="-150" dirty="0">
-                <a:latin typeface="+mn-ea"/>
-                <a:ea typeface="+mn-ea"/>
-              </a:rPr>
-              <a:t>Answer:</a:t>
-            </a:r>
-          </a:p>
-          <a:p>
-            <a:pPr>
-              <a:lnSpc>
-                <a:spcPct val="150000"/>
-              </a:lnSpc>
-              <a:defRPr/>
-            </a:pPr>
-            <a:r>
-              <a:rPr lang="en-US" altLang="ko-KR" sz="2100" spc="-150" dirty="0">
-                <a:latin typeface="+mn-ea"/>
-                <a:ea typeface="+mn-ea"/>
-              </a:rPr>
-              <a:t>Color</a:t>
-            </a:r>
-            <a:r>
-              <a:rPr lang="ko-KR" altLang="en-US" sz="2100" spc="-150" dirty="0">
-                <a:latin typeface="+mn-ea"/>
-                <a:ea typeface="+mn-ea"/>
-              </a:rPr>
-              <a:t>는 </a:t>
-            </a:r>
-            <a:r>
-              <a:rPr lang="en-US" altLang="ko-KR" sz="2100" spc="-150" dirty="0">
-                <a:latin typeface="+mn-ea"/>
-                <a:ea typeface="+mn-ea"/>
-              </a:rPr>
-              <a:t>3</a:t>
-            </a:r>
-            <a:r>
-              <a:rPr lang="ko-KR" altLang="en-US" sz="2100" spc="-150" dirty="0">
-                <a:latin typeface="+mn-ea"/>
-                <a:ea typeface="+mn-ea"/>
-              </a:rPr>
-              <a:t>차원 데이터로 정보가 너무 많아 정확도가 떨어질 수 있습니다</a:t>
-            </a:r>
-            <a:r>
-              <a:rPr lang="en-US" altLang="ko-KR" sz="2100" spc="-150" dirty="0">
+                <a:spcPct val="120000"/>
+              </a:lnSpc>
+              <a:defRPr/>
+            </a:pPr>
+            <a:r>
+              <a:rPr lang="ko-KR" altLang="en-US" sz="1900" spc="-150" dirty="0">
+                <a:latin typeface="+mn-ea"/>
+                <a:ea typeface="+mn-ea"/>
+              </a:rPr>
+              <a:t>그래서 저희는 이미지에 </a:t>
+            </a:r>
+            <a:r>
+              <a:rPr lang="ko-KR" altLang="en-US" sz="1900" spc="-150" dirty="0" err="1">
+                <a:latin typeface="+mn-ea"/>
+                <a:ea typeface="+mn-ea"/>
+              </a:rPr>
+              <a:t>블러</a:t>
+            </a:r>
+            <a:r>
+              <a:rPr lang="ko-KR" altLang="en-US" sz="1900" spc="-150" dirty="0">
+                <a:latin typeface="+mn-ea"/>
+                <a:ea typeface="+mn-ea"/>
+              </a:rPr>
+              <a:t> 처리를 하게 되었습니다</a:t>
+            </a:r>
+            <a:r>
+              <a:rPr lang="en-US" altLang="ko-KR" sz="1900" spc="-150" dirty="0">
                 <a:latin typeface="+mn-ea"/>
                 <a:ea typeface="+mn-ea"/>
               </a:rPr>
@@ -9572,54 +9682,61 @@
           <a:p>
             <a:pPr>
               <a:lnSpc>
-                <a:spcPct val="150000"/>
-              </a:lnSpc>
-              <a:defRPr/>
-            </a:pPr>
-            <a:r>
-              <a:rPr lang="ko-KR" altLang="en-US" sz="2100" spc="-150" dirty="0">
-                <a:latin typeface="+mn-ea"/>
-                <a:ea typeface="+mn-ea"/>
-              </a:rPr>
-              <a:t>저희가 만드는 패션 상품 분류기는 </a:t>
-            </a:r>
-            <a:r>
-              <a:rPr lang="en-US" altLang="ko-KR" sz="2100" spc="-150" dirty="0">
-                <a:latin typeface="+mn-ea"/>
-                <a:ea typeface="+mn-ea"/>
-              </a:rPr>
-              <a:t>5</a:t>
-            </a:r>
-            <a:r>
-              <a:rPr lang="ko-KR" altLang="en-US" sz="2100" spc="-150" dirty="0">
-                <a:latin typeface="+mn-ea"/>
-                <a:ea typeface="+mn-ea"/>
-              </a:rPr>
-              <a:t>개의 라벨로 구분만 하면 되는데</a:t>
-            </a:r>
-            <a:r>
-              <a:rPr lang="en-US" altLang="ko-KR" sz="2100" spc="-150" dirty="0">
+                <a:spcPct val="120000"/>
+              </a:lnSpc>
+              <a:defRPr/>
+            </a:pPr>
+            <a:r>
+              <a:rPr lang="ko-KR" altLang="en-US" sz="1900" spc="-150" dirty="0">
+                <a:latin typeface="+mn-ea"/>
+                <a:ea typeface="+mn-ea"/>
+              </a:rPr>
+              <a:t>결과를 보니</a:t>
+            </a:r>
+            <a:r>
+              <a:rPr lang="en-US" altLang="ko-KR" sz="1900" spc="-150" dirty="0">
                 <a:latin typeface="+mn-ea"/>
                 <a:ea typeface="+mn-ea"/>
               </a:rPr>
               <a:t>,</a:t>
             </a:r>
-          </a:p>
-          <a:p>
-            <a:pPr>
-              <a:lnSpc>
-                <a:spcPct val="150000"/>
-              </a:lnSpc>
-              <a:defRPr/>
-            </a:pPr>
-            <a:r>
-              <a:rPr lang="ko-KR" altLang="en-US" sz="2100" spc="-150" dirty="0">
-                <a:latin typeface="+mn-ea"/>
-                <a:ea typeface="+mn-ea"/>
-              </a:rPr>
-              <a:t>구분은 색이 아닌 형태로 하기 때문에 색상 정보는 필요 없다고 생각되어</a:t>
-            </a:r>
-            <a:endParaRPr lang="en-US" altLang="ko-KR" sz="2100" spc="-150" dirty="0">
+            <a:r>
+              <a:rPr lang="ko-KR" altLang="en-US" sz="1900" spc="-150" dirty="0">
+                <a:latin typeface="+mn-ea"/>
+                <a:ea typeface="+mn-ea"/>
+              </a:rPr>
+              <a:t> 딱 옷만 </a:t>
+            </a:r>
+            <a:r>
+              <a:rPr lang="ko-KR" altLang="en-US" sz="1900" spc="-150" dirty="0" err="1">
+                <a:latin typeface="+mn-ea"/>
+                <a:ea typeface="+mn-ea"/>
+              </a:rPr>
+              <a:t>크롭된</a:t>
+            </a:r>
+            <a:r>
+              <a:rPr lang="ko-KR" altLang="en-US" sz="1900" spc="-150" dirty="0">
+                <a:latin typeface="+mn-ea"/>
+                <a:ea typeface="+mn-ea"/>
+              </a:rPr>
+              <a:t> 것을 확인할 수 있습니다</a:t>
+            </a:r>
+            <a:r>
+              <a:rPr lang="en-US" altLang="ko-KR" sz="1900" spc="-150" dirty="0">
+                <a:latin typeface="+mn-ea"/>
+                <a:ea typeface="+mn-ea"/>
+              </a:rPr>
+              <a:t>.</a:t>
+            </a:r>
+          </a:p>
+          <a:p>
+            <a:pPr>
+              <a:lnSpc>
+                <a:spcPct val="120000"/>
+              </a:lnSpc>
+              <a:defRPr/>
+            </a:pPr>
+            <a:endParaRPr lang="en-US" altLang="ko-KR" sz="1900" spc="-150" dirty="0">
               <a:latin typeface="+mn-ea"/>
               <a:ea typeface="+mn-ea"/>
             </a:endParaRPr>
@@ -9627,50 +9744,331 @@
           <a:p>
             <a:pPr>
               <a:lnSpc>
-                <a:spcPct val="150000"/>
-              </a:lnSpc>
-              <a:defRPr/>
-            </a:pPr>
-            <a:r>
-              <a:rPr lang="en-US" altLang="ko-KR" sz="2100" spc="-150" dirty="0">
-                <a:latin typeface="+mn-ea"/>
-                <a:ea typeface="+mn-ea"/>
-              </a:rPr>
-              <a:t>Gray Scale</a:t>
-            </a:r>
-            <a:r>
-              <a:rPr lang="ko-KR" altLang="en-US" sz="2100" spc="-150" dirty="0">
-                <a:latin typeface="+mn-ea"/>
-                <a:ea typeface="+mn-ea"/>
-              </a:rPr>
-              <a:t>로 학습하였습니다</a:t>
-            </a:r>
-            <a:r>
-              <a:rPr lang="en-US" altLang="ko-KR" sz="2100" spc="-150" dirty="0">
-                <a:latin typeface="+mn-ea"/>
-                <a:ea typeface="+mn-ea"/>
-              </a:rPr>
-              <a:t>.</a:t>
-            </a:r>
-          </a:p>
-          <a:p>
-            <a:pPr>
-              <a:lnSpc>
-                <a:spcPct val="150000"/>
-              </a:lnSpc>
-              <a:defRPr/>
-            </a:pPr>
-            <a:endParaRPr lang="en-US" altLang="ko-KR" sz="2100" spc="-150" dirty="0">
+                <a:spcPct val="120000"/>
+              </a:lnSpc>
+              <a:defRPr/>
+            </a:pPr>
+            <a:r>
+              <a:rPr lang="ko-KR" altLang="en-US" sz="1900" spc="-150" dirty="0">
+                <a:latin typeface="+mn-ea"/>
+                <a:ea typeface="+mn-ea"/>
+              </a:rPr>
+              <a:t> </a:t>
+            </a:r>
+            <a:endParaRPr lang="en-US" altLang="ko-KR" sz="1900" spc="-150" dirty="0">
               <a:latin typeface="+mn-ea"/>
               <a:ea typeface="+mn-ea"/>
             </a:endParaRPr>
           </a:p>
         </p:txBody>
       </p:sp>
+      <p:sp>
+        <p:nvSpPr>
+          <p:cNvPr id="9" name="제목 38">
+            <a:extLst>
+              <a:ext uri="{FF2B5EF4-FFF2-40B4-BE49-F238E27FC236}">
+                <a16:creationId xmlns:a16="http://schemas.microsoft.com/office/drawing/2014/main" id="{17C34476-D9F6-9005-524F-E315A8266863}"/>
+              </a:ext>
+            </a:extLst>
+          </p:cNvPr>
+          <p:cNvSpPr txBox="1">
+            <a:spLocks/>
+          </p:cNvSpPr>
+          <p:nvPr/>
+        </p:nvSpPr>
+        <p:spPr>
+          <a:xfrm>
+            <a:off x="560352" y="4351178"/>
+            <a:ext cx="1410215" cy="445258"/>
+          </a:xfrm>
+          <a:prstGeom prst="rect">
+            <a:avLst/>
+          </a:prstGeom>
+        </p:spPr>
+        <p:txBody>
+          <a:bodyPr vert="horz" lIns="112542" tIns="56271" rIns="112542" bIns="56271" rtlCol="0" anchor="t">
+            <a:noAutofit/>
+          </a:bodyPr>
+          <a:lstStyle>
+            <a:lvl1pPr algn="l" defTabSz="914400" rtl="0" eaLnBrk="1" latinLnBrk="1" hangingPunct="1">
+              <a:lnSpc>
+                <a:spcPct val="90000"/>
+              </a:lnSpc>
+              <a:spcBef>
+                <a:spcPct val="0"/>
+              </a:spcBef>
+              <a:buNone/>
+              <a:defRPr sz="4400" kern="1200">
+                <a:solidFill>
+                  <a:schemeClr val="tx1"/>
+                </a:solidFill>
+                <a:latin typeface="+mj-lt"/>
+                <a:ea typeface="+mj-ea"/>
+                <a:cs typeface="+mj-cs"/>
+              </a:defRPr>
+            </a:lvl1pPr>
+          </a:lstStyle>
+          <a:p>
+            <a:pPr>
+              <a:defRPr/>
+            </a:pPr>
+            <a:endParaRPr lang="en-US" altLang="ko-KR" sz="2100" spc="-185" dirty="0">
+              <a:latin typeface="+mn-ea"/>
+              <a:ea typeface="+mn-ea"/>
+            </a:endParaRPr>
+          </a:p>
+        </p:txBody>
+      </p:sp>
+      <p:pic>
+        <p:nvPicPr>
+          <p:cNvPr id="3" name="그림 2" descr="텍스트이(가) 표시된 사진&#10;&#10;자동 생성된 설명">
+            <a:extLst>
+              <a:ext uri="{FF2B5EF4-FFF2-40B4-BE49-F238E27FC236}">
+                <a16:creationId xmlns:a16="http://schemas.microsoft.com/office/drawing/2014/main" id="{7931AA1A-24A1-0E51-3D4F-55486F16BF04}"/>
+              </a:ext>
+            </a:extLst>
+          </p:cNvPr>
+          <p:cNvPicPr>
+            <a:picLocks noChangeAspect="1"/>
+          </p:cNvPicPr>
+          <p:nvPr/>
+        </p:nvPicPr>
+        <p:blipFill rotWithShape="1">
+          <a:blip r:embed="rId3">
+            <a:extLst>
+              <a:ext uri="{28A0092B-C50C-407E-A947-70E740481C1C}">
+                <a14:useLocalDpi xmlns:a14="http://schemas.microsoft.com/office/drawing/2010/main" val="0"/>
+              </a:ext>
+            </a:extLst>
+          </a:blip>
+          <a:srcRect t="75349" r="59869"/>
+          <a:stretch/>
+        </p:blipFill>
+        <p:spPr>
+          <a:xfrm>
+            <a:off x="750951" y="3739797"/>
+            <a:ext cx="2093165" cy="1918282"/>
+          </a:xfrm>
+          <a:prstGeom prst="rect">
+            <a:avLst/>
+          </a:prstGeom>
+        </p:spPr>
+      </p:pic>
+      <p:sp>
+        <p:nvSpPr>
+          <p:cNvPr id="2" name="TextBox 1">
+            <a:extLst>
+              <a:ext uri="{FF2B5EF4-FFF2-40B4-BE49-F238E27FC236}">
+                <a16:creationId xmlns:a16="http://schemas.microsoft.com/office/drawing/2014/main" id="{7E186F57-6B03-B468-D1EE-C9F5C778B93A}"/>
+              </a:ext>
+            </a:extLst>
+          </p:cNvPr>
+          <p:cNvSpPr txBox="1"/>
+          <p:nvPr/>
+        </p:nvSpPr>
+        <p:spPr>
+          <a:xfrm>
+            <a:off x="1092425" y="5765081"/>
+            <a:ext cx="1410215" cy="323165"/>
+          </a:xfrm>
+          <a:prstGeom prst="rect">
+            <a:avLst/>
+          </a:prstGeom>
+          <a:noFill/>
+        </p:spPr>
+        <p:txBody>
+          <a:bodyPr wrap="square" rtlCol="0">
+            <a:spAutoFit/>
+          </a:bodyPr>
+          <a:lstStyle/>
+          <a:p>
+            <a:pPr algn="ctr"/>
+            <a:r>
+              <a:rPr kumimoji="1" lang="ko-Kore-KR" altLang="en-US" sz="1500" dirty="0">
+                <a:latin typeface="+mn-ea"/>
+              </a:rPr>
+              <a:t>블러</a:t>
+            </a:r>
+            <a:r>
+              <a:rPr kumimoji="1" lang="ko-KR" altLang="en-US" sz="1500" dirty="0">
+                <a:latin typeface="+mn-ea"/>
+              </a:rPr>
+              <a:t> 처리 전</a:t>
+            </a:r>
+            <a:endParaRPr kumimoji="1" lang="ko-Kore-KR" altLang="en-US" sz="1500" dirty="0">
+              <a:latin typeface="+mn-ea"/>
+            </a:endParaRPr>
+          </a:p>
+        </p:txBody>
+      </p:sp>
+      <p:pic>
+        <p:nvPicPr>
+          <p:cNvPr id="8" name="그림 7" descr="텍스트이(가) 표시된 사진&#10;&#10;자동 생성된 설명">
+            <a:extLst>
+              <a:ext uri="{FF2B5EF4-FFF2-40B4-BE49-F238E27FC236}">
+                <a16:creationId xmlns:a16="http://schemas.microsoft.com/office/drawing/2014/main" id="{BCF0E9DD-A7C0-44FA-357C-7DC8CE9E64DA}"/>
+              </a:ext>
+            </a:extLst>
+          </p:cNvPr>
+          <p:cNvPicPr>
+            <a:picLocks noChangeAspect="1"/>
+          </p:cNvPicPr>
+          <p:nvPr/>
+        </p:nvPicPr>
+        <p:blipFill rotWithShape="1">
+          <a:blip r:embed="rId4">
+            <a:extLst>
+              <a:ext uri="{28A0092B-C50C-407E-A947-70E740481C1C}">
+                <a14:useLocalDpi xmlns:a14="http://schemas.microsoft.com/office/drawing/2010/main" val="0"/>
+              </a:ext>
+            </a:extLst>
+          </a:blip>
+          <a:srcRect t="76692" r="62783" b="321"/>
+          <a:stretch/>
+        </p:blipFill>
+        <p:spPr>
+          <a:xfrm>
+            <a:off x="3551951" y="3739798"/>
+            <a:ext cx="2034159" cy="1918282"/>
+          </a:xfrm>
+          <a:prstGeom prst="rect">
+            <a:avLst/>
+          </a:prstGeom>
+        </p:spPr>
+      </p:pic>
+      <p:sp>
+        <p:nvSpPr>
+          <p:cNvPr id="10" name="TextBox 9">
+            <a:extLst>
+              <a:ext uri="{FF2B5EF4-FFF2-40B4-BE49-F238E27FC236}">
+                <a16:creationId xmlns:a16="http://schemas.microsoft.com/office/drawing/2014/main" id="{5C0B1878-20E2-1B89-E580-5D832AC7117D}"/>
+              </a:ext>
+            </a:extLst>
+          </p:cNvPr>
+          <p:cNvSpPr txBox="1"/>
+          <p:nvPr/>
+        </p:nvSpPr>
+        <p:spPr>
+          <a:xfrm>
+            <a:off x="3856891" y="5765081"/>
+            <a:ext cx="1410215" cy="323165"/>
+          </a:xfrm>
+          <a:prstGeom prst="rect">
+            <a:avLst/>
+          </a:prstGeom>
+          <a:noFill/>
+        </p:spPr>
+        <p:txBody>
+          <a:bodyPr wrap="square" rtlCol="0">
+            <a:spAutoFit/>
+          </a:bodyPr>
+          <a:lstStyle/>
+          <a:p>
+            <a:pPr algn="ctr"/>
+            <a:r>
+              <a:rPr kumimoji="1" lang="ko-Kore-KR" altLang="en-US" sz="1500" dirty="0">
+                <a:latin typeface="+mn-ea"/>
+              </a:rPr>
+              <a:t>블러</a:t>
+            </a:r>
+            <a:r>
+              <a:rPr kumimoji="1" lang="ko-KR" altLang="en-US" sz="1500" dirty="0">
+                <a:latin typeface="+mn-ea"/>
+              </a:rPr>
+              <a:t> 처리 후</a:t>
+            </a:r>
+            <a:endParaRPr kumimoji="1" lang="ko-Kore-KR" altLang="en-US" sz="1500" dirty="0">
+              <a:latin typeface="+mn-ea"/>
+            </a:endParaRPr>
+          </a:p>
+        </p:txBody>
+      </p:sp>
+      <p:pic>
+        <p:nvPicPr>
+          <p:cNvPr id="12" name="그림 11">
+            <a:extLst>
+              <a:ext uri="{FF2B5EF4-FFF2-40B4-BE49-F238E27FC236}">
+                <a16:creationId xmlns:a16="http://schemas.microsoft.com/office/drawing/2014/main" id="{B1FADF85-8027-E373-D6BD-BDF32BD03BC0}"/>
+              </a:ext>
+            </a:extLst>
+          </p:cNvPr>
+          <p:cNvPicPr>
+            <a:picLocks noChangeAspect="1"/>
+          </p:cNvPicPr>
+          <p:nvPr/>
+        </p:nvPicPr>
+        <p:blipFill>
+          <a:blip r:embed="rId5">
+            <a:extLst>
+              <a:ext uri="{28A0092B-C50C-407E-A947-70E740481C1C}">
+                <a14:useLocalDpi xmlns:a14="http://schemas.microsoft.com/office/drawing/2010/main" val="0"/>
+              </a:ext>
+            </a:extLst>
+          </a:blip>
+          <a:stretch>
+            <a:fillRect/>
+          </a:stretch>
+        </p:blipFill>
+        <p:spPr>
+          <a:xfrm>
+            <a:off x="9044399" y="1611524"/>
+            <a:ext cx="2364027" cy="4202716"/>
+          </a:xfrm>
+          <a:prstGeom prst="rect">
+            <a:avLst/>
+          </a:prstGeom>
+          <a:ln w="19050">
+            <a:solidFill>
+              <a:schemeClr val="tx1"/>
+            </a:solidFill>
+          </a:ln>
+        </p:spPr>
+      </p:pic>
+      <p:sp>
+        <p:nvSpPr>
+          <p:cNvPr id="13" name="TextBox 12">
+            <a:extLst>
+              <a:ext uri="{FF2B5EF4-FFF2-40B4-BE49-F238E27FC236}">
+                <a16:creationId xmlns:a16="http://schemas.microsoft.com/office/drawing/2014/main" id="{7FB0B9D1-B55B-C930-1D32-2DE39CF2940A}"/>
+              </a:ext>
+            </a:extLst>
+          </p:cNvPr>
+          <p:cNvSpPr txBox="1"/>
+          <p:nvPr/>
+        </p:nvSpPr>
+        <p:spPr>
+          <a:xfrm>
+            <a:off x="9521304" y="5830108"/>
+            <a:ext cx="1410215" cy="323165"/>
+          </a:xfrm>
+          <a:prstGeom prst="rect">
+            <a:avLst/>
+          </a:prstGeom>
+          <a:noFill/>
+        </p:spPr>
+        <p:txBody>
+          <a:bodyPr wrap="square" rtlCol="0">
+            <a:spAutoFit/>
+          </a:bodyPr>
+          <a:lstStyle/>
+          <a:p>
+            <a:pPr algn="ctr"/>
+            <a:r>
+              <a:rPr kumimoji="1" lang="ko-KR" altLang="en-US" sz="1500" dirty="0">
+                <a:latin typeface="+mn-ea"/>
+              </a:rPr>
+              <a:t>원본 이미지</a:t>
+            </a:r>
+            <a:endParaRPr kumimoji="1" lang="ko-Kore-KR" altLang="en-US" sz="1500" dirty="0">
+              <a:latin typeface="+mn-ea"/>
+            </a:endParaRPr>
+          </a:p>
+        </p:txBody>
+      </p:sp>
     </p:spTree>
     <p:extLst>
       <p:ext uri="{BB962C8B-B14F-4D97-AF65-F5344CB8AC3E}">
-        <p14:creationId xmlns:p14="http://schemas.microsoft.com/office/powerpoint/2010/main" val="3233515066"/>
+        <p14:creationId xmlns:p14="http://schemas.microsoft.com/office/powerpoint/2010/main" val="2356805581"/>
       </p:ext>
     </p:extLst>
   </p:cSld>

--- a/춘식이 발표자료.pptx
+++ b/춘식이 발표자료.pptx
@@ -8,12 +8,12 @@
     <p:sldId id="256" r:id="rId2"/>
     <p:sldId id="257" r:id="rId3"/>
     <p:sldId id="279" r:id="rId4"/>
-    <p:sldId id="260" r:id="rId5"/>
-    <p:sldId id="271" r:id="rId6"/>
-    <p:sldId id="272" r:id="rId7"/>
-    <p:sldId id="273" r:id="rId8"/>
-    <p:sldId id="274" r:id="rId9"/>
-    <p:sldId id="275" r:id="rId10"/>
+    <p:sldId id="271" r:id="rId5"/>
+    <p:sldId id="272" r:id="rId6"/>
+    <p:sldId id="273" r:id="rId7"/>
+    <p:sldId id="274" r:id="rId8"/>
+    <p:sldId id="275" r:id="rId9"/>
+    <p:sldId id="260" r:id="rId10"/>
     <p:sldId id="268" r:id="rId11"/>
     <p:sldId id="259" r:id="rId12"/>
     <p:sldId id="269" r:id="rId13"/>
@@ -4114,6 +4114,18 @@
               </a:rPr>
               <a:t> </a:t>
             </a:r>
+            <a:endParaRPr lang="en-US" altLang="ko-KR" sz="2100" spc="-150" dirty="0">
+              <a:latin typeface="+mn-ea"/>
+              <a:ea typeface="+mn-ea"/>
+            </a:endParaRPr>
+          </a:p>
+          <a:p>
+            <a:pPr>
+              <a:lnSpc>
+                <a:spcPct val="120000"/>
+              </a:lnSpc>
+              <a:defRPr/>
+            </a:pPr>
             <a:r>
               <a:rPr lang="ko-KR" altLang="en-US" sz="2100" spc="-150" dirty="0" err="1">
                 <a:latin typeface="+mn-ea"/>
@@ -5287,14 +5299,7 @@
                 <a:latin typeface="+mn-ea"/>
                 <a:ea typeface="+mn-ea"/>
               </a:rPr>
-              <a:t>값을 </a:t>
-            </a:r>
-            <a:r>
-              <a:rPr lang="ko-KR" altLang="en-US" sz="2100" spc="-150" dirty="0" err="1">
-                <a:latin typeface="+mn-ea"/>
-                <a:ea typeface="+mn-ea"/>
-              </a:rPr>
-              <a:t>높혀주거나</a:t>
+              <a:t>값을 높여주거나</a:t>
             </a:r>
             <a:endParaRPr lang="en-US" altLang="ko-KR" sz="2100" spc="-150" dirty="0">
               <a:latin typeface="+mn-ea"/>
@@ -5842,6 +5847,220 @@
           </a:p>
         </p:txBody>
       </p:sp>
+      <p:pic>
+        <p:nvPicPr>
+          <p:cNvPr id="3" name="그림 2">
+            <a:extLst>
+              <a:ext uri="{FF2B5EF4-FFF2-40B4-BE49-F238E27FC236}">
+                <a16:creationId xmlns:a16="http://schemas.microsoft.com/office/drawing/2014/main" id="{784C9F3C-76D8-D148-D661-AD2D08E1F695}"/>
+              </a:ext>
+            </a:extLst>
+          </p:cNvPr>
+          <p:cNvPicPr>
+            <a:picLocks noChangeAspect="1"/>
+          </p:cNvPicPr>
+          <p:nvPr/>
+        </p:nvPicPr>
+        <p:blipFill>
+          <a:blip r:embed="rId3">
+            <a:extLst>
+              <a:ext uri="{28A0092B-C50C-407E-A947-70E740481C1C}">
+                <a14:useLocalDpi xmlns:a14="http://schemas.microsoft.com/office/drawing/2010/main" val="0"/>
+              </a:ext>
+            </a:extLst>
+          </a:blip>
+          <a:stretch>
+            <a:fillRect/>
+          </a:stretch>
+        </p:blipFill>
+        <p:spPr>
+          <a:xfrm>
+            <a:off x="707036" y="3817915"/>
+            <a:ext cx="1778000" cy="1778000"/>
+          </a:xfrm>
+          <a:prstGeom prst="rect">
+            <a:avLst/>
+          </a:prstGeom>
+        </p:spPr>
+      </p:pic>
+      <p:sp>
+        <p:nvSpPr>
+          <p:cNvPr id="5" name="TextBox 4">
+            <a:extLst>
+              <a:ext uri="{FF2B5EF4-FFF2-40B4-BE49-F238E27FC236}">
+                <a16:creationId xmlns:a16="http://schemas.microsoft.com/office/drawing/2014/main" id="{DC0B21C6-E930-70DC-E5CE-676D4639CD6F}"/>
+              </a:ext>
+            </a:extLst>
+          </p:cNvPr>
+          <p:cNvSpPr txBox="1"/>
+          <p:nvPr/>
+        </p:nvSpPr>
+        <p:spPr>
+          <a:xfrm>
+            <a:off x="2485035" y="4905281"/>
+            <a:ext cx="1650655" cy="692497"/>
+          </a:xfrm>
+          <a:prstGeom prst="rect">
+            <a:avLst/>
+          </a:prstGeom>
+          <a:noFill/>
+        </p:spPr>
+        <p:txBody>
+          <a:bodyPr wrap="square" rtlCol="0">
+            <a:spAutoFit/>
+          </a:bodyPr>
+          <a:lstStyle/>
+          <a:p>
+            <a:r>
+              <a:rPr kumimoji="1" lang="en-US" altLang="ko-KR" sz="1300" dirty="0">
+                <a:latin typeface="+mn-ea"/>
+              </a:rPr>
+              <a:t>1</a:t>
+            </a:r>
+            <a:r>
+              <a:rPr kumimoji="1" lang="ko-KR" altLang="en-US" sz="1300" dirty="0">
+                <a:latin typeface="+mn-ea"/>
+              </a:rPr>
+              <a:t>학년 </a:t>
+            </a:r>
+            <a:r>
+              <a:rPr kumimoji="1" lang="ko-KR" altLang="en-US" sz="1300" dirty="0" err="1">
+                <a:latin typeface="+mn-ea"/>
+              </a:rPr>
+              <a:t>이채은</a:t>
+            </a:r>
+            <a:endParaRPr kumimoji="1" lang="en-US" altLang="ko-KR" sz="1300" dirty="0">
+              <a:latin typeface="+mn-ea"/>
+            </a:endParaRPr>
+          </a:p>
+          <a:p>
+            <a:endParaRPr kumimoji="1" lang="en-US" altLang="ko-Kore-KR" sz="1300" dirty="0">
+              <a:latin typeface="+mn-ea"/>
+            </a:endParaRPr>
+          </a:p>
+          <a:p>
+            <a:r>
+              <a:rPr kumimoji="1" lang="ko-KR" altLang="en-US" sz="1300" dirty="0">
+                <a:latin typeface="+mn-ea"/>
+              </a:rPr>
+              <a:t>데이터 </a:t>
+            </a:r>
+            <a:r>
+              <a:rPr kumimoji="1" lang="ko-KR" altLang="en-US" sz="1300" dirty="0" err="1">
+                <a:latin typeface="+mn-ea"/>
+              </a:rPr>
+              <a:t>전처리</a:t>
+            </a:r>
+            <a:endParaRPr kumimoji="1" lang="ko-Kore-KR" altLang="en-US" sz="1300" dirty="0">
+              <a:latin typeface="+mn-ea"/>
+            </a:endParaRPr>
+          </a:p>
+        </p:txBody>
+      </p:sp>
+      <p:pic>
+        <p:nvPicPr>
+          <p:cNvPr id="7" name="그림 6">
+            <a:extLst>
+              <a:ext uri="{FF2B5EF4-FFF2-40B4-BE49-F238E27FC236}">
+                <a16:creationId xmlns:a16="http://schemas.microsoft.com/office/drawing/2014/main" id="{A6FB81A1-87F4-00A9-021D-BC04B8C4D71E}"/>
+              </a:ext>
+            </a:extLst>
+          </p:cNvPr>
+          <p:cNvPicPr>
+            <a:picLocks noChangeAspect="1"/>
+          </p:cNvPicPr>
+          <p:nvPr/>
+        </p:nvPicPr>
+        <p:blipFill>
+          <a:blip r:embed="rId3">
+            <a:extLst>
+              <a:ext uri="{28A0092B-C50C-407E-A947-70E740481C1C}">
+                <a14:useLocalDpi xmlns:a14="http://schemas.microsoft.com/office/drawing/2010/main" val="0"/>
+              </a:ext>
+            </a:extLst>
+          </a:blip>
+          <a:stretch>
+            <a:fillRect/>
+          </a:stretch>
+        </p:blipFill>
+        <p:spPr>
+          <a:xfrm>
+            <a:off x="4404009" y="3817915"/>
+            <a:ext cx="1778000" cy="1778000"/>
+          </a:xfrm>
+          <a:prstGeom prst="rect">
+            <a:avLst/>
+          </a:prstGeom>
+        </p:spPr>
+      </p:pic>
+      <p:sp>
+        <p:nvSpPr>
+          <p:cNvPr id="12" name="TextBox 11">
+            <a:extLst>
+              <a:ext uri="{FF2B5EF4-FFF2-40B4-BE49-F238E27FC236}">
+                <a16:creationId xmlns:a16="http://schemas.microsoft.com/office/drawing/2014/main" id="{7E91CBDF-C885-3B36-D8CA-D024D6A53182}"/>
+              </a:ext>
+            </a:extLst>
+          </p:cNvPr>
+          <p:cNvSpPr txBox="1"/>
+          <p:nvPr/>
+        </p:nvSpPr>
+        <p:spPr>
+          <a:xfrm>
+            <a:off x="6182008" y="4905281"/>
+            <a:ext cx="1650655" cy="692497"/>
+          </a:xfrm>
+          <a:prstGeom prst="rect">
+            <a:avLst/>
+          </a:prstGeom>
+          <a:noFill/>
+        </p:spPr>
+        <p:txBody>
+          <a:bodyPr wrap="square" rtlCol="0">
+            <a:spAutoFit/>
+          </a:bodyPr>
+          <a:lstStyle/>
+          <a:p>
+            <a:r>
+              <a:rPr kumimoji="1" lang="en-US" altLang="ko-KR" sz="1300" dirty="0">
+                <a:latin typeface="+mn-ea"/>
+              </a:rPr>
+              <a:t>1</a:t>
+            </a:r>
+            <a:r>
+              <a:rPr kumimoji="1" lang="ko-KR" altLang="en-US" sz="1300" dirty="0">
+                <a:latin typeface="+mn-ea"/>
+              </a:rPr>
+              <a:t>학년 전우진</a:t>
+            </a:r>
+            <a:endParaRPr kumimoji="1" lang="en-US" altLang="ko-KR" sz="1300" dirty="0">
+              <a:latin typeface="+mn-ea"/>
+            </a:endParaRPr>
+          </a:p>
+          <a:p>
+            <a:endParaRPr kumimoji="1" lang="en-US" altLang="ko-Kore-KR" sz="1300" dirty="0">
+              <a:latin typeface="+mn-ea"/>
+            </a:endParaRPr>
+          </a:p>
+          <a:p>
+            <a:r>
+              <a:rPr kumimoji="1" lang="ko-KR" altLang="en-US" sz="1300" dirty="0">
+                <a:latin typeface="+mn-ea"/>
+              </a:rPr>
+              <a:t>데이터 </a:t>
+            </a:r>
+            <a:r>
+              <a:rPr kumimoji="1" lang="ko-KR" altLang="en-US" sz="1300" dirty="0" err="1">
+                <a:latin typeface="+mn-ea"/>
+              </a:rPr>
+              <a:t>전처리</a:t>
+            </a:r>
+            <a:endParaRPr kumimoji="1" lang="ko-Kore-KR" altLang="en-US" sz="1300" dirty="0">
+              <a:latin typeface="+mn-ea"/>
+            </a:endParaRPr>
+          </a:p>
+        </p:txBody>
+      </p:sp>
     </p:spTree>
     <p:extLst>
       <p:ext uri="{BB962C8B-B14F-4D97-AF65-F5344CB8AC3E}">
@@ -5987,35 +6206,35 @@
               <a:defRPr/>
             </a:pPr>
             <a:r>
-              <a:rPr lang="en-US" altLang="ko-KR" sz="2100" spc="-150" dirty="0">
+              <a:rPr lang="en-US" altLang="ko-KR" sz="1900" spc="-150" dirty="0">
                 <a:latin typeface="+mn-ea"/>
                 <a:ea typeface="+mn-ea"/>
               </a:rPr>
               <a:t>1-1. Training </a:t>
             </a:r>
             <a:r>
-              <a:rPr lang="ko-KR" altLang="en-US" sz="2100" spc="-150" dirty="0">
+              <a:rPr lang="ko-KR" altLang="en-US" sz="1900" spc="-150" dirty="0">
                 <a:latin typeface="+mn-ea"/>
                 <a:ea typeface="+mn-ea"/>
               </a:rPr>
               <a:t>데이터 셋의 데이터를 살펴보고 라벨 종류는 무엇이 있고</a:t>
             </a:r>
             <a:r>
-              <a:rPr lang="en-US" altLang="ko-KR" sz="2100" spc="-150" dirty="0">
+              <a:rPr lang="en-US" altLang="ko-KR" sz="1900" spc="-150" dirty="0">
                 <a:latin typeface="+mn-ea"/>
                 <a:ea typeface="+mn-ea"/>
               </a:rPr>
               <a:t>, </a:t>
             </a:r>
             <a:r>
-              <a:rPr lang="ko-KR" altLang="en-US" sz="2100" spc="-150" dirty="0">
+              <a:rPr lang="ko-KR" altLang="en-US" sz="1900" spc="-150" dirty="0">
                 <a:latin typeface="+mn-ea"/>
                 <a:ea typeface="+mn-ea"/>
               </a:rPr>
               <a:t>각 라벨의 개수를 구하시오</a:t>
             </a:r>
             <a:r>
-              <a:rPr lang="en-US" altLang="ko-KR" sz="2100" spc="-150" dirty="0">
+              <a:rPr lang="en-US" altLang="ko-KR" sz="1900" spc="-150" dirty="0">
                 <a:latin typeface="+mn-ea"/>
                 <a:ea typeface="+mn-ea"/>
               </a:rPr>
@@ -6029,7 +6248,7 @@
               </a:lnSpc>
               <a:defRPr/>
             </a:pPr>
-            <a:endParaRPr lang="en-US" altLang="ko-KR" sz="2100" dirty="0">
+            <a:endParaRPr lang="en-US" altLang="ko-KR" sz="1900" dirty="0">
               <a:latin typeface="+mn-ea"/>
               <a:ea typeface="+mn-ea"/>
             </a:endParaRPr>
@@ -6042,7 +6261,7 @@
               <a:defRPr/>
             </a:pPr>
             <a:r>
-              <a:rPr lang="en-US" altLang="ko-KR" sz="2100" dirty="0">
+              <a:rPr lang="en-US" altLang="ko-KR" sz="1900" dirty="0">
                 <a:latin typeface="+mn-ea"/>
                 <a:ea typeface="+mn-ea"/>
               </a:rPr>
@@ -6057,49 +6276,49 @@
               <a:defRPr/>
             </a:pPr>
             <a:r>
-              <a:rPr lang="ko-KR" altLang="en-US" sz="2100" dirty="0">
+              <a:rPr lang="ko-KR" altLang="en-US" sz="1900" dirty="0">
                 <a:latin typeface="+mn-ea"/>
                 <a:ea typeface="+mn-ea"/>
               </a:rPr>
               <a:t>라벨 종류는 </a:t>
             </a:r>
             <a:r>
-              <a:rPr lang="en-US" altLang="ko-KR" sz="2100" dirty="0" err="1">
+              <a:rPr lang="en-US" altLang="ko-KR" sz="1900" dirty="0" err="1">
                 <a:latin typeface="+mn-ea"/>
                 <a:ea typeface="+mn-ea"/>
               </a:rPr>
               <a:t>cap_and_hat</a:t>
             </a:r>
             <a:r>
-              <a:rPr lang="en-US" altLang="ko-KR" sz="2100" dirty="0">
+              <a:rPr lang="en-US" altLang="ko-KR" sz="1900" dirty="0">
                 <a:latin typeface="+mn-ea"/>
                 <a:ea typeface="+mn-ea"/>
               </a:rPr>
               <a:t>, outerwear, tops, bottoms, shoes</a:t>
             </a:r>
             <a:r>
-              <a:rPr lang="ko-KR" altLang="en-US" sz="2100" dirty="0">
+              <a:rPr lang="ko-KR" altLang="en-US" sz="1900" dirty="0">
                 <a:latin typeface="+mn-ea"/>
                 <a:ea typeface="+mn-ea"/>
               </a:rPr>
               <a:t>로 총 </a:t>
             </a:r>
             <a:r>
-              <a:rPr lang="en-US" altLang="ko-KR" sz="2100" dirty="0">
+              <a:rPr lang="en-US" altLang="ko-KR" sz="1900" dirty="0">
                 <a:latin typeface="+mn-ea"/>
                 <a:ea typeface="+mn-ea"/>
               </a:rPr>
               <a:t>5</a:t>
             </a:r>
             <a:r>
-              <a:rPr lang="ko-KR" altLang="en-US" sz="2100" dirty="0">
+              <a:rPr lang="ko-KR" altLang="en-US" sz="1900" dirty="0">
                 <a:latin typeface="+mn-ea"/>
                 <a:ea typeface="+mn-ea"/>
               </a:rPr>
               <a:t>개이고</a:t>
             </a:r>
             <a:r>
-              <a:rPr lang="en-US" altLang="ko-KR" sz="2100" dirty="0">
+              <a:rPr lang="en-US" altLang="ko-KR" sz="1900" dirty="0">
                 <a:latin typeface="+mn-ea"/>
                 <a:ea typeface="+mn-ea"/>
               </a:rPr>
@@ -6114,21 +6333,14 @@
               <a:defRPr/>
             </a:pPr>
             <a:r>
-              <a:rPr lang="ko-KR" altLang="en-US" sz="2100" dirty="0" err="1">
-                <a:latin typeface="+mn-ea"/>
-                <a:ea typeface="+mn-ea"/>
-              </a:rPr>
-              <a:t>라벨별</a:t>
-            </a:r>
-            <a:r>
-              <a:rPr lang="ko-KR" altLang="en-US" sz="2100" dirty="0">
-                <a:latin typeface="+mn-ea"/>
-                <a:ea typeface="+mn-ea"/>
-              </a:rPr>
-              <a:t> 이미지의 개수는 다음과 같다</a:t>
-            </a:r>
-            <a:r>
-              <a:rPr lang="en-US" altLang="ko-KR" sz="2100" dirty="0">
+              <a:rPr lang="ko-KR" altLang="en-US" sz="1900" dirty="0">
+                <a:latin typeface="+mn-ea"/>
+                <a:ea typeface="+mn-ea"/>
+              </a:rPr>
+              <a:t>라벨 별 이미지의 개수는 다음과 같다</a:t>
+            </a:r>
+            <a:r>
+              <a:rPr lang="en-US" altLang="ko-KR" sz="1900" dirty="0">
                 <a:latin typeface="+mn-ea"/>
                 <a:ea typeface="+mn-ea"/>
               </a:rPr>
@@ -6142,7 +6354,7 @@
               </a:lnSpc>
               <a:defRPr/>
             </a:pPr>
-            <a:endParaRPr lang="en-US" altLang="ko-KR" sz="2100" dirty="0">
+            <a:endParaRPr lang="en-US" altLang="ko-KR" sz="1900" dirty="0">
               <a:latin typeface="+mn-ea"/>
               <a:ea typeface="+mn-ea"/>
             </a:endParaRPr>
@@ -6155,42 +6367,42 @@
               <a:defRPr/>
             </a:pPr>
             <a:r>
-              <a:rPr lang="en-US" altLang="ko-KR" sz="2100" dirty="0" err="1">
+              <a:rPr lang="en-US" altLang="ko-KR" sz="1900" dirty="0" err="1">
                 <a:latin typeface="+mn-ea"/>
                 <a:ea typeface="+mn-ea"/>
               </a:rPr>
               <a:t>cap_and_hat</a:t>
             </a:r>
             <a:r>
-              <a:rPr lang="en-US" altLang="ko-KR" sz="2100" dirty="0">
+              <a:rPr lang="en-US" altLang="ko-KR" sz="1900" dirty="0">
                 <a:latin typeface="+mn-ea"/>
                 <a:ea typeface="+mn-ea"/>
               </a:rPr>
               <a:t>:</a:t>
             </a:r>
             <a:r>
-              <a:rPr lang="ko-KR" altLang="en-US" sz="2100" dirty="0">
+              <a:rPr lang="ko-KR" altLang="en-US" sz="1900" dirty="0">
                 <a:latin typeface="+mn-ea"/>
                 <a:ea typeface="+mn-ea"/>
               </a:rPr>
               <a:t> </a:t>
             </a:r>
             <a:r>
-              <a:rPr lang="en-US" altLang="ko-KR" sz="2100" dirty="0">
+              <a:rPr lang="en-US" altLang="ko-KR" sz="1900" dirty="0">
                 <a:latin typeface="+mn-ea"/>
                 <a:ea typeface="+mn-ea"/>
               </a:rPr>
               <a:t>196</a:t>
             </a:r>
             <a:r>
-              <a:rPr lang="ko-KR" altLang="en-US" sz="2100" dirty="0">
+              <a:rPr lang="ko-KR" altLang="en-US" sz="1900" dirty="0">
                 <a:latin typeface="+mn-ea"/>
                 <a:ea typeface="+mn-ea"/>
               </a:rPr>
               <a:t>개</a:t>
             </a:r>
             <a:r>
-              <a:rPr lang="en-US" altLang="ko-KR" sz="2100" dirty="0">
+              <a:rPr lang="en-US" altLang="ko-KR" sz="1900" dirty="0">
                 <a:latin typeface="+mn-ea"/>
                 <a:ea typeface="+mn-ea"/>
               </a:rPr>
@@ -6205,21 +6417,21 @@
               <a:defRPr/>
             </a:pPr>
             <a:r>
-              <a:rPr lang="en-US" altLang="ko-KR" sz="2100" dirty="0">
+              <a:rPr lang="en-US" altLang="ko-KR" sz="1900" dirty="0">
                 <a:latin typeface="+mn-ea"/>
                 <a:ea typeface="+mn-ea"/>
               </a:rPr>
               <a:t>outerwear: 4606</a:t>
             </a:r>
             <a:r>
-              <a:rPr lang="ko-KR" altLang="en-US" sz="2100" dirty="0">
+              <a:rPr lang="ko-KR" altLang="en-US" sz="1900" dirty="0">
                 <a:latin typeface="+mn-ea"/>
                 <a:ea typeface="+mn-ea"/>
               </a:rPr>
               <a:t>개</a:t>
             </a:r>
             <a:r>
-              <a:rPr lang="en-US" altLang="ko-KR" sz="2100" dirty="0">
+              <a:rPr lang="en-US" altLang="ko-KR" sz="1900" dirty="0">
                 <a:latin typeface="+mn-ea"/>
                 <a:ea typeface="+mn-ea"/>
               </a:rPr>
@@ -6234,21 +6446,21 @@
               <a:defRPr/>
             </a:pPr>
             <a:r>
-              <a:rPr lang="en-US" altLang="ko-KR" sz="2100" dirty="0">
+              <a:rPr lang="en-US" altLang="ko-KR" sz="1900" dirty="0">
                 <a:latin typeface="+mn-ea"/>
                 <a:ea typeface="+mn-ea"/>
               </a:rPr>
               <a:t>tops: 18350</a:t>
             </a:r>
             <a:r>
-              <a:rPr lang="ko-KR" altLang="en-US" sz="2100" dirty="0">
+              <a:rPr lang="ko-KR" altLang="en-US" sz="1900" dirty="0">
                 <a:latin typeface="+mn-ea"/>
                 <a:ea typeface="+mn-ea"/>
               </a:rPr>
               <a:t>개</a:t>
             </a:r>
             <a:r>
-              <a:rPr lang="en-US" altLang="ko-KR" sz="2100" dirty="0">
+              <a:rPr lang="en-US" altLang="ko-KR" sz="1900" dirty="0">
                 <a:latin typeface="+mn-ea"/>
                 <a:ea typeface="+mn-ea"/>
               </a:rPr>
@@ -6263,21 +6475,21 @@
               <a:defRPr/>
             </a:pPr>
             <a:r>
-              <a:rPr lang="en-US" altLang="ko-KR" sz="2100" dirty="0">
+              <a:rPr lang="en-US" altLang="ko-KR" sz="1900" dirty="0">
                 <a:latin typeface="+mn-ea"/>
                 <a:ea typeface="+mn-ea"/>
               </a:rPr>
               <a:t>bottoms: 6424</a:t>
             </a:r>
             <a:r>
-              <a:rPr lang="ko-KR" altLang="en-US" sz="2100" dirty="0">
+              <a:rPr lang="ko-KR" altLang="en-US" sz="1900" dirty="0">
                 <a:latin typeface="+mn-ea"/>
                 <a:ea typeface="+mn-ea"/>
               </a:rPr>
               <a:t>개</a:t>
             </a:r>
             <a:r>
-              <a:rPr lang="en-US" altLang="ko-KR" sz="2100" dirty="0">
+              <a:rPr lang="en-US" altLang="ko-KR" sz="1900" dirty="0">
                 <a:latin typeface="+mn-ea"/>
                 <a:ea typeface="+mn-ea"/>
               </a:rPr>
@@ -6292,14 +6504,14 @@
               <a:defRPr/>
             </a:pPr>
             <a:r>
-              <a:rPr lang="en-US" altLang="ko-KR" sz="2100" dirty="0">
+              <a:rPr lang="en-US" altLang="ko-KR" sz="1900" dirty="0">
                 <a:latin typeface="+mn-ea"/>
                 <a:ea typeface="+mn-ea"/>
               </a:rPr>
               <a:t>shoes: 424</a:t>
             </a:r>
             <a:r>
-              <a:rPr lang="ko-KR" altLang="en-US" sz="2100" dirty="0">
+              <a:rPr lang="ko-KR" altLang="en-US" sz="1900" dirty="0">
                 <a:latin typeface="+mn-ea"/>
                 <a:ea typeface="+mn-ea"/>
               </a:rPr>
@@ -6340,7 +6552,13 @@
       </p:grpSpPr>
       <p:pic>
         <p:nvPicPr>
-          <p:cNvPr id="2" name="그림 1"/>
+          <p:cNvPr id="4" name="그림 3">
+            <a:extLst>
+              <a:ext uri="{FF2B5EF4-FFF2-40B4-BE49-F238E27FC236}">
+                <a16:creationId xmlns:a16="http://schemas.microsoft.com/office/drawing/2014/main" id="{963A1BA7-4CC2-ACEF-0293-24C5AE9B9175}"/>
+              </a:ext>
+            </a:extLst>
+          </p:cNvPr>
           <p:cNvPicPr>
             <a:picLocks noChangeAspect="1"/>
           </p:cNvPicPr>
@@ -6370,7 +6588,13 @@
       </p:pic>
       <p:sp>
         <p:nvSpPr>
-          <p:cNvPr id="48" name="제목 38"/>
+          <p:cNvPr id="5" name="제목 38">
+            <a:extLst>
+              <a:ext uri="{FF2B5EF4-FFF2-40B4-BE49-F238E27FC236}">
+                <a16:creationId xmlns:a16="http://schemas.microsoft.com/office/drawing/2014/main" id="{D53157FE-2798-08EE-C8C3-6F7CF14ECA7D}"/>
+              </a:ext>
+            </a:extLst>
+          </p:cNvPr>
           <p:cNvSpPr>
             <a:spLocks noGrp="1"/>
           </p:cNvSpPr>
@@ -6394,20 +6618,35 @@
               <a:defRPr/>
             </a:pPr>
             <a:r>
-              <a:rPr lang="en-US" altLang="ko-KR" sz="4000" spc="-185" dirty="0">
+              <a:rPr lang="ko-KR" altLang="en-US" sz="4000" spc="-185" dirty="0">
                 <a:latin typeface="+mj-ea"/>
               </a:rPr>
-              <a:t>Mission 2</a:t>
-            </a:r>
-            <a:endParaRPr lang="ko-KR" altLang="en-US" sz="4000" spc="-185" dirty="0">
-              <a:latin typeface="+mj-ea"/>
-            </a:endParaRPr>
-          </a:p>
-        </p:txBody>
-      </p:sp>
-      <p:sp>
-        <p:nvSpPr>
-          <p:cNvPr id="13" name="제목 38"/>
+              <a:t>데이터 </a:t>
+            </a:r>
+            <a:r>
+              <a:rPr lang="ko-KR" altLang="en-US" sz="4000" spc="-185" dirty="0" err="1">
+                <a:latin typeface="+mj-ea"/>
+              </a:rPr>
+              <a:t>전처리</a:t>
+            </a:r>
+            <a:r>
+              <a:rPr lang="ko-KR" altLang="en-US" sz="4000" spc="-185" dirty="0">
+                <a:latin typeface="+mj-ea"/>
+              </a:rPr>
+              <a:t> 과정</a:t>
+            </a:r>
+          </a:p>
+        </p:txBody>
+      </p:sp>
+      <p:sp>
+        <p:nvSpPr>
+          <p:cNvPr id="6" name="제목 38">
+            <a:extLst>
+              <a:ext uri="{FF2B5EF4-FFF2-40B4-BE49-F238E27FC236}">
+                <a16:creationId xmlns:a16="http://schemas.microsoft.com/office/drawing/2014/main" id="{EB94A68A-D51D-255E-A650-BDDB84AC8884}"/>
+              </a:ext>
+            </a:extLst>
+          </p:cNvPr>
           <p:cNvSpPr txBox="1">
             <a:spLocks/>
           </p:cNvSpPr>
@@ -6415,8 +6654,8 @@
         </p:nvSpPr>
         <p:spPr>
           <a:xfrm>
-            <a:off x="363552" y="1547727"/>
-            <a:ext cx="11393019" cy="445258"/>
+            <a:off x="363552" y="1547726"/>
+            <a:ext cx="8028505" cy="2419299"/>
           </a:xfrm>
           <a:prstGeom prst="rect">
             <a:avLst/>
@@ -6447,51 +6686,333 @@
           </a:lstStyle>
           <a:p>
             <a:pPr>
-              <a:defRPr/>
-            </a:pPr>
-            <a:r>
-              <a:rPr lang="en-US" altLang="ko-KR" sz="2100" spc="-185" dirty="0">
-                <a:latin typeface="+mn-ea"/>
-                <a:ea typeface="+mn-ea"/>
-              </a:rPr>
-              <a:t>2-1. </a:t>
-            </a:r>
-            <a:r>
-              <a:rPr lang="ko-KR" altLang="en-US" sz="2100" spc="-185" dirty="0">
-                <a:latin typeface="+mn-ea"/>
-                <a:ea typeface="+mn-ea"/>
-              </a:rPr>
-              <a:t>이미지 크기를 적절히 조절하거나</a:t>
-            </a:r>
-            <a:r>
-              <a:rPr lang="en-US" altLang="ko-KR" sz="2100" spc="-185" dirty="0">
-                <a:latin typeface="+mn-ea"/>
-                <a:ea typeface="+mn-ea"/>
-              </a:rPr>
-              <a:t>, </a:t>
-            </a:r>
-            <a:r>
-              <a:rPr lang="ko-KR" altLang="en-US" sz="2100" spc="-185" dirty="0">
-                <a:latin typeface="+mn-ea"/>
-                <a:ea typeface="+mn-ea"/>
-              </a:rPr>
-              <a:t>해상도를 조절하여 학습 데이터 셋을 </a:t>
-            </a:r>
-            <a:r>
-              <a:rPr lang="ko-KR" altLang="en-US" sz="2100" spc="-185" dirty="0" err="1">
-                <a:latin typeface="+mn-ea"/>
-                <a:ea typeface="+mn-ea"/>
-              </a:rPr>
-              <a:t>구축하시오</a:t>
-            </a:r>
-            <a:r>
-              <a:rPr lang="en-US" altLang="ko-KR" sz="2100" spc="-185" dirty="0">
+              <a:lnSpc>
+                <a:spcPct val="120000"/>
+              </a:lnSpc>
+              <a:defRPr/>
+            </a:pPr>
+            <a:r>
+              <a:rPr lang="ko-KR" altLang="en-US" sz="1900" spc="-150" dirty="0" err="1">
+                <a:latin typeface="+mn-ea"/>
+                <a:ea typeface="+mn-ea"/>
+              </a:rPr>
+              <a:t>전처리</a:t>
+            </a:r>
+            <a:r>
+              <a:rPr lang="ko-KR" altLang="en-US" sz="1900" spc="-150" dirty="0">
+                <a:latin typeface="+mn-ea"/>
+                <a:ea typeface="+mn-ea"/>
+              </a:rPr>
+              <a:t> 코드를 완성하기 위해 많은 시행착오를 거쳤습니다</a:t>
+            </a:r>
+            <a:r>
+              <a:rPr lang="en-US" altLang="ko-KR" sz="1900" spc="-150" dirty="0">
                 <a:latin typeface="+mn-ea"/>
                 <a:ea typeface="+mn-ea"/>
               </a:rPr>
               <a:t>.</a:t>
             </a:r>
           </a:p>
+          <a:p>
+            <a:pPr>
+              <a:lnSpc>
+                <a:spcPct val="100000"/>
+              </a:lnSpc>
+              <a:defRPr/>
+            </a:pPr>
+            <a:endParaRPr lang="en-US" altLang="ko-KR" sz="1900" spc="-150" dirty="0">
+              <a:latin typeface="+mn-ea"/>
+              <a:ea typeface="+mn-ea"/>
+            </a:endParaRPr>
+          </a:p>
+          <a:p>
+            <a:pPr>
+              <a:lnSpc>
+                <a:spcPct val="120000"/>
+              </a:lnSpc>
+              <a:defRPr/>
+            </a:pPr>
+            <a:r>
+              <a:rPr lang="ko-KR" altLang="en-US" sz="1600" spc="-150" dirty="0">
+                <a:latin typeface="+mn-ea"/>
+                <a:ea typeface="+mn-ea"/>
+              </a:rPr>
+              <a:t>이미지를 이진화 후 모서리를 찾아내 옷만 잘라 내기 위해 </a:t>
+            </a:r>
+            <a:r>
+              <a:rPr lang="en-US" altLang="ko-KR" sz="1600" spc="-150" dirty="0">
+                <a:latin typeface="+mn-ea"/>
+                <a:ea typeface="+mn-ea"/>
+              </a:rPr>
+              <a:t>Threshold</a:t>
+            </a:r>
+            <a:r>
+              <a:rPr lang="ko-KR" altLang="en-US" sz="1600" spc="-150" dirty="0">
+                <a:latin typeface="+mn-ea"/>
+                <a:ea typeface="+mn-ea"/>
+              </a:rPr>
+              <a:t> 라는 함수를 사용했습니다</a:t>
+            </a:r>
+            <a:r>
+              <a:rPr lang="en-US" altLang="ko-KR" sz="1600" spc="-150" dirty="0">
+                <a:latin typeface="+mn-ea"/>
+                <a:ea typeface="+mn-ea"/>
+              </a:rPr>
+              <a:t>.</a:t>
+            </a:r>
+          </a:p>
+          <a:p>
+            <a:pPr>
+              <a:lnSpc>
+                <a:spcPct val="120000"/>
+              </a:lnSpc>
+              <a:defRPr/>
+            </a:pPr>
+            <a:r>
+              <a:rPr lang="ko-KR" altLang="en-US" sz="1600" spc="-150" dirty="0">
+                <a:latin typeface="+mn-ea"/>
+                <a:ea typeface="+mn-ea"/>
+              </a:rPr>
+              <a:t>하지만 배경이 흰색인 탓에 흰 옷 이미지 이진화 시 문제가 생기는 것을 확인할 수 있었고</a:t>
+            </a:r>
+            <a:r>
+              <a:rPr lang="en-US" altLang="ko-KR" sz="1600" spc="-150" dirty="0">
+                <a:latin typeface="+mn-ea"/>
+                <a:ea typeface="+mn-ea"/>
+              </a:rPr>
+              <a:t>,</a:t>
+            </a:r>
+            <a:r>
+              <a:rPr lang="ko-KR" altLang="en-US" sz="1600" spc="-150" dirty="0">
+                <a:latin typeface="+mn-ea"/>
+                <a:ea typeface="+mn-ea"/>
+              </a:rPr>
+              <a:t> </a:t>
+            </a:r>
+            <a:endParaRPr lang="en-US" altLang="ko-KR" sz="1600" spc="-150" dirty="0">
+              <a:latin typeface="+mn-ea"/>
+              <a:ea typeface="+mn-ea"/>
+            </a:endParaRPr>
+          </a:p>
+          <a:p>
+            <a:pPr>
+              <a:lnSpc>
+                <a:spcPct val="120000"/>
+              </a:lnSpc>
+              <a:defRPr/>
+            </a:pPr>
+            <a:r>
+              <a:rPr lang="ko-KR" altLang="en-US" sz="1600" spc="-150" dirty="0">
+                <a:latin typeface="+mn-ea"/>
+                <a:ea typeface="+mn-ea"/>
+              </a:rPr>
+              <a:t>그래서 </a:t>
+            </a:r>
+            <a:r>
+              <a:rPr lang="en-US" altLang="ko-KR" sz="1600" spc="-150" dirty="0">
+                <a:latin typeface="+mn-ea"/>
+                <a:ea typeface="+mn-ea"/>
+              </a:rPr>
+              <a:t>Adaptive threshold</a:t>
+            </a:r>
+            <a:r>
+              <a:rPr lang="ko-KR" altLang="en-US" sz="1600" spc="-150" dirty="0">
+                <a:latin typeface="+mn-ea"/>
+                <a:ea typeface="+mn-ea"/>
+              </a:rPr>
+              <a:t> 라는 적응형 이진화 함수를 사용하였습니다</a:t>
+            </a:r>
+            <a:r>
+              <a:rPr lang="en-US" altLang="ko-KR" sz="1600" spc="-150" dirty="0">
+                <a:latin typeface="+mn-ea"/>
+                <a:ea typeface="+mn-ea"/>
+              </a:rPr>
+              <a:t>.</a:t>
+            </a:r>
+          </a:p>
+          <a:p>
+            <a:pPr>
+              <a:lnSpc>
+                <a:spcPct val="120000"/>
+              </a:lnSpc>
+              <a:defRPr/>
+            </a:pPr>
+            <a:r>
+              <a:rPr lang="ko-KR" altLang="en-US" sz="1600" spc="-150" dirty="0">
+                <a:latin typeface="+mn-ea"/>
+                <a:ea typeface="+mn-ea"/>
+              </a:rPr>
+              <a:t>두 함수의 차이는 지역 이진화와 적응형 </a:t>
+            </a:r>
+            <a:r>
+              <a:rPr lang="ko-KR" altLang="en-US" sz="1600" spc="-150" dirty="0" err="1">
+                <a:latin typeface="+mn-ea"/>
+                <a:ea typeface="+mn-ea"/>
+              </a:rPr>
+              <a:t>이진화입니다</a:t>
+            </a:r>
+            <a:r>
+              <a:rPr lang="en-US" altLang="ko-KR" sz="1600" spc="-150" dirty="0">
+                <a:latin typeface="+mn-ea"/>
+                <a:ea typeface="+mn-ea"/>
+              </a:rPr>
+              <a:t>.</a:t>
+            </a:r>
+            <a:r>
+              <a:rPr lang="ko-KR" altLang="en-US" sz="1600" spc="-150" dirty="0">
+                <a:latin typeface="+mn-ea"/>
+                <a:ea typeface="+mn-ea"/>
+              </a:rPr>
+              <a:t> </a:t>
+            </a:r>
+            <a:endParaRPr lang="en-US" altLang="ko-KR" sz="1600" spc="-150" dirty="0">
+              <a:latin typeface="+mn-ea"/>
+              <a:ea typeface="+mn-ea"/>
+            </a:endParaRPr>
+          </a:p>
+          <a:p>
+            <a:pPr>
+              <a:lnSpc>
+                <a:spcPct val="120000"/>
+              </a:lnSpc>
+              <a:defRPr/>
+            </a:pPr>
+            <a:r>
+              <a:rPr lang="ko-KR" altLang="en-US" sz="1600" spc="-150" dirty="0">
+                <a:latin typeface="+mn-ea"/>
+                <a:ea typeface="+mn-ea"/>
+              </a:rPr>
+              <a:t>지역 이진화는 불균형한 조명에서 유리하지만 </a:t>
+            </a:r>
+            <a:endParaRPr lang="en-US" altLang="ko-KR" sz="1600" spc="-150" dirty="0">
+              <a:latin typeface="+mn-ea"/>
+              <a:ea typeface="+mn-ea"/>
+            </a:endParaRPr>
+          </a:p>
+          <a:p>
+            <a:pPr>
+              <a:lnSpc>
+                <a:spcPct val="120000"/>
+              </a:lnSpc>
+              <a:defRPr/>
+            </a:pPr>
+            <a:r>
+              <a:rPr lang="ko-KR" altLang="en-US" sz="1600" spc="-150" dirty="0">
+                <a:latin typeface="+mn-ea"/>
+                <a:ea typeface="+mn-ea"/>
+              </a:rPr>
+              <a:t>제공된 데이터셋은 그렇지 않기 때문에 적응형 이진화의 결과가 더 좋았던 것 같습니다</a:t>
+            </a:r>
+            <a:r>
+              <a:rPr lang="en-US" altLang="ko-KR" sz="1600" spc="-150" dirty="0">
+                <a:latin typeface="+mn-ea"/>
+                <a:ea typeface="+mn-ea"/>
+              </a:rPr>
+              <a:t>.</a:t>
+            </a:r>
+          </a:p>
+          <a:p>
+            <a:pPr>
+              <a:lnSpc>
+                <a:spcPct val="120000"/>
+              </a:lnSpc>
+              <a:defRPr/>
+            </a:pPr>
+            <a:r>
+              <a:rPr lang="ko-KR" altLang="en-US" sz="1600" spc="-150" dirty="0">
+                <a:latin typeface="+mn-ea"/>
+                <a:ea typeface="+mn-ea"/>
+              </a:rPr>
+              <a:t> </a:t>
+            </a:r>
+            <a:endParaRPr lang="en-US" altLang="ko-KR" sz="1600" spc="-150" dirty="0">
+              <a:latin typeface="+mn-ea"/>
+              <a:ea typeface="+mn-ea"/>
+            </a:endParaRPr>
+          </a:p>
+        </p:txBody>
+      </p:sp>
+      <p:pic>
+        <p:nvPicPr>
+          <p:cNvPr id="8" name="그림 7" descr="텍스트이(가) 표시된 사진&#10;&#10;자동 생성된 설명">
+            <a:extLst>
+              <a:ext uri="{FF2B5EF4-FFF2-40B4-BE49-F238E27FC236}">
+                <a16:creationId xmlns:a16="http://schemas.microsoft.com/office/drawing/2014/main" id="{44362160-5590-DC62-52A4-250228E1A6E4}"/>
+              </a:ext>
+            </a:extLst>
+          </p:cNvPr>
+          <p:cNvPicPr>
+            <a:picLocks noChangeAspect="1"/>
+          </p:cNvPicPr>
+          <p:nvPr/>
+        </p:nvPicPr>
+        <p:blipFill rotWithShape="1">
+          <a:blip r:embed="rId3">
+            <a:extLst>
+              <a:ext uri="{28A0092B-C50C-407E-A947-70E740481C1C}">
+                <a14:useLocalDpi xmlns:a14="http://schemas.microsoft.com/office/drawing/2010/main" val="0"/>
+              </a:ext>
+            </a:extLst>
+          </a:blip>
+          <a:srcRect t="75659" r="61880"/>
+          <a:stretch/>
+        </p:blipFill>
+        <p:spPr>
+          <a:xfrm>
+            <a:off x="498449" y="4156578"/>
+            <a:ext cx="1551237" cy="1836243"/>
+          </a:xfrm>
+          <a:prstGeom prst="rect">
+            <a:avLst/>
+          </a:prstGeom>
+        </p:spPr>
+      </p:pic>
+      <p:sp>
+        <p:nvSpPr>
+          <p:cNvPr id="9" name="제목 38">
+            <a:extLst>
+              <a:ext uri="{FF2B5EF4-FFF2-40B4-BE49-F238E27FC236}">
+                <a16:creationId xmlns:a16="http://schemas.microsoft.com/office/drawing/2014/main" id="{17C34476-D9F6-9005-524F-E315A8266863}"/>
+              </a:ext>
+            </a:extLst>
+          </p:cNvPr>
+          <p:cNvSpPr txBox="1">
+            <a:spLocks/>
+          </p:cNvSpPr>
+          <p:nvPr/>
+        </p:nvSpPr>
+        <p:spPr>
+          <a:xfrm>
+            <a:off x="560352" y="4351178"/>
+            <a:ext cx="1410215" cy="445258"/>
+          </a:xfrm>
+          <a:prstGeom prst="rect">
+            <a:avLst/>
+          </a:prstGeom>
+        </p:spPr>
+        <p:txBody>
+          <a:bodyPr vert="horz" lIns="112542" tIns="56271" rIns="112542" bIns="56271" rtlCol="0" anchor="t">
+            <a:noAutofit/>
+          </a:bodyPr>
+          <a:lstStyle>
+            <a:lvl1pPr algn="l" defTabSz="914400" rtl="0" eaLnBrk="1" latinLnBrk="1" hangingPunct="1">
+              <a:lnSpc>
+                <a:spcPct val="90000"/>
+              </a:lnSpc>
+              <a:spcBef>
+                <a:spcPct val="0"/>
+              </a:spcBef>
+              <a:buNone/>
+              <a:defRPr sz="4400" kern="1200">
+                <a:solidFill>
+                  <a:schemeClr val="tx1"/>
+                </a:solidFill>
+                <a:latin typeface="+mj-lt"/>
+                <a:ea typeface="+mj-ea"/>
+                <a:cs typeface="+mj-cs"/>
+              </a:defRPr>
+            </a:lvl1pPr>
+          </a:lstStyle>
           <a:p>
             <a:pPr>
               <a:defRPr/>
@@ -6505,10 +7026,10 @@
       </p:sp>
       <p:sp>
         <p:nvSpPr>
-          <p:cNvPr id="5" name="TextBox 4">
+          <p:cNvPr id="10" name="TextBox 9">
             <a:extLst>
               <a:ext uri="{FF2B5EF4-FFF2-40B4-BE49-F238E27FC236}">
-                <a16:creationId xmlns:a16="http://schemas.microsoft.com/office/drawing/2014/main" id="{BE27B679-F534-AA60-6303-182A391D5CE6}"/>
+                <a16:creationId xmlns:a16="http://schemas.microsoft.com/office/drawing/2014/main" id="{5CE62B68-E5B2-93D0-B32D-70FDFE1E9158}"/>
               </a:ext>
             </a:extLst>
           </p:cNvPr>
@@ -6517,8 +7038,8 @@
         </p:nvSpPr>
         <p:spPr>
           <a:xfrm>
-            <a:off x="4308494" y="2031349"/>
-            <a:ext cx="7448077" cy="5024773"/>
+            <a:off x="363396" y="5970716"/>
+            <a:ext cx="1821341" cy="575543"/>
           </a:xfrm>
           <a:prstGeom prst="rect">
             <a:avLst/>
@@ -6531,506 +7052,256 @@
           </a:bodyPr>
           <a:lstStyle/>
           <a:p>
-            <a:pPr>
-              <a:lnSpc>
-                <a:spcPct val="150000"/>
-              </a:lnSpc>
-              <a:defRPr/>
-            </a:pPr>
-            <a:r>
-              <a:rPr lang="en-US" altLang="ko-KR" sz="1800" spc="-150" dirty="0">
-                <a:latin typeface="+mn-ea"/>
-              </a:rPr>
-              <a:t>1.</a:t>
-            </a:r>
-            <a:r>
-              <a:rPr lang="ko-KR" altLang="en-US" sz="1800" spc="-150" dirty="0">
-                <a:latin typeface="+mn-ea"/>
-              </a:rPr>
-              <a:t> 이미지의 위</a:t>
-            </a:r>
-            <a:r>
-              <a:rPr lang="en-US" altLang="ko-KR" sz="1800" spc="-150" dirty="0">
-                <a:latin typeface="+mn-ea"/>
-              </a:rPr>
-              <a:t>,</a:t>
-            </a:r>
-            <a:r>
-              <a:rPr lang="ko-KR" altLang="en-US" sz="1800" spc="-150" dirty="0">
-                <a:latin typeface="+mn-ea"/>
-              </a:rPr>
-              <a:t> 아래</a:t>
-            </a:r>
-            <a:r>
-              <a:rPr lang="en-US" altLang="ko-KR" sz="1800" spc="-150" dirty="0">
-                <a:latin typeface="+mn-ea"/>
-              </a:rPr>
-              <a:t>,</a:t>
-            </a:r>
-            <a:r>
-              <a:rPr lang="ko-KR" altLang="en-US" sz="1800" spc="-150" dirty="0">
-                <a:latin typeface="+mn-ea"/>
-              </a:rPr>
-              <a:t> 양 옆을 강제로 제거한다</a:t>
-            </a:r>
-            <a:r>
-              <a:rPr lang="en-US" altLang="ko-KR" sz="1800" spc="-150" dirty="0">
-                <a:latin typeface="+mn-ea"/>
-              </a:rPr>
-              <a:t>.</a:t>
-            </a:r>
-          </a:p>
-          <a:p>
-            <a:pPr>
-              <a:lnSpc>
-                <a:spcPct val="150000"/>
-              </a:lnSpc>
-              <a:defRPr/>
-            </a:pPr>
-            <a:r>
-              <a:rPr lang="en-US" altLang="ko-KR" sz="1800" spc="-150" dirty="0">
-                <a:latin typeface="+mn-ea"/>
-              </a:rPr>
-              <a:t>2.</a:t>
-            </a:r>
-            <a:r>
-              <a:rPr lang="ko-KR" altLang="en-US" sz="1800" spc="-150" dirty="0">
-                <a:latin typeface="+mn-ea"/>
-              </a:rPr>
-              <a:t> 이미지의 해상도를 낮추고</a:t>
-            </a:r>
-            <a:r>
-              <a:rPr lang="en-US" altLang="ko-KR" sz="1800" spc="-150" dirty="0">
-                <a:latin typeface="+mn-ea"/>
-              </a:rPr>
-              <a:t>,</a:t>
-            </a:r>
-            <a:r>
-              <a:rPr lang="ko-KR" altLang="en-US" sz="1800" spc="-150" dirty="0">
-                <a:latin typeface="+mn-ea"/>
-              </a:rPr>
-              <a:t> </a:t>
-            </a:r>
-            <a:r>
-              <a:rPr lang="en-US" altLang="ko-KR" sz="1800" spc="-150" dirty="0">
-                <a:latin typeface="+mn-ea"/>
-              </a:rPr>
-              <a:t>Gray Scale</a:t>
-            </a:r>
-            <a:r>
-              <a:rPr lang="ko-KR" altLang="en-US" sz="1800" spc="-150" dirty="0">
-                <a:latin typeface="+mn-ea"/>
-              </a:rPr>
-              <a:t>로 전환한다</a:t>
-            </a:r>
-            <a:r>
-              <a:rPr lang="en-US" altLang="ko-KR" sz="1800" spc="-150" dirty="0">
-                <a:latin typeface="+mn-ea"/>
-              </a:rPr>
-              <a:t>.</a:t>
-            </a:r>
-            <a:r>
-              <a:rPr lang="ko-KR" altLang="en-US" sz="1800" spc="-150" dirty="0">
-                <a:latin typeface="+mn-ea"/>
-              </a:rPr>
-              <a:t> </a:t>
-            </a:r>
-            <a:endParaRPr lang="en-US" altLang="ko-KR" sz="1800" spc="-150" dirty="0">
+            <a:pPr algn="ctr"/>
+            <a:r>
+              <a:rPr lang="en-US" altLang="ko-KR" sz="1400" spc="-150" dirty="0">
+                <a:latin typeface="+mn-ea"/>
+              </a:rPr>
+              <a:t>Threshold </a:t>
+            </a:r>
+            <a:r>
+              <a:rPr lang="ko-KR" altLang="en-US" sz="1400" spc="-150" dirty="0">
+                <a:latin typeface="+mn-ea"/>
+              </a:rPr>
+              <a:t>함수 사용</a:t>
+            </a:r>
+            <a:endParaRPr lang="en-US" altLang="ko-KR" sz="1400" spc="-150" dirty="0">
               <a:latin typeface="+mn-ea"/>
             </a:endParaRPr>
           </a:p>
           <a:p>
-            <a:pPr>
-              <a:lnSpc>
-                <a:spcPct val="150000"/>
-              </a:lnSpc>
-              <a:defRPr/>
-            </a:pPr>
-            <a:r>
-              <a:rPr lang="en-US" altLang="ko-KR" sz="1800" spc="-150" dirty="0">
-                <a:latin typeface="+mn-ea"/>
-              </a:rPr>
-              <a:t>3.</a:t>
-            </a:r>
-            <a:r>
-              <a:rPr lang="ko-KR" altLang="en-US" sz="1800" spc="-150" dirty="0">
-                <a:latin typeface="+mn-ea"/>
-              </a:rPr>
-              <a:t> </a:t>
-            </a:r>
-            <a:r>
-              <a:rPr lang="en-US" altLang="ko-KR" sz="1800" spc="-150" dirty="0" err="1">
-                <a:latin typeface="+mn-ea"/>
-              </a:rPr>
-              <a:t>opencv</a:t>
-            </a:r>
-            <a:r>
-              <a:rPr lang="ko-KR" altLang="en-US" sz="1800" spc="-150" dirty="0">
-                <a:latin typeface="+mn-ea"/>
-              </a:rPr>
-              <a:t>의</a:t>
-            </a:r>
-            <a:r>
-              <a:rPr lang="en-US" altLang="ko-KR" sz="1800" spc="-150" dirty="0">
-                <a:latin typeface="+mn-ea"/>
-              </a:rPr>
-              <a:t> </a:t>
-            </a:r>
-            <a:r>
-              <a:rPr lang="en-US" altLang="ko-KR" sz="1800" spc="-150" dirty="0" err="1">
-                <a:latin typeface="+mn-ea"/>
-              </a:rPr>
-              <a:t>AdaptiveThreshold</a:t>
-            </a:r>
-            <a:r>
-              <a:rPr lang="ko-KR" altLang="en-US" sz="1800" spc="-150" dirty="0" err="1">
-                <a:latin typeface="+mn-ea"/>
-              </a:rPr>
-              <a:t>를</a:t>
-            </a:r>
-            <a:r>
-              <a:rPr lang="ko-KR" altLang="en-US" sz="1800" spc="-150" dirty="0">
-                <a:latin typeface="+mn-ea"/>
-              </a:rPr>
-              <a:t> 이용해 이미지 이진화를 한다</a:t>
-            </a:r>
-            <a:r>
-              <a:rPr lang="en-US" altLang="ko-KR" sz="1800" spc="-150" dirty="0">
-                <a:latin typeface="+mn-ea"/>
-              </a:rPr>
-              <a:t>.</a:t>
-            </a:r>
-          </a:p>
-          <a:p>
-            <a:pPr>
-              <a:lnSpc>
-                <a:spcPct val="150000"/>
-              </a:lnSpc>
-              <a:defRPr/>
-            </a:pPr>
-            <a:r>
-              <a:rPr lang="en-US" altLang="ko-KR" sz="1800" spc="-150" dirty="0">
-                <a:latin typeface="+mn-ea"/>
-              </a:rPr>
-              <a:t>4.</a:t>
-            </a:r>
-            <a:r>
-              <a:rPr lang="ko-KR" altLang="en-US" sz="1800" spc="-150" dirty="0">
-                <a:latin typeface="+mn-ea"/>
-              </a:rPr>
-              <a:t> 노이즈를 낮추기 위해 </a:t>
-            </a:r>
-            <a:r>
-              <a:rPr lang="en-US" altLang="ko-KR" sz="1800" spc="-150" dirty="0">
-                <a:latin typeface="+mn-ea"/>
-              </a:rPr>
-              <a:t>1</a:t>
-            </a:r>
-            <a:r>
-              <a:rPr lang="ko-KR" altLang="en-US" sz="1800" spc="-150" dirty="0">
-                <a:latin typeface="+mn-ea"/>
-              </a:rPr>
-              <a:t>차적으로 </a:t>
-            </a:r>
-            <a:r>
-              <a:rPr lang="en-US" altLang="ko-KR" sz="1800" spc="-150" dirty="0">
-                <a:latin typeface="+mn-ea"/>
-              </a:rPr>
-              <a:t>Blur</a:t>
-            </a:r>
-            <a:r>
-              <a:rPr lang="ko-KR" altLang="en-US" sz="1800" spc="-150" dirty="0">
-                <a:latin typeface="+mn-ea"/>
-              </a:rPr>
-              <a:t> 처리를 한다</a:t>
-            </a:r>
-            <a:r>
-              <a:rPr lang="en-US" altLang="ko-KR" sz="1800" spc="-150" dirty="0">
-                <a:latin typeface="+mn-ea"/>
-              </a:rPr>
-              <a:t>.</a:t>
-            </a:r>
-          </a:p>
-          <a:p>
-            <a:pPr>
-              <a:lnSpc>
-                <a:spcPct val="150000"/>
-              </a:lnSpc>
-              <a:defRPr/>
-            </a:pPr>
-            <a:r>
-              <a:rPr lang="en-US" altLang="ko-KR" sz="1800" spc="-150" dirty="0">
-                <a:latin typeface="+mn-ea"/>
-              </a:rPr>
-              <a:t>5.</a:t>
-            </a:r>
-            <a:r>
-              <a:rPr lang="ko-KR" altLang="en-US" sz="1800" spc="-150" dirty="0">
-                <a:latin typeface="+mn-ea"/>
-              </a:rPr>
-              <a:t> </a:t>
-            </a:r>
-            <a:r>
-              <a:rPr lang="en-US" altLang="ko-KR" sz="1800" spc="-150" dirty="0">
-                <a:latin typeface="+mn-ea"/>
-              </a:rPr>
-              <a:t>2</a:t>
-            </a:r>
-            <a:r>
-              <a:rPr lang="ko-KR" altLang="en-US" sz="1800" spc="-150" dirty="0">
-                <a:latin typeface="+mn-ea"/>
-              </a:rPr>
-              <a:t>차적으로 커널을 생성하여 </a:t>
-            </a:r>
-            <a:r>
-              <a:rPr lang="en-US" altLang="ko-KR" sz="1800" spc="-150" dirty="0">
-                <a:latin typeface="+mn-ea"/>
-              </a:rPr>
-              <a:t>Morphology </a:t>
-            </a:r>
-            <a:r>
-              <a:rPr lang="ko-KR" altLang="en-US" sz="1800" spc="-150" dirty="0">
-                <a:latin typeface="+mn-ea"/>
-              </a:rPr>
-              <a:t>연산 중 </a:t>
-            </a:r>
-            <a:endParaRPr lang="en-US" altLang="ko-KR" sz="1800" spc="-150" dirty="0">
+            <a:pPr algn="ctr"/>
+            <a:r>
+              <a:rPr kumimoji="1" lang="en-US" altLang="ko-KR" sz="1400" spc="-150" dirty="0">
+                <a:latin typeface="+mn-ea"/>
+              </a:rPr>
+              <a:t>(</a:t>
+            </a:r>
+            <a:r>
+              <a:rPr kumimoji="1" lang="ko-KR" altLang="en-US" sz="1400" spc="-150" dirty="0">
+                <a:latin typeface="+mn-ea"/>
+              </a:rPr>
+              <a:t>갈색 옷</a:t>
+            </a:r>
+            <a:r>
+              <a:rPr kumimoji="1" lang="en-US" altLang="ko-KR" sz="1400" spc="-150" dirty="0">
+                <a:latin typeface="+mn-ea"/>
+              </a:rPr>
+              <a:t>)</a:t>
+            </a:r>
+            <a:endParaRPr kumimoji="1" lang="en-US" altLang="ko-Kore-KR" sz="1400" dirty="0">
               <a:latin typeface="+mn-ea"/>
             </a:endParaRPr>
           </a:p>
-          <a:p>
-            <a:pPr>
-              <a:lnSpc>
-                <a:spcPct val="150000"/>
-              </a:lnSpc>
-              <a:defRPr/>
-            </a:pPr>
-            <a:r>
-              <a:rPr lang="en-US" altLang="ko-KR" sz="1800" spc="-150" dirty="0">
-                <a:latin typeface="+mn-ea"/>
-              </a:rPr>
-              <a:t>closing </a:t>
-            </a:r>
-            <a:r>
-              <a:rPr lang="ko-KR" altLang="en-US" sz="1800" spc="-150" dirty="0">
-                <a:latin typeface="+mn-ea"/>
-              </a:rPr>
-              <a:t>연산과 </a:t>
-            </a:r>
-            <a:r>
-              <a:rPr lang="en-US" altLang="ko-KR" sz="1800" spc="-150" dirty="0">
-                <a:latin typeface="+mn-ea"/>
-              </a:rPr>
-              <a:t>gradient </a:t>
-            </a:r>
-            <a:r>
-              <a:rPr lang="ko-KR" altLang="en-US" sz="1800" spc="-150" dirty="0">
-                <a:latin typeface="+mn-ea"/>
-              </a:rPr>
-              <a:t>연산을 거친다</a:t>
-            </a:r>
-            <a:r>
-              <a:rPr lang="en-US" altLang="ko-KR" sz="1800" spc="-150" dirty="0">
-                <a:latin typeface="+mn-ea"/>
-              </a:rPr>
-              <a:t>.</a:t>
-            </a:r>
-          </a:p>
-          <a:p>
-            <a:pPr>
-              <a:lnSpc>
-                <a:spcPct val="150000"/>
-              </a:lnSpc>
-              <a:defRPr/>
-            </a:pPr>
-            <a:r>
-              <a:rPr lang="en-US" altLang="ko-KR" sz="1800" spc="-150" dirty="0">
-                <a:latin typeface="+mn-ea"/>
-              </a:rPr>
-              <a:t>6.</a:t>
-            </a:r>
-            <a:r>
-              <a:rPr lang="ko-KR" altLang="en-US" sz="1800" spc="-150" dirty="0">
-                <a:latin typeface="+mn-ea"/>
-              </a:rPr>
-              <a:t> </a:t>
-            </a:r>
-            <a:r>
-              <a:rPr lang="en-US" altLang="ko-KR" sz="1800" spc="-150" dirty="0" err="1">
-                <a:latin typeface="+mn-ea"/>
-              </a:rPr>
-              <a:t>findContours</a:t>
-            </a:r>
-            <a:r>
-              <a:rPr lang="ko-KR" altLang="en-US" sz="1800" spc="-150" dirty="0">
-                <a:latin typeface="+mn-ea"/>
-              </a:rPr>
-              <a:t> 함수를 이용해 </a:t>
-            </a:r>
-            <a:r>
-              <a:rPr lang="ko-KR" altLang="en-US" sz="1800" spc="-150" dirty="0" err="1">
-                <a:latin typeface="+mn-ea"/>
-              </a:rPr>
-              <a:t>경계값을</a:t>
-            </a:r>
-            <a:r>
-              <a:rPr lang="ko-KR" altLang="en-US" sz="1800" spc="-150" dirty="0">
-                <a:latin typeface="+mn-ea"/>
-              </a:rPr>
-              <a:t> 도출한 후 </a:t>
-            </a:r>
-            <a:endParaRPr lang="en-US" altLang="ko-KR" sz="1800" spc="-150" dirty="0">
+        </p:txBody>
+      </p:sp>
+      <p:pic>
+        <p:nvPicPr>
+          <p:cNvPr id="12" name="그림 11" descr="텍스트이(가) 표시된 사진&#10;&#10;자동 생성된 설명">
+            <a:extLst>
+              <a:ext uri="{FF2B5EF4-FFF2-40B4-BE49-F238E27FC236}">
+                <a16:creationId xmlns:a16="http://schemas.microsoft.com/office/drawing/2014/main" id="{F3583A5A-1D78-2DB7-2C7B-C47525CD196E}"/>
+              </a:ext>
+            </a:extLst>
+          </p:cNvPr>
+          <p:cNvPicPr>
+            <a:picLocks noChangeAspect="1"/>
+          </p:cNvPicPr>
+          <p:nvPr/>
+        </p:nvPicPr>
+        <p:blipFill rotWithShape="1">
+          <a:blip r:embed="rId4">
+            <a:extLst>
+              <a:ext uri="{28A0092B-C50C-407E-A947-70E740481C1C}">
+                <a14:useLocalDpi xmlns:a14="http://schemas.microsoft.com/office/drawing/2010/main" val="0"/>
+              </a:ext>
+            </a:extLst>
+          </a:blip>
+          <a:srcRect l="4817" t="73855" r="77464"/>
+          <a:stretch/>
+        </p:blipFill>
+        <p:spPr>
+          <a:xfrm>
+            <a:off x="3211370" y="4156578"/>
+            <a:ext cx="779721" cy="1836243"/>
+          </a:xfrm>
+          <a:prstGeom prst="rect">
+            <a:avLst/>
+          </a:prstGeom>
+        </p:spPr>
+      </p:pic>
+      <p:sp>
+        <p:nvSpPr>
+          <p:cNvPr id="14" name="TextBox 13">
+            <a:extLst>
+              <a:ext uri="{FF2B5EF4-FFF2-40B4-BE49-F238E27FC236}">
+                <a16:creationId xmlns:a16="http://schemas.microsoft.com/office/drawing/2014/main" id="{2576593A-EE19-4525-7DEA-517FCB4C9422}"/>
+              </a:ext>
+            </a:extLst>
+          </p:cNvPr>
+          <p:cNvSpPr txBox="1"/>
+          <p:nvPr/>
+        </p:nvSpPr>
+        <p:spPr>
+          <a:xfrm>
+            <a:off x="2690559" y="5970716"/>
+            <a:ext cx="1821341" cy="575543"/>
+          </a:xfrm>
+          <a:prstGeom prst="rect">
+            <a:avLst/>
+          </a:prstGeom>
+          <a:noFill/>
+        </p:spPr>
+        <p:txBody>
+          <a:bodyPr wrap="square" rtlCol="0">
+            <a:spAutoFit/>
+          </a:bodyPr>
+          <a:lstStyle/>
+          <a:p>
+            <a:pPr algn="ctr"/>
+            <a:r>
+              <a:rPr lang="en-US" altLang="ko-KR" sz="1400" spc="-150" dirty="0">
+                <a:latin typeface="+mn-ea"/>
+              </a:rPr>
+              <a:t>Threshold </a:t>
+            </a:r>
+            <a:r>
+              <a:rPr lang="ko-KR" altLang="en-US" sz="1400" spc="-150" dirty="0">
+                <a:latin typeface="+mn-ea"/>
+              </a:rPr>
+              <a:t>함수 사용</a:t>
+            </a:r>
+            <a:endParaRPr lang="en-US" altLang="ko-KR" sz="1400" spc="-150" dirty="0">
               <a:latin typeface="+mn-ea"/>
             </a:endParaRPr>
           </a:p>
           <a:p>
-            <a:pPr>
-              <a:lnSpc>
-                <a:spcPct val="150000"/>
-              </a:lnSpc>
-              <a:defRPr/>
-            </a:pPr>
-            <a:r>
-              <a:rPr lang="ko-KR" altLang="en-US" sz="1800" spc="-150" dirty="0">
-                <a:latin typeface="+mn-ea"/>
-              </a:rPr>
-              <a:t>그 </a:t>
-            </a:r>
-            <a:r>
-              <a:rPr lang="ko-KR" altLang="en-US" sz="1800" spc="-150" dirty="0" err="1">
-                <a:latin typeface="+mn-ea"/>
-              </a:rPr>
-              <a:t>경계값으로</a:t>
-            </a:r>
-            <a:r>
-              <a:rPr lang="ko-KR" altLang="en-US" sz="1800" spc="-150" dirty="0">
-                <a:latin typeface="+mn-ea"/>
-              </a:rPr>
-              <a:t> 사각형을 생성해 이미지 </a:t>
-            </a:r>
-            <a:r>
-              <a:rPr lang="en-US" altLang="ko-KR" sz="1800" spc="-150" dirty="0">
-                <a:latin typeface="+mn-ea"/>
-              </a:rPr>
-              <a:t>trimming </a:t>
-            </a:r>
-            <a:r>
-              <a:rPr lang="ko-KR" altLang="en-US" sz="1800" spc="-150" dirty="0">
-                <a:latin typeface="+mn-ea"/>
-              </a:rPr>
-              <a:t>좌표를 생성한다</a:t>
-            </a:r>
-            <a:r>
-              <a:rPr lang="en-US" altLang="ko-KR" sz="1800" spc="-150" dirty="0">
-                <a:latin typeface="+mn-ea"/>
-              </a:rPr>
-              <a:t>.</a:t>
-            </a:r>
-          </a:p>
-          <a:p>
-            <a:pPr>
-              <a:lnSpc>
-                <a:spcPct val="150000"/>
-              </a:lnSpc>
-              <a:defRPr/>
-            </a:pPr>
-            <a:r>
-              <a:rPr lang="en-US" altLang="ko-KR" sz="1800" spc="-150" dirty="0">
-                <a:latin typeface="+mn-ea"/>
-              </a:rPr>
-              <a:t>7.</a:t>
-            </a:r>
-            <a:r>
-              <a:rPr lang="ko-KR" altLang="en-US" sz="1800" spc="-150" dirty="0">
-                <a:latin typeface="+mn-ea"/>
-              </a:rPr>
-              <a:t> 적응형 이진화 된 이미지를 </a:t>
-            </a:r>
-            <a:r>
-              <a:rPr lang="en-US" altLang="ko-KR" sz="1800" spc="-150" dirty="0">
-                <a:latin typeface="+mn-ea"/>
-              </a:rPr>
-              <a:t>6</a:t>
-            </a:r>
-            <a:r>
-              <a:rPr lang="ko-KR" altLang="en-US" sz="1800" spc="-150" dirty="0">
-                <a:latin typeface="+mn-ea"/>
-              </a:rPr>
-              <a:t>번에서 구한 좌표로 자르고</a:t>
-            </a:r>
-            <a:endParaRPr lang="en-US" altLang="ko-KR" sz="1800" spc="-150" dirty="0">
+            <a:pPr algn="ctr"/>
+            <a:r>
+              <a:rPr kumimoji="1" lang="en-US" altLang="ko-KR" sz="1400" spc="-150" dirty="0">
+                <a:latin typeface="+mn-ea"/>
+              </a:rPr>
+              <a:t>(</a:t>
+            </a:r>
+            <a:r>
+              <a:rPr kumimoji="1" lang="ko-KR" altLang="en-US" sz="1400" spc="-150" dirty="0">
+                <a:latin typeface="+mn-ea"/>
+              </a:rPr>
+              <a:t>흰 옷</a:t>
+            </a:r>
+            <a:r>
+              <a:rPr kumimoji="1" lang="en-US" altLang="ko-KR" sz="1400" spc="-150" dirty="0">
+                <a:latin typeface="+mn-ea"/>
+              </a:rPr>
+              <a:t>)</a:t>
+            </a:r>
+            <a:endParaRPr kumimoji="1" lang="en-US" altLang="ko-Kore-KR" sz="1400" dirty="0">
               <a:latin typeface="+mn-ea"/>
             </a:endParaRPr>
           </a:p>
-          <a:p>
-            <a:pPr>
-              <a:lnSpc>
-                <a:spcPct val="150000"/>
-              </a:lnSpc>
-              <a:defRPr/>
-            </a:pPr>
-            <a:r>
-              <a:rPr lang="en-US" altLang="ko-KR" sz="1800" spc="-150" dirty="0">
-                <a:latin typeface="+mn-ea"/>
-              </a:rPr>
-              <a:t>32 x 32 </a:t>
-            </a:r>
-            <a:r>
-              <a:rPr lang="ko-KR" altLang="en-US" sz="1800" spc="-150" dirty="0">
-                <a:latin typeface="+mn-ea"/>
-              </a:rPr>
-              <a:t>사이즈로 </a:t>
-            </a:r>
-            <a:r>
-              <a:rPr lang="en-US" altLang="ko-KR" sz="1800" spc="-150" dirty="0">
-                <a:latin typeface="+mn-ea"/>
-              </a:rPr>
-              <a:t>Resize</a:t>
-            </a:r>
-            <a:r>
-              <a:rPr lang="ko-KR" altLang="en-US" sz="1800" spc="-150" dirty="0">
-                <a:latin typeface="+mn-ea"/>
-              </a:rPr>
-              <a:t> 후 </a:t>
-            </a:r>
-            <a:r>
-              <a:rPr lang="en-US" altLang="ko-KR" sz="1800" spc="-150" dirty="0">
-                <a:latin typeface="+mn-ea"/>
-              </a:rPr>
-              <a:t>Return </a:t>
-            </a:r>
-            <a:r>
-              <a:rPr lang="ko-KR" altLang="en-US" sz="1800" spc="-150" dirty="0">
-                <a:latin typeface="+mn-ea"/>
-              </a:rPr>
-              <a:t>한다</a:t>
-            </a:r>
-            <a:r>
-              <a:rPr lang="en-US" altLang="ko-KR" sz="1800" spc="-150" dirty="0">
-                <a:latin typeface="+mn-ea"/>
-              </a:rPr>
-              <a:t>.</a:t>
-            </a:r>
-          </a:p>
-          <a:p>
-            <a:pPr>
-              <a:lnSpc>
-                <a:spcPct val="150000"/>
-              </a:lnSpc>
-              <a:defRPr/>
-            </a:pPr>
-            <a:endParaRPr lang="en-US" altLang="ko-KR" sz="1800" spc="-150" dirty="0">
+        </p:txBody>
+      </p:sp>
+      <p:pic>
+        <p:nvPicPr>
+          <p:cNvPr id="16" name="그림 15" descr="텍스트이(가) 표시된 사진&#10;&#10;자동 생성된 설명">
+            <a:extLst>
+              <a:ext uri="{FF2B5EF4-FFF2-40B4-BE49-F238E27FC236}">
+                <a16:creationId xmlns:a16="http://schemas.microsoft.com/office/drawing/2014/main" id="{EB94D70A-772B-F512-0CC5-C74B0A541842}"/>
+              </a:ext>
+            </a:extLst>
+          </p:cNvPr>
+          <p:cNvPicPr>
+            <a:picLocks noChangeAspect="1"/>
+          </p:cNvPicPr>
+          <p:nvPr/>
+        </p:nvPicPr>
+        <p:blipFill rotWithShape="1">
+          <a:blip r:embed="rId5">
+            <a:extLst>
+              <a:ext uri="{28A0092B-C50C-407E-A947-70E740481C1C}">
+                <a14:useLocalDpi xmlns:a14="http://schemas.microsoft.com/office/drawing/2010/main" val="0"/>
+              </a:ext>
+            </a:extLst>
+          </a:blip>
+          <a:srcRect t="73870" r="72973"/>
+          <a:stretch/>
+        </p:blipFill>
+        <p:spPr>
+          <a:xfrm>
+            <a:off x="5406861" y="4156578"/>
+            <a:ext cx="1408326" cy="1836243"/>
+          </a:xfrm>
+          <a:prstGeom prst="rect">
+            <a:avLst/>
+          </a:prstGeom>
+        </p:spPr>
+      </p:pic>
+      <p:sp>
+        <p:nvSpPr>
+          <p:cNvPr id="18" name="TextBox 17">
+            <a:extLst>
+              <a:ext uri="{FF2B5EF4-FFF2-40B4-BE49-F238E27FC236}">
+                <a16:creationId xmlns:a16="http://schemas.microsoft.com/office/drawing/2014/main" id="{949AC1E4-411B-C9AC-218C-4C1EAC8B8A29}"/>
+              </a:ext>
+            </a:extLst>
+          </p:cNvPr>
+          <p:cNvSpPr txBox="1"/>
+          <p:nvPr/>
+        </p:nvSpPr>
+        <p:spPr>
+          <a:xfrm>
+            <a:off x="5017722" y="5970716"/>
+            <a:ext cx="2186603" cy="523220"/>
+          </a:xfrm>
+          <a:prstGeom prst="rect">
+            <a:avLst/>
+          </a:prstGeom>
+          <a:noFill/>
+        </p:spPr>
+        <p:txBody>
+          <a:bodyPr wrap="square" rtlCol="0">
+            <a:spAutoFit/>
+          </a:bodyPr>
+          <a:lstStyle/>
+          <a:p>
+            <a:pPr algn="ctr"/>
+            <a:r>
+              <a:rPr lang="en-US" altLang="ko-KR" sz="1400" spc="-150" dirty="0">
+                <a:latin typeface="+mn-ea"/>
+              </a:rPr>
+              <a:t>Adaptive Threshold </a:t>
+            </a:r>
+            <a:r>
+              <a:rPr lang="ko-KR" altLang="en-US" sz="1400" spc="-150" dirty="0">
+                <a:latin typeface="+mn-ea"/>
+              </a:rPr>
+              <a:t>함수 사용</a:t>
+            </a:r>
+            <a:endParaRPr lang="en-US" altLang="ko-KR" sz="1400" spc="-150" dirty="0">
               <a:latin typeface="+mn-ea"/>
             </a:endParaRPr>
           </a:p>
           <a:p>
-            <a:pPr>
-              <a:lnSpc>
-                <a:spcPct val="150000"/>
-              </a:lnSpc>
-              <a:defRPr/>
-            </a:pPr>
-            <a:endParaRPr lang="en-US" altLang="ko-KR" sz="1800" spc="-150" dirty="0">
+            <a:pPr algn="ctr"/>
+            <a:r>
+              <a:rPr kumimoji="1" lang="en-US" altLang="ko-KR" sz="1400" spc="-150" dirty="0">
+                <a:latin typeface="+mn-ea"/>
+              </a:rPr>
+              <a:t>(</a:t>
+            </a:r>
+            <a:r>
+              <a:rPr kumimoji="1" lang="ko-KR" altLang="en-US" sz="1400" spc="-150" dirty="0">
+                <a:latin typeface="+mn-ea"/>
+              </a:rPr>
+              <a:t>흰 옷</a:t>
+            </a:r>
+            <a:r>
+              <a:rPr kumimoji="1" lang="en-US" altLang="ko-KR" sz="1400" spc="-150" dirty="0">
+                <a:latin typeface="+mn-ea"/>
+              </a:rPr>
+              <a:t>)</a:t>
+            </a:r>
+            <a:endParaRPr kumimoji="1" lang="en-US" altLang="ko-Kore-KR" sz="1400" dirty="0">
               <a:latin typeface="+mn-ea"/>
             </a:endParaRPr>
           </a:p>
@@ -7038,10 +7309,10 @@
       </p:sp>
       <p:pic>
         <p:nvPicPr>
-          <p:cNvPr id="6" name="그림 5">
+          <p:cNvPr id="2" name="그림 1">
             <a:extLst>
               <a:ext uri="{FF2B5EF4-FFF2-40B4-BE49-F238E27FC236}">
-                <a16:creationId xmlns:a16="http://schemas.microsoft.com/office/drawing/2014/main" id="{EE882DA8-81DF-FCCE-25FC-03A2CCC2406C}"/>
+                <a16:creationId xmlns:a16="http://schemas.microsoft.com/office/drawing/2014/main" id="{E9C10CE5-0816-666A-4B42-39BCBF2D512D}"/>
               </a:ext>
             </a:extLst>
           </p:cNvPr>
@@ -7051,25 +7322,77 @@
           <p:nvPr/>
         </p:nvPicPr>
         <p:blipFill>
-          <a:blip r:embed="rId3"/>
+          <a:blip r:embed="rId6">
+            <a:extLst>
+              <a:ext uri="{28A0092B-C50C-407E-A947-70E740481C1C}">
+                <a14:useLocalDpi xmlns:a14="http://schemas.microsoft.com/office/drawing/2010/main" val="0"/>
+              </a:ext>
+            </a:extLst>
+          </a:blip>
           <a:stretch>
             <a:fillRect/>
           </a:stretch>
         </p:blipFill>
         <p:spPr>
           <a:xfrm>
-            <a:off x="460549" y="1991157"/>
-            <a:ext cx="3282518" cy="4772643"/>
+            <a:off x="8904736" y="1602240"/>
+            <a:ext cx="2364027" cy="4202716"/>
           </a:xfrm>
           <a:prstGeom prst="rect">
             <a:avLst/>
           </a:prstGeom>
+          <a:ln w="19050">
+            <a:solidFill>
+              <a:schemeClr val="tx1"/>
+            </a:solidFill>
+          </a:ln>
         </p:spPr>
       </p:pic>
+      <p:sp>
+        <p:nvSpPr>
+          <p:cNvPr id="3" name="TextBox 2">
+            <a:extLst>
+              <a:ext uri="{FF2B5EF4-FFF2-40B4-BE49-F238E27FC236}">
+                <a16:creationId xmlns:a16="http://schemas.microsoft.com/office/drawing/2014/main" id="{23FB5C5E-2CC6-1D47-2666-99832A39BB8E}"/>
+              </a:ext>
+            </a:extLst>
+          </p:cNvPr>
+          <p:cNvSpPr txBox="1"/>
+          <p:nvPr/>
+        </p:nvSpPr>
+        <p:spPr>
+          <a:xfrm>
+            <a:off x="9189051" y="5821218"/>
+            <a:ext cx="1795395" cy="323165"/>
+          </a:xfrm>
+          <a:prstGeom prst="rect">
+            <a:avLst/>
+          </a:prstGeom>
+          <a:noFill/>
+        </p:spPr>
+        <p:txBody>
+          <a:bodyPr wrap="square" rtlCol="0">
+            <a:spAutoFit/>
+          </a:bodyPr>
+          <a:lstStyle/>
+          <a:p>
+            <a:pPr algn="ctr"/>
+            <a:r>
+              <a:rPr kumimoji="1" lang="ko-KR" altLang="en-US" sz="1500" dirty="0">
+                <a:latin typeface="+mn-ea"/>
+              </a:rPr>
+              <a:t>흰 옷 원본 이미지</a:t>
+            </a:r>
+            <a:endParaRPr kumimoji="1" lang="ko-Kore-KR" altLang="en-US" sz="1500" dirty="0">
+              <a:latin typeface="+mn-ea"/>
+            </a:endParaRPr>
+          </a:p>
+        </p:txBody>
+      </p:sp>
     </p:spTree>
     <p:extLst>
       <p:ext uri="{BB962C8B-B14F-4D97-AF65-F5344CB8AC3E}">
-        <p14:creationId xmlns:p14="http://schemas.microsoft.com/office/powerpoint/2010/main" val="3434640500"/>
+        <p14:creationId xmlns:p14="http://schemas.microsoft.com/office/powerpoint/2010/main" val="3948253520"/>
       </p:ext>
     </p:extLst>
   </p:cSld>
@@ -7164,6 +7487,12 @@
               <a:defRPr/>
             </a:pPr>
             <a:r>
+              <a:rPr lang="ko-KR" altLang="en-US" sz="4000" spc="-185" dirty="0">
+                <a:latin typeface="+mj-ea"/>
+              </a:rPr>
+              <a:t>데이터 </a:t>
+            </a:r>
+            <a:r>
               <a:rPr lang="ko-KR" altLang="en-US" sz="4000" spc="-185" dirty="0" err="1">
                 <a:latin typeface="+mj-ea"/>
               </a:rPr>
@@ -7194,8 +7523,8 @@
         </p:nvSpPr>
         <p:spPr>
           <a:xfrm>
-            <a:off x="363552" y="1547726"/>
-            <a:ext cx="11393019" cy="2419299"/>
+            <a:off x="560352" y="2483586"/>
+            <a:ext cx="7390871" cy="1890823"/>
           </a:xfrm>
           <a:prstGeom prst="rect">
             <a:avLst/>
@@ -7232,24 +7561,31 @@
               <a:defRPr/>
             </a:pPr>
             <a:r>
-              <a:rPr lang="ko-KR" altLang="en-US" sz="1900" spc="-150" dirty="0" err="1">
-                <a:latin typeface="+mn-ea"/>
-                <a:ea typeface="+mn-ea"/>
-              </a:rPr>
-              <a:t>전처리</a:t>
-            </a:r>
-            <a:r>
               <a:rPr lang="ko-KR" altLang="en-US" sz="1900" spc="-150" dirty="0">
                 <a:latin typeface="+mn-ea"/>
                 <a:ea typeface="+mn-ea"/>
               </a:rPr>
-              <a:t> 코드를 완성하기 위해 많은 시행착오를 거쳤습니다</a:t>
+              <a:t>다만 이미지가 제대로 </a:t>
             </a:r>
             <a:r>
               <a:rPr lang="en-US" altLang="ko-KR" sz="1900" spc="-150" dirty="0">
                 <a:latin typeface="+mn-ea"/>
                 <a:ea typeface="+mn-ea"/>
               </a:rPr>
+              <a:t>crop</a:t>
+            </a:r>
+            <a:r>
+              <a:rPr lang="ko-KR" altLang="en-US" sz="1900" spc="-150" dirty="0">
+                <a:latin typeface="+mn-ea"/>
+                <a:ea typeface="+mn-ea"/>
+              </a:rPr>
+              <a:t> 되지 않은 것을 확인할 수 있습니다</a:t>
+            </a:r>
+            <a:r>
+              <a:rPr lang="en-US" altLang="ko-KR" sz="1900" spc="-150" dirty="0">
+                <a:latin typeface="+mn-ea"/>
+                <a:ea typeface="+mn-ea"/>
+              </a:rPr>
               <a:t>.</a:t>
             </a:r>
           </a:p>
@@ -7260,6 +7596,13 @@
               </a:lnSpc>
               <a:defRPr/>
             </a:pPr>
+            <a:r>
+              <a:rPr lang="ko-KR" altLang="en-US" sz="1900" spc="-150" dirty="0">
+                <a:latin typeface="+mn-ea"/>
+                <a:ea typeface="+mn-ea"/>
+              </a:rPr>
+              <a:t>이미지를 확인해보니 노이즈가 많아 </a:t>
+            </a:r>
             <a:endParaRPr lang="en-US" altLang="ko-KR" sz="1900" spc="-150" dirty="0">
               <a:latin typeface="+mn-ea"/>
               <a:ea typeface="+mn-ea"/>
@@ -7277,27 +7620,13 @@
                 <a:latin typeface="+mn-ea"/>
                 <a:ea typeface="+mn-ea"/>
               </a:rPr>
-              <a:t>이미지를 이진화 후 모서리를 찾아내기 위해 </a:t>
+              <a:t>경계 값을 제대로 도출하지 못한 것으로 보입니다</a:t>
             </a:r>
             <a:r>
               <a:rPr lang="en-US" altLang="ko-KR" sz="1900" spc="-150" dirty="0">
                 <a:latin typeface="+mn-ea"/>
                 <a:ea typeface="+mn-ea"/>
               </a:rPr>
-              <a:t>Threshold</a:t>
-            </a:r>
-            <a:r>
-              <a:rPr lang="ko-KR" altLang="en-US" sz="1900" spc="-150" dirty="0">
-                <a:latin typeface="+mn-ea"/>
-                <a:ea typeface="+mn-ea"/>
-              </a:rPr>
-              <a:t> 라는 함수를 사용했습니다</a:t>
-            </a:r>
-            <a:r>
-              <a:rPr lang="en-US" altLang="ko-KR" sz="1900" spc="-150" dirty="0">
-                <a:latin typeface="+mn-ea"/>
-                <a:ea typeface="+mn-ea"/>
-              </a:rPr>
               <a:t>.</a:t>
             </a:r>
           </a:p>
@@ -7308,27 +7637,6 @@
               </a:lnSpc>
               <a:defRPr/>
             </a:pPr>
-            <a:r>
-              <a:rPr lang="ko-KR" altLang="en-US" sz="1900" spc="-150" dirty="0">
-                <a:latin typeface="+mn-ea"/>
-                <a:ea typeface="+mn-ea"/>
-              </a:rPr>
-              <a:t>하지만 배경이 흰색인 탓에 흰 옷 이미지 이진화 시 문제가 생기는 것을 확인할 수 있었고</a:t>
-            </a:r>
-            <a:r>
-              <a:rPr lang="en-US" altLang="ko-KR" sz="1900" spc="-150" dirty="0">
-                <a:latin typeface="+mn-ea"/>
-                <a:ea typeface="+mn-ea"/>
-              </a:rPr>
-              <a:t>,</a:t>
-            </a:r>
-            <a:r>
-              <a:rPr lang="ko-KR" altLang="en-US" sz="1900" spc="-150" dirty="0">
-                <a:latin typeface="+mn-ea"/>
-                <a:ea typeface="+mn-ea"/>
-              </a:rPr>
-              <a:t> </a:t>
-            </a:r>
             <a:endParaRPr lang="en-US" altLang="ko-KR" sz="1900" spc="-150" dirty="0">
               <a:latin typeface="+mn-ea"/>
               <a:ea typeface="+mn-ea"/>
@@ -7346,21 +7654,7 @@
                 <a:latin typeface="+mn-ea"/>
                 <a:ea typeface="+mn-ea"/>
               </a:rPr>
-              <a:t>그래서 </a:t>
-            </a:r>
-            <a:r>
-              <a:rPr lang="en-US" altLang="ko-KR" sz="1900" spc="-150" dirty="0" err="1">
-                <a:latin typeface="+mn-ea"/>
-                <a:ea typeface="+mn-ea"/>
-              </a:rPr>
-              <a:t>Adaptivethreshold</a:t>
-            </a:r>
-            <a:r>
-              <a:rPr lang="ko-KR" altLang="en-US" sz="1900" spc="-150" dirty="0">
-                <a:latin typeface="+mn-ea"/>
-                <a:ea typeface="+mn-ea"/>
-              </a:rPr>
-              <a:t> 라는 적응형 이진화 함수를 사용하였습니다</a:t>
+              <a:t>그래서 이미지의 노이즈를 줄이는 방법을 생각해보게 되었습니다</a:t>
             </a:r>
             <a:r>
               <a:rPr lang="en-US" altLang="ko-KR" sz="1900" spc="-150" dirty="0">
@@ -7370,95 +7664,71 @@
               <a:t>.</a:t>
             </a:r>
           </a:p>
-          <a:p>
-            <a:pPr>
-              <a:lnSpc>
-                <a:spcPct val="120000"/>
-              </a:lnSpc>
-              <a:defRPr/>
-            </a:pPr>
-            <a:r>
-              <a:rPr lang="ko-KR" altLang="en-US" sz="1900" spc="-150" dirty="0">
-                <a:latin typeface="+mn-ea"/>
-                <a:ea typeface="+mn-ea"/>
-              </a:rPr>
-              <a:t>두 함수의 차이는 지역 이진화와 적응형 </a:t>
-            </a:r>
-            <a:r>
-              <a:rPr lang="ko-KR" altLang="en-US" sz="1900" spc="-150" dirty="0" err="1">
-                <a:latin typeface="+mn-ea"/>
-                <a:ea typeface="+mn-ea"/>
-              </a:rPr>
-              <a:t>이진화입니다</a:t>
-            </a:r>
-            <a:r>
-              <a:rPr lang="en-US" altLang="ko-KR" sz="1900" spc="-150" dirty="0">
-                <a:latin typeface="+mn-ea"/>
-                <a:ea typeface="+mn-ea"/>
-              </a:rPr>
-              <a:t>.</a:t>
-            </a:r>
-            <a:r>
-              <a:rPr lang="ko-KR" altLang="en-US" sz="1900" spc="-150" dirty="0">
-                <a:latin typeface="+mn-ea"/>
-                <a:ea typeface="+mn-ea"/>
-              </a:rPr>
-              <a:t> 지역 이진화는 불균형한 조명에서 유리하지만 </a:t>
-            </a:r>
-            <a:endParaRPr lang="en-US" altLang="ko-KR" sz="1900" spc="-150" dirty="0">
+        </p:txBody>
+      </p:sp>
+      <p:sp>
+        <p:nvSpPr>
+          <p:cNvPr id="9" name="제목 38">
+            <a:extLst>
+              <a:ext uri="{FF2B5EF4-FFF2-40B4-BE49-F238E27FC236}">
+                <a16:creationId xmlns:a16="http://schemas.microsoft.com/office/drawing/2014/main" id="{17C34476-D9F6-9005-524F-E315A8266863}"/>
+              </a:ext>
+            </a:extLst>
+          </p:cNvPr>
+          <p:cNvSpPr txBox="1">
+            <a:spLocks/>
+          </p:cNvSpPr>
+          <p:nvPr/>
+        </p:nvSpPr>
+        <p:spPr>
+          <a:xfrm>
+            <a:off x="560352" y="4351178"/>
+            <a:ext cx="1410215" cy="445258"/>
+          </a:xfrm>
+          <a:prstGeom prst="rect">
+            <a:avLst/>
+          </a:prstGeom>
+        </p:spPr>
+        <p:txBody>
+          <a:bodyPr vert="horz" lIns="112542" tIns="56271" rIns="112542" bIns="56271" rtlCol="0" anchor="t">
+            <a:noAutofit/>
+          </a:bodyPr>
+          <a:lstStyle>
+            <a:lvl1pPr algn="l" defTabSz="914400" rtl="0" eaLnBrk="1" latinLnBrk="1" hangingPunct="1">
+              <a:lnSpc>
+                <a:spcPct val="90000"/>
+              </a:lnSpc>
+              <a:spcBef>
+                <a:spcPct val="0"/>
+              </a:spcBef>
+              <a:buNone/>
+              <a:defRPr sz="4400" kern="1200">
+                <a:solidFill>
+                  <a:schemeClr val="tx1"/>
+                </a:solidFill>
+                <a:latin typeface="+mj-lt"/>
+                <a:ea typeface="+mj-ea"/>
+                <a:cs typeface="+mj-cs"/>
+              </a:defRPr>
+            </a:lvl1pPr>
+          </a:lstStyle>
+          <a:p>
+            <a:pPr>
+              <a:defRPr/>
+            </a:pPr>
+            <a:endParaRPr lang="en-US" altLang="ko-KR" sz="2100" spc="-185" dirty="0">
               <a:latin typeface="+mn-ea"/>
               <a:ea typeface="+mn-ea"/>
             </a:endParaRPr>
           </a:p>
-          <a:p>
-            <a:pPr>
-              <a:lnSpc>
-                <a:spcPct val="120000"/>
-              </a:lnSpc>
-              <a:defRPr/>
-            </a:pPr>
-            <a:r>
-              <a:rPr lang="ko-KR" altLang="en-US" sz="1900" spc="-150" dirty="0">
-                <a:latin typeface="+mn-ea"/>
-                <a:ea typeface="+mn-ea"/>
-              </a:rPr>
-              <a:t>제공된 데이터셋은 그렇지 않기 때문에 적응형 이진화의 결과가 더 좋았던 것 같습니다</a:t>
-            </a:r>
-            <a:r>
-              <a:rPr lang="en-US" altLang="ko-KR" sz="1900" spc="-150" dirty="0">
-                <a:latin typeface="+mn-ea"/>
-                <a:ea typeface="+mn-ea"/>
-              </a:rPr>
-              <a:t>.</a:t>
-            </a:r>
-          </a:p>
-          <a:p>
-            <a:pPr>
-              <a:lnSpc>
-                <a:spcPct val="120000"/>
-              </a:lnSpc>
-              <a:defRPr/>
-            </a:pPr>
-            <a:r>
-              <a:rPr lang="ko-KR" altLang="en-US" sz="1900" spc="-150" dirty="0">
-                <a:latin typeface="+mn-ea"/>
-                <a:ea typeface="+mn-ea"/>
-              </a:rPr>
-              <a:t> </a:t>
-            </a:r>
-            <a:endParaRPr lang="en-US" altLang="ko-KR" sz="1900" spc="-150" dirty="0">
-              <a:latin typeface="+mn-ea"/>
-              <a:ea typeface="+mn-ea"/>
-            </a:endParaRPr>
-          </a:p>
         </p:txBody>
       </p:sp>
       <p:pic>
         <p:nvPicPr>
-          <p:cNvPr id="8" name="그림 7" descr="텍스트이(가) 표시된 사진&#10;&#10;자동 생성된 설명">
+          <p:cNvPr id="16" name="그림 15" descr="텍스트이(가) 표시된 사진&#10;&#10;자동 생성된 설명">
             <a:extLst>
               <a:ext uri="{FF2B5EF4-FFF2-40B4-BE49-F238E27FC236}">
-                <a16:creationId xmlns:a16="http://schemas.microsoft.com/office/drawing/2014/main" id="{44362160-5590-DC62-52A4-250228E1A6E4}"/>
+                <a16:creationId xmlns:a16="http://schemas.microsoft.com/office/drawing/2014/main" id="{EB94D70A-772B-F512-0CC5-C74B0A541842}"/>
               </a:ext>
             </a:extLst>
           </p:cNvPr>
@@ -7475,153 +7745,25 @@
               </a:ext>
             </a:extLst>
           </a:blip>
-          <a:srcRect t="75659" r="61880"/>
+          <a:srcRect t="73870" r="72973"/>
           <a:stretch/>
         </p:blipFill>
         <p:spPr>
           <a:xfrm>
-            <a:off x="531826" y="4175050"/>
-            <a:ext cx="1410215" cy="1669312"/>
+            <a:off x="7745961" y="2400565"/>
+            <a:ext cx="1837537" cy="2395871"/>
           </a:xfrm>
           <a:prstGeom prst="rect">
             <a:avLst/>
           </a:prstGeom>
         </p:spPr>
       </p:pic>
-      <p:sp>
-        <p:nvSpPr>
-          <p:cNvPr id="9" name="제목 38">
+      <p:pic>
+        <p:nvPicPr>
+          <p:cNvPr id="3" name="그림 2" descr="텍스트, 밤하늘이(가) 표시된 사진&#10;&#10;자동 생성된 설명">
             <a:extLst>
               <a:ext uri="{FF2B5EF4-FFF2-40B4-BE49-F238E27FC236}">
-                <a16:creationId xmlns:a16="http://schemas.microsoft.com/office/drawing/2014/main" id="{17C34476-D9F6-9005-524F-E315A8266863}"/>
-              </a:ext>
-            </a:extLst>
-          </p:cNvPr>
-          <p:cNvSpPr txBox="1">
-            <a:spLocks/>
-          </p:cNvSpPr>
-          <p:nvPr/>
-        </p:nvSpPr>
-        <p:spPr>
-          <a:xfrm>
-            <a:off x="560352" y="4351178"/>
-            <a:ext cx="1410215" cy="445258"/>
-          </a:xfrm>
-          <a:prstGeom prst="rect">
-            <a:avLst/>
-          </a:prstGeom>
-        </p:spPr>
-        <p:txBody>
-          <a:bodyPr vert="horz" lIns="112542" tIns="56271" rIns="112542" bIns="56271" rtlCol="0" anchor="t">
-            <a:noAutofit/>
-          </a:bodyPr>
-          <a:lstStyle>
-            <a:lvl1pPr algn="l" defTabSz="914400" rtl="0" eaLnBrk="1" latinLnBrk="1" hangingPunct="1">
-              <a:lnSpc>
-                <a:spcPct val="90000"/>
-              </a:lnSpc>
-              <a:spcBef>
-                <a:spcPct val="0"/>
-              </a:spcBef>
-              <a:buNone/>
-              <a:defRPr sz="4400" kern="1200">
-                <a:solidFill>
-                  <a:schemeClr val="tx1"/>
-                </a:solidFill>
-                <a:latin typeface="+mj-lt"/>
-                <a:ea typeface="+mj-ea"/>
-                <a:cs typeface="+mj-cs"/>
-              </a:defRPr>
-            </a:lvl1pPr>
-          </a:lstStyle>
-          <a:p>
-            <a:pPr>
-              <a:defRPr/>
-            </a:pPr>
-            <a:endParaRPr lang="en-US" altLang="ko-KR" sz="2100" spc="-185" dirty="0">
-              <a:latin typeface="+mn-ea"/>
-              <a:ea typeface="+mn-ea"/>
-            </a:endParaRPr>
-          </a:p>
-        </p:txBody>
-      </p:sp>
-      <p:sp>
-        <p:nvSpPr>
-          <p:cNvPr id="10" name="TextBox 9">
-            <a:extLst>
-              <a:ext uri="{FF2B5EF4-FFF2-40B4-BE49-F238E27FC236}">
-                <a16:creationId xmlns:a16="http://schemas.microsoft.com/office/drawing/2014/main" id="{5CE62B68-E5B2-93D0-B32D-70FDFE1E9158}"/>
-              </a:ext>
-            </a:extLst>
-          </p:cNvPr>
-          <p:cNvSpPr txBox="1"/>
-          <p:nvPr/>
-        </p:nvSpPr>
-        <p:spPr>
-          <a:xfrm>
-            <a:off x="326262" y="5931884"/>
-            <a:ext cx="1821341" cy="523220"/>
-          </a:xfrm>
-          <a:prstGeom prst="rect">
-            <a:avLst/>
-          </a:prstGeom>
-          <a:noFill/>
-        </p:spPr>
-        <p:txBody>
-          <a:bodyPr wrap="square" rtlCol="0">
-            <a:spAutoFit/>
-          </a:bodyPr>
-          <a:lstStyle/>
-          <a:p>
-            <a:pPr algn="ctr"/>
-            <a:r>
-              <a:rPr lang="en-US" altLang="ko-KR" sz="1400" spc="-150" dirty="0">
-                <a:latin typeface="+mn-ea"/>
-              </a:rPr>
-              <a:t>Threshold </a:t>
-            </a:r>
-            <a:r>
-              <a:rPr lang="ko-KR" altLang="en-US" sz="1400" spc="-150" dirty="0">
-                <a:latin typeface="+mn-ea"/>
-              </a:rPr>
-              <a:t>함수 사용</a:t>
-            </a:r>
-            <a:endParaRPr lang="en-US" altLang="ko-KR" sz="1400" spc="-150" dirty="0">
-              <a:latin typeface="+mn-ea"/>
-            </a:endParaRPr>
-          </a:p>
-          <a:p>
-            <a:pPr algn="ctr"/>
-            <a:r>
-              <a:rPr kumimoji="1" lang="en-US" altLang="ko-KR" sz="1400" spc="-150" dirty="0">
-                <a:latin typeface="+mn-ea"/>
-              </a:rPr>
-              <a:t>(</a:t>
-            </a:r>
-            <a:r>
-              <a:rPr kumimoji="1" lang="ko-KR" altLang="en-US" sz="1400" spc="-150" dirty="0">
-                <a:latin typeface="+mn-ea"/>
-              </a:rPr>
-              <a:t>갈색 옷</a:t>
-            </a:r>
-            <a:r>
-              <a:rPr kumimoji="1" lang="en-US" altLang="ko-KR" sz="1400" spc="-150" dirty="0">
-                <a:latin typeface="+mn-ea"/>
-              </a:rPr>
-              <a:t>)</a:t>
-            </a:r>
-            <a:endParaRPr kumimoji="1" lang="en-US" altLang="ko-Kore-KR" sz="1400" dirty="0">
-              <a:latin typeface="+mn-ea"/>
-            </a:endParaRPr>
-          </a:p>
-        </p:txBody>
-      </p:sp>
-      <p:pic>
-        <p:nvPicPr>
-          <p:cNvPr id="12" name="그림 11" descr="텍스트이(가) 표시된 사진&#10;&#10;자동 생성된 설명">
-            <a:extLst>
-              <a:ext uri="{FF2B5EF4-FFF2-40B4-BE49-F238E27FC236}">
-                <a16:creationId xmlns:a16="http://schemas.microsoft.com/office/drawing/2014/main" id="{F3583A5A-1D78-2DB7-2C7B-C47525CD196E}"/>
+                <a16:creationId xmlns:a16="http://schemas.microsoft.com/office/drawing/2014/main" id="{2472CE69-6D05-2FE7-FD0C-E37BE1DEED7F}"/>
               </a:ext>
             </a:extLst>
           </p:cNvPr>
@@ -7630,7 +7772,7 @@
           </p:cNvPicPr>
           <p:nvPr/>
         </p:nvPicPr>
-        <p:blipFill rotWithShape="1">
+        <p:blipFill>
           <a:blip r:embed="rId4">
             <a:extLst>
               <a:ext uri="{28A0092B-C50C-407E-A947-70E740481C1C}">
@@ -7638,206 +7780,24 @@
               </a:ext>
             </a:extLst>
           </a:blip>
-          <a:srcRect l="4817" t="73855" r="77464"/>
-          <a:stretch/>
+          <a:stretch>
+            <a:fillRect/>
+          </a:stretch>
         </p:blipFill>
         <p:spPr>
           <a:xfrm>
-            <a:off x="3209678" y="4175050"/>
-            <a:ext cx="708837" cy="1669312"/>
+            <a:off x="9956504" y="2400565"/>
+            <a:ext cx="1533720" cy="2395871"/>
           </a:xfrm>
           <a:prstGeom prst="rect">
             <a:avLst/>
           </a:prstGeom>
         </p:spPr>
       </p:pic>
-      <p:sp>
-        <p:nvSpPr>
-          <p:cNvPr id="14" name="TextBox 13">
-            <a:extLst>
-              <a:ext uri="{FF2B5EF4-FFF2-40B4-BE49-F238E27FC236}">
-                <a16:creationId xmlns:a16="http://schemas.microsoft.com/office/drawing/2014/main" id="{2576593A-EE19-4525-7DEA-517FCB4C9422}"/>
-              </a:ext>
-            </a:extLst>
-          </p:cNvPr>
-          <p:cNvSpPr txBox="1"/>
-          <p:nvPr/>
-        </p:nvSpPr>
-        <p:spPr>
-          <a:xfrm>
-            <a:off x="2653425" y="5931884"/>
-            <a:ext cx="1821341" cy="523220"/>
-          </a:xfrm>
-          <a:prstGeom prst="rect">
-            <a:avLst/>
-          </a:prstGeom>
-          <a:noFill/>
-        </p:spPr>
-        <p:txBody>
-          <a:bodyPr wrap="square" rtlCol="0">
-            <a:spAutoFit/>
-          </a:bodyPr>
-          <a:lstStyle/>
-          <a:p>
-            <a:pPr algn="ctr"/>
-            <a:r>
-              <a:rPr lang="en-US" altLang="ko-KR" sz="1400" spc="-150" dirty="0">
-                <a:latin typeface="+mn-ea"/>
-              </a:rPr>
-              <a:t>Threshold </a:t>
-            </a:r>
-            <a:r>
-              <a:rPr lang="ko-KR" altLang="en-US" sz="1400" spc="-150" dirty="0">
-                <a:latin typeface="+mn-ea"/>
-              </a:rPr>
-              <a:t>함수 사용</a:t>
-            </a:r>
-            <a:endParaRPr lang="en-US" altLang="ko-KR" sz="1400" spc="-150" dirty="0">
-              <a:latin typeface="+mn-ea"/>
-            </a:endParaRPr>
-          </a:p>
-          <a:p>
-            <a:pPr algn="ctr"/>
-            <a:r>
-              <a:rPr kumimoji="1" lang="en-US" altLang="ko-KR" sz="1400" spc="-150" dirty="0">
-                <a:latin typeface="+mn-ea"/>
-              </a:rPr>
-              <a:t>(</a:t>
-            </a:r>
-            <a:r>
-              <a:rPr kumimoji="1" lang="ko-KR" altLang="en-US" sz="1400" spc="-150" dirty="0">
-                <a:latin typeface="+mn-ea"/>
-              </a:rPr>
-              <a:t>흰 옷</a:t>
-            </a:r>
-            <a:r>
-              <a:rPr kumimoji="1" lang="en-US" altLang="ko-KR" sz="1400" spc="-150" dirty="0">
-                <a:latin typeface="+mn-ea"/>
-              </a:rPr>
-              <a:t>)</a:t>
-            </a:r>
-            <a:endParaRPr kumimoji="1" lang="en-US" altLang="ko-Kore-KR" sz="1400" dirty="0">
-              <a:latin typeface="+mn-ea"/>
-            </a:endParaRPr>
-          </a:p>
-        </p:txBody>
-      </p:sp>
-      <p:pic>
-        <p:nvPicPr>
-          <p:cNvPr id="16" name="그림 15" descr="텍스트이(가) 표시된 사진&#10;&#10;자동 생성된 설명">
-            <a:extLst>
-              <a:ext uri="{FF2B5EF4-FFF2-40B4-BE49-F238E27FC236}">
-                <a16:creationId xmlns:a16="http://schemas.microsoft.com/office/drawing/2014/main" id="{EB94D70A-772B-F512-0CC5-C74B0A541842}"/>
-              </a:ext>
-            </a:extLst>
-          </p:cNvPr>
-          <p:cNvPicPr>
-            <a:picLocks noChangeAspect="1"/>
-          </p:cNvPicPr>
-          <p:nvPr/>
-        </p:nvPicPr>
-        <p:blipFill rotWithShape="1">
-          <a:blip r:embed="rId5">
-            <a:extLst>
-              <a:ext uri="{28A0092B-C50C-407E-A947-70E740481C1C}">
-                <a14:useLocalDpi xmlns:a14="http://schemas.microsoft.com/office/drawing/2010/main" val="0"/>
-              </a:ext>
-            </a:extLst>
-          </a:blip>
-          <a:srcRect t="73870" r="72973"/>
-          <a:stretch/>
-        </p:blipFill>
-        <p:spPr>
-          <a:xfrm>
-            <a:off x="5433743" y="4175050"/>
-            <a:ext cx="1280295" cy="1669312"/>
-          </a:xfrm>
-          <a:prstGeom prst="rect">
-            <a:avLst/>
-          </a:prstGeom>
-        </p:spPr>
-      </p:pic>
-      <p:sp>
-        <p:nvSpPr>
-          <p:cNvPr id="18" name="TextBox 17">
-            <a:extLst>
-              <a:ext uri="{FF2B5EF4-FFF2-40B4-BE49-F238E27FC236}">
-                <a16:creationId xmlns:a16="http://schemas.microsoft.com/office/drawing/2014/main" id="{949AC1E4-411B-C9AC-218C-4C1EAC8B8A29}"/>
-              </a:ext>
-            </a:extLst>
-          </p:cNvPr>
-          <p:cNvSpPr txBox="1"/>
-          <p:nvPr/>
-        </p:nvSpPr>
-        <p:spPr>
-          <a:xfrm>
-            <a:off x="4980588" y="5931884"/>
-            <a:ext cx="2186603" cy="523220"/>
-          </a:xfrm>
-          <a:prstGeom prst="rect">
-            <a:avLst/>
-          </a:prstGeom>
-          <a:noFill/>
-        </p:spPr>
-        <p:txBody>
-          <a:bodyPr wrap="square" rtlCol="0">
-            <a:spAutoFit/>
-          </a:bodyPr>
-          <a:lstStyle/>
-          <a:p>
-            <a:pPr algn="ctr"/>
-            <a:r>
-              <a:rPr lang="en-US" altLang="ko-KR" sz="1400" spc="-150" dirty="0" err="1">
-                <a:latin typeface="+mn-ea"/>
-              </a:rPr>
-              <a:t>AdaptiveThreshold</a:t>
-            </a:r>
-            <a:r>
-              <a:rPr lang="en-US" altLang="ko-KR" sz="1400" spc="-150" dirty="0">
-                <a:latin typeface="+mn-ea"/>
-              </a:rPr>
-              <a:t> </a:t>
-            </a:r>
-            <a:r>
-              <a:rPr lang="ko-KR" altLang="en-US" sz="1400" spc="-150" dirty="0">
-                <a:latin typeface="+mn-ea"/>
-              </a:rPr>
-              <a:t>함수 사용</a:t>
-            </a:r>
-            <a:endParaRPr lang="en-US" altLang="ko-KR" sz="1400" spc="-150" dirty="0">
-              <a:latin typeface="+mn-ea"/>
-            </a:endParaRPr>
-          </a:p>
-          <a:p>
-            <a:pPr algn="ctr"/>
-            <a:r>
-              <a:rPr kumimoji="1" lang="en-US" altLang="ko-KR" sz="1400" spc="-150" dirty="0">
-                <a:latin typeface="+mn-ea"/>
-              </a:rPr>
-              <a:t>(</a:t>
-            </a:r>
-            <a:r>
-              <a:rPr kumimoji="1" lang="ko-KR" altLang="en-US" sz="1400" spc="-150" dirty="0">
-                <a:latin typeface="+mn-ea"/>
-              </a:rPr>
-              <a:t>흰 옷</a:t>
-            </a:r>
-            <a:r>
-              <a:rPr kumimoji="1" lang="en-US" altLang="ko-KR" sz="1400" spc="-150" dirty="0">
-                <a:latin typeface="+mn-ea"/>
-              </a:rPr>
-              <a:t>)</a:t>
-            </a:r>
-            <a:endParaRPr kumimoji="1" lang="en-US" altLang="ko-Kore-KR" sz="1400" dirty="0">
-              <a:latin typeface="+mn-ea"/>
-            </a:endParaRPr>
-          </a:p>
-        </p:txBody>
-      </p:sp>
     </p:spTree>
     <p:extLst>
       <p:ext uri="{BB962C8B-B14F-4D97-AF65-F5344CB8AC3E}">
-        <p14:creationId xmlns:p14="http://schemas.microsoft.com/office/powerpoint/2010/main" val="3948253520"/>
+        <p14:creationId xmlns:p14="http://schemas.microsoft.com/office/powerpoint/2010/main" val="4281881407"/>
       </p:ext>
     </p:extLst>
   </p:cSld>
@@ -7932,6 +7892,12 @@
               <a:defRPr/>
             </a:pPr>
             <a:r>
+              <a:rPr lang="ko-KR" altLang="en-US" sz="4000" spc="-185" dirty="0">
+                <a:latin typeface="+mj-ea"/>
+              </a:rPr>
+              <a:t>데이터 </a:t>
+            </a:r>
+            <a:r>
               <a:rPr lang="ko-KR" altLang="en-US" sz="4000" spc="-185" dirty="0" err="1">
                 <a:latin typeface="+mj-ea"/>
               </a:rPr>
@@ -7962,8 +7928,8 @@
         </p:nvSpPr>
         <p:spPr>
           <a:xfrm>
-            <a:off x="560352" y="2483586"/>
-            <a:ext cx="7390871" cy="1890823"/>
+            <a:off x="342288" y="1774547"/>
+            <a:ext cx="11393019" cy="4045006"/>
           </a:xfrm>
           <a:prstGeom prst="rect">
             <a:avLst/>
@@ -8004,21 +7970,21 @@
                 <a:latin typeface="+mn-ea"/>
                 <a:ea typeface="+mn-ea"/>
               </a:rPr>
-              <a:t>다만 이미지가 제대로 </a:t>
+              <a:t>처음은 </a:t>
             </a:r>
             <a:r>
               <a:rPr lang="en-US" altLang="ko-KR" sz="1900" spc="-150" dirty="0">
                 <a:latin typeface="+mn-ea"/>
                 <a:ea typeface="+mn-ea"/>
               </a:rPr>
-              <a:t>crop</a:t>
+              <a:t>Morphology</a:t>
             </a:r>
             <a:r>
               <a:rPr lang="ko-KR" altLang="en-US" sz="1900" spc="-150" dirty="0">
                 <a:latin typeface="+mn-ea"/>
                 <a:ea typeface="+mn-ea"/>
               </a:rPr>
-              <a:t> 되지 않은 것을 확인할 수 있습니다</a:t>
+              <a:t> 연산으로 시작했습니다</a:t>
             </a:r>
             <a:r>
               <a:rPr lang="en-US" altLang="ko-KR" sz="1900" spc="-150" dirty="0">
@@ -8036,11 +8002,60 @@
               <a:defRPr/>
             </a:pPr>
             <a:r>
+              <a:rPr lang="en-US" altLang="ko-KR" sz="1900" spc="-150" dirty="0">
+                <a:latin typeface="+mn-ea"/>
+                <a:ea typeface="+mn-ea"/>
+              </a:rPr>
+              <a:t>Morphology </a:t>
+            </a:r>
+            <a:r>
               <a:rPr lang="ko-KR" altLang="en-US" sz="1900" spc="-150" dirty="0">
                 <a:latin typeface="+mn-ea"/>
                 <a:ea typeface="+mn-ea"/>
               </a:rPr>
-              <a:t>이미지를 확인해보니 노이즈가 많아 </a:t>
+              <a:t>연산이란 </a:t>
+            </a:r>
+            <a:r>
+              <a:rPr lang="en-US" altLang="ko-KR" sz="1900" spc="-150" dirty="0">
+                <a:latin typeface="+mn-ea"/>
+                <a:ea typeface="+mn-ea"/>
+              </a:rPr>
+              <a:t>‘</a:t>
+            </a:r>
+            <a:r>
+              <a:rPr lang="ko-KR" altLang="en-US" sz="1900" spc="-150" dirty="0">
+                <a:latin typeface="+mn-ea"/>
+                <a:ea typeface="+mn-ea"/>
+              </a:rPr>
+              <a:t>형태학</a:t>
+            </a:r>
+            <a:r>
+              <a:rPr lang="en-US" altLang="ko-KR" sz="1900" spc="-150" dirty="0">
+                <a:latin typeface="+mn-ea"/>
+                <a:ea typeface="+mn-ea"/>
+              </a:rPr>
+              <a:t>’</a:t>
+            </a:r>
+            <a:r>
+              <a:rPr lang="ko-KR" altLang="en-US" sz="1900" spc="-150" dirty="0">
+                <a:latin typeface="+mn-ea"/>
+                <a:ea typeface="+mn-ea"/>
+              </a:rPr>
+              <a:t> 이라는 뜻인데</a:t>
+            </a:r>
+            <a:r>
+              <a:rPr lang="en-US" altLang="ko-KR" sz="1900" spc="-150" dirty="0">
+                <a:latin typeface="+mn-ea"/>
+                <a:ea typeface="+mn-ea"/>
+              </a:rPr>
+              <a:t>,</a:t>
+            </a:r>
+            <a:r>
+              <a:rPr lang="ko-KR" altLang="en-US" sz="1900" spc="-150" dirty="0">
+                <a:latin typeface="+mn-ea"/>
+                <a:ea typeface="+mn-ea"/>
+              </a:rPr>
+              <a:t> </a:t>
             </a:r>
             <a:endParaRPr lang="en-US" altLang="ko-KR" sz="1900" spc="-150" dirty="0">
               <a:latin typeface="+mn-ea"/>
@@ -8055,18 +8070,47 @@
               <a:defRPr/>
             </a:pPr>
             <a:r>
-              <a:rPr lang="ko-KR" altLang="en-US" sz="1900" spc="-150" dirty="0" err="1">
-                <a:latin typeface="+mn-ea"/>
-                <a:ea typeface="+mn-ea"/>
-              </a:rPr>
-              <a:t>경계값을</a:t>
-            </a:r>
-            <a:r>
               <a:rPr lang="ko-KR" altLang="en-US" sz="1900" spc="-150" dirty="0">
                 <a:latin typeface="+mn-ea"/>
                 <a:ea typeface="+mn-ea"/>
               </a:rPr>
-              <a:t> 제대로 도출하지 못한 것으로 보입니다</a:t>
+              <a:t>사진</a:t>
+            </a:r>
+            <a:r>
+              <a:rPr lang="en-US" altLang="ko-KR" sz="1900" spc="-150" dirty="0">
+                <a:latin typeface="+mn-ea"/>
+                <a:ea typeface="+mn-ea"/>
+              </a:rPr>
+              <a:t>,</a:t>
+            </a:r>
+            <a:r>
+              <a:rPr lang="ko-KR" altLang="en-US" sz="1900" spc="-150" dirty="0">
+                <a:latin typeface="+mn-ea"/>
+                <a:ea typeface="+mn-ea"/>
+              </a:rPr>
+              <a:t> 영상 분야에서의 노이즈 제거 등에 쓰이는 형태학적 연산을 말합니다</a:t>
+            </a:r>
+            <a:r>
+              <a:rPr lang="en-US" altLang="ko-KR" sz="1900" spc="-150" dirty="0">
+                <a:latin typeface="+mn-ea"/>
+                <a:ea typeface="+mn-ea"/>
+              </a:rPr>
+              <a:t>. </a:t>
+            </a:r>
+          </a:p>
+          <a:p>
+            <a:pPr>
+              <a:lnSpc>
+                <a:spcPct val="120000"/>
+              </a:lnSpc>
+              <a:defRPr/>
+            </a:pPr>
+            <a:r>
+              <a:rPr lang="ko-KR" altLang="en-US" sz="1900" spc="-150" dirty="0">
+                <a:latin typeface="+mn-ea"/>
+                <a:ea typeface="+mn-ea"/>
+              </a:rPr>
+              <a:t>대표적인 연산으로는 침식 연산과 팽창 연산이 있습니다</a:t>
             </a:r>
             <a:r>
               <a:rPr lang="en-US" altLang="ko-KR" sz="1900" spc="-150" dirty="0">
@@ -8100,7 +8144,182 @@
                 <a:latin typeface="+mn-ea"/>
                 <a:ea typeface="+mn-ea"/>
               </a:rPr>
-              <a:t>그래서 이미지의 노이즈를 줄이는 방법을 생각해보게 되었습니다</a:t>
+              <a:t>침식은 말 그대로 이미지를 깎아 냅니다</a:t>
+            </a:r>
+            <a:r>
+              <a:rPr lang="en-US" altLang="ko-KR" sz="1900" spc="-150" dirty="0">
+                <a:latin typeface="+mn-ea"/>
+                <a:ea typeface="+mn-ea"/>
+              </a:rPr>
+              <a:t>.</a:t>
+            </a:r>
+            <a:r>
+              <a:rPr lang="ko-KR" altLang="en-US" sz="1900" spc="-150" dirty="0">
+                <a:latin typeface="+mn-ea"/>
+                <a:ea typeface="+mn-ea"/>
+              </a:rPr>
+              <a:t> </a:t>
+            </a:r>
+            <a:endParaRPr lang="en-US" altLang="ko-KR" sz="1900" spc="-150" dirty="0">
+              <a:latin typeface="+mn-ea"/>
+              <a:ea typeface="+mn-ea"/>
+            </a:endParaRPr>
+          </a:p>
+          <a:p>
+            <a:pPr>
+              <a:lnSpc>
+                <a:spcPct val="120000"/>
+              </a:lnSpc>
+              <a:defRPr/>
+            </a:pPr>
+            <a:r>
+              <a:rPr lang="ko-KR" altLang="en-US" sz="1900" spc="-150" dirty="0">
+                <a:latin typeface="+mn-ea"/>
+                <a:ea typeface="+mn-ea"/>
+              </a:rPr>
+              <a:t>이미지를 </a:t>
+            </a:r>
+            <a:r>
+              <a:rPr lang="en-US" altLang="ko-KR" sz="1900" spc="-150" dirty="0">
+                <a:latin typeface="+mn-ea"/>
+                <a:ea typeface="+mn-ea"/>
+              </a:rPr>
+              <a:t>0</a:t>
+            </a:r>
+            <a:r>
+              <a:rPr lang="ko-KR" altLang="en-US" sz="1900" spc="-150" dirty="0">
+                <a:latin typeface="+mn-ea"/>
+                <a:ea typeface="+mn-ea"/>
+              </a:rPr>
+              <a:t>과 </a:t>
+            </a:r>
+            <a:r>
+              <a:rPr lang="en-US" altLang="ko-KR" sz="1900" spc="-150" dirty="0">
+                <a:latin typeface="+mn-ea"/>
+                <a:ea typeface="+mn-ea"/>
+              </a:rPr>
+              <a:t>1</a:t>
+            </a:r>
+            <a:r>
+              <a:rPr lang="ko-KR" altLang="en-US" sz="1900" spc="-150" dirty="0">
+                <a:latin typeface="+mn-ea"/>
+                <a:ea typeface="+mn-ea"/>
+              </a:rPr>
+              <a:t>로 전환하고</a:t>
+            </a:r>
+            <a:r>
+              <a:rPr lang="en-US" altLang="ko-KR" sz="1900" spc="-150" dirty="0">
+                <a:latin typeface="+mn-ea"/>
+                <a:ea typeface="+mn-ea"/>
+              </a:rPr>
+              <a:t>,</a:t>
+            </a:r>
+            <a:r>
+              <a:rPr lang="ko-KR" altLang="en-US" sz="1900" spc="-150" dirty="0">
+                <a:latin typeface="+mn-ea"/>
+                <a:ea typeface="+mn-ea"/>
+              </a:rPr>
+              <a:t> 커널을 생성하여 </a:t>
+            </a:r>
+            <a:endParaRPr lang="en-US" altLang="ko-KR" sz="1900" spc="-150" dirty="0">
+              <a:latin typeface="+mn-ea"/>
+              <a:ea typeface="+mn-ea"/>
+            </a:endParaRPr>
+          </a:p>
+          <a:p>
+            <a:pPr>
+              <a:lnSpc>
+                <a:spcPct val="120000"/>
+              </a:lnSpc>
+              <a:defRPr/>
+            </a:pPr>
+            <a:r>
+              <a:rPr lang="ko-KR" altLang="en-US" sz="1900" spc="-150" dirty="0">
+                <a:latin typeface="+mn-ea"/>
+                <a:ea typeface="+mn-ea"/>
+              </a:rPr>
+              <a:t>이 커널 안에 들어오지 못하는 이미지는 삭제해버리는 것입니다</a:t>
+            </a:r>
+            <a:r>
+              <a:rPr lang="en-US" altLang="ko-KR" sz="1900" spc="-150" dirty="0">
+                <a:latin typeface="+mn-ea"/>
+                <a:ea typeface="+mn-ea"/>
+              </a:rPr>
+              <a:t>.</a:t>
+            </a:r>
+            <a:r>
+              <a:rPr lang="ko-KR" altLang="en-US" sz="1900" spc="-150" dirty="0">
+                <a:latin typeface="+mn-ea"/>
+                <a:ea typeface="+mn-ea"/>
+              </a:rPr>
+              <a:t> </a:t>
+            </a:r>
+            <a:endParaRPr lang="en-US" altLang="ko-KR" sz="1900" spc="-150" dirty="0">
+              <a:latin typeface="+mn-ea"/>
+              <a:ea typeface="+mn-ea"/>
+            </a:endParaRPr>
+          </a:p>
+          <a:p>
+            <a:pPr>
+              <a:lnSpc>
+                <a:spcPct val="120000"/>
+              </a:lnSpc>
+              <a:defRPr/>
+            </a:pPr>
+            <a:endParaRPr lang="en-US" altLang="ko-KR" sz="1900" spc="-150" dirty="0">
+              <a:latin typeface="+mn-ea"/>
+              <a:ea typeface="+mn-ea"/>
+            </a:endParaRPr>
+          </a:p>
+          <a:p>
+            <a:pPr>
+              <a:lnSpc>
+                <a:spcPct val="120000"/>
+              </a:lnSpc>
+              <a:defRPr/>
+            </a:pPr>
+            <a:r>
+              <a:rPr lang="ko-KR" altLang="en-US" sz="1900" spc="-150" dirty="0">
+                <a:latin typeface="+mn-ea"/>
+                <a:ea typeface="+mn-ea"/>
+              </a:rPr>
+              <a:t>팽창은 침식의 반대입니다</a:t>
+            </a:r>
+            <a:r>
+              <a:rPr lang="en-US" altLang="ko-KR" sz="1900" spc="-150" dirty="0">
+                <a:latin typeface="+mn-ea"/>
+                <a:ea typeface="+mn-ea"/>
+              </a:rPr>
+              <a:t>.</a:t>
+            </a:r>
+          </a:p>
+          <a:p>
+            <a:pPr>
+              <a:lnSpc>
+                <a:spcPct val="120000"/>
+              </a:lnSpc>
+              <a:defRPr/>
+            </a:pPr>
+            <a:r>
+              <a:rPr lang="ko-KR" altLang="en-US" sz="1900" spc="-150" dirty="0">
+                <a:latin typeface="+mn-ea"/>
+                <a:ea typeface="+mn-ea"/>
+              </a:rPr>
+              <a:t>커널에 픽셀이 걸치기만 해도 </a:t>
+            </a:r>
+            <a:r>
+              <a:rPr lang="en-US" altLang="ko-KR" sz="1900" spc="-150" dirty="0">
+                <a:latin typeface="+mn-ea"/>
+                <a:ea typeface="+mn-ea"/>
+              </a:rPr>
+              <a:t>1</a:t>
+            </a:r>
+            <a:r>
+              <a:rPr lang="ko-KR" altLang="en-US" sz="1900" spc="-150" dirty="0">
+                <a:latin typeface="+mn-ea"/>
+                <a:ea typeface="+mn-ea"/>
+              </a:rPr>
+              <a:t>로 바꿔버리는 것입니다</a:t>
             </a:r>
             <a:r>
               <a:rPr lang="en-US" altLang="ko-KR" sz="1900" spc="-150" dirty="0">
@@ -8171,45 +8390,10 @@
       </p:sp>
       <p:pic>
         <p:nvPicPr>
-          <p:cNvPr id="16" name="그림 15" descr="텍스트이(가) 표시된 사진&#10;&#10;자동 생성된 설명">
+          <p:cNvPr id="2" name="그림 1">
             <a:extLst>
               <a:ext uri="{FF2B5EF4-FFF2-40B4-BE49-F238E27FC236}">
-                <a16:creationId xmlns:a16="http://schemas.microsoft.com/office/drawing/2014/main" id="{EB94D70A-772B-F512-0CC5-C74B0A541842}"/>
-              </a:ext>
-            </a:extLst>
-          </p:cNvPr>
-          <p:cNvPicPr>
-            <a:picLocks noChangeAspect="1"/>
-          </p:cNvPicPr>
-          <p:nvPr/>
-        </p:nvPicPr>
-        <p:blipFill rotWithShape="1">
-          <a:blip r:embed="rId3">
-            <a:extLst>
-              <a:ext uri="{28A0092B-C50C-407E-A947-70E740481C1C}">
-                <a14:useLocalDpi xmlns:a14="http://schemas.microsoft.com/office/drawing/2010/main" val="0"/>
-              </a:ext>
-            </a:extLst>
-          </a:blip>
-          <a:srcRect t="73870" r="72973"/>
-          <a:stretch/>
-        </p:blipFill>
-        <p:spPr>
-          <a:xfrm>
-            <a:off x="7745961" y="2400565"/>
-            <a:ext cx="1837537" cy="2395871"/>
-          </a:xfrm>
-          <a:prstGeom prst="rect">
-            <a:avLst/>
-          </a:prstGeom>
-        </p:spPr>
-      </p:pic>
-      <p:pic>
-        <p:nvPicPr>
-          <p:cNvPr id="3" name="그림 2" descr="텍스트, 밤하늘이(가) 표시된 사진&#10;&#10;자동 생성된 설명">
-            <a:extLst>
-              <a:ext uri="{FF2B5EF4-FFF2-40B4-BE49-F238E27FC236}">
-                <a16:creationId xmlns:a16="http://schemas.microsoft.com/office/drawing/2014/main" id="{2472CE69-6D05-2FE7-FD0C-E37BE1DEED7F}"/>
+                <a16:creationId xmlns:a16="http://schemas.microsoft.com/office/drawing/2014/main" id="{2DB420A4-13A3-FB89-E4EC-07B938218AFF}"/>
               </a:ext>
             </a:extLst>
           </p:cNvPr>
@@ -8219,31 +8403,115 @@
           <p:nvPr/>
         </p:nvPicPr>
         <p:blipFill>
-          <a:blip r:embed="rId4">
-            <a:extLst>
-              <a:ext uri="{28A0092B-C50C-407E-A947-70E740481C1C}">
-                <a14:useLocalDpi xmlns:a14="http://schemas.microsoft.com/office/drawing/2010/main" val="0"/>
-              </a:ext>
-            </a:extLst>
-          </a:blip>
+          <a:blip r:embed="rId3"/>
           <a:stretch>
             <a:fillRect/>
           </a:stretch>
         </p:blipFill>
         <p:spPr>
           <a:xfrm>
-            <a:off x="9956504" y="2400565"/>
-            <a:ext cx="1533720" cy="2395871"/>
+            <a:off x="7919210" y="1782622"/>
+            <a:ext cx="3930502" cy="1637709"/>
           </a:xfrm>
           <a:prstGeom prst="rect">
             <a:avLst/>
           </a:prstGeom>
         </p:spPr>
       </p:pic>
+      <p:pic>
+        <p:nvPicPr>
+          <p:cNvPr id="3" name="그림 2">
+            <a:extLst>
+              <a:ext uri="{FF2B5EF4-FFF2-40B4-BE49-F238E27FC236}">
+                <a16:creationId xmlns:a16="http://schemas.microsoft.com/office/drawing/2014/main" id="{DA2536F0-5A01-E771-928E-0D7B21FC77AD}"/>
+              </a:ext>
+            </a:extLst>
+          </p:cNvPr>
+          <p:cNvPicPr>
+            <a:picLocks noChangeAspect="1"/>
+          </p:cNvPicPr>
+          <p:nvPr/>
+        </p:nvPicPr>
+        <p:blipFill>
+          <a:blip r:embed="rId4"/>
+          <a:stretch>
+            <a:fillRect/>
+          </a:stretch>
+        </p:blipFill>
+        <p:spPr>
+          <a:xfrm>
+            <a:off x="7919210" y="3630130"/>
+            <a:ext cx="3930502" cy="1910661"/>
+          </a:xfrm>
+          <a:prstGeom prst="rect">
+            <a:avLst/>
+          </a:prstGeom>
+        </p:spPr>
+      </p:pic>
+      <p:sp>
+        <p:nvSpPr>
+          <p:cNvPr id="7" name="TextBox 6">
+            <a:extLst>
+              <a:ext uri="{FF2B5EF4-FFF2-40B4-BE49-F238E27FC236}">
+                <a16:creationId xmlns:a16="http://schemas.microsoft.com/office/drawing/2014/main" id="{CAF42717-1CC1-2B43-6034-ECB2ECD8C255}"/>
+              </a:ext>
+            </a:extLst>
+          </p:cNvPr>
+          <p:cNvSpPr txBox="1"/>
+          <p:nvPr/>
+        </p:nvSpPr>
+        <p:spPr>
+          <a:xfrm>
+            <a:off x="9781953" y="5572450"/>
+            <a:ext cx="2067759" cy="215444"/>
+          </a:xfrm>
+          <a:prstGeom prst="rect">
+            <a:avLst/>
+          </a:prstGeom>
+          <a:noFill/>
+        </p:spPr>
+        <p:txBody>
+          <a:bodyPr wrap="square" rtlCol="0">
+            <a:spAutoFit/>
+          </a:bodyPr>
+          <a:lstStyle/>
+          <a:p>
+            <a:pPr algn="r"/>
+            <a:r>
+              <a:rPr kumimoji="1" lang="ko-KR" altLang="en-US" sz="800" dirty="0">
+                <a:latin typeface="+mn-ea"/>
+              </a:rPr>
+              <a:t>이미지 출처</a:t>
+            </a:r>
+            <a:r>
+              <a:rPr kumimoji="1" lang="en-US" altLang="ko-KR" sz="800" dirty="0">
+                <a:latin typeface="+mn-ea"/>
+              </a:rPr>
+              <a:t>:</a:t>
+            </a:r>
+            <a:r>
+              <a:rPr kumimoji="1" lang="ko-KR" altLang="en-US" sz="800" dirty="0">
+                <a:latin typeface="+mn-ea"/>
+              </a:rPr>
+              <a:t> </a:t>
+            </a:r>
+            <a:r>
+              <a:rPr kumimoji="1" lang="en" altLang="ko-Kore-KR" sz="800" dirty="0">
+                <a:latin typeface="+mn-ea"/>
+                <a:hlinkClick r:id="rId5"/>
+              </a:rPr>
+              <a:t>https://bkshin.tistory.com</a:t>
+            </a:r>
+            <a:endParaRPr kumimoji="1" lang="ko-Kore-KR" altLang="en-US" sz="800" dirty="0">
+              <a:latin typeface="+mn-ea"/>
+            </a:endParaRPr>
+          </a:p>
+        </p:txBody>
+      </p:sp>
     </p:spTree>
     <p:extLst>
       <p:ext uri="{BB962C8B-B14F-4D97-AF65-F5344CB8AC3E}">
-        <p14:creationId xmlns:p14="http://schemas.microsoft.com/office/powerpoint/2010/main" val="4281881407"/>
+        <p14:creationId xmlns:p14="http://schemas.microsoft.com/office/powerpoint/2010/main" val="1606198052"/>
       </p:ext>
     </p:extLst>
   </p:cSld>
@@ -8338,6 +8606,12 @@
               <a:defRPr/>
             </a:pPr>
             <a:r>
+              <a:rPr lang="ko-KR" altLang="en-US" sz="4000" spc="-185" dirty="0">
+                <a:latin typeface="+mj-ea"/>
+              </a:rPr>
+              <a:t>데이터 </a:t>
+            </a:r>
+            <a:r>
               <a:rPr lang="ko-KR" altLang="en-US" sz="4000" spc="-185" dirty="0" err="1">
                 <a:latin typeface="+mj-ea"/>
               </a:rPr>
@@ -8368,8 +8642,8 @@
         </p:nvSpPr>
         <p:spPr>
           <a:xfrm>
-            <a:off x="342288" y="1774547"/>
-            <a:ext cx="11393019" cy="4045006"/>
+            <a:off x="271404" y="1887965"/>
+            <a:ext cx="11393019" cy="3768556"/>
           </a:xfrm>
           <a:prstGeom prst="rect">
             <a:avLst/>
@@ -8410,21 +8684,21 @@
                 <a:latin typeface="+mn-ea"/>
                 <a:ea typeface="+mn-ea"/>
               </a:rPr>
-              <a:t>처음은 </a:t>
+              <a:t>저희는 침식 연산과 팽창 연결을 사용하는 닫힘 연산과 </a:t>
             </a:r>
             <a:r>
               <a:rPr lang="en-US" altLang="ko-KR" sz="1900" spc="-150" dirty="0">
                 <a:latin typeface="+mn-ea"/>
                 <a:ea typeface="+mn-ea"/>
               </a:rPr>
-              <a:t>Morphology</a:t>
+              <a:t>Gradient</a:t>
             </a:r>
             <a:r>
               <a:rPr lang="ko-KR" altLang="en-US" sz="1900" spc="-150" dirty="0">
                 <a:latin typeface="+mn-ea"/>
                 <a:ea typeface="+mn-ea"/>
               </a:rPr>
-              <a:t> 연산으로 시작했습니다</a:t>
+              <a:t> 연산을 사용하였습니다</a:t>
             </a:r>
             <a:r>
               <a:rPr lang="en-US" altLang="ko-KR" sz="1900" spc="-150" dirty="0">
@@ -8441,62 +8715,6 @@
               </a:lnSpc>
               <a:defRPr/>
             </a:pPr>
-            <a:r>
-              <a:rPr lang="en-US" altLang="ko-KR" sz="1900" spc="-150" dirty="0">
-                <a:latin typeface="+mn-ea"/>
-                <a:ea typeface="+mn-ea"/>
-              </a:rPr>
-              <a:t>Morphology </a:t>
-            </a:r>
-            <a:r>
-              <a:rPr lang="ko-KR" altLang="en-US" sz="1900" spc="-150" dirty="0">
-                <a:latin typeface="+mn-ea"/>
-                <a:ea typeface="+mn-ea"/>
-              </a:rPr>
-              <a:t>연산이란 </a:t>
-            </a:r>
-            <a:r>
-              <a:rPr lang="en-US" altLang="ko-KR" sz="1900" spc="-150" dirty="0">
-                <a:latin typeface="+mn-ea"/>
-                <a:ea typeface="+mn-ea"/>
-              </a:rPr>
-              <a:t>‘</a:t>
-            </a:r>
-            <a:r>
-              <a:rPr lang="ko-KR" altLang="en-US" sz="1900" spc="-150" dirty="0">
-                <a:latin typeface="+mn-ea"/>
-                <a:ea typeface="+mn-ea"/>
-              </a:rPr>
-              <a:t>형태학</a:t>
-            </a:r>
-            <a:r>
-              <a:rPr lang="en-US" altLang="ko-KR" sz="1900" spc="-150" dirty="0">
-                <a:latin typeface="+mn-ea"/>
-                <a:ea typeface="+mn-ea"/>
-              </a:rPr>
-              <a:t>’</a:t>
-            </a:r>
-            <a:r>
-              <a:rPr lang="ko-KR" altLang="en-US" sz="1900" spc="-150" dirty="0">
-                <a:latin typeface="+mn-ea"/>
-                <a:ea typeface="+mn-ea"/>
-              </a:rPr>
-              <a:t> 이라는 뜻인데</a:t>
-            </a:r>
-            <a:r>
-              <a:rPr lang="en-US" altLang="ko-KR" sz="1900" spc="-150" dirty="0">
-                <a:latin typeface="+mn-ea"/>
-                <a:ea typeface="+mn-ea"/>
-              </a:rPr>
-              <a:t>,</a:t>
-            </a:r>
-            <a:r>
-              <a:rPr lang="ko-KR" altLang="en-US" sz="1900" spc="-150" dirty="0">
-                <a:latin typeface="+mn-ea"/>
-                <a:ea typeface="+mn-ea"/>
-              </a:rPr>
-              <a:t> </a:t>
-            </a:r>
             <a:endParaRPr lang="en-US" altLang="ko-KR" sz="1900" spc="-150" dirty="0">
               <a:latin typeface="+mn-ea"/>
               <a:ea typeface="+mn-ea"/>
@@ -8514,43 +8732,7 @@
                 <a:latin typeface="+mn-ea"/>
                 <a:ea typeface="+mn-ea"/>
               </a:rPr>
-              <a:t>사진</a:t>
-            </a:r>
-            <a:r>
-              <a:rPr lang="en-US" altLang="ko-KR" sz="1900" spc="-150" dirty="0">
-                <a:latin typeface="+mn-ea"/>
-                <a:ea typeface="+mn-ea"/>
-              </a:rPr>
-              <a:t>,</a:t>
-            </a:r>
-            <a:r>
-              <a:rPr lang="ko-KR" altLang="en-US" sz="1900" spc="-150" dirty="0">
-                <a:latin typeface="+mn-ea"/>
-                <a:ea typeface="+mn-ea"/>
-              </a:rPr>
-              <a:t> 영상 분야에서의 노이즈 제거 등에 쓰이는 형태학적 연산을 말합니다</a:t>
-            </a:r>
-            <a:r>
-              <a:rPr lang="en-US" altLang="ko-KR" sz="1900" spc="-150" dirty="0">
-                <a:latin typeface="+mn-ea"/>
-                <a:ea typeface="+mn-ea"/>
-              </a:rPr>
-              <a:t>. </a:t>
-            </a:r>
-          </a:p>
-          <a:p>
-            <a:pPr>
-              <a:lnSpc>
-                <a:spcPct val="120000"/>
-              </a:lnSpc>
-              <a:defRPr/>
-            </a:pPr>
-            <a:r>
-              <a:rPr lang="ko-KR" altLang="en-US" sz="1900" spc="-150" dirty="0">
-                <a:latin typeface="+mn-ea"/>
-                <a:ea typeface="+mn-ea"/>
-              </a:rPr>
-              <a:t>대표적인 연산으로는 침식 연산과 팽창 연산이 있습니다</a:t>
+              <a:t>닫힘 연산은 팽창 연산 후 침식 연산을 적용하여 주변보다 어두운 노이즈를 제거하는데 효과적입니다</a:t>
             </a:r>
             <a:r>
               <a:rPr lang="en-US" altLang="ko-KR" sz="1900" spc="-150" dirty="0">
@@ -8580,25 +8762,18 @@
               <a:defRPr/>
             </a:pPr>
             <a:r>
+              <a:rPr lang="en-US" altLang="ko-KR" sz="1900" spc="-150" dirty="0">
+                <a:latin typeface="+mn-ea"/>
+                <a:ea typeface="+mn-ea"/>
+              </a:rPr>
+              <a:t>Gradient</a:t>
+            </a:r>
+            <a:r>
               <a:rPr lang="ko-KR" altLang="en-US" sz="1900" spc="-150" dirty="0">
                 <a:latin typeface="+mn-ea"/>
                 <a:ea typeface="+mn-ea"/>
               </a:rPr>
-              <a:t>침식은 말 그대로 이미지를 깎아 냅니다</a:t>
-            </a:r>
-            <a:r>
-              <a:rPr lang="en-US" altLang="ko-KR" sz="1900" spc="-150" dirty="0">
-                <a:latin typeface="+mn-ea"/>
-                <a:ea typeface="+mn-ea"/>
-              </a:rPr>
-              <a:t>.</a:t>
-            </a:r>
-            <a:r>
-              <a:rPr lang="ko-KR" altLang="en-US" sz="1900" spc="-150" dirty="0">
-                <a:latin typeface="+mn-ea"/>
-                <a:ea typeface="+mn-ea"/>
-              </a:rPr>
-              <a:t> </a:t>
+              <a:t> 연산이란</a:t>
             </a:r>
             <a:endParaRPr lang="en-US" altLang="ko-KR" sz="1900" spc="-150" dirty="0">
               <a:latin typeface="+mn-ea"/>
@@ -8617,49 +8792,7 @@
                 <a:latin typeface="+mn-ea"/>
                 <a:ea typeface="+mn-ea"/>
               </a:rPr>
-              <a:t>이미지를 </a:t>
-            </a:r>
-            <a:r>
-              <a:rPr lang="en-US" altLang="ko-KR" sz="1900" spc="-150" dirty="0">
-                <a:latin typeface="+mn-ea"/>
-                <a:ea typeface="+mn-ea"/>
-              </a:rPr>
-              <a:t>0</a:t>
-            </a:r>
-            <a:r>
-              <a:rPr lang="ko-KR" altLang="en-US" sz="1900" spc="-150" dirty="0">
-                <a:latin typeface="+mn-ea"/>
-                <a:ea typeface="+mn-ea"/>
-              </a:rPr>
-              <a:t>과 </a:t>
-            </a:r>
-            <a:r>
-              <a:rPr lang="en-US" altLang="ko-KR" sz="1900" spc="-150" dirty="0">
-                <a:latin typeface="+mn-ea"/>
-                <a:ea typeface="+mn-ea"/>
-              </a:rPr>
-              <a:t>1</a:t>
-            </a:r>
-            <a:r>
-              <a:rPr lang="ko-KR" altLang="en-US" sz="1900" spc="-150" dirty="0">
-                <a:latin typeface="+mn-ea"/>
-                <a:ea typeface="+mn-ea"/>
-              </a:rPr>
-              <a:t>로 전환하고</a:t>
-            </a:r>
-            <a:r>
-              <a:rPr lang="en-US" altLang="ko-KR" sz="1900" spc="-150" dirty="0">
-                <a:latin typeface="+mn-ea"/>
-                <a:ea typeface="+mn-ea"/>
-              </a:rPr>
-              <a:t>,</a:t>
-            </a:r>
-            <a:r>
-              <a:rPr lang="ko-KR" altLang="en-US" sz="1900" spc="-150" dirty="0">
-                <a:latin typeface="+mn-ea"/>
-                <a:ea typeface="+mn-ea"/>
-              </a:rPr>
-              <a:t> 커널을 생성하여 </a:t>
+              <a:t>팽창 연산을 적용한 이미지에서 침식 연산을 적용한 이미지를 빼면 경계 픽셀만 얻게 되는데</a:t>
             </a:r>
             <a:endParaRPr lang="en-US" altLang="ko-KR" sz="1900" spc="-150" dirty="0">
               <a:latin typeface="+mn-ea"/>
@@ -8678,22 +8811,37 @@
                 <a:latin typeface="+mn-ea"/>
                 <a:ea typeface="+mn-ea"/>
               </a:rPr>
-              <a:t>이 커널 안에 들어오지 못하는 이미지는 삭제해버리는 것입니다</a:t>
+              <a:t>이 연산을 </a:t>
             </a:r>
             <a:r>
               <a:rPr lang="en-US" altLang="ko-KR" sz="1900" spc="-150" dirty="0">
                 <a:latin typeface="+mn-ea"/>
                 <a:ea typeface="+mn-ea"/>
               </a:rPr>
+              <a:t>Gradient</a:t>
+            </a:r>
+            <a:r>
+              <a:rPr lang="ko-KR" altLang="en-US" sz="1900" spc="-150" dirty="0">
+                <a:latin typeface="+mn-ea"/>
+                <a:ea typeface="+mn-ea"/>
+              </a:rPr>
+              <a:t> 연산이라고 합니다</a:t>
+            </a:r>
+            <a:r>
+              <a:rPr lang="en-US" altLang="ko-KR" sz="1900" spc="-150" dirty="0">
+                <a:latin typeface="+mn-ea"/>
+                <a:ea typeface="+mn-ea"/>
+              </a:rPr>
               <a:t>.</a:t>
             </a:r>
-            <a:r>
-              <a:rPr lang="ko-KR" altLang="en-US" sz="1900" spc="-150" dirty="0">
-                <a:latin typeface="+mn-ea"/>
-                <a:ea typeface="+mn-ea"/>
-              </a:rPr>
-              <a:t> </a:t>
-            </a:r>
+          </a:p>
+          <a:p>
+            <a:pPr>
+              <a:lnSpc>
+                <a:spcPct val="120000"/>
+              </a:lnSpc>
+              <a:defRPr/>
+            </a:pPr>
             <a:endParaRPr lang="en-US" altLang="ko-KR" sz="1900" spc="-150" dirty="0">
               <a:latin typeface="+mn-ea"/>
               <a:ea typeface="+mn-ea"/>
@@ -8706,6 +8854,27 @@
               </a:lnSpc>
               <a:defRPr/>
             </a:pPr>
+            <a:r>
+              <a:rPr lang="ko-KR" altLang="en-US" sz="1900" spc="-150" dirty="0">
+                <a:latin typeface="+mn-ea"/>
+                <a:ea typeface="+mn-ea"/>
+              </a:rPr>
+              <a:t>저희는 닫힘 연산을 사용하여 </a:t>
+            </a:r>
+            <a:r>
+              <a:rPr lang="en-US" altLang="ko-KR" sz="1900" spc="-150" dirty="0">
+                <a:latin typeface="+mn-ea"/>
+                <a:ea typeface="+mn-ea"/>
+              </a:rPr>
+              <a:t>1</a:t>
+            </a:r>
+            <a:r>
+              <a:rPr lang="ko-KR" altLang="en-US" sz="1900" spc="-150" dirty="0">
+                <a:latin typeface="+mn-ea"/>
+                <a:ea typeface="+mn-ea"/>
+              </a:rPr>
+              <a:t>차적으로 노이즈를 없애고</a:t>
+            </a:r>
             <a:endParaRPr lang="en-US" altLang="ko-KR" sz="1900" spc="-150" dirty="0">
               <a:latin typeface="+mn-ea"/>
               <a:ea typeface="+mn-ea"/>
@@ -8719,47 +8888,32 @@
               <a:defRPr/>
             </a:pPr>
             <a:r>
+              <a:rPr lang="en-US" altLang="ko-KR" sz="1900" spc="-150" dirty="0">
+                <a:latin typeface="+mn-ea"/>
+                <a:ea typeface="+mn-ea"/>
+              </a:rPr>
+              <a:t>Gradient</a:t>
+            </a:r>
+            <a:r>
               <a:rPr lang="ko-KR" altLang="en-US" sz="1900" spc="-150" dirty="0">
                 <a:latin typeface="+mn-ea"/>
                 <a:ea typeface="+mn-ea"/>
               </a:rPr>
-              <a:t>팽창은 침식의 반대입니다</a:t>
+              <a:t> 연산을 사용하여 </a:t>
             </a:r>
             <a:r>
               <a:rPr lang="en-US" altLang="ko-KR" sz="1900" spc="-150" dirty="0">
                 <a:latin typeface="+mn-ea"/>
                 <a:ea typeface="+mn-ea"/>
               </a:rPr>
-              <a:t>.</a:t>
-            </a:r>
-          </a:p>
-          <a:p>
-            <a:pPr>
-              <a:lnSpc>
-                <a:spcPct val="120000"/>
-              </a:lnSpc>
-              <a:defRPr/>
-            </a:pPr>
+              <a:t>2</a:t>
+            </a:r>
             <a:r>
               <a:rPr lang="ko-KR" altLang="en-US" sz="1900" spc="-150" dirty="0">
                 <a:latin typeface="+mn-ea"/>
                 <a:ea typeface="+mn-ea"/>
               </a:rPr>
-              <a:t>커널에 픽셀이 걸치기만 해도 </a:t>
-            </a:r>
-            <a:r>
-              <a:rPr lang="en-US" altLang="ko-KR" sz="1900" spc="-150" dirty="0">
-                <a:latin typeface="+mn-ea"/>
-                <a:ea typeface="+mn-ea"/>
-              </a:rPr>
-              <a:t>1</a:t>
-            </a:r>
-            <a:r>
-              <a:rPr lang="ko-KR" altLang="en-US" sz="1900" spc="-150" dirty="0">
-                <a:latin typeface="+mn-ea"/>
-                <a:ea typeface="+mn-ea"/>
-              </a:rPr>
-              <a:t>로 바꿔버리는 것입니다</a:t>
+              <a:t>차적으로 노이즈를 없애며 옷의 경계를 뚜렷하게 했습니다</a:t>
             </a:r>
             <a:r>
               <a:rPr lang="en-US" altLang="ko-KR" sz="1900" spc="-150" dirty="0">
@@ -8830,10 +8984,10 @@
       </p:sp>
       <p:pic>
         <p:nvPicPr>
-          <p:cNvPr id="2" name="그림 1">
+          <p:cNvPr id="3" name="그림 2" descr="텍스트이(가) 표시된 사진&#10;&#10;자동 생성된 설명">
             <a:extLst>
               <a:ext uri="{FF2B5EF4-FFF2-40B4-BE49-F238E27FC236}">
-                <a16:creationId xmlns:a16="http://schemas.microsoft.com/office/drawing/2014/main" id="{2DB420A4-13A3-FB89-E4EC-07B938218AFF}"/>
+                <a16:creationId xmlns:a16="http://schemas.microsoft.com/office/drawing/2014/main" id="{7931AA1A-24A1-0E51-3D4F-55486F16BF04}"/>
               </a:ext>
             </a:extLst>
           </p:cNvPr>
@@ -8842,116 +8996,31 @@
           </p:cNvPicPr>
           <p:nvPr/>
         </p:nvPicPr>
-        <p:blipFill>
-          <a:blip r:embed="rId3"/>
-          <a:stretch>
-            <a:fillRect/>
-          </a:stretch>
+        <p:blipFill rotWithShape="1">
+          <a:blip r:embed="rId3">
+            <a:extLst>
+              <a:ext uri="{28A0092B-C50C-407E-A947-70E740481C1C}">
+                <a14:useLocalDpi xmlns:a14="http://schemas.microsoft.com/office/drawing/2010/main" val="0"/>
+              </a:ext>
+            </a:extLst>
+          </a:blip>
+          <a:srcRect t="75349" r="59869"/>
+          <a:stretch/>
         </p:blipFill>
         <p:spPr>
           <a:xfrm>
-            <a:off x="7919210" y="1782622"/>
-            <a:ext cx="3930502" cy="1637709"/>
+            <a:off x="9672548" y="3429000"/>
+            <a:ext cx="2093165" cy="1918282"/>
           </a:xfrm>
           <a:prstGeom prst="rect">
             <a:avLst/>
           </a:prstGeom>
         </p:spPr>
       </p:pic>
-      <p:pic>
-        <p:nvPicPr>
-          <p:cNvPr id="3" name="그림 2">
-            <a:extLst>
-              <a:ext uri="{FF2B5EF4-FFF2-40B4-BE49-F238E27FC236}">
-                <a16:creationId xmlns:a16="http://schemas.microsoft.com/office/drawing/2014/main" id="{DA2536F0-5A01-E771-928E-0D7B21FC77AD}"/>
-              </a:ext>
-            </a:extLst>
-          </p:cNvPr>
-          <p:cNvPicPr>
-            <a:picLocks noChangeAspect="1"/>
-          </p:cNvPicPr>
-          <p:nvPr/>
-        </p:nvPicPr>
-        <p:blipFill>
-          <a:blip r:embed="rId4"/>
-          <a:stretch>
-            <a:fillRect/>
-          </a:stretch>
-        </p:blipFill>
-        <p:spPr>
-          <a:xfrm>
-            <a:off x="7919210" y="3630130"/>
-            <a:ext cx="3930502" cy="1910661"/>
-          </a:xfrm>
-          <a:prstGeom prst="rect">
-            <a:avLst/>
-          </a:prstGeom>
-        </p:spPr>
-      </p:pic>
-      <p:sp>
-        <p:nvSpPr>
-          <p:cNvPr id="7" name="TextBox 6">
-            <a:extLst>
-              <a:ext uri="{FF2B5EF4-FFF2-40B4-BE49-F238E27FC236}">
-                <a16:creationId xmlns:a16="http://schemas.microsoft.com/office/drawing/2014/main" id="{CAF42717-1CC1-2B43-6034-ECB2ECD8C255}"/>
-              </a:ext>
-            </a:extLst>
-          </p:cNvPr>
-          <p:cNvSpPr txBox="1"/>
-          <p:nvPr/>
-        </p:nvSpPr>
-        <p:spPr>
-          <a:xfrm>
-            <a:off x="9781953" y="5572450"/>
-            <a:ext cx="2067759" cy="215444"/>
-          </a:xfrm>
-          <a:prstGeom prst="rect">
-            <a:avLst/>
-          </a:prstGeom>
-          <a:noFill/>
-        </p:spPr>
-        <p:txBody>
-          <a:bodyPr wrap="square" rtlCol="0">
-            <a:spAutoFit/>
-          </a:bodyPr>
-          <a:lstStyle/>
-          <a:p>
-            <a:pPr algn="r"/>
-            <a:r>
-              <a:rPr kumimoji="1" lang="ko-KR" altLang="en-US" sz="800" dirty="0">
-                <a:latin typeface="+mn-ea"/>
-              </a:rPr>
-              <a:t>이미지 출처</a:t>
-            </a:r>
-            <a:r>
-              <a:rPr kumimoji="1" lang="en-US" altLang="ko-KR" sz="800" dirty="0">
-                <a:latin typeface="+mn-ea"/>
-              </a:rPr>
-              <a:t>:</a:t>
-            </a:r>
-            <a:r>
-              <a:rPr kumimoji="1" lang="ko-KR" altLang="en-US" sz="800" dirty="0">
-                <a:latin typeface="+mn-ea"/>
-              </a:rPr>
-              <a:t> </a:t>
-            </a:r>
-            <a:r>
-              <a:rPr kumimoji="1" lang="en" altLang="ko-Kore-KR" sz="800" dirty="0">
-                <a:latin typeface="+mn-ea"/>
-                <a:hlinkClick r:id="rId5"/>
-              </a:rPr>
-              <a:t>https://bkshin.tistory.com</a:t>
-            </a:r>
-            <a:endParaRPr kumimoji="1" lang="ko-Kore-KR" altLang="en-US" sz="800" dirty="0">
-              <a:latin typeface="+mn-ea"/>
-            </a:endParaRPr>
-          </a:p>
-        </p:txBody>
-      </p:sp>
     </p:spTree>
     <p:extLst>
       <p:ext uri="{BB962C8B-B14F-4D97-AF65-F5344CB8AC3E}">
-        <p14:creationId xmlns:p14="http://schemas.microsoft.com/office/powerpoint/2010/main" val="1606198052"/>
+        <p14:creationId xmlns:p14="http://schemas.microsoft.com/office/powerpoint/2010/main" val="3301146092"/>
       </p:ext>
     </p:extLst>
   </p:cSld>
@@ -9046,6 +9115,12 @@
               <a:defRPr/>
             </a:pPr>
             <a:r>
+              <a:rPr lang="ko-KR" altLang="en-US" sz="4000" spc="-185" dirty="0">
+                <a:latin typeface="+mj-ea"/>
+              </a:rPr>
+              <a:t>데이터 </a:t>
+            </a:r>
+            <a:r>
               <a:rPr lang="ko-KR" altLang="en-US" sz="4000" spc="-185" dirty="0" err="1">
                 <a:latin typeface="+mj-ea"/>
               </a:rPr>
@@ -9076,8 +9151,8 @@
         </p:nvSpPr>
         <p:spPr>
           <a:xfrm>
-            <a:off x="271404" y="1887965"/>
-            <a:ext cx="11393019" cy="3768556"/>
+            <a:off x="356461" y="1611524"/>
+            <a:ext cx="11393019" cy="2003551"/>
           </a:xfrm>
           <a:prstGeom prst="rect">
             <a:avLst/>
@@ -9114,28 +9189,14 @@
               <a:defRPr/>
             </a:pPr>
             <a:r>
-              <a:rPr lang="ko-KR" altLang="en-US" sz="1900" spc="-150" dirty="0">
-                <a:latin typeface="+mn-ea"/>
-                <a:ea typeface="+mn-ea"/>
-              </a:rPr>
-              <a:t>저희는 침식 연산과 팽창 연결을 사용하는 닫힘 연산과 </a:t>
-            </a:r>
-            <a:r>
-              <a:rPr lang="ko-KR" altLang="en-US" sz="1900" spc="-150" dirty="0" err="1">
-                <a:latin typeface="+mn-ea"/>
-                <a:ea typeface="+mn-ea"/>
-              </a:rPr>
-              <a:t>그레디언트</a:t>
-            </a:r>
-            <a:r>
-              <a:rPr lang="ko-KR" altLang="en-US" sz="1900" spc="-150" dirty="0">
-                <a:latin typeface="+mn-ea"/>
-                <a:ea typeface="+mn-ea"/>
-              </a:rPr>
-              <a:t> 연산을 사용하였습니다</a:t>
-            </a:r>
-            <a:r>
-              <a:rPr lang="en-US" altLang="ko-KR" sz="1900" spc="-150" dirty="0">
+              <a:rPr lang="ko-KR" altLang="en-US" sz="1500" spc="-150" dirty="0">
+                <a:latin typeface="+mn-ea"/>
+                <a:ea typeface="+mn-ea"/>
+              </a:rPr>
+              <a:t>처음보단 많이 좋아졌지만 아직 여백이 있는 걸 확인할 수 있습니다</a:t>
+            </a:r>
+            <a:r>
+              <a:rPr lang="en-US" altLang="ko-KR" sz="1500" spc="-150" dirty="0">
                 <a:latin typeface="+mn-ea"/>
                 <a:ea typeface="+mn-ea"/>
               </a:rPr>
@@ -9149,7 +9210,7 @@
               </a:lnSpc>
               <a:defRPr/>
             </a:pPr>
-            <a:endParaRPr lang="en-US" altLang="ko-KR" sz="1900" spc="-150" dirty="0">
+            <a:endParaRPr lang="en-US" altLang="ko-KR" sz="1500" spc="-150" dirty="0">
               <a:latin typeface="+mn-ea"/>
               <a:ea typeface="+mn-ea"/>
             </a:endParaRPr>
@@ -9162,28 +9223,27 @@
               <a:defRPr/>
             </a:pPr>
             <a:r>
-              <a:rPr lang="ko-KR" altLang="en-US" sz="1900" spc="-150" dirty="0">
-                <a:latin typeface="+mn-ea"/>
-                <a:ea typeface="+mn-ea"/>
-              </a:rPr>
-              <a:t>닫힘 연산은 팽창 연산 후 침식 연산을 적용하여 주변보다 어두운 노이즈를 제거하는데 효과적입니다</a:t>
-            </a:r>
-            <a:r>
-              <a:rPr lang="en-US" altLang="ko-KR" sz="1900" spc="-150" dirty="0">
-                <a:latin typeface="+mn-ea"/>
-                <a:ea typeface="+mn-ea"/>
-              </a:rPr>
-              <a:t>.</a:t>
-            </a:r>
-          </a:p>
-          <a:p>
-            <a:pPr>
-              <a:lnSpc>
-                <a:spcPct val="120000"/>
-              </a:lnSpc>
-              <a:defRPr/>
-            </a:pPr>
-            <a:endParaRPr lang="en-US" altLang="ko-KR" sz="1900" spc="-150" dirty="0">
+              <a:rPr lang="ko-KR" altLang="en-US" sz="1500" spc="-150" dirty="0">
+                <a:latin typeface="+mn-ea"/>
+                <a:ea typeface="+mn-ea"/>
+              </a:rPr>
+              <a:t>노이즈의 형태를 보니 소금 </a:t>
+            </a:r>
+            <a:r>
+              <a:rPr lang="en-US" altLang="ko-KR" sz="1500" spc="-150" dirty="0">
+                <a:latin typeface="+mn-ea"/>
+                <a:ea typeface="+mn-ea"/>
+              </a:rPr>
+              <a:t>&amp;</a:t>
+            </a:r>
+            <a:r>
+              <a:rPr lang="ko-KR" altLang="en-US" sz="1500" spc="-150" dirty="0">
+                <a:latin typeface="+mn-ea"/>
+                <a:ea typeface="+mn-ea"/>
+              </a:rPr>
+              <a:t> 후추 노이즈와 비슷하여</a:t>
+            </a:r>
+            <a:endParaRPr lang="en-US" altLang="ko-KR" sz="1500" spc="-150" dirty="0">
               <a:latin typeface="+mn-ea"/>
               <a:ea typeface="+mn-ea"/>
             </a:endParaRPr>
@@ -9196,20 +9256,49 @@
               <a:defRPr/>
             </a:pPr>
             <a:r>
-              <a:rPr lang="ko-KR" altLang="en-US" sz="1900" spc="-150" dirty="0" err="1">
-                <a:latin typeface="+mn-ea"/>
-                <a:ea typeface="+mn-ea"/>
-              </a:rPr>
-              <a:t>그레디언트</a:t>
-            </a:r>
-            <a:r>
-              <a:rPr lang="ko-KR" altLang="en-US" sz="1900" spc="-150" dirty="0">
-                <a:latin typeface="+mn-ea"/>
-                <a:ea typeface="+mn-ea"/>
-              </a:rPr>
-              <a:t> 연산이란</a:t>
-            </a:r>
-            <a:endParaRPr lang="en-US" altLang="ko-KR" sz="1900" spc="-150" dirty="0">
+              <a:rPr lang="en-US" altLang="ko-KR" sz="1500" spc="-150" dirty="0">
+                <a:latin typeface="+mn-ea"/>
+                <a:ea typeface="+mn-ea"/>
+              </a:rPr>
+              <a:t>Median Blur </a:t>
+            </a:r>
+            <a:r>
+              <a:rPr lang="ko-KR" altLang="en-US" sz="1500" spc="-150" dirty="0">
+                <a:latin typeface="+mn-ea"/>
+                <a:ea typeface="+mn-ea"/>
+              </a:rPr>
+              <a:t>함수를 사용하여 </a:t>
+            </a:r>
+            <a:r>
+              <a:rPr lang="en-US" altLang="ko-KR" sz="1500" spc="-150" dirty="0">
+                <a:latin typeface="+mn-ea"/>
+                <a:ea typeface="+mn-ea"/>
+              </a:rPr>
+              <a:t>Blur</a:t>
+            </a:r>
+            <a:r>
+              <a:rPr lang="ko-KR" altLang="en-US" sz="1500" spc="-150" dirty="0">
+                <a:latin typeface="+mn-ea"/>
+                <a:ea typeface="+mn-ea"/>
+              </a:rPr>
+              <a:t> 처리를 하게 하였습니다</a:t>
+            </a:r>
+            <a:r>
+              <a:rPr lang="en-US" altLang="ko-KR" sz="1500" spc="-150" dirty="0">
+                <a:latin typeface="+mn-ea"/>
+                <a:ea typeface="+mn-ea"/>
+              </a:rPr>
+              <a:t>.</a:t>
+            </a:r>
+          </a:p>
+          <a:p>
+            <a:pPr>
+              <a:lnSpc>
+                <a:spcPct val="120000"/>
+              </a:lnSpc>
+              <a:defRPr/>
+            </a:pPr>
+            <a:endParaRPr lang="en-US" altLang="ko-KR" sz="1500" spc="-150" dirty="0">
               <a:latin typeface="+mn-ea"/>
               <a:ea typeface="+mn-ea"/>
             </a:endParaRPr>
@@ -9222,13 +9311,56 @@
               <a:defRPr/>
             </a:pPr>
             <a:r>
-              <a:rPr lang="ko-KR" altLang="en-US" sz="1900" spc="-150" dirty="0">
-                <a:latin typeface="+mn-ea"/>
-                <a:ea typeface="+mn-ea"/>
-              </a:rPr>
-              <a:t>팽창 연산을 적용한 이미지에서 침식 연산을 적용한 이미지를 빼면 경계 픽셀만 얻게 되는데</a:t>
-            </a:r>
-            <a:endParaRPr lang="en-US" altLang="ko-KR" sz="1900" spc="-150" dirty="0">
+              <a:rPr lang="ko-KR" altLang="en-US" sz="1500" spc="-150" dirty="0">
+                <a:latin typeface="+mn-ea"/>
+                <a:ea typeface="+mn-ea"/>
+              </a:rPr>
+              <a:t>결과를 보니</a:t>
+            </a:r>
+            <a:r>
+              <a:rPr lang="en-US" altLang="ko-KR" sz="1500" spc="-150" dirty="0">
+                <a:latin typeface="+mn-ea"/>
+                <a:ea typeface="+mn-ea"/>
+              </a:rPr>
+              <a:t>,</a:t>
+            </a:r>
+            <a:r>
+              <a:rPr lang="ko-KR" altLang="en-US" sz="1500" spc="-150" dirty="0">
+                <a:latin typeface="+mn-ea"/>
+                <a:ea typeface="+mn-ea"/>
+              </a:rPr>
+              <a:t> 옷만 </a:t>
+            </a:r>
+            <a:r>
+              <a:rPr lang="en-US" altLang="ko-KR" sz="1500" spc="-150" dirty="0">
+                <a:latin typeface="+mn-ea"/>
+                <a:ea typeface="+mn-ea"/>
+              </a:rPr>
+              <a:t>Crop </a:t>
+            </a:r>
+            <a:r>
+              <a:rPr lang="ko-KR" altLang="en-US" sz="1500" spc="-150" dirty="0">
+                <a:latin typeface="+mn-ea"/>
+                <a:ea typeface="+mn-ea"/>
+              </a:rPr>
+              <a:t>된 것을 확인할 수 있습니다</a:t>
+            </a:r>
+            <a:r>
+              <a:rPr lang="en-US" altLang="ko-KR" sz="1500" spc="-150" dirty="0">
+                <a:latin typeface="+mn-ea"/>
+                <a:ea typeface="+mn-ea"/>
+              </a:rPr>
+              <a:t>.</a:t>
+            </a:r>
+          </a:p>
+          <a:p>
+            <a:pPr>
+              <a:lnSpc>
+                <a:spcPct val="120000"/>
+              </a:lnSpc>
+              <a:defRPr/>
+            </a:pPr>
+            <a:endParaRPr lang="en-US" altLang="ko-KR" sz="1500" spc="-150" dirty="0">
               <a:latin typeface="+mn-ea"/>
               <a:ea typeface="+mn-ea"/>
             </a:endParaRPr>
@@ -9241,121 +9373,16 @@
               <a:defRPr/>
             </a:pPr>
             <a:r>
-              <a:rPr lang="ko-KR" altLang="en-US" sz="1900" spc="-150" dirty="0">
-                <a:latin typeface="+mn-ea"/>
-                <a:ea typeface="+mn-ea"/>
-              </a:rPr>
-              <a:t>이 연산을 </a:t>
-            </a:r>
-            <a:r>
-              <a:rPr lang="ko-KR" altLang="en-US" sz="1900" spc="-150" dirty="0" err="1">
-                <a:latin typeface="+mn-ea"/>
-                <a:ea typeface="+mn-ea"/>
-              </a:rPr>
-              <a:t>그레디언트</a:t>
-            </a:r>
-            <a:r>
-              <a:rPr lang="ko-KR" altLang="en-US" sz="1900" spc="-150" dirty="0">
-                <a:latin typeface="+mn-ea"/>
-                <a:ea typeface="+mn-ea"/>
-              </a:rPr>
-              <a:t> 연산이라고 합니다</a:t>
-            </a:r>
-            <a:r>
-              <a:rPr lang="en-US" altLang="ko-KR" sz="1900" spc="-150" dirty="0">
-                <a:latin typeface="+mn-ea"/>
-                <a:ea typeface="+mn-ea"/>
-              </a:rPr>
-              <a:t>.</a:t>
-            </a:r>
-          </a:p>
-          <a:p>
-            <a:pPr>
-              <a:lnSpc>
-                <a:spcPct val="120000"/>
-              </a:lnSpc>
-              <a:defRPr/>
-            </a:pPr>
-            <a:endParaRPr lang="en-US" altLang="ko-KR" sz="1900" spc="-150" dirty="0">
+              <a:rPr lang="ko-KR" altLang="en-US" sz="1500" spc="-150" dirty="0">
+                <a:latin typeface="+mn-ea"/>
+                <a:ea typeface="+mn-ea"/>
+              </a:rPr>
+              <a:t> </a:t>
+            </a:r>
+            <a:endParaRPr lang="en-US" altLang="ko-KR" sz="1500" spc="-150" dirty="0">
               <a:latin typeface="+mn-ea"/>
               <a:ea typeface="+mn-ea"/>
             </a:endParaRPr>
-          </a:p>
-          <a:p>
-            <a:pPr>
-              <a:lnSpc>
-                <a:spcPct val="120000"/>
-              </a:lnSpc>
-              <a:defRPr/>
-            </a:pPr>
-            <a:r>
-              <a:rPr lang="ko-KR" altLang="en-US" sz="1900" spc="-150" dirty="0">
-                <a:latin typeface="+mn-ea"/>
-                <a:ea typeface="+mn-ea"/>
-              </a:rPr>
-              <a:t>저희는 닫힘 연산을 사용하여 </a:t>
-            </a:r>
-            <a:r>
-              <a:rPr lang="en-US" altLang="ko-KR" sz="1900" spc="-150" dirty="0">
-                <a:latin typeface="+mn-ea"/>
-                <a:ea typeface="+mn-ea"/>
-              </a:rPr>
-              <a:t>1</a:t>
-            </a:r>
-            <a:r>
-              <a:rPr lang="ko-KR" altLang="en-US" sz="1900" spc="-150" dirty="0">
-                <a:latin typeface="+mn-ea"/>
-                <a:ea typeface="+mn-ea"/>
-              </a:rPr>
-              <a:t>차적으로 노이즈를 없애고</a:t>
-            </a:r>
-            <a:endParaRPr lang="en-US" altLang="ko-KR" sz="1900" spc="-150" dirty="0">
-              <a:latin typeface="+mn-ea"/>
-              <a:ea typeface="+mn-ea"/>
-            </a:endParaRPr>
-          </a:p>
-          <a:p>
-            <a:pPr>
-              <a:lnSpc>
-                <a:spcPct val="120000"/>
-              </a:lnSpc>
-              <a:defRPr/>
-            </a:pPr>
-            <a:r>
-              <a:rPr lang="ko-KR" altLang="en-US" sz="1900" spc="-150" dirty="0" err="1">
-                <a:latin typeface="+mn-ea"/>
-                <a:ea typeface="+mn-ea"/>
-              </a:rPr>
-              <a:t>그레디언트</a:t>
-            </a:r>
-            <a:r>
-              <a:rPr lang="ko-KR" altLang="en-US" sz="1900" spc="-150" dirty="0">
-                <a:latin typeface="+mn-ea"/>
-                <a:ea typeface="+mn-ea"/>
-              </a:rPr>
-              <a:t> 연산을 사용하여 </a:t>
-            </a:r>
-            <a:r>
-              <a:rPr lang="en-US" altLang="ko-KR" sz="1900" spc="-150" dirty="0">
-                <a:latin typeface="+mn-ea"/>
-                <a:ea typeface="+mn-ea"/>
-              </a:rPr>
-              <a:t>2</a:t>
-            </a:r>
-            <a:r>
-              <a:rPr lang="ko-KR" altLang="en-US" sz="1900" spc="-150" dirty="0">
-                <a:latin typeface="+mn-ea"/>
-                <a:ea typeface="+mn-ea"/>
-              </a:rPr>
-              <a:t>차적으로 노이즈를 없애며 옷의 경계를 뚜렷하게 했습니다</a:t>
-            </a:r>
-            <a:r>
-              <a:rPr lang="en-US" altLang="ko-KR" sz="1900" spc="-150" dirty="0">
-                <a:latin typeface="+mn-ea"/>
-                <a:ea typeface="+mn-ea"/>
-              </a:rPr>
-              <a:t>.</a:t>
-            </a:r>
           </a:p>
         </p:txBody>
       </p:sp>
@@ -9443,7 +9470,7 @@
         </p:blipFill>
         <p:spPr>
           <a:xfrm>
-            <a:off x="9672548" y="3429000"/>
+            <a:off x="750951" y="3739797"/>
             <a:ext cx="2093165" cy="1918282"/>
           </a:xfrm>
           <a:prstGeom prst="rect">
@@ -9451,10 +9478,221 @@
           </a:prstGeom>
         </p:spPr>
       </p:pic>
+      <p:sp>
+        <p:nvSpPr>
+          <p:cNvPr id="2" name="TextBox 1">
+            <a:extLst>
+              <a:ext uri="{FF2B5EF4-FFF2-40B4-BE49-F238E27FC236}">
+                <a16:creationId xmlns:a16="http://schemas.microsoft.com/office/drawing/2014/main" id="{7E186F57-6B03-B468-D1EE-C9F5C778B93A}"/>
+              </a:ext>
+            </a:extLst>
+          </p:cNvPr>
+          <p:cNvSpPr txBox="1"/>
+          <p:nvPr/>
+        </p:nvSpPr>
+        <p:spPr>
+          <a:xfrm>
+            <a:off x="1092425" y="5765081"/>
+            <a:ext cx="1410215" cy="323165"/>
+          </a:xfrm>
+          <a:prstGeom prst="rect">
+            <a:avLst/>
+          </a:prstGeom>
+          <a:noFill/>
+        </p:spPr>
+        <p:txBody>
+          <a:bodyPr wrap="square" rtlCol="0">
+            <a:spAutoFit/>
+          </a:bodyPr>
+          <a:lstStyle/>
+          <a:p>
+            <a:pPr algn="ctr"/>
+            <a:r>
+              <a:rPr kumimoji="1" lang="ko-Kore-KR" altLang="en-US" sz="1500" dirty="0">
+                <a:latin typeface="+mn-ea"/>
+              </a:rPr>
+              <a:t>블러</a:t>
+            </a:r>
+            <a:r>
+              <a:rPr kumimoji="1" lang="ko-KR" altLang="en-US" sz="1500" dirty="0">
+                <a:latin typeface="+mn-ea"/>
+              </a:rPr>
+              <a:t> 처리 전</a:t>
+            </a:r>
+            <a:endParaRPr kumimoji="1" lang="ko-Kore-KR" altLang="en-US" sz="1500" dirty="0">
+              <a:latin typeface="+mn-ea"/>
+            </a:endParaRPr>
+          </a:p>
+        </p:txBody>
+      </p:sp>
+      <p:pic>
+        <p:nvPicPr>
+          <p:cNvPr id="8" name="그림 7" descr="텍스트이(가) 표시된 사진&#10;&#10;자동 생성된 설명">
+            <a:extLst>
+              <a:ext uri="{FF2B5EF4-FFF2-40B4-BE49-F238E27FC236}">
+                <a16:creationId xmlns:a16="http://schemas.microsoft.com/office/drawing/2014/main" id="{BCF0E9DD-A7C0-44FA-357C-7DC8CE9E64DA}"/>
+              </a:ext>
+            </a:extLst>
+          </p:cNvPr>
+          <p:cNvPicPr>
+            <a:picLocks noChangeAspect="1"/>
+          </p:cNvPicPr>
+          <p:nvPr/>
+        </p:nvPicPr>
+        <p:blipFill rotWithShape="1">
+          <a:blip r:embed="rId4">
+            <a:extLst>
+              <a:ext uri="{28A0092B-C50C-407E-A947-70E740481C1C}">
+                <a14:useLocalDpi xmlns:a14="http://schemas.microsoft.com/office/drawing/2010/main" val="0"/>
+              </a:ext>
+            </a:extLst>
+          </a:blip>
+          <a:srcRect t="76692" r="62783" b="321"/>
+          <a:stretch/>
+        </p:blipFill>
+        <p:spPr>
+          <a:xfrm>
+            <a:off x="3551951" y="3739798"/>
+            <a:ext cx="2034159" cy="1918282"/>
+          </a:xfrm>
+          <a:prstGeom prst="rect">
+            <a:avLst/>
+          </a:prstGeom>
+        </p:spPr>
+      </p:pic>
+      <p:sp>
+        <p:nvSpPr>
+          <p:cNvPr id="10" name="TextBox 9">
+            <a:extLst>
+              <a:ext uri="{FF2B5EF4-FFF2-40B4-BE49-F238E27FC236}">
+                <a16:creationId xmlns:a16="http://schemas.microsoft.com/office/drawing/2014/main" id="{5C0B1878-20E2-1B89-E580-5D832AC7117D}"/>
+              </a:ext>
+            </a:extLst>
+          </p:cNvPr>
+          <p:cNvSpPr txBox="1"/>
+          <p:nvPr/>
+        </p:nvSpPr>
+        <p:spPr>
+          <a:xfrm>
+            <a:off x="3856891" y="5765081"/>
+            <a:ext cx="1410215" cy="323165"/>
+          </a:xfrm>
+          <a:prstGeom prst="rect">
+            <a:avLst/>
+          </a:prstGeom>
+          <a:noFill/>
+        </p:spPr>
+        <p:txBody>
+          <a:bodyPr wrap="square" rtlCol="0">
+            <a:spAutoFit/>
+          </a:bodyPr>
+          <a:lstStyle/>
+          <a:p>
+            <a:pPr algn="ctr"/>
+            <a:r>
+              <a:rPr kumimoji="1" lang="ko-Kore-KR" altLang="en-US" sz="1500" dirty="0">
+                <a:latin typeface="+mn-ea"/>
+              </a:rPr>
+              <a:t>블러</a:t>
+            </a:r>
+            <a:r>
+              <a:rPr kumimoji="1" lang="ko-KR" altLang="en-US" sz="1500" dirty="0">
+                <a:latin typeface="+mn-ea"/>
+              </a:rPr>
+              <a:t> 처리 후</a:t>
+            </a:r>
+            <a:endParaRPr kumimoji="1" lang="ko-Kore-KR" altLang="en-US" sz="1500" dirty="0">
+              <a:latin typeface="+mn-ea"/>
+            </a:endParaRPr>
+          </a:p>
+        </p:txBody>
+      </p:sp>
+      <p:pic>
+        <p:nvPicPr>
+          <p:cNvPr id="12" name="그림 11">
+            <a:extLst>
+              <a:ext uri="{FF2B5EF4-FFF2-40B4-BE49-F238E27FC236}">
+                <a16:creationId xmlns:a16="http://schemas.microsoft.com/office/drawing/2014/main" id="{B1FADF85-8027-E373-D6BD-BDF32BD03BC0}"/>
+              </a:ext>
+            </a:extLst>
+          </p:cNvPr>
+          <p:cNvPicPr>
+            <a:picLocks noChangeAspect="1"/>
+          </p:cNvPicPr>
+          <p:nvPr/>
+        </p:nvPicPr>
+        <p:blipFill>
+          <a:blip r:embed="rId5">
+            <a:extLst>
+              <a:ext uri="{28A0092B-C50C-407E-A947-70E740481C1C}">
+                <a14:useLocalDpi xmlns:a14="http://schemas.microsoft.com/office/drawing/2010/main" val="0"/>
+              </a:ext>
+            </a:extLst>
+          </a:blip>
+          <a:stretch>
+            <a:fillRect/>
+          </a:stretch>
+        </p:blipFill>
+        <p:spPr>
+          <a:xfrm>
+            <a:off x="9044399" y="1611524"/>
+            <a:ext cx="2364027" cy="4202716"/>
+          </a:xfrm>
+          <a:prstGeom prst="rect">
+            <a:avLst/>
+          </a:prstGeom>
+          <a:ln w="19050">
+            <a:solidFill>
+              <a:schemeClr val="tx1"/>
+            </a:solidFill>
+          </a:ln>
+        </p:spPr>
+      </p:pic>
+      <p:sp>
+        <p:nvSpPr>
+          <p:cNvPr id="13" name="TextBox 12">
+            <a:extLst>
+              <a:ext uri="{FF2B5EF4-FFF2-40B4-BE49-F238E27FC236}">
+                <a16:creationId xmlns:a16="http://schemas.microsoft.com/office/drawing/2014/main" id="{7FB0B9D1-B55B-C930-1D32-2DE39CF2940A}"/>
+              </a:ext>
+            </a:extLst>
+          </p:cNvPr>
+          <p:cNvSpPr txBox="1"/>
+          <p:nvPr/>
+        </p:nvSpPr>
+        <p:spPr>
+          <a:xfrm>
+            <a:off x="9521304" y="5830108"/>
+            <a:ext cx="1410215" cy="323165"/>
+          </a:xfrm>
+          <a:prstGeom prst="rect">
+            <a:avLst/>
+          </a:prstGeom>
+          <a:noFill/>
+        </p:spPr>
+        <p:txBody>
+          <a:bodyPr wrap="square" rtlCol="0">
+            <a:spAutoFit/>
+          </a:bodyPr>
+          <a:lstStyle/>
+          <a:p>
+            <a:pPr algn="ctr"/>
+            <a:r>
+              <a:rPr kumimoji="1" lang="ko-KR" altLang="en-US" sz="1500" dirty="0">
+                <a:latin typeface="+mn-ea"/>
+              </a:rPr>
+              <a:t>원본 이미지</a:t>
+            </a:r>
+            <a:endParaRPr kumimoji="1" lang="ko-Kore-KR" altLang="en-US" sz="1500" dirty="0">
+              <a:latin typeface="+mn-ea"/>
+            </a:endParaRPr>
+          </a:p>
+        </p:txBody>
+      </p:sp>
     </p:spTree>
     <p:extLst>
       <p:ext uri="{BB962C8B-B14F-4D97-AF65-F5344CB8AC3E}">
-        <p14:creationId xmlns:p14="http://schemas.microsoft.com/office/powerpoint/2010/main" val="3301146092"/>
+        <p14:creationId xmlns:p14="http://schemas.microsoft.com/office/powerpoint/2010/main" val="2356805581"/>
       </p:ext>
     </p:extLst>
   </p:cSld>
@@ -9483,13 +9721,7 @@
       </p:grpSpPr>
       <p:pic>
         <p:nvPicPr>
-          <p:cNvPr id="4" name="그림 3">
-            <a:extLst>
-              <a:ext uri="{FF2B5EF4-FFF2-40B4-BE49-F238E27FC236}">
-                <a16:creationId xmlns:a16="http://schemas.microsoft.com/office/drawing/2014/main" id="{963A1BA7-4CC2-ACEF-0293-24C5AE9B9175}"/>
-              </a:ext>
-            </a:extLst>
-          </p:cNvPr>
+          <p:cNvPr id="2" name="그림 1"/>
           <p:cNvPicPr>
             <a:picLocks noChangeAspect="1"/>
           </p:cNvPicPr>
@@ -9519,13 +9751,7 @@
       </p:pic>
       <p:sp>
         <p:nvSpPr>
-          <p:cNvPr id="5" name="제목 38">
-            <a:extLst>
-              <a:ext uri="{FF2B5EF4-FFF2-40B4-BE49-F238E27FC236}">
-                <a16:creationId xmlns:a16="http://schemas.microsoft.com/office/drawing/2014/main" id="{D53157FE-2798-08EE-C8C3-6F7CF14ECA7D}"/>
-              </a:ext>
-            </a:extLst>
-          </p:cNvPr>
+          <p:cNvPr id="48" name="제목 38"/>
           <p:cNvSpPr>
             <a:spLocks noGrp="1"/>
           </p:cNvSpPr>
@@ -9549,29 +9775,20 @@
               <a:defRPr/>
             </a:pPr>
             <a:r>
-              <a:rPr lang="ko-KR" altLang="en-US" sz="4000" spc="-185" dirty="0" err="1">
+              <a:rPr lang="en-US" altLang="ko-KR" sz="4000" spc="-185" dirty="0">
                 <a:latin typeface="+mj-ea"/>
               </a:rPr>
-              <a:t>전처리</a:t>
-            </a:r>
-            <a:r>
-              <a:rPr lang="ko-KR" altLang="en-US" sz="4000" spc="-185" dirty="0">
-                <a:latin typeface="+mj-ea"/>
-              </a:rPr>
-              <a:t> 과정</a:t>
-            </a:r>
-          </a:p>
-        </p:txBody>
-      </p:sp>
-      <p:sp>
-        <p:nvSpPr>
-          <p:cNvPr id="6" name="제목 38">
-            <a:extLst>
-              <a:ext uri="{FF2B5EF4-FFF2-40B4-BE49-F238E27FC236}">
-                <a16:creationId xmlns:a16="http://schemas.microsoft.com/office/drawing/2014/main" id="{EB94A68A-D51D-255E-A650-BDDB84AC8884}"/>
-              </a:ext>
-            </a:extLst>
-          </p:cNvPr>
+              <a:t>Mission 2</a:t>
+            </a:r>
+            <a:endParaRPr lang="ko-KR" altLang="en-US" sz="4000" spc="-185" dirty="0">
+              <a:latin typeface="+mj-ea"/>
+            </a:endParaRPr>
+          </a:p>
+        </p:txBody>
+      </p:sp>
+      <p:sp>
+        <p:nvSpPr>
+          <p:cNvPr id="13" name="제목 38"/>
           <p:cNvSpPr txBox="1">
             <a:spLocks/>
           </p:cNvSpPr>
@@ -9579,8 +9796,8 @@
         </p:nvSpPr>
         <p:spPr>
           <a:xfrm>
-            <a:off x="356461" y="1611524"/>
-            <a:ext cx="11393019" cy="2003551"/>
+            <a:off x="363552" y="1547727"/>
+            <a:ext cx="11393019" cy="445258"/>
           </a:xfrm>
           <a:prstGeom prst="rect">
             <a:avLst/>
@@ -9611,203 +9828,51 @@
           </a:lstStyle>
           <a:p>
             <a:pPr>
-              <a:lnSpc>
-                <a:spcPct val="120000"/>
-              </a:lnSpc>
-              <a:defRPr/>
-            </a:pPr>
-            <a:r>
-              <a:rPr lang="ko-KR" altLang="en-US" sz="1900" spc="-150" dirty="0">
-                <a:latin typeface="+mn-ea"/>
-                <a:ea typeface="+mn-ea"/>
-              </a:rPr>
-              <a:t>처음보단 많이 좋아졌지만 아직 여백이 있는 걸 확인할 수 있습니다</a:t>
-            </a:r>
-            <a:r>
-              <a:rPr lang="en-US" altLang="ko-KR" sz="1900" spc="-150" dirty="0">
+              <a:defRPr/>
+            </a:pPr>
+            <a:r>
+              <a:rPr lang="en-US" altLang="ko-KR" sz="2100" spc="-185" dirty="0">
+                <a:latin typeface="+mn-ea"/>
+                <a:ea typeface="+mn-ea"/>
+              </a:rPr>
+              <a:t>2-1. </a:t>
+            </a:r>
+            <a:r>
+              <a:rPr lang="ko-KR" altLang="en-US" sz="2100" spc="-185" dirty="0">
+                <a:latin typeface="+mn-ea"/>
+                <a:ea typeface="+mn-ea"/>
+              </a:rPr>
+              <a:t>이미지 크기를 적절히 조절하거나</a:t>
+            </a:r>
+            <a:r>
+              <a:rPr lang="en-US" altLang="ko-KR" sz="2100" spc="-185" dirty="0">
+                <a:latin typeface="+mn-ea"/>
+                <a:ea typeface="+mn-ea"/>
+              </a:rPr>
+              <a:t>, </a:t>
+            </a:r>
+            <a:r>
+              <a:rPr lang="ko-KR" altLang="en-US" sz="2100" spc="-185" dirty="0">
+                <a:latin typeface="+mn-ea"/>
+                <a:ea typeface="+mn-ea"/>
+              </a:rPr>
+              <a:t>해상도를 조절하여 학습 데이터 셋을 </a:t>
+            </a:r>
+            <a:r>
+              <a:rPr lang="ko-KR" altLang="en-US" sz="2100" spc="-185" dirty="0" err="1">
+                <a:latin typeface="+mn-ea"/>
+                <a:ea typeface="+mn-ea"/>
+              </a:rPr>
+              <a:t>구축하시오</a:t>
+            </a:r>
+            <a:r>
+              <a:rPr lang="en-US" altLang="ko-KR" sz="2100" spc="-185" dirty="0">
                 <a:latin typeface="+mn-ea"/>
                 <a:ea typeface="+mn-ea"/>
               </a:rPr>
               <a:t>.</a:t>
             </a:r>
           </a:p>
-          <a:p>
-            <a:pPr>
-              <a:lnSpc>
-                <a:spcPct val="120000"/>
-              </a:lnSpc>
-              <a:defRPr/>
-            </a:pPr>
-            <a:endParaRPr lang="en-US" altLang="ko-KR" sz="1900" spc="-150" dirty="0">
-              <a:latin typeface="+mn-ea"/>
-              <a:ea typeface="+mn-ea"/>
-            </a:endParaRPr>
-          </a:p>
-          <a:p>
-            <a:pPr>
-              <a:lnSpc>
-                <a:spcPct val="120000"/>
-              </a:lnSpc>
-              <a:defRPr/>
-            </a:pPr>
-            <a:r>
-              <a:rPr lang="ko-KR" altLang="en-US" sz="1900" spc="-150" dirty="0">
-                <a:latin typeface="+mn-ea"/>
-                <a:ea typeface="+mn-ea"/>
-              </a:rPr>
-              <a:t>그래서 저희는 이미지에 </a:t>
-            </a:r>
-            <a:r>
-              <a:rPr lang="ko-KR" altLang="en-US" sz="1900" spc="-150" dirty="0" err="1">
-                <a:latin typeface="+mn-ea"/>
-                <a:ea typeface="+mn-ea"/>
-              </a:rPr>
-              <a:t>블러</a:t>
-            </a:r>
-            <a:r>
-              <a:rPr lang="ko-KR" altLang="en-US" sz="1900" spc="-150" dirty="0">
-                <a:latin typeface="+mn-ea"/>
-                <a:ea typeface="+mn-ea"/>
-              </a:rPr>
-              <a:t> 처리를 하게 되었습니다</a:t>
-            </a:r>
-            <a:r>
-              <a:rPr lang="en-US" altLang="ko-KR" sz="1900" spc="-150" dirty="0">
-                <a:latin typeface="+mn-ea"/>
-                <a:ea typeface="+mn-ea"/>
-              </a:rPr>
-              <a:t>.</a:t>
-            </a:r>
-          </a:p>
-          <a:p>
-            <a:pPr>
-              <a:lnSpc>
-                <a:spcPct val="120000"/>
-              </a:lnSpc>
-              <a:defRPr/>
-            </a:pPr>
-            <a:r>
-              <a:rPr lang="ko-KR" altLang="en-US" sz="1900" spc="-150" dirty="0">
-                <a:latin typeface="+mn-ea"/>
-                <a:ea typeface="+mn-ea"/>
-              </a:rPr>
-              <a:t>결과를 보니</a:t>
-            </a:r>
-            <a:r>
-              <a:rPr lang="en-US" altLang="ko-KR" sz="1900" spc="-150" dirty="0">
-                <a:latin typeface="+mn-ea"/>
-                <a:ea typeface="+mn-ea"/>
-              </a:rPr>
-              <a:t>,</a:t>
-            </a:r>
-            <a:r>
-              <a:rPr lang="ko-KR" altLang="en-US" sz="1900" spc="-150" dirty="0">
-                <a:latin typeface="+mn-ea"/>
-                <a:ea typeface="+mn-ea"/>
-              </a:rPr>
-              <a:t> 딱 옷만 </a:t>
-            </a:r>
-            <a:r>
-              <a:rPr lang="ko-KR" altLang="en-US" sz="1900" spc="-150" dirty="0" err="1">
-                <a:latin typeface="+mn-ea"/>
-                <a:ea typeface="+mn-ea"/>
-              </a:rPr>
-              <a:t>크롭된</a:t>
-            </a:r>
-            <a:r>
-              <a:rPr lang="ko-KR" altLang="en-US" sz="1900" spc="-150" dirty="0">
-                <a:latin typeface="+mn-ea"/>
-                <a:ea typeface="+mn-ea"/>
-              </a:rPr>
-              <a:t> 것을 확인할 수 있습니다</a:t>
-            </a:r>
-            <a:r>
-              <a:rPr lang="en-US" altLang="ko-KR" sz="1900" spc="-150" dirty="0">
-                <a:latin typeface="+mn-ea"/>
-                <a:ea typeface="+mn-ea"/>
-              </a:rPr>
-              <a:t>.</a:t>
-            </a:r>
-          </a:p>
-          <a:p>
-            <a:pPr>
-              <a:lnSpc>
-                <a:spcPct val="120000"/>
-              </a:lnSpc>
-              <a:defRPr/>
-            </a:pPr>
-            <a:endParaRPr lang="en-US" altLang="ko-KR" sz="1900" spc="-150" dirty="0">
-              <a:latin typeface="+mn-ea"/>
-              <a:ea typeface="+mn-ea"/>
-            </a:endParaRPr>
-          </a:p>
-          <a:p>
-            <a:pPr>
-              <a:lnSpc>
-                <a:spcPct val="120000"/>
-              </a:lnSpc>
-              <a:defRPr/>
-            </a:pPr>
-            <a:r>
-              <a:rPr lang="ko-KR" altLang="en-US" sz="1900" spc="-150" dirty="0">
-                <a:latin typeface="+mn-ea"/>
-                <a:ea typeface="+mn-ea"/>
-              </a:rPr>
-              <a:t> </a:t>
-            </a:r>
-            <a:endParaRPr lang="en-US" altLang="ko-KR" sz="1900" spc="-150" dirty="0">
-              <a:latin typeface="+mn-ea"/>
-              <a:ea typeface="+mn-ea"/>
-            </a:endParaRPr>
-          </a:p>
-        </p:txBody>
-      </p:sp>
-      <p:sp>
-        <p:nvSpPr>
-          <p:cNvPr id="9" name="제목 38">
-            <a:extLst>
-              <a:ext uri="{FF2B5EF4-FFF2-40B4-BE49-F238E27FC236}">
-                <a16:creationId xmlns:a16="http://schemas.microsoft.com/office/drawing/2014/main" id="{17C34476-D9F6-9005-524F-E315A8266863}"/>
-              </a:ext>
-            </a:extLst>
-          </p:cNvPr>
-          <p:cNvSpPr txBox="1">
-            <a:spLocks/>
-          </p:cNvSpPr>
-          <p:nvPr/>
-        </p:nvSpPr>
-        <p:spPr>
-          <a:xfrm>
-            <a:off x="560352" y="4351178"/>
-            <a:ext cx="1410215" cy="445258"/>
-          </a:xfrm>
-          <a:prstGeom prst="rect">
-            <a:avLst/>
-          </a:prstGeom>
-        </p:spPr>
-        <p:txBody>
-          <a:bodyPr vert="horz" lIns="112542" tIns="56271" rIns="112542" bIns="56271" rtlCol="0" anchor="t">
-            <a:noAutofit/>
-          </a:bodyPr>
-          <a:lstStyle>
-            <a:lvl1pPr algn="l" defTabSz="914400" rtl="0" eaLnBrk="1" latinLnBrk="1" hangingPunct="1">
-              <a:lnSpc>
-                <a:spcPct val="90000"/>
-              </a:lnSpc>
-              <a:spcBef>
-                <a:spcPct val="0"/>
-              </a:spcBef>
-              <a:buNone/>
-              <a:defRPr sz="4400" kern="1200">
-                <a:solidFill>
-                  <a:schemeClr val="tx1"/>
-                </a:solidFill>
-                <a:latin typeface="+mj-lt"/>
-                <a:ea typeface="+mj-ea"/>
-                <a:cs typeface="+mj-cs"/>
-              </a:defRPr>
-            </a:lvl1pPr>
-          </a:lstStyle>
           <a:p>
             <a:pPr>
               <a:defRPr/>
@@ -9819,47 +9884,12 @@
           </a:p>
         </p:txBody>
       </p:sp>
-      <p:pic>
-        <p:nvPicPr>
-          <p:cNvPr id="3" name="그림 2" descr="텍스트이(가) 표시된 사진&#10;&#10;자동 생성된 설명">
+      <p:sp>
+        <p:nvSpPr>
+          <p:cNvPr id="5" name="TextBox 4">
             <a:extLst>
               <a:ext uri="{FF2B5EF4-FFF2-40B4-BE49-F238E27FC236}">
-                <a16:creationId xmlns:a16="http://schemas.microsoft.com/office/drawing/2014/main" id="{7931AA1A-24A1-0E51-3D4F-55486F16BF04}"/>
-              </a:ext>
-            </a:extLst>
-          </p:cNvPr>
-          <p:cNvPicPr>
-            <a:picLocks noChangeAspect="1"/>
-          </p:cNvPicPr>
-          <p:nvPr/>
-        </p:nvPicPr>
-        <p:blipFill rotWithShape="1">
-          <a:blip r:embed="rId3">
-            <a:extLst>
-              <a:ext uri="{28A0092B-C50C-407E-A947-70E740481C1C}">
-                <a14:useLocalDpi xmlns:a14="http://schemas.microsoft.com/office/drawing/2010/main" val="0"/>
-              </a:ext>
-            </a:extLst>
-          </a:blip>
-          <a:srcRect t="75349" r="59869"/>
-          <a:stretch/>
-        </p:blipFill>
-        <p:spPr>
-          <a:xfrm>
-            <a:off x="750951" y="3739797"/>
-            <a:ext cx="2093165" cy="1918282"/>
-          </a:xfrm>
-          <a:prstGeom prst="rect">
-            <a:avLst/>
-          </a:prstGeom>
-        </p:spPr>
-      </p:pic>
-      <p:sp>
-        <p:nvSpPr>
-          <p:cNvPr id="2" name="TextBox 1">
-            <a:extLst>
-              <a:ext uri="{FF2B5EF4-FFF2-40B4-BE49-F238E27FC236}">
-                <a16:creationId xmlns:a16="http://schemas.microsoft.com/office/drawing/2014/main" id="{7E186F57-6B03-B468-D1EE-C9F5C778B93A}"/>
+                <a16:creationId xmlns:a16="http://schemas.microsoft.com/office/drawing/2014/main" id="{BE27B679-F534-AA60-6303-182A391D5CE6}"/>
               </a:ext>
             </a:extLst>
           </p:cNvPr>
@@ -9868,8 +9898,8 @@
         </p:nvSpPr>
         <p:spPr>
           <a:xfrm>
-            <a:off x="1092425" y="5765081"/>
-            <a:ext cx="1410215" cy="323165"/>
+            <a:off x="4308494" y="2031349"/>
+            <a:ext cx="7448077" cy="4193777"/>
           </a:xfrm>
           <a:prstGeom prst="rect">
             <a:avLst/>
@@ -9882,113 +9912,483 @@
           </a:bodyPr>
           <a:lstStyle/>
           <a:p>
-            <a:pPr algn="ctr"/>
-            <a:r>
-              <a:rPr kumimoji="1" lang="ko-Kore-KR" altLang="en-US" sz="1500" dirty="0">
-                <a:latin typeface="+mn-ea"/>
-              </a:rPr>
-              <a:t>블러</a:t>
-            </a:r>
-            <a:r>
-              <a:rPr kumimoji="1" lang="ko-KR" altLang="en-US" sz="1500" dirty="0">
-                <a:latin typeface="+mn-ea"/>
-              </a:rPr>
-              <a:t> 처리 전</a:t>
-            </a:r>
-            <a:endParaRPr kumimoji="1" lang="ko-Kore-KR" altLang="en-US" sz="1500" dirty="0">
+            <a:pPr>
+              <a:lnSpc>
+                <a:spcPct val="150000"/>
+              </a:lnSpc>
+              <a:defRPr/>
+            </a:pPr>
+            <a:r>
+              <a:rPr lang="en-US" altLang="ko-KR" sz="1800" spc="-150" dirty="0">
+                <a:latin typeface="+mn-ea"/>
+              </a:rPr>
+              <a:t>1.</a:t>
+            </a:r>
+            <a:r>
+              <a:rPr lang="ko-KR" altLang="en-US" sz="1800" spc="-150" dirty="0">
+                <a:latin typeface="+mn-ea"/>
+              </a:rPr>
+              <a:t> 이미지의 위</a:t>
+            </a:r>
+            <a:r>
+              <a:rPr lang="en-US" altLang="ko-KR" sz="1800" spc="-150" dirty="0">
+                <a:latin typeface="+mn-ea"/>
+              </a:rPr>
+              <a:t>,</a:t>
+            </a:r>
+            <a:r>
+              <a:rPr lang="ko-KR" altLang="en-US" sz="1800" spc="-150" dirty="0">
+                <a:latin typeface="+mn-ea"/>
+              </a:rPr>
+              <a:t> 아래</a:t>
+            </a:r>
+            <a:r>
+              <a:rPr lang="en-US" altLang="ko-KR" sz="1800" spc="-150" dirty="0">
+                <a:latin typeface="+mn-ea"/>
+              </a:rPr>
+              <a:t>,</a:t>
+            </a:r>
+            <a:r>
+              <a:rPr lang="ko-KR" altLang="en-US" sz="1800" spc="-150" dirty="0">
+                <a:latin typeface="+mn-ea"/>
+              </a:rPr>
+              <a:t> 양 옆을 강제로 제거한다</a:t>
+            </a:r>
+            <a:r>
+              <a:rPr lang="en-US" altLang="ko-KR" sz="1800" spc="-150" dirty="0">
+                <a:latin typeface="+mn-ea"/>
+              </a:rPr>
+              <a:t>.</a:t>
+            </a:r>
+          </a:p>
+          <a:p>
+            <a:pPr>
+              <a:lnSpc>
+                <a:spcPct val="150000"/>
+              </a:lnSpc>
+              <a:defRPr/>
+            </a:pPr>
+            <a:r>
+              <a:rPr lang="en-US" altLang="ko-KR" sz="1800" spc="-150" dirty="0">
+                <a:latin typeface="+mn-ea"/>
+              </a:rPr>
+              <a:t>2.</a:t>
+            </a:r>
+            <a:r>
+              <a:rPr lang="ko-KR" altLang="en-US" sz="1800" spc="-150" dirty="0">
+                <a:latin typeface="+mn-ea"/>
+              </a:rPr>
+              <a:t> 이미지의 해상도를 낮추고</a:t>
+            </a:r>
+            <a:r>
+              <a:rPr lang="en-US" altLang="ko-KR" sz="1800" spc="-150" dirty="0">
+                <a:latin typeface="+mn-ea"/>
+              </a:rPr>
+              <a:t>,</a:t>
+            </a:r>
+            <a:r>
+              <a:rPr lang="ko-KR" altLang="en-US" sz="1800" spc="-150" dirty="0">
+                <a:latin typeface="+mn-ea"/>
+              </a:rPr>
+              <a:t> </a:t>
+            </a:r>
+            <a:r>
+              <a:rPr lang="en-US" altLang="ko-KR" sz="1800" spc="-150" dirty="0">
+                <a:latin typeface="+mn-ea"/>
+              </a:rPr>
+              <a:t>Gray Scale</a:t>
+            </a:r>
+            <a:r>
+              <a:rPr lang="ko-KR" altLang="en-US" sz="1800" spc="-150" dirty="0">
+                <a:latin typeface="+mn-ea"/>
+              </a:rPr>
+              <a:t>로 전환한다</a:t>
+            </a:r>
+            <a:r>
+              <a:rPr lang="en-US" altLang="ko-KR" sz="1800" spc="-150" dirty="0">
+                <a:latin typeface="+mn-ea"/>
+              </a:rPr>
+              <a:t>.</a:t>
+            </a:r>
+            <a:r>
+              <a:rPr lang="ko-KR" altLang="en-US" sz="1800" spc="-150" dirty="0">
+                <a:latin typeface="+mn-ea"/>
+              </a:rPr>
+              <a:t> </a:t>
+            </a:r>
+            <a:endParaRPr lang="en-US" altLang="ko-KR" sz="1800" spc="-150" dirty="0">
               <a:latin typeface="+mn-ea"/>
             </a:endParaRPr>
           </a:p>
+          <a:p>
+            <a:pPr>
+              <a:lnSpc>
+                <a:spcPct val="150000"/>
+              </a:lnSpc>
+              <a:defRPr/>
+            </a:pPr>
+            <a:r>
+              <a:rPr lang="en-US" altLang="ko-KR" sz="1800" spc="-150" dirty="0">
+                <a:latin typeface="+mn-ea"/>
+              </a:rPr>
+              <a:t>3.</a:t>
+            </a:r>
+            <a:r>
+              <a:rPr lang="ko-KR" altLang="en-US" sz="1800" spc="-150" dirty="0">
+                <a:latin typeface="+mn-ea"/>
+              </a:rPr>
+              <a:t> </a:t>
+            </a:r>
+            <a:r>
+              <a:rPr lang="en-US" altLang="ko-KR" sz="1800" spc="-150" dirty="0">
+                <a:latin typeface="+mn-ea"/>
+              </a:rPr>
+              <a:t>OpenCV</a:t>
+            </a:r>
+            <a:r>
+              <a:rPr lang="ko-KR" altLang="en-US" sz="1800" spc="-150" dirty="0">
+                <a:latin typeface="+mn-ea"/>
+              </a:rPr>
+              <a:t>의</a:t>
+            </a:r>
+            <a:r>
+              <a:rPr lang="en-US" altLang="ko-KR" sz="1800" spc="-150" dirty="0">
+                <a:latin typeface="+mn-ea"/>
+              </a:rPr>
+              <a:t> Adaptive</a:t>
+            </a:r>
+            <a:r>
+              <a:rPr lang="ko-KR" altLang="en-US" sz="1800" spc="-150" dirty="0">
+                <a:latin typeface="+mn-ea"/>
+              </a:rPr>
+              <a:t> </a:t>
+            </a:r>
+            <a:r>
+              <a:rPr lang="en-US" altLang="ko-KR" sz="1800" spc="-150" dirty="0">
+                <a:latin typeface="+mn-ea"/>
+              </a:rPr>
+              <a:t>Threshold</a:t>
+            </a:r>
+            <a:r>
+              <a:rPr lang="ko-KR" altLang="en-US" sz="1800" spc="-150" dirty="0">
+                <a:latin typeface="+mn-ea"/>
+              </a:rPr>
+              <a:t> 함수를 이용해 이미지 이진화를 한다</a:t>
+            </a:r>
+            <a:r>
+              <a:rPr lang="en-US" altLang="ko-KR" sz="1800" spc="-150" dirty="0">
+                <a:latin typeface="+mn-ea"/>
+              </a:rPr>
+              <a:t>.</a:t>
+            </a:r>
+          </a:p>
+          <a:p>
+            <a:pPr>
+              <a:lnSpc>
+                <a:spcPct val="150000"/>
+              </a:lnSpc>
+              <a:defRPr/>
+            </a:pPr>
+            <a:r>
+              <a:rPr lang="en-US" altLang="ko-KR" sz="1800" spc="-150" dirty="0">
+                <a:latin typeface="+mn-ea"/>
+              </a:rPr>
+              <a:t>4.</a:t>
+            </a:r>
+            <a:r>
+              <a:rPr lang="ko-KR" altLang="en-US" sz="1800" spc="-150" dirty="0">
+                <a:latin typeface="+mn-ea"/>
+              </a:rPr>
+              <a:t> 노이즈를 낮추기 위해 </a:t>
+            </a:r>
+            <a:r>
+              <a:rPr lang="en-US" altLang="ko-KR" sz="1800" spc="-150" dirty="0">
+                <a:latin typeface="+mn-ea"/>
+              </a:rPr>
+              <a:t>1</a:t>
+            </a:r>
+            <a:r>
+              <a:rPr lang="ko-KR" altLang="en-US" sz="1800" spc="-150" dirty="0">
+                <a:latin typeface="+mn-ea"/>
+              </a:rPr>
+              <a:t>차적으로 </a:t>
+            </a:r>
+            <a:r>
+              <a:rPr lang="en-US" altLang="ko-KR" sz="1800" spc="-150" dirty="0">
+                <a:latin typeface="+mn-ea"/>
+              </a:rPr>
+              <a:t>Blur</a:t>
+            </a:r>
+            <a:r>
+              <a:rPr lang="ko-KR" altLang="en-US" sz="1800" spc="-150" dirty="0">
+                <a:latin typeface="+mn-ea"/>
+              </a:rPr>
+              <a:t> 처리를 한다</a:t>
+            </a:r>
+            <a:r>
+              <a:rPr lang="en-US" altLang="ko-KR" sz="1800" spc="-150" dirty="0">
+                <a:latin typeface="+mn-ea"/>
+              </a:rPr>
+              <a:t>.</a:t>
+            </a:r>
+          </a:p>
+          <a:p>
+            <a:pPr>
+              <a:lnSpc>
+                <a:spcPct val="150000"/>
+              </a:lnSpc>
+              <a:defRPr/>
+            </a:pPr>
+            <a:r>
+              <a:rPr lang="en-US" altLang="ko-KR" sz="1800" spc="-150" dirty="0">
+                <a:latin typeface="+mn-ea"/>
+              </a:rPr>
+              <a:t>5.</a:t>
+            </a:r>
+            <a:r>
+              <a:rPr lang="ko-KR" altLang="en-US" sz="1800" spc="-150" dirty="0">
+                <a:latin typeface="+mn-ea"/>
+              </a:rPr>
+              <a:t> </a:t>
+            </a:r>
+            <a:r>
+              <a:rPr lang="en-US" altLang="ko-KR" sz="1800" spc="-150" dirty="0">
+                <a:latin typeface="+mn-ea"/>
+              </a:rPr>
+              <a:t>2</a:t>
+            </a:r>
+            <a:r>
+              <a:rPr lang="ko-KR" altLang="en-US" sz="1800" spc="-150" dirty="0">
+                <a:latin typeface="+mn-ea"/>
+              </a:rPr>
+              <a:t>차적으로 커널을 생성하여 </a:t>
+            </a:r>
+            <a:r>
+              <a:rPr lang="en-US" altLang="ko-KR" sz="1800" spc="-150" dirty="0">
+                <a:latin typeface="+mn-ea"/>
+              </a:rPr>
+              <a:t>Morphology </a:t>
+            </a:r>
+            <a:r>
+              <a:rPr lang="ko-KR" altLang="en-US" sz="1800" spc="-150" dirty="0">
+                <a:latin typeface="+mn-ea"/>
+              </a:rPr>
+              <a:t>연산 중 </a:t>
+            </a:r>
+            <a:endParaRPr lang="en-US" altLang="ko-KR" sz="1800" spc="-150" dirty="0">
+              <a:latin typeface="+mn-ea"/>
+            </a:endParaRPr>
+          </a:p>
+          <a:p>
+            <a:pPr>
+              <a:lnSpc>
+                <a:spcPct val="150000"/>
+              </a:lnSpc>
+              <a:defRPr/>
+            </a:pPr>
+            <a:r>
+              <a:rPr lang="en-US" altLang="ko-KR" sz="1800" spc="-150" dirty="0">
+                <a:latin typeface="+mn-ea"/>
+              </a:rPr>
+              <a:t>closing </a:t>
+            </a:r>
+            <a:r>
+              <a:rPr lang="ko-KR" altLang="en-US" sz="1800" spc="-150" dirty="0">
+                <a:latin typeface="+mn-ea"/>
+              </a:rPr>
+              <a:t>연산과 </a:t>
+            </a:r>
+            <a:r>
+              <a:rPr lang="en-US" altLang="ko-KR" sz="1800" spc="-150" dirty="0">
+                <a:latin typeface="+mn-ea"/>
+              </a:rPr>
+              <a:t>gradient </a:t>
+            </a:r>
+            <a:r>
+              <a:rPr lang="ko-KR" altLang="en-US" sz="1800" spc="-150" dirty="0">
+                <a:latin typeface="+mn-ea"/>
+              </a:rPr>
+              <a:t>연산을 거친다</a:t>
+            </a:r>
+            <a:r>
+              <a:rPr lang="en-US" altLang="ko-KR" sz="1800" spc="-150" dirty="0">
+                <a:latin typeface="+mn-ea"/>
+              </a:rPr>
+              <a:t>.</a:t>
+            </a:r>
+          </a:p>
+          <a:p>
+            <a:pPr>
+              <a:lnSpc>
+                <a:spcPct val="150000"/>
+              </a:lnSpc>
+              <a:defRPr/>
+            </a:pPr>
+            <a:r>
+              <a:rPr lang="en-US" altLang="ko-KR" sz="1800" spc="-150" dirty="0">
+                <a:latin typeface="+mn-ea"/>
+              </a:rPr>
+              <a:t>6.</a:t>
+            </a:r>
+            <a:r>
+              <a:rPr lang="ko-KR" altLang="en-US" sz="1800" spc="-150" dirty="0">
+                <a:latin typeface="+mn-ea"/>
+              </a:rPr>
+              <a:t> </a:t>
+            </a:r>
+            <a:r>
+              <a:rPr lang="en-US" altLang="ko-KR" sz="1800" spc="-150" dirty="0">
+                <a:latin typeface="+mn-ea"/>
+              </a:rPr>
+              <a:t>Find</a:t>
+            </a:r>
+            <a:r>
+              <a:rPr lang="ko-KR" altLang="en-US" sz="1800" spc="-150" dirty="0">
+                <a:latin typeface="+mn-ea"/>
+              </a:rPr>
+              <a:t> </a:t>
+            </a:r>
+            <a:r>
+              <a:rPr lang="en-US" altLang="ko-KR" sz="1800" spc="-150" dirty="0">
+                <a:latin typeface="+mn-ea"/>
+              </a:rPr>
+              <a:t>Contours</a:t>
+            </a:r>
+            <a:r>
+              <a:rPr lang="ko-KR" altLang="en-US" sz="1800" spc="-150" dirty="0">
+                <a:latin typeface="+mn-ea"/>
+              </a:rPr>
+              <a:t> 함수를 이용해 경계 값을 도출한 후 </a:t>
+            </a:r>
+            <a:endParaRPr lang="en-US" altLang="ko-KR" sz="1800" spc="-150" dirty="0">
+              <a:latin typeface="+mn-ea"/>
+            </a:endParaRPr>
+          </a:p>
+          <a:p>
+            <a:pPr>
+              <a:lnSpc>
+                <a:spcPct val="150000"/>
+              </a:lnSpc>
+              <a:defRPr/>
+            </a:pPr>
+            <a:r>
+              <a:rPr lang="ko-KR" altLang="en-US" sz="1800" spc="-150" dirty="0">
+                <a:latin typeface="+mn-ea"/>
+              </a:rPr>
+              <a:t>그 경계 값으로 사각형을 생성해 이미지 </a:t>
+            </a:r>
+            <a:r>
+              <a:rPr lang="en-US" altLang="ko-KR" sz="1800" spc="-150" dirty="0">
+                <a:latin typeface="+mn-ea"/>
+              </a:rPr>
+              <a:t>trimming </a:t>
+            </a:r>
+            <a:r>
+              <a:rPr lang="ko-KR" altLang="en-US" sz="1800" spc="-150" dirty="0">
+                <a:latin typeface="+mn-ea"/>
+              </a:rPr>
+              <a:t>좌표를 생성한다</a:t>
+            </a:r>
+            <a:r>
+              <a:rPr lang="en-US" altLang="ko-KR" sz="1800" spc="-150" dirty="0">
+                <a:latin typeface="+mn-ea"/>
+              </a:rPr>
+              <a:t>.</a:t>
+            </a:r>
+          </a:p>
+          <a:p>
+            <a:pPr>
+              <a:lnSpc>
+                <a:spcPct val="150000"/>
+              </a:lnSpc>
+              <a:defRPr/>
+            </a:pPr>
+            <a:r>
+              <a:rPr lang="en-US" altLang="ko-KR" sz="1800" spc="-150" dirty="0">
+                <a:latin typeface="+mn-ea"/>
+              </a:rPr>
+              <a:t>7.</a:t>
+            </a:r>
+            <a:r>
+              <a:rPr lang="ko-KR" altLang="en-US" sz="1800" spc="-150" dirty="0">
+                <a:latin typeface="+mn-ea"/>
+              </a:rPr>
+              <a:t> 적응형 이진화 된 이미지를 </a:t>
+            </a:r>
+            <a:r>
+              <a:rPr lang="en-US" altLang="ko-KR" sz="1800" spc="-150" dirty="0">
+                <a:latin typeface="+mn-ea"/>
+              </a:rPr>
+              <a:t>6</a:t>
+            </a:r>
+            <a:r>
+              <a:rPr lang="ko-KR" altLang="en-US" sz="1800" spc="-150" dirty="0">
+                <a:latin typeface="+mn-ea"/>
+              </a:rPr>
+              <a:t>번에서 구한 좌표로 자르고</a:t>
+            </a:r>
+            <a:endParaRPr lang="en-US" altLang="ko-KR" sz="1800" spc="-150" dirty="0">
+              <a:latin typeface="+mn-ea"/>
+            </a:endParaRPr>
+          </a:p>
+          <a:p>
+            <a:pPr>
+              <a:lnSpc>
+                <a:spcPct val="150000"/>
+              </a:lnSpc>
+              <a:defRPr/>
+            </a:pPr>
+            <a:r>
+              <a:rPr lang="en-US" altLang="ko-KR" sz="1800" spc="-150" dirty="0">
+                <a:latin typeface="+mn-ea"/>
+              </a:rPr>
+              <a:t>32 x 32 </a:t>
+            </a:r>
+            <a:r>
+              <a:rPr lang="ko-KR" altLang="en-US" sz="1800" spc="-150" dirty="0">
+                <a:latin typeface="+mn-ea"/>
+              </a:rPr>
+              <a:t>사이즈로 </a:t>
+            </a:r>
+            <a:r>
+              <a:rPr lang="en-US" altLang="ko-KR" sz="1800" spc="-150" dirty="0">
+                <a:latin typeface="+mn-ea"/>
+              </a:rPr>
+              <a:t>Resize</a:t>
+            </a:r>
+            <a:r>
+              <a:rPr lang="ko-KR" altLang="en-US" sz="1800" spc="-150" dirty="0">
+                <a:latin typeface="+mn-ea"/>
+              </a:rPr>
+              <a:t> 후 </a:t>
+            </a:r>
+            <a:r>
+              <a:rPr lang="en-US" altLang="ko-KR" sz="1800" spc="-150" dirty="0">
+                <a:latin typeface="+mn-ea"/>
+              </a:rPr>
+              <a:t>Return </a:t>
+            </a:r>
+            <a:r>
+              <a:rPr lang="ko-KR" altLang="en-US" sz="1800" spc="-150" dirty="0">
+                <a:latin typeface="+mn-ea"/>
+              </a:rPr>
+              <a:t>한다</a:t>
+            </a:r>
+            <a:r>
+              <a:rPr lang="en-US" altLang="ko-KR" sz="1800" spc="-150" dirty="0">
+                <a:latin typeface="+mn-ea"/>
+              </a:rPr>
+              <a:t>.</a:t>
+            </a:r>
+          </a:p>
         </p:txBody>
       </p:sp>
       <p:pic>
         <p:nvPicPr>
-          <p:cNvPr id="8" name="그림 7" descr="텍스트이(가) 표시된 사진&#10;&#10;자동 생성된 설명">
+          <p:cNvPr id="6" name="그림 5">
             <a:extLst>
               <a:ext uri="{FF2B5EF4-FFF2-40B4-BE49-F238E27FC236}">
-                <a16:creationId xmlns:a16="http://schemas.microsoft.com/office/drawing/2014/main" id="{BCF0E9DD-A7C0-44FA-357C-7DC8CE9E64DA}"/>
-              </a:ext>
-            </a:extLst>
-          </p:cNvPr>
-          <p:cNvPicPr>
-            <a:picLocks noChangeAspect="1"/>
-          </p:cNvPicPr>
-          <p:nvPr/>
-        </p:nvPicPr>
-        <p:blipFill rotWithShape="1">
-          <a:blip r:embed="rId4">
-            <a:extLst>
-              <a:ext uri="{28A0092B-C50C-407E-A947-70E740481C1C}">
-                <a14:useLocalDpi xmlns:a14="http://schemas.microsoft.com/office/drawing/2010/main" val="0"/>
-              </a:ext>
-            </a:extLst>
-          </a:blip>
-          <a:srcRect t="76692" r="62783" b="321"/>
-          <a:stretch/>
-        </p:blipFill>
-        <p:spPr>
-          <a:xfrm>
-            <a:off x="3551951" y="3739798"/>
-            <a:ext cx="2034159" cy="1918282"/>
-          </a:xfrm>
-          <a:prstGeom prst="rect">
-            <a:avLst/>
-          </a:prstGeom>
-        </p:spPr>
-      </p:pic>
-      <p:sp>
-        <p:nvSpPr>
-          <p:cNvPr id="10" name="TextBox 9">
-            <a:extLst>
-              <a:ext uri="{FF2B5EF4-FFF2-40B4-BE49-F238E27FC236}">
-                <a16:creationId xmlns:a16="http://schemas.microsoft.com/office/drawing/2014/main" id="{5C0B1878-20E2-1B89-E580-5D832AC7117D}"/>
-              </a:ext>
-            </a:extLst>
-          </p:cNvPr>
-          <p:cNvSpPr txBox="1"/>
-          <p:nvPr/>
-        </p:nvSpPr>
-        <p:spPr>
-          <a:xfrm>
-            <a:off x="3856891" y="5765081"/>
-            <a:ext cx="1410215" cy="323165"/>
-          </a:xfrm>
-          <a:prstGeom prst="rect">
-            <a:avLst/>
-          </a:prstGeom>
-          <a:noFill/>
-        </p:spPr>
-        <p:txBody>
-          <a:bodyPr wrap="square" rtlCol="0">
-            <a:spAutoFit/>
-          </a:bodyPr>
-          <a:lstStyle/>
-          <a:p>
-            <a:pPr algn="ctr"/>
-            <a:r>
-              <a:rPr kumimoji="1" lang="ko-Kore-KR" altLang="en-US" sz="1500" dirty="0">
-                <a:latin typeface="+mn-ea"/>
-              </a:rPr>
-              <a:t>블러</a:t>
-            </a:r>
-            <a:r>
-              <a:rPr kumimoji="1" lang="ko-KR" altLang="en-US" sz="1500" dirty="0">
-                <a:latin typeface="+mn-ea"/>
-              </a:rPr>
-              <a:t> 처리 후</a:t>
-            </a:r>
-            <a:endParaRPr kumimoji="1" lang="ko-Kore-KR" altLang="en-US" sz="1500" dirty="0">
-              <a:latin typeface="+mn-ea"/>
-            </a:endParaRPr>
-          </a:p>
-        </p:txBody>
-      </p:sp>
-      <p:pic>
-        <p:nvPicPr>
-          <p:cNvPr id="12" name="그림 11">
-            <a:extLst>
-              <a:ext uri="{FF2B5EF4-FFF2-40B4-BE49-F238E27FC236}">
-                <a16:creationId xmlns:a16="http://schemas.microsoft.com/office/drawing/2014/main" id="{B1FADF85-8027-E373-D6BD-BDF32BD03BC0}"/>
+                <a16:creationId xmlns:a16="http://schemas.microsoft.com/office/drawing/2014/main" id="{EE882DA8-81DF-FCCE-25FC-03A2CCC2406C}"/>
               </a:ext>
             </a:extLst>
           </p:cNvPr>
@@ -9998,77 +10398,25 @@
           <p:nvPr/>
         </p:nvPicPr>
         <p:blipFill>
-          <a:blip r:embed="rId5">
-            <a:extLst>
-              <a:ext uri="{28A0092B-C50C-407E-A947-70E740481C1C}">
-                <a14:useLocalDpi xmlns:a14="http://schemas.microsoft.com/office/drawing/2010/main" val="0"/>
-              </a:ext>
-            </a:extLst>
-          </a:blip>
+          <a:blip r:embed="rId3"/>
           <a:stretch>
             <a:fillRect/>
           </a:stretch>
         </p:blipFill>
         <p:spPr>
           <a:xfrm>
-            <a:off x="9044399" y="1611524"/>
-            <a:ext cx="2364027" cy="4202716"/>
+            <a:off x="460549" y="1991157"/>
+            <a:ext cx="3282518" cy="4772643"/>
           </a:xfrm>
           <a:prstGeom prst="rect">
             <a:avLst/>
           </a:prstGeom>
-          <a:ln w="19050">
-            <a:solidFill>
-              <a:schemeClr val="tx1"/>
-            </a:solidFill>
-          </a:ln>
         </p:spPr>
       </p:pic>
-      <p:sp>
-        <p:nvSpPr>
-          <p:cNvPr id="13" name="TextBox 12">
-            <a:extLst>
-              <a:ext uri="{FF2B5EF4-FFF2-40B4-BE49-F238E27FC236}">
-                <a16:creationId xmlns:a16="http://schemas.microsoft.com/office/drawing/2014/main" id="{7FB0B9D1-B55B-C930-1D32-2DE39CF2940A}"/>
-              </a:ext>
-            </a:extLst>
-          </p:cNvPr>
-          <p:cNvSpPr txBox="1"/>
-          <p:nvPr/>
-        </p:nvSpPr>
-        <p:spPr>
-          <a:xfrm>
-            <a:off x="9521304" y="5830108"/>
-            <a:ext cx="1410215" cy="323165"/>
-          </a:xfrm>
-          <a:prstGeom prst="rect">
-            <a:avLst/>
-          </a:prstGeom>
-          <a:noFill/>
-        </p:spPr>
-        <p:txBody>
-          <a:bodyPr wrap="square" rtlCol="0">
-            <a:spAutoFit/>
-          </a:bodyPr>
-          <a:lstStyle/>
-          <a:p>
-            <a:pPr algn="ctr"/>
-            <a:r>
-              <a:rPr kumimoji="1" lang="ko-KR" altLang="en-US" sz="1500" dirty="0">
-                <a:latin typeface="+mn-ea"/>
-              </a:rPr>
-              <a:t>원본 이미지</a:t>
-            </a:r>
-            <a:endParaRPr kumimoji="1" lang="ko-Kore-KR" altLang="en-US" sz="1500" dirty="0">
-              <a:latin typeface="+mn-ea"/>
-            </a:endParaRPr>
-          </a:p>
-        </p:txBody>
-      </p:sp>
     </p:spTree>
     <p:extLst>
       <p:ext uri="{BB962C8B-B14F-4D97-AF65-F5344CB8AC3E}">
-        <p14:creationId xmlns:p14="http://schemas.microsoft.com/office/powerpoint/2010/main" val="2356805581"/>
+        <p14:creationId xmlns:p14="http://schemas.microsoft.com/office/powerpoint/2010/main" val="3434640500"/>
       </p:ext>
     </p:extLst>
   </p:cSld>

--- a/춘식이 발표자료.pptx
+++ b/춘식이 발표자료.pptx
@@ -3977,14 +3977,7 @@
                 <a:latin typeface="+mn-ea"/>
                 <a:ea typeface="+mn-ea"/>
               </a:rPr>
-              <a:t> 데이터 </a:t>
-            </a:r>
-            <a:r>
-              <a:rPr lang="ko-KR" altLang="en-US" sz="2100" spc="-150" dirty="0" err="1">
-                <a:latin typeface="+mn-ea"/>
-                <a:ea typeface="+mn-ea"/>
-              </a:rPr>
-              <a:t>전처리</a:t>
+              <a:t> 데이터 전처리</a:t>
             </a:r>
             <a:r>
               <a:rPr lang="en-US" altLang="ko-KR" sz="2100" spc="-150" dirty="0">
@@ -4024,18 +4017,11 @@
               <a:defRPr/>
             </a:pPr>
             <a:r>
-              <a:rPr lang="ko-KR" altLang="en-US" sz="2100" spc="-150" dirty="0" err="1">
-                <a:latin typeface="+mn-ea"/>
-                <a:ea typeface="+mn-ea"/>
-              </a:rPr>
-              <a:t>전처리</a:t>
-            </a:r>
-            <a:r>
               <a:rPr lang="ko-KR" altLang="en-US" sz="2100" spc="-150" dirty="0">
                 <a:latin typeface="+mn-ea"/>
                 <a:ea typeface="+mn-ea"/>
               </a:rPr>
-              <a:t> 과정은 위에서 설명했으니 생략하겠습니다</a:t>
+              <a:t>전처리 과정은 위에서 설명했으니 생략하겠습니다</a:t>
             </a:r>
             <a:r>
               <a:rPr lang="en-US" altLang="ko-KR" sz="2100" spc="-150" dirty="0">
@@ -4710,7 +4696,7 @@
         </p:nvSpPr>
         <p:spPr>
           <a:xfrm>
-            <a:off x="363552" y="1506623"/>
+            <a:off x="363552" y="1593704"/>
             <a:ext cx="12192000" cy="1392508"/>
           </a:xfrm>
           <a:prstGeom prst="rect">
@@ -4748,14 +4734,14 @@
               <a:defRPr/>
             </a:pPr>
             <a:r>
-              <a:rPr lang="ko-KR" altLang="en-US" sz="2100" spc="-150" dirty="0">
+              <a:rPr lang="ko-KR" altLang="en-US" sz="1900" spc="-150" dirty="0">
                 <a:latin typeface="+mn-ea"/>
                 <a:ea typeface="+mn-ea"/>
               </a:rPr>
               <a:t>라벨이 잘못 설정되어 있는 이슈가 있었습니다</a:t>
             </a:r>
             <a:r>
-              <a:rPr lang="en-US" altLang="ko-KR" sz="2100" spc="-150" dirty="0">
+              <a:rPr lang="en-US" altLang="ko-KR" sz="1900" spc="-150" dirty="0">
                 <a:latin typeface="+mn-ea"/>
                 <a:ea typeface="+mn-ea"/>
               </a:rPr>
@@ -4769,7 +4755,7 @@
               </a:lnSpc>
               <a:defRPr/>
             </a:pPr>
-            <a:endParaRPr lang="en-US" altLang="ko-KR" sz="2100" spc="-150" dirty="0">
+            <a:endParaRPr lang="en-US" altLang="ko-KR" sz="1900" spc="-150" dirty="0">
               <a:latin typeface="+mn-ea"/>
               <a:ea typeface="+mn-ea"/>
             </a:endParaRPr>
@@ -4782,14 +4768,14 @@
               <a:defRPr/>
             </a:pPr>
             <a:r>
-              <a:rPr lang="ko-KR" altLang="en-US" sz="2100" spc="-150" dirty="0">
+              <a:rPr lang="ko-KR" altLang="en-US" sz="1900" spc="-150" dirty="0">
                 <a:latin typeface="+mn-ea"/>
                 <a:ea typeface="+mn-ea"/>
               </a:rPr>
               <a:t>이상치 제거 알고리즘을 만들 수도 있었지만</a:t>
             </a:r>
             <a:r>
-              <a:rPr lang="en-US" altLang="ko-KR" sz="2100" spc="-150" dirty="0">
+              <a:rPr lang="en-US" altLang="ko-KR" sz="1900" spc="-150" dirty="0">
                 <a:latin typeface="+mn-ea"/>
                 <a:ea typeface="+mn-ea"/>
               </a:rPr>
@@ -4804,20 +4790,20 @@
               <a:defRPr/>
             </a:pPr>
             <a:r>
-              <a:rPr lang="ko-KR" altLang="en-US" sz="2100" spc="-150" dirty="0">
+              <a:rPr lang="ko-KR" altLang="en-US" sz="1900" spc="-150" dirty="0">
                 <a:latin typeface="+mn-ea"/>
                 <a:ea typeface="+mn-ea"/>
               </a:rPr>
               <a:t>시간도 촉박하고 라벨링이 잘못된 데이터가 많지 않아서 직접 제외 작업을 진행했습니다</a:t>
             </a:r>
             <a:r>
-              <a:rPr lang="en-US" altLang="ko-KR" sz="2100" spc="-150" dirty="0">
+              <a:rPr lang="en-US" altLang="ko-KR" sz="1900" spc="-150" dirty="0">
                 <a:latin typeface="+mn-ea"/>
                 <a:ea typeface="+mn-ea"/>
               </a:rPr>
               <a:t>.</a:t>
             </a:r>
-            <a:endParaRPr lang="ko-KR" altLang="en-US" sz="2100" spc="-150" dirty="0">
+            <a:endParaRPr lang="ko-KR" altLang="en-US" sz="1900" spc="-150" dirty="0">
               <a:latin typeface="+mn-ea"/>
               <a:ea typeface="+mn-ea"/>
             </a:endParaRPr>
@@ -5557,7 +5543,7 @@
         </p:blipFill>
         <p:spPr>
           <a:xfrm>
-            <a:off x="707036" y="1752392"/>
+            <a:off x="2575208" y="1911416"/>
             <a:ext cx="1778000" cy="1778000"/>
           </a:xfrm>
           <a:prstGeom prst="rect">
@@ -5593,7 +5579,7 @@
         </p:blipFill>
         <p:spPr>
           <a:xfrm>
-            <a:off x="7872764" y="1752392"/>
+            <a:off x="579691" y="3968450"/>
             <a:ext cx="1778000" cy="1778000"/>
           </a:xfrm>
           <a:prstGeom prst="rect">
@@ -5629,7 +5615,7 @@
         </p:blipFill>
         <p:spPr>
           <a:xfrm>
-            <a:off x="4404009" y="1752392"/>
+            <a:off x="6272181" y="1911416"/>
             <a:ext cx="1778000" cy="1778000"/>
           </a:xfrm>
           <a:prstGeom prst="rect">
@@ -5651,7 +5637,7 @@
         </p:nvSpPr>
         <p:spPr>
           <a:xfrm>
-            <a:off x="2485035" y="2839758"/>
+            <a:off x="4353207" y="2998782"/>
             <a:ext cx="1650655" cy="692497"/>
           </a:xfrm>
           <a:prstGeom prst="rect">
@@ -5675,13 +5661,7 @@
               <a:rPr kumimoji="1" lang="ko-KR" altLang="en-US" sz="1300" dirty="0">
                 <a:latin typeface="+mn-ea"/>
               </a:rPr>
-              <a:t>학년 </a:t>
-            </a:r>
-            <a:r>
-              <a:rPr kumimoji="1" lang="ko-KR" altLang="en-US" sz="1300" dirty="0" err="1">
-                <a:latin typeface="+mn-ea"/>
-              </a:rPr>
-              <a:t>남우석</a:t>
+              <a:t>학년 남우석</a:t>
             </a:r>
             <a:endParaRPr kumimoji="1" lang="en-US" altLang="ko-KR" sz="1300" dirty="0">
               <a:latin typeface="+mn-ea"/>
@@ -5697,13 +5677,7 @@
               <a:rPr kumimoji="1" lang="ko-KR" altLang="en-US" sz="1300" dirty="0">
                 <a:latin typeface="+mn-ea"/>
               </a:rPr>
-              <a:t>데이터 </a:t>
-            </a:r>
-            <a:r>
-              <a:rPr kumimoji="1" lang="ko-KR" altLang="en-US" sz="1300" dirty="0" err="1">
-                <a:latin typeface="+mn-ea"/>
-              </a:rPr>
-              <a:t>전처리</a:t>
+              <a:t>데이터 전처리</a:t>
             </a:r>
             <a:endParaRPr kumimoji="1" lang="ko-Kore-KR" altLang="en-US" sz="1300" dirty="0">
               <a:latin typeface="+mn-ea"/>
@@ -5725,7 +5699,7 @@
         </p:nvSpPr>
         <p:spPr>
           <a:xfrm>
-            <a:off x="6182009" y="2837895"/>
+            <a:off x="8050181" y="2996919"/>
             <a:ext cx="1393544" cy="692497"/>
           </a:xfrm>
           <a:prstGeom prst="rect">
@@ -5787,7 +5761,7 @@
         </p:nvSpPr>
         <p:spPr>
           <a:xfrm>
-            <a:off x="9650764" y="2837895"/>
+            <a:off x="2357691" y="5053953"/>
             <a:ext cx="1827976" cy="692497"/>
           </a:xfrm>
           <a:prstGeom prst="rect">
@@ -5847,12 +5821,74 @@
           </a:p>
         </p:txBody>
       </p:sp>
+      <p:sp>
+        <p:nvSpPr>
+          <p:cNvPr id="5" name="TextBox 4">
+            <a:extLst>
+              <a:ext uri="{FF2B5EF4-FFF2-40B4-BE49-F238E27FC236}">
+                <a16:creationId xmlns:a16="http://schemas.microsoft.com/office/drawing/2014/main" id="{DC0B21C6-E930-70DC-E5CE-676D4639CD6F}"/>
+              </a:ext>
+            </a:extLst>
+          </p:cNvPr>
+          <p:cNvSpPr txBox="1"/>
+          <p:nvPr/>
+        </p:nvSpPr>
+        <p:spPr>
+          <a:xfrm>
+            <a:off x="6182008" y="5057679"/>
+            <a:ext cx="1650655" cy="692497"/>
+          </a:xfrm>
+          <a:prstGeom prst="rect">
+            <a:avLst/>
+          </a:prstGeom>
+          <a:noFill/>
+        </p:spPr>
+        <p:txBody>
+          <a:bodyPr wrap="square" rtlCol="0">
+            <a:spAutoFit/>
+          </a:bodyPr>
+          <a:lstStyle/>
+          <a:p>
+            <a:r>
+              <a:rPr kumimoji="1" lang="en-US" altLang="ko-KR" sz="1300" dirty="0">
+                <a:latin typeface="+mn-ea"/>
+              </a:rPr>
+              <a:t>1</a:t>
+            </a:r>
+            <a:r>
+              <a:rPr kumimoji="1" lang="ko-KR" altLang="en-US" sz="1300" dirty="0">
+                <a:latin typeface="+mn-ea"/>
+              </a:rPr>
+              <a:t>학년 이채은</a:t>
+            </a:r>
+            <a:endParaRPr kumimoji="1" lang="en-US" altLang="ko-KR" sz="1300" dirty="0">
+              <a:latin typeface="+mn-ea"/>
+            </a:endParaRPr>
+          </a:p>
+          <a:p>
+            <a:endParaRPr kumimoji="1" lang="en-US" altLang="ko-Kore-KR" sz="1300" dirty="0">
+              <a:latin typeface="+mn-ea"/>
+            </a:endParaRPr>
+          </a:p>
+          <a:p>
+            <a:r>
+              <a:rPr kumimoji="1" lang="ko-KR" altLang="en-US" sz="1300" dirty="0">
+                <a:latin typeface="+mn-ea"/>
+              </a:rPr>
+              <a:t>이슈 해결</a:t>
+            </a:r>
+            <a:endParaRPr kumimoji="1" lang="ko-Kore-KR" altLang="en-US" sz="1300" dirty="0">
+              <a:latin typeface="+mn-ea"/>
+            </a:endParaRPr>
+          </a:p>
+        </p:txBody>
+      </p:sp>
       <p:pic>
         <p:nvPicPr>
-          <p:cNvPr id="3" name="그림 2">
+          <p:cNvPr id="14" name="그림 13" descr="인형, 장난감, 어두운, 여성이(가) 표시된 사진&#10;&#10;자동 생성된 설명">
             <a:extLst>
               <a:ext uri="{FF2B5EF4-FFF2-40B4-BE49-F238E27FC236}">
-                <a16:creationId xmlns:a16="http://schemas.microsoft.com/office/drawing/2014/main" id="{784C9F3C-76D8-D148-D661-AD2D08E1F695}"/>
+                <a16:creationId xmlns:a16="http://schemas.microsoft.com/office/drawing/2014/main" id="{232FD211-1300-BBB3-EF70-27ABF538EC18}"/>
               </a:ext>
             </a:extLst>
           </p:cNvPr>
@@ -5862,7 +5898,7 @@
           <p:nvPr/>
         </p:nvPicPr>
         <p:blipFill>
-          <a:blip r:embed="rId3">
+          <a:blip r:embed="rId6">
             <a:extLst>
               <a:ext uri="{28A0092B-C50C-407E-A947-70E740481C1C}">
                 <a14:useLocalDpi xmlns:a14="http://schemas.microsoft.com/office/drawing/2010/main" val="0"/>
@@ -5875,8 +5911,8 @@
         </p:blipFill>
         <p:spPr>
           <a:xfrm>
-            <a:off x="707036" y="3817915"/>
-            <a:ext cx="1778000" cy="1778000"/>
+            <a:off x="8050181" y="3970313"/>
+            <a:ext cx="1828800" cy="1778000"/>
           </a:xfrm>
           <a:prstGeom prst="rect">
             <a:avLst/>
@@ -5885,10 +5921,10 @@
       </p:pic>
       <p:sp>
         <p:nvSpPr>
-          <p:cNvPr id="5" name="TextBox 4">
+          <p:cNvPr id="12" name="TextBox 11">
             <a:extLst>
               <a:ext uri="{FF2B5EF4-FFF2-40B4-BE49-F238E27FC236}">
-                <a16:creationId xmlns:a16="http://schemas.microsoft.com/office/drawing/2014/main" id="{DC0B21C6-E930-70DC-E5CE-676D4639CD6F}"/>
+                <a16:creationId xmlns:a16="http://schemas.microsoft.com/office/drawing/2014/main" id="{7E91CBDF-C885-3B36-D8CA-D024D6A53182}"/>
               </a:ext>
             </a:extLst>
           </p:cNvPr>
@@ -5897,7 +5933,7 @@
         </p:nvSpPr>
         <p:spPr>
           <a:xfrm>
-            <a:off x="2485035" y="4905281"/>
+            <a:off x="9878981" y="5057679"/>
             <a:ext cx="1650655" cy="692497"/>
           </a:xfrm>
           <a:prstGeom prst="rect">
@@ -5921,13 +5957,7 @@
               <a:rPr kumimoji="1" lang="ko-KR" altLang="en-US" sz="1300" dirty="0">
                 <a:latin typeface="+mn-ea"/>
               </a:rPr>
-              <a:t>학년 </a:t>
-            </a:r>
-            <a:r>
-              <a:rPr kumimoji="1" lang="ko-KR" altLang="en-US" sz="1300" dirty="0" err="1">
-                <a:latin typeface="+mn-ea"/>
-              </a:rPr>
-              <a:t>이채은</a:t>
+              <a:t>학년 전우진</a:t>
             </a:r>
             <a:endParaRPr kumimoji="1" lang="en-US" altLang="ko-KR" sz="1300" dirty="0">
               <a:latin typeface="+mn-ea"/>
@@ -5943,13 +5973,7 @@
               <a:rPr kumimoji="1" lang="ko-KR" altLang="en-US" sz="1300" dirty="0">
                 <a:latin typeface="+mn-ea"/>
               </a:rPr>
-              <a:t>데이터 </a:t>
-            </a:r>
-            <a:r>
-              <a:rPr kumimoji="1" lang="ko-KR" altLang="en-US" sz="1300" dirty="0" err="1">
-                <a:latin typeface="+mn-ea"/>
-              </a:rPr>
-              <a:t>전처리</a:t>
+              <a:t>미션 해결</a:t>
             </a:r>
             <a:endParaRPr kumimoji="1" lang="ko-Kore-KR" altLang="en-US" sz="1300" dirty="0">
               <a:latin typeface="+mn-ea"/>
@@ -5959,10 +5983,10 @@
       </p:sp>
       <p:pic>
         <p:nvPicPr>
-          <p:cNvPr id="7" name="그림 6">
+          <p:cNvPr id="16" name="그림 15" descr="인형, 장난감이(가) 표시된 사진&#10;&#10;자동 생성된 설명">
             <a:extLst>
               <a:ext uri="{FF2B5EF4-FFF2-40B4-BE49-F238E27FC236}">
-                <a16:creationId xmlns:a16="http://schemas.microsoft.com/office/drawing/2014/main" id="{A6FB81A1-87F4-00A9-021D-BC04B8C4D71E}"/>
+                <a16:creationId xmlns:a16="http://schemas.microsoft.com/office/drawing/2014/main" id="{D3025B1D-163D-A5C3-790D-31AB560C96D7}"/>
               </a:ext>
             </a:extLst>
           </p:cNvPr>
@@ -5972,7 +5996,7 @@
           <p:nvPr/>
         </p:nvPicPr>
         <p:blipFill>
-          <a:blip r:embed="rId3">
+          <a:blip r:embed="rId7">
             <a:extLst>
               <a:ext uri="{28A0092B-C50C-407E-A947-70E740481C1C}">
                 <a14:useLocalDpi xmlns:a14="http://schemas.microsoft.com/office/drawing/2010/main" val="0"/>
@@ -5985,7 +6009,7 @@
         </p:blipFill>
         <p:spPr>
           <a:xfrm>
-            <a:off x="4404009" y="3817915"/>
+            <a:off x="4404009" y="3968450"/>
             <a:ext cx="1778000" cy="1778000"/>
           </a:xfrm>
           <a:prstGeom prst="rect">
@@ -5993,74 +6017,6 @@
           </a:prstGeom>
         </p:spPr>
       </p:pic>
-      <p:sp>
-        <p:nvSpPr>
-          <p:cNvPr id="12" name="TextBox 11">
-            <a:extLst>
-              <a:ext uri="{FF2B5EF4-FFF2-40B4-BE49-F238E27FC236}">
-                <a16:creationId xmlns:a16="http://schemas.microsoft.com/office/drawing/2014/main" id="{7E91CBDF-C885-3B36-D8CA-D024D6A53182}"/>
-              </a:ext>
-            </a:extLst>
-          </p:cNvPr>
-          <p:cNvSpPr txBox="1"/>
-          <p:nvPr/>
-        </p:nvSpPr>
-        <p:spPr>
-          <a:xfrm>
-            <a:off x="6182008" y="4905281"/>
-            <a:ext cx="1650655" cy="692497"/>
-          </a:xfrm>
-          <a:prstGeom prst="rect">
-            <a:avLst/>
-          </a:prstGeom>
-          <a:noFill/>
-        </p:spPr>
-        <p:txBody>
-          <a:bodyPr wrap="square" rtlCol="0">
-            <a:spAutoFit/>
-          </a:bodyPr>
-          <a:lstStyle/>
-          <a:p>
-            <a:r>
-              <a:rPr kumimoji="1" lang="en-US" altLang="ko-KR" sz="1300" dirty="0">
-                <a:latin typeface="+mn-ea"/>
-              </a:rPr>
-              <a:t>1</a:t>
-            </a:r>
-            <a:r>
-              <a:rPr kumimoji="1" lang="ko-KR" altLang="en-US" sz="1300" dirty="0">
-                <a:latin typeface="+mn-ea"/>
-              </a:rPr>
-              <a:t>학년 전우진</a:t>
-            </a:r>
-            <a:endParaRPr kumimoji="1" lang="en-US" altLang="ko-KR" sz="1300" dirty="0">
-              <a:latin typeface="+mn-ea"/>
-            </a:endParaRPr>
-          </a:p>
-          <a:p>
-            <a:endParaRPr kumimoji="1" lang="en-US" altLang="ko-Kore-KR" sz="1300" dirty="0">
-              <a:latin typeface="+mn-ea"/>
-            </a:endParaRPr>
-          </a:p>
-          <a:p>
-            <a:r>
-              <a:rPr kumimoji="1" lang="ko-KR" altLang="en-US" sz="1300" dirty="0">
-                <a:latin typeface="+mn-ea"/>
-              </a:rPr>
-              <a:t>데이터 </a:t>
-            </a:r>
-            <a:r>
-              <a:rPr kumimoji="1" lang="ko-KR" altLang="en-US" sz="1300" dirty="0" err="1">
-                <a:latin typeface="+mn-ea"/>
-              </a:rPr>
-              <a:t>전처리</a:t>
-            </a:r>
-            <a:endParaRPr kumimoji="1" lang="ko-Kore-KR" altLang="en-US" sz="1300" dirty="0">
-              <a:latin typeface="+mn-ea"/>
-            </a:endParaRPr>
-          </a:p>
-        </p:txBody>
-      </p:sp>
     </p:spTree>
     <p:extLst>
       <p:ext uri="{BB962C8B-B14F-4D97-AF65-F5344CB8AC3E}">
@@ -6621,19 +6577,7 @@
               <a:rPr lang="ko-KR" altLang="en-US" sz="4000" spc="-185" dirty="0">
                 <a:latin typeface="+mj-ea"/>
               </a:rPr>
-              <a:t>데이터 </a:t>
-            </a:r>
-            <a:r>
-              <a:rPr lang="ko-KR" altLang="en-US" sz="4000" spc="-185" dirty="0" err="1">
-                <a:latin typeface="+mj-ea"/>
-              </a:rPr>
-              <a:t>전처리</a:t>
-            </a:r>
-            <a:r>
-              <a:rPr lang="ko-KR" altLang="en-US" sz="4000" spc="-185" dirty="0">
-                <a:latin typeface="+mj-ea"/>
-              </a:rPr>
-              <a:t> 과정</a:t>
+              <a:t>데이터 전처리 과정</a:t>
             </a:r>
           </a:p>
         </p:txBody>
@@ -6692,18 +6636,11 @@
               <a:defRPr/>
             </a:pPr>
             <a:r>
-              <a:rPr lang="ko-KR" altLang="en-US" sz="1900" spc="-150" dirty="0" err="1">
-                <a:latin typeface="+mn-ea"/>
-                <a:ea typeface="+mn-ea"/>
-              </a:rPr>
-              <a:t>전처리</a:t>
-            </a:r>
-            <a:r>
               <a:rPr lang="ko-KR" altLang="en-US" sz="1900" spc="-150" dirty="0">
                 <a:latin typeface="+mn-ea"/>
                 <a:ea typeface="+mn-ea"/>
               </a:rPr>
-              <a:t> 코드를 완성하기 위해 많은 시행착오를 거쳤습니다</a:t>
+              <a:t>전처리 코드를 완성하기 위해 많은 시행착오를 거쳤습니다</a:t>
             </a:r>
             <a:r>
               <a:rPr lang="en-US" altLang="ko-KR" sz="1900" spc="-150" dirty="0">
@@ -7490,19 +7427,7 @@
               <a:rPr lang="ko-KR" altLang="en-US" sz="4000" spc="-185" dirty="0">
                 <a:latin typeface="+mj-ea"/>
               </a:rPr>
-              <a:t>데이터 </a:t>
-            </a:r>
-            <a:r>
-              <a:rPr lang="ko-KR" altLang="en-US" sz="4000" spc="-185" dirty="0" err="1">
-                <a:latin typeface="+mj-ea"/>
-              </a:rPr>
-              <a:t>전처리</a:t>
-            </a:r>
-            <a:r>
-              <a:rPr lang="ko-KR" altLang="en-US" sz="4000" spc="-185" dirty="0">
-                <a:latin typeface="+mj-ea"/>
-              </a:rPr>
-              <a:t> 과정</a:t>
+              <a:t>데이터 전처리 과정</a:t>
             </a:r>
           </a:p>
         </p:txBody>
@@ -7895,19 +7820,7 @@
               <a:rPr lang="ko-KR" altLang="en-US" sz="4000" spc="-185" dirty="0">
                 <a:latin typeface="+mj-ea"/>
               </a:rPr>
-              <a:t>데이터 </a:t>
-            </a:r>
-            <a:r>
-              <a:rPr lang="ko-KR" altLang="en-US" sz="4000" spc="-185" dirty="0" err="1">
-                <a:latin typeface="+mj-ea"/>
-              </a:rPr>
-              <a:t>전처리</a:t>
-            </a:r>
-            <a:r>
-              <a:rPr lang="ko-KR" altLang="en-US" sz="4000" spc="-185" dirty="0">
-                <a:latin typeface="+mj-ea"/>
-              </a:rPr>
-              <a:t> 과정</a:t>
+              <a:t>데이터 전처리 과정</a:t>
             </a:r>
           </a:p>
         </p:txBody>
@@ -8609,19 +8522,7 @@
               <a:rPr lang="ko-KR" altLang="en-US" sz="4000" spc="-185" dirty="0">
                 <a:latin typeface="+mj-ea"/>
               </a:rPr>
-              <a:t>데이터 </a:t>
-            </a:r>
-            <a:r>
-              <a:rPr lang="ko-KR" altLang="en-US" sz="4000" spc="-185" dirty="0" err="1">
-                <a:latin typeface="+mj-ea"/>
-              </a:rPr>
-              <a:t>전처리</a:t>
-            </a:r>
-            <a:r>
-              <a:rPr lang="ko-KR" altLang="en-US" sz="4000" spc="-185" dirty="0">
-                <a:latin typeface="+mj-ea"/>
-              </a:rPr>
-              <a:t> 과정</a:t>
+              <a:t>데이터 전처리 과정</a:t>
             </a:r>
           </a:p>
         </p:txBody>
@@ -9118,19 +9019,7 @@
               <a:rPr lang="ko-KR" altLang="en-US" sz="4000" spc="-185" dirty="0">
                 <a:latin typeface="+mj-ea"/>
               </a:rPr>
-              <a:t>데이터 </a:t>
-            </a:r>
-            <a:r>
-              <a:rPr lang="ko-KR" altLang="en-US" sz="4000" spc="-185" dirty="0" err="1">
-                <a:latin typeface="+mj-ea"/>
-              </a:rPr>
-              <a:t>전처리</a:t>
-            </a:r>
-            <a:r>
-              <a:rPr lang="ko-KR" altLang="en-US" sz="4000" spc="-185" dirty="0">
-                <a:latin typeface="+mj-ea"/>
-              </a:rPr>
-              <a:t> 과정</a:t>
+              <a:t>데이터 전처리 과정</a:t>
             </a:r>
           </a:p>
         </p:txBody>

--- a/춘식이 발표자료.pptx
+++ b/춘식이 발표자료.pptx
@@ -258,7 +258,7 @@
           <a:p>
             <a:fld id="{E3865E59-E335-4380-AB86-4C6C7EBFDC45}" type="datetimeFigureOut">
               <a:rPr lang="ko-KR" altLang="en-US" smtClean="0"/>
-              <a:t>2022. 11. 19.</a:t>
+              <a:t>2022. 11. 20.</a:t>
             </a:fld>
             <a:endParaRPr lang="ko-KR" altLang="en-US"/>
           </a:p>
@@ -428,7 +428,7 @@
           <a:p>
             <a:fld id="{E3865E59-E335-4380-AB86-4C6C7EBFDC45}" type="datetimeFigureOut">
               <a:rPr lang="ko-KR" altLang="en-US" smtClean="0"/>
-              <a:t>2022. 11. 19.</a:t>
+              <a:t>2022. 11. 20.</a:t>
             </a:fld>
             <a:endParaRPr lang="ko-KR" altLang="en-US"/>
           </a:p>
@@ -608,7 +608,7 @@
           <a:p>
             <a:fld id="{E3865E59-E335-4380-AB86-4C6C7EBFDC45}" type="datetimeFigureOut">
               <a:rPr lang="ko-KR" altLang="en-US" smtClean="0"/>
-              <a:t>2022. 11. 19.</a:t>
+              <a:t>2022. 11. 20.</a:t>
             </a:fld>
             <a:endParaRPr lang="ko-KR" altLang="en-US"/>
           </a:p>
@@ -778,7 +778,7 @@
           <a:p>
             <a:fld id="{E3865E59-E335-4380-AB86-4C6C7EBFDC45}" type="datetimeFigureOut">
               <a:rPr lang="ko-KR" altLang="en-US" smtClean="0"/>
-              <a:t>2022. 11. 19.</a:t>
+              <a:t>2022. 11. 20.</a:t>
             </a:fld>
             <a:endParaRPr lang="ko-KR" altLang="en-US"/>
           </a:p>
@@ -1024,7 +1024,7 @@
           <a:p>
             <a:fld id="{E3865E59-E335-4380-AB86-4C6C7EBFDC45}" type="datetimeFigureOut">
               <a:rPr lang="ko-KR" altLang="en-US" smtClean="0"/>
-              <a:t>2022. 11. 19.</a:t>
+              <a:t>2022. 11. 20.</a:t>
             </a:fld>
             <a:endParaRPr lang="ko-KR" altLang="en-US"/>
           </a:p>
@@ -1256,7 +1256,7 @@
           <a:p>
             <a:fld id="{E3865E59-E335-4380-AB86-4C6C7EBFDC45}" type="datetimeFigureOut">
               <a:rPr lang="ko-KR" altLang="en-US" smtClean="0"/>
-              <a:t>2022. 11. 19.</a:t>
+              <a:t>2022. 11. 20.</a:t>
             </a:fld>
             <a:endParaRPr lang="ko-KR" altLang="en-US"/>
           </a:p>
@@ -1623,7 +1623,7 @@
           <a:p>
             <a:fld id="{E3865E59-E335-4380-AB86-4C6C7EBFDC45}" type="datetimeFigureOut">
               <a:rPr lang="ko-KR" altLang="en-US" smtClean="0"/>
-              <a:t>2022. 11. 19.</a:t>
+              <a:t>2022. 11. 20.</a:t>
             </a:fld>
             <a:endParaRPr lang="ko-KR" altLang="en-US"/>
           </a:p>
@@ -1741,7 +1741,7 @@
           <a:p>
             <a:fld id="{E3865E59-E335-4380-AB86-4C6C7EBFDC45}" type="datetimeFigureOut">
               <a:rPr lang="ko-KR" altLang="en-US" smtClean="0"/>
-              <a:t>2022. 11. 19.</a:t>
+              <a:t>2022. 11. 20.</a:t>
             </a:fld>
             <a:endParaRPr lang="ko-KR" altLang="en-US"/>
           </a:p>
@@ -1836,7 +1836,7 @@
           <a:p>
             <a:fld id="{E3865E59-E335-4380-AB86-4C6C7EBFDC45}" type="datetimeFigureOut">
               <a:rPr lang="ko-KR" altLang="en-US" smtClean="0"/>
-              <a:t>2022. 11. 19.</a:t>
+              <a:t>2022. 11. 20.</a:t>
             </a:fld>
             <a:endParaRPr lang="ko-KR" altLang="en-US"/>
           </a:p>
@@ -2113,7 +2113,7 @@
           <a:p>
             <a:fld id="{E3865E59-E335-4380-AB86-4C6C7EBFDC45}" type="datetimeFigureOut">
               <a:rPr lang="ko-KR" altLang="en-US" smtClean="0"/>
-              <a:t>2022. 11. 19.</a:t>
+              <a:t>2022. 11. 20.</a:t>
             </a:fld>
             <a:endParaRPr lang="ko-KR" altLang="en-US"/>
           </a:p>
@@ -2370,7 +2370,7 @@
           <a:p>
             <a:fld id="{E3865E59-E335-4380-AB86-4C6C7EBFDC45}" type="datetimeFigureOut">
               <a:rPr lang="ko-KR" altLang="en-US" smtClean="0"/>
-              <a:t>2022. 11. 19.</a:t>
+              <a:t>2022. 11. 20.</a:t>
             </a:fld>
             <a:endParaRPr lang="ko-KR" altLang="en-US"/>
           </a:p>
@@ -2583,7 +2583,7 @@
           <a:p>
             <a:fld id="{E3865E59-E335-4380-AB86-4C6C7EBFDC45}" type="datetimeFigureOut">
               <a:rPr lang="ko-KR" altLang="en-US" smtClean="0"/>
-              <a:t>2022. 11. 19.</a:t>
+              <a:t>2022. 11. 20.</a:t>
             </a:fld>
             <a:endParaRPr lang="ko-KR" altLang="en-US"/>
           </a:p>
@@ -5623,266 +5623,6 @@
           </a:prstGeom>
         </p:spPr>
       </p:pic>
-      <p:sp>
-        <p:nvSpPr>
-          <p:cNvPr id="9" name="TextBox 8">
-            <a:extLst>
-              <a:ext uri="{FF2B5EF4-FFF2-40B4-BE49-F238E27FC236}">
-                <a16:creationId xmlns:a16="http://schemas.microsoft.com/office/drawing/2014/main" id="{E2AE4F75-BCAE-04B5-0D5A-7BB7F3BE64AF}"/>
-              </a:ext>
-            </a:extLst>
-          </p:cNvPr>
-          <p:cNvSpPr txBox="1"/>
-          <p:nvPr/>
-        </p:nvSpPr>
-        <p:spPr>
-          <a:xfrm>
-            <a:off x="4353207" y="2998782"/>
-            <a:ext cx="1650655" cy="692497"/>
-          </a:xfrm>
-          <a:prstGeom prst="rect">
-            <a:avLst/>
-          </a:prstGeom>
-          <a:noFill/>
-        </p:spPr>
-        <p:txBody>
-          <a:bodyPr wrap="square" rtlCol="0">
-            <a:spAutoFit/>
-          </a:bodyPr>
-          <a:lstStyle/>
-          <a:p>
-            <a:r>
-              <a:rPr kumimoji="1" lang="en-US" altLang="ko-KR" sz="1300" dirty="0">
-                <a:latin typeface="+mn-ea"/>
-              </a:rPr>
-              <a:t>1</a:t>
-            </a:r>
-            <a:r>
-              <a:rPr kumimoji="1" lang="ko-KR" altLang="en-US" sz="1300" dirty="0">
-                <a:latin typeface="+mn-ea"/>
-              </a:rPr>
-              <a:t>학년 남우석</a:t>
-            </a:r>
-            <a:endParaRPr kumimoji="1" lang="en-US" altLang="ko-KR" sz="1300" dirty="0">
-              <a:latin typeface="+mn-ea"/>
-            </a:endParaRPr>
-          </a:p>
-          <a:p>
-            <a:endParaRPr kumimoji="1" lang="en-US" altLang="ko-Kore-KR" sz="1300" dirty="0">
-              <a:latin typeface="+mn-ea"/>
-            </a:endParaRPr>
-          </a:p>
-          <a:p>
-            <a:r>
-              <a:rPr kumimoji="1" lang="ko-KR" altLang="en-US" sz="1300" dirty="0">
-                <a:latin typeface="+mn-ea"/>
-              </a:rPr>
-              <a:t>데이터 전처리</a:t>
-            </a:r>
-            <a:endParaRPr kumimoji="1" lang="ko-Kore-KR" altLang="en-US" sz="1300" dirty="0">
-              <a:latin typeface="+mn-ea"/>
-            </a:endParaRPr>
-          </a:p>
-        </p:txBody>
-      </p:sp>
-      <p:sp>
-        <p:nvSpPr>
-          <p:cNvPr id="10" name="TextBox 9">
-            <a:extLst>
-              <a:ext uri="{FF2B5EF4-FFF2-40B4-BE49-F238E27FC236}">
-                <a16:creationId xmlns:a16="http://schemas.microsoft.com/office/drawing/2014/main" id="{8032A99E-CC1F-CC19-C9E0-066CCC765309}"/>
-              </a:ext>
-            </a:extLst>
-          </p:cNvPr>
-          <p:cNvSpPr txBox="1"/>
-          <p:nvPr/>
-        </p:nvSpPr>
-        <p:spPr>
-          <a:xfrm>
-            <a:off x="8050181" y="2996919"/>
-            <a:ext cx="1393544" cy="692497"/>
-          </a:xfrm>
-          <a:prstGeom prst="rect">
-            <a:avLst/>
-          </a:prstGeom>
-          <a:noFill/>
-        </p:spPr>
-        <p:txBody>
-          <a:bodyPr wrap="square" rtlCol="0">
-            <a:spAutoFit/>
-          </a:bodyPr>
-          <a:lstStyle/>
-          <a:p>
-            <a:r>
-              <a:rPr kumimoji="1" lang="en-US" altLang="ko-KR" sz="1300" dirty="0">
-                <a:latin typeface="+mn-ea"/>
-              </a:rPr>
-              <a:t>3</a:t>
-            </a:r>
-            <a:r>
-              <a:rPr kumimoji="1" lang="ko-KR" altLang="en-US" sz="1300" dirty="0">
-                <a:latin typeface="+mn-ea"/>
-              </a:rPr>
-              <a:t>학년 김재훈</a:t>
-            </a:r>
-            <a:endParaRPr kumimoji="1" lang="en-US" altLang="ko-KR" sz="1300" dirty="0">
-              <a:latin typeface="+mn-ea"/>
-            </a:endParaRPr>
-          </a:p>
-          <a:p>
-            <a:endParaRPr kumimoji="1" lang="en-US" altLang="ko-Kore-KR" sz="1300" dirty="0">
-              <a:latin typeface="+mn-ea"/>
-            </a:endParaRPr>
-          </a:p>
-          <a:p>
-            <a:r>
-              <a:rPr kumimoji="1" lang="ko-KR" altLang="en-US" sz="1300" dirty="0">
-                <a:latin typeface="+mn-ea"/>
-              </a:rPr>
-              <a:t>모델 학습</a:t>
-            </a:r>
-            <a:endParaRPr kumimoji="1" lang="ko-Kore-KR" altLang="en-US" sz="1300" dirty="0">
-              <a:latin typeface="+mn-ea"/>
-            </a:endParaRPr>
-          </a:p>
-        </p:txBody>
-      </p:sp>
-      <p:sp>
-        <p:nvSpPr>
-          <p:cNvPr id="11" name="TextBox 10">
-            <a:extLst>
-              <a:ext uri="{FF2B5EF4-FFF2-40B4-BE49-F238E27FC236}">
-                <a16:creationId xmlns:a16="http://schemas.microsoft.com/office/drawing/2014/main" id="{499B23DA-A76A-F5F2-9C70-289C24EC3A4E}"/>
-              </a:ext>
-            </a:extLst>
-          </p:cNvPr>
-          <p:cNvSpPr txBox="1"/>
-          <p:nvPr/>
-        </p:nvSpPr>
-        <p:spPr>
-          <a:xfrm>
-            <a:off x="2357691" y="5053953"/>
-            <a:ext cx="1827976" cy="692497"/>
-          </a:xfrm>
-          <a:prstGeom prst="rect">
-            <a:avLst/>
-          </a:prstGeom>
-          <a:noFill/>
-        </p:spPr>
-        <p:txBody>
-          <a:bodyPr wrap="square" rtlCol="0">
-            <a:spAutoFit/>
-          </a:bodyPr>
-          <a:lstStyle/>
-          <a:p>
-            <a:r>
-              <a:rPr kumimoji="1" lang="en-US" altLang="ko-KR" sz="1300" dirty="0">
-                <a:latin typeface="+mn-ea"/>
-              </a:rPr>
-              <a:t>1</a:t>
-            </a:r>
-            <a:r>
-              <a:rPr kumimoji="1" lang="ko-KR" altLang="en-US" sz="1300" dirty="0">
-                <a:latin typeface="+mn-ea"/>
-              </a:rPr>
-              <a:t>학년 안진영</a:t>
-            </a:r>
-            <a:endParaRPr kumimoji="1" lang="en-US" altLang="ko-KR" sz="1300" dirty="0">
-              <a:latin typeface="+mn-ea"/>
-            </a:endParaRPr>
-          </a:p>
-          <a:p>
-            <a:endParaRPr kumimoji="1" lang="en-US" altLang="ko-Kore-KR" sz="1300" dirty="0">
-              <a:latin typeface="+mn-ea"/>
-            </a:endParaRPr>
-          </a:p>
-          <a:p>
-            <a:r>
-              <a:rPr kumimoji="1" lang="ko-KR" altLang="en-US" sz="1300" dirty="0">
-                <a:latin typeface="+mn-ea"/>
-              </a:rPr>
-              <a:t>자료조사 및 </a:t>
-            </a:r>
-            <a:r>
-              <a:rPr kumimoji="1" lang="en-US" altLang="ko-KR" sz="1300" dirty="0">
-                <a:latin typeface="+mn-ea"/>
-              </a:rPr>
-              <a:t>PPT </a:t>
-            </a:r>
-            <a:r>
-              <a:rPr kumimoji="1" lang="ko-KR" altLang="en-US" sz="1300" dirty="0">
-                <a:latin typeface="+mn-ea"/>
-              </a:rPr>
-              <a:t>제작</a:t>
-            </a:r>
-            <a:endParaRPr kumimoji="1" lang="ko-Kore-KR" altLang="en-US" sz="1300" dirty="0">
-              <a:latin typeface="+mn-ea"/>
-            </a:endParaRPr>
-          </a:p>
-        </p:txBody>
-      </p:sp>
-      <p:sp>
-        <p:nvSpPr>
-          <p:cNvPr id="5" name="TextBox 4">
-            <a:extLst>
-              <a:ext uri="{FF2B5EF4-FFF2-40B4-BE49-F238E27FC236}">
-                <a16:creationId xmlns:a16="http://schemas.microsoft.com/office/drawing/2014/main" id="{DC0B21C6-E930-70DC-E5CE-676D4639CD6F}"/>
-              </a:ext>
-            </a:extLst>
-          </p:cNvPr>
-          <p:cNvSpPr txBox="1"/>
-          <p:nvPr/>
-        </p:nvSpPr>
-        <p:spPr>
-          <a:xfrm>
-            <a:off x="6182008" y="5057679"/>
-            <a:ext cx="1650655" cy="692497"/>
-          </a:xfrm>
-          <a:prstGeom prst="rect">
-            <a:avLst/>
-          </a:prstGeom>
-          <a:noFill/>
-        </p:spPr>
-        <p:txBody>
-          <a:bodyPr wrap="square" rtlCol="0">
-            <a:spAutoFit/>
-          </a:bodyPr>
-          <a:lstStyle/>
-          <a:p>
-            <a:r>
-              <a:rPr kumimoji="1" lang="en-US" altLang="ko-KR" sz="1300" dirty="0">
-                <a:latin typeface="+mn-ea"/>
-              </a:rPr>
-              <a:t>1</a:t>
-            </a:r>
-            <a:r>
-              <a:rPr kumimoji="1" lang="ko-KR" altLang="en-US" sz="1300" dirty="0">
-                <a:latin typeface="+mn-ea"/>
-              </a:rPr>
-              <a:t>학년 이채은</a:t>
-            </a:r>
-            <a:endParaRPr kumimoji="1" lang="en-US" altLang="ko-KR" sz="1300" dirty="0">
-              <a:latin typeface="+mn-ea"/>
-            </a:endParaRPr>
-          </a:p>
-          <a:p>
-            <a:endParaRPr kumimoji="1" lang="en-US" altLang="ko-Kore-KR" sz="1300" dirty="0">
-              <a:latin typeface="+mn-ea"/>
-            </a:endParaRPr>
-          </a:p>
-          <a:p>
-            <a:r>
-              <a:rPr kumimoji="1" lang="ko-KR" altLang="en-US" sz="1300" dirty="0">
-                <a:latin typeface="+mn-ea"/>
-              </a:rPr>
-              <a:t>이슈 해결</a:t>
-            </a:r>
-            <a:endParaRPr kumimoji="1" lang="ko-Kore-KR" altLang="en-US" sz="1300" dirty="0">
-              <a:latin typeface="+mn-ea"/>
-            </a:endParaRPr>
-          </a:p>
-        </p:txBody>
-      </p:sp>
       <p:pic>
         <p:nvPicPr>
           <p:cNvPr id="14" name="그림 13" descr="인형, 장난감, 어두운, 여성이(가) 표시된 사진&#10;&#10;자동 생성된 설명">
@@ -5919,68 +5659,6 @@
           </a:prstGeom>
         </p:spPr>
       </p:pic>
-      <p:sp>
-        <p:nvSpPr>
-          <p:cNvPr id="12" name="TextBox 11">
-            <a:extLst>
-              <a:ext uri="{FF2B5EF4-FFF2-40B4-BE49-F238E27FC236}">
-                <a16:creationId xmlns:a16="http://schemas.microsoft.com/office/drawing/2014/main" id="{7E91CBDF-C885-3B36-D8CA-D024D6A53182}"/>
-              </a:ext>
-            </a:extLst>
-          </p:cNvPr>
-          <p:cNvSpPr txBox="1"/>
-          <p:nvPr/>
-        </p:nvSpPr>
-        <p:spPr>
-          <a:xfrm>
-            <a:off x="9878981" y="5057679"/>
-            <a:ext cx="1650655" cy="692497"/>
-          </a:xfrm>
-          <a:prstGeom prst="rect">
-            <a:avLst/>
-          </a:prstGeom>
-          <a:noFill/>
-        </p:spPr>
-        <p:txBody>
-          <a:bodyPr wrap="square" rtlCol="0">
-            <a:spAutoFit/>
-          </a:bodyPr>
-          <a:lstStyle/>
-          <a:p>
-            <a:r>
-              <a:rPr kumimoji="1" lang="en-US" altLang="ko-KR" sz="1300" dirty="0">
-                <a:latin typeface="+mn-ea"/>
-              </a:rPr>
-              <a:t>1</a:t>
-            </a:r>
-            <a:r>
-              <a:rPr kumimoji="1" lang="ko-KR" altLang="en-US" sz="1300" dirty="0">
-                <a:latin typeface="+mn-ea"/>
-              </a:rPr>
-              <a:t>학년 전우진</a:t>
-            </a:r>
-            <a:endParaRPr kumimoji="1" lang="en-US" altLang="ko-KR" sz="1300" dirty="0">
-              <a:latin typeface="+mn-ea"/>
-            </a:endParaRPr>
-          </a:p>
-          <a:p>
-            <a:endParaRPr kumimoji="1" lang="en-US" altLang="ko-Kore-KR" sz="1300" dirty="0">
-              <a:latin typeface="+mn-ea"/>
-            </a:endParaRPr>
-          </a:p>
-          <a:p>
-            <a:r>
-              <a:rPr kumimoji="1" lang="ko-KR" altLang="en-US" sz="1300" dirty="0">
-                <a:latin typeface="+mn-ea"/>
-              </a:rPr>
-              <a:t>미션 해결</a:t>
-            </a:r>
-            <a:endParaRPr kumimoji="1" lang="ko-Kore-KR" altLang="en-US" sz="1300" dirty="0">
-              <a:latin typeface="+mn-ea"/>
-            </a:endParaRPr>
-          </a:p>
-        </p:txBody>
-      </p:sp>
       <p:pic>
         <p:nvPicPr>
           <p:cNvPr id="16" name="그림 15" descr="인형, 장난감이(가) 표시된 사진&#10;&#10;자동 생성된 설명">
@@ -6017,6 +5695,436 @@
           </a:prstGeom>
         </p:spPr>
       </p:pic>
+      <p:sp>
+        <p:nvSpPr>
+          <p:cNvPr id="3" name="모서리가 둥근 사각형 설명선[R] 2">
+            <a:extLst>
+              <a:ext uri="{FF2B5EF4-FFF2-40B4-BE49-F238E27FC236}">
+                <a16:creationId xmlns:a16="http://schemas.microsoft.com/office/drawing/2014/main" id="{86B1C2B1-5A63-83E0-7952-88C0F14A45C1}"/>
+              </a:ext>
+            </a:extLst>
+          </p:cNvPr>
+          <p:cNvSpPr/>
+          <p:nvPr/>
+        </p:nvSpPr>
+        <p:spPr>
+          <a:xfrm>
+            <a:off x="4223842" y="1873035"/>
+            <a:ext cx="1466850" cy="927034"/>
+          </a:xfrm>
+          <a:prstGeom prst="wedgeRoundRectCallout">
+            <a:avLst>
+              <a:gd name="adj1" fmla="val -42478"/>
+              <a:gd name="adj2" fmla="val 94694"/>
+              <a:gd name="adj3" fmla="val 16667"/>
+            </a:avLst>
+          </a:prstGeom>
+        </p:spPr>
+        <p:style>
+          <a:lnRef idx="1">
+            <a:schemeClr val="accent2"/>
+          </a:lnRef>
+          <a:fillRef idx="2">
+            <a:schemeClr val="accent2"/>
+          </a:fillRef>
+          <a:effectRef idx="1">
+            <a:schemeClr val="accent2"/>
+          </a:effectRef>
+          <a:fontRef idx="minor">
+            <a:schemeClr val="dk1"/>
+          </a:fontRef>
+        </p:style>
+        <p:txBody>
+          <a:bodyPr rtlCol="0" anchor="ctr"/>
+          <a:lstStyle/>
+          <a:p>
+            <a:pPr algn="ctr"/>
+            <a:r>
+              <a:rPr kumimoji="1" lang="en-US" altLang="ko-KR" sz="1400" dirty="0">
+                <a:solidFill>
+                  <a:schemeClr val="tx1"/>
+                </a:solidFill>
+                <a:latin typeface="+mn-ea"/>
+              </a:rPr>
+              <a:t>1</a:t>
+            </a:r>
+            <a:r>
+              <a:rPr kumimoji="1" lang="ko-KR" altLang="en-US" sz="1400" dirty="0">
+                <a:solidFill>
+                  <a:schemeClr val="tx1"/>
+                </a:solidFill>
+                <a:latin typeface="+mn-ea"/>
+              </a:rPr>
+              <a:t>학년 남우석</a:t>
+            </a:r>
+            <a:endParaRPr kumimoji="1" lang="en-US" altLang="ko-KR" sz="1400" dirty="0">
+              <a:solidFill>
+                <a:schemeClr val="tx1"/>
+              </a:solidFill>
+              <a:latin typeface="+mn-ea"/>
+            </a:endParaRPr>
+          </a:p>
+          <a:p>
+            <a:pPr algn="ctr"/>
+            <a:endParaRPr kumimoji="1" lang="en-US" altLang="ko-Kore-KR" sz="1400" dirty="0">
+              <a:solidFill>
+                <a:schemeClr val="tx1"/>
+              </a:solidFill>
+              <a:latin typeface="+mn-ea"/>
+            </a:endParaRPr>
+          </a:p>
+          <a:p>
+            <a:pPr algn="ctr"/>
+            <a:r>
+              <a:rPr kumimoji="1" lang="ko-KR" altLang="en-US" sz="1400" dirty="0">
+                <a:solidFill>
+                  <a:schemeClr val="tx1"/>
+                </a:solidFill>
+                <a:latin typeface="+mn-ea"/>
+              </a:rPr>
+              <a:t>데이터 전처리</a:t>
+            </a:r>
+            <a:endParaRPr kumimoji="1" lang="ko-Kore-KR" altLang="en-US" sz="1400" dirty="0">
+              <a:solidFill>
+                <a:schemeClr val="tx1"/>
+              </a:solidFill>
+              <a:latin typeface="+mn-ea"/>
+            </a:endParaRPr>
+          </a:p>
+        </p:txBody>
+      </p:sp>
+      <p:sp>
+        <p:nvSpPr>
+          <p:cNvPr id="7" name="모서리가 둥근 사각형 설명선[R] 6">
+            <a:extLst>
+              <a:ext uri="{FF2B5EF4-FFF2-40B4-BE49-F238E27FC236}">
+                <a16:creationId xmlns:a16="http://schemas.microsoft.com/office/drawing/2014/main" id="{567C1F72-61DE-E04B-BF86-ED6A086CFDA5}"/>
+              </a:ext>
+            </a:extLst>
+          </p:cNvPr>
+          <p:cNvSpPr/>
+          <p:nvPr/>
+        </p:nvSpPr>
+        <p:spPr>
+          <a:xfrm>
+            <a:off x="7920815" y="1873035"/>
+            <a:ext cx="1466850" cy="927034"/>
+          </a:xfrm>
+          <a:prstGeom prst="wedgeRoundRectCallout">
+            <a:avLst>
+              <a:gd name="adj1" fmla="val -42478"/>
+              <a:gd name="adj2" fmla="val 94694"/>
+              <a:gd name="adj3" fmla="val 16667"/>
+            </a:avLst>
+          </a:prstGeom>
+        </p:spPr>
+        <p:style>
+          <a:lnRef idx="1">
+            <a:schemeClr val="accent1"/>
+          </a:lnRef>
+          <a:fillRef idx="2">
+            <a:schemeClr val="accent1"/>
+          </a:fillRef>
+          <a:effectRef idx="1">
+            <a:schemeClr val="accent1"/>
+          </a:effectRef>
+          <a:fontRef idx="minor">
+            <a:schemeClr val="dk1"/>
+          </a:fontRef>
+        </p:style>
+        <p:txBody>
+          <a:bodyPr rtlCol="0" anchor="ctr"/>
+          <a:lstStyle/>
+          <a:p>
+            <a:pPr algn="ctr"/>
+            <a:r>
+              <a:rPr kumimoji="1" lang="en-US" altLang="ko-KR" sz="1400" dirty="0">
+                <a:latin typeface="+mn-ea"/>
+              </a:rPr>
+              <a:t>3</a:t>
+            </a:r>
+            <a:r>
+              <a:rPr kumimoji="1" lang="ko-KR" altLang="en-US" sz="1400" dirty="0">
+                <a:latin typeface="+mn-ea"/>
+              </a:rPr>
+              <a:t>학년 김재훈</a:t>
+            </a:r>
+            <a:endParaRPr kumimoji="1" lang="en-US" altLang="ko-KR" sz="1400" dirty="0">
+              <a:latin typeface="+mn-ea"/>
+            </a:endParaRPr>
+          </a:p>
+          <a:p>
+            <a:pPr algn="ctr"/>
+            <a:endParaRPr kumimoji="1" lang="en-US" altLang="ko-Kore-KR" sz="1400" dirty="0">
+              <a:latin typeface="+mn-ea"/>
+            </a:endParaRPr>
+          </a:p>
+          <a:p>
+            <a:pPr algn="ctr"/>
+            <a:r>
+              <a:rPr kumimoji="1" lang="ko-KR" altLang="en-US" sz="1400" dirty="0">
+                <a:latin typeface="+mn-ea"/>
+              </a:rPr>
+              <a:t>모델 학습</a:t>
+            </a:r>
+            <a:endParaRPr kumimoji="1" lang="ko-Kore-KR" altLang="en-US" sz="1400" dirty="0">
+              <a:latin typeface="+mn-ea"/>
+            </a:endParaRPr>
+          </a:p>
+        </p:txBody>
+      </p:sp>
+      <p:sp>
+        <p:nvSpPr>
+          <p:cNvPr id="13" name="모서리가 둥근 사각형 설명선[R] 12">
+            <a:extLst>
+              <a:ext uri="{FF2B5EF4-FFF2-40B4-BE49-F238E27FC236}">
+                <a16:creationId xmlns:a16="http://schemas.microsoft.com/office/drawing/2014/main" id="{282F0D30-5611-A42F-A01C-C4524F556520}"/>
+              </a:ext>
+            </a:extLst>
+          </p:cNvPr>
+          <p:cNvSpPr/>
+          <p:nvPr/>
+        </p:nvSpPr>
+        <p:spPr>
+          <a:xfrm>
+            <a:off x="2389441" y="3899902"/>
+            <a:ext cx="2046318" cy="927034"/>
+          </a:xfrm>
+          <a:prstGeom prst="wedgeRoundRectCallout">
+            <a:avLst>
+              <a:gd name="adj1" fmla="val -42478"/>
+              <a:gd name="adj2" fmla="val 94694"/>
+              <a:gd name="adj3" fmla="val 16667"/>
+            </a:avLst>
+          </a:prstGeom>
+        </p:spPr>
+        <p:style>
+          <a:lnRef idx="1">
+            <a:schemeClr val="accent3"/>
+          </a:lnRef>
+          <a:fillRef idx="2">
+            <a:schemeClr val="accent3"/>
+          </a:fillRef>
+          <a:effectRef idx="1">
+            <a:schemeClr val="accent3"/>
+          </a:effectRef>
+          <a:fontRef idx="minor">
+            <a:schemeClr val="dk1"/>
+          </a:fontRef>
+        </p:style>
+        <p:txBody>
+          <a:bodyPr rtlCol="0" anchor="ctr"/>
+          <a:lstStyle/>
+          <a:p>
+            <a:pPr algn="ctr"/>
+            <a:r>
+              <a:rPr kumimoji="1" lang="en-US" altLang="ko-KR" sz="1400" dirty="0">
+                <a:latin typeface="+mn-ea"/>
+              </a:rPr>
+              <a:t>1</a:t>
+            </a:r>
+            <a:r>
+              <a:rPr kumimoji="1" lang="ko-KR" altLang="en-US" sz="1400" dirty="0">
+                <a:latin typeface="+mn-ea"/>
+              </a:rPr>
+              <a:t>학년 안진영</a:t>
+            </a:r>
+            <a:endParaRPr kumimoji="1" lang="en-US" altLang="ko-KR" sz="1400" dirty="0">
+              <a:latin typeface="+mn-ea"/>
+            </a:endParaRPr>
+          </a:p>
+          <a:p>
+            <a:pPr algn="ctr"/>
+            <a:endParaRPr kumimoji="1" lang="en-US" altLang="ko-Kore-KR" sz="1400" dirty="0">
+              <a:latin typeface="+mn-ea"/>
+            </a:endParaRPr>
+          </a:p>
+          <a:p>
+            <a:pPr algn="ctr"/>
+            <a:r>
+              <a:rPr kumimoji="1" lang="ko-KR" altLang="en-US" sz="1400" dirty="0">
+                <a:latin typeface="+mn-ea"/>
+              </a:rPr>
+              <a:t>자료조사 및 </a:t>
+            </a:r>
+            <a:r>
+              <a:rPr kumimoji="1" lang="en-US" altLang="ko-KR" sz="1400" dirty="0">
+                <a:latin typeface="+mn-ea"/>
+              </a:rPr>
+              <a:t>PPT </a:t>
+            </a:r>
+            <a:r>
+              <a:rPr kumimoji="1" lang="ko-KR" altLang="en-US" sz="1400" dirty="0">
+                <a:latin typeface="+mn-ea"/>
+              </a:rPr>
+              <a:t>제작</a:t>
+            </a:r>
+            <a:endParaRPr kumimoji="1" lang="ko-Kore-KR" altLang="en-US" sz="1400" dirty="0">
+              <a:latin typeface="+mn-ea"/>
+            </a:endParaRPr>
+          </a:p>
+        </p:txBody>
+      </p:sp>
+      <p:sp>
+        <p:nvSpPr>
+          <p:cNvPr id="15" name="모서리가 둥근 사각형 설명선[R] 14">
+            <a:extLst>
+              <a:ext uri="{FF2B5EF4-FFF2-40B4-BE49-F238E27FC236}">
+                <a16:creationId xmlns:a16="http://schemas.microsoft.com/office/drawing/2014/main" id="{357DDFEE-280E-D3CB-3F7B-5F6846EF3ADD}"/>
+              </a:ext>
+            </a:extLst>
+          </p:cNvPr>
+          <p:cNvSpPr/>
+          <p:nvPr/>
+        </p:nvSpPr>
+        <p:spPr>
+          <a:xfrm>
+            <a:off x="6091775" y="3899902"/>
+            <a:ext cx="1466850" cy="927034"/>
+          </a:xfrm>
+          <a:prstGeom prst="wedgeRoundRectCallout">
+            <a:avLst>
+              <a:gd name="adj1" fmla="val -42478"/>
+              <a:gd name="adj2" fmla="val 94694"/>
+              <a:gd name="adj3" fmla="val 16667"/>
+            </a:avLst>
+          </a:prstGeom>
+        </p:spPr>
+        <p:style>
+          <a:lnRef idx="1">
+            <a:schemeClr val="accent4"/>
+          </a:lnRef>
+          <a:fillRef idx="2">
+            <a:schemeClr val="accent4"/>
+          </a:fillRef>
+          <a:effectRef idx="1">
+            <a:schemeClr val="accent4"/>
+          </a:effectRef>
+          <a:fontRef idx="minor">
+            <a:schemeClr val="dk1"/>
+          </a:fontRef>
+        </p:style>
+        <p:txBody>
+          <a:bodyPr rtlCol="0" anchor="ctr"/>
+          <a:lstStyle/>
+          <a:p>
+            <a:pPr algn="ctr"/>
+            <a:r>
+              <a:rPr kumimoji="1" lang="en-US" altLang="ko-KR" sz="1400" dirty="0">
+                <a:latin typeface="+mn-ea"/>
+              </a:rPr>
+              <a:t>1</a:t>
+            </a:r>
+            <a:r>
+              <a:rPr kumimoji="1" lang="ko-KR" altLang="en-US" sz="1400" dirty="0">
+                <a:latin typeface="+mn-ea"/>
+              </a:rPr>
+              <a:t>학년 이채은</a:t>
+            </a:r>
+            <a:endParaRPr kumimoji="1" lang="en-US" altLang="ko-KR" sz="1400" dirty="0">
+              <a:latin typeface="+mn-ea"/>
+            </a:endParaRPr>
+          </a:p>
+          <a:p>
+            <a:pPr algn="ctr"/>
+            <a:endParaRPr kumimoji="1" lang="en-US" altLang="ko-Kore-KR" sz="1400" dirty="0">
+              <a:latin typeface="+mn-ea"/>
+            </a:endParaRPr>
+          </a:p>
+          <a:p>
+            <a:pPr algn="ctr"/>
+            <a:r>
+              <a:rPr kumimoji="1" lang="ko-KR" altLang="en-US" sz="1400" dirty="0">
+                <a:latin typeface="+mn-ea"/>
+              </a:rPr>
+              <a:t>이슈 해결</a:t>
+            </a:r>
+            <a:endParaRPr kumimoji="1" lang="ko-Kore-KR" altLang="en-US" sz="1400" dirty="0">
+              <a:latin typeface="+mn-ea"/>
+            </a:endParaRPr>
+          </a:p>
+        </p:txBody>
+      </p:sp>
+      <p:sp>
+        <p:nvSpPr>
+          <p:cNvPr id="17" name="모서리가 둥근 사각형 설명선[R] 16">
+            <a:extLst>
+              <a:ext uri="{FF2B5EF4-FFF2-40B4-BE49-F238E27FC236}">
+                <a16:creationId xmlns:a16="http://schemas.microsoft.com/office/drawing/2014/main" id="{4C6DFB84-1BD0-EC66-3FD6-89C47E3CBBE4}"/>
+              </a:ext>
+            </a:extLst>
+          </p:cNvPr>
+          <p:cNvSpPr/>
+          <p:nvPr/>
+        </p:nvSpPr>
+        <p:spPr>
+          <a:xfrm>
+            <a:off x="9637112" y="3899902"/>
+            <a:ext cx="1466850" cy="927034"/>
+          </a:xfrm>
+          <a:prstGeom prst="wedgeRoundRectCallout">
+            <a:avLst>
+              <a:gd name="adj1" fmla="val -42478"/>
+              <a:gd name="adj2" fmla="val 94694"/>
+              <a:gd name="adj3" fmla="val 16667"/>
+            </a:avLst>
+          </a:prstGeom>
+        </p:spPr>
+        <p:style>
+          <a:lnRef idx="1">
+            <a:schemeClr val="accent6"/>
+          </a:lnRef>
+          <a:fillRef idx="2">
+            <a:schemeClr val="accent6"/>
+          </a:fillRef>
+          <a:effectRef idx="1">
+            <a:schemeClr val="accent6"/>
+          </a:effectRef>
+          <a:fontRef idx="minor">
+            <a:schemeClr val="dk1"/>
+          </a:fontRef>
+        </p:style>
+        <p:txBody>
+          <a:bodyPr rtlCol="0" anchor="ctr"/>
+          <a:lstStyle/>
+          <a:p>
+            <a:pPr algn="ctr"/>
+            <a:r>
+              <a:rPr kumimoji="1" lang="en-US" altLang="ko-KR" sz="1400" dirty="0">
+                <a:latin typeface="+mn-ea"/>
+              </a:rPr>
+              <a:t>1</a:t>
+            </a:r>
+            <a:r>
+              <a:rPr kumimoji="1" lang="ko-KR" altLang="en-US" sz="1400" dirty="0">
+                <a:latin typeface="+mn-ea"/>
+              </a:rPr>
+              <a:t>학년 전우진</a:t>
+            </a:r>
+            <a:endParaRPr kumimoji="1" lang="en-US" altLang="ko-KR" sz="1400" dirty="0">
+              <a:latin typeface="+mn-ea"/>
+            </a:endParaRPr>
+          </a:p>
+          <a:p>
+            <a:pPr algn="ctr"/>
+            <a:endParaRPr kumimoji="1" lang="en-US" altLang="ko-Kore-KR" sz="1400" dirty="0">
+              <a:latin typeface="+mn-ea"/>
+            </a:endParaRPr>
+          </a:p>
+          <a:p>
+            <a:pPr algn="ctr"/>
+            <a:r>
+              <a:rPr kumimoji="1" lang="ko-KR" altLang="en-US" sz="1400" dirty="0">
+                <a:latin typeface="+mn-ea"/>
+              </a:rPr>
+              <a:t>미션 해결</a:t>
+            </a:r>
+            <a:endParaRPr kumimoji="1" lang="ko-Kore-KR" altLang="en-US" sz="1400" dirty="0">
+              <a:latin typeface="+mn-ea"/>
+            </a:endParaRPr>
+          </a:p>
+        </p:txBody>
+      </p:sp>
     </p:spTree>
     <p:extLst>
       <p:ext uri="{BB962C8B-B14F-4D97-AF65-F5344CB8AC3E}">

--- a/춘식이 발표자료.pptx
+++ b/춘식이 발표자료.pptx
@@ -5579,7 +5579,7 @@
         </p:blipFill>
         <p:spPr>
           <a:xfrm>
-            <a:off x="579691" y="3968450"/>
+            <a:off x="730339" y="3968450"/>
             <a:ext cx="1778000" cy="1778000"/>
           </a:xfrm>
           <a:prstGeom prst="rect">
@@ -5651,7 +5651,7 @@
         </p:blipFill>
         <p:spPr>
           <a:xfrm>
-            <a:off x="8050181" y="3970313"/>
+            <a:off x="8056531" y="3970313"/>
             <a:ext cx="1828800" cy="1778000"/>
           </a:xfrm>
           <a:prstGeom prst="rect">
@@ -5687,7 +5687,7 @@
         </p:blipFill>
         <p:spPr>
           <a:xfrm>
-            <a:off x="4404009" y="3968450"/>
+            <a:off x="4454809" y="3968450"/>
             <a:ext cx="1778000" cy="1778000"/>
           </a:xfrm>
           <a:prstGeom prst="rect">
@@ -5887,8 +5887,8 @@
         </p:nvSpPr>
         <p:spPr>
           <a:xfrm>
-            <a:off x="2389441" y="3899902"/>
-            <a:ext cx="2046318" cy="927034"/>
+            <a:off x="2540089" y="3899902"/>
+            <a:ext cx="1466850" cy="927034"/>
           </a:xfrm>
           <a:prstGeom prst="wedgeRoundRectCallout">
             <a:avLst>
@@ -5935,7 +5935,7 @@
           </a:p>
           <a:p>
             <a:pPr algn="ctr"/>
-            <a:endParaRPr kumimoji="1" lang="en-US" altLang="ko-Kore-KR" sz="1400" dirty="0">
+            <a:endParaRPr kumimoji="1" lang="en-US" altLang="ko-KR" sz="1400" dirty="0">
               <a:latin typeface="+mn-ea"/>
             </a:endParaRPr>
           </a:p>
@@ -5945,19 +5945,7 @@
               <a:rPr kumimoji="1" lang="ko-KR" altLang="en-US" sz="1400" dirty="0">
                 <a:latin typeface="+mn-ea"/>
               </a:rPr>
-              <a:t>자료조사 및 </a:t>
-            </a:r>
-            <a:r>
-              <a:rPr kumimoji="1" lang="en-US" altLang="ko-KR" sz="1400" dirty="0">
-                <a:latin typeface="+mn-ea"/>
-              </a:rPr>
-              <a:t>PPT </a:t>
-            </a:r>
-            <a:r>
-              <a:rPr kumimoji="1" lang="ko-KR" altLang="en-US" sz="1400" dirty="0">
-                <a:latin typeface="+mn-ea"/>
-              </a:rPr>
-              <a:t>제작</a:t>
+              <a:t>미션 해결</a:t>
             </a:r>
             <a:endParaRPr kumimoji="1" lang="ko-Kore-KR" altLang="en-US" sz="1400" dirty="0">
               <a:latin typeface="+mn-ea"/>
@@ -5979,7 +5967,7 @@
         </p:nvSpPr>
         <p:spPr>
           <a:xfrm>
-            <a:off x="6091775" y="3899902"/>
+            <a:off x="6142575" y="3899902"/>
             <a:ext cx="1466850" cy="927034"/>
           </a:xfrm>
           <a:prstGeom prst="wedgeRoundRectCallout">
@@ -6059,8 +6047,8 @@
         </p:nvSpPr>
         <p:spPr>
           <a:xfrm>
-            <a:off x="9637112" y="3899902"/>
-            <a:ext cx="1466850" cy="927034"/>
+            <a:off x="9643461" y="3899902"/>
+            <a:ext cx="2110041" cy="927034"/>
           </a:xfrm>
           <a:prstGeom prst="wedgeRoundRectCallout">
             <a:avLst>
@@ -6117,11 +6105,55 @@
               <a:rPr kumimoji="1" lang="ko-KR" altLang="en-US" sz="1400" dirty="0">
                 <a:latin typeface="+mn-ea"/>
               </a:rPr>
-              <a:t>미션 해결</a:t>
+              <a:t>자료조사 및 </a:t>
+            </a:r>
+            <a:r>
+              <a:rPr kumimoji="1" lang="en-US" altLang="ko-KR" sz="1400" dirty="0">
+                <a:latin typeface="+mn-ea"/>
+              </a:rPr>
+              <a:t>PPT </a:t>
+            </a:r>
+            <a:r>
+              <a:rPr kumimoji="1" lang="ko-KR" altLang="en-US" sz="1400" dirty="0">
+                <a:latin typeface="+mn-ea"/>
+              </a:rPr>
+              <a:t>제작</a:t>
             </a:r>
             <a:endParaRPr kumimoji="1" lang="ko-Kore-KR" altLang="en-US" sz="1400" dirty="0">
               <a:latin typeface="+mn-ea"/>
             </a:endParaRPr>
+          </a:p>
+        </p:txBody>
+      </p:sp>
+      <p:sp>
+        <p:nvSpPr>
+          <p:cNvPr id="5" name="TextBox 4">
+            <a:extLst>
+              <a:ext uri="{FF2B5EF4-FFF2-40B4-BE49-F238E27FC236}">
+                <a16:creationId xmlns:a16="http://schemas.microsoft.com/office/drawing/2014/main" id="{B772FD00-E57F-29AB-B91E-A55C8F136620}"/>
+              </a:ext>
+            </a:extLst>
+          </p:cNvPr>
+          <p:cNvSpPr txBox="1"/>
+          <p:nvPr/>
+        </p:nvSpPr>
+        <p:spPr>
+          <a:xfrm>
+            <a:off x="5740400" y="7004050"/>
+            <a:ext cx="184731" cy="336118"/>
+          </a:xfrm>
+          <a:prstGeom prst="rect">
+            <a:avLst/>
+          </a:prstGeom>
+          <a:noFill/>
+        </p:spPr>
+        <p:txBody>
+          <a:bodyPr wrap="none" rtlCol="0">
+            <a:spAutoFit/>
+          </a:bodyPr>
+          <a:lstStyle/>
+          <a:p>
+            <a:endParaRPr kumimoji="1" lang="ko-Kore-KR" altLang="en-US"/>
           </a:p>
         </p:txBody>
       </p:sp>

--- a/춘식이 발표자료.pptx
+++ b/춘식이 발표자료.pptx
@@ -258,7 +258,7 @@
           <a:p>
             <a:fld id="{E3865E59-E335-4380-AB86-4C6C7EBFDC45}" type="datetimeFigureOut">
               <a:rPr lang="ko-KR" altLang="en-US" smtClean="0"/>
-              <a:t>2022. 11. 20.</a:t>
+              <a:t>2022. 11. 21.</a:t>
             </a:fld>
             <a:endParaRPr lang="ko-KR" altLang="en-US"/>
           </a:p>
@@ -428,7 +428,7 @@
           <a:p>
             <a:fld id="{E3865E59-E335-4380-AB86-4C6C7EBFDC45}" type="datetimeFigureOut">
               <a:rPr lang="ko-KR" altLang="en-US" smtClean="0"/>
-              <a:t>2022. 11. 20.</a:t>
+              <a:t>2022. 11. 21.</a:t>
             </a:fld>
             <a:endParaRPr lang="ko-KR" altLang="en-US"/>
           </a:p>
@@ -608,7 +608,7 @@
           <a:p>
             <a:fld id="{E3865E59-E335-4380-AB86-4C6C7EBFDC45}" type="datetimeFigureOut">
               <a:rPr lang="ko-KR" altLang="en-US" smtClean="0"/>
-              <a:t>2022. 11. 20.</a:t>
+              <a:t>2022. 11. 21.</a:t>
             </a:fld>
             <a:endParaRPr lang="ko-KR" altLang="en-US"/>
           </a:p>
@@ -778,7 +778,7 @@
           <a:p>
             <a:fld id="{E3865E59-E335-4380-AB86-4C6C7EBFDC45}" type="datetimeFigureOut">
               <a:rPr lang="ko-KR" altLang="en-US" smtClean="0"/>
-              <a:t>2022. 11. 20.</a:t>
+              <a:t>2022. 11. 21.</a:t>
             </a:fld>
             <a:endParaRPr lang="ko-KR" altLang="en-US"/>
           </a:p>
@@ -1024,7 +1024,7 @@
           <a:p>
             <a:fld id="{E3865E59-E335-4380-AB86-4C6C7EBFDC45}" type="datetimeFigureOut">
               <a:rPr lang="ko-KR" altLang="en-US" smtClean="0"/>
-              <a:t>2022. 11. 20.</a:t>
+              <a:t>2022. 11. 21.</a:t>
             </a:fld>
             <a:endParaRPr lang="ko-KR" altLang="en-US"/>
           </a:p>
@@ -1256,7 +1256,7 @@
           <a:p>
             <a:fld id="{E3865E59-E335-4380-AB86-4C6C7EBFDC45}" type="datetimeFigureOut">
               <a:rPr lang="ko-KR" altLang="en-US" smtClean="0"/>
-              <a:t>2022. 11. 20.</a:t>
+              <a:t>2022. 11. 21.</a:t>
             </a:fld>
             <a:endParaRPr lang="ko-KR" altLang="en-US"/>
           </a:p>
@@ -1623,7 +1623,7 @@
           <a:p>
             <a:fld id="{E3865E59-E335-4380-AB86-4C6C7EBFDC45}" type="datetimeFigureOut">
               <a:rPr lang="ko-KR" altLang="en-US" smtClean="0"/>
-              <a:t>2022. 11. 20.</a:t>
+              <a:t>2022. 11. 21.</a:t>
             </a:fld>
             <a:endParaRPr lang="ko-KR" altLang="en-US"/>
           </a:p>
@@ -1741,7 +1741,7 @@
           <a:p>
             <a:fld id="{E3865E59-E335-4380-AB86-4C6C7EBFDC45}" type="datetimeFigureOut">
               <a:rPr lang="ko-KR" altLang="en-US" smtClean="0"/>
-              <a:t>2022. 11. 20.</a:t>
+              <a:t>2022. 11. 21.</a:t>
             </a:fld>
             <a:endParaRPr lang="ko-KR" altLang="en-US"/>
           </a:p>
@@ -1836,7 +1836,7 @@
           <a:p>
             <a:fld id="{E3865E59-E335-4380-AB86-4C6C7EBFDC45}" type="datetimeFigureOut">
               <a:rPr lang="ko-KR" altLang="en-US" smtClean="0"/>
-              <a:t>2022. 11. 20.</a:t>
+              <a:t>2022. 11. 21.</a:t>
             </a:fld>
             <a:endParaRPr lang="ko-KR" altLang="en-US"/>
           </a:p>
@@ -2113,7 +2113,7 @@
           <a:p>
             <a:fld id="{E3865E59-E335-4380-AB86-4C6C7EBFDC45}" type="datetimeFigureOut">
               <a:rPr lang="ko-KR" altLang="en-US" smtClean="0"/>
-              <a:t>2022. 11. 20.</a:t>
+              <a:t>2022. 11. 21.</a:t>
             </a:fld>
             <a:endParaRPr lang="ko-KR" altLang="en-US"/>
           </a:p>
@@ -2370,7 +2370,7 @@
           <a:p>
             <a:fld id="{E3865E59-E335-4380-AB86-4C6C7EBFDC45}" type="datetimeFigureOut">
               <a:rPr lang="ko-KR" altLang="en-US" smtClean="0"/>
-              <a:t>2022. 11. 20.</a:t>
+              <a:t>2022. 11. 21.</a:t>
             </a:fld>
             <a:endParaRPr lang="ko-KR" altLang="en-US"/>
           </a:p>
@@ -2583,7 +2583,7 @@
           <a:p>
             <a:fld id="{E3865E59-E335-4380-AB86-4C6C7EBFDC45}" type="datetimeFigureOut">
               <a:rPr lang="ko-KR" altLang="en-US" smtClean="0"/>
-              <a:t>2022. 11. 20.</a:t>
+              <a:t>2022. 11. 21.</a:t>
             </a:fld>
             <a:endParaRPr lang="ko-KR" altLang="en-US"/>
           </a:p>
@@ -6739,7 +6739,7 @@
         <p:spPr>
           <a:xfrm>
             <a:off x="363552" y="1547726"/>
-            <a:ext cx="8028505" cy="2419299"/>
+            <a:ext cx="8354320" cy="2419299"/>
           </a:xfrm>
           <a:prstGeom prst="rect">
             <a:avLst/>
@@ -6771,19 +6771,19 @@
           <a:p>
             <a:pPr>
               <a:lnSpc>
-                <a:spcPct val="120000"/>
-              </a:lnSpc>
-              <a:defRPr/>
-            </a:pPr>
-            <a:r>
-              <a:rPr lang="ko-KR" altLang="en-US" sz="1900" spc="-150" dirty="0">
+                <a:spcPct val="130000"/>
+              </a:lnSpc>
+              <a:defRPr/>
+            </a:pPr>
+            <a:r>
+              <a:rPr lang="ko-KR" altLang="en-US" sz="1600" spc="-150" dirty="0">
                 <a:latin typeface="+mn-ea"/>
                 <a:ea typeface="+mn-ea"/>
               </a:rPr>
               <a:t>전처리 코드를 완성하기 위해 많은 시행착오를 거쳤습니다</a:t>
             </a:r>
             <a:r>
-              <a:rPr lang="en-US" altLang="ko-KR" sz="1900" spc="-150" dirty="0">
+              <a:rPr lang="en-US" altLang="ko-KR" sz="1600" spc="-150" dirty="0">
                 <a:latin typeface="+mn-ea"/>
                 <a:ea typeface="+mn-ea"/>
               </a:rPr>
@@ -6793,79 +6793,10 @@
           <a:p>
             <a:pPr>
               <a:lnSpc>
-                <a:spcPct val="100000"/>
-              </a:lnSpc>
-              <a:defRPr/>
-            </a:pPr>
-            <a:endParaRPr lang="en-US" altLang="ko-KR" sz="1900" spc="-150" dirty="0">
-              <a:latin typeface="+mn-ea"/>
-              <a:ea typeface="+mn-ea"/>
-            </a:endParaRPr>
-          </a:p>
-          <a:p>
-            <a:pPr>
-              <a:lnSpc>
-                <a:spcPct val="120000"/>
-              </a:lnSpc>
-              <a:defRPr/>
-            </a:pPr>
-            <a:r>
-              <a:rPr lang="ko-KR" altLang="en-US" sz="1600" spc="-150" dirty="0">
-                <a:latin typeface="+mn-ea"/>
-                <a:ea typeface="+mn-ea"/>
-              </a:rPr>
-              <a:t>이미지를 이진화 후 모서리를 찾아내 옷만 잘라 내기 위해 </a:t>
-            </a:r>
-            <a:r>
-              <a:rPr lang="en-US" altLang="ko-KR" sz="1600" spc="-150" dirty="0">
-                <a:latin typeface="+mn-ea"/>
-                <a:ea typeface="+mn-ea"/>
-              </a:rPr>
-              <a:t>Threshold</a:t>
-            </a:r>
-            <a:r>
-              <a:rPr lang="ko-KR" altLang="en-US" sz="1600" spc="-150" dirty="0">
-                <a:latin typeface="+mn-ea"/>
-                <a:ea typeface="+mn-ea"/>
-              </a:rPr>
-              <a:t> 라는 함수를 사용했습니다</a:t>
-            </a:r>
-            <a:r>
-              <a:rPr lang="en-US" altLang="ko-KR" sz="1600" spc="-150" dirty="0">
-                <a:latin typeface="+mn-ea"/>
-                <a:ea typeface="+mn-ea"/>
-              </a:rPr>
-              <a:t>.</a:t>
-            </a:r>
-          </a:p>
-          <a:p>
-            <a:pPr>
-              <a:lnSpc>
-                <a:spcPct val="120000"/>
-              </a:lnSpc>
-              <a:defRPr/>
-            </a:pPr>
-            <a:r>
-              <a:rPr lang="ko-KR" altLang="en-US" sz="1600" spc="-150" dirty="0">
-                <a:latin typeface="+mn-ea"/>
-                <a:ea typeface="+mn-ea"/>
-              </a:rPr>
-              <a:t>하지만 배경이 흰색인 탓에 흰 옷 이미지 이진화 시 문제가 생기는 것을 확인할 수 있었고</a:t>
-            </a:r>
-            <a:r>
-              <a:rPr lang="en-US" altLang="ko-KR" sz="1600" spc="-150" dirty="0">
-                <a:latin typeface="+mn-ea"/>
-                <a:ea typeface="+mn-ea"/>
-              </a:rPr>
-              <a:t>,</a:t>
-            </a:r>
-            <a:r>
-              <a:rPr lang="ko-KR" altLang="en-US" sz="1600" spc="-150" dirty="0">
-                <a:latin typeface="+mn-ea"/>
-                <a:ea typeface="+mn-ea"/>
-              </a:rPr>
-              <a:t> </a:t>
-            </a:r>
+                <a:spcPct val="130000"/>
+              </a:lnSpc>
+              <a:defRPr/>
+            </a:pPr>
             <a:endParaRPr lang="en-US" altLang="ko-KR" sz="1600" spc="-150" dirty="0">
               <a:latin typeface="+mn-ea"/>
               <a:ea typeface="+mn-ea"/>
@@ -6874,7 +6805,7 @@
           <a:p>
             <a:pPr>
               <a:lnSpc>
-                <a:spcPct val="120000"/>
+                <a:spcPct val="130000"/>
               </a:lnSpc>
               <a:defRPr/>
             </a:pPr>
@@ -6883,57 +6814,36 @@
                 <a:latin typeface="+mn-ea"/>
                 <a:ea typeface="+mn-ea"/>
               </a:rPr>
-              <a:t>그래서 </a:t>
+              <a:t>이미지의 모서리를 찾아내 옷만 잘라 내기 위해 지역 이진화 함수를 사용했습니다</a:t>
             </a:r>
             <a:r>
               <a:rPr lang="en-US" altLang="ko-KR" sz="1600" spc="-150" dirty="0">
                 <a:latin typeface="+mn-ea"/>
                 <a:ea typeface="+mn-ea"/>
               </a:rPr>
-              <a:t>Adaptive threshold</a:t>
-            </a:r>
+              <a:t>.</a:t>
+            </a:r>
+          </a:p>
+          <a:p>
+            <a:pPr>
+              <a:lnSpc>
+                <a:spcPct val="130000"/>
+              </a:lnSpc>
+              <a:defRPr/>
+            </a:pPr>
             <a:r>
               <a:rPr lang="ko-KR" altLang="en-US" sz="1600" spc="-150" dirty="0">
                 <a:latin typeface="+mn-ea"/>
                 <a:ea typeface="+mn-ea"/>
               </a:rPr>
-              <a:t> 라는 적응형 이진화 함수를 사용하였습니다</a:t>
+              <a:t>하지만 배경이 흰색인 탓에 흰 옷 이미지 이진화 시 문제가 생기는 것을 확인할 수 있었고</a:t>
             </a:r>
             <a:r>
               <a:rPr lang="en-US" altLang="ko-KR" sz="1600" spc="-150" dirty="0">
                 <a:latin typeface="+mn-ea"/>
                 <a:ea typeface="+mn-ea"/>
               </a:rPr>
-              <a:t>.</a:t>
-            </a:r>
-          </a:p>
-          <a:p>
-            <a:pPr>
-              <a:lnSpc>
-                <a:spcPct val="120000"/>
-              </a:lnSpc>
-              <a:defRPr/>
-            </a:pPr>
-            <a:r>
-              <a:rPr lang="ko-KR" altLang="en-US" sz="1600" spc="-150" dirty="0">
-                <a:latin typeface="+mn-ea"/>
-                <a:ea typeface="+mn-ea"/>
-              </a:rPr>
-              <a:t>두 함수의 차이는 지역 이진화와 적응형 </a:t>
-            </a:r>
-            <a:r>
-              <a:rPr lang="ko-KR" altLang="en-US" sz="1600" spc="-150" dirty="0" err="1">
-                <a:latin typeface="+mn-ea"/>
-                <a:ea typeface="+mn-ea"/>
-              </a:rPr>
-              <a:t>이진화입니다</a:t>
-            </a:r>
-            <a:r>
-              <a:rPr lang="en-US" altLang="ko-KR" sz="1600" spc="-150" dirty="0">
-                <a:latin typeface="+mn-ea"/>
-                <a:ea typeface="+mn-ea"/>
-              </a:rPr>
-              <a:t>.</a:t>
+              <a:t>,</a:t>
             </a:r>
             <a:r>
               <a:rPr lang="ko-KR" altLang="en-US" sz="1600" spc="-150" dirty="0">
@@ -6950,7 +6860,7 @@
           <a:p>
             <a:pPr>
               <a:lnSpc>
-                <a:spcPct val="120000"/>
+                <a:spcPct val="130000"/>
               </a:lnSpc>
               <a:defRPr/>
             </a:pPr>
@@ -6959,17 +6869,20 @@
                 <a:latin typeface="+mn-ea"/>
                 <a:ea typeface="+mn-ea"/>
               </a:rPr>
-              <a:t>지역 이진화는 불균형한 조명에서 유리하지만 </a:t>
-            </a:r>
-            <a:endParaRPr lang="en-US" altLang="ko-KR" sz="1600" spc="-150" dirty="0">
-              <a:latin typeface="+mn-ea"/>
-              <a:ea typeface="+mn-ea"/>
-            </a:endParaRPr>
-          </a:p>
-          <a:p>
-            <a:pPr>
-              <a:lnSpc>
-                <a:spcPct val="120000"/>
+              <a:t>어떻게 해결해야 할 지 고민하던 중 적응형 이진화 함수를 발견했습니다</a:t>
+            </a:r>
+            <a:r>
+              <a:rPr lang="en-US" altLang="ko-KR" sz="1600" spc="-150" dirty="0">
+                <a:latin typeface="+mn-ea"/>
+                <a:ea typeface="+mn-ea"/>
+              </a:rPr>
+              <a:t>.</a:t>
+            </a:r>
+          </a:p>
+          <a:p>
+            <a:pPr>
+              <a:lnSpc>
+                <a:spcPct val="130000"/>
               </a:lnSpc>
               <a:defRPr/>
             </a:pPr>
@@ -6978,7 +6891,7 @@
                 <a:latin typeface="+mn-ea"/>
                 <a:ea typeface="+mn-ea"/>
               </a:rPr>
-              <a:t>제공된 데이터셋은 그렇지 않기 때문에 적응형 이진화의 결과가 더 좋았던 것 같습니다</a:t>
+              <a:t>적응형 이진화는 이미지에 따라 스스로 임계 값을 다르게 할당할 수 있도록 구현된 알고리즘입니다</a:t>
             </a:r>
             <a:r>
               <a:rPr lang="en-US" altLang="ko-KR" sz="1600" spc="-150" dirty="0">
@@ -6991,10 +6904,24 @@
           <a:p>
             <a:pPr>
               <a:lnSpc>
-                <a:spcPct val="120000"/>
-              </a:lnSpc>
-              <a:defRPr/>
-            </a:pPr>
+                <a:spcPct val="130000"/>
+              </a:lnSpc>
+              <a:defRPr/>
+            </a:pPr>
+            <a:r>
+              <a:rPr lang="ko-KR" altLang="en-US" sz="1600" spc="-150" dirty="0">
+                <a:latin typeface="+mn-ea"/>
+                <a:ea typeface="+mn-ea"/>
+              </a:rPr>
+              <a:t>이 알고리즘을 사용해 이진화를 했을 경우 흰 옷의 이진화가 알맞게 된 것을 확인할 수 있습니다</a:t>
+            </a:r>
+            <a:r>
+              <a:rPr lang="en-US" altLang="ko-KR" sz="1600" spc="-150" dirty="0">
+                <a:latin typeface="+mn-ea"/>
+                <a:ea typeface="+mn-ea"/>
+              </a:rPr>
+              <a:t>.</a:t>
+            </a:r>
             <a:r>
               <a:rPr lang="ko-KR" altLang="en-US" sz="1600" spc="-150" dirty="0">
                 <a:latin typeface="+mn-ea"/>
@@ -8725,7 +8652,7 @@
                 <a:latin typeface="+mn-ea"/>
                 <a:ea typeface="+mn-ea"/>
               </a:rPr>
-              <a:t>저희는 침식 연산과 팽창 연결을 사용하는 닫힘 연산과 </a:t>
+              <a:t>저희는 이미지의 노이즈를 제거하기 위해 닫힘 연산과 </a:t>
             </a:r>
             <a:r>
               <a:rPr lang="en-US" altLang="ko-KR" sz="1900" spc="-150" dirty="0">
@@ -10072,19 +9999,7 @@
               <a:rPr lang="en-US" altLang="ko-KR" sz="1800" spc="-150" dirty="0">
                 <a:latin typeface="+mn-ea"/>
               </a:rPr>
-              <a:t>OpenCV</a:t>
-            </a:r>
-            <a:r>
-              <a:rPr lang="ko-KR" altLang="en-US" sz="1800" spc="-150" dirty="0">
-                <a:latin typeface="+mn-ea"/>
-              </a:rPr>
-              <a:t>의</a:t>
-            </a:r>
-            <a:r>
-              <a:rPr lang="en-US" altLang="ko-KR" sz="1800" spc="-150" dirty="0">
-                <a:latin typeface="+mn-ea"/>
-              </a:rPr>
-              <a:t> Adaptive</a:t>
+              <a:t>Adaptive</a:t>
             </a:r>
             <a:r>
               <a:rPr lang="ko-KR" altLang="en-US" sz="1800" spc="-150" dirty="0">

--- a/춘식이 발표자료.pptx
+++ b/춘식이 발표자료.pptx
@@ -12,7 +12,7 @@
     <p:sldId id="272" r:id="rId6"/>
     <p:sldId id="273" r:id="rId7"/>
     <p:sldId id="274" r:id="rId8"/>
-    <p:sldId id="275" r:id="rId9"/>
+    <p:sldId id="280" r:id="rId9"/>
     <p:sldId id="260" r:id="rId10"/>
     <p:sldId id="268" r:id="rId11"/>
     <p:sldId id="259" r:id="rId12"/>
@@ -9107,8 +9107,8 @@
         </p:nvSpPr>
         <p:spPr>
           <a:xfrm>
-            <a:off x="356461" y="1611524"/>
-            <a:ext cx="11393019" cy="2003551"/>
+            <a:off x="435973" y="1611524"/>
+            <a:ext cx="7584905" cy="2003551"/>
           </a:xfrm>
           <a:prstGeom prst="rect">
             <a:avLst/>
@@ -9145,14 +9145,14 @@
               <a:defRPr/>
             </a:pPr>
             <a:r>
-              <a:rPr lang="ko-KR" altLang="en-US" sz="1500" spc="-150" dirty="0">
+              <a:rPr lang="ko-KR" altLang="en-US" sz="1900" spc="-150" dirty="0">
                 <a:latin typeface="+mn-ea"/>
                 <a:ea typeface="+mn-ea"/>
               </a:rPr>
               <a:t>처음보단 많이 좋아졌지만 아직 여백이 있는 걸 확인할 수 있습니다</a:t>
             </a:r>
             <a:r>
-              <a:rPr lang="en-US" altLang="ko-KR" sz="1500" spc="-150" dirty="0">
+              <a:rPr lang="en-US" altLang="ko-KR" sz="1900" spc="-150" dirty="0">
                 <a:latin typeface="+mn-ea"/>
                 <a:ea typeface="+mn-ea"/>
               </a:rPr>
@@ -9166,7 +9166,7 @@
               </a:lnSpc>
               <a:defRPr/>
             </a:pPr>
-            <a:endParaRPr lang="en-US" altLang="ko-KR" sz="1500" spc="-150" dirty="0">
+            <a:endParaRPr lang="en-US" altLang="ko-KR" sz="1900" spc="-150" dirty="0">
               <a:latin typeface="+mn-ea"/>
               <a:ea typeface="+mn-ea"/>
             </a:endParaRPr>
@@ -9179,27 +9179,27 @@
               <a:defRPr/>
             </a:pPr>
             <a:r>
-              <a:rPr lang="ko-KR" altLang="en-US" sz="1500" spc="-150" dirty="0">
+              <a:rPr lang="ko-KR" altLang="en-US" sz="1900" spc="-150" dirty="0">
                 <a:latin typeface="+mn-ea"/>
                 <a:ea typeface="+mn-ea"/>
               </a:rPr>
               <a:t>노이즈의 형태를 보니 소금 </a:t>
             </a:r>
             <a:r>
-              <a:rPr lang="en-US" altLang="ko-KR" sz="1500" spc="-150" dirty="0">
+              <a:rPr lang="en-US" altLang="ko-KR" sz="1900" spc="-150" dirty="0">
                 <a:latin typeface="+mn-ea"/>
                 <a:ea typeface="+mn-ea"/>
               </a:rPr>
               <a:t>&amp;</a:t>
             </a:r>
             <a:r>
-              <a:rPr lang="ko-KR" altLang="en-US" sz="1500" spc="-150" dirty="0">
+              <a:rPr lang="ko-KR" altLang="en-US" sz="1900" spc="-150" dirty="0">
                 <a:latin typeface="+mn-ea"/>
                 <a:ea typeface="+mn-ea"/>
               </a:rPr>
               <a:t> 후추 노이즈와 비슷하여</a:t>
             </a:r>
-            <a:endParaRPr lang="en-US" altLang="ko-KR" sz="1500" spc="-150" dirty="0">
+            <a:endParaRPr lang="en-US" altLang="ko-KR" sz="1900" spc="-150" dirty="0">
               <a:latin typeface="+mn-ea"/>
               <a:ea typeface="+mn-ea"/>
             </a:endParaRPr>
@@ -9212,35 +9212,35 @@
               <a:defRPr/>
             </a:pPr>
             <a:r>
-              <a:rPr lang="en-US" altLang="ko-KR" sz="1500" spc="-150" dirty="0">
+              <a:rPr lang="en-US" altLang="ko-KR" sz="1900" spc="-150" dirty="0">
                 <a:latin typeface="+mn-ea"/>
                 <a:ea typeface="+mn-ea"/>
               </a:rPr>
               <a:t>Median Blur </a:t>
             </a:r>
             <a:r>
-              <a:rPr lang="ko-KR" altLang="en-US" sz="1500" spc="-150" dirty="0">
+              <a:rPr lang="ko-KR" altLang="en-US" sz="1900" spc="-150" dirty="0">
                 <a:latin typeface="+mn-ea"/>
                 <a:ea typeface="+mn-ea"/>
               </a:rPr>
               <a:t>함수를 사용하여 </a:t>
             </a:r>
             <a:r>
-              <a:rPr lang="en-US" altLang="ko-KR" sz="1500" spc="-150" dirty="0">
+              <a:rPr lang="en-US" altLang="ko-KR" sz="1900" spc="-150" dirty="0">
                 <a:latin typeface="+mn-ea"/>
                 <a:ea typeface="+mn-ea"/>
               </a:rPr>
               <a:t>Blur</a:t>
             </a:r>
             <a:r>
-              <a:rPr lang="ko-KR" altLang="en-US" sz="1500" spc="-150" dirty="0">
+              <a:rPr lang="ko-KR" altLang="en-US" sz="1900" spc="-150" dirty="0">
                 <a:latin typeface="+mn-ea"/>
                 <a:ea typeface="+mn-ea"/>
               </a:rPr>
               <a:t> 처리를 하게 하였습니다</a:t>
             </a:r>
             <a:r>
-              <a:rPr lang="en-US" altLang="ko-KR" sz="1500" spc="-150" dirty="0">
+              <a:rPr lang="en-US" altLang="ko-KR" sz="1900" spc="-150" dirty="0">
                 <a:latin typeface="+mn-ea"/>
                 <a:ea typeface="+mn-ea"/>
               </a:rPr>
@@ -9254,7 +9254,7 @@
               </a:lnSpc>
               <a:defRPr/>
             </a:pPr>
-            <a:endParaRPr lang="en-US" altLang="ko-KR" sz="1500" spc="-150" dirty="0">
+            <a:endParaRPr lang="en-US" altLang="ko-KR" sz="1900" spc="-150" dirty="0">
               <a:latin typeface="+mn-ea"/>
               <a:ea typeface="+mn-ea"/>
             </a:endParaRPr>
@@ -9267,132 +9267,55 @@
               <a:defRPr/>
             </a:pPr>
             <a:r>
-              <a:rPr lang="ko-KR" altLang="en-US" sz="1500" spc="-150" dirty="0">
+              <a:rPr lang="ko-KR" altLang="en-US" sz="1900" spc="-150" dirty="0">
                 <a:latin typeface="+mn-ea"/>
                 <a:ea typeface="+mn-ea"/>
               </a:rPr>
               <a:t>결과를 보니</a:t>
             </a:r>
             <a:r>
-              <a:rPr lang="en-US" altLang="ko-KR" sz="1500" spc="-150" dirty="0">
+              <a:rPr lang="en-US" altLang="ko-KR" sz="1900" spc="-150" dirty="0">
                 <a:latin typeface="+mn-ea"/>
                 <a:ea typeface="+mn-ea"/>
               </a:rPr>
               <a:t>,</a:t>
             </a:r>
             <a:r>
-              <a:rPr lang="ko-KR" altLang="en-US" sz="1500" spc="-150" dirty="0">
+              <a:rPr lang="ko-KR" altLang="en-US" sz="1900" spc="-150" dirty="0">
                 <a:latin typeface="+mn-ea"/>
                 <a:ea typeface="+mn-ea"/>
               </a:rPr>
               <a:t> 옷만 </a:t>
             </a:r>
             <a:r>
-              <a:rPr lang="en-US" altLang="ko-KR" sz="1500" spc="-150" dirty="0">
+              <a:rPr lang="en-US" altLang="ko-KR" sz="1900" spc="-150" dirty="0">
                 <a:latin typeface="+mn-ea"/>
                 <a:ea typeface="+mn-ea"/>
               </a:rPr>
               <a:t>Crop </a:t>
             </a:r>
             <a:r>
-              <a:rPr lang="ko-KR" altLang="en-US" sz="1500" spc="-150" dirty="0">
+              <a:rPr lang="ko-KR" altLang="en-US" sz="1900" spc="-150" dirty="0">
                 <a:latin typeface="+mn-ea"/>
                 <a:ea typeface="+mn-ea"/>
               </a:rPr>
               <a:t>된 것을 확인할 수 있습니다</a:t>
             </a:r>
             <a:r>
-              <a:rPr lang="en-US" altLang="ko-KR" sz="1500" spc="-150" dirty="0">
+              <a:rPr lang="en-US" altLang="ko-KR" sz="1900" spc="-150" dirty="0">
                 <a:latin typeface="+mn-ea"/>
                 <a:ea typeface="+mn-ea"/>
               </a:rPr>
               <a:t>.</a:t>
             </a:r>
-          </a:p>
-          <a:p>
-            <a:pPr>
-              <a:lnSpc>
-                <a:spcPct val="120000"/>
-              </a:lnSpc>
-              <a:defRPr/>
-            </a:pPr>
-            <a:endParaRPr lang="en-US" altLang="ko-KR" sz="1500" spc="-150" dirty="0">
-              <a:latin typeface="+mn-ea"/>
-              <a:ea typeface="+mn-ea"/>
-            </a:endParaRPr>
-          </a:p>
-          <a:p>
-            <a:pPr>
-              <a:lnSpc>
-                <a:spcPct val="120000"/>
-              </a:lnSpc>
-              <a:defRPr/>
-            </a:pPr>
-            <a:r>
-              <a:rPr lang="ko-KR" altLang="en-US" sz="1500" spc="-150" dirty="0">
+            <a:r>
+              <a:rPr lang="ko-KR" altLang="en-US" sz="1900" spc="-150" dirty="0">
                 <a:latin typeface="+mn-ea"/>
                 <a:ea typeface="+mn-ea"/>
               </a:rPr>
               <a:t> </a:t>
             </a:r>
-            <a:endParaRPr lang="en-US" altLang="ko-KR" sz="1500" spc="-150" dirty="0">
-              <a:latin typeface="+mn-ea"/>
-              <a:ea typeface="+mn-ea"/>
-            </a:endParaRPr>
-          </a:p>
-        </p:txBody>
-      </p:sp>
-      <p:sp>
-        <p:nvSpPr>
-          <p:cNvPr id="9" name="제목 38">
-            <a:extLst>
-              <a:ext uri="{FF2B5EF4-FFF2-40B4-BE49-F238E27FC236}">
-                <a16:creationId xmlns:a16="http://schemas.microsoft.com/office/drawing/2014/main" id="{17C34476-D9F6-9005-524F-E315A8266863}"/>
-              </a:ext>
-            </a:extLst>
-          </p:cNvPr>
-          <p:cNvSpPr txBox="1">
-            <a:spLocks/>
-          </p:cNvSpPr>
-          <p:nvPr/>
-        </p:nvSpPr>
-        <p:spPr>
-          <a:xfrm>
-            <a:off x="560352" y="4351178"/>
-            <a:ext cx="1410215" cy="445258"/>
-          </a:xfrm>
-          <a:prstGeom prst="rect">
-            <a:avLst/>
-          </a:prstGeom>
-        </p:spPr>
-        <p:txBody>
-          <a:bodyPr vert="horz" lIns="112542" tIns="56271" rIns="112542" bIns="56271" rtlCol="0" anchor="t">
-            <a:noAutofit/>
-          </a:bodyPr>
-          <a:lstStyle>
-            <a:lvl1pPr algn="l" defTabSz="914400" rtl="0" eaLnBrk="1" latinLnBrk="1" hangingPunct="1">
-              <a:lnSpc>
-                <a:spcPct val="90000"/>
-              </a:lnSpc>
-              <a:spcBef>
-                <a:spcPct val="0"/>
-              </a:spcBef>
-              <a:buNone/>
-              <a:defRPr sz="4400" kern="1200">
-                <a:solidFill>
-                  <a:schemeClr val="tx1"/>
-                </a:solidFill>
-                <a:latin typeface="+mj-lt"/>
-                <a:ea typeface="+mj-ea"/>
-                <a:cs typeface="+mj-cs"/>
-              </a:defRPr>
-            </a:lvl1pPr>
-          </a:lstStyle>
-          <a:p>
-            <a:pPr>
-              <a:defRPr/>
-            </a:pPr>
-            <a:endParaRPr lang="en-US" altLang="ko-KR" sz="2100" spc="-185" dirty="0">
+            <a:endParaRPr lang="en-US" altLang="ko-KR" sz="1900" spc="-150" dirty="0">
               <a:latin typeface="+mn-ea"/>
               <a:ea typeface="+mn-ea"/>
             </a:endParaRPr>
@@ -9426,7 +9349,7 @@
         </p:blipFill>
         <p:spPr>
           <a:xfrm>
-            <a:off x="750951" y="3739797"/>
+            <a:off x="671439" y="4097602"/>
             <a:ext cx="2093165" cy="1918282"/>
           </a:xfrm>
           <a:prstGeom prst="rect">
@@ -9448,7 +9371,7 @@
         </p:nvSpPr>
         <p:spPr>
           <a:xfrm>
-            <a:off x="1092425" y="5765081"/>
+            <a:off x="1012913" y="6122886"/>
             <a:ext cx="1410215" cy="323165"/>
           </a:xfrm>
           <a:prstGeom prst="rect">
@@ -9508,7 +9431,7 @@
         </p:blipFill>
         <p:spPr>
           <a:xfrm>
-            <a:off x="3551951" y="3739798"/>
+            <a:off x="3472439" y="4097603"/>
             <a:ext cx="2034159" cy="1918282"/>
           </a:xfrm>
           <a:prstGeom prst="rect">
@@ -9530,7 +9453,7 @@
         </p:nvSpPr>
         <p:spPr>
           <a:xfrm>
-            <a:off x="3856891" y="5765081"/>
+            <a:off x="3777379" y="6122886"/>
             <a:ext cx="1410215" cy="323165"/>
           </a:xfrm>
           <a:prstGeom prst="rect">
@@ -9591,7 +9514,7 @@
         </p:blipFill>
         <p:spPr>
           <a:xfrm>
-            <a:off x="9044399" y="1611524"/>
+            <a:off x="8567320" y="1611524"/>
             <a:ext cx="2364027" cy="4202716"/>
           </a:xfrm>
           <a:prstGeom prst="rect">
@@ -9618,7 +9541,7 @@
         </p:nvSpPr>
         <p:spPr>
           <a:xfrm>
-            <a:off x="9521304" y="5830108"/>
+            <a:off x="9044225" y="5830108"/>
             <a:ext cx="1410215" cy="323165"/>
           </a:xfrm>
           <a:prstGeom prst="rect">
@@ -9648,7 +9571,7 @@
     </p:spTree>
     <p:extLst>
       <p:ext uri="{BB962C8B-B14F-4D97-AF65-F5344CB8AC3E}">
-        <p14:creationId xmlns:p14="http://schemas.microsoft.com/office/powerpoint/2010/main" val="2356805581"/>
+        <p14:creationId xmlns:p14="http://schemas.microsoft.com/office/powerpoint/2010/main" val="90834249"/>
       </p:ext>
     </p:extLst>
   </p:cSld>

--- a/춘식이 발표자료.pptx
+++ b/춘식이 발표자료.pptx
@@ -8,19 +8,20 @@
     <p:sldId id="256" r:id="rId2"/>
     <p:sldId id="257" r:id="rId3"/>
     <p:sldId id="279" r:id="rId4"/>
-    <p:sldId id="271" r:id="rId5"/>
-    <p:sldId id="272" r:id="rId6"/>
-    <p:sldId id="273" r:id="rId7"/>
-    <p:sldId id="274" r:id="rId8"/>
-    <p:sldId id="280" r:id="rId9"/>
-    <p:sldId id="260" r:id="rId10"/>
-    <p:sldId id="268" r:id="rId11"/>
-    <p:sldId id="259" r:id="rId12"/>
-    <p:sldId id="269" r:id="rId13"/>
-    <p:sldId id="270" r:id="rId14"/>
-    <p:sldId id="276" r:id="rId15"/>
-    <p:sldId id="278" r:id="rId16"/>
-    <p:sldId id="258" r:id="rId17"/>
+    <p:sldId id="281" r:id="rId5"/>
+    <p:sldId id="271" r:id="rId6"/>
+    <p:sldId id="272" r:id="rId7"/>
+    <p:sldId id="273" r:id="rId8"/>
+    <p:sldId id="274" r:id="rId9"/>
+    <p:sldId id="280" r:id="rId10"/>
+    <p:sldId id="260" r:id="rId11"/>
+    <p:sldId id="268" r:id="rId12"/>
+    <p:sldId id="259" r:id="rId13"/>
+    <p:sldId id="269" r:id="rId14"/>
+    <p:sldId id="270" r:id="rId15"/>
+    <p:sldId id="276" r:id="rId16"/>
+    <p:sldId id="278" r:id="rId17"/>
+    <p:sldId id="258" r:id="rId18"/>
   </p:sldIdLst>
   <p:sldSz cx="12192000" cy="6858000"/>
   <p:notesSz cx="9926638" cy="6797675"/>
@@ -258,7 +259,7 @@
           <a:p>
             <a:fld id="{E3865E59-E335-4380-AB86-4C6C7EBFDC45}" type="datetimeFigureOut">
               <a:rPr lang="ko-KR" altLang="en-US" smtClean="0"/>
-              <a:t>2022. 11. 21.</a:t>
+              <a:t>2022. 11. 22.</a:t>
             </a:fld>
             <a:endParaRPr lang="ko-KR" altLang="en-US"/>
           </a:p>
@@ -428,7 +429,7 @@
           <a:p>
             <a:fld id="{E3865E59-E335-4380-AB86-4C6C7EBFDC45}" type="datetimeFigureOut">
               <a:rPr lang="ko-KR" altLang="en-US" smtClean="0"/>
-              <a:t>2022. 11. 21.</a:t>
+              <a:t>2022. 11. 22.</a:t>
             </a:fld>
             <a:endParaRPr lang="ko-KR" altLang="en-US"/>
           </a:p>
@@ -608,7 +609,7 @@
           <a:p>
             <a:fld id="{E3865E59-E335-4380-AB86-4C6C7EBFDC45}" type="datetimeFigureOut">
               <a:rPr lang="ko-KR" altLang="en-US" smtClean="0"/>
-              <a:t>2022. 11. 21.</a:t>
+              <a:t>2022. 11. 22.</a:t>
             </a:fld>
             <a:endParaRPr lang="ko-KR" altLang="en-US"/>
           </a:p>
@@ -778,7 +779,7 @@
           <a:p>
             <a:fld id="{E3865E59-E335-4380-AB86-4C6C7EBFDC45}" type="datetimeFigureOut">
               <a:rPr lang="ko-KR" altLang="en-US" smtClean="0"/>
-              <a:t>2022. 11. 21.</a:t>
+              <a:t>2022. 11. 22.</a:t>
             </a:fld>
             <a:endParaRPr lang="ko-KR" altLang="en-US"/>
           </a:p>
@@ -1024,7 +1025,7 @@
           <a:p>
             <a:fld id="{E3865E59-E335-4380-AB86-4C6C7EBFDC45}" type="datetimeFigureOut">
               <a:rPr lang="ko-KR" altLang="en-US" smtClean="0"/>
-              <a:t>2022. 11. 21.</a:t>
+              <a:t>2022. 11. 22.</a:t>
             </a:fld>
             <a:endParaRPr lang="ko-KR" altLang="en-US"/>
           </a:p>
@@ -1256,7 +1257,7 @@
           <a:p>
             <a:fld id="{E3865E59-E335-4380-AB86-4C6C7EBFDC45}" type="datetimeFigureOut">
               <a:rPr lang="ko-KR" altLang="en-US" smtClean="0"/>
-              <a:t>2022. 11. 21.</a:t>
+              <a:t>2022. 11. 22.</a:t>
             </a:fld>
             <a:endParaRPr lang="ko-KR" altLang="en-US"/>
           </a:p>
@@ -1623,7 +1624,7 @@
           <a:p>
             <a:fld id="{E3865E59-E335-4380-AB86-4C6C7EBFDC45}" type="datetimeFigureOut">
               <a:rPr lang="ko-KR" altLang="en-US" smtClean="0"/>
-              <a:t>2022. 11. 21.</a:t>
+              <a:t>2022. 11. 22.</a:t>
             </a:fld>
             <a:endParaRPr lang="ko-KR" altLang="en-US"/>
           </a:p>
@@ -1741,7 +1742,7 @@
           <a:p>
             <a:fld id="{E3865E59-E335-4380-AB86-4C6C7EBFDC45}" type="datetimeFigureOut">
               <a:rPr lang="ko-KR" altLang="en-US" smtClean="0"/>
-              <a:t>2022. 11. 21.</a:t>
+              <a:t>2022. 11. 22.</a:t>
             </a:fld>
             <a:endParaRPr lang="ko-KR" altLang="en-US"/>
           </a:p>
@@ -1836,7 +1837,7 @@
           <a:p>
             <a:fld id="{E3865E59-E335-4380-AB86-4C6C7EBFDC45}" type="datetimeFigureOut">
               <a:rPr lang="ko-KR" altLang="en-US" smtClean="0"/>
-              <a:t>2022. 11. 21.</a:t>
+              <a:t>2022. 11. 22.</a:t>
             </a:fld>
             <a:endParaRPr lang="ko-KR" altLang="en-US"/>
           </a:p>
@@ -2113,7 +2114,7 @@
           <a:p>
             <a:fld id="{E3865E59-E335-4380-AB86-4C6C7EBFDC45}" type="datetimeFigureOut">
               <a:rPr lang="ko-KR" altLang="en-US" smtClean="0"/>
-              <a:t>2022. 11. 21.</a:t>
+              <a:t>2022. 11. 22.</a:t>
             </a:fld>
             <a:endParaRPr lang="ko-KR" altLang="en-US"/>
           </a:p>
@@ -2370,7 +2371,7 @@
           <a:p>
             <a:fld id="{E3865E59-E335-4380-AB86-4C6C7EBFDC45}" type="datetimeFigureOut">
               <a:rPr lang="ko-KR" altLang="en-US" smtClean="0"/>
-              <a:t>2022. 11. 21.</a:t>
+              <a:t>2022. 11. 22.</a:t>
             </a:fld>
             <a:endParaRPr lang="ko-KR" altLang="en-US"/>
           </a:p>
@@ -2583,7 +2584,7 @@
           <a:p>
             <a:fld id="{E3865E59-E335-4380-AB86-4C6C7EBFDC45}" type="datetimeFigureOut">
               <a:rPr lang="ko-KR" altLang="en-US" smtClean="0"/>
-              <a:t>2022. 11. 21.</a:t>
+              <a:t>2022. 11. 22.</a:t>
             </a:fld>
             <a:endParaRPr lang="ko-KR" altLang="en-US"/>
           </a:p>
@@ -3207,8 +3208,8 @@
         </p:nvSpPr>
         <p:spPr>
           <a:xfrm>
-            <a:off x="363552" y="1507970"/>
-            <a:ext cx="11523648" cy="4488793"/>
+            <a:off x="363552" y="1547727"/>
+            <a:ext cx="11393019" cy="445258"/>
           </a:xfrm>
           <a:prstGeom prst="rect">
             <a:avLst/>
@@ -3239,101 +3240,89 @@
           </a:lstStyle>
           <a:p>
             <a:pPr>
-              <a:lnSpc>
-                <a:spcPct val="150000"/>
-              </a:lnSpc>
-              <a:defRPr/>
-            </a:pPr>
-            <a:r>
-              <a:rPr lang="en-US" altLang="ko-KR" sz="2100" spc="-150" dirty="0">
-                <a:latin typeface="+mn-ea"/>
-                <a:ea typeface="+mn-ea"/>
-              </a:rPr>
-              <a:t>2-2. Color</a:t>
-            </a:r>
-            <a:r>
-              <a:rPr lang="ko-KR" altLang="en-US" sz="2100" spc="-150" dirty="0">
-                <a:latin typeface="+mn-ea"/>
-                <a:ea typeface="+mn-ea"/>
-              </a:rPr>
-              <a:t>는 자세한 정보지만</a:t>
-            </a:r>
-            <a:r>
-              <a:rPr lang="en-US" altLang="ko-KR" sz="2100" spc="-150" dirty="0">
+              <a:defRPr/>
+            </a:pPr>
+            <a:r>
+              <a:rPr lang="en-US" altLang="ko-KR" sz="2100" spc="-185" dirty="0">
+                <a:latin typeface="+mn-ea"/>
+                <a:ea typeface="+mn-ea"/>
+              </a:rPr>
+              <a:t>2-1. </a:t>
+            </a:r>
+            <a:r>
+              <a:rPr lang="ko-KR" altLang="en-US" sz="2100" spc="-185" dirty="0">
+                <a:latin typeface="+mn-ea"/>
+                <a:ea typeface="+mn-ea"/>
+              </a:rPr>
+              <a:t>이미지 크기를 적절히 조절하거나</a:t>
+            </a:r>
+            <a:r>
+              <a:rPr lang="en-US" altLang="ko-KR" sz="2100" spc="-185" dirty="0">
                 <a:latin typeface="+mn-ea"/>
                 <a:ea typeface="+mn-ea"/>
               </a:rPr>
               <a:t>, </a:t>
             </a:r>
             <a:r>
-              <a:rPr lang="ko-KR" altLang="en-US" sz="2100" spc="-150" dirty="0">
-                <a:latin typeface="+mn-ea"/>
-                <a:ea typeface="+mn-ea"/>
-              </a:rPr>
-              <a:t>데이터가 크고</a:t>
-            </a:r>
-            <a:r>
-              <a:rPr lang="en-US" altLang="ko-KR" sz="2100" spc="-150" dirty="0">
-                <a:latin typeface="+mn-ea"/>
-                <a:ea typeface="+mn-ea"/>
-              </a:rPr>
-              <a:t>, Gray</a:t>
-            </a:r>
-            <a:r>
-              <a:rPr lang="ko-KR" altLang="en-US" sz="2100" spc="-150" dirty="0">
-                <a:latin typeface="+mn-ea"/>
-                <a:ea typeface="+mn-ea"/>
-              </a:rPr>
-              <a:t>는 덜 자세하지만 데이터가 작아</a:t>
-            </a:r>
-            <a:r>
-              <a:rPr lang="en-US" altLang="ko-KR" sz="2100" spc="-150" dirty="0">
-                <a:latin typeface="+mn-ea"/>
-                <a:ea typeface="+mn-ea"/>
-              </a:rPr>
-              <a:t> </a:t>
-            </a:r>
-            <a:r>
-              <a:rPr lang="ko-KR" altLang="en-US" sz="2100" spc="-150" dirty="0">
-                <a:latin typeface="+mn-ea"/>
-                <a:ea typeface="+mn-ea"/>
-              </a:rPr>
-              <a:t>학습에 유리하다</a:t>
-            </a:r>
-            <a:r>
-              <a:rPr lang="en-US" altLang="ko-KR" sz="2100" spc="-150" dirty="0">
-                <a:latin typeface="+mn-ea"/>
-                <a:ea typeface="+mn-ea"/>
-              </a:rPr>
-              <a:t>. </a:t>
-            </a:r>
-            <a:r>
-              <a:rPr lang="ko-KR" altLang="en-US" sz="2100" spc="-150" dirty="0">
-                <a:latin typeface="+mn-ea"/>
-                <a:ea typeface="+mn-ea"/>
-              </a:rPr>
-              <a:t>어떤 데이터셋이 분류문제에서 더 좋은 결과를 보이는가</a:t>
-            </a:r>
-            <a:r>
-              <a:rPr lang="en-US" altLang="ko-KR" sz="2100" spc="-150" dirty="0">
-                <a:latin typeface="+mn-ea"/>
-                <a:ea typeface="+mn-ea"/>
-              </a:rPr>
-              <a:t>?</a:t>
-            </a:r>
-          </a:p>
-          <a:p>
-            <a:pPr>
-              <a:lnSpc>
-                <a:spcPct val="150000"/>
-              </a:lnSpc>
-              <a:defRPr/>
-            </a:pPr>
-            <a:endParaRPr lang="en-US" altLang="ko-KR" sz="2100" spc="-150" dirty="0">
+              <a:rPr lang="ko-KR" altLang="en-US" sz="2100" spc="-185" dirty="0">
+                <a:latin typeface="+mn-ea"/>
+                <a:ea typeface="+mn-ea"/>
+              </a:rPr>
+              <a:t>해상도를 조절하여 학습 데이터 셋을 </a:t>
+            </a:r>
+            <a:r>
+              <a:rPr lang="ko-KR" altLang="en-US" sz="2100" spc="-185" dirty="0" err="1">
+                <a:latin typeface="+mn-ea"/>
+                <a:ea typeface="+mn-ea"/>
+              </a:rPr>
+              <a:t>구축하시오</a:t>
+            </a:r>
+            <a:r>
+              <a:rPr lang="en-US" altLang="ko-KR" sz="2100" spc="-185" dirty="0">
+                <a:latin typeface="+mn-ea"/>
+                <a:ea typeface="+mn-ea"/>
+              </a:rPr>
+              <a:t>.</a:t>
+            </a:r>
+          </a:p>
+          <a:p>
+            <a:pPr>
+              <a:defRPr/>
+            </a:pPr>
+            <a:endParaRPr lang="en-US" altLang="ko-KR" sz="2100" spc="-185" dirty="0">
               <a:latin typeface="+mn-ea"/>
               <a:ea typeface="+mn-ea"/>
             </a:endParaRPr>
           </a:p>
+        </p:txBody>
+      </p:sp>
+      <p:sp>
+        <p:nvSpPr>
+          <p:cNvPr id="5" name="TextBox 4">
+            <a:extLst>
+              <a:ext uri="{FF2B5EF4-FFF2-40B4-BE49-F238E27FC236}">
+                <a16:creationId xmlns:a16="http://schemas.microsoft.com/office/drawing/2014/main" id="{BE27B679-F534-AA60-6303-182A391D5CE6}"/>
+              </a:ext>
+            </a:extLst>
+          </p:cNvPr>
+          <p:cNvSpPr txBox="1"/>
+          <p:nvPr/>
+        </p:nvSpPr>
+        <p:spPr>
+          <a:xfrm>
+            <a:off x="4271918" y="2031349"/>
+            <a:ext cx="7448077" cy="4421595"/>
+          </a:xfrm>
+          <a:prstGeom prst="rect">
+            <a:avLst/>
+          </a:prstGeom>
+          <a:noFill/>
+        </p:spPr>
+        <p:txBody>
+          <a:bodyPr wrap="square" rtlCol="0">
+            <a:spAutoFit/>
+          </a:bodyPr>
+          <a:lstStyle/>
           <a:p>
             <a:pPr>
               <a:lnSpc>
@@ -3342,11 +3331,46 @@
               <a:defRPr/>
             </a:pPr>
             <a:r>
-              <a:rPr lang="en-US" altLang="ko-KR" sz="2100" spc="-150" dirty="0">
-                <a:latin typeface="+mn-ea"/>
-                <a:ea typeface="+mn-ea"/>
-              </a:rPr>
-              <a:t>Answer:</a:t>
+              <a:rPr lang="en-US" altLang="ko-KR" sz="1900" spc="-150" dirty="0">
+                <a:latin typeface="+mn-ea"/>
+              </a:rPr>
+              <a:t>1.</a:t>
+            </a:r>
+            <a:r>
+              <a:rPr lang="ko-KR" altLang="en-US" sz="1900" spc="-150" dirty="0">
+                <a:latin typeface="+mn-ea"/>
+              </a:rPr>
+              <a:t> 이미지의 위</a:t>
+            </a:r>
+            <a:r>
+              <a:rPr lang="en-US" altLang="ko-KR" sz="1900" spc="-150" dirty="0">
+                <a:latin typeface="+mn-ea"/>
+              </a:rPr>
+              <a:t>,</a:t>
+            </a:r>
+            <a:r>
+              <a:rPr lang="ko-KR" altLang="en-US" sz="1900" spc="-150" dirty="0">
+                <a:latin typeface="+mn-ea"/>
+              </a:rPr>
+              <a:t> 아래</a:t>
+            </a:r>
+            <a:r>
+              <a:rPr lang="en-US" altLang="ko-KR" sz="1900" spc="-150" dirty="0">
+                <a:latin typeface="+mn-ea"/>
+              </a:rPr>
+              <a:t>,</a:t>
+            </a:r>
+            <a:r>
+              <a:rPr lang="ko-KR" altLang="en-US" sz="1900" spc="-150" dirty="0">
+                <a:latin typeface="+mn-ea"/>
+              </a:rPr>
+              <a:t> 양 옆을 강제로 제거한다</a:t>
+            </a:r>
+            <a:r>
+              <a:rPr lang="en-US" altLang="ko-KR" sz="1900" spc="-150" dirty="0">
+                <a:latin typeface="+mn-ea"/>
+              </a:rPr>
+              <a:t>.</a:t>
             </a:r>
           </a:p>
           <a:p>
@@ -3357,40 +3381,56 @@
               <a:defRPr/>
             </a:pPr>
             <a:r>
-              <a:rPr lang="en-US" altLang="ko-KR" sz="2100" spc="-150" dirty="0">
-                <a:latin typeface="+mn-ea"/>
-                <a:ea typeface="+mn-ea"/>
-              </a:rPr>
-              <a:t>Color</a:t>
-            </a:r>
-            <a:r>
-              <a:rPr lang="ko-KR" altLang="en-US" sz="2100" spc="-150" dirty="0">
-                <a:latin typeface="+mn-ea"/>
-                <a:ea typeface="+mn-ea"/>
-              </a:rPr>
-              <a:t>는 </a:t>
-            </a:r>
-            <a:r>
-              <a:rPr lang="en-US" altLang="ko-KR" sz="2100" spc="-150" dirty="0">
-                <a:latin typeface="+mn-ea"/>
-                <a:ea typeface="+mn-ea"/>
-              </a:rPr>
-              <a:t>3</a:t>
-            </a:r>
-            <a:r>
-              <a:rPr lang="ko-KR" altLang="en-US" sz="2100" spc="-150" dirty="0">
-                <a:latin typeface="+mn-ea"/>
-                <a:ea typeface="+mn-ea"/>
-              </a:rPr>
-              <a:t>차원 데이터로 정보가 너무 많아 정확도가 떨어질 수 있고</a:t>
-            </a:r>
-            <a:r>
-              <a:rPr lang="en-US" altLang="ko-KR" sz="2100" spc="-150" dirty="0">
-                <a:latin typeface="+mn-ea"/>
-                <a:ea typeface="+mn-ea"/>
+              <a:rPr lang="en-US" altLang="ko-KR" sz="1900" spc="-150" dirty="0">
+                <a:latin typeface="+mn-ea"/>
+              </a:rPr>
+              <a:t>2.</a:t>
+            </a:r>
+            <a:r>
+              <a:rPr lang="ko-KR" altLang="en-US" sz="1900" spc="-150" dirty="0">
+                <a:latin typeface="+mn-ea"/>
+              </a:rPr>
+              <a:t> 이미지의 해상도를 낮추고</a:t>
+            </a:r>
+            <a:r>
+              <a:rPr lang="en-US" altLang="ko-KR" sz="1900" spc="-150" dirty="0">
+                <a:latin typeface="+mn-ea"/>
               </a:rPr>
               <a:t>,</a:t>
             </a:r>
+            <a:r>
+              <a:rPr lang="ko-KR" altLang="en-US" sz="1900" spc="-150" dirty="0">
+                <a:latin typeface="+mn-ea"/>
+              </a:rPr>
+              <a:t> </a:t>
+            </a:r>
+            <a:r>
+              <a:rPr lang="en-US" altLang="ko-KR" sz="1900" spc="-150" dirty="0">
+                <a:latin typeface="+mn-ea"/>
+              </a:rPr>
+              <a:t>Gray Scale</a:t>
+            </a:r>
+            <a:r>
+              <a:rPr lang="ko-KR" altLang="en-US" sz="1900" spc="-150" dirty="0">
+                <a:latin typeface="+mn-ea"/>
+              </a:rPr>
+              <a:t>로 전환한다</a:t>
+            </a:r>
+            <a:r>
+              <a:rPr lang="en-US" altLang="ko-KR" sz="1900" spc="-150" dirty="0">
+                <a:latin typeface="+mn-ea"/>
+              </a:rPr>
+              <a:t>.</a:t>
+            </a:r>
+            <a:r>
+              <a:rPr lang="ko-KR" altLang="en-US" sz="1900" spc="-150" dirty="0">
+                <a:latin typeface="+mn-ea"/>
+              </a:rPr>
+              <a:t> </a:t>
+            </a:r>
+            <a:endParaRPr lang="en-US" altLang="ko-KR" sz="1900" spc="-150" dirty="0">
+              <a:latin typeface="+mn-ea"/>
+            </a:endParaRPr>
           </a:p>
           <a:p>
             <a:pPr>
@@ -3400,29 +3440,143 @@
               <a:defRPr/>
             </a:pPr>
             <a:r>
-              <a:rPr lang="ko-KR" altLang="en-US" sz="2100" spc="-150" dirty="0">
-                <a:latin typeface="+mn-ea"/>
-                <a:ea typeface="+mn-ea"/>
-              </a:rPr>
-              <a:t>상품 분류는 색이 아닌 옷의 형태로 구분되기 때문에 색상 데이터는 필요하지 않습니다</a:t>
-            </a:r>
-            <a:r>
-              <a:rPr lang="en-US" altLang="ko-KR" sz="2100" spc="-150" dirty="0">
-                <a:latin typeface="+mn-ea"/>
-                <a:ea typeface="+mn-ea"/>
+              <a:rPr lang="en-US" altLang="ko-KR" sz="1900" spc="-150" dirty="0">
+                <a:latin typeface="+mn-ea"/>
+              </a:rPr>
+              <a:t>3.</a:t>
+            </a:r>
+            <a:r>
+              <a:rPr lang="ko-KR" altLang="en-US" sz="1900" spc="-150" dirty="0">
+                <a:latin typeface="+mn-ea"/>
+              </a:rPr>
+              <a:t> </a:t>
+            </a:r>
+            <a:r>
+              <a:rPr lang="en-US" altLang="ko-KR" sz="1900" spc="-150" dirty="0">
+                <a:latin typeface="+mn-ea"/>
+              </a:rPr>
+              <a:t>Adaptive</a:t>
+            </a:r>
+            <a:r>
+              <a:rPr lang="ko-KR" altLang="en-US" sz="1900" spc="-150" dirty="0">
+                <a:latin typeface="+mn-ea"/>
+              </a:rPr>
+              <a:t> </a:t>
+            </a:r>
+            <a:r>
+              <a:rPr lang="en-US" altLang="ko-KR" sz="1900" spc="-150" dirty="0">
+                <a:latin typeface="+mn-ea"/>
+              </a:rPr>
+              <a:t>Threshold</a:t>
+            </a:r>
+            <a:r>
+              <a:rPr lang="ko-KR" altLang="en-US" sz="1900" spc="-150" dirty="0">
+                <a:latin typeface="+mn-ea"/>
+              </a:rPr>
+              <a:t> 함수를 이용해 이미지 이진화를 한다</a:t>
+            </a:r>
+            <a:r>
+              <a:rPr lang="en-US" altLang="ko-KR" sz="1900" spc="-150" dirty="0">
+                <a:latin typeface="+mn-ea"/>
               </a:rPr>
               <a:t>.</a:t>
             </a:r>
-            <a:r>
-              <a:rPr lang="ko-KR" altLang="en-US" sz="2100" spc="-150" dirty="0">
-                <a:latin typeface="+mn-ea"/>
-                <a:ea typeface="+mn-ea"/>
+          </a:p>
+          <a:p>
+            <a:pPr>
+              <a:lnSpc>
+                <a:spcPct val="150000"/>
+              </a:lnSpc>
+              <a:defRPr/>
+            </a:pPr>
+            <a:r>
+              <a:rPr lang="en-US" altLang="ko-KR" sz="1900" spc="-150" dirty="0">
+                <a:latin typeface="+mn-ea"/>
+              </a:rPr>
+              <a:t>4.</a:t>
+            </a:r>
+            <a:r>
+              <a:rPr lang="ko-KR" altLang="en-US" sz="1900" spc="-150" dirty="0">
+                <a:latin typeface="+mn-ea"/>
+              </a:rPr>
+              <a:t> 노이즈를 낮추기 위해 </a:t>
+            </a:r>
+            <a:r>
+              <a:rPr lang="en-US" altLang="ko-KR" sz="1900" spc="-150" dirty="0">
+                <a:latin typeface="+mn-ea"/>
+              </a:rPr>
+              <a:t>1</a:t>
+            </a:r>
+            <a:r>
+              <a:rPr lang="ko-KR" altLang="en-US" sz="1900" spc="-150" dirty="0">
+                <a:latin typeface="+mn-ea"/>
+              </a:rPr>
+              <a:t>차적으로 </a:t>
+            </a:r>
+            <a:r>
+              <a:rPr lang="en-US" altLang="ko-KR" sz="1900" spc="-150" dirty="0">
+                <a:latin typeface="+mn-ea"/>
+              </a:rPr>
+              <a:t>Blur</a:t>
+            </a:r>
+            <a:r>
+              <a:rPr lang="ko-KR" altLang="en-US" sz="1900" spc="-150" dirty="0">
+                <a:latin typeface="+mn-ea"/>
+              </a:rPr>
+              <a:t> 처리를 한다</a:t>
+            </a:r>
+            <a:r>
+              <a:rPr lang="en-US" altLang="ko-KR" sz="1900" spc="-150" dirty="0">
+                <a:latin typeface="+mn-ea"/>
+              </a:rPr>
+              <a:t>.</a:t>
+            </a:r>
+          </a:p>
+          <a:p>
+            <a:pPr>
+              <a:lnSpc>
+                <a:spcPct val="150000"/>
+              </a:lnSpc>
+              <a:defRPr/>
+            </a:pPr>
+            <a:r>
+              <a:rPr lang="en-US" altLang="ko-KR" sz="1900" spc="-150" dirty="0">
+                <a:latin typeface="+mn-ea"/>
+              </a:rPr>
+              <a:t>5.</a:t>
+            </a:r>
+            <a:r>
+              <a:rPr lang="ko-KR" altLang="en-US" sz="1900" spc="-150" dirty="0">
+                <a:latin typeface="+mn-ea"/>
               </a:rPr>
               <a:t> </a:t>
             </a:r>
-            <a:endParaRPr lang="en-US" altLang="ko-KR" sz="2100" spc="-150" dirty="0">
+            <a:r>
+              <a:rPr lang="en-US" altLang="ko-KR" sz="1900" spc="-150" dirty="0">
+                <a:latin typeface="+mn-ea"/>
+              </a:rPr>
+              <a:t>2</a:t>
+            </a:r>
+            <a:r>
+              <a:rPr lang="ko-KR" altLang="en-US" sz="1900" spc="-150" dirty="0">
+                <a:latin typeface="+mn-ea"/>
+              </a:rPr>
+              <a:t>차적으로 커널을 생성하여 </a:t>
+            </a:r>
+            <a:r>
+              <a:rPr lang="en-US" altLang="ko-KR" sz="1900" spc="-150" dirty="0">
+                <a:latin typeface="+mn-ea"/>
+              </a:rPr>
+              <a:t>Morphology </a:t>
+            </a:r>
+            <a:r>
+              <a:rPr lang="ko-KR" altLang="en-US" sz="1900" spc="-150" dirty="0">
+                <a:latin typeface="+mn-ea"/>
+              </a:rPr>
+              <a:t>연산 중 </a:t>
+            </a:r>
+            <a:endParaRPr lang="en-US" altLang="ko-KR" sz="1900" spc="-150" dirty="0">
               <a:latin typeface="+mn-ea"/>
-              <a:ea typeface="+mn-ea"/>
             </a:endParaRPr>
           </a:p>
           <a:p>
@@ -3433,30 +3587,32 @@
               <a:defRPr/>
             </a:pPr>
             <a:r>
-              <a:rPr lang="ko-KR" altLang="en-US" sz="2100" spc="-150" dirty="0">
-                <a:latin typeface="+mn-ea"/>
-                <a:ea typeface="+mn-ea"/>
-              </a:rPr>
-              <a:t>그렇기에</a:t>
-            </a:r>
-            <a:r>
-              <a:rPr lang="en-US" altLang="ko-KR" sz="2100" spc="-150" dirty="0">
-                <a:latin typeface="+mn-ea"/>
-                <a:ea typeface="+mn-ea"/>
-              </a:rPr>
-              <a:t> Gray Scale</a:t>
-            </a:r>
-            <a:r>
-              <a:rPr lang="ko-KR" altLang="en-US" sz="2100" spc="-150" dirty="0">
-                <a:latin typeface="+mn-ea"/>
-                <a:ea typeface="+mn-ea"/>
-              </a:rPr>
-              <a:t>로 학습을 진행하였습니다</a:t>
-            </a:r>
-            <a:r>
-              <a:rPr lang="en-US" altLang="ko-KR" sz="2100" spc="-150" dirty="0">
-                <a:latin typeface="+mn-ea"/>
-                <a:ea typeface="+mn-ea"/>
+              <a:rPr lang="en-US" altLang="ko-KR" sz="1900" spc="-150" dirty="0">
+                <a:latin typeface="+mn-ea"/>
+              </a:rPr>
+              <a:t>closing </a:t>
+            </a:r>
+            <a:r>
+              <a:rPr lang="ko-KR" altLang="en-US" sz="1900" spc="-150" dirty="0">
+                <a:latin typeface="+mn-ea"/>
+              </a:rPr>
+              <a:t>연산과 </a:t>
+            </a:r>
+            <a:r>
+              <a:rPr lang="en-US" altLang="ko-KR" sz="1900" spc="-150" dirty="0">
+                <a:latin typeface="+mn-ea"/>
+              </a:rPr>
+              <a:t>gradient </a:t>
+            </a:r>
+            <a:r>
+              <a:rPr lang="ko-KR" altLang="en-US" sz="1900" spc="-150" dirty="0">
+                <a:latin typeface="+mn-ea"/>
+              </a:rPr>
+              <a:t>연산을 거친다</a:t>
+            </a:r>
+            <a:r>
+              <a:rPr lang="en-US" altLang="ko-KR" sz="1900" spc="-150" dirty="0">
+                <a:latin typeface="+mn-ea"/>
               </a:rPr>
               <a:t>.</a:t>
             </a:r>
@@ -3468,17 +3624,199 @@
               </a:lnSpc>
               <a:defRPr/>
             </a:pPr>
-            <a:endParaRPr lang="en-US" altLang="ko-KR" sz="2100" spc="-150" dirty="0">
+            <a:r>
+              <a:rPr lang="en-US" altLang="ko-KR" sz="1900" spc="-150" dirty="0">
+                <a:latin typeface="+mn-ea"/>
+              </a:rPr>
+              <a:t>6.</a:t>
+            </a:r>
+            <a:r>
+              <a:rPr lang="ko-KR" altLang="en-US" sz="1900" spc="-150" dirty="0">
+                <a:latin typeface="+mn-ea"/>
+              </a:rPr>
+              <a:t> </a:t>
+            </a:r>
+            <a:r>
+              <a:rPr lang="en-US" altLang="ko-KR" sz="1900" spc="-150" dirty="0">
+                <a:latin typeface="+mn-ea"/>
+              </a:rPr>
+              <a:t>Find</a:t>
+            </a:r>
+            <a:r>
+              <a:rPr lang="ko-KR" altLang="en-US" sz="1900" spc="-150" dirty="0">
+                <a:latin typeface="+mn-ea"/>
+              </a:rPr>
+              <a:t> </a:t>
+            </a:r>
+            <a:r>
+              <a:rPr lang="en-US" altLang="ko-KR" sz="1900" spc="-150" dirty="0">
+                <a:latin typeface="+mn-ea"/>
+              </a:rPr>
+              <a:t>Contours</a:t>
+            </a:r>
+            <a:r>
+              <a:rPr lang="ko-KR" altLang="en-US" sz="1900" spc="-150" dirty="0">
+                <a:latin typeface="+mn-ea"/>
+              </a:rPr>
+              <a:t> 함수를 이용해 경계 값을 도출한 후 </a:t>
+            </a:r>
+            <a:endParaRPr lang="en-US" altLang="ko-KR" sz="1900" spc="-150" dirty="0">
               <a:latin typeface="+mn-ea"/>
-              <a:ea typeface="+mn-ea"/>
             </a:endParaRPr>
           </a:p>
-        </p:txBody>
-      </p:sp>
+          <a:p>
+            <a:pPr>
+              <a:lnSpc>
+                <a:spcPct val="150000"/>
+              </a:lnSpc>
+              <a:defRPr/>
+            </a:pPr>
+            <a:r>
+              <a:rPr lang="ko-KR" altLang="en-US" sz="1900" spc="-150" dirty="0">
+                <a:latin typeface="+mn-ea"/>
+              </a:rPr>
+              <a:t>그 경계 값으로 사각형을 생성해 이미지 </a:t>
+            </a:r>
+            <a:r>
+              <a:rPr lang="en-US" altLang="ko-KR" sz="1900" spc="-150" dirty="0">
+                <a:latin typeface="+mn-ea"/>
+              </a:rPr>
+              <a:t>trimming </a:t>
+            </a:r>
+            <a:r>
+              <a:rPr lang="ko-KR" altLang="en-US" sz="1900" spc="-150" dirty="0">
+                <a:latin typeface="+mn-ea"/>
+              </a:rPr>
+              <a:t>좌표를 생성한다</a:t>
+            </a:r>
+            <a:r>
+              <a:rPr lang="en-US" altLang="ko-KR" sz="1900" spc="-150" dirty="0">
+                <a:latin typeface="+mn-ea"/>
+              </a:rPr>
+              <a:t>.</a:t>
+            </a:r>
+          </a:p>
+          <a:p>
+            <a:pPr>
+              <a:lnSpc>
+                <a:spcPct val="150000"/>
+              </a:lnSpc>
+              <a:defRPr/>
+            </a:pPr>
+            <a:r>
+              <a:rPr lang="en-US" altLang="ko-KR" sz="1900" spc="-150" dirty="0">
+                <a:latin typeface="+mn-ea"/>
+              </a:rPr>
+              <a:t>7.</a:t>
+            </a:r>
+            <a:r>
+              <a:rPr lang="ko-KR" altLang="en-US" sz="1900" spc="-150" dirty="0">
+                <a:latin typeface="+mn-ea"/>
+              </a:rPr>
+              <a:t> 적응형 이진화 된 이미지를 </a:t>
+            </a:r>
+            <a:r>
+              <a:rPr lang="en-US" altLang="ko-KR" sz="1900" spc="-150" dirty="0">
+                <a:latin typeface="+mn-ea"/>
+              </a:rPr>
+              <a:t>6</a:t>
+            </a:r>
+            <a:r>
+              <a:rPr lang="ko-KR" altLang="en-US" sz="1900" spc="-150" dirty="0">
+                <a:latin typeface="+mn-ea"/>
+              </a:rPr>
+              <a:t>번에서 구한 좌표로 자르고</a:t>
+            </a:r>
+            <a:endParaRPr lang="en-US" altLang="ko-KR" sz="1900" spc="-150" dirty="0">
+              <a:latin typeface="+mn-ea"/>
+            </a:endParaRPr>
+          </a:p>
+          <a:p>
+            <a:pPr>
+              <a:lnSpc>
+                <a:spcPct val="150000"/>
+              </a:lnSpc>
+              <a:defRPr/>
+            </a:pPr>
+            <a:r>
+              <a:rPr lang="en-US" altLang="ko-KR" sz="1900" spc="-150" dirty="0">
+                <a:latin typeface="+mn-ea"/>
+              </a:rPr>
+              <a:t>32 x 32 </a:t>
+            </a:r>
+            <a:r>
+              <a:rPr lang="ko-KR" altLang="en-US" sz="1900" spc="-150" dirty="0">
+                <a:latin typeface="+mn-ea"/>
+              </a:rPr>
+              <a:t>사이즈로 </a:t>
+            </a:r>
+            <a:r>
+              <a:rPr lang="en-US" altLang="ko-KR" sz="1900" spc="-150" dirty="0">
+                <a:latin typeface="+mn-ea"/>
+              </a:rPr>
+              <a:t>Resize</a:t>
+            </a:r>
+            <a:r>
+              <a:rPr lang="ko-KR" altLang="en-US" sz="1900" spc="-150" dirty="0">
+                <a:latin typeface="+mn-ea"/>
+              </a:rPr>
+              <a:t> 후 </a:t>
+            </a:r>
+            <a:r>
+              <a:rPr lang="en-US" altLang="ko-KR" sz="1900" spc="-150" dirty="0">
+                <a:latin typeface="+mn-ea"/>
+              </a:rPr>
+              <a:t>Return </a:t>
+            </a:r>
+            <a:r>
+              <a:rPr lang="ko-KR" altLang="en-US" sz="1900" spc="-150" dirty="0">
+                <a:latin typeface="+mn-ea"/>
+              </a:rPr>
+              <a:t>한다</a:t>
+            </a:r>
+            <a:r>
+              <a:rPr lang="en-US" altLang="ko-KR" sz="1900" spc="-150" dirty="0">
+                <a:latin typeface="+mn-ea"/>
+              </a:rPr>
+              <a:t>.</a:t>
+            </a:r>
+          </a:p>
+        </p:txBody>
+      </p:sp>
+      <p:pic>
+        <p:nvPicPr>
+          <p:cNvPr id="6" name="그림 5">
+            <a:extLst>
+              <a:ext uri="{FF2B5EF4-FFF2-40B4-BE49-F238E27FC236}">
+                <a16:creationId xmlns:a16="http://schemas.microsoft.com/office/drawing/2014/main" id="{EE882DA8-81DF-FCCE-25FC-03A2CCC2406C}"/>
+              </a:ext>
+            </a:extLst>
+          </p:cNvPr>
+          <p:cNvPicPr>
+            <a:picLocks noChangeAspect="1"/>
+          </p:cNvPicPr>
+          <p:nvPr/>
+        </p:nvPicPr>
+        <p:blipFill>
+          <a:blip r:embed="rId3"/>
+          <a:stretch>
+            <a:fillRect/>
+          </a:stretch>
+        </p:blipFill>
+        <p:spPr>
+          <a:xfrm>
+            <a:off x="460549" y="1991157"/>
+            <a:ext cx="3282518" cy="4772643"/>
+          </a:xfrm>
+          <a:prstGeom prst="rect">
+            <a:avLst/>
+          </a:prstGeom>
+        </p:spPr>
+      </p:pic>
     </p:spTree>
     <p:extLst>
       <p:ext uri="{BB962C8B-B14F-4D97-AF65-F5344CB8AC3E}">
-        <p14:creationId xmlns:p14="http://schemas.microsoft.com/office/powerpoint/2010/main" val="3233515066"/>
+        <p14:creationId xmlns:p14="http://schemas.microsoft.com/office/powerpoint/2010/main" val="3434640500"/>
       </p:ext>
     </p:extLst>
   </p:cSld>
@@ -3564,7 +3902,7 @@
               <a:rPr lang="en-US" altLang="ko-KR" sz="4000" spc="-185" dirty="0">
                 <a:latin typeface="+mj-ea"/>
               </a:rPr>
-              <a:t>Mission 3</a:t>
+              <a:t>Mission 2</a:t>
             </a:r>
             <a:endParaRPr lang="ko-KR" altLang="en-US" sz="4000" spc="-185" dirty="0">
               <a:latin typeface="+mj-ea"/>
@@ -3582,8 +3920,8 @@
         </p:nvSpPr>
         <p:spPr>
           <a:xfrm>
-            <a:off x="363552" y="1669214"/>
-            <a:ext cx="11393019" cy="4379894"/>
+            <a:off x="363552" y="1507970"/>
+            <a:ext cx="11523648" cy="4488793"/>
           </a:xfrm>
           <a:prstGeom prst="rect">
             <a:avLst/>
@@ -3614,6 +3952,9 @@
           </a:lstStyle>
           <a:p>
             <a:pPr>
+              <a:lnSpc>
+                <a:spcPct val="150000"/>
+              </a:lnSpc>
               <a:defRPr/>
             </a:pPr>
             <a:r>
@@ -3621,46 +3962,84 @@
                 <a:latin typeface="+mn-ea"/>
                 <a:ea typeface="+mn-ea"/>
               </a:rPr>
-              <a:t>3-1. </a:t>
+              <a:t>2-2. Color</a:t>
             </a:r>
             <a:r>
               <a:rPr lang="ko-KR" altLang="en-US" sz="2100" spc="-150" dirty="0">
                 <a:latin typeface="+mn-ea"/>
                 <a:ea typeface="+mn-ea"/>
               </a:rPr>
-              <a:t>분류 문제를 수행하여 </a:t>
-            </a:r>
-            <a:r>
-              <a:rPr lang="en" altLang="ko-KR" sz="2100" spc="-150" dirty="0">
-                <a:latin typeface="+mn-ea"/>
-                <a:ea typeface="+mn-ea"/>
-              </a:rPr>
-              <a:t>Validation </a:t>
+              <a:t>는 자세한 정보지만</a:t>
+            </a:r>
+            <a:r>
+              <a:rPr lang="en-US" altLang="ko-KR" sz="2100" spc="-150" dirty="0">
+                <a:latin typeface="+mn-ea"/>
+                <a:ea typeface="+mn-ea"/>
+              </a:rPr>
+              <a:t>, </a:t>
             </a:r>
             <a:r>
               <a:rPr lang="ko-KR" altLang="en-US" sz="2100" spc="-150" dirty="0">
                 <a:latin typeface="+mn-ea"/>
                 <a:ea typeface="+mn-ea"/>
               </a:rPr>
-              <a:t>데이터의 라벨 별 정확도를 </a:t>
-            </a:r>
-            <a:r>
-              <a:rPr lang="ko-KR" altLang="en-US" sz="2100" spc="-150" dirty="0" err="1">
-                <a:latin typeface="+mn-ea"/>
-                <a:ea typeface="+mn-ea"/>
-              </a:rPr>
-              <a:t>제시하시오</a:t>
+              <a:t>데이터가 크고</a:t>
             </a:r>
             <a:r>
               <a:rPr lang="en-US" altLang="ko-KR" sz="2100" spc="-150" dirty="0">
                 <a:latin typeface="+mn-ea"/>
                 <a:ea typeface="+mn-ea"/>
               </a:rPr>
-              <a:t>.</a:t>
-            </a:r>
-          </a:p>
-          <a:p>
-            <a:pPr>
+              <a:t>, Gray</a:t>
+            </a:r>
+            <a:r>
+              <a:rPr lang="ko-KR" altLang="en-US" sz="2100" spc="-150" dirty="0">
+                <a:latin typeface="+mn-ea"/>
+                <a:ea typeface="+mn-ea"/>
+              </a:rPr>
+              <a:t>는 덜 자세하지만 데이터가 작아</a:t>
+            </a:r>
+            <a:r>
+              <a:rPr lang="en-US" altLang="ko-KR" sz="2100" spc="-150" dirty="0">
+                <a:latin typeface="+mn-ea"/>
+                <a:ea typeface="+mn-ea"/>
+              </a:rPr>
+              <a:t> </a:t>
+            </a:r>
+            <a:r>
+              <a:rPr lang="ko-KR" altLang="en-US" sz="2100" spc="-150" dirty="0">
+                <a:latin typeface="+mn-ea"/>
+                <a:ea typeface="+mn-ea"/>
+              </a:rPr>
+              <a:t>학습에 유리하다</a:t>
+            </a:r>
+            <a:r>
+              <a:rPr lang="en-US" altLang="ko-KR" sz="2100" spc="-150" dirty="0">
+                <a:latin typeface="+mn-ea"/>
+                <a:ea typeface="+mn-ea"/>
+              </a:rPr>
+              <a:t>. </a:t>
+            </a:r>
+            <a:r>
+              <a:rPr lang="ko-KR" altLang="en-US" sz="2100" spc="-150" dirty="0">
+                <a:latin typeface="+mn-ea"/>
+                <a:ea typeface="+mn-ea"/>
+              </a:rPr>
+              <a:t>어떤 데이터셋이 분류문제에서 더 좋은 결과를 보이는가</a:t>
+            </a:r>
+            <a:r>
+              <a:rPr lang="en-US" altLang="ko-KR" sz="2100" spc="-150" dirty="0">
+                <a:latin typeface="+mn-ea"/>
+                <a:ea typeface="+mn-ea"/>
+              </a:rPr>
+              <a:t>?</a:t>
+            </a:r>
+          </a:p>
+          <a:p>
+            <a:pPr>
+              <a:lnSpc>
+                <a:spcPct val="150000"/>
+              </a:lnSpc>
               <a:defRPr/>
             </a:pPr>
             <a:endParaRPr lang="en-US" altLang="ko-KR" sz="2100" spc="-150" dirty="0">
@@ -3670,6 +4049,9 @@
           </a:p>
           <a:p>
             <a:pPr>
+              <a:lnSpc>
+                <a:spcPct val="150000"/>
+              </a:lnSpc>
               <a:defRPr/>
             </a:pPr>
             <a:r>
@@ -3679,89 +4061,137 @@
               </a:rPr>
               <a:t>Answer:</a:t>
             </a:r>
-            <a:endParaRPr lang="ko-KR" altLang="en-US" sz="2100" spc="-150" dirty="0">
+          </a:p>
+          <a:p>
+            <a:pPr>
+              <a:lnSpc>
+                <a:spcPct val="150000"/>
+              </a:lnSpc>
+              <a:defRPr/>
+            </a:pPr>
+            <a:r>
+              <a:rPr lang="en-US" altLang="ko-KR" sz="2100" spc="-150" dirty="0">
+                <a:latin typeface="+mn-ea"/>
+                <a:ea typeface="+mn-ea"/>
+              </a:rPr>
+              <a:t>Color</a:t>
+            </a:r>
+            <a:r>
+              <a:rPr lang="ko-KR" altLang="en-US" sz="2100" spc="-150" dirty="0">
+                <a:latin typeface="+mn-ea"/>
+                <a:ea typeface="+mn-ea"/>
+              </a:rPr>
+              <a:t>는 </a:t>
+            </a:r>
+            <a:r>
+              <a:rPr lang="en-US" altLang="ko-KR" sz="2100" spc="-150" dirty="0">
+                <a:latin typeface="+mn-ea"/>
+                <a:ea typeface="+mn-ea"/>
+              </a:rPr>
+              <a:t>3</a:t>
+            </a:r>
+            <a:r>
+              <a:rPr lang="ko-KR" altLang="en-US" sz="2100" spc="-150" dirty="0">
+                <a:latin typeface="+mn-ea"/>
+                <a:ea typeface="+mn-ea"/>
+              </a:rPr>
+              <a:t>차원 데이터로 정보가 너무 많아 정확도가 떨어질 수 있고</a:t>
+            </a:r>
+            <a:r>
+              <a:rPr lang="en-US" altLang="ko-KR" sz="2100" spc="-150" dirty="0">
+                <a:latin typeface="+mn-ea"/>
+                <a:ea typeface="+mn-ea"/>
+              </a:rPr>
+              <a:t>,</a:t>
+            </a:r>
+          </a:p>
+          <a:p>
+            <a:pPr>
+              <a:lnSpc>
+                <a:spcPct val="150000"/>
+              </a:lnSpc>
+              <a:defRPr/>
+            </a:pPr>
+            <a:r>
+              <a:rPr lang="ko-KR" altLang="en-US" sz="2100" spc="-150" dirty="0">
+                <a:latin typeface="+mn-ea"/>
+                <a:ea typeface="+mn-ea"/>
+              </a:rPr>
+              <a:t>상품 분류는 색이 아닌 옷의 형태로 구분되기 때문에 색상 데이터는 필요하지 않습니다</a:t>
+            </a:r>
+            <a:r>
+              <a:rPr lang="en-US" altLang="ko-KR" sz="2100" spc="-150" dirty="0">
+                <a:latin typeface="+mn-ea"/>
+                <a:ea typeface="+mn-ea"/>
+              </a:rPr>
+              <a:t>.</a:t>
+            </a:r>
+            <a:r>
+              <a:rPr lang="ko-KR" altLang="en-US" sz="2100" spc="-150" dirty="0">
+                <a:latin typeface="+mn-ea"/>
+                <a:ea typeface="+mn-ea"/>
+              </a:rPr>
+              <a:t> </a:t>
+            </a:r>
+            <a:endParaRPr lang="en-US" altLang="ko-KR" sz="2100" spc="-150" dirty="0">
               <a:latin typeface="+mn-ea"/>
               <a:ea typeface="+mn-ea"/>
             </a:endParaRPr>
           </a:p>
-        </p:txBody>
-      </p:sp>
-      <p:pic>
-        <p:nvPicPr>
-          <p:cNvPr id="4" name="그림 3" descr="테이블이(가) 표시된 사진&#10;&#10;자동 생성된 설명">
-            <a:extLst>
-              <a:ext uri="{FF2B5EF4-FFF2-40B4-BE49-F238E27FC236}">
-                <a16:creationId xmlns:a16="http://schemas.microsoft.com/office/drawing/2014/main" id="{312554CB-C5B7-4B87-8A4D-F16B4EF232A1}"/>
-              </a:ext>
-            </a:extLst>
-          </p:cNvPr>
-          <p:cNvPicPr>
-            <a:picLocks noChangeAspect="1"/>
-          </p:cNvPicPr>
-          <p:nvPr/>
-        </p:nvPicPr>
-        <p:blipFill>
-          <a:blip r:embed="rId3">
-            <a:extLst>
-              <a:ext uri="{28A0092B-C50C-407E-A947-70E740481C1C}">
-                <a14:useLocalDpi xmlns:a14="http://schemas.microsoft.com/office/drawing/2010/main" val="0"/>
-              </a:ext>
-            </a:extLst>
-          </a:blip>
-          <a:stretch>
-            <a:fillRect/>
-          </a:stretch>
-        </p:blipFill>
-        <p:spPr>
-          <a:xfrm>
-            <a:off x="6091321" y="2752560"/>
-            <a:ext cx="5768386" cy="2296154"/>
-          </a:xfrm>
-          <a:prstGeom prst="rect">
-            <a:avLst/>
-          </a:prstGeom>
-        </p:spPr>
-      </p:pic>
-      <p:pic>
-        <p:nvPicPr>
-          <p:cNvPr id="6" name="그림 5">
-            <a:extLst>
-              <a:ext uri="{FF2B5EF4-FFF2-40B4-BE49-F238E27FC236}">
-                <a16:creationId xmlns:a16="http://schemas.microsoft.com/office/drawing/2014/main" id="{42F7AE86-68F0-5D73-9E81-16D3A2941D74}"/>
-              </a:ext>
-            </a:extLst>
-          </p:cNvPr>
-          <p:cNvPicPr>
-            <a:picLocks noChangeAspect="1"/>
-          </p:cNvPicPr>
-          <p:nvPr/>
-        </p:nvPicPr>
-        <p:blipFill>
-          <a:blip r:embed="rId4">
-            <a:extLst>
-              <a:ext uri="{28A0092B-C50C-407E-A947-70E740481C1C}">
-                <a14:useLocalDpi xmlns:a14="http://schemas.microsoft.com/office/drawing/2010/main" val="0"/>
-              </a:ext>
-            </a:extLst>
-          </a:blip>
-          <a:stretch>
-            <a:fillRect/>
-          </a:stretch>
-        </p:blipFill>
-        <p:spPr>
-          <a:xfrm>
-            <a:off x="522197" y="2752560"/>
-            <a:ext cx="5410479" cy="3234026"/>
-          </a:xfrm>
-          <a:prstGeom prst="rect">
-            <a:avLst/>
-          </a:prstGeom>
-        </p:spPr>
-      </p:pic>
+          <a:p>
+            <a:pPr>
+              <a:lnSpc>
+                <a:spcPct val="150000"/>
+              </a:lnSpc>
+              <a:defRPr/>
+            </a:pPr>
+            <a:r>
+              <a:rPr lang="ko-KR" altLang="en-US" sz="2100" spc="-150" dirty="0">
+                <a:latin typeface="+mn-ea"/>
+                <a:ea typeface="+mn-ea"/>
+              </a:rPr>
+              <a:t>그렇기에</a:t>
+            </a:r>
+            <a:r>
+              <a:rPr lang="en-US" altLang="ko-KR" sz="2100" spc="-150" dirty="0">
+                <a:latin typeface="+mn-ea"/>
+                <a:ea typeface="+mn-ea"/>
+              </a:rPr>
+              <a:t> Gray Scale</a:t>
+            </a:r>
+            <a:r>
+              <a:rPr lang="ko-KR" altLang="en-US" sz="2100" spc="-150" dirty="0">
+                <a:latin typeface="+mn-ea"/>
+                <a:ea typeface="+mn-ea"/>
+              </a:rPr>
+              <a:t>로 학습을 진행하였습니다</a:t>
+            </a:r>
+            <a:r>
+              <a:rPr lang="en-US" altLang="ko-KR" sz="2100" spc="-150" dirty="0">
+                <a:latin typeface="+mn-ea"/>
+                <a:ea typeface="+mn-ea"/>
+              </a:rPr>
+              <a:t>.</a:t>
+            </a:r>
+          </a:p>
+          <a:p>
+            <a:pPr>
+              <a:lnSpc>
+                <a:spcPct val="150000"/>
+              </a:lnSpc>
+              <a:defRPr/>
+            </a:pPr>
+            <a:endParaRPr lang="en-US" altLang="ko-KR" sz="2100" spc="-150" dirty="0">
+              <a:latin typeface="+mn-ea"/>
+              <a:ea typeface="+mn-ea"/>
+            </a:endParaRPr>
+          </a:p>
+        </p:txBody>
+      </p:sp>
     </p:spTree>
     <p:extLst>
       <p:ext uri="{BB962C8B-B14F-4D97-AF65-F5344CB8AC3E}">
-        <p14:creationId xmlns:p14="http://schemas.microsoft.com/office/powerpoint/2010/main" val="1245507834"/>
+        <p14:creationId xmlns:p14="http://schemas.microsoft.com/office/powerpoint/2010/main" val="3233515066"/>
       </p:ext>
     </p:extLst>
   </p:cSld>
@@ -3897,9 +4327,6 @@
           </a:lstStyle>
           <a:p>
             <a:pPr>
-              <a:lnSpc>
-                <a:spcPct val="120000"/>
-              </a:lnSpc>
               <a:defRPr/>
             </a:pPr>
             <a:r>
@@ -3907,21 +4334,35 @@
                 <a:latin typeface="+mn-ea"/>
                 <a:ea typeface="+mn-ea"/>
               </a:rPr>
-              <a:t>3-2. </a:t>
+              <a:t>3-1. </a:t>
             </a:r>
             <a:r>
               <a:rPr lang="ko-KR" altLang="en-US" sz="2100" spc="-150" dirty="0">
                 <a:latin typeface="+mn-ea"/>
                 <a:ea typeface="+mn-ea"/>
               </a:rPr>
-              <a:t>정확도를 올리는 작업을 수행하고 작업 수행과정을 </a:t>
+              <a:t>분류 문제를 수행하여 </a:t>
+            </a:r>
+            <a:r>
+              <a:rPr lang="en" altLang="ko-KR" sz="2100" spc="-150" dirty="0">
+                <a:latin typeface="+mn-ea"/>
+                <a:ea typeface="+mn-ea"/>
+              </a:rPr>
+              <a:t>Validation </a:t>
+            </a:r>
+            <a:r>
+              <a:rPr lang="ko-KR" altLang="en-US" sz="2100" spc="-150" dirty="0">
+                <a:latin typeface="+mn-ea"/>
+                <a:ea typeface="+mn-ea"/>
+              </a:rPr>
+              <a:t>데이터의 라벨 별 정확도를 </a:t>
             </a:r>
             <a:r>
               <a:rPr lang="ko-KR" altLang="en-US" sz="2100" spc="-150" dirty="0" err="1">
                 <a:latin typeface="+mn-ea"/>
                 <a:ea typeface="+mn-ea"/>
               </a:rPr>
-              <a:t>설명하시오</a:t>
+              <a:t>제시하시오</a:t>
             </a:r>
             <a:r>
               <a:rPr lang="en-US" altLang="ko-KR" sz="2100" spc="-150" dirty="0">
@@ -3933,9 +4374,6 @@
           </a:p>
           <a:p>
             <a:pPr>
-              <a:lnSpc>
-                <a:spcPct val="120000"/>
-              </a:lnSpc>
               <a:defRPr/>
             </a:pPr>
             <a:endParaRPr lang="en-US" altLang="ko-KR" sz="2100" spc="-150" dirty="0">
@@ -3945,9 +4383,6 @@
           </a:p>
           <a:p>
             <a:pPr>
-              <a:lnSpc>
-                <a:spcPct val="120000"/>
-              </a:lnSpc>
               <a:defRPr/>
             </a:pPr>
             <a:r>
@@ -3957,189 +4392,89 @@
               </a:rPr>
               <a:t>Answer:</a:t>
             </a:r>
-          </a:p>
-          <a:p>
-            <a:pPr>
-              <a:lnSpc>
-                <a:spcPct val="120000"/>
-              </a:lnSpc>
-              <a:defRPr/>
-            </a:pPr>
-            <a:r>
-              <a:rPr lang="en-US" altLang="ko-KR" sz="2100" spc="-150" dirty="0">
-                <a:latin typeface="+mn-ea"/>
-                <a:ea typeface="+mn-ea"/>
-              </a:rPr>
-              <a:t>1.</a:t>
-            </a:r>
-            <a:r>
-              <a:rPr lang="ko-KR" altLang="en-US" sz="2100" spc="-150" dirty="0">
-                <a:latin typeface="+mn-ea"/>
-                <a:ea typeface="+mn-ea"/>
-              </a:rPr>
-              <a:t> 데이터 전처리</a:t>
-            </a:r>
-            <a:r>
-              <a:rPr lang="en-US" altLang="ko-KR" sz="2100" spc="-150" dirty="0">
-                <a:latin typeface="+mn-ea"/>
-                <a:ea typeface="+mn-ea"/>
-              </a:rPr>
-              <a:t>:</a:t>
-            </a:r>
-          </a:p>
-          <a:p>
-            <a:pPr>
-              <a:lnSpc>
-                <a:spcPct val="120000"/>
-              </a:lnSpc>
-              <a:defRPr/>
-            </a:pPr>
-            <a:r>
-              <a:rPr lang="ko-KR" altLang="en-US" sz="2100" spc="-150" dirty="0">
-                <a:latin typeface="+mn-ea"/>
-                <a:ea typeface="+mn-ea"/>
-              </a:rPr>
-              <a:t>정확도를 올리려면 모델 학습의 기초인 전처리가 잘 되어있어야 합니다</a:t>
-            </a:r>
-            <a:r>
-              <a:rPr lang="en-US" altLang="ko-KR" sz="2100" spc="-150" dirty="0">
-                <a:latin typeface="+mn-ea"/>
-                <a:ea typeface="+mn-ea"/>
-              </a:rPr>
-              <a:t>.</a:t>
-            </a:r>
-          </a:p>
-          <a:p>
-            <a:pPr>
-              <a:lnSpc>
-                <a:spcPct val="120000"/>
-              </a:lnSpc>
-              <a:defRPr/>
-            </a:pPr>
-            <a:r>
-              <a:rPr lang="ko-KR" altLang="en-US" sz="2100" spc="-150" dirty="0">
-                <a:latin typeface="+mn-ea"/>
-                <a:ea typeface="+mn-ea"/>
-              </a:rPr>
-              <a:t>전처리 과정은 위에서 설명했으니 생략하겠습니다</a:t>
-            </a:r>
-            <a:r>
-              <a:rPr lang="en-US" altLang="ko-KR" sz="2100" spc="-150" dirty="0">
-                <a:latin typeface="+mn-ea"/>
-                <a:ea typeface="+mn-ea"/>
-              </a:rPr>
-              <a:t>.</a:t>
-            </a:r>
-          </a:p>
-          <a:p>
-            <a:pPr>
-              <a:lnSpc>
-                <a:spcPct val="120000"/>
-              </a:lnSpc>
-              <a:defRPr/>
-            </a:pPr>
-            <a:endParaRPr lang="en-US" altLang="ko-KR" sz="2100" spc="-150" dirty="0">
+            <a:endParaRPr lang="ko-KR" altLang="en-US" sz="2100" spc="-150" dirty="0">
               <a:latin typeface="+mn-ea"/>
               <a:ea typeface="+mn-ea"/>
             </a:endParaRPr>
           </a:p>
-          <a:p>
-            <a:pPr>
-              <a:lnSpc>
-                <a:spcPct val="120000"/>
-              </a:lnSpc>
-              <a:defRPr/>
-            </a:pPr>
-            <a:r>
-              <a:rPr lang="en-US" altLang="ko-KR" sz="2100" spc="-150" dirty="0">
-                <a:latin typeface="+mn-ea"/>
-                <a:ea typeface="+mn-ea"/>
-              </a:rPr>
-              <a:t>2.</a:t>
-            </a:r>
-            <a:r>
-              <a:rPr lang="ko-KR" altLang="en-US" sz="2100" spc="-150" dirty="0">
-                <a:latin typeface="+mn-ea"/>
-                <a:ea typeface="+mn-ea"/>
-              </a:rPr>
-              <a:t> 모델 학습</a:t>
-            </a:r>
-            <a:r>
-              <a:rPr lang="en-US" altLang="ko-KR" sz="2100" spc="-150" dirty="0">
-                <a:latin typeface="+mn-ea"/>
-                <a:ea typeface="+mn-ea"/>
-              </a:rPr>
-              <a:t>:</a:t>
-            </a:r>
-          </a:p>
-          <a:p>
-            <a:pPr>
-              <a:lnSpc>
-                <a:spcPct val="120000"/>
-              </a:lnSpc>
-              <a:defRPr/>
-            </a:pPr>
-            <a:r>
-              <a:rPr lang="ko-KR" altLang="en-US" sz="2100" spc="-150" dirty="0">
-                <a:latin typeface="+mn-ea"/>
-                <a:ea typeface="+mn-ea"/>
-              </a:rPr>
-              <a:t>모델 학습 시 레이어 설정과 최적화 함수</a:t>
-            </a:r>
-            <a:r>
-              <a:rPr lang="en-US" altLang="ko-KR" sz="2100" spc="-150" dirty="0">
-                <a:latin typeface="+mn-ea"/>
-                <a:ea typeface="+mn-ea"/>
-              </a:rPr>
-              <a:t>,</a:t>
-            </a:r>
-            <a:r>
-              <a:rPr lang="ko-KR" altLang="en-US" sz="2100" spc="-150" dirty="0">
-                <a:latin typeface="+mn-ea"/>
-                <a:ea typeface="+mn-ea"/>
-              </a:rPr>
-              <a:t> </a:t>
-            </a:r>
-            <a:endParaRPr lang="en-US" altLang="ko-KR" sz="2100" spc="-150" dirty="0">
-              <a:latin typeface="+mn-ea"/>
-              <a:ea typeface="+mn-ea"/>
-            </a:endParaRPr>
-          </a:p>
-          <a:p>
-            <a:pPr>
-              <a:lnSpc>
-                <a:spcPct val="120000"/>
-              </a:lnSpc>
-              <a:defRPr/>
-            </a:pPr>
-            <a:r>
-              <a:rPr lang="ko-KR" altLang="en-US" sz="2100" spc="-150" dirty="0" err="1">
-                <a:latin typeface="+mn-ea"/>
-                <a:ea typeface="+mn-ea"/>
-              </a:rPr>
-              <a:t>하이퍼파라미터</a:t>
-            </a:r>
-            <a:r>
-              <a:rPr lang="ko-KR" altLang="en-US" sz="2100" spc="-150" dirty="0">
-                <a:latin typeface="+mn-ea"/>
-                <a:ea typeface="+mn-ea"/>
-              </a:rPr>
-              <a:t> 등을 조작하며 모델의 성능을 늘렸습니다</a:t>
-            </a:r>
-            <a:r>
-              <a:rPr lang="en-US" altLang="ko-KR" sz="2100" spc="-150" dirty="0">
-                <a:latin typeface="+mn-ea"/>
-                <a:ea typeface="+mn-ea"/>
-              </a:rPr>
-              <a:t>.</a:t>
-            </a:r>
-          </a:p>
-        </p:txBody>
-      </p:sp>
+        </p:txBody>
+      </p:sp>
+      <p:pic>
+        <p:nvPicPr>
+          <p:cNvPr id="4" name="그림 3" descr="테이블이(가) 표시된 사진&#10;&#10;자동 생성된 설명">
+            <a:extLst>
+              <a:ext uri="{FF2B5EF4-FFF2-40B4-BE49-F238E27FC236}">
+                <a16:creationId xmlns:a16="http://schemas.microsoft.com/office/drawing/2014/main" id="{312554CB-C5B7-4B87-8A4D-F16B4EF232A1}"/>
+              </a:ext>
+            </a:extLst>
+          </p:cNvPr>
+          <p:cNvPicPr>
+            <a:picLocks noChangeAspect="1"/>
+          </p:cNvPicPr>
+          <p:nvPr/>
+        </p:nvPicPr>
+        <p:blipFill>
+          <a:blip r:embed="rId3">
+            <a:extLst>
+              <a:ext uri="{28A0092B-C50C-407E-A947-70E740481C1C}">
+                <a14:useLocalDpi xmlns:a14="http://schemas.microsoft.com/office/drawing/2010/main" val="0"/>
+              </a:ext>
+            </a:extLst>
+          </a:blip>
+          <a:stretch>
+            <a:fillRect/>
+          </a:stretch>
+        </p:blipFill>
+        <p:spPr>
+          <a:xfrm>
+            <a:off x="6091321" y="2752560"/>
+            <a:ext cx="5768386" cy="2296154"/>
+          </a:xfrm>
+          <a:prstGeom prst="rect">
+            <a:avLst/>
+          </a:prstGeom>
+        </p:spPr>
+      </p:pic>
+      <p:pic>
+        <p:nvPicPr>
+          <p:cNvPr id="6" name="그림 5">
+            <a:extLst>
+              <a:ext uri="{FF2B5EF4-FFF2-40B4-BE49-F238E27FC236}">
+                <a16:creationId xmlns:a16="http://schemas.microsoft.com/office/drawing/2014/main" id="{42F7AE86-68F0-5D73-9E81-16D3A2941D74}"/>
+              </a:ext>
+            </a:extLst>
+          </p:cNvPr>
+          <p:cNvPicPr>
+            <a:picLocks noChangeAspect="1"/>
+          </p:cNvPicPr>
+          <p:nvPr/>
+        </p:nvPicPr>
+        <p:blipFill>
+          <a:blip r:embed="rId4">
+            <a:extLst>
+              <a:ext uri="{28A0092B-C50C-407E-A947-70E740481C1C}">
+                <a14:useLocalDpi xmlns:a14="http://schemas.microsoft.com/office/drawing/2010/main" val="0"/>
+              </a:ext>
+            </a:extLst>
+          </a:blip>
+          <a:stretch>
+            <a:fillRect/>
+          </a:stretch>
+        </p:blipFill>
+        <p:spPr>
+          <a:xfrm>
+            <a:off x="522197" y="2752560"/>
+            <a:ext cx="5410479" cy="3234026"/>
+          </a:xfrm>
+          <a:prstGeom prst="rect">
+            <a:avLst/>
+          </a:prstGeom>
+        </p:spPr>
+      </p:pic>
     </p:spTree>
     <p:extLst>
       <p:ext uri="{BB962C8B-B14F-4D97-AF65-F5344CB8AC3E}">
-        <p14:creationId xmlns:p14="http://schemas.microsoft.com/office/powerpoint/2010/main" val="3567038506"/>
+        <p14:creationId xmlns:p14="http://schemas.microsoft.com/office/powerpoint/2010/main" val="1245507834"/>
       </p:ext>
     </p:extLst>
   </p:cSld>
@@ -4243,8 +4578,8 @@
         </p:nvSpPr>
         <p:spPr>
           <a:xfrm>
-            <a:off x="363552" y="1530068"/>
-            <a:ext cx="12192000" cy="4379894"/>
+            <a:off x="363552" y="1669214"/>
+            <a:ext cx="11393019" cy="4379894"/>
           </a:xfrm>
           <a:prstGeom prst="rect">
             <a:avLst/>
@@ -4276,7 +4611,7 @@
           <a:p>
             <a:pPr>
               <a:lnSpc>
-                <a:spcPct val="130000"/>
+                <a:spcPct val="120000"/>
               </a:lnSpc>
               <a:defRPr/>
             </a:pPr>
@@ -4285,15 +4620,37 @@
                 <a:latin typeface="+mn-ea"/>
                 <a:ea typeface="+mn-ea"/>
               </a:rPr>
-              <a:t>3-3. </a:t>
+              <a:t>3-2. </a:t>
             </a:r>
             <a:r>
               <a:rPr lang="ko-KR" altLang="en-US" sz="2100" spc="-150" dirty="0">
                 <a:latin typeface="+mn-ea"/>
                 <a:ea typeface="+mn-ea"/>
               </a:rPr>
-              <a:t>오류가 나온 이미지에 대해 왜 오류가 나왔는지 </a:t>
-            </a:r>
+              <a:t>정확도를 올리는 작업을 수행하고 작업 수행과정을 </a:t>
+            </a:r>
+            <a:r>
+              <a:rPr lang="ko-KR" altLang="en-US" sz="2100" spc="-150" dirty="0" err="1">
+                <a:latin typeface="+mn-ea"/>
+                <a:ea typeface="+mn-ea"/>
+              </a:rPr>
+              <a:t>설명하시오</a:t>
+            </a:r>
+            <a:r>
+              <a:rPr lang="en-US" altLang="ko-KR" sz="2100" spc="-150" dirty="0">
+                <a:latin typeface="+mn-ea"/>
+                <a:ea typeface="+mn-ea"/>
+              </a:rPr>
+              <a:t>.</a:t>
+            </a:r>
+          </a:p>
+          <a:p>
+            <a:pPr>
+              <a:lnSpc>
+                <a:spcPct val="120000"/>
+              </a:lnSpc>
+              <a:defRPr/>
+            </a:pPr>
             <a:endParaRPr lang="en-US" altLang="ko-KR" sz="2100" spc="-150" dirty="0">
               <a:latin typeface="+mn-ea"/>
               <a:ea typeface="+mn-ea"/>
@@ -4302,37 +4659,60 @@
           <a:p>
             <a:pPr>
               <a:lnSpc>
-                <a:spcPct val="130000"/>
-              </a:lnSpc>
-              <a:defRPr/>
-            </a:pPr>
+                <a:spcPct val="120000"/>
+              </a:lnSpc>
+              <a:defRPr/>
+            </a:pPr>
+            <a:r>
+              <a:rPr lang="en-US" altLang="ko-KR" sz="2100" spc="-150" dirty="0">
+                <a:latin typeface="+mn-ea"/>
+                <a:ea typeface="+mn-ea"/>
+              </a:rPr>
+              <a:t>Answer:</a:t>
+            </a:r>
+          </a:p>
+          <a:p>
+            <a:pPr>
+              <a:lnSpc>
+                <a:spcPct val="120000"/>
+              </a:lnSpc>
+              <a:defRPr/>
+            </a:pPr>
+            <a:r>
+              <a:rPr lang="en-US" altLang="ko-KR" sz="2100" spc="-150" dirty="0">
+                <a:latin typeface="+mn-ea"/>
+                <a:ea typeface="+mn-ea"/>
+              </a:rPr>
+              <a:t>1.</a:t>
+            </a:r>
             <a:r>
               <a:rPr lang="ko-KR" altLang="en-US" sz="2100" spc="-150" dirty="0">
                 <a:latin typeface="+mn-ea"/>
                 <a:ea typeface="+mn-ea"/>
               </a:rPr>
-              <a:t>그동안 미션 수행에서 얻은 경험과 지식을</a:t>
+              <a:t> 데이터 전처리</a:t>
             </a:r>
             <a:r>
               <a:rPr lang="en-US" altLang="ko-KR" sz="2100" spc="-150" dirty="0">
                 <a:latin typeface="+mn-ea"/>
                 <a:ea typeface="+mn-ea"/>
               </a:rPr>
-              <a:t> </a:t>
-            </a:r>
+              <a:t>:</a:t>
+            </a:r>
+          </a:p>
+          <a:p>
+            <a:pPr>
+              <a:lnSpc>
+                <a:spcPct val="120000"/>
+              </a:lnSpc>
+              <a:defRPr/>
+            </a:pPr>
             <a:r>
               <a:rPr lang="ko-KR" altLang="en-US" sz="2100" spc="-150" dirty="0">
                 <a:latin typeface="+mn-ea"/>
                 <a:ea typeface="+mn-ea"/>
               </a:rPr>
-              <a:t>통해 </a:t>
-            </a:r>
-            <a:r>
-              <a:rPr lang="ko-KR" altLang="en-US" sz="2100" spc="-150" dirty="0" err="1">
-                <a:latin typeface="+mn-ea"/>
-                <a:ea typeface="+mn-ea"/>
-              </a:rPr>
-              <a:t>설명하시오</a:t>
+              <a:t>정확도를 올리려면 모델 학습의 기초인 전처리가 잘 되어있어야 합니다</a:t>
             </a:r>
             <a:r>
               <a:rPr lang="en-US" altLang="ko-KR" sz="2100" spc="-150" dirty="0">
@@ -4345,7 +4725,29 @@
           <a:p>
             <a:pPr>
               <a:lnSpc>
-                <a:spcPct val="130000"/>
+                <a:spcPct val="120000"/>
+              </a:lnSpc>
+              <a:defRPr/>
+            </a:pPr>
+            <a:r>
+              <a:rPr lang="ko-KR" altLang="en-US" sz="2100" spc="-150" dirty="0">
+                <a:latin typeface="+mn-ea"/>
+                <a:ea typeface="+mn-ea"/>
+              </a:rPr>
+              <a:t>전처리 과정은 위에서 설명했으니 생략하겠습니다</a:t>
+            </a:r>
+            <a:r>
+              <a:rPr lang="en-US" altLang="ko-KR" sz="2100" spc="-150" dirty="0">
+                <a:latin typeface="+mn-ea"/>
+                <a:ea typeface="+mn-ea"/>
+              </a:rPr>
+              <a:t>.</a:t>
+            </a:r>
+          </a:p>
+          <a:p>
+            <a:pPr>
+              <a:lnSpc>
+                <a:spcPct val="120000"/>
               </a:lnSpc>
               <a:defRPr/>
             </a:pPr>
@@ -4357,7 +4759,7 @@
           <a:p>
             <a:pPr>
               <a:lnSpc>
-                <a:spcPct val="130000"/>
+                <a:spcPct val="120000"/>
               </a:lnSpc>
               <a:defRPr/>
             </a:pPr>
@@ -4366,33 +4768,52 @@
                 <a:latin typeface="+mn-ea"/>
                 <a:ea typeface="+mn-ea"/>
               </a:rPr>
-              <a:t>Answer:</a:t>
-            </a:r>
-          </a:p>
-          <a:p>
-            <a:pPr>
-              <a:lnSpc>
-                <a:spcPct val="130000"/>
-              </a:lnSpc>
-              <a:defRPr/>
-            </a:pPr>
-            <a:r>
-              <a:rPr lang="ko-KR" altLang="en-US" sz="2100" b="0" i="0" spc="-150" dirty="0">
-                <a:effectLst/>
-                <a:latin typeface="+mn-ea"/>
-                <a:ea typeface="+mn-ea"/>
-              </a:rPr>
-              <a:t>오류가 나온 이미지는 대부분 라벨링이 잘못 매칭된 경우였습니다</a:t>
+              <a:t>2.</a:t>
+            </a:r>
+            <a:r>
+              <a:rPr lang="ko-KR" altLang="en-US" sz="2100" spc="-150" dirty="0">
+                <a:latin typeface="+mn-ea"/>
+                <a:ea typeface="+mn-ea"/>
+              </a:rPr>
+              <a:t> 모델 학습</a:t>
             </a:r>
             <a:r>
               <a:rPr lang="en-US" altLang="ko-KR" sz="2100" spc="-150" dirty="0">
                 <a:latin typeface="+mn-ea"/>
                 <a:ea typeface="+mn-ea"/>
               </a:rPr>
-              <a:t>.</a:t>
-            </a:r>
-            <a:endParaRPr lang="en-US" altLang="ko-KR" sz="2100" b="0" i="0" spc="-150" dirty="0">
-              <a:effectLst/>
+              <a:t>:</a:t>
+            </a:r>
+          </a:p>
+          <a:p>
+            <a:pPr>
+              <a:lnSpc>
+                <a:spcPct val="120000"/>
+              </a:lnSpc>
+              <a:defRPr/>
+            </a:pPr>
+            <a:r>
+              <a:rPr lang="ko-KR" altLang="en-US" sz="2100" spc="-150" dirty="0">
+                <a:latin typeface="+mn-ea"/>
+                <a:ea typeface="+mn-ea"/>
+              </a:rPr>
+              <a:t>모델 학습 시 레이어 설정과 최적화 함수</a:t>
+            </a:r>
+            <a:r>
+              <a:rPr lang="en-US" altLang="ko-KR" sz="2100" spc="-150" dirty="0">
+                <a:latin typeface="+mn-ea"/>
+                <a:ea typeface="+mn-ea"/>
+              </a:rPr>
+              <a:t>,</a:t>
+            </a:r>
+            <a:r>
+              <a:rPr lang="ko-KR" altLang="en-US" sz="2100" spc="-150" dirty="0">
+                <a:latin typeface="+mn-ea"/>
+                <a:ea typeface="+mn-ea"/>
+              </a:rPr>
+              <a:t> </a:t>
+            </a:r>
+            <a:endParaRPr lang="en-US" altLang="ko-KR" sz="2100" spc="-150" dirty="0">
               <a:latin typeface="+mn-ea"/>
               <a:ea typeface="+mn-ea"/>
             </a:endParaRPr>
@@ -4400,202 +4821,38 @@
           <a:p>
             <a:pPr>
               <a:lnSpc>
-                <a:spcPct val="130000"/>
-              </a:lnSpc>
-              <a:defRPr/>
-            </a:pPr>
-            <a:r>
-              <a:rPr lang="ko-KR" altLang="en-US" sz="2100" b="0" i="0" spc="-150" dirty="0">
-                <a:effectLst/>
-                <a:latin typeface="+mn-ea"/>
-                <a:ea typeface="+mn-ea"/>
-              </a:rPr>
-              <a:t>이 부분 제외시키고 학습하였더니 정확도가 많이 증가했습니다</a:t>
-            </a:r>
-            <a:r>
-              <a:rPr lang="en-US" altLang="ko-KR" sz="2100" b="0" i="0" spc="-150" dirty="0">
-                <a:effectLst/>
+                <a:spcPct val="120000"/>
+              </a:lnSpc>
+              <a:defRPr/>
+            </a:pPr>
+            <a:r>
+              <a:rPr lang="ko-KR" altLang="en-US" sz="2100" spc="-150" dirty="0" err="1">
+                <a:latin typeface="+mn-ea"/>
+                <a:ea typeface="+mn-ea"/>
+              </a:rPr>
+              <a:t>하이퍼파라미터</a:t>
+            </a:r>
+            <a:r>
+              <a:rPr lang="ko-KR" altLang="en-US" sz="2100" spc="-150" dirty="0">
+                <a:latin typeface="+mn-ea"/>
+                <a:ea typeface="+mn-ea"/>
+              </a:rPr>
+              <a:t> 등을 조작하며 모델의 성능을 늘렸습니다</a:t>
+            </a:r>
+            <a:r>
+              <a:rPr lang="en-US" altLang="ko-KR" sz="2100" spc="-150" dirty="0">
                 <a:latin typeface="+mn-ea"/>
                 <a:ea typeface="+mn-ea"/>
               </a:rPr>
               <a:t>.</a:t>
             </a:r>
-            <a:endParaRPr lang="ko-KR" altLang="en-US" sz="2100" spc="-150" dirty="0">
-              <a:latin typeface="+mn-ea"/>
-              <a:ea typeface="+mn-ea"/>
-            </a:endParaRPr>
-          </a:p>
-        </p:txBody>
-      </p:sp>
-      <p:pic>
-        <p:nvPicPr>
-          <p:cNvPr id="4" name="그림 3" descr="텍스트이(가) 표시된 사진&#10;&#10;자동 생성된 설명">
-            <a:extLst>
-              <a:ext uri="{FF2B5EF4-FFF2-40B4-BE49-F238E27FC236}">
-                <a16:creationId xmlns:a16="http://schemas.microsoft.com/office/drawing/2014/main" id="{8AE7D982-6FC5-7175-7AA7-A82F5A37B627}"/>
-              </a:ext>
-            </a:extLst>
-          </p:cNvPr>
-          <p:cNvPicPr>
-            <a:picLocks noChangeAspect="1"/>
-          </p:cNvPicPr>
-          <p:nvPr/>
-        </p:nvPicPr>
-        <p:blipFill>
-          <a:blip r:embed="rId3">
-            <a:extLst>
-              <a:ext uri="{28A0092B-C50C-407E-A947-70E740481C1C}">
-                <a14:useLocalDpi xmlns:a14="http://schemas.microsoft.com/office/drawing/2010/main" val="0"/>
-              </a:ext>
-            </a:extLst>
-          </a:blip>
-          <a:stretch>
-            <a:fillRect/>
-          </a:stretch>
-        </p:blipFill>
-        <p:spPr>
-          <a:xfrm>
-            <a:off x="6523131" y="4495392"/>
-            <a:ext cx="5305317" cy="1160538"/>
-          </a:xfrm>
-          <a:prstGeom prst="rect">
-            <a:avLst/>
-          </a:prstGeom>
-        </p:spPr>
-      </p:pic>
-      <p:pic>
-        <p:nvPicPr>
-          <p:cNvPr id="6" name="그림 5" descr="텍스트이(가) 표시된 사진&#10;&#10;자동 생성된 설명">
-            <a:extLst>
-              <a:ext uri="{FF2B5EF4-FFF2-40B4-BE49-F238E27FC236}">
-                <a16:creationId xmlns:a16="http://schemas.microsoft.com/office/drawing/2014/main" id="{D1E2E735-5BAD-ADB3-4574-E56A4A5A255D}"/>
-              </a:ext>
-            </a:extLst>
-          </p:cNvPr>
-          <p:cNvPicPr>
-            <a:picLocks noChangeAspect="1"/>
-          </p:cNvPicPr>
-          <p:nvPr/>
-        </p:nvPicPr>
-        <p:blipFill rotWithShape="1">
-          <a:blip r:embed="rId4">
-            <a:extLst>
-              <a:ext uri="{28A0092B-C50C-407E-A947-70E740481C1C}">
-                <a14:useLocalDpi xmlns:a14="http://schemas.microsoft.com/office/drawing/2010/main" val="0"/>
-              </a:ext>
-            </a:extLst>
-          </a:blip>
-          <a:srcRect l="4271" t="4589" r="6013" b="27823"/>
-          <a:stretch/>
-        </p:blipFill>
-        <p:spPr>
-          <a:xfrm>
-            <a:off x="546637" y="4495392"/>
-            <a:ext cx="5762928" cy="1160538"/>
-          </a:xfrm>
-          <a:prstGeom prst="rect">
-            <a:avLst/>
-          </a:prstGeom>
-        </p:spPr>
-      </p:pic>
-      <p:sp>
-        <p:nvSpPr>
-          <p:cNvPr id="7" name="TextBox 6">
-            <a:extLst>
-              <a:ext uri="{FF2B5EF4-FFF2-40B4-BE49-F238E27FC236}">
-                <a16:creationId xmlns:a16="http://schemas.microsoft.com/office/drawing/2014/main" id="{5D8C7A91-AFC0-F546-9C1D-8E50C775F4D0}"/>
-              </a:ext>
-            </a:extLst>
-          </p:cNvPr>
-          <p:cNvSpPr txBox="1"/>
-          <p:nvPr/>
-        </p:nvSpPr>
-        <p:spPr>
-          <a:xfrm>
-            <a:off x="2266654" y="5691294"/>
-            <a:ext cx="2272423" cy="336118"/>
-          </a:xfrm>
-          <a:prstGeom prst="rect">
-            <a:avLst/>
-          </a:prstGeom>
-          <a:noFill/>
-        </p:spPr>
-        <p:txBody>
-          <a:bodyPr wrap="square" rtlCol="0">
-            <a:spAutoFit/>
-          </a:bodyPr>
-          <a:lstStyle/>
-          <a:p>
-            <a:pPr algn="ctr"/>
-            <a:r>
-              <a:rPr kumimoji="1" lang="ko-Kore-KR" altLang="en-US" dirty="0">
-                <a:latin typeface="+mn-ea"/>
-              </a:rPr>
-              <a:t>이상치</a:t>
-            </a:r>
-            <a:r>
-              <a:rPr kumimoji="1" lang="ko-KR" altLang="en-US" dirty="0">
-                <a:latin typeface="+mn-ea"/>
-              </a:rPr>
-              <a:t> 제외 전</a:t>
-            </a:r>
-            <a:endParaRPr kumimoji="1" lang="ko-Kore-KR" altLang="en-US" dirty="0">
-              <a:latin typeface="+mn-ea"/>
-            </a:endParaRPr>
-          </a:p>
-        </p:txBody>
-      </p:sp>
-      <p:sp>
-        <p:nvSpPr>
-          <p:cNvPr id="8" name="TextBox 7">
-            <a:extLst>
-              <a:ext uri="{FF2B5EF4-FFF2-40B4-BE49-F238E27FC236}">
-                <a16:creationId xmlns:a16="http://schemas.microsoft.com/office/drawing/2014/main" id="{22186F17-FDC4-FABB-B1BE-D374A650DAE8}"/>
-              </a:ext>
-            </a:extLst>
-          </p:cNvPr>
-          <p:cNvSpPr txBox="1"/>
-          <p:nvPr/>
-        </p:nvSpPr>
-        <p:spPr>
-          <a:xfrm>
-            <a:off x="8039577" y="5691294"/>
-            <a:ext cx="2272423" cy="336118"/>
-          </a:xfrm>
-          <a:prstGeom prst="rect">
-            <a:avLst/>
-          </a:prstGeom>
-          <a:noFill/>
-        </p:spPr>
-        <p:txBody>
-          <a:bodyPr wrap="square" rtlCol="0">
-            <a:spAutoFit/>
-          </a:bodyPr>
-          <a:lstStyle/>
-          <a:p>
-            <a:pPr algn="ctr"/>
-            <a:r>
-              <a:rPr kumimoji="1" lang="ko-Kore-KR" altLang="en-US" dirty="0">
-                <a:latin typeface="+mn-ea"/>
-              </a:rPr>
-              <a:t>이상치</a:t>
-            </a:r>
-            <a:r>
-              <a:rPr kumimoji="1" lang="ko-KR" altLang="en-US" dirty="0">
-                <a:latin typeface="+mn-ea"/>
-              </a:rPr>
-              <a:t> 제외 후</a:t>
-            </a:r>
-            <a:endParaRPr kumimoji="1" lang="ko-Kore-KR" altLang="en-US" dirty="0">
-              <a:latin typeface="+mn-ea"/>
-            </a:endParaRPr>
           </a:p>
         </p:txBody>
       </p:sp>
     </p:spTree>
     <p:extLst>
       <p:ext uri="{BB962C8B-B14F-4D97-AF65-F5344CB8AC3E}">
-        <p14:creationId xmlns:p14="http://schemas.microsoft.com/office/powerpoint/2010/main" val="1810387115"/>
+        <p14:creationId xmlns:p14="http://schemas.microsoft.com/office/powerpoint/2010/main" val="3567038506"/>
       </p:ext>
     </p:extLst>
   </p:cSld>
@@ -4678,11 +4935,14 @@
               <a:defRPr/>
             </a:pPr>
             <a:r>
-              <a:rPr lang="ko-KR" altLang="en-US" sz="4000" spc="-185" dirty="0">
+              <a:rPr lang="en-US" altLang="ko-KR" sz="4000" spc="-185" dirty="0">
                 <a:latin typeface="+mj-ea"/>
               </a:rPr>
-              <a:t>이상치 제외 작업</a:t>
-            </a:r>
+              <a:t>Mission 3</a:t>
+            </a:r>
+            <a:endParaRPr lang="ko-KR" altLang="en-US" sz="4000" spc="-185" dirty="0">
+              <a:latin typeface="+mj-ea"/>
+            </a:endParaRPr>
           </a:p>
         </p:txBody>
       </p:sp>
@@ -4696,8 +4956,8 @@
         </p:nvSpPr>
         <p:spPr>
           <a:xfrm>
-            <a:off x="363552" y="1593704"/>
-            <a:ext cx="12192000" cy="1392508"/>
+            <a:off x="363552" y="1530068"/>
+            <a:ext cx="12192000" cy="4379894"/>
           </a:xfrm>
           <a:prstGeom prst="rect">
             <a:avLst/>
@@ -4729,33 +4989,25 @@
           <a:p>
             <a:pPr>
               <a:lnSpc>
-                <a:spcPct val="110000"/>
-              </a:lnSpc>
-              <a:defRPr/>
-            </a:pPr>
-            <a:r>
-              <a:rPr lang="ko-KR" altLang="en-US" sz="1900" spc="-150" dirty="0">
-                <a:latin typeface="+mn-ea"/>
-                <a:ea typeface="+mn-ea"/>
-              </a:rPr>
-              <a:t>라벨이 잘못 설정되어 있는 이슈가 있었습니다</a:t>
-            </a:r>
-            <a:r>
-              <a:rPr lang="en-US" altLang="ko-KR" sz="1900" spc="-150" dirty="0">
-                <a:latin typeface="+mn-ea"/>
-                <a:ea typeface="+mn-ea"/>
-              </a:rPr>
-              <a:t>.</a:t>
-            </a:r>
-          </a:p>
-          <a:p>
-            <a:pPr>
-              <a:lnSpc>
-                <a:spcPct val="110000"/>
-              </a:lnSpc>
-              <a:defRPr/>
-            </a:pPr>
-            <a:endParaRPr lang="en-US" altLang="ko-KR" sz="1900" spc="-150" dirty="0">
+                <a:spcPct val="130000"/>
+              </a:lnSpc>
+              <a:defRPr/>
+            </a:pPr>
+            <a:r>
+              <a:rPr lang="en-US" altLang="ko-KR" sz="2100" spc="-150" dirty="0">
+                <a:latin typeface="+mn-ea"/>
+                <a:ea typeface="+mn-ea"/>
+              </a:rPr>
+              <a:t>3-3. </a:t>
+            </a:r>
+            <a:r>
+              <a:rPr lang="ko-KR" altLang="en-US" sz="2100" spc="-150" dirty="0">
+                <a:latin typeface="+mn-ea"/>
+                <a:ea typeface="+mn-ea"/>
+              </a:rPr>
+              <a:t>오류가 나온 이미지에 대해 왜 오류가 나왔는지 </a:t>
+            </a:r>
+            <a:endParaRPr lang="en-US" altLang="ko-KR" sz="2100" spc="-150" dirty="0">
               <a:latin typeface="+mn-ea"/>
               <a:ea typeface="+mn-ea"/>
             </a:endParaRPr>
@@ -4763,59 +5015,137 @@
           <a:p>
             <a:pPr>
               <a:lnSpc>
-                <a:spcPct val="110000"/>
-              </a:lnSpc>
-              <a:defRPr/>
-            </a:pPr>
-            <a:r>
-              <a:rPr lang="ko-KR" altLang="en-US" sz="1900" spc="-150" dirty="0">
-                <a:latin typeface="+mn-ea"/>
-                <a:ea typeface="+mn-ea"/>
-              </a:rPr>
-              <a:t>이상치 제거 알고리즘을 만들 수도 있었지만</a:t>
-            </a:r>
-            <a:r>
-              <a:rPr lang="en-US" altLang="ko-KR" sz="1900" spc="-150" dirty="0">
-                <a:latin typeface="+mn-ea"/>
-                <a:ea typeface="+mn-ea"/>
-              </a:rPr>
-              <a:t>,</a:t>
-            </a:r>
-          </a:p>
-          <a:p>
-            <a:pPr>
-              <a:lnSpc>
-                <a:spcPct val="110000"/>
-              </a:lnSpc>
-              <a:defRPr/>
-            </a:pPr>
-            <a:r>
-              <a:rPr lang="ko-KR" altLang="en-US" sz="1900" spc="-150" dirty="0">
-                <a:latin typeface="+mn-ea"/>
-                <a:ea typeface="+mn-ea"/>
-              </a:rPr>
-              <a:t>시간도 촉박하고 라벨링이 잘못된 데이터가 많지 않아서 직접 제외 작업을 진행했습니다</a:t>
-            </a:r>
-            <a:r>
-              <a:rPr lang="en-US" altLang="ko-KR" sz="1900" spc="-150" dirty="0">
+                <a:spcPct val="130000"/>
+              </a:lnSpc>
+              <a:defRPr/>
+            </a:pPr>
+            <a:r>
+              <a:rPr lang="ko-KR" altLang="en-US" sz="2100" spc="-150" dirty="0">
+                <a:latin typeface="+mn-ea"/>
+                <a:ea typeface="+mn-ea"/>
+              </a:rPr>
+              <a:t>그동안 미션 수행에서 얻은 경험과 지식을</a:t>
+            </a:r>
+            <a:r>
+              <a:rPr lang="en-US" altLang="ko-KR" sz="2100" spc="-150" dirty="0">
+                <a:latin typeface="+mn-ea"/>
+                <a:ea typeface="+mn-ea"/>
+              </a:rPr>
+              <a:t> </a:t>
+            </a:r>
+            <a:r>
+              <a:rPr lang="ko-KR" altLang="en-US" sz="2100" spc="-150" dirty="0">
+                <a:latin typeface="+mn-ea"/>
+                <a:ea typeface="+mn-ea"/>
+              </a:rPr>
+              <a:t>통해 </a:t>
+            </a:r>
+            <a:r>
+              <a:rPr lang="ko-KR" altLang="en-US" sz="2100" spc="-150" dirty="0" err="1">
+                <a:latin typeface="+mn-ea"/>
+                <a:ea typeface="+mn-ea"/>
+              </a:rPr>
+              <a:t>설명하시오</a:t>
+            </a:r>
+            <a:r>
+              <a:rPr lang="en-US" altLang="ko-KR" sz="2100" spc="-150" dirty="0">
                 <a:latin typeface="+mn-ea"/>
                 <a:ea typeface="+mn-ea"/>
               </a:rPr>
               <a:t>.</a:t>
             </a:r>
-            <a:endParaRPr lang="ko-KR" altLang="en-US" sz="1900" spc="-150" dirty="0">
+          </a:p>
+          <a:p>
+            <a:pPr>
+              <a:lnSpc>
+                <a:spcPct val="130000"/>
+              </a:lnSpc>
+              <a:defRPr/>
+            </a:pPr>
+            <a:endParaRPr lang="en-US" altLang="ko-KR" sz="2100" spc="-150" dirty="0">
               <a:latin typeface="+mn-ea"/>
               <a:ea typeface="+mn-ea"/>
             </a:endParaRPr>
           </a:p>
+          <a:p>
+            <a:pPr>
+              <a:lnSpc>
+                <a:spcPct val="130000"/>
+              </a:lnSpc>
+              <a:defRPr/>
+            </a:pPr>
+            <a:r>
+              <a:rPr lang="en-US" altLang="ko-KR" sz="2100" spc="-150" dirty="0">
+                <a:latin typeface="+mn-ea"/>
+                <a:ea typeface="+mn-ea"/>
+              </a:rPr>
+              <a:t>Answer:</a:t>
+            </a:r>
+          </a:p>
+          <a:p>
+            <a:pPr>
+              <a:lnSpc>
+                <a:spcPct val="130000"/>
+              </a:lnSpc>
+              <a:defRPr/>
+            </a:pPr>
+            <a:r>
+              <a:rPr lang="ko-KR" altLang="en-US" sz="2100" b="0" i="0" spc="-150" dirty="0">
+                <a:effectLst/>
+                <a:latin typeface="+mn-ea"/>
+                <a:ea typeface="+mn-ea"/>
+              </a:rPr>
+              <a:t>오류가 나온 이미지는 대부분 라벨링이 잘못 매칭된 경우였습니다</a:t>
+            </a:r>
+            <a:r>
+              <a:rPr lang="en-US" altLang="ko-KR" sz="2100" spc="-150" dirty="0">
+                <a:latin typeface="+mn-ea"/>
+                <a:ea typeface="+mn-ea"/>
+              </a:rPr>
+              <a:t>.</a:t>
+            </a:r>
+            <a:endParaRPr lang="en-US" altLang="ko-KR" sz="2100" b="0" i="0" spc="-150" dirty="0">
+              <a:effectLst/>
+              <a:latin typeface="+mn-ea"/>
+              <a:ea typeface="+mn-ea"/>
+            </a:endParaRPr>
+          </a:p>
+          <a:p>
+            <a:pPr>
+              <a:lnSpc>
+                <a:spcPct val="130000"/>
+              </a:lnSpc>
+              <a:defRPr/>
+            </a:pPr>
+            <a:r>
+              <a:rPr lang="ko-KR" altLang="en-US" sz="2100" b="0" i="0" spc="-150" dirty="0">
+                <a:effectLst/>
+                <a:latin typeface="+mn-ea"/>
+                <a:ea typeface="+mn-ea"/>
+              </a:rPr>
+              <a:t>이 부분 제외시키고 학습하였더니 정확도가 많이 증가했습니다</a:t>
+            </a:r>
+            <a:r>
+              <a:rPr lang="en-US" altLang="ko-KR" sz="2100" b="0" i="0" spc="-150" dirty="0">
+                <a:effectLst/>
+                <a:latin typeface="+mn-ea"/>
+                <a:ea typeface="+mn-ea"/>
+              </a:rPr>
+              <a:t>.</a:t>
+            </a:r>
+            <a:endParaRPr lang="ko-KR" altLang="en-US" sz="2100" spc="-150" dirty="0">
+              <a:latin typeface="+mn-ea"/>
+              <a:ea typeface="+mn-ea"/>
+            </a:endParaRPr>
+          </a:p>
         </p:txBody>
       </p:sp>
       <p:pic>
         <p:nvPicPr>
-          <p:cNvPr id="5" name="그림 4" descr="텍스트, 컴퓨터, 실내, 책상이(가) 표시된 사진&#10;&#10;자동 생성된 설명">
+          <p:cNvPr id="4" name="그림 3" descr="텍스트이(가) 표시된 사진&#10;&#10;자동 생성된 설명">
             <a:extLst>
               <a:ext uri="{FF2B5EF4-FFF2-40B4-BE49-F238E27FC236}">
-                <a16:creationId xmlns:a16="http://schemas.microsoft.com/office/drawing/2014/main" id="{68AE407E-15B3-5513-0723-EBFD0A490B7C}"/>
+                <a16:creationId xmlns:a16="http://schemas.microsoft.com/office/drawing/2014/main" id="{8AE7D982-6FC5-7175-7AA7-A82F5A37B627}"/>
               </a:ext>
             </a:extLst>
           </p:cNvPr>
@@ -4838,8 +5168,8 @@
         </p:blipFill>
         <p:spPr>
           <a:xfrm>
-            <a:off x="887181" y="3174718"/>
-            <a:ext cx="4204677" cy="3157614"/>
+            <a:off x="6523131" y="4495392"/>
+            <a:ext cx="5305317" cy="1160538"/>
           </a:xfrm>
           <a:prstGeom prst="rect">
             <a:avLst/>
@@ -4848,10 +5178,10 @@
       </p:pic>
       <p:pic>
         <p:nvPicPr>
-          <p:cNvPr id="10" name="그림 9" descr="텍스트, 컴퓨터, 실내, 전자기기이(가) 표시된 사진&#10;&#10;자동 생성된 설명">
+          <p:cNvPr id="6" name="그림 5" descr="텍스트이(가) 표시된 사진&#10;&#10;자동 생성된 설명">
             <a:extLst>
               <a:ext uri="{FF2B5EF4-FFF2-40B4-BE49-F238E27FC236}">
-                <a16:creationId xmlns:a16="http://schemas.microsoft.com/office/drawing/2014/main" id="{A450FAFA-C4E6-8AC8-DCFA-1E2463B452C7}"/>
+                <a16:creationId xmlns:a16="http://schemas.microsoft.com/office/drawing/2014/main" id="{D1E2E735-5BAD-ADB3-4574-E56A4A5A255D}"/>
               </a:ext>
             </a:extLst>
           </p:cNvPr>
@@ -4860,7 +5190,7 @@
           </p:cNvPicPr>
           <p:nvPr/>
         </p:nvPicPr>
-        <p:blipFill>
+        <p:blipFill rotWithShape="1">
           <a:blip r:embed="rId4">
             <a:extLst>
               <a:ext uri="{28A0092B-C50C-407E-A947-70E740481C1C}">
@@ -4868,24 +5198,117 @@
               </a:ext>
             </a:extLst>
           </a:blip>
-          <a:stretch>
-            <a:fillRect/>
-          </a:stretch>
+          <a:srcRect l="4271" t="4589" r="6013" b="27823"/>
+          <a:stretch/>
         </p:blipFill>
         <p:spPr>
           <a:xfrm>
-            <a:off x="5529966" y="3174718"/>
-            <a:ext cx="3801603" cy="2851202"/>
+            <a:off x="546637" y="4495392"/>
+            <a:ext cx="5762928" cy="1160538"/>
           </a:xfrm>
           <a:prstGeom prst="rect">
             <a:avLst/>
           </a:prstGeom>
         </p:spPr>
       </p:pic>
+      <p:sp>
+        <p:nvSpPr>
+          <p:cNvPr id="7" name="TextBox 6">
+            <a:extLst>
+              <a:ext uri="{FF2B5EF4-FFF2-40B4-BE49-F238E27FC236}">
+                <a16:creationId xmlns:a16="http://schemas.microsoft.com/office/drawing/2014/main" id="{5D8C7A91-AFC0-F546-9C1D-8E50C775F4D0}"/>
+              </a:ext>
+            </a:extLst>
+          </p:cNvPr>
+          <p:cNvSpPr txBox="1"/>
+          <p:nvPr/>
+        </p:nvSpPr>
+        <p:spPr>
+          <a:xfrm>
+            <a:off x="2266654" y="5691294"/>
+            <a:ext cx="2272423" cy="336118"/>
+          </a:xfrm>
+          <a:prstGeom prst="rect">
+            <a:avLst/>
+          </a:prstGeom>
+          <a:noFill/>
+        </p:spPr>
+        <p:txBody>
+          <a:bodyPr wrap="square" rtlCol="0">
+            <a:spAutoFit/>
+          </a:bodyPr>
+          <a:lstStyle/>
+          <a:p>
+            <a:pPr algn="ctr"/>
+            <a:r>
+              <a:rPr kumimoji="1" lang="ko-Kore-KR" altLang="en-US" dirty="0">
+                <a:latin typeface="+mn-ea"/>
+              </a:rPr>
+              <a:t>이상치</a:t>
+            </a:r>
+            <a:r>
+              <a:rPr kumimoji="1" lang="ko-KR" altLang="en-US" dirty="0">
+                <a:latin typeface="+mn-ea"/>
+              </a:rPr>
+              <a:t> 제외 전</a:t>
+            </a:r>
+            <a:endParaRPr kumimoji="1" lang="ko-Kore-KR" altLang="en-US" dirty="0">
+              <a:latin typeface="+mn-ea"/>
+            </a:endParaRPr>
+          </a:p>
+        </p:txBody>
+      </p:sp>
+      <p:sp>
+        <p:nvSpPr>
+          <p:cNvPr id="8" name="TextBox 7">
+            <a:extLst>
+              <a:ext uri="{FF2B5EF4-FFF2-40B4-BE49-F238E27FC236}">
+                <a16:creationId xmlns:a16="http://schemas.microsoft.com/office/drawing/2014/main" id="{22186F17-FDC4-FABB-B1BE-D374A650DAE8}"/>
+              </a:ext>
+            </a:extLst>
+          </p:cNvPr>
+          <p:cNvSpPr txBox="1"/>
+          <p:nvPr/>
+        </p:nvSpPr>
+        <p:spPr>
+          <a:xfrm>
+            <a:off x="8039577" y="5691294"/>
+            <a:ext cx="2272423" cy="336118"/>
+          </a:xfrm>
+          <a:prstGeom prst="rect">
+            <a:avLst/>
+          </a:prstGeom>
+          <a:noFill/>
+        </p:spPr>
+        <p:txBody>
+          <a:bodyPr wrap="square" rtlCol="0">
+            <a:spAutoFit/>
+          </a:bodyPr>
+          <a:lstStyle/>
+          <a:p>
+            <a:pPr algn="ctr"/>
+            <a:r>
+              <a:rPr kumimoji="1" lang="ko-Kore-KR" altLang="en-US" dirty="0">
+                <a:latin typeface="+mn-ea"/>
+              </a:rPr>
+              <a:t>이상치</a:t>
+            </a:r>
+            <a:r>
+              <a:rPr kumimoji="1" lang="ko-KR" altLang="en-US" dirty="0">
+                <a:latin typeface="+mn-ea"/>
+              </a:rPr>
+              <a:t> 제외 후</a:t>
+            </a:r>
+            <a:endParaRPr kumimoji="1" lang="ko-Kore-KR" altLang="en-US" dirty="0">
+              <a:latin typeface="+mn-ea"/>
+            </a:endParaRPr>
+          </a:p>
+        </p:txBody>
+      </p:sp>
     </p:spTree>
     <p:extLst>
       <p:ext uri="{BB962C8B-B14F-4D97-AF65-F5344CB8AC3E}">
-        <p14:creationId xmlns:p14="http://schemas.microsoft.com/office/powerpoint/2010/main" val="3246476420"/>
+        <p14:creationId xmlns:p14="http://schemas.microsoft.com/office/powerpoint/2010/main" val="1810387115"/>
       </p:ext>
     </p:extLst>
   </p:cSld>
@@ -4971,7 +5394,7 @@
               <a:rPr lang="ko-KR" altLang="en-US" sz="4000" spc="-185" dirty="0">
                 <a:latin typeface="+mj-ea"/>
               </a:rPr>
-              <a:t>클래스 불균형 이슈</a:t>
+              <a:t>이상치 제외 작업</a:t>
             </a:r>
           </a:p>
         </p:txBody>
@@ -4986,8 +5409,8 @@
         </p:nvSpPr>
         <p:spPr>
           <a:xfrm>
-            <a:off x="363552" y="1530068"/>
-            <a:ext cx="12192000" cy="4379894"/>
+            <a:off x="363552" y="1593704"/>
+            <a:ext cx="12192000" cy="1392508"/>
           </a:xfrm>
           <a:prstGeom prst="rect">
             <a:avLst/>
@@ -5019,26 +5442,256 @@
           <a:p>
             <a:pPr>
               <a:lnSpc>
-                <a:spcPct val="130000"/>
-              </a:lnSpc>
-              <a:defRPr/>
-            </a:pPr>
-            <a:endParaRPr lang="ko-KR" altLang="en-US" sz="2100" spc="-150" dirty="0">
+                <a:spcPct val="110000"/>
+              </a:lnSpc>
+              <a:defRPr/>
+            </a:pPr>
+            <a:r>
+              <a:rPr lang="ko-KR" altLang="en-US" sz="1900" spc="-150" dirty="0">
+                <a:latin typeface="+mn-ea"/>
+                <a:ea typeface="+mn-ea"/>
+              </a:rPr>
+              <a:t>라벨이 잘못 설정되어 있는 이슈가 있었습니다</a:t>
+            </a:r>
+            <a:r>
+              <a:rPr lang="en-US" altLang="ko-KR" sz="1900" spc="-150" dirty="0">
+                <a:latin typeface="+mn-ea"/>
+                <a:ea typeface="+mn-ea"/>
+              </a:rPr>
+              <a:t>.</a:t>
+            </a:r>
+          </a:p>
+          <a:p>
+            <a:pPr>
+              <a:lnSpc>
+                <a:spcPct val="110000"/>
+              </a:lnSpc>
+              <a:defRPr/>
+            </a:pPr>
+            <a:endParaRPr lang="en-US" altLang="ko-KR" sz="1900" spc="-150" dirty="0">
               <a:latin typeface="+mn-ea"/>
               <a:ea typeface="+mn-ea"/>
             </a:endParaRPr>
           </a:p>
-        </p:txBody>
-      </p:sp>
-      <p:sp>
-        <p:nvSpPr>
-          <p:cNvPr id="3" name="제목 38">
+          <a:p>
+            <a:pPr>
+              <a:lnSpc>
+                <a:spcPct val="110000"/>
+              </a:lnSpc>
+              <a:defRPr/>
+            </a:pPr>
+            <a:r>
+              <a:rPr lang="ko-KR" altLang="en-US" sz="1900" spc="-150" dirty="0">
+                <a:latin typeface="+mn-ea"/>
+                <a:ea typeface="+mn-ea"/>
+              </a:rPr>
+              <a:t>이상치 제거 알고리즘을 만들 수도 있었지만</a:t>
+            </a:r>
+            <a:r>
+              <a:rPr lang="en-US" altLang="ko-KR" sz="1900" spc="-150" dirty="0">
+                <a:latin typeface="+mn-ea"/>
+                <a:ea typeface="+mn-ea"/>
+              </a:rPr>
+              <a:t>,</a:t>
+            </a:r>
+          </a:p>
+          <a:p>
+            <a:pPr>
+              <a:lnSpc>
+                <a:spcPct val="110000"/>
+              </a:lnSpc>
+              <a:defRPr/>
+            </a:pPr>
+            <a:r>
+              <a:rPr lang="ko-KR" altLang="en-US" sz="1900" spc="-150" dirty="0">
+                <a:latin typeface="+mn-ea"/>
+                <a:ea typeface="+mn-ea"/>
+              </a:rPr>
+              <a:t>시간도 촉박하고 라벨링이 잘못된 데이터가 많지 않아서 직접 제외 작업을 진행했습니다</a:t>
+            </a:r>
+            <a:r>
+              <a:rPr lang="en-US" altLang="ko-KR" sz="1900" spc="-150" dirty="0">
+                <a:latin typeface="+mn-ea"/>
+                <a:ea typeface="+mn-ea"/>
+              </a:rPr>
+              <a:t>.</a:t>
+            </a:r>
+            <a:endParaRPr lang="ko-KR" altLang="en-US" sz="1900" spc="-150" dirty="0">
+              <a:latin typeface="+mn-ea"/>
+              <a:ea typeface="+mn-ea"/>
+            </a:endParaRPr>
+          </a:p>
+        </p:txBody>
+      </p:sp>
+      <p:pic>
+        <p:nvPicPr>
+          <p:cNvPr id="5" name="그림 4" descr="텍스트, 컴퓨터, 실내, 책상이(가) 표시된 사진&#10;&#10;자동 생성된 설명">
             <a:extLst>
               <a:ext uri="{FF2B5EF4-FFF2-40B4-BE49-F238E27FC236}">
-                <a16:creationId xmlns:a16="http://schemas.microsoft.com/office/drawing/2014/main" id="{5DFB26BC-F7FF-FADE-1C58-4A8BD6BCA307}"/>
+                <a16:creationId xmlns:a16="http://schemas.microsoft.com/office/drawing/2014/main" id="{68AE407E-15B3-5513-0723-EBFD0A490B7C}"/>
               </a:ext>
             </a:extLst>
           </p:cNvPr>
+          <p:cNvPicPr>
+            <a:picLocks noChangeAspect="1"/>
+          </p:cNvPicPr>
+          <p:nvPr/>
+        </p:nvPicPr>
+        <p:blipFill>
+          <a:blip r:embed="rId3">
+            <a:extLst>
+              <a:ext uri="{28A0092B-C50C-407E-A947-70E740481C1C}">
+                <a14:useLocalDpi xmlns:a14="http://schemas.microsoft.com/office/drawing/2010/main" val="0"/>
+              </a:ext>
+            </a:extLst>
+          </a:blip>
+          <a:stretch>
+            <a:fillRect/>
+          </a:stretch>
+        </p:blipFill>
+        <p:spPr>
+          <a:xfrm>
+            <a:off x="887181" y="3174718"/>
+            <a:ext cx="4204677" cy="3157614"/>
+          </a:xfrm>
+          <a:prstGeom prst="rect">
+            <a:avLst/>
+          </a:prstGeom>
+        </p:spPr>
+      </p:pic>
+      <p:pic>
+        <p:nvPicPr>
+          <p:cNvPr id="10" name="그림 9" descr="텍스트, 컴퓨터, 실내, 전자기기이(가) 표시된 사진&#10;&#10;자동 생성된 설명">
+            <a:extLst>
+              <a:ext uri="{FF2B5EF4-FFF2-40B4-BE49-F238E27FC236}">
+                <a16:creationId xmlns:a16="http://schemas.microsoft.com/office/drawing/2014/main" id="{A450FAFA-C4E6-8AC8-DCFA-1E2463B452C7}"/>
+              </a:ext>
+            </a:extLst>
+          </p:cNvPr>
+          <p:cNvPicPr>
+            <a:picLocks noChangeAspect="1"/>
+          </p:cNvPicPr>
+          <p:nvPr/>
+        </p:nvPicPr>
+        <p:blipFill>
+          <a:blip r:embed="rId4">
+            <a:extLst>
+              <a:ext uri="{28A0092B-C50C-407E-A947-70E740481C1C}">
+                <a14:useLocalDpi xmlns:a14="http://schemas.microsoft.com/office/drawing/2010/main" val="0"/>
+              </a:ext>
+            </a:extLst>
+          </a:blip>
+          <a:stretch>
+            <a:fillRect/>
+          </a:stretch>
+        </p:blipFill>
+        <p:spPr>
+          <a:xfrm>
+            <a:off x="5529966" y="3174718"/>
+            <a:ext cx="3801603" cy="2851202"/>
+          </a:xfrm>
+          <a:prstGeom prst="rect">
+            <a:avLst/>
+          </a:prstGeom>
+        </p:spPr>
+      </p:pic>
+    </p:spTree>
+    <p:extLst>
+      <p:ext uri="{BB962C8B-B14F-4D97-AF65-F5344CB8AC3E}">
+        <p14:creationId xmlns:p14="http://schemas.microsoft.com/office/powerpoint/2010/main" val="3246476420"/>
+      </p:ext>
+    </p:extLst>
+  </p:cSld>
+  <p:clrMapOvr>
+    <a:masterClrMapping/>
+  </p:clrMapOvr>
+</p:sld>
+</file>
+
+<file path=ppt/slides/slide16.xml><?xml version="1.0" encoding="utf-8"?>
+<p:sld xmlns:a="http://schemas.openxmlformats.org/drawingml/2006/main" xmlns:r="http://schemas.openxmlformats.org/officeDocument/2006/relationships" xmlns:p="http://schemas.openxmlformats.org/presentationml/2006/main">
+  <p:cSld>
+    <p:spTree>
+      <p:nvGrpSpPr>
+        <p:cNvPr id="1" name=""/>
+        <p:cNvGrpSpPr/>
+        <p:nvPr/>
+      </p:nvGrpSpPr>
+      <p:grpSpPr>
+        <a:xfrm>
+          <a:off x="0" y="0"/>
+          <a:ext cx="0" cy="0"/>
+          <a:chOff x="0" y="0"/>
+          <a:chExt cx="0" cy="0"/>
+        </a:xfrm>
+      </p:grpSpPr>
+      <p:pic>
+        <p:nvPicPr>
+          <p:cNvPr id="2" name="그림 1"/>
+          <p:cNvPicPr>
+            <a:picLocks noChangeAspect="1"/>
+          </p:cNvPicPr>
+          <p:nvPr/>
+        </p:nvPicPr>
+        <p:blipFill>
+          <a:blip r:embed="rId2">
+            <a:extLst>
+              <a:ext uri="{28A0092B-C50C-407E-A947-70E740481C1C}">
+                <a14:useLocalDpi xmlns:a14="http://schemas.microsoft.com/office/drawing/2010/main" val="0"/>
+              </a:ext>
+            </a:extLst>
+          </a:blip>
+          <a:stretch>
+            <a:fillRect/>
+          </a:stretch>
+        </p:blipFill>
+        <p:spPr>
+          <a:xfrm>
+            <a:off x="0" y="0"/>
+            <a:ext cx="12192000" cy="6858000"/>
+          </a:xfrm>
+          <a:prstGeom prst="rect">
+            <a:avLst/>
+          </a:prstGeom>
+        </p:spPr>
+      </p:pic>
+      <p:sp>
+        <p:nvSpPr>
+          <p:cNvPr id="48" name="제목 38"/>
+          <p:cNvSpPr>
+            <a:spLocks noGrp="1"/>
+          </p:cNvSpPr>
+          <p:nvPr>
+            <p:ph type="title"/>
+          </p:nvPr>
+        </p:nvSpPr>
+        <p:spPr>
+          <a:xfrm>
+            <a:off x="363552" y="406401"/>
+            <a:ext cx="9862863" cy="856412"/>
+          </a:xfrm>
+        </p:spPr>
+        <p:txBody>
+          <a:bodyPr rtlCol="0">
+            <a:noAutofit/>
+          </a:bodyPr>
+          <a:lstStyle/>
+          <a:p>
+            <a:pPr>
+              <a:defRPr/>
+            </a:pPr>
+            <a:r>
+              <a:rPr lang="ko-KR" altLang="en-US" sz="4000" spc="-185" dirty="0">
+                <a:latin typeface="+mj-ea"/>
+              </a:rPr>
+              <a:t>클래스 불균형 이슈</a:t>
+            </a:r>
+          </a:p>
+        </p:txBody>
+      </p:sp>
+      <p:sp>
+        <p:nvSpPr>
+          <p:cNvPr id="13" name="제목 38"/>
           <p:cNvSpPr txBox="1">
             <a:spLocks/>
           </p:cNvSpPr>
@@ -5046,8 +5699,8 @@
         </p:nvSpPr>
         <p:spPr>
           <a:xfrm>
-            <a:off x="515952" y="1838775"/>
-            <a:ext cx="11312496" cy="4227494"/>
+            <a:off x="363552" y="1530068"/>
+            <a:ext cx="12192000" cy="4379894"/>
           </a:xfrm>
           <a:prstGeom prst="rect">
             <a:avLst/>
@@ -5083,6 +5736,66 @@
               </a:lnSpc>
               <a:defRPr/>
             </a:pPr>
+            <a:endParaRPr lang="ko-KR" altLang="en-US" sz="2100" spc="-150" dirty="0">
+              <a:latin typeface="+mn-ea"/>
+              <a:ea typeface="+mn-ea"/>
+            </a:endParaRPr>
+          </a:p>
+        </p:txBody>
+      </p:sp>
+      <p:sp>
+        <p:nvSpPr>
+          <p:cNvPr id="3" name="제목 38">
+            <a:extLst>
+              <a:ext uri="{FF2B5EF4-FFF2-40B4-BE49-F238E27FC236}">
+                <a16:creationId xmlns:a16="http://schemas.microsoft.com/office/drawing/2014/main" id="{5DFB26BC-F7FF-FADE-1C58-4A8BD6BCA307}"/>
+              </a:ext>
+            </a:extLst>
+          </p:cNvPr>
+          <p:cNvSpPr txBox="1">
+            <a:spLocks/>
+          </p:cNvSpPr>
+          <p:nvPr/>
+        </p:nvSpPr>
+        <p:spPr>
+          <a:xfrm>
+            <a:off x="515952" y="1838775"/>
+            <a:ext cx="11312496" cy="4227494"/>
+          </a:xfrm>
+          <a:prstGeom prst="rect">
+            <a:avLst/>
+          </a:prstGeom>
+        </p:spPr>
+        <p:txBody>
+          <a:bodyPr vert="horz" lIns="112542" tIns="56271" rIns="112542" bIns="56271" rtlCol="0" anchor="t">
+            <a:noAutofit/>
+          </a:bodyPr>
+          <a:lstStyle>
+            <a:lvl1pPr algn="l" defTabSz="914400" rtl="0" eaLnBrk="1" latinLnBrk="1" hangingPunct="1">
+              <a:lnSpc>
+                <a:spcPct val="90000"/>
+              </a:lnSpc>
+              <a:spcBef>
+                <a:spcPct val="0"/>
+              </a:spcBef>
+              <a:buNone/>
+              <a:defRPr sz="4400" kern="1200">
+                <a:solidFill>
+                  <a:schemeClr val="tx1"/>
+                </a:solidFill>
+                <a:latin typeface="+mj-lt"/>
+                <a:ea typeface="+mj-ea"/>
+                <a:cs typeface="+mj-cs"/>
+              </a:defRPr>
+            </a:lvl1pPr>
+          </a:lstStyle>
+          <a:p>
+            <a:pPr>
+              <a:lnSpc>
+                <a:spcPct val="130000"/>
+              </a:lnSpc>
+              <a:defRPr/>
+            </a:pPr>
             <a:r>
               <a:rPr lang="en-US" altLang="ko-KR" sz="2100" spc="-150" dirty="0">
                 <a:latin typeface="+mn-ea"/>
@@ -5338,7 +6051,7 @@
                 <a:latin typeface="+mn-ea"/>
                 <a:ea typeface="+mn-ea"/>
               </a:rPr>
-              <a:t>그러나 시간 관계상 클래스 불균형 문제를 생각하지 못했습니다</a:t>
+              <a:t>그러나 시간이 부족하여 이 이슈를 해결하지 못한 채 모델 학습을 진행했습니다</a:t>
             </a:r>
             <a:r>
               <a:rPr lang="en-US" altLang="ko-KR" sz="2100" spc="-150" dirty="0">
@@ -5347,17 +6060,6 @@
               </a:rPr>
               <a:t>.</a:t>
             </a:r>
-            <a:r>
-              <a:rPr lang="ko-KR" altLang="en-US" sz="2100" spc="-150" dirty="0">
-                <a:latin typeface="+mn-ea"/>
-                <a:ea typeface="+mn-ea"/>
-              </a:rPr>
-              <a:t> </a:t>
-            </a:r>
-            <a:endParaRPr lang="en-US" altLang="ko-KR" sz="2100" spc="-150" dirty="0">
-              <a:latin typeface="+mn-ea"/>
-              <a:ea typeface="+mn-ea"/>
-            </a:endParaRPr>
           </a:p>
         </p:txBody>
       </p:sp>
@@ -5374,7 +6076,7 @@
 </p:sld>
 </file>
 
-<file path=ppt/slides/slide16.xml><?xml version="1.0" encoding="utf-8"?>
+<file path=ppt/slides/slide17.xml><?xml version="1.0" encoding="utf-8"?>
 <p:sld xmlns:a="http://schemas.openxmlformats.org/drawingml/2006/main" xmlns:r="http://schemas.openxmlformats.org/officeDocument/2006/relationships" xmlns:p="http://schemas.openxmlformats.org/presentationml/2006/main">
   <p:cSld>
     <p:spTree>
@@ -5510,7 +6212,7 @@
               <a:rPr lang="ko-KR" altLang="en-US" sz="4000" spc="-185" dirty="0">
                 <a:latin typeface="+mj-ea"/>
               </a:rPr>
-              <a:t>팀원 소개</a:t>
+              <a:t>팀 소개</a:t>
             </a:r>
           </a:p>
         </p:txBody>
@@ -6246,7 +6948,7 @@
               <a:rPr lang="en-US" altLang="ko-KR" sz="4000" spc="-185" dirty="0">
                 <a:latin typeface="+mj-ea"/>
               </a:rPr>
-              <a:t>Mission 1</a:t>
+              <a:t>Workflow</a:t>
             </a:r>
             <a:endParaRPr lang="ko-KR" altLang="en-US" sz="4000" spc="-185" dirty="0">
               <a:latin typeface="+mj-ea"/>
@@ -6254,365 +6956,110 @@
           </a:p>
         </p:txBody>
       </p:sp>
-      <p:sp>
-        <p:nvSpPr>
-          <p:cNvPr id="13" name="제목 38"/>
-          <p:cNvSpPr txBox="1">
-            <a:spLocks/>
-          </p:cNvSpPr>
+      <p:pic>
+        <p:nvPicPr>
+          <p:cNvPr id="6" name="그림 5" descr="텍스트, 모니터, 화면, 은색이(가) 표시된 사진&#10;&#10;자동 생성된 설명">
+            <a:extLst>
+              <a:ext uri="{FF2B5EF4-FFF2-40B4-BE49-F238E27FC236}">
+                <a16:creationId xmlns:a16="http://schemas.microsoft.com/office/drawing/2014/main" id="{A33F905E-2C11-BF10-CBC4-844033D0DE4D}"/>
+              </a:ext>
+            </a:extLst>
+          </p:cNvPr>
+          <p:cNvPicPr>
+            <a:picLocks noChangeAspect="1"/>
+          </p:cNvPicPr>
           <p:nvPr/>
-        </p:nvSpPr>
-        <p:spPr>
-          <a:xfrm>
-            <a:off x="363552" y="1510190"/>
-            <a:ext cx="11393019" cy="4379894"/>
+        </p:nvPicPr>
+        <p:blipFill>
+          <a:blip r:embed="rId3">
+            <a:extLst>
+              <a:ext uri="{28A0092B-C50C-407E-A947-70E740481C1C}">
+                <a14:useLocalDpi xmlns:a14="http://schemas.microsoft.com/office/drawing/2010/main" val="0"/>
+              </a:ext>
+            </a:extLst>
+          </a:blip>
+          <a:stretch>
+            <a:fillRect/>
+          </a:stretch>
+        </p:blipFill>
+        <p:spPr>
+          <a:xfrm>
+            <a:off x="242798" y="1669214"/>
+            <a:ext cx="11738890" cy="3241114"/>
           </a:xfrm>
           <a:prstGeom prst="rect">
             <a:avLst/>
           </a:prstGeom>
         </p:spPr>
-        <p:txBody>
-          <a:bodyPr vert="horz" lIns="112542" tIns="56271" rIns="112542" bIns="56271" rtlCol="0" anchor="t">
-            <a:noAutofit/>
+      </p:pic>
+      <p:sp>
+        <p:nvSpPr>
+          <p:cNvPr id="7" name="TextBox 6">
+            <a:extLst>
+              <a:ext uri="{FF2B5EF4-FFF2-40B4-BE49-F238E27FC236}">
+                <a16:creationId xmlns:a16="http://schemas.microsoft.com/office/drawing/2014/main" id="{8A6DB511-8C07-1851-FC02-84D47BD09EBB}"/>
+              </a:ext>
+            </a:extLst>
+          </p:cNvPr>
+          <p:cNvSpPr txBox="1"/>
+          <p:nvPr/>
+        </p:nvSpPr>
+        <p:spPr>
+          <a:xfrm>
+            <a:off x="210312" y="4910328"/>
+            <a:ext cx="11738890" cy="384721"/>
+          </a:xfrm>
+          <a:prstGeom prst="rect">
+            <a:avLst/>
+          </a:prstGeom>
+          <a:noFill/>
+        </p:spPr>
+        <p:txBody>
+          <a:bodyPr wrap="square" rtlCol="0">
+            <a:spAutoFit/>
           </a:bodyPr>
-          <a:lstStyle>
-            <a:lvl1pPr algn="l" defTabSz="914400" rtl="0" eaLnBrk="1" latinLnBrk="1" hangingPunct="1">
-              <a:lnSpc>
-                <a:spcPct val="90000"/>
-              </a:lnSpc>
-              <a:spcBef>
-                <a:spcPct val="0"/>
-              </a:spcBef>
-              <a:buNone/>
-              <a:defRPr sz="4400" kern="1200">
-                <a:solidFill>
-                  <a:schemeClr val="tx1"/>
-                </a:solidFill>
-                <a:latin typeface="+mj-lt"/>
-                <a:ea typeface="+mj-ea"/>
-                <a:cs typeface="+mj-cs"/>
-              </a:defRPr>
-            </a:lvl1pPr>
-          </a:lstStyle>
-          <a:p>
-            <a:pPr algn="just">
-              <a:lnSpc>
-                <a:spcPct val="120000"/>
-              </a:lnSpc>
-              <a:defRPr/>
-            </a:pPr>
-            <a:r>
-              <a:rPr lang="en-US" altLang="ko-KR" sz="1900" spc="-150" dirty="0">
-                <a:latin typeface="+mn-ea"/>
-                <a:ea typeface="+mn-ea"/>
-              </a:rPr>
-              <a:t>1-1. Training </a:t>
-            </a:r>
-            <a:r>
-              <a:rPr lang="ko-KR" altLang="en-US" sz="1900" spc="-150" dirty="0">
-                <a:latin typeface="+mn-ea"/>
-                <a:ea typeface="+mn-ea"/>
-              </a:rPr>
-              <a:t>데이터 셋의 데이터를 살펴보고 라벨 종류는 무엇이 있고</a:t>
-            </a:r>
-            <a:r>
-              <a:rPr lang="en-US" altLang="ko-KR" sz="1900" spc="-150" dirty="0">
-                <a:latin typeface="+mn-ea"/>
-                <a:ea typeface="+mn-ea"/>
-              </a:rPr>
-              <a:t>, </a:t>
-            </a:r>
-            <a:r>
-              <a:rPr lang="ko-KR" altLang="en-US" sz="1900" spc="-150" dirty="0">
-                <a:latin typeface="+mn-ea"/>
-                <a:ea typeface="+mn-ea"/>
-              </a:rPr>
-              <a:t>각 라벨의 개수를 구하시오</a:t>
-            </a:r>
-            <a:r>
-              <a:rPr lang="en-US" altLang="ko-KR" sz="1900" spc="-150" dirty="0">
-                <a:latin typeface="+mn-ea"/>
-                <a:ea typeface="+mn-ea"/>
+          <a:lstStyle/>
+          <a:p>
+            <a:pPr algn="ctr"/>
+            <a:r>
+              <a:rPr kumimoji="1" lang="ko-KR" altLang="en-US" sz="1900" dirty="0">
+                <a:latin typeface="+mn-ea"/>
+              </a:rPr>
+              <a:t>위와 같은 워크플로우를 구축하여 학습 데이터셋을 만들고</a:t>
+            </a:r>
+            <a:r>
+              <a:rPr kumimoji="1" lang="en-US" altLang="ko-KR" sz="1900" dirty="0">
+                <a:latin typeface="+mn-ea"/>
+              </a:rPr>
+              <a:t>,</a:t>
+            </a:r>
+            <a:r>
+              <a:rPr kumimoji="1" lang="ko-KR" altLang="en-US" sz="1900" dirty="0">
+                <a:latin typeface="+mn-ea"/>
+              </a:rPr>
+              <a:t> 모델 학습 진행 후 </a:t>
+            </a:r>
+            <a:r>
+              <a:rPr kumimoji="1" lang="en-US" altLang="ko-KR" sz="1900" dirty="0">
+                <a:latin typeface="+mn-ea"/>
+              </a:rPr>
+              <a:t>PPT</a:t>
+            </a:r>
+            <a:r>
+              <a:rPr kumimoji="1" lang="ko-KR" altLang="en-US" sz="1900" dirty="0">
+                <a:latin typeface="+mn-ea"/>
+              </a:rPr>
+              <a:t>를 제작했습니다</a:t>
+            </a:r>
+            <a:r>
+              <a:rPr kumimoji="1" lang="en-US" altLang="ko-KR" sz="1900" dirty="0">
+                <a:latin typeface="+mn-ea"/>
               </a:rPr>
               <a:t>.</a:t>
             </a:r>
-          </a:p>
-          <a:p>
-            <a:pPr algn="just">
-              <a:lnSpc>
-                <a:spcPct val="120000"/>
-              </a:lnSpc>
-              <a:defRPr/>
-            </a:pPr>
-            <a:endParaRPr lang="en-US" altLang="ko-KR" sz="1900" dirty="0">
+            <a:endParaRPr kumimoji="1" lang="ko-Kore-KR" altLang="en-US" sz="1900" dirty="0">
               <a:latin typeface="+mn-ea"/>
-              <a:ea typeface="+mn-ea"/>
             </a:endParaRPr>
-          </a:p>
-          <a:p>
-            <a:pPr algn="just">
-              <a:lnSpc>
-                <a:spcPct val="120000"/>
-              </a:lnSpc>
-              <a:defRPr/>
-            </a:pPr>
-            <a:r>
-              <a:rPr lang="en-US" altLang="ko-KR" sz="1900" dirty="0">
-                <a:latin typeface="+mn-ea"/>
-                <a:ea typeface="+mn-ea"/>
-              </a:rPr>
-              <a:t>Answer:</a:t>
-            </a:r>
-          </a:p>
-          <a:p>
-            <a:pPr algn="just">
-              <a:lnSpc>
-                <a:spcPct val="120000"/>
-              </a:lnSpc>
-              <a:defRPr/>
-            </a:pPr>
-            <a:r>
-              <a:rPr lang="ko-KR" altLang="en-US" sz="1900" dirty="0">
-                <a:latin typeface="+mn-ea"/>
-                <a:ea typeface="+mn-ea"/>
-              </a:rPr>
-              <a:t>라벨 종류는 </a:t>
-            </a:r>
-            <a:r>
-              <a:rPr lang="en-US" altLang="ko-KR" sz="1900" dirty="0" err="1">
-                <a:latin typeface="+mn-ea"/>
-                <a:ea typeface="+mn-ea"/>
-              </a:rPr>
-              <a:t>cap_and_hat</a:t>
-            </a:r>
-            <a:r>
-              <a:rPr lang="en-US" altLang="ko-KR" sz="1900" dirty="0">
-                <a:latin typeface="+mn-ea"/>
-                <a:ea typeface="+mn-ea"/>
-              </a:rPr>
-              <a:t>, outerwear, tops, bottoms, shoes</a:t>
-            </a:r>
-            <a:r>
-              <a:rPr lang="ko-KR" altLang="en-US" sz="1900" dirty="0">
-                <a:latin typeface="+mn-ea"/>
-                <a:ea typeface="+mn-ea"/>
-              </a:rPr>
-              <a:t>로 총 </a:t>
-            </a:r>
-            <a:r>
-              <a:rPr lang="en-US" altLang="ko-KR" sz="1900" dirty="0">
-                <a:latin typeface="+mn-ea"/>
-                <a:ea typeface="+mn-ea"/>
-              </a:rPr>
-              <a:t>5</a:t>
-            </a:r>
-            <a:r>
-              <a:rPr lang="ko-KR" altLang="en-US" sz="1900" dirty="0">
-                <a:latin typeface="+mn-ea"/>
-                <a:ea typeface="+mn-ea"/>
-              </a:rPr>
-              <a:t>개이고</a:t>
-            </a:r>
-            <a:r>
-              <a:rPr lang="en-US" altLang="ko-KR" sz="1900" dirty="0">
-                <a:latin typeface="+mn-ea"/>
-                <a:ea typeface="+mn-ea"/>
-              </a:rPr>
-              <a:t>, </a:t>
-            </a:r>
-          </a:p>
-          <a:p>
-            <a:pPr algn="just">
-              <a:lnSpc>
-                <a:spcPct val="120000"/>
-              </a:lnSpc>
-              <a:defRPr/>
-            </a:pPr>
-            <a:r>
-              <a:rPr lang="ko-KR" altLang="en-US" sz="1900" dirty="0">
-                <a:latin typeface="+mn-ea"/>
-                <a:ea typeface="+mn-ea"/>
-              </a:rPr>
-              <a:t>라벨 별 이미지의 개수는 다음과 같다</a:t>
-            </a:r>
-            <a:r>
-              <a:rPr lang="en-US" altLang="ko-KR" sz="1900" dirty="0">
-                <a:latin typeface="+mn-ea"/>
-                <a:ea typeface="+mn-ea"/>
-              </a:rPr>
-              <a:t>.</a:t>
-            </a:r>
-          </a:p>
-          <a:p>
-            <a:pPr algn="just">
-              <a:lnSpc>
-                <a:spcPct val="120000"/>
-              </a:lnSpc>
-              <a:defRPr/>
-            </a:pPr>
-            <a:endParaRPr lang="en-US" altLang="ko-KR" sz="1900" dirty="0">
-              <a:latin typeface="+mn-ea"/>
-              <a:ea typeface="+mn-ea"/>
-            </a:endParaRPr>
-          </a:p>
-          <a:p>
-            <a:pPr algn="just">
-              <a:lnSpc>
-                <a:spcPct val="120000"/>
-              </a:lnSpc>
-              <a:defRPr/>
-            </a:pPr>
-            <a:r>
-              <a:rPr lang="en-US" altLang="ko-KR" sz="1900" dirty="0" err="1">
-                <a:latin typeface="+mn-ea"/>
-                <a:ea typeface="+mn-ea"/>
-              </a:rPr>
-              <a:t>cap_and_hat</a:t>
-            </a:r>
-            <a:r>
-              <a:rPr lang="en-US" altLang="ko-KR" sz="1900" dirty="0">
-                <a:latin typeface="+mn-ea"/>
-                <a:ea typeface="+mn-ea"/>
-              </a:rPr>
-              <a:t>:</a:t>
-            </a:r>
-            <a:r>
-              <a:rPr lang="ko-KR" altLang="en-US" sz="1900" dirty="0">
-                <a:latin typeface="+mn-ea"/>
-                <a:ea typeface="+mn-ea"/>
-              </a:rPr>
-              <a:t> </a:t>
-            </a:r>
-            <a:r>
-              <a:rPr lang="en-US" altLang="ko-KR" sz="1900" dirty="0">
-                <a:latin typeface="+mn-ea"/>
-                <a:ea typeface="+mn-ea"/>
-              </a:rPr>
-              <a:t>196</a:t>
-            </a:r>
-            <a:r>
-              <a:rPr lang="ko-KR" altLang="en-US" sz="1900" dirty="0">
-                <a:latin typeface="+mn-ea"/>
-                <a:ea typeface="+mn-ea"/>
-              </a:rPr>
-              <a:t>개</a:t>
-            </a:r>
-            <a:r>
-              <a:rPr lang="en-US" altLang="ko-KR" sz="1900" dirty="0">
-                <a:latin typeface="+mn-ea"/>
-                <a:ea typeface="+mn-ea"/>
-              </a:rPr>
-              <a:t>, </a:t>
-            </a:r>
-          </a:p>
-          <a:p>
-            <a:pPr algn="just">
-              <a:lnSpc>
-                <a:spcPct val="120000"/>
-              </a:lnSpc>
-              <a:defRPr/>
-            </a:pPr>
-            <a:r>
-              <a:rPr lang="en-US" altLang="ko-KR" sz="1900" dirty="0">
-                <a:latin typeface="+mn-ea"/>
-                <a:ea typeface="+mn-ea"/>
-              </a:rPr>
-              <a:t>outerwear: 4606</a:t>
-            </a:r>
-            <a:r>
-              <a:rPr lang="ko-KR" altLang="en-US" sz="1900" dirty="0">
-                <a:latin typeface="+mn-ea"/>
-                <a:ea typeface="+mn-ea"/>
-              </a:rPr>
-              <a:t>개</a:t>
-            </a:r>
-            <a:r>
-              <a:rPr lang="en-US" altLang="ko-KR" sz="1900" dirty="0">
-                <a:latin typeface="+mn-ea"/>
-                <a:ea typeface="+mn-ea"/>
-              </a:rPr>
-              <a:t>, </a:t>
-            </a:r>
-          </a:p>
-          <a:p>
-            <a:pPr algn="just">
-              <a:lnSpc>
-                <a:spcPct val="120000"/>
-              </a:lnSpc>
-              <a:defRPr/>
-            </a:pPr>
-            <a:r>
-              <a:rPr lang="en-US" altLang="ko-KR" sz="1900" dirty="0">
-                <a:latin typeface="+mn-ea"/>
-                <a:ea typeface="+mn-ea"/>
-              </a:rPr>
-              <a:t>tops: 18350</a:t>
-            </a:r>
-            <a:r>
-              <a:rPr lang="ko-KR" altLang="en-US" sz="1900" dirty="0">
-                <a:latin typeface="+mn-ea"/>
-                <a:ea typeface="+mn-ea"/>
-              </a:rPr>
-              <a:t>개</a:t>
-            </a:r>
-            <a:r>
-              <a:rPr lang="en-US" altLang="ko-KR" sz="1900" dirty="0">
-                <a:latin typeface="+mn-ea"/>
-                <a:ea typeface="+mn-ea"/>
-              </a:rPr>
-              <a:t>, </a:t>
-            </a:r>
-          </a:p>
-          <a:p>
-            <a:pPr algn="just">
-              <a:lnSpc>
-                <a:spcPct val="120000"/>
-              </a:lnSpc>
-              <a:defRPr/>
-            </a:pPr>
-            <a:r>
-              <a:rPr lang="en-US" altLang="ko-KR" sz="1900" dirty="0">
-                <a:latin typeface="+mn-ea"/>
-                <a:ea typeface="+mn-ea"/>
-              </a:rPr>
-              <a:t>bottoms: 6424</a:t>
-            </a:r>
-            <a:r>
-              <a:rPr lang="ko-KR" altLang="en-US" sz="1900" dirty="0">
-                <a:latin typeface="+mn-ea"/>
-                <a:ea typeface="+mn-ea"/>
-              </a:rPr>
-              <a:t>개</a:t>
-            </a:r>
-            <a:r>
-              <a:rPr lang="en-US" altLang="ko-KR" sz="1900" dirty="0">
-                <a:latin typeface="+mn-ea"/>
-                <a:ea typeface="+mn-ea"/>
-              </a:rPr>
-              <a:t>, </a:t>
-            </a:r>
-          </a:p>
-          <a:p>
-            <a:pPr algn="just">
-              <a:lnSpc>
-                <a:spcPct val="120000"/>
-              </a:lnSpc>
-              <a:defRPr/>
-            </a:pPr>
-            <a:r>
-              <a:rPr lang="en-US" altLang="ko-KR" sz="1900" dirty="0">
-                <a:latin typeface="+mn-ea"/>
-                <a:ea typeface="+mn-ea"/>
-              </a:rPr>
-              <a:t>shoes: 424</a:t>
-            </a:r>
-            <a:r>
-              <a:rPr lang="ko-KR" altLang="en-US" sz="1900" dirty="0">
-                <a:latin typeface="+mn-ea"/>
-                <a:ea typeface="+mn-ea"/>
-              </a:rPr>
-              <a:t>개</a:t>
-            </a:r>
           </a:p>
         </p:txBody>
       </p:sp>
@@ -6648,13 +7095,7 @@
       </p:grpSpPr>
       <p:pic>
         <p:nvPicPr>
-          <p:cNvPr id="4" name="그림 3">
-            <a:extLst>
-              <a:ext uri="{FF2B5EF4-FFF2-40B4-BE49-F238E27FC236}">
-                <a16:creationId xmlns:a16="http://schemas.microsoft.com/office/drawing/2014/main" id="{963A1BA7-4CC2-ACEF-0293-24C5AE9B9175}"/>
-              </a:ext>
-            </a:extLst>
-          </p:cNvPr>
+          <p:cNvPr id="2" name="그림 1"/>
           <p:cNvPicPr>
             <a:picLocks noChangeAspect="1"/>
           </p:cNvPicPr>
@@ -6684,13 +7125,7 @@
       </p:pic>
       <p:sp>
         <p:nvSpPr>
-          <p:cNvPr id="5" name="제목 38">
-            <a:extLst>
-              <a:ext uri="{FF2B5EF4-FFF2-40B4-BE49-F238E27FC236}">
-                <a16:creationId xmlns:a16="http://schemas.microsoft.com/office/drawing/2014/main" id="{D53157FE-2798-08EE-C8C3-6F7CF14ECA7D}"/>
-              </a:ext>
-            </a:extLst>
-          </p:cNvPr>
+          <p:cNvPr id="48" name="제목 38"/>
           <p:cNvSpPr>
             <a:spLocks noGrp="1"/>
           </p:cNvSpPr>
@@ -6714,23 +7149,20 @@
               <a:defRPr/>
             </a:pPr>
             <a:r>
-              <a:rPr lang="ko-KR" altLang="en-US" sz="4000" spc="-185" dirty="0">
+              <a:rPr lang="en-US" altLang="ko-KR" sz="4000" spc="-185" dirty="0">
                 <a:latin typeface="+mj-ea"/>
               </a:rPr>
-              <a:t>데이터 전처리 과정</a:t>
-            </a:r>
-          </a:p>
-        </p:txBody>
-      </p:sp>
-      <p:sp>
-        <p:nvSpPr>
-          <p:cNvPr id="6" name="제목 38">
-            <a:extLst>
-              <a:ext uri="{FF2B5EF4-FFF2-40B4-BE49-F238E27FC236}">
-                <a16:creationId xmlns:a16="http://schemas.microsoft.com/office/drawing/2014/main" id="{EB94A68A-D51D-255E-A650-BDDB84AC8884}"/>
-              </a:ext>
-            </a:extLst>
-          </p:cNvPr>
+              <a:t>Mission 1</a:t>
+            </a:r>
+            <a:endParaRPr lang="ko-KR" altLang="en-US" sz="4000" spc="-185" dirty="0">
+              <a:latin typeface="+mj-ea"/>
+            </a:endParaRPr>
+          </a:p>
+        </p:txBody>
+      </p:sp>
+      <p:sp>
+        <p:nvSpPr>
+          <p:cNvPr id="13" name="제목 38"/>
           <p:cNvSpPr txBox="1">
             <a:spLocks/>
           </p:cNvSpPr>
@@ -6738,8 +7170,8 @@
         </p:nvSpPr>
         <p:spPr>
           <a:xfrm>
-            <a:off x="363552" y="1547726"/>
-            <a:ext cx="8354320" cy="2419299"/>
+            <a:off x="363552" y="1510190"/>
+            <a:ext cx="11393019" cy="4379894"/>
           </a:xfrm>
           <a:prstGeom prst="rect">
             <a:avLst/>
@@ -6769,21 +7201,42 @@
             </a:lvl1pPr>
           </a:lstStyle>
           <a:p>
-            <a:pPr>
-              <a:lnSpc>
-                <a:spcPct val="130000"/>
-              </a:lnSpc>
-              <a:defRPr/>
-            </a:pPr>
-            <a:r>
-              <a:rPr lang="ko-KR" altLang="en-US" sz="1600" spc="-150" dirty="0">
-                <a:latin typeface="+mn-ea"/>
-                <a:ea typeface="+mn-ea"/>
-              </a:rPr>
-              <a:t>전처리 코드를 완성하기 위해 많은 시행착오를 거쳤습니다</a:t>
-            </a:r>
-            <a:r>
-              <a:rPr lang="en-US" altLang="ko-KR" sz="1600" spc="-150" dirty="0">
+            <a:pPr algn="just">
+              <a:lnSpc>
+                <a:spcPct val="120000"/>
+              </a:lnSpc>
+              <a:defRPr/>
+            </a:pPr>
+            <a:r>
+              <a:rPr lang="en-US" altLang="ko-KR" sz="1900" spc="-150" dirty="0">
+                <a:latin typeface="+mn-ea"/>
+                <a:ea typeface="+mn-ea"/>
+              </a:rPr>
+              <a:t>1-1. Training </a:t>
+            </a:r>
+            <a:r>
+              <a:rPr lang="ko-KR" altLang="en-US" sz="1900" spc="-150" dirty="0">
+                <a:latin typeface="+mn-ea"/>
+                <a:ea typeface="+mn-ea"/>
+              </a:rPr>
+              <a:t>데이터 셋의 데이터를 살펴보고 라벨 종류는 무엇이 있고</a:t>
+            </a:r>
+            <a:r>
+              <a:rPr lang="en-US" altLang="ko-KR" sz="1900" spc="-150" dirty="0">
+                <a:latin typeface="+mn-ea"/>
+                <a:ea typeface="+mn-ea"/>
+              </a:rPr>
+              <a:t>, </a:t>
+            </a:r>
+            <a:r>
+              <a:rPr lang="ko-KR" altLang="en-US" sz="1900" spc="-150" dirty="0">
+                <a:latin typeface="+mn-ea"/>
+                <a:ea typeface="+mn-ea"/>
+              </a:rPr>
+              <a:t>각 라벨의 개수를 구하시오</a:t>
+            </a:r>
+            <a:r>
+              <a:rPr lang="en-US" altLang="ko-KR" sz="1900" spc="-150" dirty="0">
                 <a:latin typeface="+mn-ea"/>
                 <a:ea typeface="+mn-ea"/>
               </a:rPr>
@@ -6791,33 +7244,105 @@
             </a:r>
           </a:p>
           <a:p>
-            <a:pPr>
-              <a:lnSpc>
-                <a:spcPct val="130000"/>
-              </a:lnSpc>
-              <a:defRPr/>
-            </a:pPr>
-            <a:endParaRPr lang="en-US" altLang="ko-KR" sz="1600" spc="-150" dirty="0">
+            <a:pPr algn="just">
+              <a:lnSpc>
+                <a:spcPct val="120000"/>
+              </a:lnSpc>
+              <a:defRPr/>
+            </a:pPr>
+            <a:endParaRPr lang="en-US" altLang="ko-KR" sz="1900" dirty="0">
               <a:latin typeface="+mn-ea"/>
               <a:ea typeface="+mn-ea"/>
             </a:endParaRPr>
           </a:p>
           <a:p>
-            <a:pPr>
-              <a:lnSpc>
-                <a:spcPct val="130000"/>
-              </a:lnSpc>
-              <a:defRPr/>
-            </a:pPr>
-            <a:r>
-              <a:rPr lang="ko-KR" altLang="en-US" sz="1600" spc="-150" dirty="0">
-                <a:latin typeface="+mn-ea"/>
-                <a:ea typeface="+mn-ea"/>
-              </a:rPr>
-              <a:t>이미지의 모서리를 찾아내 옷만 잘라 내기 위해 지역 이진화 함수를 사용했습니다</a:t>
-            </a:r>
-            <a:r>
-              <a:rPr lang="en-US" altLang="ko-KR" sz="1600" spc="-150" dirty="0">
+            <a:pPr algn="just">
+              <a:lnSpc>
+                <a:spcPct val="120000"/>
+              </a:lnSpc>
+              <a:defRPr/>
+            </a:pPr>
+            <a:r>
+              <a:rPr lang="en-US" altLang="ko-KR" sz="1900" dirty="0">
+                <a:latin typeface="+mn-ea"/>
+                <a:ea typeface="+mn-ea"/>
+              </a:rPr>
+              <a:t>Answer:</a:t>
+            </a:r>
+          </a:p>
+          <a:p>
+            <a:pPr algn="just">
+              <a:lnSpc>
+                <a:spcPct val="120000"/>
+              </a:lnSpc>
+              <a:defRPr/>
+            </a:pPr>
+            <a:r>
+              <a:rPr lang="ko-KR" altLang="en-US" sz="1900" dirty="0">
+                <a:latin typeface="+mn-ea"/>
+                <a:ea typeface="+mn-ea"/>
+              </a:rPr>
+              <a:t>라벨 종류는 </a:t>
+            </a:r>
+            <a:r>
+              <a:rPr lang="en-US" altLang="ko-KR" sz="1900" dirty="0" err="1">
+                <a:latin typeface="+mn-ea"/>
+                <a:ea typeface="+mn-ea"/>
+              </a:rPr>
+              <a:t>cap_and_hat</a:t>
+            </a:r>
+            <a:r>
+              <a:rPr lang="en-US" altLang="ko-KR" sz="1900" dirty="0">
+                <a:latin typeface="+mn-ea"/>
+                <a:ea typeface="+mn-ea"/>
+              </a:rPr>
+              <a:t>, outerwear, tops, bottoms, shoes</a:t>
+            </a:r>
+            <a:r>
+              <a:rPr lang="ko-KR" altLang="en-US" sz="1900" dirty="0">
+                <a:latin typeface="+mn-ea"/>
+                <a:ea typeface="+mn-ea"/>
+              </a:rPr>
+              <a:t>로 총 </a:t>
+            </a:r>
+            <a:r>
+              <a:rPr lang="en-US" altLang="ko-KR" sz="1900" dirty="0">
+                <a:latin typeface="+mn-ea"/>
+                <a:ea typeface="+mn-ea"/>
+              </a:rPr>
+              <a:t>5</a:t>
+            </a:r>
+            <a:r>
+              <a:rPr lang="ko-KR" altLang="en-US" sz="1900" dirty="0">
+                <a:latin typeface="+mn-ea"/>
+                <a:ea typeface="+mn-ea"/>
+              </a:rPr>
+              <a:t>개이고</a:t>
+            </a:r>
+            <a:r>
+              <a:rPr lang="en-US" altLang="ko-KR" sz="1900" dirty="0">
+                <a:latin typeface="+mn-ea"/>
+                <a:ea typeface="+mn-ea"/>
+              </a:rPr>
+              <a:t>, </a:t>
+            </a:r>
+          </a:p>
+          <a:p>
+            <a:pPr algn="just">
+              <a:lnSpc>
+                <a:spcPct val="120000"/>
+              </a:lnSpc>
+              <a:defRPr/>
+            </a:pPr>
+            <a:r>
+              <a:rPr lang="ko-KR" altLang="en-US" sz="1900" dirty="0">
+                <a:latin typeface="+mn-ea"/>
+                <a:ea typeface="+mn-ea"/>
+              </a:rPr>
+              <a:t>라벨 별 이미지의 개수는 다음과 같다</a:t>
+            </a:r>
+            <a:r>
+              <a:rPr lang="en-US" altLang="ko-KR" sz="1900" dirty="0">
                 <a:latin typeface="+mn-ea"/>
                 <a:ea typeface="+mn-ea"/>
               </a:rPr>
@@ -6825,578 +7350,182 @@
             </a:r>
           </a:p>
           <a:p>
-            <a:pPr>
-              <a:lnSpc>
-                <a:spcPct val="130000"/>
-              </a:lnSpc>
-              <a:defRPr/>
-            </a:pPr>
-            <a:r>
-              <a:rPr lang="ko-KR" altLang="en-US" sz="1600" spc="-150" dirty="0">
-                <a:latin typeface="+mn-ea"/>
-                <a:ea typeface="+mn-ea"/>
-              </a:rPr>
-              <a:t>하지만 배경이 흰색인 탓에 흰 옷 이미지 이진화 시 문제가 생기는 것을 확인할 수 있었고</a:t>
-            </a:r>
-            <a:r>
-              <a:rPr lang="en-US" altLang="ko-KR" sz="1600" spc="-150" dirty="0">
-                <a:latin typeface="+mn-ea"/>
-                <a:ea typeface="+mn-ea"/>
-              </a:rPr>
-              <a:t>,</a:t>
-            </a:r>
-            <a:r>
-              <a:rPr lang="ko-KR" altLang="en-US" sz="1600" spc="-150" dirty="0">
-                <a:latin typeface="+mn-ea"/>
-                <a:ea typeface="+mn-ea"/>
-              </a:rPr>
-              <a:t> </a:t>
-            </a:r>
-            <a:endParaRPr lang="en-US" altLang="ko-KR" sz="1600" spc="-150" dirty="0">
+            <a:pPr algn="just">
+              <a:lnSpc>
+                <a:spcPct val="120000"/>
+              </a:lnSpc>
+              <a:defRPr/>
+            </a:pPr>
+            <a:endParaRPr lang="en-US" altLang="ko-KR" sz="1900" dirty="0">
               <a:latin typeface="+mn-ea"/>
               <a:ea typeface="+mn-ea"/>
             </a:endParaRPr>
           </a:p>
           <a:p>
-            <a:pPr>
-              <a:lnSpc>
-                <a:spcPct val="130000"/>
-              </a:lnSpc>
-              <a:defRPr/>
-            </a:pPr>
-            <a:r>
-              <a:rPr lang="ko-KR" altLang="en-US" sz="1600" spc="-150" dirty="0">
-                <a:latin typeface="+mn-ea"/>
-                <a:ea typeface="+mn-ea"/>
-              </a:rPr>
-              <a:t>어떻게 해결해야 할 지 고민하던 중 적응형 이진화 함수를 발견했습니다</a:t>
-            </a:r>
-            <a:r>
-              <a:rPr lang="en-US" altLang="ko-KR" sz="1600" spc="-150" dirty="0">
-                <a:latin typeface="+mn-ea"/>
-                <a:ea typeface="+mn-ea"/>
-              </a:rPr>
-              <a:t>.</a:t>
-            </a:r>
-          </a:p>
-          <a:p>
-            <a:pPr>
-              <a:lnSpc>
-                <a:spcPct val="130000"/>
-              </a:lnSpc>
-              <a:defRPr/>
-            </a:pPr>
-            <a:r>
-              <a:rPr lang="ko-KR" altLang="en-US" sz="1600" spc="-150" dirty="0">
-                <a:latin typeface="+mn-ea"/>
-                <a:ea typeface="+mn-ea"/>
-              </a:rPr>
-              <a:t>적응형 이진화는 이미지에 따라 스스로 임계 값을 다르게 할당할 수 있도록 구현된 알고리즘입니다</a:t>
-            </a:r>
-            <a:r>
-              <a:rPr lang="en-US" altLang="ko-KR" sz="1600" spc="-150" dirty="0">
-                <a:latin typeface="+mn-ea"/>
-                <a:ea typeface="+mn-ea"/>
-              </a:rPr>
-              <a:t>.</a:t>
-            </a:r>
-          </a:p>
-          <a:p>
-            <a:pPr>
-              <a:lnSpc>
-                <a:spcPct val="130000"/>
-              </a:lnSpc>
-              <a:defRPr/>
-            </a:pPr>
-            <a:r>
-              <a:rPr lang="ko-KR" altLang="en-US" sz="1600" spc="-150" dirty="0">
-                <a:latin typeface="+mn-ea"/>
-                <a:ea typeface="+mn-ea"/>
-              </a:rPr>
-              <a:t>이 알고리즘을 사용해 이진화를 했을 경우 흰 옷의 이진화가 알맞게 된 것을 확인할 수 있습니다</a:t>
-            </a:r>
-            <a:r>
-              <a:rPr lang="en-US" altLang="ko-KR" sz="1600" spc="-150" dirty="0">
-                <a:latin typeface="+mn-ea"/>
-                <a:ea typeface="+mn-ea"/>
-              </a:rPr>
-              <a:t>.</a:t>
-            </a:r>
-            <a:r>
-              <a:rPr lang="ko-KR" altLang="en-US" sz="1600" spc="-150" dirty="0">
+            <a:pPr algn="just">
+              <a:lnSpc>
+                <a:spcPct val="120000"/>
+              </a:lnSpc>
+              <a:defRPr/>
+            </a:pPr>
+            <a:r>
+              <a:rPr lang="en-US" altLang="ko-KR" sz="1900" dirty="0" err="1">
+                <a:latin typeface="+mn-ea"/>
+                <a:ea typeface="+mn-ea"/>
+              </a:rPr>
+              <a:t>cap_and_hat</a:t>
+            </a:r>
+            <a:r>
+              <a:rPr lang="en-US" altLang="ko-KR" sz="1900" dirty="0">
+                <a:latin typeface="+mn-ea"/>
+                <a:ea typeface="+mn-ea"/>
+              </a:rPr>
+              <a:t>:</a:t>
+            </a:r>
+            <a:r>
+              <a:rPr lang="ko-KR" altLang="en-US" sz="1900" dirty="0">
                 <a:latin typeface="+mn-ea"/>
                 <a:ea typeface="+mn-ea"/>
               </a:rPr>
               <a:t> </a:t>
             </a:r>
-            <a:endParaRPr lang="en-US" altLang="ko-KR" sz="1600" spc="-150" dirty="0">
-              <a:latin typeface="+mn-ea"/>
-              <a:ea typeface="+mn-ea"/>
-            </a:endParaRPr>
-          </a:p>
-        </p:txBody>
-      </p:sp>
-      <p:pic>
-        <p:nvPicPr>
-          <p:cNvPr id="8" name="그림 7" descr="텍스트이(가) 표시된 사진&#10;&#10;자동 생성된 설명">
-            <a:extLst>
-              <a:ext uri="{FF2B5EF4-FFF2-40B4-BE49-F238E27FC236}">
-                <a16:creationId xmlns:a16="http://schemas.microsoft.com/office/drawing/2014/main" id="{44362160-5590-DC62-52A4-250228E1A6E4}"/>
-              </a:ext>
-            </a:extLst>
-          </p:cNvPr>
-          <p:cNvPicPr>
-            <a:picLocks noChangeAspect="1"/>
-          </p:cNvPicPr>
-          <p:nvPr/>
-        </p:nvPicPr>
-        <p:blipFill rotWithShape="1">
-          <a:blip r:embed="rId3">
-            <a:extLst>
-              <a:ext uri="{28A0092B-C50C-407E-A947-70E740481C1C}">
-                <a14:useLocalDpi xmlns:a14="http://schemas.microsoft.com/office/drawing/2010/main" val="0"/>
-              </a:ext>
-            </a:extLst>
-          </a:blip>
-          <a:srcRect t="75659" r="61880"/>
-          <a:stretch/>
-        </p:blipFill>
-        <p:spPr>
-          <a:xfrm>
-            <a:off x="498449" y="4156578"/>
-            <a:ext cx="1551237" cy="1836243"/>
-          </a:xfrm>
-          <a:prstGeom prst="rect">
-            <a:avLst/>
-          </a:prstGeom>
-        </p:spPr>
-      </p:pic>
-      <p:sp>
-        <p:nvSpPr>
-          <p:cNvPr id="9" name="제목 38">
-            <a:extLst>
-              <a:ext uri="{FF2B5EF4-FFF2-40B4-BE49-F238E27FC236}">
-                <a16:creationId xmlns:a16="http://schemas.microsoft.com/office/drawing/2014/main" id="{17C34476-D9F6-9005-524F-E315A8266863}"/>
-              </a:ext>
-            </a:extLst>
-          </p:cNvPr>
-          <p:cNvSpPr txBox="1">
-            <a:spLocks/>
-          </p:cNvSpPr>
-          <p:nvPr/>
-        </p:nvSpPr>
-        <p:spPr>
-          <a:xfrm>
-            <a:off x="560352" y="4351178"/>
-            <a:ext cx="1410215" cy="445258"/>
-          </a:xfrm>
-          <a:prstGeom prst="rect">
-            <a:avLst/>
-          </a:prstGeom>
-        </p:spPr>
-        <p:txBody>
-          <a:bodyPr vert="horz" lIns="112542" tIns="56271" rIns="112542" bIns="56271" rtlCol="0" anchor="t">
-            <a:noAutofit/>
-          </a:bodyPr>
-          <a:lstStyle>
-            <a:lvl1pPr algn="l" defTabSz="914400" rtl="0" eaLnBrk="1" latinLnBrk="1" hangingPunct="1">
-              <a:lnSpc>
-                <a:spcPct val="90000"/>
-              </a:lnSpc>
-              <a:spcBef>
-                <a:spcPct val="0"/>
-              </a:spcBef>
-              <a:buNone/>
-              <a:defRPr sz="4400" kern="1200">
-                <a:solidFill>
-                  <a:schemeClr val="tx1"/>
-                </a:solidFill>
-                <a:latin typeface="+mj-lt"/>
-                <a:ea typeface="+mj-ea"/>
-                <a:cs typeface="+mj-cs"/>
-              </a:defRPr>
-            </a:lvl1pPr>
-          </a:lstStyle>
-          <a:p>
-            <a:pPr>
-              <a:defRPr/>
-            </a:pPr>
-            <a:endParaRPr lang="en-US" altLang="ko-KR" sz="2100" spc="-185" dirty="0">
-              <a:latin typeface="+mn-ea"/>
-              <a:ea typeface="+mn-ea"/>
-            </a:endParaRPr>
-          </a:p>
-        </p:txBody>
-      </p:sp>
-      <p:sp>
-        <p:nvSpPr>
-          <p:cNvPr id="10" name="TextBox 9">
-            <a:extLst>
-              <a:ext uri="{FF2B5EF4-FFF2-40B4-BE49-F238E27FC236}">
-                <a16:creationId xmlns:a16="http://schemas.microsoft.com/office/drawing/2014/main" id="{5CE62B68-E5B2-93D0-B32D-70FDFE1E9158}"/>
-              </a:ext>
-            </a:extLst>
-          </p:cNvPr>
-          <p:cNvSpPr txBox="1"/>
-          <p:nvPr/>
-        </p:nvSpPr>
-        <p:spPr>
-          <a:xfrm>
-            <a:off x="363396" y="5970716"/>
-            <a:ext cx="1821341" cy="575543"/>
-          </a:xfrm>
-          <a:prstGeom prst="rect">
-            <a:avLst/>
-          </a:prstGeom>
-          <a:noFill/>
-        </p:spPr>
-        <p:txBody>
-          <a:bodyPr wrap="square" rtlCol="0">
-            <a:spAutoFit/>
-          </a:bodyPr>
-          <a:lstStyle/>
-          <a:p>
-            <a:pPr algn="ctr"/>
-            <a:r>
-              <a:rPr lang="en-US" altLang="ko-KR" sz="1400" spc="-150" dirty="0">
-                <a:latin typeface="+mn-ea"/>
-              </a:rPr>
-              <a:t>Threshold </a:t>
-            </a:r>
-            <a:r>
-              <a:rPr lang="ko-KR" altLang="en-US" sz="1400" spc="-150" dirty="0">
-                <a:latin typeface="+mn-ea"/>
-              </a:rPr>
-              <a:t>함수 사용</a:t>
-            </a:r>
-            <a:endParaRPr lang="en-US" altLang="ko-KR" sz="1400" spc="-150" dirty="0">
-              <a:latin typeface="+mn-ea"/>
-            </a:endParaRPr>
-          </a:p>
-          <a:p>
-            <a:pPr algn="ctr"/>
-            <a:r>
-              <a:rPr kumimoji="1" lang="en-US" altLang="ko-KR" sz="1400" spc="-150" dirty="0">
-                <a:latin typeface="+mn-ea"/>
-              </a:rPr>
-              <a:t>(</a:t>
-            </a:r>
-            <a:r>
-              <a:rPr kumimoji="1" lang="ko-KR" altLang="en-US" sz="1400" spc="-150" dirty="0">
-                <a:latin typeface="+mn-ea"/>
-              </a:rPr>
-              <a:t>갈색 옷</a:t>
-            </a:r>
-            <a:r>
-              <a:rPr kumimoji="1" lang="en-US" altLang="ko-KR" sz="1400" spc="-150" dirty="0">
-                <a:latin typeface="+mn-ea"/>
-              </a:rPr>
-              <a:t>)</a:t>
-            </a:r>
-            <a:endParaRPr kumimoji="1" lang="en-US" altLang="ko-Kore-KR" sz="1400" dirty="0">
-              <a:latin typeface="+mn-ea"/>
-            </a:endParaRPr>
-          </a:p>
-        </p:txBody>
-      </p:sp>
-      <p:pic>
-        <p:nvPicPr>
-          <p:cNvPr id="12" name="그림 11" descr="텍스트이(가) 표시된 사진&#10;&#10;자동 생성된 설명">
-            <a:extLst>
-              <a:ext uri="{FF2B5EF4-FFF2-40B4-BE49-F238E27FC236}">
-                <a16:creationId xmlns:a16="http://schemas.microsoft.com/office/drawing/2014/main" id="{F3583A5A-1D78-2DB7-2C7B-C47525CD196E}"/>
-              </a:ext>
-            </a:extLst>
-          </p:cNvPr>
-          <p:cNvPicPr>
-            <a:picLocks noChangeAspect="1"/>
-          </p:cNvPicPr>
-          <p:nvPr/>
-        </p:nvPicPr>
-        <p:blipFill rotWithShape="1">
-          <a:blip r:embed="rId4">
-            <a:extLst>
-              <a:ext uri="{28A0092B-C50C-407E-A947-70E740481C1C}">
-                <a14:useLocalDpi xmlns:a14="http://schemas.microsoft.com/office/drawing/2010/main" val="0"/>
-              </a:ext>
-            </a:extLst>
-          </a:blip>
-          <a:srcRect l="4817" t="73855" r="77464"/>
-          <a:stretch/>
-        </p:blipFill>
-        <p:spPr>
-          <a:xfrm>
-            <a:off x="3211370" y="4156578"/>
-            <a:ext cx="779721" cy="1836243"/>
-          </a:xfrm>
-          <a:prstGeom prst="rect">
-            <a:avLst/>
-          </a:prstGeom>
-        </p:spPr>
-      </p:pic>
-      <p:sp>
-        <p:nvSpPr>
-          <p:cNvPr id="14" name="TextBox 13">
-            <a:extLst>
-              <a:ext uri="{FF2B5EF4-FFF2-40B4-BE49-F238E27FC236}">
-                <a16:creationId xmlns:a16="http://schemas.microsoft.com/office/drawing/2014/main" id="{2576593A-EE19-4525-7DEA-517FCB4C9422}"/>
-              </a:ext>
-            </a:extLst>
-          </p:cNvPr>
-          <p:cNvSpPr txBox="1"/>
-          <p:nvPr/>
-        </p:nvSpPr>
-        <p:spPr>
-          <a:xfrm>
-            <a:off x="2690559" y="5970716"/>
-            <a:ext cx="1821341" cy="575543"/>
-          </a:xfrm>
-          <a:prstGeom prst="rect">
-            <a:avLst/>
-          </a:prstGeom>
-          <a:noFill/>
-        </p:spPr>
-        <p:txBody>
-          <a:bodyPr wrap="square" rtlCol="0">
-            <a:spAutoFit/>
-          </a:bodyPr>
-          <a:lstStyle/>
-          <a:p>
-            <a:pPr algn="ctr"/>
-            <a:r>
-              <a:rPr lang="en-US" altLang="ko-KR" sz="1400" spc="-150" dirty="0">
-                <a:latin typeface="+mn-ea"/>
-              </a:rPr>
-              <a:t>Threshold </a:t>
-            </a:r>
-            <a:r>
-              <a:rPr lang="ko-KR" altLang="en-US" sz="1400" spc="-150" dirty="0">
-                <a:latin typeface="+mn-ea"/>
-              </a:rPr>
-              <a:t>함수 사용</a:t>
-            </a:r>
-            <a:endParaRPr lang="en-US" altLang="ko-KR" sz="1400" spc="-150" dirty="0">
-              <a:latin typeface="+mn-ea"/>
-            </a:endParaRPr>
-          </a:p>
-          <a:p>
-            <a:pPr algn="ctr"/>
-            <a:r>
-              <a:rPr kumimoji="1" lang="en-US" altLang="ko-KR" sz="1400" spc="-150" dirty="0">
-                <a:latin typeface="+mn-ea"/>
-              </a:rPr>
-              <a:t>(</a:t>
-            </a:r>
-            <a:r>
-              <a:rPr kumimoji="1" lang="ko-KR" altLang="en-US" sz="1400" spc="-150" dirty="0">
-                <a:latin typeface="+mn-ea"/>
-              </a:rPr>
-              <a:t>흰 옷</a:t>
-            </a:r>
-            <a:r>
-              <a:rPr kumimoji="1" lang="en-US" altLang="ko-KR" sz="1400" spc="-150" dirty="0">
-                <a:latin typeface="+mn-ea"/>
-              </a:rPr>
-              <a:t>)</a:t>
-            </a:r>
-            <a:endParaRPr kumimoji="1" lang="en-US" altLang="ko-Kore-KR" sz="1400" dirty="0">
-              <a:latin typeface="+mn-ea"/>
-            </a:endParaRPr>
-          </a:p>
-        </p:txBody>
-      </p:sp>
-      <p:pic>
-        <p:nvPicPr>
-          <p:cNvPr id="16" name="그림 15" descr="텍스트이(가) 표시된 사진&#10;&#10;자동 생성된 설명">
-            <a:extLst>
-              <a:ext uri="{FF2B5EF4-FFF2-40B4-BE49-F238E27FC236}">
-                <a16:creationId xmlns:a16="http://schemas.microsoft.com/office/drawing/2014/main" id="{EB94D70A-772B-F512-0CC5-C74B0A541842}"/>
-              </a:ext>
-            </a:extLst>
-          </p:cNvPr>
-          <p:cNvPicPr>
-            <a:picLocks noChangeAspect="1"/>
-          </p:cNvPicPr>
-          <p:nvPr/>
-        </p:nvPicPr>
-        <p:blipFill rotWithShape="1">
-          <a:blip r:embed="rId5">
-            <a:extLst>
-              <a:ext uri="{28A0092B-C50C-407E-A947-70E740481C1C}">
-                <a14:useLocalDpi xmlns:a14="http://schemas.microsoft.com/office/drawing/2010/main" val="0"/>
-              </a:ext>
-            </a:extLst>
-          </a:blip>
-          <a:srcRect t="73870" r="72973"/>
-          <a:stretch/>
-        </p:blipFill>
-        <p:spPr>
-          <a:xfrm>
-            <a:off x="5406861" y="4156578"/>
-            <a:ext cx="1408326" cy="1836243"/>
-          </a:xfrm>
-          <a:prstGeom prst="rect">
-            <a:avLst/>
-          </a:prstGeom>
-        </p:spPr>
-      </p:pic>
-      <p:sp>
-        <p:nvSpPr>
-          <p:cNvPr id="18" name="TextBox 17">
-            <a:extLst>
-              <a:ext uri="{FF2B5EF4-FFF2-40B4-BE49-F238E27FC236}">
-                <a16:creationId xmlns:a16="http://schemas.microsoft.com/office/drawing/2014/main" id="{949AC1E4-411B-C9AC-218C-4C1EAC8B8A29}"/>
-              </a:ext>
-            </a:extLst>
-          </p:cNvPr>
-          <p:cNvSpPr txBox="1"/>
-          <p:nvPr/>
-        </p:nvSpPr>
-        <p:spPr>
-          <a:xfrm>
-            <a:off x="5017722" y="5970716"/>
-            <a:ext cx="2186603" cy="523220"/>
-          </a:xfrm>
-          <a:prstGeom prst="rect">
-            <a:avLst/>
-          </a:prstGeom>
-          <a:noFill/>
-        </p:spPr>
-        <p:txBody>
-          <a:bodyPr wrap="square" rtlCol="0">
-            <a:spAutoFit/>
-          </a:bodyPr>
-          <a:lstStyle/>
-          <a:p>
-            <a:pPr algn="ctr"/>
-            <a:r>
-              <a:rPr lang="en-US" altLang="ko-KR" sz="1400" spc="-150" dirty="0">
-                <a:latin typeface="+mn-ea"/>
-              </a:rPr>
-              <a:t>Adaptive Threshold </a:t>
-            </a:r>
-            <a:r>
-              <a:rPr lang="ko-KR" altLang="en-US" sz="1400" spc="-150" dirty="0">
-                <a:latin typeface="+mn-ea"/>
-              </a:rPr>
-              <a:t>함수 사용</a:t>
-            </a:r>
-            <a:endParaRPr lang="en-US" altLang="ko-KR" sz="1400" spc="-150" dirty="0">
-              <a:latin typeface="+mn-ea"/>
-            </a:endParaRPr>
-          </a:p>
-          <a:p>
-            <a:pPr algn="ctr"/>
-            <a:r>
-              <a:rPr kumimoji="1" lang="en-US" altLang="ko-KR" sz="1400" spc="-150" dirty="0">
-                <a:latin typeface="+mn-ea"/>
-              </a:rPr>
-              <a:t>(</a:t>
-            </a:r>
-            <a:r>
-              <a:rPr kumimoji="1" lang="ko-KR" altLang="en-US" sz="1400" spc="-150" dirty="0">
-                <a:latin typeface="+mn-ea"/>
-              </a:rPr>
-              <a:t>흰 옷</a:t>
-            </a:r>
-            <a:r>
-              <a:rPr kumimoji="1" lang="en-US" altLang="ko-KR" sz="1400" spc="-150" dirty="0">
-                <a:latin typeface="+mn-ea"/>
-              </a:rPr>
-              <a:t>)</a:t>
-            </a:r>
-            <a:endParaRPr kumimoji="1" lang="en-US" altLang="ko-Kore-KR" sz="1400" dirty="0">
-              <a:latin typeface="+mn-ea"/>
-            </a:endParaRPr>
-          </a:p>
-        </p:txBody>
-      </p:sp>
-      <p:pic>
-        <p:nvPicPr>
-          <p:cNvPr id="2" name="그림 1">
-            <a:extLst>
-              <a:ext uri="{FF2B5EF4-FFF2-40B4-BE49-F238E27FC236}">
-                <a16:creationId xmlns:a16="http://schemas.microsoft.com/office/drawing/2014/main" id="{E9C10CE5-0816-666A-4B42-39BCBF2D512D}"/>
-              </a:ext>
-            </a:extLst>
-          </p:cNvPr>
-          <p:cNvPicPr>
-            <a:picLocks noChangeAspect="1"/>
-          </p:cNvPicPr>
-          <p:nvPr/>
-        </p:nvPicPr>
-        <p:blipFill>
-          <a:blip r:embed="rId6">
-            <a:extLst>
-              <a:ext uri="{28A0092B-C50C-407E-A947-70E740481C1C}">
-                <a14:useLocalDpi xmlns:a14="http://schemas.microsoft.com/office/drawing/2010/main" val="0"/>
-              </a:ext>
-            </a:extLst>
-          </a:blip>
-          <a:stretch>
-            <a:fillRect/>
-          </a:stretch>
-        </p:blipFill>
-        <p:spPr>
-          <a:xfrm>
-            <a:off x="8904736" y="1602240"/>
-            <a:ext cx="2364027" cy="4202716"/>
-          </a:xfrm>
-          <a:prstGeom prst="rect">
-            <a:avLst/>
-          </a:prstGeom>
-          <a:ln w="19050">
-            <a:solidFill>
-              <a:schemeClr val="tx1"/>
-            </a:solidFill>
-          </a:ln>
-        </p:spPr>
-      </p:pic>
-      <p:sp>
-        <p:nvSpPr>
-          <p:cNvPr id="3" name="TextBox 2">
-            <a:extLst>
-              <a:ext uri="{FF2B5EF4-FFF2-40B4-BE49-F238E27FC236}">
-                <a16:creationId xmlns:a16="http://schemas.microsoft.com/office/drawing/2014/main" id="{23FB5C5E-2CC6-1D47-2666-99832A39BB8E}"/>
-              </a:ext>
-            </a:extLst>
-          </p:cNvPr>
-          <p:cNvSpPr txBox="1"/>
-          <p:nvPr/>
-        </p:nvSpPr>
-        <p:spPr>
-          <a:xfrm>
-            <a:off x="9189051" y="5821218"/>
-            <a:ext cx="1795395" cy="323165"/>
-          </a:xfrm>
-          <a:prstGeom prst="rect">
-            <a:avLst/>
-          </a:prstGeom>
-          <a:noFill/>
-        </p:spPr>
-        <p:txBody>
-          <a:bodyPr wrap="square" rtlCol="0">
-            <a:spAutoFit/>
-          </a:bodyPr>
-          <a:lstStyle/>
-          <a:p>
-            <a:pPr algn="ctr"/>
-            <a:r>
-              <a:rPr kumimoji="1" lang="ko-KR" altLang="en-US" sz="1500" dirty="0">
-                <a:latin typeface="+mn-ea"/>
-              </a:rPr>
-              <a:t>흰 옷 원본 이미지</a:t>
-            </a:r>
-            <a:endParaRPr kumimoji="1" lang="ko-Kore-KR" altLang="en-US" sz="1500" dirty="0">
-              <a:latin typeface="+mn-ea"/>
-            </a:endParaRPr>
+            <a:r>
+              <a:rPr lang="en-US" altLang="ko-KR" sz="1900" dirty="0">
+                <a:latin typeface="+mn-ea"/>
+                <a:ea typeface="+mn-ea"/>
+              </a:rPr>
+              <a:t>196</a:t>
+            </a:r>
+            <a:r>
+              <a:rPr lang="ko-KR" altLang="en-US" sz="1900" dirty="0">
+                <a:latin typeface="+mn-ea"/>
+                <a:ea typeface="+mn-ea"/>
+              </a:rPr>
+              <a:t>개</a:t>
+            </a:r>
+            <a:r>
+              <a:rPr lang="en-US" altLang="ko-KR" sz="1900" dirty="0">
+                <a:latin typeface="+mn-ea"/>
+                <a:ea typeface="+mn-ea"/>
+              </a:rPr>
+              <a:t>, </a:t>
+            </a:r>
+          </a:p>
+          <a:p>
+            <a:pPr algn="just">
+              <a:lnSpc>
+                <a:spcPct val="120000"/>
+              </a:lnSpc>
+              <a:defRPr/>
+            </a:pPr>
+            <a:r>
+              <a:rPr lang="en-US" altLang="ko-KR" sz="1900" dirty="0">
+                <a:latin typeface="+mn-ea"/>
+                <a:ea typeface="+mn-ea"/>
+              </a:rPr>
+              <a:t>outerwear: 4606</a:t>
+            </a:r>
+            <a:r>
+              <a:rPr lang="ko-KR" altLang="en-US" sz="1900" dirty="0">
+                <a:latin typeface="+mn-ea"/>
+                <a:ea typeface="+mn-ea"/>
+              </a:rPr>
+              <a:t>개</a:t>
+            </a:r>
+            <a:r>
+              <a:rPr lang="en-US" altLang="ko-KR" sz="1900" dirty="0">
+                <a:latin typeface="+mn-ea"/>
+                <a:ea typeface="+mn-ea"/>
+              </a:rPr>
+              <a:t>, </a:t>
+            </a:r>
+          </a:p>
+          <a:p>
+            <a:pPr algn="just">
+              <a:lnSpc>
+                <a:spcPct val="120000"/>
+              </a:lnSpc>
+              <a:defRPr/>
+            </a:pPr>
+            <a:r>
+              <a:rPr lang="en-US" altLang="ko-KR" sz="1900" dirty="0">
+                <a:latin typeface="+mn-ea"/>
+                <a:ea typeface="+mn-ea"/>
+              </a:rPr>
+              <a:t>tops: 18350</a:t>
+            </a:r>
+            <a:r>
+              <a:rPr lang="ko-KR" altLang="en-US" sz="1900" dirty="0">
+                <a:latin typeface="+mn-ea"/>
+                <a:ea typeface="+mn-ea"/>
+              </a:rPr>
+              <a:t>개</a:t>
+            </a:r>
+            <a:r>
+              <a:rPr lang="en-US" altLang="ko-KR" sz="1900" dirty="0">
+                <a:latin typeface="+mn-ea"/>
+                <a:ea typeface="+mn-ea"/>
+              </a:rPr>
+              <a:t>, </a:t>
+            </a:r>
+          </a:p>
+          <a:p>
+            <a:pPr algn="just">
+              <a:lnSpc>
+                <a:spcPct val="120000"/>
+              </a:lnSpc>
+              <a:defRPr/>
+            </a:pPr>
+            <a:r>
+              <a:rPr lang="en-US" altLang="ko-KR" sz="1900" dirty="0">
+                <a:latin typeface="+mn-ea"/>
+                <a:ea typeface="+mn-ea"/>
+              </a:rPr>
+              <a:t>bottoms: 6424</a:t>
+            </a:r>
+            <a:r>
+              <a:rPr lang="ko-KR" altLang="en-US" sz="1900" dirty="0">
+                <a:latin typeface="+mn-ea"/>
+                <a:ea typeface="+mn-ea"/>
+              </a:rPr>
+              <a:t>개</a:t>
+            </a:r>
+            <a:r>
+              <a:rPr lang="en-US" altLang="ko-KR" sz="1900" dirty="0">
+                <a:latin typeface="+mn-ea"/>
+                <a:ea typeface="+mn-ea"/>
+              </a:rPr>
+              <a:t>, </a:t>
+            </a:r>
+          </a:p>
+          <a:p>
+            <a:pPr algn="just">
+              <a:lnSpc>
+                <a:spcPct val="120000"/>
+              </a:lnSpc>
+              <a:defRPr/>
+            </a:pPr>
+            <a:r>
+              <a:rPr lang="en-US" altLang="ko-KR" sz="1900" dirty="0">
+                <a:latin typeface="+mn-ea"/>
+                <a:ea typeface="+mn-ea"/>
+              </a:rPr>
+              <a:t>shoes: 424</a:t>
+            </a:r>
+            <a:r>
+              <a:rPr lang="ko-KR" altLang="en-US" sz="1900" dirty="0">
+                <a:latin typeface="+mn-ea"/>
+                <a:ea typeface="+mn-ea"/>
+              </a:rPr>
+              <a:t>개</a:t>
+            </a:r>
           </a:p>
         </p:txBody>
       </p:sp>
     </p:spTree>
     <p:extLst>
       <p:ext uri="{BB962C8B-B14F-4D97-AF65-F5344CB8AC3E}">
-        <p14:creationId xmlns:p14="http://schemas.microsoft.com/office/powerpoint/2010/main" val="3948253520"/>
+        <p14:creationId xmlns:p14="http://schemas.microsoft.com/office/powerpoint/2010/main" val="3409096455"/>
       </p:ext>
     </p:extLst>
   </p:cSld>
@@ -7515,8 +7644,8 @@
         </p:nvSpPr>
         <p:spPr>
           <a:xfrm>
-            <a:off x="560352" y="2483586"/>
-            <a:ext cx="7390871" cy="1890823"/>
+            <a:off x="363552" y="1547726"/>
+            <a:ext cx="8354320" cy="2419299"/>
           </a:xfrm>
           <a:prstGeom prst="rect">
             <a:avLst/>
@@ -7548,33 +7677,19 @@
           <a:p>
             <a:pPr>
               <a:lnSpc>
-                <a:spcPct val="120000"/>
-              </a:lnSpc>
-              <a:defRPr/>
-            </a:pPr>
-            <a:r>
-              <a:rPr lang="ko-KR" altLang="en-US" sz="1900" spc="-150" dirty="0">
-                <a:latin typeface="+mn-ea"/>
-                <a:ea typeface="+mn-ea"/>
-              </a:rPr>
-              <a:t>다만 이미지가 제대로 </a:t>
-            </a:r>
-            <a:r>
-              <a:rPr lang="en-US" altLang="ko-KR" sz="1900" spc="-150" dirty="0">
-                <a:latin typeface="+mn-ea"/>
-                <a:ea typeface="+mn-ea"/>
-              </a:rPr>
-              <a:t>crop</a:t>
-            </a:r>
-            <a:r>
-              <a:rPr lang="ko-KR" altLang="en-US" sz="1900" spc="-150" dirty="0">
-                <a:latin typeface="+mn-ea"/>
-                <a:ea typeface="+mn-ea"/>
-              </a:rPr>
-              <a:t> 되지 않은 것을 확인할 수 있습니다</a:t>
-            </a:r>
-            <a:r>
-              <a:rPr lang="en-US" altLang="ko-KR" sz="1900" spc="-150" dirty="0">
+                <a:spcPct val="130000"/>
+              </a:lnSpc>
+              <a:defRPr/>
+            </a:pPr>
+            <a:r>
+              <a:rPr lang="ko-KR" altLang="en-US" sz="1600" spc="-150" dirty="0">
+                <a:latin typeface="+mn-ea"/>
+                <a:ea typeface="+mn-ea"/>
+              </a:rPr>
+              <a:t>전처리 코드를 완성하기 위해 많은 시행착오를 거쳤습니다</a:t>
+            </a:r>
+            <a:r>
+              <a:rPr lang="en-US" altLang="ko-KR" sz="1600" spc="-150" dirty="0">
                 <a:latin typeface="+mn-ea"/>
                 <a:ea typeface="+mn-ea"/>
               </a:rPr>
@@ -7584,18 +7699,11 @@
           <a:p>
             <a:pPr>
               <a:lnSpc>
-                <a:spcPct val="120000"/>
-              </a:lnSpc>
-              <a:defRPr/>
-            </a:pPr>
-            <a:r>
-              <a:rPr lang="ko-KR" altLang="en-US" sz="1900" spc="-150" dirty="0">
-                <a:latin typeface="+mn-ea"/>
-                <a:ea typeface="+mn-ea"/>
-              </a:rPr>
-              <a:t>이미지를 확인해보니 노이즈가 많아 </a:t>
-            </a:r>
-            <a:endParaRPr lang="en-US" altLang="ko-KR" sz="1900" spc="-150" dirty="0">
+                <a:spcPct val="130000"/>
+              </a:lnSpc>
+              <a:defRPr/>
+            </a:pPr>
+            <a:endParaRPr lang="en-US" altLang="ko-KR" sz="1600" spc="-150" dirty="0">
               <a:latin typeface="+mn-ea"/>
               <a:ea typeface="+mn-ea"/>
             </a:endParaRPr>
@@ -7603,19 +7711,19 @@
           <a:p>
             <a:pPr>
               <a:lnSpc>
-                <a:spcPct val="120000"/>
-              </a:lnSpc>
-              <a:defRPr/>
-            </a:pPr>
-            <a:r>
-              <a:rPr lang="ko-KR" altLang="en-US" sz="1900" spc="-150" dirty="0">
-                <a:latin typeface="+mn-ea"/>
-                <a:ea typeface="+mn-ea"/>
-              </a:rPr>
-              <a:t>경계 값을 제대로 도출하지 못한 것으로 보입니다</a:t>
-            </a:r>
-            <a:r>
-              <a:rPr lang="en-US" altLang="ko-KR" sz="1900" spc="-150" dirty="0">
+                <a:spcPct val="130000"/>
+              </a:lnSpc>
+              <a:defRPr/>
+            </a:pPr>
+            <a:r>
+              <a:rPr lang="ko-KR" altLang="en-US" sz="1600" spc="-150" dirty="0">
+                <a:latin typeface="+mn-ea"/>
+                <a:ea typeface="+mn-ea"/>
+              </a:rPr>
+              <a:t>이미지의 모서리를 찾아내 옷만 잘라 내기 위해 지역 이진화 함수를 사용했습니다</a:t>
+            </a:r>
+            <a:r>
+              <a:rPr lang="en-US" altLang="ko-KR" sz="1600" spc="-150" dirty="0">
                 <a:latin typeface="+mn-ea"/>
                 <a:ea typeface="+mn-ea"/>
               </a:rPr>
@@ -7625,11 +7733,32 @@
           <a:p>
             <a:pPr>
               <a:lnSpc>
-                <a:spcPct val="120000"/>
-              </a:lnSpc>
-              <a:defRPr/>
-            </a:pPr>
-            <a:endParaRPr lang="en-US" altLang="ko-KR" sz="1900" spc="-150" dirty="0">
+                <a:spcPct val="130000"/>
+              </a:lnSpc>
+              <a:defRPr/>
+            </a:pPr>
+            <a:r>
+              <a:rPr lang="ko-KR" altLang="en-US" sz="1600" spc="-150" dirty="0">
+                <a:latin typeface="+mn-ea"/>
+                <a:ea typeface="+mn-ea"/>
+              </a:rPr>
+              <a:t>하지만 배경이 흰색인 탓에 흰 옷 이미지 이진화 시 문제가 생기는 것을 확인할 수 있었고</a:t>
+            </a:r>
+            <a:r>
+              <a:rPr lang="en-US" altLang="ko-KR" sz="1600" spc="-150" dirty="0">
+                <a:latin typeface="+mn-ea"/>
+                <a:ea typeface="+mn-ea"/>
+              </a:rPr>
+              <a:t>,</a:t>
+            </a:r>
+            <a:r>
+              <a:rPr lang="ko-KR" altLang="en-US" sz="1600" spc="-150" dirty="0">
+                <a:latin typeface="+mn-ea"/>
+                <a:ea typeface="+mn-ea"/>
+              </a:rPr>
+              <a:t> </a:t>
+            </a:r>
+            <a:endParaRPr lang="en-US" altLang="ko-KR" sz="1600" spc="-150" dirty="0">
               <a:latin typeface="+mn-ea"/>
               <a:ea typeface="+mn-ea"/>
             </a:endParaRPr>
@@ -7637,78 +7766,76 @@
           <a:p>
             <a:pPr>
               <a:lnSpc>
-                <a:spcPct val="120000"/>
-              </a:lnSpc>
-              <a:defRPr/>
-            </a:pPr>
-            <a:r>
-              <a:rPr lang="ko-KR" altLang="en-US" sz="1900" spc="-150" dirty="0">
-                <a:latin typeface="+mn-ea"/>
-                <a:ea typeface="+mn-ea"/>
-              </a:rPr>
-              <a:t>그래서 이미지의 노이즈를 줄이는 방법을 생각해보게 되었습니다</a:t>
-            </a:r>
-            <a:r>
-              <a:rPr lang="en-US" altLang="ko-KR" sz="1900" spc="-150" dirty="0">
+                <a:spcPct val="130000"/>
+              </a:lnSpc>
+              <a:defRPr/>
+            </a:pPr>
+            <a:r>
+              <a:rPr lang="ko-KR" altLang="en-US" sz="1600" spc="-150" dirty="0">
+                <a:latin typeface="+mn-ea"/>
+                <a:ea typeface="+mn-ea"/>
+              </a:rPr>
+              <a:t>어떻게 해결해야 할 지 고민하던 중 적응형 이진화 함수를 발견했습니다</a:t>
+            </a:r>
+            <a:r>
+              <a:rPr lang="en-US" altLang="ko-KR" sz="1600" spc="-150" dirty="0">
                 <a:latin typeface="+mn-ea"/>
                 <a:ea typeface="+mn-ea"/>
               </a:rPr>
               <a:t>.</a:t>
             </a:r>
           </a:p>
-        </p:txBody>
-      </p:sp>
-      <p:sp>
-        <p:nvSpPr>
-          <p:cNvPr id="9" name="제목 38">
-            <a:extLst>
-              <a:ext uri="{FF2B5EF4-FFF2-40B4-BE49-F238E27FC236}">
-                <a16:creationId xmlns:a16="http://schemas.microsoft.com/office/drawing/2014/main" id="{17C34476-D9F6-9005-524F-E315A8266863}"/>
-              </a:ext>
-            </a:extLst>
-          </p:cNvPr>
-          <p:cNvSpPr txBox="1">
-            <a:spLocks/>
-          </p:cNvSpPr>
-          <p:nvPr/>
-        </p:nvSpPr>
-        <p:spPr>
-          <a:xfrm>
-            <a:off x="560352" y="4351178"/>
-            <a:ext cx="1410215" cy="445258"/>
-          </a:xfrm>
-          <a:prstGeom prst="rect">
-            <a:avLst/>
-          </a:prstGeom>
-        </p:spPr>
-        <p:txBody>
-          <a:bodyPr vert="horz" lIns="112542" tIns="56271" rIns="112542" bIns="56271" rtlCol="0" anchor="t">
-            <a:noAutofit/>
-          </a:bodyPr>
-          <a:lstStyle>
-            <a:lvl1pPr algn="l" defTabSz="914400" rtl="0" eaLnBrk="1" latinLnBrk="1" hangingPunct="1">
-              <a:lnSpc>
-                <a:spcPct val="90000"/>
-              </a:lnSpc>
-              <a:spcBef>
-                <a:spcPct val="0"/>
-              </a:spcBef>
-              <a:buNone/>
-              <a:defRPr sz="4400" kern="1200">
-                <a:solidFill>
-                  <a:schemeClr val="tx1"/>
-                </a:solidFill>
-                <a:latin typeface="+mj-lt"/>
-                <a:ea typeface="+mj-ea"/>
-                <a:cs typeface="+mj-cs"/>
-              </a:defRPr>
-            </a:lvl1pPr>
-          </a:lstStyle>
-          <a:p>
-            <a:pPr>
-              <a:defRPr/>
-            </a:pPr>
-            <a:endParaRPr lang="en-US" altLang="ko-KR" sz="2100" spc="-185" dirty="0">
+          <a:p>
+            <a:pPr>
+              <a:lnSpc>
+                <a:spcPct val="130000"/>
+              </a:lnSpc>
+              <a:defRPr/>
+            </a:pPr>
+            <a:r>
+              <a:rPr lang="ko-KR" altLang="en-US" sz="1600" spc="-150" dirty="0">
+                <a:latin typeface="+mn-ea"/>
+                <a:ea typeface="+mn-ea"/>
+              </a:rPr>
+              <a:t>적응형 이진화는 이미지에 따라 스스로 임계 값을 다르게 할당할 수 있도록 구현된 알고리즘입니다</a:t>
+            </a:r>
+            <a:r>
+              <a:rPr lang="en-US" altLang="ko-KR" sz="1600" spc="-150" dirty="0">
+                <a:latin typeface="+mn-ea"/>
+                <a:ea typeface="+mn-ea"/>
+              </a:rPr>
+              <a:t>.</a:t>
+            </a:r>
+          </a:p>
+          <a:p>
+            <a:pPr>
+              <a:lnSpc>
+                <a:spcPct val="130000"/>
+              </a:lnSpc>
+              <a:defRPr/>
+            </a:pPr>
+            <a:r>
+              <a:rPr lang="ko-KR" altLang="en-US" sz="1600" spc="-150" dirty="0">
+                <a:latin typeface="+mn-ea"/>
+                <a:ea typeface="+mn-ea"/>
+              </a:rPr>
+              <a:t>이 알고리즘을 사용해 이진화를 했을 경우 흰 옷의 이진화가 알맞게 된 것을 확인할 수 있습니다</a:t>
+            </a:r>
+            <a:r>
+              <a:rPr lang="en-US" altLang="ko-KR" sz="1600" spc="-150" dirty="0">
+                <a:latin typeface="+mn-ea"/>
+                <a:ea typeface="+mn-ea"/>
+              </a:rPr>
+              <a:t>.</a:t>
+            </a:r>
+            <a:r>
+              <a:rPr lang="ko-KR" altLang="en-US" sz="1600" spc="-150" dirty="0">
+                <a:latin typeface="+mn-ea"/>
+                <a:ea typeface="+mn-ea"/>
+              </a:rPr>
+              <a:t> </a:t>
+            </a:r>
+            <a:endParaRPr lang="en-US" altLang="ko-KR" sz="1600" spc="-150" dirty="0">
               <a:latin typeface="+mn-ea"/>
               <a:ea typeface="+mn-ea"/>
             </a:endParaRPr>
@@ -7717,10 +7844,10 @@
       </p:sp>
       <p:pic>
         <p:nvPicPr>
-          <p:cNvPr id="16" name="그림 15" descr="텍스트이(가) 표시된 사진&#10;&#10;자동 생성된 설명">
+          <p:cNvPr id="8" name="그림 7" descr="텍스트이(가) 표시된 사진&#10;&#10;자동 생성된 설명">
             <a:extLst>
               <a:ext uri="{FF2B5EF4-FFF2-40B4-BE49-F238E27FC236}">
-                <a16:creationId xmlns:a16="http://schemas.microsoft.com/office/drawing/2014/main" id="{EB94D70A-772B-F512-0CC5-C74B0A541842}"/>
+                <a16:creationId xmlns:a16="http://schemas.microsoft.com/office/drawing/2014/main" id="{44362160-5590-DC62-52A4-250228E1A6E4}"/>
               </a:ext>
             </a:extLst>
           </p:cNvPr>
@@ -7737,25 +7864,365 @@
               </a:ext>
             </a:extLst>
           </a:blip>
+          <a:srcRect t="75659" r="61880"/>
+          <a:stretch/>
+        </p:blipFill>
+        <p:spPr>
+          <a:xfrm>
+            <a:off x="498449" y="4156578"/>
+            <a:ext cx="1551237" cy="1836243"/>
+          </a:xfrm>
+          <a:prstGeom prst="rect">
+            <a:avLst/>
+          </a:prstGeom>
+        </p:spPr>
+      </p:pic>
+      <p:sp>
+        <p:nvSpPr>
+          <p:cNvPr id="9" name="제목 38">
+            <a:extLst>
+              <a:ext uri="{FF2B5EF4-FFF2-40B4-BE49-F238E27FC236}">
+                <a16:creationId xmlns:a16="http://schemas.microsoft.com/office/drawing/2014/main" id="{17C34476-D9F6-9005-524F-E315A8266863}"/>
+              </a:ext>
+            </a:extLst>
+          </p:cNvPr>
+          <p:cNvSpPr txBox="1">
+            <a:spLocks/>
+          </p:cNvSpPr>
+          <p:nvPr/>
+        </p:nvSpPr>
+        <p:spPr>
+          <a:xfrm>
+            <a:off x="560352" y="4351178"/>
+            <a:ext cx="1410215" cy="445258"/>
+          </a:xfrm>
+          <a:prstGeom prst="rect">
+            <a:avLst/>
+          </a:prstGeom>
+        </p:spPr>
+        <p:txBody>
+          <a:bodyPr vert="horz" lIns="112542" tIns="56271" rIns="112542" bIns="56271" rtlCol="0" anchor="t">
+            <a:noAutofit/>
+          </a:bodyPr>
+          <a:lstStyle>
+            <a:lvl1pPr algn="l" defTabSz="914400" rtl="0" eaLnBrk="1" latinLnBrk="1" hangingPunct="1">
+              <a:lnSpc>
+                <a:spcPct val="90000"/>
+              </a:lnSpc>
+              <a:spcBef>
+                <a:spcPct val="0"/>
+              </a:spcBef>
+              <a:buNone/>
+              <a:defRPr sz="4400" kern="1200">
+                <a:solidFill>
+                  <a:schemeClr val="tx1"/>
+                </a:solidFill>
+                <a:latin typeface="+mj-lt"/>
+                <a:ea typeface="+mj-ea"/>
+                <a:cs typeface="+mj-cs"/>
+              </a:defRPr>
+            </a:lvl1pPr>
+          </a:lstStyle>
+          <a:p>
+            <a:pPr>
+              <a:defRPr/>
+            </a:pPr>
+            <a:endParaRPr lang="en-US" altLang="ko-KR" sz="2100" spc="-185" dirty="0">
+              <a:latin typeface="+mn-ea"/>
+              <a:ea typeface="+mn-ea"/>
+            </a:endParaRPr>
+          </a:p>
+        </p:txBody>
+      </p:sp>
+      <p:sp>
+        <p:nvSpPr>
+          <p:cNvPr id="10" name="TextBox 9">
+            <a:extLst>
+              <a:ext uri="{FF2B5EF4-FFF2-40B4-BE49-F238E27FC236}">
+                <a16:creationId xmlns:a16="http://schemas.microsoft.com/office/drawing/2014/main" id="{5CE62B68-E5B2-93D0-B32D-70FDFE1E9158}"/>
+              </a:ext>
+            </a:extLst>
+          </p:cNvPr>
+          <p:cNvSpPr txBox="1"/>
+          <p:nvPr/>
+        </p:nvSpPr>
+        <p:spPr>
+          <a:xfrm>
+            <a:off x="363396" y="5970716"/>
+            <a:ext cx="1821341" cy="575543"/>
+          </a:xfrm>
+          <a:prstGeom prst="rect">
+            <a:avLst/>
+          </a:prstGeom>
+          <a:noFill/>
+        </p:spPr>
+        <p:txBody>
+          <a:bodyPr wrap="square" rtlCol="0">
+            <a:spAutoFit/>
+          </a:bodyPr>
+          <a:lstStyle/>
+          <a:p>
+            <a:pPr algn="ctr"/>
+            <a:r>
+              <a:rPr lang="en-US" altLang="ko-KR" sz="1400" spc="-150" dirty="0">
+                <a:latin typeface="+mn-ea"/>
+              </a:rPr>
+              <a:t>Threshold </a:t>
+            </a:r>
+            <a:r>
+              <a:rPr lang="ko-KR" altLang="en-US" sz="1400" spc="-150" dirty="0">
+                <a:latin typeface="+mn-ea"/>
+              </a:rPr>
+              <a:t>함수 사용</a:t>
+            </a:r>
+            <a:endParaRPr lang="en-US" altLang="ko-KR" sz="1400" spc="-150" dirty="0">
+              <a:latin typeface="+mn-ea"/>
+            </a:endParaRPr>
+          </a:p>
+          <a:p>
+            <a:pPr algn="ctr"/>
+            <a:r>
+              <a:rPr kumimoji="1" lang="en-US" altLang="ko-KR" sz="1400" spc="-150" dirty="0">
+                <a:latin typeface="+mn-ea"/>
+              </a:rPr>
+              <a:t>(</a:t>
+            </a:r>
+            <a:r>
+              <a:rPr kumimoji="1" lang="ko-KR" altLang="en-US" sz="1400" spc="-150" dirty="0">
+                <a:latin typeface="+mn-ea"/>
+              </a:rPr>
+              <a:t>갈색 옷</a:t>
+            </a:r>
+            <a:r>
+              <a:rPr kumimoji="1" lang="en-US" altLang="ko-KR" sz="1400" spc="-150" dirty="0">
+                <a:latin typeface="+mn-ea"/>
+              </a:rPr>
+              <a:t>)</a:t>
+            </a:r>
+            <a:endParaRPr kumimoji="1" lang="en-US" altLang="ko-Kore-KR" sz="1400" dirty="0">
+              <a:latin typeface="+mn-ea"/>
+            </a:endParaRPr>
+          </a:p>
+        </p:txBody>
+      </p:sp>
+      <p:pic>
+        <p:nvPicPr>
+          <p:cNvPr id="12" name="그림 11" descr="텍스트이(가) 표시된 사진&#10;&#10;자동 생성된 설명">
+            <a:extLst>
+              <a:ext uri="{FF2B5EF4-FFF2-40B4-BE49-F238E27FC236}">
+                <a16:creationId xmlns:a16="http://schemas.microsoft.com/office/drawing/2014/main" id="{F3583A5A-1D78-2DB7-2C7B-C47525CD196E}"/>
+              </a:ext>
+            </a:extLst>
+          </p:cNvPr>
+          <p:cNvPicPr>
+            <a:picLocks noChangeAspect="1"/>
+          </p:cNvPicPr>
+          <p:nvPr/>
+        </p:nvPicPr>
+        <p:blipFill rotWithShape="1">
+          <a:blip r:embed="rId4">
+            <a:extLst>
+              <a:ext uri="{28A0092B-C50C-407E-A947-70E740481C1C}">
+                <a14:useLocalDpi xmlns:a14="http://schemas.microsoft.com/office/drawing/2010/main" val="0"/>
+              </a:ext>
+            </a:extLst>
+          </a:blip>
+          <a:srcRect l="4817" t="73855" r="77464"/>
+          <a:stretch/>
+        </p:blipFill>
+        <p:spPr>
+          <a:xfrm>
+            <a:off x="3211370" y="4156578"/>
+            <a:ext cx="779721" cy="1836243"/>
+          </a:xfrm>
+          <a:prstGeom prst="rect">
+            <a:avLst/>
+          </a:prstGeom>
+        </p:spPr>
+      </p:pic>
+      <p:sp>
+        <p:nvSpPr>
+          <p:cNvPr id="14" name="TextBox 13">
+            <a:extLst>
+              <a:ext uri="{FF2B5EF4-FFF2-40B4-BE49-F238E27FC236}">
+                <a16:creationId xmlns:a16="http://schemas.microsoft.com/office/drawing/2014/main" id="{2576593A-EE19-4525-7DEA-517FCB4C9422}"/>
+              </a:ext>
+            </a:extLst>
+          </p:cNvPr>
+          <p:cNvSpPr txBox="1"/>
+          <p:nvPr/>
+        </p:nvSpPr>
+        <p:spPr>
+          <a:xfrm>
+            <a:off x="2690559" y="5970716"/>
+            <a:ext cx="1821341" cy="575543"/>
+          </a:xfrm>
+          <a:prstGeom prst="rect">
+            <a:avLst/>
+          </a:prstGeom>
+          <a:noFill/>
+        </p:spPr>
+        <p:txBody>
+          <a:bodyPr wrap="square" rtlCol="0">
+            <a:spAutoFit/>
+          </a:bodyPr>
+          <a:lstStyle/>
+          <a:p>
+            <a:pPr algn="ctr"/>
+            <a:r>
+              <a:rPr lang="en-US" altLang="ko-KR" sz="1400" spc="-150" dirty="0">
+                <a:latin typeface="+mn-ea"/>
+              </a:rPr>
+              <a:t>Threshold </a:t>
+            </a:r>
+            <a:r>
+              <a:rPr lang="ko-KR" altLang="en-US" sz="1400" spc="-150" dirty="0">
+                <a:latin typeface="+mn-ea"/>
+              </a:rPr>
+              <a:t>함수 사용</a:t>
+            </a:r>
+            <a:endParaRPr lang="en-US" altLang="ko-KR" sz="1400" spc="-150" dirty="0">
+              <a:latin typeface="+mn-ea"/>
+            </a:endParaRPr>
+          </a:p>
+          <a:p>
+            <a:pPr algn="ctr"/>
+            <a:r>
+              <a:rPr kumimoji="1" lang="en-US" altLang="ko-KR" sz="1400" spc="-150" dirty="0">
+                <a:latin typeface="+mn-ea"/>
+              </a:rPr>
+              <a:t>(</a:t>
+            </a:r>
+            <a:r>
+              <a:rPr kumimoji="1" lang="ko-KR" altLang="en-US" sz="1400" spc="-150" dirty="0">
+                <a:latin typeface="+mn-ea"/>
+              </a:rPr>
+              <a:t>흰 옷</a:t>
+            </a:r>
+            <a:r>
+              <a:rPr kumimoji="1" lang="en-US" altLang="ko-KR" sz="1400" spc="-150" dirty="0">
+                <a:latin typeface="+mn-ea"/>
+              </a:rPr>
+              <a:t>)</a:t>
+            </a:r>
+            <a:endParaRPr kumimoji="1" lang="en-US" altLang="ko-Kore-KR" sz="1400" dirty="0">
+              <a:latin typeface="+mn-ea"/>
+            </a:endParaRPr>
+          </a:p>
+        </p:txBody>
+      </p:sp>
+      <p:pic>
+        <p:nvPicPr>
+          <p:cNvPr id="16" name="그림 15" descr="텍스트이(가) 표시된 사진&#10;&#10;자동 생성된 설명">
+            <a:extLst>
+              <a:ext uri="{FF2B5EF4-FFF2-40B4-BE49-F238E27FC236}">
+                <a16:creationId xmlns:a16="http://schemas.microsoft.com/office/drawing/2014/main" id="{EB94D70A-772B-F512-0CC5-C74B0A541842}"/>
+              </a:ext>
+            </a:extLst>
+          </p:cNvPr>
+          <p:cNvPicPr>
+            <a:picLocks noChangeAspect="1"/>
+          </p:cNvPicPr>
+          <p:nvPr/>
+        </p:nvPicPr>
+        <p:blipFill rotWithShape="1">
+          <a:blip r:embed="rId5">
+            <a:extLst>
+              <a:ext uri="{28A0092B-C50C-407E-A947-70E740481C1C}">
+                <a14:useLocalDpi xmlns:a14="http://schemas.microsoft.com/office/drawing/2010/main" val="0"/>
+              </a:ext>
+            </a:extLst>
+          </a:blip>
           <a:srcRect t="73870" r="72973"/>
           <a:stretch/>
         </p:blipFill>
         <p:spPr>
           <a:xfrm>
-            <a:off x="7745961" y="2400565"/>
-            <a:ext cx="1837537" cy="2395871"/>
+            <a:off x="5406861" y="4156578"/>
+            <a:ext cx="1408326" cy="1836243"/>
           </a:xfrm>
           <a:prstGeom prst="rect">
             <a:avLst/>
           </a:prstGeom>
         </p:spPr>
       </p:pic>
+      <p:sp>
+        <p:nvSpPr>
+          <p:cNvPr id="18" name="TextBox 17">
+            <a:extLst>
+              <a:ext uri="{FF2B5EF4-FFF2-40B4-BE49-F238E27FC236}">
+                <a16:creationId xmlns:a16="http://schemas.microsoft.com/office/drawing/2014/main" id="{949AC1E4-411B-C9AC-218C-4C1EAC8B8A29}"/>
+              </a:ext>
+            </a:extLst>
+          </p:cNvPr>
+          <p:cNvSpPr txBox="1"/>
+          <p:nvPr/>
+        </p:nvSpPr>
+        <p:spPr>
+          <a:xfrm>
+            <a:off x="5017722" y="5970716"/>
+            <a:ext cx="2186603" cy="523220"/>
+          </a:xfrm>
+          <a:prstGeom prst="rect">
+            <a:avLst/>
+          </a:prstGeom>
+          <a:noFill/>
+        </p:spPr>
+        <p:txBody>
+          <a:bodyPr wrap="square" rtlCol="0">
+            <a:spAutoFit/>
+          </a:bodyPr>
+          <a:lstStyle/>
+          <a:p>
+            <a:pPr algn="ctr"/>
+            <a:r>
+              <a:rPr lang="en-US" altLang="ko-KR" sz="1400" spc="-150" dirty="0">
+                <a:latin typeface="+mn-ea"/>
+              </a:rPr>
+              <a:t>Adaptive Threshold </a:t>
+            </a:r>
+            <a:r>
+              <a:rPr lang="ko-KR" altLang="en-US" sz="1400" spc="-150" dirty="0">
+                <a:latin typeface="+mn-ea"/>
+              </a:rPr>
+              <a:t>함수 사용</a:t>
+            </a:r>
+            <a:endParaRPr lang="en-US" altLang="ko-KR" sz="1400" spc="-150" dirty="0">
+              <a:latin typeface="+mn-ea"/>
+            </a:endParaRPr>
+          </a:p>
+          <a:p>
+            <a:pPr algn="ctr"/>
+            <a:r>
+              <a:rPr kumimoji="1" lang="en-US" altLang="ko-KR" sz="1400" spc="-150" dirty="0">
+                <a:latin typeface="+mn-ea"/>
+              </a:rPr>
+              <a:t>(</a:t>
+            </a:r>
+            <a:r>
+              <a:rPr kumimoji="1" lang="ko-KR" altLang="en-US" sz="1400" spc="-150" dirty="0">
+                <a:latin typeface="+mn-ea"/>
+              </a:rPr>
+              <a:t>흰 옷</a:t>
+            </a:r>
+            <a:r>
+              <a:rPr kumimoji="1" lang="en-US" altLang="ko-KR" sz="1400" spc="-150" dirty="0">
+                <a:latin typeface="+mn-ea"/>
+              </a:rPr>
+              <a:t>)</a:t>
+            </a:r>
+            <a:endParaRPr kumimoji="1" lang="en-US" altLang="ko-Kore-KR" sz="1400" dirty="0">
+              <a:latin typeface="+mn-ea"/>
+            </a:endParaRPr>
+          </a:p>
+        </p:txBody>
+      </p:sp>
       <p:pic>
         <p:nvPicPr>
-          <p:cNvPr id="3" name="그림 2" descr="텍스트, 밤하늘이(가) 표시된 사진&#10;&#10;자동 생성된 설명">
+          <p:cNvPr id="2" name="그림 1">
             <a:extLst>
               <a:ext uri="{FF2B5EF4-FFF2-40B4-BE49-F238E27FC236}">
-                <a16:creationId xmlns:a16="http://schemas.microsoft.com/office/drawing/2014/main" id="{2472CE69-6D05-2FE7-FD0C-E37BE1DEED7F}"/>
+                <a16:creationId xmlns:a16="http://schemas.microsoft.com/office/drawing/2014/main" id="{E9C10CE5-0816-666A-4B42-39BCBF2D512D}"/>
               </a:ext>
             </a:extLst>
           </p:cNvPr>
@@ -7765,7 +8232,7 @@
           <p:nvPr/>
         </p:nvPicPr>
         <p:blipFill>
-          <a:blip r:embed="rId4">
+          <a:blip r:embed="rId6">
             <a:extLst>
               <a:ext uri="{28A0092B-C50C-407E-A947-70E740481C1C}">
                 <a14:useLocalDpi xmlns:a14="http://schemas.microsoft.com/office/drawing/2010/main" val="0"/>
@@ -7778,18 +8245,64 @@
         </p:blipFill>
         <p:spPr>
           <a:xfrm>
-            <a:off x="9956504" y="2400565"/>
-            <a:ext cx="1533720" cy="2395871"/>
+            <a:off x="8904736" y="1602240"/>
+            <a:ext cx="2364027" cy="4202716"/>
           </a:xfrm>
           <a:prstGeom prst="rect">
             <a:avLst/>
           </a:prstGeom>
+          <a:ln w="19050">
+            <a:solidFill>
+              <a:schemeClr val="tx1"/>
+            </a:solidFill>
+          </a:ln>
         </p:spPr>
       </p:pic>
+      <p:sp>
+        <p:nvSpPr>
+          <p:cNvPr id="3" name="TextBox 2">
+            <a:extLst>
+              <a:ext uri="{FF2B5EF4-FFF2-40B4-BE49-F238E27FC236}">
+                <a16:creationId xmlns:a16="http://schemas.microsoft.com/office/drawing/2014/main" id="{23FB5C5E-2CC6-1D47-2666-99832A39BB8E}"/>
+              </a:ext>
+            </a:extLst>
+          </p:cNvPr>
+          <p:cNvSpPr txBox="1"/>
+          <p:nvPr/>
+        </p:nvSpPr>
+        <p:spPr>
+          <a:xfrm>
+            <a:off x="9189051" y="5821218"/>
+            <a:ext cx="1795395" cy="323165"/>
+          </a:xfrm>
+          <a:prstGeom prst="rect">
+            <a:avLst/>
+          </a:prstGeom>
+          <a:noFill/>
+        </p:spPr>
+        <p:txBody>
+          <a:bodyPr wrap="square" rtlCol="0">
+            <a:spAutoFit/>
+          </a:bodyPr>
+          <a:lstStyle/>
+          <a:p>
+            <a:pPr algn="ctr"/>
+            <a:r>
+              <a:rPr kumimoji="1" lang="ko-KR" altLang="en-US" sz="1500" dirty="0">
+                <a:latin typeface="+mn-ea"/>
+              </a:rPr>
+              <a:t>흰 옷 원본 이미지</a:t>
+            </a:r>
+            <a:endParaRPr kumimoji="1" lang="ko-Kore-KR" altLang="en-US" sz="1500" dirty="0">
+              <a:latin typeface="+mn-ea"/>
+            </a:endParaRPr>
+          </a:p>
+        </p:txBody>
+      </p:sp>
     </p:spTree>
     <p:extLst>
       <p:ext uri="{BB962C8B-B14F-4D97-AF65-F5344CB8AC3E}">
-        <p14:creationId xmlns:p14="http://schemas.microsoft.com/office/powerpoint/2010/main" val="4281881407"/>
+        <p14:creationId xmlns:p14="http://schemas.microsoft.com/office/powerpoint/2010/main" val="3948253520"/>
       </p:ext>
     </p:extLst>
   </p:cSld>
@@ -7908,8 +8421,8 @@
         </p:nvSpPr>
         <p:spPr>
           <a:xfrm>
-            <a:off x="342288" y="1774547"/>
-            <a:ext cx="11393019" cy="4045006"/>
+            <a:off x="560352" y="2483586"/>
+            <a:ext cx="7390871" cy="1890823"/>
           </a:xfrm>
           <a:prstGeom prst="rect">
             <a:avLst/>
@@ -7950,21 +8463,21 @@
                 <a:latin typeface="+mn-ea"/>
                 <a:ea typeface="+mn-ea"/>
               </a:rPr>
-              <a:t>처음은 </a:t>
+              <a:t>다만 이미지가 제대로 </a:t>
             </a:r>
             <a:r>
               <a:rPr lang="en-US" altLang="ko-KR" sz="1900" spc="-150" dirty="0">
                 <a:latin typeface="+mn-ea"/>
                 <a:ea typeface="+mn-ea"/>
               </a:rPr>
-              <a:t>Morphology</a:t>
+              <a:t>crop</a:t>
             </a:r>
             <a:r>
               <a:rPr lang="ko-KR" altLang="en-US" sz="1900" spc="-150" dirty="0">
                 <a:latin typeface="+mn-ea"/>
                 <a:ea typeface="+mn-ea"/>
               </a:rPr>
-              <a:t> 연산으로 시작했습니다</a:t>
+              <a:t> 되지 않은 것을 확인할 수 있습니다</a:t>
             </a:r>
             <a:r>
               <a:rPr lang="en-US" altLang="ko-KR" sz="1900" spc="-150" dirty="0">
@@ -7982,60 +8495,11 @@
               <a:defRPr/>
             </a:pPr>
             <a:r>
-              <a:rPr lang="en-US" altLang="ko-KR" sz="1900" spc="-150" dirty="0">
-                <a:latin typeface="+mn-ea"/>
-                <a:ea typeface="+mn-ea"/>
-              </a:rPr>
-              <a:t>Morphology </a:t>
-            </a:r>
-            <a:r>
               <a:rPr lang="ko-KR" altLang="en-US" sz="1900" spc="-150" dirty="0">
                 <a:latin typeface="+mn-ea"/>
                 <a:ea typeface="+mn-ea"/>
               </a:rPr>
-              <a:t>연산이란 </a:t>
-            </a:r>
-            <a:r>
-              <a:rPr lang="en-US" altLang="ko-KR" sz="1900" spc="-150" dirty="0">
-                <a:latin typeface="+mn-ea"/>
-                <a:ea typeface="+mn-ea"/>
-              </a:rPr>
-              <a:t>‘</a:t>
-            </a:r>
-            <a:r>
-              <a:rPr lang="ko-KR" altLang="en-US" sz="1900" spc="-150" dirty="0">
-                <a:latin typeface="+mn-ea"/>
-                <a:ea typeface="+mn-ea"/>
-              </a:rPr>
-              <a:t>형태학</a:t>
-            </a:r>
-            <a:r>
-              <a:rPr lang="en-US" altLang="ko-KR" sz="1900" spc="-150" dirty="0">
-                <a:latin typeface="+mn-ea"/>
-                <a:ea typeface="+mn-ea"/>
-              </a:rPr>
-              <a:t>’</a:t>
-            </a:r>
-            <a:r>
-              <a:rPr lang="ko-KR" altLang="en-US" sz="1900" spc="-150" dirty="0">
-                <a:latin typeface="+mn-ea"/>
-                <a:ea typeface="+mn-ea"/>
-              </a:rPr>
-              <a:t> 이라는 뜻인데</a:t>
-            </a:r>
-            <a:r>
-              <a:rPr lang="en-US" altLang="ko-KR" sz="1900" spc="-150" dirty="0">
-                <a:latin typeface="+mn-ea"/>
-                <a:ea typeface="+mn-ea"/>
-              </a:rPr>
-              <a:t>,</a:t>
-            </a:r>
-            <a:r>
-              <a:rPr lang="ko-KR" altLang="en-US" sz="1900" spc="-150" dirty="0">
-                <a:latin typeface="+mn-ea"/>
-                <a:ea typeface="+mn-ea"/>
-              </a:rPr>
-              <a:t> </a:t>
+              <a:t>이미지를 확인해보니 노이즈가 많아 </a:t>
             </a:r>
             <a:endParaRPr lang="en-US" altLang="ko-KR" sz="1900" spc="-150" dirty="0">
               <a:latin typeface="+mn-ea"/>
@@ -8054,43 +8518,7 @@
                 <a:latin typeface="+mn-ea"/>
                 <a:ea typeface="+mn-ea"/>
               </a:rPr>
-              <a:t>사진</a:t>
-            </a:r>
-            <a:r>
-              <a:rPr lang="en-US" altLang="ko-KR" sz="1900" spc="-150" dirty="0">
-                <a:latin typeface="+mn-ea"/>
-                <a:ea typeface="+mn-ea"/>
-              </a:rPr>
-              <a:t>,</a:t>
-            </a:r>
-            <a:r>
-              <a:rPr lang="ko-KR" altLang="en-US" sz="1900" spc="-150" dirty="0">
-                <a:latin typeface="+mn-ea"/>
-                <a:ea typeface="+mn-ea"/>
-              </a:rPr>
-              <a:t> 영상 분야에서의 노이즈 제거 등에 쓰이는 형태학적 연산을 말합니다</a:t>
-            </a:r>
-            <a:r>
-              <a:rPr lang="en-US" altLang="ko-KR" sz="1900" spc="-150" dirty="0">
-                <a:latin typeface="+mn-ea"/>
-                <a:ea typeface="+mn-ea"/>
-              </a:rPr>
-              <a:t>. </a:t>
-            </a:r>
-          </a:p>
-          <a:p>
-            <a:pPr>
-              <a:lnSpc>
-                <a:spcPct val="120000"/>
-              </a:lnSpc>
-              <a:defRPr/>
-            </a:pPr>
-            <a:r>
-              <a:rPr lang="ko-KR" altLang="en-US" sz="1900" spc="-150" dirty="0">
-                <a:latin typeface="+mn-ea"/>
-                <a:ea typeface="+mn-ea"/>
-              </a:rPr>
-              <a:t>대표적인 연산으로는 침식 연산과 팽창 연산이 있습니다</a:t>
+              <a:t>경계 값을 제대로 도출하지 못한 것으로 보입니다</a:t>
             </a:r>
             <a:r>
               <a:rPr lang="en-US" altLang="ko-KR" sz="1900" spc="-150" dirty="0">
@@ -8124,182 +8552,7 @@
                 <a:latin typeface="+mn-ea"/>
                 <a:ea typeface="+mn-ea"/>
               </a:rPr>
-              <a:t>침식은 말 그대로 이미지를 깎아 냅니다</a:t>
-            </a:r>
-            <a:r>
-              <a:rPr lang="en-US" altLang="ko-KR" sz="1900" spc="-150" dirty="0">
-                <a:latin typeface="+mn-ea"/>
-                <a:ea typeface="+mn-ea"/>
-              </a:rPr>
-              <a:t>.</a:t>
-            </a:r>
-            <a:r>
-              <a:rPr lang="ko-KR" altLang="en-US" sz="1900" spc="-150" dirty="0">
-                <a:latin typeface="+mn-ea"/>
-                <a:ea typeface="+mn-ea"/>
-              </a:rPr>
-              <a:t> </a:t>
-            </a:r>
-            <a:endParaRPr lang="en-US" altLang="ko-KR" sz="1900" spc="-150" dirty="0">
-              <a:latin typeface="+mn-ea"/>
-              <a:ea typeface="+mn-ea"/>
-            </a:endParaRPr>
-          </a:p>
-          <a:p>
-            <a:pPr>
-              <a:lnSpc>
-                <a:spcPct val="120000"/>
-              </a:lnSpc>
-              <a:defRPr/>
-            </a:pPr>
-            <a:r>
-              <a:rPr lang="ko-KR" altLang="en-US" sz="1900" spc="-150" dirty="0">
-                <a:latin typeface="+mn-ea"/>
-                <a:ea typeface="+mn-ea"/>
-              </a:rPr>
-              <a:t>이미지를 </a:t>
-            </a:r>
-            <a:r>
-              <a:rPr lang="en-US" altLang="ko-KR" sz="1900" spc="-150" dirty="0">
-                <a:latin typeface="+mn-ea"/>
-                <a:ea typeface="+mn-ea"/>
-              </a:rPr>
-              <a:t>0</a:t>
-            </a:r>
-            <a:r>
-              <a:rPr lang="ko-KR" altLang="en-US" sz="1900" spc="-150" dirty="0">
-                <a:latin typeface="+mn-ea"/>
-                <a:ea typeface="+mn-ea"/>
-              </a:rPr>
-              <a:t>과 </a:t>
-            </a:r>
-            <a:r>
-              <a:rPr lang="en-US" altLang="ko-KR" sz="1900" spc="-150" dirty="0">
-                <a:latin typeface="+mn-ea"/>
-                <a:ea typeface="+mn-ea"/>
-              </a:rPr>
-              <a:t>1</a:t>
-            </a:r>
-            <a:r>
-              <a:rPr lang="ko-KR" altLang="en-US" sz="1900" spc="-150" dirty="0">
-                <a:latin typeface="+mn-ea"/>
-                <a:ea typeface="+mn-ea"/>
-              </a:rPr>
-              <a:t>로 전환하고</a:t>
-            </a:r>
-            <a:r>
-              <a:rPr lang="en-US" altLang="ko-KR" sz="1900" spc="-150" dirty="0">
-                <a:latin typeface="+mn-ea"/>
-                <a:ea typeface="+mn-ea"/>
-              </a:rPr>
-              <a:t>,</a:t>
-            </a:r>
-            <a:r>
-              <a:rPr lang="ko-KR" altLang="en-US" sz="1900" spc="-150" dirty="0">
-                <a:latin typeface="+mn-ea"/>
-                <a:ea typeface="+mn-ea"/>
-              </a:rPr>
-              <a:t> 커널을 생성하여 </a:t>
-            </a:r>
-            <a:endParaRPr lang="en-US" altLang="ko-KR" sz="1900" spc="-150" dirty="0">
-              <a:latin typeface="+mn-ea"/>
-              <a:ea typeface="+mn-ea"/>
-            </a:endParaRPr>
-          </a:p>
-          <a:p>
-            <a:pPr>
-              <a:lnSpc>
-                <a:spcPct val="120000"/>
-              </a:lnSpc>
-              <a:defRPr/>
-            </a:pPr>
-            <a:r>
-              <a:rPr lang="ko-KR" altLang="en-US" sz="1900" spc="-150" dirty="0">
-                <a:latin typeface="+mn-ea"/>
-                <a:ea typeface="+mn-ea"/>
-              </a:rPr>
-              <a:t>이 커널 안에 들어오지 못하는 이미지는 삭제해버리는 것입니다</a:t>
-            </a:r>
-            <a:r>
-              <a:rPr lang="en-US" altLang="ko-KR" sz="1900" spc="-150" dirty="0">
-                <a:latin typeface="+mn-ea"/>
-                <a:ea typeface="+mn-ea"/>
-              </a:rPr>
-              <a:t>.</a:t>
-            </a:r>
-            <a:r>
-              <a:rPr lang="ko-KR" altLang="en-US" sz="1900" spc="-150" dirty="0">
-                <a:latin typeface="+mn-ea"/>
-                <a:ea typeface="+mn-ea"/>
-              </a:rPr>
-              <a:t> </a:t>
-            </a:r>
-            <a:endParaRPr lang="en-US" altLang="ko-KR" sz="1900" spc="-150" dirty="0">
-              <a:latin typeface="+mn-ea"/>
-              <a:ea typeface="+mn-ea"/>
-            </a:endParaRPr>
-          </a:p>
-          <a:p>
-            <a:pPr>
-              <a:lnSpc>
-                <a:spcPct val="120000"/>
-              </a:lnSpc>
-              <a:defRPr/>
-            </a:pPr>
-            <a:endParaRPr lang="en-US" altLang="ko-KR" sz="1900" spc="-150" dirty="0">
-              <a:latin typeface="+mn-ea"/>
-              <a:ea typeface="+mn-ea"/>
-            </a:endParaRPr>
-          </a:p>
-          <a:p>
-            <a:pPr>
-              <a:lnSpc>
-                <a:spcPct val="120000"/>
-              </a:lnSpc>
-              <a:defRPr/>
-            </a:pPr>
-            <a:r>
-              <a:rPr lang="ko-KR" altLang="en-US" sz="1900" spc="-150" dirty="0">
-                <a:latin typeface="+mn-ea"/>
-                <a:ea typeface="+mn-ea"/>
-              </a:rPr>
-              <a:t>팽창은 침식의 반대입니다</a:t>
-            </a:r>
-            <a:r>
-              <a:rPr lang="en-US" altLang="ko-KR" sz="1900" spc="-150" dirty="0">
-                <a:latin typeface="+mn-ea"/>
-                <a:ea typeface="+mn-ea"/>
-              </a:rPr>
-              <a:t>.</a:t>
-            </a:r>
-          </a:p>
-          <a:p>
-            <a:pPr>
-              <a:lnSpc>
-                <a:spcPct val="120000"/>
-              </a:lnSpc>
-              <a:defRPr/>
-            </a:pPr>
-            <a:r>
-              <a:rPr lang="ko-KR" altLang="en-US" sz="1900" spc="-150" dirty="0">
-                <a:latin typeface="+mn-ea"/>
-                <a:ea typeface="+mn-ea"/>
-              </a:rPr>
-              <a:t>커널에 픽셀이 걸치기만 해도 </a:t>
-            </a:r>
-            <a:r>
-              <a:rPr lang="en-US" altLang="ko-KR" sz="1900" spc="-150" dirty="0">
-                <a:latin typeface="+mn-ea"/>
-                <a:ea typeface="+mn-ea"/>
-              </a:rPr>
-              <a:t>1</a:t>
-            </a:r>
-            <a:r>
-              <a:rPr lang="ko-KR" altLang="en-US" sz="1900" spc="-150" dirty="0">
-                <a:latin typeface="+mn-ea"/>
-                <a:ea typeface="+mn-ea"/>
-              </a:rPr>
-              <a:t>로 바꿔버리는 것입니다</a:t>
+              <a:t>그래서 이미지의 노이즈를 줄이는 방법을 생각해보게 되었습니다</a:t>
             </a:r>
             <a:r>
               <a:rPr lang="en-US" altLang="ko-KR" sz="1900" spc="-150" dirty="0">
@@ -8370,10 +8623,45 @@
       </p:sp>
       <p:pic>
         <p:nvPicPr>
-          <p:cNvPr id="2" name="그림 1">
+          <p:cNvPr id="16" name="그림 15" descr="텍스트이(가) 표시된 사진&#10;&#10;자동 생성된 설명">
             <a:extLst>
               <a:ext uri="{FF2B5EF4-FFF2-40B4-BE49-F238E27FC236}">
-                <a16:creationId xmlns:a16="http://schemas.microsoft.com/office/drawing/2014/main" id="{2DB420A4-13A3-FB89-E4EC-07B938218AFF}"/>
+                <a16:creationId xmlns:a16="http://schemas.microsoft.com/office/drawing/2014/main" id="{EB94D70A-772B-F512-0CC5-C74B0A541842}"/>
+              </a:ext>
+            </a:extLst>
+          </p:cNvPr>
+          <p:cNvPicPr>
+            <a:picLocks noChangeAspect="1"/>
+          </p:cNvPicPr>
+          <p:nvPr/>
+        </p:nvPicPr>
+        <p:blipFill rotWithShape="1">
+          <a:blip r:embed="rId3">
+            <a:extLst>
+              <a:ext uri="{28A0092B-C50C-407E-A947-70E740481C1C}">
+                <a14:useLocalDpi xmlns:a14="http://schemas.microsoft.com/office/drawing/2010/main" val="0"/>
+              </a:ext>
+            </a:extLst>
+          </a:blip>
+          <a:srcRect t="73870" r="72973"/>
+          <a:stretch/>
+        </p:blipFill>
+        <p:spPr>
+          <a:xfrm>
+            <a:off x="7745961" y="2400565"/>
+            <a:ext cx="1837537" cy="2395871"/>
+          </a:xfrm>
+          <a:prstGeom prst="rect">
+            <a:avLst/>
+          </a:prstGeom>
+        </p:spPr>
+      </p:pic>
+      <p:pic>
+        <p:nvPicPr>
+          <p:cNvPr id="3" name="그림 2" descr="텍스트, 밤하늘이(가) 표시된 사진&#10;&#10;자동 생성된 설명">
+            <a:extLst>
+              <a:ext uri="{FF2B5EF4-FFF2-40B4-BE49-F238E27FC236}">
+                <a16:creationId xmlns:a16="http://schemas.microsoft.com/office/drawing/2014/main" id="{2472CE69-6D05-2FE7-FD0C-E37BE1DEED7F}"/>
               </a:ext>
             </a:extLst>
           </p:cNvPr>
@@ -8383,115 +8671,31 @@
           <p:nvPr/>
         </p:nvPicPr>
         <p:blipFill>
-          <a:blip r:embed="rId3"/>
+          <a:blip r:embed="rId4">
+            <a:extLst>
+              <a:ext uri="{28A0092B-C50C-407E-A947-70E740481C1C}">
+                <a14:useLocalDpi xmlns:a14="http://schemas.microsoft.com/office/drawing/2010/main" val="0"/>
+              </a:ext>
+            </a:extLst>
+          </a:blip>
           <a:stretch>
             <a:fillRect/>
           </a:stretch>
         </p:blipFill>
         <p:spPr>
           <a:xfrm>
-            <a:off x="7919210" y="1782622"/>
-            <a:ext cx="3930502" cy="1637709"/>
+            <a:off x="9956504" y="2400565"/>
+            <a:ext cx="1533720" cy="2395871"/>
           </a:xfrm>
           <a:prstGeom prst="rect">
             <a:avLst/>
           </a:prstGeom>
         </p:spPr>
       </p:pic>
-      <p:pic>
-        <p:nvPicPr>
-          <p:cNvPr id="3" name="그림 2">
-            <a:extLst>
-              <a:ext uri="{FF2B5EF4-FFF2-40B4-BE49-F238E27FC236}">
-                <a16:creationId xmlns:a16="http://schemas.microsoft.com/office/drawing/2014/main" id="{DA2536F0-5A01-E771-928E-0D7B21FC77AD}"/>
-              </a:ext>
-            </a:extLst>
-          </p:cNvPr>
-          <p:cNvPicPr>
-            <a:picLocks noChangeAspect="1"/>
-          </p:cNvPicPr>
-          <p:nvPr/>
-        </p:nvPicPr>
-        <p:blipFill>
-          <a:blip r:embed="rId4"/>
-          <a:stretch>
-            <a:fillRect/>
-          </a:stretch>
-        </p:blipFill>
-        <p:spPr>
-          <a:xfrm>
-            <a:off x="7919210" y="3630130"/>
-            <a:ext cx="3930502" cy="1910661"/>
-          </a:xfrm>
-          <a:prstGeom prst="rect">
-            <a:avLst/>
-          </a:prstGeom>
-        </p:spPr>
-      </p:pic>
-      <p:sp>
-        <p:nvSpPr>
-          <p:cNvPr id="7" name="TextBox 6">
-            <a:extLst>
-              <a:ext uri="{FF2B5EF4-FFF2-40B4-BE49-F238E27FC236}">
-                <a16:creationId xmlns:a16="http://schemas.microsoft.com/office/drawing/2014/main" id="{CAF42717-1CC1-2B43-6034-ECB2ECD8C255}"/>
-              </a:ext>
-            </a:extLst>
-          </p:cNvPr>
-          <p:cNvSpPr txBox="1"/>
-          <p:nvPr/>
-        </p:nvSpPr>
-        <p:spPr>
-          <a:xfrm>
-            <a:off x="9781953" y="5572450"/>
-            <a:ext cx="2067759" cy="215444"/>
-          </a:xfrm>
-          <a:prstGeom prst="rect">
-            <a:avLst/>
-          </a:prstGeom>
-          <a:noFill/>
-        </p:spPr>
-        <p:txBody>
-          <a:bodyPr wrap="square" rtlCol="0">
-            <a:spAutoFit/>
-          </a:bodyPr>
-          <a:lstStyle/>
-          <a:p>
-            <a:pPr algn="r"/>
-            <a:r>
-              <a:rPr kumimoji="1" lang="ko-KR" altLang="en-US" sz="800" dirty="0">
-                <a:latin typeface="+mn-ea"/>
-              </a:rPr>
-              <a:t>이미지 출처</a:t>
-            </a:r>
-            <a:r>
-              <a:rPr kumimoji="1" lang="en-US" altLang="ko-KR" sz="800" dirty="0">
-                <a:latin typeface="+mn-ea"/>
-              </a:rPr>
-              <a:t>:</a:t>
-            </a:r>
-            <a:r>
-              <a:rPr kumimoji="1" lang="ko-KR" altLang="en-US" sz="800" dirty="0">
-                <a:latin typeface="+mn-ea"/>
-              </a:rPr>
-              <a:t> </a:t>
-            </a:r>
-            <a:r>
-              <a:rPr kumimoji="1" lang="en" altLang="ko-Kore-KR" sz="800" dirty="0">
-                <a:latin typeface="+mn-ea"/>
-                <a:hlinkClick r:id="rId5"/>
-              </a:rPr>
-              <a:t>https://bkshin.tistory.com</a:t>
-            </a:r>
-            <a:endParaRPr kumimoji="1" lang="ko-Kore-KR" altLang="en-US" sz="800" dirty="0">
-              <a:latin typeface="+mn-ea"/>
-            </a:endParaRPr>
-          </a:p>
-        </p:txBody>
-      </p:sp>
     </p:spTree>
     <p:extLst>
       <p:ext uri="{BB962C8B-B14F-4D97-AF65-F5344CB8AC3E}">
-        <p14:creationId xmlns:p14="http://schemas.microsoft.com/office/powerpoint/2010/main" val="1606198052"/>
+        <p14:creationId xmlns:p14="http://schemas.microsoft.com/office/powerpoint/2010/main" val="4281881407"/>
       </p:ext>
     </p:extLst>
   </p:cSld>
@@ -8610,8 +8814,8 @@
         </p:nvSpPr>
         <p:spPr>
           <a:xfrm>
-            <a:off x="271404" y="1887965"/>
-            <a:ext cx="11393019" cy="3768556"/>
+            <a:off x="342288" y="1774547"/>
+            <a:ext cx="11393019" cy="4045006"/>
           </a:xfrm>
           <a:prstGeom prst="rect">
             <a:avLst/>
@@ -8652,21 +8856,21 @@
                 <a:latin typeface="+mn-ea"/>
                 <a:ea typeface="+mn-ea"/>
               </a:rPr>
-              <a:t>저희는 이미지의 노이즈를 제거하기 위해 닫힘 연산과 </a:t>
+              <a:t>처음은 </a:t>
             </a:r>
             <a:r>
               <a:rPr lang="en-US" altLang="ko-KR" sz="1900" spc="-150" dirty="0">
                 <a:latin typeface="+mn-ea"/>
                 <a:ea typeface="+mn-ea"/>
               </a:rPr>
-              <a:t>Gradient</a:t>
+              <a:t>Morphology</a:t>
             </a:r>
             <a:r>
               <a:rPr lang="ko-KR" altLang="en-US" sz="1900" spc="-150" dirty="0">
                 <a:latin typeface="+mn-ea"/>
                 <a:ea typeface="+mn-ea"/>
               </a:rPr>
-              <a:t> 연산을 사용하였습니다</a:t>
+              <a:t> 연산으로 시작했습니다</a:t>
             </a:r>
             <a:r>
               <a:rPr lang="en-US" altLang="ko-KR" sz="1900" spc="-150" dirty="0">
@@ -8683,6 +8887,62 @@
               </a:lnSpc>
               <a:defRPr/>
             </a:pPr>
+            <a:r>
+              <a:rPr lang="en-US" altLang="ko-KR" sz="1900" spc="-150" dirty="0">
+                <a:latin typeface="+mn-ea"/>
+                <a:ea typeface="+mn-ea"/>
+              </a:rPr>
+              <a:t>Morphology </a:t>
+            </a:r>
+            <a:r>
+              <a:rPr lang="ko-KR" altLang="en-US" sz="1900" spc="-150" dirty="0">
+                <a:latin typeface="+mn-ea"/>
+                <a:ea typeface="+mn-ea"/>
+              </a:rPr>
+              <a:t>연산이란 </a:t>
+            </a:r>
+            <a:r>
+              <a:rPr lang="en-US" altLang="ko-KR" sz="1900" spc="-150" dirty="0">
+                <a:latin typeface="+mn-ea"/>
+                <a:ea typeface="+mn-ea"/>
+              </a:rPr>
+              <a:t>‘</a:t>
+            </a:r>
+            <a:r>
+              <a:rPr lang="ko-KR" altLang="en-US" sz="1900" spc="-150" dirty="0">
+                <a:latin typeface="+mn-ea"/>
+                <a:ea typeface="+mn-ea"/>
+              </a:rPr>
+              <a:t>형태학</a:t>
+            </a:r>
+            <a:r>
+              <a:rPr lang="en-US" altLang="ko-KR" sz="1900" spc="-150" dirty="0">
+                <a:latin typeface="+mn-ea"/>
+                <a:ea typeface="+mn-ea"/>
+              </a:rPr>
+              <a:t>’</a:t>
+            </a:r>
+            <a:r>
+              <a:rPr lang="ko-KR" altLang="en-US" sz="1900" spc="-150" dirty="0">
+                <a:latin typeface="+mn-ea"/>
+                <a:ea typeface="+mn-ea"/>
+              </a:rPr>
+              <a:t> 이라는 뜻인데</a:t>
+            </a:r>
+            <a:r>
+              <a:rPr lang="en-US" altLang="ko-KR" sz="1900" spc="-150" dirty="0">
+                <a:latin typeface="+mn-ea"/>
+                <a:ea typeface="+mn-ea"/>
+              </a:rPr>
+              <a:t>,</a:t>
+            </a:r>
+            <a:r>
+              <a:rPr lang="ko-KR" altLang="en-US" sz="1900" spc="-150" dirty="0">
+                <a:latin typeface="+mn-ea"/>
+                <a:ea typeface="+mn-ea"/>
+              </a:rPr>
+              <a:t> </a:t>
+            </a:r>
             <a:endParaRPr lang="en-US" altLang="ko-KR" sz="1900" spc="-150" dirty="0">
               <a:latin typeface="+mn-ea"/>
               <a:ea typeface="+mn-ea"/>
@@ -8700,7 +8960,43 @@
                 <a:latin typeface="+mn-ea"/>
                 <a:ea typeface="+mn-ea"/>
               </a:rPr>
-              <a:t>닫힘 연산은 팽창 연산 후 침식 연산을 적용하여 주변보다 어두운 노이즈를 제거하는데 효과적입니다</a:t>
+              <a:t>사진</a:t>
+            </a:r>
+            <a:r>
+              <a:rPr lang="en-US" altLang="ko-KR" sz="1900" spc="-150" dirty="0">
+                <a:latin typeface="+mn-ea"/>
+                <a:ea typeface="+mn-ea"/>
+              </a:rPr>
+              <a:t>,</a:t>
+            </a:r>
+            <a:r>
+              <a:rPr lang="ko-KR" altLang="en-US" sz="1900" spc="-150" dirty="0">
+                <a:latin typeface="+mn-ea"/>
+                <a:ea typeface="+mn-ea"/>
+              </a:rPr>
+              <a:t> 영상 분야에서의 노이즈 제거 등에 쓰이는 형태학적 연산을 말합니다</a:t>
+            </a:r>
+            <a:r>
+              <a:rPr lang="en-US" altLang="ko-KR" sz="1900" spc="-150" dirty="0">
+                <a:latin typeface="+mn-ea"/>
+                <a:ea typeface="+mn-ea"/>
+              </a:rPr>
+              <a:t>. </a:t>
+            </a:r>
+          </a:p>
+          <a:p>
+            <a:pPr>
+              <a:lnSpc>
+                <a:spcPct val="120000"/>
+              </a:lnSpc>
+              <a:defRPr/>
+            </a:pPr>
+            <a:r>
+              <a:rPr lang="ko-KR" altLang="en-US" sz="1900" spc="-150" dirty="0">
+                <a:latin typeface="+mn-ea"/>
+                <a:ea typeface="+mn-ea"/>
+              </a:rPr>
+              <a:t>대표적인 연산으로는 침식 연산과 팽창 연산이 있습니다</a:t>
             </a:r>
             <a:r>
               <a:rPr lang="en-US" altLang="ko-KR" sz="1900" spc="-150" dirty="0">
@@ -8730,18 +9026,25 @@
               <a:defRPr/>
             </a:pPr>
             <a:r>
+              <a:rPr lang="ko-KR" altLang="en-US" sz="1900" spc="-150" dirty="0">
+                <a:latin typeface="+mn-ea"/>
+                <a:ea typeface="+mn-ea"/>
+              </a:rPr>
+              <a:t>침식은 말 그대로 이미지를 깎아 냅니다</a:t>
+            </a:r>
+            <a:r>
               <a:rPr lang="en-US" altLang="ko-KR" sz="1900" spc="-150" dirty="0">
                 <a:latin typeface="+mn-ea"/>
                 <a:ea typeface="+mn-ea"/>
               </a:rPr>
-              <a:t>Gradient</a:t>
+              <a:t>.</a:t>
             </a:r>
             <a:r>
               <a:rPr lang="ko-KR" altLang="en-US" sz="1900" spc="-150" dirty="0">
                 <a:latin typeface="+mn-ea"/>
                 <a:ea typeface="+mn-ea"/>
               </a:rPr>
-              <a:t> 연산이란</a:t>
+              <a:t> </a:t>
             </a:r>
             <a:endParaRPr lang="en-US" altLang="ko-KR" sz="1900" spc="-150" dirty="0">
               <a:latin typeface="+mn-ea"/>
@@ -8760,7 +9063,49 @@
                 <a:latin typeface="+mn-ea"/>
                 <a:ea typeface="+mn-ea"/>
               </a:rPr>
-              <a:t>팽창 연산을 적용한 이미지에서 침식 연산을 적용한 이미지를 빼면 경계 픽셀만 얻게 되는데</a:t>
+              <a:t>이미지를 </a:t>
+            </a:r>
+            <a:r>
+              <a:rPr lang="en-US" altLang="ko-KR" sz="1900" spc="-150" dirty="0">
+                <a:latin typeface="+mn-ea"/>
+                <a:ea typeface="+mn-ea"/>
+              </a:rPr>
+              <a:t>0</a:t>
+            </a:r>
+            <a:r>
+              <a:rPr lang="ko-KR" altLang="en-US" sz="1900" spc="-150" dirty="0">
+                <a:latin typeface="+mn-ea"/>
+                <a:ea typeface="+mn-ea"/>
+              </a:rPr>
+              <a:t>과 </a:t>
+            </a:r>
+            <a:r>
+              <a:rPr lang="en-US" altLang="ko-KR" sz="1900" spc="-150" dirty="0">
+                <a:latin typeface="+mn-ea"/>
+                <a:ea typeface="+mn-ea"/>
+              </a:rPr>
+              <a:t>1</a:t>
+            </a:r>
+            <a:r>
+              <a:rPr lang="ko-KR" altLang="en-US" sz="1900" spc="-150" dirty="0">
+                <a:latin typeface="+mn-ea"/>
+                <a:ea typeface="+mn-ea"/>
+              </a:rPr>
+              <a:t>로 전환하고</a:t>
+            </a:r>
+            <a:r>
+              <a:rPr lang="en-US" altLang="ko-KR" sz="1900" spc="-150" dirty="0">
+                <a:latin typeface="+mn-ea"/>
+                <a:ea typeface="+mn-ea"/>
+              </a:rPr>
+              <a:t>,</a:t>
+            </a:r>
+            <a:r>
+              <a:rPr lang="ko-KR" altLang="en-US" sz="1900" spc="-150" dirty="0">
+                <a:latin typeface="+mn-ea"/>
+                <a:ea typeface="+mn-ea"/>
+              </a:rPr>
+              <a:t> 커널을 생성하여 </a:t>
             </a:r>
             <a:endParaRPr lang="en-US" altLang="ko-KR" sz="1900" spc="-150" dirty="0">
               <a:latin typeface="+mn-ea"/>
@@ -8779,37 +9124,22 @@
                 <a:latin typeface="+mn-ea"/>
                 <a:ea typeface="+mn-ea"/>
               </a:rPr>
-              <a:t>이 연산을 </a:t>
+              <a:t>이 커널 안에 들어오지 못하는 이미지는 삭제해버리는 것입니다</a:t>
             </a:r>
             <a:r>
               <a:rPr lang="en-US" altLang="ko-KR" sz="1900" spc="-150" dirty="0">
                 <a:latin typeface="+mn-ea"/>
                 <a:ea typeface="+mn-ea"/>
               </a:rPr>
-              <a:t>Gradient</a:t>
+              <a:t>.</a:t>
             </a:r>
             <a:r>
               <a:rPr lang="ko-KR" altLang="en-US" sz="1900" spc="-150" dirty="0">
                 <a:latin typeface="+mn-ea"/>
                 <a:ea typeface="+mn-ea"/>
               </a:rPr>
-              <a:t> 연산이라고 합니다</a:t>
-            </a:r>
-            <a:r>
-              <a:rPr lang="en-US" altLang="ko-KR" sz="1900" spc="-150" dirty="0">
-                <a:latin typeface="+mn-ea"/>
-                <a:ea typeface="+mn-ea"/>
-              </a:rPr>
-              <a:t>.</a:t>
-            </a:r>
-          </a:p>
-          <a:p>
-            <a:pPr>
-              <a:lnSpc>
-                <a:spcPct val="120000"/>
-              </a:lnSpc>
-              <a:defRPr/>
-            </a:pPr>
+              <a:t> </a:t>
+            </a:r>
             <a:endParaRPr lang="en-US" altLang="ko-KR" sz="1900" spc="-150" dirty="0">
               <a:latin typeface="+mn-ea"/>
               <a:ea typeface="+mn-ea"/>
@@ -8822,27 +9152,6 @@
               </a:lnSpc>
               <a:defRPr/>
             </a:pPr>
-            <a:r>
-              <a:rPr lang="ko-KR" altLang="en-US" sz="1900" spc="-150" dirty="0">
-                <a:latin typeface="+mn-ea"/>
-                <a:ea typeface="+mn-ea"/>
-              </a:rPr>
-              <a:t>저희는 닫힘 연산을 사용하여 </a:t>
-            </a:r>
-            <a:r>
-              <a:rPr lang="en-US" altLang="ko-KR" sz="1900" spc="-150" dirty="0">
-                <a:latin typeface="+mn-ea"/>
-                <a:ea typeface="+mn-ea"/>
-              </a:rPr>
-              <a:t>1</a:t>
-            </a:r>
-            <a:r>
-              <a:rPr lang="ko-KR" altLang="en-US" sz="1900" spc="-150" dirty="0">
-                <a:latin typeface="+mn-ea"/>
-                <a:ea typeface="+mn-ea"/>
-              </a:rPr>
-              <a:t>차적으로 노이즈를 없애고</a:t>
-            </a:r>
             <a:endParaRPr lang="en-US" altLang="ko-KR" sz="1900" spc="-150" dirty="0">
               <a:latin typeface="+mn-ea"/>
               <a:ea typeface="+mn-ea"/>
@@ -8856,32 +9165,47 @@
               <a:defRPr/>
             </a:pPr>
             <a:r>
+              <a:rPr lang="ko-KR" altLang="en-US" sz="1900" spc="-150" dirty="0">
+                <a:latin typeface="+mn-ea"/>
+                <a:ea typeface="+mn-ea"/>
+              </a:rPr>
+              <a:t>팽창은 침식의 반대입니다</a:t>
+            </a:r>
+            <a:r>
               <a:rPr lang="en-US" altLang="ko-KR" sz="1900" spc="-150" dirty="0">
                 <a:latin typeface="+mn-ea"/>
                 <a:ea typeface="+mn-ea"/>
               </a:rPr>
-              <a:t>Gradient</a:t>
-            </a:r>
+              <a:t>.</a:t>
+            </a:r>
+          </a:p>
+          <a:p>
+            <a:pPr>
+              <a:lnSpc>
+                <a:spcPct val="120000"/>
+              </a:lnSpc>
+              <a:defRPr/>
+            </a:pPr>
             <a:r>
               <a:rPr lang="ko-KR" altLang="en-US" sz="1900" spc="-150" dirty="0">
                 <a:latin typeface="+mn-ea"/>
                 <a:ea typeface="+mn-ea"/>
               </a:rPr>
-              <a:t> 연산을 사용하여 </a:t>
+              <a:t>커널에 픽셀이 걸치기만 해도 </a:t>
             </a:r>
             <a:r>
               <a:rPr lang="en-US" altLang="ko-KR" sz="1900" spc="-150" dirty="0">
                 <a:latin typeface="+mn-ea"/>
                 <a:ea typeface="+mn-ea"/>
               </a:rPr>
-              <a:t>2</a:t>
+              <a:t>1</a:t>
             </a:r>
             <a:r>
               <a:rPr lang="ko-KR" altLang="en-US" sz="1900" spc="-150" dirty="0">
                 <a:latin typeface="+mn-ea"/>
                 <a:ea typeface="+mn-ea"/>
               </a:rPr>
-              <a:t>차적으로 노이즈를 없애며 옷의 경계를 뚜렷하게 했습니다</a:t>
+              <a:t>로 바꿔버리는 것입니다</a:t>
             </a:r>
             <a:r>
               <a:rPr lang="en-US" altLang="ko-KR" sz="1900" spc="-150" dirty="0">
@@ -8952,10 +9276,10 @@
       </p:sp>
       <p:pic>
         <p:nvPicPr>
-          <p:cNvPr id="3" name="그림 2" descr="텍스트이(가) 표시된 사진&#10;&#10;자동 생성된 설명">
+          <p:cNvPr id="2" name="그림 1">
             <a:extLst>
               <a:ext uri="{FF2B5EF4-FFF2-40B4-BE49-F238E27FC236}">
-                <a16:creationId xmlns:a16="http://schemas.microsoft.com/office/drawing/2014/main" id="{7931AA1A-24A1-0E51-3D4F-55486F16BF04}"/>
+                <a16:creationId xmlns:a16="http://schemas.microsoft.com/office/drawing/2014/main" id="{2DB420A4-13A3-FB89-E4EC-07B938218AFF}"/>
               </a:ext>
             </a:extLst>
           </p:cNvPr>
@@ -8964,31 +9288,116 @@
           </p:cNvPicPr>
           <p:nvPr/>
         </p:nvPicPr>
-        <p:blipFill rotWithShape="1">
-          <a:blip r:embed="rId3">
-            <a:extLst>
-              <a:ext uri="{28A0092B-C50C-407E-A947-70E740481C1C}">
-                <a14:useLocalDpi xmlns:a14="http://schemas.microsoft.com/office/drawing/2010/main" val="0"/>
-              </a:ext>
-            </a:extLst>
-          </a:blip>
-          <a:srcRect t="75349" r="59869"/>
-          <a:stretch/>
+        <p:blipFill>
+          <a:blip r:embed="rId3"/>
+          <a:stretch>
+            <a:fillRect/>
+          </a:stretch>
         </p:blipFill>
         <p:spPr>
           <a:xfrm>
-            <a:off x="9672548" y="3429000"/>
-            <a:ext cx="2093165" cy="1918282"/>
+            <a:off x="7919210" y="1782622"/>
+            <a:ext cx="3930502" cy="1637709"/>
           </a:xfrm>
           <a:prstGeom prst="rect">
             <a:avLst/>
           </a:prstGeom>
         </p:spPr>
       </p:pic>
+      <p:pic>
+        <p:nvPicPr>
+          <p:cNvPr id="3" name="그림 2">
+            <a:extLst>
+              <a:ext uri="{FF2B5EF4-FFF2-40B4-BE49-F238E27FC236}">
+                <a16:creationId xmlns:a16="http://schemas.microsoft.com/office/drawing/2014/main" id="{DA2536F0-5A01-E771-928E-0D7B21FC77AD}"/>
+              </a:ext>
+            </a:extLst>
+          </p:cNvPr>
+          <p:cNvPicPr>
+            <a:picLocks noChangeAspect="1"/>
+          </p:cNvPicPr>
+          <p:nvPr/>
+        </p:nvPicPr>
+        <p:blipFill>
+          <a:blip r:embed="rId4"/>
+          <a:stretch>
+            <a:fillRect/>
+          </a:stretch>
+        </p:blipFill>
+        <p:spPr>
+          <a:xfrm>
+            <a:off x="7919210" y="3630130"/>
+            <a:ext cx="3930502" cy="1910661"/>
+          </a:xfrm>
+          <a:prstGeom prst="rect">
+            <a:avLst/>
+          </a:prstGeom>
+        </p:spPr>
+      </p:pic>
+      <p:sp>
+        <p:nvSpPr>
+          <p:cNvPr id="7" name="TextBox 6">
+            <a:extLst>
+              <a:ext uri="{FF2B5EF4-FFF2-40B4-BE49-F238E27FC236}">
+                <a16:creationId xmlns:a16="http://schemas.microsoft.com/office/drawing/2014/main" id="{CAF42717-1CC1-2B43-6034-ECB2ECD8C255}"/>
+              </a:ext>
+            </a:extLst>
+          </p:cNvPr>
+          <p:cNvSpPr txBox="1"/>
+          <p:nvPr/>
+        </p:nvSpPr>
+        <p:spPr>
+          <a:xfrm>
+            <a:off x="9781953" y="5572450"/>
+            <a:ext cx="2067759" cy="215444"/>
+          </a:xfrm>
+          <a:prstGeom prst="rect">
+            <a:avLst/>
+          </a:prstGeom>
+          <a:noFill/>
+        </p:spPr>
+        <p:txBody>
+          <a:bodyPr wrap="square" rtlCol="0">
+            <a:spAutoFit/>
+          </a:bodyPr>
+          <a:lstStyle/>
+          <a:p>
+            <a:pPr algn="r"/>
+            <a:r>
+              <a:rPr kumimoji="1" lang="ko-KR" altLang="en-US" sz="800" dirty="0">
+                <a:latin typeface="+mn-ea"/>
+              </a:rPr>
+              <a:t>이미지 출처</a:t>
+            </a:r>
+            <a:r>
+              <a:rPr kumimoji="1" lang="en-US" altLang="ko-KR" sz="800" dirty="0">
+                <a:latin typeface="+mn-ea"/>
+              </a:rPr>
+              <a:t>:</a:t>
+            </a:r>
+            <a:r>
+              <a:rPr kumimoji="1" lang="ko-KR" altLang="en-US" sz="800" dirty="0">
+                <a:latin typeface="+mn-ea"/>
+              </a:rPr>
+              <a:t> </a:t>
+            </a:r>
+            <a:r>
+              <a:rPr kumimoji="1" lang="en" altLang="ko-Kore-KR" sz="800" dirty="0">
+                <a:latin typeface="+mn-ea"/>
+                <a:hlinkClick r:id="rId5"/>
+              </a:rPr>
+              <a:t>https://bkshin.tistory.com</a:t>
+            </a:r>
+            <a:endParaRPr kumimoji="1" lang="ko-Kore-KR" altLang="en-US" sz="800" dirty="0">
+              <a:latin typeface="+mn-ea"/>
+            </a:endParaRPr>
+          </a:p>
+        </p:txBody>
+      </p:sp>
     </p:spTree>
     <p:extLst>
       <p:ext uri="{BB962C8B-B14F-4D97-AF65-F5344CB8AC3E}">
-        <p14:creationId xmlns:p14="http://schemas.microsoft.com/office/powerpoint/2010/main" val="3301146092"/>
+        <p14:creationId xmlns:p14="http://schemas.microsoft.com/office/powerpoint/2010/main" val="1606198052"/>
       </p:ext>
     </p:extLst>
   </p:cSld>
@@ -9107,8 +9516,8 @@
         </p:nvSpPr>
         <p:spPr>
           <a:xfrm>
-            <a:off x="435973" y="1611524"/>
-            <a:ext cx="7584905" cy="2003551"/>
+            <a:off x="271404" y="1887965"/>
+            <a:ext cx="11393019" cy="3768556"/>
           </a:xfrm>
           <a:prstGeom prst="rect">
             <a:avLst/>
@@ -9149,7 +9558,21 @@
                 <a:latin typeface="+mn-ea"/>
                 <a:ea typeface="+mn-ea"/>
               </a:rPr>
-              <a:t>처음보단 많이 좋아졌지만 아직 여백이 있는 걸 확인할 수 있습니다</a:t>
+              <a:t>저희는 이미지의 노이즈를 제거하기 위해 닫힘 연산과 </a:t>
+            </a:r>
+            <a:r>
+              <a:rPr lang="en-US" altLang="ko-KR" sz="1900" spc="-150" dirty="0">
+                <a:latin typeface="+mn-ea"/>
+                <a:ea typeface="+mn-ea"/>
+              </a:rPr>
+              <a:t>Gradient</a:t>
+            </a:r>
+            <a:r>
+              <a:rPr lang="ko-KR" altLang="en-US" sz="1900" spc="-150" dirty="0">
+                <a:latin typeface="+mn-ea"/>
+                <a:ea typeface="+mn-ea"/>
+              </a:rPr>
+              <a:t> 연산을 사용하였습니다</a:t>
             </a:r>
             <a:r>
               <a:rPr lang="en-US" altLang="ko-KR" sz="1900" spc="-150" dirty="0">
@@ -9183,22 +9606,23 @@
                 <a:latin typeface="+mn-ea"/>
                 <a:ea typeface="+mn-ea"/>
               </a:rPr>
-              <a:t>노이즈의 형태를 보니 소금 </a:t>
+              <a:t>닫힘 연산은 팽창 연산 후 침식 연산을 적용하여 주변보다 어두운 노이즈를 제거하는데 효과적입니다</a:t>
             </a:r>
             <a:r>
               <a:rPr lang="en-US" altLang="ko-KR" sz="1900" spc="-150" dirty="0">
                 <a:latin typeface="+mn-ea"/>
                 <a:ea typeface="+mn-ea"/>
               </a:rPr>
-              <a:t>&amp;</a:t>
-            </a:r>
-            <a:r>
-              <a:rPr lang="ko-KR" altLang="en-US" sz="1900" spc="-150" dirty="0">
-                <a:latin typeface="+mn-ea"/>
-                <a:ea typeface="+mn-ea"/>
-              </a:rPr>
-              <a:t> 후추 노이즈와 비슷하여</a:t>
-            </a:r>
+              <a:t>.</a:t>
+            </a:r>
+          </a:p>
+          <a:p>
+            <a:pPr>
+              <a:lnSpc>
+                <a:spcPct val="120000"/>
+              </a:lnSpc>
+              <a:defRPr/>
+            </a:pPr>
             <a:endParaRPr lang="en-US" altLang="ko-KR" sz="1900" spc="-150" dirty="0">
               <a:latin typeface="+mn-ea"/>
               <a:ea typeface="+mn-ea"/>
@@ -9216,44 +9640,15 @@
                 <a:latin typeface="+mn-ea"/>
                 <a:ea typeface="+mn-ea"/>
               </a:rPr>
-              <a:t>Median Blur </a:t>
+              <a:t>Gradient</a:t>
             </a:r>
             <a:r>
               <a:rPr lang="ko-KR" altLang="en-US" sz="1900" spc="-150" dirty="0">
                 <a:latin typeface="+mn-ea"/>
                 <a:ea typeface="+mn-ea"/>
               </a:rPr>
-              <a:t>함수를 사용하여 </a:t>
-            </a:r>
-            <a:r>
-              <a:rPr lang="en-US" altLang="ko-KR" sz="1900" spc="-150" dirty="0">
-                <a:latin typeface="+mn-ea"/>
-                <a:ea typeface="+mn-ea"/>
-              </a:rPr>
-              <a:t>Blur</a:t>
-            </a:r>
-            <a:r>
-              <a:rPr lang="ko-KR" altLang="en-US" sz="1900" spc="-150" dirty="0">
-                <a:latin typeface="+mn-ea"/>
-                <a:ea typeface="+mn-ea"/>
-              </a:rPr>
-              <a:t> 처리를 하게 하였습니다</a:t>
-            </a:r>
-            <a:r>
-              <a:rPr lang="en-US" altLang="ko-KR" sz="1900" spc="-150" dirty="0">
-                <a:latin typeface="+mn-ea"/>
-                <a:ea typeface="+mn-ea"/>
-              </a:rPr>
-              <a:t>.</a:t>
-            </a:r>
-          </a:p>
-          <a:p>
-            <a:pPr>
-              <a:lnSpc>
-                <a:spcPct val="120000"/>
-              </a:lnSpc>
-              <a:defRPr/>
-            </a:pPr>
+              <a:t> 연산이란</a:t>
+            </a:r>
             <a:endParaRPr lang="en-US" altLang="ko-KR" sz="1900" spc="-150" dirty="0">
               <a:latin typeface="+mn-ea"/>
               <a:ea typeface="+mn-ea"/>
@@ -9271,51 +9666,190 @@
                 <a:latin typeface="+mn-ea"/>
                 <a:ea typeface="+mn-ea"/>
               </a:rPr>
-              <a:t>결과를 보니</a:t>
+              <a:t>팽창 연산을 적용한 이미지에서 침식 연산을 적용한 이미지를 빼면 경계 픽셀만 얻게 되는데</a:t>
+            </a:r>
+            <a:endParaRPr lang="en-US" altLang="ko-KR" sz="1900" spc="-150" dirty="0">
+              <a:latin typeface="+mn-ea"/>
+              <a:ea typeface="+mn-ea"/>
+            </a:endParaRPr>
+          </a:p>
+          <a:p>
+            <a:pPr>
+              <a:lnSpc>
+                <a:spcPct val="120000"/>
+              </a:lnSpc>
+              <a:defRPr/>
+            </a:pPr>
+            <a:r>
+              <a:rPr lang="ko-KR" altLang="en-US" sz="1900" spc="-150" dirty="0">
+                <a:latin typeface="+mn-ea"/>
+                <a:ea typeface="+mn-ea"/>
+              </a:rPr>
+              <a:t>이 연산을 </a:t>
             </a:r>
             <a:r>
               <a:rPr lang="en-US" altLang="ko-KR" sz="1900" spc="-150" dirty="0">
                 <a:latin typeface="+mn-ea"/>
                 <a:ea typeface="+mn-ea"/>
               </a:rPr>
-              <a:t>,</a:t>
+              <a:t>Gradient</a:t>
             </a:r>
             <a:r>
               <a:rPr lang="ko-KR" altLang="en-US" sz="1900" spc="-150" dirty="0">
                 <a:latin typeface="+mn-ea"/>
                 <a:ea typeface="+mn-ea"/>
               </a:rPr>
-              <a:t> 옷만 </a:t>
+              <a:t> 연산이라고 합니다</a:t>
             </a:r>
             <a:r>
               <a:rPr lang="en-US" altLang="ko-KR" sz="1900" spc="-150" dirty="0">
                 <a:latin typeface="+mn-ea"/>
                 <a:ea typeface="+mn-ea"/>
               </a:rPr>
-              <a:t>Crop </a:t>
-            </a:r>
+              <a:t>.</a:t>
+            </a:r>
+          </a:p>
+          <a:p>
+            <a:pPr>
+              <a:lnSpc>
+                <a:spcPct val="120000"/>
+              </a:lnSpc>
+              <a:defRPr/>
+            </a:pPr>
+            <a:endParaRPr lang="en-US" altLang="ko-KR" sz="1900" spc="-150" dirty="0">
+              <a:latin typeface="+mn-ea"/>
+              <a:ea typeface="+mn-ea"/>
+            </a:endParaRPr>
+          </a:p>
+          <a:p>
+            <a:pPr>
+              <a:lnSpc>
+                <a:spcPct val="120000"/>
+              </a:lnSpc>
+              <a:defRPr/>
+            </a:pPr>
             <a:r>
               <a:rPr lang="ko-KR" altLang="en-US" sz="1900" spc="-150" dirty="0">
                 <a:latin typeface="+mn-ea"/>
                 <a:ea typeface="+mn-ea"/>
               </a:rPr>
-              <a:t>된 것을 확인할 수 있습니다</a:t>
+              <a:t>저희는 닫힘 연산을 사용하여 </a:t>
             </a:r>
             <a:r>
               <a:rPr lang="en-US" altLang="ko-KR" sz="1900" spc="-150" dirty="0">
                 <a:latin typeface="+mn-ea"/>
                 <a:ea typeface="+mn-ea"/>
               </a:rPr>
+              <a:t>1</a:t>
+            </a:r>
+            <a:r>
+              <a:rPr lang="ko-KR" altLang="en-US" sz="1900" spc="-150" dirty="0">
+                <a:latin typeface="+mn-ea"/>
+                <a:ea typeface="+mn-ea"/>
+              </a:rPr>
+              <a:t>차적으로 노이즈를 없애고</a:t>
+            </a:r>
+            <a:endParaRPr lang="en-US" altLang="ko-KR" sz="1900" spc="-150" dirty="0">
+              <a:latin typeface="+mn-ea"/>
+              <a:ea typeface="+mn-ea"/>
+            </a:endParaRPr>
+          </a:p>
+          <a:p>
+            <a:pPr>
+              <a:lnSpc>
+                <a:spcPct val="120000"/>
+              </a:lnSpc>
+              <a:defRPr/>
+            </a:pPr>
+            <a:r>
+              <a:rPr lang="en-US" altLang="ko-KR" sz="1900" spc="-150" dirty="0">
+                <a:latin typeface="+mn-ea"/>
+                <a:ea typeface="+mn-ea"/>
+              </a:rPr>
+              <a:t>Gradient</a:t>
+            </a:r>
+            <a:r>
+              <a:rPr lang="ko-KR" altLang="en-US" sz="1900" spc="-150" dirty="0">
+                <a:latin typeface="+mn-ea"/>
+                <a:ea typeface="+mn-ea"/>
+              </a:rPr>
+              <a:t> 연산을 사용하여 </a:t>
+            </a:r>
+            <a:r>
+              <a:rPr lang="en-US" altLang="ko-KR" sz="1900" spc="-150" dirty="0">
+                <a:latin typeface="+mn-ea"/>
+                <a:ea typeface="+mn-ea"/>
+              </a:rPr>
+              <a:t>2</a:t>
+            </a:r>
+            <a:r>
+              <a:rPr lang="ko-KR" altLang="en-US" sz="1900" spc="-150" dirty="0">
+                <a:latin typeface="+mn-ea"/>
+                <a:ea typeface="+mn-ea"/>
+              </a:rPr>
+              <a:t>차적으로 노이즈를 없애며 옷의 경계를 뚜렷하게 했습니다</a:t>
+            </a:r>
+            <a:r>
+              <a:rPr lang="en-US" altLang="ko-KR" sz="1900" spc="-150" dirty="0">
+                <a:latin typeface="+mn-ea"/>
+                <a:ea typeface="+mn-ea"/>
+              </a:rPr>
               <a:t>.</a:t>
             </a:r>
-            <a:r>
-              <a:rPr lang="ko-KR" altLang="en-US" sz="1900" spc="-150" dirty="0">
-                <a:latin typeface="+mn-ea"/>
-                <a:ea typeface="+mn-ea"/>
-              </a:rPr>
-              <a:t> </a:t>
-            </a:r>
-            <a:endParaRPr lang="en-US" altLang="ko-KR" sz="1900" spc="-150" dirty="0">
+          </a:p>
+        </p:txBody>
+      </p:sp>
+      <p:sp>
+        <p:nvSpPr>
+          <p:cNvPr id="9" name="제목 38">
+            <a:extLst>
+              <a:ext uri="{FF2B5EF4-FFF2-40B4-BE49-F238E27FC236}">
+                <a16:creationId xmlns:a16="http://schemas.microsoft.com/office/drawing/2014/main" id="{17C34476-D9F6-9005-524F-E315A8266863}"/>
+              </a:ext>
+            </a:extLst>
+          </p:cNvPr>
+          <p:cNvSpPr txBox="1">
+            <a:spLocks/>
+          </p:cNvSpPr>
+          <p:nvPr/>
+        </p:nvSpPr>
+        <p:spPr>
+          <a:xfrm>
+            <a:off x="560352" y="4351178"/>
+            <a:ext cx="1410215" cy="445258"/>
+          </a:xfrm>
+          <a:prstGeom prst="rect">
+            <a:avLst/>
+          </a:prstGeom>
+        </p:spPr>
+        <p:txBody>
+          <a:bodyPr vert="horz" lIns="112542" tIns="56271" rIns="112542" bIns="56271" rtlCol="0" anchor="t">
+            <a:noAutofit/>
+          </a:bodyPr>
+          <a:lstStyle>
+            <a:lvl1pPr algn="l" defTabSz="914400" rtl="0" eaLnBrk="1" latinLnBrk="1" hangingPunct="1">
+              <a:lnSpc>
+                <a:spcPct val="90000"/>
+              </a:lnSpc>
+              <a:spcBef>
+                <a:spcPct val="0"/>
+              </a:spcBef>
+              <a:buNone/>
+              <a:defRPr sz="4400" kern="1200">
+                <a:solidFill>
+                  <a:schemeClr val="tx1"/>
+                </a:solidFill>
+                <a:latin typeface="+mj-lt"/>
+                <a:ea typeface="+mj-ea"/>
+                <a:cs typeface="+mj-cs"/>
+              </a:defRPr>
+            </a:lvl1pPr>
+          </a:lstStyle>
+          <a:p>
+            <a:pPr>
+              <a:defRPr/>
+            </a:pPr>
+            <a:endParaRPr lang="en-US" altLang="ko-KR" sz="2100" spc="-185" dirty="0">
               <a:latin typeface="+mn-ea"/>
               <a:ea typeface="+mn-ea"/>
             </a:endParaRPr>
@@ -9349,7 +9883,7 @@
         </p:blipFill>
         <p:spPr>
           <a:xfrm>
-            <a:off x="671439" y="4097602"/>
+            <a:off x="9672548" y="3429000"/>
             <a:ext cx="2093165" cy="1918282"/>
           </a:xfrm>
           <a:prstGeom prst="rect">
@@ -9357,221 +9891,10 @@
           </a:prstGeom>
         </p:spPr>
       </p:pic>
-      <p:sp>
-        <p:nvSpPr>
-          <p:cNvPr id="2" name="TextBox 1">
-            <a:extLst>
-              <a:ext uri="{FF2B5EF4-FFF2-40B4-BE49-F238E27FC236}">
-                <a16:creationId xmlns:a16="http://schemas.microsoft.com/office/drawing/2014/main" id="{7E186F57-6B03-B468-D1EE-C9F5C778B93A}"/>
-              </a:ext>
-            </a:extLst>
-          </p:cNvPr>
-          <p:cNvSpPr txBox="1"/>
-          <p:nvPr/>
-        </p:nvSpPr>
-        <p:spPr>
-          <a:xfrm>
-            <a:off x="1012913" y="6122886"/>
-            <a:ext cx="1410215" cy="323165"/>
-          </a:xfrm>
-          <a:prstGeom prst="rect">
-            <a:avLst/>
-          </a:prstGeom>
-          <a:noFill/>
-        </p:spPr>
-        <p:txBody>
-          <a:bodyPr wrap="square" rtlCol="0">
-            <a:spAutoFit/>
-          </a:bodyPr>
-          <a:lstStyle/>
-          <a:p>
-            <a:pPr algn="ctr"/>
-            <a:r>
-              <a:rPr kumimoji="1" lang="ko-Kore-KR" altLang="en-US" sz="1500" dirty="0">
-                <a:latin typeface="+mn-ea"/>
-              </a:rPr>
-              <a:t>블러</a:t>
-            </a:r>
-            <a:r>
-              <a:rPr kumimoji="1" lang="ko-KR" altLang="en-US" sz="1500" dirty="0">
-                <a:latin typeface="+mn-ea"/>
-              </a:rPr>
-              <a:t> 처리 전</a:t>
-            </a:r>
-            <a:endParaRPr kumimoji="1" lang="ko-Kore-KR" altLang="en-US" sz="1500" dirty="0">
-              <a:latin typeface="+mn-ea"/>
-            </a:endParaRPr>
-          </a:p>
-        </p:txBody>
-      </p:sp>
-      <p:pic>
-        <p:nvPicPr>
-          <p:cNvPr id="8" name="그림 7" descr="텍스트이(가) 표시된 사진&#10;&#10;자동 생성된 설명">
-            <a:extLst>
-              <a:ext uri="{FF2B5EF4-FFF2-40B4-BE49-F238E27FC236}">
-                <a16:creationId xmlns:a16="http://schemas.microsoft.com/office/drawing/2014/main" id="{BCF0E9DD-A7C0-44FA-357C-7DC8CE9E64DA}"/>
-              </a:ext>
-            </a:extLst>
-          </p:cNvPr>
-          <p:cNvPicPr>
-            <a:picLocks noChangeAspect="1"/>
-          </p:cNvPicPr>
-          <p:nvPr/>
-        </p:nvPicPr>
-        <p:blipFill rotWithShape="1">
-          <a:blip r:embed="rId4">
-            <a:extLst>
-              <a:ext uri="{28A0092B-C50C-407E-A947-70E740481C1C}">
-                <a14:useLocalDpi xmlns:a14="http://schemas.microsoft.com/office/drawing/2010/main" val="0"/>
-              </a:ext>
-            </a:extLst>
-          </a:blip>
-          <a:srcRect t="76692" r="62783" b="321"/>
-          <a:stretch/>
-        </p:blipFill>
-        <p:spPr>
-          <a:xfrm>
-            <a:off x="3472439" y="4097603"/>
-            <a:ext cx="2034159" cy="1918282"/>
-          </a:xfrm>
-          <a:prstGeom prst="rect">
-            <a:avLst/>
-          </a:prstGeom>
-        </p:spPr>
-      </p:pic>
-      <p:sp>
-        <p:nvSpPr>
-          <p:cNvPr id="10" name="TextBox 9">
-            <a:extLst>
-              <a:ext uri="{FF2B5EF4-FFF2-40B4-BE49-F238E27FC236}">
-                <a16:creationId xmlns:a16="http://schemas.microsoft.com/office/drawing/2014/main" id="{5C0B1878-20E2-1B89-E580-5D832AC7117D}"/>
-              </a:ext>
-            </a:extLst>
-          </p:cNvPr>
-          <p:cNvSpPr txBox="1"/>
-          <p:nvPr/>
-        </p:nvSpPr>
-        <p:spPr>
-          <a:xfrm>
-            <a:off x="3777379" y="6122886"/>
-            <a:ext cx="1410215" cy="323165"/>
-          </a:xfrm>
-          <a:prstGeom prst="rect">
-            <a:avLst/>
-          </a:prstGeom>
-          <a:noFill/>
-        </p:spPr>
-        <p:txBody>
-          <a:bodyPr wrap="square" rtlCol="0">
-            <a:spAutoFit/>
-          </a:bodyPr>
-          <a:lstStyle/>
-          <a:p>
-            <a:pPr algn="ctr"/>
-            <a:r>
-              <a:rPr kumimoji="1" lang="ko-Kore-KR" altLang="en-US" sz="1500" dirty="0">
-                <a:latin typeface="+mn-ea"/>
-              </a:rPr>
-              <a:t>블러</a:t>
-            </a:r>
-            <a:r>
-              <a:rPr kumimoji="1" lang="ko-KR" altLang="en-US" sz="1500" dirty="0">
-                <a:latin typeface="+mn-ea"/>
-              </a:rPr>
-              <a:t> 처리 후</a:t>
-            </a:r>
-            <a:endParaRPr kumimoji="1" lang="ko-Kore-KR" altLang="en-US" sz="1500" dirty="0">
-              <a:latin typeface="+mn-ea"/>
-            </a:endParaRPr>
-          </a:p>
-        </p:txBody>
-      </p:sp>
-      <p:pic>
-        <p:nvPicPr>
-          <p:cNvPr id="12" name="그림 11">
-            <a:extLst>
-              <a:ext uri="{FF2B5EF4-FFF2-40B4-BE49-F238E27FC236}">
-                <a16:creationId xmlns:a16="http://schemas.microsoft.com/office/drawing/2014/main" id="{B1FADF85-8027-E373-D6BD-BDF32BD03BC0}"/>
-              </a:ext>
-            </a:extLst>
-          </p:cNvPr>
-          <p:cNvPicPr>
-            <a:picLocks noChangeAspect="1"/>
-          </p:cNvPicPr>
-          <p:nvPr/>
-        </p:nvPicPr>
-        <p:blipFill>
-          <a:blip r:embed="rId5">
-            <a:extLst>
-              <a:ext uri="{28A0092B-C50C-407E-A947-70E740481C1C}">
-                <a14:useLocalDpi xmlns:a14="http://schemas.microsoft.com/office/drawing/2010/main" val="0"/>
-              </a:ext>
-            </a:extLst>
-          </a:blip>
-          <a:stretch>
-            <a:fillRect/>
-          </a:stretch>
-        </p:blipFill>
-        <p:spPr>
-          <a:xfrm>
-            <a:off x="8567320" y="1611524"/>
-            <a:ext cx="2364027" cy="4202716"/>
-          </a:xfrm>
-          <a:prstGeom prst="rect">
-            <a:avLst/>
-          </a:prstGeom>
-          <a:ln w="19050">
-            <a:solidFill>
-              <a:schemeClr val="tx1"/>
-            </a:solidFill>
-          </a:ln>
-        </p:spPr>
-      </p:pic>
-      <p:sp>
-        <p:nvSpPr>
-          <p:cNvPr id="13" name="TextBox 12">
-            <a:extLst>
-              <a:ext uri="{FF2B5EF4-FFF2-40B4-BE49-F238E27FC236}">
-                <a16:creationId xmlns:a16="http://schemas.microsoft.com/office/drawing/2014/main" id="{7FB0B9D1-B55B-C930-1D32-2DE39CF2940A}"/>
-              </a:ext>
-            </a:extLst>
-          </p:cNvPr>
-          <p:cNvSpPr txBox="1"/>
-          <p:nvPr/>
-        </p:nvSpPr>
-        <p:spPr>
-          <a:xfrm>
-            <a:off x="9044225" y="5830108"/>
-            <a:ext cx="1410215" cy="323165"/>
-          </a:xfrm>
-          <a:prstGeom prst="rect">
-            <a:avLst/>
-          </a:prstGeom>
-          <a:noFill/>
-        </p:spPr>
-        <p:txBody>
-          <a:bodyPr wrap="square" rtlCol="0">
-            <a:spAutoFit/>
-          </a:bodyPr>
-          <a:lstStyle/>
-          <a:p>
-            <a:pPr algn="ctr"/>
-            <a:r>
-              <a:rPr kumimoji="1" lang="ko-KR" altLang="en-US" sz="1500" dirty="0">
-                <a:latin typeface="+mn-ea"/>
-              </a:rPr>
-              <a:t>원본 이미지</a:t>
-            </a:r>
-            <a:endParaRPr kumimoji="1" lang="ko-Kore-KR" altLang="en-US" sz="1500" dirty="0">
-              <a:latin typeface="+mn-ea"/>
-            </a:endParaRPr>
-          </a:p>
-        </p:txBody>
-      </p:sp>
     </p:spTree>
     <p:extLst>
       <p:ext uri="{BB962C8B-B14F-4D97-AF65-F5344CB8AC3E}">
-        <p14:creationId xmlns:p14="http://schemas.microsoft.com/office/powerpoint/2010/main" val="90834249"/>
+        <p14:creationId xmlns:p14="http://schemas.microsoft.com/office/powerpoint/2010/main" val="3301146092"/>
       </p:ext>
     </p:extLst>
   </p:cSld>
@@ -9600,7 +9923,13 @@
       </p:grpSpPr>
       <p:pic>
         <p:nvPicPr>
-          <p:cNvPr id="2" name="그림 1"/>
+          <p:cNvPr id="4" name="그림 3">
+            <a:extLst>
+              <a:ext uri="{FF2B5EF4-FFF2-40B4-BE49-F238E27FC236}">
+                <a16:creationId xmlns:a16="http://schemas.microsoft.com/office/drawing/2014/main" id="{963A1BA7-4CC2-ACEF-0293-24C5AE9B9175}"/>
+              </a:ext>
+            </a:extLst>
+          </p:cNvPr>
           <p:cNvPicPr>
             <a:picLocks noChangeAspect="1"/>
           </p:cNvPicPr>
@@ -9630,7 +9959,13 @@
       </p:pic>
       <p:sp>
         <p:nvSpPr>
-          <p:cNvPr id="48" name="제목 38"/>
+          <p:cNvPr id="5" name="제목 38">
+            <a:extLst>
+              <a:ext uri="{FF2B5EF4-FFF2-40B4-BE49-F238E27FC236}">
+                <a16:creationId xmlns:a16="http://schemas.microsoft.com/office/drawing/2014/main" id="{D53157FE-2798-08EE-C8C3-6F7CF14ECA7D}"/>
+              </a:ext>
+            </a:extLst>
+          </p:cNvPr>
           <p:cNvSpPr>
             <a:spLocks noGrp="1"/>
           </p:cNvSpPr>
@@ -9654,20 +9989,23 @@
               <a:defRPr/>
             </a:pPr>
             <a:r>
-              <a:rPr lang="en-US" altLang="ko-KR" sz="4000" spc="-185" dirty="0">
+              <a:rPr lang="ko-KR" altLang="en-US" sz="4000" spc="-185" dirty="0">
                 <a:latin typeface="+mj-ea"/>
               </a:rPr>
-              <a:t>Mission 2</a:t>
-            </a:r>
-            <a:endParaRPr lang="ko-KR" altLang="en-US" sz="4000" spc="-185" dirty="0">
-              <a:latin typeface="+mj-ea"/>
-            </a:endParaRPr>
-          </a:p>
-        </p:txBody>
-      </p:sp>
-      <p:sp>
-        <p:nvSpPr>
-          <p:cNvPr id="13" name="제목 38"/>
+              <a:t>데이터 전처리 과정</a:t>
+            </a:r>
+          </a:p>
+        </p:txBody>
+      </p:sp>
+      <p:sp>
+        <p:nvSpPr>
+          <p:cNvPr id="6" name="제목 38">
+            <a:extLst>
+              <a:ext uri="{FF2B5EF4-FFF2-40B4-BE49-F238E27FC236}">
+                <a16:creationId xmlns:a16="http://schemas.microsoft.com/office/drawing/2014/main" id="{EB94A68A-D51D-255E-A650-BDDB84AC8884}"/>
+              </a:ext>
+            </a:extLst>
+          </p:cNvPr>
           <p:cNvSpPr txBox="1">
             <a:spLocks/>
           </p:cNvSpPr>
@@ -9675,8 +10013,8 @@
         </p:nvSpPr>
         <p:spPr>
           <a:xfrm>
-            <a:off x="363552" y="1547727"/>
-            <a:ext cx="11393019" cy="445258"/>
+            <a:off x="435973" y="1611524"/>
+            <a:ext cx="7584905" cy="2003551"/>
           </a:xfrm>
           <a:prstGeom prst="rect">
             <a:avLst/>
@@ -9707,45 +10045,20 @@
           </a:lstStyle>
           <a:p>
             <a:pPr>
-              <a:defRPr/>
-            </a:pPr>
-            <a:r>
-              <a:rPr lang="en-US" altLang="ko-KR" sz="2100" spc="-185" dirty="0">
-                <a:latin typeface="+mn-ea"/>
-                <a:ea typeface="+mn-ea"/>
-              </a:rPr>
-              <a:t>2-1. </a:t>
-            </a:r>
-            <a:r>
-              <a:rPr lang="ko-KR" altLang="en-US" sz="2100" spc="-185" dirty="0">
-                <a:latin typeface="+mn-ea"/>
-                <a:ea typeface="+mn-ea"/>
-              </a:rPr>
-              <a:t>이미지 크기를 적절히 조절하거나</a:t>
-            </a:r>
-            <a:r>
-              <a:rPr lang="en-US" altLang="ko-KR" sz="2100" spc="-185" dirty="0">
-                <a:latin typeface="+mn-ea"/>
-                <a:ea typeface="+mn-ea"/>
-              </a:rPr>
-              <a:t>, </a:t>
-            </a:r>
-            <a:r>
-              <a:rPr lang="ko-KR" altLang="en-US" sz="2100" spc="-185" dirty="0">
-                <a:latin typeface="+mn-ea"/>
-                <a:ea typeface="+mn-ea"/>
-              </a:rPr>
-              <a:t>해상도를 조절하여 학습 데이터 셋을 </a:t>
-            </a:r>
-            <a:r>
-              <a:rPr lang="ko-KR" altLang="en-US" sz="2100" spc="-185" dirty="0" err="1">
-                <a:latin typeface="+mn-ea"/>
-                <a:ea typeface="+mn-ea"/>
-              </a:rPr>
-              <a:t>구축하시오</a:t>
-            </a:r>
-            <a:r>
-              <a:rPr lang="en-US" altLang="ko-KR" sz="2100" spc="-185" dirty="0">
+              <a:lnSpc>
+                <a:spcPct val="120000"/>
+              </a:lnSpc>
+              <a:defRPr/>
+            </a:pPr>
+            <a:r>
+              <a:rPr lang="ko-KR" altLang="en-US" sz="1900" spc="-150" dirty="0">
+                <a:latin typeface="+mn-ea"/>
+                <a:ea typeface="+mn-ea"/>
+              </a:rPr>
+              <a:t>처음보단 많이 좋아졌지만 아직 여백이 있는 걸 확인할 수 있습니다</a:t>
+            </a:r>
+            <a:r>
+              <a:rPr lang="en-US" altLang="ko-KR" sz="1900" spc="-150" dirty="0">
                 <a:latin typeface="+mn-ea"/>
                 <a:ea typeface="+mn-ea"/>
               </a:rPr>
@@ -9754,21 +10067,208 @@
           </a:p>
           <a:p>
             <a:pPr>
-              <a:defRPr/>
-            </a:pPr>
-            <a:endParaRPr lang="en-US" altLang="ko-KR" sz="2100" spc="-185" dirty="0">
+              <a:lnSpc>
+                <a:spcPct val="120000"/>
+              </a:lnSpc>
+              <a:defRPr/>
+            </a:pPr>
+            <a:endParaRPr lang="en-US" altLang="ko-KR" sz="1900" spc="-150" dirty="0">
               <a:latin typeface="+mn-ea"/>
               <a:ea typeface="+mn-ea"/>
             </a:endParaRPr>
           </a:p>
-        </p:txBody>
-      </p:sp>
-      <p:sp>
-        <p:nvSpPr>
-          <p:cNvPr id="5" name="TextBox 4">
+          <a:p>
+            <a:pPr>
+              <a:lnSpc>
+                <a:spcPct val="120000"/>
+              </a:lnSpc>
+              <a:defRPr/>
+            </a:pPr>
+            <a:r>
+              <a:rPr lang="ko-KR" altLang="en-US" sz="1900" spc="-150" dirty="0">
+                <a:latin typeface="+mn-ea"/>
+                <a:ea typeface="+mn-ea"/>
+              </a:rPr>
+              <a:t>노이즈의 형태를 보니 소금 </a:t>
+            </a:r>
+            <a:r>
+              <a:rPr lang="en-US" altLang="ko-KR" sz="1900" spc="-150" dirty="0">
+                <a:latin typeface="+mn-ea"/>
+                <a:ea typeface="+mn-ea"/>
+              </a:rPr>
+              <a:t>&amp;</a:t>
+            </a:r>
+            <a:r>
+              <a:rPr lang="ko-KR" altLang="en-US" sz="1900" spc="-150" dirty="0">
+                <a:latin typeface="+mn-ea"/>
+                <a:ea typeface="+mn-ea"/>
+              </a:rPr>
+              <a:t> 후추 노이즈와 비슷하여</a:t>
+            </a:r>
+            <a:endParaRPr lang="en-US" altLang="ko-KR" sz="1900" spc="-150" dirty="0">
+              <a:latin typeface="+mn-ea"/>
+              <a:ea typeface="+mn-ea"/>
+            </a:endParaRPr>
+          </a:p>
+          <a:p>
+            <a:pPr>
+              <a:lnSpc>
+                <a:spcPct val="120000"/>
+              </a:lnSpc>
+              <a:defRPr/>
+            </a:pPr>
+            <a:r>
+              <a:rPr lang="en-US" altLang="ko-KR" sz="1900" spc="-150" dirty="0">
+                <a:latin typeface="+mn-ea"/>
+                <a:ea typeface="+mn-ea"/>
+              </a:rPr>
+              <a:t>Median Blur </a:t>
+            </a:r>
+            <a:r>
+              <a:rPr lang="ko-KR" altLang="en-US" sz="1900" spc="-150" dirty="0">
+                <a:latin typeface="+mn-ea"/>
+                <a:ea typeface="+mn-ea"/>
+              </a:rPr>
+              <a:t>함수를 사용하여 </a:t>
+            </a:r>
+            <a:r>
+              <a:rPr lang="en-US" altLang="ko-KR" sz="1900" spc="-150" dirty="0">
+                <a:latin typeface="+mn-ea"/>
+                <a:ea typeface="+mn-ea"/>
+              </a:rPr>
+              <a:t>Blur</a:t>
+            </a:r>
+            <a:r>
+              <a:rPr lang="ko-KR" altLang="en-US" sz="1900" spc="-150" dirty="0">
+                <a:latin typeface="+mn-ea"/>
+                <a:ea typeface="+mn-ea"/>
+              </a:rPr>
+              <a:t> 처리를 하게 하였습니다</a:t>
+            </a:r>
+            <a:r>
+              <a:rPr lang="en-US" altLang="ko-KR" sz="1900" spc="-150" dirty="0">
+                <a:latin typeface="+mn-ea"/>
+                <a:ea typeface="+mn-ea"/>
+              </a:rPr>
+              <a:t>.</a:t>
+            </a:r>
+          </a:p>
+          <a:p>
+            <a:pPr>
+              <a:lnSpc>
+                <a:spcPct val="120000"/>
+              </a:lnSpc>
+              <a:defRPr/>
+            </a:pPr>
+            <a:endParaRPr lang="en-US" altLang="ko-KR" sz="1900" spc="-150" dirty="0">
+              <a:latin typeface="+mn-ea"/>
+              <a:ea typeface="+mn-ea"/>
+            </a:endParaRPr>
+          </a:p>
+          <a:p>
+            <a:pPr>
+              <a:lnSpc>
+                <a:spcPct val="120000"/>
+              </a:lnSpc>
+              <a:defRPr/>
+            </a:pPr>
+            <a:r>
+              <a:rPr lang="ko-KR" altLang="en-US" sz="1900" spc="-150" dirty="0">
+                <a:latin typeface="+mn-ea"/>
+                <a:ea typeface="+mn-ea"/>
+              </a:rPr>
+              <a:t>결과를 보니</a:t>
+            </a:r>
+            <a:r>
+              <a:rPr lang="en-US" altLang="ko-KR" sz="1900" spc="-150" dirty="0">
+                <a:latin typeface="+mn-ea"/>
+                <a:ea typeface="+mn-ea"/>
+              </a:rPr>
+              <a:t>,</a:t>
+            </a:r>
+            <a:r>
+              <a:rPr lang="ko-KR" altLang="en-US" sz="1900" spc="-150" dirty="0">
+                <a:latin typeface="+mn-ea"/>
+                <a:ea typeface="+mn-ea"/>
+              </a:rPr>
+              <a:t> 옷만 </a:t>
+            </a:r>
+            <a:r>
+              <a:rPr lang="en-US" altLang="ko-KR" sz="1900" spc="-150" dirty="0">
+                <a:latin typeface="+mn-ea"/>
+                <a:ea typeface="+mn-ea"/>
+              </a:rPr>
+              <a:t>Crop </a:t>
+            </a:r>
+            <a:r>
+              <a:rPr lang="ko-KR" altLang="en-US" sz="1900" spc="-150" dirty="0">
+                <a:latin typeface="+mn-ea"/>
+                <a:ea typeface="+mn-ea"/>
+              </a:rPr>
+              <a:t>된 것을 확인할 수 있습니다</a:t>
+            </a:r>
+            <a:r>
+              <a:rPr lang="en-US" altLang="ko-KR" sz="1900" spc="-150" dirty="0">
+                <a:latin typeface="+mn-ea"/>
+                <a:ea typeface="+mn-ea"/>
+              </a:rPr>
+              <a:t>.</a:t>
+            </a:r>
+            <a:r>
+              <a:rPr lang="ko-KR" altLang="en-US" sz="1900" spc="-150" dirty="0">
+                <a:latin typeface="+mn-ea"/>
+                <a:ea typeface="+mn-ea"/>
+              </a:rPr>
+              <a:t> </a:t>
+            </a:r>
+            <a:endParaRPr lang="en-US" altLang="ko-KR" sz="1900" spc="-150" dirty="0">
+              <a:latin typeface="+mn-ea"/>
+              <a:ea typeface="+mn-ea"/>
+            </a:endParaRPr>
+          </a:p>
+        </p:txBody>
+      </p:sp>
+      <p:pic>
+        <p:nvPicPr>
+          <p:cNvPr id="3" name="그림 2" descr="텍스트이(가) 표시된 사진&#10;&#10;자동 생성된 설명">
             <a:extLst>
               <a:ext uri="{FF2B5EF4-FFF2-40B4-BE49-F238E27FC236}">
-                <a16:creationId xmlns:a16="http://schemas.microsoft.com/office/drawing/2014/main" id="{BE27B679-F534-AA60-6303-182A391D5CE6}"/>
+                <a16:creationId xmlns:a16="http://schemas.microsoft.com/office/drawing/2014/main" id="{7931AA1A-24A1-0E51-3D4F-55486F16BF04}"/>
+              </a:ext>
+            </a:extLst>
+          </p:cNvPr>
+          <p:cNvPicPr>
+            <a:picLocks noChangeAspect="1"/>
+          </p:cNvPicPr>
+          <p:nvPr/>
+        </p:nvPicPr>
+        <p:blipFill rotWithShape="1">
+          <a:blip r:embed="rId3">
+            <a:extLst>
+              <a:ext uri="{28A0092B-C50C-407E-A947-70E740481C1C}">
+                <a14:useLocalDpi xmlns:a14="http://schemas.microsoft.com/office/drawing/2010/main" val="0"/>
+              </a:ext>
+            </a:extLst>
+          </a:blip>
+          <a:srcRect t="75349" r="59869"/>
+          <a:stretch/>
+        </p:blipFill>
+        <p:spPr>
+          <a:xfrm>
+            <a:off x="671439" y="4097602"/>
+            <a:ext cx="2093165" cy="1918282"/>
+          </a:xfrm>
+          <a:prstGeom prst="rect">
+            <a:avLst/>
+          </a:prstGeom>
+        </p:spPr>
+      </p:pic>
+      <p:sp>
+        <p:nvSpPr>
+          <p:cNvPr id="2" name="TextBox 1">
+            <a:extLst>
+              <a:ext uri="{FF2B5EF4-FFF2-40B4-BE49-F238E27FC236}">
+                <a16:creationId xmlns:a16="http://schemas.microsoft.com/office/drawing/2014/main" id="{7E186F57-6B03-B468-D1EE-C9F5C778B93A}"/>
               </a:ext>
             </a:extLst>
           </p:cNvPr>
@@ -9777,8 +10277,8 @@
         </p:nvSpPr>
         <p:spPr>
           <a:xfrm>
-            <a:off x="4308494" y="2031349"/>
-            <a:ext cx="7448077" cy="4193777"/>
+            <a:off x="1012913" y="6122886"/>
+            <a:ext cx="1410215" cy="323165"/>
           </a:xfrm>
           <a:prstGeom prst="rect">
             <a:avLst/>
@@ -9791,471 +10291,113 @@
           </a:bodyPr>
           <a:lstStyle/>
           <a:p>
-            <a:pPr>
-              <a:lnSpc>
-                <a:spcPct val="150000"/>
-              </a:lnSpc>
-              <a:defRPr/>
-            </a:pPr>
-            <a:r>
-              <a:rPr lang="en-US" altLang="ko-KR" sz="1800" spc="-150" dirty="0">
-                <a:latin typeface="+mn-ea"/>
-              </a:rPr>
-              <a:t>1.</a:t>
-            </a:r>
-            <a:r>
-              <a:rPr lang="ko-KR" altLang="en-US" sz="1800" spc="-150" dirty="0">
-                <a:latin typeface="+mn-ea"/>
-              </a:rPr>
-              <a:t> 이미지의 위</a:t>
-            </a:r>
-            <a:r>
-              <a:rPr lang="en-US" altLang="ko-KR" sz="1800" spc="-150" dirty="0">
-                <a:latin typeface="+mn-ea"/>
-              </a:rPr>
-              <a:t>,</a:t>
-            </a:r>
-            <a:r>
-              <a:rPr lang="ko-KR" altLang="en-US" sz="1800" spc="-150" dirty="0">
-                <a:latin typeface="+mn-ea"/>
-              </a:rPr>
-              <a:t> 아래</a:t>
-            </a:r>
-            <a:r>
-              <a:rPr lang="en-US" altLang="ko-KR" sz="1800" spc="-150" dirty="0">
-                <a:latin typeface="+mn-ea"/>
-              </a:rPr>
-              <a:t>,</a:t>
-            </a:r>
-            <a:r>
-              <a:rPr lang="ko-KR" altLang="en-US" sz="1800" spc="-150" dirty="0">
-                <a:latin typeface="+mn-ea"/>
-              </a:rPr>
-              <a:t> 양 옆을 강제로 제거한다</a:t>
-            </a:r>
-            <a:r>
-              <a:rPr lang="en-US" altLang="ko-KR" sz="1800" spc="-150" dirty="0">
-                <a:latin typeface="+mn-ea"/>
-              </a:rPr>
-              <a:t>.</a:t>
-            </a:r>
-          </a:p>
-          <a:p>
-            <a:pPr>
-              <a:lnSpc>
-                <a:spcPct val="150000"/>
-              </a:lnSpc>
-              <a:defRPr/>
-            </a:pPr>
-            <a:r>
-              <a:rPr lang="en-US" altLang="ko-KR" sz="1800" spc="-150" dirty="0">
-                <a:latin typeface="+mn-ea"/>
-              </a:rPr>
-              <a:t>2.</a:t>
-            </a:r>
-            <a:r>
-              <a:rPr lang="ko-KR" altLang="en-US" sz="1800" spc="-150" dirty="0">
-                <a:latin typeface="+mn-ea"/>
-              </a:rPr>
-              <a:t> 이미지의 해상도를 낮추고</a:t>
-            </a:r>
-            <a:r>
-              <a:rPr lang="en-US" altLang="ko-KR" sz="1800" spc="-150" dirty="0">
-                <a:latin typeface="+mn-ea"/>
-              </a:rPr>
-              <a:t>,</a:t>
-            </a:r>
-            <a:r>
-              <a:rPr lang="ko-KR" altLang="en-US" sz="1800" spc="-150" dirty="0">
-                <a:latin typeface="+mn-ea"/>
-              </a:rPr>
-              <a:t> </a:t>
-            </a:r>
-            <a:r>
-              <a:rPr lang="en-US" altLang="ko-KR" sz="1800" spc="-150" dirty="0">
-                <a:latin typeface="+mn-ea"/>
-              </a:rPr>
-              <a:t>Gray Scale</a:t>
-            </a:r>
-            <a:r>
-              <a:rPr lang="ko-KR" altLang="en-US" sz="1800" spc="-150" dirty="0">
-                <a:latin typeface="+mn-ea"/>
-              </a:rPr>
-              <a:t>로 전환한다</a:t>
-            </a:r>
-            <a:r>
-              <a:rPr lang="en-US" altLang="ko-KR" sz="1800" spc="-150" dirty="0">
-                <a:latin typeface="+mn-ea"/>
-              </a:rPr>
-              <a:t>.</a:t>
-            </a:r>
-            <a:r>
-              <a:rPr lang="ko-KR" altLang="en-US" sz="1800" spc="-150" dirty="0">
-                <a:latin typeface="+mn-ea"/>
-              </a:rPr>
-              <a:t> </a:t>
-            </a:r>
-            <a:endParaRPr lang="en-US" altLang="ko-KR" sz="1800" spc="-150" dirty="0">
+            <a:pPr algn="ctr"/>
+            <a:r>
+              <a:rPr kumimoji="1" lang="ko-Kore-KR" altLang="en-US" sz="1500" dirty="0">
+                <a:latin typeface="+mn-ea"/>
+              </a:rPr>
+              <a:t>블러</a:t>
+            </a:r>
+            <a:r>
+              <a:rPr kumimoji="1" lang="ko-KR" altLang="en-US" sz="1500" dirty="0">
+                <a:latin typeface="+mn-ea"/>
+              </a:rPr>
+              <a:t> 처리 전</a:t>
+            </a:r>
+            <a:endParaRPr kumimoji="1" lang="ko-Kore-KR" altLang="en-US" sz="1500" dirty="0">
               <a:latin typeface="+mn-ea"/>
             </a:endParaRPr>
           </a:p>
-          <a:p>
-            <a:pPr>
-              <a:lnSpc>
-                <a:spcPct val="150000"/>
-              </a:lnSpc>
-              <a:defRPr/>
-            </a:pPr>
-            <a:r>
-              <a:rPr lang="en-US" altLang="ko-KR" sz="1800" spc="-150" dirty="0">
-                <a:latin typeface="+mn-ea"/>
-              </a:rPr>
-              <a:t>3.</a:t>
-            </a:r>
-            <a:r>
-              <a:rPr lang="ko-KR" altLang="en-US" sz="1800" spc="-150" dirty="0">
-                <a:latin typeface="+mn-ea"/>
-              </a:rPr>
-              <a:t> </a:t>
-            </a:r>
-            <a:r>
-              <a:rPr lang="en-US" altLang="ko-KR" sz="1800" spc="-150" dirty="0">
-                <a:latin typeface="+mn-ea"/>
-              </a:rPr>
-              <a:t>Adaptive</a:t>
-            </a:r>
-            <a:r>
-              <a:rPr lang="ko-KR" altLang="en-US" sz="1800" spc="-150" dirty="0">
-                <a:latin typeface="+mn-ea"/>
-              </a:rPr>
-              <a:t> </a:t>
-            </a:r>
-            <a:r>
-              <a:rPr lang="en-US" altLang="ko-KR" sz="1800" spc="-150" dirty="0">
-                <a:latin typeface="+mn-ea"/>
-              </a:rPr>
-              <a:t>Threshold</a:t>
-            </a:r>
-            <a:r>
-              <a:rPr lang="ko-KR" altLang="en-US" sz="1800" spc="-150" dirty="0">
-                <a:latin typeface="+mn-ea"/>
-              </a:rPr>
-              <a:t> 함수를 이용해 이미지 이진화를 한다</a:t>
-            </a:r>
-            <a:r>
-              <a:rPr lang="en-US" altLang="ko-KR" sz="1800" spc="-150" dirty="0">
-                <a:latin typeface="+mn-ea"/>
-              </a:rPr>
-              <a:t>.</a:t>
-            </a:r>
-          </a:p>
-          <a:p>
-            <a:pPr>
-              <a:lnSpc>
-                <a:spcPct val="150000"/>
-              </a:lnSpc>
-              <a:defRPr/>
-            </a:pPr>
-            <a:r>
-              <a:rPr lang="en-US" altLang="ko-KR" sz="1800" spc="-150" dirty="0">
-                <a:latin typeface="+mn-ea"/>
-              </a:rPr>
-              <a:t>4.</a:t>
-            </a:r>
-            <a:r>
-              <a:rPr lang="ko-KR" altLang="en-US" sz="1800" spc="-150" dirty="0">
-                <a:latin typeface="+mn-ea"/>
-              </a:rPr>
-              <a:t> 노이즈를 낮추기 위해 </a:t>
-            </a:r>
-            <a:r>
-              <a:rPr lang="en-US" altLang="ko-KR" sz="1800" spc="-150" dirty="0">
-                <a:latin typeface="+mn-ea"/>
-              </a:rPr>
-              <a:t>1</a:t>
-            </a:r>
-            <a:r>
-              <a:rPr lang="ko-KR" altLang="en-US" sz="1800" spc="-150" dirty="0">
-                <a:latin typeface="+mn-ea"/>
-              </a:rPr>
-              <a:t>차적으로 </a:t>
-            </a:r>
-            <a:r>
-              <a:rPr lang="en-US" altLang="ko-KR" sz="1800" spc="-150" dirty="0">
-                <a:latin typeface="+mn-ea"/>
-              </a:rPr>
-              <a:t>Blur</a:t>
-            </a:r>
-            <a:r>
-              <a:rPr lang="ko-KR" altLang="en-US" sz="1800" spc="-150" dirty="0">
-                <a:latin typeface="+mn-ea"/>
-              </a:rPr>
-              <a:t> 처리를 한다</a:t>
-            </a:r>
-            <a:r>
-              <a:rPr lang="en-US" altLang="ko-KR" sz="1800" spc="-150" dirty="0">
-                <a:latin typeface="+mn-ea"/>
-              </a:rPr>
-              <a:t>.</a:t>
-            </a:r>
-          </a:p>
-          <a:p>
-            <a:pPr>
-              <a:lnSpc>
-                <a:spcPct val="150000"/>
-              </a:lnSpc>
-              <a:defRPr/>
-            </a:pPr>
-            <a:r>
-              <a:rPr lang="en-US" altLang="ko-KR" sz="1800" spc="-150" dirty="0">
-                <a:latin typeface="+mn-ea"/>
-              </a:rPr>
-              <a:t>5.</a:t>
-            </a:r>
-            <a:r>
-              <a:rPr lang="ko-KR" altLang="en-US" sz="1800" spc="-150" dirty="0">
-                <a:latin typeface="+mn-ea"/>
-              </a:rPr>
-              <a:t> </a:t>
-            </a:r>
-            <a:r>
-              <a:rPr lang="en-US" altLang="ko-KR" sz="1800" spc="-150" dirty="0">
-                <a:latin typeface="+mn-ea"/>
-              </a:rPr>
-              <a:t>2</a:t>
-            </a:r>
-            <a:r>
-              <a:rPr lang="ko-KR" altLang="en-US" sz="1800" spc="-150" dirty="0">
-                <a:latin typeface="+mn-ea"/>
-              </a:rPr>
-              <a:t>차적으로 커널을 생성하여 </a:t>
-            </a:r>
-            <a:r>
-              <a:rPr lang="en-US" altLang="ko-KR" sz="1800" spc="-150" dirty="0">
-                <a:latin typeface="+mn-ea"/>
-              </a:rPr>
-              <a:t>Morphology </a:t>
-            </a:r>
-            <a:r>
-              <a:rPr lang="ko-KR" altLang="en-US" sz="1800" spc="-150" dirty="0">
-                <a:latin typeface="+mn-ea"/>
-              </a:rPr>
-              <a:t>연산 중 </a:t>
-            </a:r>
-            <a:endParaRPr lang="en-US" altLang="ko-KR" sz="1800" spc="-150" dirty="0">
+        </p:txBody>
+      </p:sp>
+      <p:pic>
+        <p:nvPicPr>
+          <p:cNvPr id="8" name="그림 7" descr="텍스트이(가) 표시된 사진&#10;&#10;자동 생성된 설명">
+            <a:extLst>
+              <a:ext uri="{FF2B5EF4-FFF2-40B4-BE49-F238E27FC236}">
+                <a16:creationId xmlns:a16="http://schemas.microsoft.com/office/drawing/2014/main" id="{BCF0E9DD-A7C0-44FA-357C-7DC8CE9E64DA}"/>
+              </a:ext>
+            </a:extLst>
+          </p:cNvPr>
+          <p:cNvPicPr>
+            <a:picLocks noChangeAspect="1"/>
+          </p:cNvPicPr>
+          <p:nvPr/>
+        </p:nvPicPr>
+        <p:blipFill rotWithShape="1">
+          <a:blip r:embed="rId4">
+            <a:extLst>
+              <a:ext uri="{28A0092B-C50C-407E-A947-70E740481C1C}">
+                <a14:useLocalDpi xmlns:a14="http://schemas.microsoft.com/office/drawing/2010/main" val="0"/>
+              </a:ext>
+            </a:extLst>
+          </a:blip>
+          <a:srcRect t="76692" r="62783" b="321"/>
+          <a:stretch/>
+        </p:blipFill>
+        <p:spPr>
+          <a:xfrm>
+            <a:off x="3472439" y="4097603"/>
+            <a:ext cx="2034159" cy="1918282"/>
+          </a:xfrm>
+          <a:prstGeom prst="rect">
+            <a:avLst/>
+          </a:prstGeom>
+        </p:spPr>
+      </p:pic>
+      <p:sp>
+        <p:nvSpPr>
+          <p:cNvPr id="10" name="TextBox 9">
+            <a:extLst>
+              <a:ext uri="{FF2B5EF4-FFF2-40B4-BE49-F238E27FC236}">
+                <a16:creationId xmlns:a16="http://schemas.microsoft.com/office/drawing/2014/main" id="{5C0B1878-20E2-1B89-E580-5D832AC7117D}"/>
+              </a:ext>
+            </a:extLst>
+          </p:cNvPr>
+          <p:cNvSpPr txBox="1"/>
+          <p:nvPr/>
+        </p:nvSpPr>
+        <p:spPr>
+          <a:xfrm>
+            <a:off x="3777379" y="6122886"/>
+            <a:ext cx="1410215" cy="323165"/>
+          </a:xfrm>
+          <a:prstGeom prst="rect">
+            <a:avLst/>
+          </a:prstGeom>
+          <a:noFill/>
+        </p:spPr>
+        <p:txBody>
+          <a:bodyPr wrap="square" rtlCol="0">
+            <a:spAutoFit/>
+          </a:bodyPr>
+          <a:lstStyle/>
+          <a:p>
+            <a:pPr algn="ctr"/>
+            <a:r>
+              <a:rPr kumimoji="1" lang="ko-Kore-KR" altLang="en-US" sz="1500" dirty="0">
+                <a:latin typeface="+mn-ea"/>
+              </a:rPr>
+              <a:t>블러</a:t>
+            </a:r>
+            <a:r>
+              <a:rPr kumimoji="1" lang="ko-KR" altLang="en-US" sz="1500" dirty="0">
+                <a:latin typeface="+mn-ea"/>
+              </a:rPr>
+              <a:t> 처리 후</a:t>
+            </a:r>
+            <a:endParaRPr kumimoji="1" lang="ko-Kore-KR" altLang="en-US" sz="1500" dirty="0">
               <a:latin typeface="+mn-ea"/>
             </a:endParaRPr>
           </a:p>
-          <a:p>
-            <a:pPr>
-              <a:lnSpc>
-                <a:spcPct val="150000"/>
-              </a:lnSpc>
-              <a:defRPr/>
-            </a:pPr>
-            <a:r>
-              <a:rPr lang="en-US" altLang="ko-KR" sz="1800" spc="-150" dirty="0">
-                <a:latin typeface="+mn-ea"/>
-              </a:rPr>
-              <a:t>closing </a:t>
-            </a:r>
-            <a:r>
-              <a:rPr lang="ko-KR" altLang="en-US" sz="1800" spc="-150" dirty="0">
-                <a:latin typeface="+mn-ea"/>
-              </a:rPr>
-              <a:t>연산과 </a:t>
-            </a:r>
-            <a:r>
-              <a:rPr lang="en-US" altLang="ko-KR" sz="1800" spc="-150" dirty="0">
-                <a:latin typeface="+mn-ea"/>
-              </a:rPr>
-              <a:t>gradient </a:t>
-            </a:r>
-            <a:r>
-              <a:rPr lang="ko-KR" altLang="en-US" sz="1800" spc="-150" dirty="0">
-                <a:latin typeface="+mn-ea"/>
-              </a:rPr>
-              <a:t>연산을 거친다</a:t>
-            </a:r>
-            <a:r>
-              <a:rPr lang="en-US" altLang="ko-KR" sz="1800" spc="-150" dirty="0">
-                <a:latin typeface="+mn-ea"/>
-              </a:rPr>
-              <a:t>.</a:t>
-            </a:r>
-          </a:p>
-          <a:p>
-            <a:pPr>
-              <a:lnSpc>
-                <a:spcPct val="150000"/>
-              </a:lnSpc>
-              <a:defRPr/>
-            </a:pPr>
-            <a:r>
-              <a:rPr lang="en-US" altLang="ko-KR" sz="1800" spc="-150" dirty="0">
-                <a:latin typeface="+mn-ea"/>
-              </a:rPr>
-              <a:t>6.</a:t>
-            </a:r>
-            <a:r>
-              <a:rPr lang="ko-KR" altLang="en-US" sz="1800" spc="-150" dirty="0">
-                <a:latin typeface="+mn-ea"/>
-              </a:rPr>
-              <a:t> </a:t>
-            </a:r>
-            <a:r>
-              <a:rPr lang="en-US" altLang="ko-KR" sz="1800" spc="-150" dirty="0">
-                <a:latin typeface="+mn-ea"/>
-              </a:rPr>
-              <a:t>Find</a:t>
-            </a:r>
-            <a:r>
-              <a:rPr lang="ko-KR" altLang="en-US" sz="1800" spc="-150" dirty="0">
-                <a:latin typeface="+mn-ea"/>
-              </a:rPr>
-              <a:t> </a:t>
-            </a:r>
-            <a:r>
-              <a:rPr lang="en-US" altLang="ko-KR" sz="1800" spc="-150" dirty="0">
-                <a:latin typeface="+mn-ea"/>
-              </a:rPr>
-              <a:t>Contours</a:t>
-            </a:r>
-            <a:r>
-              <a:rPr lang="ko-KR" altLang="en-US" sz="1800" spc="-150" dirty="0">
-                <a:latin typeface="+mn-ea"/>
-              </a:rPr>
-              <a:t> 함수를 이용해 경계 값을 도출한 후 </a:t>
-            </a:r>
-            <a:endParaRPr lang="en-US" altLang="ko-KR" sz="1800" spc="-150" dirty="0">
-              <a:latin typeface="+mn-ea"/>
-            </a:endParaRPr>
-          </a:p>
-          <a:p>
-            <a:pPr>
-              <a:lnSpc>
-                <a:spcPct val="150000"/>
-              </a:lnSpc>
-              <a:defRPr/>
-            </a:pPr>
-            <a:r>
-              <a:rPr lang="ko-KR" altLang="en-US" sz="1800" spc="-150" dirty="0">
-                <a:latin typeface="+mn-ea"/>
-              </a:rPr>
-              <a:t>그 경계 값으로 사각형을 생성해 이미지 </a:t>
-            </a:r>
-            <a:r>
-              <a:rPr lang="en-US" altLang="ko-KR" sz="1800" spc="-150" dirty="0">
-                <a:latin typeface="+mn-ea"/>
-              </a:rPr>
-              <a:t>trimming </a:t>
-            </a:r>
-            <a:r>
-              <a:rPr lang="ko-KR" altLang="en-US" sz="1800" spc="-150" dirty="0">
-                <a:latin typeface="+mn-ea"/>
-              </a:rPr>
-              <a:t>좌표를 생성한다</a:t>
-            </a:r>
-            <a:r>
-              <a:rPr lang="en-US" altLang="ko-KR" sz="1800" spc="-150" dirty="0">
-                <a:latin typeface="+mn-ea"/>
-              </a:rPr>
-              <a:t>.</a:t>
-            </a:r>
-          </a:p>
-          <a:p>
-            <a:pPr>
-              <a:lnSpc>
-                <a:spcPct val="150000"/>
-              </a:lnSpc>
-              <a:defRPr/>
-            </a:pPr>
-            <a:r>
-              <a:rPr lang="en-US" altLang="ko-KR" sz="1800" spc="-150" dirty="0">
-                <a:latin typeface="+mn-ea"/>
-              </a:rPr>
-              <a:t>7.</a:t>
-            </a:r>
-            <a:r>
-              <a:rPr lang="ko-KR" altLang="en-US" sz="1800" spc="-150" dirty="0">
-                <a:latin typeface="+mn-ea"/>
-              </a:rPr>
-              <a:t> 적응형 이진화 된 이미지를 </a:t>
-            </a:r>
-            <a:r>
-              <a:rPr lang="en-US" altLang="ko-KR" sz="1800" spc="-150" dirty="0">
-                <a:latin typeface="+mn-ea"/>
-              </a:rPr>
-              <a:t>6</a:t>
-            </a:r>
-            <a:r>
-              <a:rPr lang="ko-KR" altLang="en-US" sz="1800" spc="-150" dirty="0">
-                <a:latin typeface="+mn-ea"/>
-              </a:rPr>
-              <a:t>번에서 구한 좌표로 자르고</a:t>
-            </a:r>
-            <a:endParaRPr lang="en-US" altLang="ko-KR" sz="1800" spc="-150" dirty="0">
-              <a:latin typeface="+mn-ea"/>
-            </a:endParaRPr>
-          </a:p>
-          <a:p>
-            <a:pPr>
-              <a:lnSpc>
-                <a:spcPct val="150000"/>
-              </a:lnSpc>
-              <a:defRPr/>
-            </a:pPr>
-            <a:r>
-              <a:rPr lang="en-US" altLang="ko-KR" sz="1800" spc="-150" dirty="0">
-                <a:latin typeface="+mn-ea"/>
-              </a:rPr>
-              <a:t>32 x 32 </a:t>
-            </a:r>
-            <a:r>
-              <a:rPr lang="ko-KR" altLang="en-US" sz="1800" spc="-150" dirty="0">
-                <a:latin typeface="+mn-ea"/>
-              </a:rPr>
-              <a:t>사이즈로 </a:t>
-            </a:r>
-            <a:r>
-              <a:rPr lang="en-US" altLang="ko-KR" sz="1800" spc="-150" dirty="0">
-                <a:latin typeface="+mn-ea"/>
-              </a:rPr>
-              <a:t>Resize</a:t>
-            </a:r>
-            <a:r>
-              <a:rPr lang="ko-KR" altLang="en-US" sz="1800" spc="-150" dirty="0">
-                <a:latin typeface="+mn-ea"/>
-              </a:rPr>
-              <a:t> 후 </a:t>
-            </a:r>
-            <a:r>
-              <a:rPr lang="en-US" altLang="ko-KR" sz="1800" spc="-150" dirty="0">
-                <a:latin typeface="+mn-ea"/>
-              </a:rPr>
-              <a:t>Return </a:t>
-            </a:r>
-            <a:r>
-              <a:rPr lang="ko-KR" altLang="en-US" sz="1800" spc="-150" dirty="0">
-                <a:latin typeface="+mn-ea"/>
-              </a:rPr>
-              <a:t>한다</a:t>
-            </a:r>
-            <a:r>
-              <a:rPr lang="en-US" altLang="ko-KR" sz="1800" spc="-150" dirty="0">
-                <a:latin typeface="+mn-ea"/>
-              </a:rPr>
-              <a:t>.</a:t>
-            </a:r>
-          </a:p>
         </p:txBody>
       </p:sp>
       <p:pic>
         <p:nvPicPr>
-          <p:cNvPr id="6" name="그림 5">
+          <p:cNvPr id="12" name="그림 11">
             <a:extLst>
               <a:ext uri="{FF2B5EF4-FFF2-40B4-BE49-F238E27FC236}">
-                <a16:creationId xmlns:a16="http://schemas.microsoft.com/office/drawing/2014/main" id="{EE882DA8-81DF-FCCE-25FC-03A2CCC2406C}"/>
+                <a16:creationId xmlns:a16="http://schemas.microsoft.com/office/drawing/2014/main" id="{B1FADF85-8027-E373-D6BD-BDF32BD03BC0}"/>
               </a:ext>
             </a:extLst>
           </p:cNvPr>
@@ -10265,25 +10407,77 @@
           <p:nvPr/>
         </p:nvPicPr>
         <p:blipFill>
-          <a:blip r:embed="rId3"/>
+          <a:blip r:embed="rId5">
+            <a:extLst>
+              <a:ext uri="{28A0092B-C50C-407E-A947-70E740481C1C}">
+                <a14:useLocalDpi xmlns:a14="http://schemas.microsoft.com/office/drawing/2010/main" val="0"/>
+              </a:ext>
+            </a:extLst>
+          </a:blip>
           <a:stretch>
             <a:fillRect/>
           </a:stretch>
         </p:blipFill>
         <p:spPr>
           <a:xfrm>
-            <a:off x="460549" y="1991157"/>
-            <a:ext cx="3282518" cy="4772643"/>
+            <a:off x="8567320" y="1611524"/>
+            <a:ext cx="2364027" cy="4202716"/>
           </a:xfrm>
           <a:prstGeom prst="rect">
             <a:avLst/>
           </a:prstGeom>
+          <a:ln w="19050">
+            <a:solidFill>
+              <a:schemeClr val="tx1"/>
+            </a:solidFill>
+          </a:ln>
         </p:spPr>
       </p:pic>
+      <p:sp>
+        <p:nvSpPr>
+          <p:cNvPr id="13" name="TextBox 12">
+            <a:extLst>
+              <a:ext uri="{FF2B5EF4-FFF2-40B4-BE49-F238E27FC236}">
+                <a16:creationId xmlns:a16="http://schemas.microsoft.com/office/drawing/2014/main" id="{7FB0B9D1-B55B-C930-1D32-2DE39CF2940A}"/>
+              </a:ext>
+            </a:extLst>
+          </p:cNvPr>
+          <p:cNvSpPr txBox="1"/>
+          <p:nvPr/>
+        </p:nvSpPr>
+        <p:spPr>
+          <a:xfrm>
+            <a:off x="9044225" y="5830108"/>
+            <a:ext cx="1410215" cy="323165"/>
+          </a:xfrm>
+          <a:prstGeom prst="rect">
+            <a:avLst/>
+          </a:prstGeom>
+          <a:noFill/>
+        </p:spPr>
+        <p:txBody>
+          <a:bodyPr wrap="square" rtlCol="0">
+            <a:spAutoFit/>
+          </a:bodyPr>
+          <a:lstStyle/>
+          <a:p>
+            <a:pPr algn="ctr"/>
+            <a:r>
+              <a:rPr kumimoji="1" lang="ko-KR" altLang="en-US" sz="1500" dirty="0">
+                <a:latin typeface="+mn-ea"/>
+              </a:rPr>
+              <a:t>원본 이미지</a:t>
+            </a:r>
+            <a:endParaRPr kumimoji="1" lang="ko-Kore-KR" altLang="en-US" sz="1500" dirty="0">
+              <a:latin typeface="+mn-ea"/>
+            </a:endParaRPr>
+          </a:p>
+        </p:txBody>
+      </p:sp>
     </p:spTree>
     <p:extLst>
       <p:ext uri="{BB962C8B-B14F-4D97-AF65-F5344CB8AC3E}">
-        <p14:creationId xmlns:p14="http://schemas.microsoft.com/office/powerpoint/2010/main" val="3434640500"/>
+        <p14:creationId xmlns:p14="http://schemas.microsoft.com/office/powerpoint/2010/main" val="90834249"/>
       </p:ext>
     </p:extLst>
   </p:cSld>

--- a/춘식이 발표자료.pptx
+++ b/춘식이 발표자료.pptx
@@ -8,20 +8,23 @@
     <p:sldId id="256" r:id="rId2"/>
     <p:sldId id="257" r:id="rId3"/>
     <p:sldId id="279" r:id="rId4"/>
-    <p:sldId id="281" r:id="rId5"/>
-    <p:sldId id="271" r:id="rId6"/>
-    <p:sldId id="272" r:id="rId7"/>
-    <p:sldId id="273" r:id="rId8"/>
-    <p:sldId id="274" r:id="rId9"/>
-    <p:sldId id="280" r:id="rId10"/>
-    <p:sldId id="260" r:id="rId11"/>
-    <p:sldId id="268" r:id="rId12"/>
-    <p:sldId id="259" r:id="rId13"/>
-    <p:sldId id="269" r:id="rId14"/>
-    <p:sldId id="270" r:id="rId15"/>
-    <p:sldId id="276" r:id="rId16"/>
-    <p:sldId id="278" r:id="rId17"/>
-    <p:sldId id="258" r:id="rId18"/>
+    <p:sldId id="282" r:id="rId5"/>
+    <p:sldId id="281" r:id="rId6"/>
+    <p:sldId id="284" r:id="rId7"/>
+    <p:sldId id="260" r:id="rId8"/>
+    <p:sldId id="271" r:id="rId9"/>
+    <p:sldId id="272" r:id="rId10"/>
+    <p:sldId id="273" r:id="rId11"/>
+    <p:sldId id="274" r:id="rId12"/>
+    <p:sldId id="280" r:id="rId13"/>
+    <p:sldId id="285" r:id="rId14"/>
+    <p:sldId id="268" r:id="rId15"/>
+    <p:sldId id="259" r:id="rId16"/>
+    <p:sldId id="269" r:id="rId17"/>
+    <p:sldId id="278" r:id="rId18"/>
+    <p:sldId id="270" r:id="rId19"/>
+    <p:sldId id="276" r:id="rId20"/>
+    <p:sldId id="258" r:id="rId21"/>
   </p:sldIdLst>
   <p:sldSz cx="12192000" cy="6858000"/>
   <p:notesSz cx="9926638" cy="6797675"/>
@@ -259,7 +262,7 @@
           <a:p>
             <a:fld id="{E3865E59-E335-4380-AB86-4C6C7EBFDC45}" type="datetimeFigureOut">
               <a:rPr lang="ko-KR" altLang="en-US" smtClean="0"/>
-              <a:t>2022. 11. 22.</a:t>
+              <a:t>2022. 11. 23.</a:t>
             </a:fld>
             <a:endParaRPr lang="ko-KR" altLang="en-US"/>
           </a:p>
@@ -429,7 +432,7 @@
           <a:p>
             <a:fld id="{E3865E59-E335-4380-AB86-4C6C7EBFDC45}" type="datetimeFigureOut">
               <a:rPr lang="ko-KR" altLang="en-US" smtClean="0"/>
-              <a:t>2022. 11. 22.</a:t>
+              <a:t>2022. 11. 23.</a:t>
             </a:fld>
             <a:endParaRPr lang="ko-KR" altLang="en-US"/>
           </a:p>
@@ -609,7 +612,7 @@
           <a:p>
             <a:fld id="{E3865E59-E335-4380-AB86-4C6C7EBFDC45}" type="datetimeFigureOut">
               <a:rPr lang="ko-KR" altLang="en-US" smtClean="0"/>
-              <a:t>2022. 11. 22.</a:t>
+              <a:t>2022. 11. 23.</a:t>
             </a:fld>
             <a:endParaRPr lang="ko-KR" altLang="en-US"/>
           </a:p>
@@ -779,7 +782,7 @@
           <a:p>
             <a:fld id="{E3865E59-E335-4380-AB86-4C6C7EBFDC45}" type="datetimeFigureOut">
               <a:rPr lang="ko-KR" altLang="en-US" smtClean="0"/>
-              <a:t>2022. 11. 22.</a:t>
+              <a:t>2022. 11. 23.</a:t>
             </a:fld>
             <a:endParaRPr lang="ko-KR" altLang="en-US"/>
           </a:p>
@@ -1025,7 +1028,7 @@
           <a:p>
             <a:fld id="{E3865E59-E335-4380-AB86-4C6C7EBFDC45}" type="datetimeFigureOut">
               <a:rPr lang="ko-KR" altLang="en-US" smtClean="0"/>
-              <a:t>2022. 11. 22.</a:t>
+              <a:t>2022. 11. 23.</a:t>
             </a:fld>
             <a:endParaRPr lang="ko-KR" altLang="en-US"/>
           </a:p>
@@ -1257,7 +1260,7 @@
           <a:p>
             <a:fld id="{E3865E59-E335-4380-AB86-4C6C7EBFDC45}" type="datetimeFigureOut">
               <a:rPr lang="ko-KR" altLang="en-US" smtClean="0"/>
-              <a:t>2022. 11. 22.</a:t>
+              <a:t>2022. 11. 23.</a:t>
             </a:fld>
             <a:endParaRPr lang="ko-KR" altLang="en-US"/>
           </a:p>
@@ -1624,7 +1627,7 @@
           <a:p>
             <a:fld id="{E3865E59-E335-4380-AB86-4C6C7EBFDC45}" type="datetimeFigureOut">
               <a:rPr lang="ko-KR" altLang="en-US" smtClean="0"/>
-              <a:t>2022. 11. 22.</a:t>
+              <a:t>2022. 11. 23.</a:t>
             </a:fld>
             <a:endParaRPr lang="ko-KR" altLang="en-US"/>
           </a:p>
@@ -1742,7 +1745,7 @@
           <a:p>
             <a:fld id="{E3865E59-E335-4380-AB86-4C6C7EBFDC45}" type="datetimeFigureOut">
               <a:rPr lang="ko-KR" altLang="en-US" smtClean="0"/>
-              <a:t>2022. 11. 22.</a:t>
+              <a:t>2022. 11. 23.</a:t>
             </a:fld>
             <a:endParaRPr lang="ko-KR" altLang="en-US"/>
           </a:p>
@@ -1837,7 +1840,7 @@
           <a:p>
             <a:fld id="{E3865E59-E335-4380-AB86-4C6C7EBFDC45}" type="datetimeFigureOut">
               <a:rPr lang="ko-KR" altLang="en-US" smtClean="0"/>
-              <a:t>2022. 11. 22.</a:t>
+              <a:t>2022. 11. 23.</a:t>
             </a:fld>
             <a:endParaRPr lang="ko-KR" altLang="en-US"/>
           </a:p>
@@ -2114,7 +2117,7 @@
           <a:p>
             <a:fld id="{E3865E59-E335-4380-AB86-4C6C7EBFDC45}" type="datetimeFigureOut">
               <a:rPr lang="ko-KR" altLang="en-US" smtClean="0"/>
-              <a:t>2022. 11. 22.</a:t>
+              <a:t>2022. 11. 23.</a:t>
             </a:fld>
             <a:endParaRPr lang="ko-KR" altLang="en-US"/>
           </a:p>
@@ -2371,7 +2374,7 @@
           <a:p>
             <a:fld id="{E3865E59-E335-4380-AB86-4C6C7EBFDC45}" type="datetimeFigureOut">
               <a:rPr lang="ko-KR" altLang="en-US" smtClean="0"/>
-              <a:t>2022. 11. 22.</a:t>
+              <a:t>2022. 11. 23.</a:t>
             </a:fld>
             <a:endParaRPr lang="ko-KR" altLang="en-US"/>
           </a:p>
@@ -2584,7 +2587,7 @@
           <a:p>
             <a:fld id="{E3865E59-E335-4380-AB86-4C6C7EBFDC45}" type="datetimeFigureOut">
               <a:rPr lang="ko-KR" altLang="en-US" smtClean="0"/>
-              <a:t>2022. 11. 22.</a:t>
+              <a:t>2022. 11. 23.</a:t>
             </a:fld>
             <a:endParaRPr lang="ko-KR" altLang="en-US"/>
           </a:p>
@@ -3133,7 +3136,13 @@
       </p:grpSpPr>
       <p:pic>
         <p:nvPicPr>
-          <p:cNvPr id="2" name="그림 1"/>
+          <p:cNvPr id="4" name="그림 3">
+            <a:extLst>
+              <a:ext uri="{FF2B5EF4-FFF2-40B4-BE49-F238E27FC236}">
+                <a16:creationId xmlns:a16="http://schemas.microsoft.com/office/drawing/2014/main" id="{963A1BA7-4CC2-ACEF-0293-24C5AE9B9175}"/>
+              </a:ext>
+            </a:extLst>
+          </p:cNvPr>
           <p:cNvPicPr>
             <a:picLocks noChangeAspect="1"/>
           </p:cNvPicPr>
@@ -3163,7 +3172,13 @@
       </p:pic>
       <p:sp>
         <p:nvSpPr>
-          <p:cNvPr id="48" name="제목 38"/>
+          <p:cNvPr id="5" name="제목 38">
+            <a:extLst>
+              <a:ext uri="{FF2B5EF4-FFF2-40B4-BE49-F238E27FC236}">
+                <a16:creationId xmlns:a16="http://schemas.microsoft.com/office/drawing/2014/main" id="{D53157FE-2798-08EE-C8C3-6F7CF14ECA7D}"/>
+              </a:ext>
+            </a:extLst>
+          </p:cNvPr>
           <p:cNvSpPr>
             <a:spLocks noGrp="1"/>
           </p:cNvSpPr>
@@ -3187,20 +3202,23 @@
               <a:defRPr/>
             </a:pPr>
             <a:r>
-              <a:rPr lang="en-US" altLang="ko-KR" sz="4000" spc="-185" dirty="0">
+              <a:rPr lang="ko-KR" altLang="en-US" sz="4000" spc="-185" dirty="0">
                 <a:latin typeface="+mj-ea"/>
               </a:rPr>
-              <a:t>Mission 2</a:t>
-            </a:r>
-            <a:endParaRPr lang="ko-KR" altLang="en-US" sz="4000" spc="-185" dirty="0">
-              <a:latin typeface="+mj-ea"/>
-            </a:endParaRPr>
-          </a:p>
-        </p:txBody>
-      </p:sp>
-      <p:sp>
-        <p:nvSpPr>
-          <p:cNvPr id="13" name="제목 38"/>
+              <a:t>데이터 전처리 과정</a:t>
+            </a:r>
+          </a:p>
+        </p:txBody>
+      </p:sp>
+      <p:sp>
+        <p:nvSpPr>
+          <p:cNvPr id="6" name="제목 38">
+            <a:extLst>
+              <a:ext uri="{FF2B5EF4-FFF2-40B4-BE49-F238E27FC236}">
+                <a16:creationId xmlns:a16="http://schemas.microsoft.com/office/drawing/2014/main" id="{EB94A68A-D51D-255E-A650-BDDB84AC8884}"/>
+              </a:ext>
+            </a:extLst>
+          </p:cNvPr>
           <p:cNvSpPr txBox="1">
             <a:spLocks/>
           </p:cNvSpPr>
@@ -3208,8 +3226,8 @@
         </p:nvSpPr>
         <p:spPr>
           <a:xfrm>
-            <a:off x="363552" y="1547727"/>
-            <a:ext cx="11393019" cy="445258"/>
+            <a:off x="342288" y="1774547"/>
+            <a:ext cx="11393019" cy="4045006"/>
           </a:xfrm>
           <a:prstGeom prst="rect">
             <a:avLst/>
@@ -3240,51 +3258,423 @@
           </a:lstStyle>
           <a:p>
             <a:pPr>
-              <a:defRPr/>
-            </a:pPr>
-            <a:r>
-              <a:rPr lang="en-US" altLang="ko-KR" sz="2100" spc="-185" dirty="0">
-                <a:latin typeface="+mn-ea"/>
-                <a:ea typeface="+mn-ea"/>
-              </a:rPr>
-              <a:t>2-1. </a:t>
-            </a:r>
-            <a:r>
-              <a:rPr lang="ko-KR" altLang="en-US" sz="2100" spc="-185" dirty="0">
-                <a:latin typeface="+mn-ea"/>
-                <a:ea typeface="+mn-ea"/>
-              </a:rPr>
-              <a:t>이미지 크기를 적절히 조절하거나</a:t>
-            </a:r>
-            <a:r>
-              <a:rPr lang="en-US" altLang="ko-KR" sz="2100" spc="-185" dirty="0">
-                <a:latin typeface="+mn-ea"/>
-                <a:ea typeface="+mn-ea"/>
-              </a:rPr>
-              <a:t>, </a:t>
-            </a:r>
-            <a:r>
-              <a:rPr lang="ko-KR" altLang="en-US" sz="2100" spc="-185" dirty="0">
-                <a:latin typeface="+mn-ea"/>
-                <a:ea typeface="+mn-ea"/>
-              </a:rPr>
-              <a:t>해상도를 조절하여 학습 데이터 셋을 </a:t>
-            </a:r>
-            <a:r>
-              <a:rPr lang="ko-KR" altLang="en-US" sz="2100" spc="-185" dirty="0" err="1">
-                <a:latin typeface="+mn-ea"/>
-                <a:ea typeface="+mn-ea"/>
-              </a:rPr>
-              <a:t>구축하시오</a:t>
-            </a:r>
-            <a:r>
-              <a:rPr lang="en-US" altLang="ko-KR" sz="2100" spc="-185" dirty="0">
+              <a:lnSpc>
+                <a:spcPct val="120000"/>
+              </a:lnSpc>
+              <a:defRPr/>
+            </a:pPr>
+            <a:r>
+              <a:rPr lang="ko-KR" altLang="en-US" sz="1900" spc="-150" dirty="0">
+                <a:latin typeface="+mn-ea"/>
+                <a:ea typeface="+mn-ea"/>
+              </a:rPr>
+              <a:t>처음은 </a:t>
+            </a:r>
+            <a:r>
+              <a:rPr lang="en-US" altLang="ko-KR" sz="1900" spc="-150" dirty="0">
+                <a:latin typeface="+mn-ea"/>
+                <a:ea typeface="+mn-ea"/>
+              </a:rPr>
+              <a:t>Morphology</a:t>
+            </a:r>
+            <a:r>
+              <a:rPr lang="ko-KR" altLang="en-US" sz="1900" spc="-150" dirty="0">
+                <a:latin typeface="+mn-ea"/>
+                <a:ea typeface="+mn-ea"/>
+              </a:rPr>
+              <a:t> 연산으로 시작했습니다</a:t>
+            </a:r>
+            <a:r>
+              <a:rPr lang="en-US" altLang="ko-KR" sz="1900" spc="-150" dirty="0">
                 <a:latin typeface="+mn-ea"/>
                 <a:ea typeface="+mn-ea"/>
               </a:rPr>
               <a:t>.</a:t>
             </a:r>
           </a:p>
+          <a:p>
+            <a:pPr>
+              <a:lnSpc>
+                <a:spcPct val="120000"/>
+              </a:lnSpc>
+              <a:defRPr/>
+            </a:pPr>
+            <a:r>
+              <a:rPr lang="en-US" altLang="ko-KR" sz="1900" spc="-150" dirty="0">
+                <a:latin typeface="+mn-ea"/>
+                <a:ea typeface="+mn-ea"/>
+              </a:rPr>
+              <a:t>Morphology </a:t>
+            </a:r>
+            <a:r>
+              <a:rPr lang="ko-KR" altLang="en-US" sz="1900" spc="-150" dirty="0">
+                <a:latin typeface="+mn-ea"/>
+                <a:ea typeface="+mn-ea"/>
+              </a:rPr>
+              <a:t>연산이란 </a:t>
+            </a:r>
+            <a:r>
+              <a:rPr lang="en-US" altLang="ko-KR" sz="1900" spc="-150" dirty="0">
+                <a:latin typeface="+mn-ea"/>
+                <a:ea typeface="+mn-ea"/>
+              </a:rPr>
+              <a:t>‘</a:t>
+            </a:r>
+            <a:r>
+              <a:rPr lang="ko-KR" altLang="en-US" sz="1900" spc="-150" dirty="0">
+                <a:latin typeface="+mn-ea"/>
+                <a:ea typeface="+mn-ea"/>
+              </a:rPr>
+              <a:t>형태학</a:t>
+            </a:r>
+            <a:r>
+              <a:rPr lang="en-US" altLang="ko-KR" sz="1900" spc="-150" dirty="0">
+                <a:latin typeface="+mn-ea"/>
+                <a:ea typeface="+mn-ea"/>
+              </a:rPr>
+              <a:t>’</a:t>
+            </a:r>
+            <a:r>
+              <a:rPr lang="ko-KR" altLang="en-US" sz="1900" spc="-150" dirty="0">
+                <a:latin typeface="+mn-ea"/>
+                <a:ea typeface="+mn-ea"/>
+              </a:rPr>
+              <a:t> 이라는 뜻인데</a:t>
+            </a:r>
+            <a:r>
+              <a:rPr lang="en-US" altLang="ko-KR" sz="1900" spc="-150" dirty="0">
+                <a:latin typeface="+mn-ea"/>
+                <a:ea typeface="+mn-ea"/>
+              </a:rPr>
+              <a:t>,</a:t>
+            </a:r>
+            <a:r>
+              <a:rPr lang="ko-KR" altLang="en-US" sz="1900" spc="-150" dirty="0">
+                <a:latin typeface="+mn-ea"/>
+                <a:ea typeface="+mn-ea"/>
+              </a:rPr>
+              <a:t> </a:t>
+            </a:r>
+            <a:endParaRPr lang="en-US" altLang="ko-KR" sz="1900" spc="-150" dirty="0">
+              <a:latin typeface="+mn-ea"/>
+              <a:ea typeface="+mn-ea"/>
+            </a:endParaRPr>
+          </a:p>
+          <a:p>
+            <a:pPr>
+              <a:lnSpc>
+                <a:spcPct val="120000"/>
+              </a:lnSpc>
+              <a:defRPr/>
+            </a:pPr>
+            <a:r>
+              <a:rPr lang="ko-KR" altLang="en-US" sz="1900" spc="-150" dirty="0">
+                <a:latin typeface="+mn-ea"/>
+                <a:ea typeface="+mn-ea"/>
+              </a:rPr>
+              <a:t>사진</a:t>
+            </a:r>
+            <a:r>
+              <a:rPr lang="en-US" altLang="ko-KR" sz="1900" spc="-150" dirty="0">
+                <a:latin typeface="+mn-ea"/>
+                <a:ea typeface="+mn-ea"/>
+              </a:rPr>
+              <a:t>,</a:t>
+            </a:r>
+            <a:r>
+              <a:rPr lang="ko-KR" altLang="en-US" sz="1900" spc="-150" dirty="0">
+                <a:latin typeface="+mn-ea"/>
+                <a:ea typeface="+mn-ea"/>
+              </a:rPr>
+              <a:t> 영상 분야에서의 노이즈 제거 등에 쓰이는 형태학적 연산을 말합니다</a:t>
+            </a:r>
+            <a:r>
+              <a:rPr lang="en-US" altLang="ko-KR" sz="1900" spc="-150" dirty="0">
+                <a:latin typeface="+mn-ea"/>
+                <a:ea typeface="+mn-ea"/>
+              </a:rPr>
+              <a:t>. </a:t>
+            </a:r>
+          </a:p>
+          <a:p>
+            <a:pPr>
+              <a:lnSpc>
+                <a:spcPct val="120000"/>
+              </a:lnSpc>
+              <a:defRPr/>
+            </a:pPr>
+            <a:r>
+              <a:rPr lang="ko-KR" altLang="en-US" sz="1900" spc="-150" dirty="0">
+                <a:latin typeface="+mn-ea"/>
+                <a:ea typeface="+mn-ea"/>
+              </a:rPr>
+              <a:t>대표적인 연산으로는 침식 연산과 팽창 연산이 있습니다</a:t>
+            </a:r>
+            <a:r>
+              <a:rPr lang="en-US" altLang="ko-KR" sz="1900" spc="-150" dirty="0">
+                <a:latin typeface="+mn-ea"/>
+                <a:ea typeface="+mn-ea"/>
+              </a:rPr>
+              <a:t>.</a:t>
+            </a:r>
+          </a:p>
+          <a:p>
+            <a:pPr>
+              <a:lnSpc>
+                <a:spcPct val="120000"/>
+              </a:lnSpc>
+              <a:defRPr/>
+            </a:pPr>
+            <a:endParaRPr lang="en-US" altLang="ko-KR" sz="1900" spc="-150" dirty="0">
+              <a:latin typeface="+mn-ea"/>
+              <a:ea typeface="+mn-ea"/>
+            </a:endParaRPr>
+          </a:p>
+          <a:p>
+            <a:pPr>
+              <a:lnSpc>
+                <a:spcPct val="120000"/>
+              </a:lnSpc>
+              <a:defRPr/>
+            </a:pPr>
+            <a:r>
+              <a:rPr lang="ko-KR" altLang="en-US" sz="1900" spc="-150" dirty="0">
+                <a:latin typeface="+mn-ea"/>
+                <a:ea typeface="+mn-ea"/>
+              </a:rPr>
+              <a:t>침식은 말 그대로 이미지를 깎아 냅니다</a:t>
+            </a:r>
+            <a:r>
+              <a:rPr lang="en-US" altLang="ko-KR" sz="1900" spc="-150" dirty="0">
+                <a:latin typeface="+mn-ea"/>
+                <a:ea typeface="+mn-ea"/>
+              </a:rPr>
+              <a:t>.</a:t>
+            </a:r>
+            <a:r>
+              <a:rPr lang="ko-KR" altLang="en-US" sz="1900" spc="-150" dirty="0">
+                <a:latin typeface="+mn-ea"/>
+                <a:ea typeface="+mn-ea"/>
+              </a:rPr>
+              <a:t> </a:t>
+            </a:r>
+            <a:endParaRPr lang="en-US" altLang="ko-KR" sz="1900" spc="-150" dirty="0">
+              <a:latin typeface="+mn-ea"/>
+              <a:ea typeface="+mn-ea"/>
+            </a:endParaRPr>
+          </a:p>
+          <a:p>
+            <a:pPr>
+              <a:lnSpc>
+                <a:spcPct val="120000"/>
+              </a:lnSpc>
+              <a:defRPr/>
+            </a:pPr>
+            <a:r>
+              <a:rPr lang="ko-KR" altLang="en-US" sz="1900" spc="-150" dirty="0">
+                <a:latin typeface="+mn-ea"/>
+                <a:ea typeface="+mn-ea"/>
+              </a:rPr>
+              <a:t>이미지를 </a:t>
+            </a:r>
+            <a:r>
+              <a:rPr lang="en-US" altLang="ko-KR" sz="1900" spc="-150" dirty="0">
+                <a:latin typeface="+mn-ea"/>
+                <a:ea typeface="+mn-ea"/>
+              </a:rPr>
+              <a:t>0</a:t>
+            </a:r>
+            <a:r>
+              <a:rPr lang="ko-KR" altLang="en-US" sz="1900" spc="-150" dirty="0">
+                <a:latin typeface="+mn-ea"/>
+                <a:ea typeface="+mn-ea"/>
+              </a:rPr>
+              <a:t>과 </a:t>
+            </a:r>
+            <a:r>
+              <a:rPr lang="en-US" altLang="ko-KR" sz="1900" spc="-150" dirty="0">
+                <a:latin typeface="+mn-ea"/>
+                <a:ea typeface="+mn-ea"/>
+              </a:rPr>
+              <a:t>1</a:t>
+            </a:r>
+            <a:r>
+              <a:rPr lang="ko-KR" altLang="en-US" sz="1900" spc="-150" dirty="0">
+                <a:latin typeface="+mn-ea"/>
+                <a:ea typeface="+mn-ea"/>
+              </a:rPr>
+              <a:t>로 전환하고</a:t>
+            </a:r>
+            <a:r>
+              <a:rPr lang="en-US" altLang="ko-KR" sz="1900" spc="-150" dirty="0">
+                <a:latin typeface="+mn-ea"/>
+                <a:ea typeface="+mn-ea"/>
+              </a:rPr>
+              <a:t>,</a:t>
+            </a:r>
+            <a:r>
+              <a:rPr lang="ko-KR" altLang="en-US" sz="1900" spc="-150" dirty="0">
+                <a:latin typeface="+mn-ea"/>
+                <a:ea typeface="+mn-ea"/>
+              </a:rPr>
+              <a:t> 커널을 생성하여 </a:t>
+            </a:r>
+            <a:endParaRPr lang="en-US" altLang="ko-KR" sz="1900" spc="-150" dirty="0">
+              <a:latin typeface="+mn-ea"/>
+              <a:ea typeface="+mn-ea"/>
+            </a:endParaRPr>
+          </a:p>
+          <a:p>
+            <a:pPr>
+              <a:lnSpc>
+                <a:spcPct val="120000"/>
+              </a:lnSpc>
+              <a:defRPr/>
+            </a:pPr>
+            <a:r>
+              <a:rPr lang="ko-KR" altLang="en-US" sz="1900" spc="-150" dirty="0">
+                <a:latin typeface="+mn-ea"/>
+                <a:ea typeface="+mn-ea"/>
+              </a:rPr>
+              <a:t>이 커널 안에 들어오지 못하는 이미지는 삭제해버리는 것입니다</a:t>
+            </a:r>
+            <a:r>
+              <a:rPr lang="en-US" altLang="ko-KR" sz="1900" spc="-150" dirty="0">
+                <a:latin typeface="+mn-ea"/>
+                <a:ea typeface="+mn-ea"/>
+              </a:rPr>
+              <a:t>.</a:t>
+            </a:r>
+            <a:r>
+              <a:rPr lang="ko-KR" altLang="en-US" sz="1900" spc="-150" dirty="0">
+                <a:latin typeface="+mn-ea"/>
+                <a:ea typeface="+mn-ea"/>
+              </a:rPr>
+              <a:t> </a:t>
+            </a:r>
+            <a:endParaRPr lang="en-US" altLang="ko-KR" sz="1900" spc="-150" dirty="0">
+              <a:latin typeface="+mn-ea"/>
+              <a:ea typeface="+mn-ea"/>
+            </a:endParaRPr>
+          </a:p>
+          <a:p>
+            <a:pPr>
+              <a:lnSpc>
+                <a:spcPct val="120000"/>
+              </a:lnSpc>
+              <a:defRPr/>
+            </a:pPr>
+            <a:endParaRPr lang="en-US" altLang="ko-KR" sz="1900" spc="-150" dirty="0">
+              <a:latin typeface="+mn-ea"/>
+              <a:ea typeface="+mn-ea"/>
+            </a:endParaRPr>
+          </a:p>
+          <a:p>
+            <a:pPr>
+              <a:lnSpc>
+                <a:spcPct val="120000"/>
+              </a:lnSpc>
+              <a:defRPr/>
+            </a:pPr>
+            <a:r>
+              <a:rPr lang="ko-KR" altLang="en-US" sz="1900" spc="-150" dirty="0">
+                <a:latin typeface="+mn-ea"/>
+                <a:ea typeface="+mn-ea"/>
+              </a:rPr>
+              <a:t>팽창은 침식의 반대입니다</a:t>
+            </a:r>
+            <a:r>
+              <a:rPr lang="en-US" altLang="ko-KR" sz="1900" spc="-150" dirty="0">
+                <a:latin typeface="+mn-ea"/>
+                <a:ea typeface="+mn-ea"/>
+              </a:rPr>
+              <a:t>.</a:t>
+            </a:r>
+          </a:p>
+          <a:p>
+            <a:pPr>
+              <a:lnSpc>
+                <a:spcPct val="120000"/>
+              </a:lnSpc>
+              <a:defRPr/>
+            </a:pPr>
+            <a:r>
+              <a:rPr lang="ko-KR" altLang="en-US" sz="1900" spc="-150" dirty="0">
+                <a:latin typeface="+mn-ea"/>
+                <a:ea typeface="+mn-ea"/>
+              </a:rPr>
+              <a:t>커널에 픽셀이 걸치기만 해도 </a:t>
+            </a:r>
+            <a:r>
+              <a:rPr lang="en-US" altLang="ko-KR" sz="1900" spc="-150" dirty="0">
+                <a:latin typeface="+mn-ea"/>
+                <a:ea typeface="+mn-ea"/>
+              </a:rPr>
+              <a:t>1</a:t>
+            </a:r>
+            <a:r>
+              <a:rPr lang="ko-KR" altLang="en-US" sz="1900" spc="-150" dirty="0">
+                <a:latin typeface="+mn-ea"/>
+                <a:ea typeface="+mn-ea"/>
+              </a:rPr>
+              <a:t>로 바꿔버리는 것입니다</a:t>
+            </a:r>
+            <a:r>
+              <a:rPr lang="en-US" altLang="ko-KR" sz="1900" spc="-150" dirty="0">
+                <a:latin typeface="+mn-ea"/>
+                <a:ea typeface="+mn-ea"/>
+              </a:rPr>
+              <a:t>.</a:t>
+            </a:r>
+          </a:p>
+        </p:txBody>
+      </p:sp>
+      <p:sp>
+        <p:nvSpPr>
+          <p:cNvPr id="9" name="제목 38">
+            <a:extLst>
+              <a:ext uri="{FF2B5EF4-FFF2-40B4-BE49-F238E27FC236}">
+                <a16:creationId xmlns:a16="http://schemas.microsoft.com/office/drawing/2014/main" id="{17C34476-D9F6-9005-524F-E315A8266863}"/>
+              </a:ext>
+            </a:extLst>
+          </p:cNvPr>
+          <p:cNvSpPr txBox="1">
+            <a:spLocks/>
+          </p:cNvSpPr>
+          <p:nvPr/>
+        </p:nvSpPr>
+        <p:spPr>
+          <a:xfrm>
+            <a:off x="560352" y="4351178"/>
+            <a:ext cx="1410215" cy="445258"/>
+          </a:xfrm>
+          <a:prstGeom prst="rect">
+            <a:avLst/>
+          </a:prstGeom>
+        </p:spPr>
+        <p:txBody>
+          <a:bodyPr vert="horz" lIns="112542" tIns="56271" rIns="112542" bIns="56271" rtlCol="0" anchor="t">
+            <a:noAutofit/>
+          </a:bodyPr>
+          <a:lstStyle>
+            <a:lvl1pPr algn="l" defTabSz="914400" rtl="0" eaLnBrk="1" latinLnBrk="1" hangingPunct="1">
+              <a:lnSpc>
+                <a:spcPct val="90000"/>
+              </a:lnSpc>
+              <a:spcBef>
+                <a:spcPct val="0"/>
+              </a:spcBef>
+              <a:buNone/>
+              <a:defRPr sz="4400" kern="1200">
+                <a:solidFill>
+                  <a:schemeClr val="tx1"/>
+                </a:solidFill>
+                <a:latin typeface="+mj-lt"/>
+                <a:ea typeface="+mj-ea"/>
+                <a:cs typeface="+mj-cs"/>
+              </a:defRPr>
+            </a:lvl1pPr>
+          </a:lstStyle>
           <a:p>
             <a:pPr>
               <a:defRPr/>
@@ -3296,499 +3686,12 @@
           </a:p>
         </p:txBody>
       </p:sp>
-      <p:sp>
-        <p:nvSpPr>
-          <p:cNvPr id="5" name="TextBox 4">
+      <p:pic>
+        <p:nvPicPr>
+          <p:cNvPr id="2" name="그림 1">
             <a:extLst>
               <a:ext uri="{FF2B5EF4-FFF2-40B4-BE49-F238E27FC236}">
-                <a16:creationId xmlns:a16="http://schemas.microsoft.com/office/drawing/2014/main" id="{BE27B679-F534-AA60-6303-182A391D5CE6}"/>
-              </a:ext>
-            </a:extLst>
-          </p:cNvPr>
-          <p:cNvSpPr txBox="1"/>
-          <p:nvPr/>
-        </p:nvSpPr>
-        <p:spPr>
-          <a:xfrm>
-            <a:off x="4271918" y="2031349"/>
-            <a:ext cx="7448077" cy="4421595"/>
-          </a:xfrm>
-          <a:prstGeom prst="rect">
-            <a:avLst/>
-          </a:prstGeom>
-          <a:noFill/>
-        </p:spPr>
-        <p:txBody>
-          <a:bodyPr wrap="square" rtlCol="0">
-            <a:spAutoFit/>
-          </a:bodyPr>
-          <a:lstStyle/>
-          <a:p>
-            <a:pPr>
-              <a:lnSpc>
-                <a:spcPct val="150000"/>
-              </a:lnSpc>
-              <a:defRPr/>
-            </a:pPr>
-            <a:r>
-              <a:rPr lang="en-US" altLang="ko-KR" sz="1900" spc="-150" dirty="0">
-                <a:latin typeface="+mn-ea"/>
-              </a:rPr>
-              <a:t>1.</a:t>
-            </a:r>
-            <a:r>
-              <a:rPr lang="ko-KR" altLang="en-US" sz="1900" spc="-150" dirty="0">
-                <a:latin typeface="+mn-ea"/>
-              </a:rPr>
-              <a:t> 이미지의 위</a:t>
-            </a:r>
-            <a:r>
-              <a:rPr lang="en-US" altLang="ko-KR" sz="1900" spc="-150" dirty="0">
-                <a:latin typeface="+mn-ea"/>
-              </a:rPr>
-              <a:t>,</a:t>
-            </a:r>
-            <a:r>
-              <a:rPr lang="ko-KR" altLang="en-US" sz="1900" spc="-150" dirty="0">
-                <a:latin typeface="+mn-ea"/>
-              </a:rPr>
-              <a:t> 아래</a:t>
-            </a:r>
-            <a:r>
-              <a:rPr lang="en-US" altLang="ko-KR" sz="1900" spc="-150" dirty="0">
-                <a:latin typeface="+mn-ea"/>
-              </a:rPr>
-              <a:t>,</a:t>
-            </a:r>
-            <a:r>
-              <a:rPr lang="ko-KR" altLang="en-US" sz="1900" spc="-150" dirty="0">
-                <a:latin typeface="+mn-ea"/>
-              </a:rPr>
-              <a:t> 양 옆을 강제로 제거한다</a:t>
-            </a:r>
-            <a:r>
-              <a:rPr lang="en-US" altLang="ko-KR" sz="1900" spc="-150" dirty="0">
-                <a:latin typeface="+mn-ea"/>
-              </a:rPr>
-              <a:t>.</a:t>
-            </a:r>
-          </a:p>
-          <a:p>
-            <a:pPr>
-              <a:lnSpc>
-                <a:spcPct val="150000"/>
-              </a:lnSpc>
-              <a:defRPr/>
-            </a:pPr>
-            <a:r>
-              <a:rPr lang="en-US" altLang="ko-KR" sz="1900" spc="-150" dirty="0">
-                <a:latin typeface="+mn-ea"/>
-              </a:rPr>
-              <a:t>2.</a:t>
-            </a:r>
-            <a:r>
-              <a:rPr lang="ko-KR" altLang="en-US" sz="1900" spc="-150" dirty="0">
-                <a:latin typeface="+mn-ea"/>
-              </a:rPr>
-              <a:t> 이미지의 해상도를 낮추고</a:t>
-            </a:r>
-            <a:r>
-              <a:rPr lang="en-US" altLang="ko-KR" sz="1900" spc="-150" dirty="0">
-                <a:latin typeface="+mn-ea"/>
-              </a:rPr>
-              <a:t>,</a:t>
-            </a:r>
-            <a:r>
-              <a:rPr lang="ko-KR" altLang="en-US" sz="1900" spc="-150" dirty="0">
-                <a:latin typeface="+mn-ea"/>
-              </a:rPr>
-              <a:t> </a:t>
-            </a:r>
-            <a:r>
-              <a:rPr lang="en-US" altLang="ko-KR" sz="1900" spc="-150" dirty="0">
-                <a:latin typeface="+mn-ea"/>
-              </a:rPr>
-              <a:t>Gray Scale</a:t>
-            </a:r>
-            <a:r>
-              <a:rPr lang="ko-KR" altLang="en-US" sz="1900" spc="-150" dirty="0">
-                <a:latin typeface="+mn-ea"/>
-              </a:rPr>
-              <a:t>로 전환한다</a:t>
-            </a:r>
-            <a:r>
-              <a:rPr lang="en-US" altLang="ko-KR" sz="1900" spc="-150" dirty="0">
-                <a:latin typeface="+mn-ea"/>
-              </a:rPr>
-              <a:t>.</a:t>
-            </a:r>
-            <a:r>
-              <a:rPr lang="ko-KR" altLang="en-US" sz="1900" spc="-150" dirty="0">
-                <a:latin typeface="+mn-ea"/>
-              </a:rPr>
-              <a:t> </a:t>
-            </a:r>
-            <a:endParaRPr lang="en-US" altLang="ko-KR" sz="1900" spc="-150" dirty="0">
-              <a:latin typeface="+mn-ea"/>
-            </a:endParaRPr>
-          </a:p>
-          <a:p>
-            <a:pPr>
-              <a:lnSpc>
-                <a:spcPct val="150000"/>
-              </a:lnSpc>
-              <a:defRPr/>
-            </a:pPr>
-            <a:r>
-              <a:rPr lang="en-US" altLang="ko-KR" sz="1900" spc="-150" dirty="0">
-                <a:latin typeface="+mn-ea"/>
-              </a:rPr>
-              <a:t>3.</a:t>
-            </a:r>
-            <a:r>
-              <a:rPr lang="ko-KR" altLang="en-US" sz="1900" spc="-150" dirty="0">
-                <a:latin typeface="+mn-ea"/>
-              </a:rPr>
-              <a:t> </a:t>
-            </a:r>
-            <a:r>
-              <a:rPr lang="en-US" altLang="ko-KR" sz="1900" spc="-150" dirty="0">
-                <a:latin typeface="+mn-ea"/>
-              </a:rPr>
-              <a:t>Adaptive</a:t>
-            </a:r>
-            <a:r>
-              <a:rPr lang="ko-KR" altLang="en-US" sz="1900" spc="-150" dirty="0">
-                <a:latin typeface="+mn-ea"/>
-              </a:rPr>
-              <a:t> </a:t>
-            </a:r>
-            <a:r>
-              <a:rPr lang="en-US" altLang="ko-KR" sz="1900" spc="-150" dirty="0">
-                <a:latin typeface="+mn-ea"/>
-              </a:rPr>
-              <a:t>Threshold</a:t>
-            </a:r>
-            <a:r>
-              <a:rPr lang="ko-KR" altLang="en-US" sz="1900" spc="-150" dirty="0">
-                <a:latin typeface="+mn-ea"/>
-              </a:rPr>
-              <a:t> 함수를 이용해 이미지 이진화를 한다</a:t>
-            </a:r>
-            <a:r>
-              <a:rPr lang="en-US" altLang="ko-KR" sz="1900" spc="-150" dirty="0">
-                <a:latin typeface="+mn-ea"/>
-              </a:rPr>
-              <a:t>.</a:t>
-            </a:r>
-          </a:p>
-          <a:p>
-            <a:pPr>
-              <a:lnSpc>
-                <a:spcPct val="150000"/>
-              </a:lnSpc>
-              <a:defRPr/>
-            </a:pPr>
-            <a:r>
-              <a:rPr lang="en-US" altLang="ko-KR" sz="1900" spc="-150" dirty="0">
-                <a:latin typeface="+mn-ea"/>
-              </a:rPr>
-              <a:t>4.</a:t>
-            </a:r>
-            <a:r>
-              <a:rPr lang="ko-KR" altLang="en-US" sz="1900" spc="-150" dirty="0">
-                <a:latin typeface="+mn-ea"/>
-              </a:rPr>
-              <a:t> 노이즈를 낮추기 위해 </a:t>
-            </a:r>
-            <a:r>
-              <a:rPr lang="en-US" altLang="ko-KR" sz="1900" spc="-150" dirty="0">
-                <a:latin typeface="+mn-ea"/>
-              </a:rPr>
-              <a:t>1</a:t>
-            </a:r>
-            <a:r>
-              <a:rPr lang="ko-KR" altLang="en-US" sz="1900" spc="-150" dirty="0">
-                <a:latin typeface="+mn-ea"/>
-              </a:rPr>
-              <a:t>차적으로 </a:t>
-            </a:r>
-            <a:r>
-              <a:rPr lang="en-US" altLang="ko-KR" sz="1900" spc="-150" dirty="0">
-                <a:latin typeface="+mn-ea"/>
-              </a:rPr>
-              <a:t>Blur</a:t>
-            </a:r>
-            <a:r>
-              <a:rPr lang="ko-KR" altLang="en-US" sz="1900" spc="-150" dirty="0">
-                <a:latin typeface="+mn-ea"/>
-              </a:rPr>
-              <a:t> 처리를 한다</a:t>
-            </a:r>
-            <a:r>
-              <a:rPr lang="en-US" altLang="ko-KR" sz="1900" spc="-150" dirty="0">
-                <a:latin typeface="+mn-ea"/>
-              </a:rPr>
-              <a:t>.</a:t>
-            </a:r>
-          </a:p>
-          <a:p>
-            <a:pPr>
-              <a:lnSpc>
-                <a:spcPct val="150000"/>
-              </a:lnSpc>
-              <a:defRPr/>
-            </a:pPr>
-            <a:r>
-              <a:rPr lang="en-US" altLang="ko-KR" sz="1900" spc="-150" dirty="0">
-                <a:latin typeface="+mn-ea"/>
-              </a:rPr>
-              <a:t>5.</a:t>
-            </a:r>
-            <a:r>
-              <a:rPr lang="ko-KR" altLang="en-US" sz="1900" spc="-150" dirty="0">
-                <a:latin typeface="+mn-ea"/>
-              </a:rPr>
-              <a:t> </a:t>
-            </a:r>
-            <a:r>
-              <a:rPr lang="en-US" altLang="ko-KR" sz="1900" spc="-150" dirty="0">
-                <a:latin typeface="+mn-ea"/>
-              </a:rPr>
-              <a:t>2</a:t>
-            </a:r>
-            <a:r>
-              <a:rPr lang="ko-KR" altLang="en-US" sz="1900" spc="-150" dirty="0">
-                <a:latin typeface="+mn-ea"/>
-              </a:rPr>
-              <a:t>차적으로 커널을 생성하여 </a:t>
-            </a:r>
-            <a:r>
-              <a:rPr lang="en-US" altLang="ko-KR" sz="1900" spc="-150" dirty="0">
-                <a:latin typeface="+mn-ea"/>
-              </a:rPr>
-              <a:t>Morphology </a:t>
-            </a:r>
-            <a:r>
-              <a:rPr lang="ko-KR" altLang="en-US" sz="1900" spc="-150" dirty="0">
-                <a:latin typeface="+mn-ea"/>
-              </a:rPr>
-              <a:t>연산 중 </a:t>
-            </a:r>
-            <a:endParaRPr lang="en-US" altLang="ko-KR" sz="1900" spc="-150" dirty="0">
-              <a:latin typeface="+mn-ea"/>
-            </a:endParaRPr>
-          </a:p>
-          <a:p>
-            <a:pPr>
-              <a:lnSpc>
-                <a:spcPct val="150000"/>
-              </a:lnSpc>
-              <a:defRPr/>
-            </a:pPr>
-            <a:r>
-              <a:rPr lang="en-US" altLang="ko-KR" sz="1900" spc="-150" dirty="0">
-                <a:latin typeface="+mn-ea"/>
-              </a:rPr>
-              <a:t>closing </a:t>
-            </a:r>
-            <a:r>
-              <a:rPr lang="ko-KR" altLang="en-US" sz="1900" spc="-150" dirty="0">
-                <a:latin typeface="+mn-ea"/>
-              </a:rPr>
-              <a:t>연산과 </a:t>
-            </a:r>
-            <a:r>
-              <a:rPr lang="en-US" altLang="ko-KR" sz="1900" spc="-150" dirty="0">
-                <a:latin typeface="+mn-ea"/>
-              </a:rPr>
-              <a:t>gradient </a:t>
-            </a:r>
-            <a:r>
-              <a:rPr lang="ko-KR" altLang="en-US" sz="1900" spc="-150" dirty="0">
-                <a:latin typeface="+mn-ea"/>
-              </a:rPr>
-              <a:t>연산을 거친다</a:t>
-            </a:r>
-            <a:r>
-              <a:rPr lang="en-US" altLang="ko-KR" sz="1900" spc="-150" dirty="0">
-                <a:latin typeface="+mn-ea"/>
-              </a:rPr>
-              <a:t>.</a:t>
-            </a:r>
-          </a:p>
-          <a:p>
-            <a:pPr>
-              <a:lnSpc>
-                <a:spcPct val="150000"/>
-              </a:lnSpc>
-              <a:defRPr/>
-            </a:pPr>
-            <a:r>
-              <a:rPr lang="en-US" altLang="ko-KR" sz="1900" spc="-150" dirty="0">
-                <a:latin typeface="+mn-ea"/>
-              </a:rPr>
-              <a:t>6.</a:t>
-            </a:r>
-            <a:r>
-              <a:rPr lang="ko-KR" altLang="en-US" sz="1900" spc="-150" dirty="0">
-                <a:latin typeface="+mn-ea"/>
-              </a:rPr>
-              <a:t> </a:t>
-            </a:r>
-            <a:r>
-              <a:rPr lang="en-US" altLang="ko-KR" sz="1900" spc="-150" dirty="0">
-                <a:latin typeface="+mn-ea"/>
-              </a:rPr>
-              <a:t>Find</a:t>
-            </a:r>
-            <a:r>
-              <a:rPr lang="ko-KR" altLang="en-US" sz="1900" spc="-150" dirty="0">
-                <a:latin typeface="+mn-ea"/>
-              </a:rPr>
-              <a:t> </a:t>
-            </a:r>
-            <a:r>
-              <a:rPr lang="en-US" altLang="ko-KR" sz="1900" spc="-150" dirty="0">
-                <a:latin typeface="+mn-ea"/>
-              </a:rPr>
-              <a:t>Contours</a:t>
-            </a:r>
-            <a:r>
-              <a:rPr lang="ko-KR" altLang="en-US" sz="1900" spc="-150" dirty="0">
-                <a:latin typeface="+mn-ea"/>
-              </a:rPr>
-              <a:t> 함수를 이용해 경계 값을 도출한 후 </a:t>
-            </a:r>
-            <a:endParaRPr lang="en-US" altLang="ko-KR" sz="1900" spc="-150" dirty="0">
-              <a:latin typeface="+mn-ea"/>
-            </a:endParaRPr>
-          </a:p>
-          <a:p>
-            <a:pPr>
-              <a:lnSpc>
-                <a:spcPct val="150000"/>
-              </a:lnSpc>
-              <a:defRPr/>
-            </a:pPr>
-            <a:r>
-              <a:rPr lang="ko-KR" altLang="en-US" sz="1900" spc="-150" dirty="0">
-                <a:latin typeface="+mn-ea"/>
-              </a:rPr>
-              <a:t>그 경계 값으로 사각형을 생성해 이미지 </a:t>
-            </a:r>
-            <a:r>
-              <a:rPr lang="en-US" altLang="ko-KR" sz="1900" spc="-150" dirty="0">
-                <a:latin typeface="+mn-ea"/>
-              </a:rPr>
-              <a:t>trimming </a:t>
-            </a:r>
-            <a:r>
-              <a:rPr lang="ko-KR" altLang="en-US" sz="1900" spc="-150" dirty="0">
-                <a:latin typeface="+mn-ea"/>
-              </a:rPr>
-              <a:t>좌표를 생성한다</a:t>
-            </a:r>
-            <a:r>
-              <a:rPr lang="en-US" altLang="ko-KR" sz="1900" spc="-150" dirty="0">
-                <a:latin typeface="+mn-ea"/>
-              </a:rPr>
-              <a:t>.</a:t>
-            </a:r>
-          </a:p>
-          <a:p>
-            <a:pPr>
-              <a:lnSpc>
-                <a:spcPct val="150000"/>
-              </a:lnSpc>
-              <a:defRPr/>
-            </a:pPr>
-            <a:r>
-              <a:rPr lang="en-US" altLang="ko-KR" sz="1900" spc="-150" dirty="0">
-                <a:latin typeface="+mn-ea"/>
-              </a:rPr>
-              <a:t>7.</a:t>
-            </a:r>
-            <a:r>
-              <a:rPr lang="ko-KR" altLang="en-US" sz="1900" spc="-150" dirty="0">
-                <a:latin typeface="+mn-ea"/>
-              </a:rPr>
-              <a:t> 적응형 이진화 된 이미지를 </a:t>
-            </a:r>
-            <a:r>
-              <a:rPr lang="en-US" altLang="ko-KR" sz="1900" spc="-150" dirty="0">
-                <a:latin typeface="+mn-ea"/>
-              </a:rPr>
-              <a:t>6</a:t>
-            </a:r>
-            <a:r>
-              <a:rPr lang="ko-KR" altLang="en-US" sz="1900" spc="-150" dirty="0">
-                <a:latin typeface="+mn-ea"/>
-              </a:rPr>
-              <a:t>번에서 구한 좌표로 자르고</a:t>
-            </a:r>
-            <a:endParaRPr lang="en-US" altLang="ko-KR" sz="1900" spc="-150" dirty="0">
-              <a:latin typeface="+mn-ea"/>
-            </a:endParaRPr>
-          </a:p>
-          <a:p>
-            <a:pPr>
-              <a:lnSpc>
-                <a:spcPct val="150000"/>
-              </a:lnSpc>
-              <a:defRPr/>
-            </a:pPr>
-            <a:r>
-              <a:rPr lang="en-US" altLang="ko-KR" sz="1900" spc="-150" dirty="0">
-                <a:latin typeface="+mn-ea"/>
-              </a:rPr>
-              <a:t>32 x 32 </a:t>
-            </a:r>
-            <a:r>
-              <a:rPr lang="ko-KR" altLang="en-US" sz="1900" spc="-150" dirty="0">
-                <a:latin typeface="+mn-ea"/>
-              </a:rPr>
-              <a:t>사이즈로 </a:t>
-            </a:r>
-            <a:r>
-              <a:rPr lang="en-US" altLang="ko-KR" sz="1900" spc="-150" dirty="0">
-                <a:latin typeface="+mn-ea"/>
-              </a:rPr>
-              <a:t>Resize</a:t>
-            </a:r>
-            <a:r>
-              <a:rPr lang="ko-KR" altLang="en-US" sz="1900" spc="-150" dirty="0">
-                <a:latin typeface="+mn-ea"/>
-              </a:rPr>
-              <a:t> 후 </a:t>
-            </a:r>
-            <a:r>
-              <a:rPr lang="en-US" altLang="ko-KR" sz="1900" spc="-150" dirty="0">
-                <a:latin typeface="+mn-ea"/>
-              </a:rPr>
-              <a:t>Return </a:t>
-            </a:r>
-            <a:r>
-              <a:rPr lang="ko-KR" altLang="en-US" sz="1900" spc="-150" dirty="0">
-                <a:latin typeface="+mn-ea"/>
-              </a:rPr>
-              <a:t>한다</a:t>
-            </a:r>
-            <a:r>
-              <a:rPr lang="en-US" altLang="ko-KR" sz="1900" spc="-150" dirty="0">
-                <a:latin typeface="+mn-ea"/>
-              </a:rPr>
-              <a:t>.</a:t>
-            </a:r>
-          </a:p>
-        </p:txBody>
-      </p:sp>
-      <p:pic>
-        <p:nvPicPr>
-          <p:cNvPr id="6" name="그림 5">
-            <a:extLst>
-              <a:ext uri="{FF2B5EF4-FFF2-40B4-BE49-F238E27FC236}">
-                <a16:creationId xmlns:a16="http://schemas.microsoft.com/office/drawing/2014/main" id="{EE882DA8-81DF-FCCE-25FC-03A2CCC2406C}"/>
+                <a16:creationId xmlns:a16="http://schemas.microsoft.com/office/drawing/2014/main" id="{2DB420A4-13A3-FB89-E4EC-07B938218AFF}"/>
               </a:ext>
             </a:extLst>
           </p:cNvPr>
@@ -3805,18 +3708,108 @@
         </p:blipFill>
         <p:spPr>
           <a:xfrm>
-            <a:off x="460549" y="1991157"/>
-            <a:ext cx="3282518" cy="4772643"/>
+            <a:off x="7919210" y="1782622"/>
+            <a:ext cx="3930502" cy="1637709"/>
           </a:xfrm>
           <a:prstGeom prst="rect">
             <a:avLst/>
           </a:prstGeom>
         </p:spPr>
       </p:pic>
+      <p:pic>
+        <p:nvPicPr>
+          <p:cNvPr id="3" name="그림 2">
+            <a:extLst>
+              <a:ext uri="{FF2B5EF4-FFF2-40B4-BE49-F238E27FC236}">
+                <a16:creationId xmlns:a16="http://schemas.microsoft.com/office/drawing/2014/main" id="{DA2536F0-5A01-E771-928E-0D7B21FC77AD}"/>
+              </a:ext>
+            </a:extLst>
+          </p:cNvPr>
+          <p:cNvPicPr>
+            <a:picLocks noChangeAspect="1"/>
+          </p:cNvPicPr>
+          <p:nvPr/>
+        </p:nvPicPr>
+        <p:blipFill>
+          <a:blip r:embed="rId4"/>
+          <a:stretch>
+            <a:fillRect/>
+          </a:stretch>
+        </p:blipFill>
+        <p:spPr>
+          <a:xfrm>
+            <a:off x="7919210" y="3630130"/>
+            <a:ext cx="3930502" cy="1910661"/>
+          </a:xfrm>
+          <a:prstGeom prst="rect">
+            <a:avLst/>
+          </a:prstGeom>
+        </p:spPr>
+      </p:pic>
+      <p:sp>
+        <p:nvSpPr>
+          <p:cNvPr id="7" name="TextBox 6">
+            <a:extLst>
+              <a:ext uri="{FF2B5EF4-FFF2-40B4-BE49-F238E27FC236}">
+                <a16:creationId xmlns:a16="http://schemas.microsoft.com/office/drawing/2014/main" id="{CAF42717-1CC1-2B43-6034-ECB2ECD8C255}"/>
+              </a:ext>
+            </a:extLst>
+          </p:cNvPr>
+          <p:cNvSpPr txBox="1"/>
+          <p:nvPr/>
+        </p:nvSpPr>
+        <p:spPr>
+          <a:xfrm>
+            <a:off x="9781953" y="5572450"/>
+            <a:ext cx="2067759" cy="215444"/>
+          </a:xfrm>
+          <a:prstGeom prst="rect">
+            <a:avLst/>
+          </a:prstGeom>
+          <a:noFill/>
+        </p:spPr>
+        <p:txBody>
+          <a:bodyPr wrap="square" rtlCol="0">
+            <a:spAutoFit/>
+          </a:bodyPr>
+          <a:lstStyle/>
+          <a:p>
+            <a:pPr algn="r"/>
+            <a:r>
+              <a:rPr kumimoji="1" lang="ko-KR" altLang="en-US" sz="800" dirty="0">
+                <a:latin typeface="+mn-ea"/>
+              </a:rPr>
+              <a:t>이미지 출처</a:t>
+            </a:r>
+            <a:r>
+              <a:rPr kumimoji="1" lang="en-US" altLang="ko-KR" sz="800" dirty="0">
+                <a:latin typeface="+mn-ea"/>
+              </a:rPr>
+              <a:t>:</a:t>
+            </a:r>
+            <a:r>
+              <a:rPr kumimoji="1" lang="ko-KR" altLang="en-US" sz="800" dirty="0">
+                <a:latin typeface="+mn-ea"/>
+              </a:rPr>
+              <a:t> </a:t>
+            </a:r>
+            <a:r>
+              <a:rPr kumimoji="1" lang="en" altLang="ko-Kore-KR" sz="800" dirty="0">
+                <a:latin typeface="+mn-ea"/>
+                <a:hlinkClick r:id="rId5"/>
+              </a:rPr>
+              <a:t>https://bkshin.tistory.com</a:t>
+            </a:r>
+            <a:endParaRPr kumimoji="1" lang="ko-Kore-KR" altLang="en-US" sz="800" dirty="0">
+              <a:latin typeface="+mn-ea"/>
+            </a:endParaRPr>
+          </a:p>
+        </p:txBody>
+      </p:sp>
     </p:spTree>
     <p:extLst>
       <p:ext uri="{BB962C8B-B14F-4D97-AF65-F5344CB8AC3E}">
-        <p14:creationId xmlns:p14="http://schemas.microsoft.com/office/powerpoint/2010/main" val="3434640500"/>
+        <p14:creationId xmlns:p14="http://schemas.microsoft.com/office/powerpoint/2010/main" val="1606198052"/>
       </p:ext>
     </p:extLst>
   </p:cSld>
@@ -3845,7 +3838,13 @@
       </p:grpSpPr>
       <p:pic>
         <p:nvPicPr>
-          <p:cNvPr id="2" name="그림 1"/>
+          <p:cNvPr id="4" name="그림 3">
+            <a:extLst>
+              <a:ext uri="{FF2B5EF4-FFF2-40B4-BE49-F238E27FC236}">
+                <a16:creationId xmlns:a16="http://schemas.microsoft.com/office/drawing/2014/main" id="{963A1BA7-4CC2-ACEF-0293-24C5AE9B9175}"/>
+              </a:ext>
+            </a:extLst>
+          </p:cNvPr>
           <p:cNvPicPr>
             <a:picLocks noChangeAspect="1"/>
           </p:cNvPicPr>
@@ -3875,7 +3874,13 @@
       </p:pic>
       <p:sp>
         <p:nvSpPr>
-          <p:cNvPr id="48" name="제목 38"/>
+          <p:cNvPr id="5" name="제목 38">
+            <a:extLst>
+              <a:ext uri="{FF2B5EF4-FFF2-40B4-BE49-F238E27FC236}">
+                <a16:creationId xmlns:a16="http://schemas.microsoft.com/office/drawing/2014/main" id="{D53157FE-2798-08EE-C8C3-6F7CF14ECA7D}"/>
+              </a:ext>
+            </a:extLst>
+          </p:cNvPr>
           <p:cNvSpPr>
             <a:spLocks noGrp="1"/>
           </p:cNvSpPr>
@@ -3899,20 +3904,23 @@
               <a:defRPr/>
             </a:pPr>
             <a:r>
-              <a:rPr lang="en-US" altLang="ko-KR" sz="4000" spc="-185" dirty="0">
+              <a:rPr lang="ko-KR" altLang="en-US" sz="4000" spc="-185" dirty="0">
                 <a:latin typeface="+mj-ea"/>
               </a:rPr>
-              <a:t>Mission 2</a:t>
-            </a:r>
-            <a:endParaRPr lang="ko-KR" altLang="en-US" sz="4000" spc="-185" dirty="0">
-              <a:latin typeface="+mj-ea"/>
-            </a:endParaRPr>
-          </a:p>
-        </p:txBody>
-      </p:sp>
-      <p:sp>
-        <p:nvSpPr>
-          <p:cNvPr id="13" name="제목 38"/>
+              <a:t>데이터 전처리 과정</a:t>
+            </a:r>
+          </a:p>
+        </p:txBody>
+      </p:sp>
+      <p:sp>
+        <p:nvSpPr>
+          <p:cNvPr id="6" name="제목 38">
+            <a:extLst>
+              <a:ext uri="{FF2B5EF4-FFF2-40B4-BE49-F238E27FC236}">
+                <a16:creationId xmlns:a16="http://schemas.microsoft.com/office/drawing/2014/main" id="{EB94A68A-D51D-255E-A650-BDDB84AC8884}"/>
+              </a:ext>
+            </a:extLst>
+          </p:cNvPr>
           <p:cNvSpPr txBox="1">
             <a:spLocks/>
           </p:cNvSpPr>
@@ -3920,8 +3928,8 @@
         </p:nvSpPr>
         <p:spPr>
           <a:xfrm>
-            <a:off x="363552" y="1507970"/>
-            <a:ext cx="11523648" cy="4488793"/>
+            <a:off x="271404" y="1887965"/>
+            <a:ext cx="11393019" cy="3768556"/>
           </a:xfrm>
           <a:prstGeom prst="rect">
             <a:avLst/>
@@ -3953,96 +3961,47 @@
           <a:p>
             <a:pPr>
               <a:lnSpc>
-                <a:spcPct val="150000"/>
-              </a:lnSpc>
-              <a:defRPr/>
-            </a:pPr>
-            <a:r>
-              <a:rPr lang="en-US" altLang="ko-KR" sz="2100" spc="-150" dirty="0">
-                <a:latin typeface="+mn-ea"/>
-                <a:ea typeface="+mn-ea"/>
-              </a:rPr>
-              <a:t>2-2. Color</a:t>
-            </a:r>
-            <a:r>
-              <a:rPr lang="ko-KR" altLang="en-US" sz="2100" spc="-150" dirty="0">
-                <a:latin typeface="+mn-ea"/>
-                <a:ea typeface="+mn-ea"/>
-              </a:rPr>
-              <a:t>는 자세한 정보지만</a:t>
-            </a:r>
-            <a:r>
-              <a:rPr lang="en-US" altLang="ko-KR" sz="2100" spc="-150" dirty="0">
-                <a:latin typeface="+mn-ea"/>
-                <a:ea typeface="+mn-ea"/>
-              </a:rPr>
-              <a:t>, </a:t>
-            </a:r>
-            <a:r>
-              <a:rPr lang="ko-KR" altLang="en-US" sz="2100" spc="-150" dirty="0">
-                <a:latin typeface="+mn-ea"/>
-                <a:ea typeface="+mn-ea"/>
-              </a:rPr>
-              <a:t>데이터가 크고</a:t>
-            </a:r>
-            <a:r>
-              <a:rPr lang="en-US" altLang="ko-KR" sz="2100" spc="-150" dirty="0">
-                <a:latin typeface="+mn-ea"/>
-                <a:ea typeface="+mn-ea"/>
-              </a:rPr>
-              <a:t>, Gray</a:t>
-            </a:r>
-            <a:r>
-              <a:rPr lang="ko-KR" altLang="en-US" sz="2100" spc="-150" dirty="0">
-                <a:latin typeface="+mn-ea"/>
-                <a:ea typeface="+mn-ea"/>
-              </a:rPr>
-              <a:t>는 덜 자세하지만 데이터가 작아</a:t>
-            </a:r>
-            <a:r>
-              <a:rPr lang="en-US" altLang="ko-KR" sz="2100" spc="-150" dirty="0">
-                <a:latin typeface="+mn-ea"/>
-                <a:ea typeface="+mn-ea"/>
-              </a:rPr>
-              <a:t> </a:t>
-            </a:r>
-            <a:r>
-              <a:rPr lang="ko-KR" altLang="en-US" sz="2100" spc="-150" dirty="0">
-                <a:latin typeface="+mn-ea"/>
-                <a:ea typeface="+mn-ea"/>
-              </a:rPr>
-              <a:t>학습에 유리하다</a:t>
-            </a:r>
-            <a:r>
-              <a:rPr lang="en-US" altLang="ko-KR" sz="2100" spc="-150" dirty="0">
-                <a:latin typeface="+mn-ea"/>
-                <a:ea typeface="+mn-ea"/>
-              </a:rPr>
-              <a:t>. </a:t>
-            </a:r>
-            <a:r>
-              <a:rPr lang="ko-KR" altLang="en-US" sz="2100" spc="-150" dirty="0">
-                <a:latin typeface="+mn-ea"/>
-                <a:ea typeface="+mn-ea"/>
-              </a:rPr>
-              <a:t>어떤 데이터셋이 분류문제에서 더 좋은 결과를 보이는가</a:t>
-            </a:r>
-            <a:r>
-              <a:rPr lang="en-US" altLang="ko-KR" sz="2100" spc="-150" dirty="0">
-                <a:latin typeface="+mn-ea"/>
-                <a:ea typeface="+mn-ea"/>
-              </a:rPr>
-              <a:t>?</a:t>
-            </a:r>
-          </a:p>
-          <a:p>
-            <a:pPr>
-              <a:lnSpc>
-                <a:spcPct val="150000"/>
-              </a:lnSpc>
-              <a:defRPr/>
-            </a:pPr>
-            <a:endParaRPr lang="en-US" altLang="ko-KR" sz="2100" spc="-150" dirty="0">
+                <a:spcPct val="120000"/>
+              </a:lnSpc>
+              <a:defRPr/>
+            </a:pPr>
+            <a:r>
+              <a:rPr lang="ko-KR" altLang="en-US" sz="1900" spc="-150" dirty="0">
+                <a:latin typeface="+mn-ea"/>
+                <a:ea typeface="+mn-ea"/>
+              </a:rPr>
+              <a:t>저희는 이미지의 노이즈를 제거하기 위해 닫힘 연산과 </a:t>
+            </a:r>
+            <a:r>
+              <a:rPr lang="en-US" altLang="ko-KR" sz="1900" spc="-150" dirty="0">
+                <a:latin typeface="+mn-ea"/>
+                <a:ea typeface="+mn-ea"/>
+              </a:rPr>
+              <a:t>Gradient</a:t>
+            </a:r>
+            <a:r>
+              <a:rPr lang="ko-KR" altLang="en-US" sz="1900" spc="-150" dirty="0">
+                <a:latin typeface="+mn-ea"/>
+                <a:ea typeface="+mn-ea"/>
+              </a:rPr>
+              <a:t> 연산을 사용하였습니다</a:t>
+            </a:r>
+            <a:r>
+              <a:rPr lang="en-US" altLang="ko-KR" sz="1900" spc="-150" dirty="0">
+                <a:latin typeface="+mn-ea"/>
+                <a:ea typeface="+mn-ea"/>
+              </a:rPr>
+              <a:t>.</a:t>
+            </a:r>
+          </a:p>
+          <a:p>
+            <a:pPr>
+              <a:lnSpc>
+                <a:spcPct val="120000"/>
+              </a:lnSpc>
+              <a:defRPr/>
+            </a:pPr>
+            <a:endParaRPr lang="en-US" altLang="ko-KR" sz="1900" spc="-150" dirty="0">
               <a:latin typeface="+mn-ea"/>
               <a:ea typeface="+mn-ea"/>
             </a:endParaRPr>
@@ -4050,90 +4009,33 @@
           <a:p>
             <a:pPr>
               <a:lnSpc>
-                <a:spcPct val="150000"/>
-              </a:lnSpc>
-              <a:defRPr/>
-            </a:pPr>
-            <a:r>
-              <a:rPr lang="en-US" altLang="ko-KR" sz="2100" spc="-150" dirty="0">
-                <a:latin typeface="+mn-ea"/>
-                <a:ea typeface="+mn-ea"/>
-              </a:rPr>
-              <a:t>Answer:</a:t>
-            </a:r>
-          </a:p>
-          <a:p>
-            <a:pPr>
-              <a:lnSpc>
-                <a:spcPct val="150000"/>
-              </a:lnSpc>
-              <a:defRPr/>
-            </a:pPr>
-            <a:r>
-              <a:rPr lang="en-US" altLang="ko-KR" sz="2100" spc="-150" dirty="0">
-                <a:latin typeface="+mn-ea"/>
-                <a:ea typeface="+mn-ea"/>
-              </a:rPr>
-              <a:t>Color</a:t>
-            </a:r>
-            <a:r>
-              <a:rPr lang="ko-KR" altLang="en-US" sz="2100" spc="-150" dirty="0">
-                <a:latin typeface="+mn-ea"/>
-                <a:ea typeface="+mn-ea"/>
-              </a:rPr>
-              <a:t>는 </a:t>
-            </a:r>
-            <a:r>
-              <a:rPr lang="en-US" altLang="ko-KR" sz="2100" spc="-150" dirty="0">
-                <a:latin typeface="+mn-ea"/>
-                <a:ea typeface="+mn-ea"/>
-              </a:rPr>
-              <a:t>3</a:t>
-            </a:r>
-            <a:r>
-              <a:rPr lang="ko-KR" altLang="en-US" sz="2100" spc="-150" dirty="0">
-                <a:latin typeface="+mn-ea"/>
-                <a:ea typeface="+mn-ea"/>
-              </a:rPr>
-              <a:t>차원 데이터로 정보가 너무 많아 정확도가 떨어질 수 있고</a:t>
-            </a:r>
-            <a:r>
-              <a:rPr lang="en-US" altLang="ko-KR" sz="2100" spc="-150" dirty="0">
-                <a:latin typeface="+mn-ea"/>
-                <a:ea typeface="+mn-ea"/>
-              </a:rPr>
-              <a:t>,</a:t>
-            </a:r>
-          </a:p>
-          <a:p>
-            <a:pPr>
-              <a:lnSpc>
-                <a:spcPct val="150000"/>
-              </a:lnSpc>
-              <a:defRPr/>
-            </a:pPr>
-            <a:r>
-              <a:rPr lang="ko-KR" altLang="en-US" sz="2100" spc="-150" dirty="0">
-                <a:latin typeface="+mn-ea"/>
-                <a:ea typeface="+mn-ea"/>
-              </a:rPr>
-              <a:t>상품 분류는 색이 아닌 옷의 형태로 구분되기 때문에 색상 데이터는 필요하지 않습니다</a:t>
-            </a:r>
-            <a:r>
-              <a:rPr lang="en-US" altLang="ko-KR" sz="2100" spc="-150" dirty="0">
+                <a:spcPct val="120000"/>
+              </a:lnSpc>
+              <a:defRPr/>
+            </a:pPr>
+            <a:r>
+              <a:rPr lang="ko-KR" altLang="en-US" sz="1900" spc="-150" dirty="0">
+                <a:latin typeface="+mn-ea"/>
+                <a:ea typeface="+mn-ea"/>
+              </a:rPr>
+              <a:t>닫힘 연산은 팽창 연산 후 침식 연산을 적용하여 주변보다 어두운 노이즈를 제거하는데 효과적입니다</a:t>
+            </a:r>
+            <a:r>
+              <a:rPr lang="en-US" altLang="ko-KR" sz="1900" spc="-150" dirty="0">
                 <a:latin typeface="+mn-ea"/>
                 <a:ea typeface="+mn-ea"/>
               </a:rPr>
               <a:t>.</a:t>
             </a:r>
-            <a:r>
-              <a:rPr lang="ko-KR" altLang="en-US" sz="2100" spc="-150" dirty="0">
-                <a:latin typeface="+mn-ea"/>
-                <a:ea typeface="+mn-ea"/>
-              </a:rPr>
-              <a:t> </a:t>
-            </a:r>
-            <a:endParaRPr lang="en-US" altLang="ko-KR" sz="2100" spc="-150" dirty="0">
+          </a:p>
+          <a:p>
+            <a:pPr>
+              <a:lnSpc>
+                <a:spcPct val="120000"/>
+              </a:lnSpc>
+              <a:defRPr/>
+            </a:pPr>
+            <a:endParaRPr lang="en-US" altLang="ko-KR" sz="1900" spc="-150" dirty="0">
               <a:latin typeface="+mn-ea"/>
               <a:ea typeface="+mn-ea"/>
             </a:endParaRPr>
@@ -4141,57 +4043,270 @@
           <a:p>
             <a:pPr>
               <a:lnSpc>
-                <a:spcPct val="150000"/>
-              </a:lnSpc>
-              <a:defRPr/>
-            </a:pPr>
-            <a:r>
-              <a:rPr lang="ko-KR" altLang="en-US" sz="2100" spc="-150" dirty="0">
-                <a:latin typeface="+mn-ea"/>
-                <a:ea typeface="+mn-ea"/>
-              </a:rPr>
-              <a:t>그렇기에</a:t>
-            </a:r>
-            <a:r>
-              <a:rPr lang="en-US" altLang="ko-KR" sz="2100" spc="-150" dirty="0">
-                <a:latin typeface="+mn-ea"/>
-                <a:ea typeface="+mn-ea"/>
-              </a:rPr>
-              <a:t> Gray Scale</a:t>
-            </a:r>
-            <a:r>
-              <a:rPr lang="ko-KR" altLang="en-US" sz="2100" spc="-150" dirty="0">
-                <a:latin typeface="+mn-ea"/>
-                <a:ea typeface="+mn-ea"/>
-              </a:rPr>
-              <a:t>로 학습을 진행하였습니다</a:t>
-            </a:r>
-            <a:r>
-              <a:rPr lang="en-US" altLang="ko-KR" sz="2100" spc="-150" dirty="0">
-                <a:latin typeface="+mn-ea"/>
-                <a:ea typeface="+mn-ea"/>
-              </a:rPr>
-              <a:t>.</a:t>
-            </a:r>
-          </a:p>
-          <a:p>
-            <a:pPr>
-              <a:lnSpc>
-                <a:spcPct val="150000"/>
-              </a:lnSpc>
-              <a:defRPr/>
-            </a:pPr>
-            <a:endParaRPr lang="en-US" altLang="ko-KR" sz="2100" spc="-150" dirty="0">
+                <a:spcPct val="120000"/>
+              </a:lnSpc>
+              <a:defRPr/>
+            </a:pPr>
+            <a:r>
+              <a:rPr lang="en-US" altLang="ko-KR" sz="1900" spc="-150" dirty="0">
+                <a:latin typeface="+mn-ea"/>
+                <a:ea typeface="+mn-ea"/>
+              </a:rPr>
+              <a:t>Gradient</a:t>
+            </a:r>
+            <a:r>
+              <a:rPr lang="ko-KR" altLang="en-US" sz="1900" spc="-150" dirty="0">
+                <a:latin typeface="+mn-ea"/>
+                <a:ea typeface="+mn-ea"/>
+              </a:rPr>
+              <a:t> 연산이란</a:t>
+            </a:r>
+            <a:endParaRPr lang="en-US" altLang="ko-KR" sz="1900" spc="-150" dirty="0">
               <a:latin typeface="+mn-ea"/>
               <a:ea typeface="+mn-ea"/>
             </a:endParaRPr>
           </a:p>
-        </p:txBody>
-      </p:sp>
+          <a:p>
+            <a:pPr>
+              <a:lnSpc>
+                <a:spcPct val="120000"/>
+              </a:lnSpc>
+              <a:defRPr/>
+            </a:pPr>
+            <a:r>
+              <a:rPr lang="ko-KR" altLang="en-US" sz="1900" spc="-150" dirty="0">
+                <a:latin typeface="+mn-ea"/>
+                <a:ea typeface="+mn-ea"/>
+              </a:rPr>
+              <a:t>팽창 연산을 적용한 이미지에서 침식 연산을 적용한 이미지를 빼면 경계 픽셀만 얻게 되는데</a:t>
+            </a:r>
+            <a:endParaRPr lang="en-US" altLang="ko-KR" sz="1900" spc="-150" dirty="0">
+              <a:latin typeface="+mn-ea"/>
+              <a:ea typeface="+mn-ea"/>
+            </a:endParaRPr>
+          </a:p>
+          <a:p>
+            <a:pPr>
+              <a:lnSpc>
+                <a:spcPct val="120000"/>
+              </a:lnSpc>
+              <a:defRPr/>
+            </a:pPr>
+            <a:r>
+              <a:rPr lang="ko-KR" altLang="en-US" sz="1900" spc="-150" dirty="0">
+                <a:latin typeface="+mn-ea"/>
+                <a:ea typeface="+mn-ea"/>
+              </a:rPr>
+              <a:t>이 연산을 </a:t>
+            </a:r>
+            <a:r>
+              <a:rPr lang="en-US" altLang="ko-KR" sz="1900" spc="-150" dirty="0">
+                <a:latin typeface="+mn-ea"/>
+                <a:ea typeface="+mn-ea"/>
+              </a:rPr>
+              <a:t>Gradient</a:t>
+            </a:r>
+            <a:r>
+              <a:rPr lang="ko-KR" altLang="en-US" sz="1900" spc="-150" dirty="0">
+                <a:latin typeface="+mn-ea"/>
+                <a:ea typeface="+mn-ea"/>
+              </a:rPr>
+              <a:t> 연산이라고 합니다</a:t>
+            </a:r>
+            <a:r>
+              <a:rPr lang="en-US" altLang="ko-KR" sz="1900" spc="-150" dirty="0">
+                <a:latin typeface="+mn-ea"/>
+                <a:ea typeface="+mn-ea"/>
+              </a:rPr>
+              <a:t>.</a:t>
+            </a:r>
+          </a:p>
+          <a:p>
+            <a:pPr>
+              <a:lnSpc>
+                <a:spcPct val="120000"/>
+              </a:lnSpc>
+              <a:defRPr/>
+            </a:pPr>
+            <a:endParaRPr lang="en-US" altLang="ko-KR" sz="1900" spc="-150" dirty="0">
+              <a:latin typeface="+mn-ea"/>
+              <a:ea typeface="+mn-ea"/>
+            </a:endParaRPr>
+          </a:p>
+          <a:p>
+            <a:pPr>
+              <a:lnSpc>
+                <a:spcPct val="120000"/>
+              </a:lnSpc>
+              <a:defRPr/>
+            </a:pPr>
+            <a:r>
+              <a:rPr lang="ko-KR" altLang="en-US" sz="1900" spc="-150" dirty="0">
+                <a:latin typeface="+mn-ea"/>
+                <a:ea typeface="+mn-ea"/>
+              </a:rPr>
+              <a:t>저희는 닫힘 연산을 사용하여 </a:t>
+            </a:r>
+            <a:r>
+              <a:rPr lang="en-US" altLang="ko-KR" sz="1900" spc="-150" dirty="0">
+                <a:latin typeface="+mn-ea"/>
+                <a:ea typeface="+mn-ea"/>
+              </a:rPr>
+              <a:t>1</a:t>
+            </a:r>
+            <a:r>
+              <a:rPr lang="ko-KR" altLang="en-US" sz="1900" spc="-150" dirty="0">
+                <a:latin typeface="+mn-ea"/>
+                <a:ea typeface="+mn-ea"/>
+              </a:rPr>
+              <a:t>차적으로 노이즈를 없애고</a:t>
+            </a:r>
+            <a:endParaRPr lang="en-US" altLang="ko-KR" sz="1900" spc="-150" dirty="0">
+              <a:latin typeface="+mn-ea"/>
+              <a:ea typeface="+mn-ea"/>
+            </a:endParaRPr>
+          </a:p>
+          <a:p>
+            <a:pPr>
+              <a:lnSpc>
+                <a:spcPct val="120000"/>
+              </a:lnSpc>
+              <a:defRPr/>
+            </a:pPr>
+            <a:r>
+              <a:rPr lang="en-US" altLang="ko-KR" sz="1900" spc="-150" dirty="0">
+                <a:latin typeface="+mn-ea"/>
+                <a:ea typeface="+mn-ea"/>
+              </a:rPr>
+              <a:t>Gradient</a:t>
+            </a:r>
+            <a:r>
+              <a:rPr lang="ko-KR" altLang="en-US" sz="1900" spc="-150" dirty="0">
+                <a:latin typeface="+mn-ea"/>
+                <a:ea typeface="+mn-ea"/>
+              </a:rPr>
+              <a:t> 연산을 사용하여 </a:t>
+            </a:r>
+            <a:r>
+              <a:rPr lang="en-US" altLang="ko-KR" sz="1900" spc="-150" dirty="0">
+                <a:latin typeface="+mn-ea"/>
+                <a:ea typeface="+mn-ea"/>
+              </a:rPr>
+              <a:t>2</a:t>
+            </a:r>
+            <a:r>
+              <a:rPr lang="ko-KR" altLang="en-US" sz="1900" spc="-150" dirty="0">
+                <a:latin typeface="+mn-ea"/>
+                <a:ea typeface="+mn-ea"/>
+              </a:rPr>
+              <a:t>차적으로 노이즈를 없애며 옷의 경계를 뚜렷하게 했습니다</a:t>
+            </a:r>
+            <a:r>
+              <a:rPr lang="en-US" altLang="ko-KR" sz="1900" spc="-150" dirty="0">
+                <a:latin typeface="+mn-ea"/>
+                <a:ea typeface="+mn-ea"/>
+              </a:rPr>
+              <a:t>.</a:t>
+            </a:r>
+          </a:p>
+        </p:txBody>
+      </p:sp>
+      <p:sp>
+        <p:nvSpPr>
+          <p:cNvPr id="9" name="제목 38">
+            <a:extLst>
+              <a:ext uri="{FF2B5EF4-FFF2-40B4-BE49-F238E27FC236}">
+                <a16:creationId xmlns:a16="http://schemas.microsoft.com/office/drawing/2014/main" id="{17C34476-D9F6-9005-524F-E315A8266863}"/>
+              </a:ext>
+            </a:extLst>
+          </p:cNvPr>
+          <p:cNvSpPr txBox="1">
+            <a:spLocks/>
+          </p:cNvSpPr>
+          <p:nvPr/>
+        </p:nvSpPr>
+        <p:spPr>
+          <a:xfrm>
+            <a:off x="560352" y="4351178"/>
+            <a:ext cx="1410215" cy="445258"/>
+          </a:xfrm>
+          <a:prstGeom prst="rect">
+            <a:avLst/>
+          </a:prstGeom>
+        </p:spPr>
+        <p:txBody>
+          <a:bodyPr vert="horz" lIns="112542" tIns="56271" rIns="112542" bIns="56271" rtlCol="0" anchor="t">
+            <a:noAutofit/>
+          </a:bodyPr>
+          <a:lstStyle>
+            <a:lvl1pPr algn="l" defTabSz="914400" rtl="0" eaLnBrk="1" latinLnBrk="1" hangingPunct="1">
+              <a:lnSpc>
+                <a:spcPct val="90000"/>
+              </a:lnSpc>
+              <a:spcBef>
+                <a:spcPct val="0"/>
+              </a:spcBef>
+              <a:buNone/>
+              <a:defRPr sz="4400" kern="1200">
+                <a:solidFill>
+                  <a:schemeClr val="tx1"/>
+                </a:solidFill>
+                <a:latin typeface="+mj-lt"/>
+                <a:ea typeface="+mj-ea"/>
+                <a:cs typeface="+mj-cs"/>
+              </a:defRPr>
+            </a:lvl1pPr>
+          </a:lstStyle>
+          <a:p>
+            <a:pPr>
+              <a:defRPr/>
+            </a:pPr>
+            <a:endParaRPr lang="en-US" altLang="ko-KR" sz="2100" spc="-185" dirty="0">
+              <a:latin typeface="+mn-ea"/>
+              <a:ea typeface="+mn-ea"/>
+            </a:endParaRPr>
+          </a:p>
+        </p:txBody>
+      </p:sp>
+      <p:pic>
+        <p:nvPicPr>
+          <p:cNvPr id="3" name="그림 2" descr="텍스트이(가) 표시된 사진&#10;&#10;자동 생성된 설명">
+            <a:extLst>
+              <a:ext uri="{FF2B5EF4-FFF2-40B4-BE49-F238E27FC236}">
+                <a16:creationId xmlns:a16="http://schemas.microsoft.com/office/drawing/2014/main" id="{7931AA1A-24A1-0E51-3D4F-55486F16BF04}"/>
+              </a:ext>
+            </a:extLst>
+          </p:cNvPr>
+          <p:cNvPicPr>
+            <a:picLocks noChangeAspect="1"/>
+          </p:cNvPicPr>
+          <p:nvPr/>
+        </p:nvPicPr>
+        <p:blipFill rotWithShape="1">
+          <a:blip r:embed="rId3">
+            <a:extLst>
+              <a:ext uri="{28A0092B-C50C-407E-A947-70E740481C1C}">
+                <a14:useLocalDpi xmlns:a14="http://schemas.microsoft.com/office/drawing/2010/main" val="0"/>
+              </a:ext>
+            </a:extLst>
+          </a:blip>
+          <a:srcRect t="75349" r="59869"/>
+          <a:stretch/>
+        </p:blipFill>
+        <p:spPr>
+          <a:xfrm>
+            <a:off x="9672548" y="3429000"/>
+            <a:ext cx="2093165" cy="1918282"/>
+          </a:xfrm>
+          <a:prstGeom prst="rect">
+            <a:avLst/>
+          </a:prstGeom>
+        </p:spPr>
+      </p:pic>
     </p:spTree>
     <p:extLst>
       <p:ext uri="{BB962C8B-B14F-4D97-AF65-F5344CB8AC3E}">
-        <p14:creationId xmlns:p14="http://schemas.microsoft.com/office/powerpoint/2010/main" val="3233515066"/>
+        <p14:creationId xmlns:p14="http://schemas.microsoft.com/office/powerpoint/2010/main" val="3301146092"/>
       </p:ext>
     </p:extLst>
   </p:cSld>
@@ -4220,7 +4335,13 @@
       </p:grpSpPr>
       <p:pic>
         <p:nvPicPr>
-          <p:cNvPr id="2" name="그림 1"/>
+          <p:cNvPr id="4" name="그림 3">
+            <a:extLst>
+              <a:ext uri="{FF2B5EF4-FFF2-40B4-BE49-F238E27FC236}">
+                <a16:creationId xmlns:a16="http://schemas.microsoft.com/office/drawing/2014/main" id="{963A1BA7-4CC2-ACEF-0293-24C5AE9B9175}"/>
+              </a:ext>
+            </a:extLst>
+          </p:cNvPr>
           <p:cNvPicPr>
             <a:picLocks noChangeAspect="1"/>
           </p:cNvPicPr>
@@ -4250,7 +4371,13 @@
       </p:pic>
       <p:sp>
         <p:nvSpPr>
-          <p:cNvPr id="48" name="제목 38"/>
+          <p:cNvPr id="5" name="제목 38">
+            <a:extLst>
+              <a:ext uri="{FF2B5EF4-FFF2-40B4-BE49-F238E27FC236}">
+                <a16:creationId xmlns:a16="http://schemas.microsoft.com/office/drawing/2014/main" id="{D53157FE-2798-08EE-C8C3-6F7CF14ECA7D}"/>
+              </a:ext>
+            </a:extLst>
+          </p:cNvPr>
           <p:cNvSpPr>
             <a:spLocks noGrp="1"/>
           </p:cNvSpPr>
@@ -4274,20 +4401,23 @@
               <a:defRPr/>
             </a:pPr>
             <a:r>
-              <a:rPr lang="en-US" altLang="ko-KR" sz="4000" spc="-185" dirty="0">
+              <a:rPr lang="ko-KR" altLang="en-US" sz="4000" spc="-185" dirty="0">
                 <a:latin typeface="+mj-ea"/>
               </a:rPr>
-              <a:t>Mission 3</a:t>
-            </a:r>
-            <a:endParaRPr lang="ko-KR" altLang="en-US" sz="4000" spc="-185" dirty="0">
-              <a:latin typeface="+mj-ea"/>
-            </a:endParaRPr>
-          </a:p>
-        </p:txBody>
-      </p:sp>
-      <p:sp>
-        <p:nvSpPr>
-          <p:cNvPr id="13" name="제목 38"/>
+              <a:t>데이터 전처리 과정</a:t>
+            </a:r>
+          </a:p>
+        </p:txBody>
+      </p:sp>
+      <p:sp>
+        <p:nvSpPr>
+          <p:cNvPr id="6" name="제목 38">
+            <a:extLst>
+              <a:ext uri="{FF2B5EF4-FFF2-40B4-BE49-F238E27FC236}">
+                <a16:creationId xmlns:a16="http://schemas.microsoft.com/office/drawing/2014/main" id="{EB94A68A-D51D-255E-A650-BDDB84AC8884}"/>
+              </a:ext>
+            </a:extLst>
+          </p:cNvPr>
           <p:cNvSpPr txBox="1">
             <a:spLocks/>
           </p:cNvSpPr>
@@ -4295,8 +4425,8 @@
         </p:nvSpPr>
         <p:spPr>
           <a:xfrm>
-            <a:off x="363552" y="1669214"/>
-            <a:ext cx="11393019" cy="4379894"/>
+            <a:off x="435973" y="1611524"/>
+            <a:ext cx="7584905" cy="2003551"/>
           </a:xfrm>
           <a:prstGeom prst="rect">
             <a:avLst/>
@@ -4327,45 +4457,20 @@
           </a:lstStyle>
           <a:p>
             <a:pPr>
-              <a:defRPr/>
-            </a:pPr>
-            <a:r>
-              <a:rPr lang="en-US" altLang="ko-KR" sz="2100" spc="-150" dirty="0">
-                <a:latin typeface="+mn-ea"/>
-                <a:ea typeface="+mn-ea"/>
-              </a:rPr>
-              <a:t>3-1. </a:t>
-            </a:r>
-            <a:r>
-              <a:rPr lang="ko-KR" altLang="en-US" sz="2100" spc="-150" dirty="0">
-                <a:latin typeface="+mn-ea"/>
-                <a:ea typeface="+mn-ea"/>
-              </a:rPr>
-              <a:t>분류 문제를 수행하여 </a:t>
-            </a:r>
-            <a:r>
-              <a:rPr lang="en" altLang="ko-KR" sz="2100" spc="-150" dirty="0">
-                <a:latin typeface="+mn-ea"/>
-                <a:ea typeface="+mn-ea"/>
-              </a:rPr>
-              <a:t>Validation </a:t>
-            </a:r>
-            <a:r>
-              <a:rPr lang="ko-KR" altLang="en-US" sz="2100" spc="-150" dirty="0">
-                <a:latin typeface="+mn-ea"/>
-                <a:ea typeface="+mn-ea"/>
-              </a:rPr>
-              <a:t>데이터의 라벨 별 정확도를 </a:t>
-            </a:r>
-            <a:r>
-              <a:rPr lang="ko-KR" altLang="en-US" sz="2100" spc="-150" dirty="0" err="1">
-                <a:latin typeface="+mn-ea"/>
-                <a:ea typeface="+mn-ea"/>
-              </a:rPr>
-              <a:t>제시하시오</a:t>
-            </a:r>
-            <a:r>
-              <a:rPr lang="en-US" altLang="ko-KR" sz="2100" spc="-150" dirty="0">
+              <a:lnSpc>
+                <a:spcPct val="120000"/>
+              </a:lnSpc>
+              <a:defRPr/>
+            </a:pPr>
+            <a:r>
+              <a:rPr lang="ko-KR" altLang="en-US" sz="1900" spc="-150" dirty="0">
+                <a:latin typeface="+mn-ea"/>
+                <a:ea typeface="+mn-ea"/>
+              </a:rPr>
+              <a:t>처음보단 많이 좋아졌지만 아직 여백이 있는 걸 확인할 수 있습니다</a:t>
+            </a:r>
+            <a:r>
+              <a:rPr lang="en-US" altLang="ko-KR" sz="1900" spc="-150" dirty="0">
                 <a:latin typeface="+mn-ea"/>
                 <a:ea typeface="+mn-ea"/>
               </a:rPr>
@@ -4374,37 +4479,337 @@
           </a:p>
           <a:p>
             <a:pPr>
-              <a:defRPr/>
-            </a:pPr>
-            <a:endParaRPr lang="en-US" altLang="ko-KR" sz="2100" spc="-150" dirty="0">
+              <a:lnSpc>
+                <a:spcPct val="120000"/>
+              </a:lnSpc>
+              <a:defRPr/>
+            </a:pPr>
+            <a:endParaRPr lang="en-US" altLang="ko-KR" sz="1900" spc="-150" dirty="0">
               <a:latin typeface="+mn-ea"/>
               <a:ea typeface="+mn-ea"/>
             </a:endParaRPr>
           </a:p>
           <a:p>
             <a:pPr>
-              <a:defRPr/>
-            </a:pPr>
-            <a:r>
-              <a:rPr lang="en-US" altLang="ko-KR" sz="2100" spc="-150" dirty="0">
-                <a:latin typeface="+mn-ea"/>
-                <a:ea typeface="+mn-ea"/>
-              </a:rPr>
-              <a:t>Answer:</a:t>
-            </a:r>
-            <a:endParaRPr lang="ko-KR" altLang="en-US" sz="2100" spc="-150" dirty="0">
+              <a:lnSpc>
+                <a:spcPct val="120000"/>
+              </a:lnSpc>
+              <a:defRPr/>
+            </a:pPr>
+            <a:r>
+              <a:rPr lang="ko-KR" altLang="en-US" sz="1900" spc="-150" dirty="0">
+                <a:latin typeface="+mn-ea"/>
+                <a:ea typeface="+mn-ea"/>
+              </a:rPr>
+              <a:t>노이즈의 형태를 보니 소금 </a:t>
+            </a:r>
+            <a:r>
+              <a:rPr lang="en-US" altLang="ko-KR" sz="1900" spc="-150" dirty="0">
+                <a:latin typeface="+mn-ea"/>
+                <a:ea typeface="+mn-ea"/>
+              </a:rPr>
+              <a:t>&amp;</a:t>
+            </a:r>
+            <a:r>
+              <a:rPr lang="ko-KR" altLang="en-US" sz="1900" spc="-150" dirty="0">
+                <a:latin typeface="+mn-ea"/>
+                <a:ea typeface="+mn-ea"/>
+              </a:rPr>
+              <a:t> 후추 노이즈와 비슷하여</a:t>
+            </a:r>
+            <a:endParaRPr lang="en-US" altLang="ko-KR" sz="1900" spc="-150" dirty="0">
               <a:latin typeface="+mn-ea"/>
               <a:ea typeface="+mn-ea"/>
             </a:endParaRPr>
           </a:p>
+          <a:p>
+            <a:pPr>
+              <a:lnSpc>
+                <a:spcPct val="120000"/>
+              </a:lnSpc>
+              <a:defRPr/>
+            </a:pPr>
+            <a:r>
+              <a:rPr lang="en-US" altLang="ko-KR" sz="1900" spc="-150" dirty="0">
+                <a:latin typeface="+mn-ea"/>
+                <a:ea typeface="+mn-ea"/>
+              </a:rPr>
+              <a:t>Median Blur </a:t>
+            </a:r>
+            <a:r>
+              <a:rPr lang="ko-KR" altLang="en-US" sz="1900" spc="-150" dirty="0">
+                <a:latin typeface="+mn-ea"/>
+                <a:ea typeface="+mn-ea"/>
+              </a:rPr>
+              <a:t>함수를 사용하여 </a:t>
+            </a:r>
+            <a:r>
+              <a:rPr lang="en-US" altLang="ko-KR" sz="1900" spc="-150" dirty="0">
+                <a:latin typeface="+mn-ea"/>
+                <a:ea typeface="+mn-ea"/>
+              </a:rPr>
+              <a:t>Blur</a:t>
+            </a:r>
+            <a:r>
+              <a:rPr lang="ko-KR" altLang="en-US" sz="1900" spc="-150" dirty="0">
+                <a:latin typeface="+mn-ea"/>
+                <a:ea typeface="+mn-ea"/>
+              </a:rPr>
+              <a:t> 처리를 하게 하였습니다</a:t>
+            </a:r>
+            <a:r>
+              <a:rPr lang="en-US" altLang="ko-KR" sz="1900" spc="-150" dirty="0">
+                <a:latin typeface="+mn-ea"/>
+                <a:ea typeface="+mn-ea"/>
+              </a:rPr>
+              <a:t>.</a:t>
+            </a:r>
+          </a:p>
+          <a:p>
+            <a:pPr>
+              <a:lnSpc>
+                <a:spcPct val="120000"/>
+              </a:lnSpc>
+              <a:defRPr/>
+            </a:pPr>
+            <a:endParaRPr lang="en-US" altLang="ko-KR" sz="1900" spc="-150" dirty="0">
+              <a:latin typeface="+mn-ea"/>
+              <a:ea typeface="+mn-ea"/>
+            </a:endParaRPr>
+          </a:p>
+          <a:p>
+            <a:pPr>
+              <a:lnSpc>
+                <a:spcPct val="120000"/>
+              </a:lnSpc>
+              <a:defRPr/>
+            </a:pPr>
+            <a:r>
+              <a:rPr lang="ko-KR" altLang="en-US" sz="1900" spc="-150" dirty="0">
+                <a:latin typeface="+mn-ea"/>
+                <a:ea typeface="+mn-ea"/>
+              </a:rPr>
+              <a:t>결과를 보니</a:t>
+            </a:r>
+            <a:r>
+              <a:rPr lang="en-US" altLang="ko-KR" sz="1900" spc="-150" dirty="0">
+                <a:latin typeface="+mn-ea"/>
+                <a:ea typeface="+mn-ea"/>
+              </a:rPr>
+              <a:t>,</a:t>
+            </a:r>
+            <a:r>
+              <a:rPr lang="ko-KR" altLang="en-US" sz="1900" spc="-150" dirty="0">
+                <a:latin typeface="+mn-ea"/>
+                <a:ea typeface="+mn-ea"/>
+              </a:rPr>
+              <a:t> 옷만 </a:t>
+            </a:r>
+            <a:r>
+              <a:rPr lang="en-US" altLang="ko-KR" sz="1900" spc="-150" dirty="0">
+                <a:latin typeface="+mn-ea"/>
+                <a:ea typeface="+mn-ea"/>
+              </a:rPr>
+              <a:t>Crop </a:t>
+            </a:r>
+            <a:r>
+              <a:rPr lang="ko-KR" altLang="en-US" sz="1900" spc="-150" dirty="0">
+                <a:latin typeface="+mn-ea"/>
+                <a:ea typeface="+mn-ea"/>
+              </a:rPr>
+              <a:t>된 것을 확인할 수 있습니다</a:t>
+            </a:r>
+            <a:r>
+              <a:rPr lang="en-US" altLang="ko-KR" sz="1900" spc="-150" dirty="0">
+                <a:latin typeface="+mn-ea"/>
+                <a:ea typeface="+mn-ea"/>
+              </a:rPr>
+              <a:t>.</a:t>
+            </a:r>
+            <a:r>
+              <a:rPr lang="ko-KR" altLang="en-US" sz="1900" spc="-150" dirty="0">
+                <a:latin typeface="+mn-ea"/>
+                <a:ea typeface="+mn-ea"/>
+              </a:rPr>
+              <a:t> </a:t>
+            </a:r>
+            <a:endParaRPr lang="en-US" altLang="ko-KR" sz="1900" spc="-150" dirty="0">
+              <a:latin typeface="+mn-ea"/>
+              <a:ea typeface="+mn-ea"/>
+            </a:endParaRPr>
+          </a:p>
         </p:txBody>
       </p:sp>
       <p:pic>
         <p:nvPicPr>
-          <p:cNvPr id="4" name="그림 3" descr="테이블이(가) 표시된 사진&#10;&#10;자동 생성된 설명">
+          <p:cNvPr id="3" name="그림 2" descr="텍스트이(가) 표시된 사진&#10;&#10;자동 생성된 설명">
             <a:extLst>
               <a:ext uri="{FF2B5EF4-FFF2-40B4-BE49-F238E27FC236}">
-                <a16:creationId xmlns:a16="http://schemas.microsoft.com/office/drawing/2014/main" id="{312554CB-C5B7-4B87-8A4D-F16B4EF232A1}"/>
+                <a16:creationId xmlns:a16="http://schemas.microsoft.com/office/drawing/2014/main" id="{7931AA1A-24A1-0E51-3D4F-55486F16BF04}"/>
+              </a:ext>
+            </a:extLst>
+          </p:cNvPr>
+          <p:cNvPicPr>
+            <a:picLocks noChangeAspect="1"/>
+          </p:cNvPicPr>
+          <p:nvPr/>
+        </p:nvPicPr>
+        <p:blipFill rotWithShape="1">
+          <a:blip r:embed="rId3">
+            <a:extLst>
+              <a:ext uri="{28A0092B-C50C-407E-A947-70E740481C1C}">
+                <a14:useLocalDpi xmlns:a14="http://schemas.microsoft.com/office/drawing/2010/main" val="0"/>
+              </a:ext>
+            </a:extLst>
+          </a:blip>
+          <a:srcRect t="75349" r="59869"/>
+          <a:stretch/>
+        </p:blipFill>
+        <p:spPr>
+          <a:xfrm>
+            <a:off x="671439" y="4097602"/>
+            <a:ext cx="2093165" cy="1918282"/>
+          </a:xfrm>
+          <a:prstGeom prst="rect">
+            <a:avLst/>
+          </a:prstGeom>
+        </p:spPr>
+      </p:pic>
+      <p:sp>
+        <p:nvSpPr>
+          <p:cNvPr id="2" name="TextBox 1">
+            <a:extLst>
+              <a:ext uri="{FF2B5EF4-FFF2-40B4-BE49-F238E27FC236}">
+                <a16:creationId xmlns:a16="http://schemas.microsoft.com/office/drawing/2014/main" id="{7E186F57-6B03-B468-D1EE-C9F5C778B93A}"/>
+              </a:ext>
+            </a:extLst>
+          </p:cNvPr>
+          <p:cNvSpPr txBox="1"/>
+          <p:nvPr/>
+        </p:nvSpPr>
+        <p:spPr>
+          <a:xfrm>
+            <a:off x="1012913" y="6122886"/>
+            <a:ext cx="1410215" cy="323165"/>
+          </a:xfrm>
+          <a:prstGeom prst="rect">
+            <a:avLst/>
+          </a:prstGeom>
+          <a:noFill/>
+        </p:spPr>
+        <p:txBody>
+          <a:bodyPr wrap="square" rtlCol="0">
+            <a:spAutoFit/>
+          </a:bodyPr>
+          <a:lstStyle/>
+          <a:p>
+            <a:pPr algn="ctr"/>
+            <a:r>
+              <a:rPr kumimoji="1" lang="ko-Kore-KR" altLang="en-US" sz="1500" dirty="0">
+                <a:latin typeface="+mn-ea"/>
+              </a:rPr>
+              <a:t>블러</a:t>
+            </a:r>
+            <a:r>
+              <a:rPr kumimoji="1" lang="ko-KR" altLang="en-US" sz="1500" dirty="0">
+                <a:latin typeface="+mn-ea"/>
+              </a:rPr>
+              <a:t> 처리 전</a:t>
+            </a:r>
+            <a:endParaRPr kumimoji="1" lang="ko-Kore-KR" altLang="en-US" sz="1500" dirty="0">
+              <a:latin typeface="+mn-ea"/>
+            </a:endParaRPr>
+          </a:p>
+        </p:txBody>
+      </p:sp>
+      <p:pic>
+        <p:nvPicPr>
+          <p:cNvPr id="8" name="그림 7" descr="텍스트이(가) 표시된 사진&#10;&#10;자동 생성된 설명">
+            <a:extLst>
+              <a:ext uri="{FF2B5EF4-FFF2-40B4-BE49-F238E27FC236}">
+                <a16:creationId xmlns:a16="http://schemas.microsoft.com/office/drawing/2014/main" id="{BCF0E9DD-A7C0-44FA-357C-7DC8CE9E64DA}"/>
+              </a:ext>
+            </a:extLst>
+          </p:cNvPr>
+          <p:cNvPicPr>
+            <a:picLocks noChangeAspect="1"/>
+          </p:cNvPicPr>
+          <p:nvPr/>
+        </p:nvPicPr>
+        <p:blipFill rotWithShape="1">
+          <a:blip r:embed="rId4">
+            <a:extLst>
+              <a:ext uri="{28A0092B-C50C-407E-A947-70E740481C1C}">
+                <a14:useLocalDpi xmlns:a14="http://schemas.microsoft.com/office/drawing/2010/main" val="0"/>
+              </a:ext>
+            </a:extLst>
+          </a:blip>
+          <a:srcRect t="76692" r="62783" b="321"/>
+          <a:stretch/>
+        </p:blipFill>
+        <p:spPr>
+          <a:xfrm>
+            <a:off x="3472439" y="4097603"/>
+            <a:ext cx="2034159" cy="1918282"/>
+          </a:xfrm>
+          <a:prstGeom prst="rect">
+            <a:avLst/>
+          </a:prstGeom>
+        </p:spPr>
+      </p:pic>
+      <p:sp>
+        <p:nvSpPr>
+          <p:cNvPr id="10" name="TextBox 9">
+            <a:extLst>
+              <a:ext uri="{FF2B5EF4-FFF2-40B4-BE49-F238E27FC236}">
+                <a16:creationId xmlns:a16="http://schemas.microsoft.com/office/drawing/2014/main" id="{5C0B1878-20E2-1B89-E580-5D832AC7117D}"/>
+              </a:ext>
+            </a:extLst>
+          </p:cNvPr>
+          <p:cNvSpPr txBox="1"/>
+          <p:nvPr/>
+        </p:nvSpPr>
+        <p:spPr>
+          <a:xfrm>
+            <a:off x="3777379" y="6122886"/>
+            <a:ext cx="1410215" cy="323165"/>
+          </a:xfrm>
+          <a:prstGeom prst="rect">
+            <a:avLst/>
+          </a:prstGeom>
+          <a:noFill/>
+        </p:spPr>
+        <p:txBody>
+          <a:bodyPr wrap="square" rtlCol="0">
+            <a:spAutoFit/>
+          </a:bodyPr>
+          <a:lstStyle/>
+          <a:p>
+            <a:pPr algn="ctr"/>
+            <a:r>
+              <a:rPr kumimoji="1" lang="ko-Kore-KR" altLang="en-US" sz="1500" dirty="0">
+                <a:latin typeface="+mn-ea"/>
+              </a:rPr>
+              <a:t>블러</a:t>
+            </a:r>
+            <a:r>
+              <a:rPr kumimoji="1" lang="ko-KR" altLang="en-US" sz="1500" dirty="0">
+                <a:latin typeface="+mn-ea"/>
+              </a:rPr>
+              <a:t> 처리 후</a:t>
+            </a:r>
+            <a:endParaRPr kumimoji="1" lang="ko-Kore-KR" altLang="en-US" sz="1500" dirty="0">
+              <a:latin typeface="+mn-ea"/>
+            </a:endParaRPr>
+          </a:p>
+        </p:txBody>
+      </p:sp>
+      <p:pic>
+        <p:nvPicPr>
+          <p:cNvPr id="12" name="그림 11">
+            <a:extLst>
+              <a:ext uri="{FF2B5EF4-FFF2-40B4-BE49-F238E27FC236}">
+                <a16:creationId xmlns:a16="http://schemas.microsoft.com/office/drawing/2014/main" id="{B1FADF85-8027-E373-D6BD-BDF32BD03BC0}"/>
               </a:ext>
             </a:extLst>
           </p:cNvPr>
@@ -4414,7 +4819,7 @@
           <p:nvPr/>
         </p:nvPicPr>
         <p:blipFill>
-          <a:blip r:embed="rId3">
+          <a:blip r:embed="rId5">
             <a:extLst>
               <a:ext uri="{28A0092B-C50C-407E-A947-70E740481C1C}">
                 <a14:useLocalDpi xmlns:a14="http://schemas.microsoft.com/office/drawing/2010/main" val="0"/>
@@ -4427,54 +4832,64 @@
         </p:blipFill>
         <p:spPr>
           <a:xfrm>
-            <a:off x="6091321" y="2752560"/>
-            <a:ext cx="5768386" cy="2296154"/>
+            <a:off x="8567320" y="1611524"/>
+            <a:ext cx="2364027" cy="4202716"/>
           </a:xfrm>
           <a:prstGeom prst="rect">
             <a:avLst/>
           </a:prstGeom>
+          <a:ln w="19050">
+            <a:solidFill>
+              <a:schemeClr val="tx1"/>
+            </a:solidFill>
+          </a:ln>
         </p:spPr>
       </p:pic>
-      <p:pic>
-        <p:nvPicPr>
-          <p:cNvPr id="6" name="그림 5">
+      <p:sp>
+        <p:nvSpPr>
+          <p:cNvPr id="13" name="TextBox 12">
             <a:extLst>
               <a:ext uri="{FF2B5EF4-FFF2-40B4-BE49-F238E27FC236}">
-                <a16:creationId xmlns:a16="http://schemas.microsoft.com/office/drawing/2014/main" id="{42F7AE86-68F0-5D73-9E81-16D3A2941D74}"/>
+                <a16:creationId xmlns:a16="http://schemas.microsoft.com/office/drawing/2014/main" id="{7FB0B9D1-B55B-C930-1D32-2DE39CF2940A}"/>
               </a:ext>
             </a:extLst>
           </p:cNvPr>
-          <p:cNvPicPr>
-            <a:picLocks noChangeAspect="1"/>
-          </p:cNvPicPr>
+          <p:cNvSpPr txBox="1"/>
           <p:nvPr/>
-        </p:nvPicPr>
-        <p:blipFill>
-          <a:blip r:embed="rId4">
-            <a:extLst>
-              <a:ext uri="{28A0092B-C50C-407E-A947-70E740481C1C}">
-                <a14:useLocalDpi xmlns:a14="http://schemas.microsoft.com/office/drawing/2010/main" val="0"/>
-              </a:ext>
-            </a:extLst>
-          </a:blip>
-          <a:stretch>
-            <a:fillRect/>
-          </a:stretch>
-        </p:blipFill>
-        <p:spPr>
-          <a:xfrm>
-            <a:off x="522197" y="2752560"/>
-            <a:ext cx="5410479" cy="3234026"/>
+        </p:nvSpPr>
+        <p:spPr>
+          <a:xfrm>
+            <a:off x="9044225" y="5830108"/>
+            <a:ext cx="1410215" cy="323165"/>
           </a:xfrm>
           <a:prstGeom prst="rect">
             <a:avLst/>
           </a:prstGeom>
-        </p:spPr>
-      </p:pic>
+          <a:noFill/>
+        </p:spPr>
+        <p:txBody>
+          <a:bodyPr wrap="square" rtlCol="0">
+            <a:spAutoFit/>
+          </a:bodyPr>
+          <a:lstStyle/>
+          <a:p>
+            <a:pPr algn="ctr"/>
+            <a:r>
+              <a:rPr kumimoji="1" lang="ko-KR" altLang="en-US" sz="1500" dirty="0">
+                <a:latin typeface="+mn-ea"/>
+              </a:rPr>
+              <a:t>원본 이미지</a:t>
+            </a:r>
+            <a:endParaRPr kumimoji="1" lang="ko-Kore-KR" altLang="en-US" sz="1500" dirty="0">
+              <a:latin typeface="+mn-ea"/>
+            </a:endParaRPr>
+          </a:p>
+        </p:txBody>
+      </p:sp>
     </p:spTree>
     <p:extLst>
       <p:ext uri="{BB962C8B-B14F-4D97-AF65-F5344CB8AC3E}">
-        <p14:creationId xmlns:p14="http://schemas.microsoft.com/office/powerpoint/2010/main" val="1245507834"/>
+        <p14:creationId xmlns:p14="http://schemas.microsoft.com/office/powerpoint/2010/main" val="90834249"/>
       </p:ext>
     </p:extLst>
   </p:cSld>
@@ -4557,14 +4972,11 @@
               <a:defRPr/>
             </a:pPr>
             <a:r>
-              <a:rPr lang="en-US" altLang="ko-KR" sz="4000" spc="-185" dirty="0">
+              <a:rPr lang="ko-KR" altLang="en-US" sz="4000" spc="-185" dirty="0">
                 <a:latin typeface="+mj-ea"/>
               </a:rPr>
-              <a:t>Mission 3</a:t>
-            </a:r>
-            <a:endParaRPr lang="ko-KR" altLang="en-US" sz="4000" spc="-185" dirty="0">
-              <a:latin typeface="+mj-ea"/>
-            </a:endParaRPr>
+              <a:t>최종 전처리 코드</a:t>
+            </a:r>
           </a:p>
         </p:txBody>
       </p:sp>
@@ -4578,8 +4990,8 @@
         </p:nvSpPr>
         <p:spPr>
           <a:xfrm>
-            <a:off x="363552" y="1669214"/>
-            <a:ext cx="11393019" cy="4379894"/>
+            <a:off x="363552" y="1547727"/>
+            <a:ext cx="11393019" cy="445258"/>
           </a:xfrm>
           <a:prstGeom prst="rect">
             <a:avLst/>
@@ -4610,34 +5022,45 @@
           </a:lstStyle>
           <a:p>
             <a:pPr>
-              <a:lnSpc>
-                <a:spcPct val="120000"/>
-              </a:lnSpc>
-              <a:defRPr/>
-            </a:pPr>
-            <a:r>
-              <a:rPr lang="en-US" altLang="ko-KR" sz="2100" spc="-150" dirty="0">
-                <a:latin typeface="+mn-ea"/>
-                <a:ea typeface="+mn-ea"/>
-              </a:rPr>
-              <a:t>3-2. </a:t>
-            </a:r>
-            <a:r>
-              <a:rPr lang="ko-KR" altLang="en-US" sz="2100" spc="-150" dirty="0">
-                <a:latin typeface="+mn-ea"/>
-                <a:ea typeface="+mn-ea"/>
-              </a:rPr>
-              <a:t>정확도를 올리는 작업을 수행하고 작업 수행과정을 </a:t>
-            </a:r>
-            <a:r>
-              <a:rPr lang="ko-KR" altLang="en-US" sz="2100" spc="-150" dirty="0" err="1">
-                <a:latin typeface="+mn-ea"/>
-                <a:ea typeface="+mn-ea"/>
-              </a:rPr>
-              <a:t>설명하시오</a:t>
-            </a:r>
-            <a:r>
-              <a:rPr lang="en-US" altLang="ko-KR" sz="2100" spc="-150" dirty="0">
+              <a:defRPr/>
+            </a:pPr>
+            <a:r>
+              <a:rPr lang="en-US" altLang="ko-KR" sz="2100" spc="-185" dirty="0">
+                <a:latin typeface="+mn-ea"/>
+                <a:ea typeface="+mn-ea"/>
+              </a:rPr>
+              <a:t>2-1. </a:t>
+            </a:r>
+            <a:r>
+              <a:rPr lang="ko-KR" altLang="en-US" sz="2100" spc="-185" dirty="0">
+                <a:latin typeface="+mn-ea"/>
+                <a:ea typeface="+mn-ea"/>
+              </a:rPr>
+              <a:t>이미지 크기를 적절히 조절하거나</a:t>
+            </a:r>
+            <a:r>
+              <a:rPr lang="en-US" altLang="ko-KR" sz="2100" spc="-185" dirty="0">
+                <a:latin typeface="+mn-ea"/>
+                <a:ea typeface="+mn-ea"/>
+              </a:rPr>
+              <a:t>, </a:t>
+            </a:r>
+            <a:r>
+              <a:rPr lang="ko-KR" altLang="en-US" sz="2100" spc="-185" dirty="0">
+                <a:latin typeface="+mn-ea"/>
+                <a:ea typeface="+mn-ea"/>
+              </a:rPr>
+              <a:t>해상도를 조절하여 학습 데이터 셋을 </a:t>
+            </a:r>
+            <a:r>
+              <a:rPr lang="ko-KR" altLang="en-US" sz="2100" spc="-185" dirty="0" err="1">
+                <a:latin typeface="+mn-ea"/>
+                <a:ea typeface="+mn-ea"/>
+              </a:rPr>
+              <a:t>구축하시오</a:t>
+            </a:r>
+            <a:r>
+              <a:rPr lang="en-US" altLang="ko-KR" sz="2100" spc="-185" dirty="0">
                 <a:latin typeface="+mn-ea"/>
                 <a:ea typeface="+mn-ea"/>
               </a:rPr>
@@ -4646,78 +5069,88 @@
           </a:p>
           <a:p>
             <a:pPr>
-              <a:lnSpc>
-                <a:spcPct val="120000"/>
-              </a:lnSpc>
-              <a:defRPr/>
-            </a:pPr>
-            <a:endParaRPr lang="en-US" altLang="ko-KR" sz="2100" spc="-150" dirty="0">
+              <a:defRPr/>
+            </a:pPr>
+            <a:endParaRPr lang="en-US" altLang="ko-KR" sz="2100" spc="-185" dirty="0">
               <a:latin typeface="+mn-ea"/>
               <a:ea typeface="+mn-ea"/>
             </a:endParaRPr>
           </a:p>
-          <a:p>
-            <a:pPr>
-              <a:lnSpc>
-                <a:spcPct val="120000"/>
-              </a:lnSpc>
-              <a:defRPr/>
-            </a:pPr>
-            <a:r>
-              <a:rPr lang="en-US" altLang="ko-KR" sz="2100" spc="-150" dirty="0">
-                <a:latin typeface="+mn-ea"/>
-                <a:ea typeface="+mn-ea"/>
-              </a:rPr>
-              <a:t>Answer:</a:t>
-            </a:r>
-          </a:p>
-          <a:p>
-            <a:pPr>
-              <a:lnSpc>
-                <a:spcPct val="120000"/>
-              </a:lnSpc>
-              <a:defRPr/>
-            </a:pPr>
-            <a:r>
-              <a:rPr lang="en-US" altLang="ko-KR" sz="2100" spc="-150" dirty="0">
-                <a:latin typeface="+mn-ea"/>
-                <a:ea typeface="+mn-ea"/>
+        </p:txBody>
+      </p:sp>
+      <p:sp>
+        <p:nvSpPr>
+          <p:cNvPr id="5" name="TextBox 4">
+            <a:extLst>
+              <a:ext uri="{FF2B5EF4-FFF2-40B4-BE49-F238E27FC236}">
+                <a16:creationId xmlns:a16="http://schemas.microsoft.com/office/drawing/2014/main" id="{BE27B679-F534-AA60-6303-182A391D5CE6}"/>
+              </a:ext>
+            </a:extLst>
+          </p:cNvPr>
+          <p:cNvSpPr txBox="1"/>
+          <p:nvPr/>
+        </p:nvSpPr>
+        <p:spPr>
+          <a:xfrm>
+            <a:off x="4359842" y="1996181"/>
+            <a:ext cx="7448077" cy="4421595"/>
+          </a:xfrm>
+          <a:prstGeom prst="rect">
+            <a:avLst/>
+          </a:prstGeom>
+          <a:noFill/>
+        </p:spPr>
+        <p:txBody>
+          <a:bodyPr wrap="square" rtlCol="0" anchor="ctr">
+            <a:spAutoFit/>
+          </a:bodyPr>
+          <a:lstStyle/>
+          <a:p>
+            <a:pPr>
+              <a:lnSpc>
+                <a:spcPct val="150000"/>
+              </a:lnSpc>
+              <a:defRPr/>
+            </a:pPr>
+            <a:r>
+              <a:rPr lang="en-US" altLang="ko-KR" sz="1900" spc="-150" dirty="0">
+                <a:latin typeface="+mn-ea"/>
               </a:rPr>
               <a:t>1.</a:t>
             </a:r>
             <a:r>
-              <a:rPr lang="ko-KR" altLang="en-US" sz="2100" spc="-150" dirty="0">
-                <a:latin typeface="+mn-ea"/>
-                <a:ea typeface="+mn-ea"/>
-              </a:rPr>
-              <a:t> 데이터 전처리</a:t>
-            </a:r>
-            <a:r>
-              <a:rPr lang="en-US" altLang="ko-KR" sz="2100" spc="-150" dirty="0">
-                <a:latin typeface="+mn-ea"/>
-                <a:ea typeface="+mn-ea"/>
-              </a:rPr>
-              <a:t>:</a:t>
-            </a:r>
-          </a:p>
-          <a:p>
-            <a:pPr>
-              <a:lnSpc>
-                <a:spcPct val="120000"/>
-              </a:lnSpc>
-              <a:defRPr/>
-            </a:pPr>
-            <a:r>
-              <a:rPr lang="ko-KR" altLang="en-US" sz="2100" spc="-150" dirty="0">
-                <a:latin typeface="+mn-ea"/>
-                <a:ea typeface="+mn-ea"/>
-              </a:rPr>
-              <a:t>정확도를 올리려면 모델 학습의 기초인 전처리가 잘 되어있어야 합니다</a:t>
-            </a:r>
-            <a:r>
-              <a:rPr lang="en-US" altLang="ko-KR" sz="2100" spc="-150" dirty="0">
-                <a:latin typeface="+mn-ea"/>
-                <a:ea typeface="+mn-ea"/>
+              <a:rPr lang="ko-KR" altLang="en-US" sz="1900" spc="-150" dirty="0">
+                <a:latin typeface="+mn-ea"/>
+              </a:rPr>
+              <a:t> 이미지의 위</a:t>
+            </a:r>
+            <a:r>
+              <a:rPr lang="en-US" altLang="ko-KR" sz="1900" spc="-150" dirty="0">
+                <a:latin typeface="+mn-ea"/>
+              </a:rPr>
+              <a:t>,</a:t>
+            </a:r>
+            <a:r>
+              <a:rPr lang="ko-KR" altLang="en-US" sz="1900" spc="-150" dirty="0">
+                <a:latin typeface="+mn-ea"/>
+              </a:rPr>
+              <a:t> 아래</a:t>
+            </a:r>
+            <a:r>
+              <a:rPr lang="en-US" altLang="ko-KR" sz="1900" spc="-150" dirty="0">
+                <a:latin typeface="+mn-ea"/>
+              </a:rPr>
+              <a:t>,</a:t>
+            </a:r>
+            <a:r>
+              <a:rPr lang="ko-KR" altLang="en-US" sz="1900" spc="-150" dirty="0">
+                <a:latin typeface="+mn-ea"/>
+              </a:rPr>
+              <a:t> 양 옆을 강제로 제거한다</a:t>
+            </a:r>
+            <a:r>
+              <a:rPr lang="en-US" altLang="ko-KR" sz="1900" spc="-150" dirty="0">
+                <a:latin typeface="+mn-ea"/>
               </a:rPr>
               <a:t>.</a:t>
             </a:r>
@@ -4725,134 +5158,447 @@
           <a:p>
             <a:pPr>
               <a:lnSpc>
-                <a:spcPct val="120000"/>
-              </a:lnSpc>
-              <a:defRPr/>
-            </a:pPr>
-            <a:r>
-              <a:rPr lang="ko-KR" altLang="en-US" sz="2100" spc="-150" dirty="0">
-                <a:latin typeface="+mn-ea"/>
-                <a:ea typeface="+mn-ea"/>
-              </a:rPr>
-              <a:t>전처리 과정은 위에서 설명했으니 생략하겠습니다</a:t>
-            </a:r>
-            <a:r>
-              <a:rPr lang="en-US" altLang="ko-KR" sz="2100" spc="-150" dirty="0">
-                <a:latin typeface="+mn-ea"/>
-                <a:ea typeface="+mn-ea"/>
+                <a:spcPct val="150000"/>
+              </a:lnSpc>
+              <a:defRPr/>
+            </a:pPr>
+            <a:r>
+              <a:rPr lang="en-US" altLang="ko-KR" sz="1900" spc="-150" dirty="0">
+                <a:latin typeface="+mn-ea"/>
+              </a:rPr>
+              <a:t>2.</a:t>
+            </a:r>
+            <a:r>
+              <a:rPr lang="ko-KR" altLang="en-US" sz="1900" spc="-150" dirty="0">
+                <a:latin typeface="+mn-ea"/>
+              </a:rPr>
+              <a:t> 이미지의 해상도를 낮추고</a:t>
+            </a:r>
+            <a:r>
+              <a:rPr lang="en-US" altLang="ko-KR" sz="1900" spc="-150" dirty="0">
+                <a:latin typeface="+mn-ea"/>
+              </a:rPr>
+              <a:t>,</a:t>
+            </a:r>
+            <a:r>
+              <a:rPr lang="ko-KR" altLang="en-US" sz="1900" spc="-150" dirty="0">
+                <a:latin typeface="+mn-ea"/>
+              </a:rPr>
+              <a:t> </a:t>
+            </a:r>
+            <a:r>
+              <a:rPr lang="en-US" altLang="ko-KR" sz="1900" spc="-150" dirty="0">
+                <a:latin typeface="+mn-ea"/>
+              </a:rPr>
+              <a:t>Gray Scale</a:t>
+            </a:r>
+            <a:r>
+              <a:rPr lang="ko-KR" altLang="en-US" sz="1900" spc="-150" dirty="0">
+                <a:latin typeface="+mn-ea"/>
+              </a:rPr>
+              <a:t>로 전환한다</a:t>
+            </a:r>
+            <a:r>
+              <a:rPr lang="en-US" altLang="ko-KR" sz="1900" spc="-150" dirty="0">
+                <a:latin typeface="+mn-ea"/>
               </a:rPr>
               <a:t>.</a:t>
             </a:r>
-          </a:p>
-          <a:p>
-            <a:pPr>
-              <a:lnSpc>
-                <a:spcPct val="120000"/>
-              </a:lnSpc>
-              <a:defRPr/>
-            </a:pPr>
-            <a:endParaRPr lang="en-US" altLang="ko-KR" sz="2100" spc="-150" dirty="0">
+            <a:r>
+              <a:rPr lang="ko-KR" altLang="en-US" sz="1900" spc="-150" dirty="0">
+                <a:latin typeface="+mn-ea"/>
+              </a:rPr>
+              <a:t> </a:t>
+            </a:r>
+            <a:endParaRPr lang="en-US" altLang="ko-KR" sz="1900" spc="-150" dirty="0">
               <a:latin typeface="+mn-ea"/>
-              <a:ea typeface="+mn-ea"/>
             </a:endParaRPr>
           </a:p>
           <a:p>
             <a:pPr>
               <a:lnSpc>
-                <a:spcPct val="120000"/>
-              </a:lnSpc>
-              <a:defRPr/>
-            </a:pPr>
-            <a:r>
-              <a:rPr lang="en-US" altLang="ko-KR" sz="2100" spc="-150" dirty="0">
-                <a:latin typeface="+mn-ea"/>
-                <a:ea typeface="+mn-ea"/>
-              </a:rPr>
-              <a:t>2.</a:t>
-            </a:r>
-            <a:r>
-              <a:rPr lang="ko-KR" altLang="en-US" sz="2100" spc="-150" dirty="0">
-                <a:latin typeface="+mn-ea"/>
-                <a:ea typeface="+mn-ea"/>
-              </a:rPr>
-              <a:t> 모델 학습</a:t>
-            </a:r>
-            <a:r>
-              <a:rPr lang="en-US" altLang="ko-KR" sz="2100" spc="-150" dirty="0">
-                <a:latin typeface="+mn-ea"/>
-                <a:ea typeface="+mn-ea"/>
-              </a:rPr>
-              <a:t>:</a:t>
-            </a:r>
-          </a:p>
-          <a:p>
-            <a:pPr>
-              <a:lnSpc>
-                <a:spcPct val="120000"/>
-              </a:lnSpc>
-              <a:defRPr/>
-            </a:pPr>
-            <a:r>
-              <a:rPr lang="ko-KR" altLang="en-US" sz="2100" spc="-150" dirty="0">
-                <a:latin typeface="+mn-ea"/>
-                <a:ea typeface="+mn-ea"/>
-              </a:rPr>
-              <a:t>모델 학습 시 레이어 설정과 최적화 함수</a:t>
-            </a:r>
-            <a:r>
-              <a:rPr lang="en-US" altLang="ko-KR" sz="2100" spc="-150" dirty="0">
-                <a:latin typeface="+mn-ea"/>
-                <a:ea typeface="+mn-ea"/>
-              </a:rPr>
-              <a:t>,</a:t>
-            </a:r>
-            <a:r>
-              <a:rPr lang="ko-KR" altLang="en-US" sz="2100" spc="-150" dirty="0">
-                <a:latin typeface="+mn-ea"/>
-                <a:ea typeface="+mn-ea"/>
+                <a:spcPct val="150000"/>
+              </a:lnSpc>
+              <a:defRPr/>
+            </a:pPr>
+            <a:r>
+              <a:rPr lang="en-US" altLang="ko-KR" sz="1900" spc="-150" dirty="0">
+                <a:latin typeface="+mn-ea"/>
+              </a:rPr>
+              <a:t>3.</a:t>
+            </a:r>
+            <a:r>
+              <a:rPr lang="ko-KR" altLang="en-US" sz="1900" spc="-150" dirty="0">
+                <a:latin typeface="+mn-ea"/>
               </a:rPr>
               <a:t> </a:t>
             </a:r>
-            <a:endParaRPr lang="en-US" altLang="ko-KR" sz="2100" spc="-150" dirty="0">
+            <a:r>
+              <a:rPr lang="en-US" altLang="ko-KR" sz="1900" spc="-150" dirty="0">
+                <a:latin typeface="+mn-ea"/>
+              </a:rPr>
+              <a:t>Adaptive</a:t>
+            </a:r>
+            <a:r>
+              <a:rPr lang="ko-KR" altLang="en-US" sz="1900" spc="-150" dirty="0">
+                <a:latin typeface="+mn-ea"/>
+              </a:rPr>
+              <a:t> </a:t>
+            </a:r>
+            <a:r>
+              <a:rPr lang="en-US" altLang="ko-KR" sz="1900" spc="-150" dirty="0">
+                <a:latin typeface="+mn-ea"/>
+              </a:rPr>
+              <a:t>Threshold</a:t>
+            </a:r>
+            <a:r>
+              <a:rPr lang="ko-KR" altLang="en-US" sz="1900" spc="-150" dirty="0">
+                <a:latin typeface="+mn-ea"/>
+              </a:rPr>
+              <a:t> 함수를 이용해 이미지 이진화를 한다</a:t>
+            </a:r>
+            <a:r>
+              <a:rPr lang="en-US" altLang="ko-KR" sz="1900" spc="-150" dirty="0">
+                <a:latin typeface="+mn-ea"/>
+              </a:rPr>
+              <a:t>.</a:t>
+            </a:r>
+          </a:p>
+          <a:p>
+            <a:pPr>
+              <a:lnSpc>
+                <a:spcPct val="150000"/>
+              </a:lnSpc>
+              <a:defRPr/>
+            </a:pPr>
+            <a:r>
+              <a:rPr lang="en-US" altLang="ko-KR" sz="1900" spc="-150" dirty="0">
+                <a:latin typeface="+mn-ea"/>
+              </a:rPr>
+              <a:t>4.</a:t>
+            </a:r>
+            <a:r>
+              <a:rPr lang="ko-KR" altLang="en-US" sz="1900" spc="-150" dirty="0">
+                <a:latin typeface="+mn-ea"/>
+              </a:rPr>
+              <a:t> 노이즈를 낮추기 위해 </a:t>
+            </a:r>
+            <a:r>
+              <a:rPr lang="en-US" altLang="ko-KR" sz="1900" spc="-150" dirty="0">
+                <a:latin typeface="+mn-ea"/>
+              </a:rPr>
+              <a:t>1</a:t>
+            </a:r>
+            <a:r>
+              <a:rPr lang="ko-KR" altLang="en-US" sz="1900" spc="-150" dirty="0">
+                <a:latin typeface="+mn-ea"/>
+              </a:rPr>
+              <a:t>차적으로 </a:t>
+            </a:r>
+            <a:r>
+              <a:rPr lang="en-US" altLang="ko-KR" sz="1900" spc="-150" dirty="0">
+                <a:latin typeface="+mn-ea"/>
+              </a:rPr>
+              <a:t>Blur</a:t>
+            </a:r>
+            <a:r>
+              <a:rPr lang="ko-KR" altLang="en-US" sz="1900" spc="-150" dirty="0">
+                <a:latin typeface="+mn-ea"/>
+              </a:rPr>
+              <a:t> 처리를 한다</a:t>
+            </a:r>
+            <a:r>
+              <a:rPr lang="en-US" altLang="ko-KR" sz="1900" spc="-150" dirty="0">
+                <a:latin typeface="+mn-ea"/>
+              </a:rPr>
+              <a:t>.</a:t>
+            </a:r>
+          </a:p>
+          <a:p>
+            <a:pPr>
+              <a:lnSpc>
+                <a:spcPct val="150000"/>
+              </a:lnSpc>
+              <a:defRPr/>
+            </a:pPr>
+            <a:r>
+              <a:rPr lang="en-US" altLang="ko-KR" sz="1900" spc="-150" dirty="0">
+                <a:latin typeface="+mn-ea"/>
+              </a:rPr>
+              <a:t>5.</a:t>
+            </a:r>
+            <a:r>
+              <a:rPr lang="ko-KR" altLang="en-US" sz="1900" spc="-150" dirty="0">
+                <a:latin typeface="+mn-ea"/>
+              </a:rPr>
+              <a:t> </a:t>
+            </a:r>
+            <a:r>
+              <a:rPr lang="en-US" altLang="ko-KR" sz="1900" spc="-150" dirty="0">
+                <a:latin typeface="+mn-ea"/>
+              </a:rPr>
+              <a:t>2</a:t>
+            </a:r>
+            <a:r>
+              <a:rPr lang="ko-KR" altLang="en-US" sz="1900" spc="-150" dirty="0">
+                <a:latin typeface="+mn-ea"/>
+              </a:rPr>
+              <a:t>차적으로 커널을 생성하여 </a:t>
+            </a:r>
+            <a:r>
+              <a:rPr lang="en-US" altLang="ko-KR" sz="1900" spc="-150" dirty="0">
+                <a:latin typeface="+mn-ea"/>
+              </a:rPr>
+              <a:t>Morphology </a:t>
+            </a:r>
+            <a:r>
+              <a:rPr lang="ko-KR" altLang="en-US" sz="1900" spc="-150" dirty="0">
+                <a:latin typeface="+mn-ea"/>
+              </a:rPr>
+              <a:t>연산 중 </a:t>
+            </a:r>
+            <a:endParaRPr lang="en-US" altLang="ko-KR" sz="1900" spc="-150" dirty="0">
               <a:latin typeface="+mn-ea"/>
-              <a:ea typeface="+mn-ea"/>
             </a:endParaRPr>
           </a:p>
           <a:p>
             <a:pPr>
               <a:lnSpc>
-                <a:spcPct val="120000"/>
-              </a:lnSpc>
-              <a:defRPr/>
-            </a:pPr>
-            <a:r>
-              <a:rPr lang="ko-KR" altLang="en-US" sz="2100" spc="-150" dirty="0" err="1">
-                <a:latin typeface="+mn-ea"/>
-                <a:ea typeface="+mn-ea"/>
-              </a:rPr>
-              <a:t>하이퍼파라미터</a:t>
-            </a:r>
-            <a:r>
-              <a:rPr lang="ko-KR" altLang="en-US" sz="2100" spc="-150" dirty="0">
-                <a:latin typeface="+mn-ea"/>
-                <a:ea typeface="+mn-ea"/>
-              </a:rPr>
-              <a:t> 등을 조작하며 모델의 성능을 늘렸습니다</a:t>
-            </a:r>
-            <a:r>
-              <a:rPr lang="en-US" altLang="ko-KR" sz="2100" spc="-150" dirty="0">
-                <a:latin typeface="+mn-ea"/>
-                <a:ea typeface="+mn-ea"/>
+                <a:spcPct val="150000"/>
+              </a:lnSpc>
+              <a:defRPr/>
+            </a:pPr>
+            <a:r>
+              <a:rPr lang="en-US" altLang="ko-KR" sz="1900" spc="-150" dirty="0">
+                <a:latin typeface="+mn-ea"/>
+              </a:rPr>
+              <a:t>closing </a:t>
+            </a:r>
+            <a:r>
+              <a:rPr lang="ko-KR" altLang="en-US" sz="1900" spc="-150" dirty="0">
+                <a:latin typeface="+mn-ea"/>
+              </a:rPr>
+              <a:t>연산과 </a:t>
+            </a:r>
+            <a:r>
+              <a:rPr lang="en-US" altLang="ko-KR" sz="1900" spc="-150" dirty="0">
+                <a:latin typeface="+mn-ea"/>
+              </a:rPr>
+              <a:t>gradient </a:t>
+            </a:r>
+            <a:r>
+              <a:rPr lang="ko-KR" altLang="en-US" sz="1900" spc="-150" dirty="0">
+                <a:latin typeface="+mn-ea"/>
+              </a:rPr>
+              <a:t>연산을 거친다</a:t>
+            </a:r>
+            <a:r>
+              <a:rPr lang="en-US" altLang="ko-KR" sz="1900" spc="-150" dirty="0">
+                <a:latin typeface="+mn-ea"/>
               </a:rPr>
               <a:t>.</a:t>
             </a:r>
           </a:p>
-        </p:txBody>
-      </p:sp>
+          <a:p>
+            <a:pPr>
+              <a:lnSpc>
+                <a:spcPct val="150000"/>
+              </a:lnSpc>
+              <a:defRPr/>
+            </a:pPr>
+            <a:r>
+              <a:rPr lang="en-US" altLang="ko-KR" sz="1900" spc="-150" dirty="0">
+                <a:latin typeface="+mn-ea"/>
+              </a:rPr>
+              <a:t>6.</a:t>
+            </a:r>
+            <a:r>
+              <a:rPr lang="ko-KR" altLang="en-US" sz="1900" spc="-150" dirty="0">
+                <a:latin typeface="+mn-ea"/>
+              </a:rPr>
+              <a:t> </a:t>
+            </a:r>
+            <a:r>
+              <a:rPr lang="en-US" altLang="ko-KR" sz="1900" spc="-150" dirty="0">
+                <a:latin typeface="+mn-ea"/>
+              </a:rPr>
+              <a:t>Find</a:t>
+            </a:r>
+            <a:r>
+              <a:rPr lang="ko-KR" altLang="en-US" sz="1900" spc="-150" dirty="0">
+                <a:latin typeface="+mn-ea"/>
+              </a:rPr>
+              <a:t> </a:t>
+            </a:r>
+            <a:r>
+              <a:rPr lang="en-US" altLang="ko-KR" sz="1900" spc="-150" dirty="0">
+                <a:latin typeface="+mn-ea"/>
+              </a:rPr>
+              <a:t>Contours</a:t>
+            </a:r>
+            <a:r>
+              <a:rPr lang="ko-KR" altLang="en-US" sz="1900" spc="-150" dirty="0">
+                <a:latin typeface="+mn-ea"/>
+              </a:rPr>
+              <a:t> 함수를 이용해 경계 값을 도출한 후 </a:t>
+            </a:r>
+            <a:endParaRPr lang="en-US" altLang="ko-KR" sz="1900" spc="-150" dirty="0">
+              <a:latin typeface="+mn-ea"/>
+            </a:endParaRPr>
+          </a:p>
+          <a:p>
+            <a:pPr>
+              <a:lnSpc>
+                <a:spcPct val="150000"/>
+              </a:lnSpc>
+              <a:defRPr/>
+            </a:pPr>
+            <a:r>
+              <a:rPr lang="ko-KR" altLang="en-US" sz="1900" spc="-150" dirty="0">
+                <a:latin typeface="+mn-ea"/>
+              </a:rPr>
+              <a:t>그 경계 값으로 사각형을 생성해 이미지 </a:t>
+            </a:r>
+            <a:r>
+              <a:rPr lang="en-US" altLang="ko-KR" sz="1900" spc="-150" dirty="0">
+                <a:latin typeface="+mn-ea"/>
+              </a:rPr>
+              <a:t>trimming </a:t>
+            </a:r>
+            <a:r>
+              <a:rPr lang="ko-KR" altLang="en-US" sz="1900" spc="-150" dirty="0">
+                <a:latin typeface="+mn-ea"/>
+              </a:rPr>
+              <a:t>좌표를 생성한다</a:t>
+            </a:r>
+            <a:r>
+              <a:rPr lang="en-US" altLang="ko-KR" sz="1900" spc="-150" dirty="0">
+                <a:latin typeface="+mn-ea"/>
+              </a:rPr>
+              <a:t>.</a:t>
+            </a:r>
+          </a:p>
+          <a:p>
+            <a:pPr>
+              <a:lnSpc>
+                <a:spcPct val="150000"/>
+              </a:lnSpc>
+              <a:defRPr/>
+            </a:pPr>
+            <a:r>
+              <a:rPr lang="en-US" altLang="ko-KR" sz="1900" spc="-150" dirty="0">
+                <a:latin typeface="+mn-ea"/>
+              </a:rPr>
+              <a:t>7.</a:t>
+            </a:r>
+            <a:r>
+              <a:rPr lang="ko-KR" altLang="en-US" sz="1900" spc="-150" dirty="0">
+                <a:latin typeface="+mn-ea"/>
+              </a:rPr>
+              <a:t> 적응형 이진화 된 이미지를 </a:t>
+            </a:r>
+            <a:r>
+              <a:rPr lang="en-US" altLang="ko-KR" sz="1900" spc="-150" dirty="0">
+                <a:latin typeface="+mn-ea"/>
+              </a:rPr>
+              <a:t>6</a:t>
+            </a:r>
+            <a:r>
+              <a:rPr lang="ko-KR" altLang="en-US" sz="1900" spc="-150" dirty="0">
+                <a:latin typeface="+mn-ea"/>
+              </a:rPr>
+              <a:t>번에서 구한 좌표로 자르고</a:t>
+            </a:r>
+            <a:endParaRPr lang="en-US" altLang="ko-KR" sz="1900" spc="-150" dirty="0">
+              <a:latin typeface="+mn-ea"/>
+            </a:endParaRPr>
+          </a:p>
+          <a:p>
+            <a:pPr>
+              <a:lnSpc>
+                <a:spcPct val="150000"/>
+              </a:lnSpc>
+              <a:defRPr/>
+            </a:pPr>
+            <a:r>
+              <a:rPr lang="en-US" altLang="ko-KR" sz="1900" spc="-150" dirty="0">
+                <a:latin typeface="+mn-ea"/>
+              </a:rPr>
+              <a:t>32 x 32 </a:t>
+            </a:r>
+            <a:r>
+              <a:rPr lang="ko-KR" altLang="en-US" sz="1900" spc="-150" dirty="0">
+                <a:latin typeface="+mn-ea"/>
+              </a:rPr>
+              <a:t>사이즈로 </a:t>
+            </a:r>
+            <a:r>
+              <a:rPr lang="en-US" altLang="ko-KR" sz="1900" spc="-150" dirty="0">
+                <a:latin typeface="+mn-ea"/>
+              </a:rPr>
+              <a:t>Resize</a:t>
+            </a:r>
+            <a:r>
+              <a:rPr lang="ko-KR" altLang="en-US" sz="1900" spc="-150" dirty="0">
+                <a:latin typeface="+mn-ea"/>
+              </a:rPr>
+              <a:t> 후 </a:t>
+            </a:r>
+            <a:r>
+              <a:rPr lang="en-US" altLang="ko-KR" sz="1900" spc="-150" dirty="0">
+                <a:latin typeface="+mn-ea"/>
+              </a:rPr>
+              <a:t>Return </a:t>
+            </a:r>
+            <a:r>
+              <a:rPr lang="ko-KR" altLang="en-US" sz="1900" spc="-150" dirty="0">
+                <a:latin typeface="+mn-ea"/>
+              </a:rPr>
+              <a:t>한다</a:t>
+            </a:r>
+            <a:r>
+              <a:rPr lang="en-US" altLang="ko-KR" sz="1900" spc="-150" dirty="0">
+                <a:latin typeface="+mn-ea"/>
+              </a:rPr>
+              <a:t>.</a:t>
+            </a:r>
+          </a:p>
+        </p:txBody>
+      </p:sp>
+      <p:pic>
+        <p:nvPicPr>
+          <p:cNvPr id="6" name="그림 5">
+            <a:extLst>
+              <a:ext uri="{FF2B5EF4-FFF2-40B4-BE49-F238E27FC236}">
+                <a16:creationId xmlns:a16="http://schemas.microsoft.com/office/drawing/2014/main" id="{EE882DA8-81DF-FCCE-25FC-03A2CCC2406C}"/>
+              </a:ext>
+            </a:extLst>
+          </p:cNvPr>
+          <p:cNvPicPr>
+            <a:picLocks noChangeAspect="1"/>
+          </p:cNvPicPr>
+          <p:nvPr/>
+        </p:nvPicPr>
+        <p:blipFill>
+          <a:blip r:embed="rId3"/>
+          <a:stretch>
+            <a:fillRect/>
+          </a:stretch>
+        </p:blipFill>
+        <p:spPr>
+          <a:xfrm>
+            <a:off x="618810" y="1991157"/>
+            <a:ext cx="3282518" cy="4772643"/>
+          </a:xfrm>
+          <a:prstGeom prst="rect">
+            <a:avLst/>
+          </a:prstGeom>
+        </p:spPr>
+      </p:pic>
     </p:spTree>
     <p:extLst>
       <p:ext uri="{BB962C8B-B14F-4D97-AF65-F5344CB8AC3E}">
-        <p14:creationId xmlns:p14="http://schemas.microsoft.com/office/powerpoint/2010/main" val="3567038506"/>
+        <p14:creationId xmlns:p14="http://schemas.microsoft.com/office/powerpoint/2010/main" val="1442489701"/>
       </p:ext>
     </p:extLst>
   </p:cSld>
@@ -4938,7 +5684,7 @@
               <a:rPr lang="en-US" altLang="ko-KR" sz="4000" spc="-185" dirty="0">
                 <a:latin typeface="+mj-ea"/>
               </a:rPr>
-              <a:t>Mission 3</a:t>
+              <a:t>Mission 2</a:t>
             </a:r>
             <a:endParaRPr lang="ko-KR" altLang="en-US" sz="4000" spc="-185" dirty="0">
               <a:latin typeface="+mj-ea"/>
@@ -4956,8 +5702,8 @@
         </p:nvSpPr>
         <p:spPr>
           <a:xfrm>
-            <a:off x="363552" y="1530068"/>
-            <a:ext cx="12192000" cy="4379894"/>
+            <a:off x="363552" y="1507970"/>
+            <a:ext cx="11523648" cy="4488793"/>
           </a:xfrm>
           <a:prstGeom prst="rect">
             <a:avLst/>
@@ -4989,7 +5735,7 @@
           <a:p>
             <a:pPr>
               <a:lnSpc>
-                <a:spcPct val="130000"/>
+                <a:spcPct val="150000"/>
               </a:lnSpc>
               <a:defRPr/>
             </a:pPr>
@@ -4998,15 +5744,86 @@
                 <a:latin typeface="+mn-ea"/>
                 <a:ea typeface="+mn-ea"/>
               </a:rPr>
-              <a:t>3-3. </a:t>
+              <a:t>2-2. Color</a:t>
             </a:r>
             <a:r>
               <a:rPr lang="ko-KR" altLang="en-US" sz="2100" spc="-150" dirty="0">
                 <a:latin typeface="+mn-ea"/>
                 <a:ea typeface="+mn-ea"/>
               </a:rPr>
-              <a:t>오류가 나온 이미지에 대해 왜 오류가 나왔는지 </a:t>
-            </a:r>
+              <a:t>는 자세한 정보지만</a:t>
+            </a:r>
+            <a:r>
+              <a:rPr lang="en-US" altLang="ko-KR" sz="2100" spc="-150" dirty="0">
+                <a:latin typeface="+mn-ea"/>
+                <a:ea typeface="+mn-ea"/>
+              </a:rPr>
+              <a:t>, </a:t>
+            </a:r>
+            <a:r>
+              <a:rPr lang="ko-KR" altLang="en-US" sz="2100" spc="-150" dirty="0">
+                <a:latin typeface="+mn-ea"/>
+                <a:ea typeface="+mn-ea"/>
+              </a:rPr>
+              <a:t>데이터가 크고</a:t>
+            </a:r>
+            <a:r>
+              <a:rPr lang="en-US" altLang="ko-KR" sz="2100" spc="-150" dirty="0">
+                <a:latin typeface="+mn-ea"/>
+                <a:ea typeface="+mn-ea"/>
+              </a:rPr>
+              <a:t>, Gray</a:t>
+            </a:r>
+            <a:r>
+              <a:rPr lang="ko-KR" altLang="en-US" sz="2100" spc="-150" dirty="0">
+                <a:latin typeface="+mn-ea"/>
+                <a:ea typeface="+mn-ea"/>
+              </a:rPr>
+              <a:t>는 덜 자세하지만 데이터가 작아</a:t>
+            </a:r>
+            <a:r>
+              <a:rPr lang="en-US" altLang="ko-KR" sz="2100" spc="-150" dirty="0">
+                <a:latin typeface="+mn-ea"/>
+                <a:ea typeface="+mn-ea"/>
+              </a:rPr>
+              <a:t> </a:t>
+            </a:r>
+            <a:r>
+              <a:rPr lang="ko-KR" altLang="en-US" sz="2100" spc="-150" dirty="0">
+                <a:latin typeface="+mn-ea"/>
+                <a:ea typeface="+mn-ea"/>
+              </a:rPr>
+              <a:t>학습에 유리하다</a:t>
+            </a:r>
+            <a:r>
+              <a:rPr lang="en-US" altLang="ko-KR" sz="2100" spc="-150" dirty="0">
+                <a:latin typeface="+mn-ea"/>
+                <a:ea typeface="+mn-ea"/>
+              </a:rPr>
+              <a:t>. </a:t>
+            </a:r>
+            <a:r>
+              <a:rPr lang="ko-KR" altLang="en-US" sz="2100" spc="-150" dirty="0">
+                <a:latin typeface="+mn-ea"/>
+                <a:ea typeface="+mn-ea"/>
+              </a:rPr>
+              <a:t>어떤 데이터셋이 분류문제에서 더 좋은 결과를 보이는가</a:t>
+            </a:r>
+            <a:r>
+              <a:rPr lang="en-US" altLang="ko-KR" sz="2100" spc="-150" dirty="0">
+                <a:latin typeface="+mn-ea"/>
+                <a:ea typeface="+mn-ea"/>
+              </a:rPr>
+              <a:t>?</a:t>
+            </a:r>
+          </a:p>
+          <a:p>
+            <a:pPr>
+              <a:lnSpc>
+                <a:spcPct val="150000"/>
+              </a:lnSpc>
+              <a:defRPr/>
+            </a:pPr>
             <a:endParaRPr lang="en-US" altLang="ko-KR" sz="2100" spc="-150" dirty="0">
               <a:latin typeface="+mn-ea"/>
               <a:ea typeface="+mn-ea"/>
@@ -5015,53 +5832,89 @@
           <a:p>
             <a:pPr>
               <a:lnSpc>
-                <a:spcPct val="130000"/>
-              </a:lnSpc>
-              <a:defRPr/>
-            </a:pPr>
+                <a:spcPct val="150000"/>
+              </a:lnSpc>
+              <a:defRPr/>
+            </a:pPr>
+            <a:r>
+              <a:rPr lang="en-US" altLang="ko-KR" sz="2100" spc="-150" dirty="0">
+                <a:latin typeface="+mn-ea"/>
+                <a:ea typeface="+mn-ea"/>
+              </a:rPr>
+              <a:t>Answer:</a:t>
+            </a:r>
+          </a:p>
+          <a:p>
+            <a:pPr>
+              <a:lnSpc>
+                <a:spcPct val="150000"/>
+              </a:lnSpc>
+              <a:defRPr/>
+            </a:pPr>
+            <a:r>
+              <a:rPr lang="en-US" altLang="ko-KR" sz="2100" spc="-150" dirty="0">
+                <a:latin typeface="+mn-ea"/>
+                <a:ea typeface="+mn-ea"/>
+              </a:rPr>
+              <a:t>Color</a:t>
+            </a:r>
             <a:r>
               <a:rPr lang="ko-KR" altLang="en-US" sz="2100" spc="-150" dirty="0">
                 <a:latin typeface="+mn-ea"/>
                 <a:ea typeface="+mn-ea"/>
               </a:rPr>
-              <a:t>그동안 미션 수행에서 얻은 경험과 지식을</a:t>
+              <a:t>는 </a:t>
             </a:r>
             <a:r>
               <a:rPr lang="en-US" altLang="ko-KR" sz="2100" spc="-150" dirty="0">
                 <a:latin typeface="+mn-ea"/>
                 <a:ea typeface="+mn-ea"/>
               </a:rPr>
+              <a:t>3</a:t>
+            </a:r>
+            <a:r>
+              <a:rPr lang="ko-KR" altLang="en-US" sz="2100" spc="-150" dirty="0">
+                <a:latin typeface="+mn-ea"/>
+                <a:ea typeface="+mn-ea"/>
+              </a:rPr>
+              <a:t>차원 데이터로 정보가 너무 많아 정확도가 떨어질 수 있고</a:t>
+            </a:r>
+            <a:r>
+              <a:rPr lang="en-US" altLang="ko-KR" sz="2100" spc="-150" dirty="0">
+                <a:latin typeface="+mn-ea"/>
+                <a:ea typeface="+mn-ea"/>
+              </a:rPr>
+              <a:t>,</a:t>
+            </a:r>
+          </a:p>
+          <a:p>
+            <a:pPr>
+              <a:lnSpc>
+                <a:spcPct val="150000"/>
+              </a:lnSpc>
+              <a:defRPr/>
+            </a:pPr>
+            <a:r>
+              <a:rPr lang="ko-KR" altLang="en-US" sz="2100" spc="-150" dirty="0">
+                <a:latin typeface="+mn-ea"/>
+                <a:ea typeface="+mn-ea"/>
+              </a:rPr>
+              <a:t>상품 분류는 색이 아닌 옷의 형태로 구분되기 때문에 색상 데이터는 필요하지 않습니다</a:t>
+            </a:r>
+            <a:r>
+              <a:rPr lang="en-US" altLang="ko-KR" sz="2100" spc="-150" dirty="0">
+                <a:latin typeface="+mn-ea"/>
+                <a:ea typeface="+mn-ea"/>
+              </a:rPr>
+              <a:t>.</a:t>
+            </a:r>
+            <a:r>
+              <a:rPr lang="ko-KR" altLang="en-US" sz="2100" spc="-150" dirty="0">
+                <a:latin typeface="+mn-ea"/>
+                <a:ea typeface="+mn-ea"/>
+              </a:rPr>
               <a:t> </a:t>
             </a:r>
-            <a:r>
-              <a:rPr lang="ko-KR" altLang="en-US" sz="2100" spc="-150" dirty="0">
-                <a:latin typeface="+mn-ea"/>
-                <a:ea typeface="+mn-ea"/>
-              </a:rPr>
-              <a:t>통해 </a:t>
-            </a:r>
-            <a:r>
-              <a:rPr lang="ko-KR" altLang="en-US" sz="2100" spc="-150" dirty="0" err="1">
-                <a:latin typeface="+mn-ea"/>
-                <a:ea typeface="+mn-ea"/>
-              </a:rPr>
-              <a:t>설명하시오</a:t>
-            </a:r>
-            <a:r>
-              <a:rPr lang="en-US" altLang="ko-KR" sz="2100" spc="-150" dirty="0">
-                <a:latin typeface="+mn-ea"/>
-                <a:ea typeface="+mn-ea"/>
-              </a:rPr>
-              <a:t>.</a:t>
-            </a:r>
-          </a:p>
-          <a:p>
-            <a:pPr>
-              <a:lnSpc>
-                <a:spcPct val="130000"/>
-              </a:lnSpc>
-              <a:defRPr/>
-            </a:pPr>
             <a:endParaRPr lang="en-US" altLang="ko-KR" sz="2100" spc="-150" dirty="0">
               <a:latin typeface="+mn-ea"/>
               <a:ea typeface="+mn-ea"/>
@@ -5070,32 +5923,30 @@
           <a:p>
             <a:pPr>
               <a:lnSpc>
-                <a:spcPct val="130000"/>
-              </a:lnSpc>
-              <a:defRPr/>
-            </a:pPr>
+                <a:spcPct val="150000"/>
+              </a:lnSpc>
+              <a:defRPr/>
+            </a:pPr>
+            <a:r>
+              <a:rPr lang="ko-KR" altLang="en-US" sz="2100" spc="-150" dirty="0">
+                <a:latin typeface="+mn-ea"/>
+                <a:ea typeface="+mn-ea"/>
+              </a:rPr>
+              <a:t>그렇기에</a:t>
+            </a:r>
             <a:r>
               <a:rPr lang="en-US" altLang="ko-KR" sz="2100" spc="-150" dirty="0">
                 <a:latin typeface="+mn-ea"/>
                 <a:ea typeface="+mn-ea"/>
               </a:rPr>
-              <a:t>Answer:</a:t>
-            </a:r>
-          </a:p>
-          <a:p>
-            <a:pPr>
-              <a:lnSpc>
-                <a:spcPct val="130000"/>
-              </a:lnSpc>
-              <a:defRPr/>
-            </a:pPr>
-            <a:r>
-              <a:rPr lang="ko-KR" altLang="en-US" sz="2100" b="0" i="0" spc="-150" dirty="0">
-                <a:effectLst/>
-                <a:latin typeface="+mn-ea"/>
-                <a:ea typeface="+mn-ea"/>
-              </a:rPr>
-              <a:t>오류가 나온 이미지는 대부분 라벨링이 잘못 매칭된 경우였습니다</a:t>
+              <a:t> Gray Scale</a:t>
+            </a:r>
+            <a:r>
+              <a:rPr lang="ko-KR" altLang="en-US" sz="2100" spc="-150" dirty="0">
+                <a:latin typeface="+mn-ea"/>
+                <a:ea typeface="+mn-ea"/>
+              </a:rPr>
+              <a:t>로 학습을 진행하였습니다</a:t>
             </a:r>
             <a:r>
               <a:rPr lang="en-US" altLang="ko-KR" sz="2100" spc="-150" dirty="0">
@@ -5104,211 +5955,25 @@
               </a:rPr>
               <a:t>.</a:t>
             </a:r>
-            <a:endParaRPr lang="en-US" altLang="ko-KR" sz="2100" b="0" i="0" spc="-150" dirty="0">
-              <a:effectLst/>
+          </a:p>
+          <a:p>
+            <a:pPr>
+              <a:lnSpc>
+                <a:spcPct val="150000"/>
+              </a:lnSpc>
+              <a:defRPr/>
+            </a:pPr>
+            <a:endParaRPr lang="en-US" altLang="ko-KR" sz="2100" spc="-150" dirty="0">
               <a:latin typeface="+mn-ea"/>
               <a:ea typeface="+mn-ea"/>
             </a:endParaRPr>
           </a:p>
-          <a:p>
-            <a:pPr>
-              <a:lnSpc>
-                <a:spcPct val="130000"/>
-              </a:lnSpc>
-              <a:defRPr/>
-            </a:pPr>
-            <a:r>
-              <a:rPr lang="ko-KR" altLang="en-US" sz="2100" b="0" i="0" spc="-150" dirty="0">
-                <a:effectLst/>
-                <a:latin typeface="+mn-ea"/>
-                <a:ea typeface="+mn-ea"/>
-              </a:rPr>
-              <a:t>이 부분 제외시키고 학습하였더니 정확도가 많이 증가했습니다</a:t>
-            </a:r>
-            <a:r>
-              <a:rPr lang="en-US" altLang="ko-KR" sz="2100" b="0" i="0" spc="-150" dirty="0">
-                <a:effectLst/>
-                <a:latin typeface="+mn-ea"/>
-                <a:ea typeface="+mn-ea"/>
-              </a:rPr>
-              <a:t>.</a:t>
-            </a:r>
-            <a:endParaRPr lang="ko-KR" altLang="en-US" sz="2100" spc="-150" dirty="0">
-              <a:latin typeface="+mn-ea"/>
-              <a:ea typeface="+mn-ea"/>
-            </a:endParaRPr>
-          </a:p>
-        </p:txBody>
-      </p:sp>
-      <p:pic>
-        <p:nvPicPr>
-          <p:cNvPr id="4" name="그림 3" descr="텍스트이(가) 표시된 사진&#10;&#10;자동 생성된 설명">
-            <a:extLst>
-              <a:ext uri="{FF2B5EF4-FFF2-40B4-BE49-F238E27FC236}">
-                <a16:creationId xmlns:a16="http://schemas.microsoft.com/office/drawing/2014/main" id="{8AE7D982-6FC5-7175-7AA7-A82F5A37B627}"/>
-              </a:ext>
-            </a:extLst>
-          </p:cNvPr>
-          <p:cNvPicPr>
-            <a:picLocks noChangeAspect="1"/>
-          </p:cNvPicPr>
-          <p:nvPr/>
-        </p:nvPicPr>
-        <p:blipFill>
-          <a:blip r:embed="rId3">
-            <a:extLst>
-              <a:ext uri="{28A0092B-C50C-407E-A947-70E740481C1C}">
-                <a14:useLocalDpi xmlns:a14="http://schemas.microsoft.com/office/drawing/2010/main" val="0"/>
-              </a:ext>
-            </a:extLst>
-          </a:blip>
-          <a:stretch>
-            <a:fillRect/>
-          </a:stretch>
-        </p:blipFill>
-        <p:spPr>
-          <a:xfrm>
-            <a:off x="6523131" y="4495392"/>
-            <a:ext cx="5305317" cy="1160538"/>
-          </a:xfrm>
-          <a:prstGeom prst="rect">
-            <a:avLst/>
-          </a:prstGeom>
-        </p:spPr>
-      </p:pic>
-      <p:pic>
-        <p:nvPicPr>
-          <p:cNvPr id="6" name="그림 5" descr="텍스트이(가) 표시된 사진&#10;&#10;자동 생성된 설명">
-            <a:extLst>
-              <a:ext uri="{FF2B5EF4-FFF2-40B4-BE49-F238E27FC236}">
-                <a16:creationId xmlns:a16="http://schemas.microsoft.com/office/drawing/2014/main" id="{D1E2E735-5BAD-ADB3-4574-E56A4A5A255D}"/>
-              </a:ext>
-            </a:extLst>
-          </p:cNvPr>
-          <p:cNvPicPr>
-            <a:picLocks noChangeAspect="1"/>
-          </p:cNvPicPr>
-          <p:nvPr/>
-        </p:nvPicPr>
-        <p:blipFill rotWithShape="1">
-          <a:blip r:embed="rId4">
-            <a:extLst>
-              <a:ext uri="{28A0092B-C50C-407E-A947-70E740481C1C}">
-                <a14:useLocalDpi xmlns:a14="http://schemas.microsoft.com/office/drawing/2010/main" val="0"/>
-              </a:ext>
-            </a:extLst>
-          </a:blip>
-          <a:srcRect l="4271" t="4589" r="6013" b="27823"/>
-          <a:stretch/>
-        </p:blipFill>
-        <p:spPr>
-          <a:xfrm>
-            <a:off x="546637" y="4495392"/>
-            <a:ext cx="5762928" cy="1160538"/>
-          </a:xfrm>
-          <a:prstGeom prst="rect">
-            <a:avLst/>
-          </a:prstGeom>
-        </p:spPr>
-      </p:pic>
-      <p:sp>
-        <p:nvSpPr>
-          <p:cNvPr id="7" name="TextBox 6">
-            <a:extLst>
-              <a:ext uri="{FF2B5EF4-FFF2-40B4-BE49-F238E27FC236}">
-                <a16:creationId xmlns:a16="http://schemas.microsoft.com/office/drawing/2014/main" id="{5D8C7A91-AFC0-F546-9C1D-8E50C775F4D0}"/>
-              </a:ext>
-            </a:extLst>
-          </p:cNvPr>
-          <p:cNvSpPr txBox="1"/>
-          <p:nvPr/>
-        </p:nvSpPr>
-        <p:spPr>
-          <a:xfrm>
-            <a:off x="2266654" y="5691294"/>
-            <a:ext cx="2272423" cy="336118"/>
-          </a:xfrm>
-          <a:prstGeom prst="rect">
-            <a:avLst/>
-          </a:prstGeom>
-          <a:noFill/>
-        </p:spPr>
-        <p:txBody>
-          <a:bodyPr wrap="square" rtlCol="0">
-            <a:spAutoFit/>
-          </a:bodyPr>
-          <a:lstStyle/>
-          <a:p>
-            <a:pPr algn="ctr"/>
-            <a:r>
-              <a:rPr kumimoji="1" lang="ko-Kore-KR" altLang="en-US" dirty="0">
-                <a:latin typeface="+mn-ea"/>
-              </a:rPr>
-              <a:t>이상치</a:t>
-            </a:r>
-            <a:r>
-              <a:rPr kumimoji="1" lang="ko-KR" altLang="en-US" dirty="0">
-                <a:latin typeface="+mn-ea"/>
-              </a:rPr>
-              <a:t> 제외 전</a:t>
-            </a:r>
-            <a:endParaRPr kumimoji="1" lang="ko-Kore-KR" altLang="en-US" dirty="0">
-              <a:latin typeface="+mn-ea"/>
-            </a:endParaRPr>
-          </a:p>
-        </p:txBody>
-      </p:sp>
-      <p:sp>
-        <p:nvSpPr>
-          <p:cNvPr id="8" name="TextBox 7">
-            <a:extLst>
-              <a:ext uri="{FF2B5EF4-FFF2-40B4-BE49-F238E27FC236}">
-                <a16:creationId xmlns:a16="http://schemas.microsoft.com/office/drawing/2014/main" id="{22186F17-FDC4-FABB-B1BE-D374A650DAE8}"/>
-              </a:ext>
-            </a:extLst>
-          </p:cNvPr>
-          <p:cNvSpPr txBox="1"/>
-          <p:nvPr/>
-        </p:nvSpPr>
-        <p:spPr>
-          <a:xfrm>
-            <a:off x="8039577" y="5691294"/>
-            <a:ext cx="2272423" cy="336118"/>
-          </a:xfrm>
-          <a:prstGeom prst="rect">
-            <a:avLst/>
-          </a:prstGeom>
-          <a:noFill/>
-        </p:spPr>
-        <p:txBody>
-          <a:bodyPr wrap="square" rtlCol="0">
-            <a:spAutoFit/>
-          </a:bodyPr>
-          <a:lstStyle/>
-          <a:p>
-            <a:pPr algn="ctr"/>
-            <a:r>
-              <a:rPr kumimoji="1" lang="ko-Kore-KR" altLang="en-US" dirty="0">
-                <a:latin typeface="+mn-ea"/>
-              </a:rPr>
-              <a:t>이상치</a:t>
-            </a:r>
-            <a:r>
-              <a:rPr kumimoji="1" lang="ko-KR" altLang="en-US" dirty="0">
-                <a:latin typeface="+mn-ea"/>
-              </a:rPr>
-              <a:t> 제외 후</a:t>
-            </a:r>
-            <a:endParaRPr kumimoji="1" lang="ko-Kore-KR" altLang="en-US" dirty="0">
-              <a:latin typeface="+mn-ea"/>
-            </a:endParaRPr>
-          </a:p>
         </p:txBody>
       </p:sp>
     </p:spTree>
     <p:extLst>
       <p:ext uri="{BB962C8B-B14F-4D97-AF65-F5344CB8AC3E}">
-        <p14:creationId xmlns:p14="http://schemas.microsoft.com/office/powerpoint/2010/main" val="1810387115"/>
+        <p14:creationId xmlns:p14="http://schemas.microsoft.com/office/powerpoint/2010/main" val="3233515066"/>
       </p:ext>
     </p:extLst>
   </p:cSld>
@@ -5391,11 +6056,14 @@
               <a:defRPr/>
             </a:pPr>
             <a:r>
-              <a:rPr lang="ko-KR" altLang="en-US" sz="4000" spc="-185" dirty="0">
+              <a:rPr lang="en-US" altLang="ko-KR" sz="4000" spc="-185" dirty="0">
                 <a:latin typeface="+mj-ea"/>
               </a:rPr>
-              <a:t>이상치 제외 작업</a:t>
-            </a:r>
+              <a:t>Mission 3</a:t>
+            </a:r>
+            <a:endParaRPr lang="ko-KR" altLang="en-US" sz="4000" spc="-185" dirty="0">
+              <a:latin typeface="+mj-ea"/>
+            </a:endParaRPr>
           </a:p>
         </p:txBody>
       </p:sp>
@@ -5409,8 +6077,8 @@
         </p:nvSpPr>
         <p:spPr>
           <a:xfrm>
-            <a:off x="363552" y="1593704"/>
-            <a:ext cx="12192000" cy="1392508"/>
+            <a:off x="363552" y="1669214"/>
+            <a:ext cx="11393019" cy="4379894"/>
           </a:xfrm>
           <a:prstGeom prst="rect">
             <a:avLst/>
@@ -5441,20 +6109,45 @@
           </a:lstStyle>
           <a:p>
             <a:pPr>
-              <a:lnSpc>
-                <a:spcPct val="110000"/>
-              </a:lnSpc>
-              <a:defRPr/>
-            </a:pPr>
-            <a:r>
-              <a:rPr lang="ko-KR" altLang="en-US" sz="1900" spc="-150" dirty="0">
-                <a:latin typeface="+mn-ea"/>
-                <a:ea typeface="+mn-ea"/>
-              </a:rPr>
-              <a:t>라벨이 잘못 설정되어 있는 이슈가 있었습니다</a:t>
-            </a:r>
-            <a:r>
-              <a:rPr lang="en-US" altLang="ko-KR" sz="1900" spc="-150" dirty="0">
+              <a:defRPr/>
+            </a:pPr>
+            <a:r>
+              <a:rPr lang="en-US" altLang="ko-KR" sz="2100" spc="-150" dirty="0">
+                <a:latin typeface="+mn-ea"/>
+                <a:ea typeface="+mn-ea"/>
+              </a:rPr>
+              <a:t>3-1. </a:t>
+            </a:r>
+            <a:r>
+              <a:rPr lang="ko-KR" altLang="en-US" sz="2100" spc="-150" dirty="0">
+                <a:latin typeface="+mn-ea"/>
+                <a:ea typeface="+mn-ea"/>
+              </a:rPr>
+              <a:t>분류 문제를 수행하여 </a:t>
+            </a:r>
+            <a:r>
+              <a:rPr lang="en" altLang="ko-KR" sz="2100" spc="-150" dirty="0">
+                <a:latin typeface="+mn-ea"/>
+                <a:ea typeface="+mn-ea"/>
+              </a:rPr>
+              <a:t>Validation </a:t>
+            </a:r>
+            <a:r>
+              <a:rPr lang="ko-KR" altLang="en-US" sz="2100" spc="-150" dirty="0">
+                <a:latin typeface="+mn-ea"/>
+                <a:ea typeface="+mn-ea"/>
+              </a:rPr>
+              <a:t>데이터의 라벨 별 정확도를 </a:t>
+            </a:r>
+            <a:r>
+              <a:rPr lang="ko-KR" altLang="en-US" sz="2100" spc="-150" dirty="0" err="1">
+                <a:latin typeface="+mn-ea"/>
+                <a:ea typeface="+mn-ea"/>
+              </a:rPr>
+              <a:t>제시하시오</a:t>
+            </a:r>
+            <a:r>
+              <a:rPr lang="en-US" altLang="ko-KR" sz="2100" spc="-150" dirty="0">
                 <a:latin typeface="+mn-ea"/>
                 <a:ea typeface="+mn-ea"/>
               </a:rPr>
@@ -5463,60 +6156,25 @@
           </a:p>
           <a:p>
             <a:pPr>
-              <a:lnSpc>
-                <a:spcPct val="110000"/>
-              </a:lnSpc>
-              <a:defRPr/>
-            </a:pPr>
-            <a:endParaRPr lang="en-US" altLang="ko-KR" sz="1900" spc="-150" dirty="0">
+              <a:defRPr/>
+            </a:pPr>
+            <a:endParaRPr lang="en-US" altLang="ko-KR" sz="2100" spc="-150" dirty="0">
               <a:latin typeface="+mn-ea"/>
               <a:ea typeface="+mn-ea"/>
             </a:endParaRPr>
           </a:p>
           <a:p>
             <a:pPr>
-              <a:lnSpc>
-                <a:spcPct val="110000"/>
-              </a:lnSpc>
-              <a:defRPr/>
-            </a:pPr>
-            <a:r>
-              <a:rPr lang="ko-KR" altLang="en-US" sz="1900" spc="-150" dirty="0">
-                <a:latin typeface="+mn-ea"/>
-                <a:ea typeface="+mn-ea"/>
-              </a:rPr>
-              <a:t>이상치 제거 알고리즘을 만들 수도 있었지만</a:t>
-            </a:r>
-            <a:r>
-              <a:rPr lang="en-US" altLang="ko-KR" sz="1900" spc="-150" dirty="0">
-                <a:latin typeface="+mn-ea"/>
-                <a:ea typeface="+mn-ea"/>
-              </a:rPr>
-              <a:t>,</a:t>
-            </a:r>
-          </a:p>
-          <a:p>
-            <a:pPr>
-              <a:lnSpc>
-                <a:spcPct val="110000"/>
-              </a:lnSpc>
-              <a:defRPr/>
-            </a:pPr>
-            <a:r>
-              <a:rPr lang="ko-KR" altLang="en-US" sz="1900" spc="-150" dirty="0">
-                <a:latin typeface="+mn-ea"/>
-                <a:ea typeface="+mn-ea"/>
-              </a:rPr>
-              <a:t>시간도 촉박하고 라벨링이 잘못된 데이터가 많지 않아서 직접 제외 작업을 진행했습니다</a:t>
-            </a:r>
-            <a:r>
-              <a:rPr lang="en-US" altLang="ko-KR" sz="1900" spc="-150" dirty="0">
-                <a:latin typeface="+mn-ea"/>
-                <a:ea typeface="+mn-ea"/>
-              </a:rPr>
-              <a:t>.</a:t>
-            </a:r>
-            <a:endParaRPr lang="ko-KR" altLang="en-US" sz="1900" spc="-150" dirty="0">
+              <a:defRPr/>
+            </a:pPr>
+            <a:r>
+              <a:rPr lang="en-US" altLang="ko-KR" sz="2100" spc="-150" dirty="0">
+                <a:latin typeface="+mn-ea"/>
+                <a:ea typeface="+mn-ea"/>
+              </a:rPr>
+              <a:t>Answer:</a:t>
+            </a:r>
+            <a:endParaRPr lang="ko-KR" altLang="en-US" sz="2100" spc="-150" dirty="0">
               <a:latin typeface="+mn-ea"/>
               <a:ea typeface="+mn-ea"/>
             </a:endParaRPr>
@@ -5525,10 +6183,10 @@
       </p:sp>
       <p:pic>
         <p:nvPicPr>
-          <p:cNvPr id="5" name="그림 4" descr="텍스트, 컴퓨터, 실내, 책상이(가) 표시된 사진&#10;&#10;자동 생성된 설명">
+          <p:cNvPr id="4" name="그림 3" descr="테이블이(가) 표시된 사진&#10;&#10;자동 생성된 설명">
             <a:extLst>
               <a:ext uri="{FF2B5EF4-FFF2-40B4-BE49-F238E27FC236}">
-                <a16:creationId xmlns:a16="http://schemas.microsoft.com/office/drawing/2014/main" id="{68AE407E-15B3-5513-0723-EBFD0A490B7C}"/>
+                <a16:creationId xmlns:a16="http://schemas.microsoft.com/office/drawing/2014/main" id="{312554CB-C5B7-4B87-8A4D-F16B4EF232A1}"/>
               </a:ext>
             </a:extLst>
           </p:cNvPr>
@@ -5551,8 +6209,8 @@
         </p:blipFill>
         <p:spPr>
           <a:xfrm>
-            <a:off x="887181" y="3174718"/>
-            <a:ext cx="4204677" cy="3157614"/>
+            <a:off x="6091321" y="2752560"/>
+            <a:ext cx="5768386" cy="2296154"/>
           </a:xfrm>
           <a:prstGeom prst="rect">
             <a:avLst/>
@@ -5561,10 +6219,10 @@
       </p:pic>
       <p:pic>
         <p:nvPicPr>
-          <p:cNvPr id="10" name="그림 9" descr="텍스트, 컴퓨터, 실내, 전자기기이(가) 표시된 사진&#10;&#10;자동 생성된 설명">
+          <p:cNvPr id="6" name="그림 5">
             <a:extLst>
               <a:ext uri="{FF2B5EF4-FFF2-40B4-BE49-F238E27FC236}">
-                <a16:creationId xmlns:a16="http://schemas.microsoft.com/office/drawing/2014/main" id="{A450FAFA-C4E6-8AC8-DCFA-1E2463B452C7}"/>
+                <a16:creationId xmlns:a16="http://schemas.microsoft.com/office/drawing/2014/main" id="{42F7AE86-68F0-5D73-9E81-16D3A2941D74}"/>
               </a:ext>
             </a:extLst>
           </p:cNvPr>
@@ -5587,8 +6245,8 @@
         </p:blipFill>
         <p:spPr>
           <a:xfrm>
-            <a:off x="5529966" y="3174718"/>
-            <a:ext cx="3801603" cy="2851202"/>
+            <a:off x="522197" y="2752560"/>
+            <a:ext cx="5410479" cy="3234026"/>
           </a:xfrm>
           <a:prstGeom prst="rect">
             <a:avLst/>
@@ -5598,7 +6256,7 @@
     </p:spTree>
     <p:extLst>
       <p:ext uri="{BB962C8B-B14F-4D97-AF65-F5344CB8AC3E}">
-        <p14:creationId xmlns:p14="http://schemas.microsoft.com/office/powerpoint/2010/main" val="3246476420"/>
+        <p14:creationId xmlns:p14="http://schemas.microsoft.com/office/powerpoint/2010/main" val="1245507834"/>
       </p:ext>
     </p:extLst>
   </p:cSld>
@@ -5681,11 +6339,14 @@
               <a:defRPr/>
             </a:pPr>
             <a:r>
-              <a:rPr lang="ko-KR" altLang="en-US" sz="4000" spc="-185" dirty="0">
+              <a:rPr lang="en-US" altLang="ko-KR" sz="4000" spc="-185" dirty="0">
                 <a:latin typeface="+mj-ea"/>
               </a:rPr>
-              <a:t>클래스 불균형 이슈</a:t>
-            </a:r>
+              <a:t>Mission 3</a:t>
+            </a:r>
+            <a:endParaRPr lang="ko-KR" altLang="en-US" sz="4000" spc="-185" dirty="0">
+              <a:latin typeface="+mj-ea"/>
+            </a:endParaRPr>
           </a:p>
         </p:txBody>
       </p:sp>
@@ -5699,8 +6360,8 @@
         </p:nvSpPr>
         <p:spPr>
           <a:xfrm>
-            <a:off x="363552" y="1530068"/>
-            <a:ext cx="12192000" cy="4379894"/>
+            <a:off x="363552" y="1669214"/>
+            <a:ext cx="11393019" cy="4379894"/>
           </a:xfrm>
           <a:prstGeom prst="rect">
             <a:avLst/>
@@ -5732,67 +6393,7 @@
           <a:p>
             <a:pPr>
               <a:lnSpc>
-                <a:spcPct val="130000"/>
-              </a:lnSpc>
-              <a:defRPr/>
-            </a:pPr>
-            <a:endParaRPr lang="ko-KR" altLang="en-US" sz="2100" spc="-150" dirty="0">
-              <a:latin typeface="+mn-ea"/>
-              <a:ea typeface="+mn-ea"/>
-            </a:endParaRPr>
-          </a:p>
-        </p:txBody>
-      </p:sp>
-      <p:sp>
-        <p:nvSpPr>
-          <p:cNvPr id="3" name="제목 38">
-            <a:extLst>
-              <a:ext uri="{FF2B5EF4-FFF2-40B4-BE49-F238E27FC236}">
-                <a16:creationId xmlns:a16="http://schemas.microsoft.com/office/drawing/2014/main" id="{5DFB26BC-F7FF-FADE-1C58-4A8BD6BCA307}"/>
-              </a:ext>
-            </a:extLst>
-          </p:cNvPr>
-          <p:cNvSpPr txBox="1">
-            <a:spLocks/>
-          </p:cNvSpPr>
-          <p:nvPr/>
-        </p:nvSpPr>
-        <p:spPr>
-          <a:xfrm>
-            <a:off x="515952" y="1838775"/>
-            <a:ext cx="11312496" cy="4227494"/>
-          </a:xfrm>
-          <a:prstGeom prst="rect">
-            <a:avLst/>
-          </a:prstGeom>
-        </p:spPr>
-        <p:txBody>
-          <a:bodyPr vert="horz" lIns="112542" tIns="56271" rIns="112542" bIns="56271" rtlCol="0" anchor="t">
-            <a:noAutofit/>
-          </a:bodyPr>
-          <a:lstStyle>
-            <a:lvl1pPr algn="l" defTabSz="914400" rtl="0" eaLnBrk="1" latinLnBrk="1" hangingPunct="1">
-              <a:lnSpc>
-                <a:spcPct val="90000"/>
-              </a:lnSpc>
-              <a:spcBef>
-                <a:spcPct val="0"/>
-              </a:spcBef>
-              <a:buNone/>
-              <a:defRPr sz="4400" kern="1200">
-                <a:solidFill>
-                  <a:schemeClr val="tx1"/>
-                </a:solidFill>
-                <a:latin typeface="+mj-lt"/>
-                <a:ea typeface="+mj-ea"/>
-                <a:cs typeface="+mj-cs"/>
-              </a:defRPr>
-            </a:lvl1pPr>
-          </a:lstStyle>
-          <a:p>
-            <a:pPr>
-              <a:lnSpc>
-                <a:spcPct val="130000"/>
+                <a:spcPct val="120000"/>
               </a:lnSpc>
               <a:defRPr/>
             </a:pPr>
@@ -5801,14 +6402,21 @@
                 <a:latin typeface="+mn-ea"/>
                 <a:ea typeface="+mn-ea"/>
               </a:rPr>
-              <a:t>5</a:t>
+              <a:t>3-2. </a:t>
             </a:r>
             <a:r>
               <a:rPr lang="ko-KR" altLang="en-US" sz="2100" spc="-150" dirty="0">
                 <a:latin typeface="+mn-ea"/>
                 <a:ea typeface="+mn-ea"/>
               </a:rPr>
-              <a:t>개의 클래스는 서로 다른 개수로 구성되어 있습니다</a:t>
+              <a:t>정확도를 올리는 작업을 수행하고 작업 수행과정을 </a:t>
+            </a:r>
+            <a:r>
+              <a:rPr lang="ko-KR" altLang="en-US" sz="2100" spc="-150" dirty="0" err="1">
+                <a:latin typeface="+mn-ea"/>
+                <a:ea typeface="+mn-ea"/>
+              </a:rPr>
+              <a:t>설명하시오</a:t>
             </a:r>
             <a:r>
               <a:rPr lang="en-US" altLang="ko-KR" sz="2100" spc="-150" dirty="0">
@@ -5821,7 +6429,7 @@
           <a:p>
             <a:pPr>
               <a:lnSpc>
-                <a:spcPct val="130000"/>
+                <a:spcPct val="120000"/>
               </a:lnSpc>
               <a:defRPr/>
             </a:pPr>
@@ -5833,45 +6441,98 @@
           <a:p>
             <a:pPr>
               <a:lnSpc>
-                <a:spcPct val="130000"/>
-              </a:lnSpc>
-              <a:defRPr/>
-            </a:pPr>
+                <a:spcPct val="120000"/>
+              </a:lnSpc>
+              <a:defRPr/>
+            </a:pPr>
+            <a:r>
+              <a:rPr lang="en-US" altLang="ko-KR" sz="2100" spc="-150" dirty="0">
+                <a:latin typeface="+mn-ea"/>
+                <a:ea typeface="+mn-ea"/>
+              </a:rPr>
+              <a:t>Answer:</a:t>
+            </a:r>
+          </a:p>
+          <a:p>
+            <a:pPr>
+              <a:lnSpc>
+                <a:spcPct val="120000"/>
+              </a:lnSpc>
+              <a:defRPr/>
+            </a:pPr>
+            <a:r>
+              <a:rPr lang="en-US" altLang="ko-KR" sz="2100" spc="-150" dirty="0">
+                <a:latin typeface="+mn-ea"/>
+                <a:ea typeface="+mn-ea"/>
+              </a:rPr>
+              <a:t>1.</a:t>
+            </a:r>
             <a:r>
               <a:rPr lang="ko-KR" altLang="en-US" sz="2100" spc="-150" dirty="0">
                 <a:latin typeface="+mn-ea"/>
                 <a:ea typeface="+mn-ea"/>
               </a:rPr>
-              <a:t>특히</a:t>
+              <a:t> 데이터 전처리</a:t>
             </a:r>
             <a:r>
               <a:rPr lang="en-US" altLang="ko-KR" sz="2100" spc="-150" dirty="0">
                 <a:latin typeface="+mn-ea"/>
                 <a:ea typeface="+mn-ea"/>
               </a:rPr>
-              <a:t>,</a:t>
-            </a:r>
+              <a:t>:</a:t>
+            </a:r>
+          </a:p>
+          <a:p>
+            <a:pPr>
+              <a:lnSpc>
+                <a:spcPct val="120000"/>
+              </a:lnSpc>
+              <a:defRPr/>
+            </a:pPr>
             <a:r>
               <a:rPr lang="ko-KR" altLang="en-US" sz="2100" spc="-150" dirty="0">
                 <a:latin typeface="+mn-ea"/>
                 <a:ea typeface="+mn-ea"/>
               </a:rPr>
-              <a:t> </a:t>
+              <a:t>정확도를 올리려면 모델 학습의 기초인 전처리가 잘 되어있어야 합니다</a:t>
             </a:r>
             <a:r>
               <a:rPr lang="en-US" altLang="ko-KR" sz="2100" spc="-150" dirty="0">
                 <a:latin typeface="+mn-ea"/>
                 <a:ea typeface="+mn-ea"/>
               </a:rPr>
-              <a:t>tops</a:t>
-            </a:r>
+              <a:t>.</a:t>
+            </a:r>
+          </a:p>
+          <a:p>
+            <a:pPr>
+              <a:lnSpc>
+                <a:spcPct val="120000"/>
+              </a:lnSpc>
+              <a:defRPr/>
+            </a:pPr>
             <a:r>
               <a:rPr lang="ko-KR" altLang="en-US" sz="2100" spc="-150" dirty="0">
                 <a:latin typeface="+mn-ea"/>
                 <a:ea typeface="+mn-ea"/>
               </a:rPr>
-              <a:t>의 개수가 몇배 더 많이 구성되어 있는데 </a:t>
-            </a:r>
+              <a:t>전처리 과정은 위에서 설명했으니 생략하겠습니다</a:t>
+            </a:r>
+            <a:r>
+              <a:rPr lang="en-US" altLang="ko-KR" sz="2100" spc="-150" dirty="0">
+                <a:latin typeface="+mn-ea"/>
+                <a:ea typeface="+mn-ea"/>
+              </a:rPr>
+              <a:t>.</a:t>
+            </a:r>
+          </a:p>
+          <a:p>
+            <a:pPr>
+              <a:lnSpc>
+                <a:spcPct val="120000"/>
+              </a:lnSpc>
+              <a:defRPr/>
+            </a:pPr>
             <a:endParaRPr lang="en-US" altLang="ko-KR" sz="2100" spc="-150" dirty="0">
               <a:latin typeface="+mn-ea"/>
               <a:ea typeface="+mn-ea"/>
@@ -5880,32 +6541,60 @@
           <a:p>
             <a:pPr>
               <a:lnSpc>
-                <a:spcPct val="130000"/>
-              </a:lnSpc>
-              <a:defRPr/>
-            </a:pPr>
+                <a:spcPct val="120000"/>
+              </a:lnSpc>
+              <a:defRPr/>
+            </a:pPr>
+            <a:r>
+              <a:rPr lang="en-US" altLang="ko-KR" sz="2100" spc="-150" dirty="0">
+                <a:latin typeface="+mn-ea"/>
+                <a:ea typeface="+mn-ea"/>
+              </a:rPr>
+              <a:t>2.</a:t>
+            </a:r>
             <a:r>
               <a:rPr lang="ko-KR" altLang="en-US" sz="2100" spc="-150" dirty="0">
                 <a:latin typeface="+mn-ea"/>
                 <a:ea typeface="+mn-ea"/>
               </a:rPr>
-              <a:t>이를 고려하지 않고 학습 시 모델의 성능이 하락할 수 있습니다</a:t>
+              <a:t> 모델 학습</a:t>
             </a:r>
             <a:r>
               <a:rPr lang="en-US" altLang="ko-KR" sz="2100" spc="-150" dirty="0">
                 <a:latin typeface="+mn-ea"/>
                 <a:ea typeface="+mn-ea"/>
               </a:rPr>
-              <a:t>.</a:t>
-            </a:r>
-          </a:p>
-          <a:p>
-            <a:pPr>
-              <a:lnSpc>
-                <a:spcPct val="130000"/>
-              </a:lnSpc>
-              <a:defRPr/>
-            </a:pPr>
+              <a:t>:</a:t>
+            </a:r>
+          </a:p>
+          <a:p>
+            <a:pPr>
+              <a:lnSpc>
+                <a:spcPct val="120000"/>
+              </a:lnSpc>
+              <a:defRPr/>
+            </a:pPr>
+            <a:r>
+              <a:rPr lang="ko-KR" altLang="en-US" sz="2100" spc="-150" dirty="0">
+                <a:latin typeface="+mn-ea"/>
+                <a:ea typeface="+mn-ea"/>
+              </a:rPr>
+              <a:t>모델 학습 시 레이어 설정과 최적화 함수</a:t>
+            </a:r>
+            <a:r>
+              <a:rPr lang="en-US" altLang="ko-KR" sz="2100" spc="-150" dirty="0">
+                <a:latin typeface="+mn-ea"/>
+                <a:ea typeface="+mn-ea"/>
+              </a:rPr>
+              <a:t>,</a:t>
+            </a:r>
+            <a:r>
+              <a:rPr lang="ko-KR" altLang="en-US" sz="2100" spc="-150" dirty="0">
+                <a:latin typeface="+mn-ea"/>
+                <a:ea typeface="+mn-ea"/>
+              </a:rPr>
+              <a:t> </a:t>
+            </a:r>
             <a:endParaRPr lang="en-US" altLang="ko-KR" sz="2100" spc="-150" dirty="0">
               <a:latin typeface="+mn-ea"/>
               <a:ea typeface="+mn-ea"/>
@@ -5914,144 +6603,23 @@
           <a:p>
             <a:pPr>
               <a:lnSpc>
-                <a:spcPct val="130000"/>
-              </a:lnSpc>
-              <a:defRPr/>
-            </a:pPr>
+                <a:spcPct val="120000"/>
+              </a:lnSpc>
+              <a:defRPr/>
+            </a:pPr>
+            <a:r>
+              <a:rPr lang="ko-KR" altLang="en-US" sz="2100" spc="-150" dirty="0" err="1">
+                <a:latin typeface="+mn-ea"/>
+                <a:ea typeface="+mn-ea"/>
+              </a:rPr>
+              <a:t>하이퍼파라미터</a:t>
+            </a:r>
             <a:r>
               <a:rPr lang="ko-KR" altLang="en-US" sz="2100" spc="-150" dirty="0">
                 <a:latin typeface="+mn-ea"/>
                 <a:ea typeface="+mn-ea"/>
               </a:rPr>
-              <a:t>그렇기에 </a:t>
-            </a:r>
-            <a:r>
-              <a:rPr lang="en-US" altLang="ko-KR" sz="2100" spc="-150" dirty="0">
-                <a:latin typeface="+mn-ea"/>
-                <a:ea typeface="+mn-ea"/>
-              </a:rPr>
-              <a:t>Weighted Cross Entropy,</a:t>
-            </a:r>
-            <a:r>
-              <a:rPr lang="ko-KR" altLang="en-US" sz="2100" spc="-150" dirty="0">
-                <a:latin typeface="+mn-ea"/>
-                <a:ea typeface="+mn-ea"/>
-              </a:rPr>
-              <a:t> </a:t>
-            </a:r>
-            <a:r>
-              <a:rPr lang="en-US" altLang="ko-KR" sz="2100" spc="-150" dirty="0">
-                <a:latin typeface="+mn-ea"/>
-                <a:ea typeface="+mn-ea"/>
-              </a:rPr>
-              <a:t>Focal Loss</a:t>
-            </a:r>
-            <a:r>
-              <a:rPr lang="ko-KR" altLang="en-US" sz="2100" spc="-150" dirty="0">
-                <a:latin typeface="+mn-ea"/>
-                <a:ea typeface="+mn-ea"/>
-              </a:rPr>
-              <a:t>와 같은</a:t>
-            </a:r>
-            <a:r>
-              <a:rPr lang="en-US" altLang="ko-KR" sz="2100" spc="-150" dirty="0">
-                <a:latin typeface="+mn-ea"/>
-                <a:ea typeface="+mn-ea"/>
-              </a:rPr>
-              <a:t> </a:t>
-            </a:r>
-            <a:r>
-              <a:rPr lang="ko-KR" altLang="en-US" sz="2100" spc="-150" dirty="0">
-                <a:latin typeface="+mn-ea"/>
-                <a:ea typeface="+mn-ea"/>
-              </a:rPr>
-              <a:t>함수를 사용하여</a:t>
-            </a:r>
-            <a:endParaRPr lang="en-US" altLang="ko-KR" sz="2100" spc="-150" dirty="0">
-              <a:latin typeface="+mn-ea"/>
-              <a:ea typeface="+mn-ea"/>
-            </a:endParaRPr>
-          </a:p>
-          <a:p>
-            <a:pPr>
-              <a:lnSpc>
-                <a:spcPct val="130000"/>
-              </a:lnSpc>
-              <a:defRPr/>
-            </a:pPr>
-            <a:r>
-              <a:rPr lang="ko-KR" altLang="en-US" sz="2100" spc="-150" dirty="0">
-                <a:latin typeface="+mn-ea"/>
-                <a:ea typeface="+mn-ea"/>
-              </a:rPr>
-              <a:t>부족한 클래스에 가중치를 곱해 </a:t>
-            </a:r>
-            <a:r>
-              <a:rPr lang="en-US" altLang="ko-KR" sz="2100" spc="-150" dirty="0">
-                <a:latin typeface="+mn-ea"/>
-                <a:ea typeface="+mn-ea"/>
-              </a:rPr>
-              <a:t>Loss </a:t>
-            </a:r>
-            <a:r>
-              <a:rPr lang="ko-KR" altLang="en-US" sz="2100" spc="-150" dirty="0">
-                <a:latin typeface="+mn-ea"/>
-                <a:ea typeface="+mn-ea"/>
-              </a:rPr>
-              <a:t>값을 높여주거나</a:t>
-            </a:r>
-            <a:endParaRPr lang="en-US" altLang="ko-KR" sz="2100" spc="-150" dirty="0">
-              <a:latin typeface="+mn-ea"/>
-              <a:ea typeface="+mn-ea"/>
-            </a:endParaRPr>
-          </a:p>
-          <a:p>
-            <a:pPr>
-              <a:lnSpc>
-                <a:spcPct val="130000"/>
-              </a:lnSpc>
-              <a:defRPr/>
-            </a:pPr>
-            <a:r>
-              <a:rPr lang="ko-KR" altLang="en-US" sz="2100" spc="-150" dirty="0">
-                <a:latin typeface="+mn-ea"/>
-                <a:ea typeface="+mn-ea"/>
-              </a:rPr>
-              <a:t>정규화 과정을 통한다면 클래스 불균형이 어느 정도 해결될 것이라고 생각합니다</a:t>
-            </a:r>
-            <a:r>
-              <a:rPr lang="en-US" altLang="ko-KR" sz="2100" spc="-150" dirty="0">
-                <a:latin typeface="+mn-ea"/>
-                <a:ea typeface="+mn-ea"/>
-              </a:rPr>
-              <a:t>.</a:t>
-            </a:r>
-          </a:p>
-          <a:p>
-            <a:pPr>
-              <a:lnSpc>
-                <a:spcPct val="130000"/>
-              </a:lnSpc>
-              <a:defRPr/>
-            </a:pPr>
-            <a:endParaRPr lang="en-US" altLang="ko-KR" sz="2100" spc="-150" dirty="0">
-              <a:latin typeface="+mn-ea"/>
-              <a:ea typeface="+mn-ea"/>
-            </a:endParaRPr>
-          </a:p>
-          <a:p>
-            <a:pPr>
-              <a:lnSpc>
-                <a:spcPct val="130000"/>
-              </a:lnSpc>
-              <a:defRPr/>
-            </a:pPr>
-            <a:r>
-              <a:rPr lang="ko-KR" altLang="en-US" sz="2100" spc="-150" dirty="0">
-                <a:latin typeface="+mn-ea"/>
-                <a:ea typeface="+mn-ea"/>
-              </a:rPr>
-              <a:t>그러나 시간이 부족하여 이 이슈를 해결하지 못한 채 모델 학습을 진행했습니다</a:t>
+              <a:t> 등을 조작하며 모델의 성능을 늘렸습니다</a:t>
             </a:r>
             <a:r>
               <a:rPr lang="en-US" altLang="ko-KR" sz="2100" spc="-150" dirty="0">
@@ -6066,7 +6634,7 @@
     </p:spTree>
     <p:extLst>
       <p:ext uri="{BB962C8B-B14F-4D97-AF65-F5344CB8AC3E}">
-        <p14:creationId xmlns:p14="http://schemas.microsoft.com/office/powerpoint/2010/main" val="557546419"/>
+        <p14:creationId xmlns:p14="http://schemas.microsoft.com/office/powerpoint/2010/main" val="3567038506"/>
       </p:ext>
     </p:extLst>
   </p:cSld>
@@ -6123,10 +6691,1164 @@
           </a:prstGeom>
         </p:spPr>
       </p:pic>
+      <p:sp>
+        <p:nvSpPr>
+          <p:cNvPr id="48" name="제목 38"/>
+          <p:cNvSpPr>
+            <a:spLocks noGrp="1"/>
+          </p:cNvSpPr>
+          <p:nvPr>
+            <p:ph type="title"/>
+          </p:nvPr>
+        </p:nvSpPr>
+        <p:spPr>
+          <a:xfrm>
+            <a:off x="363552" y="406401"/>
+            <a:ext cx="9862863" cy="856412"/>
+          </a:xfrm>
+        </p:spPr>
+        <p:txBody>
+          <a:bodyPr rtlCol="0">
+            <a:noAutofit/>
+          </a:bodyPr>
+          <a:lstStyle/>
+          <a:p>
+            <a:pPr>
+              <a:defRPr/>
+            </a:pPr>
+            <a:r>
+              <a:rPr lang="ko-KR" altLang="en-US" sz="4000" spc="-185" dirty="0">
+                <a:latin typeface="+mj-ea"/>
+              </a:rPr>
+              <a:t>클래스 불균형 이슈</a:t>
+            </a:r>
+          </a:p>
+        </p:txBody>
+      </p:sp>
+      <p:sp>
+        <p:nvSpPr>
+          <p:cNvPr id="13" name="제목 38"/>
+          <p:cNvSpPr txBox="1">
+            <a:spLocks/>
+          </p:cNvSpPr>
+          <p:nvPr/>
+        </p:nvSpPr>
+        <p:spPr>
+          <a:xfrm>
+            <a:off x="363552" y="1530068"/>
+            <a:ext cx="12192000" cy="4379894"/>
+          </a:xfrm>
+          <a:prstGeom prst="rect">
+            <a:avLst/>
+          </a:prstGeom>
+        </p:spPr>
+        <p:txBody>
+          <a:bodyPr vert="horz" lIns="112542" tIns="56271" rIns="112542" bIns="56271" rtlCol="0" anchor="t">
+            <a:noAutofit/>
+          </a:bodyPr>
+          <a:lstStyle>
+            <a:lvl1pPr algn="l" defTabSz="914400" rtl="0" eaLnBrk="1" latinLnBrk="1" hangingPunct="1">
+              <a:lnSpc>
+                <a:spcPct val="90000"/>
+              </a:lnSpc>
+              <a:spcBef>
+                <a:spcPct val="0"/>
+              </a:spcBef>
+              <a:buNone/>
+              <a:defRPr sz="4400" kern="1200">
+                <a:solidFill>
+                  <a:schemeClr val="tx1"/>
+                </a:solidFill>
+                <a:latin typeface="+mj-lt"/>
+                <a:ea typeface="+mj-ea"/>
+                <a:cs typeface="+mj-cs"/>
+              </a:defRPr>
+            </a:lvl1pPr>
+          </a:lstStyle>
+          <a:p>
+            <a:pPr>
+              <a:lnSpc>
+                <a:spcPct val="130000"/>
+              </a:lnSpc>
+              <a:defRPr/>
+            </a:pPr>
+            <a:endParaRPr lang="ko-KR" altLang="en-US" sz="2100" spc="-150" dirty="0">
+              <a:latin typeface="+mn-ea"/>
+              <a:ea typeface="+mn-ea"/>
+            </a:endParaRPr>
+          </a:p>
+        </p:txBody>
+      </p:sp>
+      <p:sp>
+        <p:nvSpPr>
+          <p:cNvPr id="3" name="제목 38">
+            <a:extLst>
+              <a:ext uri="{FF2B5EF4-FFF2-40B4-BE49-F238E27FC236}">
+                <a16:creationId xmlns:a16="http://schemas.microsoft.com/office/drawing/2014/main" id="{5DFB26BC-F7FF-FADE-1C58-4A8BD6BCA307}"/>
+              </a:ext>
+            </a:extLst>
+          </p:cNvPr>
+          <p:cNvSpPr txBox="1">
+            <a:spLocks/>
+          </p:cNvSpPr>
+          <p:nvPr/>
+        </p:nvSpPr>
+        <p:spPr>
+          <a:xfrm>
+            <a:off x="439752" y="1682468"/>
+            <a:ext cx="11312496" cy="4227494"/>
+          </a:xfrm>
+          <a:prstGeom prst="rect">
+            <a:avLst/>
+          </a:prstGeom>
+        </p:spPr>
+        <p:txBody>
+          <a:bodyPr vert="horz" lIns="112542" tIns="56271" rIns="112542" bIns="56271" rtlCol="0" anchor="t">
+            <a:noAutofit/>
+          </a:bodyPr>
+          <a:lstStyle>
+            <a:lvl1pPr algn="l" defTabSz="914400" rtl="0" eaLnBrk="1" latinLnBrk="1" hangingPunct="1">
+              <a:lnSpc>
+                <a:spcPct val="90000"/>
+              </a:lnSpc>
+              <a:spcBef>
+                <a:spcPct val="0"/>
+              </a:spcBef>
+              <a:buNone/>
+              <a:defRPr sz="4400" kern="1200">
+                <a:solidFill>
+                  <a:schemeClr val="tx1"/>
+                </a:solidFill>
+                <a:latin typeface="+mj-lt"/>
+                <a:ea typeface="+mj-ea"/>
+                <a:cs typeface="+mj-cs"/>
+              </a:defRPr>
+            </a:lvl1pPr>
+          </a:lstStyle>
+          <a:p>
+            <a:pPr>
+              <a:lnSpc>
+                <a:spcPct val="130000"/>
+              </a:lnSpc>
+              <a:defRPr/>
+            </a:pPr>
+            <a:r>
+              <a:rPr lang="en-US" altLang="ko-KR" sz="2100" spc="-150" dirty="0">
+                <a:latin typeface="+mn-ea"/>
+                <a:ea typeface="+mn-ea"/>
+              </a:rPr>
+              <a:t>5</a:t>
+            </a:r>
+            <a:r>
+              <a:rPr lang="ko-KR" altLang="en-US" sz="2100" spc="-150" dirty="0">
+                <a:latin typeface="+mn-ea"/>
+                <a:ea typeface="+mn-ea"/>
+              </a:rPr>
+              <a:t>개의 클래스는 서로 다른 개수로 구성되어 있습니다</a:t>
+            </a:r>
+            <a:r>
+              <a:rPr lang="en-US" altLang="ko-KR" sz="2100" spc="-150" dirty="0">
+                <a:latin typeface="+mn-ea"/>
+                <a:ea typeface="+mn-ea"/>
+              </a:rPr>
+              <a:t>.</a:t>
+            </a:r>
+          </a:p>
+          <a:p>
+            <a:pPr>
+              <a:lnSpc>
+                <a:spcPct val="130000"/>
+              </a:lnSpc>
+              <a:defRPr/>
+            </a:pPr>
+            <a:endParaRPr lang="en-US" altLang="ko-KR" sz="2100" spc="-150" dirty="0">
+              <a:latin typeface="+mn-ea"/>
+              <a:ea typeface="+mn-ea"/>
+            </a:endParaRPr>
+          </a:p>
+          <a:p>
+            <a:pPr>
+              <a:lnSpc>
+                <a:spcPct val="130000"/>
+              </a:lnSpc>
+              <a:defRPr/>
+            </a:pPr>
+            <a:r>
+              <a:rPr lang="ko-KR" altLang="en-US" sz="2100" spc="-150" dirty="0">
+                <a:latin typeface="+mn-ea"/>
+                <a:ea typeface="+mn-ea"/>
+              </a:rPr>
+              <a:t>특히</a:t>
+            </a:r>
+            <a:r>
+              <a:rPr lang="en-US" altLang="ko-KR" sz="2100" spc="-150" dirty="0">
+                <a:latin typeface="+mn-ea"/>
+                <a:ea typeface="+mn-ea"/>
+              </a:rPr>
+              <a:t>,</a:t>
+            </a:r>
+            <a:r>
+              <a:rPr lang="ko-KR" altLang="en-US" sz="2100" spc="-150" dirty="0">
+                <a:latin typeface="+mn-ea"/>
+                <a:ea typeface="+mn-ea"/>
+              </a:rPr>
+              <a:t> </a:t>
+            </a:r>
+            <a:r>
+              <a:rPr lang="en-US" altLang="ko-KR" sz="2100" spc="-150" dirty="0">
+                <a:latin typeface="+mn-ea"/>
+                <a:ea typeface="+mn-ea"/>
+              </a:rPr>
+              <a:t>tops</a:t>
+            </a:r>
+            <a:r>
+              <a:rPr lang="ko-KR" altLang="en-US" sz="2100" spc="-150" dirty="0">
+                <a:latin typeface="+mn-ea"/>
+                <a:ea typeface="+mn-ea"/>
+              </a:rPr>
+              <a:t>의 개수가 몇배 더 많이 구성되어 있는데 </a:t>
+            </a:r>
+            <a:endParaRPr lang="en-US" altLang="ko-KR" sz="2100" spc="-150" dirty="0">
+              <a:latin typeface="+mn-ea"/>
+              <a:ea typeface="+mn-ea"/>
+            </a:endParaRPr>
+          </a:p>
+          <a:p>
+            <a:pPr>
+              <a:lnSpc>
+                <a:spcPct val="130000"/>
+              </a:lnSpc>
+              <a:defRPr/>
+            </a:pPr>
+            <a:r>
+              <a:rPr lang="ko-KR" altLang="en-US" sz="2100" spc="-150" dirty="0">
+                <a:latin typeface="+mn-ea"/>
+                <a:ea typeface="+mn-ea"/>
+              </a:rPr>
+              <a:t>이를 고려하지 않고 학습 시 모델의 성능이 하락할 수 있습니다</a:t>
+            </a:r>
+            <a:r>
+              <a:rPr lang="en-US" altLang="ko-KR" sz="2100" spc="-150" dirty="0">
+                <a:latin typeface="+mn-ea"/>
+                <a:ea typeface="+mn-ea"/>
+              </a:rPr>
+              <a:t>.</a:t>
+            </a:r>
+          </a:p>
+          <a:p>
+            <a:pPr>
+              <a:lnSpc>
+                <a:spcPct val="130000"/>
+              </a:lnSpc>
+              <a:defRPr/>
+            </a:pPr>
+            <a:endParaRPr lang="en-US" altLang="ko-KR" sz="2100" spc="-150" dirty="0">
+              <a:latin typeface="+mn-ea"/>
+              <a:ea typeface="+mn-ea"/>
+            </a:endParaRPr>
+          </a:p>
+          <a:p>
+            <a:pPr>
+              <a:lnSpc>
+                <a:spcPct val="130000"/>
+              </a:lnSpc>
+              <a:defRPr/>
+            </a:pPr>
+            <a:r>
+              <a:rPr lang="ko-KR" altLang="en-US" sz="2100" spc="-150" dirty="0">
+                <a:latin typeface="+mn-ea"/>
+                <a:ea typeface="+mn-ea"/>
+              </a:rPr>
+              <a:t>그렇기에 </a:t>
+            </a:r>
+            <a:r>
+              <a:rPr lang="en-US" altLang="ko-KR" sz="2100" spc="-150" dirty="0">
+                <a:latin typeface="+mn-ea"/>
+                <a:ea typeface="+mn-ea"/>
+              </a:rPr>
+              <a:t>Weighted Cross Entropy,</a:t>
+            </a:r>
+            <a:r>
+              <a:rPr lang="ko-KR" altLang="en-US" sz="2100" spc="-150" dirty="0">
+                <a:latin typeface="+mn-ea"/>
+                <a:ea typeface="+mn-ea"/>
+              </a:rPr>
+              <a:t> </a:t>
+            </a:r>
+            <a:r>
+              <a:rPr lang="en-US" altLang="ko-KR" sz="2100" spc="-150" dirty="0">
+                <a:latin typeface="+mn-ea"/>
+                <a:ea typeface="+mn-ea"/>
+              </a:rPr>
+              <a:t>Focal Loss</a:t>
+            </a:r>
+            <a:r>
+              <a:rPr lang="ko-KR" altLang="en-US" sz="2100" spc="-150" dirty="0">
+                <a:latin typeface="+mn-ea"/>
+                <a:ea typeface="+mn-ea"/>
+              </a:rPr>
+              <a:t>와 같은</a:t>
+            </a:r>
+            <a:r>
+              <a:rPr lang="en-US" altLang="ko-KR" sz="2100" spc="-150" dirty="0">
+                <a:latin typeface="+mn-ea"/>
+                <a:ea typeface="+mn-ea"/>
+              </a:rPr>
+              <a:t> </a:t>
+            </a:r>
+            <a:r>
+              <a:rPr lang="ko-KR" altLang="en-US" sz="2100" spc="-150" dirty="0">
+                <a:latin typeface="+mn-ea"/>
+                <a:ea typeface="+mn-ea"/>
+              </a:rPr>
+              <a:t>함수를 사용하여</a:t>
+            </a:r>
+            <a:endParaRPr lang="en-US" altLang="ko-KR" sz="2100" spc="-150" dirty="0">
+              <a:latin typeface="+mn-ea"/>
+              <a:ea typeface="+mn-ea"/>
+            </a:endParaRPr>
+          </a:p>
+          <a:p>
+            <a:pPr>
+              <a:lnSpc>
+                <a:spcPct val="130000"/>
+              </a:lnSpc>
+              <a:defRPr/>
+            </a:pPr>
+            <a:r>
+              <a:rPr lang="ko-KR" altLang="en-US" sz="2100" spc="-150" dirty="0">
+                <a:latin typeface="+mn-ea"/>
+                <a:ea typeface="+mn-ea"/>
+              </a:rPr>
+              <a:t>부족한 클래스에 가중치를 곱해 </a:t>
+            </a:r>
+            <a:r>
+              <a:rPr lang="en-US" altLang="ko-KR" sz="2100" spc="-150" dirty="0">
+                <a:latin typeface="+mn-ea"/>
+                <a:ea typeface="+mn-ea"/>
+              </a:rPr>
+              <a:t>Loss </a:t>
+            </a:r>
+            <a:r>
+              <a:rPr lang="ko-KR" altLang="en-US" sz="2100" spc="-150" dirty="0">
+                <a:latin typeface="+mn-ea"/>
+                <a:ea typeface="+mn-ea"/>
+              </a:rPr>
+              <a:t>값을 높여주거나</a:t>
+            </a:r>
+            <a:endParaRPr lang="en-US" altLang="ko-KR" sz="2100" spc="-150" dirty="0">
+              <a:latin typeface="+mn-ea"/>
+              <a:ea typeface="+mn-ea"/>
+            </a:endParaRPr>
+          </a:p>
+          <a:p>
+            <a:pPr>
+              <a:lnSpc>
+                <a:spcPct val="130000"/>
+              </a:lnSpc>
+              <a:defRPr/>
+            </a:pPr>
+            <a:r>
+              <a:rPr lang="ko-KR" altLang="en-US" sz="2100" spc="-150" dirty="0">
+                <a:latin typeface="+mn-ea"/>
+                <a:ea typeface="+mn-ea"/>
+              </a:rPr>
+              <a:t>정규화 과정을 통한다면 클래스 불균형이 어느 정도 해결될 것이라고 생각합니다</a:t>
+            </a:r>
+            <a:r>
+              <a:rPr lang="en-US" altLang="ko-KR" sz="2100" spc="-150" dirty="0">
+                <a:latin typeface="+mn-ea"/>
+                <a:ea typeface="+mn-ea"/>
+              </a:rPr>
+              <a:t>.</a:t>
+            </a:r>
+          </a:p>
+          <a:p>
+            <a:pPr>
+              <a:lnSpc>
+                <a:spcPct val="130000"/>
+              </a:lnSpc>
+              <a:defRPr/>
+            </a:pPr>
+            <a:endParaRPr lang="en-US" altLang="ko-KR" sz="2100" spc="-150" dirty="0">
+              <a:latin typeface="+mn-ea"/>
+              <a:ea typeface="+mn-ea"/>
+            </a:endParaRPr>
+          </a:p>
+          <a:p>
+            <a:pPr>
+              <a:lnSpc>
+                <a:spcPct val="130000"/>
+              </a:lnSpc>
+              <a:defRPr/>
+            </a:pPr>
+            <a:r>
+              <a:rPr lang="ko-KR" altLang="en-US" sz="2100" spc="-150" dirty="0">
+                <a:latin typeface="+mn-ea"/>
+                <a:ea typeface="+mn-ea"/>
+              </a:rPr>
+              <a:t>그러나 시간이 부족하여 이 이슈를 해결하지 못한 채 모델 학습을 진행했습니다</a:t>
+            </a:r>
+            <a:r>
+              <a:rPr lang="en-US" altLang="ko-KR" sz="2100" spc="-150" dirty="0">
+                <a:latin typeface="+mn-ea"/>
+                <a:ea typeface="+mn-ea"/>
+              </a:rPr>
+              <a:t>.</a:t>
+            </a:r>
+          </a:p>
+        </p:txBody>
+      </p:sp>
     </p:spTree>
     <p:extLst>
       <p:ext uri="{BB962C8B-B14F-4D97-AF65-F5344CB8AC3E}">
-        <p14:creationId xmlns:p14="http://schemas.microsoft.com/office/powerpoint/2010/main" val="3730575286"/>
+        <p14:creationId xmlns:p14="http://schemas.microsoft.com/office/powerpoint/2010/main" val="557546419"/>
+      </p:ext>
+    </p:extLst>
+  </p:cSld>
+  <p:clrMapOvr>
+    <a:masterClrMapping/>
+  </p:clrMapOvr>
+</p:sld>
+</file>
+
+<file path=ppt/slides/slide18.xml><?xml version="1.0" encoding="utf-8"?>
+<p:sld xmlns:a="http://schemas.openxmlformats.org/drawingml/2006/main" xmlns:r="http://schemas.openxmlformats.org/officeDocument/2006/relationships" xmlns:p="http://schemas.openxmlformats.org/presentationml/2006/main">
+  <p:cSld>
+    <p:spTree>
+      <p:nvGrpSpPr>
+        <p:cNvPr id="1" name=""/>
+        <p:cNvGrpSpPr/>
+        <p:nvPr/>
+      </p:nvGrpSpPr>
+      <p:grpSpPr>
+        <a:xfrm>
+          <a:off x="0" y="0"/>
+          <a:ext cx="0" cy="0"/>
+          <a:chOff x="0" y="0"/>
+          <a:chExt cx="0" cy="0"/>
+        </a:xfrm>
+      </p:grpSpPr>
+      <p:pic>
+        <p:nvPicPr>
+          <p:cNvPr id="2" name="그림 1"/>
+          <p:cNvPicPr>
+            <a:picLocks noChangeAspect="1"/>
+          </p:cNvPicPr>
+          <p:nvPr/>
+        </p:nvPicPr>
+        <p:blipFill>
+          <a:blip r:embed="rId2">
+            <a:extLst>
+              <a:ext uri="{28A0092B-C50C-407E-A947-70E740481C1C}">
+                <a14:useLocalDpi xmlns:a14="http://schemas.microsoft.com/office/drawing/2010/main" val="0"/>
+              </a:ext>
+            </a:extLst>
+          </a:blip>
+          <a:stretch>
+            <a:fillRect/>
+          </a:stretch>
+        </p:blipFill>
+        <p:spPr>
+          <a:xfrm>
+            <a:off x="0" y="0"/>
+            <a:ext cx="12192000" cy="6858000"/>
+          </a:xfrm>
+          <a:prstGeom prst="rect">
+            <a:avLst/>
+          </a:prstGeom>
+        </p:spPr>
+      </p:pic>
+      <p:sp>
+        <p:nvSpPr>
+          <p:cNvPr id="48" name="제목 38"/>
+          <p:cNvSpPr>
+            <a:spLocks noGrp="1"/>
+          </p:cNvSpPr>
+          <p:nvPr>
+            <p:ph type="title"/>
+          </p:nvPr>
+        </p:nvSpPr>
+        <p:spPr>
+          <a:xfrm>
+            <a:off x="363552" y="406401"/>
+            <a:ext cx="9862863" cy="856412"/>
+          </a:xfrm>
+        </p:spPr>
+        <p:txBody>
+          <a:bodyPr rtlCol="0">
+            <a:noAutofit/>
+          </a:bodyPr>
+          <a:lstStyle/>
+          <a:p>
+            <a:pPr>
+              <a:defRPr/>
+            </a:pPr>
+            <a:r>
+              <a:rPr lang="en-US" altLang="ko-KR" sz="4000" spc="-185" dirty="0">
+                <a:latin typeface="+mj-ea"/>
+              </a:rPr>
+              <a:t>Mission 3</a:t>
+            </a:r>
+            <a:endParaRPr lang="ko-KR" altLang="en-US" sz="4000" spc="-185" dirty="0">
+              <a:latin typeface="+mj-ea"/>
+            </a:endParaRPr>
+          </a:p>
+        </p:txBody>
+      </p:sp>
+      <p:sp>
+        <p:nvSpPr>
+          <p:cNvPr id="13" name="제목 38"/>
+          <p:cNvSpPr txBox="1">
+            <a:spLocks/>
+          </p:cNvSpPr>
+          <p:nvPr/>
+        </p:nvSpPr>
+        <p:spPr>
+          <a:xfrm>
+            <a:off x="363552" y="1530068"/>
+            <a:ext cx="12192000" cy="4379894"/>
+          </a:xfrm>
+          <a:prstGeom prst="rect">
+            <a:avLst/>
+          </a:prstGeom>
+        </p:spPr>
+        <p:txBody>
+          <a:bodyPr vert="horz" lIns="112542" tIns="56271" rIns="112542" bIns="56271" rtlCol="0" anchor="t">
+            <a:noAutofit/>
+          </a:bodyPr>
+          <a:lstStyle>
+            <a:lvl1pPr algn="l" defTabSz="914400" rtl="0" eaLnBrk="1" latinLnBrk="1" hangingPunct="1">
+              <a:lnSpc>
+                <a:spcPct val="90000"/>
+              </a:lnSpc>
+              <a:spcBef>
+                <a:spcPct val="0"/>
+              </a:spcBef>
+              <a:buNone/>
+              <a:defRPr sz="4400" kern="1200">
+                <a:solidFill>
+                  <a:schemeClr val="tx1"/>
+                </a:solidFill>
+                <a:latin typeface="+mj-lt"/>
+                <a:ea typeface="+mj-ea"/>
+                <a:cs typeface="+mj-cs"/>
+              </a:defRPr>
+            </a:lvl1pPr>
+          </a:lstStyle>
+          <a:p>
+            <a:pPr>
+              <a:lnSpc>
+                <a:spcPct val="130000"/>
+              </a:lnSpc>
+              <a:defRPr/>
+            </a:pPr>
+            <a:r>
+              <a:rPr lang="en-US" altLang="ko-KR" sz="2100" spc="-150" dirty="0">
+                <a:latin typeface="+mn-ea"/>
+                <a:ea typeface="+mn-ea"/>
+              </a:rPr>
+              <a:t>3-3. </a:t>
+            </a:r>
+            <a:r>
+              <a:rPr lang="ko-KR" altLang="en-US" sz="2100" spc="-150" dirty="0">
+                <a:latin typeface="+mn-ea"/>
+                <a:ea typeface="+mn-ea"/>
+              </a:rPr>
+              <a:t>오류가 나온 이미지에 대해 왜 오류가 나왔는지 </a:t>
+            </a:r>
+            <a:endParaRPr lang="en-US" altLang="ko-KR" sz="2100" spc="-150" dirty="0">
+              <a:latin typeface="+mn-ea"/>
+              <a:ea typeface="+mn-ea"/>
+            </a:endParaRPr>
+          </a:p>
+          <a:p>
+            <a:pPr>
+              <a:lnSpc>
+                <a:spcPct val="130000"/>
+              </a:lnSpc>
+              <a:defRPr/>
+            </a:pPr>
+            <a:r>
+              <a:rPr lang="ko-KR" altLang="en-US" sz="2100" spc="-150" dirty="0">
+                <a:latin typeface="+mn-ea"/>
+                <a:ea typeface="+mn-ea"/>
+              </a:rPr>
+              <a:t>그동안 미션 수행에서 얻은 경험과 지식을</a:t>
+            </a:r>
+            <a:r>
+              <a:rPr lang="en-US" altLang="ko-KR" sz="2100" spc="-150" dirty="0">
+                <a:latin typeface="+mn-ea"/>
+                <a:ea typeface="+mn-ea"/>
+              </a:rPr>
+              <a:t> </a:t>
+            </a:r>
+            <a:r>
+              <a:rPr lang="ko-KR" altLang="en-US" sz="2100" spc="-150" dirty="0">
+                <a:latin typeface="+mn-ea"/>
+                <a:ea typeface="+mn-ea"/>
+              </a:rPr>
+              <a:t>통해 </a:t>
+            </a:r>
+            <a:r>
+              <a:rPr lang="ko-KR" altLang="en-US" sz="2100" spc="-150" dirty="0" err="1">
+                <a:latin typeface="+mn-ea"/>
+                <a:ea typeface="+mn-ea"/>
+              </a:rPr>
+              <a:t>설명하시오</a:t>
+            </a:r>
+            <a:r>
+              <a:rPr lang="en-US" altLang="ko-KR" sz="2100" spc="-150" dirty="0">
+                <a:latin typeface="+mn-ea"/>
+                <a:ea typeface="+mn-ea"/>
+              </a:rPr>
+              <a:t>.</a:t>
+            </a:r>
+          </a:p>
+          <a:p>
+            <a:pPr>
+              <a:lnSpc>
+                <a:spcPct val="130000"/>
+              </a:lnSpc>
+              <a:defRPr/>
+            </a:pPr>
+            <a:endParaRPr lang="en-US" altLang="ko-KR" sz="2100" spc="-150" dirty="0">
+              <a:latin typeface="+mn-ea"/>
+              <a:ea typeface="+mn-ea"/>
+            </a:endParaRPr>
+          </a:p>
+          <a:p>
+            <a:pPr>
+              <a:lnSpc>
+                <a:spcPct val="130000"/>
+              </a:lnSpc>
+              <a:defRPr/>
+            </a:pPr>
+            <a:r>
+              <a:rPr lang="en-US" altLang="ko-KR" sz="2100" spc="-150" dirty="0">
+                <a:latin typeface="+mn-ea"/>
+                <a:ea typeface="+mn-ea"/>
+              </a:rPr>
+              <a:t>Answer:</a:t>
+            </a:r>
+          </a:p>
+          <a:p>
+            <a:pPr>
+              <a:lnSpc>
+                <a:spcPct val="130000"/>
+              </a:lnSpc>
+              <a:defRPr/>
+            </a:pPr>
+            <a:r>
+              <a:rPr lang="ko-KR" altLang="en-US" sz="2100" b="0" i="0" spc="-150" dirty="0">
+                <a:effectLst/>
+                <a:latin typeface="+mn-ea"/>
+                <a:ea typeface="+mn-ea"/>
+              </a:rPr>
+              <a:t>오류가 나온 이미지는 대부분 라벨링이 잘못 매칭된 경우였습니다</a:t>
+            </a:r>
+            <a:r>
+              <a:rPr lang="en-US" altLang="ko-KR" sz="2100" spc="-150" dirty="0">
+                <a:latin typeface="+mn-ea"/>
+                <a:ea typeface="+mn-ea"/>
+              </a:rPr>
+              <a:t>.</a:t>
+            </a:r>
+            <a:endParaRPr lang="en-US" altLang="ko-KR" sz="2100" b="0" i="0" spc="-150" dirty="0">
+              <a:effectLst/>
+              <a:latin typeface="+mn-ea"/>
+              <a:ea typeface="+mn-ea"/>
+            </a:endParaRPr>
+          </a:p>
+          <a:p>
+            <a:pPr>
+              <a:lnSpc>
+                <a:spcPct val="130000"/>
+              </a:lnSpc>
+              <a:defRPr/>
+            </a:pPr>
+            <a:r>
+              <a:rPr lang="ko-KR" altLang="en-US" sz="2100" b="0" i="0" spc="-150" dirty="0">
+                <a:effectLst/>
+                <a:latin typeface="+mn-ea"/>
+                <a:ea typeface="+mn-ea"/>
+              </a:rPr>
+              <a:t>이 부분 제외시키고 학습하였더니 정확도가 많이 증가했습니다</a:t>
+            </a:r>
+            <a:r>
+              <a:rPr lang="en-US" altLang="ko-KR" sz="2100" b="0" i="0" spc="-150" dirty="0">
+                <a:effectLst/>
+                <a:latin typeface="+mn-ea"/>
+                <a:ea typeface="+mn-ea"/>
+              </a:rPr>
+              <a:t>.</a:t>
+            </a:r>
+            <a:endParaRPr lang="ko-KR" altLang="en-US" sz="2100" spc="-150" dirty="0">
+              <a:latin typeface="+mn-ea"/>
+              <a:ea typeface="+mn-ea"/>
+            </a:endParaRPr>
+          </a:p>
+        </p:txBody>
+      </p:sp>
+      <p:pic>
+        <p:nvPicPr>
+          <p:cNvPr id="4" name="그림 3" descr="텍스트이(가) 표시된 사진&#10;&#10;자동 생성된 설명">
+            <a:extLst>
+              <a:ext uri="{FF2B5EF4-FFF2-40B4-BE49-F238E27FC236}">
+                <a16:creationId xmlns:a16="http://schemas.microsoft.com/office/drawing/2014/main" id="{8AE7D982-6FC5-7175-7AA7-A82F5A37B627}"/>
+              </a:ext>
+            </a:extLst>
+          </p:cNvPr>
+          <p:cNvPicPr>
+            <a:picLocks noChangeAspect="1"/>
+          </p:cNvPicPr>
+          <p:nvPr/>
+        </p:nvPicPr>
+        <p:blipFill>
+          <a:blip r:embed="rId3">
+            <a:extLst>
+              <a:ext uri="{28A0092B-C50C-407E-A947-70E740481C1C}">
+                <a14:useLocalDpi xmlns:a14="http://schemas.microsoft.com/office/drawing/2010/main" val="0"/>
+              </a:ext>
+            </a:extLst>
+          </a:blip>
+          <a:stretch>
+            <a:fillRect/>
+          </a:stretch>
+        </p:blipFill>
+        <p:spPr>
+          <a:xfrm>
+            <a:off x="6523131" y="4495392"/>
+            <a:ext cx="5305317" cy="1160538"/>
+          </a:xfrm>
+          <a:prstGeom prst="rect">
+            <a:avLst/>
+          </a:prstGeom>
+        </p:spPr>
+      </p:pic>
+      <p:pic>
+        <p:nvPicPr>
+          <p:cNvPr id="6" name="그림 5" descr="텍스트이(가) 표시된 사진&#10;&#10;자동 생성된 설명">
+            <a:extLst>
+              <a:ext uri="{FF2B5EF4-FFF2-40B4-BE49-F238E27FC236}">
+                <a16:creationId xmlns:a16="http://schemas.microsoft.com/office/drawing/2014/main" id="{D1E2E735-5BAD-ADB3-4574-E56A4A5A255D}"/>
+              </a:ext>
+            </a:extLst>
+          </p:cNvPr>
+          <p:cNvPicPr>
+            <a:picLocks noChangeAspect="1"/>
+          </p:cNvPicPr>
+          <p:nvPr/>
+        </p:nvPicPr>
+        <p:blipFill rotWithShape="1">
+          <a:blip r:embed="rId4">
+            <a:extLst>
+              <a:ext uri="{28A0092B-C50C-407E-A947-70E740481C1C}">
+                <a14:useLocalDpi xmlns:a14="http://schemas.microsoft.com/office/drawing/2010/main" val="0"/>
+              </a:ext>
+            </a:extLst>
+          </a:blip>
+          <a:srcRect l="4271" t="4589" r="6013" b="27823"/>
+          <a:stretch/>
+        </p:blipFill>
+        <p:spPr>
+          <a:xfrm>
+            <a:off x="546637" y="4495392"/>
+            <a:ext cx="5762928" cy="1160538"/>
+          </a:xfrm>
+          <a:prstGeom prst="rect">
+            <a:avLst/>
+          </a:prstGeom>
+        </p:spPr>
+      </p:pic>
+      <p:sp>
+        <p:nvSpPr>
+          <p:cNvPr id="7" name="TextBox 6">
+            <a:extLst>
+              <a:ext uri="{FF2B5EF4-FFF2-40B4-BE49-F238E27FC236}">
+                <a16:creationId xmlns:a16="http://schemas.microsoft.com/office/drawing/2014/main" id="{5D8C7A91-AFC0-F546-9C1D-8E50C775F4D0}"/>
+              </a:ext>
+            </a:extLst>
+          </p:cNvPr>
+          <p:cNvSpPr txBox="1"/>
+          <p:nvPr/>
+        </p:nvSpPr>
+        <p:spPr>
+          <a:xfrm>
+            <a:off x="2266654" y="5691294"/>
+            <a:ext cx="2272423" cy="336118"/>
+          </a:xfrm>
+          <a:prstGeom prst="rect">
+            <a:avLst/>
+          </a:prstGeom>
+          <a:noFill/>
+        </p:spPr>
+        <p:txBody>
+          <a:bodyPr wrap="square" rtlCol="0">
+            <a:spAutoFit/>
+          </a:bodyPr>
+          <a:lstStyle/>
+          <a:p>
+            <a:pPr algn="ctr"/>
+            <a:r>
+              <a:rPr kumimoji="1" lang="ko-Kore-KR" altLang="en-US" dirty="0">
+                <a:latin typeface="+mn-ea"/>
+              </a:rPr>
+              <a:t>이상치</a:t>
+            </a:r>
+            <a:r>
+              <a:rPr kumimoji="1" lang="ko-KR" altLang="en-US" dirty="0">
+                <a:latin typeface="+mn-ea"/>
+              </a:rPr>
+              <a:t> 제외 전</a:t>
+            </a:r>
+            <a:endParaRPr kumimoji="1" lang="ko-Kore-KR" altLang="en-US" dirty="0">
+              <a:latin typeface="+mn-ea"/>
+            </a:endParaRPr>
+          </a:p>
+        </p:txBody>
+      </p:sp>
+      <p:sp>
+        <p:nvSpPr>
+          <p:cNvPr id="8" name="TextBox 7">
+            <a:extLst>
+              <a:ext uri="{FF2B5EF4-FFF2-40B4-BE49-F238E27FC236}">
+                <a16:creationId xmlns:a16="http://schemas.microsoft.com/office/drawing/2014/main" id="{22186F17-FDC4-FABB-B1BE-D374A650DAE8}"/>
+              </a:ext>
+            </a:extLst>
+          </p:cNvPr>
+          <p:cNvSpPr txBox="1"/>
+          <p:nvPr/>
+        </p:nvSpPr>
+        <p:spPr>
+          <a:xfrm>
+            <a:off x="8039577" y="5691294"/>
+            <a:ext cx="2272423" cy="336118"/>
+          </a:xfrm>
+          <a:prstGeom prst="rect">
+            <a:avLst/>
+          </a:prstGeom>
+          <a:noFill/>
+        </p:spPr>
+        <p:txBody>
+          <a:bodyPr wrap="square" rtlCol="0">
+            <a:spAutoFit/>
+          </a:bodyPr>
+          <a:lstStyle/>
+          <a:p>
+            <a:pPr algn="ctr"/>
+            <a:r>
+              <a:rPr kumimoji="1" lang="ko-Kore-KR" altLang="en-US" dirty="0">
+                <a:latin typeface="+mn-ea"/>
+              </a:rPr>
+              <a:t>이상치</a:t>
+            </a:r>
+            <a:r>
+              <a:rPr kumimoji="1" lang="ko-KR" altLang="en-US" dirty="0">
+                <a:latin typeface="+mn-ea"/>
+              </a:rPr>
+              <a:t> 제외 후</a:t>
+            </a:r>
+            <a:endParaRPr kumimoji="1" lang="ko-Kore-KR" altLang="en-US" dirty="0">
+              <a:latin typeface="+mn-ea"/>
+            </a:endParaRPr>
+          </a:p>
+        </p:txBody>
+      </p:sp>
+    </p:spTree>
+    <p:extLst>
+      <p:ext uri="{BB962C8B-B14F-4D97-AF65-F5344CB8AC3E}">
+        <p14:creationId xmlns:p14="http://schemas.microsoft.com/office/powerpoint/2010/main" val="1810387115"/>
+      </p:ext>
+    </p:extLst>
+  </p:cSld>
+  <p:clrMapOvr>
+    <a:masterClrMapping/>
+  </p:clrMapOvr>
+</p:sld>
+</file>
+
+<file path=ppt/slides/slide19.xml><?xml version="1.0" encoding="utf-8"?>
+<p:sld xmlns:a="http://schemas.openxmlformats.org/drawingml/2006/main" xmlns:r="http://schemas.openxmlformats.org/officeDocument/2006/relationships" xmlns:p="http://schemas.openxmlformats.org/presentationml/2006/main">
+  <p:cSld>
+    <p:spTree>
+      <p:nvGrpSpPr>
+        <p:cNvPr id="1" name=""/>
+        <p:cNvGrpSpPr/>
+        <p:nvPr/>
+      </p:nvGrpSpPr>
+      <p:grpSpPr>
+        <a:xfrm>
+          <a:off x="0" y="0"/>
+          <a:ext cx="0" cy="0"/>
+          <a:chOff x="0" y="0"/>
+          <a:chExt cx="0" cy="0"/>
+        </a:xfrm>
+      </p:grpSpPr>
+      <p:pic>
+        <p:nvPicPr>
+          <p:cNvPr id="2" name="그림 1"/>
+          <p:cNvPicPr>
+            <a:picLocks noChangeAspect="1"/>
+          </p:cNvPicPr>
+          <p:nvPr/>
+        </p:nvPicPr>
+        <p:blipFill>
+          <a:blip r:embed="rId2">
+            <a:extLst>
+              <a:ext uri="{28A0092B-C50C-407E-A947-70E740481C1C}">
+                <a14:useLocalDpi xmlns:a14="http://schemas.microsoft.com/office/drawing/2010/main" val="0"/>
+              </a:ext>
+            </a:extLst>
+          </a:blip>
+          <a:stretch>
+            <a:fillRect/>
+          </a:stretch>
+        </p:blipFill>
+        <p:spPr>
+          <a:xfrm>
+            <a:off x="0" y="0"/>
+            <a:ext cx="12192000" cy="6858000"/>
+          </a:xfrm>
+          <a:prstGeom prst="rect">
+            <a:avLst/>
+          </a:prstGeom>
+        </p:spPr>
+      </p:pic>
+      <p:sp>
+        <p:nvSpPr>
+          <p:cNvPr id="48" name="제목 38"/>
+          <p:cNvSpPr>
+            <a:spLocks noGrp="1"/>
+          </p:cNvSpPr>
+          <p:nvPr>
+            <p:ph type="title"/>
+          </p:nvPr>
+        </p:nvSpPr>
+        <p:spPr>
+          <a:xfrm>
+            <a:off x="363552" y="406401"/>
+            <a:ext cx="9862863" cy="856412"/>
+          </a:xfrm>
+        </p:spPr>
+        <p:txBody>
+          <a:bodyPr rtlCol="0">
+            <a:noAutofit/>
+          </a:bodyPr>
+          <a:lstStyle/>
+          <a:p>
+            <a:pPr>
+              <a:defRPr/>
+            </a:pPr>
+            <a:r>
+              <a:rPr lang="ko-KR" altLang="en-US" sz="4000" spc="-185" dirty="0">
+                <a:latin typeface="+mj-ea"/>
+              </a:rPr>
+              <a:t>이상치 제외 작업</a:t>
+            </a:r>
+          </a:p>
+        </p:txBody>
+      </p:sp>
+      <p:sp>
+        <p:nvSpPr>
+          <p:cNvPr id="13" name="제목 38"/>
+          <p:cNvSpPr txBox="1">
+            <a:spLocks/>
+          </p:cNvSpPr>
+          <p:nvPr/>
+        </p:nvSpPr>
+        <p:spPr>
+          <a:xfrm>
+            <a:off x="363552" y="1593704"/>
+            <a:ext cx="12192000" cy="1392508"/>
+          </a:xfrm>
+          <a:prstGeom prst="rect">
+            <a:avLst/>
+          </a:prstGeom>
+        </p:spPr>
+        <p:txBody>
+          <a:bodyPr vert="horz" lIns="112542" tIns="56271" rIns="112542" bIns="56271" rtlCol="0" anchor="t">
+            <a:noAutofit/>
+          </a:bodyPr>
+          <a:lstStyle>
+            <a:lvl1pPr algn="l" defTabSz="914400" rtl="0" eaLnBrk="1" latinLnBrk="1" hangingPunct="1">
+              <a:lnSpc>
+                <a:spcPct val="90000"/>
+              </a:lnSpc>
+              <a:spcBef>
+                <a:spcPct val="0"/>
+              </a:spcBef>
+              <a:buNone/>
+              <a:defRPr sz="4400" kern="1200">
+                <a:solidFill>
+                  <a:schemeClr val="tx1"/>
+                </a:solidFill>
+                <a:latin typeface="+mj-lt"/>
+                <a:ea typeface="+mj-ea"/>
+                <a:cs typeface="+mj-cs"/>
+              </a:defRPr>
+            </a:lvl1pPr>
+          </a:lstStyle>
+          <a:p>
+            <a:pPr>
+              <a:lnSpc>
+                <a:spcPct val="110000"/>
+              </a:lnSpc>
+              <a:defRPr/>
+            </a:pPr>
+            <a:r>
+              <a:rPr lang="ko-KR" altLang="en-US" sz="1900" spc="-150" dirty="0">
+                <a:latin typeface="+mn-ea"/>
+                <a:ea typeface="+mn-ea"/>
+              </a:rPr>
+              <a:t>라벨이 잘못 설정되어 있는 이슈가 있었습니다</a:t>
+            </a:r>
+            <a:r>
+              <a:rPr lang="en-US" altLang="ko-KR" sz="1900" spc="-150" dirty="0">
+                <a:latin typeface="+mn-ea"/>
+                <a:ea typeface="+mn-ea"/>
+              </a:rPr>
+              <a:t>.</a:t>
+            </a:r>
+          </a:p>
+          <a:p>
+            <a:pPr>
+              <a:lnSpc>
+                <a:spcPct val="110000"/>
+              </a:lnSpc>
+              <a:defRPr/>
+            </a:pPr>
+            <a:endParaRPr lang="en-US" altLang="ko-KR" sz="1900" spc="-150" dirty="0">
+              <a:latin typeface="+mn-ea"/>
+              <a:ea typeface="+mn-ea"/>
+            </a:endParaRPr>
+          </a:p>
+          <a:p>
+            <a:pPr>
+              <a:lnSpc>
+                <a:spcPct val="110000"/>
+              </a:lnSpc>
+              <a:defRPr/>
+            </a:pPr>
+            <a:r>
+              <a:rPr lang="ko-KR" altLang="en-US" sz="1900" spc="-150" dirty="0">
+                <a:latin typeface="+mn-ea"/>
+                <a:ea typeface="+mn-ea"/>
+              </a:rPr>
+              <a:t>이상치 제거 알고리즘을 만들 수도 있었지만</a:t>
+            </a:r>
+            <a:r>
+              <a:rPr lang="en-US" altLang="ko-KR" sz="1900" spc="-150" dirty="0">
+                <a:latin typeface="+mn-ea"/>
+                <a:ea typeface="+mn-ea"/>
+              </a:rPr>
+              <a:t>,</a:t>
+            </a:r>
+          </a:p>
+          <a:p>
+            <a:pPr>
+              <a:lnSpc>
+                <a:spcPct val="110000"/>
+              </a:lnSpc>
+              <a:defRPr/>
+            </a:pPr>
+            <a:r>
+              <a:rPr lang="ko-KR" altLang="en-US" sz="1900" spc="-150" dirty="0">
+                <a:latin typeface="+mn-ea"/>
+                <a:ea typeface="+mn-ea"/>
+              </a:rPr>
+              <a:t>시간도 촉박하고 라벨링이 잘못된 데이터가 많지 않아서 직접 제외 작업을 진행했습니다</a:t>
+            </a:r>
+            <a:r>
+              <a:rPr lang="en-US" altLang="ko-KR" sz="1900" spc="-150" dirty="0">
+                <a:latin typeface="+mn-ea"/>
+                <a:ea typeface="+mn-ea"/>
+              </a:rPr>
+              <a:t>.</a:t>
+            </a:r>
+            <a:endParaRPr lang="ko-KR" altLang="en-US" sz="1900" spc="-150" dirty="0">
+              <a:latin typeface="+mn-ea"/>
+              <a:ea typeface="+mn-ea"/>
+            </a:endParaRPr>
+          </a:p>
+        </p:txBody>
+      </p:sp>
+      <p:pic>
+        <p:nvPicPr>
+          <p:cNvPr id="5" name="그림 4" descr="텍스트, 컴퓨터, 실내, 책상이(가) 표시된 사진&#10;&#10;자동 생성된 설명">
+            <a:extLst>
+              <a:ext uri="{FF2B5EF4-FFF2-40B4-BE49-F238E27FC236}">
+                <a16:creationId xmlns:a16="http://schemas.microsoft.com/office/drawing/2014/main" id="{68AE407E-15B3-5513-0723-EBFD0A490B7C}"/>
+              </a:ext>
+            </a:extLst>
+          </p:cNvPr>
+          <p:cNvPicPr>
+            <a:picLocks noChangeAspect="1"/>
+          </p:cNvPicPr>
+          <p:nvPr/>
+        </p:nvPicPr>
+        <p:blipFill>
+          <a:blip r:embed="rId3">
+            <a:extLst>
+              <a:ext uri="{28A0092B-C50C-407E-A947-70E740481C1C}">
+                <a14:useLocalDpi xmlns:a14="http://schemas.microsoft.com/office/drawing/2010/main" val="0"/>
+              </a:ext>
+            </a:extLst>
+          </a:blip>
+          <a:stretch>
+            <a:fillRect/>
+          </a:stretch>
+        </p:blipFill>
+        <p:spPr>
+          <a:xfrm>
+            <a:off x="887181" y="3174718"/>
+            <a:ext cx="4204677" cy="3157614"/>
+          </a:xfrm>
+          <a:prstGeom prst="rect">
+            <a:avLst/>
+          </a:prstGeom>
+        </p:spPr>
+      </p:pic>
+      <p:pic>
+        <p:nvPicPr>
+          <p:cNvPr id="10" name="그림 9" descr="텍스트, 컴퓨터, 실내, 전자기기이(가) 표시된 사진&#10;&#10;자동 생성된 설명">
+            <a:extLst>
+              <a:ext uri="{FF2B5EF4-FFF2-40B4-BE49-F238E27FC236}">
+                <a16:creationId xmlns:a16="http://schemas.microsoft.com/office/drawing/2014/main" id="{A450FAFA-C4E6-8AC8-DCFA-1E2463B452C7}"/>
+              </a:ext>
+            </a:extLst>
+          </p:cNvPr>
+          <p:cNvPicPr>
+            <a:picLocks noChangeAspect="1"/>
+          </p:cNvPicPr>
+          <p:nvPr/>
+        </p:nvPicPr>
+        <p:blipFill>
+          <a:blip r:embed="rId4">
+            <a:extLst>
+              <a:ext uri="{28A0092B-C50C-407E-A947-70E740481C1C}">
+                <a14:useLocalDpi xmlns:a14="http://schemas.microsoft.com/office/drawing/2010/main" val="0"/>
+              </a:ext>
+            </a:extLst>
+          </a:blip>
+          <a:stretch>
+            <a:fillRect/>
+          </a:stretch>
+        </p:blipFill>
+        <p:spPr>
+          <a:xfrm>
+            <a:off x="5529966" y="3174718"/>
+            <a:ext cx="3801603" cy="2851202"/>
+          </a:xfrm>
+          <a:prstGeom prst="rect">
+            <a:avLst/>
+          </a:prstGeom>
+        </p:spPr>
+      </p:pic>
+    </p:spTree>
+    <p:extLst>
+      <p:ext uri="{BB962C8B-B14F-4D97-AF65-F5344CB8AC3E}">
+        <p14:creationId xmlns:p14="http://schemas.microsoft.com/office/powerpoint/2010/main" val="3246476420"/>
       </p:ext>
     </p:extLst>
   </p:cSld>
@@ -6872,6 +8594,66 @@
 </p:sld>
 </file>
 
+<file path=ppt/slides/slide20.xml><?xml version="1.0" encoding="utf-8"?>
+<p:sld xmlns:a="http://schemas.openxmlformats.org/drawingml/2006/main" xmlns:r="http://schemas.openxmlformats.org/officeDocument/2006/relationships" xmlns:p="http://schemas.openxmlformats.org/presentationml/2006/main">
+  <p:cSld>
+    <p:spTree>
+      <p:nvGrpSpPr>
+        <p:cNvPr id="1" name=""/>
+        <p:cNvGrpSpPr/>
+        <p:nvPr/>
+      </p:nvGrpSpPr>
+      <p:grpSpPr>
+        <a:xfrm>
+          <a:off x="0" y="0"/>
+          <a:ext cx="0" cy="0"/>
+          <a:chOff x="0" y="0"/>
+          <a:chExt cx="0" cy="0"/>
+        </a:xfrm>
+      </p:grpSpPr>
+      <p:pic>
+        <p:nvPicPr>
+          <p:cNvPr id="2" name="그림 1"/>
+          <p:cNvPicPr>
+            <a:picLocks noChangeAspect="1"/>
+          </p:cNvPicPr>
+          <p:nvPr/>
+        </p:nvPicPr>
+        <p:blipFill>
+          <a:blip r:embed="rId2">
+            <a:extLst>
+              <a:ext uri="{28A0092B-C50C-407E-A947-70E740481C1C}">
+                <a14:useLocalDpi xmlns:a14="http://schemas.microsoft.com/office/drawing/2010/main" val="0"/>
+              </a:ext>
+            </a:extLst>
+          </a:blip>
+          <a:stretch>
+            <a:fillRect/>
+          </a:stretch>
+        </p:blipFill>
+        <p:spPr>
+          <a:xfrm>
+            <a:off x="0" y="0"/>
+            <a:ext cx="12192000" cy="6858000"/>
+          </a:xfrm>
+          <a:prstGeom prst="rect">
+            <a:avLst/>
+          </a:prstGeom>
+        </p:spPr>
+      </p:pic>
+    </p:spTree>
+    <p:extLst>
+      <p:ext uri="{BB962C8B-B14F-4D97-AF65-F5344CB8AC3E}">
+        <p14:creationId xmlns:p14="http://schemas.microsoft.com/office/powerpoint/2010/main" val="3730575286"/>
+      </p:ext>
+    </p:extLst>
+  </p:cSld>
+  <p:clrMapOvr>
+    <a:masterClrMapping/>
+  </p:clrMapOvr>
+</p:sld>
+</file>
+
 <file path=ppt/slides/slide3.xml><?xml version="1.0" encoding="utf-8"?>
 <p:sld xmlns:a="http://schemas.openxmlformats.org/drawingml/2006/main" xmlns:r="http://schemas.openxmlformats.org/officeDocument/2006/relationships" xmlns:p="http://schemas.openxmlformats.org/presentationml/2006/main">
   <p:cSld>
@@ -7079,6 +8861,231 @@
 <file path=ppt/slides/slide4.xml><?xml version="1.0" encoding="utf-8"?>
 <p:sld xmlns:a="http://schemas.openxmlformats.org/drawingml/2006/main" xmlns:r="http://schemas.openxmlformats.org/officeDocument/2006/relationships" xmlns:p="http://schemas.openxmlformats.org/presentationml/2006/main">
   <p:cSld>
+    <p:bg>
+      <p:bgPr>
+        <a:solidFill>
+          <a:schemeClr val="accent1">
+            <a:lumMod val="75000"/>
+          </a:schemeClr>
+        </a:solidFill>
+        <a:effectLst/>
+      </p:bgPr>
+    </p:bg>
+    <p:spTree>
+      <p:nvGrpSpPr>
+        <p:cNvPr id="1" name=""/>
+        <p:cNvGrpSpPr/>
+        <p:nvPr/>
+      </p:nvGrpSpPr>
+      <p:grpSpPr>
+        <a:xfrm>
+          <a:off x="0" y="0"/>
+          <a:ext cx="0" cy="0"/>
+          <a:chOff x="0" y="0"/>
+          <a:chExt cx="0" cy="0"/>
+        </a:xfrm>
+      </p:grpSpPr>
+      <p:sp>
+        <p:nvSpPr>
+          <p:cNvPr id="4" name="제목 38">
+            <a:extLst>
+              <a:ext uri="{FF2B5EF4-FFF2-40B4-BE49-F238E27FC236}">
+                <a16:creationId xmlns:a16="http://schemas.microsoft.com/office/drawing/2014/main" id="{75808446-8018-955F-C8D6-2F95512EF67E}"/>
+              </a:ext>
+            </a:extLst>
+          </p:cNvPr>
+          <p:cNvSpPr>
+            <a:spLocks noGrp="1"/>
+          </p:cNvSpPr>
+          <p:nvPr>
+            <p:ph type="title"/>
+          </p:nvPr>
+        </p:nvSpPr>
+        <p:spPr>
+          <a:xfrm>
+            <a:off x="1164566" y="3000794"/>
+            <a:ext cx="9862863" cy="856412"/>
+          </a:xfrm>
+        </p:spPr>
+        <p:txBody>
+          <a:bodyPr rtlCol="0">
+            <a:noAutofit/>
+          </a:bodyPr>
+          <a:lstStyle/>
+          <a:p>
+            <a:pPr algn="ctr">
+              <a:defRPr/>
+            </a:pPr>
+            <a:r>
+              <a:rPr lang="en-US" altLang="ko-KR" sz="4000" spc="-185" dirty="0">
+                <a:solidFill>
+                  <a:schemeClr val="bg1"/>
+                </a:solidFill>
+                <a:latin typeface="+mj-ea"/>
+              </a:rPr>
+              <a:t>Mission 1</a:t>
+            </a:r>
+            <a:endParaRPr lang="ko-KR" altLang="en-US" sz="4000" spc="-185" dirty="0">
+              <a:solidFill>
+                <a:schemeClr val="bg1"/>
+              </a:solidFill>
+              <a:latin typeface="+mj-ea"/>
+            </a:endParaRPr>
+          </a:p>
+        </p:txBody>
+      </p:sp>
+      <p:sp>
+        <p:nvSpPr>
+          <p:cNvPr id="5" name="제목 38">
+            <a:extLst>
+              <a:ext uri="{FF2B5EF4-FFF2-40B4-BE49-F238E27FC236}">
+                <a16:creationId xmlns:a16="http://schemas.microsoft.com/office/drawing/2014/main" id="{ACAE11D1-D522-603F-3A0B-AD5B13A679CB}"/>
+              </a:ext>
+            </a:extLst>
+          </p:cNvPr>
+          <p:cNvSpPr txBox="1">
+            <a:spLocks/>
+          </p:cNvSpPr>
+          <p:nvPr/>
+        </p:nvSpPr>
+        <p:spPr>
+          <a:xfrm>
+            <a:off x="399487" y="4299110"/>
+            <a:ext cx="11393019" cy="547210"/>
+          </a:xfrm>
+          <a:prstGeom prst="rect">
+            <a:avLst/>
+          </a:prstGeom>
+        </p:spPr>
+        <p:txBody>
+          <a:bodyPr vert="horz" lIns="112542" tIns="56271" rIns="112542" bIns="56271" rtlCol="0" anchor="ctr">
+            <a:noAutofit/>
+          </a:bodyPr>
+          <a:lstStyle>
+            <a:lvl1pPr algn="l" defTabSz="914400" rtl="0" eaLnBrk="1" latinLnBrk="1" hangingPunct="1">
+              <a:lnSpc>
+                <a:spcPct val="90000"/>
+              </a:lnSpc>
+              <a:spcBef>
+                <a:spcPct val="0"/>
+              </a:spcBef>
+              <a:buNone/>
+              <a:defRPr sz="4400" kern="1200">
+                <a:solidFill>
+                  <a:schemeClr val="tx1"/>
+                </a:solidFill>
+                <a:latin typeface="+mj-lt"/>
+                <a:ea typeface="+mj-ea"/>
+                <a:cs typeface="+mj-cs"/>
+              </a:defRPr>
+            </a:lvl1pPr>
+          </a:lstStyle>
+          <a:p>
+            <a:pPr algn="ctr">
+              <a:lnSpc>
+                <a:spcPct val="120000"/>
+              </a:lnSpc>
+              <a:defRPr/>
+            </a:pPr>
+            <a:r>
+              <a:rPr lang="en-US" altLang="ko-KR" sz="1500" spc="-150" dirty="0">
+                <a:solidFill>
+                  <a:schemeClr val="bg1"/>
+                </a:solidFill>
+                <a:latin typeface="+mn-ea"/>
+                <a:ea typeface="+mn-ea"/>
+              </a:rPr>
+              <a:t>1-1. Training </a:t>
+            </a:r>
+            <a:r>
+              <a:rPr lang="ko-KR" altLang="en-US" sz="1500" spc="-150" dirty="0">
+                <a:solidFill>
+                  <a:schemeClr val="bg1"/>
+                </a:solidFill>
+                <a:latin typeface="+mn-ea"/>
+                <a:ea typeface="+mn-ea"/>
+              </a:rPr>
+              <a:t>데이터 셋의 데이터를 살펴보고 라벨 </a:t>
+            </a:r>
+            <a:r>
+              <a:rPr lang="ko-KR" altLang="en-US" sz="1500" dirty="0">
+                <a:solidFill>
+                  <a:schemeClr val="bg1"/>
+                </a:solidFill>
+                <a:latin typeface="+mn-ea"/>
+                <a:ea typeface="+mn-ea"/>
+              </a:rPr>
+              <a:t>종류는</a:t>
+            </a:r>
+            <a:r>
+              <a:rPr lang="ko-KR" altLang="en-US" sz="1500" spc="-150" dirty="0">
+                <a:solidFill>
+                  <a:schemeClr val="bg1"/>
+                </a:solidFill>
+                <a:latin typeface="+mn-ea"/>
+                <a:ea typeface="+mn-ea"/>
+              </a:rPr>
+              <a:t> 무엇이 있고</a:t>
+            </a:r>
+            <a:r>
+              <a:rPr lang="en-US" altLang="ko-KR" sz="1500" spc="-150" dirty="0">
+                <a:solidFill>
+                  <a:schemeClr val="bg1"/>
+                </a:solidFill>
+                <a:latin typeface="+mn-ea"/>
+                <a:ea typeface="+mn-ea"/>
+              </a:rPr>
+              <a:t>, </a:t>
+            </a:r>
+            <a:r>
+              <a:rPr lang="ko-KR" altLang="en-US" sz="1500" spc="-150" dirty="0">
+                <a:solidFill>
+                  <a:schemeClr val="bg1"/>
+                </a:solidFill>
+                <a:latin typeface="+mn-ea"/>
+                <a:ea typeface="+mn-ea"/>
+              </a:rPr>
+              <a:t>각 라벨의 개수를 </a:t>
+            </a:r>
+            <a:r>
+              <a:rPr lang="ko-KR" altLang="en-US" sz="1500" spc="-150" dirty="0" err="1">
+                <a:solidFill>
+                  <a:schemeClr val="bg1"/>
+                </a:solidFill>
+                <a:latin typeface="+mn-ea"/>
+                <a:ea typeface="+mn-ea"/>
+              </a:rPr>
+              <a:t>구하시오</a:t>
+            </a:r>
+            <a:r>
+              <a:rPr lang="en-US" altLang="ko-KR" sz="1500" spc="-150" dirty="0">
+                <a:solidFill>
+                  <a:schemeClr val="bg1"/>
+                </a:solidFill>
+                <a:latin typeface="+mn-ea"/>
+                <a:ea typeface="+mn-ea"/>
+              </a:rPr>
+              <a:t>.</a:t>
+            </a:r>
+          </a:p>
+        </p:txBody>
+      </p:sp>
+    </p:spTree>
+    <p:extLst>
+      <p:ext uri="{BB962C8B-B14F-4D97-AF65-F5344CB8AC3E}">
+        <p14:creationId xmlns:p14="http://schemas.microsoft.com/office/powerpoint/2010/main" val="2974555290"/>
+      </p:ext>
+    </p:extLst>
+  </p:cSld>
+  <p:clrMapOvr>
+    <a:masterClrMapping/>
+  </p:clrMapOvr>
+</p:sld>
+</file>
+
+<file path=ppt/slides/slide5.xml><?xml version="1.0" encoding="utf-8"?>
+<p:sld xmlns:a="http://schemas.openxmlformats.org/drawingml/2006/main" xmlns:r="http://schemas.openxmlformats.org/officeDocument/2006/relationships" xmlns:p="http://schemas.openxmlformats.org/presentationml/2006/main">
+  <p:cSld>
     <p:spTree>
       <p:nvGrpSpPr>
         <p:cNvPr id="1" name=""/>
@@ -7535,9 +9542,19 @@
 </p:sld>
 </file>
 
-<file path=ppt/slides/slide5.xml><?xml version="1.0" encoding="utf-8"?>
+<file path=ppt/slides/slide6.xml><?xml version="1.0" encoding="utf-8"?>
 <p:sld xmlns:a="http://schemas.openxmlformats.org/drawingml/2006/main" xmlns:r="http://schemas.openxmlformats.org/officeDocument/2006/relationships" xmlns:p="http://schemas.openxmlformats.org/presentationml/2006/main">
   <p:cSld>
+    <p:bg>
+      <p:bgPr>
+        <a:solidFill>
+          <a:schemeClr val="accent1">
+            <a:lumMod val="75000"/>
+          </a:schemeClr>
+        </a:solidFill>
+        <a:effectLst/>
+      </p:bgPr>
+    </p:bg>
     <p:spTree>
       <p:nvGrpSpPr>
         <p:cNvPr id="1" name=""/>
@@ -7552,48 +9569,12 @@
           <a:chExt cx="0" cy="0"/>
         </a:xfrm>
       </p:grpSpPr>
-      <p:pic>
-        <p:nvPicPr>
-          <p:cNvPr id="4" name="그림 3">
+      <p:sp>
+        <p:nvSpPr>
+          <p:cNvPr id="4" name="제목 38">
             <a:extLst>
               <a:ext uri="{FF2B5EF4-FFF2-40B4-BE49-F238E27FC236}">
-                <a16:creationId xmlns:a16="http://schemas.microsoft.com/office/drawing/2014/main" id="{963A1BA7-4CC2-ACEF-0293-24C5AE9B9175}"/>
-              </a:ext>
-            </a:extLst>
-          </p:cNvPr>
-          <p:cNvPicPr>
-            <a:picLocks noChangeAspect="1"/>
-          </p:cNvPicPr>
-          <p:nvPr/>
-        </p:nvPicPr>
-        <p:blipFill>
-          <a:blip r:embed="rId2">
-            <a:extLst>
-              <a:ext uri="{28A0092B-C50C-407E-A947-70E740481C1C}">
-                <a14:useLocalDpi xmlns:a14="http://schemas.microsoft.com/office/drawing/2010/main" val="0"/>
-              </a:ext>
-            </a:extLst>
-          </a:blip>
-          <a:stretch>
-            <a:fillRect/>
-          </a:stretch>
-        </p:blipFill>
-        <p:spPr>
-          <a:xfrm>
-            <a:off x="0" y="0"/>
-            <a:ext cx="12192000" cy="6858000"/>
-          </a:xfrm>
-          <a:prstGeom prst="rect">
-            <a:avLst/>
-          </a:prstGeom>
-        </p:spPr>
-      </p:pic>
-      <p:sp>
-        <p:nvSpPr>
-          <p:cNvPr id="5" name="제목 38">
-            <a:extLst>
-              <a:ext uri="{FF2B5EF4-FFF2-40B4-BE49-F238E27FC236}">
-                <a16:creationId xmlns:a16="http://schemas.microsoft.com/office/drawing/2014/main" id="{D53157FE-2798-08EE-C8C3-6F7CF14ECA7D}"/>
+                <a16:creationId xmlns:a16="http://schemas.microsoft.com/office/drawing/2014/main" id="{75808446-8018-955F-C8D6-2F95512EF67E}"/>
               </a:ext>
             </a:extLst>
           </p:cNvPr>
@@ -7606,7 +9587,7 @@
         </p:nvSpPr>
         <p:spPr>
           <a:xfrm>
-            <a:off x="363552" y="406401"/>
+            <a:off x="1164564" y="3000794"/>
             <a:ext cx="9862863" cy="856412"/>
           </a:xfrm>
         </p:spPr>
@@ -7616,24 +9597,33 @@
           </a:bodyPr>
           <a:lstStyle/>
           <a:p>
-            <a:pPr>
-              <a:defRPr/>
-            </a:pPr>
-            <a:r>
-              <a:rPr lang="ko-KR" altLang="en-US" sz="4000" spc="-185" dirty="0">
+            <a:pPr algn="ctr">
+              <a:defRPr/>
+            </a:pPr>
+            <a:r>
+              <a:rPr lang="en-US" altLang="ko-KR" sz="4000" spc="-185" dirty="0">
+                <a:solidFill>
+                  <a:schemeClr val="bg1"/>
+                </a:solidFill>
                 <a:latin typeface="+mj-ea"/>
               </a:rPr>
-              <a:t>데이터 전처리 과정</a:t>
-            </a:r>
-          </a:p>
-        </p:txBody>
-      </p:sp>
-      <p:sp>
-        <p:nvSpPr>
-          <p:cNvPr id="6" name="제목 38">
+              <a:t>Mission 2</a:t>
+            </a:r>
+            <a:endParaRPr lang="ko-KR" altLang="en-US" sz="4000" spc="-185" dirty="0">
+              <a:solidFill>
+                <a:schemeClr val="bg1"/>
+              </a:solidFill>
+              <a:latin typeface="+mj-ea"/>
+            </a:endParaRPr>
+          </a:p>
+        </p:txBody>
+      </p:sp>
+      <p:sp>
+        <p:nvSpPr>
+          <p:cNvPr id="5" name="제목 38">
             <a:extLst>
               <a:ext uri="{FF2B5EF4-FFF2-40B4-BE49-F238E27FC236}">
-                <a16:creationId xmlns:a16="http://schemas.microsoft.com/office/drawing/2014/main" id="{EB94A68A-D51D-255E-A650-BDDB84AC8884}"/>
+                <a16:creationId xmlns:a16="http://schemas.microsoft.com/office/drawing/2014/main" id="{ACAE11D1-D522-603F-3A0B-AD5B13A679CB}"/>
               </a:ext>
             </a:extLst>
           </p:cNvPr>
@@ -7644,15 +9634,15 @@
         </p:nvSpPr>
         <p:spPr>
           <a:xfrm>
-            <a:off x="363552" y="1547726"/>
-            <a:ext cx="8354320" cy="2419299"/>
+            <a:off x="399487" y="4299110"/>
+            <a:ext cx="11393019" cy="547210"/>
           </a:xfrm>
           <a:prstGeom prst="rect">
             <a:avLst/>
           </a:prstGeom>
         </p:spPr>
         <p:txBody>
-          <a:bodyPr vert="horz" lIns="112542" tIns="56271" rIns="112542" bIns="56271" rtlCol="0" anchor="t">
+          <a:bodyPr vert="horz" lIns="112542" tIns="56271" rIns="112542" bIns="56271" rtlCol="0" anchor="ctr">
             <a:noAutofit/>
           </a:bodyPr>
           <a:lstStyle>
@@ -7675,1027 +9665,76 @@
             </a:lvl1pPr>
           </a:lstStyle>
           <a:p>
-            <a:pPr>
-              <a:lnSpc>
-                <a:spcPct val="130000"/>
-              </a:lnSpc>
-              <a:defRPr/>
-            </a:pPr>
-            <a:r>
-              <a:rPr lang="ko-KR" altLang="en-US" sz="1600" spc="-150" dirty="0">
-                <a:latin typeface="+mn-ea"/>
-                <a:ea typeface="+mn-ea"/>
-              </a:rPr>
-              <a:t>전처리 코드를 완성하기 위해 많은 시행착오를 거쳤습니다</a:t>
-            </a:r>
-            <a:r>
-              <a:rPr lang="en-US" altLang="ko-KR" sz="1600" spc="-150" dirty="0">
+            <a:pPr algn="ctr">
+              <a:defRPr/>
+            </a:pPr>
+            <a:r>
+              <a:rPr lang="en-US" altLang="ko-KR" sz="1600" spc="-185" dirty="0">
+                <a:solidFill>
+                  <a:schemeClr val="bg1"/>
+                </a:solidFill>
+                <a:latin typeface="+mn-ea"/>
+                <a:ea typeface="+mn-ea"/>
+              </a:rPr>
+              <a:t>2-1. </a:t>
+            </a:r>
+            <a:r>
+              <a:rPr lang="ko-KR" altLang="en-US" sz="1600" spc="-185" dirty="0">
+                <a:solidFill>
+                  <a:schemeClr val="bg1"/>
+                </a:solidFill>
+                <a:latin typeface="+mn-ea"/>
+                <a:ea typeface="+mn-ea"/>
+              </a:rPr>
+              <a:t>이미지 크기를 적절히 조절하거나</a:t>
+            </a:r>
+            <a:r>
+              <a:rPr lang="en-US" altLang="ko-KR" sz="1600" spc="-185" dirty="0">
+                <a:solidFill>
+                  <a:schemeClr val="bg1"/>
+                </a:solidFill>
+                <a:latin typeface="+mn-ea"/>
+                <a:ea typeface="+mn-ea"/>
+              </a:rPr>
+              <a:t>, </a:t>
+            </a:r>
+            <a:r>
+              <a:rPr lang="ko-KR" altLang="en-US" sz="1600" spc="-185" dirty="0">
+                <a:solidFill>
+                  <a:schemeClr val="bg1"/>
+                </a:solidFill>
+                <a:latin typeface="+mn-ea"/>
+                <a:ea typeface="+mn-ea"/>
+              </a:rPr>
+              <a:t>해상도를 조절하여 학습 데이터 셋을 </a:t>
+            </a:r>
+            <a:r>
+              <a:rPr lang="ko-KR" altLang="en-US" sz="1600" spc="-185" dirty="0" err="1">
+                <a:solidFill>
+                  <a:schemeClr val="bg1"/>
+                </a:solidFill>
+                <a:latin typeface="+mn-ea"/>
+                <a:ea typeface="+mn-ea"/>
+              </a:rPr>
+              <a:t>구축하시오</a:t>
+            </a:r>
+            <a:r>
+              <a:rPr lang="en-US" altLang="ko-KR" sz="1600" spc="-185" dirty="0">
+                <a:solidFill>
+                  <a:schemeClr val="bg1"/>
+                </a:solidFill>
                 <a:latin typeface="+mn-ea"/>
                 <a:ea typeface="+mn-ea"/>
               </a:rPr>
               <a:t>.</a:t>
             </a:r>
-          </a:p>
-          <a:p>
-            <a:pPr>
-              <a:lnSpc>
-                <a:spcPct val="130000"/>
-              </a:lnSpc>
-              <a:defRPr/>
-            </a:pPr>
-            <a:endParaRPr lang="en-US" altLang="ko-KR" sz="1600" spc="-150" dirty="0">
-              <a:latin typeface="+mn-ea"/>
-              <a:ea typeface="+mn-ea"/>
-            </a:endParaRPr>
-          </a:p>
-          <a:p>
-            <a:pPr>
-              <a:lnSpc>
-                <a:spcPct val="130000"/>
-              </a:lnSpc>
-              <a:defRPr/>
-            </a:pPr>
-            <a:r>
-              <a:rPr lang="ko-KR" altLang="en-US" sz="1600" spc="-150" dirty="0">
-                <a:latin typeface="+mn-ea"/>
-                <a:ea typeface="+mn-ea"/>
-              </a:rPr>
-              <a:t>이미지의 모서리를 찾아내 옷만 잘라 내기 위해 지역 이진화 함수를 사용했습니다</a:t>
-            </a:r>
-            <a:r>
-              <a:rPr lang="en-US" altLang="ko-KR" sz="1600" spc="-150" dirty="0">
-                <a:latin typeface="+mn-ea"/>
-                <a:ea typeface="+mn-ea"/>
-              </a:rPr>
-              <a:t>.</a:t>
-            </a:r>
-          </a:p>
-          <a:p>
-            <a:pPr>
-              <a:lnSpc>
-                <a:spcPct val="130000"/>
-              </a:lnSpc>
-              <a:defRPr/>
-            </a:pPr>
-            <a:r>
-              <a:rPr lang="ko-KR" altLang="en-US" sz="1600" spc="-150" dirty="0">
-                <a:latin typeface="+mn-ea"/>
-                <a:ea typeface="+mn-ea"/>
-              </a:rPr>
-              <a:t>하지만 배경이 흰색인 탓에 흰 옷 이미지 이진화 시 문제가 생기는 것을 확인할 수 있었고</a:t>
-            </a:r>
-            <a:r>
-              <a:rPr lang="en-US" altLang="ko-KR" sz="1600" spc="-150" dirty="0">
-                <a:latin typeface="+mn-ea"/>
-                <a:ea typeface="+mn-ea"/>
-              </a:rPr>
-              <a:t>,</a:t>
-            </a:r>
-            <a:r>
-              <a:rPr lang="ko-KR" altLang="en-US" sz="1600" spc="-150" dirty="0">
-                <a:latin typeface="+mn-ea"/>
-                <a:ea typeface="+mn-ea"/>
-              </a:rPr>
-              <a:t> </a:t>
-            </a:r>
-            <a:endParaRPr lang="en-US" altLang="ko-KR" sz="1600" spc="-150" dirty="0">
-              <a:latin typeface="+mn-ea"/>
-              <a:ea typeface="+mn-ea"/>
-            </a:endParaRPr>
-          </a:p>
-          <a:p>
-            <a:pPr>
-              <a:lnSpc>
-                <a:spcPct val="130000"/>
-              </a:lnSpc>
-              <a:defRPr/>
-            </a:pPr>
-            <a:r>
-              <a:rPr lang="ko-KR" altLang="en-US" sz="1600" spc="-150" dirty="0">
-                <a:latin typeface="+mn-ea"/>
-                <a:ea typeface="+mn-ea"/>
-              </a:rPr>
-              <a:t>어떻게 해결해야 할 지 고민하던 중 적응형 이진화 함수를 발견했습니다</a:t>
-            </a:r>
-            <a:r>
-              <a:rPr lang="en-US" altLang="ko-KR" sz="1600" spc="-150" dirty="0">
-                <a:latin typeface="+mn-ea"/>
-                <a:ea typeface="+mn-ea"/>
-              </a:rPr>
-              <a:t>.</a:t>
-            </a:r>
-          </a:p>
-          <a:p>
-            <a:pPr>
-              <a:lnSpc>
-                <a:spcPct val="130000"/>
-              </a:lnSpc>
-              <a:defRPr/>
-            </a:pPr>
-            <a:r>
-              <a:rPr lang="ko-KR" altLang="en-US" sz="1600" spc="-150" dirty="0">
-                <a:latin typeface="+mn-ea"/>
-                <a:ea typeface="+mn-ea"/>
-              </a:rPr>
-              <a:t>적응형 이진화는 이미지에 따라 스스로 임계 값을 다르게 할당할 수 있도록 구현된 알고리즘입니다</a:t>
-            </a:r>
-            <a:r>
-              <a:rPr lang="en-US" altLang="ko-KR" sz="1600" spc="-150" dirty="0">
-                <a:latin typeface="+mn-ea"/>
-                <a:ea typeface="+mn-ea"/>
-              </a:rPr>
-              <a:t>.</a:t>
-            </a:r>
-          </a:p>
-          <a:p>
-            <a:pPr>
-              <a:lnSpc>
-                <a:spcPct val="130000"/>
-              </a:lnSpc>
-              <a:defRPr/>
-            </a:pPr>
-            <a:r>
-              <a:rPr lang="ko-KR" altLang="en-US" sz="1600" spc="-150" dirty="0">
-                <a:latin typeface="+mn-ea"/>
-                <a:ea typeface="+mn-ea"/>
-              </a:rPr>
-              <a:t>이 알고리즘을 사용해 이진화를 했을 경우 흰 옷의 이진화가 알맞게 된 것을 확인할 수 있습니다</a:t>
-            </a:r>
-            <a:r>
-              <a:rPr lang="en-US" altLang="ko-KR" sz="1600" spc="-150" dirty="0">
-                <a:latin typeface="+mn-ea"/>
-                <a:ea typeface="+mn-ea"/>
-              </a:rPr>
-              <a:t>.</a:t>
-            </a:r>
-            <a:r>
-              <a:rPr lang="ko-KR" altLang="en-US" sz="1600" spc="-150" dirty="0">
-                <a:latin typeface="+mn-ea"/>
-                <a:ea typeface="+mn-ea"/>
-              </a:rPr>
-              <a:t> </a:t>
-            </a:r>
-            <a:endParaRPr lang="en-US" altLang="ko-KR" sz="1600" spc="-150" dirty="0">
-              <a:latin typeface="+mn-ea"/>
-              <a:ea typeface="+mn-ea"/>
-            </a:endParaRPr>
-          </a:p>
-        </p:txBody>
-      </p:sp>
-      <p:pic>
-        <p:nvPicPr>
-          <p:cNvPr id="8" name="그림 7" descr="텍스트이(가) 표시된 사진&#10;&#10;자동 생성된 설명">
-            <a:extLst>
-              <a:ext uri="{FF2B5EF4-FFF2-40B4-BE49-F238E27FC236}">
-                <a16:creationId xmlns:a16="http://schemas.microsoft.com/office/drawing/2014/main" id="{44362160-5590-DC62-52A4-250228E1A6E4}"/>
-              </a:ext>
-            </a:extLst>
-          </p:cNvPr>
-          <p:cNvPicPr>
-            <a:picLocks noChangeAspect="1"/>
-          </p:cNvPicPr>
-          <p:nvPr/>
-        </p:nvPicPr>
-        <p:blipFill rotWithShape="1">
-          <a:blip r:embed="rId3">
-            <a:extLst>
-              <a:ext uri="{28A0092B-C50C-407E-A947-70E740481C1C}">
-                <a14:useLocalDpi xmlns:a14="http://schemas.microsoft.com/office/drawing/2010/main" val="0"/>
-              </a:ext>
-            </a:extLst>
-          </a:blip>
-          <a:srcRect t="75659" r="61880"/>
-          <a:stretch/>
-        </p:blipFill>
-        <p:spPr>
-          <a:xfrm>
-            <a:off x="498449" y="4156578"/>
-            <a:ext cx="1551237" cy="1836243"/>
-          </a:xfrm>
-          <a:prstGeom prst="rect">
-            <a:avLst/>
-          </a:prstGeom>
-        </p:spPr>
-      </p:pic>
-      <p:sp>
-        <p:nvSpPr>
-          <p:cNvPr id="9" name="제목 38">
-            <a:extLst>
-              <a:ext uri="{FF2B5EF4-FFF2-40B4-BE49-F238E27FC236}">
-                <a16:creationId xmlns:a16="http://schemas.microsoft.com/office/drawing/2014/main" id="{17C34476-D9F6-9005-524F-E315A8266863}"/>
-              </a:ext>
-            </a:extLst>
-          </p:cNvPr>
-          <p:cNvSpPr txBox="1">
-            <a:spLocks/>
-          </p:cNvSpPr>
-          <p:nvPr/>
-        </p:nvSpPr>
-        <p:spPr>
-          <a:xfrm>
-            <a:off x="560352" y="4351178"/>
-            <a:ext cx="1410215" cy="445258"/>
-          </a:xfrm>
-          <a:prstGeom prst="rect">
-            <a:avLst/>
-          </a:prstGeom>
-        </p:spPr>
-        <p:txBody>
-          <a:bodyPr vert="horz" lIns="112542" tIns="56271" rIns="112542" bIns="56271" rtlCol="0" anchor="t">
-            <a:noAutofit/>
-          </a:bodyPr>
-          <a:lstStyle>
-            <a:lvl1pPr algn="l" defTabSz="914400" rtl="0" eaLnBrk="1" latinLnBrk="1" hangingPunct="1">
-              <a:lnSpc>
-                <a:spcPct val="90000"/>
-              </a:lnSpc>
-              <a:spcBef>
-                <a:spcPct val="0"/>
-              </a:spcBef>
-              <a:buNone/>
-              <a:defRPr sz="4400" kern="1200">
-                <a:solidFill>
-                  <a:schemeClr val="tx1"/>
-                </a:solidFill>
-                <a:latin typeface="+mj-lt"/>
-                <a:ea typeface="+mj-ea"/>
-                <a:cs typeface="+mj-cs"/>
-              </a:defRPr>
-            </a:lvl1pPr>
-          </a:lstStyle>
-          <a:p>
-            <a:pPr>
-              <a:defRPr/>
-            </a:pPr>
-            <a:endParaRPr lang="en-US" altLang="ko-KR" sz="2100" spc="-185" dirty="0">
-              <a:latin typeface="+mn-ea"/>
-              <a:ea typeface="+mn-ea"/>
-            </a:endParaRPr>
-          </a:p>
-        </p:txBody>
-      </p:sp>
-      <p:sp>
-        <p:nvSpPr>
-          <p:cNvPr id="10" name="TextBox 9">
-            <a:extLst>
-              <a:ext uri="{FF2B5EF4-FFF2-40B4-BE49-F238E27FC236}">
-                <a16:creationId xmlns:a16="http://schemas.microsoft.com/office/drawing/2014/main" id="{5CE62B68-E5B2-93D0-B32D-70FDFE1E9158}"/>
-              </a:ext>
-            </a:extLst>
-          </p:cNvPr>
-          <p:cNvSpPr txBox="1"/>
-          <p:nvPr/>
-        </p:nvSpPr>
-        <p:spPr>
-          <a:xfrm>
-            <a:off x="363396" y="5970716"/>
-            <a:ext cx="1821341" cy="575543"/>
-          </a:xfrm>
-          <a:prstGeom prst="rect">
-            <a:avLst/>
-          </a:prstGeom>
-          <a:noFill/>
-        </p:spPr>
-        <p:txBody>
-          <a:bodyPr wrap="square" rtlCol="0">
-            <a:spAutoFit/>
-          </a:bodyPr>
-          <a:lstStyle/>
-          <a:p>
-            <a:pPr algn="ctr"/>
-            <a:r>
-              <a:rPr lang="en-US" altLang="ko-KR" sz="1400" spc="-150" dirty="0">
-                <a:latin typeface="+mn-ea"/>
-              </a:rPr>
-              <a:t>Threshold </a:t>
-            </a:r>
-            <a:r>
-              <a:rPr lang="ko-KR" altLang="en-US" sz="1400" spc="-150" dirty="0">
-                <a:latin typeface="+mn-ea"/>
-              </a:rPr>
-              <a:t>함수 사용</a:t>
-            </a:r>
-            <a:endParaRPr lang="en-US" altLang="ko-KR" sz="1400" spc="-150" dirty="0">
-              <a:latin typeface="+mn-ea"/>
-            </a:endParaRPr>
-          </a:p>
-          <a:p>
-            <a:pPr algn="ctr"/>
-            <a:r>
-              <a:rPr kumimoji="1" lang="en-US" altLang="ko-KR" sz="1400" spc="-150" dirty="0">
-                <a:latin typeface="+mn-ea"/>
-              </a:rPr>
-              <a:t>(</a:t>
-            </a:r>
-            <a:r>
-              <a:rPr kumimoji="1" lang="ko-KR" altLang="en-US" sz="1400" spc="-150" dirty="0">
-                <a:latin typeface="+mn-ea"/>
-              </a:rPr>
-              <a:t>갈색 옷</a:t>
-            </a:r>
-            <a:r>
-              <a:rPr kumimoji="1" lang="en-US" altLang="ko-KR" sz="1400" spc="-150" dirty="0">
-                <a:latin typeface="+mn-ea"/>
-              </a:rPr>
-              <a:t>)</a:t>
-            </a:r>
-            <a:endParaRPr kumimoji="1" lang="en-US" altLang="ko-Kore-KR" sz="1400" dirty="0">
-              <a:latin typeface="+mn-ea"/>
-            </a:endParaRPr>
-          </a:p>
-        </p:txBody>
-      </p:sp>
-      <p:pic>
-        <p:nvPicPr>
-          <p:cNvPr id="12" name="그림 11" descr="텍스트이(가) 표시된 사진&#10;&#10;자동 생성된 설명">
-            <a:extLst>
-              <a:ext uri="{FF2B5EF4-FFF2-40B4-BE49-F238E27FC236}">
-                <a16:creationId xmlns:a16="http://schemas.microsoft.com/office/drawing/2014/main" id="{F3583A5A-1D78-2DB7-2C7B-C47525CD196E}"/>
-              </a:ext>
-            </a:extLst>
-          </p:cNvPr>
-          <p:cNvPicPr>
-            <a:picLocks noChangeAspect="1"/>
-          </p:cNvPicPr>
-          <p:nvPr/>
-        </p:nvPicPr>
-        <p:blipFill rotWithShape="1">
-          <a:blip r:embed="rId4">
-            <a:extLst>
-              <a:ext uri="{28A0092B-C50C-407E-A947-70E740481C1C}">
-                <a14:useLocalDpi xmlns:a14="http://schemas.microsoft.com/office/drawing/2010/main" val="0"/>
-              </a:ext>
-            </a:extLst>
-          </a:blip>
-          <a:srcRect l="4817" t="73855" r="77464"/>
-          <a:stretch/>
-        </p:blipFill>
-        <p:spPr>
-          <a:xfrm>
-            <a:off x="3211370" y="4156578"/>
-            <a:ext cx="779721" cy="1836243"/>
-          </a:xfrm>
-          <a:prstGeom prst="rect">
-            <a:avLst/>
-          </a:prstGeom>
-        </p:spPr>
-      </p:pic>
-      <p:sp>
-        <p:nvSpPr>
-          <p:cNvPr id="14" name="TextBox 13">
-            <a:extLst>
-              <a:ext uri="{FF2B5EF4-FFF2-40B4-BE49-F238E27FC236}">
-                <a16:creationId xmlns:a16="http://schemas.microsoft.com/office/drawing/2014/main" id="{2576593A-EE19-4525-7DEA-517FCB4C9422}"/>
-              </a:ext>
-            </a:extLst>
-          </p:cNvPr>
-          <p:cNvSpPr txBox="1"/>
-          <p:nvPr/>
-        </p:nvSpPr>
-        <p:spPr>
-          <a:xfrm>
-            <a:off x="2690559" y="5970716"/>
-            <a:ext cx="1821341" cy="575543"/>
-          </a:xfrm>
-          <a:prstGeom prst="rect">
-            <a:avLst/>
-          </a:prstGeom>
-          <a:noFill/>
-        </p:spPr>
-        <p:txBody>
-          <a:bodyPr wrap="square" rtlCol="0">
-            <a:spAutoFit/>
-          </a:bodyPr>
-          <a:lstStyle/>
-          <a:p>
-            <a:pPr algn="ctr"/>
-            <a:r>
-              <a:rPr lang="en-US" altLang="ko-KR" sz="1400" spc="-150" dirty="0">
-                <a:latin typeface="+mn-ea"/>
-              </a:rPr>
-              <a:t>Threshold </a:t>
-            </a:r>
-            <a:r>
-              <a:rPr lang="ko-KR" altLang="en-US" sz="1400" spc="-150" dirty="0">
-                <a:latin typeface="+mn-ea"/>
-              </a:rPr>
-              <a:t>함수 사용</a:t>
-            </a:r>
-            <a:endParaRPr lang="en-US" altLang="ko-KR" sz="1400" spc="-150" dirty="0">
-              <a:latin typeface="+mn-ea"/>
-            </a:endParaRPr>
-          </a:p>
-          <a:p>
-            <a:pPr algn="ctr"/>
-            <a:r>
-              <a:rPr kumimoji="1" lang="en-US" altLang="ko-KR" sz="1400" spc="-150" dirty="0">
-                <a:latin typeface="+mn-ea"/>
-              </a:rPr>
-              <a:t>(</a:t>
-            </a:r>
-            <a:r>
-              <a:rPr kumimoji="1" lang="ko-KR" altLang="en-US" sz="1400" spc="-150" dirty="0">
-                <a:latin typeface="+mn-ea"/>
-              </a:rPr>
-              <a:t>흰 옷</a:t>
-            </a:r>
-            <a:r>
-              <a:rPr kumimoji="1" lang="en-US" altLang="ko-KR" sz="1400" spc="-150" dirty="0">
-                <a:latin typeface="+mn-ea"/>
-              </a:rPr>
-              <a:t>)</a:t>
-            </a:r>
-            <a:endParaRPr kumimoji="1" lang="en-US" altLang="ko-Kore-KR" sz="1400" dirty="0">
-              <a:latin typeface="+mn-ea"/>
-            </a:endParaRPr>
-          </a:p>
-        </p:txBody>
-      </p:sp>
-      <p:pic>
-        <p:nvPicPr>
-          <p:cNvPr id="16" name="그림 15" descr="텍스트이(가) 표시된 사진&#10;&#10;자동 생성된 설명">
-            <a:extLst>
-              <a:ext uri="{FF2B5EF4-FFF2-40B4-BE49-F238E27FC236}">
-                <a16:creationId xmlns:a16="http://schemas.microsoft.com/office/drawing/2014/main" id="{EB94D70A-772B-F512-0CC5-C74B0A541842}"/>
-              </a:ext>
-            </a:extLst>
-          </p:cNvPr>
-          <p:cNvPicPr>
-            <a:picLocks noChangeAspect="1"/>
-          </p:cNvPicPr>
-          <p:nvPr/>
-        </p:nvPicPr>
-        <p:blipFill rotWithShape="1">
-          <a:blip r:embed="rId5">
-            <a:extLst>
-              <a:ext uri="{28A0092B-C50C-407E-A947-70E740481C1C}">
-                <a14:useLocalDpi xmlns:a14="http://schemas.microsoft.com/office/drawing/2010/main" val="0"/>
-              </a:ext>
-            </a:extLst>
-          </a:blip>
-          <a:srcRect t="73870" r="72973"/>
-          <a:stretch/>
-        </p:blipFill>
-        <p:spPr>
-          <a:xfrm>
-            <a:off x="5406861" y="4156578"/>
-            <a:ext cx="1408326" cy="1836243"/>
-          </a:xfrm>
-          <a:prstGeom prst="rect">
-            <a:avLst/>
-          </a:prstGeom>
-        </p:spPr>
-      </p:pic>
-      <p:sp>
-        <p:nvSpPr>
-          <p:cNvPr id="18" name="TextBox 17">
-            <a:extLst>
-              <a:ext uri="{FF2B5EF4-FFF2-40B4-BE49-F238E27FC236}">
-                <a16:creationId xmlns:a16="http://schemas.microsoft.com/office/drawing/2014/main" id="{949AC1E4-411B-C9AC-218C-4C1EAC8B8A29}"/>
-              </a:ext>
-            </a:extLst>
-          </p:cNvPr>
-          <p:cNvSpPr txBox="1"/>
-          <p:nvPr/>
-        </p:nvSpPr>
-        <p:spPr>
-          <a:xfrm>
-            <a:off x="5017722" y="5970716"/>
-            <a:ext cx="2186603" cy="523220"/>
-          </a:xfrm>
-          <a:prstGeom prst="rect">
-            <a:avLst/>
-          </a:prstGeom>
-          <a:noFill/>
-        </p:spPr>
-        <p:txBody>
-          <a:bodyPr wrap="square" rtlCol="0">
-            <a:spAutoFit/>
-          </a:bodyPr>
-          <a:lstStyle/>
-          <a:p>
-            <a:pPr algn="ctr"/>
-            <a:r>
-              <a:rPr lang="en-US" altLang="ko-KR" sz="1400" spc="-150" dirty="0">
-                <a:latin typeface="+mn-ea"/>
-              </a:rPr>
-              <a:t>Adaptive Threshold </a:t>
-            </a:r>
-            <a:r>
-              <a:rPr lang="ko-KR" altLang="en-US" sz="1400" spc="-150" dirty="0">
-                <a:latin typeface="+mn-ea"/>
-              </a:rPr>
-              <a:t>함수 사용</a:t>
-            </a:r>
-            <a:endParaRPr lang="en-US" altLang="ko-KR" sz="1400" spc="-150" dirty="0">
-              <a:latin typeface="+mn-ea"/>
-            </a:endParaRPr>
-          </a:p>
-          <a:p>
-            <a:pPr algn="ctr"/>
-            <a:r>
-              <a:rPr kumimoji="1" lang="en-US" altLang="ko-KR" sz="1400" spc="-150" dirty="0">
-                <a:latin typeface="+mn-ea"/>
-              </a:rPr>
-              <a:t>(</a:t>
-            </a:r>
-            <a:r>
-              <a:rPr kumimoji="1" lang="ko-KR" altLang="en-US" sz="1400" spc="-150" dirty="0">
-                <a:latin typeface="+mn-ea"/>
-              </a:rPr>
-              <a:t>흰 옷</a:t>
-            </a:r>
-            <a:r>
-              <a:rPr kumimoji="1" lang="en-US" altLang="ko-KR" sz="1400" spc="-150" dirty="0">
-                <a:latin typeface="+mn-ea"/>
-              </a:rPr>
-              <a:t>)</a:t>
-            </a:r>
-            <a:endParaRPr kumimoji="1" lang="en-US" altLang="ko-Kore-KR" sz="1400" dirty="0">
-              <a:latin typeface="+mn-ea"/>
-            </a:endParaRPr>
-          </a:p>
-        </p:txBody>
-      </p:sp>
-      <p:pic>
-        <p:nvPicPr>
-          <p:cNvPr id="2" name="그림 1">
-            <a:extLst>
-              <a:ext uri="{FF2B5EF4-FFF2-40B4-BE49-F238E27FC236}">
-                <a16:creationId xmlns:a16="http://schemas.microsoft.com/office/drawing/2014/main" id="{E9C10CE5-0816-666A-4B42-39BCBF2D512D}"/>
-              </a:ext>
-            </a:extLst>
-          </p:cNvPr>
-          <p:cNvPicPr>
-            <a:picLocks noChangeAspect="1"/>
-          </p:cNvPicPr>
-          <p:nvPr/>
-        </p:nvPicPr>
-        <p:blipFill>
-          <a:blip r:embed="rId6">
-            <a:extLst>
-              <a:ext uri="{28A0092B-C50C-407E-A947-70E740481C1C}">
-                <a14:useLocalDpi xmlns:a14="http://schemas.microsoft.com/office/drawing/2010/main" val="0"/>
-              </a:ext>
-            </a:extLst>
-          </a:blip>
-          <a:stretch>
-            <a:fillRect/>
-          </a:stretch>
-        </p:blipFill>
-        <p:spPr>
-          <a:xfrm>
-            <a:off x="8904736" y="1602240"/>
-            <a:ext cx="2364027" cy="4202716"/>
-          </a:xfrm>
-          <a:prstGeom prst="rect">
-            <a:avLst/>
-          </a:prstGeom>
-          <a:ln w="19050">
-            <a:solidFill>
-              <a:schemeClr val="tx1"/>
-            </a:solidFill>
-          </a:ln>
-        </p:spPr>
-      </p:pic>
-      <p:sp>
-        <p:nvSpPr>
-          <p:cNvPr id="3" name="TextBox 2">
-            <a:extLst>
-              <a:ext uri="{FF2B5EF4-FFF2-40B4-BE49-F238E27FC236}">
-                <a16:creationId xmlns:a16="http://schemas.microsoft.com/office/drawing/2014/main" id="{23FB5C5E-2CC6-1D47-2666-99832A39BB8E}"/>
-              </a:ext>
-            </a:extLst>
-          </p:cNvPr>
-          <p:cNvSpPr txBox="1"/>
-          <p:nvPr/>
-        </p:nvSpPr>
-        <p:spPr>
-          <a:xfrm>
-            <a:off x="9189051" y="5821218"/>
-            <a:ext cx="1795395" cy="323165"/>
-          </a:xfrm>
-          <a:prstGeom prst="rect">
-            <a:avLst/>
-          </a:prstGeom>
-          <a:noFill/>
-        </p:spPr>
-        <p:txBody>
-          <a:bodyPr wrap="square" rtlCol="0">
-            <a:spAutoFit/>
-          </a:bodyPr>
-          <a:lstStyle/>
-          <a:p>
-            <a:pPr algn="ctr"/>
-            <a:r>
-              <a:rPr kumimoji="1" lang="ko-KR" altLang="en-US" sz="1500" dirty="0">
-                <a:latin typeface="+mn-ea"/>
-              </a:rPr>
-              <a:t>흰 옷 원본 이미지</a:t>
-            </a:r>
-            <a:endParaRPr kumimoji="1" lang="ko-Kore-KR" altLang="en-US" sz="1500" dirty="0">
-              <a:latin typeface="+mn-ea"/>
-            </a:endParaRPr>
           </a:p>
         </p:txBody>
       </p:sp>
     </p:spTree>
     <p:extLst>
       <p:ext uri="{BB962C8B-B14F-4D97-AF65-F5344CB8AC3E}">
-        <p14:creationId xmlns:p14="http://schemas.microsoft.com/office/powerpoint/2010/main" val="3948253520"/>
-      </p:ext>
-    </p:extLst>
-  </p:cSld>
-  <p:clrMapOvr>
-    <a:masterClrMapping/>
-  </p:clrMapOvr>
-</p:sld>
-</file>
-
-<file path=ppt/slides/slide6.xml><?xml version="1.0" encoding="utf-8"?>
-<p:sld xmlns:a="http://schemas.openxmlformats.org/drawingml/2006/main" xmlns:r="http://schemas.openxmlformats.org/officeDocument/2006/relationships" xmlns:p="http://schemas.openxmlformats.org/presentationml/2006/main">
-  <p:cSld>
-    <p:spTree>
-      <p:nvGrpSpPr>
-        <p:cNvPr id="1" name=""/>
-        <p:cNvGrpSpPr/>
-        <p:nvPr/>
-      </p:nvGrpSpPr>
-      <p:grpSpPr>
-        <a:xfrm>
-          <a:off x="0" y="0"/>
-          <a:ext cx="0" cy="0"/>
-          <a:chOff x="0" y="0"/>
-          <a:chExt cx="0" cy="0"/>
-        </a:xfrm>
-      </p:grpSpPr>
-      <p:pic>
-        <p:nvPicPr>
-          <p:cNvPr id="4" name="그림 3">
-            <a:extLst>
-              <a:ext uri="{FF2B5EF4-FFF2-40B4-BE49-F238E27FC236}">
-                <a16:creationId xmlns:a16="http://schemas.microsoft.com/office/drawing/2014/main" id="{963A1BA7-4CC2-ACEF-0293-24C5AE9B9175}"/>
-              </a:ext>
-            </a:extLst>
-          </p:cNvPr>
-          <p:cNvPicPr>
-            <a:picLocks noChangeAspect="1"/>
-          </p:cNvPicPr>
-          <p:nvPr/>
-        </p:nvPicPr>
-        <p:blipFill>
-          <a:blip r:embed="rId2">
-            <a:extLst>
-              <a:ext uri="{28A0092B-C50C-407E-A947-70E740481C1C}">
-                <a14:useLocalDpi xmlns:a14="http://schemas.microsoft.com/office/drawing/2010/main" val="0"/>
-              </a:ext>
-            </a:extLst>
-          </a:blip>
-          <a:stretch>
-            <a:fillRect/>
-          </a:stretch>
-        </p:blipFill>
-        <p:spPr>
-          <a:xfrm>
-            <a:off x="0" y="0"/>
-            <a:ext cx="12192000" cy="6858000"/>
-          </a:xfrm>
-          <a:prstGeom prst="rect">
-            <a:avLst/>
-          </a:prstGeom>
-        </p:spPr>
-      </p:pic>
-      <p:sp>
-        <p:nvSpPr>
-          <p:cNvPr id="5" name="제목 38">
-            <a:extLst>
-              <a:ext uri="{FF2B5EF4-FFF2-40B4-BE49-F238E27FC236}">
-                <a16:creationId xmlns:a16="http://schemas.microsoft.com/office/drawing/2014/main" id="{D53157FE-2798-08EE-C8C3-6F7CF14ECA7D}"/>
-              </a:ext>
-            </a:extLst>
-          </p:cNvPr>
-          <p:cNvSpPr>
-            <a:spLocks noGrp="1"/>
-          </p:cNvSpPr>
-          <p:nvPr>
-            <p:ph type="title"/>
-          </p:nvPr>
-        </p:nvSpPr>
-        <p:spPr>
-          <a:xfrm>
-            <a:off x="363552" y="406401"/>
-            <a:ext cx="9862863" cy="856412"/>
-          </a:xfrm>
-        </p:spPr>
-        <p:txBody>
-          <a:bodyPr rtlCol="0">
-            <a:noAutofit/>
-          </a:bodyPr>
-          <a:lstStyle/>
-          <a:p>
-            <a:pPr>
-              <a:defRPr/>
-            </a:pPr>
-            <a:r>
-              <a:rPr lang="ko-KR" altLang="en-US" sz="4000" spc="-185" dirty="0">
-                <a:latin typeface="+mj-ea"/>
-              </a:rPr>
-              <a:t>데이터 전처리 과정</a:t>
-            </a:r>
-          </a:p>
-        </p:txBody>
-      </p:sp>
-      <p:sp>
-        <p:nvSpPr>
-          <p:cNvPr id="6" name="제목 38">
-            <a:extLst>
-              <a:ext uri="{FF2B5EF4-FFF2-40B4-BE49-F238E27FC236}">
-                <a16:creationId xmlns:a16="http://schemas.microsoft.com/office/drawing/2014/main" id="{EB94A68A-D51D-255E-A650-BDDB84AC8884}"/>
-              </a:ext>
-            </a:extLst>
-          </p:cNvPr>
-          <p:cNvSpPr txBox="1">
-            <a:spLocks/>
-          </p:cNvSpPr>
-          <p:nvPr/>
-        </p:nvSpPr>
-        <p:spPr>
-          <a:xfrm>
-            <a:off x="560352" y="2483586"/>
-            <a:ext cx="7390871" cy="1890823"/>
-          </a:xfrm>
-          <a:prstGeom prst="rect">
-            <a:avLst/>
-          </a:prstGeom>
-        </p:spPr>
-        <p:txBody>
-          <a:bodyPr vert="horz" lIns="112542" tIns="56271" rIns="112542" bIns="56271" rtlCol="0" anchor="t">
-            <a:noAutofit/>
-          </a:bodyPr>
-          <a:lstStyle>
-            <a:lvl1pPr algn="l" defTabSz="914400" rtl="0" eaLnBrk="1" latinLnBrk="1" hangingPunct="1">
-              <a:lnSpc>
-                <a:spcPct val="90000"/>
-              </a:lnSpc>
-              <a:spcBef>
-                <a:spcPct val="0"/>
-              </a:spcBef>
-              <a:buNone/>
-              <a:defRPr sz="4400" kern="1200">
-                <a:solidFill>
-                  <a:schemeClr val="tx1"/>
-                </a:solidFill>
-                <a:latin typeface="+mj-lt"/>
-                <a:ea typeface="+mj-ea"/>
-                <a:cs typeface="+mj-cs"/>
-              </a:defRPr>
-            </a:lvl1pPr>
-          </a:lstStyle>
-          <a:p>
-            <a:pPr>
-              <a:lnSpc>
-                <a:spcPct val="120000"/>
-              </a:lnSpc>
-              <a:defRPr/>
-            </a:pPr>
-            <a:r>
-              <a:rPr lang="ko-KR" altLang="en-US" sz="1900" spc="-150" dirty="0">
-                <a:latin typeface="+mn-ea"/>
-                <a:ea typeface="+mn-ea"/>
-              </a:rPr>
-              <a:t>다만 이미지가 제대로 </a:t>
-            </a:r>
-            <a:r>
-              <a:rPr lang="en-US" altLang="ko-KR" sz="1900" spc="-150" dirty="0">
-                <a:latin typeface="+mn-ea"/>
-                <a:ea typeface="+mn-ea"/>
-              </a:rPr>
-              <a:t>crop</a:t>
-            </a:r>
-            <a:r>
-              <a:rPr lang="ko-KR" altLang="en-US" sz="1900" spc="-150" dirty="0">
-                <a:latin typeface="+mn-ea"/>
-                <a:ea typeface="+mn-ea"/>
-              </a:rPr>
-              <a:t> 되지 않은 것을 확인할 수 있습니다</a:t>
-            </a:r>
-            <a:r>
-              <a:rPr lang="en-US" altLang="ko-KR" sz="1900" spc="-150" dirty="0">
-                <a:latin typeface="+mn-ea"/>
-                <a:ea typeface="+mn-ea"/>
-              </a:rPr>
-              <a:t>.</a:t>
-            </a:r>
-          </a:p>
-          <a:p>
-            <a:pPr>
-              <a:lnSpc>
-                <a:spcPct val="120000"/>
-              </a:lnSpc>
-              <a:defRPr/>
-            </a:pPr>
-            <a:r>
-              <a:rPr lang="ko-KR" altLang="en-US" sz="1900" spc="-150" dirty="0">
-                <a:latin typeface="+mn-ea"/>
-                <a:ea typeface="+mn-ea"/>
-              </a:rPr>
-              <a:t>이미지를 확인해보니 노이즈가 많아 </a:t>
-            </a:r>
-            <a:endParaRPr lang="en-US" altLang="ko-KR" sz="1900" spc="-150" dirty="0">
-              <a:latin typeface="+mn-ea"/>
-              <a:ea typeface="+mn-ea"/>
-            </a:endParaRPr>
-          </a:p>
-          <a:p>
-            <a:pPr>
-              <a:lnSpc>
-                <a:spcPct val="120000"/>
-              </a:lnSpc>
-              <a:defRPr/>
-            </a:pPr>
-            <a:r>
-              <a:rPr lang="ko-KR" altLang="en-US" sz="1900" spc="-150" dirty="0">
-                <a:latin typeface="+mn-ea"/>
-                <a:ea typeface="+mn-ea"/>
-              </a:rPr>
-              <a:t>경계 값을 제대로 도출하지 못한 것으로 보입니다</a:t>
-            </a:r>
-            <a:r>
-              <a:rPr lang="en-US" altLang="ko-KR" sz="1900" spc="-150" dirty="0">
-                <a:latin typeface="+mn-ea"/>
-                <a:ea typeface="+mn-ea"/>
-              </a:rPr>
-              <a:t>.</a:t>
-            </a:r>
-          </a:p>
-          <a:p>
-            <a:pPr>
-              <a:lnSpc>
-                <a:spcPct val="120000"/>
-              </a:lnSpc>
-              <a:defRPr/>
-            </a:pPr>
-            <a:endParaRPr lang="en-US" altLang="ko-KR" sz="1900" spc="-150" dirty="0">
-              <a:latin typeface="+mn-ea"/>
-              <a:ea typeface="+mn-ea"/>
-            </a:endParaRPr>
-          </a:p>
-          <a:p>
-            <a:pPr>
-              <a:lnSpc>
-                <a:spcPct val="120000"/>
-              </a:lnSpc>
-              <a:defRPr/>
-            </a:pPr>
-            <a:r>
-              <a:rPr lang="ko-KR" altLang="en-US" sz="1900" spc="-150" dirty="0">
-                <a:latin typeface="+mn-ea"/>
-                <a:ea typeface="+mn-ea"/>
-              </a:rPr>
-              <a:t>그래서 이미지의 노이즈를 줄이는 방법을 생각해보게 되었습니다</a:t>
-            </a:r>
-            <a:r>
-              <a:rPr lang="en-US" altLang="ko-KR" sz="1900" spc="-150" dirty="0">
-                <a:latin typeface="+mn-ea"/>
-                <a:ea typeface="+mn-ea"/>
-              </a:rPr>
-              <a:t>.</a:t>
-            </a:r>
-          </a:p>
-        </p:txBody>
-      </p:sp>
-      <p:sp>
-        <p:nvSpPr>
-          <p:cNvPr id="9" name="제목 38">
-            <a:extLst>
-              <a:ext uri="{FF2B5EF4-FFF2-40B4-BE49-F238E27FC236}">
-                <a16:creationId xmlns:a16="http://schemas.microsoft.com/office/drawing/2014/main" id="{17C34476-D9F6-9005-524F-E315A8266863}"/>
-              </a:ext>
-            </a:extLst>
-          </p:cNvPr>
-          <p:cNvSpPr txBox="1">
-            <a:spLocks/>
-          </p:cNvSpPr>
-          <p:nvPr/>
-        </p:nvSpPr>
-        <p:spPr>
-          <a:xfrm>
-            <a:off x="560352" y="4351178"/>
-            <a:ext cx="1410215" cy="445258"/>
-          </a:xfrm>
-          <a:prstGeom prst="rect">
-            <a:avLst/>
-          </a:prstGeom>
-        </p:spPr>
-        <p:txBody>
-          <a:bodyPr vert="horz" lIns="112542" tIns="56271" rIns="112542" bIns="56271" rtlCol="0" anchor="t">
-            <a:noAutofit/>
-          </a:bodyPr>
-          <a:lstStyle>
-            <a:lvl1pPr algn="l" defTabSz="914400" rtl="0" eaLnBrk="1" latinLnBrk="1" hangingPunct="1">
-              <a:lnSpc>
-                <a:spcPct val="90000"/>
-              </a:lnSpc>
-              <a:spcBef>
-                <a:spcPct val="0"/>
-              </a:spcBef>
-              <a:buNone/>
-              <a:defRPr sz="4400" kern="1200">
-                <a:solidFill>
-                  <a:schemeClr val="tx1"/>
-                </a:solidFill>
-                <a:latin typeface="+mj-lt"/>
-                <a:ea typeface="+mj-ea"/>
-                <a:cs typeface="+mj-cs"/>
-              </a:defRPr>
-            </a:lvl1pPr>
-          </a:lstStyle>
-          <a:p>
-            <a:pPr>
-              <a:defRPr/>
-            </a:pPr>
-            <a:endParaRPr lang="en-US" altLang="ko-KR" sz="2100" spc="-185" dirty="0">
-              <a:latin typeface="+mn-ea"/>
-              <a:ea typeface="+mn-ea"/>
-            </a:endParaRPr>
-          </a:p>
-        </p:txBody>
-      </p:sp>
-      <p:pic>
-        <p:nvPicPr>
-          <p:cNvPr id="16" name="그림 15" descr="텍스트이(가) 표시된 사진&#10;&#10;자동 생성된 설명">
-            <a:extLst>
-              <a:ext uri="{FF2B5EF4-FFF2-40B4-BE49-F238E27FC236}">
-                <a16:creationId xmlns:a16="http://schemas.microsoft.com/office/drawing/2014/main" id="{EB94D70A-772B-F512-0CC5-C74B0A541842}"/>
-              </a:ext>
-            </a:extLst>
-          </p:cNvPr>
-          <p:cNvPicPr>
-            <a:picLocks noChangeAspect="1"/>
-          </p:cNvPicPr>
-          <p:nvPr/>
-        </p:nvPicPr>
-        <p:blipFill rotWithShape="1">
-          <a:blip r:embed="rId3">
-            <a:extLst>
-              <a:ext uri="{28A0092B-C50C-407E-A947-70E740481C1C}">
-                <a14:useLocalDpi xmlns:a14="http://schemas.microsoft.com/office/drawing/2010/main" val="0"/>
-              </a:ext>
-            </a:extLst>
-          </a:blip>
-          <a:srcRect t="73870" r="72973"/>
-          <a:stretch/>
-        </p:blipFill>
-        <p:spPr>
-          <a:xfrm>
-            <a:off x="7745961" y="2400565"/>
-            <a:ext cx="1837537" cy="2395871"/>
-          </a:xfrm>
-          <a:prstGeom prst="rect">
-            <a:avLst/>
-          </a:prstGeom>
-        </p:spPr>
-      </p:pic>
-      <p:pic>
-        <p:nvPicPr>
-          <p:cNvPr id="3" name="그림 2" descr="텍스트, 밤하늘이(가) 표시된 사진&#10;&#10;자동 생성된 설명">
-            <a:extLst>
-              <a:ext uri="{FF2B5EF4-FFF2-40B4-BE49-F238E27FC236}">
-                <a16:creationId xmlns:a16="http://schemas.microsoft.com/office/drawing/2014/main" id="{2472CE69-6D05-2FE7-FD0C-E37BE1DEED7F}"/>
-              </a:ext>
-            </a:extLst>
-          </p:cNvPr>
-          <p:cNvPicPr>
-            <a:picLocks noChangeAspect="1"/>
-          </p:cNvPicPr>
-          <p:nvPr/>
-        </p:nvPicPr>
-        <p:blipFill>
-          <a:blip r:embed="rId4">
-            <a:extLst>
-              <a:ext uri="{28A0092B-C50C-407E-A947-70E740481C1C}">
-                <a14:useLocalDpi xmlns:a14="http://schemas.microsoft.com/office/drawing/2010/main" val="0"/>
-              </a:ext>
-            </a:extLst>
-          </a:blip>
-          <a:stretch>
-            <a:fillRect/>
-          </a:stretch>
-        </p:blipFill>
-        <p:spPr>
-          <a:xfrm>
-            <a:off x="9956504" y="2400565"/>
-            <a:ext cx="1533720" cy="2395871"/>
-          </a:xfrm>
-          <a:prstGeom prst="rect">
-            <a:avLst/>
-          </a:prstGeom>
-        </p:spPr>
-      </p:pic>
-    </p:spTree>
-    <p:extLst>
-      <p:ext uri="{BB962C8B-B14F-4D97-AF65-F5344CB8AC3E}">
-        <p14:creationId xmlns:p14="http://schemas.microsoft.com/office/powerpoint/2010/main" val="4281881407"/>
+        <p14:creationId xmlns:p14="http://schemas.microsoft.com/office/powerpoint/2010/main" val="1553236015"/>
       </p:ext>
     </p:extLst>
   </p:cSld>
@@ -8724,13 +9763,7 @@
       </p:grpSpPr>
       <p:pic>
         <p:nvPicPr>
-          <p:cNvPr id="4" name="그림 3">
-            <a:extLst>
-              <a:ext uri="{FF2B5EF4-FFF2-40B4-BE49-F238E27FC236}">
-                <a16:creationId xmlns:a16="http://schemas.microsoft.com/office/drawing/2014/main" id="{963A1BA7-4CC2-ACEF-0293-24C5AE9B9175}"/>
-              </a:ext>
-            </a:extLst>
-          </p:cNvPr>
+          <p:cNvPr id="2" name="그림 1"/>
           <p:cNvPicPr>
             <a:picLocks noChangeAspect="1"/>
           </p:cNvPicPr>
@@ -8760,53 +9793,7 @@
       </p:pic>
       <p:sp>
         <p:nvSpPr>
-          <p:cNvPr id="5" name="제목 38">
-            <a:extLst>
-              <a:ext uri="{FF2B5EF4-FFF2-40B4-BE49-F238E27FC236}">
-                <a16:creationId xmlns:a16="http://schemas.microsoft.com/office/drawing/2014/main" id="{D53157FE-2798-08EE-C8C3-6F7CF14ECA7D}"/>
-              </a:ext>
-            </a:extLst>
-          </p:cNvPr>
-          <p:cNvSpPr>
-            <a:spLocks noGrp="1"/>
-          </p:cNvSpPr>
-          <p:nvPr>
-            <p:ph type="title"/>
-          </p:nvPr>
-        </p:nvSpPr>
-        <p:spPr>
-          <a:xfrm>
-            <a:off x="363552" y="406401"/>
-            <a:ext cx="9862863" cy="856412"/>
-          </a:xfrm>
-        </p:spPr>
-        <p:txBody>
-          <a:bodyPr rtlCol="0">
-            <a:noAutofit/>
-          </a:bodyPr>
-          <a:lstStyle/>
-          <a:p>
-            <a:pPr>
-              <a:defRPr/>
-            </a:pPr>
-            <a:r>
-              <a:rPr lang="ko-KR" altLang="en-US" sz="4000" spc="-185" dirty="0">
-                <a:latin typeface="+mj-ea"/>
-              </a:rPr>
-              <a:t>데이터 전처리 과정</a:t>
-            </a:r>
-          </a:p>
-        </p:txBody>
-      </p:sp>
-      <p:sp>
-        <p:nvSpPr>
-          <p:cNvPr id="6" name="제목 38">
-            <a:extLst>
-              <a:ext uri="{FF2B5EF4-FFF2-40B4-BE49-F238E27FC236}">
-                <a16:creationId xmlns:a16="http://schemas.microsoft.com/office/drawing/2014/main" id="{EB94A68A-D51D-255E-A650-BDDB84AC8884}"/>
-              </a:ext>
-            </a:extLst>
-          </p:cNvPr>
+          <p:cNvPr id="13" name="제목 38"/>
           <p:cNvSpPr txBox="1">
             <a:spLocks/>
           </p:cNvSpPr>
@@ -8814,8 +9801,8 @@
         </p:nvSpPr>
         <p:spPr>
           <a:xfrm>
-            <a:off x="342288" y="1774547"/>
-            <a:ext cx="11393019" cy="4045006"/>
+            <a:off x="363552" y="1547726"/>
+            <a:ext cx="11393019" cy="3966105"/>
           </a:xfrm>
           <a:prstGeom prst="rect">
             <a:avLst/>
@@ -8847,33 +9834,47 @@
           <a:p>
             <a:pPr>
               <a:lnSpc>
-                <a:spcPct val="120000"/>
-              </a:lnSpc>
-              <a:defRPr/>
-            </a:pPr>
-            <a:r>
-              <a:rPr lang="ko-KR" altLang="en-US" sz="1900" spc="-150" dirty="0">
-                <a:latin typeface="+mn-ea"/>
-                <a:ea typeface="+mn-ea"/>
-              </a:rPr>
-              <a:t>처음은 </a:t>
-            </a:r>
-            <a:r>
-              <a:rPr lang="en-US" altLang="ko-KR" sz="1900" spc="-150" dirty="0">
-                <a:latin typeface="+mn-ea"/>
-                <a:ea typeface="+mn-ea"/>
-              </a:rPr>
-              <a:t>Morphology</a:t>
-            </a:r>
-            <a:r>
-              <a:rPr lang="ko-KR" altLang="en-US" sz="1900" spc="-150" dirty="0">
-                <a:latin typeface="+mn-ea"/>
-                <a:ea typeface="+mn-ea"/>
-              </a:rPr>
-              <a:t> 연산으로 시작했습니다</a:t>
-            </a:r>
-            <a:r>
-              <a:rPr lang="en-US" altLang="ko-KR" sz="1900" spc="-150" dirty="0">
+                <a:spcPct val="130000"/>
+              </a:lnSpc>
+              <a:defRPr/>
+            </a:pPr>
+            <a:r>
+              <a:rPr lang="en-US" altLang="ko-KR" sz="2100" spc="-150" dirty="0">
+                <a:latin typeface="+mn-ea"/>
+                <a:ea typeface="+mn-ea"/>
+              </a:rPr>
+              <a:t>2-1. </a:t>
+            </a:r>
+            <a:r>
+              <a:rPr lang="ko-KR" altLang="en-US" sz="2100" spc="-150" dirty="0">
+                <a:latin typeface="+mn-ea"/>
+                <a:ea typeface="+mn-ea"/>
+              </a:rPr>
+              <a:t>이미지 크기를 적절히 조절하거나</a:t>
+            </a:r>
+            <a:r>
+              <a:rPr lang="en-US" altLang="ko-KR" sz="2100" spc="-150" dirty="0">
+                <a:latin typeface="+mn-ea"/>
+                <a:ea typeface="+mn-ea"/>
+              </a:rPr>
+              <a:t>, </a:t>
+            </a:r>
+            <a:r>
+              <a:rPr lang="ko-KR" altLang="en-US" sz="2100" spc="-150" dirty="0">
+                <a:latin typeface="+mn-ea"/>
+                <a:ea typeface="+mn-ea"/>
+              </a:rPr>
+              <a:t>해상도를 조절하여 학습 데이터 셋을 </a:t>
+            </a:r>
+            <a:r>
+              <a:rPr lang="ko-KR" altLang="en-US" sz="2100" spc="-150" dirty="0" err="1">
+                <a:latin typeface="+mn-ea"/>
+                <a:ea typeface="+mn-ea"/>
+              </a:rPr>
+              <a:t>구축하시오</a:t>
+            </a:r>
+            <a:r>
+              <a:rPr lang="en-US" altLang="ko-KR" sz="2100" spc="-150" dirty="0">
                 <a:latin typeface="+mn-ea"/>
                 <a:ea typeface="+mn-ea"/>
               </a:rPr>
@@ -8883,67 +9884,11 @@
           <a:p>
             <a:pPr>
               <a:lnSpc>
-                <a:spcPct val="120000"/>
-              </a:lnSpc>
-              <a:defRPr/>
-            </a:pPr>
-            <a:r>
-              <a:rPr lang="en-US" altLang="ko-KR" sz="1900" spc="-150" dirty="0">
-                <a:latin typeface="+mn-ea"/>
-                <a:ea typeface="+mn-ea"/>
-              </a:rPr>
-              <a:t>Morphology </a:t>
-            </a:r>
-            <a:r>
-              <a:rPr lang="ko-KR" altLang="en-US" sz="1900" spc="-150" dirty="0">
-                <a:latin typeface="+mn-ea"/>
-                <a:ea typeface="+mn-ea"/>
-              </a:rPr>
-              <a:t>연산이란 </a:t>
-            </a:r>
-            <a:r>
-              <a:rPr lang="en-US" altLang="ko-KR" sz="1900" spc="-150" dirty="0">
-                <a:latin typeface="+mn-ea"/>
-                <a:ea typeface="+mn-ea"/>
-              </a:rPr>
-              <a:t>‘</a:t>
-            </a:r>
-            <a:r>
-              <a:rPr lang="ko-KR" altLang="en-US" sz="1900" spc="-150" dirty="0">
-                <a:latin typeface="+mn-ea"/>
-                <a:ea typeface="+mn-ea"/>
-              </a:rPr>
-              <a:t>형태학</a:t>
-            </a:r>
-            <a:r>
-              <a:rPr lang="en-US" altLang="ko-KR" sz="1900" spc="-150" dirty="0">
-                <a:latin typeface="+mn-ea"/>
-                <a:ea typeface="+mn-ea"/>
-              </a:rPr>
-              <a:t>’</a:t>
-            </a:r>
-            <a:r>
-              <a:rPr lang="ko-KR" altLang="en-US" sz="1900" spc="-150" dirty="0">
-                <a:latin typeface="+mn-ea"/>
-                <a:ea typeface="+mn-ea"/>
-              </a:rPr>
-              <a:t> 이라는 뜻인데</a:t>
-            </a:r>
-            <a:r>
-              <a:rPr lang="en-US" altLang="ko-KR" sz="1900" spc="-150" dirty="0">
-                <a:latin typeface="+mn-ea"/>
-                <a:ea typeface="+mn-ea"/>
-              </a:rPr>
-              <a:t>,</a:t>
-            </a:r>
-            <a:r>
-              <a:rPr lang="ko-KR" altLang="en-US" sz="1900" spc="-150" dirty="0">
-                <a:latin typeface="+mn-ea"/>
-                <a:ea typeface="+mn-ea"/>
-              </a:rPr>
-              <a:t> </a:t>
-            </a:r>
-            <a:endParaRPr lang="en-US" altLang="ko-KR" sz="1900" spc="-150" dirty="0">
+                <a:spcPct val="130000"/>
+              </a:lnSpc>
+              <a:defRPr/>
+            </a:pPr>
+            <a:endParaRPr lang="en-US" altLang="ko-KR" sz="2100" spc="-150" dirty="0">
               <a:latin typeface="+mn-ea"/>
               <a:ea typeface="+mn-ea"/>
             </a:endParaRPr>
@@ -8951,55 +9896,34 @@
           <a:p>
             <a:pPr>
               <a:lnSpc>
-                <a:spcPct val="120000"/>
-              </a:lnSpc>
-              <a:defRPr/>
-            </a:pPr>
-            <a:r>
-              <a:rPr lang="ko-KR" altLang="en-US" sz="1900" spc="-150" dirty="0">
-                <a:latin typeface="+mn-ea"/>
-                <a:ea typeface="+mn-ea"/>
-              </a:rPr>
-              <a:t>사진</a:t>
-            </a:r>
-            <a:r>
-              <a:rPr lang="en-US" altLang="ko-KR" sz="1900" spc="-150" dirty="0">
-                <a:latin typeface="+mn-ea"/>
-                <a:ea typeface="+mn-ea"/>
-              </a:rPr>
-              <a:t>,</a:t>
-            </a:r>
-            <a:r>
-              <a:rPr lang="ko-KR" altLang="en-US" sz="1900" spc="-150" dirty="0">
-                <a:latin typeface="+mn-ea"/>
-                <a:ea typeface="+mn-ea"/>
-              </a:rPr>
-              <a:t> 영상 분야에서의 노이즈 제거 등에 쓰이는 형태학적 연산을 말합니다</a:t>
-            </a:r>
-            <a:r>
-              <a:rPr lang="en-US" altLang="ko-KR" sz="1900" spc="-150" dirty="0">
-                <a:latin typeface="+mn-ea"/>
-                <a:ea typeface="+mn-ea"/>
-              </a:rPr>
-              <a:t>. </a:t>
-            </a:r>
-          </a:p>
-          <a:p>
-            <a:pPr>
-              <a:lnSpc>
-                <a:spcPct val="120000"/>
-              </a:lnSpc>
-              <a:defRPr/>
-            </a:pPr>
-            <a:r>
-              <a:rPr lang="ko-KR" altLang="en-US" sz="1900" spc="-150" dirty="0">
-                <a:latin typeface="+mn-ea"/>
-                <a:ea typeface="+mn-ea"/>
-              </a:rPr>
-              <a:t>대표적인 연산으로는 침식 연산과 팽창 연산이 있습니다</a:t>
-            </a:r>
-            <a:r>
-              <a:rPr lang="en-US" altLang="ko-KR" sz="1900" spc="-150" dirty="0">
+                <a:spcPct val="130000"/>
+              </a:lnSpc>
+              <a:defRPr/>
+            </a:pPr>
+            <a:r>
+              <a:rPr lang="en-US" altLang="ko-KR" sz="2100" spc="-150" dirty="0">
+                <a:latin typeface="+mn-ea"/>
+                <a:ea typeface="+mn-ea"/>
+              </a:rPr>
+              <a:t>Answer:</a:t>
+            </a:r>
+          </a:p>
+          <a:p>
+            <a:pPr>
+              <a:lnSpc>
+                <a:spcPct val="130000"/>
+              </a:lnSpc>
+              <a:defRPr/>
+            </a:pPr>
+            <a:r>
+              <a:rPr lang="ko-KR" altLang="en-US" sz="2100" spc="-150" dirty="0">
+                <a:latin typeface="+mn-ea"/>
+                <a:ea typeface="+mn-ea"/>
+              </a:rPr>
+              <a:t>모델의 정확도를 높이려면 데이터 셋에서 옷만 잘 잘라내는 것이 유리합니다</a:t>
+            </a:r>
+            <a:r>
+              <a:rPr lang="en-US" altLang="ko-KR" sz="2100" spc="-150" dirty="0">
                 <a:latin typeface="+mn-ea"/>
                 <a:ea typeface="+mn-ea"/>
               </a:rPr>
@@ -9009,387 +9933,60 @@
           <a:p>
             <a:pPr>
               <a:lnSpc>
-                <a:spcPct val="120000"/>
-              </a:lnSpc>
-              <a:defRPr/>
-            </a:pPr>
-            <a:endParaRPr lang="en-US" altLang="ko-KR" sz="1900" spc="-150" dirty="0">
-              <a:latin typeface="+mn-ea"/>
-              <a:ea typeface="+mn-ea"/>
-            </a:endParaRPr>
-          </a:p>
-          <a:p>
-            <a:pPr>
-              <a:lnSpc>
-                <a:spcPct val="120000"/>
-              </a:lnSpc>
-              <a:defRPr/>
-            </a:pPr>
-            <a:r>
-              <a:rPr lang="ko-KR" altLang="en-US" sz="1900" spc="-150" dirty="0">
-                <a:latin typeface="+mn-ea"/>
-                <a:ea typeface="+mn-ea"/>
-              </a:rPr>
-              <a:t>침식은 말 그대로 이미지를 깎아 냅니다</a:t>
-            </a:r>
-            <a:r>
-              <a:rPr lang="en-US" altLang="ko-KR" sz="1900" spc="-150" dirty="0">
+                <a:spcPct val="130000"/>
+              </a:lnSpc>
+              <a:defRPr/>
+            </a:pPr>
+            <a:r>
+              <a:rPr lang="ko-KR" altLang="en-US" sz="2100" spc="-150" dirty="0">
+                <a:latin typeface="+mn-ea"/>
+                <a:ea typeface="+mn-ea"/>
+              </a:rPr>
+              <a:t>학습 데이터 셋을 구축하기 위해 데이터 전처리를 진행했습니다</a:t>
+            </a:r>
+            <a:r>
+              <a:rPr lang="en-US" altLang="ko-KR" sz="2100" spc="-150" dirty="0">
                 <a:latin typeface="+mn-ea"/>
                 <a:ea typeface="+mn-ea"/>
               </a:rPr>
               <a:t>.</a:t>
             </a:r>
-            <a:r>
-              <a:rPr lang="ko-KR" altLang="en-US" sz="1900" spc="-150" dirty="0">
-                <a:latin typeface="+mn-ea"/>
-                <a:ea typeface="+mn-ea"/>
-              </a:rPr>
-              <a:t> </a:t>
-            </a:r>
-            <a:endParaRPr lang="en-US" altLang="ko-KR" sz="1900" spc="-150" dirty="0">
-              <a:latin typeface="+mn-ea"/>
-              <a:ea typeface="+mn-ea"/>
-            </a:endParaRPr>
-          </a:p>
-          <a:p>
-            <a:pPr>
-              <a:lnSpc>
-                <a:spcPct val="120000"/>
-              </a:lnSpc>
-              <a:defRPr/>
-            </a:pPr>
-            <a:r>
-              <a:rPr lang="ko-KR" altLang="en-US" sz="1900" spc="-150" dirty="0">
-                <a:latin typeface="+mn-ea"/>
-                <a:ea typeface="+mn-ea"/>
-              </a:rPr>
-              <a:t>이미지를 </a:t>
-            </a:r>
-            <a:r>
-              <a:rPr lang="en-US" altLang="ko-KR" sz="1900" spc="-150" dirty="0">
-                <a:latin typeface="+mn-ea"/>
-                <a:ea typeface="+mn-ea"/>
-              </a:rPr>
-              <a:t>0</a:t>
-            </a:r>
-            <a:r>
-              <a:rPr lang="ko-KR" altLang="en-US" sz="1900" spc="-150" dirty="0">
-                <a:latin typeface="+mn-ea"/>
-                <a:ea typeface="+mn-ea"/>
-              </a:rPr>
-              <a:t>과 </a:t>
-            </a:r>
-            <a:r>
-              <a:rPr lang="en-US" altLang="ko-KR" sz="1900" spc="-150" dirty="0">
-                <a:latin typeface="+mn-ea"/>
-                <a:ea typeface="+mn-ea"/>
-              </a:rPr>
-              <a:t>1</a:t>
-            </a:r>
-            <a:r>
-              <a:rPr lang="ko-KR" altLang="en-US" sz="1900" spc="-150" dirty="0">
-                <a:latin typeface="+mn-ea"/>
-                <a:ea typeface="+mn-ea"/>
-              </a:rPr>
-              <a:t>로 전환하고</a:t>
-            </a:r>
-            <a:r>
-              <a:rPr lang="en-US" altLang="ko-KR" sz="1900" spc="-150" dirty="0">
-                <a:latin typeface="+mn-ea"/>
-                <a:ea typeface="+mn-ea"/>
-              </a:rPr>
-              <a:t>,</a:t>
-            </a:r>
-            <a:r>
-              <a:rPr lang="ko-KR" altLang="en-US" sz="1900" spc="-150" dirty="0">
-                <a:latin typeface="+mn-ea"/>
-                <a:ea typeface="+mn-ea"/>
-              </a:rPr>
-              <a:t> 커널을 생성하여 </a:t>
-            </a:r>
-            <a:endParaRPr lang="en-US" altLang="ko-KR" sz="1900" spc="-150" dirty="0">
-              <a:latin typeface="+mn-ea"/>
-              <a:ea typeface="+mn-ea"/>
-            </a:endParaRPr>
-          </a:p>
-          <a:p>
-            <a:pPr>
-              <a:lnSpc>
-                <a:spcPct val="120000"/>
-              </a:lnSpc>
-              <a:defRPr/>
-            </a:pPr>
-            <a:r>
-              <a:rPr lang="ko-KR" altLang="en-US" sz="1900" spc="-150" dirty="0">
-                <a:latin typeface="+mn-ea"/>
-                <a:ea typeface="+mn-ea"/>
-              </a:rPr>
-              <a:t>이 커널 안에 들어오지 못하는 이미지는 삭제해버리는 것입니다</a:t>
-            </a:r>
-            <a:r>
-              <a:rPr lang="en-US" altLang="ko-KR" sz="1900" spc="-150" dirty="0">
-                <a:latin typeface="+mn-ea"/>
-                <a:ea typeface="+mn-ea"/>
-              </a:rPr>
-              <a:t>.</a:t>
-            </a:r>
-            <a:r>
-              <a:rPr lang="ko-KR" altLang="en-US" sz="1900" spc="-150" dirty="0">
-                <a:latin typeface="+mn-ea"/>
-                <a:ea typeface="+mn-ea"/>
-              </a:rPr>
-              <a:t> </a:t>
-            </a:r>
-            <a:endParaRPr lang="en-US" altLang="ko-KR" sz="1900" spc="-150" dirty="0">
-              <a:latin typeface="+mn-ea"/>
-              <a:ea typeface="+mn-ea"/>
-            </a:endParaRPr>
-          </a:p>
-          <a:p>
-            <a:pPr>
-              <a:lnSpc>
-                <a:spcPct val="120000"/>
-              </a:lnSpc>
-              <a:defRPr/>
-            </a:pPr>
-            <a:endParaRPr lang="en-US" altLang="ko-KR" sz="1900" spc="-150" dirty="0">
-              <a:latin typeface="+mn-ea"/>
-              <a:ea typeface="+mn-ea"/>
-            </a:endParaRPr>
-          </a:p>
-          <a:p>
-            <a:pPr>
-              <a:lnSpc>
-                <a:spcPct val="120000"/>
-              </a:lnSpc>
-              <a:defRPr/>
-            </a:pPr>
-            <a:r>
-              <a:rPr lang="ko-KR" altLang="en-US" sz="1900" spc="-150" dirty="0">
-                <a:latin typeface="+mn-ea"/>
-                <a:ea typeface="+mn-ea"/>
-              </a:rPr>
-              <a:t>팽창은 침식의 반대입니다</a:t>
-            </a:r>
-            <a:r>
-              <a:rPr lang="en-US" altLang="ko-KR" sz="1900" spc="-150" dirty="0">
-                <a:latin typeface="+mn-ea"/>
-                <a:ea typeface="+mn-ea"/>
-              </a:rPr>
-              <a:t>.</a:t>
-            </a:r>
-          </a:p>
-          <a:p>
-            <a:pPr>
-              <a:lnSpc>
-                <a:spcPct val="120000"/>
-              </a:lnSpc>
-              <a:defRPr/>
-            </a:pPr>
-            <a:r>
-              <a:rPr lang="ko-KR" altLang="en-US" sz="1900" spc="-150" dirty="0">
-                <a:latin typeface="+mn-ea"/>
-                <a:ea typeface="+mn-ea"/>
-              </a:rPr>
-              <a:t>커널에 픽셀이 걸치기만 해도 </a:t>
-            </a:r>
-            <a:r>
-              <a:rPr lang="en-US" altLang="ko-KR" sz="1900" spc="-150" dirty="0">
-                <a:latin typeface="+mn-ea"/>
-                <a:ea typeface="+mn-ea"/>
-              </a:rPr>
-              <a:t>1</a:t>
-            </a:r>
-            <a:r>
-              <a:rPr lang="ko-KR" altLang="en-US" sz="1900" spc="-150" dirty="0">
-                <a:latin typeface="+mn-ea"/>
-                <a:ea typeface="+mn-ea"/>
-              </a:rPr>
-              <a:t>로 바꿔버리는 것입니다</a:t>
-            </a:r>
-            <a:r>
-              <a:rPr lang="en-US" altLang="ko-KR" sz="1900" spc="-150" dirty="0">
-                <a:latin typeface="+mn-ea"/>
-                <a:ea typeface="+mn-ea"/>
-              </a:rPr>
-              <a:t>.</a:t>
-            </a:r>
-          </a:p>
-        </p:txBody>
-      </p:sp>
-      <p:sp>
-        <p:nvSpPr>
-          <p:cNvPr id="9" name="제목 38">
-            <a:extLst>
-              <a:ext uri="{FF2B5EF4-FFF2-40B4-BE49-F238E27FC236}">
-                <a16:creationId xmlns:a16="http://schemas.microsoft.com/office/drawing/2014/main" id="{17C34476-D9F6-9005-524F-E315A8266863}"/>
-              </a:ext>
-            </a:extLst>
-          </p:cNvPr>
-          <p:cNvSpPr txBox="1">
-            <a:spLocks/>
+          </a:p>
+        </p:txBody>
+      </p:sp>
+      <p:sp>
+        <p:nvSpPr>
+          <p:cNvPr id="48" name="제목 38"/>
+          <p:cNvSpPr>
+            <a:spLocks noGrp="1"/>
           </p:cNvSpPr>
-          <p:nvPr/>
-        </p:nvSpPr>
-        <p:spPr>
-          <a:xfrm>
-            <a:off x="560352" y="4351178"/>
-            <a:ext cx="1410215" cy="445258"/>
-          </a:xfrm>
-          <a:prstGeom prst="rect">
-            <a:avLst/>
-          </a:prstGeom>
-        </p:spPr>
-        <p:txBody>
-          <a:bodyPr vert="horz" lIns="112542" tIns="56271" rIns="112542" bIns="56271" rtlCol="0" anchor="t">
+          <p:nvPr>
+            <p:ph type="title"/>
+          </p:nvPr>
+        </p:nvSpPr>
+        <p:spPr>
+          <a:xfrm>
+            <a:off x="363552" y="406401"/>
+            <a:ext cx="9862863" cy="856412"/>
+          </a:xfrm>
+        </p:spPr>
+        <p:txBody>
+          <a:bodyPr rtlCol="0">
             <a:noAutofit/>
           </a:bodyPr>
-          <a:lstStyle>
-            <a:lvl1pPr algn="l" defTabSz="914400" rtl="0" eaLnBrk="1" latinLnBrk="1" hangingPunct="1">
-              <a:lnSpc>
-                <a:spcPct val="90000"/>
-              </a:lnSpc>
-              <a:spcBef>
-                <a:spcPct val="0"/>
-              </a:spcBef>
-              <a:buNone/>
-              <a:defRPr sz="4400" kern="1200">
-                <a:solidFill>
-                  <a:schemeClr val="tx1"/>
-                </a:solidFill>
-                <a:latin typeface="+mj-lt"/>
-                <a:ea typeface="+mj-ea"/>
-                <a:cs typeface="+mj-cs"/>
-              </a:defRPr>
-            </a:lvl1pPr>
-          </a:lstStyle>
-          <a:p>
-            <a:pPr>
-              <a:defRPr/>
-            </a:pPr>
-            <a:endParaRPr lang="en-US" altLang="ko-KR" sz="2100" spc="-185" dirty="0">
-              <a:latin typeface="+mn-ea"/>
-              <a:ea typeface="+mn-ea"/>
-            </a:endParaRPr>
-          </a:p>
-        </p:txBody>
-      </p:sp>
-      <p:pic>
-        <p:nvPicPr>
-          <p:cNvPr id="2" name="그림 1">
-            <a:extLst>
-              <a:ext uri="{FF2B5EF4-FFF2-40B4-BE49-F238E27FC236}">
-                <a16:creationId xmlns:a16="http://schemas.microsoft.com/office/drawing/2014/main" id="{2DB420A4-13A3-FB89-E4EC-07B938218AFF}"/>
-              </a:ext>
-            </a:extLst>
-          </p:cNvPr>
-          <p:cNvPicPr>
-            <a:picLocks noChangeAspect="1"/>
-          </p:cNvPicPr>
-          <p:nvPr/>
-        </p:nvPicPr>
-        <p:blipFill>
-          <a:blip r:embed="rId3"/>
-          <a:stretch>
-            <a:fillRect/>
-          </a:stretch>
-        </p:blipFill>
-        <p:spPr>
-          <a:xfrm>
-            <a:off x="7919210" y="1782622"/>
-            <a:ext cx="3930502" cy="1637709"/>
-          </a:xfrm>
-          <a:prstGeom prst="rect">
-            <a:avLst/>
-          </a:prstGeom>
-        </p:spPr>
-      </p:pic>
-      <p:pic>
-        <p:nvPicPr>
-          <p:cNvPr id="3" name="그림 2">
-            <a:extLst>
-              <a:ext uri="{FF2B5EF4-FFF2-40B4-BE49-F238E27FC236}">
-                <a16:creationId xmlns:a16="http://schemas.microsoft.com/office/drawing/2014/main" id="{DA2536F0-5A01-E771-928E-0D7B21FC77AD}"/>
-              </a:ext>
-            </a:extLst>
-          </p:cNvPr>
-          <p:cNvPicPr>
-            <a:picLocks noChangeAspect="1"/>
-          </p:cNvPicPr>
-          <p:nvPr/>
-        </p:nvPicPr>
-        <p:blipFill>
-          <a:blip r:embed="rId4"/>
-          <a:stretch>
-            <a:fillRect/>
-          </a:stretch>
-        </p:blipFill>
-        <p:spPr>
-          <a:xfrm>
-            <a:off x="7919210" y="3630130"/>
-            <a:ext cx="3930502" cy="1910661"/>
-          </a:xfrm>
-          <a:prstGeom prst="rect">
-            <a:avLst/>
-          </a:prstGeom>
-        </p:spPr>
-      </p:pic>
-      <p:sp>
-        <p:nvSpPr>
-          <p:cNvPr id="7" name="TextBox 6">
-            <a:extLst>
-              <a:ext uri="{FF2B5EF4-FFF2-40B4-BE49-F238E27FC236}">
-                <a16:creationId xmlns:a16="http://schemas.microsoft.com/office/drawing/2014/main" id="{CAF42717-1CC1-2B43-6034-ECB2ECD8C255}"/>
-              </a:ext>
-            </a:extLst>
-          </p:cNvPr>
-          <p:cNvSpPr txBox="1"/>
-          <p:nvPr/>
-        </p:nvSpPr>
-        <p:spPr>
-          <a:xfrm>
-            <a:off x="9781953" y="5572450"/>
-            <a:ext cx="2067759" cy="215444"/>
-          </a:xfrm>
-          <a:prstGeom prst="rect">
-            <a:avLst/>
-          </a:prstGeom>
-          <a:noFill/>
-        </p:spPr>
-        <p:txBody>
-          <a:bodyPr wrap="square" rtlCol="0">
-            <a:spAutoFit/>
-          </a:bodyPr>
           <a:lstStyle/>
           <a:p>
-            <a:pPr algn="r"/>
-            <a:r>
-              <a:rPr kumimoji="1" lang="ko-KR" altLang="en-US" sz="800" dirty="0">
-                <a:latin typeface="+mn-ea"/>
-              </a:rPr>
-              <a:t>이미지 출처</a:t>
-            </a:r>
-            <a:r>
-              <a:rPr kumimoji="1" lang="en-US" altLang="ko-KR" sz="800" dirty="0">
-                <a:latin typeface="+mn-ea"/>
-              </a:rPr>
-              <a:t>:</a:t>
-            </a:r>
-            <a:r>
-              <a:rPr kumimoji="1" lang="ko-KR" altLang="en-US" sz="800" dirty="0">
-                <a:latin typeface="+mn-ea"/>
-              </a:rPr>
-              <a:t> </a:t>
-            </a:r>
-            <a:r>
-              <a:rPr kumimoji="1" lang="en" altLang="ko-Kore-KR" sz="800" dirty="0">
-                <a:latin typeface="+mn-ea"/>
-                <a:hlinkClick r:id="rId5"/>
-              </a:rPr>
-              <a:t>https://bkshin.tistory.com</a:t>
-            </a:r>
-            <a:endParaRPr kumimoji="1" lang="ko-Kore-KR" altLang="en-US" sz="800" dirty="0">
-              <a:latin typeface="+mn-ea"/>
+            <a:pPr>
+              <a:defRPr/>
+            </a:pPr>
+            <a:r>
+              <a:rPr lang="en-US" altLang="ko-KR" sz="4000" spc="-185" dirty="0">
+                <a:latin typeface="+mj-ea"/>
+              </a:rPr>
+              <a:t>Mission 2</a:t>
+            </a:r>
+            <a:endParaRPr lang="ko-KR" altLang="en-US" sz="4000" spc="-185" dirty="0">
+              <a:latin typeface="+mj-ea"/>
             </a:endParaRPr>
           </a:p>
         </p:txBody>
@@ -9397,7 +9994,7 @@
     </p:spTree>
     <p:extLst>
       <p:ext uri="{BB962C8B-B14F-4D97-AF65-F5344CB8AC3E}">
-        <p14:creationId xmlns:p14="http://schemas.microsoft.com/office/powerpoint/2010/main" val="1606198052"/>
+        <p14:creationId xmlns:p14="http://schemas.microsoft.com/office/powerpoint/2010/main" val="3434640500"/>
       </p:ext>
     </p:extLst>
   </p:cSld>
@@ -9516,8 +10113,8 @@
         </p:nvSpPr>
         <p:spPr>
           <a:xfrm>
-            <a:off x="271404" y="1887965"/>
-            <a:ext cx="11393019" cy="3768556"/>
+            <a:off x="363552" y="1547726"/>
+            <a:ext cx="8354320" cy="2419299"/>
           </a:xfrm>
           <a:prstGeom prst="rect">
             <a:avLst/>
@@ -9549,33 +10146,19 @@
           <a:p>
             <a:pPr>
               <a:lnSpc>
-                <a:spcPct val="120000"/>
-              </a:lnSpc>
-              <a:defRPr/>
-            </a:pPr>
-            <a:r>
-              <a:rPr lang="ko-KR" altLang="en-US" sz="1900" spc="-150" dirty="0">
-                <a:latin typeface="+mn-ea"/>
-                <a:ea typeface="+mn-ea"/>
-              </a:rPr>
-              <a:t>저희는 이미지의 노이즈를 제거하기 위해 닫힘 연산과 </a:t>
-            </a:r>
-            <a:r>
-              <a:rPr lang="en-US" altLang="ko-KR" sz="1900" spc="-150" dirty="0">
-                <a:latin typeface="+mn-ea"/>
-                <a:ea typeface="+mn-ea"/>
-              </a:rPr>
-              <a:t>Gradient</a:t>
-            </a:r>
-            <a:r>
-              <a:rPr lang="ko-KR" altLang="en-US" sz="1900" spc="-150" dirty="0">
-                <a:latin typeface="+mn-ea"/>
-                <a:ea typeface="+mn-ea"/>
-              </a:rPr>
-              <a:t> 연산을 사용하였습니다</a:t>
-            </a:r>
-            <a:r>
-              <a:rPr lang="en-US" altLang="ko-KR" sz="1900" spc="-150" dirty="0">
+                <a:spcPct val="130000"/>
+              </a:lnSpc>
+              <a:defRPr/>
+            </a:pPr>
+            <a:r>
+              <a:rPr lang="ko-KR" altLang="en-US" sz="1600" spc="-150" dirty="0">
+                <a:latin typeface="+mn-ea"/>
+                <a:ea typeface="+mn-ea"/>
+              </a:rPr>
+              <a:t>전처리 코드를 완성하기 위해 많은 시행착오를 거쳤습니다</a:t>
+            </a:r>
+            <a:r>
+              <a:rPr lang="en-US" altLang="ko-KR" sz="1600" spc="-150" dirty="0">
                 <a:latin typeface="+mn-ea"/>
                 <a:ea typeface="+mn-ea"/>
               </a:rPr>
@@ -9585,11 +10168,11 @@
           <a:p>
             <a:pPr>
               <a:lnSpc>
-                <a:spcPct val="120000"/>
-              </a:lnSpc>
-              <a:defRPr/>
-            </a:pPr>
-            <a:endParaRPr lang="en-US" altLang="ko-KR" sz="1900" spc="-150" dirty="0">
+                <a:spcPct val="130000"/>
+              </a:lnSpc>
+              <a:defRPr/>
+            </a:pPr>
+            <a:endParaRPr lang="en-US" altLang="ko-KR" sz="1600" spc="-150" dirty="0">
               <a:latin typeface="+mn-ea"/>
               <a:ea typeface="+mn-ea"/>
             </a:endParaRPr>
@@ -9597,19 +10180,19 @@
           <a:p>
             <a:pPr>
               <a:lnSpc>
-                <a:spcPct val="120000"/>
-              </a:lnSpc>
-              <a:defRPr/>
-            </a:pPr>
-            <a:r>
-              <a:rPr lang="ko-KR" altLang="en-US" sz="1900" spc="-150" dirty="0">
-                <a:latin typeface="+mn-ea"/>
-                <a:ea typeface="+mn-ea"/>
-              </a:rPr>
-              <a:t>닫힘 연산은 팽창 연산 후 침식 연산을 적용하여 주변보다 어두운 노이즈를 제거하는데 효과적입니다</a:t>
-            </a:r>
-            <a:r>
-              <a:rPr lang="en-US" altLang="ko-KR" sz="1900" spc="-150" dirty="0">
+                <a:spcPct val="130000"/>
+              </a:lnSpc>
+              <a:defRPr/>
+            </a:pPr>
+            <a:r>
+              <a:rPr lang="ko-KR" altLang="en-US" sz="1600" spc="-150" dirty="0">
+                <a:latin typeface="+mn-ea"/>
+                <a:ea typeface="+mn-ea"/>
+              </a:rPr>
+              <a:t>이미지의 모서리를 찾아내기 위해 지역 이진화 함수를 사용했습니다</a:t>
+            </a:r>
+            <a:r>
+              <a:rPr lang="en-US" altLang="ko-KR" sz="1600" spc="-150" dirty="0">
                 <a:latin typeface="+mn-ea"/>
                 <a:ea typeface="+mn-ea"/>
               </a:rPr>
@@ -9619,11 +10202,32 @@
           <a:p>
             <a:pPr>
               <a:lnSpc>
-                <a:spcPct val="120000"/>
-              </a:lnSpc>
-              <a:defRPr/>
-            </a:pPr>
-            <a:endParaRPr lang="en-US" altLang="ko-KR" sz="1900" spc="-150" dirty="0">
+                <a:spcPct val="130000"/>
+              </a:lnSpc>
+              <a:defRPr/>
+            </a:pPr>
+            <a:r>
+              <a:rPr lang="ko-KR" altLang="en-US" sz="1600" spc="-150" dirty="0">
+                <a:latin typeface="+mn-ea"/>
+                <a:ea typeface="+mn-ea"/>
+              </a:rPr>
+              <a:t>하지만 배경이 흰색인 탓에 흰 옷 이미지 이진화 시 문제가 생기는 것을 확인할 수 있었고</a:t>
+            </a:r>
+            <a:r>
+              <a:rPr lang="en-US" altLang="ko-KR" sz="1600" spc="-150" dirty="0">
+                <a:latin typeface="+mn-ea"/>
+                <a:ea typeface="+mn-ea"/>
+              </a:rPr>
+              <a:t>,</a:t>
+            </a:r>
+            <a:r>
+              <a:rPr lang="ko-KR" altLang="en-US" sz="1600" spc="-150" dirty="0">
+                <a:latin typeface="+mn-ea"/>
+                <a:ea typeface="+mn-ea"/>
+              </a:rPr>
+              <a:t> </a:t>
+            </a:r>
+            <a:endParaRPr lang="en-US" altLang="ko-KR" sz="1600" spc="-150" dirty="0">
               <a:latin typeface="+mn-ea"/>
               <a:ea typeface="+mn-ea"/>
             </a:endParaRPr>
@@ -9631,237 +10235,88 @@
           <a:p>
             <a:pPr>
               <a:lnSpc>
-                <a:spcPct val="120000"/>
-              </a:lnSpc>
-              <a:defRPr/>
-            </a:pPr>
-            <a:r>
-              <a:rPr lang="en-US" altLang="ko-KR" sz="1900" spc="-150" dirty="0">
-                <a:latin typeface="+mn-ea"/>
-                <a:ea typeface="+mn-ea"/>
-              </a:rPr>
-              <a:t>Gradient</a:t>
-            </a:r>
-            <a:r>
-              <a:rPr lang="ko-KR" altLang="en-US" sz="1900" spc="-150" dirty="0">
-                <a:latin typeface="+mn-ea"/>
-                <a:ea typeface="+mn-ea"/>
-              </a:rPr>
-              <a:t> 연산이란</a:t>
-            </a:r>
-            <a:endParaRPr lang="en-US" altLang="ko-KR" sz="1900" spc="-150" dirty="0">
+                <a:spcPct val="130000"/>
+              </a:lnSpc>
+              <a:defRPr/>
+            </a:pPr>
+            <a:r>
+              <a:rPr lang="ko-KR" altLang="en-US" sz="1600" spc="-150" dirty="0">
+                <a:latin typeface="+mn-ea"/>
+                <a:ea typeface="+mn-ea"/>
+              </a:rPr>
+              <a:t>어떻게 해결해야 할 지 고민하던 중 적응형 이진화 함수를 발견했습니다</a:t>
+            </a:r>
+            <a:r>
+              <a:rPr lang="en-US" altLang="ko-KR" sz="1600" spc="-150" dirty="0">
+                <a:latin typeface="+mn-ea"/>
+                <a:ea typeface="+mn-ea"/>
+              </a:rPr>
+              <a:t>.</a:t>
+            </a:r>
+          </a:p>
+          <a:p>
+            <a:pPr>
+              <a:lnSpc>
+                <a:spcPct val="130000"/>
+              </a:lnSpc>
+              <a:defRPr/>
+            </a:pPr>
+            <a:r>
+              <a:rPr lang="ko-KR" altLang="en-US" sz="1600" spc="-150" dirty="0">
+                <a:latin typeface="+mn-ea"/>
+                <a:ea typeface="+mn-ea"/>
+              </a:rPr>
+              <a:t>적응형 이진화는 이미지에 따라 스스로 임계 값을 다르게 할당할 수 있도록 구현된 알고리즘입니다</a:t>
+            </a:r>
+            <a:r>
+              <a:rPr lang="en-US" altLang="ko-KR" sz="1600" spc="-150" dirty="0">
+                <a:latin typeface="+mn-ea"/>
+                <a:ea typeface="+mn-ea"/>
+              </a:rPr>
+              <a:t>.</a:t>
+            </a:r>
+          </a:p>
+          <a:p>
+            <a:pPr>
+              <a:lnSpc>
+                <a:spcPct val="130000"/>
+              </a:lnSpc>
+              <a:defRPr/>
+            </a:pPr>
+            <a:r>
+              <a:rPr lang="ko-KR" altLang="en-US" sz="1600" spc="-150" dirty="0">
+                <a:latin typeface="+mn-ea"/>
+                <a:ea typeface="+mn-ea"/>
+              </a:rPr>
+              <a:t>이 알고리즘을 사용해 이진화를 했을 경우 흰 옷의 이진화가 알맞게 된 것을 확인할 수 있습니다</a:t>
+            </a:r>
+            <a:r>
+              <a:rPr lang="en-US" altLang="ko-KR" sz="1600" spc="-150" dirty="0">
+                <a:latin typeface="+mn-ea"/>
+                <a:ea typeface="+mn-ea"/>
+              </a:rPr>
+              <a:t>.</a:t>
+            </a:r>
+            <a:r>
+              <a:rPr lang="ko-KR" altLang="en-US" sz="1600" spc="-150" dirty="0">
+                <a:latin typeface="+mn-ea"/>
+                <a:ea typeface="+mn-ea"/>
+              </a:rPr>
+              <a:t> </a:t>
+            </a:r>
+            <a:endParaRPr lang="en-US" altLang="ko-KR" sz="1600" spc="-150" dirty="0">
               <a:latin typeface="+mn-ea"/>
               <a:ea typeface="+mn-ea"/>
             </a:endParaRPr>
           </a:p>
-          <a:p>
-            <a:pPr>
-              <a:lnSpc>
-                <a:spcPct val="120000"/>
-              </a:lnSpc>
-              <a:defRPr/>
-            </a:pPr>
-            <a:r>
-              <a:rPr lang="ko-KR" altLang="en-US" sz="1900" spc="-150" dirty="0">
-                <a:latin typeface="+mn-ea"/>
-                <a:ea typeface="+mn-ea"/>
-              </a:rPr>
-              <a:t>팽창 연산을 적용한 이미지에서 침식 연산을 적용한 이미지를 빼면 경계 픽셀만 얻게 되는데</a:t>
-            </a:r>
-            <a:endParaRPr lang="en-US" altLang="ko-KR" sz="1900" spc="-150" dirty="0">
-              <a:latin typeface="+mn-ea"/>
-              <a:ea typeface="+mn-ea"/>
-            </a:endParaRPr>
-          </a:p>
-          <a:p>
-            <a:pPr>
-              <a:lnSpc>
-                <a:spcPct val="120000"/>
-              </a:lnSpc>
-              <a:defRPr/>
-            </a:pPr>
-            <a:r>
-              <a:rPr lang="ko-KR" altLang="en-US" sz="1900" spc="-150" dirty="0">
-                <a:latin typeface="+mn-ea"/>
-                <a:ea typeface="+mn-ea"/>
-              </a:rPr>
-              <a:t>이 연산을 </a:t>
-            </a:r>
-            <a:r>
-              <a:rPr lang="en-US" altLang="ko-KR" sz="1900" spc="-150" dirty="0">
-                <a:latin typeface="+mn-ea"/>
-                <a:ea typeface="+mn-ea"/>
-              </a:rPr>
-              <a:t>Gradient</a:t>
-            </a:r>
-            <a:r>
-              <a:rPr lang="ko-KR" altLang="en-US" sz="1900" spc="-150" dirty="0">
-                <a:latin typeface="+mn-ea"/>
-                <a:ea typeface="+mn-ea"/>
-              </a:rPr>
-              <a:t> 연산이라고 합니다</a:t>
-            </a:r>
-            <a:r>
-              <a:rPr lang="en-US" altLang="ko-KR" sz="1900" spc="-150" dirty="0">
-                <a:latin typeface="+mn-ea"/>
-                <a:ea typeface="+mn-ea"/>
-              </a:rPr>
-              <a:t>.</a:t>
-            </a:r>
-          </a:p>
-          <a:p>
-            <a:pPr>
-              <a:lnSpc>
-                <a:spcPct val="120000"/>
-              </a:lnSpc>
-              <a:defRPr/>
-            </a:pPr>
-            <a:endParaRPr lang="en-US" altLang="ko-KR" sz="1900" spc="-150" dirty="0">
-              <a:latin typeface="+mn-ea"/>
-              <a:ea typeface="+mn-ea"/>
-            </a:endParaRPr>
-          </a:p>
-          <a:p>
-            <a:pPr>
-              <a:lnSpc>
-                <a:spcPct val="120000"/>
-              </a:lnSpc>
-              <a:defRPr/>
-            </a:pPr>
-            <a:r>
-              <a:rPr lang="ko-KR" altLang="en-US" sz="1900" spc="-150" dirty="0">
-                <a:latin typeface="+mn-ea"/>
-                <a:ea typeface="+mn-ea"/>
-              </a:rPr>
-              <a:t>저희는 닫힘 연산을 사용하여 </a:t>
-            </a:r>
-            <a:r>
-              <a:rPr lang="en-US" altLang="ko-KR" sz="1900" spc="-150" dirty="0">
-                <a:latin typeface="+mn-ea"/>
-                <a:ea typeface="+mn-ea"/>
-              </a:rPr>
-              <a:t>1</a:t>
-            </a:r>
-            <a:r>
-              <a:rPr lang="ko-KR" altLang="en-US" sz="1900" spc="-150" dirty="0">
-                <a:latin typeface="+mn-ea"/>
-                <a:ea typeface="+mn-ea"/>
-              </a:rPr>
-              <a:t>차적으로 노이즈를 없애고</a:t>
-            </a:r>
-            <a:endParaRPr lang="en-US" altLang="ko-KR" sz="1900" spc="-150" dirty="0">
-              <a:latin typeface="+mn-ea"/>
-              <a:ea typeface="+mn-ea"/>
-            </a:endParaRPr>
-          </a:p>
-          <a:p>
-            <a:pPr>
-              <a:lnSpc>
-                <a:spcPct val="120000"/>
-              </a:lnSpc>
-              <a:defRPr/>
-            </a:pPr>
-            <a:r>
-              <a:rPr lang="en-US" altLang="ko-KR" sz="1900" spc="-150" dirty="0">
-                <a:latin typeface="+mn-ea"/>
-                <a:ea typeface="+mn-ea"/>
-              </a:rPr>
-              <a:t>Gradient</a:t>
-            </a:r>
-            <a:r>
-              <a:rPr lang="ko-KR" altLang="en-US" sz="1900" spc="-150" dirty="0">
-                <a:latin typeface="+mn-ea"/>
-                <a:ea typeface="+mn-ea"/>
-              </a:rPr>
-              <a:t> 연산을 사용하여 </a:t>
-            </a:r>
-            <a:r>
-              <a:rPr lang="en-US" altLang="ko-KR" sz="1900" spc="-150" dirty="0">
-                <a:latin typeface="+mn-ea"/>
-                <a:ea typeface="+mn-ea"/>
-              </a:rPr>
-              <a:t>2</a:t>
-            </a:r>
-            <a:r>
-              <a:rPr lang="ko-KR" altLang="en-US" sz="1900" spc="-150" dirty="0">
-                <a:latin typeface="+mn-ea"/>
-                <a:ea typeface="+mn-ea"/>
-              </a:rPr>
-              <a:t>차적으로 노이즈를 없애며 옷의 경계를 뚜렷하게 했습니다</a:t>
-            </a:r>
-            <a:r>
-              <a:rPr lang="en-US" altLang="ko-KR" sz="1900" spc="-150" dirty="0">
-                <a:latin typeface="+mn-ea"/>
-                <a:ea typeface="+mn-ea"/>
-              </a:rPr>
-              <a:t>.</a:t>
-            </a:r>
-          </a:p>
-        </p:txBody>
-      </p:sp>
-      <p:sp>
-        <p:nvSpPr>
-          <p:cNvPr id="9" name="제목 38">
+        </p:txBody>
+      </p:sp>
+      <p:pic>
+        <p:nvPicPr>
+          <p:cNvPr id="8" name="그림 7" descr="텍스트이(가) 표시된 사진&#10;&#10;자동 생성된 설명">
             <a:extLst>
               <a:ext uri="{FF2B5EF4-FFF2-40B4-BE49-F238E27FC236}">
-                <a16:creationId xmlns:a16="http://schemas.microsoft.com/office/drawing/2014/main" id="{17C34476-D9F6-9005-524F-E315A8266863}"/>
-              </a:ext>
-            </a:extLst>
-          </p:cNvPr>
-          <p:cNvSpPr txBox="1">
-            <a:spLocks/>
-          </p:cNvSpPr>
-          <p:nvPr/>
-        </p:nvSpPr>
-        <p:spPr>
-          <a:xfrm>
-            <a:off x="560352" y="4351178"/>
-            <a:ext cx="1410215" cy="445258"/>
-          </a:xfrm>
-          <a:prstGeom prst="rect">
-            <a:avLst/>
-          </a:prstGeom>
-        </p:spPr>
-        <p:txBody>
-          <a:bodyPr vert="horz" lIns="112542" tIns="56271" rIns="112542" bIns="56271" rtlCol="0" anchor="t">
-            <a:noAutofit/>
-          </a:bodyPr>
-          <a:lstStyle>
-            <a:lvl1pPr algn="l" defTabSz="914400" rtl="0" eaLnBrk="1" latinLnBrk="1" hangingPunct="1">
-              <a:lnSpc>
-                <a:spcPct val="90000"/>
-              </a:lnSpc>
-              <a:spcBef>
-                <a:spcPct val="0"/>
-              </a:spcBef>
-              <a:buNone/>
-              <a:defRPr sz="4400" kern="1200">
-                <a:solidFill>
-                  <a:schemeClr val="tx1"/>
-                </a:solidFill>
-                <a:latin typeface="+mj-lt"/>
-                <a:ea typeface="+mj-ea"/>
-                <a:cs typeface="+mj-cs"/>
-              </a:defRPr>
-            </a:lvl1pPr>
-          </a:lstStyle>
-          <a:p>
-            <a:pPr>
-              <a:defRPr/>
-            </a:pPr>
-            <a:endParaRPr lang="en-US" altLang="ko-KR" sz="2100" spc="-185" dirty="0">
-              <a:latin typeface="+mn-ea"/>
-              <a:ea typeface="+mn-ea"/>
-            </a:endParaRPr>
-          </a:p>
-        </p:txBody>
-      </p:sp>
-      <p:pic>
-        <p:nvPicPr>
-          <p:cNvPr id="3" name="그림 2" descr="텍스트이(가) 표시된 사진&#10;&#10;자동 생성된 설명">
-            <a:extLst>
-              <a:ext uri="{FF2B5EF4-FFF2-40B4-BE49-F238E27FC236}">
-                <a16:creationId xmlns:a16="http://schemas.microsoft.com/office/drawing/2014/main" id="{7931AA1A-24A1-0E51-3D4F-55486F16BF04}"/>
+                <a16:creationId xmlns:a16="http://schemas.microsoft.com/office/drawing/2014/main" id="{44362160-5590-DC62-52A4-250228E1A6E4}"/>
               </a:ext>
             </a:extLst>
           </p:cNvPr>
@@ -9878,23 +10333,445 @@
               </a:ext>
             </a:extLst>
           </a:blip>
-          <a:srcRect t="75349" r="59869"/>
+          <a:srcRect t="75659" r="61880"/>
           <a:stretch/>
         </p:blipFill>
         <p:spPr>
           <a:xfrm>
-            <a:off x="9672548" y="3429000"/>
-            <a:ext cx="2093165" cy="1918282"/>
+            <a:off x="498449" y="4156578"/>
+            <a:ext cx="1551237" cy="1836243"/>
           </a:xfrm>
           <a:prstGeom prst="rect">
             <a:avLst/>
           </a:prstGeom>
         </p:spPr>
       </p:pic>
+      <p:sp>
+        <p:nvSpPr>
+          <p:cNvPr id="9" name="제목 38">
+            <a:extLst>
+              <a:ext uri="{FF2B5EF4-FFF2-40B4-BE49-F238E27FC236}">
+                <a16:creationId xmlns:a16="http://schemas.microsoft.com/office/drawing/2014/main" id="{17C34476-D9F6-9005-524F-E315A8266863}"/>
+              </a:ext>
+            </a:extLst>
+          </p:cNvPr>
+          <p:cNvSpPr txBox="1">
+            <a:spLocks/>
+          </p:cNvSpPr>
+          <p:nvPr/>
+        </p:nvSpPr>
+        <p:spPr>
+          <a:xfrm>
+            <a:off x="560352" y="4351178"/>
+            <a:ext cx="1410215" cy="445258"/>
+          </a:xfrm>
+          <a:prstGeom prst="rect">
+            <a:avLst/>
+          </a:prstGeom>
+        </p:spPr>
+        <p:txBody>
+          <a:bodyPr vert="horz" lIns="112542" tIns="56271" rIns="112542" bIns="56271" rtlCol="0" anchor="t">
+            <a:noAutofit/>
+          </a:bodyPr>
+          <a:lstStyle>
+            <a:lvl1pPr algn="l" defTabSz="914400" rtl="0" eaLnBrk="1" latinLnBrk="1" hangingPunct="1">
+              <a:lnSpc>
+                <a:spcPct val="90000"/>
+              </a:lnSpc>
+              <a:spcBef>
+                <a:spcPct val="0"/>
+              </a:spcBef>
+              <a:buNone/>
+              <a:defRPr sz="4400" kern="1200">
+                <a:solidFill>
+                  <a:schemeClr val="tx1"/>
+                </a:solidFill>
+                <a:latin typeface="+mj-lt"/>
+                <a:ea typeface="+mj-ea"/>
+                <a:cs typeface="+mj-cs"/>
+              </a:defRPr>
+            </a:lvl1pPr>
+          </a:lstStyle>
+          <a:p>
+            <a:pPr>
+              <a:defRPr/>
+            </a:pPr>
+            <a:endParaRPr lang="en-US" altLang="ko-KR" sz="2100" spc="-185" dirty="0">
+              <a:latin typeface="+mn-ea"/>
+              <a:ea typeface="+mn-ea"/>
+            </a:endParaRPr>
+          </a:p>
+        </p:txBody>
+      </p:sp>
+      <p:sp>
+        <p:nvSpPr>
+          <p:cNvPr id="10" name="TextBox 9">
+            <a:extLst>
+              <a:ext uri="{FF2B5EF4-FFF2-40B4-BE49-F238E27FC236}">
+                <a16:creationId xmlns:a16="http://schemas.microsoft.com/office/drawing/2014/main" id="{5CE62B68-E5B2-93D0-B32D-70FDFE1E9158}"/>
+              </a:ext>
+            </a:extLst>
+          </p:cNvPr>
+          <p:cNvSpPr txBox="1"/>
+          <p:nvPr/>
+        </p:nvSpPr>
+        <p:spPr>
+          <a:xfrm>
+            <a:off x="363396" y="5970716"/>
+            <a:ext cx="1821341" cy="575543"/>
+          </a:xfrm>
+          <a:prstGeom prst="rect">
+            <a:avLst/>
+          </a:prstGeom>
+          <a:noFill/>
+        </p:spPr>
+        <p:txBody>
+          <a:bodyPr wrap="square" rtlCol="0">
+            <a:spAutoFit/>
+          </a:bodyPr>
+          <a:lstStyle/>
+          <a:p>
+            <a:pPr algn="ctr"/>
+            <a:r>
+              <a:rPr lang="en-US" altLang="ko-KR" sz="1400" spc="-150" dirty="0">
+                <a:latin typeface="+mn-ea"/>
+              </a:rPr>
+              <a:t>Threshold </a:t>
+            </a:r>
+            <a:r>
+              <a:rPr lang="ko-KR" altLang="en-US" sz="1400" spc="-150" dirty="0">
+                <a:latin typeface="+mn-ea"/>
+              </a:rPr>
+              <a:t>함수 사용</a:t>
+            </a:r>
+            <a:endParaRPr lang="en-US" altLang="ko-KR" sz="1400" spc="-150" dirty="0">
+              <a:latin typeface="+mn-ea"/>
+            </a:endParaRPr>
+          </a:p>
+          <a:p>
+            <a:pPr algn="ctr"/>
+            <a:r>
+              <a:rPr kumimoji="1" lang="en-US" altLang="ko-KR" sz="1400" spc="-150" dirty="0">
+                <a:latin typeface="+mn-ea"/>
+              </a:rPr>
+              <a:t>(</a:t>
+            </a:r>
+            <a:r>
+              <a:rPr kumimoji="1" lang="ko-KR" altLang="en-US" sz="1400" spc="-150" dirty="0">
+                <a:latin typeface="+mn-ea"/>
+              </a:rPr>
+              <a:t>갈색 옷</a:t>
+            </a:r>
+            <a:r>
+              <a:rPr kumimoji="1" lang="en-US" altLang="ko-KR" sz="1400" spc="-150" dirty="0">
+                <a:latin typeface="+mn-ea"/>
+              </a:rPr>
+              <a:t>)</a:t>
+            </a:r>
+            <a:endParaRPr kumimoji="1" lang="en-US" altLang="ko-Kore-KR" sz="1400" dirty="0">
+              <a:latin typeface="+mn-ea"/>
+            </a:endParaRPr>
+          </a:p>
+        </p:txBody>
+      </p:sp>
+      <p:pic>
+        <p:nvPicPr>
+          <p:cNvPr id="12" name="그림 11" descr="텍스트이(가) 표시된 사진&#10;&#10;자동 생성된 설명">
+            <a:extLst>
+              <a:ext uri="{FF2B5EF4-FFF2-40B4-BE49-F238E27FC236}">
+                <a16:creationId xmlns:a16="http://schemas.microsoft.com/office/drawing/2014/main" id="{F3583A5A-1D78-2DB7-2C7B-C47525CD196E}"/>
+              </a:ext>
+            </a:extLst>
+          </p:cNvPr>
+          <p:cNvPicPr>
+            <a:picLocks noChangeAspect="1"/>
+          </p:cNvPicPr>
+          <p:nvPr/>
+        </p:nvPicPr>
+        <p:blipFill rotWithShape="1">
+          <a:blip r:embed="rId4">
+            <a:extLst>
+              <a:ext uri="{28A0092B-C50C-407E-A947-70E740481C1C}">
+                <a14:useLocalDpi xmlns:a14="http://schemas.microsoft.com/office/drawing/2010/main" val="0"/>
+              </a:ext>
+            </a:extLst>
+          </a:blip>
+          <a:srcRect l="4817" t="73855" r="77464"/>
+          <a:stretch/>
+        </p:blipFill>
+        <p:spPr>
+          <a:xfrm>
+            <a:off x="3211370" y="4156578"/>
+            <a:ext cx="779721" cy="1836243"/>
+          </a:xfrm>
+          <a:prstGeom prst="rect">
+            <a:avLst/>
+          </a:prstGeom>
+        </p:spPr>
+      </p:pic>
+      <p:sp>
+        <p:nvSpPr>
+          <p:cNvPr id="14" name="TextBox 13">
+            <a:extLst>
+              <a:ext uri="{FF2B5EF4-FFF2-40B4-BE49-F238E27FC236}">
+                <a16:creationId xmlns:a16="http://schemas.microsoft.com/office/drawing/2014/main" id="{2576593A-EE19-4525-7DEA-517FCB4C9422}"/>
+              </a:ext>
+            </a:extLst>
+          </p:cNvPr>
+          <p:cNvSpPr txBox="1"/>
+          <p:nvPr/>
+        </p:nvSpPr>
+        <p:spPr>
+          <a:xfrm>
+            <a:off x="2690559" y="5970716"/>
+            <a:ext cx="1821341" cy="575543"/>
+          </a:xfrm>
+          <a:prstGeom prst="rect">
+            <a:avLst/>
+          </a:prstGeom>
+          <a:noFill/>
+        </p:spPr>
+        <p:txBody>
+          <a:bodyPr wrap="square" rtlCol="0">
+            <a:spAutoFit/>
+          </a:bodyPr>
+          <a:lstStyle/>
+          <a:p>
+            <a:pPr algn="ctr"/>
+            <a:r>
+              <a:rPr lang="en-US" altLang="ko-KR" sz="1400" spc="-150" dirty="0">
+                <a:latin typeface="+mn-ea"/>
+              </a:rPr>
+              <a:t>Threshold </a:t>
+            </a:r>
+            <a:r>
+              <a:rPr lang="ko-KR" altLang="en-US" sz="1400" spc="-150" dirty="0">
+                <a:latin typeface="+mn-ea"/>
+              </a:rPr>
+              <a:t>함수 사용</a:t>
+            </a:r>
+            <a:endParaRPr lang="en-US" altLang="ko-KR" sz="1400" spc="-150" dirty="0">
+              <a:latin typeface="+mn-ea"/>
+            </a:endParaRPr>
+          </a:p>
+          <a:p>
+            <a:pPr algn="ctr"/>
+            <a:r>
+              <a:rPr kumimoji="1" lang="en-US" altLang="ko-KR" sz="1400" spc="-150" dirty="0">
+                <a:latin typeface="+mn-ea"/>
+              </a:rPr>
+              <a:t>(</a:t>
+            </a:r>
+            <a:r>
+              <a:rPr kumimoji="1" lang="ko-KR" altLang="en-US" sz="1400" spc="-150" dirty="0">
+                <a:latin typeface="+mn-ea"/>
+              </a:rPr>
+              <a:t>흰 옷</a:t>
+            </a:r>
+            <a:r>
+              <a:rPr kumimoji="1" lang="en-US" altLang="ko-KR" sz="1400" spc="-150" dirty="0">
+                <a:latin typeface="+mn-ea"/>
+              </a:rPr>
+              <a:t>)</a:t>
+            </a:r>
+            <a:endParaRPr kumimoji="1" lang="en-US" altLang="ko-Kore-KR" sz="1400" dirty="0">
+              <a:latin typeface="+mn-ea"/>
+            </a:endParaRPr>
+          </a:p>
+        </p:txBody>
+      </p:sp>
+      <p:pic>
+        <p:nvPicPr>
+          <p:cNvPr id="16" name="그림 15" descr="텍스트이(가) 표시된 사진&#10;&#10;자동 생성된 설명">
+            <a:extLst>
+              <a:ext uri="{FF2B5EF4-FFF2-40B4-BE49-F238E27FC236}">
+                <a16:creationId xmlns:a16="http://schemas.microsoft.com/office/drawing/2014/main" id="{EB94D70A-772B-F512-0CC5-C74B0A541842}"/>
+              </a:ext>
+            </a:extLst>
+          </p:cNvPr>
+          <p:cNvPicPr>
+            <a:picLocks noChangeAspect="1"/>
+          </p:cNvPicPr>
+          <p:nvPr/>
+        </p:nvPicPr>
+        <p:blipFill rotWithShape="1">
+          <a:blip r:embed="rId5">
+            <a:extLst>
+              <a:ext uri="{28A0092B-C50C-407E-A947-70E740481C1C}">
+                <a14:useLocalDpi xmlns:a14="http://schemas.microsoft.com/office/drawing/2010/main" val="0"/>
+              </a:ext>
+            </a:extLst>
+          </a:blip>
+          <a:srcRect t="73870" r="72973"/>
+          <a:stretch/>
+        </p:blipFill>
+        <p:spPr>
+          <a:xfrm>
+            <a:off x="5406861" y="4156578"/>
+            <a:ext cx="1408326" cy="1836243"/>
+          </a:xfrm>
+          <a:prstGeom prst="rect">
+            <a:avLst/>
+          </a:prstGeom>
+        </p:spPr>
+      </p:pic>
+      <p:sp>
+        <p:nvSpPr>
+          <p:cNvPr id="18" name="TextBox 17">
+            <a:extLst>
+              <a:ext uri="{FF2B5EF4-FFF2-40B4-BE49-F238E27FC236}">
+                <a16:creationId xmlns:a16="http://schemas.microsoft.com/office/drawing/2014/main" id="{949AC1E4-411B-C9AC-218C-4C1EAC8B8A29}"/>
+              </a:ext>
+            </a:extLst>
+          </p:cNvPr>
+          <p:cNvSpPr txBox="1"/>
+          <p:nvPr/>
+        </p:nvSpPr>
+        <p:spPr>
+          <a:xfrm>
+            <a:off x="5017722" y="5970716"/>
+            <a:ext cx="2186603" cy="523220"/>
+          </a:xfrm>
+          <a:prstGeom prst="rect">
+            <a:avLst/>
+          </a:prstGeom>
+          <a:noFill/>
+        </p:spPr>
+        <p:txBody>
+          <a:bodyPr wrap="square" rtlCol="0">
+            <a:spAutoFit/>
+          </a:bodyPr>
+          <a:lstStyle/>
+          <a:p>
+            <a:pPr algn="ctr"/>
+            <a:r>
+              <a:rPr lang="en-US" altLang="ko-KR" sz="1400" spc="-150" dirty="0">
+                <a:latin typeface="+mn-ea"/>
+              </a:rPr>
+              <a:t>Adaptive Threshold </a:t>
+            </a:r>
+            <a:r>
+              <a:rPr lang="ko-KR" altLang="en-US" sz="1400" spc="-150" dirty="0">
+                <a:latin typeface="+mn-ea"/>
+              </a:rPr>
+              <a:t>함수 사용</a:t>
+            </a:r>
+            <a:endParaRPr lang="en-US" altLang="ko-KR" sz="1400" spc="-150" dirty="0">
+              <a:latin typeface="+mn-ea"/>
+            </a:endParaRPr>
+          </a:p>
+          <a:p>
+            <a:pPr algn="ctr"/>
+            <a:r>
+              <a:rPr kumimoji="1" lang="en-US" altLang="ko-KR" sz="1400" spc="-150" dirty="0">
+                <a:latin typeface="+mn-ea"/>
+              </a:rPr>
+              <a:t>(</a:t>
+            </a:r>
+            <a:r>
+              <a:rPr kumimoji="1" lang="ko-KR" altLang="en-US" sz="1400" spc="-150" dirty="0">
+                <a:latin typeface="+mn-ea"/>
+              </a:rPr>
+              <a:t>흰 옷</a:t>
+            </a:r>
+            <a:r>
+              <a:rPr kumimoji="1" lang="en-US" altLang="ko-KR" sz="1400" spc="-150" dirty="0">
+                <a:latin typeface="+mn-ea"/>
+              </a:rPr>
+              <a:t>)</a:t>
+            </a:r>
+            <a:endParaRPr kumimoji="1" lang="en-US" altLang="ko-Kore-KR" sz="1400" dirty="0">
+              <a:latin typeface="+mn-ea"/>
+            </a:endParaRPr>
+          </a:p>
+        </p:txBody>
+      </p:sp>
+      <p:pic>
+        <p:nvPicPr>
+          <p:cNvPr id="2" name="그림 1">
+            <a:extLst>
+              <a:ext uri="{FF2B5EF4-FFF2-40B4-BE49-F238E27FC236}">
+                <a16:creationId xmlns:a16="http://schemas.microsoft.com/office/drawing/2014/main" id="{E9C10CE5-0816-666A-4B42-39BCBF2D512D}"/>
+              </a:ext>
+            </a:extLst>
+          </p:cNvPr>
+          <p:cNvPicPr>
+            <a:picLocks noChangeAspect="1"/>
+          </p:cNvPicPr>
+          <p:nvPr/>
+        </p:nvPicPr>
+        <p:blipFill>
+          <a:blip r:embed="rId6">
+            <a:extLst>
+              <a:ext uri="{28A0092B-C50C-407E-A947-70E740481C1C}">
+                <a14:useLocalDpi xmlns:a14="http://schemas.microsoft.com/office/drawing/2010/main" val="0"/>
+              </a:ext>
+            </a:extLst>
+          </a:blip>
+          <a:stretch>
+            <a:fillRect/>
+          </a:stretch>
+        </p:blipFill>
+        <p:spPr>
+          <a:xfrm>
+            <a:off x="8904736" y="1602240"/>
+            <a:ext cx="2364027" cy="4202716"/>
+          </a:xfrm>
+          <a:prstGeom prst="rect">
+            <a:avLst/>
+          </a:prstGeom>
+          <a:ln w="19050">
+            <a:solidFill>
+              <a:schemeClr val="tx1"/>
+            </a:solidFill>
+          </a:ln>
+        </p:spPr>
+      </p:pic>
+      <p:sp>
+        <p:nvSpPr>
+          <p:cNvPr id="3" name="TextBox 2">
+            <a:extLst>
+              <a:ext uri="{FF2B5EF4-FFF2-40B4-BE49-F238E27FC236}">
+                <a16:creationId xmlns:a16="http://schemas.microsoft.com/office/drawing/2014/main" id="{23FB5C5E-2CC6-1D47-2666-99832A39BB8E}"/>
+              </a:ext>
+            </a:extLst>
+          </p:cNvPr>
+          <p:cNvSpPr txBox="1"/>
+          <p:nvPr/>
+        </p:nvSpPr>
+        <p:spPr>
+          <a:xfrm>
+            <a:off x="9189051" y="5821218"/>
+            <a:ext cx="1795395" cy="323165"/>
+          </a:xfrm>
+          <a:prstGeom prst="rect">
+            <a:avLst/>
+          </a:prstGeom>
+          <a:noFill/>
+        </p:spPr>
+        <p:txBody>
+          <a:bodyPr wrap="square" rtlCol="0">
+            <a:spAutoFit/>
+          </a:bodyPr>
+          <a:lstStyle/>
+          <a:p>
+            <a:pPr algn="ctr"/>
+            <a:r>
+              <a:rPr kumimoji="1" lang="ko-KR" altLang="en-US" sz="1500" dirty="0">
+                <a:latin typeface="+mn-ea"/>
+              </a:rPr>
+              <a:t>흰 옷 원본 이미지</a:t>
+            </a:r>
+            <a:endParaRPr kumimoji="1" lang="ko-Kore-KR" altLang="en-US" sz="1500" dirty="0">
+              <a:latin typeface="+mn-ea"/>
+            </a:endParaRPr>
+          </a:p>
+        </p:txBody>
+      </p:sp>
     </p:spTree>
     <p:extLst>
       <p:ext uri="{BB962C8B-B14F-4D97-AF65-F5344CB8AC3E}">
-        <p14:creationId xmlns:p14="http://schemas.microsoft.com/office/powerpoint/2010/main" val="3301146092"/>
+        <p14:creationId xmlns:p14="http://schemas.microsoft.com/office/powerpoint/2010/main" val="3948253520"/>
       </p:ext>
     </p:extLst>
   </p:cSld>
@@ -10013,8 +10890,8 @@
         </p:nvSpPr>
         <p:spPr>
           <a:xfrm>
-            <a:off x="435973" y="1611524"/>
-            <a:ext cx="7584905" cy="2003551"/>
+            <a:off x="560352" y="2483586"/>
+            <a:ext cx="7390871" cy="1890823"/>
           </a:xfrm>
           <a:prstGeom prst="rect">
             <a:avLst/>
@@ -10055,13 +10932,27 @@
                 <a:latin typeface="+mn-ea"/>
                 <a:ea typeface="+mn-ea"/>
               </a:rPr>
-              <a:t>처음보단 많이 좋아졌지만 아직 여백이 있는 걸 확인할 수 있습니다</a:t>
+              <a:t>다만 이미지가 제대로 </a:t>
             </a:r>
             <a:r>
               <a:rPr lang="en-US" altLang="ko-KR" sz="1900" spc="-150" dirty="0">
                 <a:latin typeface="+mn-ea"/>
                 <a:ea typeface="+mn-ea"/>
               </a:rPr>
+              <a:t>crop</a:t>
+            </a:r>
+            <a:r>
+              <a:rPr lang="ko-KR" altLang="en-US" sz="1900" spc="-150" dirty="0">
+                <a:latin typeface="+mn-ea"/>
+                <a:ea typeface="+mn-ea"/>
+              </a:rPr>
+              <a:t> 되지 않은 것을 확인할 수 있습니다</a:t>
+            </a:r>
+            <a:r>
+              <a:rPr lang="en-US" altLang="ko-KR" sz="1900" spc="-150" dirty="0">
+                <a:latin typeface="+mn-ea"/>
+                <a:ea typeface="+mn-ea"/>
+              </a:rPr>
               <a:t>.</a:t>
             </a:r>
           </a:p>
@@ -10072,6 +10963,13 @@
               </a:lnSpc>
               <a:defRPr/>
             </a:pPr>
+            <a:r>
+              <a:rPr lang="ko-KR" altLang="en-US" sz="1900" spc="-150" dirty="0">
+                <a:latin typeface="+mn-ea"/>
+                <a:ea typeface="+mn-ea"/>
+              </a:rPr>
+              <a:t>이미지를 확인해보니 노이즈가 많아 </a:t>
+            </a:r>
             <a:endParaRPr lang="en-US" altLang="ko-KR" sz="1900" spc="-150" dirty="0">
               <a:latin typeface="+mn-ea"/>
               <a:ea typeface="+mn-ea"/>
@@ -10089,22 +10987,23 @@
                 <a:latin typeface="+mn-ea"/>
                 <a:ea typeface="+mn-ea"/>
               </a:rPr>
-              <a:t>노이즈의 형태를 보니 소금 </a:t>
+              <a:t>경계 값을 제대로 도출하지 못한 것으로 보입니다</a:t>
             </a:r>
             <a:r>
               <a:rPr lang="en-US" altLang="ko-KR" sz="1900" spc="-150" dirty="0">
                 <a:latin typeface="+mn-ea"/>
                 <a:ea typeface="+mn-ea"/>
               </a:rPr>
-              <a:t>&amp;</a:t>
-            </a:r>
-            <a:r>
-              <a:rPr lang="ko-KR" altLang="en-US" sz="1900" spc="-150" dirty="0">
-                <a:latin typeface="+mn-ea"/>
-                <a:ea typeface="+mn-ea"/>
-              </a:rPr>
-              <a:t> 후추 노이즈와 비슷하여</a:t>
-            </a:r>
+              <a:t>.</a:t>
+            </a:r>
+          </a:p>
+          <a:p>
+            <a:pPr>
+              <a:lnSpc>
+                <a:spcPct val="120000"/>
+              </a:lnSpc>
+              <a:defRPr/>
+            </a:pPr>
             <a:endParaRPr lang="en-US" altLang="ko-KR" sz="1900" spc="-150" dirty="0">
               <a:latin typeface="+mn-ea"/>
               <a:ea typeface="+mn-ea"/>
@@ -10118,122 +11017,85 @@
               <a:defRPr/>
             </a:pPr>
             <a:r>
+              <a:rPr lang="ko-KR" altLang="en-US" sz="1900" spc="-150" dirty="0">
+                <a:latin typeface="+mn-ea"/>
+                <a:ea typeface="+mn-ea"/>
+              </a:rPr>
+              <a:t>그래서 이미지의 노이즈를 줄이는 방법을 생각해보게 되었습니다</a:t>
+            </a:r>
+            <a:r>
               <a:rPr lang="en-US" altLang="ko-KR" sz="1900" spc="-150" dirty="0">
                 <a:latin typeface="+mn-ea"/>
                 <a:ea typeface="+mn-ea"/>
               </a:rPr>
-              <a:t>Median Blur </a:t>
-            </a:r>
-            <a:r>
-              <a:rPr lang="ko-KR" altLang="en-US" sz="1900" spc="-150" dirty="0">
-                <a:latin typeface="+mn-ea"/>
-                <a:ea typeface="+mn-ea"/>
-              </a:rPr>
-              <a:t>함수를 사용하여 </a:t>
-            </a:r>
-            <a:r>
-              <a:rPr lang="en-US" altLang="ko-KR" sz="1900" spc="-150" dirty="0">
-                <a:latin typeface="+mn-ea"/>
-                <a:ea typeface="+mn-ea"/>
-              </a:rPr>
-              <a:t>Blur</a:t>
-            </a:r>
-            <a:r>
-              <a:rPr lang="ko-KR" altLang="en-US" sz="1900" spc="-150" dirty="0">
-                <a:latin typeface="+mn-ea"/>
-                <a:ea typeface="+mn-ea"/>
-              </a:rPr>
-              <a:t> 처리를 하게 하였습니다</a:t>
-            </a:r>
-            <a:r>
-              <a:rPr lang="en-US" altLang="ko-KR" sz="1900" spc="-150" dirty="0">
-                <a:latin typeface="+mn-ea"/>
-                <a:ea typeface="+mn-ea"/>
-              </a:rPr>
               <a:t>.</a:t>
             </a:r>
           </a:p>
-          <a:p>
-            <a:pPr>
-              <a:lnSpc>
-                <a:spcPct val="120000"/>
-              </a:lnSpc>
-              <a:defRPr/>
-            </a:pPr>
-            <a:endParaRPr lang="en-US" altLang="ko-KR" sz="1900" spc="-150" dirty="0">
+        </p:txBody>
+      </p:sp>
+      <p:sp>
+        <p:nvSpPr>
+          <p:cNvPr id="9" name="제목 38">
+            <a:extLst>
+              <a:ext uri="{FF2B5EF4-FFF2-40B4-BE49-F238E27FC236}">
+                <a16:creationId xmlns:a16="http://schemas.microsoft.com/office/drawing/2014/main" id="{17C34476-D9F6-9005-524F-E315A8266863}"/>
+              </a:ext>
+            </a:extLst>
+          </p:cNvPr>
+          <p:cNvSpPr txBox="1">
+            <a:spLocks/>
+          </p:cNvSpPr>
+          <p:nvPr/>
+        </p:nvSpPr>
+        <p:spPr>
+          <a:xfrm>
+            <a:off x="560352" y="4351178"/>
+            <a:ext cx="1410215" cy="445258"/>
+          </a:xfrm>
+          <a:prstGeom prst="rect">
+            <a:avLst/>
+          </a:prstGeom>
+        </p:spPr>
+        <p:txBody>
+          <a:bodyPr vert="horz" lIns="112542" tIns="56271" rIns="112542" bIns="56271" rtlCol="0" anchor="t">
+            <a:noAutofit/>
+          </a:bodyPr>
+          <a:lstStyle>
+            <a:lvl1pPr algn="l" defTabSz="914400" rtl="0" eaLnBrk="1" latinLnBrk="1" hangingPunct="1">
+              <a:lnSpc>
+                <a:spcPct val="90000"/>
+              </a:lnSpc>
+              <a:spcBef>
+                <a:spcPct val="0"/>
+              </a:spcBef>
+              <a:buNone/>
+              <a:defRPr sz="4400" kern="1200">
+                <a:solidFill>
+                  <a:schemeClr val="tx1"/>
+                </a:solidFill>
+                <a:latin typeface="+mj-lt"/>
+                <a:ea typeface="+mj-ea"/>
+                <a:cs typeface="+mj-cs"/>
+              </a:defRPr>
+            </a:lvl1pPr>
+          </a:lstStyle>
+          <a:p>
+            <a:pPr>
+              <a:defRPr/>
+            </a:pPr>
+            <a:endParaRPr lang="en-US" altLang="ko-KR" sz="2100" spc="-185" dirty="0">
               <a:latin typeface="+mn-ea"/>
               <a:ea typeface="+mn-ea"/>
             </a:endParaRPr>
           </a:p>
-          <a:p>
-            <a:pPr>
-              <a:lnSpc>
-                <a:spcPct val="120000"/>
-              </a:lnSpc>
-              <a:defRPr/>
-            </a:pPr>
-            <a:r>
-              <a:rPr lang="ko-KR" altLang="en-US" sz="1900" spc="-150" dirty="0">
-                <a:latin typeface="+mn-ea"/>
-                <a:ea typeface="+mn-ea"/>
-              </a:rPr>
-              <a:t>결과를 보니</a:t>
-            </a:r>
-            <a:r>
-              <a:rPr lang="en-US" altLang="ko-KR" sz="1900" spc="-150" dirty="0">
-                <a:latin typeface="+mn-ea"/>
-                <a:ea typeface="+mn-ea"/>
-              </a:rPr>
-              <a:t>,</a:t>
-            </a:r>
-            <a:r>
-              <a:rPr lang="ko-KR" altLang="en-US" sz="1900" spc="-150" dirty="0">
-                <a:latin typeface="+mn-ea"/>
-                <a:ea typeface="+mn-ea"/>
-              </a:rPr>
-              <a:t> 옷만 </a:t>
-            </a:r>
-            <a:r>
-              <a:rPr lang="en-US" altLang="ko-KR" sz="1900" spc="-150" dirty="0">
-                <a:latin typeface="+mn-ea"/>
-                <a:ea typeface="+mn-ea"/>
-              </a:rPr>
-              <a:t>Crop </a:t>
-            </a:r>
-            <a:r>
-              <a:rPr lang="ko-KR" altLang="en-US" sz="1900" spc="-150" dirty="0">
-                <a:latin typeface="+mn-ea"/>
-                <a:ea typeface="+mn-ea"/>
-              </a:rPr>
-              <a:t>된 것을 확인할 수 있습니다</a:t>
-            </a:r>
-            <a:r>
-              <a:rPr lang="en-US" altLang="ko-KR" sz="1900" spc="-150" dirty="0">
-                <a:latin typeface="+mn-ea"/>
-                <a:ea typeface="+mn-ea"/>
-              </a:rPr>
-              <a:t>.</a:t>
-            </a:r>
-            <a:r>
-              <a:rPr lang="ko-KR" altLang="en-US" sz="1900" spc="-150" dirty="0">
-                <a:latin typeface="+mn-ea"/>
-                <a:ea typeface="+mn-ea"/>
-              </a:rPr>
-              <a:t> </a:t>
-            </a:r>
-            <a:endParaRPr lang="en-US" altLang="ko-KR" sz="1900" spc="-150" dirty="0">
-              <a:latin typeface="+mn-ea"/>
-              <a:ea typeface="+mn-ea"/>
-            </a:endParaRPr>
-          </a:p>
         </p:txBody>
       </p:sp>
       <p:pic>
         <p:nvPicPr>
-          <p:cNvPr id="3" name="그림 2" descr="텍스트이(가) 표시된 사진&#10;&#10;자동 생성된 설명">
+          <p:cNvPr id="16" name="그림 15" descr="텍스트이(가) 표시된 사진&#10;&#10;자동 생성된 설명">
             <a:extLst>
               <a:ext uri="{FF2B5EF4-FFF2-40B4-BE49-F238E27FC236}">
-                <a16:creationId xmlns:a16="http://schemas.microsoft.com/office/drawing/2014/main" id="{7931AA1A-24A1-0E51-3D4F-55486F16BF04}"/>
+                <a16:creationId xmlns:a16="http://schemas.microsoft.com/office/drawing/2014/main" id="{EB94D70A-772B-F512-0CC5-C74B0A541842}"/>
               </a:ext>
             </a:extLst>
           </p:cNvPr>
@@ -10250,154 +11112,25 @@
               </a:ext>
             </a:extLst>
           </a:blip>
-          <a:srcRect t="75349" r="59869"/>
+          <a:srcRect t="73870" r="72973"/>
           <a:stretch/>
         </p:blipFill>
         <p:spPr>
           <a:xfrm>
-            <a:off x="671439" y="4097602"/>
-            <a:ext cx="2093165" cy="1918282"/>
+            <a:off x="7745961" y="2400565"/>
+            <a:ext cx="1837537" cy="2395871"/>
           </a:xfrm>
           <a:prstGeom prst="rect">
             <a:avLst/>
           </a:prstGeom>
         </p:spPr>
       </p:pic>
-      <p:sp>
-        <p:nvSpPr>
-          <p:cNvPr id="2" name="TextBox 1">
+      <p:pic>
+        <p:nvPicPr>
+          <p:cNvPr id="3" name="그림 2" descr="텍스트, 밤하늘이(가) 표시된 사진&#10;&#10;자동 생성된 설명">
             <a:extLst>
               <a:ext uri="{FF2B5EF4-FFF2-40B4-BE49-F238E27FC236}">
-                <a16:creationId xmlns:a16="http://schemas.microsoft.com/office/drawing/2014/main" id="{7E186F57-6B03-B468-D1EE-C9F5C778B93A}"/>
-              </a:ext>
-            </a:extLst>
-          </p:cNvPr>
-          <p:cNvSpPr txBox="1"/>
-          <p:nvPr/>
-        </p:nvSpPr>
-        <p:spPr>
-          <a:xfrm>
-            <a:off x="1012913" y="6122886"/>
-            <a:ext cx="1410215" cy="323165"/>
-          </a:xfrm>
-          <a:prstGeom prst="rect">
-            <a:avLst/>
-          </a:prstGeom>
-          <a:noFill/>
-        </p:spPr>
-        <p:txBody>
-          <a:bodyPr wrap="square" rtlCol="0">
-            <a:spAutoFit/>
-          </a:bodyPr>
-          <a:lstStyle/>
-          <a:p>
-            <a:pPr algn="ctr"/>
-            <a:r>
-              <a:rPr kumimoji="1" lang="ko-Kore-KR" altLang="en-US" sz="1500" dirty="0">
-                <a:latin typeface="+mn-ea"/>
-              </a:rPr>
-              <a:t>블러</a:t>
-            </a:r>
-            <a:r>
-              <a:rPr kumimoji="1" lang="ko-KR" altLang="en-US" sz="1500" dirty="0">
-                <a:latin typeface="+mn-ea"/>
-              </a:rPr>
-              <a:t> 처리 전</a:t>
-            </a:r>
-            <a:endParaRPr kumimoji="1" lang="ko-Kore-KR" altLang="en-US" sz="1500" dirty="0">
-              <a:latin typeface="+mn-ea"/>
-            </a:endParaRPr>
-          </a:p>
-        </p:txBody>
-      </p:sp>
-      <p:pic>
-        <p:nvPicPr>
-          <p:cNvPr id="8" name="그림 7" descr="텍스트이(가) 표시된 사진&#10;&#10;자동 생성된 설명">
-            <a:extLst>
-              <a:ext uri="{FF2B5EF4-FFF2-40B4-BE49-F238E27FC236}">
-                <a16:creationId xmlns:a16="http://schemas.microsoft.com/office/drawing/2014/main" id="{BCF0E9DD-A7C0-44FA-357C-7DC8CE9E64DA}"/>
-              </a:ext>
-            </a:extLst>
-          </p:cNvPr>
-          <p:cNvPicPr>
-            <a:picLocks noChangeAspect="1"/>
-          </p:cNvPicPr>
-          <p:nvPr/>
-        </p:nvPicPr>
-        <p:blipFill rotWithShape="1">
-          <a:blip r:embed="rId4">
-            <a:extLst>
-              <a:ext uri="{28A0092B-C50C-407E-A947-70E740481C1C}">
-                <a14:useLocalDpi xmlns:a14="http://schemas.microsoft.com/office/drawing/2010/main" val="0"/>
-              </a:ext>
-            </a:extLst>
-          </a:blip>
-          <a:srcRect t="76692" r="62783" b="321"/>
-          <a:stretch/>
-        </p:blipFill>
-        <p:spPr>
-          <a:xfrm>
-            <a:off x="3472439" y="4097603"/>
-            <a:ext cx="2034159" cy="1918282"/>
-          </a:xfrm>
-          <a:prstGeom prst="rect">
-            <a:avLst/>
-          </a:prstGeom>
-        </p:spPr>
-      </p:pic>
-      <p:sp>
-        <p:nvSpPr>
-          <p:cNvPr id="10" name="TextBox 9">
-            <a:extLst>
-              <a:ext uri="{FF2B5EF4-FFF2-40B4-BE49-F238E27FC236}">
-                <a16:creationId xmlns:a16="http://schemas.microsoft.com/office/drawing/2014/main" id="{5C0B1878-20E2-1B89-E580-5D832AC7117D}"/>
-              </a:ext>
-            </a:extLst>
-          </p:cNvPr>
-          <p:cNvSpPr txBox="1"/>
-          <p:nvPr/>
-        </p:nvSpPr>
-        <p:spPr>
-          <a:xfrm>
-            <a:off x="3777379" y="6122886"/>
-            <a:ext cx="1410215" cy="323165"/>
-          </a:xfrm>
-          <a:prstGeom prst="rect">
-            <a:avLst/>
-          </a:prstGeom>
-          <a:noFill/>
-        </p:spPr>
-        <p:txBody>
-          <a:bodyPr wrap="square" rtlCol="0">
-            <a:spAutoFit/>
-          </a:bodyPr>
-          <a:lstStyle/>
-          <a:p>
-            <a:pPr algn="ctr"/>
-            <a:r>
-              <a:rPr kumimoji="1" lang="ko-Kore-KR" altLang="en-US" sz="1500" dirty="0">
-                <a:latin typeface="+mn-ea"/>
-              </a:rPr>
-              <a:t>블러</a:t>
-            </a:r>
-            <a:r>
-              <a:rPr kumimoji="1" lang="ko-KR" altLang="en-US" sz="1500" dirty="0">
-                <a:latin typeface="+mn-ea"/>
-              </a:rPr>
-              <a:t> 처리 후</a:t>
-            </a:r>
-            <a:endParaRPr kumimoji="1" lang="ko-Kore-KR" altLang="en-US" sz="1500" dirty="0">
-              <a:latin typeface="+mn-ea"/>
-            </a:endParaRPr>
-          </a:p>
-        </p:txBody>
-      </p:sp>
-      <p:pic>
-        <p:nvPicPr>
-          <p:cNvPr id="12" name="그림 11">
-            <a:extLst>
-              <a:ext uri="{FF2B5EF4-FFF2-40B4-BE49-F238E27FC236}">
-                <a16:creationId xmlns:a16="http://schemas.microsoft.com/office/drawing/2014/main" id="{B1FADF85-8027-E373-D6BD-BDF32BD03BC0}"/>
+                <a16:creationId xmlns:a16="http://schemas.microsoft.com/office/drawing/2014/main" id="{2472CE69-6D05-2FE7-FD0C-E37BE1DEED7F}"/>
               </a:ext>
             </a:extLst>
           </p:cNvPr>
@@ -10407,7 +11140,7 @@
           <p:nvPr/>
         </p:nvPicPr>
         <p:blipFill>
-          <a:blip r:embed="rId5">
+          <a:blip r:embed="rId4">
             <a:extLst>
               <a:ext uri="{28A0092B-C50C-407E-A947-70E740481C1C}">
                 <a14:useLocalDpi xmlns:a14="http://schemas.microsoft.com/office/drawing/2010/main" val="0"/>
@@ -10420,64 +11153,18 @@
         </p:blipFill>
         <p:spPr>
           <a:xfrm>
-            <a:off x="8567320" y="1611524"/>
-            <a:ext cx="2364027" cy="4202716"/>
+            <a:off x="9956504" y="2400565"/>
+            <a:ext cx="1533720" cy="2395871"/>
           </a:xfrm>
           <a:prstGeom prst="rect">
             <a:avLst/>
           </a:prstGeom>
-          <a:ln w="19050">
-            <a:solidFill>
-              <a:schemeClr val="tx1"/>
-            </a:solidFill>
-          </a:ln>
         </p:spPr>
       </p:pic>
-      <p:sp>
-        <p:nvSpPr>
-          <p:cNvPr id="13" name="TextBox 12">
-            <a:extLst>
-              <a:ext uri="{FF2B5EF4-FFF2-40B4-BE49-F238E27FC236}">
-                <a16:creationId xmlns:a16="http://schemas.microsoft.com/office/drawing/2014/main" id="{7FB0B9D1-B55B-C930-1D32-2DE39CF2940A}"/>
-              </a:ext>
-            </a:extLst>
-          </p:cNvPr>
-          <p:cNvSpPr txBox="1"/>
-          <p:nvPr/>
-        </p:nvSpPr>
-        <p:spPr>
-          <a:xfrm>
-            <a:off x="9044225" y="5830108"/>
-            <a:ext cx="1410215" cy="323165"/>
-          </a:xfrm>
-          <a:prstGeom prst="rect">
-            <a:avLst/>
-          </a:prstGeom>
-          <a:noFill/>
-        </p:spPr>
-        <p:txBody>
-          <a:bodyPr wrap="square" rtlCol="0">
-            <a:spAutoFit/>
-          </a:bodyPr>
-          <a:lstStyle/>
-          <a:p>
-            <a:pPr algn="ctr"/>
-            <a:r>
-              <a:rPr kumimoji="1" lang="ko-KR" altLang="en-US" sz="1500" dirty="0">
-                <a:latin typeface="+mn-ea"/>
-              </a:rPr>
-              <a:t>원본 이미지</a:t>
-            </a:r>
-            <a:endParaRPr kumimoji="1" lang="ko-Kore-KR" altLang="en-US" sz="1500" dirty="0">
-              <a:latin typeface="+mn-ea"/>
-            </a:endParaRPr>
-          </a:p>
-        </p:txBody>
-      </p:sp>
     </p:spTree>
     <p:extLst>
       <p:ext uri="{BB962C8B-B14F-4D97-AF65-F5344CB8AC3E}">
-        <p14:creationId xmlns:p14="http://schemas.microsoft.com/office/powerpoint/2010/main" val="90834249"/>
+        <p14:creationId xmlns:p14="http://schemas.microsoft.com/office/powerpoint/2010/main" val="4281881407"/>
       </p:ext>
     </p:extLst>
   </p:cSld>

--- a/춘식이 발표자료.pptx
+++ b/춘식이 발표자료.pptx
@@ -8,23 +8,21 @@
     <p:sldId id="256" r:id="rId2"/>
     <p:sldId id="257" r:id="rId3"/>
     <p:sldId id="279" r:id="rId4"/>
-    <p:sldId id="282" r:id="rId5"/>
-    <p:sldId id="281" r:id="rId6"/>
-    <p:sldId id="284" r:id="rId7"/>
-    <p:sldId id="260" r:id="rId8"/>
-    <p:sldId id="271" r:id="rId9"/>
-    <p:sldId id="272" r:id="rId10"/>
-    <p:sldId id="273" r:id="rId11"/>
-    <p:sldId id="274" r:id="rId12"/>
-    <p:sldId id="280" r:id="rId13"/>
-    <p:sldId id="285" r:id="rId14"/>
-    <p:sldId id="268" r:id="rId15"/>
-    <p:sldId id="259" r:id="rId16"/>
-    <p:sldId id="269" r:id="rId17"/>
-    <p:sldId id="278" r:id="rId18"/>
-    <p:sldId id="270" r:id="rId19"/>
-    <p:sldId id="276" r:id="rId20"/>
-    <p:sldId id="258" r:id="rId21"/>
+    <p:sldId id="281" r:id="rId5"/>
+    <p:sldId id="260" r:id="rId6"/>
+    <p:sldId id="271" r:id="rId7"/>
+    <p:sldId id="272" r:id="rId8"/>
+    <p:sldId id="273" r:id="rId9"/>
+    <p:sldId id="274" r:id="rId10"/>
+    <p:sldId id="280" r:id="rId11"/>
+    <p:sldId id="285" r:id="rId12"/>
+    <p:sldId id="268" r:id="rId13"/>
+    <p:sldId id="259" r:id="rId14"/>
+    <p:sldId id="269" r:id="rId15"/>
+    <p:sldId id="278" r:id="rId16"/>
+    <p:sldId id="270" r:id="rId17"/>
+    <p:sldId id="276" r:id="rId18"/>
+    <p:sldId id="258" r:id="rId19"/>
   </p:sldIdLst>
   <p:sldSz cx="12192000" cy="6858000"/>
   <p:notesSz cx="9926638" cy="6797675"/>
@@ -3226,8 +3224,8 @@
         </p:nvSpPr>
         <p:spPr>
           <a:xfrm>
-            <a:off x="342288" y="1774547"/>
-            <a:ext cx="11393019" cy="4045006"/>
+            <a:off x="435973" y="1611524"/>
+            <a:ext cx="7584905" cy="2003551"/>
           </a:xfrm>
           <a:prstGeom prst="rect">
             <a:avLst/>
@@ -3268,27 +3266,13 @@
                 <a:latin typeface="+mn-ea"/>
                 <a:ea typeface="+mn-ea"/>
               </a:rPr>
-              <a:t>처음은 </a:t>
+              <a:t>처음보단 많이 좋아졌지만 아직 여백이 있는 걸 확인할 수 있습니다</a:t>
             </a:r>
             <a:r>
               <a:rPr lang="en-US" altLang="ko-KR" sz="1900" spc="-150" dirty="0">
                 <a:latin typeface="+mn-ea"/>
                 <a:ea typeface="+mn-ea"/>
               </a:rPr>
-              <a:t>Morphology</a:t>
-            </a:r>
-            <a:r>
-              <a:rPr lang="ko-KR" altLang="en-US" sz="1900" spc="-150" dirty="0">
-                <a:latin typeface="+mn-ea"/>
-                <a:ea typeface="+mn-ea"/>
-              </a:rPr>
-              <a:t> 연산으로 시작했습니다</a:t>
-            </a:r>
-            <a:r>
-              <a:rPr lang="en-US" altLang="ko-KR" sz="1900" spc="-150" dirty="0">
-                <a:latin typeface="+mn-ea"/>
-                <a:ea typeface="+mn-ea"/>
-              </a:rPr>
               <a:t>.</a:t>
             </a:r>
           </a:p>
@@ -3299,62 +3283,6 @@
               </a:lnSpc>
               <a:defRPr/>
             </a:pPr>
-            <a:r>
-              <a:rPr lang="en-US" altLang="ko-KR" sz="1900" spc="-150" dirty="0">
-                <a:latin typeface="+mn-ea"/>
-                <a:ea typeface="+mn-ea"/>
-              </a:rPr>
-              <a:t>Morphology </a:t>
-            </a:r>
-            <a:r>
-              <a:rPr lang="ko-KR" altLang="en-US" sz="1900" spc="-150" dirty="0">
-                <a:latin typeface="+mn-ea"/>
-                <a:ea typeface="+mn-ea"/>
-              </a:rPr>
-              <a:t>연산이란 </a:t>
-            </a:r>
-            <a:r>
-              <a:rPr lang="en-US" altLang="ko-KR" sz="1900" spc="-150" dirty="0">
-                <a:latin typeface="+mn-ea"/>
-                <a:ea typeface="+mn-ea"/>
-              </a:rPr>
-              <a:t>‘</a:t>
-            </a:r>
-            <a:r>
-              <a:rPr lang="ko-KR" altLang="en-US" sz="1900" spc="-150" dirty="0">
-                <a:latin typeface="+mn-ea"/>
-                <a:ea typeface="+mn-ea"/>
-              </a:rPr>
-              <a:t>형태학</a:t>
-            </a:r>
-            <a:r>
-              <a:rPr lang="en-US" altLang="ko-KR" sz="1900" spc="-150" dirty="0">
-                <a:latin typeface="+mn-ea"/>
-                <a:ea typeface="+mn-ea"/>
-              </a:rPr>
-              <a:t>’</a:t>
-            </a:r>
-            <a:r>
-              <a:rPr lang="ko-KR" altLang="en-US" sz="1900" spc="-150" dirty="0">
-                <a:latin typeface="+mn-ea"/>
-                <a:ea typeface="+mn-ea"/>
-              </a:rPr>
-              <a:t> 이라는 뜻인데</a:t>
-            </a:r>
-            <a:r>
-              <a:rPr lang="en-US" altLang="ko-KR" sz="1900" spc="-150" dirty="0">
-                <a:latin typeface="+mn-ea"/>
-                <a:ea typeface="+mn-ea"/>
-              </a:rPr>
-              <a:t>,</a:t>
-            </a:r>
-            <a:r>
-              <a:rPr lang="ko-KR" altLang="en-US" sz="1900" spc="-150" dirty="0">
-                <a:latin typeface="+mn-ea"/>
-                <a:ea typeface="+mn-ea"/>
-              </a:rPr>
-              <a:t> </a:t>
-            </a:r>
             <a:endParaRPr lang="en-US" altLang="ko-KR" sz="1900" spc="-150" dirty="0">
               <a:latin typeface="+mn-ea"/>
               <a:ea typeface="+mn-ea"/>
@@ -3372,59 +3300,22 @@
                 <a:latin typeface="+mn-ea"/>
                 <a:ea typeface="+mn-ea"/>
               </a:rPr>
-              <a:t>사진</a:t>
+              <a:t>노이즈의 형태를 보니 소금 </a:t>
             </a:r>
             <a:r>
               <a:rPr lang="en-US" altLang="ko-KR" sz="1900" spc="-150" dirty="0">
                 <a:latin typeface="+mn-ea"/>
                 <a:ea typeface="+mn-ea"/>
               </a:rPr>
-              <a:t>,</a:t>
+              <a:t>&amp;</a:t>
             </a:r>
             <a:r>
               <a:rPr lang="ko-KR" altLang="en-US" sz="1900" spc="-150" dirty="0">
                 <a:latin typeface="+mn-ea"/>
                 <a:ea typeface="+mn-ea"/>
               </a:rPr>
-              <a:t> 영상 분야에서의 노이즈 제거 등에 쓰이는 형태학적 연산을 말합니다</a:t>
-            </a:r>
-            <a:r>
-              <a:rPr lang="en-US" altLang="ko-KR" sz="1900" spc="-150" dirty="0">
-                <a:latin typeface="+mn-ea"/>
-                <a:ea typeface="+mn-ea"/>
-              </a:rPr>
-              <a:t>. </a:t>
-            </a:r>
-          </a:p>
-          <a:p>
-            <a:pPr>
-              <a:lnSpc>
-                <a:spcPct val="120000"/>
-              </a:lnSpc>
-              <a:defRPr/>
-            </a:pPr>
-            <a:r>
-              <a:rPr lang="ko-KR" altLang="en-US" sz="1900" spc="-150" dirty="0">
-                <a:latin typeface="+mn-ea"/>
-                <a:ea typeface="+mn-ea"/>
-              </a:rPr>
-              <a:t>대표적인 연산으로는 침식 연산과 팽창 연산이 있습니다</a:t>
-            </a:r>
-            <a:r>
-              <a:rPr lang="en-US" altLang="ko-KR" sz="1900" spc="-150" dirty="0">
-                <a:latin typeface="+mn-ea"/>
-                <a:ea typeface="+mn-ea"/>
-              </a:rPr>
-              <a:t>.</a:t>
-            </a:r>
-          </a:p>
-          <a:p>
-            <a:pPr>
-              <a:lnSpc>
-                <a:spcPct val="120000"/>
-              </a:lnSpc>
-              <a:defRPr/>
-            </a:pPr>
+              <a:t> 후추 노이즈와 비슷하여</a:t>
+            </a:r>
             <a:endParaRPr lang="en-US" altLang="ko-KR" sz="1900" spc="-150" dirty="0">
               <a:latin typeface="+mn-ea"/>
               <a:ea typeface="+mn-ea"/>
@@ -3438,26 +3329,48 @@
               <a:defRPr/>
             </a:pPr>
             <a:r>
+              <a:rPr lang="en-US" altLang="ko-KR" sz="1900" spc="-150" dirty="0">
+                <a:latin typeface="+mn-ea"/>
+                <a:ea typeface="+mn-ea"/>
+              </a:rPr>
+              <a:t>Median Blur </a:t>
+            </a:r>
+            <a:r>
               <a:rPr lang="ko-KR" altLang="en-US" sz="1900" spc="-150" dirty="0">
                 <a:latin typeface="+mn-ea"/>
                 <a:ea typeface="+mn-ea"/>
               </a:rPr>
-              <a:t>침식은 말 그대로 이미지를 깎아 냅니다</a:t>
+              <a:t>함수를 사용하여 </a:t>
             </a:r>
             <a:r>
               <a:rPr lang="en-US" altLang="ko-KR" sz="1900" spc="-150" dirty="0">
                 <a:latin typeface="+mn-ea"/>
                 <a:ea typeface="+mn-ea"/>
               </a:rPr>
+              <a:t>Blur</a:t>
+            </a:r>
+            <a:r>
+              <a:rPr lang="ko-KR" altLang="en-US" sz="1900" spc="-150" dirty="0">
+                <a:latin typeface="+mn-ea"/>
+                <a:ea typeface="+mn-ea"/>
+              </a:rPr>
+              <a:t> 처리를 하게 하였습니다</a:t>
+            </a:r>
+            <a:r>
+              <a:rPr lang="en-US" altLang="ko-KR" sz="1900" spc="-150" dirty="0">
+                <a:latin typeface="+mn-ea"/>
+                <a:ea typeface="+mn-ea"/>
+              </a:rPr>
               <a:t>.</a:t>
             </a:r>
-            <a:r>
-              <a:rPr lang="ko-KR" altLang="en-US" sz="1900" spc="-150" dirty="0">
-                <a:latin typeface="+mn-ea"/>
-                <a:ea typeface="+mn-ea"/>
-              </a:rPr>
-              <a:t> </a:t>
-            </a:r>
+          </a:p>
+          <a:p>
+            <a:pPr>
+              <a:lnSpc>
+                <a:spcPct val="120000"/>
+              </a:lnSpc>
+              <a:defRPr/>
+            </a:pPr>
             <a:endParaRPr lang="en-US" altLang="ko-KR" sz="1900" spc="-150" dirty="0">
               <a:latin typeface="+mn-ea"/>
               <a:ea typeface="+mn-ea"/>
@@ -3475,223 +3388,227 @@
                 <a:latin typeface="+mn-ea"/>
                 <a:ea typeface="+mn-ea"/>
               </a:rPr>
-              <a:t>이미지를 </a:t>
+              <a:t>결과를 보니</a:t>
             </a:r>
             <a:r>
               <a:rPr lang="en-US" altLang="ko-KR" sz="1900" spc="-150" dirty="0">
                 <a:latin typeface="+mn-ea"/>
                 <a:ea typeface="+mn-ea"/>
               </a:rPr>
-              <a:t>0</a:t>
+              <a:t>,</a:t>
             </a:r>
             <a:r>
               <a:rPr lang="ko-KR" altLang="en-US" sz="1900" spc="-150" dirty="0">
                 <a:latin typeface="+mn-ea"/>
                 <a:ea typeface="+mn-ea"/>
               </a:rPr>
-              <a:t>과 </a:t>
+              <a:t> 옷만 </a:t>
             </a:r>
             <a:r>
               <a:rPr lang="en-US" altLang="ko-KR" sz="1900" spc="-150" dirty="0">
                 <a:latin typeface="+mn-ea"/>
                 <a:ea typeface="+mn-ea"/>
               </a:rPr>
-              <a:t>1</a:t>
+              <a:t>Crop </a:t>
             </a:r>
             <a:r>
               <a:rPr lang="ko-KR" altLang="en-US" sz="1900" spc="-150" dirty="0">
                 <a:latin typeface="+mn-ea"/>
                 <a:ea typeface="+mn-ea"/>
               </a:rPr>
-              <a:t>로 전환하고</a:t>
+              <a:t>된 것을 확인할 수 있습니다</a:t>
             </a:r>
             <a:r>
               <a:rPr lang="en-US" altLang="ko-KR" sz="1900" spc="-150" dirty="0">
                 <a:latin typeface="+mn-ea"/>
                 <a:ea typeface="+mn-ea"/>
               </a:rPr>
-              <a:t>,</a:t>
+              <a:t>.</a:t>
             </a:r>
             <a:r>
               <a:rPr lang="ko-KR" altLang="en-US" sz="1900" spc="-150" dirty="0">
                 <a:latin typeface="+mn-ea"/>
                 <a:ea typeface="+mn-ea"/>
               </a:rPr>
-              <a:t> 커널을 생성하여 </a:t>
+              <a:t> </a:t>
             </a:r>
             <a:endParaRPr lang="en-US" altLang="ko-KR" sz="1900" spc="-150" dirty="0">
               <a:latin typeface="+mn-ea"/>
               <a:ea typeface="+mn-ea"/>
             </a:endParaRPr>
           </a:p>
-          <a:p>
-            <a:pPr>
-              <a:lnSpc>
-                <a:spcPct val="120000"/>
-              </a:lnSpc>
-              <a:defRPr/>
-            </a:pPr>
-            <a:r>
-              <a:rPr lang="ko-KR" altLang="en-US" sz="1900" spc="-150" dirty="0">
-                <a:latin typeface="+mn-ea"/>
-                <a:ea typeface="+mn-ea"/>
-              </a:rPr>
-              <a:t>이 커널 안에 들어오지 못하는 이미지는 삭제해버리는 것입니다</a:t>
-            </a:r>
-            <a:r>
-              <a:rPr lang="en-US" altLang="ko-KR" sz="1900" spc="-150" dirty="0">
-                <a:latin typeface="+mn-ea"/>
-                <a:ea typeface="+mn-ea"/>
-              </a:rPr>
-              <a:t>.</a:t>
-            </a:r>
-            <a:r>
-              <a:rPr lang="ko-KR" altLang="en-US" sz="1900" spc="-150" dirty="0">
-                <a:latin typeface="+mn-ea"/>
-                <a:ea typeface="+mn-ea"/>
-              </a:rPr>
-              <a:t> </a:t>
-            </a:r>
-            <a:endParaRPr lang="en-US" altLang="ko-KR" sz="1900" spc="-150" dirty="0">
-              <a:latin typeface="+mn-ea"/>
-              <a:ea typeface="+mn-ea"/>
-            </a:endParaRPr>
-          </a:p>
-          <a:p>
-            <a:pPr>
-              <a:lnSpc>
-                <a:spcPct val="120000"/>
-              </a:lnSpc>
-              <a:defRPr/>
-            </a:pPr>
-            <a:endParaRPr lang="en-US" altLang="ko-KR" sz="1900" spc="-150" dirty="0">
-              <a:latin typeface="+mn-ea"/>
-              <a:ea typeface="+mn-ea"/>
-            </a:endParaRPr>
-          </a:p>
-          <a:p>
-            <a:pPr>
-              <a:lnSpc>
-                <a:spcPct val="120000"/>
-              </a:lnSpc>
-              <a:defRPr/>
-            </a:pPr>
-            <a:r>
-              <a:rPr lang="ko-KR" altLang="en-US" sz="1900" spc="-150" dirty="0">
-                <a:latin typeface="+mn-ea"/>
-                <a:ea typeface="+mn-ea"/>
-              </a:rPr>
-              <a:t>팽창은 침식의 반대입니다</a:t>
-            </a:r>
-            <a:r>
-              <a:rPr lang="en-US" altLang="ko-KR" sz="1900" spc="-150" dirty="0">
-                <a:latin typeface="+mn-ea"/>
-                <a:ea typeface="+mn-ea"/>
-              </a:rPr>
-              <a:t>.</a:t>
-            </a:r>
-          </a:p>
-          <a:p>
-            <a:pPr>
-              <a:lnSpc>
-                <a:spcPct val="120000"/>
-              </a:lnSpc>
-              <a:defRPr/>
-            </a:pPr>
-            <a:r>
-              <a:rPr lang="ko-KR" altLang="en-US" sz="1900" spc="-150" dirty="0">
-                <a:latin typeface="+mn-ea"/>
-                <a:ea typeface="+mn-ea"/>
-              </a:rPr>
-              <a:t>커널에 픽셀이 걸치기만 해도 </a:t>
-            </a:r>
-            <a:r>
-              <a:rPr lang="en-US" altLang="ko-KR" sz="1900" spc="-150" dirty="0">
-                <a:latin typeface="+mn-ea"/>
-                <a:ea typeface="+mn-ea"/>
-              </a:rPr>
-              <a:t>1</a:t>
-            </a:r>
-            <a:r>
-              <a:rPr lang="ko-KR" altLang="en-US" sz="1900" spc="-150" dirty="0">
-                <a:latin typeface="+mn-ea"/>
-                <a:ea typeface="+mn-ea"/>
-              </a:rPr>
-              <a:t>로 바꿔버리는 것입니다</a:t>
-            </a:r>
-            <a:r>
-              <a:rPr lang="en-US" altLang="ko-KR" sz="1900" spc="-150" dirty="0">
-                <a:latin typeface="+mn-ea"/>
-                <a:ea typeface="+mn-ea"/>
-              </a:rPr>
-              <a:t>.</a:t>
-            </a:r>
-          </a:p>
-        </p:txBody>
-      </p:sp>
-      <p:sp>
-        <p:nvSpPr>
-          <p:cNvPr id="9" name="제목 38">
+        </p:txBody>
+      </p:sp>
+      <p:pic>
+        <p:nvPicPr>
+          <p:cNvPr id="3" name="그림 2" descr="텍스트이(가) 표시된 사진&#10;&#10;자동 생성된 설명">
             <a:extLst>
               <a:ext uri="{FF2B5EF4-FFF2-40B4-BE49-F238E27FC236}">
-                <a16:creationId xmlns:a16="http://schemas.microsoft.com/office/drawing/2014/main" id="{17C34476-D9F6-9005-524F-E315A8266863}"/>
+                <a16:creationId xmlns:a16="http://schemas.microsoft.com/office/drawing/2014/main" id="{7931AA1A-24A1-0E51-3D4F-55486F16BF04}"/>
               </a:ext>
             </a:extLst>
           </p:cNvPr>
-          <p:cNvSpPr txBox="1">
-            <a:spLocks/>
-          </p:cNvSpPr>
+          <p:cNvPicPr>
+            <a:picLocks noChangeAspect="1"/>
+          </p:cNvPicPr>
           <p:nvPr/>
-        </p:nvSpPr>
-        <p:spPr>
-          <a:xfrm>
-            <a:off x="560352" y="4351178"/>
-            <a:ext cx="1410215" cy="445258"/>
+        </p:nvPicPr>
+        <p:blipFill rotWithShape="1">
+          <a:blip r:embed="rId3">
+            <a:extLst>
+              <a:ext uri="{28A0092B-C50C-407E-A947-70E740481C1C}">
+                <a14:useLocalDpi xmlns:a14="http://schemas.microsoft.com/office/drawing/2010/main" val="0"/>
+              </a:ext>
+            </a:extLst>
+          </a:blip>
+          <a:srcRect t="75349" r="59869"/>
+          <a:stretch/>
+        </p:blipFill>
+        <p:spPr>
+          <a:xfrm>
+            <a:off x="671439" y="4097602"/>
+            <a:ext cx="2093165" cy="1918282"/>
           </a:xfrm>
           <a:prstGeom prst="rect">
             <a:avLst/>
           </a:prstGeom>
         </p:spPr>
-        <p:txBody>
-          <a:bodyPr vert="horz" lIns="112542" tIns="56271" rIns="112542" bIns="56271" rtlCol="0" anchor="t">
-            <a:noAutofit/>
+      </p:pic>
+      <p:sp>
+        <p:nvSpPr>
+          <p:cNvPr id="2" name="TextBox 1">
+            <a:extLst>
+              <a:ext uri="{FF2B5EF4-FFF2-40B4-BE49-F238E27FC236}">
+                <a16:creationId xmlns:a16="http://schemas.microsoft.com/office/drawing/2014/main" id="{7E186F57-6B03-B468-D1EE-C9F5C778B93A}"/>
+              </a:ext>
+            </a:extLst>
+          </p:cNvPr>
+          <p:cNvSpPr txBox="1"/>
+          <p:nvPr/>
+        </p:nvSpPr>
+        <p:spPr>
+          <a:xfrm>
+            <a:off x="1012913" y="6122886"/>
+            <a:ext cx="1410215" cy="323165"/>
+          </a:xfrm>
+          <a:prstGeom prst="rect">
+            <a:avLst/>
+          </a:prstGeom>
+          <a:noFill/>
+        </p:spPr>
+        <p:txBody>
+          <a:bodyPr wrap="square" rtlCol="0">
+            <a:spAutoFit/>
           </a:bodyPr>
-          <a:lstStyle>
-            <a:lvl1pPr algn="l" defTabSz="914400" rtl="0" eaLnBrk="1" latinLnBrk="1" hangingPunct="1">
-              <a:lnSpc>
-                <a:spcPct val="90000"/>
-              </a:lnSpc>
-              <a:spcBef>
-                <a:spcPct val="0"/>
-              </a:spcBef>
-              <a:buNone/>
-              <a:defRPr sz="4400" kern="1200">
-                <a:solidFill>
-                  <a:schemeClr val="tx1"/>
-                </a:solidFill>
-                <a:latin typeface="+mj-lt"/>
-                <a:ea typeface="+mj-ea"/>
-                <a:cs typeface="+mj-cs"/>
-              </a:defRPr>
-            </a:lvl1pPr>
-          </a:lstStyle>
-          <a:p>
-            <a:pPr>
-              <a:defRPr/>
-            </a:pPr>
-            <a:endParaRPr lang="en-US" altLang="ko-KR" sz="2100" spc="-185" dirty="0">
+          <a:lstStyle/>
+          <a:p>
+            <a:pPr algn="ctr"/>
+            <a:r>
+              <a:rPr kumimoji="1" lang="ko-Kore-KR" altLang="en-US" sz="1500" dirty="0">
+                <a:latin typeface="+mn-ea"/>
+              </a:rPr>
+              <a:t>블러</a:t>
+            </a:r>
+            <a:r>
+              <a:rPr kumimoji="1" lang="ko-KR" altLang="en-US" sz="1500" dirty="0">
+                <a:latin typeface="+mn-ea"/>
+              </a:rPr>
+              <a:t> 처리 전</a:t>
+            </a:r>
+            <a:endParaRPr kumimoji="1" lang="ko-Kore-KR" altLang="en-US" sz="1500" dirty="0">
               <a:latin typeface="+mn-ea"/>
-              <a:ea typeface="+mn-ea"/>
             </a:endParaRPr>
           </a:p>
         </p:txBody>
       </p:sp>
       <p:pic>
         <p:nvPicPr>
-          <p:cNvPr id="2" name="그림 1">
+          <p:cNvPr id="8" name="그림 7" descr="텍스트이(가) 표시된 사진&#10;&#10;자동 생성된 설명">
             <a:extLst>
               <a:ext uri="{FF2B5EF4-FFF2-40B4-BE49-F238E27FC236}">
-                <a16:creationId xmlns:a16="http://schemas.microsoft.com/office/drawing/2014/main" id="{2DB420A4-13A3-FB89-E4EC-07B938218AFF}"/>
+                <a16:creationId xmlns:a16="http://schemas.microsoft.com/office/drawing/2014/main" id="{BCF0E9DD-A7C0-44FA-357C-7DC8CE9E64DA}"/>
+              </a:ext>
+            </a:extLst>
+          </p:cNvPr>
+          <p:cNvPicPr>
+            <a:picLocks noChangeAspect="1"/>
+          </p:cNvPicPr>
+          <p:nvPr/>
+        </p:nvPicPr>
+        <p:blipFill rotWithShape="1">
+          <a:blip r:embed="rId4">
+            <a:extLst>
+              <a:ext uri="{28A0092B-C50C-407E-A947-70E740481C1C}">
+                <a14:useLocalDpi xmlns:a14="http://schemas.microsoft.com/office/drawing/2010/main" val="0"/>
+              </a:ext>
+            </a:extLst>
+          </a:blip>
+          <a:srcRect t="76692" r="62783" b="321"/>
+          <a:stretch/>
+        </p:blipFill>
+        <p:spPr>
+          <a:xfrm>
+            <a:off x="3472439" y="4097603"/>
+            <a:ext cx="2034159" cy="1918282"/>
+          </a:xfrm>
+          <a:prstGeom prst="rect">
+            <a:avLst/>
+          </a:prstGeom>
+        </p:spPr>
+      </p:pic>
+      <p:sp>
+        <p:nvSpPr>
+          <p:cNvPr id="10" name="TextBox 9">
+            <a:extLst>
+              <a:ext uri="{FF2B5EF4-FFF2-40B4-BE49-F238E27FC236}">
+                <a16:creationId xmlns:a16="http://schemas.microsoft.com/office/drawing/2014/main" id="{5C0B1878-20E2-1B89-E580-5D832AC7117D}"/>
+              </a:ext>
+            </a:extLst>
+          </p:cNvPr>
+          <p:cNvSpPr txBox="1"/>
+          <p:nvPr/>
+        </p:nvSpPr>
+        <p:spPr>
+          <a:xfrm>
+            <a:off x="3777379" y="6122886"/>
+            <a:ext cx="1410215" cy="323165"/>
+          </a:xfrm>
+          <a:prstGeom prst="rect">
+            <a:avLst/>
+          </a:prstGeom>
+          <a:noFill/>
+        </p:spPr>
+        <p:txBody>
+          <a:bodyPr wrap="square" rtlCol="0">
+            <a:spAutoFit/>
+          </a:bodyPr>
+          <a:lstStyle/>
+          <a:p>
+            <a:pPr algn="ctr"/>
+            <a:r>
+              <a:rPr kumimoji="1" lang="ko-Kore-KR" altLang="en-US" sz="1500" dirty="0">
+                <a:latin typeface="+mn-ea"/>
+              </a:rPr>
+              <a:t>블러</a:t>
+            </a:r>
+            <a:r>
+              <a:rPr kumimoji="1" lang="ko-KR" altLang="en-US" sz="1500" dirty="0">
+                <a:latin typeface="+mn-ea"/>
+              </a:rPr>
+              <a:t> 처리 후</a:t>
+            </a:r>
+            <a:endParaRPr kumimoji="1" lang="ko-Kore-KR" altLang="en-US" sz="1500" dirty="0">
+              <a:latin typeface="+mn-ea"/>
+            </a:endParaRPr>
+          </a:p>
+        </p:txBody>
+      </p:sp>
+      <p:pic>
+        <p:nvPicPr>
+          <p:cNvPr id="12" name="그림 11">
+            <a:extLst>
+              <a:ext uri="{FF2B5EF4-FFF2-40B4-BE49-F238E27FC236}">
+                <a16:creationId xmlns:a16="http://schemas.microsoft.com/office/drawing/2014/main" id="{B1FADF85-8027-E373-D6BD-BDF32BD03BC0}"/>
               </a:ext>
             </a:extLst>
           </p:cNvPr>
@@ -3701,57 +3618,38 @@
           <p:nvPr/>
         </p:nvPicPr>
         <p:blipFill>
-          <a:blip r:embed="rId3"/>
+          <a:blip r:embed="rId5">
+            <a:extLst>
+              <a:ext uri="{28A0092B-C50C-407E-A947-70E740481C1C}">
+                <a14:useLocalDpi xmlns:a14="http://schemas.microsoft.com/office/drawing/2010/main" val="0"/>
+              </a:ext>
+            </a:extLst>
+          </a:blip>
           <a:stretch>
             <a:fillRect/>
           </a:stretch>
         </p:blipFill>
         <p:spPr>
           <a:xfrm>
-            <a:off x="7919210" y="1782622"/>
-            <a:ext cx="3930502" cy="1637709"/>
+            <a:off x="8567320" y="1611524"/>
+            <a:ext cx="2364027" cy="4202716"/>
           </a:xfrm>
           <a:prstGeom prst="rect">
             <a:avLst/>
           </a:prstGeom>
+          <a:ln w="19050">
+            <a:solidFill>
+              <a:schemeClr val="tx1"/>
+            </a:solidFill>
+          </a:ln>
         </p:spPr>
       </p:pic>
-      <p:pic>
-        <p:nvPicPr>
-          <p:cNvPr id="3" name="그림 2">
+      <p:sp>
+        <p:nvSpPr>
+          <p:cNvPr id="13" name="TextBox 12">
             <a:extLst>
               <a:ext uri="{FF2B5EF4-FFF2-40B4-BE49-F238E27FC236}">
-                <a16:creationId xmlns:a16="http://schemas.microsoft.com/office/drawing/2014/main" id="{DA2536F0-5A01-E771-928E-0D7B21FC77AD}"/>
-              </a:ext>
-            </a:extLst>
-          </p:cNvPr>
-          <p:cNvPicPr>
-            <a:picLocks noChangeAspect="1"/>
-          </p:cNvPicPr>
-          <p:nvPr/>
-        </p:nvPicPr>
-        <p:blipFill>
-          <a:blip r:embed="rId4"/>
-          <a:stretch>
-            <a:fillRect/>
-          </a:stretch>
-        </p:blipFill>
-        <p:spPr>
-          <a:xfrm>
-            <a:off x="7919210" y="3630130"/>
-            <a:ext cx="3930502" cy="1910661"/>
-          </a:xfrm>
-          <a:prstGeom prst="rect">
-            <a:avLst/>
-          </a:prstGeom>
-        </p:spPr>
-      </p:pic>
-      <p:sp>
-        <p:nvSpPr>
-          <p:cNvPr id="7" name="TextBox 6">
-            <a:extLst>
-              <a:ext uri="{FF2B5EF4-FFF2-40B4-BE49-F238E27FC236}">
-                <a16:creationId xmlns:a16="http://schemas.microsoft.com/office/drawing/2014/main" id="{CAF42717-1CC1-2B43-6034-ECB2ECD8C255}"/>
+                <a16:creationId xmlns:a16="http://schemas.microsoft.com/office/drawing/2014/main" id="{7FB0B9D1-B55B-C930-1D32-2DE39CF2940A}"/>
               </a:ext>
             </a:extLst>
           </p:cNvPr>
@@ -3760,8 +3658,8 @@
         </p:nvSpPr>
         <p:spPr>
           <a:xfrm>
-            <a:off x="9781953" y="5572450"/>
-            <a:ext cx="2067759" cy="215444"/>
+            <a:off x="9044225" y="5830108"/>
+            <a:ext cx="1410215" cy="323165"/>
           </a:xfrm>
           <a:prstGeom prst="rect">
             <a:avLst/>
@@ -3774,33 +3672,14 @@
           </a:bodyPr>
           <a:lstStyle/>
           <a:p>
-            <a:pPr algn="r"/>
-            <a:r>
-              <a:rPr kumimoji="1" lang="ko-KR" altLang="en-US" sz="800" dirty="0">
-                <a:latin typeface="+mn-ea"/>
-              </a:rPr>
-              <a:t>이미지 출처</a:t>
-            </a:r>
-            <a:r>
-              <a:rPr kumimoji="1" lang="en-US" altLang="ko-KR" sz="800" dirty="0">
-                <a:latin typeface="+mn-ea"/>
-              </a:rPr>
-              <a:t>:</a:t>
-            </a:r>
-            <a:r>
-              <a:rPr kumimoji="1" lang="ko-KR" altLang="en-US" sz="800" dirty="0">
-                <a:latin typeface="+mn-ea"/>
-              </a:rPr>
-              <a:t> </a:t>
-            </a:r>
-            <a:r>
-              <a:rPr kumimoji="1" lang="en" altLang="ko-Kore-KR" sz="800" dirty="0">
-                <a:latin typeface="+mn-ea"/>
-                <a:hlinkClick r:id="rId5"/>
-              </a:rPr>
-              <a:t>https://bkshin.tistory.com</a:t>
-            </a:r>
-            <a:endParaRPr kumimoji="1" lang="ko-Kore-KR" altLang="en-US" sz="800" dirty="0">
+            <a:pPr algn="ctr"/>
+            <a:r>
+              <a:rPr kumimoji="1" lang="ko-KR" altLang="en-US" sz="1500" dirty="0">
+                <a:latin typeface="+mn-ea"/>
+              </a:rPr>
+              <a:t>원본 이미지</a:t>
+            </a:r>
+            <a:endParaRPr kumimoji="1" lang="ko-Kore-KR" altLang="en-US" sz="1500" dirty="0">
               <a:latin typeface="+mn-ea"/>
             </a:endParaRPr>
           </a:p>
@@ -3809,7 +3688,7 @@
     </p:spTree>
     <p:extLst>
       <p:ext uri="{BB962C8B-B14F-4D97-AF65-F5344CB8AC3E}">
-        <p14:creationId xmlns:p14="http://schemas.microsoft.com/office/powerpoint/2010/main" val="1606198052"/>
+        <p14:creationId xmlns:p14="http://schemas.microsoft.com/office/powerpoint/2010/main" val="90834249"/>
       </p:ext>
     </p:extLst>
   </p:cSld>
@@ -3838,13 +3717,7 @@
       </p:grpSpPr>
       <p:pic>
         <p:nvPicPr>
-          <p:cNvPr id="4" name="그림 3">
-            <a:extLst>
-              <a:ext uri="{FF2B5EF4-FFF2-40B4-BE49-F238E27FC236}">
-                <a16:creationId xmlns:a16="http://schemas.microsoft.com/office/drawing/2014/main" id="{963A1BA7-4CC2-ACEF-0293-24C5AE9B9175}"/>
-              </a:ext>
-            </a:extLst>
-          </p:cNvPr>
+          <p:cNvPr id="2" name="그림 1"/>
           <p:cNvPicPr>
             <a:picLocks noChangeAspect="1"/>
           </p:cNvPicPr>
@@ -3874,13 +3747,7 @@
       </p:pic>
       <p:sp>
         <p:nvSpPr>
-          <p:cNvPr id="5" name="제목 38">
-            <a:extLst>
-              <a:ext uri="{FF2B5EF4-FFF2-40B4-BE49-F238E27FC236}">
-                <a16:creationId xmlns:a16="http://schemas.microsoft.com/office/drawing/2014/main" id="{D53157FE-2798-08EE-C8C3-6F7CF14ECA7D}"/>
-              </a:ext>
-            </a:extLst>
-          </p:cNvPr>
+          <p:cNvPr id="48" name="제목 38"/>
           <p:cNvSpPr>
             <a:spLocks noGrp="1"/>
           </p:cNvSpPr>
@@ -3907,20 +3774,14 @@
               <a:rPr lang="ko-KR" altLang="en-US" sz="4000" spc="-185" dirty="0">
                 <a:latin typeface="+mj-ea"/>
               </a:rPr>
-              <a:t>데이터 전처리 과정</a:t>
-            </a:r>
-          </a:p>
-        </p:txBody>
-      </p:sp>
-      <p:sp>
-        <p:nvSpPr>
-          <p:cNvPr id="6" name="제목 38">
-            <a:extLst>
-              <a:ext uri="{FF2B5EF4-FFF2-40B4-BE49-F238E27FC236}">
-                <a16:creationId xmlns:a16="http://schemas.microsoft.com/office/drawing/2014/main" id="{EB94A68A-D51D-255E-A650-BDDB84AC8884}"/>
-              </a:ext>
-            </a:extLst>
-          </p:cNvPr>
+              <a:t>최종 전처리 코드</a:t>
+            </a:r>
+          </a:p>
+        </p:txBody>
+      </p:sp>
+      <p:sp>
+        <p:nvSpPr>
+          <p:cNvPr id="13" name="제목 38"/>
           <p:cNvSpPr txBox="1">
             <a:spLocks/>
           </p:cNvSpPr>
@@ -3928,8 +3789,8 @@
         </p:nvSpPr>
         <p:spPr>
           <a:xfrm>
-            <a:off x="271404" y="1887965"/>
-            <a:ext cx="11393019" cy="3768556"/>
+            <a:off x="363552" y="1547727"/>
+            <a:ext cx="11393019" cy="445258"/>
           </a:xfrm>
           <a:prstGeom prst="rect">
             <a:avLst/>
@@ -3960,303 +3821,51 @@
           </a:lstStyle>
           <a:p>
             <a:pPr>
-              <a:lnSpc>
-                <a:spcPct val="120000"/>
-              </a:lnSpc>
-              <a:defRPr/>
-            </a:pPr>
-            <a:r>
-              <a:rPr lang="ko-KR" altLang="en-US" sz="1900" spc="-150" dirty="0">
-                <a:latin typeface="+mn-ea"/>
-                <a:ea typeface="+mn-ea"/>
-              </a:rPr>
-              <a:t>저희는 이미지의 노이즈를 제거하기 위해 닫힘 연산과 </a:t>
-            </a:r>
-            <a:r>
-              <a:rPr lang="en-US" altLang="ko-KR" sz="1900" spc="-150" dirty="0">
-                <a:latin typeface="+mn-ea"/>
-                <a:ea typeface="+mn-ea"/>
-              </a:rPr>
-              <a:t>Gradient</a:t>
-            </a:r>
-            <a:r>
-              <a:rPr lang="ko-KR" altLang="en-US" sz="1900" spc="-150" dirty="0">
-                <a:latin typeface="+mn-ea"/>
-                <a:ea typeface="+mn-ea"/>
-              </a:rPr>
-              <a:t> 연산을 사용하였습니다</a:t>
-            </a:r>
-            <a:r>
-              <a:rPr lang="en-US" altLang="ko-KR" sz="1900" spc="-150" dirty="0">
+              <a:defRPr/>
+            </a:pPr>
+            <a:r>
+              <a:rPr lang="en-US" altLang="ko-KR" sz="2100" spc="-185" dirty="0">
+                <a:latin typeface="+mn-ea"/>
+                <a:ea typeface="+mn-ea"/>
+              </a:rPr>
+              <a:t>2-1. </a:t>
+            </a:r>
+            <a:r>
+              <a:rPr lang="ko-KR" altLang="en-US" sz="2100" spc="-185" dirty="0">
+                <a:latin typeface="+mn-ea"/>
+                <a:ea typeface="+mn-ea"/>
+              </a:rPr>
+              <a:t>이미지 크기를 적절히 조절하거나</a:t>
+            </a:r>
+            <a:r>
+              <a:rPr lang="en-US" altLang="ko-KR" sz="2100" spc="-185" dirty="0">
+                <a:latin typeface="+mn-ea"/>
+                <a:ea typeface="+mn-ea"/>
+              </a:rPr>
+              <a:t>, </a:t>
+            </a:r>
+            <a:r>
+              <a:rPr lang="ko-KR" altLang="en-US" sz="2100" spc="-185" dirty="0">
+                <a:latin typeface="+mn-ea"/>
+                <a:ea typeface="+mn-ea"/>
+              </a:rPr>
+              <a:t>해상도를 조절하여 학습 데이터 셋을 </a:t>
+            </a:r>
+            <a:r>
+              <a:rPr lang="ko-KR" altLang="en-US" sz="2100" spc="-185" dirty="0" err="1">
+                <a:latin typeface="+mn-ea"/>
+                <a:ea typeface="+mn-ea"/>
+              </a:rPr>
+              <a:t>구축하시오</a:t>
+            </a:r>
+            <a:r>
+              <a:rPr lang="en-US" altLang="ko-KR" sz="2100" spc="-185" dirty="0">
                 <a:latin typeface="+mn-ea"/>
                 <a:ea typeface="+mn-ea"/>
               </a:rPr>
               <a:t>.</a:t>
             </a:r>
           </a:p>
-          <a:p>
-            <a:pPr>
-              <a:lnSpc>
-                <a:spcPct val="120000"/>
-              </a:lnSpc>
-              <a:defRPr/>
-            </a:pPr>
-            <a:endParaRPr lang="en-US" altLang="ko-KR" sz="1900" spc="-150" dirty="0">
-              <a:latin typeface="+mn-ea"/>
-              <a:ea typeface="+mn-ea"/>
-            </a:endParaRPr>
-          </a:p>
-          <a:p>
-            <a:pPr>
-              <a:lnSpc>
-                <a:spcPct val="120000"/>
-              </a:lnSpc>
-              <a:defRPr/>
-            </a:pPr>
-            <a:r>
-              <a:rPr lang="ko-KR" altLang="en-US" sz="1900" spc="-150" dirty="0">
-                <a:latin typeface="+mn-ea"/>
-                <a:ea typeface="+mn-ea"/>
-              </a:rPr>
-              <a:t>닫힘 연산은 팽창 연산 후 침식 연산을 적용하여 주변보다 어두운 노이즈를 제거하는데 효과적입니다</a:t>
-            </a:r>
-            <a:r>
-              <a:rPr lang="en-US" altLang="ko-KR" sz="1900" spc="-150" dirty="0">
-                <a:latin typeface="+mn-ea"/>
-                <a:ea typeface="+mn-ea"/>
-              </a:rPr>
-              <a:t>.</a:t>
-            </a:r>
-          </a:p>
-          <a:p>
-            <a:pPr>
-              <a:lnSpc>
-                <a:spcPct val="120000"/>
-              </a:lnSpc>
-              <a:defRPr/>
-            </a:pPr>
-            <a:endParaRPr lang="en-US" altLang="ko-KR" sz="1900" spc="-150" dirty="0">
-              <a:latin typeface="+mn-ea"/>
-              <a:ea typeface="+mn-ea"/>
-            </a:endParaRPr>
-          </a:p>
-          <a:p>
-            <a:pPr>
-              <a:lnSpc>
-                <a:spcPct val="120000"/>
-              </a:lnSpc>
-              <a:defRPr/>
-            </a:pPr>
-            <a:r>
-              <a:rPr lang="en-US" altLang="ko-KR" sz="1900" spc="-150" dirty="0">
-                <a:latin typeface="+mn-ea"/>
-                <a:ea typeface="+mn-ea"/>
-              </a:rPr>
-              <a:t>Gradient</a:t>
-            </a:r>
-            <a:r>
-              <a:rPr lang="ko-KR" altLang="en-US" sz="1900" spc="-150" dirty="0">
-                <a:latin typeface="+mn-ea"/>
-                <a:ea typeface="+mn-ea"/>
-              </a:rPr>
-              <a:t> 연산이란</a:t>
-            </a:r>
-            <a:endParaRPr lang="en-US" altLang="ko-KR" sz="1900" spc="-150" dirty="0">
-              <a:latin typeface="+mn-ea"/>
-              <a:ea typeface="+mn-ea"/>
-            </a:endParaRPr>
-          </a:p>
-          <a:p>
-            <a:pPr>
-              <a:lnSpc>
-                <a:spcPct val="120000"/>
-              </a:lnSpc>
-              <a:defRPr/>
-            </a:pPr>
-            <a:r>
-              <a:rPr lang="ko-KR" altLang="en-US" sz="1900" spc="-150" dirty="0">
-                <a:latin typeface="+mn-ea"/>
-                <a:ea typeface="+mn-ea"/>
-              </a:rPr>
-              <a:t>팽창 연산을 적용한 이미지에서 침식 연산을 적용한 이미지를 빼면 경계 픽셀만 얻게 되는데</a:t>
-            </a:r>
-            <a:endParaRPr lang="en-US" altLang="ko-KR" sz="1900" spc="-150" dirty="0">
-              <a:latin typeface="+mn-ea"/>
-              <a:ea typeface="+mn-ea"/>
-            </a:endParaRPr>
-          </a:p>
-          <a:p>
-            <a:pPr>
-              <a:lnSpc>
-                <a:spcPct val="120000"/>
-              </a:lnSpc>
-              <a:defRPr/>
-            </a:pPr>
-            <a:r>
-              <a:rPr lang="ko-KR" altLang="en-US" sz="1900" spc="-150" dirty="0">
-                <a:latin typeface="+mn-ea"/>
-                <a:ea typeface="+mn-ea"/>
-              </a:rPr>
-              <a:t>이 연산을 </a:t>
-            </a:r>
-            <a:r>
-              <a:rPr lang="en-US" altLang="ko-KR" sz="1900" spc="-150" dirty="0">
-                <a:latin typeface="+mn-ea"/>
-                <a:ea typeface="+mn-ea"/>
-              </a:rPr>
-              <a:t>Gradient</a:t>
-            </a:r>
-            <a:r>
-              <a:rPr lang="ko-KR" altLang="en-US" sz="1900" spc="-150" dirty="0">
-                <a:latin typeface="+mn-ea"/>
-                <a:ea typeface="+mn-ea"/>
-              </a:rPr>
-              <a:t> 연산이라고 합니다</a:t>
-            </a:r>
-            <a:r>
-              <a:rPr lang="en-US" altLang="ko-KR" sz="1900" spc="-150" dirty="0">
-                <a:latin typeface="+mn-ea"/>
-                <a:ea typeface="+mn-ea"/>
-              </a:rPr>
-              <a:t>.</a:t>
-            </a:r>
-          </a:p>
-          <a:p>
-            <a:pPr>
-              <a:lnSpc>
-                <a:spcPct val="120000"/>
-              </a:lnSpc>
-              <a:defRPr/>
-            </a:pPr>
-            <a:endParaRPr lang="en-US" altLang="ko-KR" sz="1900" spc="-150" dirty="0">
-              <a:latin typeface="+mn-ea"/>
-              <a:ea typeface="+mn-ea"/>
-            </a:endParaRPr>
-          </a:p>
-          <a:p>
-            <a:pPr>
-              <a:lnSpc>
-                <a:spcPct val="120000"/>
-              </a:lnSpc>
-              <a:defRPr/>
-            </a:pPr>
-            <a:r>
-              <a:rPr lang="ko-KR" altLang="en-US" sz="1900" spc="-150" dirty="0">
-                <a:latin typeface="+mn-ea"/>
-                <a:ea typeface="+mn-ea"/>
-              </a:rPr>
-              <a:t>저희는 닫힘 연산을 사용하여 </a:t>
-            </a:r>
-            <a:r>
-              <a:rPr lang="en-US" altLang="ko-KR" sz="1900" spc="-150" dirty="0">
-                <a:latin typeface="+mn-ea"/>
-                <a:ea typeface="+mn-ea"/>
-              </a:rPr>
-              <a:t>1</a:t>
-            </a:r>
-            <a:r>
-              <a:rPr lang="ko-KR" altLang="en-US" sz="1900" spc="-150" dirty="0">
-                <a:latin typeface="+mn-ea"/>
-                <a:ea typeface="+mn-ea"/>
-              </a:rPr>
-              <a:t>차적으로 노이즈를 없애고</a:t>
-            </a:r>
-            <a:endParaRPr lang="en-US" altLang="ko-KR" sz="1900" spc="-150" dirty="0">
-              <a:latin typeface="+mn-ea"/>
-              <a:ea typeface="+mn-ea"/>
-            </a:endParaRPr>
-          </a:p>
-          <a:p>
-            <a:pPr>
-              <a:lnSpc>
-                <a:spcPct val="120000"/>
-              </a:lnSpc>
-              <a:defRPr/>
-            </a:pPr>
-            <a:r>
-              <a:rPr lang="en-US" altLang="ko-KR" sz="1900" spc="-150" dirty="0">
-                <a:latin typeface="+mn-ea"/>
-                <a:ea typeface="+mn-ea"/>
-              </a:rPr>
-              <a:t>Gradient</a:t>
-            </a:r>
-            <a:r>
-              <a:rPr lang="ko-KR" altLang="en-US" sz="1900" spc="-150" dirty="0">
-                <a:latin typeface="+mn-ea"/>
-                <a:ea typeface="+mn-ea"/>
-              </a:rPr>
-              <a:t> 연산을 사용하여 </a:t>
-            </a:r>
-            <a:r>
-              <a:rPr lang="en-US" altLang="ko-KR" sz="1900" spc="-150" dirty="0">
-                <a:latin typeface="+mn-ea"/>
-                <a:ea typeface="+mn-ea"/>
-              </a:rPr>
-              <a:t>2</a:t>
-            </a:r>
-            <a:r>
-              <a:rPr lang="ko-KR" altLang="en-US" sz="1900" spc="-150" dirty="0">
-                <a:latin typeface="+mn-ea"/>
-                <a:ea typeface="+mn-ea"/>
-              </a:rPr>
-              <a:t>차적으로 노이즈를 없애며 옷의 경계를 뚜렷하게 했습니다</a:t>
-            </a:r>
-            <a:r>
-              <a:rPr lang="en-US" altLang="ko-KR" sz="1900" spc="-150" dirty="0">
-                <a:latin typeface="+mn-ea"/>
-                <a:ea typeface="+mn-ea"/>
-              </a:rPr>
-              <a:t>.</a:t>
-            </a:r>
-          </a:p>
-        </p:txBody>
-      </p:sp>
-      <p:sp>
-        <p:nvSpPr>
-          <p:cNvPr id="9" name="제목 38">
-            <a:extLst>
-              <a:ext uri="{FF2B5EF4-FFF2-40B4-BE49-F238E27FC236}">
-                <a16:creationId xmlns:a16="http://schemas.microsoft.com/office/drawing/2014/main" id="{17C34476-D9F6-9005-524F-E315A8266863}"/>
-              </a:ext>
-            </a:extLst>
-          </p:cNvPr>
-          <p:cNvSpPr txBox="1">
-            <a:spLocks/>
-          </p:cNvSpPr>
-          <p:nvPr/>
-        </p:nvSpPr>
-        <p:spPr>
-          <a:xfrm>
-            <a:off x="560352" y="4351178"/>
-            <a:ext cx="1410215" cy="445258"/>
-          </a:xfrm>
-          <a:prstGeom prst="rect">
-            <a:avLst/>
-          </a:prstGeom>
-        </p:spPr>
-        <p:txBody>
-          <a:bodyPr vert="horz" lIns="112542" tIns="56271" rIns="112542" bIns="56271" rtlCol="0" anchor="t">
-            <a:noAutofit/>
-          </a:bodyPr>
-          <a:lstStyle>
-            <a:lvl1pPr algn="l" defTabSz="914400" rtl="0" eaLnBrk="1" latinLnBrk="1" hangingPunct="1">
-              <a:lnSpc>
-                <a:spcPct val="90000"/>
-              </a:lnSpc>
-              <a:spcBef>
-                <a:spcPct val="0"/>
-              </a:spcBef>
-              <a:buNone/>
-              <a:defRPr sz="4400" kern="1200">
-                <a:solidFill>
-                  <a:schemeClr val="tx1"/>
-                </a:solidFill>
-                <a:latin typeface="+mj-lt"/>
-                <a:ea typeface="+mj-ea"/>
-                <a:cs typeface="+mj-cs"/>
-              </a:defRPr>
-            </a:lvl1pPr>
-          </a:lstStyle>
           <a:p>
             <a:pPr>
               <a:defRPr/>
@@ -4268,12 +3877,499 @@
           </a:p>
         </p:txBody>
       </p:sp>
+      <p:sp>
+        <p:nvSpPr>
+          <p:cNvPr id="5" name="TextBox 4">
+            <a:extLst>
+              <a:ext uri="{FF2B5EF4-FFF2-40B4-BE49-F238E27FC236}">
+                <a16:creationId xmlns:a16="http://schemas.microsoft.com/office/drawing/2014/main" id="{BE27B679-F534-AA60-6303-182A391D5CE6}"/>
+              </a:ext>
+            </a:extLst>
+          </p:cNvPr>
+          <p:cNvSpPr txBox="1"/>
+          <p:nvPr/>
+        </p:nvSpPr>
+        <p:spPr>
+          <a:xfrm>
+            <a:off x="4359842" y="1996181"/>
+            <a:ext cx="7448077" cy="4421595"/>
+          </a:xfrm>
+          <a:prstGeom prst="rect">
+            <a:avLst/>
+          </a:prstGeom>
+          <a:noFill/>
+        </p:spPr>
+        <p:txBody>
+          <a:bodyPr wrap="square" rtlCol="0" anchor="ctr">
+            <a:spAutoFit/>
+          </a:bodyPr>
+          <a:lstStyle/>
+          <a:p>
+            <a:pPr>
+              <a:lnSpc>
+                <a:spcPct val="150000"/>
+              </a:lnSpc>
+              <a:defRPr/>
+            </a:pPr>
+            <a:r>
+              <a:rPr lang="en-US" altLang="ko-KR" sz="1900" spc="-150" dirty="0">
+                <a:latin typeface="+mn-ea"/>
+              </a:rPr>
+              <a:t>1.</a:t>
+            </a:r>
+            <a:r>
+              <a:rPr lang="ko-KR" altLang="en-US" sz="1900" spc="-150" dirty="0">
+                <a:latin typeface="+mn-ea"/>
+              </a:rPr>
+              <a:t> 이미지의 위</a:t>
+            </a:r>
+            <a:r>
+              <a:rPr lang="en-US" altLang="ko-KR" sz="1900" spc="-150" dirty="0">
+                <a:latin typeface="+mn-ea"/>
+              </a:rPr>
+              <a:t>,</a:t>
+            </a:r>
+            <a:r>
+              <a:rPr lang="ko-KR" altLang="en-US" sz="1900" spc="-150" dirty="0">
+                <a:latin typeface="+mn-ea"/>
+              </a:rPr>
+              <a:t> 아래</a:t>
+            </a:r>
+            <a:r>
+              <a:rPr lang="en-US" altLang="ko-KR" sz="1900" spc="-150" dirty="0">
+                <a:latin typeface="+mn-ea"/>
+              </a:rPr>
+              <a:t>,</a:t>
+            </a:r>
+            <a:r>
+              <a:rPr lang="ko-KR" altLang="en-US" sz="1900" spc="-150" dirty="0">
+                <a:latin typeface="+mn-ea"/>
+              </a:rPr>
+              <a:t> 양 옆을 강제로 제거한다</a:t>
+            </a:r>
+            <a:r>
+              <a:rPr lang="en-US" altLang="ko-KR" sz="1900" spc="-150" dirty="0">
+                <a:latin typeface="+mn-ea"/>
+              </a:rPr>
+              <a:t>.</a:t>
+            </a:r>
+          </a:p>
+          <a:p>
+            <a:pPr>
+              <a:lnSpc>
+                <a:spcPct val="150000"/>
+              </a:lnSpc>
+              <a:defRPr/>
+            </a:pPr>
+            <a:r>
+              <a:rPr lang="en-US" altLang="ko-KR" sz="1900" spc="-150" dirty="0">
+                <a:latin typeface="+mn-ea"/>
+              </a:rPr>
+              <a:t>2.</a:t>
+            </a:r>
+            <a:r>
+              <a:rPr lang="ko-KR" altLang="en-US" sz="1900" spc="-150" dirty="0">
+                <a:latin typeface="+mn-ea"/>
+              </a:rPr>
+              <a:t> 이미지의 해상도를 낮추고</a:t>
+            </a:r>
+            <a:r>
+              <a:rPr lang="en-US" altLang="ko-KR" sz="1900" spc="-150" dirty="0">
+                <a:latin typeface="+mn-ea"/>
+              </a:rPr>
+              <a:t>,</a:t>
+            </a:r>
+            <a:r>
+              <a:rPr lang="ko-KR" altLang="en-US" sz="1900" spc="-150" dirty="0">
+                <a:latin typeface="+mn-ea"/>
+              </a:rPr>
+              <a:t> </a:t>
+            </a:r>
+            <a:r>
+              <a:rPr lang="en-US" altLang="ko-KR" sz="1900" spc="-150" dirty="0">
+                <a:latin typeface="+mn-ea"/>
+              </a:rPr>
+              <a:t>Gray Scale</a:t>
+            </a:r>
+            <a:r>
+              <a:rPr lang="ko-KR" altLang="en-US" sz="1900" spc="-150" dirty="0">
+                <a:latin typeface="+mn-ea"/>
+              </a:rPr>
+              <a:t>로 전환한다</a:t>
+            </a:r>
+            <a:r>
+              <a:rPr lang="en-US" altLang="ko-KR" sz="1900" spc="-150" dirty="0">
+                <a:latin typeface="+mn-ea"/>
+              </a:rPr>
+              <a:t>.</a:t>
+            </a:r>
+            <a:r>
+              <a:rPr lang="ko-KR" altLang="en-US" sz="1900" spc="-150" dirty="0">
+                <a:latin typeface="+mn-ea"/>
+              </a:rPr>
+              <a:t> </a:t>
+            </a:r>
+            <a:endParaRPr lang="en-US" altLang="ko-KR" sz="1900" spc="-150" dirty="0">
+              <a:latin typeface="+mn-ea"/>
+            </a:endParaRPr>
+          </a:p>
+          <a:p>
+            <a:pPr>
+              <a:lnSpc>
+                <a:spcPct val="150000"/>
+              </a:lnSpc>
+              <a:defRPr/>
+            </a:pPr>
+            <a:r>
+              <a:rPr lang="en-US" altLang="ko-KR" sz="1900" spc="-150" dirty="0">
+                <a:latin typeface="+mn-ea"/>
+              </a:rPr>
+              <a:t>3.</a:t>
+            </a:r>
+            <a:r>
+              <a:rPr lang="ko-KR" altLang="en-US" sz="1900" spc="-150" dirty="0">
+                <a:latin typeface="+mn-ea"/>
+              </a:rPr>
+              <a:t> </a:t>
+            </a:r>
+            <a:r>
+              <a:rPr lang="en-US" altLang="ko-KR" sz="1900" spc="-150" dirty="0">
+                <a:latin typeface="+mn-ea"/>
+              </a:rPr>
+              <a:t>Adaptive</a:t>
+            </a:r>
+            <a:r>
+              <a:rPr lang="ko-KR" altLang="en-US" sz="1900" spc="-150" dirty="0">
+                <a:latin typeface="+mn-ea"/>
+              </a:rPr>
+              <a:t> </a:t>
+            </a:r>
+            <a:r>
+              <a:rPr lang="en-US" altLang="ko-KR" sz="1900" spc="-150" dirty="0">
+                <a:latin typeface="+mn-ea"/>
+              </a:rPr>
+              <a:t>Threshold</a:t>
+            </a:r>
+            <a:r>
+              <a:rPr lang="ko-KR" altLang="en-US" sz="1900" spc="-150" dirty="0">
+                <a:latin typeface="+mn-ea"/>
+              </a:rPr>
+              <a:t> 함수를 이용해 이미지 이진화를 한다</a:t>
+            </a:r>
+            <a:r>
+              <a:rPr lang="en-US" altLang="ko-KR" sz="1900" spc="-150" dirty="0">
+                <a:latin typeface="+mn-ea"/>
+              </a:rPr>
+              <a:t>.</a:t>
+            </a:r>
+          </a:p>
+          <a:p>
+            <a:pPr>
+              <a:lnSpc>
+                <a:spcPct val="150000"/>
+              </a:lnSpc>
+              <a:defRPr/>
+            </a:pPr>
+            <a:r>
+              <a:rPr lang="en-US" altLang="ko-KR" sz="1900" spc="-150" dirty="0">
+                <a:latin typeface="+mn-ea"/>
+              </a:rPr>
+              <a:t>4.</a:t>
+            </a:r>
+            <a:r>
+              <a:rPr lang="ko-KR" altLang="en-US" sz="1900" spc="-150" dirty="0">
+                <a:latin typeface="+mn-ea"/>
+              </a:rPr>
+              <a:t> 노이즈를 낮추기 위해 </a:t>
+            </a:r>
+            <a:r>
+              <a:rPr lang="en-US" altLang="ko-KR" sz="1900" spc="-150" dirty="0">
+                <a:latin typeface="+mn-ea"/>
+              </a:rPr>
+              <a:t>1</a:t>
+            </a:r>
+            <a:r>
+              <a:rPr lang="ko-KR" altLang="en-US" sz="1900" spc="-150" dirty="0">
+                <a:latin typeface="+mn-ea"/>
+              </a:rPr>
+              <a:t>차적으로 </a:t>
+            </a:r>
+            <a:r>
+              <a:rPr lang="en-US" altLang="ko-KR" sz="1900" spc="-150" dirty="0">
+                <a:latin typeface="+mn-ea"/>
+              </a:rPr>
+              <a:t>Blur</a:t>
+            </a:r>
+            <a:r>
+              <a:rPr lang="ko-KR" altLang="en-US" sz="1900" spc="-150" dirty="0">
+                <a:latin typeface="+mn-ea"/>
+              </a:rPr>
+              <a:t> 처리를 한다</a:t>
+            </a:r>
+            <a:r>
+              <a:rPr lang="en-US" altLang="ko-KR" sz="1900" spc="-150" dirty="0">
+                <a:latin typeface="+mn-ea"/>
+              </a:rPr>
+              <a:t>.</a:t>
+            </a:r>
+          </a:p>
+          <a:p>
+            <a:pPr>
+              <a:lnSpc>
+                <a:spcPct val="150000"/>
+              </a:lnSpc>
+              <a:defRPr/>
+            </a:pPr>
+            <a:r>
+              <a:rPr lang="en-US" altLang="ko-KR" sz="1900" spc="-150" dirty="0">
+                <a:latin typeface="+mn-ea"/>
+              </a:rPr>
+              <a:t>5.</a:t>
+            </a:r>
+            <a:r>
+              <a:rPr lang="ko-KR" altLang="en-US" sz="1900" spc="-150" dirty="0">
+                <a:latin typeface="+mn-ea"/>
+              </a:rPr>
+              <a:t> </a:t>
+            </a:r>
+            <a:r>
+              <a:rPr lang="en-US" altLang="ko-KR" sz="1900" spc="-150" dirty="0">
+                <a:latin typeface="+mn-ea"/>
+              </a:rPr>
+              <a:t>2</a:t>
+            </a:r>
+            <a:r>
+              <a:rPr lang="ko-KR" altLang="en-US" sz="1900" spc="-150" dirty="0">
+                <a:latin typeface="+mn-ea"/>
+              </a:rPr>
+              <a:t>차적으로 커널을 생성하여 </a:t>
+            </a:r>
+            <a:r>
+              <a:rPr lang="en-US" altLang="ko-KR" sz="1900" spc="-150" dirty="0">
+                <a:latin typeface="+mn-ea"/>
+              </a:rPr>
+              <a:t>Morphology </a:t>
+            </a:r>
+            <a:r>
+              <a:rPr lang="ko-KR" altLang="en-US" sz="1900" spc="-150" dirty="0">
+                <a:latin typeface="+mn-ea"/>
+              </a:rPr>
+              <a:t>연산 중 </a:t>
+            </a:r>
+            <a:endParaRPr lang="en-US" altLang="ko-KR" sz="1900" spc="-150" dirty="0">
+              <a:latin typeface="+mn-ea"/>
+            </a:endParaRPr>
+          </a:p>
+          <a:p>
+            <a:pPr>
+              <a:lnSpc>
+                <a:spcPct val="150000"/>
+              </a:lnSpc>
+              <a:defRPr/>
+            </a:pPr>
+            <a:r>
+              <a:rPr lang="en-US" altLang="ko-KR" sz="1900" spc="-150" dirty="0">
+                <a:latin typeface="+mn-ea"/>
+              </a:rPr>
+              <a:t>closing </a:t>
+            </a:r>
+            <a:r>
+              <a:rPr lang="ko-KR" altLang="en-US" sz="1900" spc="-150" dirty="0">
+                <a:latin typeface="+mn-ea"/>
+              </a:rPr>
+              <a:t>연산과 </a:t>
+            </a:r>
+            <a:r>
+              <a:rPr lang="en-US" altLang="ko-KR" sz="1900" spc="-150" dirty="0">
+                <a:latin typeface="+mn-ea"/>
+              </a:rPr>
+              <a:t>gradient </a:t>
+            </a:r>
+            <a:r>
+              <a:rPr lang="ko-KR" altLang="en-US" sz="1900" spc="-150" dirty="0">
+                <a:latin typeface="+mn-ea"/>
+              </a:rPr>
+              <a:t>연산을 거친다</a:t>
+            </a:r>
+            <a:r>
+              <a:rPr lang="en-US" altLang="ko-KR" sz="1900" spc="-150" dirty="0">
+                <a:latin typeface="+mn-ea"/>
+              </a:rPr>
+              <a:t>.</a:t>
+            </a:r>
+          </a:p>
+          <a:p>
+            <a:pPr>
+              <a:lnSpc>
+                <a:spcPct val="150000"/>
+              </a:lnSpc>
+              <a:defRPr/>
+            </a:pPr>
+            <a:r>
+              <a:rPr lang="en-US" altLang="ko-KR" sz="1900" spc="-150" dirty="0">
+                <a:latin typeface="+mn-ea"/>
+              </a:rPr>
+              <a:t>6.</a:t>
+            </a:r>
+            <a:r>
+              <a:rPr lang="ko-KR" altLang="en-US" sz="1900" spc="-150" dirty="0">
+                <a:latin typeface="+mn-ea"/>
+              </a:rPr>
+              <a:t> </a:t>
+            </a:r>
+            <a:r>
+              <a:rPr lang="en-US" altLang="ko-KR" sz="1900" spc="-150" dirty="0">
+                <a:latin typeface="+mn-ea"/>
+              </a:rPr>
+              <a:t>Find</a:t>
+            </a:r>
+            <a:r>
+              <a:rPr lang="ko-KR" altLang="en-US" sz="1900" spc="-150" dirty="0">
+                <a:latin typeface="+mn-ea"/>
+              </a:rPr>
+              <a:t> </a:t>
+            </a:r>
+            <a:r>
+              <a:rPr lang="en-US" altLang="ko-KR" sz="1900" spc="-150" dirty="0">
+                <a:latin typeface="+mn-ea"/>
+              </a:rPr>
+              <a:t>Contours</a:t>
+            </a:r>
+            <a:r>
+              <a:rPr lang="ko-KR" altLang="en-US" sz="1900" spc="-150" dirty="0">
+                <a:latin typeface="+mn-ea"/>
+              </a:rPr>
+              <a:t> 함수를 이용해 경계 값을 도출한 후 </a:t>
+            </a:r>
+            <a:endParaRPr lang="en-US" altLang="ko-KR" sz="1900" spc="-150" dirty="0">
+              <a:latin typeface="+mn-ea"/>
+            </a:endParaRPr>
+          </a:p>
+          <a:p>
+            <a:pPr>
+              <a:lnSpc>
+                <a:spcPct val="150000"/>
+              </a:lnSpc>
+              <a:defRPr/>
+            </a:pPr>
+            <a:r>
+              <a:rPr lang="ko-KR" altLang="en-US" sz="1900" spc="-150" dirty="0">
+                <a:latin typeface="+mn-ea"/>
+              </a:rPr>
+              <a:t>그 경계 값으로 사각형을 생성해 이미지 </a:t>
+            </a:r>
+            <a:r>
+              <a:rPr lang="en-US" altLang="ko-KR" sz="1900" spc="-150" dirty="0">
+                <a:latin typeface="+mn-ea"/>
+              </a:rPr>
+              <a:t>trimming </a:t>
+            </a:r>
+            <a:r>
+              <a:rPr lang="ko-KR" altLang="en-US" sz="1900" spc="-150" dirty="0">
+                <a:latin typeface="+mn-ea"/>
+              </a:rPr>
+              <a:t>좌표를 생성한다</a:t>
+            </a:r>
+            <a:r>
+              <a:rPr lang="en-US" altLang="ko-KR" sz="1900" spc="-150" dirty="0">
+                <a:latin typeface="+mn-ea"/>
+              </a:rPr>
+              <a:t>.</a:t>
+            </a:r>
+          </a:p>
+          <a:p>
+            <a:pPr>
+              <a:lnSpc>
+                <a:spcPct val="150000"/>
+              </a:lnSpc>
+              <a:defRPr/>
+            </a:pPr>
+            <a:r>
+              <a:rPr lang="en-US" altLang="ko-KR" sz="1900" spc="-150" dirty="0">
+                <a:latin typeface="+mn-ea"/>
+              </a:rPr>
+              <a:t>7.</a:t>
+            </a:r>
+            <a:r>
+              <a:rPr lang="ko-KR" altLang="en-US" sz="1900" spc="-150" dirty="0">
+                <a:latin typeface="+mn-ea"/>
+              </a:rPr>
+              <a:t> 적응형 이진화 된 이미지를 </a:t>
+            </a:r>
+            <a:r>
+              <a:rPr lang="en-US" altLang="ko-KR" sz="1900" spc="-150" dirty="0">
+                <a:latin typeface="+mn-ea"/>
+              </a:rPr>
+              <a:t>6</a:t>
+            </a:r>
+            <a:r>
+              <a:rPr lang="ko-KR" altLang="en-US" sz="1900" spc="-150" dirty="0">
+                <a:latin typeface="+mn-ea"/>
+              </a:rPr>
+              <a:t>번에서 구한 좌표로 자르고</a:t>
+            </a:r>
+            <a:endParaRPr lang="en-US" altLang="ko-KR" sz="1900" spc="-150" dirty="0">
+              <a:latin typeface="+mn-ea"/>
+            </a:endParaRPr>
+          </a:p>
+          <a:p>
+            <a:pPr>
+              <a:lnSpc>
+                <a:spcPct val="150000"/>
+              </a:lnSpc>
+              <a:defRPr/>
+            </a:pPr>
+            <a:r>
+              <a:rPr lang="en-US" altLang="ko-KR" sz="1900" spc="-150" dirty="0">
+                <a:latin typeface="+mn-ea"/>
+              </a:rPr>
+              <a:t>32 x 32 </a:t>
+            </a:r>
+            <a:r>
+              <a:rPr lang="ko-KR" altLang="en-US" sz="1900" spc="-150" dirty="0">
+                <a:latin typeface="+mn-ea"/>
+              </a:rPr>
+              <a:t>사이즈로 </a:t>
+            </a:r>
+            <a:r>
+              <a:rPr lang="en-US" altLang="ko-KR" sz="1900" spc="-150" dirty="0">
+                <a:latin typeface="+mn-ea"/>
+              </a:rPr>
+              <a:t>Resize</a:t>
+            </a:r>
+            <a:r>
+              <a:rPr lang="ko-KR" altLang="en-US" sz="1900" spc="-150" dirty="0">
+                <a:latin typeface="+mn-ea"/>
+              </a:rPr>
+              <a:t> 후 </a:t>
+            </a:r>
+            <a:r>
+              <a:rPr lang="en-US" altLang="ko-KR" sz="1900" spc="-150" dirty="0">
+                <a:latin typeface="+mn-ea"/>
+              </a:rPr>
+              <a:t>Return </a:t>
+            </a:r>
+            <a:r>
+              <a:rPr lang="ko-KR" altLang="en-US" sz="1900" spc="-150" dirty="0">
+                <a:latin typeface="+mn-ea"/>
+              </a:rPr>
+              <a:t>한다</a:t>
+            </a:r>
+            <a:r>
+              <a:rPr lang="en-US" altLang="ko-KR" sz="1900" spc="-150" dirty="0">
+                <a:latin typeface="+mn-ea"/>
+              </a:rPr>
+              <a:t>.</a:t>
+            </a:r>
+          </a:p>
+        </p:txBody>
+      </p:sp>
       <p:pic>
         <p:nvPicPr>
-          <p:cNvPr id="3" name="그림 2" descr="텍스트이(가) 표시된 사진&#10;&#10;자동 생성된 설명">
+          <p:cNvPr id="6" name="그림 5">
             <a:extLst>
               <a:ext uri="{FF2B5EF4-FFF2-40B4-BE49-F238E27FC236}">
-                <a16:creationId xmlns:a16="http://schemas.microsoft.com/office/drawing/2014/main" id="{7931AA1A-24A1-0E51-3D4F-55486F16BF04}"/>
+                <a16:creationId xmlns:a16="http://schemas.microsoft.com/office/drawing/2014/main" id="{EE882DA8-81DF-FCCE-25FC-03A2CCC2406C}"/>
               </a:ext>
             </a:extLst>
           </p:cNvPr>
@@ -4282,21 +4378,16 @@
           </p:cNvPicPr>
           <p:nvPr/>
         </p:nvPicPr>
-        <p:blipFill rotWithShape="1">
-          <a:blip r:embed="rId3">
-            <a:extLst>
-              <a:ext uri="{28A0092B-C50C-407E-A947-70E740481C1C}">
-                <a14:useLocalDpi xmlns:a14="http://schemas.microsoft.com/office/drawing/2010/main" val="0"/>
-              </a:ext>
-            </a:extLst>
-          </a:blip>
-          <a:srcRect t="75349" r="59869"/>
-          <a:stretch/>
+        <p:blipFill>
+          <a:blip r:embed="rId3"/>
+          <a:stretch>
+            <a:fillRect/>
+          </a:stretch>
         </p:blipFill>
         <p:spPr>
           <a:xfrm>
-            <a:off x="9672548" y="3429000"/>
-            <a:ext cx="2093165" cy="1918282"/>
+            <a:off x="618810" y="1991157"/>
+            <a:ext cx="3282518" cy="4772643"/>
           </a:xfrm>
           <a:prstGeom prst="rect">
             <a:avLst/>
@@ -4306,7 +4397,7 @@
     </p:spTree>
     <p:extLst>
       <p:ext uri="{BB962C8B-B14F-4D97-AF65-F5344CB8AC3E}">
-        <p14:creationId xmlns:p14="http://schemas.microsoft.com/office/powerpoint/2010/main" val="3301146092"/>
+        <p14:creationId xmlns:p14="http://schemas.microsoft.com/office/powerpoint/2010/main" val="1442489701"/>
       </p:ext>
     </p:extLst>
   </p:cSld>
@@ -4335,13 +4426,7 @@
       </p:grpSpPr>
       <p:pic>
         <p:nvPicPr>
-          <p:cNvPr id="4" name="그림 3">
-            <a:extLst>
-              <a:ext uri="{FF2B5EF4-FFF2-40B4-BE49-F238E27FC236}">
-                <a16:creationId xmlns:a16="http://schemas.microsoft.com/office/drawing/2014/main" id="{963A1BA7-4CC2-ACEF-0293-24C5AE9B9175}"/>
-              </a:ext>
-            </a:extLst>
-          </p:cNvPr>
+          <p:cNvPr id="2" name="그림 1"/>
           <p:cNvPicPr>
             <a:picLocks noChangeAspect="1"/>
           </p:cNvPicPr>
@@ -4371,13 +4456,7 @@
       </p:pic>
       <p:sp>
         <p:nvSpPr>
-          <p:cNvPr id="5" name="제목 38">
-            <a:extLst>
-              <a:ext uri="{FF2B5EF4-FFF2-40B4-BE49-F238E27FC236}">
-                <a16:creationId xmlns:a16="http://schemas.microsoft.com/office/drawing/2014/main" id="{D53157FE-2798-08EE-C8C3-6F7CF14ECA7D}"/>
-              </a:ext>
-            </a:extLst>
-          </p:cNvPr>
+          <p:cNvPr id="48" name="제목 38"/>
           <p:cNvSpPr>
             <a:spLocks noGrp="1"/>
           </p:cNvSpPr>
@@ -4401,23 +4480,20 @@
               <a:defRPr/>
             </a:pPr>
             <a:r>
-              <a:rPr lang="ko-KR" altLang="en-US" sz="4000" spc="-185" dirty="0">
+              <a:rPr lang="en-US" altLang="ko-KR" sz="4000" spc="-185" dirty="0">
                 <a:latin typeface="+mj-ea"/>
               </a:rPr>
-              <a:t>데이터 전처리 과정</a:t>
-            </a:r>
-          </a:p>
-        </p:txBody>
-      </p:sp>
-      <p:sp>
-        <p:nvSpPr>
-          <p:cNvPr id="6" name="제목 38">
-            <a:extLst>
-              <a:ext uri="{FF2B5EF4-FFF2-40B4-BE49-F238E27FC236}">
-                <a16:creationId xmlns:a16="http://schemas.microsoft.com/office/drawing/2014/main" id="{EB94A68A-D51D-255E-A650-BDDB84AC8884}"/>
-              </a:ext>
-            </a:extLst>
-          </p:cNvPr>
+              <a:t>Mission 2</a:t>
+            </a:r>
+            <a:endParaRPr lang="ko-KR" altLang="en-US" sz="4000" spc="-185" dirty="0">
+              <a:latin typeface="+mj-ea"/>
+            </a:endParaRPr>
+          </a:p>
+        </p:txBody>
+      </p:sp>
+      <p:sp>
+        <p:nvSpPr>
+          <p:cNvPr id="13" name="제목 38"/>
           <p:cNvSpPr txBox="1">
             <a:spLocks/>
           </p:cNvSpPr>
@@ -4425,8 +4501,8 @@
         </p:nvSpPr>
         <p:spPr>
           <a:xfrm>
-            <a:off x="435973" y="1611524"/>
-            <a:ext cx="7584905" cy="2003551"/>
+            <a:off x="363552" y="1507970"/>
+            <a:ext cx="11523648" cy="4488793"/>
           </a:xfrm>
           <a:prstGeom prst="rect">
             <a:avLst/>
@@ -4458,33 +4534,96 @@
           <a:p>
             <a:pPr>
               <a:lnSpc>
-                <a:spcPct val="120000"/>
-              </a:lnSpc>
-              <a:defRPr/>
-            </a:pPr>
-            <a:r>
-              <a:rPr lang="ko-KR" altLang="en-US" sz="1900" spc="-150" dirty="0">
-                <a:latin typeface="+mn-ea"/>
-                <a:ea typeface="+mn-ea"/>
-              </a:rPr>
-              <a:t>처음보단 많이 좋아졌지만 아직 여백이 있는 걸 확인할 수 있습니다</a:t>
-            </a:r>
-            <a:r>
-              <a:rPr lang="en-US" altLang="ko-KR" sz="1900" spc="-150" dirty="0">
-                <a:latin typeface="+mn-ea"/>
-                <a:ea typeface="+mn-ea"/>
-              </a:rPr>
-              <a:t>.</a:t>
-            </a:r>
-          </a:p>
-          <a:p>
-            <a:pPr>
-              <a:lnSpc>
-                <a:spcPct val="120000"/>
-              </a:lnSpc>
-              <a:defRPr/>
-            </a:pPr>
-            <a:endParaRPr lang="en-US" altLang="ko-KR" sz="1900" spc="-150" dirty="0">
+                <a:spcPct val="150000"/>
+              </a:lnSpc>
+              <a:defRPr/>
+            </a:pPr>
+            <a:r>
+              <a:rPr lang="en-US" altLang="ko-KR" sz="2100" spc="-150" dirty="0">
+                <a:latin typeface="+mn-ea"/>
+                <a:ea typeface="+mn-ea"/>
+              </a:rPr>
+              <a:t>2-2. Color</a:t>
+            </a:r>
+            <a:r>
+              <a:rPr lang="ko-KR" altLang="en-US" sz="2100" spc="-150" dirty="0">
+                <a:latin typeface="+mn-ea"/>
+                <a:ea typeface="+mn-ea"/>
+              </a:rPr>
+              <a:t>는 자세한 정보지만</a:t>
+            </a:r>
+            <a:r>
+              <a:rPr lang="en-US" altLang="ko-KR" sz="2100" spc="-150" dirty="0">
+                <a:latin typeface="+mn-ea"/>
+                <a:ea typeface="+mn-ea"/>
+              </a:rPr>
+              <a:t>, </a:t>
+            </a:r>
+            <a:r>
+              <a:rPr lang="ko-KR" altLang="en-US" sz="2100" spc="-150" dirty="0">
+                <a:latin typeface="+mn-ea"/>
+                <a:ea typeface="+mn-ea"/>
+              </a:rPr>
+              <a:t>데이터가 크고</a:t>
+            </a:r>
+            <a:r>
+              <a:rPr lang="en-US" altLang="ko-KR" sz="2100" spc="-150" dirty="0">
+                <a:latin typeface="+mn-ea"/>
+                <a:ea typeface="+mn-ea"/>
+              </a:rPr>
+              <a:t>, Gray</a:t>
+            </a:r>
+            <a:r>
+              <a:rPr lang="ko-KR" altLang="en-US" sz="2100" spc="-150" dirty="0">
+                <a:latin typeface="+mn-ea"/>
+                <a:ea typeface="+mn-ea"/>
+              </a:rPr>
+              <a:t>는 덜 자세하지만 데이터가 작아</a:t>
+            </a:r>
+            <a:r>
+              <a:rPr lang="en-US" altLang="ko-KR" sz="2100" spc="-150" dirty="0">
+                <a:latin typeface="+mn-ea"/>
+                <a:ea typeface="+mn-ea"/>
+              </a:rPr>
+              <a:t> </a:t>
+            </a:r>
+            <a:r>
+              <a:rPr lang="ko-KR" altLang="en-US" sz="2100" spc="-150" dirty="0">
+                <a:latin typeface="+mn-ea"/>
+                <a:ea typeface="+mn-ea"/>
+              </a:rPr>
+              <a:t>학습에 유리하다</a:t>
+            </a:r>
+            <a:r>
+              <a:rPr lang="en-US" altLang="ko-KR" sz="2100" spc="-150" dirty="0">
+                <a:latin typeface="+mn-ea"/>
+                <a:ea typeface="+mn-ea"/>
+              </a:rPr>
+              <a:t>. </a:t>
+            </a:r>
+            <a:r>
+              <a:rPr lang="ko-KR" altLang="en-US" sz="2100" spc="-150" dirty="0">
+                <a:latin typeface="+mn-ea"/>
+                <a:ea typeface="+mn-ea"/>
+              </a:rPr>
+              <a:t>어떤 데이터셋이 분류문제에서 더 좋은 결과를 보이는가</a:t>
+            </a:r>
+            <a:r>
+              <a:rPr lang="en-US" altLang="ko-KR" sz="2100" spc="-150" dirty="0">
+                <a:latin typeface="+mn-ea"/>
+                <a:ea typeface="+mn-ea"/>
+              </a:rPr>
+              <a:t>?</a:t>
+            </a:r>
+          </a:p>
+          <a:p>
+            <a:pPr>
+              <a:lnSpc>
+                <a:spcPct val="150000"/>
+              </a:lnSpc>
+              <a:defRPr/>
+            </a:pPr>
+            <a:endParaRPr lang="en-US" altLang="ko-KR" sz="2100" spc="-150" dirty="0">
               <a:latin typeface="+mn-ea"/>
               <a:ea typeface="+mn-ea"/>
             </a:endParaRPr>
@@ -4492,32 +4631,90 @@
           <a:p>
             <a:pPr>
               <a:lnSpc>
-                <a:spcPct val="120000"/>
-              </a:lnSpc>
-              <a:defRPr/>
-            </a:pPr>
-            <a:r>
-              <a:rPr lang="ko-KR" altLang="en-US" sz="1900" spc="-150" dirty="0">
-                <a:latin typeface="+mn-ea"/>
-                <a:ea typeface="+mn-ea"/>
-              </a:rPr>
-              <a:t>노이즈의 형태를 보니 소금 </a:t>
-            </a:r>
-            <a:r>
-              <a:rPr lang="en-US" altLang="ko-KR" sz="1900" spc="-150" dirty="0">
-                <a:latin typeface="+mn-ea"/>
-                <a:ea typeface="+mn-ea"/>
-              </a:rPr>
-              <a:t>&amp;</a:t>
-            </a:r>
-            <a:r>
-              <a:rPr lang="ko-KR" altLang="en-US" sz="1900" spc="-150" dirty="0">
-                <a:latin typeface="+mn-ea"/>
-                <a:ea typeface="+mn-ea"/>
-              </a:rPr>
-              <a:t> 후추 노이즈와 비슷하여</a:t>
-            </a:r>
-            <a:endParaRPr lang="en-US" altLang="ko-KR" sz="1900" spc="-150" dirty="0">
+                <a:spcPct val="150000"/>
+              </a:lnSpc>
+              <a:defRPr/>
+            </a:pPr>
+            <a:r>
+              <a:rPr lang="en-US" altLang="ko-KR" sz="2100" spc="-150" dirty="0">
+                <a:latin typeface="+mn-ea"/>
+                <a:ea typeface="+mn-ea"/>
+              </a:rPr>
+              <a:t>Answer:</a:t>
+            </a:r>
+          </a:p>
+          <a:p>
+            <a:pPr>
+              <a:lnSpc>
+                <a:spcPct val="150000"/>
+              </a:lnSpc>
+              <a:defRPr/>
+            </a:pPr>
+            <a:r>
+              <a:rPr lang="en-US" altLang="ko-KR" sz="2100" spc="-150" dirty="0">
+                <a:latin typeface="+mn-ea"/>
+                <a:ea typeface="+mn-ea"/>
+              </a:rPr>
+              <a:t>Color</a:t>
+            </a:r>
+            <a:r>
+              <a:rPr lang="ko-KR" altLang="en-US" sz="2100" spc="-150" dirty="0">
+                <a:latin typeface="+mn-ea"/>
+                <a:ea typeface="+mn-ea"/>
+              </a:rPr>
+              <a:t>는 </a:t>
+            </a:r>
+            <a:r>
+              <a:rPr lang="en-US" altLang="ko-KR" sz="2100" spc="-150" dirty="0">
+                <a:latin typeface="+mn-ea"/>
+                <a:ea typeface="+mn-ea"/>
+              </a:rPr>
+              <a:t>3</a:t>
+            </a:r>
+            <a:r>
+              <a:rPr lang="ko-KR" altLang="en-US" sz="2100" spc="-150" dirty="0">
+                <a:latin typeface="+mn-ea"/>
+                <a:ea typeface="+mn-ea"/>
+              </a:rPr>
+              <a:t>차원 데이터로 정보가 너무 많아 정확도가 떨어질 수 있고</a:t>
+            </a:r>
+            <a:r>
+              <a:rPr lang="en-US" altLang="ko-KR" sz="2100" spc="-150" dirty="0">
+                <a:latin typeface="+mn-ea"/>
+                <a:ea typeface="+mn-ea"/>
+              </a:rPr>
+              <a:t>,</a:t>
+            </a:r>
+          </a:p>
+          <a:p>
+            <a:pPr>
+              <a:lnSpc>
+                <a:spcPct val="150000"/>
+              </a:lnSpc>
+              <a:defRPr/>
+            </a:pPr>
+            <a:r>
+              <a:rPr lang="ko-KR" altLang="en-US" sz="2100" spc="-150" dirty="0">
+                <a:latin typeface="+mn-ea"/>
+                <a:ea typeface="+mn-ea"/>
+              </a:rPr>
+              <a:t>상품 분류는 색이 아닌 옷의 형태로 구분되기 때문에 색상 데이터는 필요하지 않습니다</a:t>
+            </a:r>
+            <a:r>
+              <a:rPr lang="en-US" altLang="ko-KR" sz="2100" spc="-150" dirty="0">
+                <a:latin typeface="+mn-ea"/>
+                <a:ea typeface="+mn-ea"/>
+              </a:rPr>
+              <a:t>.</a:t>
+            </a:r>
+            <a:r>
+              <a:rPr lang="ko-KR" altLang="en-US" sz="2100" spc="-150" dirty="0">
+                <a:latin typeface="+mn-ea"/>
+                <a:ea typeface="+mn-ea"/>
+              </a:rPr>
+              <a:t> </a:t>
+            </a:r>
+            <a:endParaRPr lang="en-US" altLang="ko-KR" sz="2100" spc="-150" dirty="0">
               <a:latin typeface="+mn-ea"/>
               <a:ea typeface="+mn-ea"/>
             </a:endParaRPr>
@@ -4525,40 +4722,33 @@
           <a:p>
             <a:pPr>
               <a:lnSpc>
-                <a:spcPct val="120000"/>
-              </a:lnSpc>
-              <a:defRPr/>
-            </a:pPr>
-            <a:r>
-              <a:rPr lang="en-US" altLang="ko-KR" sz="1900" spc="-150" dirty="0">
-                <a:latin typeface="+mn-ea"/>
-                <a:ea typeface="+mn-ea"/>
-              </a:rPr>
-              <a:t>Median Blur </a:t>
-            </a:r>
-            <a:r>
-              <a:rPr lang="ko-KR" altLang="en-US" sz="1900" spc="-150" dirty="0">
-                <a:latin typeface="+mn-ea"/>
-                <a:ea typeface="+mn-ea"/>
-              </a:rPr>
-              <a:t>함수를 사용하여 </a:t>
-            </a:r>
-            <a:r>
-              <a:rPr lang="en-US" altLang="ko-KR" sz="1900" spc="-150" dirty="0">
-                <a:latin typeface="+mn-ea"/>
-                <a:ea typeface="+mn-ea"/>
-              </a:rPr>
-              <a:t>Blur</a:t>
-            </a:r>
-            <a:r>
-              <a:rPr lang="ko-KR" altLang="en-US" sz="1900" spc="-150" dirty="0">
-                <a:latin typeface="+mn-ea"/>
-                <a:ea typeface="+mn-ea"/>
-              </a:rPr>
-              <a:t> 처리를 하게 하였습니다</a:t>
-            </a:r>
-            <a:r>
-              <a:rPr lang="en-US" altLang="ko-KR" sz="1900" spc="-150" dirty="0">
+                <a:spcPct val="150000"/>
+              </a:lnSpc>
+              <a:defRPr/>
+            </a:pPr>
+            <a:r>
+              <a:rPr lang="ko-KR" altLang="en-US" sz="2100" spc="-150" dirty="0">
+                <a:latin typeface="+mn-ea"/>
+                <a:ea typeface="+mn-ea"/>
+              </a:rPr>
+              <a:t>그렇기에</a:t>
+            </a:r>
+            <a:r>
+              <a:rPr lang="en-US" altLang="ko-KR" sz="2100" spc="-150" dirty="0">
+                <a:latin typeface="+mn-ea"/>
+                <a:ea typeface="+mn-ea"/>
+              </a:rPr>
+              <a:t> Gray Scale</a:t>
+            </a:r>
+            <a:r>
+              <a:rPr lang="ko-KR" altLang="en-US" sz="2100" spc="-150" dirty="0">
+                <a:latin typeface="+mn-ea"/>
+                <a:ea typeface="+mn-ea"/>
+              </a:rPr>
+              <a:t>로 학습을 진행하였습니다</a:t>
+            </a:r>
+            <a:r>
+              <a:rPr lang="en-US" altLang="ko-KR" sz="2100" spc="-150" dirty="0">
                 <a:latin typeface="+mn-ea"/>
                 <a:ea typeface="+mn-ea"/>
               </a:rPr>
@@ -4568,328 +4758,21 @@
           <a:p>
             <a:pPr>
               <a:lnSpc>
-                <a:spcPct val="120000"/>
-              </a:lnSpc>
-              <a:defRPr/>
-            </a:pPr>
-            <a:endParaRPr lang="en-US" altLang="ko-KR" sz="1900" spc="-150" dirty="0">
+                <a:spcPct val="150000"/>
+              </a:lnSpc>
+              <a:defRPr/>
+            </a:pPr>
+            <a:endParaRPr lang="en-US" altLang="ko-KR" sz="2100" spc="-150" dirty="0">
               <a:latin typeface="+mn-ea"/>
               <a:ea typeface="+mn-ea"/>
             </a:endParaRPr>
           </a:p>
-          <a:p>
-            <a:pPr>
-              <a:lnSpc>
-                <a:spcPct val="120000"/>
-              </a:lnSpc>
-              <a:defRPr/>
-            </a:pPr>
-            <a:r>
-              <a:rPr lang="ko-KR" altLang="en-US" sz="1900" spc="-150" dirty="0">
-                <a:latin typeface="+mn-ea"/>
-                <a:ea typeface="+mn-ea"/>
-              </a:rPr>
-              <a:t>결과를 보니</a:t>
-            </a:r>
-            <a:r>
-              <a:rPr lang="en-US" altLang="ko-KR" sz="1900" spc="-150" dirty="0">
-                <a:latin typeface="+mn-ea"/>
-                <a:ea typeface="+mn-ea"/>
-              </a:rPr>
-              <a:t>,</a:t>
-            </a:r>
-            <a:r>
-              <a:rPr lang="ko-KR" altLang="en-US" sz="1900" spc="-150" dirty="0">
-                <a:latin typeface="+mn-ea"/>
-                <a:ea typeface="+mn-ea"/>
-              </a:rPr>
-              <a:t> 옷만 </a:t>
-            </a:r>
-            <a:r>
-              <a:rPr lang="en-US" altLang="ko-KR" sz="1900" spc="-150" dirty="0">
-                <a:latin typeface="+mn-ea"/>
-                <a:ea typeface="+mn-ea"/>
-              </a:rPr>
-              <a:t>Crop </a:t>
-            </a:r>
-            <a:r>
-              <a:rPr lang="ko-KR" altLang="en-US" sz="1900" spc="-150" dirty="0">
-                <a:latin typeface="+mn-ea"/>
-                <a:ea typeface="+mn-ea"/>
-              </a:rPr>
-              <a:t>된 것을 확인할 수 있습니다</a:t>
-            </a:r>
-            <a:r>
-              <a:rPr lang="en-US" altLang="ko-KR" sz="1900" spc="-150" dirty="0">
-                <a:latin typeface="+mn-ea"/>
-                <a:ea typeface="+mn-ea"/>
-              </a:rPr>
-              <a:t>.</a:t>
-            </a:r>
-            <a:r>
-              <a:rPr lang="ko-KR" altLang="en-US" sz="1900" spc="-150" dirty="0">
-                <a:latin typeface="+mn-ea"/>
-                <a:ea typeface="+mn-ea"/>
-              </a:rPr>
-              <a:t> </a:t>
-            </a:r>
-            <a:endParaRPr lang="en-US" altLang="ko-KR" sz="1900" spc="-150" dirty="0">
-              <a:latin typeface="+mn-ea"/>
-              <a:ea typeface="+mn-ea"/>
-            </a:endParaRPr>
-          </a:p>
-        </p:txBody>
-      </p:sp>
-      <p:pic>
-        <p:nvPicPr>
-          <p:cNvPr id="3" name="그림 2" descr="텍스트이(가) 표시된 사진&#10;&#10;자동 생성된 설명">
-            <a:extLst>
-              <a:ext uri="{FF2B5EF4-FFF2-40B4-BE49-F238E27FC236}">
-                <a16:creationId xmlns:a16="http://schemas.microsoft.com/office/drawing/2014/main" id="{7931AA1A-24A1-0E51-3D4F-55486F16BF04}"/>
-              </a:ext>
-            </a:extLst>
-          </p:cNvPr>
-          <p:cNvPicPr>
-            <a:picLocks noChangeAspect="1"/>
-          </p:cNvPicPr>
-          <p:nvPr/>
-        </p:nvPicPr>
-        <p:blipFill rotWithShape="1">
-          <a:blip r:embed="rId3">
-            <a:extLst>
-              <a:ext uri="{28A0092B-C50C-407E-A947-70E740481C1C}">
-                <a14:useLocalDpi xmlns:a14="http://schemas.microsoft.com/office/drawing/2010/main" val="0"/>
-              </a:ext>
-            </a:extLst>
-          </a:blip>
-          <a:srcRect t="75349" r="59869"/>
-          <a:stretch/>
-        </p:blipFill>
-        <p:spPr>
-          <a:xfrm>
-            <a:off x="671439" y="4097602"/>
-            <a:ext cx="2093165" cy="1918282"/>
-          </a:xfrm>
-          <a:prstGeom prst="rect">
-            <a:avLst/>
-          </a:prstGeom>
-        </p:spPr>
-      </p:pic>
-      <p:sp>
-        <p:nvSpPr>
-          <p:cNvPr id="2" name="TextBox 1">
-            <a:extLst>
-              <a:ext uri="{FF2B5EF4-FFF2-40B4-BE49-F238E27FC236}">
-                <a16:creationId xmlns:a16="http://schemas.microsoft.com/office/drawing/2014/main" id="{7E186F57-6B03-B468-D1EE-C9F5C778B93A}"/>
-              </a:ext>
-            </a:extLst>
-          </p:cNvPr>
-          <p:cNvSpPr txBox="1"/>
-          <p:nvPr/>
-        </p:nvSpPr>
-        <p:spPr>
-          <a:xfrm>
-            <a:off x="1012913" y="6122886"/>
-            <a:ext cx="1410215" cy="323165"/>
-          </a:xfrm>
-          <a:prstGeom prst="rect">
-            <a:avLst/>
-          </a:prstGeom>
-          <a:noFill/>
-        </p:spPr>
-        <p:txBody>
-          <a:bodyPr wrap="square" rtlCol="0">
-            <a:spAutoFit/>
-          </a:bodyPr>
-          <a:lstStyle/>
-          <a:p>
-            <a:pPr algn="ctr"/>
-            <a:r>
-              <a:rPr kumimoji="1" lang="ko-Kore-KR" altLang="en-US" sz="1500" dirty="0">
-                <a:latin typeface="+mn-ea"/>
-              </a:rPr>
-              <a:t>블러</a:t>
-            </a:r>
-            <a:r>
-              <a:rPr kumimoji="1" lang="ko-KR" altLang="en-US" sz="1500" dirty="0">
-                <a:latin typeface="+mn-ea"/>
-              </a:rPr>
-              <a:t> 처리 전</a:t>
-            </a:r>
-            <a:endParaRPr kumimoji="1" lang="ko-Kore-KR" altLang="en-US" sz="1500" dirty="0">
-              <a:latin typeface="+mn-ea"/>
-            </a:endParaRPr>
-          </a:p>
-        </p:txBody>
-      </p:sp>
-      <p:pic>
-        <p:nvPicPr>
-          <p:cNvPr id="8" name="그림 7" descr="텍스트이(가) 표시된 사진&#10;&#10;자동 생성된 설명">
-            <a:extLst>
-              <a:ext uri="{FF2B5EF4-FFF2-40B4-BE49-F238E27FC236}">
-                <a16:creationId xmlns:a16="http://schemas.microsoft.com/office/drawing/2014/main" id="{BCF0E9DD-A7C0-44FA-357C-7DC8CE9E64DA}"/>
-              </a:ext>
-            </a:extLst>
-          </p:cNvPr>
-          <p:cNvPicPr>
-            <a:picLocks noChangeAspect="1"/>
-          </p:cNvPicPr>
-          <p:nvPr/>
-        </p:nvPicPr>
-        <p:blipFill rotWithShape="1">
-          <a:blip r:embed="rId4">
-            <a:extLst>
-              <a:ext uri="{28A0092B-C50C-407E-A947-70E740481C1C}">
-                <a14:useLocalDpi xmlns:a14="http://schemas.microsoft.com/office/drawing/2010/main" val="0"/>
-              </a:ext>
-            </a:extLst>
-          </a:blip>
-          <a:srcRect t="76692" r="62783" b="321"/>
-          <a:stretch/>
-        </p:blipFill>
-        <p:spPr>
-          <a:xfrm>
-            <a:off x="3472439" y="4097603"/>
-            <a:ext cx="2034159" cy="1918282"/>
-          </a:xfrm>
-          <a:prstGeom prst="rect">
-            <a:avLst/>
-          </a:prstGeom>
-        </p:spPr>
-      </p:pic>
-      <p:sp>
-        <p:nvSpPr>
-          <p:cNvPr id="10" name="TextBox 9">
-            <a:extLst>
-              <a:ext uri="{FF2B5EF4-FFF2-40B4-BE49-F238E27FC236}">
-                <a16:creationId xmlns:a16="http://schemas.microsoft.com/office/drawing/2014/main" id="{5C0B1878-20E2-1B89-E580-5D832AC7117D}"/>
-              </a:ext>
-            </a:extLst>
-          </p:cNvPr>
-          <p:cNvSpPr txBox="1"/>
-          <p:nvPr/>
-        </p:nvSpPr>
-        <p:spPr>
-          <a:xfrm>
-            <a:off x="3777379" y="6122886"/>
-            <a:ext cx="1410215" cy="323165"/>
-          </a:xfrm>
-          <a:prstGeom prst="rect">
-            <a:avLst/>
-          </a:prstGeom>
-          <a:noFill/>
-        </p:spPr>
-        <p:txBody>
-          <a:bodyPr wrap="square" rtlCol="0">
-            <a:spAutoFit/>
-          </a:bodyPr>
-          <a:lstStyle/>
-          <a:p>
-            <a:pPr algn="ctr"/>
-            <a:r>
-              <a:rPr kumimoji="1" lang="ko-Kore-KR" altLang="en-US" sz="1500" dirty="0">
-                <a:latin typeface="+mn-ea"/>
-              </a:rPr>
-              <a:t>블러</a:t>
-            </a:r>
-            <a:r>
-              <a:rPr kumimoji="1" lang="ko-KR" altLang="en-US" sz="1500" dirty="0">
-                <a:latin typeface="+mn-ea"/>
-              </a:rPr>
-              <a:t> 처리 후</a:t>
-            </a:r>
-            <a:endParaRPr kumimoji="1" lang="ko-Kore-KR" altLang="en-US" sz="1500" dirty="0">
-              <a:latin typeface="+mn-ea"/>
-            </a:endParaRPr>
-          </a:p>
-        </p:txBody>
-      </p:sp>
-      <p:pic>
-        <p:nvPicPr>
-          <p:cNvPr id="12" name="그림 11">
-            <a:extLst>
-              <a:ext uri="{FF2B5EF4-FFF2-40B4-BE49-F238E27FC236}">
-                <a16:creationId xmlns:a16="http://schemas.microsoft.com/office/drawing/2014/main" id="{B1FADF85-8027-E373-D6BD-BDF32BD03BC0}"/>
-              </a:ext>
-            </a:extLst>
-          </p:cNvPr>
-          <p:cNvPicPr>
-            <a:picLocks noChangeAspect="1"/>
-          </p:cNvPicPr>
-          <p:nvPr/>
-        </p:nvPicPr>
-        <p:blipFill>
-          <a:blip r:embed="rId5">
-            <a:extLst>
-              <a:ext uri="{28A0092B-C50C-407E-A947-70E740481C1C}">
-                <a14:useLocalDpi xmlns:a14="http://schemas.microsoft.com/office/drawing/2010/main" val="0"/>
-              </a:ext>
-            </a:extLst>
-          </a:blip>
-          <a:stretch>
-            <a:fillRect/>
-          </a:stretch>
-        </p:blipFill>
-        <p:spPr>
-          <a:xfrm>
-            <a:off x="8567320" y="1611524"/>
-            <a:ext cx="2364027" cy="4202716"/>
-          </a:xfrm>
-          <a:prstGeom prst="rect">
-            <a:avLst/>
-          </a:prstGeom>
-          <a:ln w="19050">
-            <a:solidFill>
-              <a:schemeClr val="tx1"/>
-            </a:solidFill>
-          </a:ln>
-        </p:spPr>
-      </p:pic>
-      <p:sp>
-        <p:nvSpPr>
-          <p:cNvPr id="13" name="TextBox 12">
-            <a:extLst>
-              <a:ext uri="{FF2B5EF4-FFF2-40B4-BE49-F238E27FC236}">
-                <a16:creationId xmlns:a16="http://schemas.microsoft.com/office/drawing/2014/main" id="{7FB0B9D1-B55B-C930-1D32-2DE39CF2940A}"/>
-              </a:ext>
-            </a:extLst>
-          </p:cNvPr>
-          <p:cNvSpPr txBox="1"/>
-          <p:nvPr/>
-        </p:nvSpPr>
-        <p:spPr>
-          <a:xfrm>
-            <a:off x="9044225" y="5830108"/>
-            <a:ext cx="1410215" cy="323165"/>
-          </a:xfrm>
-          <a:prstGeom prst="rect">
-            <a:avLst/>
-          </a:prstGeom>
-          <a:noFill/>
-        </p:spPr>
-        <p:txBody>
-          <a:bodyPr wrap="square" rtlCol="0">
-            <a:spAutoFit/>
-          </a:bodyPr>
-          <a:lstStyle/>
-          <a:p>
-            <a:pPr algn="ctr"/>
-            <a:r>
-              <a:rPr kumimoji="1" lang="ko-KR" altLang="en-US" sz="1500" dirty="0">
-                <a:latin typeface="+mn-ea"/>
-              </a:rPr>
-              <a:t>원본 이미지</a:t>
-            </a:r>
-            <a:endParaRPr kumimoji="1" lang="ko-Kore-KR" altLang="en-US" sz="1500" dirty="0">
-              <a:latin typeface="+mn-ea"/>
-            </a:endParaRPr>
-          </a:p>
         </p:txBody>
       </p:sp>
     </p:spTree>
     <p:extLst>
       <p:ext uri="{BB962C8B-B14F-4D97-AF65-F5344CB8AC3E}">
-        <p14:creationId xmlns:p14="http://schemas.microsoft.com/office/powerpoint/2010/main" val="90834249"/>
+        <p14:creationId xmlns:p14="http://schemas.microsoft.com/office/powerpoint/2010/main" val="3233515066"/>
       </p:ext>
     </p:extLst>
   </p:cSld>
@@ -4972,11 +4855,14 @@
               <a:defRPr/>
             </a:pPr>
             <a:r>
-              <a:rPr lang="ko-KR" altLang="en-US" sz="4000" spc="-185" dirty="0">
+              <a:rPr lang="en-US" altLang="ko-KR" sz="4000" spc="-185" dirty="0">
                 <a:latin typeface="+mj-ea"/>
               </a:rPr>
-              <a:t>최종 전처리 코드</a:t>
-            </a:r>
+              <a:t>Mission 3</a:t>
+            </a:r>
+            <a:endParaRPr lang="ko-KR" altLang="en-US" sz="4000" spc="-185" dirty="0">
+              <a:latin typeface="+mj-ea"/>
+            </a:endParaRPr>
           </a:p>
         </p:txBody>
       </p:sp>
@@ -4990,8 +4876,8 @@
         </p:nvSpPr>
         <p:spPr>
           <a:xfrm>
-            <a:off x="363552" y="1547727"/>
-            <a:ext cx="11393019" cy="445258"/>
+            <a:off x="363552" y="1669214"/>
+            <a:ext cx="11393019" cy="4379894"/>
           </a:xfrm>
           <a:prstGeom prst="rect">
             <a:avLst/>
@@ -5025,42 +4911,42 @@
               <a:defRPr/>
             </a:pPr>
             <a:r>
-              <a:rPr lang="en-US" altLang="ko-KR" sz="2100" spc="-185" dirty="0">
-                <a:latin typeface="+mn-ea"/>
-                <a:ea typeface="+mn-ea"/>
-              </a:rPr>
-              <a:t>2-1. </a:t>
-            </a:r>
-            <a:r>
-              <a:rPr lang="ko-KR" altLang="en-US" sz="2100" spc="-185" dirty="0">
-                <a:latin typeface="+mn-ea"/>
-                <a:ea typeface="+mn-ea"/>
-              </a:rPr>
-              <a:t>이미지 크기를 적절히 조절하거나</a:t>
-            </a:r>
-            <a:r>
-              <a:rPr lang="en-US" altLang="ko-KR" sz="2100" spc="-185" dirty="0">
-                <a:latin typeface="+mn-ea"/>
-                <a:ea typeface="+mn-ea"/>
-              </a:rPr>
-              <a:t>, </a:t>
-            </a:r>
-            <a:r>
-              <a:rPr lang="ko-KR" altLang="en-US" sz="2100" spc="-185" dirty="0">
-                <a:latin typeface="+mn-ea"/>
-                <a:ea typeface="+mn-ea"/>
-              </a:rPr>
-              <a:t>해상도를 조절하여 학습 데이터 셋을 </a:t>
-            </a:r>
-            <a:r>
-              <a:rPr lang="ko-KR" altLang="en-US" sz="2100" spc="-185" dirty="0" err="1">
-                <a:latin typeface="+mn-ea"/>
-                <a:ea typeface="+mn-ea"/>
-              </a:rPr>
-              <a:t>구축하시오</a:t>
-            </a:r>
-            <a:r>
-              <a:rPr lang="en-US" altLang="ko-KR" sz="2100" spc="-185" dirty="0">
+              <a:rPr lang="en-US" altLang="ko-KR" sz="2100" spc="-150" dirty="0">
+                <a:latin typeface="+mn-ea"/>
+                <a:ea typeface="+mn-ea"/>
+              </a:rPr>
+              <a:t>3-1. </a:t>
+            </a:r>
+            <a:r>
+              <a:rPr lang="ko-KR" altLang="en-US" sz="2100" spc="-150" dirty="0">
+                <a:latin typeface="+mn-ea"/>
+                <a:ea typeface="+mn-ea"/>
+              </a:rPr>
+              <a:t>분류 문제를 수행하여 </a:t>
+            </a:r>
+            <a:r>
+              <a:rPr lang="en" altLang="ko-KR" sz="2100" spc="-150" dirty="0">
+                <a:latin typeface="+mn-ea"/>
+                <a:ea typeface="+mn-ea"/>
+              </a:rPr>
+              <a:t>Validation </a:t>
+            </a:r>
+            <a:r>
+              <a:rPr lang="ko-KR" altLang="en-US" sz="2100" spc="-150" dirty="0">
+                <a:latin typeface="+mn-ea"/>
+                <a:ea typeface="+mn-ea"/>
+              </a:rPr>
+              <a:t>데이터의 라벨 별 정확도를 </a:t>
+            </a:r>
+            <a:r>
+              <a:rPr lang="ko-KR" altLang="en-US" sz="2100" spc="-150" dirty="0" err="1">
+                <a:latin typeface="+mn-ea"/>
+                <a:ea typeface="+mn-ea"/>
+              </a:rPr>
+              <a:t>제시하시오</a:t>
+            </a:r>
+            <a:r>
+              <a:rPr lang="en-US" altLang="ko-KR" sz="2100" spc="-150" dirty="0">
                 <a:latin typeface="+mn-ea"/>
                 <a:ea typeface="+mn-ea"/>
               </a:rPr>
@@ -5071,506 +4957,35 @@
             <a:pPr>
               <a:defRPr/>
             </a:pPr>
-            <a:endParaRPr lang="en-US" altLang="ko-KR" sz="2100" spc="-185" dirty="0">
+            <a:endParaRPr lang="en-US" altLang="ko-KR" sz="2100" spc="-150" dirty="0">
               <a:latin typeface="+mn-ea"/>
               <a:ea typeface="+mn-ea"/>
             </a:endParaRPr>
           </a:p>
-        </p:txBody>
-      </p:sp>
-      <p:sp>
-        <p:nvSpPr>
-          <p:cNvPr id="5" name="TextBox 4">
+          <a:p>
+            <a:pPr>
+              <a:defRPr/>
+            </a:pPr>
+            <a:r>
+              <a:rPr lang="en-US" altLang="ko-KR" sz="2100" spc="-150" dirty="0">
+                <a:latin typeface="+mn-ea"/>
+                <a:ea typeface="+mn-ea"/>
+              </a:rPr>
+              <a:t>Answer:</a:t>
+            </a:r>
+            <a:endParaRPr lang="ko-KR" altLang="en-US" sz="2100" spc="-150" dirty="0">
+              <a:latin typeface="+mn-ea"/>
+              <a:ea typeface="+mn-ea"/>
+            </a:endParaRPr>
+          </a:p>
+        </p:txBody>
+      </p:sp>
+      <p:pic>
+        <p:nvPicPr>
+          <p:cNvPr id="4" name="그림 3" descr="테이블이(가) 표시된 사진&#10;&#10;자동 생성된 설명">
             <a:extLst>
               <a:ext uri="{FF2B5EF4-FFF2-40B4-BE49-F238E27FC236}">
-                <a16:creationId xmlns:a16="http://schemas.microsoft.com/office/drawing/2014/main" id="{BE27B679-F534-AA60-6303-182A391D5CE6}"/>
-              </a:ext>
-            </a:extLst>
-          </p:cNvPr>
-          <p:cNvSpPr txBox="1"/>
-          <p:nvPr/>
-        </p:nvSpPr>
-        <p:spPr>
-          <a:xfrm>
-            <a:off x="4359842" y="1996181"/>
-            <a:ext cx="7448077" cy="4421595"/>
-          </a:xfrm>
-          <a:prstGeom prst="rect">
-            <a:avLst/>
-          </a:prstGeom>
-          <a:noFill/>
-        </p:spPr>
-        <p:txBody>
-          <a:bodyPr wrap="square" rtlCol="0" anchor="ctr">
-            <a:spAutoFit/>
-          </a:bodyPr>
-          <a:lstStyle/>
-          <a:p>
-            <a:pPr>
-              <a:lnSpc>
-                <a:spcPct val="150000"/>
-              </a:lnSpc>
-              <a:defRPr/>
-            </a:pPr>
-            <a:r>
-              <a:rPr lang="en-US" altLang="ko-KR" sz="1900" spc="-150" dirty="0">
-                <a:latin typeface="+mn-ea"/>
-              </a:rPr>
-              <a:t>1.</a:t>
-            </a:r>
-            <a:r>
-              <a:rPr lang="ko-KR" altLang="en-US" sz="1900" spc="-150" dirty="0">
-                <a:latin typeface="+mn-ea"/>
-              </a:rPr>
-              <a:t> 이미지의 위</a:t>
-            </a:r>
-            <a:r>
-              <a:rPr lang="en-US" altLang="ko-KR" sz="1900" spc="-150" dirty="0">
-                <a:latin typeface="+mn-ea"/>
-              </a:rPr>
-              <a:t>,</a:t>
-            </a:r>
-            <a:r>
-              <a:rPr lang="ko-KR" altLang="en-US" sz="1900" spc="-150" dirty="0">
-                <a:latin typeface="+mn-ea"/>
-              </a:rPr>
-              <a:t> 아래</a:t>
-            </a:r>
-            <a:r>
-              <a:rPr lang="en-US" altLang="ko-KR" sz="1900" spc="-150" dirty="0">
-                <a:latin typeface="+mn-ea"/>
-              </a:rPr>
-              <a:t>,</a:t>
-            </a:r>
-            <a:r>
-              <a:rPr lang="ko-KR" altLang="en-US" sz="1900" spc="-150" dirty="0">
-                <a:latin typeface="+mn-ea"/>
-              </a:rPr>
-              <a:t> 양 옆을 강제로 제거한다</a:t>
-            </a:r>
-            <a:r>
-              <a:rPr lang="en-US" altLang="ko-KR" sz="1900" spc="-150" dirty="0">
-                <a:latin typeface="+mn-ea"/>
-              </a:rPr>
-              <a:t>.</a:t>
-            </a:r>
-          </a:p>
-          <a:p>
-            <a:pPr>
-              <a:lnSpc>
-                <a:spcPct val="150000"/>
-              </a:lnSpc>
-              <a:defRPr/>
-            </a:pPr>
-            <a:r>
-              <a:rPr lang="en-US" altLang="ko-KR" sz="1900" spc="-150" dirty="0">
-                <a:latin typeface="+mn-ea"/>
-              </a:rPr>
-              <a:t>2.</a:t>
-            </a:r>
-            <a:r>
-              <a:rPr lang="ko-KR" altLang="en-US" sz="1900" spc="-150" dirty="0">
-                <a:latin typeface="+mn-ea"/>
-              </a:rPr>
-              <a:t> 이미지의 해상도를 낮추고</a:t>
-            </a:r>
-            <a:r>
-              <a:rPr lang="en-US" altLang="ko-KR" sz="1900" spc="-150" dirty="0">
-                <a:latin typeface="+mn-ea"/>
-              </a:rPr>
-              <a:t>,</a:t>
-            </a:r>
-            <a:r>
-              <a:rPr lang="ko-KR" altLang="en-US" sz="1900" spc="-150" dirty="0">
-                <a:latin typeface="+mn-ea"/>
-              </a:rPr>
-              <a:t> </a:t>
-            </a:r>
-            <a:r>
-              <a:rPr lang="en-US" altLang="ko-KR" sz="1900" spc="-150" dirty="0">
-                <a:latin typeface="+mn-ea"/>
-              </a:rPr>
-              <a:t>Gray Scale</a:t>
-            </a:r>
-            <a:r>
-              <a:rPr lang="ko-KR" altLang="en-US" sz="1900" spc="-150" dirty="0">
-                <a:latin typeface="+mn-ea"/>
-              </a:rPr>
-              <a:t>로 전환한다</a:t>
-            </a:r>
-            <a:r>
-              <a:rPr lang="en-US" altLang="ko-KR" sz="1900" spc="-150" dirty="0">
-                <a:latin typeface="+mn-ea"/>
-              </a:rPr>
-              <a:t>.</a:t>
-            </a:r>
-            <a:r>
-              <a:rPr lang="ko-KR" altLang="en-US" sz="1900" spc="-150" dirty="0">
-                <a:latin typeface="+mn-ea"/>
-              </a:rPr>
-              <a:t> </a:t>
-            </a:r>
-            <a:endParaRPr lang="en-US" altLang="ko-KR" sz="1900" spc="-150" dirty="0">
-              <a:latin typeface="+mn-ea"/>
-            </a:endParaRPr>
-          </a:p>
-          <a:p>
-            <a:pPr>
-              <a:lnSpc>
-                <a:spcPct val="150000"/>
-              </a:lnSpc>
-              <a:defRPr/>
-            </a:pPr>
-            <a:r>
-              <a:rPr lang="en-US" altLang="ko-KR" sz="1900" spc="-150" dirty="0">
-                <a:latin typeface="+mn-ea"/>
-              </a:rPr>
-              <a:t>3.</a:t>
-            </a:r>
-            <a:r>
-              <a:rPr lang="ko-KR" altLang="en-US" sz="1900" spc="-150" dirty="0">
-                <a:latin typeface="+mn-ea"/>
-              </a:rPr>
-              <a:t> </a:t>
-            </a:r>
-            <a:r>
-              <a:rPr lang="en-US" altLang="ko-KR" sz="1900" spc="-150" dirty="0">
-                <a:latin typeface="+mn-ea"/>
-              </a:rPr>
-              <a:t>Adaptive</a:t>
-            </a:r>
-            <a:r>
-              <a:rPr lang="ko-KR" altLang="en-US" sz="1900" spc="-150" dirty="0">
-                <a:latin typeface="+mn-ea"/>
-              </a:rPr>
-              <a:t> </a:t>
-            </a:r>
-            <a:r>
-              <a:rPr lang="en-US" altLang="ko-KR" sz="1900" spc="-150" dirty="0">
-                <a:latin typeface="+mn-ea"/>
-              </a:rPr>
-              <a:t>Threshold</a:t>
-            </a:r>
-            <a:r>
-              <a:rPr lang="ko-KR" altLang="en-US" sz="1900" spc="-150" dirty="0">
-                <a:latin typeface="+mn-ea"/>
-              </a:rPr>
-              <a:t> 함수를 이용해 이미지 이진화를 한다</a:t>
-            </a:r>
-            <a:r>
-              <a:rPr lang="en-US" altLang="ko-KR" sz="1900" spc="-150" dirty="0">
-                <a:latin typeface="+mn-ea"/>
-              </a:rPr>
-              <a:t>.</a:t>
-            </a:r>
-          </a:p>
-          <a:p>
-            <a:pPr>
-              <a:lnSpc>
-                <a:spcPct val="150000"/>
-              </a:lnSpc>
-              <a:defRPr/>
-            </a:pPr>
-            <a:r>
-              <a:rPr lang="en-US" altLang="ko-KR" sz="1900" spc="-150" dirty="0">
-                <a:latin typeface="+mn-ea"/>
-              </a:rPr>
-              <a:t>4.</a:t>
-            </a:r>
-            <a:r>
-              <a:rPr lang="ko-KR" altLang="en-US" sz="1900" spc="-150" dirty="0">
-                <a:latin typeface="+mn-ea"/>
-              </a:rPr>
-              <a:t> 노이즈를 낮추기 위해 </a:t>
-            </a:r>
-            <a:r>
-              <a:rPr lang="en-US" altLang="ko-KR" sz="1900" spc="-150" dirty="0">
-                <a:latin typeface="+mn-ea"/>
-              </a:rPr>
-              <a:t>1</a:t>
-            </a:r>
-            <a:r>
-              <a:rPr lang="ko-KR" altLang="en-US" sz="1900" spc="-150" dirty="0">
-                <a:latin typeface="+mn-ea"/>
-              </a:rPr>
-              <a:t>차적으로 </a:t>
-            </a:r>
-            <a:r>
-              <a:rPr lang="en-US" altLang="ko-KR" sz="1900" spc="-150" dirty="0">
-                <a:latin typeface="+mn-ea"/>
-              </a:rPr>
-              <a:t>Blur</a:t>
-            </a:r>
-            <a:r>
-              <a:rPr lang="ko-KR" altLang="en-US" sz="1900" spc="-150" dirty="0">
-                <a:latin typeface="+mn-ea"/>
-              </a:rPr>
-              <a:t> 처리를 한다</a:t>
-            </a:r>
-            <a:r>
-              <a:rPr lang="en-US" altLang="ko-KR" sz="1900" spc="-150" dirty="0">
-                <a:latin typeface="+mn-ea"/>
-              </a:rPr>
-              <a:t>.</a:t>
-            </a:r>
-          </a:p>
-          <a:p>
-            <a:pPr>
-              <a:lnSpc>
-                <a:spcPct val="150000"/>
-              </a:lnSpc>
-              <a:defRPr/>
-            </a:pPr>
-            <a:r>
-              <a:rPr lang="en-US" altLang="ko-KR" sz="1900" spc="-150" dirty="0">
-                <a:latin typeface="+mn-ea"/>
-              </a:rPr>
-              <a:t>5.</a:t>
-            </a:r>
-            <a:r>
-              <a:rPr lang="ko-KR" altLang="en-US" sz="1900" spc="-150" dirty="0">
-                <a:latin typeface="+mn-ea"/>
-              </a:rPr>
-              <a:t> </a:t>
-            </a:r>
-            <a:r>
-              <a:rPr lang="en-US" altLang="ko-KR" sz="1900" spc="-150" dirty="0">
-                <a:latin typeface="+mn-ea"/>
-              </a:rPr>
-              <a:t>2</a:t>
-            </a:r>
-            <a:r>
-              <a:rPr lang="ko-KR" altLang="en-US" sz="1900" spc="-150" dirty="0">
-                <a:latin typeface="+mn-ea"/>
-              </a:rPr>
-              <a:t>차적으로 커널을 생성하여 </a:t>
-            </a:r>
-            <a:r>
-              <a:rPr lang="en-US" altLang="ko-KR" sz="1900" spc="-150" dirty="0">
-                <a:latin typeface="+mn-ea"/>
-              </a:rPr>
-              <a:t>Morphology </a:t>
-            </a:r>
-            <a:r>
-              <a:rPr lang="ko-KR" altLang="en-US" sz="1900" spc="-150" dirty="0">
-                <a:latin typeface="+mn-ea"/>
-              </a:rPr>
-              <a:t>연산 중 </a:t>
-            </a:r>
-            <a:endParaRPr lang="en-US" altLang="ko-KR" sz="1900" spc="-150" dirty="0">
-              <a:latin typeface="+mn-ea"/>
-            </a:endParaRPr>
-          </a:p>
-          <a:p>
-            <a:pPr>
-              <a:lnSpc>
-                <a:spcPct val="150000"/>
-              </a:lnSpc>
-              <a:defRPr/>
-            </a:pPr>
-            <a:r>
-              <a:rPr lang="en-US" altLang="ko-KR" sz="1900" spc="-150" dirty="0">
-                <a:latin typeface="+mn-ea"/>
-              </a:rPr>
-              <a:t>closing </a:t>
-            </a:r>
-            <a:r>
-              <a:rPr lang="ko-KR" altLang="en-US" sz="1900" spc="-150" dirty="0">
-                <a:latin typeface="+mn-ea"/>
-              </a:rPr>
-              <a:t>연산과 </a:t>
-            </a:r>
-            <a:r>
-              <a:rPr lang="en-US" altLang="ko-KR" sz="1900" spc="-150" dirty="0">
-                <a:latin typeface="+mn-ea"/>
-              </a:rPr>
-              <a:t>gradient </a:t>
-            </a:r>
-            <a:r>
-              <a:rPr lang="ko-KR" altLang="en-US" sz="1900" spc="-150" dirty="0">
-                <a:latin typeface="+mn-ea"/>
-              </a:rPr>
-              <a:t>연산을 거친다</a:t>
-            </a:r>
-            <a:r>
-              <a:rPr lang="en-US" altLang="ko-KR" sz="1900" spc="-150" dirty="0">
-                <a:latin typeface="+mn-ea"/>
-              </a:rPr>
-              <a:t>.</a:t>
-            </a:r>
-          </a:p>
-          <a:p>
-            <a:pPr>
-              <a:lnSpc>
-                <a:spcPct val="150000"/>
-              </a:lnSpc>
-              <a:defRPr/>
-            </a:pPr>
-            <a:r>
-              <a:rPr lang="en-US" altLang="ko-KR" sz="1900" spc="-150" dirty="0">
-                <a:latin typeface="+mn-ea"/>
-              </a:rPr>
-              <a:t>6.</a:t>
-            </a:r>
-            <a:r>
-              <a:rPr lang="ko-KR" altLang="en-US" sz="1900" spc="-150" dirty="0">
-                <a:latin typeface="+mn-ea"/>
-              </a:rPr>
-              <a:t> </a:t>
-            </a:r>
-            <a:r>
-              <a:rPr lang="en-US" altLang="ko-KR" sz="1900" spc="-150" dirty="0">
-                <a:latin typeface="+mn-ea"/>
-              </a:rPr>
-              <a:t>Find</a:t>
-            </a:r>
-            <a:r>
-              <a:rPr lang="ko-KR" altLang="en-US" sz="1900" spc="-150" dirty="0">
-                <a:latin typeface="+mn-ea"/>
-              </a:rPr>
-              <a:t> </a:t>
-            </a:r>
-            <a:r>
-              <a:rPr lang="en-US" altLang="ko-KR" sz="1900" spc="-150" dirty="0">
-                <a:latin typeface="+mn-ea"/>
-              </a:rPr>
-              <a:t>Contours</a:t>
-            </a:r>
-            <a:r>
-              <a:rPr lang="ko-KR" altLang="en-US" sz="1900" spc="-150" dirty="0">
-                <a:latin typeface="+mn-ea"/>
-              </a:rPr>
-              <a:t> 함수를 이용해 경계 값을 도출한 후 </a:t>
-            </a:r>
-            <a:endParaRPr lang="en-US" altLang="ko-KR" sz="1900" spc="-150" dirty="0">
-              <a:latin typeface="+mn-ea"/>
-            </a:endParaRPr>
-          </a:p>
-          <a:p>
-            <a:pPr>
-              <a:lnSpc>
-                <a:spcPct val="150000"/>
-              </a:lnSpc>
-              <a:defRPr/>
-            </a:pPr>
-            <a:r>
-              <a:rPr lang="ko-KR" altLang="en-US" sz="1900" spc="-150" dirty="0">
-                <a:latin typeface="+mn-ea"/>
-              </a:rPr>
-              <a:t>그 경계 값으로 사각형을 생성해 이미지 </a:t>
-            </a:r>
-            <a:r>
-              <a:rPr lang="en-US" altLang="ko-KR" sz="1900" spc="-150" dirty="0">
-                <a:latin typeface="+mn-ea"/>
-              </a:rPr>
-              <a:t>trimming </a:t>
-            </a:r>
-            <a:r>
-              <a:rPr lang="ko-KR" altLang="en-US" sz="1900" spc="-150" dirty="0">
-                <a:latin typeface="+mn-ea"/>
-              </a:rPr>
-              <a:t>좌표를 생성한다</a:t>
-            </a:r>
-            <a:r>
-              <a:rPr lang="en-US" altLang="ko-KR" sz="1900" spc="-150" dirty="0">
-                <a:latin typeface="+mn-ea"/>
-              </a:rPr>
-              <a:t>.</a:t>
-            </a:r>
-          </a:p>
-          <a:p>
-            <a:pPr>
-              <a:lnSpc>
-                <a:spcPct val="150000"/>
-              </a:lnSpc>
-              <a:defRPr/>
-            </a:pPr>
-            <a:r>
-              <a:rPr lang="en-US" altLang="ko-KR" sz="1900" spc="-150" dirty="0">
-                <a:latin typeface="+mn-ea"/>
-              </a:rPr>
-              <a:t>7.</a:t>
-            </a:r>
-            <a:r>
-              <a:rPr lang="ko-KR" altLang="en-US" sz="1900" spc="-150" dirty="0">
-                <a:latin typeface="+mn-ea"/>
-              </a:rPr>
-              <a:t> 적응형 이진화 된 이미지를 </a:t>
-            </a:r>
-            <a:r>
-              <a:rPr lang="en-US" altLang="ko-KR" sz="1900" spc="-150" dirty="0">
-                <a:latin typeface="+mn-ea"/>
-              </a:rPr>
-              <a:t>6</a:t>
-            </a:r>
-            <a:r>
-              <a:rPr lang="ko-KR" altLang="en-US" sz="1900" spc="-150" dirty="0">
-                <a:latin typeface="+mn-ea"/>
-              </a:rPr>
-              <a:t>번에서 구한 좌표로 자르고</a:t>
-            </a:r>
-            <a:endParaRPr lang="en-US" altLang="ko-KR" sz="1900" spc="-150" dirty="0">
-              <a:latin typeface="+mn-ea"/>
-            </a:endParaRPr>
-          </a:p>
-          <a:p>
-            <a:pPr>
-              <a:lnSpc>
-                <a:spcPct val="150000"/>
-              </a:lnSpc>
-              <a:defRPr/>
-            </a:pPr>
-            <a:r>
-              <a:rPr lang="en-US" altLang="ko-KR" sz="1900" spc="-150" dirty="0">
-                <a:latin typeface="+mn-ea"/>
-              </a:rPr>
-              <a:t>32 x 32 </a:t>
-            </a:r>
-            <a:r>
-              <a:rPr lang="ko-KR" altLang="en-US" sz="1900" spc="-150" dirty="0">
-                <a:latin typeface="+mn-ea"/>
-              </a:rPr>
-              <a:t>사이즈로 </a:t>
-            </a:r>
-            <a:r>
-              <a:rPr lang="en-US" altLang="ko-KR" sz="1900" spc="-150" dirty="0">
-                <a:latin typeface="+mn-ea"/>
-              </a:rPr>
-              <a:t>Resize</a:t>
-            </a:r>
-            <a:r>
-              <a:rPr lang="ko-KR" altLang="en-US" sz="1900" spc="-150" dirty="0">
-                <a:latin typeface="+mn-ea"/>
-              </a:rPr>
-              <a:t> 후 </a:t>
-            </a:r>
-            <a:r>
-              <a:rPr lang="en-US" altLang="ko-KR" sz="1900" spc="-150" dirty="0">
-                <a:latin typeface="+mn-ea"/>
-              </a:rPr>
-              <a:t>Return </a:t>
-            </a:r>
-            <a:r>
-              <a:rPr lang="ko-KR" altLang="en-US" sz="1900" spc="-150" dirty="0">
-                <a:latin typeface="+mn-ea"/>
-              </a:rPr>
-              <a:t>한다</a:t>
-            </a:r>
-            <a:r>
-              <a:rPr lang="en-US" altLang="ko-KR" sz="1900" spc="-150" dirty="0">
-                <a:latin typeface="+mn-ea"/>
-              </a:rPr>
-              <a:t>.</a:t>
-            </a:r>
-          </a:p>
-        </p:txBody>
-      </p:sp>
-      <p:pic>
-        <p:nvPicPr>
-          <p:cNvPr id="6" name="그림 5">
-            <a:extLst>
-              <a:ext uri="{FF2B5EF4-FFF2-40B4-BE49-F238E27FC236}">
-                <a16:creationId xmlns:a16="http://schemas.microsoft.com/office/drawing/2014/main" id="{EE882DA8-81DF-FCCE-25FC-03A2CCC2406C}"/>
+                <a16:creationId xmlns:a16="http://schemas.microsoft.com/office/drawing/2014/main" id="{312554CB-C5B7-4B87-8A4D-F16B4EF232A1}"/>
               </a:ext>
             </a:extLst>
           </p:cNvPr>
@@ -5580,15 +4995,57 @@
           <p:nvPr/>
         </p:nvPicPr>
         <p:blipFill>
-          <a:blip r:embed="rId3"/>
+          <a:blip r:embed="rId3">
+            <a:extLst>
+              <a:ext uri="{28A0092B-C50C-407E-A947-70E740481C1C}">
+                <a14:useLocalDpi xmlns:a14="http://schemas.microsoft.com/office/drawing/2010/main" val="0"/>
+              </a:ext>
+            </a:extLst>
+          </a:blip>
           <a:stretch>
             <a:fillRect/>
           </a:stretch>
         </p:blipFill>
         <p:spPr>
           <a:xfrm>
-            <a:off x="618810" y="1991157"/>
-            <a:ext cx="3282518" cy="4772643"/>
+            <a:off x="6091321" y="2752560"/>
+            <a:ext cx="5768386" cy="2296154"/>
+          </a:xfrm>
+          <a:prstGeom prst="rect">
+            <a:avLst/>
+          </a:prstGeom>
+        </p:spPr>
+      </p:pic>
+      <p:pic>
+        <p:nvPicPr>
+          <p:cNvPr id="6" name="그림 5">
+            <a:extLst>
+              <a:ext uri="{FF2B5EF4-FFF2-40B4-BE49-F238E27FC236}">
+                <a16:creationId xmlns:a16="http://schemas.microsoft.com/office/drawing/2014/main" id="{42F7AE86-68F0-5D73-9E81-16D3A2941D74}"/>
+              </a:ext>
+            </a:extLst>
+          </p:cNvPr>
+          <p:cNvPicPr>
+            <a:picLocks noChangeAspect="1"/>
+          </p:cNvPicPr>
+          <p:nvPr/>
+        </p:nvPicPr>
+        <p:blipFill>
+          <a:blip r:embed="rId4">
+            <a:extLst>
+              <a:ext uri="{28A0092B-C50C-407E-A947-70E740481C1C}">
+                <a14:useLocalDpi xmlns:a14="http://schemas.microsoft.com/office/drawing/2010/main" val="0"/>
+              </a:ext>
+            </a:extLst>
+          </a:blip>
+          <a:stretch>
+            <a:fillRect/>
+          </a:stretch>
+        </p:blipFill>
+        <p:spPr>
+          <a:xfrm>
+            <a:off x="522197" y="2752560"/>
+            <a:ext cx="5410479" cy="3234026"/>
           </a:xfrm>
           <a:prstGeom prst="rect">
             <a:avLst/>
@@ -5598,7 +5055,7 @@
     </p:spTree>
     <p:extLst>
       <p:ext uri="{BB962C8B-B14F-4D97-AF65-F5344CB8AC3E}">
-        <p14:creationId xmlns:p14="http://schemas.microsoft.com/office/powerpoint/2010/main" val="1442489701"/>
+        <p14:creationId xmlns:p14="http://schemas.microsoft.com/office/powerpoint/2010/main" val="1245507834"/>
       </p:ext>
     </p:extLst>
   </p:cSld>
@@ -5684,7 +5141,7 @@
               <a:rPr lang="en-US" altLang="ko-KR" sz="4000" spc="-185" dirty="0">
                 <a:latin typeface="+mj-ea"/>
               </a:rPr>
-              <a:t>Mission 2</a:t>
+              <a:t>Mission 3</a:t>
             </a:r>
             <a:endParaRPr lang="ko-KR" altLang="en-US" sz="4000" spc="-185" dirty="0">
               <a:latin typeface="+mj-ea"/>
@@ -5702,8 +5159,8 @@
         </p:nvSpPr>
         <p:spPr>
           <a:xfrm>
-            <a:off x="363552" y="1507970"/>
-            <a:ext cx="11523648" cy="4488793"/>
+            <a:off x="363552" y="1669214"/>
+            <a:ext cx="11393019" cy="4379894"/>
           </a:xfrm>
           <a:prstGeom prst="rect">
             <a:avLst/>
@@ -5735,7 +5192,7 @@
           <a:p>
             <a:pPr>
               <a:lnSpc>
-                <a:spcPct val="150000"/>
+                <a:spcPct val="120000"/>
               </a:lnSpc>
               <a:defRPr/>
             </a:pPr>
@@ -5744,83 +5201,34 @@
                 <a:latin typeface="+mn-ea"/>
                 <a:ea typeface="+mn-ea"/>
               </a:rPr>
-              <a:t>2-2. Color</a:t>
+              <a:t>3-2. </a:t>
             </a:r>
             <a:r>
               <a:rPr lang="ko-KR" altLang="en-US" sz="2100" spc="-150" dirty="0">
                 <a:latin typeface="+mn-ea"/>
                 <a:ea typeface="+mn-ea"/>
               </a:rPr>
-              <a:t>는 자세한 정보지만</a:t>
+              <a:t>정확도를 올리는 작업을 수행하고 작업 수행과정을 </a:t>
+            </a:r>
+            <a:r>
+              <a:rPr lang="ko-KR" altLang="en-US" sz="2100" spc="-150" dirty="0" err="1">
+                <a:latin typeface="+mn-ea"/>
+                <a:ea typeface="+mn-ea"/>
+              </a:rPr>
+              <a:t>설명하시오</a:t>
             </a:r>
             <a:r>
               <a:rPr lang="en-US" altLang="ko-KR" sz="2100" spc="-150" dirty="0">
                 <a:latin typeface="+mn-ea"/>
                 <a:ea typeface="+mn-ea"/>
               </a:rPr>
-              <a:t>, </a:t>
-            </a:r>
-            <a:r>
-              <a:rPr lang="ko-KR" altLang="en-US" sz="2100" spc="-150" dirty="0">
-                <a:latin typeface="+mn-ea"/>
-                <a:ea typeface="+mn-ea"/>
-              </a:rPr>
-              <a:t>데이터가 크고</a:t>
-            </a:r>
-            <a:r>
-              <a:rPr lang="en-US" altLang="ko-KR" sz="2100" spc="-150" dirty="0">
-                <a:latin typeface="+mn-ea"/>
-                <a:ea typeface="+mn-ea"/>
-              </a:rPr>
-              <a:t>, Gray</a:t>
-            </a:r>
-            <a:r>
-              <a:rPr lang="ko-KR" altLang="en-US" sz="2100" spc="-150" dirty="0">
-                <a:latin typeface="+mn-ea"/>
-                <a:ea typeface="+mn-ea"/>
-              </a:rPr>
-              <a:t>는 덜 자세하지만 데이터가 작아</a:t>
-            </a:r>
-            <a:r>
-              <a:rPr lang="en-US" altLang="ko-KR" sz="2100" spc="-150" dirty="0">
-                <a:latin typeface="+mn-ea"/>
-                <a:ea typeface="+mn-ea"/>
-              </a:rPr>
-              <a:t> </a:t>
-            </a:r>
-            <a:r>
-              <a:rPr lang="ko-KR" altLang="en-US" sz="2100" spc="-150" dirty="0">
-                <a:latin typeface="+mn-ea"/>
-                <a:ea typeface="+mn-ea"/>
-              </a:rPr>
-              <a:t>학습에 유리하다</a:t>
-            </a:r>
-            <a:r>
-              <a:rPr lang="en-US" altLang="ko-KR" sz="2100" spc="-150" dirty="0">
-                <a:latin typeface="+mn-ea"/>
-                <a:ea typeface="+mn-ea"/>
-              </a:rPr>
-              <a:t>. </a:t>
-            </a:r>
-            <a:r>
-              <a:rPr lang="ko-KR" altLang="en-US" sz="2100" spc="-150" dirty="0">
-                <a:latin typeface="+mn-ea"/>
-                <a:ea typeface="+mn-ea"/>
-              </a:rPr>
-              <a:t>어떤 데이터셋이 분류문제에서 더 좋은 결과를 보이는가</a:t>
-            </a:r>
-            <a:r>
-              <a:rPr lang="en-US" altLang="ko-KR" sz="2100" spc="-150" dirty="0">
-                <a:latin typeface="+mn-ea"/>
-                <a:ea typeface="+mn-ea"/>
-              </a:rPr>
-              <a:t>?</a:t>
-            </a:r>
-          </a:p>
-          <a:p>
-            <a:pPr>
-              <a:lnSpc>
-                <a:spcPct val="150000"/>
+              <a:t>.</a:t>
+            </a:r>
+          </a:p>
+          <a:p>
+            <a:pPr>
+              <a:lnSpc>
+                <a:spcPct val="120000"/>
               </a:lnSpc>
               <a:defRPr/>
             </a:pPr>
@@ -5832,7 +5240,7 @@
           <a:p>
             <a:pPr>
               <a:lnSpc>
-                <a:spcPct val="150000"/>
+                <a:spcPct val="120000"/>
               </a:lnSpc>
               <a:defRPr/>
             </a:pPr>
@@ -5847,7 +5255,7 @@
           <a:p>
             <a:pPr>
               <a:lnSpc>
-                <a:spcPct val="150000"/>
+                <a:spcPct val="120000"/>
               </a:lnSpc>
               <a:defRPr/>
             </a:pPr>
@@ -5856,41 +5264,49 @@
                 <a:latin typeface="+mn-ea"/>
                 <a:ea typeface="+mn-ea"/>
               </a:rPr>
-              <a:t>Color</a:t>
+              <a:t>1.</a:t>
             </a:r>
             <a:r>
               <a:rPr lang="ko-KR" altLang="en-US" sz="2100" spc="-150" dirty="0">
                 <a:latin typeface="+mn-ea"/>
                 <a:ea typeface="+mn-ea"/>
               </a:rPr>
-              <a:t>는 </a:t>
+              <a:t> 데이터 전처리</a:t>
             </a:r>
             <a:r>
               <a:rPr lang="en-US" altLang="ko-KR" sz="2100" spc="-150" dirty="0">
                 <a:latin typeface="+mn-ea"/>
                 <a:ea typeface="+mn-ea"/>
               </a:rPr>
-              <a:t>3</a:t>
-            </a:r>
+              <a:t>:</a:t>
+            </a:r>
+          </a:p>
+          <a:p>
+            <a:pPr>
+              <a:lnSpc>
+                <a:spcPct val="120000"/>
+              </a:lnSpc>
+              <a:defRPr/>
+            </a:pPr>
             <a:r>
               <a:rPr lang="ko-KR" altLang="en-US" sz="2100" spc="-150" dirty="0">
                 <a:latin typeface="+mn-ea"/>
                 <a:ea typeface="+mn-ea"/>
               </a:rPr>
-              <a:t>차원 데이터로 정보가 너무 많아 정확도가 떨어질 수 있고</a:t>
+              <a:t>정확도를 올리려면 모델 학습의 기초인 전처리가 잘 되어있어야 합니다</a:t>
             </a:r>
             <a:r>
               <a:rPr lang="en-US" altLang="ko-KR" sz="2100" spc="-150" dirty="0">
                 <a:latin typeface="+mn-ea"/>
                 <a:ea typeface="+mn-ea"/>
               </a:rPr>
-              <a:t>,</a:t>
-            </a:r>
-          </a:p>
-          <a:p>
-            <a:pPr>
-              <a:lnSpc>
-                <a:spcPct val="150000"/>
+              <a:t>.</a:t>
+            </a:r>
+          </a:p>
+          <a:p>
+            <a:pPr>
+              <a:lnSpc>
+                <a:spcPct val="120000"/>
               </a:lnSpc>
               <a:defRPr/>
             </a:pPr>
@@ -5899,7 +5315,7 @@
                 <a:latin typeface="+mn-ea"/>
                 <a:ea typeface="+mn-ea"/>
               </a:rPr>
-              <a:t>상품 분류는 색이 아닌 옷의 형태로 구분되기 때문에 색상 데이터는 필요하지 않습니다</a:t>
+              <a:t>전처리 과정은 위에서 설명했으니 생략하겠습니다</a:t>
             </a:r>
             <a:r>
               <a:rPr lang="en-US" altLang="ko-KR" sz="2100" spc="-150" dirty="0">
@@ -5908,13 +5324,14 @@
               </a:rPr>
               <a:t>.</a:t>
             </a:r>
-            <a:r>
-              <a:rPr lang="ko-KR" altLang="en-US" sz="2100" spc="-150" dirty="0">
-                <a:latin typeface="+mn-ea"/>
-                <a:ea typeface="+mn-ea"/>
-              </a:rPr>
-              <a:t> </a:t>
-            </a:r>
+          </a:p>
+          <a:p>
+            <a:pPr>
+              <a:lnSpc>
+                <a:spcPct val="120000"/>
+              </a:lnSpc>
+              <a:defRPr/>
+            </a:pPr>
             <a:endParaRPr lang="en-US" altLang="ko-KR" sz="2100" spc="-150" dirty="0">
               <a:latin typeface="+mn-ea"/>
               <a:ea typeface="+mn-ea"/>
@@ -5923,57 +5340,100 @@
           <a:p>
             <a:pPr>
               <a:lnSpc>
-                <a:spcPct val="150000"/>
-              </a:lnSpc>
-              <a:defRPr/>
-            </a:pPr>
+                <a:spcPct val="120000"/>
+              </a:lnSpc>
+              <a:defRPr/>
+            </a:pPr>
+            <a:r>
+              <a:rPr lang="en-US" altLang="ko-KR" sz="2100" spc="-150" dirty="0">
+                <a:latin typeface="+mn-ea"/>
+                <a:ea typeface="+mn-ea"/>
+              </a:rPr>
+              <a:t>2.</a:t>
+            </a:r>
             <a:r>
               <a:rPr lang="ko-KR" altLang="en-US" sz="2100" spc="-150" dirty="0">
                 <a:latin typeface="+mn-ea"/>
                 <a:ea typeface="+mn-ea"/>
               </a:rPr>
-              <a:t>그렇기에</a:t>
+              <a:t> 모델 학습</a:t>
             </a:r>
             <a:r>
               <a:rPr lang="en-US" altLang="ko-KR" sz="2100" spc="-150" dirty="0">
                 <a:latin typeface="+mn-ea"/>
                 <a:ea typeface="+mn-ea"/>
               </a:rPr>
-              <a:t> Gray Scale</a:t>
-            </a:r>
+              <a:t>:</a:t>
+            </a:r>
+          </a:p>
+          <a:p>
+            <a:pPr>
+              <a:lnSpc>
+                <a:spcPct val="120000"/>
+              </a:lnSpc>
+              <a:defRPr/>
+            </a:pPr>
             <a:r>
               <a:rPr lang="ko-KR" altLang="en-US" sz="2100" spc="-150" dirty="0">
                 <a:latin typeface="+mn-ea"/>
                 <a:ea typeface="+mn-ea"/>
               </a:rPr>
-              <a:t>로 학습을 진행하였습니다</a:t>
+              <a:t>모델 학습 시 레이어 설정과 최적화 함수</a:t>
             </a:r>
             <a:r>
               <a:rPr lang="en-US" altLang="ko-KR" sz="2100" spc="-150" dirty="0">
                 <a:latin typeface="+mn-ea"/>
                 <a:ea typeface="+mn-ea"/>
               </a:rPr>
-              <a:t>.</a:t>
-            </a:r>
-          </a:p>
-          <a:p>
-            <a:pPr>
-              <a:lnSpc>
-                <a:spcPct val="150000"/>
-              </a:lnSpc>
-              <a:defRPr/>
-            </a:pPr>
+              <a:t>,</a:t>
+            </a:r>
+            <a:r>
+              <a:rPr lang="ko-KR" altLang="en-US" sz="2100" spc="-150" dirty="0">
+                <a:latin typeface="+mn-ea"/>
+                <a:ea typeface="+mn-ea"/>
+              </a:rPr>
+              <a:t> </a:t>
+            </a:r>
             <a:endParaRPr lang="en-US" altLang="ko-KR" sz="2100" spc="-150" dirty="0">
               <a:latin typeface="+mn-ea"/>
               <a:ea typeface="+mn-ea"/>
             </a:endParaRPr>
           </a:p>
+          <a:p>
+            <a:pPr>
+              <a:lnSpc>
+                <a:spcPct val="120000"/>
+              </a:lnSpc>
+              <a:defRPr/>
+            </a:pPr>
+            <a:r>
+              <a:rPr lang="ko-KR" altLang="en-US" sz="2100" spc="-150" dirty="0" err="1">
+                <a:latin typeface="+mn-ea"/>
+                <a:ea typeface="+mn-ea"/>
+              </a:rPr>
+              <a:t>하이퍼파라미터</a:t>
+            </a:r>
+            <a:r>
+              <a:rPr lang="ko-KR" altLang="en-US" sz="2100" spc="-150" dirty="0">
+                <a:latin typeface="+mn-ea"/>
+                <a:ea typeface="+mn-ea"/>
+              </a:rPr>
+              <a:t> 등을 조작하며 모델의 성능을 늘렸습니다</a:t>
+            </a:r>
+            <a:r>
+              <a:rPr lang="en-US" altLang="ko-KR" sz="2100" spc="-150" dirty="0">
+                <a:latin typeface="+mn-ea"/>
+                <a:ea typeface="+mn-ea"/>
+              </a:rPr>
+              <a:t>.</a:t>
+            </a:r>
+          </a:p>
         </p:txBody>
       </p:sp>
     </p:spTree>
     <p:extLst>
       <p:ext uri="{BB962C8B-B14F-4D97-AF65-F5344CB8AC3E}">
-        <p14:creationId xmlns:p14="http://schemas.microsoft.com/office/powerpoint/2010/main" val="3233515066"/>
+        <p14:creationId xmlns:p14="http://schemas.microsoft.com/office/powerpoint/2010/main" val="3567038506"/>
       </p:ext>
     </p:extLst>
   </p:cSld>
@@ -6056,14 +5516,11 @@
               <a:defRPr/>
             </a:pPr>
             <a:r>
-              <a:rPr lang="en-US" altLang="ko-KR" sz="4000" spc="-185" dirty="0">
+              <a:rPr lang="ko-KR" altLang="en-US" sz="4000" spc="-185" dirty="0">
                 <a:latin typeface="+mj-ea"/>
               </a:rPr>
-              <a:t>Mission 3</a:t>
-            </a:r>
-            <a:endParaRPr lang="ko-KR" altLang="en-US" sz="4000" spc="-185" dirty="0">
-              <a:latin typeface="+mj-ea"/>
-            </a:endParaRPr>
+              <a:t>클래스 불균형 이슈</a:t>
+            </a:r>
           </a:p>
         </p:txBody>
       </p:sp>
@@ -6077,8 +5534,8 @@
         </p:nvSpPr>
         <p:spPr>
           <a:xfrm>
-            <a:off x="363552" y="1669214"/>
-            <a:ext cx="11393019" cy="4379894"/>
+            <a:off x="363552" y="1530068"/>
+            <a:ext cx="12192000" cy="4379894"/>
           </a:xfrm>
           <a:prstGeom prst="rect">
             <a:avLst/>
@@ -6109,71 +5566,11 @@
           </a:lstStyle>
           <a:p>
             <a:pPr>
-              <a:defRPr/>
-            </a:pPr>
-            <a:r>
-              <a:rPr lang="en-US" altLang="ko-KR" sz="2100" spc="-150" dirty="0">
-                <a:latin typeface="+mn-ea"/>
-                <a:ea typeface="+mn-ea"/>
-              </a:rPr>
-              <a:t>3-1. </a:t>
-            </a:r>
-            <a:r>
-              <a:rPr lang="ko-KR" altLang="en-US" sz="2100" spc="-150" dirty="0">
-                <a:latin typeface="+mn-ea"/>
-                <a:ea typeface="+mn-ea"/>
-              </a:rPr>
-              <a:t>분류 문제를 수행하여 </a:t>
-            </a:r>
-            <a:r>
-              <a:rPr lang="en" altLang="ko-KR" sz="2100" spc="-150" dirty="0">
-                <a:latin typeface="+mn-ea"/>
-                <a:ea typeface="+mn-ea"/>
-              </a:rPr>
-              <a:t>Validation </a:t>
-            </a:r>
-            <a:r>
-              <a:rPr lang="ko-KR" altLang="en-US" sz="2100" spc="-150" dirty="0">
-                <a:latin typeface="+mn-ea"/>
-                <a:ea typeface="+mn-ea"/>
-              </a:rPr>
-              <a:t>데이터의 라벨 별 정확도를 </a:t>
-            </a:r>
-            <a:r>
-              <a:rPr lang="ko-KR" altLang="en-US" sz="2100" spc="-150" dirty="0" err="1">
-                <a:latin typeface="+mn-ea"/>
-                <a:ea typeface="+mn-ea"/>
-              </a:rPr>
-              <a:t>제시하시오</a:t>
-            </a:r>
-            <a:r>
-              <a:rPr lang="en-US" altLang="ko-KR" sz="2100" spc="-150" dirty="0">
-                <a:latin typeface="+mn-ea"/>
-                <a:ea typeface="+mn-ea"/>
-              </a:rPr>
-              <a:t>.</a:t>
-            </a:r>
-          </a:p>
-          <a:p>
-            <a:pPr>
-              <a:defRPr/>
-            </a:pPr>
-            <a:endParaRPr lang="en-US" altLang="ko-KR" sz="2100" spc="-150" dirty="0">
-              <a:latin typeface="+mn-ea"/>
-              <a:ea typeface="+mn-ea"/>
-            </a:endParaRPr>
-          </a:p>
-          <a:p>
-            <a:pPr>
-              <a:defRPr/>
-            </a:pPr>
-            <a:r>
-              <a:rPr lang="en-US" altLang="ko-KR" sz="2100" spc="-150" dirty="0">
-                <a:latin typeface="+mn-ea"/>
-                <a:ea typeface="+mn-ea"/>
-              </a:rPr>
-              <a:t>Answer:</a:t>
-            </a:r>
+              <a:lnSpc>
+                <a:spcPct val="130000"/>
+              </a:lnSpc>
+              <a:defRPr/>
+            </a:pPr>
             <a:endParaRPr lang="ko-KR" altLang="en-US" sz="2100" spc="-150" dirty="0">
               <a:latin typeface="+mn-ea"/>
               <a:ea typeface="+mn-ea"/>
@@ -6181,82 +5578,363 @@
           </a:p>
         </p:txBody>
       </p:sp>
-      <p:pic>
-        <p:nvPicPr>
-          <p:cNvPr id="4" name="그림 3" descr="테이블이(가) 표시된 사진&#10;&#10;자동 생성된 설명">
+      <p:sp>
+        <p:nvSpPr>
+          <p:cNvPr id="3" name="제목 38">
             <a:extLst>
               <a:ext uri="{FF2B5EF4-FFF2-40B4-BE49-F238E27FC236}">
-                <a16:creationId xmlns:a16="http://schemas.microsoft.com/office/drawing/2014/main" id="{312554CB-C5B7-4B87-8A4D-F16B4EF232A1}"/>
+                <a16:creationId xmlns:a16="http://schemas.microsoft.com/office/drawing/2014/main" id="{5DFB26BC-F7FF-FADE-1C58-4A8BD6BCA307}"/>
               </a:ext>
             </a:extLst>
           </p:cNvPr>
-          <p:cNvPicPr>
-            <a:picLocks noChangeAspect="1"/>
-          </p:cNvPicPr>
+          <p:cNvSpPr txBox="1">
+            <a:spLocks/>
+          </p:cNvSpPr>
           <p:nvPr/>
-        </p:nvPicPr>
-        <p:blipFill>
-          <a:blip r:embed="rId3">
-            <a:extLst>
-              <a:ext uri="{28A0092B-C50C-407E-A947-70E740481C1C}">
-                <a14:useLocalDpi xmlns:a14="http://schemas.microsoft.com/office/drawing/2010/main" val="0"/>
-              </a:ext>
-            </a:extLst>
-          </a:blip>
-          <a:stretch>
-            <a:fillRect/>
-          </a:stretch>
-        </p:blipFill>
-        <p:spPr>
-          <a:xfrm>
-            <a:off x="6091321" y="2752560"/>
-            <a:ext cx="5768386" cy="2296154"/>
+        </p:nvSpPr>
+        <p:spPr>
+          <a:xfrm>
+            <a:off x="439752" y="1682468"/>
+            <a:ext cx="11312496" cy="4227494"/>
           </a:xfrm>
           <a:prstGeom prst="rect">
             <a:avLst/>
           </a:prstGeom>
         </p:spPr>
-      </p:pic>
-      <p:pic>
-        <p:nvPicPr>
-          <p:cNvPr id="6" name="그림 5">
-            <a:extLst>
-              <a:ext uri="{FF2B5EF4-FFF2-40B4-BE49-F238E27FC236}">
-                <a16:creationId xmlns:a16="http://schemas.microsoft.com/office/drawing/2014/main" id="{42F7AE86-68F0-5D73-9E81-16D3A2941D74}"/>
-              </a:ext>
-            </a:extLst>
-          </p:cNvPr>
-          <p:cNvPicPr>
-            <a:picLocks noChangeAspect="1"/>
-          </p:cNvPicPr>
-          <p:nvPr/>
-        </p:nvPicPr>
-        <p:blipFill>
-          <a:blip r:embed="rId4">
-            <a:extLst>
-              <a:ext uri="{28A0092B-C50C-407E-A947-70E740481C1C}">
-                <a14:useLocalDpi xmlns:a14="http://schemas.microsoft.com/office/drawing/2010/main" val="0"/>
-              </a:ext>
-            </a:extLst>
-          </a:blip>
-          <a:stretch>
-            <a:fillRect/>
-          </a:stretch>
-        </p:blipFill>
-        <p:spPr>
-          <a:xfrm>
-            <a:off x="522197" y="2752560"/>
-            <a:ext cx="5410479" cy="3234026"/>
-          </a:xfrm>
-          <a:prstGeom prst="rect">
-            <a:avLst/>
-          </a:prstGeom>
-        </p:spPr>
-      </p:pic>
+        <p:txBody>
+          <a:bodyPr vert="horz" lIns="112542" tIns="56271" rIns="112542" bIns="56271" rtlCol="0" anchor="t">
+            <a:noAutofit/>
+          </a:bodyPr>
+          <a:lstStyle>
+            <a:lvl1pPr algn="l" defTabSz="914400" rtl="0" eaLnBrk="1" latinLnBrk="1" hangingPunct="1">
+              <a:lnSpc>
+                <a:spcPct val="90000"/>
+              </a:lnSpc>
+              <a:spcBef>
+                <a:spcPct val="0"/>
+              </a:spcBef>
+              <a:buNone/>
+              <a:defRPr sz="4400" kern="1200">
+                <a:solidFill>
+                  <a:schemeClr val="tx1"/>
+                </a:solidFill>
+                <a:latin typeface="+mj-lt"/>
+                <a:ea typeface="+mj-ea"/>
+                <a:cs typeface="+mj-cs"/>
+              </a:defRPr>
+            </a:lvl1pPr>
+          </a:lstStyle>
+          <a:p>
+            <a:pPr>
+              <a:lnSpc>
+                <a:spcPct val="130000"/>
+              </a:lnSpc>
+              <a:defRPr/>
+            </a:pPr>
+            <a:r>
+              <a:rPr lang="en-US" altLang="ko-KR" sz="1900" spc="-150" dirty="0">
+                <a:latin typeface="+mn-ea"/>
+                <a:ea typeface="+mn-ea"/>
+              </a:rPr>
+              <a:t>5</a:t>
+            </a:r>
+            <a:r>
+              <a:rPr lang="ko-KR" altLang="en-US" sz="1900" spc="-150" dirty="0">
+                <a:latin typeface="+mn-ea"/>
+                <a:ea typeface="+mn-ea"/>
+              </a:rPr>
+              <a:t>개의 클래스는 서로 다른 개수로 구성되어 있습니다</a:t>
+            </a:r>
+            <a:r>
+              <a:rPr lang="en-US" altLang="ko-KR" sz="1900" spc="-150" dirty="0">
+                <a:latin typeface="+mn-ea"/>
+                <a:ea typeface="+mn-ea"/>
+              </a:rPr>
+              <a:t>.</a:t>
+            </a:r>
+          </a:p>
+          <a:p>
+            <a:pPr>
+              <a:lnSpc>
+                <a:spcPct val="130000"/>
+              </a:lnSpc>
+              <a:defRPr/>
+            </a:pPr>
+            <a:endParaRPr lang="en-US" altLang="ko-KR" sz="1900" spc="-150" dirty="0">
+              <a:latin typeface="+mn-ea"/>
+              <a:ea typeface="+mn-ea"/>
+            </a:endParaRPr>
+          </a:p>
+          <a:p>
+            <a:pPr>
+              <a:lnSpc>
+                <a:spcPct val="130000"/>
+              </a:lnSpc>
+              <a:defRPr/>
+            </a:pPr>
+            <a:r>
+              <a:rPr lang="ko-KR" altLang="en-US" sz="1900" spc="-150" dirty="0">
+                <a:latin typeface="+mn-ea"/>
+                <a:ea typeface="+mn-ea"/>
+              </a:rPr>
+              <a:t>특히</a:t>
+            </a:r>
+            <a:r>
+              <a:rPr lang="en-US" altLang="ko-KR" sz="1900" spc="-150" dirty="0">
+                <a:latin typeface="+mn-ea"/>
+                <a:ea typeface="+mn-ea"/>
+              </a:rPr>
+              <a:t>,</a:t>
+            </a:r>
+            <a:r>
+              <a:rPr lang="ko-KR" altLang="en-US" sz="1900" spc="-150" dirty="0">
+                <a:latin typeface="+mn-ea"/>
+                <a:ea typeface="+mn-ea"/>
+              </a:rPr>
+              <a:t> </a:t>
+            </a:r>
+            <a:r>
+              <a:rPr lang="en-US" altLang="ko-KR" sz="1900" spc="-150" dirty="0">
+                <a:latin typeface="+mn-ea"/>
+                <a:ea typeface="+mn-ea"/>
+              </a:rPr>
+              <a:t>tops</a:t>
+            </a:r>
+            <a:r>
+              <a:rPr lang="ko-KR" altLang="en-US" sz="1900" spc="-150" dirty="0">
+                <a:latin typeface="+mn-ea"/>
+                <a:ea typeface="+mn-ea"/>
+              </a:rPr>
+              <a:t>의 개수가 몇배 더 많이 구성되어 있는데 </a:t>
+            </a:r>
+            <a:endParaRPr lang="en-US" altLang="ko-KR" sz="1900" spc="-150" dirty="0">
+              <a:latin typeface="+mn-ea"/>
+              <a:ea typeface="+mn-ea"/>
+            </a:endParaRPr>
+          </a:p>
+          <a:p>
+            <a:pPr>
+              <a:lnSpc>
+                <a:spcPct val="130000"/>
+              </a:lnSpc>
+              <a:defRPr/>
+            </a:pPr>
+            <a:r>
+              <a:rPr lang="ko-KR" altLang="en-US" sz="1900" spc="-150" dirty="0">
+                <a:latin typeface="+mn-ea"/>
+                <a:ea typeface="+mn-ea"/>
+              </a:rPr>
+              <a:t>이를 고려하지 않고 학습 시 모델의 성능이 하락할 수 있습니다</a:t>
+            </a:r>
+            <a:r>
+              <a:rPr lang="en-US" altLang="ko-KR" sz="1900" spc="-150" dirty="0">
+                <a:latin typeface="+mn-ea"/>
+                <a:ea typeface="+mn-ea"/>
+              </a:rPr>
+              <a:t>.</a:t>
+            </a:r>
+          </a:p>
+          <a:p>
+            <a:pPr>
+              <a:lnSpc>
+                <a:spcPct val="130000"/>
+              </a:lnSpc>
+              <a:defRPr/>
+            </a:pPr>
+            <a:endParaRPr lang="en-US" altLang="ko-KR" sz="1900" spc="-150" dirty="0">
+              <a:latin typeface="+mn-ea"/>
+              <a:ea typeface="+mn-ea"/>
+            </a:endParaRPr>
+          </a:p>
+          <a:p>
+            <a:pPr>
+              <a:lnSpc>
+                <a:spcPct val="130000"/>
+              </a:lnSpc>
+              <a:defRPr/>
+            </a:pPr>
+            <a:r>
+              <a:rPr lang="ko-KR" altLang="en-US" sz="1900" spc="-150" dirty="0">
+                <a:latin typeface="+mn-ea"/>
+                <a:ea typeface="+mn-ea"/>
+              </a:rPr>
+              <a:t>그렇기에 </a:t>
+            </a:r>
+            <a:r>
+              <a:rPr lang="en-US" altLang="ko-KR" sz="1900" spc="-150" dirty="0">
+                <a:latin typeface="+mn-ea"/>
+                <a:ea typeface="+mn-ea"/>
+              </a:rPr>
+              <a:t>Weighted Cross Entropy,</a:t>
+            </a:r>
+            <a:r>
+              <a:rPr lang="ko-KR" altLang="en-US" sz="1900" spc="-150" dirty="0">
+                <a:latin typeface="+mn-ea"/>
+                <a:ea typeface="+mn-ea"/>
+              </a:rPr>
+              <a:t> </a:t>
+            </a:r>
+            <a:r>
+              <a:rPr lang="en-US" altLang="ko-KR" sz="1900" spc="-150" dirty="0">
+                <a:latin typeface="+mn-ea"/>
+                <a:ea typeface="+mn-ea"/>
+              </a:rPr>
+              <a:t>Focal Loss</a:t>
+            </a:r>
+            <a:r>
+              <a:rPr lang="ko-KR" altLang="en-US" sz="1900" spc="-150" dirty="0">
+                <a:latin typeface="+mn-ea"/>
+                <a:ea typeface="+mn-ea"/>
+              </a:rPr>
+              <a:t>와 같은</a:t>
+            </a:r>
+            <a:r>
+              <a:rPr lang="en-US" altLang="ko-KR" sz="1900" spc="-150" dirty="0">
+                <a:latin typeface="+mn-ea"/>
+                <a:ea typeface="+mn-ea"/>
+              </a:rPr>
+              <a:t> </a:t>
+            </a:r>
+            <a:r>
+              <a:rPr lang="ko-KR" altLang="en-US" sz="1900" spc="-150" dirty="0">
+                <a:latin typeface="+mn-ea"/>
+                <a:ea typeface="+mn-ea"/>
+              </a:rPr>
+              <a:t>함수를 사용하여</a:t>
+            </a:r>
+            <a:endParaRPr lang="en-US" altLang="ko-KR" sz="1900" spc="-150" dirty="0">
+              <a:latin typeface="+mn-ea"/>
+              <a:ea typeface="+mn-ea"/>
+            </a:endParaRPr>
+          </a:p>
+          <a:p>
+            <a:pPr>
+              <a:lnSpc>
+                <a:spcPct val="130000"/>
+              </a:lnSpc>
+              <a:defRPr/>
+            </a:pPr>
+            <a:r>
+              <a:rPr lang="ko-KR" altLang="en-US" sz="1900" spc="-150" dirty="0">
+                <a:latin typeface="+mn-ea"/>
+                <a:ea typeface="+mn-ea"/>
+              </a:rPr>
+              <a:t>부족한 클래스에 가중치를 곱해 </a:t>
+            </a:r>
+            <a:r>
+              <a:rPr lang="en-US" altLang="ko-KR" sz="1900" spc="-150" dirty="0">
+                <a:latin typeface="+mn-ea"/>
+                <a:ea typeface="+mn-ea"/>
+              </a:rPr>
+              <a:t>Loss </a:t>
+            </a:r>
+            <a:r>
+              <a:rPr lang="ko-KR" altLang="en-US" sz="1900" spc="-150" dirty="0">
+                <a:latin typeface="+mn-ea"/>
+                <a:ea typeface="+mn-ea"/>
+              </a:rPr>
+              <a:t>값을 높여주거나</a:t>
+            </a:r>
+            <a:endParaRPr lang="en-US" altLang="ko-KR" sz="1900" spc="-150" dirty="0">
+              <a:latin typeface="+mn-ea"/>
+              <a:ea typeface="+mn-ea"/>
+            </a:endParaRPr>
+          </a:p>
+          <a:p>
+            <a:pPr>
+              <a:lnSpc>
+                <a:spcPct val="130000"/>
+              </a:lnSpc>
+              <a:defRPr/>
+            </a:pPr>
+            <a:r>
+              <a:rPr lang="ko-KR" altLang="en-US" sz="1900" spc="-150" dirty="0">
+                <a:latin typeface="+mn-ea"/>
+                <a:ea typeface="+mn-ea"/>
+              </a:rPr>
+              <a:t>정규화 과정을 통한다면 클래스 불균형이 어느 정도 해결될 것이라고 생각합니다</a:t>
+            </a:r>
+            <a:r>
+              <a:rPr lang="en-US" altLang="ko-KR" sz="1900" spc="-150" dirty="0">
+                <a:latin typeface="+mn-ea"/>
+                <a:ea typeface="+mn-ea"/>
+              </a:rPr>
+              <a:t>.</a:t>
+            </a:r>
+          </a:p>
+          <a:p>
+            <a:pPr>
+              <a:lnSpc>
+                <a:spcPct val="130000"/>
+              </a:lnSpc>
+              <a:defRPr/>
+            </a:pPr>
+            <a:endParaRPr lang="en-US" altLang="ko-KR" sz="1900" spc="-150" dirty="0">
+              <a:latin typeface="+mn-ea"/>
+              <a:ea typeface="+mn-ea"/>
+            </a:endParaRPr>
+          </a:p>
+          <a:p>
+            <a:pPr>
+              <a:lnSpc>
+                <a:spcPct val="130000"/>
+              </a:lnSpc>
+              <a:defRPr/>
+            </a:pPr>
+            <a:r>
+              <a:rPr lang="ko-KR" altLang="en-US" sz="1900" spc="-150" dirty="0">
+                <a:latin typeface="+mn-ea"/>
+                <a:ea typeface="+mn-ea"/>
+              </a:rPr>
+              <a:t>그러나 시간이 부족하여 이 이슈를 해결하지 못한 채 모델 학습을 진행했지만</a:t>
+            </a:r>
+            <a:r>
+              <a:rPr lang="en-US" altLang="ko-KR" sz="1900" spc="-150" dirty="0">
+                <a:latin typeface="+mn-ea"/>
+                <a:ea typeface="+mn-ea"/>
+              </a:rPr>
+              <a:t>,</a:t>
+            </a:r>
+          </a:p>
+          <a:p>
+            <a:pPr>
+              <a:lnSpc>
+                <a:spcPct val="130000"/>
+              </a:lnSpc>
+              <a:defRPr/>
+            </a:pPr>
+            <a:r>
+              <a:rPr lang="ko-KR" altLang="en-US" sz="1900" spc="-150" dirty="0">
+                <a:latin typeface="+mn-ea"/>
+                <a:ea typeface="+mn-ea"/>
+              </a:rPr>
+              <a:t>클래스 불균형을 해결하는 방법에 대해 공부하며 관련 지식을 쌓았습니다</a:t>
+            </a:r>
+            <a:r>
+              <a:rPr lang="en-US" altLang="ko-KR" sz="1900" spc="-150" dirty="0">
+                <a:latin typeface="+mn-ea"/>
+                <a:ea typeface="+mn-ea"/>
+              </a:rPr>
+              <a:t>.</a:t>
+            </a:r>
+            <a:r>
+              <a:rPr lang="ko-KR" altLang="en-US" sz="1900" spc="-150" dirty="0">
+                <a:latin typeface="+mn-ea"/>
+                <a:ea typeface="+mn-ea"/>
+              </a:rPr>
+              <a:t> </a:t>
+            </a:r>
+            <a:endParaRPr lang="en-US" altLang="ko-KR" sz="1900" spc="-150" dirty="0">
+              <a:latin typeface="+mn-ea"/>
+              <a:ea typeface="+mn-ea"/>
+            </a:endParaRPr>
+          </a:p>
+        </p:txBody>
+      </p:sp>
     </p:spTree>
     <p:extLst>
       <p:ext uri="{BB962C8B-B14F-4D97-AF65-F5344CB8AC3E}">
-        <p14:creationId xmlns:p14="http://schemas.microsoft.com/office/powerpoint/2010/main" val="1245507834"/>
+        <p14:creationId xmlns:p14="http://schemas.microsoft.com/office/powerpoint/2010/main" val="557546419"/>
       </p:ext>
     </p:extLst>
   </p:cSld>
@@ -6360,8 +6038,8 @@
         </p:nvSpPr>
         <p:spPr>
           <a:xfrm>
-            <a:off x="363552" y="1669214"/>
-            <a:ext cx="11393019" cy="4379894"/>
+            <a:off x="363552" y="1530068"/>
+            <a:ext cx="12192000" cy="4379894"/>
           </a:xfrm>
           <a:prstGeom prst="rect">
             <a:avLst/>
@@ -6393,7 +6071,7 @@
           <a:p>
             <a:pPr>
               <a:lnSpc>
-                <a:spcPct val="120000"/>
+                <a:spcPct val="130000"/>
               </a:lnSpc>
               <a:defRPr/>
             </a:pPr>
@@ -6402,37 +6080,15 @@
                 <a:latin typeface="+mn-ea"/>
                 <a:ea typeface="+mn-ea"/>
               </a:rPr>
-              <a:t>3-2. </a:t>
+              <a:t>3-3. </a:t>
             </a:r>
             <a:r>
               <a:rPr lang="ko-KR" altLang="en-US" sz="2100" spc="-150" dirty="0">
                 <a:latin typeface="+mn-ea"/>
                 <a:ea typeface="+mn-ea"/>
               </a:rPr>
-              <a:t>정확도를 올리는 작업을 수행하고 작업 수행과정을 </a:t>
-            </a:r>
-            <a:r>
-              <a:rPr lang="ko-KR" altLang="en-US" sz="2100" spc="-150" dirty="0" err="1">
-                <a:latin typeface="+mn-ea"/>
-                <a:ea typeface="+mn-ea"/>
-              </a:rPr>
-              <a:t>설명하시오</a:t>
-            </a:r>
-            <a:r>
-              <a:rPr lang="en-US" altLang="ko-KR" sz="2100" spc="-150" dirty="0">
-                <a:latin typeface="+mn-ea"/>
-                <a:ea typeface="+mn-ea"/>
-              </a:rPr>
-              <a:t>.</a:t>
-            </a:r>
-          </a:p>
-          <a:p>
-            <a:pPr>
-              <a:lnSpc>
-                <a:spcPct val="120000"/>
-              </a:lnSpc>
-              <a:defRPr/>
-            </a:pPr>
+              <a:t>오류가 나온 이미지에 대해 왜 오류가 나왔는지 </a:t>
+            </a:r>
             <a:endParaRPr lang="en-US" altLang="ko-KR" sz="2100" spc="-150" dirty="0">
               <a:latin typeface="+mn-ea"/>
               <a:ea typeface="+mn-ea"/>
@@ -6441,95 +6097,50 @@
           <a:p>
             <a:pPr>
               <a:lnSpc>
-                <a:spcPct val="120000"/>
-              </a:lnSpc>
-              <a:defRPr/>
-            </a:pPr>
+                <a:spcPct val="130000"/>
+              </a:lnSpc>
+              <a:defRPr/>
+            </a:pPr>
+            <a:r>
+              <a:rPr lang="ko-KR" altLang="en-US" sz="2100" spc="-150" dirty="0">
+                <a:latin typeface="+mn-ea"/>
+                <a:ea typeface="+mn-ea"/>
+              </a:rPr>
+              <a:t>그동안 미션 수행에서 얻은 경험과 지식을</a:t>
+            </a:r>
             <a:r>
               <a:rPr lang="en-US" altLang="ko-KR" sz="2100" spc="-150" dirty="0">
                 <a:latin typeface="+mn-ea"/>
                 <a:ea typeface="+mn-ea"/>
               </a:rPr>
-              <a:t>Answer:</a:t>
-            </a:r>
-          </a:p>
-          <a:p>
-            <a:pPr>
-              <a:lnSpc>
-                <a:spcPct val="120000"/>
-              </a:lnSpc>
-              <a:defRPr/>
-            </a:pPr>
+              <a:t> </a:t>
+            </a:r>
+            <a:r>
+              <a:rPr lang="ko-KR" altLang="en-US" sz="2100" spc="-150" dirty="0">
+                <a:latin typeface="+mn-ea"/>
+                <a:ea typeface="+mn-ea"/>
+              </a:rPr>
+              <a:t>통해 </a:t>
+            </a:r>
+            <a:r>
+              <a:rPr lang="ko-KR" altLang="en-US" sz="2100" spc="-150" dirty="0" err="1">
+                <a:latin typeface="+mn-ea"/>
+                <a:ea typeface="+mn-ea"/>
+              </a:rPr>
+              <a:t>설명하시오</a:t>
+            </a:r>
             <a:r>
               <a:rPr lang="en-US" altLang="ko-KR" sz="2100" spc="-150" dirty="0">
                 <a:latin typeface="+mn-ea"/>
                 <a:ea typeface="+mn-ea"/>
               </a:rPr>
-              <a:t>1.</a:t>
-            </a:r>
-            <a:r>
-              <a:rPr lang="ko-KR" altLang="en-US" sz="2100" spc="-150" dirty="0">
-                <a:latin typeface="+mn-ea"/>
-                <a:ea typeface="+mn-ea"/>
-              </a:rPr>
-              <a:t> 데이터 전처리</a:t>
-            </a:r>
-            <a:r>
-              <a:rPr lang="en-US" altLang="ko-KR" sz="2100" spc="-150" dirty="0">
-                <a:latin typeface="+mn-ea"/>
-                <a:ea typeface="+mn-ea"/>
-              </a:rPr>
-              <a:t>:</a:t>
-            </a:r>
-          </a:p>
-          <a:p>
-            <a:pPr>
-              <a:lnSpc>
-                <a:spcPct val="120000"/>
-              </a:lnSpc>
-              <a:defRPr/>
-            </a:pPr>
-            <a:r>
-              <a:rPr lang="ko-KR" altLang="en-US" sz="2100" spc="-150" dirty="0">
-                <a:latin typeface="+mn-ea"/>
-                <a:ea typeface="+mn-ea"/>
-              </a:rPr>
-              <a:t>정확도를 올리려면 모델 학습의 기초인 전처리가 잘 되어있어야 합니다</a:t>
-            </a:r>
-            <a:r>
-              <a:rPr lang="en-US" altLang="ko-KR" sz="2100" spc="-150" dirty="0">
-                <a:latin typeface="+mn-ea"/>
-                <a:ea typeface="+mn-ea"/>
-              </a:rPr>
               <a:t>.</a:t>
             </a:r>
           </a:p>
           <a:p>
             <a:pPr>
               <a:lnSpc>
-                <a:spcPct val="120000"/>
-              </a:lnSpc>
-              <a:defRPr/>
-            </a:pPr>
-            <a:r>
-              <a:rPr lang="ko-KR" altLang="en-US" sz="2100" spc="-150" dirty="0">
-                <a:latin typeface="+mn-ea"/>
-                <a:ea typeface="+mn-ea"/>
-              </a:rPr>
-              <a:t>전처리 과정은 위에서 설명했으니 생략하겠습니다</a:t>
-            </a:r>
-            <a:r>
-              <a:rPr lang="en-US" altLang="ko-KR" sz="2100" spc="-150" dirty="0">
-                <a:latin typeface="+mn-ea"/>
-                <a:ea typeface="+mn-ea"/>
-              </a:rPr>
-              <a:t>.</a:t>
-            </a:r>
-          </a:p>
-          <a:p>
-            <a:pPr>
-              <a:lnSpc>
-                <a:spcPct val="120000"/>
+                <a:spcPct val="130000"/>
               </a:lnSpc>
               <a:defRPr/>
             </a:pPr>
@@ -6541,7 +6152,7 @@
           <a:p>
             <a:pPr>
               <a:lnSpc>
-                <a:spcPct val="120000"/>
+                <a:spcPct val="130000"/>
               </a:lnSpc>
               <a:defRPr/>
             </a:pPr>
@@ -6550,52 +6161,33 @@
                 <a:latin typeface="+mn-ea"/>
                 <a:ea typeface="+mn-ea"/>
               </a:rPr>
-              <a:t>2.</a:t>
-            </a:r>
-            <a:r>
-              <a:rPr lang="ko-KR" altLang="en-US" sz="2100" spc="-150" dirty="0">
-                <a:latin typeface="+mn-ea"/>
-                <a:ea typeface="+mn-ea"/>
-              </a:rPr>
-              <a:t> 모델 학습</a:t>
+              <a:t>Answer:</a:t>
+            </a:r>
+          </a:p>
+          <a:p>
+            <a:pPr>
+              <a:lnSpc>
+                <a:spcPct val="130000"/>
+              </a:lnSpc>
+              <a:defRPr/>
+            </a:pPr>
+            <a:r>
+              <a:rPr lang="ko-KR" altLang="en-US" sz="2100" b="0" i="0" spc="-150" dirty="0">
+                <a:effectLst/>
+                <a:latin typeface="+mn-ea"/>
+                <a:ea typeface="+mn-ea"/>
+              </a:rPr>
+              <a:t>오류가 나온 이미지는 대부분 라벨링이 잘못 매칭된 경우였습니다</a:t>
             </a:r>
             <a:r>
               <a:rPr lang="en-US" altLang="ko-KR" sz="2100" spc="-150" dirty="0">
                 <a:latin typeface="+mn-ea"/>
                 <a:ea typeface="+mn-ea"/>
               </a:rPr>
-              <a:t>:</a:t>
-            </a:r>
-          </a:p>
-          <a:p>
-            <a:pPr>
-              <a:lnSpc>
-                <a:spcPct val="120000"/>
-              </a:lnSpc>
-              <a:defRPr/>
-            </a:pPr>
-            <a:r>
-              <a:rPr lang="ko-KR" altLang="en-US" sz="2100" spc="-150" dirty="0">
-                <a:latin typeface="+mn-ea"/>
-                <a:ea typeface="+mn-ea"/>
-              </a:rPr>
-              <a:t>모델 학습 시 레이어 설정과 최적화 함수</a:t>
-            </a:r>
-            <a:r>
-              <a:rPr lang="en-US" altLang="ko-KR" sz="2100" spc="-150" dirty="0">
-                <a:latin typeface="+mn-ea"/>
-                <a:ea typeface="+mn-ea"/>
-              </a:rPr>
-              <a:t>,</a:t>
-            </a:r>
-            <a:r>
-              <a:rPr lang="ko-KR" altLang="en-US" sz="2100" spc="-150" dirty="0">
-                <a:latin typeface="+mn-ea"/>
-                <a:ea typeface="+mn-ea"/>
-              </a:rPr>
-              <a:t> </a:t>
-            </a:r>
-            <a:endParaRPr lang="en-US" altLang="ko-KR" sz="2100" spc="-150" dirty="0">
+              <a:t>.</a:t>
+            </a:r>
+            <a:endParaRPr lang="en-US" altLang="ko-KR" sz="2100" b="0" i="0" spc="-150" dirty="0">
+              <a:effectLst/>
               <a:latin typeface="+mn-ea"/>
               <a:ea typeface="+mn-ea"/>
             </a:endParaRPr>
@@ -6603,38 +6195,202 @@
           <a:p>
             <a:pPr>
               <a:lnSpc>
-                <a:spcPct val="120000"/>
-              </a:lnSpc>
-              <a:defRPr/>
-            </a:pPr>
-            <a:r>
-              <a:rPr lang="ko-KR" altLang="en-US" sz="2100" spc="-150" dirty="0" err="1">
-                <a:latin typeface="+mn-ea"/>
-                <a:ea typeface="+mn-ea"/>
-              </a:rPr>
-              <a:t>하이퍼파라미터</a:t>
-            </a:r>
-            <a:r>
-              <a:rPr lang="ko-KR" altLang="en-US" sz="2100" spc="-150" dirty="0">
-                <a:latin typeface="+mn-ea"/>
-                <a:ea typeface="+mn-ea"/>
-              </a:rPr>
-              <a:t> 등을 조작하며 모델의 성능을 늘렸습니다</a:t>
-            </a:r>
-            <a:r>
-              <a:rPr lang="en-US" altLang="ko-KR" sz="2100" spc="-150" dirty="0">
+                <a:spcPct val="130000"/>
+              </a:lnSpc>
+              <a:defRPr/>
+            </a:pPr>
+            <a:r>
+              <a:rPr lang="ko-KR" altLang="en-US" sz="2100" b="0" i="0" spc="-150" dirty="0">
+                <a:effectLst/>
+                <a:latin typeface="+mn-ea"/>
+                <a:ea typeface="+mn-ea"/>
+              </a:rPr>
+              <a:t>이 부분 제외시키고 학습하였더니 정확도가 많이 증가했습니다</a:t>
+            </a:r>
+            <a:r>
+              <a:rPr lang="en-US" altLang="ko-KR" sz="2100" b="0" i="0" spc="-150" dirty="0">
+                <a:effectLst/>
                 <a:latin typeface="+mn-ea"/>
                 <a:ea typeface="+mn-ea"/>
               </a:rPr>
               <a:t>.</a:t>
             </a:r>
+            <a:endParaRPr lang="ko-KR" altLang="en-US" sz="2100" spc="-150" dirty="0">
+              <a:latin typeface="+mn-ea"/>
+              <a:ea typeface="+mn-ea"/>
+            </a:endParaRPr>
+          </a:p>
+        </p:txBody>
+      </p:sp>
+      <p:pic>
+        <p:nvPicPr>
+          <p:cNvPr id="4" name="그림 3" descr="텍스트이(가) 표시된 사진&#10;&#10;자동 생성된 설명">
+            <a:extLst>
+              <a:ext uri="{FF2B5EF4-FFF2-40B4-BE49-F238E27FC236}">
+                <a16:creationId xmlns:a16="http://schemas.microsoft.com/office/drawing/2014/main" id="{8AE7D982-6FC5-7175-7AA7-A82F5A37B627}"/>
+              </a:ext>
+            </a:extLst>
+          </p:cNvPr>
+          <p:cNvPicPr>
+            <a:picLocks noChangeAspect="1"/>
+          </p:cNvPicPr>
+          <p:nvPr/>
+        </p:nvPicPr>
+        <p:blipFill>
+          <a:blip r:embed="rId3">
+            <a:extLst>
+              <a:ext uri="{28A0092B-C50C-407E-A947-70E740481C1C}">
+                <a14:useLocalDpi xmlns:a14="http://schemas.microsoft.com/office/drawing/2010/main" val="0"/>
+              </a:ext>
+            </a:extLst>
+          </a:blip>
+          <a:stretch>
+            <a:fillRect/>
+          </a:stretch>
+        </p:blipFill>
+        <p:spPr>
+          <a:xfrm>
+            <a:off x="6523131" y="4495392"/>
+            <a:ext cx="5305317" cy="1160538"/>
+          </a:xfrm>
+          <a:prstGeom prst="rect">
+            <a:avLst/>
+          </a:prstGeom>
+        </p:spPr>
+      </p:pic>
+      <p:pic>
+        <p:nvPicPr>
+          <p:cNvPr id="6" name="그림 5" descr="텍스트이(가) 표시된 사진&#10;&#10;자동 생성된 설명">
+            <a:extLst>
+              <a:ext uri="{FF2B5EF4-FFF2-40B4-BE49-F238E27FC236}">
+                <a16:creationId xmlns:a16="http://schemas.microsoft.com/office/drawing/2014/main" id="{D1E2E735-5BAD-ADB3-4574-E56A4A5A255D}"/>
+              </a:ext>
+            </a:extLst>
+          </p:cNvPr>
+          <p:cNvPicPr>
+            <a:picLocks noChangeAspect="1"/>
+          </p:cNvPicPr>
+          <p:nvPr/>
+        </p:nvPicPr>
+        <p:blipFill rotWithShape="1">
+          <a:blip r:embed="rId4">
+            <a:extLst>
+              <a:ext uri="{28A0092B-C50C-407E-A947-70E740481C1C}">
+                <a14:useLocalDpi xmlns:a14="http://schemas.microsoft.com/office/drawing/2010/main" val="0"/>
+              </a:ext>
+            </a:extLst>
+          </a:blip>
+          <a:srcRect l="4271" t="4589" r="6013" b="27823"/>
+          <a:stretch/>
+        </p:blipFill>
+        <p:spPr>
+          <a:xfrm>
+            <a:off x="546637" y="4495392"/>
+            <a:ext cx="5762928" cy="1160538"/>
+          </a:xfrm>
+          <a:prstGeom prst="rect">
+            <a:avLst/>
+          </a:prstGeom>
+        </p:spPr>
+      </p:pic>
+      <p:sp>
+        <p:nvSpPr>
+          <p:cNvPr id="7" name="TextBox 6">
+            <a:extLst>
+              <a:ext uri="{FF2B5EF4-FFF2-40B4-BE49-F238E27FC236}">
+                <a16:creationId xmlns:a16="http://schemas.microsoft.com/office/drawing/2014/main" id="{5D8C7A91-AFC0-F546-9C1D-8E50C775F4D0}"/>
+              </a:ext>
+            </a:extLst>
+          </p:cNvPr>
+          <p:cNvSpPr txBox="1"/>
+          <p:nvPr/>
+        </p:nvSpPr>
+        <p:spPr>
+          <a:xfrm>
+            <a:off x="2266654" y="5691294"/>
+            <a:ext cx="2272423" cy="336118"/>
+          </a:xfrm>
+          <a:prstGeom prst="rect">
+            <a:avLst/>
+          </a:prstGeom>
+          <a:noFill/>
+        </p:spPr>
+        <p:txBody>
+          <a:bodyPr wrap="square" rtlCol="0">
+            <a:spAutoFit/>
+          </a:bodyPr>
+          <a:lstStyle/>
+          <a:p>
+            <a:pPr algn="ctr"/>
+            <a:r>
+              <a:rPr kumimoji="1" lang="ko-Kore-KR" altLang="en-US" dirty="0">
+                <a:latin typeface="+mn-ea"/>
+              </a:rPr>
+              <a:t>이상치</a:t>
+            </a:r>
+            <a:r>
+              <a:rPr kumimoji="1" lang="ko-KR" altLang="en-US" dirty="0">
+                <a:latin typeface="+mn-ea"/>
+              </a:rPr>
+              <a:t> 제외 전</a:t>
+            </a:r>
+            <a:endParaRPr kumimoji="1" lang="ko-Kore-KR" altLang="en-US" dirty="0">
+              <a:latin typeface="+mn-ea"/>
+            </a:endParaRPr>
+          </a:p>
+        </p:txBody>
+      </p:sp>
+      <p:sp>
+        <p:nvSpPr>
+          <p:cNvPr id="8" name="TextBox 7">
+            <a:extLst>
+              <a:ext uri="{FF2B5EF4-FFF2-40B4-BE49-F238E27FC236}">
+                <a16:creationId xmlns:a16="http://schemas.microsoft.com/office/drawing/2014/main" id="{22186F17-FDC4-FABB-B1BE-D374A650DAE8}"/>
+              </a:ext>
+            </a:extLst>
+          </p:cNvPr>
+          <p:cNvSpPr txBox="1"/>
+          <p:nvPr/>
+        </p:nvSpPr>
+        <p:spPr>
+          <a:xfrm>
+            <a:off x="8039577" y="5691294"/>
+            <a:ext cx="2272423" cy="336118"/>
+          </a:xfrm>
+          <a:prstGeom prst="rect">
+            <a:avLst/>
+          </a:prstGeom>
+          <a:noFill/>
+        </p:spPr>
+        <p:txBody>
+          <a:bodyPr wrap="square" rtlCol="0">
+            <a:spAutoFit/>
+          </a:bodyPr>
+          <a:lstStyle/>
+          <a:p>
+            <a:pPr algn="ctr"/>
+            <a:r>
+              <a:rPr kumimoji="1" lang="ko-Kore-KR" altLang="en-US" dirty="0">
+                <a:latin typeface="+mn-ea"/>
+              </a:rPr>
+              <a:t>이상치</a:t>
+            </a:r>
+            <a:r>
+              <a:rPr kumimoji="1" lang="ko-KR" altLang="en-US" dirty="0">
+                <a:latin typeface="+mn-ea"/>
+              </a:rPr>
+              <a:t> 제외 후</a:t>
+            </a:r>
+            <a:endParaRPr kumimoji="1" lang="ko-Kore-KR" altLang="en-US" dirty="0">
+              <a:latin typeface="+mn-ea"/>
+            </a:endParaRPr>
           </a:p>
         </p:txBody>
       </p:sp>
     </p:spTree>
     <p:extLst>
       <p:ext uri="{BB962C8B-B14F-4D97-AF65-F5344CB8AC3E}">
-        <p14:creationId xmlns:p14="http://schemas.microsoft.com/office/powerpoint/2010/main" val="3567038506"/>
+        <p14:creationId xmlns:p14="http://schemas.microsoft.com/office/powerpoint/2010/main" val="1810387115"/>
       </p:ext>
     </p:extLst>
   </p:cSld>
@@ -6720,7 +6476,7 @@
               <a:rPr lang="ko-KR" altLang="en-US" sz="4000" spc="-185" dirty="0">
                 <a:latin typeface="+mj-ea"/>
               </a:rPr>
-              <a:t>클래스 불균형 이슈</a:t>
+              <a:t>라벨 이슈</a:t>
             </a:r>
           </a:p>
         </p:txBody>
@@ -6735,8 +6491,8 @@
         </p:nvSpPr>
         <p:spPr>
           <a:xfrm>
-            <a:off x="363552" y="1530068"/>
-            <a:ext cx="12192000" cy="4379894"/>
+            <a:off x="363552" y="1593704"/>
+            <a:ext cx="12192000" cy="1474811"/>
           </a:xfrm>
           <a:prstGeom prst="rect">
             <a:avLst/>
@@ -6768,341 +6524,177 @@
           <a:p>
             <a:pPr>
               <a:lnSpc>
-                <a:spcPct val="130000"/>
-              </a:lnSpc>
-              <a:defRPr/>
-            </a:pPr>
-            <a:endParaRPr lang="ko-KR" altLang="en-US" sz="2100" spc="-150" dirty="0">
+                <a:spcPct val="110000"/>
+              </a:lnSpc>
+              <a:defRPr/>
+            </a:pPr>
+            <a:r>
+              <a:rPr lang="ko-KR" altLang="en-US" sz="1800" spc="-150" dirty="0">
+                <a:latin typeface="+mn-ea"/>
+                <a:ea typeface="+mn-ea"/>
+              </a:rPr>
+              <a:t>라벨 별 이미지를 확인하다 보니</a:t>
+            </a:r>
+            <a:r>
+              <a:rPr lang="en-US" altLang="ko-KR" sz="1800" spc="-150" dirty="0">
+                <a:latin typeface="+mn-ea"/>
+                <a:ea typeface="+mn-ea"/>
+              </a:rPr>
+              <a:t>,</a:t>
+            </a:r>
+            <a:r>
+              <a:rPr lang="ko-KR" altLang="en-US" sz="1800" spc="-150" dirty="0">
+                <a:latin typeface="+mn-ea"/>
+                <a:ea typeface="+mn-ea"/>
+              </a:rPr>
+              <a:t> 라벨이 잘못 설정되어 있는 이미지를 발견하게 되었습니다</a:t>
+            </a:r>
+            <a:r>
+              <a:rPr lang="en-US" altLang="ko-KR" sz="1800" spc="-150" dirty="0">
+                <a:latin typeface="+mn-ea"/>
+                <a:ea typeface="+mn-ea"/>
+              </a:rPr>
+              <a:t>.</a:t>
+            </a:r>
+          </a:p>
+          <a:p>
+            <a:pPr>
+              <a:lnSpc>
+                <a:spcPct val="110000"/>
+              </a:lnSpc>
+              <a:defRPr/>
+            </a:pPr>
+            <a:endParaRPr lang="en-US" altLang="ko-KR" sz="1800" spc="-150" dirty="0">
               <a:latin typeface="+mn-ea"/>
               <a:ea typeface="+mn-ea"/>
             </a:endParaRPr>
           </a:p>
-        </p:txBody>
-      </p:sp>
-      <p:sp>
-        <p:nvSpPr>
-          <p:cNvPr id="3" name="제목 38">
+          <a:p>
+            <a:pPr>
+              <a:lnSpc>
+                <a:spcPct val="110000"/>
+              </a:lnSpc>
+              <a:defRPr/>
+            </a:pPr>
+            <a:r>
+              <a:rPr lang="ko-KR" altLang="en-US" sz="1800" spc="-150" dirty="0">
+                <a:latin typeface="+mn-ea"/>
+                <a:ea typeface="+mn-ea"/>
+              </a:rPr>
+              <a:t>이상치 제거 알고리즘을 만들 수도 있었지만</a:t>
+            </a:r>
+            <a:r>
+              <a:rPr lang="en-US" altLang="ko-KR" sz="1800" spc="-150" dirty="0">
+                <a:latin typeface="+mn-ea"/>
+                <a:ea typeface="+mn-ea"/>
+              </a:rPr>
+              <a:t>,</a:t>
+            </a:r>
+          </a:p>
+          <a:p>
+            <a:pPr>
+              <a:lnSpc>
+                <a:spcPct val="110000"/>
+              </a:lnSpc>
+              <a:defRPr/>
+            </a:pPr>
+            <a:r>
+              <a:rPr lang="ko-KR" altLang="en-US" sz="1800" spc="-150" dirty="0">
+                <a:latin typeface="+mn-ea"/>
+                <a:ea typeface="+mn-ea"/>
+              </a:rPr>
+              <a:t>시간도 촉박하고 라벨링이 잘못된 데이터가 많지 않아서 직접 제외 작업을 진행했습니다</a:t>
+            </a:r>
+            <a:r>
+              <a:rPr lang="en-US" altLang="ko-KR" sz="1800" spc="-150" dirty="0">
+                <a:latin typeface="+mn-ea"/>
+                <a:ea typeface="+mn-ea"/>
+              </a:rPr>
+              <a:t>.</a:t>
+            </a:r>
+            <a:endParaRPr lang="ko-KR" altLang="en-US" sz="1800" spc="-150" dirty="0">
+              <a:latin typeface="+mn-ea"/>
+              <a:ea typeface="+mn-ea"/>
+            </a:endParaRPr>
+          </a:p>
+        </p:txBody>
+      </p:sp>
+      <p:pic>
+        <p:nvPicPr>
+          <p:cNvPr id="5" name="그림 4" descr="텍스트, 컴퓨터, 실내, 책상이(가) 표시된 사진&#10;&#10;자동 생성된 설명">
             <a:extLst>
               <a:ext uri="{FF2B5EF4-FFF2-40B4-BE49-F238E27FC236}">
-                <a16:creationId xmlns:a16="http://schemas.microsoft.com/office/drawing/2014/main" id="{5DFB26BC-F7FF-FADE-1C58-4A8BD6BCA307}"/>
+                <a16:creationId xmlns:a16="http://schemas.microsoft.com/office/drawing/2014/main" id="{68AE407E-15B3-5513-0723-EBFD0A490B7C}"/>
               </a:ext>
             </a:extLst>
           </p:cNvPr>
-          <p:cNvSpPr txBox="1">
-            <a:spLocks/>
-          </p:cNvSpPr>
+          <p:cNvPicPr>
+            <a:picLocks noChangeAspect="1"/>
+          </p:cNvPicPr>
           <p:nvPr/>
-        </p:nvSpPr>
-        <p:spPr>
-          <a:xfrm>
-            <a:off x="439752" y="1682468"/>
-            <a:ext cx="11312496" cy="4227494"/>
+        </p:nvPicPr>
+        <p:blipFill>
+          <a:blip r:embed="rId3">
+            <a:extLst>
+              <a:ext uri="{28A0092B-C50C-407E-A947-70E740481C1C}">
+                <a14:useLocalDpi xmlns:a14="http://schemas.microsoft.com/office/drawing/2010/main" val="0"/>
+              </a:ext>
+            </a:extLst>
+          </a:blip>
+          <a:stretch>
+            <a:fillRect/>
+          </a:stretch>
+        </p:blipFill>
+        <p:spPr>
+          <a:xfrm>
+            <a:off x="887181" y="3253846"/>
+            <a:ext cx="4204677" cy="3157614"/>
           </a:xfrm>
           <a:prstGeom prst="rect">
             <a:avLst/>
           </a:prstGeom>
         </p:spPr>
-        <p:txBody>
-          <a:bodyPr vert="horz" lIns="112542" tIns="56271" rIns="112542" bIns="56271" rtlCol="0" anchor="t">
-            <a:noAutofit/>
-          </a:bodyPr>
-          <a:lstStyle>
-            <a:lvl1pPr algn="l" defTabSz="914400" rtl="0" eaLnBrk="1" latinLnBrk="1" hangingPunct="1">
-              <a:lnSpc>
-                <a:spcPct val="90000"/>
-              </a:lnSpc>
-              <a:spcBef>
-                <a:spcPct val="0"/>
-              </a:spcBef>
-              <a:buNone/>
-              <a:defRPr sz="4400" kern="1200">
-                <a:solidFill>
-                  <a:schemeClr val="tx1"/>
-                </a:solidFill>
-                <a:latin typeface="+mj-lt"/>
-                <a:ea typeface="+mj-ea"/>
-                <a:cs typeface="+mj-cs"/>
-              </a:defRPr>
-            </a:lvl1pPr>
-          </a:lstStyle>
-          <a:p>
-            <a:pPr>
-              <a:lnSpc>
-                <a:spcPct val="130000"/>
-              </a:lnSpc>
-              <a:defRPr/>
-            </a:pPr>
-            <a:r>
-              <a:rPr lang="en-US" altLang="ko-KR" sz="2100" spc="-150" dirty="0">
-                <a:latin typeface="+mn-ea"/>
-                <a:ea typeface="+mn-ea"/>
-              </a:rPr>
-              <a:t>5</a:t>
-            </a:r>
-            <a:r>
-              <a:rPr lang="ko-KR" altLang="en-US" sz="2100" spc="-150" dirty="0">
-                <a:latin typeface="+mn-ea"/>
-                <a:ea typeface="+mn-ea"/>
-              </a:rPr>
-              <a:t>개의 클래스는 서로 다른 개수로 구성되어 있습니다</a:t>
-            </a:r>
-            <a:r>
-              <a:rPr lang="en-US" altLang="ko-KR" sz="2100" spc="-150" dirty="0">
-                <a:latin typeface="+mn-ea"/>
-                <a:ea typeface="+mn-ea"/>
-              </a:rPr>
-              <a:t>.</a:t>
-            </a:r>
-          </a:p>
-          <a:p>
-            <a:pPr>
-              <a:lnSpc>
-                <a:spcPct val="130000"/>
-              </a:lnSpc>
-              <a:defRPr/>
-            </a:pPr>
-            <a:endParaRPr lang="en-US" altLang="ko-KR" sz="2100" spc="-150" dirty="0">
-              <a:latin typeface="+mn-ea"/>
-              <a:ea typeface="+mn-ea"/>
-            </a:endParaRPr>
-          </a:p>
-          <a:p>
-            <a:pPr>
-              <a:lnSpc>
-                <a:spcPct val="130000"/>
-              </a:lnSpc>
-              <a:defRPr/>
-            </a:pPr>
-            <a:r>
-              <a:rPr lang="ko-KR" altLang="en-US" sz="2100" spc="-150" dirty="0">
-                <a:latin typeface="+mn-ea"/>
-                <a:ea typeface="+mn-ea"/>
-              </a:rPr>
-              <a:t>특히</a:t>
-            </a:r>
-            <a:r>
-              <a:rPr lang="en-US" altLang="ko-KR" sz="2100" spc="-150" dirty="0">
-                <a:latin typeface="+mn-ea"/>
-                <a:ea typeface="+mn-ea"/>
-              </a:rPr>
-              <a:t>,</a:t>
-            </a:r>
-            <a:r>
-              <a:rPr lang="ko-KR" altLang="en-US" sz="2100" spc="-150" dirty="0">
-                <a:latin typeface="+mn-ea"/>
-                <a:ea typeface="+mn-ea"/>
-              </a:rPr>
-              <a:t> </a:t>
-            </a:r>
-            <a:r>
-              <a:rPr lang="en-US" altLang="ko-KR" sz="2100" spc="-150" dirty="0">
-                <a:latin typeface="+mn-ea"/>
-                <a:ea typeface="+mn-ea"/>
-              </a:rPr>
-              <a:t>tops</a:t>
-            </a:r>
-            <a:r>
-              <a:rPr lang="ko-KR" altLang="en-US" sz="2100" spc="-150" dirty="0">
-                <a:latin typeface="+mn-ea"/>
-                <a:ea typeface="+mn-ea"/>
-              </a:rPr>
-              <a:t>의 개수가 몇배 더 많이 구성되어 있는데 </a:t>
-            </a:r>
-            <a:endParaRPr lang="en-US" altLang="ko-KR" sz="2100" spc="-150" dirty="0">
-              <a:latin typeface="+mn-ea"/>
-              <a:ea typeface="+mn-ea"/>
-            </a:endParaRPr>
-          </a:p>
-          <a:p>
-            <a:pPr>
-              <a:lnSpc>
-                <a:spcPct val="130000"/>
-              </a:lnSpc>
-              <a:defRPr/>
-            </a:pPr>
-            <a:r>
-              <a:rPr lang="ko-KR" altLang="en-US" sz="2100" spc="-150" dirty="0">
-                <a:latin typeface="+mn-ea"/>
-                <a:ea typeface="+mn-ea"/>
-              </a:rPr>
-              <a:t>이를 고려하지 않고 학습 시 모델의 성능이 하락할 수 있습니다</a:t>
-            </a:r>
-            <a:r>
-              <a:rPr lang="en-US" altLang="ko-KR" sz="2100" spc="-150" dirty="0">
-                <a:latin typeface="+mn-ea"/>
-                <a:ea typeface="+mn-ea"/>
-              </a:rPr>
-              <a:t>.</a:t>
-            </a:r>
-          </a:p>
-          <a:p>
-            <a:pPr>
-              <a:lnSpc>
-                <a:spcPct val="130000"/>
-              </a:lnSpc>
-              <a:defRPr/>
-            </a:pPr>
-            <a:endParaRPr lang="en-US" altLang="ko-KR" sz="2100" spc="-150" dirty="0">
-              <a:latin typeface="+mn-ea"/>
-              <a:ea typeface="+mn-ea"/>
-            </a:endParaRPr>
-          </a:p>
-          <a:p>
-            <a:pPr>
-              <a:lnSpc>
-                <a:spcPct val="130000"/>
-              </a:lnSpc>
-              <a:defRPr/>
-            </a:pPr>
-            <a:r>
-              <a:rPr lang="ko-KR" altLang="en-US" sz="2100" spc="-150" dirty="0">
-                <a:latin typeface="+mn-ea"/>
-                <a:ea typeface="+mn-ea"/>
-              </a:rPr>
-              <a:t>그렇기에 </a:t>
-            </a:r>
-            <a:r>
-              <a:rPr lang="en-US" altLang="ko-KR" sz="2100" spc="-150" dirty="0">
-                <a:latin typeface="+mn-ea"/>
-                <a:ea typeface="+mn-ea"/>
-              </a:rPr>
-              <a:t>Weighted Cross Entropy,</a:t>
-            </a:r>
-            <a:r>
-              <a:rPr lang="ko-KR" altLang="en-US" sz="2100" spc="-150" dirty="0">
-                <a:latin typeface="+mn-ea"/>
-                <a:ea typeface="+mn-ea"/>
-              </a:rPr>
-              <a:t> </a:t>
-            </a:r>
-            <a:r>
-              <a:rPr lang="en-US" altLang="ko-KR" sz="2100" spc="-150" dirty="0">
-                <a:latin typeface="+mn-ea"/>
-                <a:ea typeface="+mn-ea"/>
-              </a:rPr>
-              <a:t>Focal Loss</a:t>
-            </a:r>
-            <a:r>
-              <a:rPr lang="ko-KR" altLang="en-US" sz="2100" spc="-150" dirty="0">
-                <a:latin typeface="+mn-ea"/>
-                <a:ea typeface="+mn-ea"/>
-              </a:rPr>
-              <a:t>와 같은</a:t>
-            </a:r>
-            <a:r>
-              <a:rPr lang="en-US" altLang="ko-KR" sz="2100" spc="-150" dirty="0">
-                <a:latin typeface="+mn-ea"/>
-                <a:ea typeface="+mn-ea"/>
-              </a:rPr>
-              <a:t> </a:t>
-            </a:r>
-            <a:r>
-              <a:rPr lang="ko-KR" altLang="en-US" sz="2100" spc="-150" dirty="0">
-                <a:latin typeface="+mn-ea"/>
-                <a:ea typeface="+mn-ea"/>
-              </a:rPr>
-              <a:t>함수를 사용하여</a:t>
-            </a:r>
-            <a:endParaRPr lang="en-US" altLang="ko-KR" sz="2100" spc="-150" dirty="0">
-              <a:latin typeface="+mn-ea"/>
-              <a:ea typeface="+mn-ea"/>
-            </a:endParaRPr>
-          </a:p>
-          <a:p>
-            <a:pPr>
-              <a:lnSpc>
-                <a:spcPct val="130000"/>
-              </a:lnSpc>
-              <a:defRPr/>
-            </a:pPr>
-            <a:r>
-              <a:rPr lang="ko-KR" altLang="en-US" sz="2100" spc="-150" dirty="0">
-                <a:latin typeface="+mn-ea"/>
-                <a:ea typeface="+mn-ea"/>
-              </a:rPr>
-              <a:t>부족한 클래스에 가중치를 곱해 </a:t>
-            </a:r>
-            <a:r>
-              <a:rPr lang="en-US" altLang="ko-KR" sz="2100" spc="-150" dirty="0">
-                <a:latin typeface="+mn-ea"/>
-                <a:ea typeface="+mn-ea"/>
-              </a:rPr>
-              <a:t>Loss </a:t>
-            </a:r>
-            <a:r>
-              <a:rPr lang="ko-KR" altLang="en-US" sz="2100" spc="-150" dirty="0">
-                <a:latin typeface="+mn-ea"/>
-                <a:ea typeface="+mn-ea"/>
-              </a:rPr>
-              <a:t>값을 높여주거나</a:t>
-            </a:r>
-            <a:endParaRPr lang="en-US" altLang="ko-KR" sz="2100" spc="-150" dirty="0">
-              <a:latin typeface="+mn-ea"/>
-              <a:ea typeface="+mn-ea"/>
-            </a:endParaRPr>
-          </a:p>
-          <a:p>
-            <a:pPr>
-              <a:lnSpc>
-                <a:spcPct val="130000"/>
-              </a:lnSpc>
-              <a:defRPr/>
-            </a:pPr>
-            <a:r>
-              <a:rPr lang="ko-KR" altLang="en-US" sz="2100" spc="-150" dirty="0">
-                <a:latin typeface="+mn-ea"/>
-                <a:ea typeface="+mn-ea"/>
-              </a:rPr>
-              <a:t>정규화 과정을 통한다면 클래스 불균형이 어느 정도 해결될 것이라고 생각합니다</a:t>
-            </a:r>
-            <a:r>
-              <a:rPr lang="en-US" altLang="ko-KR" sz="2100" spc="-150" dirty="0">
-                <a:latin typeface="+mn-ea"/>
-                <a:ea typeface="+mn-ea"/>
-              </a:rPr>
-              <a:t>.</a:t>
-            </a:r>
-          </a:p>
-          <a:p>
-            <a:pPr>
-              <a:lnSpc>
-                <a:spcPct val="130000"/>
-              </a:lnSpc>
-              <a:defRPr/>
-            </a:pPr>
-            <a:endParaRPr lang="en-US" altLang="ko-KR" sz="2100" spc="-150" dirty="0">
-              <a:latin typeface="+mn-ea"/>
-              <a:ea typeface="+mn-ea"/>
-            </a:endParaRPr>
-          </a:p>
-          <a:p>
-            <a:pPr>
-              <a:lnSpc>
-                <a:spcPct val="130000"/>
-              </a:lnSpc>
-              <a:defRPr/>
-            </a:pPr>
-            <a:r>
-              <a:rPr lang="ko-KR" altLang="en-US" sz="2100" spc="-150" dirty="0">
-                <a:latin typeface="+mn-ea"/>
-                <a:ea typeface="+mn-ea"/>
-              </a:rPr>
-              <a:t>그러나 시간이 부족하여 이 이슈를 해결하지 못한 채 모델 학습을 진행했습니다</a:t>
-            </a:r>
-            <a:r>
-              <a:rPr lang="en-US" altLang="ko-KR" sz="2100" spc="-150" dirty="0">
-                <a:latin typeface="+mn-ea"/>
-                <a:ea typeface="+mn-ea"/>
-              </a:rPr>
-              <a:t>.</a:t>
-            </a:r>
-          </a:p>
-        </p:txBody>
-      </p:sp>
+      </p:pic>
+      <p:pic>
+        <p:nvPicPr>
+          <p:cNvPr id="10" name="그림 9" descr="텍스트, 컴퓨터, 실내, 전자기기이(가) 표시된 사진&#10;&#10;자동 생성된 설명">
+            <a:extLst>
+              <a:ext uri="{FF2B5EF4-FFF2-40B4-BE49-F238E27FC236}">
+                <a16:creationId xmlns:a16="http://schemas.microsoft.com/office/drawing/2014/main" id="{A450FAFA-C4E6-8AC8-DCFA-1E2463B452C7}"/>
+              </a:ext>
+            </a:extLst>
+          </p:cNvPr>
+          <p:cNvPicPr>
+            <a:picLocks noChangeAspect="1"/>
+          </p:cNvPicPr>
+          <p:nvPr/>
+        </p:nvPicPr>
+        <p:blipFill>
+          <a:blip r:embed="rId4">
+            <a:extLst>
+              <a:ext uri="{28A0092B-C50C-407E-A947-70E740481C1C}">
+                <a14:useLocalDpi xmlns:a14="http://schemas.microsoft.com/office/drawing/2010/main" val="0"/>
+              </a:ext>
+            </a:extLst>
+          </a:blip>
+          <a:stretch>
+            <a:fillRect/>
+          </a:stretch>
+        </p:blipFill>
+        <p:spPr>
+          <a:xfrm>
+            <a:off x="5529966" y="3253846"/>
+            <a:ext cx="3801603" cy="2851202"/>
+          </a:xfrm>
+          <a:prstGeom prst="rect">
+            <a:avLst/>
+          </a:prstGeom>
+        </p:spPr>
+      </p:pic>
     </p:spTree>
     <p:extLst>
       <p:ext uri="{BB962C8B-B14F-4D97-AF65-F5344CB8AC3E}">
-        <p14:creationId xmlns:p14="http://schemas.microsoft.com/office/powerpoint/2010/main" val="557546419"/>
+        <p14:creationId xmlns:p14="http://schemas.microsoft.com/office/powerpoint/2010/main" val="3246476420"/>
       </p:ext>
     </p:extLst>
   </p:cSld>
@@ -7159,696 +6751,10 @@
           </a:prstGeom>
         </p:spPr>
       </p:pic>
-      <p:sp>
-        <p:nvSpPr>
-          <p:cNvPr id="48" name="제목 38"/>
-          <p:cNvSpPr>
-            <a:spLocks noGrp="1"/>
-          </p:cNvSpPr>
-          <p:nvPr>
-            <p:ph type="title"/>
-          </p:nvPr>
-        </p:nvSpPr>
-        <p:spPr>
-          <a:xfrm>
-            <a:off x="363552" y="406401"/>
-            <a:ext cx="9862863" cy="856412"/>
-          </a:xfrm>
-        </p:spPr>
-        <p:txBody>
-          <a:bodyPr rtlCol="0">
-            <a:noAutofit/>
-          </a:bodyPr>
-          <a:lstStyle/>
-          <a:p>
-            <a:pPr>
-              <a:defRPr/>
-            </a:pPr>
-            <a:r>
-              <a:rPr lang="en-US" altLang="ko-KR" sz="4000" spc="-185" dirty="0">
-                <a:latin typeface="+mj-ea"/>
-              </a:rPr>
-              <a:t>Mission 3</a:t>
-            </a:r>
-            <a:endParaRPr lang="ko-KR" altLang="en-US" sz="4000" spc="-185" dirty="0">
-              <a:latin typeface="+mj-ea"/>
-            </a:endParaRPr>
-          </a:p>
-        </p:txBody>
-      </p:sp>
-      <p:sp>
-        <p:nvSpPr>
-          <p:cNvPr id="13" name="제목 38"/>
-          <p:cNvSpPr txBox="1">
-            <a:spLocks/>
-          </p:cNvSpPr>
-          <p:nvPr/>
-        </p:nvSpPr>
-        <p:spPr>
-          <a:xfrm>
-            <a:off x="363552" y="1530068"/>
-            <a:ext cx="12192000" cy="4379894"/>
-          </a:xfrm>
-          <a:prstGeom prst="rect">
-            <a:avLst/>
-          </a:prstGeom>
-        </p:spPr>
-        <p:txBody>
-          <a:bodyPr vert="horz" lIns="112542" tIns="56271" rIns="112542" bIns="56271" rtlCol="0" anchor="t">
-            <a:noAutofit/>
-          </a:bodyPr>
-          <a:lstStyle>
-            <a:lvl1pPr algn="l" defTabSz="914400" rtl="0" eaLnBrk="1" latinLnBrk="1" hangingPunct="1">
-              <a:lnSpc>
-                <a:spcPct val="90000"/>
-              </a:lnSpc>
-              <a:spcBef>
-                <a:spcPct val="0"/>
-              </a:spcBef>
-              <a:buNone/>
-              <a:defRPr sz="4400" kern="1200">
-                <a:solidFill>
-                  <a:schemeClr val="tx1"/>
-                </a:solidFill>
-                <a:latin typeface="+mj-lt"/>
-                <a:ea typeface="+mj-ea"/>
-                <a:cs typeface="+mj-cs"/>
-              </a:defRPr>
-            </a:lvl1pPr>
-          </a:lstStyle>
-          <a:p>
-            <a:pPr>
-              <a:lnSpc>
-                <a:spcPct val="130000"/>
-              </a:lnSpc>
-              <a:defRPr/>
-            </a:pPr>
-            <a:r>
-              <a:rPr lang="en-US" altLang="ko-KR" sz="2100" spc="-150" dirty="0">
-                <a:latin typeface="+mn-ea"/>
-                <a:ea typeface="+mn-ea"/>
-              </a:rPr>
-              <a:t>3-3. </a:t>
-            </a:r>
-            <a:r>
-              <a:rPr lang="ko-KR" altLang="en-US" sz="2100" spc="-150" dirty="0">
-                <a:latin typeface="+mn-ea"/>
-                <a:ea typeface="+mn-ea"/>
-              </a:rPr>
-              <a:t>오류가 나온 이미지에 대해 왜 오류가 나왔는지 </a:t>
-            </a:r>
-            <a:endParaRPr lang="en-US" altLang="ko-KR" sz="2100" spc="-150" dirty="0">
-              <a:latin typeface="+mn-ea"/>
-              <a:ea typeface="+mn-ea"/>
-            </a:endParaRPr>
-          </a:p>
-          <a:p>
-            <a:pPr>
-              <a:lnSpc>
-                <a:spcPct val="130000"/>
-              </a:lnSpc>
-              <a:defRPr/>
-            </a:pPr>
-            <a:r>
-              <a:rPr lang="ko-KR" altLang="en-US" sz="2100" spc="-150" dirty="0">
-                <a:latin typeface="+mn-ea"/>
-                <a:ea typeface="+mn-ea"/>
-              </a:rPr>
-              <a:t>그동안 미션 수행에서 얻은 경험과 지식을</a:t>
-            </a:r>
-            <a:r>
-              <a:rPr lang="en-US" altLang="ko-KR" sz="2100" spc="-150" dirty="0">
-                <a:latin typeface="+mn-ea"/>
-                <a:ea typeface="+mn-ea"/>
-              </a:rPr>
-              <a:t> </a:t>
-            </a:r>
-            <a:r>
-              <a:rPr lang="ko-KR" altLang="en-US" sz="2100" spc="-150" dirty="0">
-                <a:latin typeface="+mn-ea"/>
-                <a:ea typeface="+mn-ea"/>
-              </a:rPr>
-              <a:t>통해 </a:t>
-            </a:r>
-            <a:r>
-              <a:rPr lang="ko-KR" altLang="en-US" sz="2100" spc="-150" dirty="0" err="1">
-                <a:latin typeface="+mn-ea"/>
-                <a:ea typeface="+mn-ea"/>
-              </a:rPr>
-              <a:t>설명하시오</a:t>
-            </a:r>
-            <a:r>
-              <a:rPr lang="en-US" altLang="ko-KR" sz="2100" spc="-150" dirty="0">
-                <a:latin typeface="+mn-ea"/>
-                <a:ea typeface="+mn-ea"/>
-              </a:rPr>
-              <a:t>.</a:t>
-            </a:r>
-          </a:p>
-          <a:p>
-            <a:pPr>
-              <a:lnSpc>
-                <a:spcPct val="130000"/>
-              </a:lnSpc>
-              <a:defRPr/>
-            </a:pPr>
-            <a:endParaRPr lang="en-US" altLang="ko-KR" sz="2100" spc="-150" dirty="0">
-              <a:latin typeface="+mn-ea"/>
-              <a:ea typeface="+mn-ea"/>
-            </a:endParaRPr>
-          </a:p>
-          <a:p>
-            <a:pPr>
-              <a:lnSpc>
-                <a:spcPct val="130000"/>
-              </a:lnSpc>
-              <a:defRPr/>
-            </a:pPr>
-            <a:r>
-              <a:rPr lang="en-US" altLang="ko-KR" sz="2100" spc="-150" dirty="0">
-                <a:latin typeface="+mn-ea"/>
-                <a:ea typeface="+mn-ea"/>
-              </a:rPr>
-              <a:t>Answer:</a:t>
-            </a:r>
-          </a:p>
-          <a:p>
-            <a:pPr>
-              <a:lnSpc>
-                <a:spcPct val="130000"/>
-              </a:lnSpc>
-              <a:defRPr/>
-            </a:pPr>
-            <a:r>
-              <a:rPr lang="ko-KR" altLang="en-US" sz="2100" b="0" i="0" spc="-150" dirty="0">
-                <a:effectLst/>
-                <a:latin typeface="+mn-ea"/>
-                <a:ea typeface="+mn-ea"/>
-              </a:rPr>
-              <a:t>오류가 나온 이미지는 대부분 라벨링이 잘못 매칭된 경우였습니다</a:t>
-            </a:r>
-            <a:r>
-              <a:rPr lang="en-US" altLang="ko-KR" sz="2100" spc="-150" dirty="0">
-                <a:latin typeface="+mn-ea"/>
-                <a:ea typeface="+mn-ea"/>
-              </a:rPr>
-              <a:t>.</a:t>
-            </a:r>
-            <a:endParaRPr lang="en-US" altLang="ko-KR" sz="2100" b="0" i="0" spc="-150" dirty="0">
-              <a:effectLst/>
-              <a:latin typeface="+mn-ea"/>
-              <a:ea typeface="+mn-ea"/>
-            </a:endParaRPr>
-          </a:p>
-          <a:p>
-            <a:pPr>
-              <a:lnSpc>
-                <a:spcPct val="130000"/>
-              </a:lnSpc>
-              <a:defRPr/>
-            </a:pPr>
-            <a:r>
-              <a:rPr lang="ko-KR" altLang="en-US" sz="2100" b="0" i="0" spc="-150" dirty="0">
-                <a:effectLst/>
-                <a:latin typeface="+mn-ea"/>
-                <a:ea typeface="+mn-ea"/>
-              </a:rPr>
-              <a:t>이 부분 제외시키고 학습하였더니 정확도가 많이 증가했습니다</a:t>
-            </a:r>
-            <a:r>
-              <a:rPr lang="en-US" altLang="ko-KR" sz="2100" b="0" i="0" spc="-150" dirty="0">
-                <a:effectLst/>
-                <a:latin typeface="+mn-ea"/>
-                <a:ea typeface="+mn-ea"/>
-              </a:rPr>
-              <a:t>.</a:t>
-            </a:r>
-            <a:endParaRPr lang="ko-KR" altLang="en-US" sz="2100" spc="-150" dirty="0">
-              <a:latin typeface="+mn-ea"/>
-              <a:ea typeface="+mn-ea"/>
-            </a:endParaRPr>
-          </a:p>
-        </p:txBody>
-      </p:sp>
-      <p:pic>
-        <p:nvPicPr>
-          <p:cNvPr id="4" name="그림 3" descr="텍스트이(가) 표시된 사진&#10;&#10;자동 생성된 설명">
-            <a:extLst>
-              <a:ext uri="{FF2B5EF4-FFF2-40B4-BE49-F238E27FC236}">
-                <a16:creationId xmlns:a16="http://schemas.microsoft.com/office/drawing/2014/main" id="{8AE7D982-6FC5-7175-7AA7-A82F5A37B627}"/>
-              </a:ext>
-            </a:extLst>
-          </p:cNvPr>
-          <p:cNvPicPr>
-            <a:picLocks noChangeAspect="1"/>
-          </p:cNvPicPr>
-          <p:nvPr/>
-        </p:nvPicPr>
-        <p:blipFill>
-          <a:blip r:embed="rId3">
-            <a:extLst>
-              <a:ext uri="{28A0092B-C50C-407E-A947-70E740481C1C}">
-                <a14:useLocalDpi xmlns:a14="http://schemas.microsoft.com/office/drawing/2010/main" val="0"/>
-              </a:ext>
-            </a:extLst>
-          </a:blip>
-          <a:stretch>
-            <a:fillRect/>
-          </a:stretch>
-        </p:blipFill>
-        <p:spPr>
-          <a:xfrm>
-            <a:off x="6523131" y="4495392"/>
-            <a:ext cx="5305317" cy="1160538"/>
-          </a:xfrm>
-          <a:prstGeom prst="rect">
-            <a:avLst/>
-          </a:prstGeom>
-        </p:spPr>
-      </p:pic>
-      <p:pic>
-        <p:nvPicPr>
-          <p:cNvPr id="6" name="그림 5" descr="텍스트이(가) 표시된 사진&#10;&#10;자동 생성된 설명">
-            <a:extLst>
-              <a:ext uri="{FF2B5EF4-FFF2-40B4-BE49-F238E27FC236}">
-                <a16:creationId xmlns:a16="http://schemas.microsoft.com/office/drawing/2014/main" id="{D1E2E735-5BAD-ADB3-4574-E56A4A5A255D}"/>
-              </a:ext>
-            </a:extLst>
-          </p:cNvPr>
-          <p:cNvPicPr>
-            <a:picLocks noChangeAspect="1"/>
-          </p:cNvPicPr>
-          <p:nvPr/>
-        </p:nvPicPr>
-        <p:blipFill rotWithShape="1">
-          <a:blip r:embed="rId4">
-            <a:extLst>
-              <a:ext uri="{28A0092B-C50C-407E-A947-70E740481C1C}">
-                <a14:useLocalDpi xmlns:a14="http://schemas.microsoft.com/office/drawing/2010/main" val="0"/>
-              </a:ext>
-            </a:extLst>
-          </a:blip>
-          <a:srcRect l="4271" t="4589" r="6013" b="27823"/>
-          <a:stretch/>
-        </p:blipFill>
-        <p:spPr>
-          <a:xfrm>
-            <a:off x="546637" y="4495392"/>
-            <a:ext cx="5762928" cy="1160538"/>
-          </a:xfrm>
-          <a:prstGeom prst="rect">
-            <a:avLst/>
-          </a:prstGeom>
-        </p:spPr>
-      </p:pic>
-      <p:sp>
-        <p:nvSpPr>
-          <p:cNvPr id="7" name="TextBox 6">
-            <a:extLst>
-              <a:ext uri="{FF2B5EF4-FFF2-40B4-BE49-F238E27FC236}">
-                <a16:creationId xmlns:a16="http://schemas.microsoft.com/office/drawing/2014/main" id="{5D8C7A91-AFC0-F546-9C1D-8E50C775F4D0}"/>
-              </a:ext>
-            </a:extLst>
-          </p:cNvPr>
-          <p:cNvSpPr txBox="1"/>
-          <p:nvPr/>
-        </p:nvSpPr>
-        <p:spPr>
-          <a:xfrm>
-            <a:off x="2266654" y="5691294"/>
-            <a:ext cx="2272423" cy="336118"/>
-          </a:xfrm>
-          <a:prstGeom prst="rect">
-            <a:avLst/>
-          </a:prstGeom>
-          <a:noFill/>
-        </p:spPr>
-        <p:txBody>
-          <a:bodyPr wrap="square" rtlCol="0">
-            <a:spAutoFit/>
-          </a:bodyPr>
-          <a:lstStyle/>
-          <a:p>
-            <a:pPr algn="ctr"/>
-            <a:r>
-              <a:rPr kumimoji="1" lang="ko-Kore-KR" altLang="en-US" dirty="0">
-                <a:latin typeface="+mn-ea"/>
-              </a:rPr>
-              <a:t>이상치</a:t>
-            </a:r>
-            <a:r>
-              <a:rPr kumimoji="1" lang="ko-KR" altLang="en-US" dirty="0">
-                <a:latin typeface="+mn-ea"/>
-              </a:rPr>
-              <a:t> 제외 전</a:t>
-            </a:r>
-            <a:endParaRPr kumimoji="1" lang="ko-Kore-KR" altLang="en-US" dirty="0">
-              <a:latin typeface="+mn-ea"/>
-            </a:endParaRPr>
-          </a:p>
-        </p:txBody>
-      </p:sp>
-      <p:sp>
-        <p:nvSpPr>
-          <p:cNvPr id="8" name="TextBox 7">
-            <a:extLst>
-              <a:ext uri="{FF2B5EF4-FFF2-40B4-BE49-F238E27FC236}">
-                <a16:creationId xmlns:a16="http://schemas.microsoft.com/office/drawing/2014/main" id="{22186F17-FDC4-FABB-B1BE-D374A650DAE8}"/>
-              </a:ext>
-            </a:extLst>
-          </p:cNvPr>
-          <p:cNvSpPr txBox="1"/>
-          <p:nvPr/>
-        </p:nvSpPr>
-        <p:spPr>
-          <a:xfrm>
-            <a:off x="8039577" y="5691294"/>
-            <a:ext cx="2272423" cy="336118"/>
-          </a:xfrm>
-          <a:prstGeom prst="rect">
-            <a:avLst/>
-          </a:prstGeom>
-          <a:noFill/>
-        </p:spPr>
-        <p:txBody>
-          <a:bodyPr wrap="square" rtlCol="0">
-            <a:spAutoFit/>
-          </a:bodyPr>
-          <a:lstStyle/>
-          <a:p>
-            <a:pPr algn="ctr"/>
-            <a:r>
-              <a:rPr kumimoji="1" lang="ko-Kore-KR" altLang="en-US" dirty="0">
-                <a:latin typeface="+mn-ea"/>
-              </a:rPr>
-              <a:t>이상치</a:t>
-            </a:r>
-            <a:r>
-              <a:rPr kumimoji="1" lang="ko-KR" altLang="en-US" dirty="0">
-                <a:latin typeface="+mn-ea"/>
-              </a:rPr>
-              <a:t> 제외 후</a:t>
-            </a:r>
-            <a:endParaRPr kumimoji="1" lang="ko-Kore-KR" altLang="en-US" dirty="0">
-              <a:latin typeface="+mn-ea"/>
-            </a:endParaRPr>
-          </a:p>
-        </p:txBody>
-      </p:sp>
     </p:spTree>
     <p:extLst>
       <p:ext uri="{BB962C8B-B14F-4D97-AF65-F5344CB8AC3E}">
-        <p14:creationId xmlns:p14="http://schemas.microsoft.com/office/powerpoint/2010/main" val="1810387115"/>
-      </p:ext>
-    </p:extLst>
-  </p:cSld>
-  <p:clrMapOvr>
-    <a:masterClrMapping/>
-  </p:clrMapOvr>
-</p:sld>
-</file>
-
-<file path=ppt/slides/slide19.xml><?xml version="1.0" encoding="utf-8"?>
-<p:sld xmlns:a="http://schemas.openxmlformats.org/drawingml/2006/main" xmlns:r="http://schemas.openxmlformats.org/officeDocument/2006/relationships" xmlns:p="http://schemas.openxmlformats.org/presentationml/2006/main">
-  <p:cSld>
-    <p:spTree>
-      <p:nvGrpSpPr>
-        <p:cNvPr id="1" name=""/>
-        <p:cNvGrpSpPr/>
-        <p:nvPr/>
-      </p:nvGrpSpPr>
-      <p:grpSpPr>
-        <a:xfrm>
-          <a:off x="0" y="0"/>
-          <a:ext cx="0" cy="0"/>
-          <a:chOff x="0" y="0"/>
-          <a:chExt cx="0" cy="0"/>
-        </a:xfrm>
-      </p:grpSpPr>
-      <p:pic>
-        <p:nvPicPr>
-          <p:cNvPr id="2" name="그림 1"/>
-          <p:cNvPicPr>
-            <a:picLocks noChangeAspect="1"/>
-          </p:cNvPicPr>
-          <p:nvPr/>
-        </p:nvPicPr>
-        <p:blipFill>
-          <a:blip r:embed="rId2">
-            <a:extLst>
-              <a:ext uri="{28A0092B-C50C-407E-A947-70E740481C1C}">
-                <a14:useLocalDpi xmlns:a14="http://schemas.microsoft.com/office/drawing/2010/main" val="0"/>
-              </a:ext>
-            </a:extLst>
-          </a:blip>
-          <a:stretch>
-            <a:fillRect/>
-          </a:stretch>
-        </p:blipFill>
-        <p:spPr>
-          <a:xfrm>
-            <a:off x="0" y="0"/>
-            <a:ext cx="12192000" cy="6858000"/>
-          </a:xfrm>
-          <a:prstGeom prst="rect">
-            <a:avLst/>
-          </a:prstGeom>
-        </p:spPr>
-      </p:pic>
-      <p:sp>
-        <p:nvSpPr>
-          <p:cNvPr id="48" name="제목 38"/>
-          <p:cNvSpPr>
-            <a:spLocks noGrp="1"/>
-          </p:cNvSpPr>
-          <p:nvPr>
-            <p:ph type="title"/>
-          </p:nvPr>
-        </p:nvSpPr>
-        <p:spPr>
-          <a:xfrm>
-            <a:off x="363552" y="406401"/>
-            <a:ext cx="9862863" cy="856412"/>
-          </a:xfrm>
-        </p:spPr>
-        <p:txBody>
-          <a:bodyPr rtlCol="0">
-            <a:noAutofit/>
-          </a:bodyPr>
-          <a:lstStyle/>
-          <a:p>
-            <a:pPr>
-              <a:defRPr/>
-            </a:pPr>
-            <a:r>
-              <a:rPr lang="ko-KR" altLang="en-US" sz="4000" spc="-185" dirty="0">
-                <a:latin typeface="+mj-ea"/>
-              </a:rPr>
-              <a:t>이상치 제외 작업</a:t>
-            </a:r>
-          </a:p>
-        </p:txBody>
-      </p:sp>
-      <p:sp>
-        <p:nvSpPr>
-          <p:cNvPr id="13" name="제목 38"/>
-          <p:cNvSpPr txBox="1">
-            <a:spLocks/>
-          </p:cNvSpPr>
-          <p:nvPr/>
-        </p:nvSpPr>
-        <p:spPr>
-          <a:xfrm>
-            <a:off x="363552" y="1593704"/>
-            <a:ext cx="12192000" cy="1392508"/>
-          </a:xfrm>
-          <a:prstGeom prst="rect">
-            <a:avLst/>
-          </a:prstGeom>
-        </p:spPr>
-        <p:txBody>
-          <a:bodyPr vert="horz" lIns="112542" tIns="56271" rIns="112542" bIns="56271" rtlCol="0" anchor="t">
-            <a:noAutofit/>
-          </a:bodyPr>
-          <a:lstStyle>
-            <a:lvl1pPr algn="l" defTabSz="914400" rtl="0" eaLnBrk="1" latinLnBrk="1" hangingPunct="1">
-              <a:lnSpc>
-                <a:spcPct val="90000"/>
-              </a:lnSpc>
-              <a:spcBef>
-                <a:spcPct val="0"/>
-              </a:spcBef>
-              <a:buNone/>
-              <a:defRPr sz="4400" kern="1200">
-                <a:solidFill>
-                  <a:schemeClr val="tx1"/>
-                </a:solidFill>
-                <a:latin typeface="+mj-lt"/>
-                <a:ea typeface="+mj-ea"/>
-                <a:cs typeface="+mj-cs"/>
-              </a:defRPr>
-            </a:lvl1pPr>
-          </a:lstStyle>
-          <a:p>
-            <a:pPr>
-              <a:lnSpc>
-                <a:spcPct val="110000"/>
-              </a:lnSpc>
-              <a:defRPr/>
-            </a:pPr>
-            <a:r>
-              <a:rPr lang="ko-KR" altLang="en-US" sz="1900" spc="-150" dirty="0">
-                <a:latin typeface="+mn-ea"/>
-                <a:ea typeface="+mn-ea"/>
-              </a:rPr>
-              <a:t>라벨이 잘못 설정되어 있는 이슈가 있었습니다</a:t>
-            </a:r>
-            <a:r>
-              <a:rPr lang="en-US" altLang="ko-KR" sz="1900" spc="-150" dirty="0">
-                <a:latin typeface="+mn-ea"/>
-                <a:ea typeface="+mn-ea"/>
-              </a:rPr>
-              <a:t>.</a:t>
-            </a:r>
-          </a:p>
-          <a:p>
-            <a:pPr>
-              <a:lnSpc>
-                <a:spcPct val="110000"/>
-              </a:lnSpc>
-              <a:defRPr/>
-            </a:pPr>
-            <a:endParaRPr lang="en-US" altLang="ko-KR" sz="1900" spc="-150" dirty="0">
-              <a:latin typeface="+mn-ea"/>
-              <a:ea typeface="+mn-ea"/>
-            </a:endParaRPr>
-          </a:p>
-          <a:p>
-            <a:pPr>
-              <a:lnSpc>
-                <a:spcPct val="110000"/>
-              </a:lnSpc>
-              <a:defRPr/>
-            </a:pPr>
-            <a:r>
-              <a:rPr lang="ko-KR" altLang="en-US" sz="1900" spc="-150" dirty="0">
-                <a:latin typeface="+mn-ea"/>
-                <a:ea typeface="+mn-ea"/>
-              </a:rPr>
-              <a:t>이상치 제거 알고리즘을 만들 수도 있었지만</a:t>
-            </a:r>
-            <a:r>
-              <a:rPr lang="en-US" altLang="ko-KR" sz="1900" spc="-150" dirty="0">
-                <a:latin typeface="+mn-ea"/>
-                <a:ea typeface="+mn-ea"/>
-              </a:rPr>
-              <a:t>,</a:t>
-            </a:r>
-          </a:p>
-          <a:p>
-            <a:pPr>
-              <a:lnSpc>
-                <a:spcPct val="110000"/>
-              </a:lnSpc>
-              <a:defRPr/>
-            </a:pPr>
-            <a:r>
-              <a:rPr lang="ko-KR" altLang="en-US" sz="1900" spc="-150" dirty="0">
-                <a:latin typeface="+mn-ea"/>
-                <a:ea typeface="+mn-ea"/>
-              </a:rPr>
-              <a:t>시간도 촉박하고 라벨링이 잘못된 데이터가 많지 않아서 직접 제외 작업을 진행했습니다</a:t>
-            </a:r>
-            <a:r>
-              <a:rPr lang="en-US" altLang="ko-KR" sz="1900" spc="-150" dirty="0">
-                <a:latin typeface="+mn-ea"/>
-                <a:ea typeface="+mn-ea"/>
-              </a:rPr>
-              <a:t>.</a:t>
-            </a:r>
-            <a:endParaRPr lang="ko-KR" altLang="en-US" sz="1900" spc="-150" dirty="0">
-              <a:latin typeface="+mn-ea"/>
-              <a:ea typeface="+mn-ea"/>
-            </a:endParaRPr>
-          </a:p>
-        </p:txBody>
-      </p:sp>
-      <p:pic>
-        <p:nvPicPr>
-          <p:cNvPr id="5" name="그림 4" descr="텍스트, 컴퓨터, 실내, 책상이(가) 표시된 사진&#10;&#10;자동 생성된 설명">
-            <a:extLst>
-              <a:ext uri="{FF2B5EF4-FFF2-40B4-BE49-F238E27FC236}">
-                <a16:creationId xmlns:a16="http://schemas.microsoft.com/office/drawing/2014/main" id="{68AE407E-15B3-5513-0723-EBFD0A490B7C}"/>
-              </a:ext>
-            </a:extLst>
-          </p:cNvPr>
-          <p:cNvPicPr>
-            <a:picLocks noChangeAspect="1"/>
-          </p:cNvPicPr>
-          <p:nvPr/>
-        </p:nvPicPr>
-        <p:blipFill>
-          <a:blip r:embed="rId3">
-            <a:extLst>
-              <a:ext uri="{28A0092B-C50C-407E-A947-70E740481C1C}">
-                <a14:useLocalDpi xmlns:a14="http://schemas.microsoft.com/office/drawing/2010/main" val="0"/>
-              </a:ext>
-            </a:extLst>
-          </a:blip>
-          <a:stretch>
-            <a:fillRect/>
-          </a:stretch>
-        </p:blipFill>
-        <p:spPr>
-          <a:xfrm>
-            <a:off x="887181" y="3174718"/>
-            <a:ext cx="4204677" cy="3157614"/>
-          </a:xfrm>
-          <a:prstGeom prst="rect">
-            <a:avLst/>
-          </a:prstGeom>
-        </p:spPr>
-      </p:pic>
-      <p:pic>
-        <p:nvPicPr>
-          <p:cNvPr id="10" name="그림 9" descr="텍스트, 컴퓨터, 실내, 전자기기이(가) 표시된 사진&#10;&#10;자동 생성된 설명">
-            <a:extLst>
-              <a:ext uri="{FF2B5EF4-FFF2-40B4-BE49-F238E27FC236}">
-                <a16:creationId xmlns:a16="http://schemas.microsoft.com/office/drawing/2014/main" id="{A450FAFA-C4E6-8AC8-DCFA-1E2463B452C7}"/>
-              </a:ext>
-            </a:extLst>
-          </p:cNvPr>
-          <p:cNvPicPr>
-            <a:picLocks noChangeAspect="1"/>
-          </p:cNvPicPr>
-          <p:nvPr/>
-        </p:nvPicPr>
-        <p:blipFill>
-          <a:blip r:embed="rId4">
-            <a:extLst>
-              <a:ext uri="{28A0092B-C50C-407E-A947-70E740481C1C}">
-                <a14:useLocalDpi xmlns:a14="http://schemas.microsoft.com/office/drawing/2010/main" val="0"/>
-              </a:ext>
-            </a:extLst>
-          </a:blip>
-          <a:stretch>
-            <a:fillRect/>
-          </a:stretch>
-        </p:blipFill>
-        <p:spPr>
-          <a:xfrm>
-            <a:off x="5529966" y="3174718"/>
-            <a:ext cx="3801603" cy="2851202"/>
-          </a:xfrm>
-          <a:prstGeom prst="rect">
-            <a:avLst/>
-          </a:prstGeom>
-        </p:spPr>
-      </p:pic>
-    </p:spTree>
-    <p:extLst>
-      <p:ext uri="{BB962C8B-B14F-4D97-AF65-F5344CB8AC3E}">
-        <p14:creationId xmlns:p14="http://schemas.microsoft.com/office/powerpoint/2010/main" val="3246476420"/>
+        <p14:creationId xmlns:p14="http://schemas.microsoft.com/office/powerpoint/2010/main" val="3730575286"/>
       </p:ext>
     </p:extLst>
   </p:cSld>
@@ -8594,66 +7500,6 @@
 </p:sld>
 </file>
 
-<file path=ppt/slides/slide20.xml><?xml version="1.0" encoding="utf-8"?>
-<p:sld xmlns:a="http://schemas.openxmlformats.org/drawingml/2006/main" xmlns:r="http://schemas.openxmlformats.org/officeDocument/2006/relationships" xmlns:p="http://schemas.openxmlformats.org/presentationml/2006/main">
-  <p:cSld>
-    <p:spTree>
-      <p:nvGrpSpPr>
-        <p:cNvPr id="1" name=""/>
-        <p:cNvGrpSpPr/>
-        <p:nvPr/>
-      </p:nvGrpSpPr>
-      <p:grpSpPr>
-        <a:xfrm>
-          <a:off x="0" y="0"/>
-          <a:ext cx="0" cy="0"/>
-          <a:chOff x="0" y="0"/>
-          <a:chExt cx="0" cy="0"/>
-        </a:xfrm>
-      </p:grpSpPr>
-      <p:pic>
-        <p:nvPicPr>
-          <p:cNvPr id="2" name="그림 1"/>
-          <p:cNvPicPr>
-            <a:picLocks noChangeAspect="1"/>
-          </p:cNvPicPr>
-          <p:nvPr/>
-        </p:nvPicPr>
-        <p:blipFill>
-          <a:blip r:embed="rId2">
-            <a:extLst>
-              <a:ext uri="{28A0092B-C50C-407E-A947-70E740481C1C}">
-                <a14:useLocalDpi xmlns:a14="http://schemas.microsoft.com/office/drawing/2010/main" val="0"/>
-              </a:ext>
-            </a:extLst>
-          </a:blip>
-          <a:stretch>
-            <a:fillRect/>
-          </a:stretch>
-        </p:blipFill>
-        <p:spPr>
-          <a:xfrm>
-            <a:off x="0" y="0"/>
-            <a:ext cx="12192000" cy="6858000"/>
-          </a:xfrm>
-          <a:prstGeom prst="rect">
-            <a:avLst/>
-          </a:prstGeom>
-        </p:spPr>
-      </p:pic>
-    </p:spTree>
-    <p:extLst>
-      <p:ext uri="{BB962C8B-B14F-4D97-AF65-F5344CB8AC3E}">
-        <p14:creationId xmlns:p14="http://schemas.microsoft.com/office/powerpoint/2010/main" val="3730575286"/>
-      </p:ext>
-    </p:extLst>
-  </p:cSld>
-  <p:clrMapOvr>
-    <a:masterClrMapping/>
-  </p:clrMapOvr>
-</p:sld>
-</file>
-
 <file path=ppt/slides/slide3.xml><?xml version="1.0" encoding="utf-8"?>
 <p:sld xmlns:a="http://schemas.openxmlformats.org/drawingml/2006/main" xmlns:r="http://schemas.openxmlformats.org/officeDocument/2006/relationships" xmlns:p="http://schemas.openxmlformats.org/presentationml/2006/main">
   <p:cSld>
@@ -8861,16 +7707,6 @@
 <file path=ppt/slides/slide4.xml><?xml version="1.0" encoding="utf-8"?>
 <p:sld xmlns:a="http://schemas.openxmlformats.org/drawingml/2006/main" xmlns:r="http://schemas.openxmlformats.org/officeDocument/2006/relationships" xmlns:p="http://schemas.openxmlformats.org/presentationml/2006/main">
   <p:cSld>
-    <p:bg>
-      <p:bgPr>
-        <a:solidFill>
-          <a:schemeClr val="accent1">
-            <a:lumMod val="75000"/>
-          </a:schemeClr>
-        </a:solidFill>
-        <a:effectLst/>
-      </p:bgPr>
-    </p:bg>
     <p:spTree>
       <p:nvGrpSpPr>
         <p:cNvPr id="1" name=""/>
@@ -8885,15 +7721,39 @@
           <a:chExt cx="0" cy="0"/>
         </a:xfrm>
       </p:grpSpPr>
-      <p:sp>
-        <p:nvSpPr>
-          <p:cNvPr id="4" name="제목 38">
+      <p:pic>
+        <p:nvPicPr>
+          <p:cNvPr id="2" name="그림 1"/>
+          <p:cNvPicPr>
+            <a:picLocks noChangeAspect="1"/>
+          </p:cNvPicPr>
+          <p:nvPr/>
+        </p:nvPicPr>
+        <p:blipFill>
+          <a:blip r:embed="rId2">
             <a:extLst>
-              <a:ext uri="{FF2B5EF4-FFF2-40B4-BE49-F238E27FC236}">
-                <a16:creationId xmlns:a16="http://schemas.microsoft.com/office/drawing/2014/main" id="{75808446-8018-955F-C8D6-2F95512EF67E}"/>
+              <a:ext uri="{28A0092B-C50C-407E-A947-70E740481C1C}">
+                <a14:useLocalDpi xmlns:a14="http://schemas.microsoft.com/office/drawing/2010/main" val="0"/>
               </a:ext>
             </a:extLst>
-          </p:cNvPr>
+          </a:blip>
+          <a:stretch>
+            <a:fillRect/>
+          </a:stretch>
+        </p:blipFill>
+        <p:spPr>
+          <a:xfrm>
+            <a:off x="0" y="0"/>
+            <a:ext cx="12192000" cy="6858000"/>
+          </a:xfrm>
+          <a:prstGeom prst="rect">
+            <a:avLst/>
+          </a:prstGeom>
+        </p:spPr>
+      </p:pic>
+      <p:sp>
+        <p:nvSpPr>
+          <p:cNvPr id="48" name="제목 38"/>
           <p:cNvSpPr>
             <a:spLocks noGrp="1"/>
           </p:cNvSpPr>
@@ -8903,7 +7763,7 @@
         </p:nvSpPr>
         <p:spPr>
           <a:xfrm>
-            <a:off x="1164566" y="3000794"/>
+            <a:off x="363552" y="406401"/>
             <a:ext cx="9862863" cy="856412"/>
           </a:xfrm>
         </p:spPr>
@@ -8913,22 +7773,16 @@
           </a:bodyPr>
           <a:lstStyle/>
           <a:p>
-            <a:pPr algn="ctr">
+            <a:pPr>
               <a:defRPr/>
             </a:pPr>
             <a:r>
               <a:rPr lang="en-US" altLang="ko-KR" sz="4000" spc="-185" dirty="0">
-                <a:solidFill>
-                  <a:schemeClr val="bg1"/>
-                </a:solidFill>
                 <a:latin typeface="+mj-ea"/>
               </a:rPr>
               <a:t>Mission 1</a:t>
             </a:r>
             <a:endParaRPr lang="ko-KR" altLang="en-US" sz="4000" spc="-185" dirty="0">
-              <a:solidFill>
-                <a:schemeClr val="bg1"/>
-              </a:solidFill>
               <a:latin typeface="+mj-ea"/>
             </a:endParaRPr>
           </a:p>
@@ -8936,13 +7790,7 @@
       </p:sp>
       <p:sp>
         <p:nvSpPr>
-          <p:cNvPr id="5" name="제목 38">
-            <a:extLst>
-              <a:ext uri="{FF2B5EF4-FFF2-40B4-BE49-F238E27FC236}">
-                <a16:creationId xmlns:a16="http://schemas.microsoft.com/office/drawing/2014/main" id="{ACAE11D1-D522-603F-3A0B-AD5B13A679CB}"/>
-              </a:ext>
-            </a:extLst>
-          </p:cNvPr>
+          <p:cNvPr id="13" name="제목 38"/>
           <p:cNvSpPr txBox="1">
             <a:spLocks/>
           </p:cNvSpPr>
@@ -8950,15 +7798,15 @@
         </p:nvSpPr>
         <p:spPr>
           <a:xfrm>
-            <a:off x="399487" y="4299110"/>
-            <a:ext cx="11393019" cy="547210"/>
+            <a:off x="363552" y="1510190"/>
+            <a:ext cx="11393019" cy="4379894"/>
           </a:xfrm>
           <a:prstGeom prst="rect">
             <a:avLst/>
           </a:prstGeom>
         </p:spPr>
         <p:txBody>
-          <a:bodyPr vert="horz" lIns="112542" tIns="56271" rIns="112542" bIns="56271" rtlCol="0" anchor="ctr">
+          <a:bodyPr vert="horz" lIns="112542" tIns="56271" rIns="112542" bIns="56271" rtlCol="0" anchor="t">
             <a:noAutofit/>
           </a:bodyPr>
           <a:lstStyle>
@@ -8981,91 +7829,323 @@
             </a:lvl1pPr>
           </a:lstStyle>
           <a:p>
-            <a:pPr algn="ctr">
+            <a:pPr algn="just">
               <a:lnSpc>
                 <a:spcPct val="120000"/>
               </a:lnSpc>
               <a:defRPr/>
             </a:pPr>
             <a:r>
-              <a:rPr lang="en-US" altLang="ko-KR" sz="1500" spc="-150" dirty="0">
-                <a:solidFill>
-                  <a:schemeClr val="bg1"/>
-                </a:solidFill>
+              <a:rPr lang="en-US" altLang="ko-KR" sz="1900" spc="-150" dirty="0">
                 <a:latin typeface="+mn-ea"/>
                 <a:ea typeface="+mn-ea"/>
               </a:rPr>
               <a:t>1-1. Training </a:t>
             </a:r>
             <a:r>
-              <a:rPr lang="ko-KR" altLang="en-US" sz="1500" spc="-150" dirty="0">
-                <a:solidFill>
-                  <a:schemeClr val="bg1"/>
-                </a:solidFill>
-                <a:latin typeface="+mn-ea"/>
-                <a:ea typeface="+mn-ea"/>
-              </a:rPr>
-              <a:t>데이터 셋의 데이터를 살펴보고 라벨 </a:t>
-            </a:r>
-            <a:r>
-              <a:rPr lang="ko-KR" altLang="en-US" sz="1500" dirty="0">
-                <a:solidFill>
-                  <a:schemeClr val="bg1"/>
-                </a:solidFill>
-                <a:latin typeface="+mn-ea"/>
-                <a:ea typeface="+mn-ea"/>
-              </a:rPr>
-              <a:t>종류는</a:t>
-            </a:r>
-            <a:r>
-              <a:rPr lang="ko-KR" altLang="en-US" sz="1500" spc="-150" dirty="0">
-                <a:solidFill>
-                  <a:schemeClr val="bg1"/>
-                </a:solidFill>
-                <a:latin typeface="+mn-ea"/>
-                <a:ea typeface="+mn-ea"/>
-              </a:rPr>
-              <a:t> 무엇이 있고</a:t>
-            </a:r>
-            <a:r>
-              <a:rPr lang="en-US" altLang="ko-KR" sz="1500" spc="-150" dirty="0">
-                <a:solidFill>
-                  <a:schemeClr val="bg1"/>
-                </a:solidFill>
+              <a:rPr lang="ko-KR" altLang="en-US" sz="1900" spc="-150" dirty="0">
+                <a:latin typeface="+mn-ea"/>
+                <a:ea typeface="+mn-ea"/>
+              </a:rPr>
+              <a:t>데이터 셋의 데이터를 살펴보고 라벨 종류는 무엇이 있고</a:t>
+            </a:r>
+            <a:r>
+              <a:rPr lang="en-US" altLang="ko-KR" sz="1900" spc="-150" dirty="0">
                 <a:latin typeface="+mn-ea"/>
                 <a:ea typeface="+mn-ea"/>
               </a:rPr>
               <a:t>, </a:t>
             </a:r>
             <a:r>
-              <a:rPr lang="ko-KR" altLang="en-US" sz="1500" spc="-150" dirty="0">
-                <a:solidFill>
-                  <a:schemeClr val="bg1"/>
-                </a:solidFill>
-                <a:latin typeface="+mn-ea"/>
-                <a:ea typeface="+mn-ea"/>
-              </a:rPr>
-              <a:t>각 라벨의 개수를 </a:t>
-            </a:r>
-            <a:r>
-              <a:rPr lang="ko-KR" altLang="en-US" sz="1500" spc="-150" dirty="0" err="1">
-                <a:solidFill>
-                  <a:schemeClr val="bg1"/>
-                </a:solidFill>
-                <a:latin typeface="+mn-ea"/>
-                <a:ea typeface="+mn-ea"/>
-              </a:rPr>
-              <a:t>구하시오</a:t>
-            </a:r>
-            <a:r>
-              <a:rPr lang="en-US" altLang="ko-KR" sz="1500" spc="-150" dirty="0">
-                <a:solidFill>
-                  <a:schemeClr val="bg1"/>
-                </a:solidFill>
+              <a:rPr lang="ko-KR" altLang="en-US" sz="1900" spc="-150" dirty="0">
+                <a:latin typeface="+mn-ea"/>
+                <a:ea typeface="+mn-ea"/>
+              </a:rPr>
+              <a:t>각 라벨의 개수를 구하시오</a:t>
+            </a:r>
+            <a:r>
+              <a:rPr lang="en-US" altLang="ko-KR" sz="1900" spc="-150" dirty="0">
                 <a:latin typeface="+mn-ea"/>
                 <a:ea typeface="+mn-ea"/>
               </a:rPr>
               <a:t>.</a:t>
+            </a:r>
+          </a:p>
+          <a:p>
+            <a:pPr algn="just">
+              <a:lnSpc>
+                <a:spcPct val="120000"/>
+              </a:lnSpc>
+              <a:defRPr/>
+            </a:pPr>
+            <a:endParaRPr lang="en-US" altLang="ko-KR" sz="1900" dirty="0">
+              <a:latin typeface="+mn-ea"/>
+              <a:ea typeface="+mn-ea"/>
+            </a:endParaRPr>
+          </a:p>
+          <a:p>
+            <a:pPr algn="just">
+              <a:lnSpc>
+                <a:spcPct val="120000"/>
+              </a:lnSpc>
+              <a:defRPr/>
+            </a:pPr>
+            <a:r>
+              <a:rPr lang="en-US" altLang="ko-KR" sz="1900" dirty="0">
+                <a:latin typeface="+mn-ea"/>
+                <a:ea typeface="+mn-ea"/>
+              </a:rPr>
+              <a:t>Answer:</a:t>
+            </a:r>
+          </a:p>
+          <a:p>
+            <a:pPr algn="just">
+              <a:lnSpc>
+                <a:spcPct val="120000"/>
+              </a:lnSpc>
+              <a:defRPr/>
+            </a:pPr>
+            <a:r>
+              <a:rPr lang="ko-KR" altLang="en-US" sz="1900" dirty="0">
+                <a:latin typeface="+mn-ea"/>
+                <a:ea typeface="+mn-ea"/>
+              </a:rPr>
+              <a:t>라벨 종류는 </a:t>
+            </a:r>
+            <a:r>
+              <a:rPr lang="en-US" altLang="ko-KR" sz="1900" dirty="0" err="1">
+                <a:latin typeface="+mn-ea"/>
+                <a:ea typeface="+mn-ea"/>
+              </a:rPr>
+              <a:t>cap_and_hat</a:t>
+            </a:r>
+            <a:r>
+              <a:rPr lang="en-US" altLang="ko-KR" sz="1900" dirty="0">
+                <a:latin typeface="+mn-ea"/>
+                <a:ea typeface="+mn-ea"/>
+              </a:rPr>
+              <a:t>, outerwear, tops, bottoms, shoes</a:t>
+            </a:r>
+            <a:r>
+              <a:rPr lang="ko-KR" altLang="en-US" sz="1900" dirty="0">
+                <a:latin typeface="+mn-ea"/>
+                <a:ea typeface="+mn-ea"/>
+              </a:rPr>
+              <a:t>로 총 </a:t>
+            </a:r>
+            <a:r>
+              <a:rPr lang="en-US" altLang="ko-KR" sz="1900" dirty="0">
+                <a:latin typeface="+mn-ea"/>
+                <a:ea typeface="+mn-ea"/>
+              </a:rPr>
+              <a:t>5</a:t>
+            </a:r>
+            <a:r>
+              <a:rPr lang="ko-KR" altLang="en-US" sz="1900" dirty="0">
+                <a:latin typeface="+mn-ea"/>
+                <a:ea typeface="+mn-ea"/>
+              </a:rPr>
+              <a:t>개이고</a:t>
+            </a:r>
+            <a:r>
+              <a:rPr lang="en-US" altLang="ko-KR" sz="1900" dirty="0">
+                <a:latin typeface="+mn-ea"/>
+                <a:ea typeface="+mn-ea"/>
+              </a:rPr>
+              <a:t>, </a:t>
+            </a:r>
+          </a:p>
+          <a:p>
+            <a:pPr algn="just">
+              <a:lnSpc>
+                <a:spcPct val="120000"/>
+              </a:lnSpc>
+              <a:defRPr/>
+            </a:pPr>
+            <a:r>
+              <a:rPr lang="ko-KR" altLang="en-US" sz="1900" dirty="0">
+                <a:latin typeface="+mn-ea"/>
+                <a:ea typeface="+mn-ea"/>
+              </a:rPr>
+              <a:t>라벨 별 이미지의 개수는 다음과 같다</a:t>
+            </a:r>
+            <a:r>
+              <a:rPr lang="en-US" altLang="ko-KR" sz="1900" dirty="0">
+                <a:latin typeface="+mn-ea"/>
+                <a:ea typeface="+mn-ea"/>
+              </a:rPr>
+              <a:t>.</a:t>
+            </a:r>
+          </a:p>
+          <a:p>
+            <a:pPr algn="just">
+              <a:lnSpc>
+                <a:spcPct val="120000"/>
+              </a:lnSpc>
+              <a:defRPr/>
+            </a:pPr>
+            <a:endParaRPr lang="en-US" altLang="ko-KR" sz="1900" dirty="0">
+              <a:latin typeface="+mn-ea"/>
+              <a:ea typeface="+mn-ea"/>
+            </a:endParaRPr>
+          </a:p>
+          <a:p>
+            <a:pPr algn="just">
+              <a:lnSpc>
+                <a:spcPct val="120000"/>
+              </a:lnSpc>
+              <a:defRPr/>
+            </a:pPr>
+            <a:r>
+              <a:rPr lang="en-US" altLang="ko-KR" sz="1900" dirty="0" err="1">
+                <a:latin typeface="+mn-ea"/>
+                <a:ea typeface="+mn-ea"/>
+              </a:rPr>
+              <a:t>cap_and_hat</a:t>
+            </a:r>
+            <a:r>
+              <a:rPr lang="en-US" altLang="ko-KR" sz="1900" dirty="0">
+                <a:latin typeface="+mn-ea"/>
+                <a:ea typeface="+mn-ea"/>
+              </a:rPr>
+              <a:t>:</a:t>
+            </a:r>
+            <a:r>
+              <a:rPr lang="ko-KR" altLang="en-US" sz="1900" dirty="0">
+                <a:latin typeface="+mn-ea"/>
+                <a:ea typeface="+mn-ea"/>
+              </a:rPr>
+              <a:t> </a:t>
+            </a:r>
+            <a:r>
+              <a:rPr lang="en-US" altLang="ko-KR" sz="1900" dirty="0">
+                <a:latin typeface="+mn-ea"/>
+                <a:ea typeface="+mn-ea"/>
+              </a:rPr>
+              <a:t>196</a:t>
+            </a:r>
+            <a:r>
+              <a:rPr lang="ko-KR" altLang="en-US" sz="1900" dirty="0">
+                <a:latin typeface="+mn-ea"/>
+                <a:ea typeface="+mn-ea"/>
+              </a:rPr>
+              <a:t>개</a:t>
+            </a:r>
+            <a:r>
+              <a:rPr lang="en-US" altLang="ko-KR" sz="1900" dirty="0">
+                <a:latin typeface="+mn-ea"/>
+                <a:ea typeface="+mn-ea"/>
+              </a:rPr>
+              <a:t>, </a:t>
+            </a:r>
+          </a:p>
+          <a:p>
+            <a:pPr algn="just">
+              <a:lnSpc>
+                <a:spcPct val="120000"/>
+              </a:lnSpc>
+              <a:defRPr/>
+            </a:pPr>
+            <a:r>
+              <a:rPr lang="en-US" altLang="ko-KR" sz="1900" dirty="0">
+                <a:latin typeface="+mn-ea"/>
+                <a:ea typeface="+mn-ea"/>
+              </a:rPr>
+              <a:t>outerwear: 4606</a:t>
+            </a:r>
+            <a:r>
+              <a:rPr lang="ko-KR" altLang="en-US" sz="1900" dirty="0">
+                <a:latin typeface="+mn-ea"/>
+                <a:ea typeface="+mn-ea"/>
+              </a:rPr>
+              <a:t>개</a:t>
+            </a:r>
+            <a:r>
+              <a:rPr lang="en-US" altLang="ko-KR" sz="1900" dirty="0">
+                <a:latin typeface="+mn-ea"/>
+                <a:ea typeface="+mn-ea"/>
+              </a:rPr>
+              <a:t>, </a:t>
+            </a:r>
+          </a:p>
+          <a:p>
+            <a:pPr algn="just">
+              <a:lnSpc>
+                <a:spcPct val="120000"/>
+              </a:lnSpc>
+              <a:defRPr/>
+            </a:pPr>
+            <a:r>
+              <a:rPr lang="en-US" altLang="ko-KR" sz="1900" dirty="0">
+                <a:latin typeface="+mn-ea"/>
+                <a:ea typeface="+mn-ea"/>
+              </a:rPr>
+              <a:t>tops: 18350</a:t>
+            </a:r>
+            <a:r>
+              <a:rPr lang="ko-KR" altLang="en-US" sz="1900" dirty="0">
+                <a:latin typeface="+mn-ea"/>
+                <a:ea typeface="+mn-ea"/>
+              </a:rPr>
+              <a:t>개</a:t>
+            </a:r>
+            <a:r>
+              <a:rPr lang="en-US" altLang="ko-KR" sz="1900" dirty="0">
+                <a:latin typeface="+mn-ea"/>
+                <a:ea typeface="+mn-ea"/>
+              </a:rPr>
+              <a:t>, </a:t>
+            </a:r>
+          </a:p>
+          <a:p>
+            <a:pPr algn="just">
+              <a:lnSpc>
+                <a:spcPct val="120000"/>
+              </a:lnSpc>
+              <a:defRPr/>
+            </a:pPr>
+            <a:r>
+              <a:rPr lang="en-US" altLang="ko-KR" sz="1900" dirty="0">
+                <a:latin typeface="+mn-ea"/>
+                <a:ea typeface="+mn-ea"/>
+              </a:rPr>
+              <a:t>bottoms: 6424</a:t>
+            </a:r>
+            <a:r>
+              <a:rPr lang="ko-KR" altLang="en-US" sz="1900" dirty="0">
+                <a:latin typeface="+mn-ea"/>
+                <a:ea typeface="+mn-ea"/>
+              </a:rPr>
+              <a:t>개</a:t>
+            </a:r>
+            <a:r>
+              <a:rPr lang="en-US" altLang="ko-KR" sz="1900" dirty="0">
+                <a:latin typeface="+mn-ea"/>
+                <a:ea typeface="+mn-ea"/>
+              </a:rPr>
+              <a:t>, </a:t>
+            </a:r>
+          </a:p>
+          <a:p>
+            <a:pPr algn="just">
+              <a:lnSpc>
+                <a:spcPct val="120000"/>
+              </a:lnSpc>
+              <a:defRPr/>
+            </a:pPr>
+            <a:r>
+              <a:rPr lang="en-US" altLang="ko-KR" sz="1900" dirty="0">
+                <a:latin typeface="+mn-ea"/>
+                <a:ea typeface="+mn-ea"/>
+              </a:rPr>
+              <a:t>shoes: 424</a:t>
+            </a:r>
+            <a:r>
+              <a:rPr lang="ko-KR" altLang="en-US" sz="1900" dirty="0">
+                <a:latin typeface="+mn-ea"/>
+                <a:ea typeface="+mn-ea"/>
+              </a:rPr>
+              <a:t>개</a:t>
             </a:r>
           </a:p>
         </p:txBody>
@@ -9073,7 +8153,7 @@
     </p:spTree>
     <p:extLst>
       <p:ext uri="{BB962C8B-B14F-4D97-AF65-F5344CB8AC3E}">
-        <p14:creationId xmlns:p14="http://schemas.microsoft.com/office/powerpoint/2010/main" val="2974555290"/>
+        <p14:creationId xmlns:p14="http://schemas.microsoft.com/office/powerpoint/2010/main" val="3409096455"/>
       </p:ext>
     </p:extLst>
   </p:cSld>
@@ -9132,43 +8212,6 @@
       </p:pic>
       <p:sp>
         <p:nvSpPr>
-          <p:cNvPr id="48" name="제목 38"/>
-          <p:cNvSpPr>
-            <a:spLocks noGrp="1"/>
-          </p:cNvSpPr>
-          <p:nvPr>
-            <p:ph type="title"/>
-          </p:nvPr>
-        </p:nvSpPr>
-        <p:spPr>
-          <a:xfrm>
-            <a:off x="363552" y="406401"/>
-            <a:ext cx="9862863" cy="856412"/>
-          </a:xfrm>
-        </p:spPr>
-        <p:txBody>
-          <a:bodyPr rtlCol="0">
-            <a:noAutofit/>
-          </a:bodyPr>
-          <a:lstStyle/>
-          <a:p>
-            <a:pPr>
-              <a:defRPr/>
-            </a:pPr>
-            <a:r>
-              <a:rPr lang="en-US" altLang="ko-KR" sz="4000" spc="-185" dirty="0">
-                <a:latin typeface="+mj-ea"/>
-              </a:rPr>
-              <a:t>Mission 1</a:t>
-            </a:r>
-            <a:endParaRPr lang="ko-KR" altLang="en-US" sz="4000" spc="-185" dirty="0">
-              <a:latin typeface="+mj-ea"/>
-            </a:endParaRPr>
-          </a:p>
-        </p:txBody>
-      </p:sp>
-      <p:sp>
-        <p:nvSpPr>
           <p:cNvPr id="13" name="제목 38"/>
           <p:cNvSpPr txBox="1">
             <a:spLocks/>
@@ -9177,8 +8220,8 @@
         </p:nvSpPr>
         <p:spPr>
           <a:xfrm>
-            <a:off x="363552" y="1510190"/>
-            <a:ext cx="11393019" cy="4379894"/>
+            <a:off x="363552" y="1547726"/>
+            <a:ext cx="11393019" cy="3966105"/>
           </a:xfrm>
           <a:prstGeom prst="rect">
             <a:avLst/>
@@ -9208,42 +8251,49 @@
             </a:lvl1pPr>
           </a:lstStyle>
           <a:p>
-            <a:pPr algn="just">
-              <a:lnSpc>
-                <a:spcPct val="120000"/>
-              </a:lnSpc>
-              <a:defRPr/>
-            </a:pPr>
-            <a:r>
-              <a:rPr lang="en-US" altLang="ko-KR" sz="1900" spc="-150" dirty="0">
-                <a:latin typeface="+mn-ea"/>
-                <a:ea typeface="+mn-ea"/>
-              </a:rPr>
-              <a:t>1-1. Training </a:t>
-            </a:r>
-            <a:r>
-              <a:rPr lang="ko-KR" altLang="en-US" sz="1900" spc="-150" dirty="0">
-                <a:latin typeface="+mn-ea"/>
-                <a:ea typeface="+mn-ea"/>
-              </a:rPr>
-              <a:t>데이터 셋의 데이터를 살펴보고 라벨 종류는 무엇이 있고</a:t>
-            </a:r>
-            <a:r>
-              <a:rPr lang="en-US" altLang="ko-KR" sz="1900" spc="-150" dirty="0">
+            <a:pPr>
+              <a:lnSpc>
+                <a:spcPct val="130000"/>
+              </a:lnSpc>
+              <a:defRPr/>
+            </a:pPr>
+            <a:r>
+              <a:rPr lang="en-US" altLang="ko-KR" sz="2100" spc="-150" dirty="0">
+                <a:latin typeface="+mn-ea"/>
+                <a:ea typeface="+mn-ea"/>
+              </a:rPr>
+              <a:t>2-1. </a:t>
+            </a:r>
+            <a:r>
+              <a:rPr lang="ko-KR" altLang="en-US" sz="2100" spc="-150" dirty="0">
+                <a:latin typeface="+mn-ea"/>
+                <a:ea typeface="+mn-ea"/>
+              </a:rPr>
+              <a:t>이미지 크기를 적절히 조절하거나</a:t>
+            </a:r>
+            <a:r>
+              <a:rPr lang="en-US" altLang="ko-KR" sz="2100" spc="-150" dirty="0">
                 <a:latin typeface="+mn-ea"/>
                 <a:ea typeface="+mn-ea"/>
               </a:rPr>
               <a:t>, </a:t>
             </a:r>
             <a:r>
-              <a:rPr lang="ko-KR" altLang="en-US" sz="1900" spc="-150" dirty="0">
-                <a:latin typeface="+mn-ea"/>
-                <a:ea typeface="+mn-ea"/>
-              </a:rPr>
-              <a:t>각 라벨의 개수를 구하시오</a:t>
-            </a:r>
-            <a:r>
-              <a:rPr lang="en-US" altLang="ko-KR" sz="1900" spc="-150" dirty="0">
+              <a:rPr lang="ko-KR" altLang="en-US" sz="2100" spc="-150" dirty="0">
+                <a:latin typeface="+mn-ea"/>
+                <a:ea typeface="+mn-ea"/>
+              </a:rPr>
+              <a:t>해상도를 조절하여 학습 데이터 셋을 </a:t>
+            </a:r>
+            <a:r>
+              <a:rPr lang="ko-KR" altLang="en-US" sz="2100" spc="-150" dirty="0" err="1">
+                <a:latin typeface="+mn-ea"/>
+                <a:ea typeface="+mn-ea"/>
+              </a:rPr>
+              <a:t>구축하시오</a:t>
+            </a:r>
+            <a:r>
+              <a:rPr lang="en-US" altLang="ko-KR" sz="2100" spc="-150" dirty="0">
                 <a:latin typeface="+mn-ea"/>
                 <a:ea typeface="+mn-ea"/>
               </a:rPr>
@@ -9251,26 +8301,26 @@
             </a:r>
           </a:p>
           <a:p>
-            <a:pPr algn="just">
-              <a:lnSpc>
-                <a:spcPct val="120000"/>
-              </a:lnSpc>
-              <a:defRPr/>
-            </a:pPr>
-            <a:endParaRPr lang="en-US" altLang="ko-KR" sz="1900" dirty="0">
+            <a:pPr>
+              <a:lnSpc>
+                <a:spcPct val="130000"/>
+              </a:lnSpc>
+              <a:defRPr/>
+            </a:pPr>
+            <a:endParaRPr lang="en-US" altLang="ko-KR" sz="2100" spc="-150" dirty="0">
               <a:latin typeface="+mn-ea"/>
               <a:ea typeface="+mn-ea"/>
             </a:endParaRPr>
           </a:p>
           <a:p>
-            <a:pPr algn="just">
-              <a:lnSpc>
-                <a:spcPct val="120000"/>
-              </a:lnSpc>
-              <a:defRPr/>
-            </a:pPr>
-            <a:r>
-              <a:rPr lang="en-US" altLang="ko-KR" sz="1900" dirty="0">
+            <a:pPr>
+              <a:lnSpc>
+                <a:spcPct val="130000"/>
+              </a:lnSpc>
+              <a:defRPr/>
+            </a:pPr>
+            <a:r>
+              <a:rPr lang="en-US" altLang="ko-KR" sz="2100" spc="-150" dirty="0">
                 <a:latin typeface="+mn-ea"/>
                 <a:ea typeface="+mn-ea"/>
               </a:rPr>
@@ -9278,78 +8328,21 @@
             </a:r>
           </a:p>
           <a:p>
-            <a:pPr algn="just">
-              <a:lnSpc>
-                <a:spcPct val="120000"/>
-              </a:lnSpc>
-              <a:defRPr/>
-            </a:pPr>
-            <a:r>
-              <a:rPr lang="ko-KR" altLang="en-US" sz="1900" dirty="0">
-                <a:latin typeface="+mn-ea"/>
-                <a:ea typeface="+mn-ea"/>
-              </a:rPr>
-              <a:t>라벨 종류는 </a:t>
-            </a:r>
-            <a:r>
-              <a:rPr lang="en-US" altLang="ko-KR" sz="1900" dirty="0" err="1">
-                <a:latin typeface="+mn-ea"/>
-                <a:ea typeface="+mn-ea"/>
-              </a:rPr>
-              <a:t>cap_and_hat</a:t>
-            </a:r>
-            <a:r>
-              <a:rPr lang="en-US" altLang="ko-KR" sz="1900" dirty="0">
-                <a:latin typeface="+mn-ea"/>
-                <a:ea typeface="+mn-ea"/>
-              </a:rPr>
-              <a:t>, outerwear, tops, bottoms, shoes</a:t>
-            </a:r>
-            <a:r>
-              <a:rPr lang="ko-KR" altLang="en-US" sz="1900" dirty="0">
-                <a:latin typeface="+mn-ea"/>
-                <a:ea typeface="+mn-ea"/>
-              </a:rPr>
-              <a:t>로 총 </a:t>
-            </a:r>
-            <a:r>
-              <a:rPr lang="en-US" altLang="ko-KR" sz="1900" dirty="0">
-                <a:latin typeface="+mn-ea"/>
-                <a:ea typeface="+mn-ea"/>
-              </a:rPr>
-              <a:t>5</a:t>
-            </a:r>
-            <a:r>
-              <a:rPr lang="ko-KR" altLang="en-US" sz="1900" dirty="0">
-                <a:latin typeface="+mn-ea"/>
-                <a:ea typeface="+mn-ea"/>
-              </a:rPr>
-              <a:t>개이고</a:t>
-            </a:r>
-            <a:r>
-              <a:rPr lang="en-US" altLang="ko-KR" sz="1900" dirty="0">
-                <a:latin typeface="+mn-ea"/>
-                <a:ea typeface="+mn-ea"/>
-              </a:rPr>
-              <a:t>, </a:t>
-            </a:r>
-          </a:p>
-          <a:p>
-            <a:pPr algn="just">
-              <a:lnSpc>
-                <a:spcPct val="120000"/>
-              </a:lnSpc>
-              <a:defRPr/>
-            </a:pPr>
-            <a:r>
-              <a:rPr lang="ko-KR" altLang="en-US" sz="1900" dirty="0">
-                <a:latin typeface="+mn-ea"/>
-                <a:ea typeface="+mn-ea"/>
-              </a:rPr>
-              <a:t>라벨 별 이미지의 개수는 다음과 같다</a:t>
-            </a:r>
-            <a:r>
-              <a:rPr lang="en-US" altLang="ko-KR" sz="1900" dirty="0">
+            <a:pPr>
+              <a:lnSpc>
+                <a:spcPct val="130000"/>
+              </a:lnSpc>
+              <a:defRPr/>
+            </a:pPr>
+            <a:r>
+              <a:rPr lang="ko-KR" altLang="en-US" sz="2100" spc="-150" dirty="0">
+                <a:latin typeface="+mn-ea"/>
+                <a:ea typeface="+mn-ea"/>
+              </a:rPr>
+              <a:t>모델의 정확도를 높이려면 데이터 셋에서 옷만 잘 잘라내는 것이 유리합니다</a:t>
+            </a:r>
+            <a:r>
+              <a:rPr lang="en-US" altLang="ko-KR" sz="2100" spc="-150" dirty="0">
                 <a:latin typeface="+mn-ea"/>
                 <a:ea typeface="+mn-ea"/>
               </a:rPr>
@@ -9357,182 +8350,70 @@
             </a:r>
           </a:p>
           <a:p>
-            <a:pPr algn="just">
-              <a:lnSpc>
-                <a:spcPct val="120000"/>
-              </a:lnSpc>
-              <a:defRPr/>
-            </a:pPr>
-            <a:endParaRPr lang="en-US" altLang="ko-KR" sz="1900" dirty="0">
-              <a:latin typeface="+mn-ea"/>
-              <a:ea typeface="+mn-ea"/>
+            <a:pPr>
+              <a:lnSpc>
+                <a:spcPct val="130000"/>
+              </a:lnSpc>
+              <a:defRPr/>
+            </a:pPr>
+            <a:r>
+              <a:rPr lang="ko-KR" altLang="en-US" sz="2100" spc="-150" dirty="0">
+                <a:latin typeface="+mn-ea"/>
+                <a:ea typeface="+mn-ea"/>
+              </a:rPr>
+              <a:t>학습 데이터 셋을 구축하기 위해 데이터 전처리를 진행했습니다</a:t>
+            </a:r>
+            <a:r>
+              <a:rPr lang="en-US" altLang="ko-KR" sz="2100" spc="-150" dirty="0">
+                <a:latin typeface="+mn-ea"/>
+                <a:ea typeface="+mn-ea"/>
+              </a:rPr>
+              <a:t>.</a:t>
+            </a:r>
+          </a:p>
+        </p:txBody>
+      </p:sp>
+      <p:sp>
+        <p:nvSpPr>
+          <p:cNvPr id="48" name="제목 38"/>
+          <p:cNvSpPr>
+            <a:spLocks noGrp="1"/>
+          </p:cNvSpPr>
+          <p:nvPr>
+            <p:ph type="title"/>
+          </p:nvPr>
+        </p:nvSpPr>
+        <p:spPr>
+          <a:xfrm>
+            <a:off x="363552" y="406401"/>
+            <a:ext cx="9862863" cy="856412"/>
+          </a:xfrm>
+        </p:spPr>
+        <p:txBody>
+          <a:bodyPr rtlCol="0">
+            <a:noAutofit/>
+          </a:bodyPr>
+          <a:lstStyle/>
+          <a:p>
+            <a:pPr>
+              <a:defRPr/>
+            </a:pPr>
+            <a:r>
+              <a:rPr lang="en-US" altLang="ko-KR" sz="4000" spc="-185" dirty="0">
+                <a:latin typeface="+mj-ea"/>
+              </a:rPr>
+              <a:t>Mission 2</a:t>
+            </a:r>
+            <a:endParaRPr lang="ko-KR" altLang="en-US" sz="4000" spc="-185" dirty="0">
+              <a:latin typeface="+mj-ea"/>
             </a:endParaRPr>
-          </a:p>
-          <a:p>
-            <a:pPr algn="just">
-              <a:lnSpc>
-                <a:spcPct val="120000"/>
-              </a:lnSpc>
-              <a:defRPr/>
-            </a:pPr>
-            <a:r>
-              <a:rPr lang="en-US" altLang="ko-KR" sz="1900" dirty="0" err="1">
-                <a:latin typeface="+mn-ea"/>
-                <a:ea typeface="+mn-ea"/>
-              </a:rPr>
-              <a:t>cap_and_hat</a:t>
-            </a:r>
-            <a:r>
-              <a:rPr lang="en-US" altLang="ko-KR" sz="1900" dirty="0">
-                <a:latin typeface="+mn-ea"/>
-                <a:ea typeface="+mn-ea"/>
-              </a:rPr>
-              <a:t>:</a:t>
-            </a:r>
-            <a:r>
-              <a:rPr lang="ko-KR" altLang="en-US" sz="1900" dirty="0">
-                <a:latin typeface="+mn-ea"/>
-                <a:ea typeface="+mn-ea"/>
-              </a:rPr>
-              <a:t> </a:t>
-            </a:r>
-            <a:r>
-              <a:rPr lang="en-US" altLang="ko-KR" sz="1900" dirty="0">
-                <a:latin typeface="+mn-ea"/>
-                <a:ea typeface="+mn-ea"/>
-              </a:rPr>
-              <a:t>196</a:t>
-            </a:r>
-            <a:r>
-              <a:rPr lang="ko-KR" altLang="en-US" sz="1900" dirty="0">
-                <a:latin typeface="+mn-ea"/>
-                <a:ea typeface="+mn-ea"/>
-              </a:rPr>
-              <a:t>개</a:t>
-            </a:r>
-            <a:r>
-              <a:rPr lang="en-US" altLang="ko-KR" sz="1900" dirty="0">
-                <a:latin typeface="+mn-ea"/>
-                <a:ea typeface="+mn-ea"/>
-              </a:rPr>
-              <a:t>, </a:t>
-            </a:r>
-          </a:p>
-          <a:p>
-            <a:pPr algn="just">
-              <a:lnSpc>
-                <a:spcPct val="120000"/>
-              </a:lnSpc>
-              <a:defRPr/>
-            </a:pPr>
-            <a:r>
-              <a:rPr lang="en-US" altLang="ko-KR" sz="1900" dirty="0">
-                <a:latin typeface="+mn-ea"/>
-                <a:ea typeface="+mn-ea"/>
-              </a:rPr>
-              <a:t>outerwear: 4606</a:t>
-            </a:r>
-            <a:r>
-              <a:rPr lang="ko-KR" altLang="en-US" sz="1900" dirty="0">
-                <a:latin typeface="+mn-ea"/>
-                <a:ea typeface="+mn-ea"/>
-              </a:rPr>
-              <a:t>개</a:t>
-            </a:r>
-            <a:r>
-              <a:rPr lang="en-US" altLang="ko-KR" sz="1900" dirty="0">
-                <a:latin typeface="+mn-ea"/>
-                <a:ea typeface="+mn-ea"/>
-              </a:rPr>
-              <a:t>, </a:t>
-            </a:r>
-          </a:p>
-          <a:p>
-            <a:pPr algn="just">
-              <a:lnSpc>
-                <a:spcPct val="120000"/>
-              </a:lnSpc>
-              <a:defRPr/>
-            </a:pPr>
-            <a:r>
-              <a:rPr lang="en-US" altLang="ko-KR" sz="1900" dirty="0">
-                <a:latin typeface="+mn-ea"/>
-                <a:ea typeface="+mn-ea"/>
-              </a:rPr>
-              <a:t>tops: 18350</a:t>
-            </a:r>
-            <a:r>
-              <a:rPr lang="ko-KR" altLang="en-US" sz="1900" dirty="0">
-                <a:latin typeface="+mn-ea"/>
-                <a:ea typeface="+mn-ea"/>
-              </a:rPr>
-              <a:t>개</a:t>
-            </a:r>
-            <a:r>
-              <a:rPr lang="en-US" altLang="ko-KR" sz="1900" dirty="0">
-                <a:latin typeface="+mn-ea"/>
-                <a:ea typeface="+mn-ea"/>
-              </a:rPr>
-              <a:t>, </a:t>
-            </a:r>
-          </a:p>
-          <a:p>
-            <a:pPr algn="just">
-              <a:lnSpc>
-                <a:spcPct val="120000"/>
-              </a:lnSpc>
-              <a:defRPr/>
-            </a:pPr>
-            <a:r>
-              <a:rPr lang="en-US" altLang="ko-KR" sz="1900" dirty="0">
-                <a:latin typeface="+mn-ea"/>
-                <a:ea typeface="+mn-ea"/>
-              </a:rPr>
-              <a:t>bottoms: 6424</a:t>
-            </a:r>
-            <a:r>
-              <a:rPr lang="ko-KR" altLang="en-US" sz="1900" dirty="0">
-                <a:latin typeface="+mn-ea"/>
-                <a:ea typeface="+mn-ea"/>
-              </a:rPr>
-              <a:t>개</a:t>
-            </a:r>
-            <a:r>
-              <a:rPr lang="en-US" altLang="ko-KR" sz="1900" dirty="0">
-                <a:latin typeface="+mn-ea"/>
-                <a:ea typeface="+mn-ea"/>
-              </a:rPr>
-              <a:t>, </a:t>
-            </a:r>
-          </a:p>
-          <a:p>
-            <a:pPr algn="just">
-              <a:lnSpc>
-                <a:spcPct val="120000"/>
-              </a:lnSpc>
-              <a:defRPr/>
-            </a:pPr>
-            <a:r>
-              <a:rPr lang="en-US" altLang="ko-KR" sz="1900" dirty="0">
-                <a:latin typeface="+mn-ea"/>
-                <a:ea typeface="+mn-ea"/>
-              </a:rPr>
-              <a:t>shoes: 424</a:t>
-            </a:r>
-            <a:r>
-              <a:rPr lang="ko-KR" altLang="en-US" sz="1900" dirty="0">
-                <a:latin typeface="+mn-ea"/>
-                <a:ea typeface="+mn-ea"/>
-              </a:rPr>
-              <a:t>개</a:t>
-            </a:r>
           </a:p>
         </p:txBody>
       </p:sp>
     </p:spTree>
     <p:extLst>
       <p:ext uri="{BB962C8B-B14F-4D97-AF65-F5344CB8AC3E}">
-        <p14:creationId xmlns:p14="http://schemas.microsoft.com/office/powerpoint/2010/main" val="3409096455"/>
+        <p14:creationId xmlns:p14="http://schemas.microsoft.com/office/powerpoint/2010/main" val="3434640500"/>
       </p:ext>
     </p:extLst>
   </p:cSld>
@@ -9545,16 +8426,6 @@
 <file path=ppt/slides/slide6.xml><?xml version="1.0" encoding="utf-8"?>
 <p:sld xmlns:a="http://schemas.openxmlformats.org/drawingml/2006/main" xmlns:r="http://schemas.openxmlformats.org/officeDocument/2006/relationships" xmlns:p="http://schemas.openxmlformats.org/presentationml/2006/main">
   <p:cSld>
-    <p:bg>
-      <p:bgPr>
-        <a:solidFill>
-          <a:schemeClr val="accent1">
-            <a:lumMod val="75000"/>
-          </a:schemeClr>
-        </a:solidFill>
-        <a:effectLst/>
-      </p:bgPr>
-    </p:bg>
     <p:spTree>
       <p:nvGrpSpPr>
         <p:cNvPr id="1" name=""/>
@@ -9569,12 +8440,48 @@
           <a:chExt cx="0" cy="0"/>
         </a:xfrm>
       </p:grpSpPr>
-      <p:sp>
-        <p:nvSpPr>
-          <p:cNvPr id="4" name="제목 38">
+      <p:pic>
+        <p:nvPicPr>
+          <p:cNvPr id="4" name="그림 3">
             <a:extLst>
               <a:ext uri="{FF2B5EF4-FFF2-40B4-BE49-F238E27FC236}">
-                <a16:creationId xmlns:a16="http://schemas.microsoft.com/office/drawing/2014/main" id="{75808446-8018-955F-C8D6-2F95512EF67E}"/>
+                <a16:creationId xmlns:a16="http://schemas.microsoft.com/office/drawing/2014/main" id="{963A1BA7-4CC2-ACEF-0293-24C5AE9B9175}"/>
+              </a:ext>
+            </a:extLst>
+          </p:cNvPr>
+          <p:cNvPicPr>
+            <a:picLocks noChangeAspect="1"/>
+          </p:cNvPicPr>
+          <p:nvPr/>
+        </p:nvPicPr>
+        <p:blipFill>
+          <a:blip r:embed="rId2">
+            <a:extLst>
+              <a:ext uri="{28A0092B-C50C-407E-A947-70E740481C1C}">
+                <a14:useLocalDpi xmlns:a14="http://schemas.microsoft.com/office/drawing/2010/main" val="0"/>
+              </a:ext>
+            </a:extLst>
+          </a:blip>
+          <a:stretch>
+            <a:fillRect/>
+          </a:stretch>
+        </p:blipFill>
+        <p:spPr>
+          <a:xfrm>
+            <a:off x="0" y="0"/>
+            <a:ext cx="12192000" cy="6858000"/>
+          </a:xfrm>
+          <a:prstGeom prst="rect">
+            <a:avLst/>
+          </a:prstGeom>
+        </p:spPr>
+      </p:pic>
+      <p:sp>
+        <p:nvSpPr>
+          <p:cNvPr id="5" name="제목 38">
+            <a:extLst>
+              <a:ext uri="{FF2B5EF4-FFF2-40B4-BE49-F238E27FC236}">
+                <a16:creationId xmlns:a16="http://schemas.microsoft.com/office/drawing/2014/main" id="{D53157FE-2798-08EE-C8C3-6F7CF14ECA7D}"/>
               </a:ext>
             </a:extLst>
           </p:cNvPr>
@@ -9587,7 +8494,7 @@
         </p:nvSpPr>
         <p:spPr>
           <a:xfrm>
-            <a:off x="1164564" y="3000794"/>
+            <a:off x="363552" y="406401"/>
             <a:ext cx="9862863" cy="856412"/>
           </a:xfrm>
         </p:spPr>
@@ -9597,33 +8504,24 @@
           </a:bodyPr>
           <a:lstStyle/>
           <a:p>
-            <a:pPr algn="ctr">
-              <a:defRPr/>
-            </a:pPr>
-            <a:r>
-              <a:rPr lang="en-US" altLang="ko-KR" sz="4000" spc="-185" dirty="0">
-                <a:solidFill>
-                  <a:schemeClr val="bg1"/>
-                </a:solidFill>
+            <a:pPr>
+              <a:defRPr/>
+            </a:pPr>
+            <a:r>
+              <a:rPr lang="ko-KR" altLang="en-US" sz="4000" spc="-185" dirty="0">
                 <a:latin typeface="+mj-ea"/>
               </a:rPr>
-              <a:t>Mission 2</a:t>
-            </a:r>
-            <a:endParaRPr lang="ko-KR" altLang="en-US" sz="4000" spc="-185" dirty="0">
-              <a:solidFill>
-                <a:schemeClr val="bg1"/>
-              </a:solidFill>
-              <a:latin typeface="+mj-ea"/>
-            </a:endParaRPr>
-          </a:p>
-        </p:txBody>
-      </p:sp>
-      <p:sp>
-        <p:nvSpPr>
-          <p:cNvPr id="5" name="제목 38">
+              <a:t>데이터 전처리 과정</a:t>
+            </a:r>
+          </a:p>
+        </p:txBody>
+      </p:sp>
+      <p:sp>
+        <p:nvSpPr>
+          <p:cNvPr id="6" name="제목 38">
             <a:extLst>
               <a:ext uri="{FF2B5EF4-FFF2-40B4-BE49-F238E27FC236}">
-                <a16:creationId xmlns:a16="http://schemas.microsoft.com/office/drawing/2014/main" id="{ACAE11D1-D522-603F-3A0B-AD5B13A679CB}"/>
+                <a16:creationId xmlns:a16="http://schemas.microsoft.com/office/drawing/2014/main" id="{EB94A68A-D51D-255E-A650-BDDB84AC8884}"/>
               </a:ext>
             </a:extLst>
           </p:cNvPr>
@@ -9634,15 +8532,15 @@
         </p:nvSpPr>
         <p:spPr>
           <a:xfrm>
-            <a:off x="399487" y="4299110"/>
-            <a:ext cx="11393019" cy="547210"/>
+            <a:off x="363552" y="1547726"/>
+            <a:ext cx="8354320" cy="2419299"/>
           </a:xfrm>
           <a:prstGeom prst="rect">
             <a:avLst/>
           </a:prstGeom>
         </p:spPr>
         <p:txBody>
-          <a:bodyPr vert="horz" lIns="112542" tIns="56271" rIns="112542" bIns="56271" rtlCol="0" anchor="ctr">
+          <a:bodyPr vert="horz" lIns="112542" tIns="56271" rIns="112542" bIns="56271" rtlCol="0" anchor="t">
             <a:noAutofit/>
           </a:bodyPr>
           <a:lstStyle>
@@ -9665,76 +8563,634 @@
             </a:lvl1pPr>
           </a:lstStyle>
           <a:p>
-            <a:pPr algn="ctr">
-              <a:defRPr/>
-            </a:pPr>
-            <a:r>
-              <a:rPr lang="en-US" altLang="ko-KR" sz="1600" spc="-185" dirty="0">
+            <a:pPr>
+              <a:lnSpc>
+                <a:spcPct val="130000"/>
+              </a:lnSpc>
+              <a:defRPr/>
+            </a:pPr>
+            <a:r>
+              <a:rPr lang="ko-KR" altLang="en-US" sz="1600" spc="-150" dirty="0">
+                <a:latin typeface="+mn-ea"/>
+                <a:ea typeface="+mn-ea"/>
+              </a:rPr>
+              <a:t>전처리 코드를 완성하기 위해 많은 시행착오를 거쳤습니다</a:t>
+            </a:r>
+            <a:r>
+              <a:rPr lang="en-US" altLang="ko-KR" sz="1600" spc="-150" dirty="0">
+                <a:latin typeface="+mn-ea"/>
+                <a:ea typeface="+mn-ea"/>
+              </a:rPr>
+              <a:t>.</a:t>
+            </a:r>
+          </a:p>
+          <a:p>
+            <a:pPr>
+              <a:lnSpc>
+                <a:spcPct val="130000"/>
+              </a:lnSpc>
+              <a:defRPr/>
+            </a:pPr>
+            <a:endParaRPr lang="en-US" altLang="ko-KR" sz="1600" spc="-150" dirty="0">
+              <a:latin typeface="+mn-ea"/>
+              <a:ea typeface="+mn-ea"/>
+            </a:endParaRPr>
+          </a:p>
+          <a:p>
+            <a:pPr>
+              <a:lnSpc>
+                <a:spcPct val="130000"/>
+              </a:lnSpc>
+              <a:defRPr/>
+            </a:pPr>
+            <a:r>
+              <a:rPr lang="ko-KR" altLang="en-US" sz="1600" spc="-150" dirty="0">
+                <a:latin typeface="+mn-ea"/>
+                <a:ea typeface="+mn-ea"/>
+              </a:rPr>
+              <a:t>이미지의 모서리를 찾아내기 위해 지역 이진화 함수를 사용했습니다</a:t>
+            </a:r>
+            <a:r>
+              <a:rPr lang="en-US" altLang="ko-KR" sz="1600" spc="-150" dirty="0">
+                <a:latin typeface="+mn-ea"/>
+                <a:ea typeface="+mn-ea"/>
+              </a:rPr>
+              <a:t>.</a:t>
+            </a:r>
+          </a:p>
+          <a:p>
+            <a:pPr>
+              <a:lnSpc>
+                <a:spcPct val="130000"/>
+              </a:lnSpc>
+              <a:defRPr/>
+            </a:pPr>
+            <a:r>
+              <a:rPr lang="ko-KR" altLang="en-US" sz="1600" spc="-150" dirty="0">
+                <a:latin typeface="+mn-ea"/>
+                <a:ea typeface="+mn-ea"/>
+              </a:rPr>
+              <a:t>하지만 배경이 흰색인 탓에 흰 옷 이미지 이진화 시 문제가 생기는 것을 확인할 수 있었고</a:t>
+            </a:r>
+            <a:r>
+              <a:rPr lang="en-US" altLang="ko-KR" sz="1600" spc="-150" dirty="0">
+                <a:latin typeface="+mn-ea"/>
+                <a:ea typeface="+mn-ea"/>
+              </a:rPr>
+              <a:t>,</a:t>
+            </a:r>
+            <a:r>
+              <a:rPr lang="ko-KR" altLang="en-US" sz="1600" spc="-150" dirty="0">
+                <a:latin typeface="+mn-ea"/>
+                <a:ea typeface="+mn-ea"/>
+              </a:rPr>
+              <a:t> </a:t>
+            </a:r>
+            <a:endParaRPr lang="en-US" altLang="ko-KR" sz="1600" spc="-150" dirty="0">
+              <a:latin typeface="+mn-ea"/>
+              <a:ea typeface="+mn-ea"/>
+            </a:endParaRPr>
+          </a:p>
+          <a:p>
+            <a:pPr>
+              <a:lnSpc>
+                <a:spcPct val="130000"/>
+              </a:lnSpc>
+              <a:defRPr/>
+            </a:pPr>
+            <a:r>
+              <a:rPr lang="ko-KR" altLang="en-US" sz="1600" spc="-150" dirty="0">
+                <a:latin typeface="+mn-ea"/>
+                <a:ea typeface="+mn-ea"/>
+              </a:rPr>
+              <a:t>어떻게 해결해야 할 지 고민하던 중 적응형 이진화 함수를 발견했습니다</a:t>
+            </a:r>
+            <a:r>
+              <a:rPr lang="en-US" altLang="ko-KR" sz="1600" spc="-150" dirty="0">
+                <a:latin typeface="+mn-ea"/>
+                <a:ea typeface="+mn-ea"/>
+              </a:rPr>
+              <a:t>.</a:t>
+            </a:r>
+          </a:p>
+          <a:p>
+            <a:pPr>
+              <a:lnSpc>
+                <a:spcPct val="130000"/>
+              </a:lnSpc>
+              <a:defRPr/>
+            </a:pPr>
+            <a:r>
+              <a:rPr lang="ko-KR" altLang="en-US" sz="1600" spc="-150" dirty="0">
+                <a:latin typeface="+mn-ea"/>
+                <a:ea typeface="+mn-ea"/>
+              </a:rPr>
+              <a:t>적응형 이진화는 이미지에 따라 스스로 임계 값을 다르게 할당할 수 있도록 구현된 알고리즘입니다</a:t>
+            </a:r>
+            <a:r>
+              <a:rPr lang="en-US" altLang="ko-KR" sz="1600" spc="-150" dirty="0">
+                <a:latin typeface="+mn-ea"/>
+                <a:ea typeface="+mn-ea"/>
+              </a:rPr>
+              <a:t>.</a:t>
+            </a:r>
+          </a:p>
+          <a:p>
+            <a:pPr>
+              <a:lnSpc>
+                <a:spcPct val="130000"/>
+              </a:lnSpc>
+              <a:defRPr/>
+            </a:pPr>
+            <a:r>
+              <a:rPr lang="ko-KR" altLang="en-US" sz="1600" spc="-150" dirty="0">
+                <a:latin typeface="+mn-ea"/>
+                <a:ea typeface="+mn-ea"/>
+              </a:rPr>
+              <a:t>이 알고리즘을 사용해 이진화를 했을 경우 흰 옷의 이진화가 알맞게 된 것을 확인할 수 있습니다</a:t>
+            </a:r>
+            <a:r>
+              <a:rPr lang="en-US" altLang="ko-KR" sz="1600" spc="-150" dirty="0">
+                <a:latin typeface="+mn-ea"/>
+                <a:ea typeface="+mn-ea"/>
+              </a:rPr>
+              <a:t>.</a:t>
+            </a:r>
+            <a:r>
+              <a:rPr lang="ko-KR" altLang="en-US" sz="1600" spc="-150" dirty="0">
+                <a:latin typeface="+mn-ea"/>
+                <a:ea typeface="+mn-ea"/>
+              </a:rPr>
+              <a:t> </a:t>
+            </a:r>
+            <a:endParaRPr lang="en-US" altLang="ko-KR" sz="1600" spc="-150" dirty="0">
+              <a:latin typeface="+mn-ea"/>
+              <a:ea typeface="+mn-ea"/>
+            </a:endParaRPr>
+          </a:p>
+        </p:txBody>
+      </p:sp>
+      <p:pic>
+        <p:nvPicPr>
+          <p:cNvPr id="8" name="그림 7" descr="텍스트이(가) 표시된 사진&#10;&#10;자동 생성된 설명">
+            <a:extLst>
+              <a:ext uri="{FF2B5EF4-FFF2-40B4-BE49-F238E27FC236}">
+                <a16:creationId xmlns:a16="http://schemas.microsoft.com/office/drawing/2014/main" id="{44362160-5590-DC62-52A4-250228E1A6E4}"/>
+              </a:ext>
+            </a:extLst>
+          </p:cNvPr>
+          <p:cNvPicPr>
+            <a:picLocks noChangeAspect="1"/>
+          </p:cNvPicPr>
+          <p:nvPr/>
+        </p:nvPicPr>
+        <p:blipFill rotWithShape="1">
+          <a:blip r:embed="rId3">
+            <a:extLst>
+              <a:ext uri="{28A0092B-C50C-407E-A947-70E740481C1C}">
+                <a14:useLocalDpi xmlns:a14="http://schemas.microsoft.com/office/drawing/2010/main" val="0"/>
+              </a:ext>
+            </a:extLst>
+          </a:blip>
+          <a:srcRect t="75659" r="61880"/>
+          <a:stretch/>
+        </p:blipFill>
+        <p:spPr>
+          <a:xfrm>
+            <a:off x="498449" y="4156578"/>
+            <a:ext cx="1551237" cy="1836243"/>
+          </a:xfrm>
+          <a:prstGeom prst="rect">
+            <a:avLst/>
+          </a:prstGeom>
+        </p:spPr>
+      </p:pic>
+      <p:sp>
+        <p:nvSpPr>
+          <p:cNvPr id="9" name="제목 38">
+            <a:extLst>
+              <a:ext uri="{FF2B5EF4-FFF2-40B4-BE49-F238E27FC236}">
+                <a16:creationId xmlns:a16="http://schemas.microsoft.com/office/drawing/2014/main" id="{17C34476-D9F6-9005-524F-E315A8266863}"/>
+              </a:ext>
+            </a:extLst>
+          </p:cNvPr>
+          <p:cNvSpPr txBox="1">
+            <a:spLocks/>
+          </p:cNvSpPr>
+          <p:nvPr/>
+        </p:nvSpPr>
+        <p:spPr>
+          <a:xfrm>
+            <a:off x="560352" y="4351178"/>
+            <a:ext cx="1410215" cy="445258"/>
+          </a:xfrm>
+          <a:prstGeom prst="rect">
+            <a:avLst/>
+          </a:prstGeom>
+        </p:spPr>
+        <p:txBody>
+          <a:bodyPr vert="horz" lIns="112542" tIns="56271" rIns="112542" bIns="56271" rtlCol="0" anchor="t">
+            <a:noAutofit/>
+          </a:bodyPr>
+          <a:lstStyle>
+            <a:lvl1pPr algn="l" defTabSz="914400" rtl="0" eaLnBrk="1" latinLnBrk="1" hangingPunct="1">
+              <a:lnSpc>
+                <a:spcPct val="90000"/>
+              </a:lnSpc>
+              <a:spcBef>
+                <a:spcPct val="0"/>
+              </a:spcBef>
+              <a:buNone/>
+              <a:defRPr sz="4400" kern="1200">
                 <a:solidFill>
-                  <a:schemeClr val="bg1"/>
+                  <a:schemeClr val="tx1"/>
                 </a:solidFill>
-                <a:latin typeface="+mn-ea"/>
-                <a:ea typeface="+mn-ea"/>
-              </a:rPr>
-              <a:t>2-1. </a:t>
-            </a:r>
-            <a:r>
-              <a:rPr lang="ko-KR" altLang="en-US" sz="1600" spc="-185" dirty="0">
-                <a:solidFill>
-                  <a:schemeClr val="bg1"/>
-                </a:solidFill>
-                <a:latin typeface="+mn-ea"/>
-                <a:ea typeface="+mn-ea"/>
-              </a:rPr>
-              <a:t>이미지 크기를 적절히 조절하거나</a:t>
-            </a:r>
-            <a:r>
-              <a:rPr lang="en-US" altLang="ko-KR" sz="1600" spc="-185" dirty="0">
-                <a:solidFill>
-                  <a:schemeClr val="bg1"/>
-                </a:solidFill>
-                <a:latin typeface="+mn-ea"/>
-                <a:ea typeface="+mn-ea"/>
-              </a:rPr>
-              <a:t>, </a:t>
-            </a:r>
-            <a:r>
-              <a:rPr lang="ko-KR" altLang="en-US" sz="1600" spc="-185" dirty="0">
-                <a:solidFill>
-                  <a:schemeClr val="bg1"/>
-                </a:solidFill>
-                <a:latin typeface="+mn-ea"/>
-                <a:ea typeface="+mn-ea"/>
-              </a:rPr>
-              <a:t>해상도를 조절하여 학습 데이터 셋을 </a:t>
-            </a:r>
-            <a:r>
-              <a:rPr lang="ko-KR" altLang="en-US" sz="1600" spc="-185" dirty="0" err="1">
-                <a:solidFill>
-                  <a:schemeClr val="bg1"/>
-                </a:solidFill>
-                <a:latin typeface="+mn-ea"/>
-                <a:ea typeface="+mn-ea"/>
-              </a:rPr>
-              <a:t>구축하시오</a:t>
-            </a:r>
-            <a:r>
-              <a:rPr lang="en-US" altLang="ko-KR" sz="1600" spc="-185" dirty="0">
-                <a:solidFill>
-                  <a:schemeClr val="bg1"/>
-                </a:solidFill>
-                <a:latin typeface="+mn-ea"/>
-                <a:ea typeface="+mn-ea"/>
-              </a:rPr>
-              <a:t>.</a:t>
-            </a:r>
+                <a:latin typeface="+mj-lt"/>
+                <a:ea typeface="+mj-ea"/>
+                <a:cs typeface="+mj-cs"/>
+              </a:defRPr>
+            </a:lvl1pPr>
+          </a:lstStyle>
+          <a:p>
+            <a:pPr>
+              <a:defRPr/>
+            </a:pPr>
+            <a:endParaRPr lang="en-US" altLang="ko-KR" sz="2100" spc="-185" dirty="0">
+              <a:latin typeface="+mn-ea"/>
+              <a:ea typeface="+mn-ea"/>
+            </a:endParaRPr>
+          </a:p>
+        </p:txBody>
+      </p:sp>
+      <p:sp>
+        <p:nvSpPr>
+          <p:cNvPr id="10" name="TextBox 9">
+            <a:extLst>
+              <a:ext uri="{FF2B5EF4-FFF2-40B4-BE49-F238E27FC236}">
+                <a16:creationId xmlns:a16="http://schemas.microsoft.com/office/drawing/2014/main" id="{5CE62B68-E5B2-93D0-B32D-70FDFE1E9158}"/>
+              </a:ext>
+            </a:extLst>
+          </p:cNvPr>
+          <p:cNvSpPr txBox="1"/>
+          <p:nvPr/>
+        </p:nvSpPr>
+        <p:spPr>
+          <a:xfrm>
+            <a:off x="363396" y="5970716"/>
+            <a:ext cx="1821341" cy="575543"/>
+          </a:xfrm>
+          <a:prstGeom prst="rect">
+            <a:avLst/>
+          </a:prstGeom>
+          <a:noFill/>
+        </p:spPr>
+        <p:txBody>
+          <a:bodyPr wrap="square" rtlCol="0">
+            <a:spAutoFit/>
+          </a:bodyPr>
+          <a:lstStyle/>
+          <a:p>
+            <a:pPr algn="ctr"/>
+            <a:r>
+              <a:rPr lang="en-US" altLang="ko-KR" sz="1400" spc="-150" dirty="0">
+                <a:latin typeface="+mn-ea"/>
+              </a:rPr>
+              <a:t>Threshold </a:t>
+            </a:r>
+            <a:r>
+              <a:rPr lang="ko-KR" altLang="en-US" sz="1400" spc="-150" dirty="0">
+                <a:latin typeface="+mn-ea"/>
+              </a:rPr>
+              <a:t>함수 사용</a:t>
+            </a:r>
+            <a:endParaRPr lang="en-US" altLang="ko-KR" sz="1400" spc="-150" dirty="0">
+              <a:latin typeface="+mn-ea"/>
+            </a:endParaRPr>
+          </a:p>
+          <a:p>
+            <a:pPr algn="ctr"/>
+            <a:r>
+              <a:rPr kumimoji="1" lang="en-US" altLang="ko-KR" sz="1400" spc="-150" dirty="0">
+                <a:latin typeface="+mn-ea"/>
+              </a:rPr>
+              <a:t>(</a:t>
+            </a:r>
+            <a:r>
+              <a:rPr kumimoji="1" lang="ko-KR" altLang="en-US" sz="1400" spc="-150" dirty="0">
+                <a:latin typeface="+mn-ea"/>
+              </a:rPr>
+              <a:t>갈색 옷</a:t>
+            </a:r>
+            <a:r>
+              <a:rPr kumimoji="1" lang="en-US" altLang="ko-KR" sz="1400" spc="-150" dirty="0">
+                <a:latin typeface="+mn-ea"/>
+              </a:rPr>
+              <a:t>)</a:t>
+            </a:r>
+            <a:endParaRPr kumimoji="1" lang="en-US" altLang="ko-Kore-KR" sz="1400" dirty="0">
+              <a:latin typeface="+mn-ea"/>
+            </a:endParaRPr>
+          </a:p>
+        </p:txBody>
+      </p:sp>
+      <p:pic>
+        <p:nvPicPr>
+          <p:cNvPr id="12" name="그림 11" descr="텍스트이(가) 표시된 사진&#10;&#10;자동 생성된 설명">
+            <a:extLst>
+              <a:ext uri="{FF2B5EF4-FFF2-40B4-BE49-F238E27FC236}">
+                <a16:creationId xmlns:a16="http://schemas.microsoft.com/office/drawing/2014/main" id="{F3583A5A-1D78-2DB7-2C7B-C47525CD196E}"/>
+              </a:ext>
+            </a:extLst>
+          </p:cNvPr>
+          <p:cNvPicPr>
+            <a:picLocks noChangeAspect="1"/>
+          </p:cNvPicPr>
+          <p:nvPr/>
+        </p:nvPicPr>
+        <p:blipFill rotWithShape="1">
+          <a:blip r:embed="rId4">
+            <a:extLst>
+              <a:ext uri="{28A0092B-C50C-407E-A947-70E740481C1C}">
+                <a14:useLocalDpi xmlns:a14="http://schemas.microsoft.com/office/drawing/2010/main" val="0"/>
+              </a:ext>
+            </a:extLst>
+          </a:blip>
+          <a:srcRect l="4817" t="73855" r="77464"/>
+          <a:stretch/>
+        </p:blipFill>
+        <p:spPr>
+          <a:xfrm>
+            <a:off x="3211370" y="4156578"/>
+            <a:ext cx="779721" cy="1836243"/>
+          </a:xfrm>
+          <a:prstGeom prst="rect">
+            <a:avLst/>
+          </a:prstGeom>
+        </p:spPr>
+      </p:pic>
+      <p:sp>
+        <p:nvSpPr>
+          <p:cNvPr id="14" name="TextBox 13">
+            <a:extLst>
+              <a:ext uri="{FF2B5EF4-FFF2-40B4-BE49-F238E27FC236}">
+                <a16:creationId xmlns:a16="http://schemas.microsoft.com/office/drawing/2014/main" id="{2576593A-EE19-4525-7DEA-517FCB4C9422}"/>
+              </a:ext>
+            </a:extLst>
+          </p:cNvPr>
+          <p:cNvSpPr txBox="1"/>
+          <p:nvPr/>
+        </p:nvSpPr>
+        <p:spPr>
+          <a:xfrm>
+            <a:off x="2690559" y="5970716"/>
+            <a:ext cx="1821341" cy="575543"/>
+          </a:xfrm>
+          <a:prstGeom prst="rect">
+            <a:avLst/>
+          </a:prstGeom>
+          <a:noFill/>
+        </p:spPr>
+        <p:txBody>
+          <a:bodyPr wrap="square" rtlCol="0">
+            <a:spAutoFit/>
+          </a:bodyPr>
+          <a:lstStyle/>
+          <a:p>
+            <a:pPr algn="ctr"/>
+            <a:r>
+              <a:rPr lang="en-US" altLang="ko-KR" sz="1400" spc="-150" dirty="0">
+                <a:latin typeface="+mn-ea"/>
+              </a:rPr>
+              <a:t>Threshold </a:t>
+            </a:r>
+            <a:r>
+              <a:rPr lang="ko-KR" altLang="en-US" sz="1400" spc="-150" dirty="0">
+                <a:latin typeface="+mn-ea"/>
+              </a:rPr>
+              <a:t>함수 사용</a:t>
+            </a:r>
+            <a:endParaRPr lang="en-US" altLang="ko-KR" sz="1400" spc="-150" dirty="0">
+              <a:latin typeface="+mn-ea"/>
+            </a:endParaRPr>
+          </a:p>
+          <a:p>
+            <a:pPr algn="ctr"/>
+            <a:r>
+              <a:rPr kumimoji="1" lang="en-US" altLang="ko-KR" sz="1400" spc="-150" dirty="0">
+                <a:latin typeface="+mn-ea"/>
+              </a:rPr>
+              <a:t>(</a:t>
+            </a:r>
+            <a:r>
+              <a:rPr kumimoji="1" lang="ko-KR" altLang="en-US" sz="1400" spc="-150" dirty="0">
+                <a:latin typeface="+mn-ea"/>
+              </a:rPr>
+              <a:t>흰 옷</a:t>
+            </a:r>
+            <a:r>
+              <a:rPr kumimoji="1" lang="en-US" altLang="ko-KR" sz="1400" spc="-150" dirty="0">
+                <a:latin typeface="+mn-ea"/>
+              </a:rPr>
+              <a:t>)</a:t>
+            </a:r>
+            <a:endParaRPr kumimoji="1" lang="en-US" altLang="ko-Kore-KR" sz="1400" dirty="0">
+              <a:latin typeface="+mn-ea"/>
+            </a:endParaRPr>
+          </a:p>
+        </p:txBody>
+      </p:sp>
+      <p:pic>
+        <p:nvPicPr>
+          <p:cNvPr id="16" name="그림 15" descr="텍스트이(가) 표시된 사진&#10;&#10;자동 생성된 설명">
+            <a:extLst>
+              <a:ext uri="{FF2B5EF4-FFF2-40B4-BE49-F238E27FC236}">
+                <a16:creationId xmlns:a16="http://schemas.microsoft.com/office/drawing/2014/main" id="{EB94D70A-772B-F512-0CC5-C74B0A541842}"/>
+              </a:ext>
+            </a:extLst>
+          </p:cNvPr>
+          <p:cNvPicPr>
+            <a:picLocks noChangeAspect="1"/>
+          </p:cNvPicPr>
+          <p:nvPr/>
+        </p:nvPicPr>
+        <p:blipFill rotWithShape="1">
+          <a:blip r:embed="rId5">
+            <a:extLst>
+              <a:ext uri="{28A0092B-C50C-407E-A947-70E740481C1C}">
+                <a14:useLocalDpi xmlns:a14="http://schemas.microsoft.com/office/drawing/2010/main" val="0"/>
+              </a:ext>
+            </a:extLst>
+          </a:blip>
+          <a:srcRect t="73870" r="72973"/>
+          <a:stretch/>
+        </p:blipFill>
+        <p:spPr>
+          <a:xfrm>
+            <a:off x="5406861" y="4156578"/>
+            <a:ext cx="1408326" cy="1836243"/>
+          </a:xfrm>
+          <a:prstGeom prst="rect">
+            <a:avLst/>
+          </a:prstGeom>
+        </p:spPr>
+      </p:pic>
+      <p:sp>
+        <p:nvSpPr>
+          <p:cNvPr id="18" name="TextBox 17">
+            <a:extLst>
+              <a:ext uri="{FF2B5EF4-FFF2-40B4-BE49-F238E27FC236}">
+                <a16:creationId xmlns:a16="http://schemas.microsoft.com/office/drawing/2014/main" id="{949AC1E4-411B-C9AC-218C-4C1EAC8B8A29}"/>
+              </a:ext>
+            </a:extLst>
+          </p:cNvPr>
+          <p:cNvSpPr txBox="1"/>
+          <p:nvPr/>
+        </p:nvSpPr>
+        <p:spPr>
+          <a:xfrm>
+            <a:off x="5017722" y="5970716"/>
+            <a:ext cx="2186603" cy="523220"/>
+          </a:xfrm>
+          <a:prstGeom prst="rect">
+            <a:avLst/>
+          </a:prstGeom>
+          <a:noFill/>
+        </p:spPr>
+        <p:txBody>
+          <a:bodyPr wrap="square" rtlCol="0">
+            <a:spAutoFit/>
+          </a:bodyPr>
+          <a:lstStyle/>
+          <a:p>
+            <a:pPr algn="ctr"/>
+            <a:r>
+              <a:rPr lang="en-US" altLang="ko-KR" sz="1400" spc="-150" dirty="0">
+                <a:latin typeface="+mn-ea"/>
+              </a:rPr>
+              <a:t>Adaptive Threshold </a:t>
+            </a:r>
+            <a:r>
+              <a:rPr lang="ko-KR" altLang="en-US" sz="1400" spc="-150" dirty="0">
+                <a:latin typeface="+mn-ea"/>
+              </a:rPr>
+              <a:t>함수 사용</a:t>
+            </a:r>
+            <a:endParaRPr lang="en-US" altLang="ko-KR" sz="1400" spc="-150" dirty="0">
+              <a:latin typeface="+mn-ea"/>
+            </a:endParaRPr>
+          </a:p>
+          <a:p>
+            <a:pPr algn="ctr"/>
+            <a:r>
+              <a:rPr kumimoji="1" lang="en-US" altLang="ko-KR" sz="1400" spc="-150" dirty="0">
+                <a:latin typeface="+mn-ea"/>
+              </a:rPr>
+              <a:t>(</a:t>
+            </a:r>
+            <a:r>
+              <a:rPr kumimoji="1" lang="ko-KR" altLang="en-US" sz="1400" spc="-150" dirty="0">
+                <a:latin typeface="+mn-ea"/>
+              </a:rPr>
+              <a:t>흰 옷</a:t>
+            </a:r>
+            <a:r>
+              <a:rPr kumimoji="1" lang="en-US" altLang="ko-KR" sz="1400" spc="-150" dirty="0">
+                <a:latin typeface="+mn-ea"/>
+              </a:rPr>
+              <a:t>)</a:t>
+            </a:r>
+            <a:endParaRPr kumimoji="1" lang="en-US" altLang="ko-Kore-KR" sz="1400" dirty="0">
+              <a:latin typeface="+mn-ea"/>
+            </a:endParaRPr>
+          </a:p>
+        </p:txBody>
+      </p:sp>
+      <p:pic>
+        <p:nvPicPr>
+          <p:cNvPr id="2" name="그림 1">
+            <a:extLst>
+              <a:ext uri="{FF2B5EF4-FFF2-40B4-BE49-F238E27FC236}">
+                <a16:creationId xmlns:a16="http://schemas.microsoft.com/office/drawing/2014/main" id="{E9C10CE5-0816-666A-4B42-39BCBF2D512D}"/>
+              </a:ext>
+            </a:extLst>
+          </p:cNvPr>
+          <p:cNvPicPr>
+            <a:picLocks noChangeAspect="1"/>
+          </p:cNvPicPr>
+          <p:nvPr/>
+        </p:nvPicPr>
+        <p:blipFill>
+          <a:blip r:embed="rId6">
+            <a:extLst>
+              <a:ext uri="{28A0092B-C50C-407E-A947-70E740481C1C}">
+                <a14:useLocalDpi xmlns:a14="http://schemas.microsoft.com/office/drawing/2010/main" val="0"/>
+              </a:ext>
+            </a:extLst>
+          </a:blip>
+          <a:stretch>
+            <a:fillRect/>
+          </a:stretch>
+        </p:blipFill>
+        <p:spPr>
+          <a:xfrm>
+            <a:off x="8904736" y="1602240"/>
+            <a:ext cx="2364027" cy="4202716"/>
+          </a:xfrm>
+          <a:prstGeom prst="rect">
+            <a:avLst/>
+          </a:prstGeom>
+          <a:ln w="19050">
+            <a:solidFill>
+              <a:schemeClr val="tx1"/>
+            </a:solidFill>
+          </a:ln>
+        </p:spPr>
+      </p:pic>
+      <p:sp>
+        <p:nvSpPr>
+          <p:cNvPr id="3" name="TextBox 2">
+            <a:extLst>
+              <a:ext uri="{FF2B5EF4-FFF2-40B4-BE49-F238E27FC236}">
+                <a16:creationId xmlns:a16="http://schemas.microsoft.com/office/drawing/2014/main" id="{23FB5C5E-2CC6-1D47-2666-99832A39BB8E}"/>
+              </a:ext>
+            </a:extLst>
+          </p:cNvPr>
+          <p:cNvSpPr txBox="1"/>
+          <p:nvPr/>
+        </p:nvSpPr>
+        <p:spPr>
+          <a:xfrm>
+            <a:off x="9189051" y="5821218"/>
+            <a:ext cx="1795395" cy="323165"/>
+          </a:xfrm>
+          <a:prstGeom prst="rect">
+            <a:avLst/>
+          </a:prstGeom>
+          <a:noFill/>
+        </p:spPr>
+        <p:txBody>
+          <a:bodyPr wrap="square" rtlCol="0">
+            <a:spAutoFit/>
+          </a:bodyPr>
+          <a:lstStyle/>
+          <a:p>
+            <a:pPr algn="ctr"/>
+            <a:r>
+              <a:rPr kumimoji="1" lang="ko-KR" altLang="en-US" sz="1500" dirty="0">
+                <a:latin typeface="+mn-ea"/>
+              </a:rPr>
+              <a:t>흰 옷 원본 이미지</a:t>
+            </a:r>
+            <a:endParaRPr kumimoji="1" lang="ko-Kore-KR" altLang="en-US" sz="1500" dirty="0">
+              <a:latin typeface="+mn-ea"/>
+            </a:endParaRPr>
           </a:p>
         </p:txBody>
       </p:sp>
     </p:spTree>
     <p:extLst>
       <p:ext uri="{BB962C8B-B14F-4D97-AF65-F5344CB8AC3E}">
-        <p14:creationId xmlns:p14="http://schemas.microsoft.com/office/powerpoint/2010/main" val="1553236015"/>
+        <p14:creationId xmlns:p14="http://schemas.microsoft.com/office/powerpoint/2010/main" val="3948253520"/>
       </p:ext>
     </p:extLst>
   </p:cSld>
@@ -9763,7 +9219,13 @@
       </p:grpSpPr>
       <p:pic>
         <p:nvPicPr>
-          <p:cNvPr id="2" name="그림 1"/>
+          <p:cNvPr id="4" name="그림 3">
+            <a:extLst>
+              <a:ext uri="{FF2B5EF4-FFF2-40B4-BE49-F238E27FC236}">
+                <a16:creationId xmlns:a16="http://schemas.microsoft.com/office/drawing/2014/main" id="{963A1BA7-4CC2-ACEF-0293-24C5AE9B9175}"/>
+              </a:ext>
+            </a:extLst>
+          </p:cNvPr>
           <p:cNvPicPr>
             <a:picLocks noChangeAspect="1"/>
           </p:cNvPicPr>
@@ -9793,7 +9255,53 @@
       </p:pic>
       <p:sp>
         <p:nvSpPr>
-          <p:cNvPr id="13" name="제목 38"/>
+          <p:cNvPr id="5" name="제목 38">
+            <a:extLst>
+              <a:ext uri="{FF2B5EF4-FFF2-40B4-BE49-F238E27FC236}">
+                <a16:creationId xmlns:a16="http://schemas.microsoft.com/office/drawing/2014/main" id="{D53157FE-2798-08EE-C8C3-6F7CF14ECA7D}"/>
+              </a:ext>
+            </a:extLst>
+          </p:cNvPr>
+          <p:cNvSpPr>
+            <a:spLocks noGrp="1"/>
+          </p:cNvSpPr>
+          <p:nvPr>
+            <p:ph type="title"/>
+          </p:nvPr>
+        </p:nvSpPr>
+        <p:spPr>
+          <a:xfrm>
+            <a:off x="363552" y="406401"/>
+            <a:ext cx="9862863" cy="856412"/>
+          </a:xfrm>
+        </p:spPr>
+        <p:txBody>
+          <a:bodyPr rtlCol="0">
+            <a:noAutofit/>
+          </a:bodyPr>
+          <a:lstStyle/>
+          <a:p>
+            <a:pPr>
+              <a:defRPr/>
+            </a:pPr>
+            <a:r>
+              <a:rPr lang="ko-KR" altLang="en-US" sz="4000" spc="-185" dirty="0">
+                <a:latin typeface="+mj-ea"/>
+              </a:rPr>
+              <a:t>데이터 전처리 과정</a:t>
+            </a:r>
+          </a:p>
+        </p:txBody>
+      </p:sp>
+      <p:sp>
+        <p:nvSpPr>
+          <p:cNvPr id="6" name="제목 38">
+            <a:extLst>
+              <a:ext uri="{FF2B5EF4-FFF2-40B4-BE49-F238E27FC236}">
+                <a16:creationId xmlns:a16="http://schemas.microsoft.com/office/drawing/2014/main" id="{EB94A68A-D51D-255E-A650-BDDB84AC8884}"/>
+              </a:ext>
+            </a:extLst>
+          </p:cNvPr>
           <p:cNvSpPr txBox="1">
             <a:spLocks/>
           </p:cNvSpPr>
@@ -9801,8 +9309,8 @@
         </p:nvSpPr>
         <p:spPr>
           <a:xfrm>
-            <a:off x="363552" y="1547726"/>
-            <a:ext cx="11393019" cy="3966105"/>
+            <a:off x="560352" y="2483586"/>
+            <a:ext cx="7390871" cy="1890823"/>
           </a:xfrm>
           <a:prstGeom prst="rect">
             <a:avLst/>
@@ -9834,47 +9342,33 @@
           <a:p>
             <a:pPr>
               <a:lnSpc>
-                <a:spcPct val="130000"/>
-              </a:lnSpc>
-              <a:defRPr/>
-            </a:pPr>
-            <a:r>
-              <a:rPr lang="en-US" altLang="ko-KR" sz="2100" spc="-150" dirty="0">
-                <a:latin typeface="+mn-ea"/>
-                <a:ea typeface="+mn-ea"/>
-              </a:rPr>
-              <a:t>2-1. </a:t>
-            </a:r>
-            <a:r>
-              <a:rPr lang="ko-KR" altLang="en-US" sz="2100" spc="-150" dirty="0">
-                <a:latin typeface="+mn-ea"/>
-                <a:ea typeface="+mn-ea"/>
-              </a:rPr>
-              <a:t>이미지 크기를 적절히 조절하거나</a:t>
-            </a:r>
-            <a:r>
-              <a:rPr lang="en-US" altLang="ko-KR" sz="2100" spc="-150" dirty="0">
-                <a:latin typeface="+mn-ea"/>
-                <a:ea typeface="+mn-ea"/>
-              </a:rPr>
-              <a:t>, </a:t>
-            </a:r>
-            <a:r>
-              <a:rPr lang="ko-KR" altLang="en-US" sz="2100" spc="-150" dirty="0">
-                <a:latin typeface="+mn-ea"/>
-                <a:ea typeface="+mn-ea"/>
-              </a:rPr>
-              <a:t>해상도를 조절하여 학습 데이터 셋을 </a:t>
-            </a:r>
-            <a:r>
-              <a:rPr lang="ko-KR" altLang="en-US" sz="2100" spc="-150" dirty="0" err="1">
-                <a:latin typeface="+mn-ea"/>
-                <a:ea typeface="+mn-ea"/>
-              </a:rPr>
-              <a:t>구축하시오</a:t>
-            </a:r>
-            <a:r>
-              <a:rPr lang="en-US" altLang="ko-KR" sz="2100" spc="-150" dirty="0">
+                <a:spcPct val="120000"/>
+              </a:lnSpc>
+              <a:defRPr/>
+            </a:pPr>
+            <a:r>
+              <a:rPr lang="ko-KR" altLang="en-US" sz="1900" spc="-150" dirty="0">
+                <a:latin typeface="+mn-ea"/>
+                <a:ea typeface="+mn-ea"/>
+              </a:rPr>
+              <a:t>다만 이미지가 제대로 </a:t>
+            </a:r>
+            <a:r>
+              <a:rPr lang="en-US" altLang="ko-KR" sz="1900" spc="-150" dirty="0">
+                <a:latin typeface="+mn-ea"/>
+                <a:ea typeface="+mn-ea"/>
+              </a:rPr>
+              <a:t>crop</a:t>
+            </a:r>
+            <a:r>
+              <a:rPr lang="ko-KR" altLang="en-US" sz="1900" spc="-150" dirty="0">
+                <a:latin typeface="+mn-ea"/>
+                <a:ea typeface="+mn-ea"/>
+              </a:rPr>
+              <a:t> 되지 않은 것을 확인할 수 있습니다</a:t>
+            </a:r>
+            <a:r>
+              <a:rPr lang="en-US" altLang="ko-KR" sz="1900" spc="-150" dirty="0">
                 <a:latin typeface="+mn-ea"/>
                 <a:ea typeface="+mn-ea"/>
               </a:rPr>
@@ -9884,11 +9378,18 @@
           <a:p>
             <a:pPr>
               <a:lnSpc>
-                <a:spcPct val="130000"/>
-              </a:lnSpc>
-              <a:defRPr/>
-            </a:pPr>
-            <a:endParaRPr lang="en-US" altLang="ko-KR" sz="2100" spc="-150" dirty="0">
+                <a:spcPct val="120000"/>
+              </a:lnSpc>
+              <a:defRPr/>
+            </a:pPr>
+            <a:r>
+              <a:rPr lang="ko-KR" altLang="en-US" sz="1900" spc="-150" dirty="0">
+                <a:latin typeface="+mn-ea"/>
+                <a:ea typeface="+mn-ea"/>
+              </a:rPr>
+              <a:t>이미지를 확인해보니 노이즈가 많아 </a:t>
+            </a:r>
+            <a:endParaRPr lang="en-US" altLang="ko-KR" sz="1900" spc="-150" dirty="0">
               <a:latin typeface="+mn-ea"/>
               <a:ea typeface="+mn-ea"/>
             </a:endParaRPr>
@@ -9896,34 +9397,19 @@
           <a:p>
             <a:pPr>
               <a:lnSpc>
-                <a:spcPct val="130000"/>
-              </a:lnSpc>
-              <a:defRPr/>
-            </a:pPr>
-            <a:r>
-              <a:rPr lang="en-US" altLang="ko-KR" sz="2100" spc="-150" dirty="0">
-                <a:latin typeface="+mn-ea"/>
-                <a:ea typeface="+mn-ea"/>
-              </a:rPr>
-              <a:t>Answer:</a:t>
-            </a:r>
-          </a:p>
-          <a:p>
-            <a:pPr>
-              <a:lnSpc>
-                <a:spcPct val="130000"/>
-              </a:lnSpc>
-              <a:defRPr/>
-            </a:pPr>
-            <a:r>
-              <a:rPr lang="ko-KR" altLang="en-US" sz="2100" spc="-150" dirty="0">
-                <a:latin typeface="+mn-ea"/>
-                <a:ea typeface="+mn-ea"/>
-              </a:rPr>
-              <a:t>모델의 정확도를 높이려면 데이터 셋에서 옷만 잘 잘라내는 것이 유리합니다</a:t>
-            </a:r>
-            <a:r>
-              <a:rPr lang="en-US" altLang="ko-KR" sz="2100" spc="-150" dirty="0">
+                <a:spcPct val="120000"/>
+              </a:lnSpc>
+              <a:defRPr/>
+            </a:pPr>
+            <a:r>
+              <a:rPr lang="ko-KR" altLang="en-US" sz="1900" spc="-150" dirty="0">
+                <a:latin typeface="+mn-ea"/>
+                <a:ea typeface="+mn-ea"/>
+              </a:rPr>
+              <a:t>경계 값을 제대로 도출하지 못한 것으로 보입니다</a:t>
+            </a:r>
+            <a:r>
+              <a:rPr lang="en-US" altLang="ko-KR" sz="1900" spc="-150" dirty="0">
                 <a:latin typeface="+mn-ea"/>
                 <a:ea typeface="+mn-ea"/>
               </a:rPr>
@@ -9933,19 +9419,31 @@
           <a:p>
             <a:pPr>
               <a:lnSpc>
-                <a:spcPct val="130000"/>
-              </a:lnSpc>
-              <a:defRPr/>
-            </a:pPr>
-            <a:r>
-              <a:rPr lang="ko-KR" altLang="en-US" sz="2100" spc="-150" dirty="0">
-                <a:latin typeface="+mn-ea"/>
-                <a:ea typeface="+mn-ea"/>
-              </a:rPr>
-              <a:t>학습 데이터 셋을 구축하기 위해 데이터 전처리를 진행했습니다</a:t>
-            </a:r>
-            <a:r>
-              <a:rPr lang="en-US" altLang="ko-KR" sz="2100" spc="-150" dirty="0">
+                <a:spcPct val="120000"/>
+              </a:lnSpc>
+              <a:defRPr/>
+            </a:pPr>
+            <a:endParaRPr lang="en-US" altLang="ko-KR" sz="1900" spc="-150" dirty="0">
+              <a:latin typeface="+mn-ea"/>
+              <a:ea typeface="+mn-ea"/>
+            </a:endParaRPr>
+          </a:p>
+          <a:p>
+            <a:pPr>
+              <a:lnSpc>
+                <a:spcPct val="120000"/>
+              </a:lnSpc>
+              <a:defRPr/>
+            </a:pPr>
+            <a:r>
+              <a:rPr lang="ko-KR" altLang="en-US" sz="1900" spc="-150" dirty="0">
+                <a:latin typeface="+mn-ea"/>
+                <a:ea typeface="+mn-ea"/>
+              </a:rPr>
+              <a:t>그래서 이미지의 노이즈를 줄이는 방법을 생각해보게 되었습니다</a:t>
+            </a:r>
+            <a:r>
+              <a:rPr lang="en-US" altLang="ko-KR" sz="1900" spc="-150" dirty="0">
                 <a:latin typeface="+mn-ea"/>
                 <a:ea typeface="+mn-ea"/>
               </a:rPr>
@@ -9956,45 +9454,136 @@
       </p:sp>
       <p:sp>
         <p:nvSpPr>
-          <p:cNvPr id="48" name="제목 38"/>
-          <p:cNvSpPr>
-            <a:spLocks noGrp="1"/>
+          <p:cNvPr id="9" name="제목 38">
+            <a:extLst>
+              <a:ext uri="{FF2B5EF4-FFF2-40B4-BE49-F238E27FC236}">
+                <a16:creationId xmlns:a16="http://schemas.microsoft.com/office/drawing/2014/main" id="{17C34476-D9F6-9005-524F-E315A8266863}"/>
+              </a:ext>
+            </a:extLst>
+          </p:cNvPr>
+          <p:cNvSpPr txBox="1">
+            <a:spLocks/>
           </p:cNvSpPr>
-          <p:nvPr>
-            <p:ph type="title"/>
-          </p:nvPr>
-        </p:nvSpPr>
-        <p:spPr>
-          <a:xfrm>
-            <a:off x="363552" y="406401"/>
-            <a:ext cx="9862863" cy="856412"/>
-          </a:xfrm>
-        </p:spPr>
-        <p:txBody>
-          <a:bodyPr rtlCol="0">
+          <p:nvPr/>
+        </p:nvSpPr>
+        <p:spPr>
+          <a:xfrm>
+            <a:off x="560352" y="4351178"/>
+            <a:ext cx="1410215" cy="445258"/>
+          </a:xfrm>
+          <a:prstGeom prst="rect">
+            <a:avLst/>
+          </a:prstGeom>
+        </p:spPr>
+        <p:txBody>
+          <a:bodyPr vert="horz" lIns="112542" tIns="56271" rIns="112542" bIns="56271" rtlCol="0" anchor="t">
             <a:noAutofit/>
           </a:bodyPr>
-          <a:lstStyle/>
-          <a:p>
-            <a:pPr>
-              <a:defRPr/>
-            </a:pPr>
-            <a:r>
-              <a:rPr lang="en-US" altLang="ko-KR" sz="4000" spc="-185" dirty="0">
-                <a:latin typeface="+mj-ea"/>
-              </a:rPr>
-              <a:t>Mission 2</a:t>
-            </a:r>
-            <a:endParaRPr lang="ko-KR" altLang="en-US" sz="4000" spc="-185" dirty="0">
-              <a:latin typeface="+mj-ea"/>
+          <a:lstStyle>
+            <a:lvl1pPr algn="l" defTabSz="914400" rtl="0" eaLnBrk="1" latinLnBrk="1" hangingPunct="1">
+              <a:lnSpc>
+                <a:spcPct val="90000"/>
+              </a:lnSpc>
+              <a:spcBef>
+                <a:spcPct val="0"/>
+              </a:spcBef>
+              <a:buNone/>
+              <a:defRPr sz="4400" kern="1200">
+                <a:solidFill>
+                  <a:schemeClr val="tx1"/>
+                </a:solidFill>
+                <a:latin typeface="+mj-lt"/>
+                <a:ea typeface="+mj-ea"/>
+                <a:cs typeface="+mj-cs"/>
+              </a:defRPr>
+            </a:lvl1pPr>
+          </a:lstStyle>
+          <a:p>
+            <a:pPr>
+              <a:defRPr/>
+            </a:pPr>
+            <a:endParaRPr lang="en-US" altLang="ko-KR" sz="2100" spc="-185" dirty="0">
+              <a:latin typeface="+mn-ea"/>
+              <a:ea typeface="+mn-ea"/>
             </a:endParaRPr>
           </a:p>
         </p:txBody>
       </p:sp>
+      <p:pic>
+        <p:nvPicPr>
+          <p:cNvPr id="16" name="그림 15" descr="텍스트이(가) 표시된 사진&#10;&#10;자동 생성된 설명">
+            <a:extLst>
+              <a:ext uri="{FF2B5EF4-FFF2-40B4-BE49-F238E27FC236}">
+                <a16:creationId xmlns:a16="http://schemas.microsoft.com/office/drawing/2014/main" id="{EB94D70A-772B-F512-0CC5-C74B0A541842}"/>
+              </a:ext>
+            </a:extLst>
+          </p:cNvPr>
+          <p:cNvPicPr>
+            <a:picLocks noChangeAspect="1"/>
+          </p:cNvPicPr>
+          <p:nvPr/>
+        </p:nvPicPr>
+        <p:blipFill rotWithShape="1">
+          <a:blip r:embed="rId3">
+            <a:extLst>
+              <a:ext uri="{28A0092B-C50C-407E-A947-70E740481C1C}">
+                <a14:useLocalDpi xmlns:a14="http://schemas.microsoft.com/office/drawing/2010/main" val="0"/>
+              </a:ext>
+            </a:extLst>
+          </a:blip>
+          <a:srcRect t="73870" r="72973"/>
+          <a:stretch/>
+        </p:blipFill>
+        <p:spPr>
+          <a:xfrm>
+            <a:off x="7745961" y="2400565"/>
+            <a:ext cx="1837537" cy="2395871"/>
+          </a:xfrm>
+          <a:prstGeom prst="rect">
+            <a:avLst/>
+          </a:prstGeom>
+        </p:spPr>
+      </p:pic>
+      <p:pic>
+        <p:nvPicPr>
+          <p:cNvPr id="3" name="그림 2" descr="텍스트, 밤하늘이(가) 표시된 사진&#10;&#10;자동 생성된 설명">
+            <a:extLst>
+              <a:ext uri="{FF2B5EF4-FFF2-40B4-BE49-F238E27FC236}">
+                <a16:creationId xmlns:a16="http://schemas.microsoft.com/office/drawing/2014/main" id="{2472CE69-6D05-2FE7-FD0C-E37BE1DEED7F}"/>
+              </a:ext>
+            </a:extLst>
+          </p:cNvPr>
+          <p:cNvPicPr>
+            <a:picLocks noChangeAspect="1"/>
+          </p:cNvPicPr>
+          <p:nvPr/>
+        </p:nvPicPr>
+        <p:blipFill>
+          <a:blip r:embed="rId4">
+            <a:extLst>
+              <a:ext uri="{28A0092B-C50C-407E-A947-70E740481C1C}">
+                <a14:useLocalDpi xmlns:a14="http://schemas.microsoft.com/office/drawing/2010/main" val="0"/>
+              </a:ext>
+            </a:extLst>
+          </a:blip>
+          <a:stretch>
+            <a:fillRect/>
+          </a:stretch>
+        </p:blipFill>
+        <p:spPr>
+          <a:xfrm>
+            <a:off x="9956504" y="2400565"/>
+            <a:ext cx="1533720" cy="2395871"/>
+          </a:xfrm>
+          <a:prstGeom prst="rect">
+            <a:avLst/>
+          </a:prstGeom>
+        </p:spPr>
+      </p:pic>
     </p:spTree>
     <p:extLst>
       <p:ext uri="{BB962C8B-B14F-4D97-AF65-F5344CB8AC3E}">
-        <p14:creationId xmlns:p14="http://schemas.microsoft.com/office/powerpoint/2010/main" val="3434640500"/>
+        <p14:creationId xmlns:p14="http://schemas.microsoft.com/office/powerpoint/2010/main" val="4281881407"/>
       </p:ext>
     </p:extLst>
   </p:cSld>
@@ -10113,8 +9702,8 @@
         </p:nvSpPr>
         <p:spPr>
           <a:xfrm>
-            <a:off x="363552" y="1547726"/>
-            <a:ext cx="8354320" cy="2419299"/>
+            <a:off x="342288" y="1774547"/>
+            <a:ext cx="11393019" cy="4045006"/>
           </a:xfrm>
           <a:prstGeom prst="rect">
             <a:avLst/>
@@ -10146,19 +9735,33 @@
           <a:p>
             <a:pPr>
               <a:lnSpc>
-                <a:spcPct val="130000"/>
-              </a:lnSpc>
-              <a:defRPr/>
-            </a:pPr>
-            <a:r>
-              <a:rPr lang="ko-KR" altLang="en-US" sz="1600" spc="-150" dirty="0">
-                <a:latin typeface="+mn-ea"/>
-                <a:ea typeface="+mn-ea"/>
-              </a:rPr>
-              <a:t>전처리 코드를 완성하기 위해 많은 시행착오를 거쳤습니다</a:t>
-            </a:r>
-            <a:r>
-              <a:rPr lang="en-US" altLang="ko-KR" sz="1600" spc="-150" dirty="0">
+                <a:spcPct val="120000"/>
+              </a:lnSpc>
+              <a:defRPr/>
+            </a:pPr>
+            <a:r>
+              <a:rPr lang="ko-KR" altLang="en-US" sz="1900" spc="-150" dirty="0">
+                <a:latin typeface="+mn-ea"/>
+                <a:ea typeface="+mn-ea"/>
+              </a:rPr>
+              <a:t>처음은 </a:t>
+            </a:r>
+            <a:r>
+              <a:rPr lang="en-US" altLang="ko-KR" sz="1900" spc="-150" dirty="0">
+                <a:latin typeface="+mn-ea"/>
+                <a:ea typeface="+mn-ea"/>
+              </a:rPr>
+              <a:t>Morphology</a:t>
+            </a:r>
+            <a:r>
+              <a:rPr lang="ko-KR" altLang="en-US" sz="1900" spc="-150" dirty="0">
+                <a:latin typeface="+mn-ea"/>
+                <a:ea typeface="+mn-ea"/>
+              </a:rPr>
+              <a:t> 연산으로 시작했습니다</a:t>
+            </a:r>
+            <a:r>
+              <a:rPr lang="en-US" altLang="ko-KR" sz="1900" spc="-150" dirty="0">
                 <a:latin typeface="+mn-ea"/>
                 <a:ea typeface="+mn-ea"/>
               </a:rPr>
@@ -10168,11 +9771,67 @@
           <a:p>
             <a:pPr>
               <a:lnSpc>
-                <a:spcPct val="130000"/>
-              </a:lnSpc>
-              <a:defRPr/>
-            </a:pPr>
-            <a:endParaRPr lang="en-US" altLang="ko-KR" sz="1600" spc="-150" dirty="0">
+                <a:spcPct val="120000"/>
+              </a:lnSpc>
+              <a:defRPr/>
+            </a:pPr>
+            <a:r>
+              <a:rPr lang="en-US" altLang="ko-KR" sz="1900" spc="-150" dirty="0">
+                <a:latin typeface="+mn-ea"/>
+                <a:ea typeface="+mn-ea"/>
+              </a:rPr>
+              <a:t>Morphology </a:t>
+            </a:r>
+            <a:r>
+              <a:rPr lang="ko-KR" altLang="en-US" sz="1900" spc="-150" dirty="0">
+                <a:latin typeface="+mn-ea"/>
+                <a:ea typeface="+mn-ea"/>
+              </a:rPr>
+              <a:t>연산이란 </a:t>
+            </a:r>
+            <a:r>
+              <a:rPr lang="en-US" altLang="ko-KR" sz="1900" spc="-150" dirty="0">
+                <a:latin typeface="+mn-ea"/>
+                <a:ea typeface="+mn-ea"/>
+              </a:rPr>
+              <a:t>‘</a:t>
+            </a:r>
+            <a:r>
+              <a:rPr lang="ko-KR" altLang="en-US" sz="1900" spc="-150" dirty="0">
+                <a:latin typeface="+mn-ea"/>
+                <a:ea typeface="+mn-ea"/>
+              </a:rPr>
+              <a:t>형태학</a:t>
+            </a:r>
+            <a:r>
+              <a:rPr lang="en-US" altLang="ko-KR" sz="1900" spc="-150" dirty="0">
+                <a:latin typeface="+mn-ea"/>
+                <a:ea typeface="+mn-ea"/>
+              </a:rPr>
+              <a:t>’</a:t>
+            </a:r>
+            <a:r>
+              <a:rPr lang="ko-KR" altLang="en-US" sz="1900" spc="-150" dirty="0">
+                <a:latin typeface="+mn-ea"/>
+                <a:ea typeface="+mn-ea"/>
+              </a:rPr>
+              <a:t> 이라는 뜻인데</a:t>
+            </a:r>
+            <a:r>
+              <a:rPr lang="en-US" altLang="ko-KR" sz="1900" spc="-150" dirty="0">
+                <a:latin typeface="+mn-ea"/>
+                <a:ea typeface="+mn-ea"/>
+              </a:rPr>
+              <a:t>,</a:t>
+            </a:r>
+            <a:r>
+              <a:rPr lang="ko-KR" altLang="en-US" sz="1900" spc="-150" dirty="0">
+                <a:latin typeface="+mn-ea"/>
+                <a:ea typeface="+mn-ea"/>
+              </a:rPr>
+              <a:t> </a:t>
+            </a:r>
+            <a:endParaRPr lang="en-US" altLang="ko-KR" sz="1900" spc="-150" dirty="0">
               <a:latin typeface="+mn-ea"/>
               <a:ea typeface="+mn-ea"/>
             </a:endParaRPr>
@@ -10180,19 +9839,55 @@
           <a:p>
             <a:pPr>
               <a:lnSpc>
-                <a:spcPct val="130000"/>
-              </a:lnSpc>
-              <a:defRPr/>
-            </a:pPr>
-            <a:r>
-              <a:rPr lang="ko-KR" altLang="en-US" sz="1600" spc="-150" dirty="0">
-                <a:latin typeface="+mn-ea"/>
-                <a:ea typeface="+mn-ea"/>
-              </a:rPr>
-              <a:t>이미지의 모서리를 찾아내기 위해 지역 이진화 함수를 사용했습니다</a:t>
-            </a:r>
-            <a:r>
-              <a:rPr lang="en-US" altLang="ko-KR" sz="1600" spc="-150" dirty="0">
+                <a:spcPct val="120000"/>
+              </a:lnSpc>
+              <a:defRPr/>
+            </a:pPr>
+            <a:r>
+              <a:rPr lang="ko-KR" altLang="en-US" sz="1900" spc="-150" dirty="0">
+                <a:latin typeface="+mn-ea"/>
+                <a:ea typeface="+mn-ea"/>
+              </a:rPr>
+              <a:t>사진</a:t>
+            </a:r>
+            <a:r>
+              <a:rPr lang="en-US" altLang="ko-KR" sz="1900" spc="-150" dirty="0">
+                <a:latin typeface="+mn-ea"/>
+                <a:ea typeface="+mn-ea"/>
+              </a:rPr>
+              <a:t>,</a:t>
+            </a:r>
+            <a:r>
+              <a:rPr lang="ko-KR" altLang="en-US" sz="1900" spc="-150" dirty="0">
+                <a:latin typeface="+mn-ea"/>
+                <a:ea typeface="+mn-ea"/>
+              </a:rPr>
+              <a:t> 영상 분야에서의 노이즈 제거 등에 쓰이는 형태학적 연산을 말합니다</a:t>
+            </a:r>
+            <a:r>
+              <a:rPr lang="en-US" altLang="ko-KR" sz="1900" spc="-150" dirty="0">
+                <a:latin typeface="+mn-ea"/>
+                <a:ea typeface="+mn-ea"/>
+              </a:rPr>
+              <a:t>. </a:t>
+            </a:r>
+          </a:p>
+          <a:p>
+            <a:pPr>
+              <a:lnSpc>
+                <a:spcPct val="120000"/>
+              </a:lnSpc>
+              <a:defRPr/>
+            </a:pPr>
+            <a:r>
+              <a:rPr lang="ko-KR" altLang="en-US" sz="1900" spc="-150" dirty="0">
+                <a:latin typeface="+mn-ea"/>
+                <a:ea typeface="+mn-ea"/>
+              </a:rPr>
+              <a:t>대표적인 연산으로는 침식 연산과 팽창 연산이 있습니다</a:t>
+            </a:r>
+            <a:r>
+              <a:rPr lang="en-US" altLang="ko-KR" sz="1900" spc="-150" dirty="0">
                 <a:latin typeface="+mn-ea"/>
                 <a:ea typeface="+mn-ea"/>
               </a:rPr>
@@ -10202,32 +9897,11 @@
           <a:p>
             <a:pPr>
               <a:lnSpc>
-                <a:spcPct val="130000"/>
-              </a:lnSpc>
-              <a:defRPr/>
-            </a:pPr>
-            <a:r>
-              <a:rPr lang="ko-KR" altLang="en-US" sz="1600" spc="-150" dirty="0">
-                <a:latin typeface="+mn-ea"/>
-                <a:ea typeface="+mn-ea"/>
-              </a:rPr>
-              <a:t>하지만 배경이 흰색인 탓에 흰 옷 이미지 이진화 시 문제가 생기는 것을 확인할 수 있었고</a:t>
-            </a:r>
-            <a:r>
-              <a:rPr lang="en-US" altLang="ko-KR" sz="1600" spc="-150" dirty="0">
-                <a:latin typeface="+mn-ea"/>
-                <a:ea typeface="+mn-ea"/>
-              </a:rPr>
-              <a:t>,</a:t>
-            </a:r>
-            <a:r>
-              <a:rPr lang="ko-KR" altLang="en-US" sz="1600" spc="-150" dirty="0">
-                <a:latin typeface="+mn-ea"/>
-                <a:ea typeface="+mn-ea"/>
-              </a:rPr>
-              <a:t> </a:t>
-            </a:r>
-            <a:endParaRPr lang="en-US" altLang="ko-KR" sz="1600" spc="-150" dirty="0">
+                <a:spcPct val="120000"/>
+              </a:lnSpc>
+              <a:defRPr/>
+            </a:pPr>
+            <a:endParaRPr lang="en-US" altLang="ko-KR" sz="1900" spc="-150" dirty="0">
               <a:latin typeface="+mn-ea"/>
               <a:ea typeface="+mn-ea"/>
             </a:endParaRPr>
@@ -10235,117 +9909,202 @@
           <a:p>
             <a:pPr>
               <a:lnSpc>
-                <a:spcPct val="130000"/>
-              </a:lnSpc>
-              <a:defRPr/>
-            </a:pPr>
-            <a:r>
-              <a:rPr lang="ko-KR" altLang="en-US" sz="1600" spc="-150" dirty="0">
-                <a:latin typeface="+mn-ea"/>
-                <a:ea typeface="+mn-ea"/>
-              </a:rPr>
-              <a:t>어떻게 해결해야 할 지 고민하던 중 적응형 이진화 함수를 발견했습니다</a:t>
-            </a:r>
-            <a:r>
-              <a:rPr lang="en-US" altLang="ko-KR" sz="1600" spc="-150" dirty="0">
+                <a:spcPct val="120000"/>
+              </a:lnSpc>
+              <a:defRPr/>
+            </a:pPr>
+            <a:r>
+              <a:rPr lang="ko-KR" altLang="en-US" sz="1900" spc="-150" dirty="0">
+                <a:latin typeface="+mn-ea"/>
+                <a:ea typeface="+mn-ea"/>
+              </a:rPr>
+              <a:t>침식은 말 그대로 이미지를 깎아 냅니다</a:t>
+            </a:r>
+            <a:r>
+              <a:rPr lang="en-US" altLang="ko-KR" sz="1900" spc="-150" dirty="0">
                 <a:latin typeface="+mn-ea"/>
                 <a:ea typeface="+mn-ea"/>
               </a:rPr>
               <a:t>.</a:t>
             </a:r>
-          </a:p>
-          <a:p>
-            <a:pPr>
-              <a:lnSpc>
-                <a:spcPct val="130000"/>
-              </a:lnSpc>
-              <a:defRPr/>
-            </a:pPr>
-            <a:r>
-              <a:rPr lang="ko-KR" altLang="en-US" sz="1600" spc="-150" dirty="0">
-                <a:latin typeface="+mn-ea"/>
-                <a:ea typeface="+mn-ea"/>
-              </a:rPr>
-              <a:t>적응형 이진화는 이미지에 따라 스스로 임계 값을 다르게 할당할 수 있도록 구현된 알고리즘입니다</a:t>
-            </a:r>
-            <a:r>
-              <a:rPr lang="en-US" altLang="ko-KR" sz="1600" spc="-150" dirty="0">
-                <a:latin typeface="+mn-ea"/>
-                <a:ea typeface="+mn-ea"/>
-              </a:rPr>
-              <a:t>.</a:t>
-            </a:r>
-          </a:p>
-          <a:p>
-            <a:pPr>
-              <a:lnSpc>
-                <a:spcPct val="130000"/>
-              </a:lnSpc>
-              <a:defRPr/>
-            </a:pPr>
-            <a:r>
-              <a:rPr lang="ko-KR" altLang="en-US" sz="1600" spc="-150" dirty="0">
-                <a:latin typeface="+mn-ea"/>
-                <a:ea typeface="+mn-ea"/>
-              </a:rPr>
-              <a:t>이 알고리즘을 사용해 이진화를 했을 경우 흰 옷의 이진화가 알맞게 된 것을 확인할 수 있습니다</a:t>
-            </a:r>
-            <a:r>
-              <a:rPr lang="en-US" altLang="ko-KR" sz="1600" spc="-150" dirty="0">
-                <a:latin typeface="+mn-ea"/>
-                <a:ea typeface="+mn-ea"/>
-              </a:rPr>
-              <a:t>.</a:t>
-            </a:r>
-            <a:r>
-              <a:rPr lang="ko-KR" altLang="en-US" sz="1600" spc="-150" dirty="0">
+            <a:r>
+              <a:rPr lang="ko-KR" altLang="en-US" sz="1900" spc="-150" dirty="0">
                 <a:latin typeface="+mn-ea"/>
                 <a:ea typeface="+mn-ea"/>
               </a:rPr>
               <a:t> </a:t>
             </a:r>
-            <a:endParaRPr lang="en-US" altLang="ko-KR" sz="1600" spc="-150" dirty="0">
+            <a:endParaRPr lang="en-US" altLang="ko-KR" sz="1900" spc="-150" dirty="0">
               <a:latin typeface="+mn-ea"/>
               <a:ea typeface="+mn-ea"/>
             </a:endParaRPr>
           </a:p>
-        </p:txBody>
-      </p:sp>
-      <p:pic>
-        <p:nvPicPr>
-          <p:cNvPr id="8" name="그림 7" descr="텍스트이(가) 표시된 사진&#10;&#10;자동 생성된 설명">
-            <a:extLst>
-              <a:ext uri="{FF2B5EF4-FFF2-40B4-BE49-F238E27FC236}">
-                <a16:creationId xmlns:a16="http://schemas.microsoft.com/office/drawing/2014/main" id="{44362160-5590-DC62-52A4-250228E1A6E4}"/>
-              </a:ext>
-            </a:extLst>
-          </p:cNvPr>
-          <p:cNvPicPr>
-            <a:picLocks noChangeAspect="1"/>
-          </p:cNvPicPr>
-          <p:nvPr/>
-        </p:nvPicPr>
-        <p:blipFill rotWithShape="1">
-          <a:blip r:embed="rId3">
-            <a:extLst>
-              <a:ext uri="{28A0092B-C50C-407E-A947-70E740481C1C}">
-                <a14:useLocalDpi xmlns:a14="http://schemas.microsoft.com/office/drawing/2010/main" val="0"/>
-              </a:ext>
-            </a:extLst>
-          </a:blip>
-          <a:srcRect t="75659" r="61880"/>
-          <a:stretch/>
-        </p:blipFill>
-        <p:spPr>
-          <a:xfrm>
-            <a:off x="498449" y="4156578"/>
-            <a:ext cx="1551237" cy="1836243"/>
-          </a:xfrm>
-          <a:prstGeom prst="rect">
-            <a:avLst/>
-          </a:prstGeom>
-        </p:spPr>
-      </p:pic>
+          <a:p>
+            <a:pPr>
+              <a:lnSpc>
+                <a:spcPct val="120000"/>
+              </a:lnSpc>
+              <a:defRPr/>
+            </a:pPr>
+            <a:r>
+              <a:rPr lang="ko-KR" altLang="en-US" sz="1900" spc="-150" dirty="0">
+                <a:latin typeface="+mn-ea"/>
+                <a:ea typeface="+mn-ea"/>
+              </a:rPr>
+              <a:t>이미지를 </a:t>
+            </a:r>
+            <a:r>
+              <a:rPr lang="en-US" altLang="ko-KR" sz="1900" spc="-150" dirty="0">
+                <a:latin typeface="+mn-ea"/>
+                <a:ea typeface="+mn-ea"/>
+              </a:rPr>
+              <a:t>0</a:t>
+            </a:r>
+            <a:r>
+              <a:rPr lang="ko-KR" altLang="en-US" sz="1900" spc="-150" dirty="0">
+                <a:latin typeface="+mn-ea"/>
+                <a:ea typeface="+mn-ea"/>
+              </a:rPr>
+              <a:t>과 </a:t>
+            </a:r>
+            <a:r>
+              <a:rPr lang="en-US" altLang="ko-KR" sz="1900" spc="-150" dirty="0">
+                <a:latin typeface="+mn-ea"/>
+                <a:ea typeface="+mn-ea"/>
+              </a:rPr>
+              <a:t>1</a:t>
+            </a:r>
+            <a:r>
+              <a:rPr lang="ko-KR" altLang="en-US" sz="1900" spc="-150" dirty="0">
+                <a:latin typeface="+mn-ea"/>
+                <a:ea typeface="+mn-ea"/>
+              </a:rPr>
+              <a:t>로 전환하고</a:t>
+            </a:r>
+            <a:r>
+              <a:rPr lang="en-US" altLang="ko-KR" sz="1900" spc="-150" dirty="0">
+                <a:latin typeface="+mn-ea"/>
+                <a:ea typeface="+mn-ea"/>
+              </a:rPr>
+              <a:t>,</a:t>
+            </a:r>
+            <a:r>
+              <a:rPr lang="ko-KR" altLang="en-US" sz="1900" spc="-150" dirty="0">
+                <a:latin typeface="+mn-ea"/>
+                <a:ea typeface="+mn-ea"/>
+              </a:rPr>
+              <a:t> 커널을 생성하여 </a:t>
+            </a:r>
+            <a:endParaRPr lang="en-US" altLang="ko-KR" sz="1900" spc="-150" dirty="0">
+              <a:latin typeface="+mn-ea"/>
+              <a:ea typeface="+mn-ea"/>
+            </a:endParaRPr>
+          </a:p>
+          <a:p>
+            <a:pPr>
+              <a:lnSpc>
+                <a:spcPct val="120000"/>
+              </a:lnSpc>
+              <a:defRPr/>
+            </a:pPr>
+            <a:r>
+              <a:rPr lang="ko-KR" altLang="en-US" sz="1900" spc="-150" dirty="0">
+                <a:latin typeface="+mn-ea"/>
+                <a:ea typeface="+mn-ea"/>
+              </a:rPr>
+              <a:t>이 커널 안에 들어오지 못하는 이미지는 삭제해버리는 것입니다</a:t>
+            </a:r>
+            <a:r>
+              <a:rPr lang="en-US" altLang="ko-KR" sz="1900" spc="-150" dirty="0">
+                <a:latin typeface="+mn-ea"/>
+                <a:ea typeface="+mn-ea"/>
+              </a:rPr>
+              <a:t>.</a:t>
+            </a:r>
+            <a:r>
+              <a:rPr lang="ko-KR" altLang="en-US" sz="1900" spc="-150" dirty="0">
+                <a:latin typeface="+mn-ea"/>
+                <a:ea typeface="+mn-ea"/>
+              </a:rPr>
+              <a:t> </a:t>
+            </a:r>
+            <a:endParaRPr lang="en-US" altLang="ko-KR" sz="1900" spc="-150" dirty="0">
+              <a:latin typeface="+mn-ea"/>
+              <a:ea typeface="+mn-ea"/>
+            </a:endParaRPr>
+          </a:p>
+          <a:p>
+            <a:pPr>
+              <a:lnSpc>
+                <a:spcPct val="120000"/>
+              </a:lnSpc>
+              <a:defRPr/>
+            </a:pPr>
+            <a:endParaRPr lang="en-US" altLang="ko-KR" sz="1900" spc="-150" dirty="0">
+              <a:latin typeface="+mn-ea"/>
+              <a:ea typeface="+mn-ea"/>
+            </a:endParaRPr>
+          </a:p>
+          <a:p>
+            <a:pPr>
+              <a:lnSpc>
+                <a:spcPct val="120000"/>
+              </a:lnSpc>
+              <a:defRPr/>
+            </a:pPr>
+            <a:r>
+              <a:rPr lang="ko-KR" altLang="en-US" sz="1900" spc="-150" dirty="0">
+                <a:latin typeface="+mn-ea"/>
+                <a:ea typeface="+mn-ea"/>
+              </a:rPr>
+              <a:t>팽창은 침식의 반대입니다</a:t>
+            </a:r>
+            <a:r>
+              <a:rPr lang="en-US" altLang="ko-KR" sz="1900" spc="-150" dirty="0">
+                <a:latin typeface="+mn-ea"/>
+                <a:ea typeface="+mn-ea"/>
+              </a:rPr>
+              <a:t>.</a:t>
+            </a:r>
+          </a:p>
+          <a:p>
+            <a:pPr>
+              <a:lnSpc>
+                <a:spcPct val="120000"/>
+              </a:lnSpc>
+              <a:defRPr/>
+            </a:pPr>
+            <a:r>
+              <a:rPr lang="ko-KR" altLang="en-US" sz="1900" spc="-150" dirty="0">
+                <a:latin typeface="+mn-ea"/>
+                <a:ea typeface="+mn-ea"/>
+              </a:rPr>
+              <a:t>커널에 픽셀이 걸치기만 해도 </a:t>
+            </a:r>
+            <a:r>
+              <a:rPr lang="en-US" altLang="ko-KR" sz="1900" spc="-150" dirty="0">
+                <a:latin typeface="+mn-ea"/>
+                <a:ea typeface="+mn-ea"/>
+              </a:rPr>
+              <a:t>1</a:t>
+            </a:r>
+            <a:r>
+              <a:rPr lang="ko-KR" altLang="en-US" sz="1900" spc="-150" dirty="0">
+                <a:latin typeface="+mn-ea"/>
+                <a:ea typeface="+mn-ea"/>
+              </a:rPr>
+              <a:t>로 바꿔버리는 것입니다</a:t>
+            </a:r>
+            <a:r>
+              <a:rPr lang="en-US" altLang="ko-KR" sz="1900" spc="-150" dirty="0">
+                <a:latin typeface="+mn-ea"/>
+                <a:ea typeface="+mn-ea"/>
+              </a:rPr>
+              <a:t>.</a:t>
+            </a:r>
+          </a:p>
+        </p:txBody>
+      </p:sp>
       <p:sp>
         <p:nvSpPr>
           <p:cNvPr id="9" name="제목 38">
@@ -10403,295 +10162,12 @@
           </a:p>
         </p:txBody>
       </p:sp>
-      <p:sp>
-        <p:nvSpPr>
-          <p:cNvPr id="10" name="TextBox 9">
-            <a:extLst>
-              <a:ext uri="{FF2B5EF4-FFF2-40B4-BE49-F238E27FC236}">
-                <a16:creationId xmlns:a16="http://schemas.microsoft.com/office/drawing/2014/main" id="{5CE62B68-E5B2-93D0-B32D-70FDFE1E9158}"/>
-              </a:ext>
-            </a:extLst>
-          </p:cNvPr>
-          <p:cNvSpPr txBox="1"/>
-          <p:nvPr/>
-        </p:nvSpPr>
-        <p:spPr>
-          <a:xfrm>
-            <a:off x="363396" y="5970716"/>
-            <a:ext cx="1821341" cy="575543"/>
-          </a:xfrm>
-          <a:prstGeom prst="rect">
-            <a:avLst/>
-          </a:prstGeom>
-          <a:noFill/>
-        </p:spPr>
-        <p:txBody>
-          <a:bodyPr wrap="square" rtlCol="0">
-            <a:spAutoFit/>
-          </a:bodyPr>
-          <a:lstStyle/>
-          <a:p>
-            <a:pPr algn="ctr"/>
-            <a:r>
-              <a:rPr lang="en-US" altLang="ko-KR" sz="1400" spc="-150" dirty="0">
-                <a:latin typeface="+mn-ea"/>
-              </a:rPr>
-              <a:t>Threshold </a:t>
-            </a:r>
-            <a:r>
-              <a:rPr lang="ko-KR" altLang="en-US" sz="1400" spc="-150" dirty="0">
-                <a:latin typeface="+mn-ea"/>
-              </a:rPr>
-              <a:t>함수 사용</a:t>
-            </a:r>
-            <a:endParaRPr lang="en-US" altLang="ko-KR" sz="1400" spc="-150" dirty="0">
-              <a:latin typeface="+mn-ea"/>
-            </a:endParaRPr>
-          </a:p>
-          <a:p>
-            <a:pPr algn="ctr"/>
-            <a:r>
-              <a:rPr kumimoji="1" lang="en-US" altLang="ko-KR" sz="1400" spc="-150" dirty="0">
-                <a:latin typeface="+mn-ea"/>
-              </a:rPr>
-              <a:t>(</a:t>
-            </a:r>
-            <a:r>
-              <a:rPr kumimoji="1" lang="ko-KR" altLang="en-US" sz="1400" spc="-150" dirty="0">
-                <a:latin typeface="+mn-ea"/>
-              </a:rPr>
-              <a:t>갈색 옷</a:t>
-            </a:r>
-            <a:r>
-              <a:rPr kumimoji="1" lang="en-US" altLang="ko-KR" sz="1400" spc="-150" dirty="0">
-                <a:latin typeface="+mn-ea"/>
-              </a:rPr>
-              <a:t>)</a:t>
-            </a:r>
-            <a:endParaRPr kumimoji="1" lang="en-US" altLang="ko-Kore-KR" sz="1400" dirty="0">
-              <a:latin typeface="+mn-ea"/>
-            </a:endParaRPr>
-          </a:p>
-        </p:txBody>
-      </p:sp>
-      <p:pic>
-        <p:nvPicPr>
-          <p:cNvPr id="12" name="그림 11" descr="텍스트이(가) 표시된 사진&#10;&#10;자동 생성된 설명">
-            <a:extLst>
-              <a:ext uri="{FF2B5EF4-FFF2-40B4-BE49-F238E27FC236}">
-                <a16:creationId xmlns:a16="http://schemas.microsoft.com/office/drawing/2014/main" id="{F3583A5A-1D78-2DB7-2C7B-C47525CD196E}"/>
-              </a:ext>
-            </a:extLst>
-          </p:cNvPr>
-          <p:cNvPicPr>
-            <a:picLocks noChangeAspect="1"/>
-          </p:cNvPicPr>
-          <p:nvPr/>
-        </p:nvPicPr>
-        <p:blipFill rotWithShape="1">
-          <a:blip r:embed="rId4">
-            <a:extLst>
-              <a:ext uri="{28A0092B-C50C-407E-A947-70E740481C1C}">
-                <a14:useLocalDpi xmlns:a14="http://schemas.microsoft.com/office/drawing/2010/main" val="0"/>
-              </a:ext>
-            </a:extLst>
-          </a:blip>
-          <a:srcRect l="4817" t="73855" r="77464"/>
-          <a:stretch/>
-        </p:blipFill>
-        <p:spPr>
-          <a:xfrm>
-            <a:off x="3211370" y="4156578"/>
-            <a:ext cx="779721" cy="1836243"/>
-          </a:xfrm>
-          <a:prstGeom prst="rect">
-            <a:avLst/>
-          </a:prstGeom>
-        </p:spPr>
-      </p:pic>
-      <p:sp>
-        <p:nvSpPr>
-          <p:cNvPr id="14" name="TextBox 13">
-            <a:extLst>
-              <a:ext uri="{FF2B5EF4-FFF2-40B4-BE49-F238E27FC236}">
-                <a16:creationId xmlns:a16="http://schemas.microsoft.com/office/drawing/2014/main" id="{2576593A-EE19-4525-7DEA-517FCB4C9422}"/>
-              </a:ext>
-            </a:extLst>
-          </p:cNvPr>
-          <p:cNvSpPr txBox="1"/>
-          <p:nvPr/>
-        </p:nvSpPr>
-        <p:spPr>
-          <a:xfrm>
-            <a:off x="2690559" y="5970716"/>
-            <a:ext cx="1821341" cy="575543"/>
-          </a:xfrm>
-          <a:prstGeom prst="rect">
-            <a:avLst/>
-          </a:prstGeom>
-          <a:noFill/>
-        </p:spPr>
-        <p:txBody>
-          <a:bodyPr wrap="square" rtlCol="0">
-            <a:spAutoFit/>
-          </a:bodyPr>
-          <a:lstStyle/>
-          <a:p>
-            <a:pPr algn="ctr"/>
-            <a:r>
-              <a:rPr lang="en-US" altLang="ko-KR" sz="1400" spc="-150" dirty="0">
-                <a:latin typeface="+mn-ea"/>
-              </a:rPr>
-              <a:t>Threshold </a:t>
-            </a:r>
-            <a:r>
-              <a:rPr lang="ko-KR" altLang="en-US" sz="1400" spc="-150" dirty="0">
-                <a:latin typeface="+mn-ea"/>
-              </a:rPr>
-              <a:t>함수 사용</a:t>
-            </a:r>
-            <a:endParaRPr lang="en-US" altLang="ko-KR" sz="1400" spc="-150" dirty="0">
-              <a:latin typeface="+mn-ea"/>
-            </a:endParaRPr>
-          </a:p>
-          <a:p>
-            <a:pPr algn="ctr"/>
-            <a:r>
-              <a:rPr kumimoji="1" lang="en-US" altLang="ko-KR" sz="1400" spc="-150" dirty="0">
-                <a:latin typeface="+mn-ea"/>
-              </a:rPr>
-              <a:t>(</a:t>
-            </a:r>
-            <a:r>
-              <a:rPr kumimoji="1" lang="ko-KR" altLang="en-US" sz="1400" spc="-150" dirty="0">
-                <a:latin typeface="+mn-ea"/>
-              </a:rPr>
-              <a:t>흰 옷</a:t>
-            </a:r>
-            <a:r>
-              <a:rPr kumimoji="1" lang="en-US" altLang="ko-KR" sz="1400" spc="-150" dirty="0">
-                <a:latin typeface="+mn-ea"/>
-              </a:rPr>
-              <a:t>)</a:t>
-            </a:r>
-            <a:endParaRPr kumimoji="1" lang="en-US" altLang="ko-Kore-KR" sz="1400" dirty="0">
-              <a:latin typeface="+mn-ea"/>
-            </a:endParaRPr>
-          </a:p>
-        </p:txBody>
-      </p:sp>
-      <p:pic>
-        <p:nvPicPr>
-          <p:cNvPr id="16" name="그림 15" descr="텍스트이(가) 표시된 사진&#10;&#10;자동 생성된 설명">
-            <a:extLst>
-              <a:ext uri="{FF2B5EF4-FFF2-40B4-BE49-F238E27FC236}">
-                <a16:creationId xmlns:a16="http://schemas.microsoft.com/office/drawing/2014/main" id="{EB94D70A-772B-F512-0CC5-C74B0A541842}"/>
-              </a:ext>
-            </a:extLst>
-          </p:cNvPr>
-          <p:cNvPicPr>
-            <a:picLocks noChangeAspect="1"/>
-          </p:cNvPicPr>
-          <p:nvPr/>
-        </p:nvPicPr>
-        <p:blipFill rotWithShape="1">
-          <a:blip r:embed="rId5">
-            <a:extLst>
-              <a:ext uri="{28A0092B-C50C-407E-A947-70E740481C1C}">
-                <a14:useLocalDpi xmlns:a14="http://schemas.microsoft.com/office/drawing/2010/main" val="0"/>
-              </a:ext>
-            </a:extLst>
-          </a:blip>
-          <a:srcRect t="73870" r="72973"/>
-          <a:stretch/>
-        </p:blipFill>
-        <p:spPr>
-          <a:xfrm>
-            <a:off x="5406861" y="4156578"/>
-            <a:ext cx="1408326" cy="1836243"/>
-          </a:xfrm>
-          <a:prstGeom prst="rect">
-            <a:avLst/>
-          </a:prstGeom>
-        </p:spPr>
-      </p:pic>
-      <p:sp>
-        <p:nvSpPr>
-          <p:cNvPr id="18" name="TextBox 17">
-            <a:extLst>
-              <a:ext uri="{FF2B5EF4-FFF2-40B4-BE49-F238E27FC236}">
-                <a16:creationId xmlns:a16="http://schemas.microsoft.com/office/drawing/2014/main" id="{949AC1E4-411B-C9AC-218C-4C1EAC8B8A29}"/>
-              </a:ext>
-            </a:extLst>
-          </p:cNvPr>
-          <p:cNvSpPr txBox="1"/>
-          <p:nvPr/>
-        </p:nvSpPr>
-        <p:spPr>
-          <a:xfrm>
-            <a:off x="5017722" y="5970716"/>
-            <a:ext cx="2186603" cy="523220"/>
-          </a:xfrm>
-          <a:prstGeom prst="rect">
-            <a:avLst/>
-          </a:prstGeom>
-          <a:noFill/>
-        </p:spPr>
-        <p:txBody>
-          <a:bodyPr wrap="square" rtlCol="0">
-            <a:spAutoFit/>
-          </a:bodyPr>
-          <a:lstStyle/>
-          <a:p>
-            <a:pPr algn="ctr"/>
-            <a:r>
-              <a:rPr lang="en-US" altLang="ko-KR" sz="1400" spc="-150" dirty="0">
-                <a:latin typeface="+mn-ea"/>
-              </a:rPr>
-              <a:t>Adaptive Threshold </a:t>
-            </a:r>
-            <a:r>
-              <a:rPr lang="ko-KR" altLang="en-US" sz="1400" spc="-150" dirty="0">
-                <a:latin typeface="+mn-ea"/>
-              </a:rPr>
-              <a:t>함수 사용</a:t>
-            </a:r>
-            <a:endParaRPr lang="en-US" altLang="ko-KR" sz="1400" spc="-150" dirty="0">
-              <a:latin typeface="+mn-ea"/>
-            </a:endParaRPr>
-          </a:p>
-          <a:p>
-            <a:pPr algn="ctr"/>
-            <a:r>
-              <a:rPr kumimoji="1" lang="en-US" altLang="ko-KR" sz="1400" spc="-150" dirty="0">
-                <a:latin typeface="+mn-ea"/>
-              </a:rPr>
-              <a:t>(</a:t>
-            </a:r>
-            <a:r>
-              <a:rPr kumimoji="1" lang="ko-KR" altLang="en-US" sz="1400" spc="-150" dirty="0">
-                <a:latin typeface="+mn-ea"/>
-              </a:rPr>
-              <a:t>흰 옷</a:t>
-            </a:r>
-            <a:r>
-              <a:rPr kumimoji="1" lang="en-US" altLang="ko-KR" sz="1400" spc="-150" dirty="0">
-                <a:latin typeface="+mn-ea"/>
-              </a:rPr>
-              <a:t>)</a:t>
-            </a:r>
-            <a:endParaRPr kumimoji="1" lang="en-US" altLang="ko-Kore-KR" sz="1400" dirty="0">
-              <a:latin typeface="+mn-ea"/>
-            </a:endParaRPr>
-          </a:p>
-        </p:txBody>
-      </p:sp>
       <p:pic>
         <p:nvPicPr>
           <p:cNvPr id="2" name="그림 1">
             <a:extLst>
               <a:ext uri="{FF2B5EF4-FFF2-40B4-BE49-F238E27FC236}">
-                <a16:creationId xmlns:a16="http://schemas.microsoft.com/office/drawing/2014/main" id="{E9C10CE5-0816-666A-4B42-39BCBF2D512D}"/>
+                <a16:creationId xmlns:a16="http://schemas.microsoft.com/office/drawing/2014/main" id="{2DB420A4-13A3-FB89-E4EC-07B938218AFF}"/>
               </a:ext>
             </a:extLst>
           </p:cNvPr>
@@ -10701,38 +10177,57 @@
           <p:nvPr/>
         </p:nvPicPr>
         <p:blipFill>
-          <a:blip r:embed="rId6">
-            <a:extLst>
-              <a:ext uri="{28A0092B-C50C-407E-A947-70E740481C1C}">
-                <a14:useLocalDpi xmlns:a14="http://schemas.microsoft.com/office/drawing/2010/main" val="0"/>
-              </a:ext>
-            </a:extLst>
-          </a:blip>
+          <a:blip r:embed="rId3"/>
           <a:stretch>
             <a:fillRect/>
           </a:stretch>
         </p:blipFill>
         <p:spPr>
           <a:xfrm>
-            <a:off x="8904736" y="1602240"/>
-            <a:ext cx="2364027" cy="4202716"/>
+            <a:off x="7919210" y="1782622"/>
+            <a:ext cx="3930502" cy="1637709"/>
           </a:xfrm>
           <a:prstGeom prst="rect">
             <a:avLst/>
           </a:prstGeom>
-          <a:ln w="19050">
-            <a:solidFill>
-              <a:schemeClr val="tx1"/>
-            </a:solidFill>
-          </a:ln>
         </p:spPr>
       </p:pic>
-      <p:sp>
-        <p:nvSpPr>
-          <p:cNvPr id="3" name="TextBox 2">
+      <p:pic>
+        <p:nvPicPr>
+          <p:cNvPr id="3" name="그림 2">
             <a:extLst>
               <a:ext uri="{FF2B5EF4-FFF2-40B4-BE49-F238E27FC236}">
-                <a16:creationId xmlns:a16="http://schemas.microsoft.com/office/drawing/2014/main" id="{23FB5C5E-2CC6-1D47-2666-99832A39BB8E}"/>
+                <a16:creationId xmlns:a16="http://schemas.microsoft.com/office/drawing/2014/main" id="{DA2536F0-5A01-E771-928E-0D7B21FC77AD}"/>
+              </a:ext>
+            </a:extLst>
+          </p:cNvPr>
+          <p:cNvPicPr>
+            <a:picLocks noChangeAspect="1"/>
+          </p:cNvPicPr>
+          <p:nvPr/>
+        </p:nvPicPr>
+        <p:blipFill>
+          <a:blip r:embed="rId4"/>
+          <a:stretch>
+            <a:fillRect/>
+          </a:stretch>
+        </p:blipFill>
+        <p:spPr>
+          <a:xfrm>
+            <a:off x="7919210" y="3630130"/>
+            <a:ext cx="3930502" cy="1910661"/>
+          </a:xfrm>
+          <a:prstGeom prst="rect">
+            <a:avLst/>
+          </a:prstGeom>
+        </p:spPr>
+      </p:pic>
+      <p:sp>
+        <p:nvSpPr>
+          <p:cNvPr id="7" name="TextBox 6">
+            <a:extLst>
+              <a:ext uri="{FF2B5EF4-FFF2-40B4-BE49-F238E27FC236}">
+                <a16:creationId xmlns:a16="http://schemas.microsoft.com/office/drawing/2014/main" id="{CAF42717-1CC1-2B43-6034-ECB2ECD8C255}"/>
               </a:ext>
             </a:extLst>
           </p:cNvPr>
@@ -10741,8 +10236,8 @@
         </p:nvSpPr>
         <p:spPr>
           <a:xfrm>
-            <a:off x="9189051" y="5821218"/>
-            <a:ext cx="1795395" cy="323165"/>
+            <a:off x="9781953" y="5572450"/>
+            <a:ext cx="2067759" cy="215444"/>
           </a:xfrm>
           <a:prstGeom prst="rect">
             <a:avLst/>
@@ -10755,14 +10250,33 @@
           </a:bodyPr>
           <a:lstStyle/>
           <a:p>
-            <a:pPr algn="ctr"/>
-            <a:r>
-              <a:rPr kumimoji="1" lang="ko-KR" altLang="en-US" sz="1500" dirty="0">
-                <a:latin typeface="+mn-ea"/>
-              </a:rPr>
-              <a:t>흰 옷 원본 이미지</a:t>
-            </a:r>
-            <a:endParaRPr kumimoji="1" lang="ko-Kore-KR" altLang="en-US" sz="1500" dirty="0">
+            <a:pPr algn="r"/>
+            <a:r>
+              <a:rPr kumimoji="1" lang="ko-KR" altLang="en-US" sz="800" dirty="0">
+                <a:latin typeface="+mn-ea"/>
+              </a:rPr>
+              <a:t>이미지 출처</a:t>
+            </a:r>
+            <a:r>
+              <a:rPr kumimoji="1" lang="en-US" altLang="ko-KR" sz="800" dirty="0">
+                <a:latin typeface="+mn-ea"/>
+              </a:rPr>
+              <a:t>:</a:t>
+            </a:r>
+            <a:r>
+              <a:rPr kumimoji="1" lang="ko-KR" altLang="en-US" sz="800" dirty="0">
+                <a:latin typeface="+mn-ea"/>
+              </a:rPr>
+              <a:t> </a:t>
+            </a:r>
+            <a:r>
+              <a:rPr kumimoji="1" lang="en" altLang="ko-Kore-KR" sz="800" dirty="0">
+                <a:latin typeface="+mn-ea"/>
+                <a:hlinkClick r:id="rId5"/>
+              </a:rPr>
+              <a:t>https://bkshin.tistory.com</a:t>
+            </a:r>
+            <a:endParaRPr kumimoji="1" lang="ko-Kore-KR" altLang="en-US" sz="800" dirty="0">
               <a:latin typeface="+mn-ea"/>
             </a:endParaRPr>
           </a:p>
@@ -10771,7 +10285,7 @@
     </p:spTree>
     <p:extLst>
       <p:ext uri="{BB962C8B-B14F-4D97-AF65-F5344CB8AC3E}">
-        <p14:creationId xmlns:p14="http://schemas.microsoft.com/office/powerpoint/2010/main" val="3948253520"/>
+        <p14:creationId xmlns:p14="http://schemas.microsoft.com/office/powerpoint/2010/main" val="1606198052"/>
       </p:ext>
     </p:extLst>
   </p:cSld>
@@ -10890,8 +10404,8 @@
         </p:nvSpPr>
         <p:spPr>
           <a:xfrm>
-            <a:off x="560352" y="2483586"/>
-            <a:ext cx="7390871" cy="1890823"/>
+            <a:off x="271404" y="1887965"/>
+            <a:ext cx="11393019" cy="3768556"/>
           </a:xfrm>
           <a:prstGeom prst="rect">
             <a:avLst/>
@@ -10932,21 +10446,21 @@
                 <a:latin typeface="+mn-ea"/>
                 <a:ea typeface="+mn-ea"/>
               </a:rPr>
-              <a:t>다만 이미지가 제대로 </a:t>
+              <a:t>저희는 이미지의 노이즈를 제거하기 위해 닫힘 연산과 </a:t>
             </a:r>
             <a:r>
               <a:rPr lang="en-US" altLang="ko-KR" sz="1900" spc="-150" dirty="0">
                 <a:latin typeface="+mn-ea"/>
                 <a:ea typeface="+mn-ea"/>
               </a:rPr>
-              <a:t>crop</a:t>
+              <a:t>Gradient</a:t>
             </a:r>
             <a:r>
               <a:rPr lang="ko-KR" altLang="en-US" sz="1900" spc="-150" dirty="0">
                 <a:latin typeface="+mn-ea"/>
                 <a:ea typeface="+mn-ea"/>
               </a:rPr>
-              <a:t> 되지 않은 것을 확인할 수 있습니다</a:t>
+              <a:t> 연산을 사용하였습니다</a:t>
             </a:r>
             <a:r>
               <a:rPr lang="en-US" altLang="ko-KR" sz="1900" spc="-150" dirty="0">
@@ -10963,13 +10477,6 @@
               </a:lnSpc>
               <a:defRPr/>
             </a:pPr>
-            <a:r>
-              <a:rPr lang="ko-KR" altLang="en-US" sz="1900" spc="-150" dirty="0">
-                <a:latin typeface="+mn-ea"/>
-                <a:ea typeface="+mn-ea"/>
-              </a:rPr>
-              <a:t>이미지를 확인해보니 노이즈가 많아 </a:t>
-            </a:r>
             <a:endParaRPr lang="en-US" altLang="ko-KR" sz="1900" spc="-150" dirty="0">
               <a:latin typeface="+mn-ea"/>
               <a:ea typeface="+mn-ea"/>
@@ -10987,7 +10494,7 @@
                 <a:latin typeface="+mn-ea"/>
                 <a:ea typeface="+mn-ea"/>
               </a:rPr>
-              <a:t>경계 값을 제대로 도출하지 못한 것으로 보입니다</a:t>
+              <a:t>닫힘 연산은 팽창 연산 후 침식 연산을 적용하여 주변보다 어두운 노이즈를 제거하는데 효과적입니다</a:t>
             </a:r>
             <a:r>
               <a:rPr lang="en-US" altLang="ko-KR" sz="1900" spc="-150" dirty="0">
@@ -11017,11 +10524,158 @@
               <a:defRPr/>
             </a:pPr>
             <a:r>
+              <a:rPr lang="en-US" altLang="ko-KR" sz="1900" spc="-150" dirty="0">
+                <a:latin typeface="+mn-ea"/>
+                <a:ea typeface="+mn-ea"/>
+              </a:rPr>
+              <a:t>Gradient</a:t>
+            </a:r>
+            <a:r>
               <a:rPr lang="ko-KR" altLang="en-US" sz="1900" spc="-150" dirty="0">
                 <a:latin typeface="+mn-ea"/>
                 <a:ea typeface="+mn-ea"/>
               </a:rPr>
-              <a:t>그래서 이미지의 노이즈를 줄이는 방법을 생각해보게 되었습니다</a:t>
+              <a:t> 연산이란</a:t>
+            </a:r>
+            <a:endParaRPr lang="en-US" altLang="ko-KR" sz="1900" spc="-150" dirty="0">
+              <a:latin typeface="+mn-ea"/>
+              <a:ea typeface="+mn-ea"/>
+            </a:endParaRPr>
+          </a:p>
+          <a:p>
+            <a:pPr>
+              <a:lnSpc>
+                <a:spcPct val="120000"/>
+              </a:lnSpc>
+              <a:defRPr/>
+            </a:pPr>
+            <a:r>
+              <a:rPr lang="ko-KR" altLang="en-US" sz="1900" spc="-150" dirty="0">
+                <a:latin typeface="+mn-ea"/>
+                <a:ea typeface="+mn-ea"/>
+              </a:rPr>
+              <a:t>팽창 연산을 적용한 이미지에서 침식 연산을 적용한 이미지를 빼면 경계 픽셀만 얻게 되는데</a:t>
+            </a:r>
+            <a:endParaRPr lang="en-US" altLang="ko-KR" sz="1900" spc="-150" dirty="0">
+              <a:latin typeface="+mn-ea"/>
+              <a:ea typeface="+mn-ea"/>
+            </a:endParaRPr>
+          </a:p>
+          <a:p>
+            <a:pPr>
+              <a:lnSpc>
+                <a:spcPct val="120000"/>
+              </a:lnSpc>
+              <a:defRPr/>
+            </a:pPr>
+            <a:r>
+              <a:rPr lang="ko-KR" altLang="en-US" sz="1900" spc="-150" dirty="0">
+                <a:latin typeface="+mn-ea"/>
+                <a:ea typeface="+mn-ea"/>
+              </a:rPr>
+              <a:t>이 연산을 </a:t>
+            </a:r>
+            <a:r>
+              <a:rPr lang="en-US" altLang="ko-KR" sz="1900" spc="-150" dirty="0">
+                <a:latin typeface="+mn-ea"/>
+                <a:ea typeface="+mn-ea"/>
+              </a:rPr>
+              <a:t>Gradient</a:t>
+            </a:r>
+            <a:r>
+              <a:rPr lang="ko-KR" altLang="en-US" sz="1900" spc="-150" dirty="0">
+                <a:latin typeface="+mn-ea"/>
+                <a:ea typeface="+mn-ea"/>
+              </a:rPr>
+              <a:t> 연산이라고 합니다</a:t>
+            </a:r>
+            <a:r>
+              <a:rPr lang="en-US" altLang="ko-KR" sz="1900" spc="-150" dirty="0">
+                <a:latin typeface="+mn-ea"/>
+                <a:ea typeface="+mn-ea"/>
+              </a:rPr>
+              <a:t>.</a:t>
+            </a:r>
+          </a:p>
+          <a:p>
+            <a:pPr>
+              <a:lnSpc>
+                <a:spcPct val="120000"/>
+              </a:lnSpc>
+              <a:defRPr/>
+            </a:pPr>
+            <a:endParaRPr lang="en-US" altLang="ko-KR" sz="1900" spc="-150" dirty="0">
+              <a:latin typeface="+mn-ea"/>
+              <a:ea typeface="+mn-ea"/>
+            </a:endParaRPr>
+          </a:p>
+          <a:p>
+            <a:pPr>
+              <a:lnSpc>
+                <a:spcPct val="120000"/>
+              </a:lnSpc>
+              <a:defRPr/>
+            </a:pPr>
+            <a:r>
+              <a:rPr lang="ko-KR" altLang="en-US" sz="1900" spc="-150" dirty="0">
+                <a:latin typeface="+mn-ea"/>
+                <a:ea typeface="+mn-ea"/>
+              </a:rPr>
+              <a:t>저희는 닫힘 연산을 사용하여 </a:t>
+            </a:r>
+            <a:r>
+              <a:rPr lang="en-US" altLang="ko-KR" sz="1900" spc="-150" dirty="0">
+                <a:latin typeface="+mn-ea"/>
+                <a:ea typeface="+mn-ea"/>
+              </a:rPr>
+              <a:t>1</a:t>
+            </a:r>
+            <a:r>
+              <a:rPr lang="ko-KR" altLang="en-US" sz="1900" spc="-150" dirty="0">
+                <a:latin typeface="+mn-ea"/>
+                <a:ea typeface="+mn-ea"/>
+              </a:rPr>
+              <a:t>차적으로 노이즈를 없애고</a:t>
+            </a:r>
+            <a:endParaRPr lang="en-US" altLang="ko-KR" sz="1900" spc="-150" dirty="0">
+              <a:latin typeface="+mn-ea"/>
+              <a:ea typeface="+mn-ea"/>
+            </a:endParaRPr>
+          </a:p>
+          <a:p>
+            <a:pPr>
+              <a:lnSpc>
+                <a:spcPct val="120000"/>
+              </a:lnSpc>
+              <a:defRPr/>
+            </a:pPr>
+            <a:r>
+              <a:rPr lang="en-US" altLang="ko-KR" sz="1900" spc="-150" dirty="0">
+                <a:latin typeface="+mn-ea"/>
+                <a:ea typeface="+mn-ea"/>
+              </a:rPr>
+              <a:t>Gradient</a:t>
+            </a:r>
+            <a:r>
+              <a:rPr lang="ko-KR" altLang="en-US" sz="1900" spc="-150" dirty="0">
+                <a:latin typeface="+mn-ea"/>
+                <a:ea typeface="+mn-ea"/>
+              </a:rPr>
+              <a:t> 연산을 사용하여 </a:t>
+            </a:r>
+            <a:r>
+              <a:rPr lang="en-US" altLang="ko-KR" sz="1900" spc="-150" dirty="0">
+                <a:latin typeface="+mn-ea"/>
+                <a:ea typeface="+mn-ea"/>
+              </a:rPr>
+              <a:t>2</a:t>
+            </a:r>
+            <a:r>
+              <a:rPr lang="ko-KR" altLang="en-US" sz="1900" spc="-150" dirty="0">
+                <a:latin typeface="+mn-ea"/>
+                <a:ea typeface="+mn-ea"/>
+              </a:rPr>
+              <a:t>차적으로 노이즈를 없애며 옷의 경계를 뚜렷하게 했습니다</a:t>
             </a:r>
             <a:r>
               <a:rPr lang="en-US" altLang="ko-KR" sz="1900" spc="-150" dirty="0">
@@ -11092,10 +10746,10 @@
       </p:sp>
       <p:pic>
         <p:nvPicPr>
-          <p:cNvPr id="16" name="그림 15" descr="텍스트이(가) 표시된 사진&#10;&#10;자동 생성된 설명">
+          <p:cNvPr id="3" name="그림 2" descr="텍스트이(가) 표시된 사진&#10;&#10;자동 생성된 설명">
             <a:extLst>
               <a:ext uri="{FF2B5EF4-FFF2-40B4-BE49-F238E27FC236}">
-                <a16:creationId xmlns:a16="http://schemas.microsoft.com/office/drawing/2014/main" id="{EB94D70A-772B-F512-0CC5-C74B0A541842}"/>
+                <a16:creationId xmlns:a16="http://schemas.microsoft.com/office/drawing/2014/main" id="{7931AA1A-24A1-0E51-3D4F-55486F16BF04}"/>
               </a:ext>
             </a:extLst>
           </p:cNvPr>
@@ -11112,49 +10766,13 @@
               </a:ext>
             </a:extLst>
           </a:blip>
-          <a:srcRect t="73870" r="72973"/>
+          <a:srcRect t="75349" r="59869"/>
           <a:stretch/>
         </p:blipFill>
         <p:spPr>
           <a:xfrm>
-            <a:off x="7745961" y="2400565"/>
-            <a:ext cx="1837537" cy="2395871"/>
-          </a:xfrm>
-          <a:prstGeom prst="rect">
-            <a:avLst/>
-          </a:prstGeom>
-        </p:spPr>
-      </p:pic>
-      <p:pic>
-        <p:nvPicPr>
-          <p:cNvPr id="3" name="그림 2" descr="텍스트, 밤하늘이(가) 표시된 사진&#10;&#10;자동 생성된 설명">
-            <a:extLst>
-              <a:ext uri="{FF2B5EF4-FFF2-40B4-BE49-F238E27FC236}">
-                <a16:creationId xmlns:a16="http://schemas.microsoft.com/office/drawing/2014/main" id="{2472CE69-6D05-2FE7-FD0C-E37BE1DEED7F}"/>
-              </a:ext>
-            </a:extLst>
-          </p:cNvPr>
-          <p:cNvPicPr>
-            <a:picLocks noChangeAspect="1"/>
-          </p:cNvPicPr>
-          <p:nvPr/>
-        </p:nvPicPr>
-        <p:blipFill>
-          <a:blip r:embed="rId4">
-            <a:extLst>
-              <a:ext uri="{28A0092B-C50C-407E-A947-70E740481C1C}">
-                <a14:useLocalDpi xmlns:a14="http://schemas.microsoft.com/office/drawing/2010/main" val="0"/>
-              </a:ext>
-            </a:extLst>
-          </a:blip>
-          <a:stretch>
-            <a:fillRect/>
-          </a:stretch>
-        </p:blipFill>
-        <p:spPr>
-          <a:xfrm>
-            <a:off x="9956504" y="2400565"/>
-            <a:ext cx="1533720" cy="2395871"/>
+            <a:off x="9672548" y="3429000"/>
+            <a:ext cx="2093165" cy="1918282"/>
           </a:xfrm>
           <a:prstGeom prst="rect">
             <a:avLst/>
@@ -11164,7 +10782,7 @@
     </p:spTree>
     <p:extLst>
       <p:ext uri="{BB962C8B-B14F-4D97-AF65-F5344CB8AC3E}">
-        <p14:creationId xmlns:p14="http://schemas.microsoft.com/office/powerpoint/2010/main" val="4281881407"/>
+        <p14:creationId xmlns:p14="http://schemas.microsoft.com/office/powerpoint/2010/main" val="3301146092"/>
       </p:ext>
     </p:extLst>
   </p:cSld>

--- a/춘식이 발표자료.pptx
+++ b/춘식이 발표자료.pptx
@@ -4,11 +4,14 @@
   <p:sldMasterIdLst>
     <p:sldMasterId id="2147483684" r:id="rId1"/>
   </p:sldMasterIdLst>
+  <p:notesMasterIdLst>
+    <p:notesMasterId r:id="rId20"/>
+  </p:notesMasterIdLst>
   <p:sldIdLst>
     <p:sldId id="256" r:id="rId2"/>
     <p:sldId id="257" r:id="rId3"/>
     <p:sldId id="279" r:id="rId4"/>
-    <p:sldId id="281" r:id="rId5"/>
+    <p:sldId id="286" r:id="rId5"/>
     <p:sldId id="260" r:id="rId6"/>
     <p:sldId id="271" r:id="rId7"/>
     <p:sldId id="272" r:id="rId8"/>
@@ -129,6 +132,356 @@
 </p:presentation>
 </file>
 
+<file path=ppt/notesMasters/notesMaster1.xml><?xml version="1.0" encoding="utf-8"?>
+<p:notesMaster xmlns:a="http://schemas.openxmlformats.org/drawingml/2006/main" xmlns:r="http://schemas.openxmlformats.org/officeDocument/2006/relationships" xmlns:p="http://schemas.openxmlformats.org/presentationml/2006/main">
+  <p:cSld>
+    <p:bg>
+      <p:bgRef idx="1001">
+        <a:schemeClr val="bg1"/>
+      </p:bgRef>
+    </p:bg>
+    <p:spTree>
+      <p:nvGrpSpPr>
+        <p:cNvPr id="1" name=""/>
+        <p:cNvGrpSpPr/>
+        <p:nvPr/>
+      </p:nvGrpSpPr>
+      <p:grpSpPr>
+        <a:xfrm>
+          <a:off x="0" y="0"/>
+          <a:ext cx="0" cy="0"/>
+          <a:chOff x="0" y="0"/>
+          <a:chExt cx="0" cy="0"/>
+        </a:xfrm>
+      </p:grpSpPr>
+      <p:sp>
+        <p:nvSpPr>
+          <p:cNvPr id="2" name="머리글 개체 틀 1"/>
+          <p:cNvSpPr>
+            <a:spLocks noGrp="1"/>
+          </p:cNvSpPr>
+          <p:nvPr>
+            <p:ph type="hdr" sz="quarter"/>
+          </p:nvPr>
+        </p:nvSpPr>
+        <p:spPr>
+          <a:xfrm>
+            <a:off x="0" y="0"/>
+            <a:ext cx="4302125" cy="341313"/>
+          </a:xfrm>
+          <a:prstGeom prst="rect">
+            <a:avLst/>
+          </a:prstGeom>
+        </p:spPr>
+        <p:txBody>
+          <a:bodyPr vert="horz" lIns="91440" tIns="45720" rIns="91440" bIns="45720" rtlCol="0"/>
+          <a:lstStyle>
+            <a:lvl1pPr algn="l">
+              <a:defRPr sz="1200"/>
+            </a:lvl1pPr>
+          </a:lstStyle>
+          <a:p>
+            <a:endParaRPr kumimoji="1" lang="ko-Kore-KR" altLang="en-US"/>
+          </a:p>
+        </p:txBody>
+      </p:sp>
+      <p:sp>
+        <p:nvSpPr>
+          <p:cNvPr id="3" name="날짜 개체 틀 2"/>
+          <p:cNvSpPr>
+            <a:spLocks noGrp="1"/>
+          </p:cNvSpPr>
+          <p:nvPr>
+            <p:ph type="dt" idx="1"/>
+          </p:nvPr>
+        </p:nvSpPr>
+        <p:spPr>
+          <a:xfrm>
+            <a:off x="5622925" y="0"/>
+            <a:ext cx="4302125" cy="341313"/>
+          </a:xfrm>
+          <a:prstGeom prst="rect">
+            <a:avLst/>
+          </a:prstGeom>
+        </p:spPr>
+        <p:txBody>
+          <a:bodyPr vert="horz" lIns="91440" tIns="45720" rIns="91440" bIns="45720" rtlCol="0"/>
+          <a:lstStyle>
+            <a:lvl1pPr algn="r">
+              <a:defRPr sz="1200"/>
+            </a:lvl1pPr>
+          </a:lstStyle>
+          <a:p>
+            <a:fld id="{6E42C045-4429-0B44-9FC8-767253C3D825}" type="datetimeFigureOut">
+              <a:rPr kumimoji="1" lang="ko-Kore-KR" altLang="en-US" smtClean="0"/>
+              <a:t>2022. 11. 24.</a:t>
+            </a:fld>
+            <a:endParaRPr kumimoji="1" lang="ko-Kore-KR" altLang="en-US"/>
+          </a:p>
+        </p:txBody>
+      </p:sp>
+      <p:sp>
+        <p:nvSpPr>
+          <p:cNvPr id="4" name="슬라이드 이미지 개체 틀 3"/>
+          <p:cNvSpPr>
+            <a:spLocks noGrp="1" noRot="1" noChangeAspect="1"/>
+          </p:cNvSpPr>
+          <p:nvPr>
+            <p:ph type="sldImg" idx="2"/>
+          </p:nvPr>
+        </p:nvSpPr>
+        <p:spPr>
+          <a:xfrm>
+            <a:off x="2924175" y="849313"/>
+            <a:ext cx="4078288" cy="2293937"/>
+          </a:xfrm>
+          <a:prstGeom prst="rect">
+            <a:avLst/>
+          </a:prstGeom>
+          <a:noFill/>
+          <a:ln w="12700">
+            <a:solidFill>
+              <a:prstClr val="black"/>
+            </a:solidFill>
+          </a:ln>
+        </p:spPr>
+        <p:txBody>
+          <a:bodyPr vert="horz" lIns="91440" tIns="45720" rIns="91440" bIns="45720" rtlCol="0" anchor="ctr"/>
+          <a:lstStyle/>
+          <a:p>
+            <a:endParaRPr lang="ko-Kore-KR" altLang="en-US"/>
+          </a:p>
+        </p:txBody>
+      </p:sp>
+      <p:sp>
+        <p:nvSpPr>
+          <p:cNvPr id="5" name="슬라이드 노트 개체 틀 4"/>
+          <p:cNvSpPr>
+            <a:spLocks noGrp="1"/>
+          </p:cNvSpPr>
+          <p:nvPr>
+            <p:ph type="body" sz="quarter" idx="3"/>
+          </p:nvPr>
+        </p:nvSpPr>
+        <p:spPr>
+          <a:xfrm>
+            <a:off x="992188" y="3271838"/>
+            <a:ext cx="7942262" cy="2676525"/>
+          </a:xfrm>
+          <a:prstGeom prst="rect">
+            <a:avLst/>
+          </a:prstGeom>
+        </p:spPr>
+        <p:txBody>
+          <a:bodyPr vert="horz" lIns="91440" tIns="45720" rIns="91440" bIns="45720" rtlCol="0"/>
+          <a:lstStyle/>
+          <a:p>
+            <a:pPr lvl="0"/>
+            <a:r>
+              <a:rPr kumimoji="1" lang="ko-KR" altLang="en-US"/>
+              <a:t>마스터 텍스트 스타일을 편집하려면 클릭</a:t>
+            </a:r>
+          </a:p>
+          <a:p>
+            <a:pPr lvl="1"/>
+            <a:r>
+              <a:rPr kumimoji="1" lang="ko-KR" altLang="en-US"/>
+              <a:t>두 번째 수준</a:t>
+            </a:r>
+          </a:p>
+          <a:p>
+            <a:pPr lvl="2"/>
+            <a:r>
+              <a:rPr kumimoji="1" lang="ko-KR" altLang="en-US"/>
+              <a:t>세 번째 수준</a:t>
+            </a:r>
+          </a:p>
+          <a:p>
+            <a:pPr lvl="3"/>
+            <a:r>
+              <a:rPr kumimoji="1" lang="ko-KR" altLang="en-US"/>
+              <a:t>네 번째 수준</a:t>
+            </a:r>
+          </a:p>
+          <a:p>
+            <a:pPr lvl="4"/>
+            <a:r>
+              <a:rPr kumimoji="1" lang="ko-KR" altLang="en-US"/>
+              <a:t>다섯 번째 수준</a:t>
+            </a:r>
+            <a:endParaRPr kumimoji="1" lang="ko-Kore-KR" altLang="en-US"/>
+          </a:p>
+        </p:txBody>
+      </p:sp>
+      <p:sp>
+        <p:nvSpPr>
+          <p:cNvPr id="6" name="바닥글 개체 틀 5"/>
+          <p:cNvSpPr>
+            <a:spLocks noGrp="1"/>
+          </p:cNvSpPr>
+          <p:nvPr>
+            <p:ph type="ftr" sz="quarter" idx="4"/>
+          </p:nvPr>
+        </p:nvSpPr>
+        <p:spPr>
+          <a:xfrm>
+            <a:off x="0" y="6456363"/>
+            <a:ext cx="4302125" cy="341312"/>
+          </a:xfrm>
+          <a:prstGeom prst="rect">
+            <a:avLst/>
+          </a:prstGeom>
+        </p:spPr>
+        <p:txBody>
+          <a:bodyPr vert="horz" lIns="91440" tIns="45720" rIns="91440" bIns="45720" rtlCol="0" anchor="b"/>
+          <a:lstStyle>
+            <a:lvl1pPr algn="l">
+              <a:defRPr sz="1200"/>
+            </a:lvl1pPr>
+          </a:lstStyle>
+          <a:p>
+            <a:endParaRPr kumimoji="1" lang="ko-Kore-KR" altLang="en-US"/>
+          </a:p>
+        </p:txBody>
+      </p:sp>
+      <p:sp>
+        <p:nvSpPr>
+          <p:cNvPr id="7" name="슬라이드 번호 개체 틀 6"/>
+          <p:cNvSpPr>
+            <a:spLocks noGrp="1"/>
+          </p:cNvSpPr>
+          <p:nvPr>
+            <p:ph type="sldNum" sz="quarter" idx="5"/>
+          </p:nvPr>
+        </p:nvSpPr>
+        <p:spPr>
+          <a:xfrm>
+            <a:off x="5622925" y="6456363"/>
+            <a:ext cx="4302125" cy="341312"/>
+          </a:xfrm>
+          <a:prstGeom prst="rect">
+            <a:avLst/>
+          </a:prstGeom>
+        </p:spPr>
+        <p:txBody>
+          <a:bodyPr vert="horz" lIns="91440" tIns="45720" rIns="91440" bIns="45720" rtlCol="0" anchor="b"/>
+          <a:lstStyle>
+            <a:lvl1pPr algn="r">
+              <a:defRPr sz="1200"/>
+            </a:lvl1pPr>
+          </a:lstStyle>
+          <a:p>
+            <a:fld id="{F20B9F4B-6129-8240-A3C6-8062DB2FBC78}" type="slidenum">
+              <a:rPr kumimoji="1" lang="ko-Kore-KR" altLang="en-US" smtClean="0"/>
+              <a:t>‹#›</a:t>
+            </a:fld>
+            <a:endParaRPr kumimoji="1" lang="ko-Kore-KR" altLang="en-US"/>
+          </a:p>
+        </p:txBody>
+      </p:sp>
+    </p:spTree>
+    <p:extLst>
+      <p:ext uri="{BB962C8B-B14F-4D97-AF65-F5344CB8AC3E}">
+        <p14:creationId xmlns:p14="http://schemas.microsoft.com/office/powerpoint/2010/main" val="1395806160"/>
+      </p:ext>
+    </p:extLst>
+  </p:cSld>
+  <p:clrMap bg1="lt1" tx1="dk1" bg2="lt2" tx2="dk2" accent1="accent1" accent2="accent2" accent3="accent3" accent4="accent4" accent5="accent5" accent6="accent6" hlink="hlink" folHlink="folHlink"/>
+  <p:notesStyle>
+    <a:lvl1pPr marL="0" algn="l" defTabSz="914400" rtl="0" eaLnBrk="1" latinLnBrk="0" hangingPunct="1">
+      <a:defRPr sz="1200" kern="1200">
+        <a:solidFill>
+          <a:schemeClr val="tx1"/>
+        </a:solidFill>
+        <a:latin typeface="+mn-lt"/>
+        <a:ea typeface="+mn-ea"/>
+        <a:cs typeface="+mn-cs"/>
+      </a:defRPr>
+    </a:lvl1pPr>
+    <a:lvl2pPr marL="457200" algn="l" defTabSz="914400" rtl="0" eaLnBrk="1" latinLnBrk="0" hangingPunct="1">
+      <a:defRPr sz="1200" kern="1200">
+        <a:solidFill>
+          <a:schemeClr val="tx1"/>
+        </a:solidFill>
+        <a:latin typeface="+mn-lt"/>
+        <a:ea typeface="+mn-ea"/>
+        <a:cs typeface="+mn-cs"/>
+      </a:defRPr>
+    </a:lvl2pPr>
+    <a:lvl3pPr marL="914400" algn="l" defTabSz="914400" rtl="0" eaLnBrk="1" latinLnBrk="0" hangingPunct="1">
+      <a:defRPr sz="1200" kern="1200">
+        <a:solidFill>
+          <a:schemeClr val="tx1"/>
+        </a:solidFill>
+        <a:latin typeface="+mn-lt"/>
+        <a:ea typeface="+mn-ea"/>
+        <a:cs typeface="+mn-cs"/>
+      </a:defRPr>
+    </a:lvl3pPr>
+    <a:lvl4pPr marL="1371600" algn="l" defTabSz="914400" rtl="0" eaLnBrk="1" latinLnBrk="0" hangingPunct="1">
+      <a:defRPr sz="1200" kern="1200">
+        <a:solidFill>
+          <a:schemeClr val="tx1"/>
+        </a:solidFill>
+        <a:latin typeface="+mn-lt"/>
+        <a:ea typeface="+mn-ea"/>
+        <a:cs typeface="+mn-cs"/>
+      </a:defRPr>
+    </a:lvl4pPr>
+    <a:lvl5pPr marL="1828800" algn="l" defTabSz="914400" rtl="0" eaLnBrk="1" latinLnBrk="0" hangingPunct="1">
+      <a:defRPr sz="1200" kern="1200">
+        <a:solidFill>
+          <a:schemeClr val="tx1"/>
+        </a:solidFill>
+        <a:latin typeface="+mn-lt"/>
+        <a:ea typeface="+mn-ea"/>
+        <a:cs typeface="+mn-cs"/>
+      </a:defRPr>
+    </a:lvl5pPr>
+    <a:lvl6pPr marL="2286000" algn="l" defTabSz="914400" rtl="0" eaLnBrk="1" latinLnBrk="0" hangingPunct="1">
+      <a:defRPr sz="1200" kern="1200">
+        <a:solidFill>
+          <a:schemeClr val="tx1"/>
+        </a:solidFill>
+        <a:latin typeface="+mn-lt"/>
+        <a:ea typeface="+mn-ea"/>
+        <a:cs typeface="+mn-cs"/>
+      </a:defRPr>
+    </a:lvl6pPr>
+    <a:lvl7pPr marL="2743200" algn="l" defTabSz="914400" rtl="0" eaLnBrk="1" latinLnBrk="0" hangingPunct="1">
+      <a:defRPr sz="1200" kern="1200">
+        <a:solidFill>
+          <a:schemeClr val="tx1"/>
+        </a:solidFill>
+        <a:latin typeface="+mn-lt"/>
+        <a:ea typeface="+mn-ea"/>
+        <a:cs typeface="+mn-cs"/>
+      </a:defRPr>
+    </a:lvl7pPr>
+    <a:lvl8pPr marL="3200400" algn="l" defTabSz="914400" rtl="0" eaLnBrk="1" latinLnBrk="0" hangingPunct="1">
+      <a:defRPr sz="1200" kern="1200">
+        <a:solidFill>
+          <a:schemeClr val="tx1"/>
+        </a:solidFill>
+        <a:latin typeface="+mn-lt"/>
+        <a:ea typeface="+mn-ea"/>
+        <a:cs typeface="+mn-cs"/>
+      </a:defRPr>
+    </a:lvl8pPr>
+    <a:lvl9pPr marL="3657600" algn="l" defTabSz="914400" rtl="0" eaLnBrk="1" latinLnBrk="0" hangingPunct="1">
+      <a:defRPr sz="1200" kern="1200">
+        <a:solidFill>
+          <a:schemeClr val="tx1"/>
+        </a:solidFill>
+        <a:latin typeface="+mn-lt"/>
+        <a:ea typeface="+mn-ea"/>
+        <a:cs typeface="+mn-cs"/>
+      </a:defRPr>
+    </a:lvl9pPr>
+  </p:notesStyle>
+</p:notesMaster>
+</file>
+
 <file path=ppt/slideLayouts/slideLayout1.xml><?xml version="1.0" encoding="utf-8"?>
 <p:sldLayout xmlns:a="http://schemas.openxmlformats.org/drawingml/2006/main" xmlns:r="http://schemas.openxmlformats.org/officeDocument/2006/relationships" xmlns:p="http://schemas.openxmlformats.org/presentationml/2006/main" type="title" preserve="1">
   <p:cSld name="제목 슬라이드">
@@ -260,7 +613,7 @@
           <a:p>
             <a:fld id="{E3865E59-E335-4380-AB86-4C6C7EBFDC45}" type="datetimeFigureOut">
               <a:rPr lang="ko-KR" altLang="en-US" smtClean="0"/>
-              <a:t>2022. 11. 23.</a:t>
+              <a:t>2022. 11. 24.</a:t>
             </a:fld>
             <a:endParaRPr lang="ko-KR" altLang="en-US"/>
           </a:p>
@@ -430,7 +783,7 @@
           <a:p>
             <a:fld id="{E3865E59-E335-4380-AB86-4C6C7EBFDC45}" type="datetimeFigureOut">
               <a:rPr lang="ko-KR" altLang="en-US" smtClean="0"/>
-              <a:t>2022. 11. 23.</a:t>
+              <a:t>2022. 11. 24.</a:t>
             </a:fld>
             <a:endParaRPr lang="ko-KR" altLang="en-US"/>
           </a:p>
@@ -610,7 +963,7 @@
           <a:p>
             <a:fld id="{E3865E59-E335-4380-AB86-4C6C7EBFDC45}" type="datetimeFigureOut">
               <a:rPr lang="ko-KR" altLang="en-US" smtClean="0"/>
-              <a:t>2022. 11. 23.</a:t>
+              <a:t>2022. 11. 24.</a:t>
             </a:fld>
             <a:endParaRPr lang="ko-KR" altLang="en-US"/>
           </a:p>
@@ -674,6 +1027,20 @@
 <file path=ppt/slideLayouts/slideLayout2.xml><?xml version="1.0" encoding="utf-8"?>
 <p:sldLayout xmlns:a="http://schemas.openxmlformats.org/drawingml/2006/main" xmlns:r="http://schemas.openxmlformats.org/officeDocument/2006/relationships" xmlns:p="http://schemas.openxmlformats.org/presentationml/2006/main" type="obj" preserve="1">
   <p:cSld name="제목 및 내용">
+    <p:bg>
+      <p:bgPr>
+        <a:blipFill dpi="0" rotWithShape="1">
+          <a:blip r:embed="rId2">
+            <a:lum/>
+          </a:blip>
+          <a:srcRect/>
+          <a:stretch>
+            <a:fillRect/>
+          </a:stretch>
+        </a:blipFill>
+        <a:effectLst/>
+      </p:bgPr>
+    </p:bg>
     <p:spTree>
       <p:nvGrpSpPr>
         <p:cNvPr id="1" name=""/>
@@ -780,7 +1147,7 @@
           <a:p>
             <a:fld id="{E3865E59-E335-4380-AB86-4C6C7EBFDC45}" type="datetimeFigureOut">
               <a:rPr lang="ko-KR" altLang="en-US" smtClean="0"/>
-              <a:t>2022. 11. 23.</a:t>
+              <a:t>2022. 11. 24.</a:t>
             </a:fld>
             <a:endParaRPr lang="ko-KR" altLang="en-US"/>
           </a:p>
@@ -1026,7 +1393,7 @@
           <a:p>
             <a:fld id="{E3865E59-E335-4380-AB86-4C6C7EBFDC45}" type="datetimeFigureOut">
               <a:rPr lang="ko-KR" altLang="en-US" smtClean="0"/>
-              <a:t>2022. 11. 23.</a:t>
+              <a:t>2022. 11. 24.</a:t>
             </a:fld>
             <a:endParaRPr lang="ko-KR" altLang="en-US"/>
           </a:p>
@@ -1258,7 +1625,7 @@
           <a:p>
             <a:fld id="{E3865E59-E335-4380-AB86-4C6C7EBFDC45}" type="datetimeFigureOut">
               <a:rPr lang="ko-KR" altLang="en-US" smtClean="0"/>
-              <a:t>2022. 11. 23.</a:t>
+              <a:t>2022. 11. 24.</a:t>
             </a:fld>
             <a:endParaRPr lang="ko-KR" altLang="en-US"/>
           </a:p>
@@ -1625,7 +1992,7 @@
           <a:p>
             <a:fld id="{E3865E59-E335-4380-AB86-4C6C7EBFDC45}" type="datetimeFigureOut">
               <a:rPr lang="ko-KR" altLang="en-US" smtClean="0"/>
-              <a:t>2022. 11. 23.</a:t>
+              <a:t>2022. 11. 24.</a:t>
             </a:fld>
             <a:endParaRPr lang="ko-KR" altLang="en-US"/>
           </a:p>
@@ -1743,7 +2110,7 @@
           <a:p>
             <a:fld id="{E3865E59-E335-4380-AB86-4C6C7EBFDC45}" type="datetimeFigureOut">
               <a:rPr lang="ko-KR" altLang="en-US" smtClean="0"/>
-              <a:t>2022. 11. 23.</a:t>
+              <a:t>2022. 11. 24.</a:t>
             </a:fld>
             <a:endParaRPr lang="ko-KR" altLang="en-US"/>
           </a:p>
@@ -1838,7 +2205,7 @@
           <a:p>
             <a:fld id="{E3865E59-E335-4380-AB86-4C6C7EBFDC45}" type="datetimeFigureOut">
               <a:rPr lang="ko-KR" altLang="en-US" smtClean="0"/>
-              <a:t>2022. 11. 23.</a:t>
+              <a:t>2022. 11. 24.</a:t>
             </a:fld>
             <a:endParaRPr lang="ko-KR" altLang="en-US"/>
           </a:p>
@@ -2115,7 +2482,7 @@
           <a:p>
             <a:fld id="{E3865E59-E335-4380-AB86-4C6C7EBFDC45}" type="datetimeFigureOut">
               <a:rPr lang="ko-KR" altLang="en-US" smtClean="0"/>
-              <a:t>2022. 11. 23.</a:t>
+              <a:t>2022. 11. 24.</a:t>
             </a:fld>
             <a:endParaRPr lang="ko-KR" altLang="en-US"/>
           </a:p>
@@ -2372,7 +2739,7 @@
           <a:p>
             <a:fld id="{E3865E59-E335-4380-AB86-4C6C7EBFDC45}" type="datetimeFigureOut">
               <a:rPr lang="ko-KR" altLang="en-US" smtClean="0"/>
-              <a:t>2022. 11. 23.</a:t>
+              <a:t>2022. 11. 24.</a:t>
             </a:fld>
             <a:endParaRPr lang="ko-KR" altLang="en-US"/>
           </a:p>
@@ -2585,7 +2952,7 @@
           <a:p>
             <a:fld id="{E3865E59-E335-4380-AB86-4C6C7EBFDC45}" type="datetimeFigureOut">
               <a:rPr lang="ko-KR" altLang="en-US" smtClean="0"/>
-              <a:t>2022. 11. 23.</a:t>
+              <a:t>2022. 11. 24.</a:t>
             </a:fld>
             <a:endParaRPr lang="ko-KR" altLang="en-US"/>
           </a:p>
@@ -3132,42 +3499,6 @@
           <a:chExt cx="0" cy="0"/>
         </a:xfrm>
       </p:grpSpPr>
-      <p:pic>
-        <p:nvPicPr>
-          <p:cNvPr id="4" name="그림 3">
-            <a:extLst>
-              <a:ext uri="{FF2B5EF4-FFF2-40B4-BE49-F238E27FC236}">
-                <a16:creationId xmlns:a16="http://schemas.microsoft.com/office/drawing/2014/main" id="{963A1BA7-4CC2-ACEF-0293-24C5AE9B9175}"/>
-              </a:ext>
-            </a:extLst>
-          </p:cNvPr>
-          <p:cNvPicPr>
-            <a:picLocks noChangeAspect="1"/>
-          </p:cNvPicPr>
-          <p:nvPr/>
-        </p:nvPicPr>
-        <p:blipFill>
-          <a:blip r:embed="rId2">
-            <a:extLst>
-              <a:ext uri="{28A0092B-C50C-407E-A947-70E740481C1C}">
-                <a14:useLocalDpi xmlns:a14="http://schemas.microsoft.com/office/drawing/2010/main" val="0"/>
-              </a:ext>
-            </a:extLst>
-          </a:blip>
-          <a:stretch>
-            <a:fillRect/>
-          </a:stretch>
-        </p:blipFill>
-        <p:spPr>
-          <a:xfrm>
-            <a:off x="0" y="0"/>
-            <a:ext cx="12192000" cy="6858000"/>
-          </a:xfrm>
-          <a:prstGeom prst="rect">
-            <a:avLst/>
-          </a:prstGeom>
-        </p:spPr>
-      </p:pic>
       <p:sp>
         <p:nvSpPr>
           <p:cNvPr id="5" name="제목 38">
@@ -3454,7 +3785,7 @@
           <p:nvPr/>
         </p:nvPicPr>
         <p:blipFill rotWithShape="1">
-          <a:blip r:embed="rId3">
+          <a:blip r:embed="rId2">
             <a:extLst>
               <a:ext uri="{28A0092B-C50C-407E-A947-70E740481C1C}">
                 <a14:useLocalDpi xmlns:a14="http://schemas.microsoft.com/office/drawing/2010/main" val="0"/>
@@ -3536,7 +3867,7 @@
           <p:nvPr/>
         </p:nvPicPr>
         <p:blipFill rotWithShape="1">
-          <a:blip r:embed="rId4">
+          <a:blip r:embed="rId3">
             <a:extLst>
               <a:ext uri="{28A0092B-C50C-407E-A947-70E740481C1C}">
                 <a14:useLocalDpi xmlns:a14="http://schemas.microsoft.com/office/drawing/2010/main" val="0"/>
@@ -3618,7 +3949,7 @@
           <p:nvPr/>
         </p:nvPicPr>
         <p:blipFill>
-          <a:blip r:embed="rId5">
+          <a:blip r:embed="rId4">
             <a:extLst>
               <a:ext uri="{28A0092B-C50C-407E-A947-70E740481C1C}">
                 <a14:useLocalDpi xmlns:a14="http://schemas.microsoft.com/office/drawing/2010/main" val="0"/>
@@ -3715,36 +4046,6 @@
           <a:chExt cx="0" cy="0"/>
         </a:xfrm>
       </p:grpSpPr>
-      <p:pic>
-        <p:nvPicPr>
-          <p:cNvPr id="2" name="그림 1"/>
-          <p:cNvPicPr>
-            <a:picLocks noChangeAspect="1"/>
-          </p:cNvPicPr>
-          <p:nvPr/>
-        </p:nvPicPr>
-        <p:blipFill>
-          <a:blip r:embed="rId2">
-            <a:extLst>
-              <a:ext uri="{28A0092B-C50C-407E-A947-70E740481C1C}">
-                <a14:useLocalDpi xmlns:a14="http://schemas.microsoft.com/office/drawing/2010/main" val="0"/>
-              </a:ext>
-            </a:extLst>
-          </a:blip>
-          <a:stretch>
-            <a:fillRect/>
-          </a:stretch>
-        </p:blipFill>
-        <p:spPr>
-          <a:xfrm>
-            <a:off x="0" y="0"/>
-            <a:ext cx="12192000" cy="6858000"/>
-          </a:xfrm>
-          <a:prstGeom prst="rect">
-            <a:avLst/>
-          </a:prstGeom>
-        </p:spPr>
-      </p:pic>
       <p:sp>
         <p:nvSpPr>
           <p:cNvPr id="48" name="제목 38"/>
@@ -4379,7 +4680,7 @@
           <p:nvPr/>
         </p:nvPicPr>
         <p:blipFill>
-          <a:blip r:embed="rId3"/>
+          <a:blip r:embed="rId2"/>
           <a:stretch>
             <a:fillRect/>
           </a:stretch>
@@ -4424,36 +4725,6 @@
           <a:chExt cx="0" cy="0"/>
         </a:xfrm>
       </p:grpSpPr>
-      <p:pic>
-        <p:nvPicPr>
-          <p:cNvPr id="2" name="그림 1"/>
-          <p:cNvPicPr>
-            <a:picLocks noChangeAspect="1"/>
-          </p:cNvPicPr>
-          <p:nvPr/>
-        </p:nvPicPr>
-        <p:blipFill>
-          <a:blip r:embed="rId2">
-            <a:extLst>
-              <a:ext uri="{28A0092B-C50C-407E-A947-70E740481C1C}">
-                <a14:useLocalDpi xmlns:a14="http://schemas.microsoft.com/office/drawing/2010/main" val="0"/>
-              </a:ext>
-            </a:extLst>
-          </a:blip>
-          <a:stretch>
-            <a:fillRect/>
-          </a:stretch>
-        </p:blipFill>
-        <p:spPr>
-          <a:xfrm>
-            <a:off x="0" y="0"/>
-            <a:ext cx="12192000" cy="6858000"/>
-          </a:xfrm>
-          <a:prstGeom prst="rect">
-            <a:avLst/>
-          </a:prstGeom>
-        </p:spPr>
-      </p:pic>
       <p:sp>
         <p:nvSpPr>
           <p:cNvPr id="48" name="제목 38"/>
@@ -4799,36 +5070,6 @@
           <a:chExt cx="0" cy="0"/>
         </a:xfrm>
       </p:grpSpPr>
-      <p:pic>
-        <p:nvPicPr>
-          <p:cNvPr id="2" name="그림 1"/>
-          <p:cNvPicPr>
-            <a:picLocks noChangeAspect="1"/>
-          </p:cNvPicPr>
-          <p:nvPr/>
-        </p:nvPicPr>
-        <p:blipFill>
-          <a:blip r:embed="rId2">
-            <a:extLst>
-              <a:ext uri="{28A0092B-C50C-407E-A947-70E740481C1C}">
-                <a14:useLocalDpi xmlns:a14="http://schemas.microsoft.com/office/drawing/2010/main" val="0"/>
-              </a:ext>
-            </a:extLst>
-          </a:blip>
-          <a:stretch>
-            <a:fillRect/>
-          </a:stretch>
-        </p:blipFill>
-        <p:spPr>
-          <a:xfrm>
-            <a:off x="0" y="0"/>
-            <a:ext cx="12192000" cy="6858000"/>
-          </a:xfrm>
-          <a:prstGeom prst="rect">
-            <a:avLst/>
-          </a:prstGeom>
-        </p:spPr>
-      </p:pic>
       <p:sp>
         <p:nvSpPr>
           <p:cNvPr id="48" name="제목 38"/>
@@ -4995,7 +5236,7 @@
           <p:nvPr/>
         </p:nvPicPr>
         <p:blipFill>
-          <a:blip r:embed="rId3">
+          <a:blip r:embed="rId2">
             <a:extLst>
               <a:ext uri="{28A0092B-C50C-407E-A947-70E740481C1C}">
                 <a14:useLocalDpi xmlns:a14="http://schemas.microsoft.com/office/drawing/2010/main" val="0"/>
@@ -5031,7 +5272,7 @@
           <p:nvPr/>
         </p:nvPicPr>
         <p:blipFill>
-          <a:blip r:embed="rId4">
+          <a:blip r:embed="rId3">
             <a:extLst>
               <a:ext uri="{28A0092B-C50C-407E-A947-70E740481C1C}">
                 <a14:useLocalDpi xmlns:a14="http://schemas.microsoft.com/office/drawing/2010/main" val="0"/>
@@ -5082,36 +5323,6 @@
           <a:chExt cx="0" cy="0"/>
         </a:xfrm>
       </p:grpSpPr>
-      <p:pic>
-        <p:nvPicPr>
-          <p:cNvPr id="2" name="그림 1"/>
-          <p:cNvPicPr>
-            <a:picLocks noChangeAspect="1"/>
-          </p:cNvPicPr>
-          <p:nvPr/>
-        </p:nvPicPr>
-        <p:blipFill>
-          <a:blip r:embed="rId2">
-            <a:extLst>
-              <a:ext uri="{28A0092B-C50C-407E-A947-70E740481C1C}">
-                <a14:useLocalDpi xmlns:a14="http://schemas.microsoft.com/office/drawing/2010/main" val="0"/>
-              </a:ext>
-            </a:extLst>
-          </a:blip>
-          <a:stretch>
-            <a:fillRect/>
-          </a:stretch>
-        </p:blipFill>
-        <p:spPr>
-          <a:xfrm>
-            <a:off x="0" y="0"/>
-            <a:ext cx="12192000" cy="6858000"/>
-          </a:xfrm>
-          <a:prstGeom prst="rect">
-            <a:avLst/>
-          </a:prstGeom>
-        </p:spPr>
-      </p:pic>
       <p:sp>
         <p:nvSpPr>
           <p:cNvPr id="48" name="제목 38"/>
@@ -5460,36 +5671,6 @@
           <a:chExt cx="0" cy="0"/>
         </a:xfrm>
       </p:grpSpPr>
-      <p:pic>
-        <p:nvPicPr>
-          <p:cNvPr id="2" name="그림 1"/>
-          <p:cNvPicPr>
-            <a:picLocks noChangeAspect="1"/>
-          </p:cNvPicPr>
-          <p:nvPr/>
-        </p:nvPicPr>
-        <p:blipFill>
-          <a:blip r:embed="rId2">
-            <a:extLst>
-              <a:ext uri="{28A0092B-C50C-407E-A947-70E740481C1C}">
-                <a14:useLocalDpi xmlns:a14="http://schemas.microsoft.com/office/drawing/2010/main" val="0"/>
-              </a:ext>
-            </a:extLst>
-          </a:blip>
-          <a:stretch>
-            <a:fillRect/>
-          </a:stretch>
-        </p:blipFill>
-        <p:spPr>
-          <a:xfrm>
-            <a:off x="0" y="0"/>
-            <a:ext cx="12192000" cy="6858000"/>
-          </a:xfrm>
-          <a:prstGeom prst="rect">
-            <a:avLst/>
-          </a:prstGeom>
-        </p:spPr>
-      </p:pic>
       <p:sp>
         <p:nvSpPr>
           <p:cNvPr id="48" name="제목 38"/>
@@ -5848,11 +6029,18 @@
               <a:defRPr/>
             </a:pPr>
             <a:r>
+              <a:rPr lang="ko-KR" altLang="en-US" sz="1900" b="1" u="sng" spc="-150" dirty="0">
+                <a:latin typeface="+mn-ea"/>
+                <a:ea typeface="+mn-ea"/>
+              </a:rPr>
+              <a:t>정규화</a:t>
+            </a:r>
+            <a:r>
               <a:rPr lang="ko-KR" altLang="en-US" sz="1900" spc="-150" dirty="0">
                 <a:latin typeface="+mn-ea"/>
                 <a:ea typeface="+mn-ea"/>
               </a:rPr>
-              <a:t>정규화 과정을 통한다면 클래스 불균형이 어느 정도 해결될 것이라고 생각합니다</a:t>
+              <a:t> 과정을 통한다면 클래스 불균형이 어느 정도 해결될 것이라고 생각합니다</a:t>
             </a:r>
             <a:r>
               <a:rPr lang="en-US" altLang="ko-KR" sz="1900" spc="-150" dirty="0">
@@ -5961,36 +6149,6 @@
           <a:chExt cx="0" cy="0"/>
         </a:xfrm>
       </p:grpSpPr>
-      <p:pic>
-        <p:nvPicPr>
-          <p:cNvPr id="2" name="그림 1"/>
-          <p:cNvPicPr>
-            <a:picLocks noChangeAspect="1"/>
-          </p:cNvPicPr>
-          <p:nvPr/>
-        </p:nvPicPr>
-        <p:blipFill>
-          <a:blip r:embed="rId2">
-            <a:extLst>
-              <a:ext uri="{28A0092B-C50C-407E-A947-70E740481C1C}">
-                <a14:useLocalDpi xmlns:a14="http://schemas.microsoft.com/office/drawing/2010/main" val="0"/>
-              </a:ext>
-            </a:extLst>
-          </a:blip>
-          <a:stretch>
-            <a:fillRect/>
-          </a:stretch>
-        </p:blipFill>
-        <p:spPr>
-          <a:xfrm>
-            <a:off x="0" y="0"/>
-            <a:ext cx="12192000" cy="6858000"/>
-          </a:xfrm>
-          <a:prstGeom prst="rect">
-            <a:avLst/>
-          </a:prstGeom>
-        </p:spPr>
-      </p:pic>
       <p:sp>
         <p:nvSpPr>
           <p:cNvPr id="48" name="제목 38"/>
@@ -6237,7 +6395,7 @@
           <p:nvPr/>
         </p:nvPicPr>
         <p:blipFill>
-          <a:blip r:embed="rId3">
+          <a:blip r:embed="rId2">
             <a:extLst>
               <a:ext uri="{28A0092B-C50C-407E-A947-70E740481C1C}">
                 <a14:useLocalDpi xmlns:a14="http://schemas.microsoft.com/office/drawing/2010/main" val="0"/>
@@ -6273,7 +6431,7 @@
           <p:nvPr/>
         </p:nvPicPr>
         <p:blipFill rotWithShape="1">
-          <a:blip r:embed="rId4">
+          <a:blip r:embed="rId3">
             <a:extLst>
               <a:ext uri="{28A0092B-C50C-407E-A947-70E740481C1C}">
                 <a14:useLocalDpi xmlns:a14="http://schemas.microsoft.com/office/drawing/2010/main" val="0"/>
@@ -6417,36 +6575,6 @@
           <a:chExt cx="0" cy="0"/>
         </a:xfrm>
       </p:grpSpPr>
-      <p:pic>
-        <p:nvPicPr>
-          <p:cNvPr id="2" name="그림 1"/>
-          <p:cNvPicPr>
-            <a:picLocks noChangeAspect="1"/>
-          </p:cNvPicPr>
-          <p:nvPr/>
-        </p:nvPicPr>
-        <p:blipFill>
-          <a:blip r:embed="rId2">
-            <a:extLst>
-              <a:ext uri="{28A0092B-C50C-407E-A947-70E740481C1C}">
-                <a14:useLocalDpi xmlns:a14="http://schemas.microsoft.com/office/drawing/2010/main" val="0"/>
-              </a:ext>
-            </a:extLst>
-          </a:blip>
-          <a:stretch>
-            <a:fillRect/>
-          </a:stretch>
-        </p:blipFill>
-        <p:spPr>
-          <a:xfrm>
-            <a:off x="0" y="0"/>
-            <a:ext cx="12192000" cy="6858000"/>
-          </a:xfrm>
-          <a:prstGeom prst="rect">
-            <a:avLst/>
-          </a:prstGeom>
-        </p:spPr>
-      </p:pic>
       <p:sp>
         <p:nvSpPr>
           <p:cNvPr id="48" name="제목 38"/>
@@ -6634,7 +6762,7 @@
           <p:nvPr/>
         </p:nvPicPr>
         <p:blipFill>
-          <a:blip r:embed="rId3">
+          <a:blip r:embed="rId2">
             <a:extLst>
               <a:ext uri="{28A0092B-C50C-407E-A947-70E740481C1C}">
                 <a14:useLocalDpi xmlns:a14="http://schemas.microsoft.com/office/drawing/2010/main" val="0"/>
@@ -6670,7 +6798,7 @@
           <p:nvPr/>
         </p:nvPicPr>
         <p:blipFill>
-          <a:blip r:embed="rId4">
+          <a:blip r:embed="rId3">
             <a:extLst>
               <a:ext uri="{28A0092B-C50C-407E-A947-70E740481C1C}">
                 <a14:useLocalDpi xmlns:a14="http://schemas.microsoft.com/office/drawing/2010/main" val="0"/>
@@ -6781,36 +6909,6 @@
           <a:chExt cx="0" cy="0"/>
         </a:xfrm>
       </p:grpSpPr>
-      <p:pic>
-        <p:nvPicPr>
-          <p:cNvPr id="2" name="그림 1"/>
-          <p:cNvPicPr>
-            <a:picLocks noChangeAspect="1"/>
-          </p:cNvPicPr>
-          <p:nvPr/>
-        </p:nvPicPr>
-        <p:blipFill>
-          <a:blip r:embed="rId2">
-            <a:extLst>
-              <a:ext uri="{28A0092B-C50C-407E-A947-70E740481C1C}">
-                <a14:useLocalDpi xmlns:a14="http://schemas.microsoft.com/office/drawing/2010/main" val="0"/>
-              </a:ext>
-            </a:extLst>
-          </a:blip>
-          <a:stretch>
-            <a:fillRect/>
-          </a:stretch>
-        </p:blipFill>
-        <p:spPr>
-          <a:xfrm>
-            <a:off x="0" y="0"/>
-            <a:ext cx="12192000" cy="6858000"/>
-          </a:xfrm>
-          <a:prstGeom prst="rect">
-            <a:avLst/>
-          </a:prstGeom>
-        </p:spPr>
-      </p:pic>
       <p:sp>
         <p:nvSpPr>
           <p:cNvPr id="48" name="제목 38"/>
@@ -6860,7 +6958,7 @@
           <p:nvPr/>
         </p:nvPicPr>
         <p:blipFill>
-          <a:blip r:embed="rId3">
+          <a:blip r:embed="rId2">
             <a:extLst>
               <a:ext uri="{28A0092B-C50C-407E-A947-70E740481C1C}">
                 <a14:useLocalDpi xmlns:a14="http://schemas.microsoft.com/office/drawing/2010/main" val="0"/>
@@ -6896,7 +6994,7 @@
           <p:nvPr/>
         </p:nvPicPr>
         <p:blipFill>
-          <a:blip r:embed="rId4">
+          <a:blip r:embed="rId3">
             <a:extLst>
               <a:ext uri="{28A0092B-C50C-407E-A947-70E740481C1C}">
                 <a14:useLocalDpi xmlns:a14="http://schemas.microsoft.com/office/drawing/2010/main" val="0"/>
@@ -6932,7 +7030,7 @@
           <p:nvPr/>
         </p:nvPicPr>
         <p:blipFill>
-          <a:blip r:embed="rId5">
+          <a:blip r:embed="rId4">
             <a:extLst>
               <a:ext uri="{28A0092B-C50C-407E-A947-70E740481C1C}">
                 <a14:useLocalDpi xmlns:a14="http://schemas.microsoft.com/office/drawing/2010/main" val="0"/>
@@ -6968,7 +7066,7 @@
           <p:nvPr/>
         </p:nvPicPr>
         <p:blipFill>
-          <a:blip r:embed="rId6">
+          <a:blip r:embed="rId5">
             <a:extLst>
               <a:ext uri="{28A0092B-C50C-407E-A947-70E740481C1C}">
                 <a14:useLocalDpi xmlns:a14="http://schemas.microsoft.com/office/drawing/2010/main" val="0"/>
@@ -7004,7 +7102,7 @@
           <p:nvPr/>
         </p:nvPicPr>
         <p:blipFill>
-          <a:blip r:embed="rId7">
+          <a:blip r:embed="rId6">
             <a:extLst>
               <a:ext uri="{28A0092B-C50C-407E-A947-70E740481C1C}">
                 <a14:useLocalDpi xmlns:a14="http://schemas.microsoft.com/office/drawing/2010/main" val="0"/>
@@ -7517,36 +7615,6 @@
           <a:chExt cx="0" cy="0"/>
         </a:xfrm>
       </p:grpSpPr>
-      <p:pic>
-        <p:nvPicPr>
-          <p:cNvPr id="2" name="그림 1"/>
-          <p:cNvPicPr>
-            <a:picLocks noChangeAspect="1"/>
-          </p:cNvPicPr>
-          <p:nvPr/>
-        </p:nvPicPr>
-        <p:blipFill>
-          <a:blip r:embed="rId2">
-            <a:extLst>
-              <a:ext uri="{28A0092B-C50C-407E-A947-70E740481C1C}">
-                <a14:useLocalDpi xmlns:a14="http://schemas.microsoft.com/office/drawing/2010/main" val="0"/>
-              </a:ext>
-            </a:extLst>
-          </a:blip>
-          <a:stretch>
-            <a:fillRect/>
-          </a:stretch>
-        </p:blipFill>
-        <p:spPr>
-          <a:xfrm>
-            <a:off x="0" y="0"/>
-            <a:ext cx="12192000" cy="6858000"/>
-          </a:xfrm>
-          <a:prstGeom prst="rect">
-            <a:avLst/>
-          </a:prstGeom>
-        </p:spPr>
-      </p:pic>
       <p:sp>
         <p:nvSpPr>
           <p:cNvPr id="48" name="제목 38"/>
@@ -7599,7 +7667,7 @@
           <p:nvPr/>
         </p:nvPicPr>
         <p:blipFill>
-          <a:blip r:embed="rId3">
+          <a:blip r:embed="rId2">
             <a:extLst>
               <a:ext uri="{28A0092B-C50C-407E-A947-70E740481C1C}">
                 <a14:useLocalDpi xmlns:a14="http://schemas.microsoft.com/office/drawing/2010/main" val="0"/>
@@ -7665,19 +7733,7 @@
               <a:rPr kumimoji="1" lang="ko-KR" altLang="en-US" sz="1900" dirty="0">
                 <a:latin typeface="+mn-ea"/>
               </a:rPr>
-              <a:t> 모델 학습 진행 후 </a:t>
-            </a:r>
-            <a:r>
-              <a:rPr kumimoji="1" lang="en-US" altLang="ko-KR" sz="1900" dirty="0">
-                <a:latin typeface="+mn-ea"/>
-              </a:rPr>
-              <a:t>PPT</a:t>
-            </a:r>
-            <a:r>
-              <a:rPr kumimoji="1" lang="ko-KR" altLang="en-US" sz="1900" dirty="0">
-                <a:latin typeface="+mn-ea"/>
-              </a:rPr>
-              <a:t>를 제작했습니다</a:t>
+              <a:t> 모델 학습 진행했습니다</a:t>
             </a:r>
             <a:r>
               <a:rPr kumimoji="1" lang="en-US" altLang="ko-KR" sz="1900" dirty="0">
@@ -7721,36 +7777,6 @@
           <a:chExt cx="0" cy="0"/>
         </a:xfrm>
       </p:grpSpPr>
-      <p:pic>
-        <p:nvPicPr>
-          <p:cNvPr id="2" name="그림 1"/>
-          <p:cNvPicPr>
-            <a:picLocks noChangeAspect="1"/>
-          </p:cNvPicPr>
-          <p:nvPr/>
-        </p:nvPicPr>
-        <p:blipFill>
-          <a:blip r:embed="rId2">
-            <a:extLst>
-              <a:ext uri="{28A0092B-C50C-407E-A947-70E740481C1C}">
-                <a14:useLocalDpi xmlns:a14="http://schemas.microsoft.com/office/drawing/2010/main" val="0"/>
-              </a:ext>
-            </a:extLst>
-          </a:blip>
-          <a:stretch>
-            <a:fillRect/>
-          </a:stretch>
-        </p:blipFill>
-        <p:spPr>
-          <a:xfrm>
-            <a:off x="0" y="0"/>
-            <a:ext cx="12192000" cy="6858000"/>
-          </a:xfrm>
-          <a:prstGeom prst="rect">
-            <a:avLst/>
-          </a:prstGeom>
-        </p:spPr>
-      </p:pic>
       <p:sp>
         <p:nvSpPr>
           <p:cNvPr id="48" name="제목 38"/>
@@ -7913,14 +7939,14 @@
               <a:t>라벨 종류는 </a:t>
             </a:r>
             <a:r>
-              <a:rPr lang="en-US" altLang="ko-KR" sz="1900" dirty="0" err="1">
+              <a:rPr lang="en-US" altLang="ko-KR" sz="1900" b="1" dirty="0" err="1">
                 <a:latin typeface="+mn-ea"/>
                 <a:ea typeface="+mn-ea"/>
               </a:rPr>
               <a:t>cap_and_hat</a:t>
             </a:r>
             <a:r>
-              <a:rPr lang="en-US" altLang="ko-KR" sz="1900" dirty="0">
+              <a:rPr lang="en-US" altLang="ko-KR" sz="1900" b="1" dirty="0">
                 <a:latin typeface="+mn-ea"/>
                 <a:ea typeface="+mn-ea"/>
               </a:rPr>
@@ -7997,18 +8023,11 @@
               <a:defRPr/>
             </a:pPr>
             <a:r>
-              <a:rPr lang="en-US" altLang="ko-KR" sz="1900" dirty="0" err="1">
-                <a:latin typeface="+mn-ea"/>
-                <a:ea typeface="+mn-ea"/>
-              </a:rPr>
-              <a:t>cap_and_hat</a:t>
-            </a:r>
-            <a:r>
               <a:rPr lang="en-US" altLang="ko-KR" sz="1900" dirty="0">
                 <a:latin typeface="+mn-ea"/>
                 <a:ea typeface="+mn-ea"/>
               </a:rPr>
-              <a:t>:</a:t>
+              <a:t>cap_and_hat:</a:t>
             </a:r>
             <a:r>
               <a:rPr lang="ko-KR" altLang="en-US" sz="1900" dirty="0">
@@ -8018,14 +8037,50 @@
               <a:t> </a:t>
             </a:r>
             <a:r>
+              <a:rPr lang="en-US" altLang="ko-KR" sz="1900" u="sng" dirty="0">
+                <a:latin typeface="+mn-ea"/>
+                <a:ea typeface="+mn-ea"/>
+              </a:rPr>
+              <a:t>196</a:t>
+            </a:r>
+            <a:r>
+              <a:rPr lang="ko-KR" altLang="en-US" sz="1900" u="sng" dirty="0">
+                <a:latin typeface="+mn-ea"/>
+                <a:ea typeface="+mn-ea"/>
+              </a:rPr>
+              <a:t>개</a:t>
+            </a:r>
+            <a:r>
               <a:rPr lang="en-US" altLang="ko-KR" sz="1900" dirty="0">
                 <a:latin typeface="+mn-ea"/>
                 <a:ea typeface="+mn-ea"/>
               </a:rPr>
-              <a:t>196</a:t>
-            </a:r>
-            <a:r>
-              <a:rPr lang="ko-KR" altLang="en-US" sz="1900" dirty="0">
+              <a:t>, </a:t>
+            </a:r>
+          </a:p>
+          <a:p>
+            <a:pPr algn="just">
+              <a:lnSpc>
+                <a:spcPct val="120000"/>
+              </a:lnSpc>
+              <a:defRPr/>
+            </a:pPr>
+            <a:r>
+              <a:rPr lang="en-US" altLang="ko-KR" sz="1900" dirty="0">
+                <a:latin typeface="+mn-ea"/>
+                <a:ea typeface="+mn-ea"/>
+              </a:rPr>
+              <a:t>outerwear: </a:t>
+            </a:r>
+            <a:r>
+              <a:rPr lang="en-US" altLang="ko-KR" sz="1900" u="sng" dirty="0">
+                <a:latin typeface="+mn-ea"/>
+                <a:ea typeface="+mn-ea"/>
+              </a:rPr>
+              <a:t>4606</a:t>
+            </a:r>
+            <a:r>
+              <a:rPr lang="ko-KR" altLang="en-US" sz="1900" u="sng" dirty="0">
                 <a:latin typeface="+mn-ea"/>
                 <a:ea typeface="+mn-ea"/>
               </a:rPr>
@@ -8051,10 +8106,17 @@
                 <a:latin typeface="+mn-ea"/>
                 <a:ea typeface="+mn-ea"/>
               </a:rPr>
-              <a:t>outerwear: 4606</a:t>
-            </a:r>
-            <a:r>
-              <a:rPr lang="ko-KR" altLang="en-US" sz="1900" dirty="0">
+              <a:t>tops: </a:t>
+            </a:r>
+            <a:r>
+              <a:rPr lang="en-US" altLang="ko-KR" sz="1900" u="sng" dirty="0">
+                <a:latin typeface="+mn-ea"/>
+                <a:ea typeface="+mn-ea"/>
+              </a:rPr>
+              <a:t>18350</a:t>
+            </a:r>
+            <a:r>
+              <a:rPr lang="ko-KR" altLang="en-US" sz="1900" u="sng" dirty="0">
                 <a:latin typeface="+mn-ea"/>
                 <a:ea typeface="+mn-ea"/>
               </a:rPr>
@@ -8080,10 +8142,17 @@
                 <a:latin typeface="+mn-ea"/>
                 <a:ea typeface="+mn-ea"/>
               </a:rPr>
-              <a:t>tops: 18350</a:t>
-            </a:r>
-            <a:r>
-              <a:rPr lang="ko-KR" altLang="en-US" sz="1900" dirty="0">
+              <a:t>bottoms: </a:t>
+            </a:r>
+            <a:r>
+              <a:rPr lang="en-US" altLang="ko-KR" sz="1900" u="sng" dirty="0">
+                <a:latin typeface="+mn-ea"/>
+                <a:ea typeface="+mn-ea"/>
+              </a:rPr>
+              <a:t>6424</a:t>
+            </a:r>
+            <a:r>
+              <a:rPr lang="ko-KR" altLang="en-US" sz="1900" u="sng" dirty="0">
                 <a:latin typeface="+mn-ea"/>
                 <a:ea typeface="+mn-ea"/>
               </a:rPr>
@@ -8109,39 +8178,17 @@
                 <a:latin typeface="+mn-ea"/>
                 <a:ea typeface="+mn-ea"/>
               </a:rPr>
-              <a:t>bottoms: 6424</a:t>
-            </a:r>
-            <a:r>
-              <a:rPr lang="ko-KR" altLang="en-US" sz="1900" dirty="0">
-                <a:latin typeface="+mn-ea"/>
-                <a:ea typeface="+mn-ea"/>
-              </a:rPr>
-              <a:t>개</a:t>
-            </a:r>
-            <a:r>
-              <a:rPr lang="en-US" altLang="ko-KR" sz="1900" dirty="0">
-                <a:latin typeface="+mn-ea"/>
-                <a:ea typeface="+mn-ea"/>
-              </a:rPr>
-              <a:t>, </a:t>
-            </a:r>
-          </a:p>
-          <a:p>
-            <a:pPr algn="just">
-              <a:lnSpc>
-                <a:spcPct val="120000"/>
-              </a:lnSpc>
-              <a:defRPr/>
-            </a:pPr>
-            <a:r>
-              <a:rPr lang="en-US" altLang="ko-KR" sz="1900" dirty="0">
-                <a:latin typeface="+mn-ea"/>
-                <a:ea typeface="+mn-ea"/>
-              </a:rPr>
-              <a:t>shoes: 424</a:t>
-            </a:r>
-            <a:r>
-              <a:rPr lang="ko-KR" altLang="en-US" sz="1900" dirty="0">
+              <a:t>shoes: </a:t>
+            </a:r>
+            <a:r>
+              <a:rPr lang="en-US" altLang="ko-KR" sz="1900" u="sng" dirty="0">
+                <a:latin typeface="+mn-ea"/>
+                <a:ea typeface="+mn-ea"/>
+              </a:rPr>
+              <a:t>424</a:t>
+            </a:r>
+            <a:r>
+              <a:rPr lang="ko-KR" altLang="en-US" sz="1900" u="sng" dirty="0">
                 <a:latin typeface="+mn-ea"/>
                 <a:ea typeface="+mn-ea"/>
               </a:rPr>
@@ -8153,7 +8200,7 @@
     </p:spTree>
     <p:extLst>
       <p:ext uri="{BB962C8B-B14F-4D97-AF65-F5344CB8AC3E}">
-        <p14:creationId xmlns:p14="http://schemas.microsoft.com/office/powerpoint/2010/main" val="3409096455"/>
+        <p14:creationId xmlns:p14="http://schemas.microsoft.com/office/powerpoint/2010/main" val="1029221778"/>
       </p:ext>
     </p:extLst>
   </p:cSld>
@@ -8180,36 +8227,6 @@
           <a:chExt cx="0" cy="0"/>
         </a:xfrm>
       </p:grpSpPr>
-      <p:pic>
-        <p:nvPicPr>
-          <p:cNvPr id="2" name="그림 1"/>
-          <p:cNvPicPr>
-            <a:picLocks noChangeAspect="1"/>
-          </p:cNvPicPr>
-          <p:nvPr/>
-        </p:nvPicPr>
-        <p:blipFill>
-          <a:blip r:embed="rId2">
-            <a:extLst>
-              <a:ext uri="{28A0092B-C50C-407E-A947-70E740481C1C}">
-                <a14:useLocalDpi xmlns:a14="http://schemas.microsoft.com/office/drawing/2010/main" val="0"/>
-              </a:ext>
-            </a:extLst>
-          </a:blip>
-          <a:stretch>
-            <a:fillRect/>
-          </a:stretch>
-        </p:blipFill>
-        <p:spPr>
-          <a:xfrm>
-            <a:off x="0" y="0"/>
-            <a:ext cx="12192000" cy="6858000"/>
-          </a:xfrm>
-          <a:prstGeom prst="rect">
-            <a:avLst/>
-          </a:prstGeom>
-        </p:spPr>
-      </p:pic>
       <p:sp>
         <p:nvSpPr>
           <p:cNvPr id="13" name="제목 38"/>
@@ -8361,7 +8378,21 @@
                 <a:latin typeface="+mn-ea"/>
                 <a:ea typeface="+mn-ea"/>
               </a:rPr>
-              <a:t>학습 데이터 셋을 구축하기 위해 데이터 전처리를 진행했습니다</a:t>
+              <a:t>학습 데이터 셋을 구축하기 위해 </a:t>
+            </a:r>
+            <a:r>
+              <a:rPr lang="ko-KR" altLang="en-US" sz="2100" b="1" u="sng" spc="-150" dirty="0">
+                <a:latin typeface="+mn-ea"/>
+                <a:ea typeface="+mn-ea"/>
+              </a:rPr>
+              <a:t>데이터 전처리를 진행</a:t>
+            </a:r>
+            <a:r>
+              <a:rPr lang="ko-KR" altLang="en-US" sz="2100" spc="-150" dirty="0">
+                <a:latin typeface="+mn-ea"/>
+                <a:ea typeface="+mn-ea"/>
+              </a:rPr>
+              <a:t>했습니다</a:t>
             </a:r>
             <a:r>
               <a:rPr lang="en-US" altLang="ko-KR" sz="2100" spc="-150" dirty="0">
@@ -8440,42 +8471,6 @@
           <a:chExt cx="0" cy="0"/>
         </a:xfrm>
       </p:grpSpPr>
-      <p:pic>
-        <p:nvPicPr>
-          <p:cNvPr id="4" name="그림 3">
-            <a:extLst>
-              <a:ext uri="{FF2B5EF4-FFF2-40B4-BE49-F238E27FC236}">
-                <a16:creationId xmlns:a16="http://schemas.microsoft.com/office/drawing/2014/main" id="{963A1BA7-4CC2-ACEF-0293-24C5AE9B9175}"/>
-              </a:ext>
-            </a:extLst>
-          </p:cNvPr>
-          <p:cNvPicPr>
-            <a:picLocks noChangeAspect="1"/>
-          </p:cNvPicPr>
-          <p:nvPr/>
-        </p:nvPicPr>
-        <p:blipFill>
-          <a:blip r:embed="rId2">
-            <a:extLst>
-              <a:ext uri="{28A0092B-C50C-407E-A947-70E740481C1C}">
-                <a14:useLocalDpi xmlns:a14="http://schemas.microsoft.com/office/drawing/2010/main" val="0"/>
-              </a:ext>
-            </a:extLst>
-          </a:blip>
-          <a:stretch>
-            <a:fillRect/>
-          </a:stretch>
-        </p:blipFill>
-        <p:spPr>
-          <a:xfrm>
-            <a:off x="0" y="0"/>
-            <a:ext cx="12192000" cy="6858000"/>
-          </a:xfrm>
-          <a:prstGeom prst="rect">
-            <a:avLst/>
-          </a:prstGeom>
-        </p:spPr>
-      </p:pic>
       <p:sp>
         <p:nvSpPr>
           <p:cNvPr id="5" name="제목 38">
@@ -8608,7 +8603,21 @@
                 <a:latin typeface="+mn-ea"/>
                 <a:ea typeface="+mn-ea"/>
               </a:rPr>
-              <a:t>이미지의 모서리를 찾아내기 위해 지역 이진화 함수를 사용했습니다</a:t>
+              <a:t>이미지의 모서리를 찾아내기 위해 </a:t>
+            </a:r>
+            <a:r>
+              <a:rPr lang="ko-KR" altLang="en-US" sz="1600" b="1" u="sng" spc="-150" dirty="0">
+                <a:latin typeface="+mn-ea"/>
+                <a:ea typeface="+mn-ea"/>
+              </a:rPr>
+              <a:t>지역 이진화 함수</a:t>
+            </a:r>
+            <a:r>
+              <a:rPr lang="ko-KR" altLang="en-US" sz="1600" spc="-150" dirty="0">
+                <a:latin typeface="+mn-ea"/>
+                <a:ea typeface="+mn-ea"/>
+              </a:rPr>
+              <a:t>를 사용했습니다</a:t>
             </a:r>
             <a:r>
               <a:rPr lang="en-US" altLang="ko-KR" sz="1600" spc="-150" dirty="0">
@@ -8663,7 +8672,21 @@
                 <a:latin typeface="+mn-ea"/>
                 <a:ea typeface="+mn-ea"/>
               </a:rPr>
-              <a:t>어떻게 해결해야 할 지 고민하던 중 적응형 이진화 함수를 발견했습니다</a:t>
+              <a:t>어떻게 해결해야 할 지 고민하던 중 </a:t>
+            </a:r>
+            <a:r>
+              <a:rPr lang="ko-KR" altLang="en-US" sz="1600" b="1" u="sng" spc="-150" dirty="0">
+                <a:latin typeface="+mn-ea"/>
+                <a:ea typeface="+mn-ea"/>
+              </a:rPr>
+              <a:t>적응형 이진화 함수</a:t>
+            </a:r>
+            <a:r>
+              <a:rPr lang="ko-KR" altLang="en-US" sz="1600" spc="-150" dirty="0">
+                <a:latin typeface="+mn-ea"/>
+                <a:ea typeface="+mn-ea"/>
+              </a:rPr>
+              <a:t>를 발견했습니다</a:t>
             </a:r>
             <a:r>
               <a:rPr lang="en-US" altLang="ko-KR" sz="1600" spc="-150" dirty="0">
@@ -8745,20 +8768,20 @@
           <p:nvPr/>
         </p:nvPicPr>
         <p:blipFill rotWithShape="1">
-          <a:blip r:embed="rId3">
+          <a:blip r:embed="rId2">
             <a:extLst>
               <a:ext uri="{28A0092B-C50C-407E-A947-70E740481C1C}">
                 <a14:useLocalDpi xmlns:a14="http://schemas.microsoft.com/office/drawing/2010/main" val="0"/>
               </a:ext>
             </a:extLst>
           </a:blip>
-          <a:srcRect t="75659" r="61880"/>
+          <a:srcRect l="1521" t="75896" r="62712" b="293"/>
           <a:stretch/>
         </p:blipFill>
         <p:spPr>
           <a:xfrm>
-            <a:off x="498449" y="4156578"/>
-            <a:ext cx="1551237" cy="1836243"/>
+            <a:off x="560352" y="4174447"/>
+            <a:ext cx="1455493" cy="1796270"/>
           </a:xfrm>
           <a:prstGeom prst="rect">
             <a:avLst/>
@@ -8908,7 +8931,7 @@
           <p:nvPr/>
         </p:nvPicPr>
         <p:blipFill rotWithShape="1">
-          <a:blip r:embed="rId4">
+          <a:blip r:embed="rId3">
             <a:extLst>
               <a:ext uri="{28A0092B-C50C-407E-A947-70E740481C1C}">
                 <a14:useLocalDpi xmlns:a14="http://schemas.microsoft.com/office/drawing/2010/main" val="0"/>
@@ -9014,20 +9037,20 @@
           <p:nvPr/>
         </p:nvPicPr>
         <p:blipFill rotWithShape="1">
-          <a:blip r:embed="rId5">
+          <a:blip r:embed="rId4">
             <a:extLst>
               <a:ext uri="{28A0092B-C50C-407E-A947-70E740481C1C}">
                 <a14:useLocalDpi xmlns:a14="http://schemas.microsoft.com/office/drawing/2010/main" val="0"/>
               </a:ext>
             </a:extLst>
           </a:blip>
-          <a:srcRect t="73870" r="72973"/>
+          <a:srcRect l="591" t="74300" r="72382" b="-115"/>
           <a:stretch/>
         </p:blipFill>
         <p:spPr>
           <a:xfrm>
-            <a:off x="5406861" y="4156578"/>
-            <a:ext cx="1408326" cy="1836243"/>
+            <a:off x="5406861" y="4156579"/>
+            <a:ext cx="1408326" cy="1814138"/>
           </a:xfrm>
           <a:prstGeom prst="rect">
             <a:avLst/>
@@ -9120,7 +9143,7 @@
           <p:nvPr/>
         </p:nvPicPr>
         <p:blipFill>
-          <a:blip r:embed="rId6">
+          <a:blip r:embed="rId5">
             <a:extLst>
               <a:ext uri="{28A0092B-C50C-407E-A947-70E740481C1C}">
                 <a14:useLocalDpi xmlns:a14="http://schemas.microsoft.com/office/drawing/2010/main" val="0"/>
@@ -9217,42 +9240,6 @@
           <a:chExt cx="0" cy="0"/>
         </a:xfrm>
       </p:grpSpPr>
-      <p:pic>
-        <p:nvPicPr>
-          <p:cNvPr id="4" name="그림 3">
-            <a:extLst>
-              <a:ext uri="{FF2B5EF4-FFF2-40B4-BE49-F238E27FC236}">
-                <a16:creationId xmlns:a16="http://schemas.microsoft.com/office/drawing/2014/main" id="{963A1BA7-4CC2-ACEF-0293-24C5AE9B9175}"/>
-              </a:ext>
-            </a:extLst>
-          </p:cNvPr>
-          <p:cNvPicPr>
-            <a:picLocks noChangeAspect="1"/>
-          </p:cNvPicPr>
-          <p:nvPr/>
-        </p:nvPicPr>
-        <p:blipFill>
-          <a:blip r:embed="rId2">
-            <a:extLst>
-              <a:ext uri="{28A0092B-C50C-407E-A947-70E740481C1C}">
-                <a14:useLocalDpi xmlns:a14="http://schemas.microsoft.com/office/drawing/2010/main" val="0"/>
-              </a:ext>
-            </a:extLst>
-          </a:blip>
-          <a:stretch>
-            <a:fillRect/>
-          </a:stretch>
-        </p:blipFill>
-        <p:spPr>
-          <a:xfrm>
-            <a:off x="0" y="0"/>
-            <a:ext cx="12192000" cy="6858000"/>
-          </a:xfrm>
-          <a:prstGeom prst="rect">
-            <a:avLst/>
-          </a:prstGeom>
-        </p:spPr>
-      </p:pic>
       <p:sp>
         <p:nvSpPr>
           <p:cNvPr id="5" name="제목 38">
@@ -9524,7 +9511,7 @@
           <p:nvPr/>
         </p:nvPicPr>
         <p:blipFill rotWithShape="1">
-          <a:blip r:embed="rId3">
+          <a:blip r:embed="rId2">
             <a:extLst>
               <a:ext uri="{28A0092B-C50C-407E-A947-70E740481C1C}">
                 <a14:useLocalDpi xmlns:a14="http://schemas.microsoft.com/office/drawing/2010/main" val="0"/>
@@ -9559,7 +9546,7 @@
           <p:nvPr/>
         </p:nvPicPr>
         <p:blipFill>
-          <a:blip r:embed="rId4">
+          <a:blip r:embed="rId3">
             <a:extLst>
               <a:ext uri="{28A0092B-C50C-407E-A947-70E740481C1C}">
                 <a14:useLocalDpi xmlns:a14="http://schemas.microsoft.com/office/drawing/2010/main" val="0"/>
@@ -9610,42 +9597,6 @@
           <a:chExt cx="0" cy="0"/>
         </a:xfrm>
       </p:grpSpPr>
-      <p:pic>
-        <p:nvPicPr>
-          <p:cNvPr id="4" name="그림 3">
-            <a:extLst>
-              <a:ext uri="{FF2B5EF4-FFF2-40B4-BE49-F238E27FC236}">
-                <a16:creationId xmlns:a16="http://schemas.microsoft.com/office/drawing/2014/main" id="{963A1BA7-4CC2-ACEF-0293-24C5AE9B9175}"/>
-              </a:ext>
-            </a:extLst>
-          </p:cNvPr>
-          <p:cNvPicPr>
-            <a:picLocks noChangeAspect="1"/>
-          </p:cNvPicPr>
-          <p:nvPr/>
-        </p:nvPicPr>
-        <p:blipFill>
-          <a:blip r:embed="rId2">
-            <a:extLst>
-              <a:ext uri="{28A0092B-C50C-407E-A947-70E740481C1C}">
-                <a14:useLocalDpi xmlns:a14="http://schemas.microsoft.com/office/drawing/2010/main" val="0"/>
-              </a:ext>
-            </a:extLst>
-          </a:blip>
-          <a:stretch>
-            <a:fillRect/>
-          </a:stretch>
-        </p:blipFill>
-        <p:spPr>
-          <a:xfrm>
-            <a:off x="0" y="0"/>
-            <a:ext cx="12192000" cy="6858000"/>
-          </a:xfrm>
-          <a:prstGeom prst="rect">
-            <a:avLst/>
-          </a:prstGeom>
-        </p:spPr>
-      </p:pic>
       <p:sp>
         <p:nvSpPr>
           <p:cNvPr id="5" name="제목 38">
@@ -9740,28 +9691,35 @@
               <a:defRPr/>
             </a:pPr>
             <a:r>
-              <a:rPr lang="ko-KR" altLang="en-US" sz="1900" spc="-150" dirty="0">
+              <a:rPr lang="ko-KR" altLang="en-US" sz="1900" u="sng" spc="-150" dirty="0">
                 <a:latin typeface="+mn-ea"/>
                 <a:ea typeface="+mn-ea"/>
               </a:rPr>
               <a:t>처음은 </a:t>
             </a:r>
             <a:r>
-              <a:rPr lang="en-US" altLang="ko-KR" sz="1900" spc="-150" dirty="0">
+              <a:rPr lang="en-US" altLang="ko-KR" sz="1900" b="1" u="sng" spc="-150" dirty="0">
                 <a:latin typeface="+mn-ea"/>
                 <a:ea typeface="+mn-ea"/>
               </a:rPr>
               <a:t>Morphology</a:t>
             </a:r>
             <a:r>
-              <a:rPr lang="ko-KR" altLang="en-US" sz="1900" spc="-150" dirty="0">
-                <a:latin typeface="+mn-ea"/>
-                <a:ea typeface="+mn-ea"/>
-              </a:rPr>
-              <a:t> 연산으로 시작했습니다</a:t>
-            </a:r>
-            <a:r>
-              <a:rPr lang="en-US" altLang="ko-KR" sz="1900" spc="-150" dirty="0">
+              <a:rPr lang="ko-KR" altLang="en-US" sz="1900" b="1" u="sng" spc="-150" dirty="0">
+                <a:latin typeface="+mn-ea"/>
+                <a:ea typeface="+mn-ea"/>
+              </a:rPr>
+              <a:t> 연산</a:t>
+            </a:r>
+            <a:r>
+              <a:rPr lang="ko-KR" altLang="en-US" sz="1900" u="sng" spc="-150" dirty="0">
+                <a:latin typeface="+mn-ea"/>
+                <a:ea typeface="+mn-ea"/>
+              </a:rPr>
+              <a:t>으로 시작했습니다</a:t>
+            </a:r>
+            <a:r>
+              <a:rPr lang="en-US" altLang="ko-KR" sz="1900" u="sng" spc="-150" dirty="0">
                 <a:latin typeface="+mn-ea"/>
                 <a:ea typeface="+mn-ea"/>
               </a:rPr>
@@ -10177,7 +10135,7 @@
           <p:nvPr/>
         </p:nvPicPr>
         <p:blipFill>
-          <a:blip r:embed="rId3"/>
+          <a:blip r:embed="rId2"/>
           <a:stretch>
             <a:fillRect/>
           </a:stretch>
@@ -10207,7 +10165,7 @@
           <p:nvPr/>
         </p:nvPicPr>
         <p:blipFill>
-          <a:blip r:embed="rId4"/>
+          <a:blip r:embed="rId3"/>
           <a:stretch>
             <a:fillRect/>
           </a:stretch>
@@ -10272,7 +10230,7 @@
             <a:r>
               <a:rPr kumimoji="1" lang="en" altLang="ko-Kore-KR" sz="800" dirty="0">
                 <a:latin typeface="+mn-ea"/>
-                <a:hlinkClick r:id="rId5"/>
+                <a:hlinkClick r:id="rId4"/>
               </a:rPr>
               <a:t>https://bkshin.tistory.com</a:t>
             </a:r>
@@ -10312,42 +10270,6 @@
           <a:chExt cx="0" cy="0"/>
         </a:xfrm>
       </p:grpSpPr>
-      <p:pic>
-        <p:nvPicPr>
-          <p:cNvPr id="4" name="그림 3">
-            <a:extLst>
-              <a:ext uri="{FF2B5EF4-FFF2-40B4-BE49-F238E27FC236}">
-                <a16:creationId xmlns:a16="http://schemas.microsoft.com/office/drawing/2014/main" id="{963A1BA7-4CC2-ACEF-0293-24C5AE9B9175}"/>
-              </a:ext>
-            </a:extLst>
-          </p:cNvPr>
-          <p:cNvPicPr>
-            <a:picLocks noChangeAspect="1"/>
-          </p:cNvPicPr>
-          <p:nvPr/>
-        </p:nvPicPr>
-        <p:blipFill>
-          <a:blip r:embed="rId2">
-            <a:extLst>
-              <a:ext uri="{28A0092B-C50C-407E-A947-70E740481C1C}">
-                <a14:useLocalDpi xmlns:a14="http://schemas.microsoft.com/office/drawing/2010/main" val="0"/>
-              </a:ext>
-            </a:extLst>
-          </a:blip>
-          <a:stretch>
-            <a:fillRect/>
-          </a:stretch>
-        </p:blipFill>
-        <p:spPr>
-          <a:xfrm>
-            <a:off x="0" y="0"/>
-            <a:ext cx="12192000" cy="6858000"/>
-          </a:xfrm>
-          <a:prstGeom prst="rect">
-            <a:avLst/>
-          </a:prstGeom>
-        </p:spPr>
-      </p:pic>
       <p:sp>
         <p:nvSpPr>
           <p:cNvPr id="5" name="제목 38">
@@ -10446,21 +10368,56 @@
                 <a:latin typeface="+mn-ea"/>
                 <a:ea typeface="+mn-ea"/>
               </a:rPr>
-              <a:t>저희는 이미지의 노이즈를 제거하기 위해 닫힘 연산과 </a:t>
+              <a:t>저희는 </a:t>
             </a:r>
             <a:r>
               <a:rPr lang="en-US" altLang="ko-KR" sz="1900" spc="-150" dirty="0">
                 <a:latin typeface="+mn-ea"/>
                 <a:ea typeface="+mn-ea"/>
               </a:rPr>
+              <a:t>Morphology</a:t>
+            </a:r>
+            <a:r>
+              <a:rPr lang="ko-KR" altLang="en-US" sz="1900" spc="-150" dirty="0">
+                <a:latin typeface="+mn-ea"/>
+                <a:ea typeface="+mn-ea"/>
+              </a:rPr>
+              <a:t> 연산 중 </a:t>
+            </a:r>
+            <a:r>
+              <a:rPr lang="ko-KR" altLang="en-US" sz="1900" b="1" u="sng" spc="-150" dirty="0">
+                <a:latin typeface="+mn-ea"/>
+                <a:ea typeface="+mn-ea"/>
+              </a:rPr>
+              <a:t>닫힘 연산</a:t>
+            </a:r>
+            <a:r>
+              <a:rPr lang="ko-KR" altLang="en-US" sz="1900" spc="-150" dirty="0">
+                <a:latin typeface="+mn-ea"/>
+                <a:ea typeface="+mn-ea"/>
+              </a:rPr>
+              <a:t>과 </a:t>
+            </a:r>
+            <a:r>
+              <a:rPr lang="en-US" altLang="ko-KR" sz="1900" b="1" u="sng" spc="-150" dirty="0">
+                <a:latin typeface="+mn-ea"/>
+                <a:ea typeface="+mn-ea"/>
+              </a:rPr>
               <a:t>Gradient</a:t>
             </a:r>
             <a:r>
+              <a:rPr lang="ko-KR" altLang="en-US" sz="1900" b="1" u="sng" spc="-150" dirty="0">
+                <a:latin typeface="+mn-ea"/>
+                <a:ea typeface="+mn-ea"/>
+              </a:rPr>
+              <a:t> 연산</a:t>
+            </a:r>
+            <a:r>
               <a:rPr lang="ko-KR" altLang="en-US" sz="1900" spc="-150" dirty="0">
                 <a:latin typeface="+mn-ea"/>
                 <a:ea typeface="+mn-ea"/>
               </a:rPr>
-              <a:t> 연산을 사용하였습니다</a:t>
+              <a:t>을 사용하였습니다</a:t>
             </a:r>
             <a:r>
               <a:rPr lang="en-US" altLang="ko-KR" sz="1900" spc="-150" dirty="0">
@@ -10759,7 +10716,7 @@
           <p:nvPr/>
         </p:nvPicPr>
         <p:blipFill rotWithShape="1">
-          <a:blip r:embed="rId3">
+          <a:blip r:embed="rId2">
             <a:extLst>
               <a:ext uri="{28A0092B-C50C-407E-A947-70E740481C1C}">
                 <a14:useLocalDpi xmlns:a14="http://schemas.microsoft.com/office/drawing/2010/main" val="0"/>
@@ -11051,4 +11008,299 @@
     </a:ext>
   </a:extLst>
 </a:theme>
+</file>
+
+<file path=ppt/theme/theme2.xml><?xml version="1.0" encoding="utf-8"?>
+<a:theme xmlns:a="http://schemas.openxmlformats.org/drawingml/2006/main" name="Office 테마">
+  <a:themeElements>
+    <a:clrScheme name="Office">
+      <a:dk1>
+        <a:sysClr val="windowText" lastClr="000000"/>
+      </a:dk1>
+      <a:lt1>
+        <a:sysClr val="window" lastClr="FFFFFF"/>
+      </a:lt1>
+      <a:dk2>
+        <a:srgbClr val="44546A"/>
+      </a:dk2>
+      <a:lt2>
+        <a:srgbClr val="E7E6E6"/>
+      </a:lt2>
+      <a:accent1>
+        <a:srgbClr val="4472C4"/>
+      </a:accent1>
+      <a:accent2>
+        <a:srgbClr val="ED7D31"/>
+      </a:accent2>
+      <a:accent3>
+        <a:srgbClr val="A5A5A5"/>
+      </a:accent3>
+      <a:accent4>
+        <a:srgbClr val="FFC000"/>
+      </a:accent4>
+      <a:accent5>
+        <a:srgbClr val="5B9BD5"/>
+      </a:accent5>
+      <a:accent6>
+        <a:srgbClr val="70AD47"/>
+      </a:accent6>
+      <a:hlink>
+        <a:srgbClr val="0563C1"/>
+      </a:hlink>
+      <a:folHlink>
+        <a:srgbClr val="954F72"/>
+      </a:folHlink>
+    </a:clrScheme>
+    <a:fontScheme name="Office">
+      <a:majorFont>
+        <a:latin typeface="Calibri Light" panose="020F0302020204030204"/>
+        <a:ea typeface=""/>
+        <a:cs typeface=""/>
+        <a:font script="Jpan" typeface="游ゴシック Light"/>
+        <a:font script="Hang" typeface="맑은 고딕"/>
+        <a:font script="Hans" typeface="等线 Light"/>
+        <a:font script="Hant" typeface="新細明體"/>
+        <a:font script="Arab" typeface="Times New Roman"/>
+        <a:font script="Hebr" typeface="Times New Roman"/>
+        <a:font script="Thai" typeface="Angsana New"/>
+        <a:font script="Ethi" typeface="Nyala"/>
+        <a:font script="Beng" typeface="Vrinda"/>
+        <a:font script="Gujr" typeface="Shruti"/>
+        <a:font script="Khmr" typeface="MoolBoran"/>
+        <a:font script="Knda" typeface="Tunga"/>
+        <a:font script="Guru" typeface="Raavi"/>
+        <a:font script="Cans" typeface="Euphemia"/>
+        <a:font script="Cher" typeface="Plantagenet Cherokee"/>
+        <a:font script="Yiii" typeface="Microsoft Yi Baiti"/>
+        <a:font script="Tibt" typeface="Microsoft Himalaya"/>
+        <a:font script="Thaa" typeface="MV Boli"/>
+        <a:font script="Deva" typeface="Mangal"/>
+        <a:font script="Telu" typeface="Gautami"/>
+        <a:font script="Taml" typeface="Latha"/>
+        <a:font script="Syrc" typeface="Estrangelo Edessa"/>
+        <a:font script="Orya" typeface="Kalinga"/>
+        <a:font script="Mlym" typeface="Kartika"/>
+        <a:font script="Laoo" typeface="DokChampa"/>
+        <a:font script="Sinh" typeface="Iskoola Pota"/>
+        <a:font script="Mong" typeface="Mongolian Baiti"/>
+        <a:font script="Viet" typeface="Times New Roman"/>
+        <a:font script="Uigh" typeface="Microsoft Uighur"/>
+        <a:font script="Geor" typeface="Sylfaen"/>
+        <a:font script="Armn" typeface="Arial"/>
+        <a:font script="Bugi" typeface="Leelawadee UI"/>
+        <a:font script="Bopo" typeface="Microsoft JhengHei"/>
+        <a:font script="Java" typeface="Javanese Text"/>
+        <a:font script="Lisu" typeface="Segoe UI"/>
+        <a:font script="Mymr" typeface="Myanmar Text"/>
+        <a:font script="Nkoo" typeface="Ebrima"/>
+        <a:font script="Olck" typeface="Nirmala UI"/>
+        <a:font script="Osma" typeface="Ebrima"/>
+        <a:font script="Phag" typeface="Phagspa"/>
+        <a:font script="Syrn" typeface="Estrangelo Edessa"/>
+        <a:font script="Syrj" typeface="Estrangelo Edessa"/>
+        <a:font script="Syre" typeface="Estrangelo Edessa"/>
+        <a:font script="Sora" typeface="Nirmala UI"/>
+        <a:font script="Tale" typeface="Microsoft Tai Le"/>
+        <a:font script="Talu" typeface="Microsoft New Tai Lue"/>
+        <a:font script="Tfng" typeface="Ebrima"/>
+      </a:majorFont>
+      <a:minorFont>
+        <a:latin typeface="Calibri" panose="020F0502020204030204"/>
+        <a:ea typeface=""/>
+        <a:cs typeface=""/>
+        <a:font script="Jpan" typeface="游ゴシック"/>
+        <a:font script="Hang" typeface="맑은 고딕"/>
+        <a:font script="Hans" typeface="等线"/>
+        <a:font script="Hant" typeface="新細明體"/>
+        <a:font script="Arab" typeface="Arial"/>
+        <a:font script="Hebr" typeface="Arial"/>
+        <a:font script="Thai" typeface="Cordia New"/>
+        <a:font script="Ethi" typeface="Nyala"/>
+        <a:font script="Beng" typeface="Vrinda"/>
+        <a:font script="Gujr" typeface="Shruti"/>
+        <a:font script="Khmr" typeface="DaunPenh"/>
+        <a:font script="Knda" typeface="Tunga"/>
+        <a:font script="Guru" typeface="Raavi"/>
+        <a:font script="Cans" typeface="Euphemia"/>
+        <a:font script="Cher" typeface="Plantagenet Cherokee"/>
+        <a:font script="Yiii" typeface="Microsoft Yi Baiti"/>
+        <a:font script="Tibt" typeface="Microsoft Himalaya"/>
+        <a:font script="Thaa" typeface="MV Boli"/>
+        <a:font script="Deva" typeface="Mangal"/>
+        <a:font script="Telu" typeface="Gautami"/>
+        <a:font script="Taml" typeface="Latha"/>
+        <a:font script="Syrc" typeface="Estrangelo Edessa"/>
+        <a:font script="Orya" typeface="Kalinga"/>
+        <a:font script="Mlym" typeface="Kartika"/>
+        <a:font script="Laoo" typeface="DokChampa"/>
+        <a:font script="Sinh" typeface="Iskoola Pota"/>
+        <a:font script="Mong" typeface="Mongolian Baiti"/>
+        <a:font script="Viet" typeface="Arial"/>
+        <a:font script="Uigh" typeface="Microsoft Uighur"/>
+        <a:font script="Geor" typeface="Sylfaen"/>
+        <a:font script="Armn" typeface="Arial"/>
+        <a:font script="Bugi" typeface="Leelawadee UI"/>
+        <a:font script="Bopo" typeface="Microsoft JhengHei"/>
+        <a:font script="Java" typeface="Javanese Text"/>
+        <a:font script="Lisu" typeface="Segoe UI"/>
+        <a:font script="Mymr" typeface="Myanmar Text"/>
+        <a:font script="Nkoo" typeface="Ebrima"/>
+        <a:font script="Olck" typeface="Nirmala UI"/>
+        <a:font script="Osma" typeface="Ebrima"/>
+        <a:font script="Phag" typeface="Phagspa"/>
+        <a:font script="Syrn" typeface="Estrangelo Edessa"/>
+        <a:font script="Syrj" typeface="Estrangelo Edessa"/>
+        <a:font script="Syre" typeface="Estrangelo Edessa"/>
+        <a:font script="Sora" typeface="Nirmala UI"/>
+        <a:font script="Tale" typeface="Microsoft Tai Le"/>
+        <a:font script="Talu" typeface="Microsoft New Tai Lue"/>
+        <a:font script="Tfng" typeface="Ebrima"/>
+      </a:minorFont>
+    </a:fontScheme>
+    <a:fmtScheme name="Office">
+      <a:fillStyleLst>
+        <a:solidFill>
+          <a:schemeClr val="phClr"/>
+        </a:solidFill>
+        <a:gradFill rotWithShape="1">
+          <a:gsLst>
+            <a:gs pos="0">
+              <a:schemeClr val="phClr">
+                <a:lumMod val="110000"/>
+                <a:satMod val="105000"/>
+                <a:tint val="67000"/>
+              </a:schemeClr>
+            </a:gs>
+            <a:gs pos="50000">
+              <a:schemeClr val="phClr">
+                <a:lumMod val="105000"/>
+                <a:satMod val="103000"/>
+                <a:tint val="73000"/>
+              </a:schemeClr>
+            </a:gs>
+            <a:gs pos="100000">
+              <a:schemeClr val="phClr">
+                <a:lumMod val="105000"/>
+                <a:satMod val="109000"/>
+                <a:tint val="81000"/>
+              </a:schemeClr>
+            </a:gs>
+          </a:gsLst>
+          <a:lin ang="5400000" scaled="0"/>
+        </a:gradFill>
+        <a:gradFill rotWithShape="1">
+          <a:gsLst>
+            <a:gs pos="0">
+              <a:schemeClr val="phClr">
+                <a:satMod val="103000"/>
+                <a:lumMod val="102000"/>
+                <a:tint val="94000"/>
+              </a:schemeClr>
+            </a:gs>
+            <a:gs pos="50000">
+              <a:schemeClr val="phClr">
+                <a:satMod val="110000"/>
+                <a:lumMod val="100000"/>
+                <a:shade val="100000"/>
+              </a:schemeClr>
+            </a:gs>
+            <a:gs pos="100000">
+              <a:schemeClr val="phClr">
+                <a:lumMod val="99000"/>
+                <a:satMod val="120000"/>
+                <a:shade val="78000"/>
+              </a:schemeClr>
+            </a:gs>
+          </a:gsLst>
+          <a:lin ang="5400000" scaled="0"/>
+        </a:gradFill>
+      </a:fillStyleLst>
+      <a:lnStyleLst>
+        <a:ln w="6350" cap="flat" cmpd="sng" algn="ctr">
+          <a:solidFill>
+            <a:schemeClr val="phClr"/>
+          </a:solidFill>
+          <a:prstDash val="solid"/>
+          <a:miter lim="800000"/>
+        </a:ln>
+        <a:ln w="12700" cap="flat" cmpd="sng" algn="ctr">
+          <a:solidFill>
+            <a:schemeClr val="phClr"/>
+          </a:solidFill>
+          <a:prstDash val="solid"/>
+          <a:miter lim="800000"/>
+        </a:ln>
+        <a:ln w="19050" cap="flat" cmpd="sng" algn="ctr">
+          <a:solidFill>
+            <a:schemeClr val="phClr"/>
+          </a:solidFill>
+          <a:prstDash val="solid"/>
+          <a:miter lim="800000"/>
+        </a:ln>
+      </a:lnStyleLst>
+      <a:effectStyleLst>
+        <a:effectStyle>
+          <a:effectLst/>
+        </a:effectStyle>
+        <a:effectStyle>
+          <a:effectLst/>
+        </a:effectStyle>
+        <a:effectStyle>
+          <a:effectLst>
+            <a:outerShdw blurRad="57150" dist="19050" dir="5400000" algn="ctr" rotWithShape="0">
+              <a:srgbClr val="000000">
+                <a:alpha val="63000"/>
+              </a:srgbClr>
+            </a:outerShdw>
+          </a:effectLst>
+        </a:effectStyle>
+      </a:effectStyleLst>
+      <a:bgFillStyleLst>
+        <a:solidFill>
+          <a:schemeClr val="phClr"/>
+        </a:solidFill>
+        <a:solidFill>
+          <a:schemeClr val="phClr">
+            <a:tint val="95000"/>
+            <a:satMod val="170000"/>
+          </a:schemeClr>
+        </a:solidFill>
+        <a:gradFill rotWithShape="1">
+          <a:gsLst>
+            <a:gs pos="0">
+              <a:schemeClr val="phClr">
+                <a:tint val="93000"/>
+                <a:satMod val="150000"/>
+                <a:shade val="98000"/>
+                <a:lumMod val="102000"/>
+              </a:schemeClr>
+            </a:gs>
+            <a:gs pos="50000">
+              <a:schemeClr val="phClr">
+                <a:tint val="98000"/>
+                <a:satMod val="130000"/>
+                <a:shade val="90000"/>
+                <a:lumMod val="103000"/>
+              </a:schemeClr>
+            </a:gs>
+            <a:gs pos="100000">
+              <a:schemeClr val="phClr">
+                <a:shade val="63000"/>
+                <a:satMod val="120000"/>
+              </a:schemeClr>
+            </a:gs>
+          </a:gsLst>
+          <a:lin ang="5400000" scaled="0"/>
+        </a:gradFill>
+      </a:bgFillStyleLst>
+    </a:fmtScheme>
+  </a:themeElements>
+  <a:objectDefaults/>
+  <a:extraClrSchemeLst/>
+  <a:extLst>
+    <a:ext uri="{05A4C25C-085E-4340-85A3-A5531E510DB2}">
+      <thm15:themeFamily xmlns:thm15="http://schemas.microsoft.com/office/thememl/2012/main" name="Office Theme" id="{62F939B6-93AF-4DB8-9C6B-D6C7DFDC589F}" vid="{4A3C46E8-61CC-4603-A589-7422A47A8E4A}"/>
+    </a:ext>
+  </a:extLst>
+</a:theme>
 </file>
--- a/춘식이 발표자료.pptx
+++ b/춘식이 발표자료.pptx
@@ -1,6 +1,6 @@
 
 <file path=ppt/presentation.xml><?xml version="1.0" encoding="utf-8"?>
-<p:presentation xmlns:a="http://schemas.openxmlformats.org/drawingml/2006/main" xmlns:r="http://schemas.openxmlformats.org/officeDocument/2006/relationships" xmlns:p="http://schemas.openxmlformats.org/presentationml/2006/main" saveSubsetFonts="1">
+<p:presentation xmlns:a="http://schemas.openxmlformats.org/drawingml/2006/main" xmlns:r="http://schemas.openxmlformats.org/officeDocument/2006/relationships" xmlns:p="http://schemas.openxmlformats.org/presentationml/2006/main" showSpecialPlsOnTitleSld="0" saveSubsetFonts="1">
   <p:sldMasterIdLst>
     <p:sldMasterId id="2147483684" r:id="rId1"/>
   </p:sldMasterIdLst>
@@ -482,6 +482,174 @@
 </p:notesMaster>
 </file>
 
+<file path=ppt/notesSlides/notesSlide1.xml><?xml version="1.0" encoding="utf-8"?>
+<p:notes xmlns:a="http://schemas.openxmlformats.org/drawingml/2006/main" xmlns:r="http://schemas.openxmlformats.org/officeDocument/2006/relationships" xmlns:p="http://schemas.openxmlformats.org/presentationml/2006/main">
+  <p:cSld>
+    <p:spTree>
+      <p:nvGrpSpPr>
+        <p:cNvPr id="1" name=""/>
+        <p:cNvGrpSpPr/>
+        <p:nvPr/>
+      </p:nvGrpSpPr>
+      <p:grpSpPr>
+        <a:xfrm>
+          <a:off x="0" y="0"/>
+          <a:ext cx="0" cy="0"/>
+          <a:chOff x="0" y="0"/>
+          <a:chExt cx="0" cy="0"/>
+        </a:xfrm>
+      </p:grpSpPr>
+      <p:sp>
+        <p:nvSpPr>
+          <p:cNvPr id="2" name="슬라이드 이미지 개체 틀 1"/>
+          <p:cNvSpPr>
+            <a:spLocks noGrp="1" noRot="1" noChangeAspect="1"/>
+          </p:cNvSpPr>
+          <p:nvPr>
+            <p:ph type="sldImg"/>
+          </p:nvPr>
+        </p:nvSpPr>
+        <p:spPr/>
+      </p:sp>
+      <p:sp>
+        <p:nvSpPr>
+          <p:cNvPr id="3" name="슬라이드 노트 개체 틀 2"/>
+          <p:cNvSpPr>
+            <a:spLocks noGrp="1"/>
+          </p:cNvSpPr>
+          <p:nvPr>
+            <p:ph type="body" idx="1"/>
+          </p:nvPr>
+        </p:nvSpPr>
+        <p:spPr/>
+        <p:txBody>
+          <a:bodyPr/>
+          <a:lstStyle/>
+          <a:p>
+            <a:endParaRPr kumimoji="1" lang="ko-Kore-KR" altLang="en-US" dirty="0"/>
+          </a:p>
+        </p:txBody>
+      </p:sp>
+      <p:sp>
+        <p:nvSpPr>
+          <p:cNvPr id="4" name="슬라이드 번호 개체 틀 3"/>
+          <p:cNvSpPr>
+            <a:spLocks noGrp="1"/>
+          </p:cNvSpPr>
+          <p:nvPr>
+            <p:ph type="sldNum" sz="quarter" idx="5"/>
+          </p:nvPr>
+        </p:nvSpPr>
+        <p:spPr/>
+        <p:txBody>
+          <a:bodyPr/>
+          <a:lstStyle/>
+          <a:p>
+            <a:fld id="{F20B9F4B-6129-8240-A3C6-8062DB2FBC78}" type="slidenum">
+              <a:rPr kumimoji="1" lang="ko-Kore-KR" altLang="en-US" smtClean="0"/>
+              <a:t>1</a:t>
+            </a:fld>
+            <a:endParaRPr kumimoji="1" lang="ko-Kore-KR" altLang="en-US"/>
+          </a:p>
+        </p:txBody>
+      </p:sp>
+    </p:spTree>
+    <p:extLst>
+      <p:ext uri="{BB962C8B-B14F-4D97-AF65-F5344CB8AC3E}">
+        <p14:creationId xmlns:p14="http://schemas.microsoft.com/office/powerpoint/2010/main" val="1532757353"/>
+      </p:ext>
+    </p:extLst>
+  </p:cSld>
+  <p:clrMapOvr>
+    <a:masterClrMapping/>
+  </p:clrMapOvr>
+</p:notes>
+</file>
+
+<file path=ppt/notesSlides/notesSlide2.xml><?xml version="1.0" encoding="utf-8"?>
+<p:notes xmlns:a="http://schemas.openxmlformats.org/drawingml/2006/main" xmlns:r="http://schemas.openxmlformats.org/officeDocument/2006/relationships" xmlns:p="http://schemas.openxmlformats.org/presentationml/2006/main">
+  <p:cSld>
+    <p:spTree>
+      <p:nvGrpSpPr>
+        <p:cNvPr id="1" name=""/>
+        <p:cNvGrpSpPr/>
+        <p:nvPr/>
+      </p:nvGrpSpPr>
+      <p:grpSpPr>
+        <a:xfrm>
+          <a:off x="0" y="0"/>
+          <a:ext cx="0" cy="0"/>
+          <a:chOff x="0" y="0"/>
+          <a:chExt cx="0" cy="0"/>
+        </a:xfrm>
+      </p:grpSpPr>
+      <p:sp>
+        <p:nvSpPr>
+          <p:cNvPr id="2" name="슬라이드 이미지 개체 틀 1"/>
+          <p:cNvSpPr>
+            <a:spLocks noGrp="1" noRot="1" noChangeAspect="1"/>
+          </p:cNvSpPr>
+          <p:nvPr>
+            <p:ph type="sldImg"/>
+          </p:nvPr>
+        </p:nvSpPr>
+        <p:spPr/>
+      </p:sp>
+      <p:sp>
+        <p:nvSpPr>
+          <p:cNvPr id="3" name="슬라이드 노트 개체 틀 2"/>
+          <p:cNvSpPr>
+            <a:spLocks noGrp="1"/>
+          </p:cNvSpPr>
+          <p:nvPr>
+            <p:ph type="body" idx="1"/>
+          </p:nvPr>
+        </p:nvSpPr>
+        <p:spPr/>
+        <p:txBody>
+          <a:bodyPr/>
+          <a:lstStyle/>
+          <a:p>
+            <a:endParaRPr kumimoji="1" lang="ko-Kore-KR" altLang="en-US" dirty="0"/>
+          </a:p>
+        </p:txBody>
+      </p:sp>
+      <p:sp>
+        <p:nvSpPr>
+          <p:cNvPr id="4" name="슬라이드 번호 개체 틀 3"/>
+          <p:cNvSpPr>
+            <a:spLocks noGrp="1"/>
+          </p:cNvSpPr>
+          <p:nvPr>
+            <p:ph type="sldNum" sz="quarter" idx="5"/>
+          </p:nvPr>
+        </p:nvSpPr>
+        <p:spPr/>
+        <p:txBody>
+          <a:bodyPr/>
+          <a:lstStyle/>
+          <a:p>
+            <a:fld id="{F20B9F4B-6129-8240-A3C6-8062DB2FBC78}" type="slidenum">
+              <a:rPr kumimoji="1" lang="ko-Kore-KR" altLang="en-US" smtClean="0"/>
+              <a:t>6</a:t>
+            </a:fld>
+            <a:endParaRPr kumimoji="1" lang="ko-Kore-KR" altLang="en-US"/>
+          </a:p>
+        </p:txBody>
+      </p:sp>
+    </p:spTree>
+    <p:extLst>
+      <p:ext uri="{BB962C8B-B14F-4D97-AF65-F5344CB8AC3E}">
+        <p14:creationId xmlns:p14="http://schemas.microsoft.com/office/powerpoint/2010/main" val="2817173089"/>
+      </p:ext>
+    </p:extLst>
+  </p:cSld>
+  <p:clrMapOvr>
+    <a:masterClrMapping/>
+  </p:clrMapOvr>
+</p:notes>
+</file>
+
 <file path=ppt/slideLayouts/slideLayout1.xml><?xml version="1.0" encoding="utf-8"?>
 <p:sldLayout xmlns:a="http://schemas.openxmlformats.org/drawingml/2006/main" xmlns:r="http://schemas.openxmlformats.org/officeDocument/2006/relationships" xmlns:p="http://schemas.openxmlformats.org/presentationml/2006/main" type="title" preserve="1">
   <p:cSld name="제목 슬라이드">
@@ -611,7 +779,7 @@
           <a:bodyPr/>
           <a:lstStyle/>
           <a:p>
-            <a:fld id="{E3865E59-E335-4380-AB86-4C6C7EBFDC45}" type="datetimeFigureOut">
+            <a:fld id="{CDBCCD63-E975-084C-BFF8-9E5976B9193D}" type="datetime1">
               <a:rPr lang="ko-KR" altLang="en-US" smtClean="0"/>
               <a:t>2022. 11. 24.</a:t>
             </a:fld>
@@ -781,7 +949,7 @@
           <a:bodyPr/>
           <a:lstStyle/>
           <a:p>
-            <a:fld id="{E3865E59-E335-4380-AB86-4C6C7EBFDC45}" type="datetimeFigureOut">
+            <a:fld id="{CE26EF8C-11BA-8642-8959-8C77B10FCF9C}" type="datetime1">
               <a:rPr lang="ko-KR" altLang="en-US" smtClean="0"/>
               <a:t>2022. 11. 24.</a:t>
             </a:fld>
@@ -961,7 +1129,7 @@
           <a:bodyPr/>
           <a:lstStyle/>
           <a:p>
-            <a:fld id="{E3865E59-E335-4380-AB86-4C6C7EBFDC45}" type="datetimeFigureOut">
+            <a:fld id="{4094B8B6-E237-E94C-AF7A-31B7E0D05360}" type="datetime1">
               <a:rPr lang="ko-KR" altLang="en-US" smtClean="0"/>
               <a:t>2022. 11. 24.</a:t>
             </a:fld>
@@ -1025,7 +1193,7 @@
 </file>
 
 <file path=ppt/slideLayouts/slideLayout2.xml><?xml version="1.0" encoding="utf-8"?>
-<p:sldLayout xmlns:a="http://schemas.openxmlformats.org/drawingml/2006/main" xmlns:r="http://schemas.openxmlformats.org/officeDocument/2006/relationships" xmlns:p="http://schemas.openxmlformats.org/presentationml/2006/main" type="obj" preserve="1">
+<p:sldLayout xmlns:a="http://schemas.openxmlformats.org/drawingml/2006/main" xmlns:r="http://schemas.openxmlformats.org/officeDocument/2006/relationships" xmlns:p="http://schemas.openxmlformats.org/presentationml/2006/main" preserve="1" userDrawn="1">
   <p:cSld name="제목 및 내용">
     <p:bg>
       <p:bgPr>
@@ -1035,7 +1203,7 @@
           </a:blip>
           <a:srcRect/>
           <a:stretch>
-            <a:fillRect/>
+            <a:fillRect b="-1000"/>
           </a:stretch>
         </a:blipFill>
         <a:effectLst/>
@@ -1065,13 +1233,27 @@
             <p:ph type="title"/>
           </p:nvPr>
         </p:nvSpPr>
-        <p:spPr/>
-        <p:txBody>
-          <a:bodyPr/>
-          <a:lstStyle/>
-          <a:p>
-            <a:r>
-              <a:rPr lang="ko-KR" altLang="en-US"/>
+        <p:spPr>
+          <a:xfrm>
+            <a:off x="363552" y="410368"/>
+            <a:ext cx="10515600" cy="852445"/>
+          </a:xfrm>
+        </p:spPr>
+        <p:txBody>
+          <a:bodyPr>
+            <a:normAutofit/>
+          </a:bodyPr>
+          <a:lstStyle>
+            <a:lvl1pPr>
+              <a:defRPr sz="4000">
+                <a:latin typeface="+mj-ea"/>
+                <a:ea typeface="+mj-ea"/>
+              </a:defRPr>
+            </a:lvl1pPr>
+          </a:lstStyle>
+          <a:p>
+            <a:r>
+              <a:rPr lang="ko-KR" altLang="en-US" dirty="0"/>
               <a:t>마스터 제목 스타일 편집</a:t>
             </a:r>
             <a:endParaRPr lang="en-US" dirty="0"/>
@@ -1132,29 +1314,6 @@
       </p:sp>
       <p:sp>
         <p:nvSpPr>
-          <p:cNvPr id="4" name="Date Placeholder 3"/>
-          <p:cNvSpPr>
-            <a:spLocks noGrp="1"/>
-          </p:cNvSpPr>
-          <p:nvPr>
-            <p:ph type="dt" sz="half" idx="10"/>
-          </p:nvPr>
-        </p:nvSpPr>
-        <p:spPr/>
-        <p:txBody>
-          <a:bodyPr/>
-          <a:lstStyle/>
-          <a:p>
-            <a:fld id="{E3865E59-E335-4380-AB86-4C6C7EBFDC45}" type="datetimeFigureOut">
-              <a:rPr lang="ko-KR" altLang="en-US" smtClean="0"/>
-              <a:t>2022. 11. 24.</a:t>
-            </a:fld>
-            <a:endParaRPr lang="ko-KR" altLang="en-US"/>
-          </a:p>
-        </p:txBody>
-      </p:sp>
-      <p:sp>
-        <p:nvSpPr>
           <p:cNvPr id="5" name="Footer Placeholder 4"/>
           <p:cNvSpPr>
             <a:spLocks noGrp="1"/>
@@ -1182,13 +1341,23 @@
             <p:ph type="sldNum" sz="quarter" idx="12"/>
           </p:nvPr>
         </p:nvSpPr>
-        <p:spPr/>
+        <p:spPr>
+          <a:xfrm>
+            <a:off x="173981" y="6356349"/>
+            <a:ext cx="2743200" cy="365125"/>
+          </a:xfrm>
+        </p:spPr>
         <p:txBody>
           <a:bodyPr/>
-          <a:lstStyle/>
+          <a:lstStyle>
+            <a:lvl1pPr algn="l">
+              <a:defRPr/>
+            </a:lvl1pPr>
+          </a:lstStyle>
           <a:p>
             <a:fld id="{B9B3F6AA-D5DF-4F06-B01A-E477E3AFDA36}" type="slidenum">
               <a:rPr lang="ko-KR" altLang="en-US" smtClean="0"/>
+              <a:pPr/>
               <a:t>‹#›</a:t>
             </a:fld>
             <a:endParaRPr lang="ko-KR" altLang="en-US"/>
@@ -1391,7 +1560,7 @@
           <a:bodyPr/>
           <a:lstStyle/>
           <a:p>
-            <a:fld id="{E3865E59-E335-4380-AB86-4C6C7EBFDC45}" type="datetimeFigureOut">
+            <a:fld id="{5723993A-847C-644F-AC78-1AA836A0EC12}" type="datetime1">
               <a:rPr lang="ko-KR" altLang="en-US" smtClean="0"/>
               <a:t>2022. 11. 24.</a:t>
             </a:fld>
@@ -1623,7 +1792,7 @@
           <a:bodyPr/>
           <a:lstStyle/>
           <a:p>
-            <a:fld id="{E3865E59-E335-4380-AB86-4C6C7EBFDC45}" type="datetimeFigureOut">
+            <a:fld id="{5A5F80BE-9E91-094F-9569-45CD51B71D76}" type="datetime1">
               <a:rPr lang="ko-KR" altLang="en-US" smtClean="0"/>
               <a:t>2022. 11. 24.</a:t>
             </a:fld>
@@ -1990,7 +2159,7 @@
           <a:bodyPr/>
           <a:lstStyle/>
           <a:p>
-            <a:fld id="{E3865E59-E335-4380-AB86-4C6C7EBFDC45}" type="datetimeFigureOut">
+            <a:fld id="{EF6FE449-B413-BA4A-B84E-69D8D48664B2}" type="datetime1">
               <a:rPr lang="ko-KR" altLang="en-US" smtClean="0"/>
               <a:t>2022. 11. 24.</a:t>
             </a:fld>
@@ -2108,7 +2277,7 @@
           <a:bodyPr/>
           <a:lstStyle/>
           <a:p>
-            <a:fld id="{E3865E59-E335-4380-AB86-4C6C7EBFDC45}" type="datetimeFigureOut">
+            <a:fld id="{3858E60F-6F74-2040-A4DB-1F5C3098F64D}" type="datetime1">
               <a:rPr lang="ko-KR" altLang="en-US" smtClean="0"/>
               <a:t>2022. 11. 24.</a:t>
             </a:fld>
@@ -2203,7 +2372,7 @@
           <a:bodyPr/>
           <a:lstStyle/>
           <a:p>
-            <a:fld id="{E3865E59-E335-4380-AB86-4C6C7EBFDC45}" type="datetimeFigureOut">
+            <a:fld id="{D7EE6064-FBAB-2E4D-8646-0B1A86259132}" type="datetime1">
               <a:rPr lang="ko-KR" altLang="en-US" smtClean="0"/>
               <a:t>2022. 11. 24.</a:t>
             </a:fld>
@@ -2480,7 +2649,7 @@
           <a:bodyPr/>
           <a:lstStyle/>
           <a:p>
-            <a:fld id="{E3865E59-E335-4380-AB86-4C6C7EBFDC45}" type="datetimeFigureOut">
+            <a:fld id="{7E4AB159-BEC5-4743-94E1-1365471875C0}" type="datetime1">
               <a:rPr lang="ko-KR" altLang="en-US" smtClean="0"/>
               <a:t>2022. 11. 24.</a:t>
             </a:fld>
@@ -2737,7 +2906,7 @@
           <a:bodyPr/>
           <a:lstStyle/>
           <a:p>
-            <a:fld id="{E3865E59-E335-4380-AB86-4C6C7EBFDC45}" type="datetimeFigureOut">
+            <a:fld id="{940543D9-65EF-7A44-AD89-B764D7E96187}" type="datetime1">
               <a:rPr lang="ko-KR" altLang="en-US" smtClean="0"/>
               <a:t>2022. 11. 24.</a:t>
             </a:fld>
@@ -2950,7 +3119,7 @@
             </a:lvl1pPr>
           </a:lstStyle>
           <a:p>
-            <a:fld id="{E3865E59-E335-4380-AB86-4C6C7EBFDC45}" type="datetimeFigureOut">
+            <a:fld id="{17D63F26-5677-E94A-B04A-0BF4F647B5CA}" type="datetime1">
               <a:rPr lang="ko-KR" altLang="en-US" smtClean="0"/>
               <a:t>2022. 11. 24.</a:t>
             </a:fld>
@@ -3057,6 +3226,7 @@
     <p:sldLayoutId id="2147483694" r:id="rId10"/>
     <p:sldLayoutId id="2147483695" r:id="rId11"/>
   </p:sldLayoutIdLst>
+  <p:hf hdr="0" ftr="0" dt="0"/>
   <p:txStyles>
     <p:titleStyle>
       <a:lvl1pPr algn="l" defTabSz="914400" rtl="0" eaLnBrk="1" latinLnBrk="1" hangingPunct="1">
@@ -3366,7 +3536,7 @@
           <p:nvPr/>
         </p:nvPicPr>
         <p:blipFill>
-          <a:blip r:embed="rId2">
+          <a:blip r:embed="rId3">
             <a:extLst>
               <a:ext uri="{28A0092B-C50C-407E-A947-70E740481C1C}">
                 <a14:useLocalDpi xmlns:a14="http://schemas.microsoft.com/office/drawing/2010/main" val="0"/>
@@ -4016,6 +4186,36 @@
           </a:p>
         </p:txBody>
       </p:sp>
+      <p:sp>
+        <p:nvSpPr>
+          <p:cNvPr id="7" name="슬라이드 번호 개체 틀 6">
+            <a:extLst>
+              <a:ext uri="{FF2B5EF4-FFF2-40B4-BE49-F238E27FC236}">
+                <a16:creationId xmlns:a16="http://schemas.microsoft.com/office/drawing/2014/main" id="{7EBC34BD-B123-F6BD-7194-63332E284423}"/>
+              </a:ext>
+            </a:extLst>
+          </p:cNvPr>
+          <p:cNvSpPr>
+            <a:spLocks noGrp="1"/>
+          </p:cNvSpPr>
+          <p:nvPr>
+            <p:ph type="sldNum" sz="quarter" idx="12"/>
+          </p:nvPr>
+        </p:nvSpPr>
+        <p:spPr/>
+        <p:txBody>
+          <a:bodyPr/>
+          <a:lstStyle/>
+          <a:p>
+            <a:fld id="{B9B3F6AA-D5DF-4F06-B01A-E477E3AFDA36}" type="slidenum">
+              <a:rPr lang="ko-KR" altLang="en-US" smtClean="0"/>
+              <a:pPr/>
+              <a:t>10</a:t>
+            </a:fld>
+            <a:endParaRPr lang="ko-KR" altLang="en-US"/>
+          </a:p>
+        </p:txBody>
+      </p:sp>
     </p:spTree>
     <p:extLst>
       <p:ext uri="{BB962C8B-B14F-4D97-AF65-F5344CB8AC3E}">
@@ -4695,6 +4895,36 @@
           </a:prstGeom>
         </p:spPr>
       </p:pic>
+      <p:sp>
+        <p:nvSpPr>
+          <p:cNvPr id="3" name="슬라이드 번호 개체 틀 2">
+            <a:extLst>
+              <a:ext uri="{FF2B5EF4-FFF2-40B4-BE49-F238E27FC236}">
+                <a16:creationId xmlns:a16="http://schemas.microsoft.com/office/drawing/2014/main" id="{3C99E134-A3FE-4F47-EB81-63610EB5ADC0}"/>
+              </a:ext>
+            </a:extLst>
+          </p:cNvPr>
+          <p:cNvSpPr>
+            <a:spLocks noGrp="1"/>
+          </p:cNvSpPr>
+          <p:nvPr>
+            <p:ph type="sldNum" sz="quarter" idx="12"/>
+          </p:nvPr>
+        </p:nvSpPr>
+        <p:spPr/>
+        <p:txBody>
+          <a:bodyPr/>
+          <a:lstStyle/>
+          <a:p>
+            <a:fld id="{B9B3F6AA-D5DF-4F06-B01A-E477E3AFDA36}" type="slidenum">
+              <a:rPr lang="ko-KR" altLang="en-US" smtClean="0"/>
+              <a:pPr/>
+              <a:t>11</a:t>
+            </a:fld>
+            <a:endParaRPr lang="ko-KR" altLang="en-US"/>
+          </a:p>
+        </p:txBody>
+      </p:sp>
     </p:spTree>
     <p:extLst>
       <p:ext uri="{BB962C8B-B14F-4D97-AF65-F5344CB8AC3E}">
@@ -5037,6 +5267,36 @@
               <a:latin typeface="+mn-ea"/>
               <a:ea typeface="+mn-ea"/>
             </a:endParaRPr>
+          </a:p>
+        </p:txBody>
+      </p:sp>
+      <p:sp>
+        <p:nvSpPr>
+          <p:cNvPr id="3" name="슬라이드 번호 개체 틀 2">
+            <a:extLst>
+              <a:ext uri="{FF2B5EF4-FFF2-40B4-BE49-F238E27FC236}">
+                <a16:creationId xmlns:a16="http://schemas.microsoft.com/office/drawing/2014/main" id="{D36EEF99-F567-9AC9-000F-C4867D8DD95A}"/>
+              </a:ext>
+            </a:extLst>
+          </p:cNvPr>
+          <p:cNvSpPr>
+            <a:spLocks noGrp="1"/>
+          </p:cNvSpPr>
+          <p:nvPr>
+            <p:ph type="sldNum" sz="quarter" idx="12"/>
+          </p:nvPr>
+        </p:nvSpPr>
+        <p:spPr/>
+        <p:txBody>
+          <a:bodyPr/>
+          <a:lstStyle/>
+          <a:p>
+            <a:fld id="{B9B3F6AA-D5DF-4F06-B01A-E477E3AFDA36}" type="slidenum">
+              <a:rPr lang="ko-KR" altLang="en-US" smtClean="0"/>
+              <a:pPr/>
+              <a:t>12</a:t>
+            </a:fld>
+            <a:endParaRPr lang="ko-KR" altLang="en-US"/>
           </a:p>
         </p:txBody>
       </p:sp>
@@ -5293,6 +5553,36 @@
           </a:prstGeom>
         </p:spPr>
       </p:pic>
+      <p:sp>
+        <p:nvSpPr>
+          <p:cNvPr id="3" name="슬라이드 번호 개체 틀 2">
+            <a:extLst>
+              <a:ext uri="{FF2B5EF4-FFF2-40B4-BE49-F238E27FC236}">
+                <a16:creationId xmlns:a16="http://schemas.microsoft.com/office/drawing/2014/main" id="{F45D45D4-8FBF-1C18-2E37-96BFA6A0D7F9}"/>
+              </a:ext>
+            </a:extLst>
+          </p:cNvPr>
+          <p:cNvSpPr>
+            <a:spLocks noGrp="1"/>
+          </p:cNvSpPr>
+          <p:nvPr>
+            <p:ph type="sldNum" sz="quarter" idx="12"/>
+          </p:nvPr>
+        </p:nvSpPr>
+        <p:spPr/>
+        <p:txBody>
+          <a:bodyPr/>
+          <a:lstStyle/>
+          <a:p>
+            <a:fld id="{B9B3F6AA-D5DF-4F06-B01A-E477E3AFDA36}" type="slidenum">
+              <a:rPr lang="ko-KR" altLang="en-US" smtClean="0"/>
+              <a:pPr/>
+              <a:t>13</a:t>
+            </a:fld>
+            <a:endParaRPr lang="ko-KR" altLang="en-US"/>
+          </a:p>
+        </p:txBody>
+      </p:sp>
     </p:spTree>
     <p:extLst>
       <p:ext uri="{BB962C8B-B14F-4D97-AF65-F5344CB8AC3E}">
@@ -5471,40 +5761,37 @@
               <a:defRPr/>
             </a:pPr>
             <a:r>
+              <a:rPr lang="ko-KR" altLang="en-US" sz="2100" spc="-150" dirty="0">
+                <a:latin typeface="+mn-ea"/>
+                <a:ea typeface="+mn-ea"/>
+              </a:rPr>
+              <a:t>데이터 전처리 </a:t>
+            </a:r>
+            <a:r>
               <a:rPr lang="en-US" altLang="ko-KR" sz="2100" spc="-150" dirty="0">
                 <a:latin typeface="+mn-ea"/>
                 <a:ea typeface="+mn-ea"/>
               </a:rPr>
-              <a:t>1.</a:t>
-            </a:r>
+              <a:t>:</a:t>
+            </a:r>
+            <a:endParaRPr lang="en-US" altLang="ko-KR" sz="2100" u="sng" spc="-150" dirty="0">
+              <a:latin typeface="+mn-ea"/>
+              <a:ea typeface="+mn-ea"/>
+            </a:endParaRPr>
+          </a:p>
+          <a:p>
+            <a:pPr>
+              <a:lnSpc>
+                <a:spcPct val="120000"/>
+              </a:lnSpc>
+              <a:defRPr/>
+            </a:pPr>
             <a:r>
               <a:rPr lang="ko-KR" altLang="en-US" sz="2100" spc="-150" dirty="0">
                 <a:latin typeface="+mn-ea"/>
                 <a:ea typeface="+mn-ea"/>
               </a:rPr>
-              <a:t> 데이터 전처리</a:t>
-            </a:r>
-            <a:r>
-              <a:rPr lang="en-US" altLang="ko-KR" sz="2100" spc="-150" dirty="0">
-                <a:latin typeface="+mn-ea"/>
-                <a:ea typeface="+mn-ea"/>
-              </a:rPr>
-              <a:t>:</a:t>
-            </a:r>
-          </a:p>
-          <a:p>
-            <a:pPr>
-              <a:lnSpc>
-                <a:spcPct val="120000"/>
-              </a:lnSpc>
-              <a:defRPr/>
-            </a:pPr>
-            <a:r>
-              <a:rPr lang="ko-KR" altLang="en-US" sz="2100" spc="-150" dirty="0">
-                <a:latin typeface="+mn-ea"/>
-                <a:ea typeface="+mn-ea"/>
-              </a:rPr>
-              <a:t>정확도를 올리려면 모델 학습의 기초인 전처리가 잘 되어있어야 합니다</a:t>
+              <a:t>정확도를 올리기 위해서는 모델 학습의 기초인 전처리가 잘 되어있어야 합니다</a:t>
             </a:r>
             <a:r>
               <a:rPr lang="en-US" altLang="ko-KR" sz="2100" spc="-150" dirty="0">
@@ -5556,88 +5843,85 @@
               <a:defRPr/>
             </a:pPr>
             <a:r>
+              <a:rPr lang="ko-KR" altLang="en-US" sz="2100" spc="-150" dirty="0">
+                <a:latin typeface="+mn-ea"/>
+                <a:ea typeface="+mn-ea"/>
+              </a:rPr>
+              <a:t>모델 학습 </a:t>
+            </a:r>
+            <a:r>
               <a:rPr lang="en-US" altLang="ko-KR" sz="2100" spc="-150" dirty="0">
                 <a:latin typeface="+mn-ea"/>
                 <a:ea typeface="+mn-ea"/>
               </a:rPr>
-              <a:t>2.</a:t>
-            </a:r>
+              <a:t>:</a:t>
+            </a:r>
+          </a:p>
+          <a:p>
+            <a:pPr>
+              <a:lnSpc>
+                <a:spcPct val="120000"/>
+              </a:lnSpc>
+              <a:defRPr/>
+            </a:pPr>
             <a:r>
               <a:rPr lang="ko-KR" altLang="en-US" sz="2100" spc="-150" dirty="0">
                 <a:latin typeface="+mn-ea"/>
                 <a:ea typeface="+mn-ea"/>
               </a:rPr>
-              <a:t> 모델 학습</a:t>
+              <a:t>모델 학습 시 레이어 설정과 최적화 함수</a:t>
             </a:r>
             <a:r>
               <a:rPr lang="en-US" altLang="ko-KR" sz="2100" spc="-150" dirty="0">
                 <a:latin typeface="+mn-ea"/>
                 <a:ea typeface="+mn-ea"/>
               </a:rPr>
-              <a:t>:</a:t>
-            </a:r>
-          </a:p>
-          <a:p>
-            <a:pPr>
-              <a:lnSpc>
-                <a:spcPct val="120000"/>
-              </a:lnSpc>
-              <a:defRPr/>
-            </a:pPr>
+              <a:t>,</a:t>
+            </a:r>
             <a:r>
               <a:rPr lang="ko-KR" altLang="en-US" sz="2100" spc="-150" dirty="0">
                 <a:latin typeface="+mn-ea"/>
                 <a:ea typeface="+mn-ea"/>
               </a:rPr>
-              <a:t>모델 학습 시 레이어 설정과 최적화 함수</a:t>
+              <a:t> 하이퍼파라미터 등을 조작하며 모델의 성능을 늘렸습니다</a:t>
             </a:r>
             <a:r>
               <a:rPr lang="en-US" altLang="ko-KR" sz="2100" spc="-150" dirty="0">
                 <a:latin typeface="+mn-ea"/>
                 <a:ea typeface="+mn-ea"/>
               </a:rPr>
-              <a:t>,</a:t>
-            </a:r>
-            <a:r>
-              <a:rPr lang="ko-KR" altLang="en-US" sz="2100" spc="-150" dirty="0">
-                <a:latin typeface="+mn-ea"/>
-                <a:ea typeface="+mn-ea"/>
-              </a:rPr>
-              <a:t> </a:t>
-            </a:r>
-            <a:endParaRPr lang="en-US" altLang="ko-KR" sz="2100" spc="-150" dirty="0">
-              <a:latin typeface="+mn-ea"/>
-              <a:ea typeface="+mn-ea"/>
-            </a:endParaRPr>
-          </a:p>
-          <a:p>
-            <a:pPr>
-              <a:lnSpc>
-                <a:spcPct val="120000"/>
-              </a:lnSpc>
-              <a:defRPr/>
-            </a:pPr>
-            <a:r>
-              <a:rPr lang="ko-KR" altLang="en-US" sz="2100" spc="-150" dirty="0" err="1">
-                <a:latin typeface="+mn-ea"/>
-                <a:ea typeface="+mn-ea"/>
-              </a:rPr>
-              <a:t>하이퍼파라미터</a:t>
-            </a:r>
-            <a:r>
-              <a:rPr lang="ko-KR" altLang="en-US" sz="2100" spc="-150" dirty="0">
-                <a:latin typeface="+mn-ea"/>
-                <a:ea typeface="+mn-ea"/>
-              </a:rPr>
-              <a:t> 등을 조작하며 모델의 성능을 늘렸습니다</a:t>
-            </a:r>
-            <a:r>
-              <a:rPr lang="en-US" altLang="ko-KR" sz="2100" spc="-150" dirty="0">
-                <a:latin typeface="+mn-ea"/>
-                <a:ea typeface="+mn-ea"/>
-              </a:rPr>
               <a:t>.</a:t>
             </a:r>
+          </a:p>
+        </p:txBody>
+      </p:sp>
+      <p:sp>
+        <p:nvSpPr>
+          <p:cNvPr id="3" name="슬라이드 번호 개체 틀 2">
+            <a:extLst>
+              <a:ext uri="{FF2B5EF4-FFF2-40B4-BE49-F238E27FC236}">
+                <a16:creationId xmlns:a16="http://schemas.microsoft.com/office/drawing/2014/main" id="{61537226-53B2-B954-0557-7EE30C3C0388}"/>
+              </a:ext>
+            </a:extLst>
+          </p:cNvPr>
+          <p:cNvSpPr>
+            <a:spLocks noGrp="1"/>
+          </p:cNvSpPr>
+          <p:nvPr>
+            <p:ph type="sldNum" sz="quarter" idx="12"/>
+          </p:nvPr>
+        </p:nvSpPr>
+        <p:spPr/>
+        <p:txBody>
+          <a:bodyPr/>
+          <a:lstStyle/>
+          <a:p>
+            <a:fld id="{B9B3F6AA-D5DF-4F06-B01A-E477E3AFDA36}" type="slidenum">
+              <a:rPr lang="ko-KR" altLang="en-US" smtClean="0"/>
+              <a:pPr/>
+              <a:t>14</a:t>
+            </a:fld>
+            <a:endParaRPr lang="ko-KR" altLang="en-US"/>
           </a:p>
         </p:txBody>
       </p:sp>
@@ -6116,6 +6400,36 @@
               <a:latin typeface="+mn-ea"/>
               <a:ea typeface="+mn-ea"/>
             </a:endParaRPr>
+          </a:p>
+        </p:txBody>
+      </p:sp>
+      <p:sp>
+        <p:nvSpPr>
+          <p:cNvPr id="5" name="슬라이드 번호 개체 틀 4">
+            <a:extLst>
+              <a:ext uri="{FF2B5EF4-FFF2-40B4-BE49-F238E27FC236}">
+                <a16:creationId xmlns:a16="http://schemas.microsoft.com/office/drawing/2014/main" id="{92602E9C-1572-95AC-4C5B-4921BC40A799}"/>
+              </a:ext>
+            </a:extLst>
+          </p:cNvPr>
+          <p:cNvSpPr>
+            <a:spLocks noGrp="1"/>
+          </p:cNvSpPr>
+          <p:nvPr>
+            <p:ph type="sldNum" sz="quarter" idx="12"/>
+          </p:nvPr>
+        </p:nvSpPr>
+        <p:spPr/>
+        <p:txBody>
+          <a:bodyPr/>
+          <a:lstStyle/>
+          <a:p>
+            <a:fld id="{B9B3F6AA-D5DF-4F06-B01A-E477E3AFDA36}" type="slidenum">
+              <a:rPr lang="ko-KR" altLang="en-US" smtClean="0"/>
+              <a:pPr/>
+              <a:t>15</a:t>
+            </a:fld>
+            <a:endParaRPr lang="ko-KR" altLang="en-US"/>
           </a:p>
         </p:txBody>
       </p:sp>
@@ -6542,6 +6856,36 @@
             <a:endParaRPr kumimoji="1" lang="ko-Kore-KR" altLang="en-US" dirty="0">
               <a:latin typeface="+mn-ea"/>
             </a:endParaRPr>
+          </a:p>
+        </p:txBody>
+      </p:sp>
+      <p:sp>
+        <p:nvSpPr>
+          <p:cNvPr id="3" name="슬라이드 번호 개체 틀 2">
+            <a:extLst>
+              <a:ext uri="{FF2B5EF4-FFF2-40B4-BE49-F238E27FC236}">
+                <a16:creationId xmlns:a16="http://schemas.microsoft.com/office/drawing/2014/main" id="{AF070B86-E85C-F8CB-FEEB-70EE370CFB09}"/>
+              </a:ext>
+            </a:extLst>
+          </p:cNvPr>
+          <p:cNvSpPr>
+            <a:spLocks noGrp="1"/>
+          </p:cNvSpPr>
+          <p:nvPr>
+            <p:ph type="sldNum" sz="quarter" idx="12"/>
+          </p:nvPr>
+        </p:nvSpPr>
+        <p:spPr/>
+        <p:txBody>
+          <a:bodyPr/>
+          <a:lstStyle/>
+          <a:p>
+            <a:fld id="{B9B3F6AA-D5DF-4F06-B01A-E477E3AFDA36}" type="slidenum">
+              <a:rPr lang="ko-KR" altLang="en-US" smtClean="0"/>
+              <a:pPr/>
+              <a:t>16</a:t>
+            </a:fld>
+            <a:endParaRPr lang="ko-KR" altLang="en-US"/>
           </a:p>
         </p:txBody>
       </p:sp>
@@ -6819,6 +7163,36 @@
           </a:prstGeom>
         </p:spPr>
       </p:pic>
+      <p:sp>
+        <p:nvSpPr>
+          <p:cNvPr id="3" name="슬라이드 번호 개체 틀 2">
+            <a:extLst>
+              <a:ext uri="{FF2B5EF4-FFF2-40B4-BE49-F238E27FC236}">
+                <a16:creationId xmlns:a16="http://schemas.microsoft.com/office/drawing/2014/main" id="{86714DBB-2597-A7E4-DA65-DAE5248E5C3C}"/>
+              </a:ext>
+            </a:extLst>
+          </p:cNvPr>
+          <p:cNvSpPr>
+            <a:spLocks noGrp="1"/>
+          </p:cNvSpPr>
+          <p:nvPr>
+            <p:ph type="sldNum" sz="quarter" idx="12"/>
+          </p:nvPr>
+        </p:nvSpPr>
+        <p:spPr/>
+        <p:txBody>
+          <a:bodyPr/>
+          <a:lstStyle/>
+          <a:p>
+            <a:fld id="{B9B3F6AA-D5DF-4F06-B01A-E477E3AFDA36}" type="slidenum">
+              <a:rPr lang="ko-KR" altLang="en-US" smtClean="0"/>
+              <a:pPr/>
+              <a:t>17</a:t>
+            </a:fld>
+            <a:endParaRPr lang="ko-KR" altLang="en-US"/>
+          </a:p>
+        </p:txBody>
+      </p:sp>
     </p:spTree>
     <p:extLst>
       <p:ext uri="{BB962C8B-B14F-4D97-AF65-F5344CB8AC3E}">
@@ -7168,22 +7542,13 @@
           <a:p>
             <a:pPr algn="ctr"/>
             <a:r>
-              <a:rPr kumimoji="1" lang="en-US" altLang="ko-KR" sz="1400" dirty="0">
-                <a:solidFill>
-                  <a:schemeClr val="tx1"/>
-                </a:solidFill>
-                <a:latin typeface="+mn-ea"/>
-              </a:rPr>
-              <a:t>1</a:t>
-            </a:r>
-            <a:r>
               <a:rPr kumimoji="1" lang="ko-KR" altLang="en-US" sz="1400" dirty="0">
                 <a:solidFill>
                   <a:schemeClr val="tx1"/>
                 </a:solidFill>
                 <a:latin typeface="+mn-ea"/>
               </a:rPr>
-              <a:t>학년 남우석</a:t>
+              <a:t> 남우석</a:t>
             </a:r>
             <a:endParaRPr kumimoji="1" lang="en-US" altLang="ko-KR" sz="1400" dirty="0">
               <a:solidFill>
@@ -7266,16 +7631,10 @@
           <a:p>
             <a:pPr algn="ctr"/>
             <a:r>
-              <a:rPr kumimoji="1" lang="en-US" altLang="ko-KR" sz="1400" dirty="0">
-                <a:latin typeface="+mn-ea"/>
-              </a:rPr>
-              <a:t>3</a:t>
-            </a:r>
-            <a:r>
               <a:rPr kumimoji="1" lang="ko-KR" altLang="en-US" sz="1400" dirty="0">
                 <a:latin typeface="+mn-ea"/>
               </a:rPr>
-              <a:t>학년 김재훈</a:t>
+              <a:t>김재훈</a:t>
             </a:r>
             <a:endParaRPr kumimoji="1" lang="en-US" altLang="ko-KR" sz="1400" dirty="0">
               <a:latin typeface="+mn-ea"/>
@@ -7346,16 +7705,10 @@
           <a:p>
             <a:pPr algn="ctr"/>
             <a:r>
-              <a:rPr kumimoji="1" lang="en-US" altLang="ko-KR" sz="1400" dirty="0">
-                <a:latin typeface="+mn-ea"/>
-              </a:rPr>
-              <a:t>1</a:t>
-            </a:r>
-            <a:r>
               <a:rPr kumimoji="1" lang="ko-KR" altLang="en-US" sz="1400" dirty="0">
                 <a:latin typeface="+mn-ea"/>
               </a:rPr>
-              <a:t>학년 안진영</a:t>
+              <a:t>안진영</a:t>
             </a:r>
             <a:endParaRPr kumimoji="1" lang="en-US" altLang="ko-KR" sz="1400" dirty="0">
               <a:latin typeface="+mn-ea"/>
@@ -7426,16 +7779,10 @@
           <a:p>
             <a:pPr algn="ctr"/>
             <a:r>
-              <a:rPr kumimoji="1" lang="en-US" altLang="ko-KR" sz="1400" dirty="0">
-                <a:latin typeface="+mn-ea"/>
-              </a:rPr>
-              <a:t>1</a:t>
-            </a:r>
-            <a:r>
-              <a:rPr kumimoji="1" lang="ko-KR" altLang="en-US" sz="1400" dirty="0">
-                <a:latin typeface="+mn-ea"/>
-              </a:rPr>
-              <a:t>학년 이채은</a:t>
+              <a:rPr kumimoji="1" lang="ko-KR" altLang="en-US" sz="1400" dirty="0" err="1">
+                <a:latin typeface="+mn-ea"/>
+              </a:rPr>
+              <a:t>이채은</a:t>
             </a:r>
             <a:endParaRPr kumimoji="1" lang="en-US" altLang="ko-KR" sz="1400" dirty="0">
               <a:latin typeface="+mn-ea"/>
@@ -7475,8 +7822,8 @@
         </p:nvSpPr>
         <p:spPr>
           <a:xfrm>
-            <a:off x="9643461" y="3899902"/>
-            <a:ext cx="2110041" cy="927034"/>
+            <a:off x="9643462" y="3899902"/>
+            <a:ext cx="1466850" cy="927034"/>
           </a:xfrm>
           <a:prstGeom prst="wedgeRoundRectCallout">
             <a:avLst>
@@ -7506,16 +7853,10 @@
           <a:p>
             <a:pPr algn="ctr"/>
             <a:r>
-              <a:rPr kumimoji="1" lang="en-US" altLang="ko-KR" sz="1400" dirty="0">
-                <a:latin typeface="+mn-ea"/>
-              </a:rPr>
-              <a:t>1</a:t>
-            </a:r>
-            <a:r>
               <a:rPr kumimoji="1" lang="ko-KR" altLang="en-US" sz="1400" dirty="0">
                 <a:latin typeface="+mn-ea"/>
               </a:rPr>
-              <a:t>학년 전우진</a:t>
+              <a:t>전우진</a:t>
             </a:r>
             <a:endParaRPr kumimoji="1" lang="en-US" altLang="ko-KR" sz="1400" dirty="0">
               <a:latin typeface="+mn-ea"/>
@@ -7533,19 +7874,13 @@
               <a:rPr kumimoji="1" lang="ko-KR" altLang="en-US" sz="1400" dirty="0">
                 <a:latin typeface="+mn-ea"/>
               </a:rPr>
-              <a:t>자료조사 및 </a:t>
-            </a:r>
-            <a:r>
-              <a:rPr kumimoji="1" lang="en-US" altLang="ko-KR" sz="1400" dirty="0">
-                <a:latin typeface="+mn-ea"/>
-              </a:rPr>
-              <a:t>PPT </a:t>
-            </a:r>
-            <a:r>
-              <a:rPr kumimoji="1" lang="ko-KR" altLang="en-US" sz="1400" dirty="0">
-                <a:latin typeface="+mn-ea"/>
-              </a:rPr>
-              <a:t>제작</a:t>
+              <a:t>이미지 </a:t>
+            </a:r>
+            <a:r>
+              <a:rPr kumimoji="1" lang="en-US" altLang="ko-Kore-KR" sz="1400" dirty="0">
+                <a:latin typeface="+mn-ea"/>
+              </a:rPr>
+              <a:t>QA</a:t>
             </a:r>
             <a:endParaRPr kumimoji="1" lang="ko-Kore-KR" altLang="en-US" sz="1400" dirty="0">
               <a:latin typeface="+mn-ea"/>
@@ -7582,6 +7917,36 @@
           <a:lstStyle/>
           <a:p>
             <a:endParaRPr kumimoji="1" lang="ko-Kore-KR" altLang="en-US"/>
+          </a:p>
+        </p:txBody>
+      </p:sp>
+      <p:sp>
+        <p:nvSpPr>
+          <p:cNvPr id="10" name="슬라이드 번호 개체 틀 9">
+            <a:extLst>
+              <a:ext uri="{FF2B5EF4-FFF2-40B4-BE49-F238E27FC236}">
+                <a16:creationId xmlns:a16="http://schemas.microsoft.com/office/drawing/2014/main" id="{4A2DD77F-327E-07AC-5947-2907BD48C569}"/>
+              </a:ext>
+            </a:extLst>
+          </p:cNvPr>
+          <p:cNvSpPr>
+            <a:spLocks noGrp="1"/>
+          </p:cNvSpPr>
+          <p:nvPr>
+            <p:ph type="sldNum" sz="quarter" idx="12"/>
+          </p:nvPr>
+        </p:nvSpPr>
+        <p:spPr/>
+        <p:txBody>
+          <a:bodyPr/>
+          <a:lstStyle/>
+          <a:p>
+            <a:fld id="{B9B3F6AA-D5DF-4F06-B01A-E477E3AFDA36}" type="slidenum">
+              <a:rPr lang="ko-KR" altLang="en-US" smtClean="0"/>
+              <a:pPr/>
+              <a:t>2</a:t>
+            </a:fld>
+            <a:endParaRPr lang="ko-KR" altLang="en-US"/>
           </a:p>
         </p:txBody>
       </p:sp>
@@ -7652,12 +8017,101 @@
           </a:p>
         </p:txBody>
       </p:sp>
+      <p:sp>
+        <p:nvSpPr>
+          <p:cNvPr id="7" name="TextBox 6">
+            <a:extLst>
+              <a:ext uri="{FF2B5EF4-FFF2-40B4-BE49-F238E27FC236}">
+                <a16:creationId xmlns:a16="http://schemas.microsoft.com/office/drawing/2014/main" id="{8A6DB511-8C07-1851-FC02-84D47BD09EBB}"/>
+              </a:ext>
+            </a:extLst>
+          </p:cNvPr>
+          <p:cNvSpPr txBox="1"/>
+          <p:nvPr/>
+        </p:nvSpPr>
+        <p:spPr>
+          <a:xfrm>
+            <a:off x="210312" y="4910328"/>
+            <a:ext cx="11738890" cy="384721"/>
+          </a:xfrm>
+          <a:prstGeom prst="rect">
+            <a:avLst/>
+          </a:prstGeom>
+          <a:noFill/>
+        </p:spPr>
+        <p:txBody>
+          <a:bodyPr wrap="square" rtlCol="0">
+            <a:spAutoFit/>
+          </a:bodyPr>
+          <a:lstStyle/>
+          <a:p>
+            <a:pPr algn="ctr"/>
+            <a:r>
+              <a:rPr kumimoji="1" lang="ko-KR" altLang="en-US" sz="1900" dirty="0">
+                <a:latin typeface="+mn-ea"/>
+              </a:rPr>
+              <a:t>위와 같은 워크플로우를 구축하여 학습 데이터셋을 만들고</a:t>
+            </a:r>
+            <a:r>
+              <a:rPr kumimoji="1" lang="en-US" altLang="ko-KR" sz="1900" dirty="0">
+                <a:latin typeface="+mn-ea"/>
+              </a:rPr>
+              <a:t>,</a:t>
+            </a:r>
+            <a:r>
+              <a:rPr kumimoji="1" lang="ko-KR" altLang="en-US" sz="1900" dirty="0">
+                <a:latin typeface="+mn-ea"/>
+              </a:rPr>
+              <a:t> 모델 학습 진행했습니다</a:t>
+            </a:r>
+            <a:r>
+              <a:rPr kumimoji="1" lang="en-US" altLang="ko-KR" sz="1900" dirty="0">
+                <a:latin typeface="+mn-ea"/>
+              </a:rPr>
+              <a:t>.</a:t>
+            </a:r>
+            <a:endParaRPr kumimoji="1" lang="ko-Kore-KR" altLang="en-US" sz="1900" dirty="0">
+              <a:latin typeface="+mn-ea"/>
+            </a:endParaRPr>
+          </a:p>
+        </p:txBody>
+      </p:sp>
+      <p:sp>
+        <p:nvSpPr>
+          <p:cNvPr id="3" name="슬라이드 번호 개체 틀 2">
+            <a:extLst>
+              <a:ext uri="{FF2B5EF4-FFF2-40B4-BE49-F238E27FC236}">
+                <a16:creationId xmlns:a16="http://schemas.microsoft.com/office/drawing/2014/main" id="{247A9D29-905B-B8BF-3F15-CBB87A41EB04}"/>
+              </a:ext>
+            </a:extLst>
+          </p:cNvPr>
+          <p:cNvSpPr>
+            <a:spLocks noGrp="1"/>
+          </p:cNvSpPr>
+          <p:nvPr>
+            <p:ph type="sldNum" sz="quarter" idx="12"/>
+          </p:nvPr>
+        </p:nvSpPr>
+        <p:spPr/>
+        <p:txBody>
+          <a:bodyPr/>
+          <a:lstStyle/>
+          <a:p>
+            <a:fld id="{B9B3F6AA-D5DF-4F06-B01A-E477E3AFDA36}" type="slidenum">
+              <a:rPr lang="ko-KR" altLang="en-US" smtClean="0"/>
+              <a:pPr/>
+              <a:t>3</a:t>
+            </a:fld>
+            <a:endParaRPr lang="ko-KR" altLang="en-US"/>
+          </a:p>
+        </p:txBody>
+      </p:sp>
       <p:pic>
         <p:nvPicPr>
-          <p:cNvPr id="6" name="그림 5" descr="텍스트, 모니터, 화면, 은색이(가) 표시된 사진&#10;&#10;자동 생성된 설명">
+          <p:cNvPr id="5" name="그림 4" descr="텍스트, 화면, 플레이어, 닫기이(가) 표시된 사진&#10;&#10;자동 생성된 설명">
             <a:extLst>
               <a:ext uri="{FF2B5EF4-FFF2-40B4-BE49-F238E27FC236}">
-                <a16:creationId xmlns:a16="http://schemas.microsoft.com/office/drawing/2014/main" id="{A33F905E-2C11-BF10-CBC4-844033D0DE4D}"/>
+                <a16:creationId xmlns:a16="http://schemas.microsoft.com/office/drawing/2014/main" id="{7B530C98-B361-2470-64AC-E9A908A1BB74}"/>
               </a:ext>
             </a:extLst>
           </p:cNvPr>
@@ -7680,73 +8134,14 @@
         </p:blipFill>
         <p:spPr>
           <a:xfrm>
-            <a:off x="242798" y="1669214"/>
-            <a:ext cx="11738890" cy="3241114"/>
+            <a:off x="286932" y="1580223"/>
+            <a:ext cx="11585650" cy="3198804"/>
           </a:xfrm>
           <a:prstGeom prst="rect">
             <a:avLst/>
           </a:prstGeom>
         </p:spPr>
       </p:pic>
-      <p:sp>
-        <p:nvSpPr>
-          <p:cNvPr id="7" name="TextBox 6">
-            <a:extLst>
-              <a:ext uri="{FF2B5EF4-FFF2-40B4-BE49-F238E27FC236}">
-                <a16:creationId xmlns:a16="http://schemas.microsoft.com/office/drawing/2014/main" id="{8A6DB511-8C07-1851-FC02-84D47BD09EBB}"/>
-              </a:ext>
-            </a:extLst>
-          </p:cNvPr>
-          <p:cNvSpPr txBox="1"/>
-          <p:nvPr/>
-        </p:nvSpPr>
-        <p:spPr>
-          <a:xfrm>
-            <a:off x="210312" y="4910328"/>
-            <a:ext cx="11738890" cy="384721"/>
-          </a:xfrm>
-          <a:prstGeom prst="rect">
-            <a:avLst/>
-          </a:prstGeom>
-          <a:noFill/>
-        </p:spPr>
-        <p:txBody>
-          <a:bodyPr wrap="square" rtlCol="0">
-            <a:spAutoFit/>
-          </a:bodyPr>
-          <a:lstStyle/>
-          <a:p>
-            <a:pPr algn="ctr"/>
-            <a:r>
-              <a:rPr kumimoji="1" lang="ko-KR" altLang="en-US" sz="1900" dirty="0">
-                <a:latin typeface="+mn-ea"/>
-              </a:rPr>
-              <a:t>위와 같은 워크플로우를 구축하여 학습 데이터셋을 만들고</a:t>
-            </a:r>
-            <a:r>
-              <a:rPr kumimoji="1" lang="en-US" altLang="ko-KR" sz="1900" dirty="0">
-                <a:latin typeface="+mn-ea"/>
-              </a:rPr>
-              <a:t>,</a:t>
-            </a:r>
-            <a:r>
-              <a:rPr kumimoji="1" lang="ko-KR" altLang="en-US" sz="1900" dirty="0">
-                <a:latin typeface="+mn-ea"/>
-              </a:rPr>
-              <a:t> 모델 학습 진행했습니다</a:t>
-            </a:r>
-            <a:r>
-              <a:rPr kumimoji="1" lang="en-US" altLang="ko-KR" sz="1900" dirty="0">
-                <a:latin typeface="+mn-ea"/>
-              </a:rPr>
-              <a:t>.</a:t>
-            </a:r>
-            <a:endParaRPr kumimoji="1" lang="ko-Kore-KR" altLang="en-US" sz="1900" dirty="0">
-              <a:latin typeface="+mn-ea"/>
-            </a:endParaRPr>
-          </a:p>
-        </p:txBody>
-      </p:sp>
     </p:spTree>
     <p:extLst>
       <p:ext uri="{BB962C8B-B14F-4D97-AF65-F5344CB8AC3E}">
@@ -8197,6 +8592,36 @@
           </a:p>
         </p:txBody>
       </p:sp>
+      <p:sp>
+        <p:nvSpPr>
+          <p:cNvPr id="3" name="슬라이드 번호 개체 틀 2">
+            <a:extLst>
+              <a:ext uri="{FF2B5EF4-FFF2-40B4-BE49-F238E27FC236}">
+                <a16:creationId xmlns:a16="http://schemas.microsoft.com/office/drawing/2014/main" id="{864D5F08-411B-2D82-7A73-2BCC352C35C8}"/>
+              </a:ext>
+            </a:extLst>
+          </p:cNvPr>
+          <p:cNvSpPr>
+            <a:spLocks noGrp="1"/>
+          </p:cNvSpPr>
+          <p:nvPr>
+            <p:ph type="sldNum" sz="quarter" idx="12"/>
+          </p:nvPr>
+        </p:nvSpPr>
+        <p:spPr/>
+        <p:txBody>
+          <a:bodyPr/>
+          <a:lstStyle/>
+          <a:p>
+            <a:fld id="{B9B3F6AA-D5DF-4F06-B01A-E477E3AFDA36}" type="slidenum">
+              <a:rPr lang="ko-KR" altLang="en-US" smtClean="0"/>
+              <a:pPr/>
+              <a:t>4</a:t>
+            </a:fld>
+            <a:endParaRPr lang="ko-KR" altLang="en-US"/>
+          </a:p>
+        </p:txBody>
+      </p:sp>
     </p:spTree>
     <p:extLst>
       <p:ext uri="{BB962C8B-B14F-4D97-AF65-F5344CB8AC3E}">
@@ -8441,6 +8866,36 @@
           </a:p>
         </p:txBody>
       </p:sp>
+      <p:sp>
+        <p:nvSpPr>
+          <p:cNvPr id="4" name="슬라이드 번호 개체 틀 3">
+            <a:extLst>
+              <a:ext uri="{FF2B5EF4-FFF2-40B4-BE49-F238E27FC236}">
+                <a16:creationId xmlns:a16="http://schemas.microsoft.com/office/drawing/2014/main" id="{156DD72E-B4D4-1635-394E-12B2B126D8FE}"/>
+              </a:ext>
+            </a:extLst>
+          </p:cNvPr>
+          <p:cNvSpPr>
+            <a:spLocks noGrp="1"/>
+          </p:cNvSpPr>
+          <p:nvPr>
+            <p:ph type="sldNum" sz="quarter" idx="12"/>
+          </p:nvPr>
+        </p:nvSpPr>
+        <p:spPr/>
+        <p:txBody>
+          <a:bodyPr/>
+          <a:lstStyle/>
+          <a:p>
+            <a:fld id="{B9B3F6AA-D5DF-4F06-B01A-E477E3AFDA36}" type="slidenum">
+              <a:rPr lang="ko-KR" altLang="en-US" smtClean="0"/>
+              <a:pPr/>
+              <a:t>5</a:t>
+            </a:fld>
+            <a:endParaRPr lang="ko-KR" altLang="en-US"/>
+          </a:p>
+        </p:txBody>
+      </p:sp>
     </p:spTree>
     <p:extLst>
       <p:ext uri="{BB962C8B-B14F-4D97-AF65-F5344CB8AC3E}">
@@ -8768,7 +9223,7 @@
           <p:nvPr/>
         </p:nvPicPr>
         <p:blipFill rotWithShape="1">
-          <a:blip r:embed="rId2">
+          <a:blip r:embed="rId3">
             <a:extLst>
               <a:ext uri="{28A0092B-C50C-407E-A947-70E740481C1C}">
                 <a14:useLocalDpi xmlns:a14="http://schemas.microsoft.com/office/drawing/2010/main" val="0"/>
@@ -8931,7 +9386,7 @@
           <p:nvPr/>
         </p:nvPicPr>
         <p:blipFill rotWithShape="1">
-          <a:blip r:embed="rId3">
+          <a:blip r:embed="rId4">
             <a:extLst>
               <a:ext uri="{28A0092B-C50C-407E-A947-70E740481C1C}">
                 <a14:useLocalDpi xmlns:a14="http://schemas.microsoft.com/office/drawing/2010/main" val="0"/>
@@ -9037,7 +9492,7 @@
           <p:nvPr/>
         </p:nvPicPr>
         <p:blipFill rotWithShape="1">
-          <a:blip r:embed="rId4">
+          <a:blip r:embed="rId5">
             <a:extLst>
               <a:ext uri="{28A0092B-C50C-407E-A947-70E740481C1C}">
                 <a14:useLocalDpi xmlns:a14="http://schemas.microsoft.com/office/drawing/2010/main" val="0"/>
@@ -9143,7 +9598,7 @@
           <p:nvPr/>
         </p:nvPicPr>
         <p:blipFill>
-          <a:blip r:embed="rId5">
+          <a:blip r:embed="rId6">
             <a:extLst>
               <a:ext uri="{28A0092B-C50C-407E-A947-70E740481C1C}">
                 <a14:useLocalDpi xmlns:a14="http://schemas.microsoft.com/office/drawing/2010/main" val="0"/>
@@ -9207,6 +9662,36 @@
             <a:endParaRPr kumimoji="1" lang="ko-Kore-KR" altLang="en-US" sz="1500" dirty="0">
               <a:latin typeface="+mn-ea"/>
             </a:endParaRPr>
+          </a:p>
+        </p:txBody>
+      </p:sp>
+      <p:sp>
+        <p:nvSpPr>
+          <p:cNvPr id="11" name="슬라이드 번호 개체 틀 10">
+            <a:extLst>
+              <a:ext uri="{FF2B5EF4-FFF2-40B4-BE49-F238E27FC236}">
+                <a16:creationId xmlns:a16="http://schemas.microsoft.com/office/drawing/2014/main" id="{6105B868-9170-6C4D-F4BE-EB288E9E05AA}"/>
+              </a:ext>
+            </a:extLst>
+          </p:cNvPr>
+          <p:cNvSpPr>
+            <a:spLocks noGrp="1"/>
+          </p:cNvSpPr>
+          <p:nvPr>
+            <p:ph type="sldNum" sz="quarter" idx="12"/>
+          </p:nvPr>
+        </p:nvSpPr>
+        <p:spPr/>
+        <p:txBody>
+          <a:bodyPr/>
+          <a:lstStyle/>
+          <a:p>
+            <a:fld id="{B9B3F6AA-D5DF-4F06-B01A-E477E3AFDA36}" type="slidenum">
+              <a:rPr lang="ko-KR" altLang="en-US" smtClean="0"/>
+              <a:pPr/>
+              <a:t>6</a:t>
+            </a:fld>
+            <a:endParaRPr lang="ko-KR" altLang="en-US"/>
           </a:p>
         </p:txBody>
       </p:sp>
@@ -9567,6 +10052,36 @@
           </a:prstGeom>
         </p:spPr>
       </p:pic>
+      <p:sp>
+        <p:nvSpPr>
+          <p:cNvPr id="2" name="슬라이드 번호 개체 틀 1">
+            <a:extLst>
+              <a:ext uri="{FF2B5EF4-FFF2-40B4-BE49-F238E27FC236}">
+                <a16:creationId xmlns:a16="http://schemas.microsoft.com/office/drawing/2014/main" id="{B8C0600C-8774-D398-954B-18FFB2924C8B}"/>
+              </a:ext>
+            </a:extLst>
+          </p:cNvPr>
+          <p:cNvSpPr>
+            <a:spLocks noGrp="1"/>
+          </p:cNvSpPr>
+          <p:nvPr>
+            <p:ph type="sldNum" sz="quarter" idx="12"/>
+          </p:nvPr>
+        </p:nvSpPr>
+        <p:spPr/>
+        <p:txBody>
+          <a:bodyPr/>
+          <a:lstStyle/>
+          <a:p>
+            <a:fld id="{B9B3F6AA-D5DF-4F06-B01A-E477E3AFDA36}" type="slidenum">
+              <a:rPr lang="ko-KR" altLang="en-US" smtClean="0"/>
+              <a:pPr/>
+              <a:t>7</a:t>
+            </a:fld>
+            <a:endParaRPr lang="ko-KR" altLang="en-US"/>
+          </a:p>
+        </p:txBody>
+      </p:sp>
     </p:spTree>
     <p:extLst>
       <p:ext uri="{BB962C8B-B14F-4D97-AF65-F5344CB8AC3E}">
@@ -10240,6 +10755,36 @@
           </a:p>
         </p:txBody>
       </p:sp>
+      <p:sp>
+        <p:nvSpPr>
+          <p:cNvPr id="10" name="슬라이드 번호 개체 틀 9">
+            <a:extLst>
+              <a:ext uri="{FF2B5EF4-FFF2-40B4-BE49-F238E27FC236}">
+                <a16:creationId xmlns:a16="http://schemas.microsoft.com/office/drawing/2014/main" id="{470C6A6F-65B8-070E-39B5-D2D38635A9F5}"/>
+              </a:ext>
+            </a:extLst>
+          </p:cNvPr>
+          <p:cNvSpPr>
+            <a:spLocks noGrp="1"/>
+          </p:cNvSpPr>
+          <p:nvPr>
+            <p:ph type="sldNum" sz="quarter" idx="12"/>
+          </p:nvPr>
+        </p:nvSpPr>
+        <p:spPr/>
+        <p:txBody>
+          <a:bodyPr/>
+          <a:lstStyle/>
+          <a:p>
+            <a:fld id="{B9B3F6AA-D5DF-4F06-B01A-E477E3AFDA36}" type="slidenum">
+              <a:rPr lang="ko-KR" altLang="en-US" smtClean="0"/>
+              <a:pPr/>
+              <a:t>8</a:t>
+            </a:fld>
+            <a:endParaRPr lang="ko-KR" altLang="en-US"/>
+          </a:p>
+        </p:txBody>
+      </p:sp>
     </p:spTree>
     <p:extLst>
       <p:ext uri="{BB962C8B-B14F-4D97-AF65-F5344CB8AC3E}">
@@ -10736,6 +11281,36 @@
           </a:prstGeom>
         </p:spPr>
       </p:pic>
+      <p:sp>
+        <p:nvSpPr>
+          <p:cNvPr id="8" name="슬라이드 번호 개체 틀 7">
+            <a:extLst>
+              <a:ext uri="{FF2B5EF4-FFF2-40B4-BE49-F238E27FC236}">
+                <a16:creationId xmlns:a16="http://schemas.microsoft.com/office/drawing/2014/main" id="{EFB734F6-E238-56B2-468C-A38806FB6957}"/>
+              </a:ext>
+            </a:extLst>
+          </p:cNvPr>
+          <p:cNvSpPr>
+            <a:spLocks noGrp="1"/>
+          </p:cNvSpPr>
+          <p:nvPr>
+            <p:ph type="sldNum" sz="quarter" idx="12"/>
+          </p:nvPr>
+        </p:nvSpPr>
+        <p:spPr/>
+        <p:txBody>
+          <a:bodyPr/>
+          <a:lstStyle/>
+          <a:p>
+            <a:fld id="{B9B3F6AA-D5DF-4F06-B01A-E477E3AFDA36}" type="slidenum">
+              <a:rPr lang="ko-KR" altLang="en-US" smtClean="0"/>
+              <a:pPr/>
+              <a:t>9</a:t>
+            </a:fld>
+            <a:endParaRPr lang="ko-KR" altLang="en-US"/>
+          </a:p>
+        </p:txBody>
+      </p:sp>
     </p:spTree>
     <p:extLst>
       <p:ext uri="{BB962C8B-B14F-4D97-AF65-F5344CB8AC3E}">
